--- a/חומר עזר לפרויקט/project_A.pptx
+++ b/חומר עזר לפרויקט/project_A.pptx
@@ -6,37 +6,43 @@
     <p:sldMasterId id="2147483660" r:id="rId2"/>
   </p:sldMasterIdLst>
   <p:notesMasterIdLst>
-    <p:notesMasterId r:id="rId28"/>
+    <p:notesMasterId r:id="rId34"/>
   </p:notesMasterIdLst>
   <p:handoutMasterIdLst>
-    <p:handoutMasterId r:id="rId29"/>
+    <p:handoutMasterId r:id="rId35"/>
   </p:handoutMasterIdLst>
   <p:sldIdLst>
     <p:sldId id="257" r:id="rId3"/>
-    <p:sldId id="259" r:id="rId4"/>
-    <p:sldId id="260" r:id="rId5"/>
-    <p:sldId id="261" r:id="rId6"/>
-    <p:sldId id="269" r:id="rId7"/>
-    <p:sldId id="271" r:id="rId8"/>
-    <p:sldId id="262" r:id="rId9"/>
-    <p:sldId id="268" r:id="rId10"/>
-    <p:sldId id="272" r:id="rId11"/>
-    <p:sldId id="266" r:id="rId12"/>
-    <p:sldId id="267" r:id="rId13"/>
-    <p:sldId id="273" r:id="rId14"/>
-    <p:sldId id="274" r:id="rId15"/>
-    <p:sldId id="275" r:id="rId16"/>
-    <p:sldId id="276" r:id="rId17"/>
-    <p:sldId id="277" r:id="rId18"/>
-    <p:sldId id="278" r:id="rId19"/>
-    <p:sldId id="279" r:id="rId20"/>
-    <p:sldId id="280" r:id="rId21"/>
-    <p:sldId id="281" r:id="rId22"/>
-    <p:sldId id="282" r:id="rId23"/>
-    <p:sldId id="264" r:id="rId24"/>
-    <p:sldId id="283" r:id="rId25"/>
-    <p:sldId id="284" r:id="rId26"/>
-    <p:sldId id="265" r:id="rId27"/>
+    <p:sldId id="286" r:id="rId4"/>
+    <p:sldId id="285" r:id="rId5"/>
+    <p:sldId id="287" r:id="rId6"/>
+    <p:sldId id="288" r:id="rId7"/>
+    <p:sldId id="261" r:id="rId8"/>
+    <p:sldId id="289" r:id="rId9"/>
+    <p:sldId id="271" r:id="rId10"/>
+    <p:sldId id="269" r:id="rId11"/>
+    <p:sldId id="260" r:id="rId12"/>
+    <p:sldId id="290" r:id="rId13"/>
+    <p:sldId id="291" r:id="rId14"/>
+    <p:sldId id="262" r:id="rId15"/>
+    <p:sldId id="268" r:id="rId16"/>
+    <p:sldId id="272" r:id="rId17"/>
+    <p:sldId id="266" r:id="rId18"/>
+    <p:sldId id="267" r:id="rId19"/>
+    <p:sldId id="273" r:id="rId20"/>
+    <p:sldId id="274" r:id="rId21"/>
+    <p:sldId id="275" r:id="rId22"/>
+    <p:sldId id="276" r:id="rId23"/>
+    <p:sldId id="277" r:id="rId24"/>
+    <p:sldId id="278" r:id="rId25"/>
+    <p:sldId id="279" r:id="rId26"/>
+    <p:sldId id="280" r:id="rId27"/>
+    <p:sldId id="281" r:id="rId28"/>
+    <p:sldId id="282" r:id="rId29"/>
+    <p:sldId id="264" r:id="rId30"/>
+    <p:sldId id="283" r:id="rId31"/>
+    <p:sldId id="284" r:id="rId32"/>
+    <p:sldId id="265" r:id="rId33"/>
   </p:sldIdLst>
   <p:sldSz cx="12192000" cy="6858000"/>
   <p:notesSz cx="6858000" cy="9144000"/>
@@ -146,7 +152,7 @@
 <file path=ppt/revisionInfo.xml><?xml version="1.0" encoding="utf-8"?>
 <p1510:revInfo xmlns:a="http://schemas.openxmlformats.org/drawingml/2006/main" xmlns:r="http://schemas.openxmlformats.org/officeDocument/2006/relationships" xmlns:p1510="http://schemas.microsoft.com/office/powerpoint/2015/10/main">
   <p1510:revLst>
-    <p1510:client id="{31FC8F9D-D0F9-4942-8C79-E58799FCB583}" v="95" dt="2021-11-04T21:05:18.081"/>
+    <p1510:client id="{31FC8F9D-D0F9-4942-8C79-E58799FCB583}" v="102" dt="2021-11-08T17:05:34.294"/>
   </p1510:revLst>
 </p1510:revInfo>
 </file>
@@ -156,7 +162,7 @@
   <pc:docChgLst>
     <pc:chgData name="Hodaya Cohen-Adiv" userId="54baf416-17b2-44b0-8eaa-f32867a20369" providerId="ADAL" clId="{31FC8F9D-D0F9-4942-8C79-E58799FCB583}"/>
     <pc:docChg chg="undo custSel addSld delSld modSld sldOrd addMainMaster delMainMaster modMainMaster">
-      <pc:chgData name="Hodaya Cohen-Adiv" userId="54baf416-17b2-44b0-8eaa-f32867a20369" providerId="ADAL" clId="{31FC8F9D-D0F9-4942-8C79-E58799FCB583}" dt="2021-11-04T21:14:27.663" v="11457" actId="20577"/>
+      <pc:chgData name="Hodaya Cohen-Adiv" userId="54baf416-17b2-44b0-8eaa-f32867a20369" providerId="ADAL" clId="{31FC8F9D-D0F9-4942-8C79-E58799FCB583}" dt="2021-11-08T17:07:12.277" v="14525" actId="2696"/>
       <pc:docMkLst>
         <pc:docMk/>
       </pc:docMkLst>
@@ -247,8 +253,8 @@
           </ac:picMkLst>
         </pc:picChg>
       </pc:sldChg>
-      <pc:sldChg chg="modSp add del mod">
-        <pc:chgData name="Hodaya Cohen-Adiv" userId="54baf416-17b2-44b0-8eaa-f32867a20369" providerId="ADAL" clId="{31FC8F9D-D0F9-4942-8C79-E58799FCB583}" dt="2021-11-04T07:57:44.598" v="2737" actId="20577"/>
+      <pc:sldChg chg="modSp add del mod modNotesTx">
+        <pc:chgData name="Hodaya Cohen-Adiv" userId="54baf416-17b2-44b0-8eaa-f32867a20369" providerId="ADAL" clId="{31FC8F9D-D0F9-4942-8C79-E58799FCB583}" dt="2021-11-08T16:01:34.786" v="14144" actId="20577"/>
         <pc:sldMkLst>
           <pc:docMk/>
           <pc:sldMk cId="1278937502" sldId="257"/>
@@ -341,8 +347,8 @@
           </ac:picMkLst>
         </pc:picChg>
       </pc:sldChg>
-      <pc:sldChg chg="addSp delSp modSp new mod ord modShow">
-        <pc:chgData name="Hodaya Cohen-Adiv" userId="54baf416-17b2-44b0-8eaa-f32867a20369" providerId="ADAL" clId="{31FC8F9D-D0F9-4942-8C79-E58799FCB583}" dt="2021-10-28T13:27:49.421" v="2261" actId="729"/>
+      <pc:sldChg chg="addSp delSp modSp new del mod ord modShow">
+        <pc:chgData name="Hodaya Cohen-Adiv" userId="54baf416-17b2-44b0-8eaa-f32867a20369" providerId="ADAL" clId="{31FC8F9D-D0F9-4942-8C79-E58799FCB583}" dt="2021-11-08T17:07:12.277" v="14525" actId="2696"/>
         <pc:sldMkLst>
           <pc:docMk/>
           <pc:sldMk cId="4230339320" sldId="259"/>
@@ -372,8 +378,8 @@
           </ac:spMkLst>
         </pc:spChg>
       </pc:sldChg>
-      <pc:sldChg chg="addSp delSp modSp new mod setBg chgLayout">
-        <pc:chgData name="Hodaya Cohen-Adiv" userId="54baf416-17b2-44b0-8eaa-f32867a20369" providerId="ADAL" clId="{31FC8F9D-D0F9-4942-8C79-E58799FCB583}" dt="2021-11-04T18:07:12.186" v="10337" actId="255"/>
+      <pc:sldChg chg="addSp delSp modSp new mod ord setBg chgLayout modNotesTx">
+        <pc:chgData name="Hodaya Cohen-Adiv" userId="54baf416-17b2-44b0-8eaa-f32867a20369" providerId="ADAL" clId="{31FC8F9D-D0F9-4942-8C79-E58799FCB583}" dt="2021-11-08T17:02:55.107" v="14449"/>
         <pc:sldMkLst>
           <pc:docMk/>
           <pc:sldMk cId="4153337668" sldId="260"/>
@@ -587,8 +593,8 @@
           </ac:grpSpMkLst>
         </pc:grpChg>
       </pc:sldChg>
-      <pc:sldChg chg="addSp delSp modSp new mod setBg chgLayout modNotesTx">
-        <pc:chgData name="Hodaya Cohen-Adiv" userId="54baf416-17b2-44b0-8eaa-f32867a20369" providerId="ADAL" clId="{31FC8F9D-D0F9-4942-8C79-E58799FCB583}" dt="2021-11-04T18:06:17.228" v="10330" actId="1076"/>
+      <pc:sldChg chg="addSp delSp modSp new mod ord setBg chgLayout modNotesTx">
+        <pc:chgData name="Hodaya Cohen-Adiv" userId="54baf416-17b2-44b0-8eaa-f32867a20369" providerId="ADAL" clId="{31FC8F9D-D0F9-4942-8C79-E58799FCB583}" dt="2021-11-08T17:01:47.668" v="14408"/>
         <pc:sldMkLst>
           <pc:docMk/>
           <pc:sldMk cId="1408261515" sldId="261"/>
@@ -903,13 +909,13 @@
         </pc:spChg>
       </pc:sldChg>
       <pc:sldChg chg="addSp delSp modSp add mod ord setBg chgLayout modNotesTx">
-        <pc:chgData name="Hodaya Cohen-Adiv" userId="54baf416-17b2-44b0-8eaa-f32867a20369" providerId="ADAL" clId="{31FC8F9D-D0F9-4942-8C79-E58799FCB583}" dt="2021-11-04T18:17:45.510" v="10411" actId="20577"/>
+        <pc:chgData name="Hodaya Cohen-Adiv" userId="54baf416-17b2-44b0-8eaa-f32867a20369" providerId="ADAL" clId="{31FC8F9D-D0F9-4942-8C79-E58799FCB583}" dt="2021-11-08T16:45:29.843" v="14212" actId="26606"/>
         <pc:sldMkLst>
           <pc:docMk/>
           <pc:sldMk cId="3821308952" sldId="266"/>
         </pc:sldMkLst>
         <pc:spChg chg="mod ord">
-          <ac:chgData name="Hodaya Cohen-Adiv" userId="54baf416-17b2-44b0-8eaa-f32867a20369" providerId="ADAL" clId="{31FC8F9D-D0F9-4942-8C79-E58799FCB583}" dt="2021-11-04T18:10:13.059" v="10348" actId="113"/>
+          <ac:chgData name="Hodaya Cohen-Adiv" userId="54baf416-17b2-44b0-8eaa-f32867a20369" providerId="ADAL" clId="{31FC8F9D-D0F9-4942-8C79-E58799FCB583}" dt="2021-11-08T16:45:29.843" v="14212" actId="26606"/>
           <ac:spMkLst>
             <pc:docMk/>
             <pc:sldMk cId="3821308952" sldId="266"/>
@@ -933,11 +939,19 @@
           </ac:spMkLst>
         </pc:spChg>
         <pc:spChg chg="add mod ord">
-          <ac:chgData name="Hodaya Cohen-Adiv" userId="54baf416-17b2-44b0-8eaa-f32867a20369" providerId="ADAL" clId="{31FC8F9D-D0F9-4942-8C79-E58799FCB583}" dt="2021-11-04T18:17:45.510" v="10411" actId="20577"/>
+          <ac:chgData name="Hodaya Cohen-Adiv" userId="54baf416-17b2-44b0-8eaa-f32867a20369" providerId="ADAL" clId="{31FC8F9D-D0F9-4942-8C79-E58799FCB583}" dt="2021-11-08T16:45:29.843" v="14212" actId="26606"/>
           <ac:spMkLst>
             <pc:docMk/>
             <pc:sldMk cId="3821308952" sldId="266"/>
             <ac:spMk id="6" creationId="{C778DE2C-6334-43CB-A106-325E2994739F}"/>
+          </ac:spMkLst>
+        </pc:spChg>
+        <pc:spChg chg="add">
+          <ac:chgData name="Hodaya Cohen-Adiv" userId="54baf416-17b2-44b0-8eaa-f32867a20369" providerId="ADAL" clId="{31FC8F9D-D0F9-4942-8C79-E58799FCB583}" dt="2021-11-08T16:45:29.843" v="14212" actId="26606"/>
+          <ac:spMkLst>
+            <pc:docMk/>
+            <pc:sldMk cId="3821308952" sldId="266"/>
+            <ac:spMk id="10" creationId="{201CC55D-ED54-4C5C-95E6-10947BD1103B}"/>
           </ac:spMkLst>
         </pc:spChg>
         <pc:spChg chg="add del">
@@ -956,6 +970,38 @@
             <ac:spMk id="15" creationId="{72F84B47-E267-4194-8194-831DB7B5547F}"/>
           </ac:spMkLst>
         </pc:spChg>
+        <pc:spChg chg="add">
+          <ac:chgData name="Hodaya Cohen-Adiv" userId="54baf416-17b2-44b0-8eaa-f32867a20369" providerId="ADAL" clId="{31FC8F9D-D0F9-4942-8C79-E58799FCB583}" dt="2021-11-08T16:45:29.843" v="14212" actId="26606"/>
+          <ac:spMkLst>
+            <pc:docMk/>
+            <pc:sldMk cId="3821308952" sldId="266"/>
+            <ac:spMk id="19" creationId="{3873B707-463F-40B0-8227-E8CC6C67EB25}"/>
+          </ac:spMkLst>
+        </pc:spChg>
+        <pc:spChg chg="add">
+          <ac:chgData name="Hodaya Cohen-Adiv" userId="54baf416-17b2-44b0-8eaa-f32867a20369" providerId="ADAL" clId="{31FC8F9D-D0F9-4942-8C79-E58799FCB583}" dt="2021-11-08T16:45:29.843" v="14212" actId="26606"/>
+          <ac:spMkLst>
+            <pc:docMk/>
+            <pc:sldMk cId="3821308952" sldId="266"/>
+            <ac:spMk id="21" creationId="{C13237C8-E62C-4F0D-A318-BD6FB6C2D138}"/>
+          </ac:spMkLst>
+        </pc:spChg>
+        <pc:spChg chg="add">
+          <ac:chgData name="Hodaya Cohen-Adiv" userId="54baf416-17b2-44b0-8eaa-f32867a20369" providerId="ADAL" clId="{31FC8F9D-D0F9-4942-8C79-E58799FCB583}" dt="2021-11-08T16:45:29.843" v="14212" actId="26606"/>
+          <ac:spMkLst>
+            <pc:docMk/>
+            <pc:sldMk cId="3821308952" sldId="266"/>
+            <ac:spMk id="23" creationId="{19C9EAEA-39D0-4B0E-A0EB-51E7B26740B1}"/>
+          </ac:spMkLst>
+        </pc:spChg>
+        <pc:grpChg chg="add">
+          <ac:chgData name="Hodaya Cohen-Adiv" userId="54baf416-17b2-44b0-8eaa-f32867a20369" providerId="ADAL" clId="{31FC8F9D-D0F9-4942-8C79-E58799FCB583}" dt="2021-11-08T16:45:29.843" v="14212" actId="26606"/>
+          <ac:grpSpMkLst>
+            <pc:docMk/>
+            <pc:sldMk cId="3821308952" sldId="266"/>
+            <ac:grpSpMk id="11" creationId="{1DE889C7-FAD6-4397-98E2-05D503484459}"/>
+          </ac:grpSpMkLst>
+        </pc:grpChg>
         <pc:picChg chg="del">
           <ac:chgData name="Hodaya Cohen-Adiv" userId="54baf416-17b2-44b0-8eaa-f32867a20369" providerId="ADAL" clId="{31FC8F9D-D0F9-4942-8C79-E58799FCB583}" dt="2021-10-28T08:26:55.374" v="1450" actId="478"/>
           <ac:picMkLst>
@@ -965,7 +1011,7 @@
           </ac:picMkLst>
         </pc:picChg>
         <pc:picChg chg="add mod">
-          <ac:chgData name="Hodaya Cohen-Adiv" userId="54baf416-17b2-44b0-8eaa-f32867a20369" providerId="ADAL" clId="{31FC8F9D-D0F9-4942-8C79-E58799FCB583}" dt="2021-11-04T13:18:34.289" v="6609" actId="14100"/>
+          <ac:chgData name="Hodaya Cohen-Adiv" userId="54baf416-17b2-44b0-8eaa-f32867a20369" providerId="ADAL" clId="{31FC8F9D-D0F9-4942-8C79-E58799FCB583}" dt="2021-11-08T16:45:29.843" v="14212" actId="26606"/>
           <ac:picMkLst>
             <pc:docMk/>
             <pc:sldMk cId="3821308952" sldId="266"/>
@@ -1133,13 +1179,13 @@
         </pc:picChg>
       </pc:sldChg>
       <pc:sldChg chg="addSp delSp modSp add mod ord setBg setClrOvrMap chgLayout modNotesTx">
-        <pc:chgData name="Hodaya Cohen-Adiv" userId="54baf416-17b2-44b0-8eaa-f32867a20369" providerId="ADAL" clId="{31FC8F9D-D0F9-4942-8C79-E58799FCB583}" dt="2021-11-04T12:34:22.111" v="5539" actId="20577"/>
+        <pc:chgData name="Hodaya Cohen-Adiv" userId="54baf416-17b2-44b0-8eaa-f32867a20369" providerId="ADAL" clId="{31FC8F9D-D0F9-4942-8C79-E58799FCB583}" dt="2021-11-08T16:44:56.576" v="14211" actId="26606"/>
         <pc:sldMkLst>
           <pc:docMk/>
           <pc:sldMk cId="2462817751" sldId="268"/>
         </pc:sldMkLst>
         <pc:spChg chg="mod ord">
-          <ac:chgData name="Hodaya Cohen-Adiv" userId="54baf416-17b2-44b0-8eaa-f32867a20369" providerId="ADAL" clId="{31FC8F9D-D0F9-4942-8C79-E58799FCB583}" dt="2021-11-04T12:29:02.152" v="5213" actId="26606"/>
+          <ac:chgData name="Hodaya Cohen-Adiv" userId="54baf416-17b2-44b0-8eaa-f32867a20369" providerId="ADAL" clId="{31FC8F9D-D0F9-4942-8C79-E58799FCB583}" dt="2021-11-08T16:44:56.576" v="14211" actId="26606"/>
           <ac:spMkLst>
             <pc:docMk/>
             <pc:sldMk cId="2462817751" sldId="268"/>
@@ -1155,7 +1201,7 @@
           </ac:spMkLst>
         </pc:spChg>
         <pc:spChg chg="add del mod ord">
-          <ac:chgData name="Hodaya Cohen-Adiv" userId="54baf416-17b2-44b0-8eaa-f32867a20369" providerId="ADAL" clId="{31FC8F9D-D0F9-4942-8C79-E58799FCB583}" dt="2021-11-04T12:29:04.389" v="5214" actId="14100"/>
+          <ac:chgData name="Hodaya Cohen-Adiv" userId="54baf416-17b2-44b0-8eaa-f32867a20369" providerId="ADAL" clId="{31FC8F9D-D0F9-4942-8C79-E58799FCB583}" dt="2021-11-08T16:44:56.576" v="14211" actId="26606"/>
           <ac:spMkLst>
             <pc:docMk/>
             <pc:sldMk cId="2462817751" sldId="268"/>
@@ -1243,6 +1289,22 @@
           </ac:spMkLst>
         </pc:spChg>
         <pc:spChg chg="add del">
+          <ac:chgData name="Hodaya Cohen-Adiv" userId="54baf416-17b2-44b0-8eaa-f32867a20369" providerId="ADAL" clId="{31FC8F9D-D0F9-4942-8C79-E58799FCB583}" dt="2021-11-08T16:44:56.479" v="14210" actId="26606"/>
+          <ac:spMkLst>
+            <pc:docMk/>
+            <pc:sldMk cId="2462817751" sldId="268"/>
+            <ac:spMk id="30" creationId="{1D63C574-BFD2-41A1-A567-B0C3CC7FDD4F}"/>
+          </ac:spMkLst>
+        </pc:spChg>
+        <pc:spChg chg="add del">
+          <ac:chgData name="Hodaya Cohen-Adiv" userId="54baf416-17b2-44b0-8eaa-f32867a20369" providerId="ADAL" clId="{31FC8F9D-D0F9-4942-8C79-E58799FCB583}" dt="2021-11-08T16:44:56.479" v="14210" actId="26606"/>
+          <ac:spMkLst>
+            <pc:docMk/>
+            <pc:sldMk cId="2462817751" sldId="268"/>
+            <ac:spMk id="31" creationId="{E2A46BAB-8C31-42B2-90E8-B26DD3E81D37}"/>
+          </ac:spMkLst>
+        </pc:spChg>
+        <pc:spChg chg="add del">
           <ac:chgData name="Hodaya Cohen-Adiv" userId="54baf416-17b2-44b0-8eaa-f32867a20369" providerId="ADAL" clId="{31FC8F9D-D0F9-4942-8C79-E58799FCB583}" dt="2021-11-04T12:28:00.727" v="5181" actId="26606"/>
           <ac:spMkLst>
             <pc:docMk/>
@@ -1266,6 +1328,38 @@
             <ac:spMk id="39" creationId="{3A5B4632-C963-4296-86F0-79AA9EA5AE98}"/>
           </ac:spMkLst>
         </pc:spChg>
+        <pc:spChg chg="add">
+          <ac:chgData name="Hodaya Cohen-Adiv" userId="54baf416-17b2-44b0-8eaa-f32867a20369" providerId="ADAL" clId="{31FC8F9D-D0F9-4942-8C79-E58799FCB583}" dt="2021-11-08T16:44:56.576" v="14211" actId="26606"/>
+          <ac:spMkLst>
+            <pc:docMk/>
+            <pc:sldMk cId="2462817751" sldId="268"/>
+            <ac:spMk id="45" creationId="{BACC6370-2D7E-4714-9D71-7542949D7D5D}"/>
+          </ac:spMkLst>
+        </pc:spChg>
+        <pc:spChg chg="add">
+          <ac:chgData name="Hodaya Cohen-Adiv" userId="54baf416-17b2-44b0-8eaa-f32867a20369" providerId="ADAL" clId="{31FC8F9D-D0F9-4942-8C79-E58799FCB583}" dt="2021-11-08T16:44:56.576" v="14211" actId="26606"/>
+          <ac:spMkLst>
+            <pc:docMk/>
+            <pc:sldMk cId="2462817751" sldId="268"/>
+            <ac:spMk id="46" creationId="{F68B3F68-107C-434F-AA38-110D5EA91B85}"/>
+          </ac:spMkLst>
+        </pc:spChg>
+        <pc:spChg chg="add">
+          <ac:chgData name="Hodaya Cohen-Adiv" userId="54baf416-17b2-44b0-8eaa-f32867a20369" providerId="ADAL" clId="{31FC8F9D-D0F9-4942-8C79-E58799FCB583}" dt="2021-11-08T16:44:56.576" v="14211" actId="26606"/>
+          <ac:spMkLst>
+            <pc:docMk/>
+            <pc:sldMk cId="2462817751" sldId="268"/>
+            <ac:spMk id="47" creationId="{AAD0DBB9-1A4B-4391-81D4-CB19F9AB918A}"/>
+          </ac:spMkLst>
+        </pc:spChg>
+        <pc:spChg chg="add">
+          <ac:chgData name="Hodaya Cohen-Adiv" userId="54baf416-17b2-44b0-8eaa-f32867a20369" providerId="ADAL" clId="{31FC8F9D-D0F9-4942-8C79-E58799FCB583}" dt="2021-11-08T16:44:56.576" v="14211" actId="26606"/>
+          <ac:spMkLst>
+            <pc:docMk/>
+            <pc:sldMk cId="2462817751" sldId="268"/>
+            <ac:spMk id="48" creationId="{063BBA22-50EA-4C4D-BE05-F1CE4E63AA56}"/>
+          </ac:spMkLst>
+        </pc:spChg>
         <pc:grpChg chg="add del">
           <ac:chgData name="Hodaya Cohen-Adiv" userId="54baf416-17b2-44b0-8eaa-f32867a20369" providerId="ADAL" clId="{31FC8F9D-D0F9-4942-8C79-E58799FCB583}" dt="2021-11-04T12:27:57.388" v="5179" actId="26606"/>
           <ac:grpSpMkLst>
@@ -1282,6 +1376,22 @@
             <ac:grpSpMk id="29" creationId="{B3F7A3C7-0737-4E57-B30E-8EEFE638B401}"/>
           </ac:grpSpMkLst>
         </pc:grpChg>
+        <pc:grpChg chg="add del">
+          <ac:chgData name="Hodaya Cohen-Adiv" userId="54baf416-17b2-44b0-8eaa-f32867a20369" providerId="ADAL" clId="{31FC8F9D-D0F9-4942-8C79-E58799FCB583}" dt="2021-11-08T16:44:56.479" v="14210" actId="26606"/>
+          <ac:grpSpMkLst>
+            <pc:docMk/>
+            <pc:sldMk cId="2462817751" sldId="268"/>
+            <ac:grpSpMk id="33" creationId="{B3F7A3C7-0737-4E57-B30E-8EEFE638B401}"/>
+          </ac:grpSpMkLst>
+        </pc:grpChg>
+        <pc:grpChg chg="add del">
+          <ac:chgData name="Hodaya Cohen-Adiv" userId="54baf416-17b2-44b0-8eaa-f32867a20369" providerId="ADAL" clId="{31FC8F9D-D0F9-4942-8C79-E58799FCB583}" dt="2021-11-08T16:44:56.479" v="14210" actId="26606"/>
+          <ac:grpSpMkLst>
+            <pc:docMk/>
+            <pc:sldMk cId="2462817751" sldId="268"/>
+            <ac:grpSpMk id="42" creationId="{43F5E015-E085-4624-B431-B42414448684}"/>
+          </ac:grpSpMkLst>
+        </pc:grpChg>
         <pc:graphicFrameChg chg="add del">
           <ac:chgData name="Hodaya Cohen-Adiv" userId="54baf416-17b2-44b0-8eaa-f32867a20369" providerId="ADAL" clId="{31FC8F9D-D0F9-4942-8C79-E58799FCB583}" dt="2021-11-04T12:27:50.411" v="5177" actId="26606"/>
           <ac:graphicFrameMkLst>
@@ -1306,6 +1416,22 @@
             <ac:graphicFrameMk id="40" creationId="{92358A6A-883A-4538-8E4D-2671A8F991B3}"/>
           </ac:graphicFrameMkLst>
         </pc:graphicFrameChg>
+        <pc:graphicFrameChg chg="add del">
+          <ac:chgData name="Hodaya Cohen-Adiv" userId="54baf416-17b2-44b0-8eaa-f32867a20369" providerId="ADAL" clId="{31FC8F9D-D0F9-4942-8C79-E58799FCB583}" dt="2021-11-08T16:44:56.479" v="14210" actId="26606"/>
+          <ac:graphicFrameMkLst>
+            <pc:docMk/>
+            <pc:sldMk cId="2462817751" sldId="268"/>
+            <ac:graphicFrameMk id="43" creationId="{835AF2C0-215B-4495-BF48-640FF0859197}"/>
+          </ac:graphicFrameMkLst>
+        </pc:graphicFrameChg>
+        <pc:graphicFrameChg chg="add">
+          <ac:chgData name="Hodaya Cohen-Adiv" userId="54baf416-17b2-44b0-8eaa-f32867a20369" providerId="ADAL" clId="{31FC8F9D-D0F9-4942-8C79-E58799FCB583}" dt="2021-11-08T16:44:56.576" v="14211" actId="26606"/>
+          <ac:graphicFrameMkLst>
+            <pc:docMk/>
+            <pc:sldMk cId="2462817751" sldId="268"/>
+            <ac:graphicFrameMk id="49" creationId="{AE7C6EB2-533F-4DE9-832C-597B3E8043C5}"/>
+          </ac:graphicFrameMkLst>
+        </pc:graphicFrameChg>
         <pc:picChg chg="add del mod">
           <ac:chgData name="Hodaya Cohen-Adiv" userId="54baf416-17b2-44b0-8eaa-f32867a20369" providerId="ADAL" clId="{31FC8F9D-D0F9-4942-8C79-E58799FCB583}" dt="2021-11-04T12:26:31.063" v="5078" actId="478"/>
           <ac:picMkLst>
@@ -1347,8 +1473,8 @@
           </ac:cxnSpMkLst>
         </pc:cxnChg>
       </pc:sldChg>
-      <pc:sldChg chg="addSp modSp add mod modNotesTx">
-        <pc:chgData name="Hodaya Cohen-Adiv" userId="54baf416-17b2-44b0-8eaa-f32867a20369" providerId="ADAL" clId="{31FC8F9D-D0F9-4942-8C79-E58799FCB583}" dt="2021-11-04T18:06:45.328" v="10335" actId="404"/>
+      <pc:sldChg chg="addSp modSp add mod ord modNotesTx">
+        <pc:chgData name="Hodaya Cohen-Adiv" userId="54baf416-17b2-44b0-8eaa-f32867a20369" providerId="ADAL" clId="{31FC8F9D-D0F9-4942-8C79-E58799FCB583}" dt="2021-11-08T16:57:31.307" v="14395"/>
         <pc:sldMkLst>
           <pc:docMk/>
           <pc:sldMk cId="2701703745" sldId="269"/>
@@ -1393,8 +1519,8 @@
           </ac:spMkLst>
         </pc:spChg>
       </pc:sldChg>
-      <pc:sldChg chg="addSp delSp modSp add mod">
-        <pc:chgData name="Hodaya Cohen-Adiv" userId="54baf416-17b2-44b0-8eaa-f32867a20369" providerId="ADAL" clId="{31FC8F9D-D0F9-4942-8C79-E58799FCB583}" dt="2021-11-04T08:41:56.548" v="4161" actId="1036"/>
+      <pc:sldChg chg="addSp delSp modSp add mod ord">
+        <pc:chgData name="Hodaya Cohen-Adiv" userId="54baf416-17b2-44b0-8eaa-f32867a20369" providerId="ADAL" clId="{31FC8F9D-D0F9-4942-8C79-E58799FCB583}" dt="2021-11-08T17:04:25.703" v="14476"/>
         <pc:sldMkLst>
           <pc:docMk/>
           <pc:sldMk cId="1595074511" sldId="271"/>
@@ -1432,12 +1558,20 @@
           </ac:picMkLst>
         </pc:picChg>
       </pc:sldChg>
-      <pc:sldChg chg="delSp modSp add mod">
-        <pc:chgData name="Hodaya Cohen-Adiv" userId="54baf416-17b2-44b0-8eaa-f32867a20369" providerId="ADAL" clId="{31FC8F9D-D0F9-4942-8C79-E58799FCB583}" dt="2021-11-04T12:26:25.757" v="5077" actId="1076"/>
+      <pc:sldChg chg="addSp delSp modSp add mod setBg">
+        <pc:chgData name="Hodaya Cohen-Adiv" userId="54baf416-17b2-44b0-8eaa-f32867a20369" providerId="ADAL" clId="{31FC8F9D-D0F9-4942-8C79-E58799FCB583}" dt="2021-11-08T16:48:16.966" v="14215" actId="26606"/>
         <pc:sldMkLst>
           <pc:docMk/>
           <pc:sldMk cId="2505620064" sldId="272"/>
         </pc:sldMkLst>
+        <pc:spChg chg="mod">
+          <ac:chgData name="Hodaya Cohen-Adiv" userId="54baf416-17b2-44b0-8eaa-f32867a20369" providerId="ADAL" clId="{31FC8F9D-D0F9-4942-8C79-E58799FCB583}" dt="2021-11-08T16:48:16.966" v="14215" actId="26606"/>
+          <ac:spMkLst>
+            <pc:docMk/>
+            <pc:sldMk cId="2505620064" sldId="272"/>
+            <ac:spMk id="2" creationId="{8A89DB29-573A-4FA8-BC7D-7A78F7A84C6B}"/>
+          </ac:spMkLst>
+        </pc:spChg>
         <pc:spChg chg="del">
           <ac:chgData name="Hodaya Cohen-Adiv" userId="54baf416-17b2-44b0-8eaa-f32867a20369" providerId="ADAL" clId="{31FC8F9D-D0F9-4942-8C79-E58799FCB583}" dt="2021-11-04T12:25:50.515" v="5071" actId="478"/>
           <ac:spMkLst>
@@ -1446,8 +1580,48 @@
             <ac:spMk id="6" creationId="{C778DE2C-6334-43CB-A106-325E2994739F}"/>
           </ac:spMkLst>
         </pc:spChg>
+        <pc:spChg chg="add del">
+          <ac:chgData name="Hodaya Cohen-Adiv" userId="54baf416-17b2-44b0-8eaa-f32867a20369" providerId="ADAL" clId="{31FC8F9D-D0F9-4942-8C79-E58799FCB583}" dt="2021-11-08T16:48:16.952" v="14214" actId="26606"/>
+          <ac:spMkLst>
+            <pc:docMk/>
+            <pc:sldMk cId="2505620064" sldId="272"/>
+            <ac:spMk id="10" creationId="{47942995-B07F-4636-9A06-C6A104B260A8}"/>
+          </ac:spMkLst>
+        </pc:spChg>
+        <pc:spChg chg="add del">
+          <ac:chgData name="Hodaya Cohen-Adiv" userId="54baf416-17b2-44b0-8eaa-f32867a20369" providerId="ADAL" clId="{31FC8F9D-D0F9-4942-8C79-E58799FCB583}" dt="2021-11-08T16:48:16.952" v="14214" actId="26606"/>
+          <ac:spMkLst>
+            <pc:docMk/>
+            <pc:sldMk cId="2505620064" sldId="272"/>
+            <ac:spMk id="17" creationId="{B81933D1-5615-42C7-9C0B-4EB7105CCE2D}"/>
+          </ac:spMkLst>
+        </pc:spChg>
+        <pc:spChg chg="add del">
+          <ac:chgData name="Hodaya Cohen-Adiv" userId="54baf416-17b2-44b0-8eaa-f32867a20369" providerId="ADAL" clId="{31FC8F9D-D0F9-4942-8C79-E58799FCB583}" dt="2021-11-08T16:48:16.952" v="14214" actId="26606"/>
+          <ac:spMkLst>
+            <pc:docMk/>
+            <pc:sldMk cId="2505620064" sldId="272"/>
+            <ac:spMk id="19" creationId="{19C9EAEA-39D0-4B0E-A0EB-51E7B26740B1}"/>
+          </ac:spMkLst>
+        </pc:spChg>
+        <pc:spChg chg="add">
+          <ac:chgData name="Hodaya Cohen-Adiv" userId="54baf416-17b2-44b0-8eaa-f32867a20369" providerId="ADAL" clId="{31FC8F9D-D0F9-4942-8C79-E58799FCB583}" dt="2021-11-08T16:48:16.966" v="14215" actId="26606"/>
+          <ac:spMkLst>
+            <pc:docMk/>
+            <pc:sldMk cId="2505620064" sldId="272"/>
+            <ac:spMk id="21" creationId="{53F29798-D584-4792-9B62-3F5F5C36D619}"/>
+          </ac:spMkLst>
+        </pc:spChg>
+        <pc:grpChg chg="add del">
+          <ac:chgData name="Hodaya Cohen-Adiv" userId="54baf416-17b2-44b0-8eaa-f32867a20369" providerId="ADAL" clId="{31FC8F9D-D0F9-4942-8C79-E58799FCB583}" dt="2021-11-08T16:48:16.952" v="14214" actId="26606"/>
+          <ac:grpSpMkLst>
+            <pc:docMk/>
+            <pc:sldMk cId="2505620064" sldId="272"/>
+            <ac:grpSpMk id="12" creationId="{032D8612-31EB-44CF-A1D0-14FD4C705424}"/>
+          </ac:grpSpMkLst>
+        </pc:grpChg>
         <pc:picChg chg="mod">
-          <ac:chgData name="Hodaya Cohen-Adiv" userId="54baf416-17b2-44b0-8eaa-f32867a20369" providerId="ADAL" clId="{31FC8F9D-D0F9-4942-8C79-E58799FCB583}" dt="2021-11-04T12:26:25.757" v="5077" actId="1076"/>
+          <ac:chgData name="Hodaya Cohen-Adiv" userId="54baf416-17b2-44b0-8eaa-f32867a20369" providerId="ADAL" clId="{31FC8F9D-D0F9-4942-8C79-E58799FCB583}" dt="2021-11-08T16:48:16.966" v="14215" actId="26606"/>
           <ac:picMkLst>
             <pc:docMk/>
             <pc:sldMk cId="2505620064" sldId="272"/>
@@ -2083,12 +2257,125 @@
           </ac:spMkLst>
         </pc:spChg>
       </pc:sldChg>
+      <pc:sldChg chg="delSp modSp add mod ord modShow">
+        <pc:chgData name="Hodaya Cohen-Adiv" userId="54baf416-17b2-44b0-8eaa-f32867a20369" providerId="ADAL" clId="{31FC8F9D-D0F9-4942-8C79-E58799FCB583}" dt="2021-11-08T16:56:35.481" v="14371" actId="20577"/>
+        <pc:sldMkLst>
+          <pc:docMk/>
+          <pc:sldMk cId="294490900" sldId="285"/>
+        </pc:sldMkLst>
+        <pc:spChg chg="mod">
+          <ac:chgData name="Hodaya Cohen-Adiv" userId="54baf416-17b2-44b0-8eaa-f32867a20369" providerId="ADAL" clId="{31FC8F9D-D0F9-4942-8C79-E58799FCB583}" dt="2021-11-08T16:56:35.481" v="14371" actId="20577"/>
+          <ac:spMkLst>
+            <pc:docMk/>
+            <pc:sldMk cId="294490900" sldId="285"/>
+            <ac:spMk id="2" creationId="{11433E98-96EA-4674-A96F-0E224428F1EB}"/>
+          </ac:spMkLst>
+        </pc:spChg>
+        <pc:spChg chg="del mod">
+          <ac:chgData name="Hodaya Cohen-Adiv" userId="54baf416-17b2-44b0-8eaa-f32867a20369" providerId="ADAL" clId="{31FC8F9D-D0F9-4942-8C79-E58799FCB583}" dt="2021-11-08T16:55:11.815" v="14246"/>
+          <ac:spMkLst>
+            <pc:docMk/>
+            <pc:sldMk cId="294490900" sldId="285"/>
+            <ac:spMk id="4" creationId="{CFB41CB1-2F3B-43EB-B870-D336A3835B25}"/>
+          </ac:spMkLst>
+        </pc:spChg>
+      </pc:sldChg>
       <pc:sldChg chg="add del">
         <pc:chgData name="Hodaya Cohen-Adiv" userId="54baf416-17b2-44b0-8eaa-f32867a20369" providerId="ADAL" clId="{31FC8F9D-D0F9-4942-8C79-E58799FCB583}" dt="2021-11-04T18:14:32.201" v="10405"/>
         <pc:sldMkLst>
           <pc:docMk/>
           <pc:sldMk cId="2907539396" sldId="285"/>
         </pc:sldMkLst>
+      </pc:sldChg>
+      <pc:sldChg chg="modSp add mod">
+        <pc:chgData name="Hodaya Cohen-Adiv" userId="54baf416-17b2-44b0-8eaa-f32867a20369" providerId="ADAL" clId="{31FC8F9D-D0F9-4942-8C79-E58799FCB583}" dt="2021-11-08T16:56:00.616" v="14283" actId="20577"/>
+        <pc:sldMkLst>
+          <pc:docMk/>
+          <pc:sldMk cId="3687218320" sldId="286"/>
+        </pc:sldMkLst>
+        <pc:spChg chg="mod">
+          <ac:chgData name="Hodaya Cohen-Adiv" userId="54baf416-17b2-44b0-8eaa-f32867a20369" providerId="ADAL" clId="{31FC8F9D-D0F9-4942-8C79-E58799FCB583}" dt="2021-11-08T16:56:00.616" v="14283" actId="20577"/>
+          <ac:spMkLst>
+            <pc:docMk/>
+            <pc:sldMk cId="3687218320" sldId="286"/>
+            <ac:spMk id="2" creationId="{11433E98-96EA-4674-A96F-0E224428F1EB}"/>
+          </ac:spMkLst>
+        </pc:spChg>
+      </pc:sldChg>
+      <pc:sldChg chg="modSp add mod">
+        <pc:chgData name="Hodaya Cohen-Adiv" userId="54baf416-17b2-44b0-8eaa-f32867a20369" providerId="ADAL" clId="{31FC8F9D-D0F9-4942-8C79-E58799FCB583}" dt="2021-11-08T16:56:53.623" v="14393" actId="20577"/>
+        <pc:sldMkLst>
+          <pc:docMk/>
+          <pc:sldMk cId="903792412" sldId="287"/>
+        </pc:sldMkLst>
+        <pc:spChg chg="mod">
+          <ac:chgData name="Hodaya Cohen-Adiv" userId="54baf416-17b2-44b0-8eaa-f32867a20369" providerId="ADAL" clId="{31FC8F9D-D0F9-4942-8C79-E58799FCB583}" dt="2021-11-08T16:56:53.623" v="14393" actId="20577"/>
+          <ac:spMkLst>
+            <pc:docMk/>
+            <pc:sldMk cId="903792412" sldId="287"/>
+            <ac:spMk id="2" creationId="{11433E98-96EA-4674-A96F-0E224428F1EB}"/>
+          </ac:spMkLst>
+        </pc:spChg>
+      </pc:sldChg>
+      <pc:sldChg chg="modSp add mod ord">
+        <pc:chgData name="Hodaya Cohen-Adiv" userId="54baf416-17b2-44b0-8eaa-f32867a20369" providerId="ADAL" clId="{31FC8F9D-D0F9-4942-8C79-E58799FCB583}" dt="2021-11-08T16:59:35.892" v="14406"/>
+        <pc:sldMkLst>
+          <pc:docMk/>
+          <pc:sldMk cId="775111121" sldId="288"/>
+        </pc:sldMkLst>
+        <pc:spChg chg="mod">
+          <ac:chgData name="Hodaya Cohen-Adiv" userId="54baf416-17b2-44b0-8eaa-f32867a20369" providerId="ADAL" clId="{31FC8F9D-D0F9-4942-8C79-E58799FCB583}" dt="2021-11-08T16:58:21.431" v="14404" actId="20577"/>
+          <ac:spMkLst>
+            <pc:docMk/>
+            <pc:sldMk cId="775111121" sldId="288"/>
+            <ac:spMk id="2" creationId="{11433E98-96EA-4674-A96F-0E224428F1EB}"/>
+          </ac:spMkLst>
+        </pc:spChg>
+      </pc:sldChg>
+      <pc:sldChg chg="modSp add mod ord">
+        <pc:chgData name="Hodaya Cohen-Adiv" userId="54baf416-17b2-44b0-8eaa-f32867a20369" providerId="ADAL" clId="{31FC8F9D-D0F9-4942-8C79-E58799FCB583}" dt="2021-11-08T17:02:16.033" v="14447" actId="20577"/>
+        <pc:sldMkLst>
+          <pc:docMk/>
+          <pc:sldMk cId="1467167651" sldId="289"/>
+        </pc:sldMkLst>
+        <pc:spChg chg="mod">
+          <ac:chgData name="Hodaya Cohen-Adiv" userId="54baf416-17b2-44b0-8eaa-f32867a20369" providerId="ADAL" clId="{31FC8F9D-D0F9-4942-8C79-E58799FCB583}" dt="2021-11-08T17:02:16.033" v="14447" actId="20577"/>
+          <ac:spMkLst>
+            <pc:docMk/>
+            <pc:sldMk cId="1467167651" sldId="289"/>
+            <ac:spMk id="2" creationId="{11433E98-96EA-4674-A96F-0E224428F1EB}"/>
+          </ac:spMkLst>
+        </pc:spChg>
+      </pc:sldChg>
+      <pc:sldChg chg="modSp add mod ord">
+        <pc:chgData name="Hodaya Cohen-Adiv" userId="54baf416-17b2-44b0-8eaa-f32867a20369" providerId="ADAL" clId="{31FC8F9D-D0F9-4942-8C79-E58799FCB583}" dt="2021-11-08T17:03:54.414" v="14474" actId="20577"/>
+        <pc:sldMkLst>
+          <pc:docMk/>
+          <pc:sldMk cId="3780144499" sldId="290"/>
+        </pc:sldMkLst>
+        <pc:spChg chg="mod">
+          <ac:chgData name="Hodaya Cohen-Adiv" userId="54baf416-17b2-44b0-8eaa-f32867a20369" providerId="ADAL" clId="{31FC8F9D-D0F9-4942-8C79-E58799FCB583}" dt="2021-11-08T17:03:54.414" v="14474" actId="20577"/>
+          <ac:spMkLst>
+            <pc:docMk/>
+            <pc:sldMk cId="3780144499" sldId="290"/>
+            <ac:spMk id="2" creationId="{11433E98-96EA-4674-A96F-0E224428F1EB}"/>
+          </ac:spMkLst>
+        </pc:spChg>
+      </pc:sldChg>
+      <pc:sldChg chg="modSp add mod">
+        <pc:chgData name="Hodaya Cohen-Adiv" userId="54baf416-17b2-44b0-8eaa-f32867a20369" providerId="ADAL" clId="{31FC8F9D-D0F9-4942-8C79-E58799FCB583}" dt="2021-11-08T17:06:40.395" v="14524" actId="14100"/>
+        <pc:sldMkLst>
+          <pc:docMk/>
+          <pc:sldMk cId="674084596" sldId="291"/>
+        </pc:sldMkLst>
+        <pc:spChg chg="mod">
+          <ac:chgData name="Hodaya Cohen-Adiv" userId="54baf416-17b2-44b0-8eaa-f32867a20369" providerId="ADAL" clId="{31FC8F9D-D0F9-4942-8C79-E58799FCB583}" dt="2021-11-08T17:06:40.395" v="14524" actId="14100"/>
+          <ac:spMkLst>
+            <pc:docMk/>
+            <pc:sldMk cId="674084596" sldId="291"/>
+            <ac:spMk id="2" creationId="{11433E98-96EA-4674-A96F-0E224428F1EB}"/>
+          </ac:spMkLst>
+        </pc:spChg>
       </pc:sldChg>
       <pc:sldMasterChg chg="addSp delSp modSp mod setBg modSldLayout sldLayoutOrd">
         <pc:chgData name="Hodaya Cohen-Adiv" userId="54baf416-17b2-44b0-8eaa-f32867a20369" providerId="ADAL" clId="{31FC8F9D-D0F9-4942-8C79-E58799FCB583}" dt="2021-10-26T16:51:02.272" v="296"/>
@@ -2577,6 +2864,3331 @@
 </pc:chgInfo>
 </file>
 
+<file path=ppt/diagrams/colors1.xml><?xml version="1.0" encoding="utf-8"?>
+<dgm:colorsDef xmlns:dgm="http://schemas.openxmlformats.org/drawingml/2006/diagram" xmlns:a="http://schemas.openxmlformats.org/drawingml/2006/main" uniqueId="urn:microsoft.com/office/officeart/2005/8/colors/colorful2">
+  <dgm:title val=""/>
+  <dgm:desc val=""/>
+  <dgm:catLst>
+    <dgm:cat type="colorful" pri="10200"/>
+  </dgm:catLst>
+  <dgm:styleLbl name="node0">
+    <dgm:fillClrLst meth="repeat">
+      <a:schemeClr val="accent1"/>
+    </dgm:fillClrLst>
+    <dgm:linClrLst meth="repeat">
+      <a:schemeClr val="lt1"/>
+    </dgm:linClrLst>
+    <dgm:effectClrLst/>
+    <dgm:txLinClrLst/>
+    <dgm:txFillClrLst/>
+    <dgm:txEffectClrLst/>
+  </dgm:styleLbl>
+  <dgm:styleLbl name="node1">
+    <dgm:fillClrLst>
+      <a:schemeClr val="accent2"/>
+      <a:schemeClr val="accent3"/>
+    </dgm:fillClrLst>
+    <dgm:linClrLst meth="repeat">
+      <a:schemeClr val="lt1"/>
+    </dgm:linClrLst>
+    <dgm:effectClrLst/>
+    <dgm:txLinClrLst/>
+    <dgm:txFillClrLst/>
+    <dgm:txEffectClrLst/>
+  </dgm:styleLbl>
+  <dgm:styleLbl name="alignNode1">
+    <dgm:fillClrLst>
+      <a:schemeClr val="accent2"/>
+      <a:schemeClr val="accent3"/>
+    </dgm:fillClrLst>
+    <dgm:linClrLst>
+      <a:schemeClr val="accent2"/>
+      <a:schemeClr val="accent3"/>
+    </dgm:linClrLst>
+    <dgm:effectClrLst/>
+    <dgm:txLinClrLst/>
+    <dgm:txFillClrLst/>
+    <dgm:txEffectClrLst/>
+  </dgm:styleLbl>
+  <dgm:styleLbl name="lnNode1">
+    <dgm:fillClrLst>
+      <a:schemeClr val="accent2"/>
+      <a:schemeClr val="accent3"/>
+    </dgm:fillClrLst>
+    <dgm:linClrLst meth="repeat">
+      <a:schemeClr val="lt1"/>
+    </dgm:linClrLst>
+    <dgm:effectClrLst/>
+    <dgm:txLinClrLst/>
+    <dgm:txFillClrLst/>
+    <dgm:txEffectClrLst/>
+  </dgm:styleLbl>
+  <dgm:styleLbl name="vennNode1">
+    <dgm:fillClrLst>
+      <a:schemeClr val="accent2">
+        <a:alpha val="50000"/>
+      </a:schemeClr>
+      <a:schemeClr val="accent3">
+        <a:alpha val="50000"/>
+      </a:schemeClr>
+    </dgm:fillClrLst>
+    <dgm:linClrLst meth="repeat">
+      <a:schemeClr val="lt1"/>
+    </dgm:linClrLst>
+    <dgm:effectClrLst/>
+    <dgm:txLinClrLst/>
+    <dgm:txFillClrLst/>
+    <dgm:txEffectClrLst/>
+  </dgm:styleLbl>
+  <dgm:styleLbl name="node2">
+    <dgm:fillClrLst>
+      <a:schemeClr val="accent3"/>
+    </dgm:fillClrLst>
+    <dgm:linClrLst meth="repeat">
+      <a:schemeClr val="lt1"/>
+    </dgm:linClrLst>
+    <dgm:effectClrLst/>
+    <dgm:txLinClrLst/>
+    <dgm:txFillClrLst/>
+    <dgm:txEffectClrLst/>
+  </dgm:styleLbl>
+  <dgm:styleLbl name="node3">
+    <dgm:fillClrLst>
+      <a:schemeClr val="accent4"/>
+    </dgm:fillClrLst>
+    <dgm:linClrLst meth="repeat">
+      <a:schemeClr val="lt1"/>
+    </dgm:linClrLst>
+    <dgm:effectClrLst/>
+    <dgm:txLinClrLst/>
+    <dgm:txFillClrLst/>
+    <dgm:txEffectClrLst/>
+  </dgm:styleLbl>
+  <dgm:styleLbl name="node4">
+    <dgm:fillClrLst>
+      <a:schemeClr val="accent5"/>
+    </dgm:fillClrLst>
+    <dgm:linClrLst meth="repeat">
+      <a:schemeClr val="lt1"/>
+    </dgm:linClrLst>
+    <dgm:effectClrLst/>
+    <dgm:txLinClrLst/>
+    <dgm:txFillClrLst/>
+    <dgm:txEffectClrLst/>
+  </dgm:styleLbl>
+  <dgm:styleLbl name="fgImgPlace1">
+    <dgm:fillClrLst>
+      <a:schemeClr val="accent2">
+        <a:tint val="50000"/>
+      </a:schemeClr>
+      <a:schemeClr val="accent3">
+        <a:tint val="50000"/>
+      </a:schemeClr>
+    </dgm:fillClrLst>
+    <dgm:linClrLst meth="repeat">
+      <a:schemeClr val="lt1"/>
+    </dgm:linClrLst>
+    <dgm:effectClrLst/>
+    <dgm:txLinClrLst/>
+    <dgm:txFillClrLst meth="repeat">
+      <a:schemeClr val="lt1"/>
+    </dgm:txFillClrLst>
+    <dgm:txEffectClrLst/>
+  </dgm:styleLbl>
+  <dgm:styleLbl name="alignImgPlace1">
+    <dgm:fillClrLst>
+      <a:schemeClr val="accent2">
+        <a:tint val="50000"/>
+      </a:schemeClr>
+      <a:schemeClr val="accent3">
+        <a:tint val="20000"/>
+      </a:schemeClr>
+    </dgm:fillClrLst>
+    <dgm:linClrLst meth="repeat">
+      <a:schemeClr val="lt1"/>
+    </dgm:linClrLst>
+    <dgm:effectClrLst/>
+    <dgm:txLinClrLst/>
+    <dgm:txFillClrLst meth="repeat">
+      <a:schemeClr val="lt1"/>
+    </dgm:txFillClrLst>
+    <dgm:txEffectClrLst/>
+  </dgm:styleLbl>
+  <dgm:styleLbl name="bgImgPlace1">
+    <dgm:fillClrLst>
+      <a:schemeClr val="accent2">
+        <a:tint val="50000"/>
+      </a:schemeClr>
+      <a:schemeClr val="accent3">
+        <a:tint val="20000"/>
+      </a:schemeClr>
+    </dgm:fillClrLst>
+    <dgm:linClrLst meth="repeat">
+      <a:schemeClr val="lt1"/>
+    </dgm:linClrLst>
+    <dgm:effectClrLst/>
+    <dgm:txLinClrLst/>
+    <dgm:txFillClrLst meth="repeat">
+      <a:schemeClr val="lt1"/>
+    </dgm:txFillClrLst>
+    <dgm:txEffectClrLst/>
+  </dgm:styleLbl>
+  <dgm:styleLbl name="sibTrans2D1">
+    <dgm:fillClrLst>
+      <a:schemeClr val="accent2"/>
+      <a:schemeClr val="accent3"/>
+    </dgm:fillClrLst>
+    <dgm:linClrLst meth="repeat">
+      <a:schemeClr val="lt1"/>
+    </dgm:linClrLst>
+    <dgm:effectClrLst/>
+    <dgm:txLinClrLst/>
+    <dgm:txFillClrLst/>
+    <dgm:txEffectClrLst/>
+  </dgm:styleLbl>
+  <dgm:styleLbl name="fgSibTrans2D1">
+    <dgm:fillClrLst>
+      <a:schemeClr val="accent2"/>
+      <a:schemeClr val="accent3"/>
+    </dgm:fillClrLst>
+    <dgm:linClrLst meth="repeat">
+      <a:schemeClr val="lt1"/>
+    </dgm:linClrLst>
+    <dgm:effectClrLst/>
+    <dgm:txLinClrLst/>
+    <dgm:txFillClrLst meth="repeat">
+      <a:schemeClr val="lt1"/>
+    </dgm:txFillClrLst>
+    <dgm:txEffectClrLst/>
+  </dgm:styleLbl>
+  <dgm:styleLbl name="bgSibTrans2D1">
+    <dgm:fillClrLst>
+      <a:schemeClr val="accent2"/>
+      <a:schemeClr val="accent3"/>
+    </dgm:fillClrLst>
+    <dgm:linClrLst meth="repeat">
+      <a:schemeClr val="lt1"/>
+    </dgm:linClrLst>
+    <dgm:effectClrLst/>
+    <dgm:txLinClrLst/>
+    <dgm:txFillClrLst meth="repeat">
+      <a:schemeClr val="lt1"/>
+    </dgm:txFillClrLst>
+    <dgm:txEffectClrLst/>
+  </dgm:styleLbl>
+  <dgm:styleLbl name="sibTrans1D1">
+    <dgm:fillClrLst/>
+    <dgm:linClrLst>
+      <a:schemeClr val="accent2"/>
+      <a:schemeClr val="accent3"/>
+    </dgm:linClrLst>
+    <dgm:effectClrLst/>
+    <dgm:txLinClrLst/>
+    <dgm:txFillClrLst meth="repeat">
+      <a:schemeClr val="tx1"/>
+    </dgm:txFillClrLst>
+    <dgm:txEffectClrLst/>
+  </dgm:styleLbl>
+  <dgm:styleLbl name="callout">
+    <dgm:fillClrLst meth="repeat">
+      <a:schemeClr val="accent2"/>
+    </dgm:fillClrLst>
+    <dgm:linClrLst meth="repeat">
+      <a:schemeClr val="accent2">
+        <a:tint val="50000"/>
+      </a:schemeClr>
+    </dgm:linClrLst>
+    <dgm:effectClrLst/>
+    <dgm:txLinClrLst/>
+    <dgm:txFillClrLst meth="repeat">
+      <a:schemeClr val="tx1"/>
+    </dgm:txFillClrLst>
+    <dgm:txEffectClrLst/>
+  </dgm:styleLbl>
+  <dgm:styleLbl name="asst0">
+    <dgm:fillClrLst meth="repeat">
+      <a:schemeClr val="accent2"/>
+    </dgm:fillClrLst>
+    <dgm:linClrLst meth="repeat">
+      <a:schemeClr val="lt1">
+        <a:shade val="80000"/>
+      </a:schemeClr>
+    </dgm:linClrLst>
+    <dgm:effectClrLst/>
+    <dgm:txLinClrLst/>
+    <dgm:txFillClrLst/>
+    <dgm:txEffectClrLst/>
+  </dgm:styleLbl>
+  <dgm:styleLbl name="asst1">
+    <dgm:fillClrLst meth="repeat">
+      <a:schemeClr val="accent3"/>
+    </dgm:fillClrLst>
+    <dgm:linClrLst meth="repeat">
+      <a:schemeClr val="lt1">
+        <a:shade val="80000"/>
+      </a:schemeClr>
+    </dgm:linClrLst>
+    <dgm:effectClrLst/>
+    <dgm:txLinClrLst/>
+    <dgm:txFillClrLst/>
+    <dgm:txEffectClrLst/>
+  </dgm:styleLbl>
+  <dgm:styleLbl name="asst2">
+    <dgm:fillClrLst>
+      <a:schemeClr val="accent4"/>
+    </dgm:fillClrLst>
+    <dgm:linClrLst meth="repeat">
+      <a:schemeClr val="lt1"/>
+    </dgm:linClrLst>
+    <dgm:effectClrLst/>
+    <dgm:txLinClrLst/>
+    <dgm:txFillClrLst/>
+    <dgm:txEffectClrLst/>
+  </dgm:styleLbl>
+  <dgm:styleLbl name="asst3">
+    <dgm:fillClrLst>
+      <a:schemeClr val="accent5"/>
+    </dgm:fillClrLst>
+    <dgm:linClrLst meth="repeat">
+      <a:schemeClr val="lt1"/>
+    </dgm:linClrLst>
+    <dgm:effectClrLst/>
+    <dgm:txLinClrLst/>
+    <dgm:txFillClrLst/>
+    <dgm:txEffectClrLst/>
+  </dgm:styleLbl>
+  <dgm:styleLbl name="asst4">
+    <dgm:fillClrLst>
+      <a:schemeClr val="accent6"/>
+    </dgm:fillClrLst>
+    <dgm:linClrLst meth="repeat">
+      <a:schemeClr val="lt1"/>
+    </dgm:linClrLst>
+    <dgm:effectClrLst/>
+    <dgm:txLinClrLst/>
+    <dgm:txFillClrLst/>
+    <dgm:txEffectClrLst/>
+  </dgm:styleLbl>
+  <dgm:styleLbl name="parChTrans2D1">
+    <dgm:fillClrLst meth="repeat">
+      <a:schemeClr val="accent2"/>
+    </dgm:fillClrLst>
+    <dgm:linClrLst meth="repeat">
+      <a:schemeClr val="lt1"/>
+    </dgm:linClrLst>
+    <dgm:effectClrLst/>
+    <dgm:txLinClrLst/>
+    <dgm:txFillClrLst meth="repeat">
+      <a:schemeClr val="lt1"/>
+    </dgm:txFillClrLst>
+    <dgm:txEffectClrLst/>
+  </dgm:styleLbl>
+  <dgm:styleLbl name="parChTrans2D2">
+    <dgm:fillClrLst meth="repeat">
+      <a:schemeClr val="accent3"/>
+    </dgm:fillClrLst>
+    <dgm:linClrLst meth="repeat">
+      <a:schemeClr val="lt1"/>
+    </dgm:linClrLst>
+    <dgm:effectClrLst/>
+    <dgm:txLinClrLst/>
+    <dgm:txFillClrLst/>
+    <dgm:txEffectClrLst/>
+  </dgm:styleLbl>
+  <dgm:styleLbl name="parChTrans2D3">
+    <dgm:fillClrLst meth="repeat">
+      <a:schemeClr val="accent4"/>
+    </dgm:fillClrLst>
+    <dgm:linClrLst meth="repeat">
+      <a:schemeClr val="lt1"/>
+    </dgm:linClrLst>
+    <dgm:effectClrLst/>
+    <dgm:txLinClrLst/>
+    <dgm:txFillClrLst/>
+    <dgm:txEffectClrLst/>
+  </dgm:styleLbl>
+  <dgm:styleLbl name="parChTrans2D4">
+    <dgm:fillClrLst meth="repeat">
+      <a:schemeClr val="accent5"/>
+    </dgm:fillClrLst>
+    <dgm:linClrLst meth="repeat">
+      <a:schemeClr val="lt1"/>
+    </dgm:linClrLst>
+    <dgm:effectClrLst/>
+    <dgm:txLinClrLst/>
+    <dgm:txFillClrLst meth="repeat">
+      <a:schemeClr val="lt1"/>
+    </dgm:txFillClrLst>
+    <dgm:txEffectClrLst/>
+  </dgm:styleLbl>
+  <dgm:styleLbl name="parChTrans1D1">
+    <dgm:fillClrLst meth="repeat">
+      <a:schemeClr val="accent2"/>
+    </dgm:fillClrLst>
+    <dgm:linClrLst meth="repeat">
+      <a:schemeClr val="accent2"/>
+    </dgm:linClrLst>
+    <dgm:effectClrLst/>
+    <dgm:txLinClrLst/>
+    <dgm:txFillClrLst meth="repeat">
+      <a:schemeClr val="tx1"/>
+    </dgm:txFillClrLst>
+    <dgm:txEffectClrLst/>
+  </dgm:styleLbl>
+  <dgm:styleLbl name="parChTrans1D2">
+    <dgm:fillClrLst meth="repeat">
+      <a:schemeClr val="accent2">
+        <a:tint val="90000"/>
+      </a:schemeClr>
+    </dgm:fillClrLst>
+    <dgm:linClrLst meth="repeat">
+      <a:schemeClr val="accent3"/>
+    </dgm:linClrLst>
+    <dgm:effectClrLst/>
+    <dgm:txLinClrLst/>
+    <dgm:txFillClrLst meth="repeat">
+      <a:schemeClr val="tx1"/>
+    </dgm:txFillClrLst>
+    <dgm:txEffectClrLst/>
+  </dgm:styleLbl>
+  <dgm:styleLbl name="parChTrans1D3">
+    <dgm:fillClrLst meth="repeat">
+      <a:schemeClr val="accent2">
+        <a:tint val="70000"/>
+      </a:schemeClr>
+    </dgm:fillClrLst>
+    <dgm:linClrLst meth="repeat">
+      <a:schemeClr val="accent4"/>
+    </dgm:linClrLst>
+    <dgm:effectClrLst/>
+    <dgm:txLinClrLst/>
+    <dgm:txFillClrLst meth="repeat">
+      <a:schemeClr val="tx1"/>
+    </dgm:txFillClrLst>
+    <dgm:txEffectClrLst/>
+  </dgm:styleLbl>
+  <dgm:styleLbl name="parChTrans1D4">
+    <dgm:fillClrLst meth="repeat">
+      <a:schemeClr val="accent2">
+        <a:tint val="50000"/>
+      </a:schemeClr>
+    </dgm:fillClrLst>
+    <dgm:linClrLst meth="repeat">
+      <a:schemeClr val="accent5"/>
+    </dgm:linClrLst>
+    <dgm:effectClrLst/>
+    <dgm:txLinClrLst/>
+    <dgm:txFillClrLst meth="repeat">
+      <a:schemeClr val="tx1"/>
+    </dgm:txFillClrLst>
+    <dgm:txEffectClrLst/>
+  </dgm:styleLbl>
+  <dgm:styleLbl name="fgAcc1">
+    <dgm:fillClrLst meth="repeat">
+      <a:schemeClr val="lt1">
+        <a:alpha val="90000"/>
+      </a:schemeClr>
+    </dgm:fillClrLst>
+    <dgm:linClrLst>
+      <a:schemeClr val="accent2"/>
+      <a:schemeClr val="accent3"/>
+    </dgm:linClrLst>
+    <dgm:effectClrLst/>
+    <dgm:txLinClrLst/>
+    <dgm:txFillClrLst meth="repeat">
+      <a:schemeClr val="dk1"/>
+    </dgm:txFillClrLst>
+    <dgm:txEffectClrLst/>
+  </dgm:styleLbl>
+  <dgm:styleLbl name="conFgAcc1">
+    <dgm:fillClrLst meth="repeat">
+      <a:schemeClr val="lt1">
+        <a:alpha val="90000"/>
+      </a:schemeClr>
+    </dgm:fillClrLst>
+    <dgm:linClrLst>
+      <a:schemeClr val="accent2"/>
+      <a:schemeClr val="accent3"/>
+    </dgm:linClrLst>
+    <dgm:effectClrLst/>
+    <dgm:txLinClrLst/>
+    <dgm:txFillClrLst meth="repeat">
+      <a:schemeClr val="dk1"/>
+    </dgm:txFillClrLst>
+    <dgm:txEffectClrLst/>
+  </dgm:styleLbl>
+  <dgm:styleLbl name="alignAcc1">
+    <dgm:fillClrLst meth="repeat">
+      <a:schemeClr val="lt1">
+        <a:alpha val="90000"/>
+      </a:schemeClr>
+    </dgm:fillClrLst>
+    <dgm:linClrLst>
+      <a:schemeClr val="accent2"/>
+      <a:schemeClr val="accent3"/>
+    </dgm:linClrLst>
+    <dgm:effectClrLst/>
+    <dgm:txLinClrLst/>
+    <dgm:txFillClrLst meth="repeat">
+      <a:schemeClr val="dk1"/>
+    </dgm:txFillClrLst>
+    <dgm:txEffectClrLst/>
+  </dgm:styleLbl>
+  <dgm:styleLbl name="trAlignAcc1">
+    <dgm:fillClrLst meth="repeat">
+      <a:schemeClr val="lt1">
+        <a:alpha val="40000"/>
+      </a:schemeClr>
+    </dgm:fillClrLst>
+    <dgm:linClrLst meth="repeat">
+      <a:schemeClr val="accent2"/>
+    </dgm:linClrLst>
+    <dgm:effectClrLst/>
+    <dgm:txLinClrLst/>
+    <dgm:txFillClrLst meth="repeat">
+      <a:schemeClr val="dk1"/>
+    </dgm:txFillClrLst>
+    <dgm:txEffectClrLst/>
+  </dgm:styleLbl>
+  <dgm:styleLbl name="bgAcc1">
+    <dgm:fillClrLst meth="repeat">
+      <a:schemeClr val="lt1">
+        <a:alpha val="90000"/>
+      </a:schemeClr>
+    </dgm:fillClrLst>
+    <dgm:linClrLst>
+      <a:schemeClr val="accent2"/>
+      <a:schemeClr val="accent3"/>
+    </dgm:linClrLst>
+    <dgm:effectClrLst/>
+    <dgm:txLinClrLst/>
+    <dgm:txFillClrLst meth="repeat">
+      <a:schemeClr val="dk1"/>
+    </dgm:txFillClrLst>
+    <dgm:txEffectClrLst/>
+  </dgm:styleLbl>
+  <dgm:styleLbl name="solidFgAcc1">
+    <dgm:fillClrLst meth="repeat">
+      <a:schemeClr val="lt1"/>
+    </dgm:fillClrLst>
+    <dgm:linClrLst>
+      <a:schemeClr val="accent2"/>
+      <a:schemeClr val="accent3"/>
+    </dgm:linClrLst>
+    <dgm:effectClrLst/>
+    <dgm:txLinClrLst/>
+    <dgm:txFillClrLst meth="repeat">
+      <a:schemeClr val="dk1"/>
+    </dgm:txFillClrLst>
+    <dgm:txEffectClrLst/>
+  </dgm:styleLbl>
+  <dgm:styleLbl name="solidAlignAcc1">
+    <dgm:fillClrLst meth="repeat">
+      <a:schemeClr val="lt1"/>
+    </dgm:fillClrLst>
+    <dgm:linClrLst>
+      <a:schemeClr val="accent2"/>
+      <a:schemeClr val="accent3"/>
+    </dgm:linClrLst>
+    <dgm:effectClrLst/>
+    <dgm:txLinClrLst/>
+    <dgm:txFillClrLst meth="repeat">
+      <a:schemeClr val="dk1"/>
+    </dgm:txFillClrLst>
+    <dgm:txEffectClrLst/>
+  </dgm:styleLbl>
+  <dgm:styleLbl name="solidBgAcc1">
+    <dgm:fillClrLst meth="repeat">
+      <a:schemeClr val="lt1"/>
+    </dgm:fillClrLst>
+    <dgm:linClrLst>
+      <a:schemeClr val="accent2"/>
+      <a:schemeClr val="accent3"/>
+    </dgm:linClrLst>
+    <dgm:effectClrLst/>
+    <dgm:txLinClrLst/>
+    <dgm:txFillClrLst meth="repeat">
+      <a:schemeClr val="dk1"/>
+    </dgm:txFillClrLst>
+    <dgm:txEffectClrLst/>
+  </dgm:styleLbl>
+  <dgm:styleLbl name="fgAccFollowNode1">
+    <dgm:fillClrLst>
+      <a:schemeClr val="accent2">
+        <a:tint val="40000"/>
+        <a:alpha val="90000"/>
+      </a:schemeClr>
+      <a:schemeClr val="accent3">
+        <a:tint val="40000"/>
+        <a:alpha val="90000"/>
+      </a:schemeClr>
+    </dgm:fillClrLst>
+    <dgm:linClrLst>
+      <a:schemeClr val="accent2">
+        <a:tint val="40000"/>
+        <a:alpha val="90000"/>
+      </a:schemeClr>
+      <a:schemeClr val="accent3">
+        <a:tint val="40000"/>
+        <a:alpha val="90000"/>
+      </a:schemeClr>
+    </dgm:linClrLst>
+    <dgm:effectClrLst/>
+    <dgm:txLinClrLst/>
+    <dgm:txFillClrLst meth="repeat">
+      <a:schemeClr val="dk1"/>
+    </dgm:txFillClrLst>
+    <dgm:txEffectClrLst/>
+  </dgm:styleLbl>
+  <dgm:styleLbl name="alignAccFollowNode1">
+    <dgm:fillClrLst>
+      <a:schemeClr val="accent2">
+        <a:tint val="40000"/>
+        <a:alpha val="90000"/>
+      </a:schemeClr>
+      <a:schemeClr val="accent3">
+        <a:tint val="40000"/>
+        <a:alpha val="90000"/>
+      </a:schemeClr>
+    </dgm:fillClrLst>
+    <dgm:linClrLst>
+      <a:schemeClr val="accent2">
+        <a:tint val="40000"/>
+        <a:alpha val="90000"/>
+      </a:schemeClr>
+      <a:schemeClr val="accent3">
+        <a:tint val="40000"/>
+        <a:alpha val="90000"/>
+      </a:schemeClr>
+    </dgm:linClrLst>
+    <dgm:effectClrLst/>
+    <dgm:txLinClrLst/>
+    <dgm:txFillClrLst meth="repeat">
+      <a:schemeClr val="dk1"/>
+    </dgm:txFillClrLst>
+    <dgm:txEffectClrLst/>
+  </dgm:styleLbl>
+  <dgm:styleLbl name="bgAccFollowNode1">
+    <dgm:fillClrLst>
+      <a:schemeClr val="accent2">
+        <a:tint val="40000"/>
+        <a:alpha val="90000"/>
+      </a:schemeClr>
+      <a:schemeClr val="accent3">
+        <a:tint val="40000"/>
+        <a:alpha val="90000"/>
+      </a:schemeClr>
+    </dgm:fillClrLst>
+    <dgm:linClrLst>
+      <a:schemeClr val="accent2">
+        <a:tint val="40000"/>
+        <a:alpha val="90000"/>
+      </a:schemeClr>
+      <a:schemeClr val="accent3">
+        <a:tint val="40000"/>
+        <a:alpha val="90000"/>
+      </a:schemeClr>
+    </dgm:linClrLst>
+    <dgm:effectClrLst/>
+    <dgm:txLinClrLst/>
+    <dgm:txFillClrLst meth="repeat">
+      <a:schemeClr val="dk1"/>
+    </dgm:txFillClrLst>
+    <dgm:txEffectClrLst/>
+  </dgm:styleLbl>
+  <dgm:styleLbl name="fgAcc0">
+    <dgm:fillClrLst meth="repeat">
+      <a:schemeClr val="lt1">
+        <a:alpha val="90000"/>
+      </a:schemeClr>
+    </dgm:fillClrLst>
+    <dgm:linClrLst>
+      <a:schemeClr val="accent1"/>
+    </dgm:linClrLst>
+    <dgm:effectClrLst/>
+    <dgm:txLinClrLst/>
+    <dgm:txFillClrLst meth="repeat">
+      <a:schemeClr val="dk1"/>
+    </dgm:txFillClrLst>
+    <dgm:txEffectClrLst/>
+  </dgm:styleLbl>
+  <dgm:styleLbl name="fgAcc2">
+    <dgm:fillClrLst meth="repeat">
+      <a:schemeClr val="lt1">
+        <a:alpha val="90000"/>
+      </a:schemeClr>
+    </dgm:fillClrLst>
+    <dgm:linClrLst>
+      <a:schemeClr val="accent3"/>
+    </dgm:linClrLst>
+    <dgm:effectClrLst/>
+    <dgm:txLinClrLst/>
+    <dgm:txFillClrLst meth="repeat">
+      <a:schemeClr val="dk1"/>
+    </dgm:txFillClrLst>
+    <dgm:txEffectClrLst/>
+  </dgm:styleLbl>
+  <dgm:styleLbl name="fgAcc3">
+    <dgm:fillClrLst meth="repeat">
+      <a:schemeClr val="lt1">
+        <a:alpha val="90000"/>
+      </a:schemeClr>
+    </dgm:fillClrLst>
+    <dgm:linClrLst>
+      <a:schemeClr val="accent4"/>
+    </dgm:linClrLst>
+    <dgm:effectClrLst/>
+    <dgm:txLinClrLst/>
+    <dgm:txFillClrLst meth="repeat">
+      <a:schemeClr val="dk1"/>
+    </dgm:txFillClrLst>
+    <dgm:txEffectClrLst/>
+  </dgm:styleLbl>
+  <dgm:styleLbl name="fgAcc4">
+    <dgm:fillClrLst meth="repeat">
+      <a:schemeClr val="lt1">
+        <a:alpha val="90000"/>
+      </a:schemeClr>
+    </dgm:fillClrLst>
+    <dgm:linClrLst>
+      <a:schemeClr val="accent5"/>
+    </dgm:linClrLst>
+    <dgm:effectClrLst/>
+    <dgm:txLinClrLst/>
+    <dgm:txFillClrLst meth="repeat">
+      <a:schemeClr val="dk1"/>
+    </dgm:txFillClrLst>
+    <dgm:txEffectClrLst/>
+  </dgm:styleLbl>
+  <dgm:styleLbl name="bgShp">
+    <dgm:fillClrLst meth="repeat">
+      <a:schemeClr val="accent2">
+        <a:tint val="40000"/>
+      </a:schemeClr>
+    </dgm:fillClrLst>
+    <dgm:linClrLst meth="repeat">
+      <a:schemeClr val="dk1"/>
+    </dgm:linClrLst>
+    <dgm:effectClrLst/>
+    <dgm:txLinClrLst/>
+    <dgm:txFillClrLst meth="repeat">
+      <a:schemeClr val="dk1"/>
+    </dgm:txFillClrLst>
+    <dgm:txEffectClrLst/>
+  </dgm:styleLbl>
+  <dgm:styleLbl name="dkBgShp">
+    <dgm:fillClrLst meth="repeat">
+      <a:schemeClr val="accent2">
+        <a:shade val="90000"/>
+      </a:schemeClr>
+    </dgm:fillClrLst>
+    <dgm:linClrLst meth="repeat">
+      <a:schemeClr val="dk1"/>
+    </dgm:linClrLst>
+    <dgm:effectClrLst/>
+    <dgm:txLinClrLst/>
+    <dgm:txFillClrLst meth="repeat">
+      <a:schemeClr val="lt1"/>
+    </dgm:txFillClrLst>
+    <dgm:txEffectClrLst/>
+  </dgm:styleLbl>
+  <dgm:styleLbl name="trBgShp">
+    <dgm:fillClrLst meth="repeat">
+      <a:schemeClr val="accent2">
+        <a:tint val="50000"/>
+        <a:alpha val="40000"/>
+      </a:schemeClr>
+    </dgm:fillClrLst>
+    <dgm:linClrLst meth="repeat">
+      <a:schemeClr val="accent2"/>
+    </dgm:linClrLst>
+    <dgm:effectClrLst/>
+    <dgm:txLinClrLst/>
+    <dgm:txFillClrLst meth="repeat">
+      <a:schemeClr val="lt1"/>
+    </dgm:txFillClrLst>
+    <dgm:txEffectClrLst/>
+  </dgm:styleLbl>
+  <dgm:styleLbl name="fgShp">
+    <dgm:fillClrLst meth="repeat">
+      <a:schemeClr val="accent2">
+        <a:tint val="40000"/>
+      </a:schemeClr>
+    </dgm:fillClrLst>
+    <dgm:linClrLst meth="repeat">
+      <a:schemeClr val="lt1"/>
+    </dgm:linClrLst>
+    <dgm:effectClrLst/>
+    <dgm:txLinClrLst/>
+    <dgm:txFillClrLst meth="repeat">
+      <a:schemeClr val="dk1"/>
+    </dgm:txFillClrLst>
+    <dgm:txEffectClrLst/>
+  </dgm:styleLbl>
+  <dgm:styleLbl name="revTx">
+    <dgm:fillClrLst meth="repeat">
+      <a:schemeClr val="lt1">
+        <a:alpha val="0"/>
+      </a:schemeClr>
+    </dgm:fillClrLst>
+    <dgm:linClrLst meth="repeat">
+      <a:schemeClr val="dk1">
+        <a:alpha val="0"/>
+      </a:schemeClr>
+    </dgm:linClrLst>
+    <dgm:effectClrLst/>
+    <dgm:txLinClrLst/>
+    <dgm:txFillClrLst meth="repeat">
+      <a:schemeClr val="tx1"/>
+    </dgm:txFillClrLst>
+    <dgm:txEffectClrLst/>
+  </dgm:styleLbl>
+</dgm:colorsDef>
+</file>
+
+<file path=ppt/diagrams/data1.xml><?xml version="1.0" encoding="utf-8"?>
+<dgm:dataModel xmlns:dgm="http://schemas.openxmlformats.org/drawingml/2006/diagram" xmlns:a="http://schemas.openxmlformats.org/drawingml/2006/main">
+  <dgm:ptLst>
+    <dgm:pt modelId="{C896BB6D-C926-4F1D-A772-8829D7549684}" type="doc">
+      <dgm:prSet loTypeId="urn:microsoft.com/office/officeart/2016/7/layout/BasicLinearProcessNumbered" loCatId="process" qsTypeId="urn:microsoft.com/office/officeart/2005/8/quickstyle/simple1" qsCatId="simple" csTypeId="urn:microsoft.com/office/officeart/2005/8/colors/colorful2" csCatId="colorful"/>
+      <dgm:spPr/>
+      <dgm:t>
+        <a:bodyPr/>
+        <a:lstStyle/>
+        <a:p>
+          <a:endParaRPr lang="en-US"/>
+        </a:p>
+      </dgm:t>
+    </dgm:pt>
+    <dgm:pt modelId="{EFD2686B-F4CB-4A0D-A1EE-BBECC848B9F6}">
+      <dgm:prSet/>
+      <dgm:spPr/>
+      <dgm:t>
+        <a:bodyPr/>
+        <a:lstStyle/>
+        <a:p>
+          <a:r>
+            <a:rPr lang="en-US" b="0" i="0"/>
+            <a:t>Creating the global modules.</a:t>
+          </a:r>
+          <a:endParaRPr lang="en-US"/>
+        </a:p>
+      </dgm:t>
+    </dgm:pt>
+    <dgm:pt modelId="{00F0AF37-8384-4F18-B29E-A32E6CAB8D83}" type="parTrans" cxnId="{07772DF7-308E-4271-8A7B-EECED563FC0B}">
+      <dgm:prSet/>
+      <dgm:spPr/>
+      <dgm:t>
+        <a:bodyPr/>
+        <a:lstStyle/>
+        <a:p>
+          <a:endParaRPr lang="en-US"/>
+        </a:p>
+      </dgm:t>
+    </dgm:pt>
+    <dgm:pt modelId="{02E36B98-AF20-4213-BD6D-C272D13A2D82}" type="sibTrans" cxnId="{07772DF7-308E-4271-8A7B-EECED563FC0B}">
+      <dgm:prSet phldrT="1" phldr="0"/>
+      <dgm:spPr/>
+      <dgm:t>
+        <a:bodyPr/>
+        <a:lstStyle/>
+        <a:p>
+          <a:r>
+            <a:rPr lang="en-US"/>
+            <a:t>1</a:t>
+          </a:r>
+        </a:p>
+      </dgm:t>
+    </dgm:pt>
+    <dgm:pt modelId="{D5150EDA-844C-4917-9F7E-71CB40042591}">
+      <dgm:prSet/>
+      <dgm:spPr/>
+      <dgm:t>
+        <a:bodyPr/>
+        <a:lstStyle/>
+        <a:p>
+          <a:r>
+            <a:rPr lang="en-US" b="0" i="0"/>
+            <a:t>Cleaning the global modules at the end of each test.</a:t>
+          </a:r>
+          <a:endParaRPr lang="en-US"/>
+        </a:p>
+      </dgm:t>
+    </dgm:pt>
+    <dgm:pt modelId="{921CB686-6468-41EA-A53D-BC9CC5B5FCD5}" type="parTrans" cxnId="{6B72B0A2-F77E-448B-868A-63C4CA954701}">
+      <dgm:prSet/>
+      <dgm:spPr/>
+      <dgm:t>
+        <a:bodyPr/>
+        <a:lstStyle/>
+        <a:p>
+          <a:endParaRPr lang="en-US"/>
+        </a:p>
+      </dgm:t>
+    </dgm:pt>
+    <dgm:pt modelId="{6DB67969-0409-4AA4-83F8-C1CA10E77D55}" type="sibTrans" cxnId="{6B72B0A2-F77E-448B-868A-63C4CA954701}">
+      <dgm:prSet phldrT="2" phldr="0"/>
+      <dgm:spPr/>
+      <dgm:t>
+        <a:bodyPr/>
+        <a:lstStyle/>
+        <a:p>
+          <a:r>
+            <a:rPr lang="en-US"/>
+            <a:t>2</a:t>
+          </a:r>
+        </a:p>
+      </dgm:t>
+    </dgm:pt>
+    <dgm:pt modelId="{0A0A51EA-3566-4FB0-908F-1E066DD1EF25}">
+      <dgm:prSet/>
+      <dgm:spPr/>
+      <dgm:t>
+        <a:bodyPr/>
+        <a:lstStyle/>
+        <a:p>
+          <a:r>
+            <a:rPr lang="en-US"/>
+            <a:t>Creating the local modules for each test.</a:t>
+          </a:r>
+        </a:p>
+      </dgm:t>
+    </dgm:pt>
+    <dgm:pt modelId="{5E61BC33-C5A8-408F-A7B4-3ABD375EB82B}" type="parTrans" cxnId="{F2C1962E-E40D-4987-85DF-2039B9255FEE}">
+      <dgm:prSet/>
+      <dgm:spPr/>
+      <dgm:t>
+        <a:bodyPr/>
+        <a:lstStyle/>
+        <a:p>
+          <a:endParaRPr lang="en-US"/>
+        </a:p>
+      </dgm:t>
+    </dgm:pt>
+    <dgm:pt modelId="{2F2A89E3-CB97-40CA-8709-1C4401E7275D}" type="sibTrans" cxnId="{F2C1962E-E40D-4987-85DF-2039B9255FEE}">
+      <dgm:prSet phldrT="3" phldr="0"/>
+      <dgm:spPr/>
+      <dgm:t>
+        <a:bodyPr/>
+        <a:lstStyle/>
+        <a:p>
+          <a:r>
+            <a:rPr lang="en-US"/>
+            <a:t>3</a:t>
+          </a:r>
+        </a:p>
+      </dgm:t>
+    </dgm:pt>
+    <dgm:pt modelId="{AF378C8C-92BA-4C3C-9C9D-3B57740C20C3}">
+      <dgm:prSet/>
+      <dgm:spPr/>
+      <dgm:t>
+        <a:bodyPr/>
+        <a:lstStyle/>
+        <a:p>
+          <a:r>
+            <a:rPr lang="en-US"/>
+            <a:t>Checking if re-planning is needed and run the offline planer.</a:t>
+          </a:r>
+        </a:p>
+      </dgm:t>
+    </dgm:pt>
+    <dgm:pt modelId="{D35E43A6-683C-4F01-AE34-5C2DAD0DF765}" type="parTrans" cxnId="{E3D72E7B-310B-43D4-A0CC-605C5FCB71D5}">
+      <dgm:prSet/>
+      <dgm:spPr/>
+      <dgm:t>
+        <a:bodyPr/>
+        <a:lstStyle/>
+        <a:p>
+          <a:endParaRPr lang="en-US"/>
+        </a:p>
+      </dgm:t>
+    </dgm:pt>
+    <dgm:pt modelId="{C98F80F0-F8F6-49F7-A481-D1655482A9DB}" type="sibTrans" cxnId="{E3D72E7B-310B-43D4-A0CC-605C5FCB71D5}">
+      <dgm:prSet phldrT="4" phldr="0"/>
+      <dgm:spPr/>
+      <dgm:t>
+        <a:bodyPr/>
+        <a:lstStyle/>
+        <a:p>
+          <a:r>
+            <a:rPr lang="en-US"/>
+            <a:t>4</a:t>
+          </a:r>
+        </a:p>
+      </dgm:t>
+    </dgm:pt>
+    <dgm:pt modelId="{82513505-3768-45C5-8259-D563F3C1A627}" type="pres">
+      <dgm:prSet presAssocID="{C896BB6D-C926-4F1D-A772-8829D7549684}" presName="Name0" presStyleCnt="0">
+        <dgm:presLayoutVars>
+          <dgm:animLvl val="lvl"/>
+          <dgm:resizeHandles val="exact"/>
+        </dgm:presLayoutVars>
+      </dgm:prSet>
+      <dgm:spPr/>
+    </dgm:pt>
+    <dgm:pt modelId="{9D02D7BC-8F47-4254-A60E-465629DAF7F7}" type="pres">
+      <dgm:prSet presAssocID="{EFD2686B-F4CB-4A0D-A1EE-BBECC848B9F6}" presName="compositeNode" presStyleCnt="0">
+        <dgm:presLayoutVars>
+          <dgm:bulletEnabled val="1"/>
+        </dgm:presLayoutVars>
+      </dgm:prSet>
+      <dgm:spPr/>
+    </dgm:pt>
+    <dgm:pt modelId="{A28EC902-44D2-4050-A102-F57AAC364BD6}" type="pres">
+      <dgm:prSet presAssocID="{EFD2686B-F4CB-4A0D-A1EE-BBECC848B9F6}" presName="bgRect" presStyleLbl="bgAccFollowNode1" presStyleIdx="0" presStyleCnt="4"/>
+      <dgm:spPr/>
+    </dgm:pt>
+    <dgm:pt modelId="{CB7C6B2B-5EDD-476D-8CE0-C8419CCF40D2}" type="pres">
+      <dgm:prSet presAssocID="{02E36B98-AF20-4213-BD6D-C272D13A2D82}" presName="sibTransNodeCircle" presStyleLbl="alignNode1" presStyleIdx="0" presStyleCnt="8">
+        <dgm:presLayoutVars>
+          <dgm:chMax val="0"/>
+          <dgm:bulletEnabled/>
+        </dgm:presLayoutVars>
+      </dgm:prSet>
+      <dgm:spPr/>
+    </dgm:pt>
+    <dgm:pt modelId="{EFC94AE6-01D5-44A4-8E2B-C837B9117FB4}" type="pres">
+      <dgm:prSet presAssocID="{EFD2686B-F4CB-4A0D-A1EE-BBECC848B9F6}" presName="bottomLine" presStyleLbl="alignNode1" presStyleIdx="1" presStyleCnt="8">
+        <dgm:presLayoutVars/>
+      </dgm:prSet>
+      <dgm:spPr/>
+    </dgm:pt>
+    <dgm:pt modelId="{95AEACC8-FA6B-47EA-AAA5-D4A4A0764D09}" type="pres">
+      <dgm:prSet presAssocID="{EFD2686B-F4CB-4A0D-A1EE-BBECC848B9F6}" presName="nodeText" presStyleLbl="bgAccFollowNode1" presStyleIdx="0" presStyleCnt="4">
+        <dgm:presLayoutVars>
+          <dgm:bulletEnabled val="1"/>
+        </dgm:presLayoutVars>
+      </dgm:prSet>
+      <dgm:spPr/>
+    </dgm:pt>
+    <dgm:pt modelId="{1B4AC405-C770-40BD-9020-176534418A6B}" type="pres">
+      <dgm:prSet presAssocID="{02E36B98-AF20-4213-BD6D-C272D13A2D82}" presName="sibTrans" presStyleCnt="0"/>
+      <dgm:spPr/>
+    </dgm:pt>
+    <dgm:pt modelId="{5053D095-E22B-4CE3-8C01-98C22A25A54C}" type="pres">
+      <dgm:prSet presAssocID="{D5150EDA-844C-4917-9F7E-71CB40042591}" presName="compositeNode" presStyleCnt="0">
+        <dgm:presLayoutVars>
+          <dgm:bulletEnabled val="1"/>
+        </dgm:presLayoutVars>
+      </dgm:prSet>
+      <dgm:spPr/>
+    </dgm:pt>
+    <dgm:pt modelId="{774BE1E4-D1E9-4143-83BB-7D7BA039F2EA}" type="pres">
+      <dgm:prSet presAssocID="{D5150EDA-844C-4917-9F7E-71CB40042591}" presName="bgRect" presStyleLbl="bgAccFollowNode1" presStyleIdx="1" presStyleCnt="4"/>
+      <dgm:spPr/>
+    </dgm:pt>
+    <dgm:pt modelId="{1D5F61B4-A4C5-411B-A841-C9D6B439C33B}" type="pres">
+      <dgm:prSet presAssocID="{6DB67969-0409-4AA4-83F8-C1CA10E77D55}" presName="sibTransNodeCircle" presStyleLbl="alignNode1" presStyleIdx="2" presStyleCnt="8">
+        <dgm:presLayoutVars>
+          <dgm:chMax val="0"/>
+          <dgm:bulletEnabled/>
+        </dgm:presLayoutVars>
+      </dgm:prSet>
+      <dgm:spPr/>
+    </dgm:pt>
+    <dgm:pt modelId="{AB82BB77-6A4A-4755-85D0-47F519B18BC0}" type="pres">
+      <dgm:prSet presAssocID="{D5150EDA-844C-4917-9F7E-71CB40042591}" presName="bottomLine" presStyleLbl="alignNode1" presStyleIdx="3" presStyleCnt="8">
+        <dgm:presLayoutVars/>
+      </dgm:prSet>
+      <dgm:spPr/>
+    </dgm:pt>
+    <dgm:pt modelId="{5B207AB0-2600-4298-9AC2-571066FDAD9C}" type="pres">
+      <dgm:prSet presAssocID="{D5150EDA-844C-4917-9F7E-71CB40042591}" presName="nodeText" presStyleLbl="bgAccFollowNode1" presStyleIdx="1" presStyleCnt="4">
+        <dgm:presLayoutVars>
+          <dgm:bulletEnabled val="1"/>
+        </dgm:presLayoutVars>
+      </dgm:prSet>
+      <dgm:spPr/>
+    </dgm:pt>
+    <dgm:pt modelId="{8FA75F9B-DEA4-4A92-8C93-84FBFFFEF588}" type="pres">
+      <dgm:prSet presAssocID="{6DB67969-0409-4AA4-83F8-C1CA10E77D55}" presName="sibTrans" presStyleCnt="0"/>
+      <dgm:spPr/>
+    </dgm:pt>
+    <dgm:pt modelId="{26FAD006-922B-481E-B741-D293EF76EBEC}" type="pres">
+      <dgm:prSet presAssocID="{0A0A51EA-3566-4FB0-908F-1E066DD1EF25}" presName="compositeNode" presStyleCnt="0">
+        <dgm:presLayoutVars>
+          <dgm:bulletEnabled val="1"/>
+        </dgm:presLayoutVars>
+      </dgm:prSet>
+      <dgm:spPr/>
+    </dgm:pt>
+    <dgm:pt modelId="{0ADE7FB9-60FE-4599-9083-47FDFED43027}" type="pres">
+      <dgm:prSet presAssocID="{0A0A51EA-3566-4FB0-908F-1E066DD1EF25}" presName="bgRect" presStyleLbl="bgAccFollowNode1" presStyleIdx="2" presStyleCnt="4"/>
+      <dgm:spPr/>
+    </dgm:pt>
+    <dgm:pt modelId="{E25AF807-0E72-4557-A186-ADA5BB52A0A3}" type="pres">
+      <dgm:prSet presAssocID="{2F2A89E3-CB97-40CA-8709-1C4401E7275D}" presName="sibTransNodeCircle" presStyleLbl="alignNode1" presStyleIdx="4" presStyleCnt="8">
+        <dgm:presLayoutVars>
+          <dgm:chMax val="0"/>
+          <dgm:bulletEnabled/>
+        </dgm:presLayoutVars>
+      </dgm:prSet>
+      <dgm:spPr/>
+    </dgm:pt>
+    <dgm:pt modelId="{537556CC-049C-4873-A942-B7277A916BCF}" type="pres">
+      <dgm:prSet presAssocID="{0A0A51EA-3566-4FB0-908F-1E066DD1EF25}" presName="bottomLine" presStyleLbl="alignNode1" presStyleIdx="5" presStyleCnt="8">
+        <dgm:presLayoutVars/>
+      </dgm:prSet>
+      <dgm:spPr/>
+    </dgm:pt>
+    <dgm:pt modelId="{62B8C783-DFC1-434F-926B-3EEEAEE4029A}" type="pres">
+      <dgm:prSet presAssocID="{0A0A51EA-3566-4FB0-908F-1E066DD1EF25}" presName="nodeText" presStyleLbl="bgAccFollowNode1" presStyleIdx="2" presStyleCnt="4">
+        <dgm:presLayoutVars>
+          <dgm:bulletEnabled val="1"/>
+        </dgm:presLayoutVars>
+      </dgm:prSet>
+      <dgm:spPr/>
+    </dgm:pt>
+    <dgm:pt modelId="{1B84C0B0-CDDF-41B1-A98C-633DF5BCAE64}" type="pres">
+      <dgm:prSet presAssocID="{2F2A89E3-CB97-40CA-8709-1C4401E7275D}" presName="sibTrans" presStyleCnt="0"/>
+      <dgm:spPr/>
+    </dgm:pt>
+    <dgm:pt modelId="{0CD27C0B-9BC0-4CB9-8C6C-7F13E21FB95D}" type="pres">
+      <dgm:prSet presAssocID="{AF378C8C-92BA-4C3C-9C9D-3B57740C20C3}" presName="compositeNode" presStyleCnt="0">
+        <dgm:presLayoutVars>
+          <dgm:bulletEnabled val="1"/>
+        </dgm:presLayoutVars>
+      </dgm:prSet>
+      <dgm:spPr/>
+    </dgm:pt>
+    <dgm:pt modelId="{00BC48E7-0E20-423D-8050-8EC9EB23D890}" type="pres">
+      <dgm:prSet presAssocID="{AF378C8C-92BA-4C3C-9C9D-3B57740C20C3}" presName="bgRect" presStyleLbl="bgAccFollowNode1" presStyleIdx="3" presStyleCnt="4"/>
+      <dgm:spPr/>
+    </dgm:pt>
+    <dgm:pt modelId="{D709D669-E545-4E71-93D2-7C87B218CB8E}" type="pres">
+      <dgm:prSet presAssocID="{C98F80F0-F8F6-49F7-A481-D1655482A9DB}" presName="sibTransNodeCircle" presStyleLbl="alignNode1" presStyleIdx="6" presStyleCnt="8">
+        <dgm:presLayoutVars>
+          <dgm:chMax val="0"/>
+          <dgm:bulletEnabled/>
+        </dgm:presLayoutVars>
+      </dgm:prSet>
+      <dgm:spPr/>
+    </dgm:pt>
+    <dgm:pt modelId="{22ED036B-2F42-43E2-BEAA-E00AD252D409}" type="pres">
+      <dgm:prSet presAssocID="{AF378C8C-92BA-4C3C-9C9D-3B57740C20C3}" presName="bottomLine" presStyleLbl="alignNode1" presStyleIdx="7" presStyleCnt="8">
+        <dgm:presLayoutVars/>
+      </dgm:prSet>
+      <dgm:spPr/>
+    </dgm:pt>
+    <dgm:pt modelId="{DB689B22-5B74-4981-AA8E-66C5339C7C34}" type="pres">
+      <dgm:prSet presAssocID="{AF378C8C-92BA-4C3C-9C9D-3B57740C20C3}" presName="nodeText" presStyleLbl="bgAccFollowNode1" presStyleIdx="3" presStyleCnt="4">
+        <dgm:presLayoutVars>
+          <dgm:bulletEnabled val="1"/>
+        </dgm:presLayoutVars>
+      </dgm:prSet>
+      <dgm:spPr/>
+    </dgm:pt>
+  </dgm:ptLst>
+  <dgm:cxnLst>
+    <dgm:cxn modelId="{F3F24B04-2D07-4D63-BC3E-4D37F937B1FE}" type="presOf" srcId="{EFD2686B-F4CB-4A0D-A1EE-BBECC848B9F6}" destId="{A28EC902-44D2-4050-A102-F57AAC364BD6}" srcOrd="0" destOrd="0" presId="urn:microsoft.com/office/officeart/2016/7/layout/BasicLinearProcessNumbered"/>
+    <dgm:cxn modelId="{F2C1962E-E40D-4987-85DF-2039B9255FEE}" srcId="{C896BB6D-C926-4F1D-A772-8829D7549684}" destId="{0A0A51EA-3566-4FB0-908F-1E066DD1EF25}" srcOrd="2" destOrd="0" parTransId="{5E61BC33-C5A8-408F-A7B4-3ABD375EB82B}" sibTransId="{2F2A89E3-CB97-40CA-8709-1C4401E7275D}"/>
+    <dgm:cxn modelId="{D43E7A39-AEF8-49E8-90F0-802D530B1E33}" type="presOf" srcId="{C98F80F0-F8F6-49F7-A481-D1655482A9DB}" destId="{D709D669-E545-4E71-93D2-7C87B218CB8E}" srcOrd="0" destOrd="0" presId="urn:microsoft.com/office/officeart/2016/7/layout/BasicLinearProcessNumbered"/>
+    <dgm:cxn modelId="{72DA363D-6C07-4DD5-BB32-E36277237AE3}" type="presOf" srcId="{0A0A51EA-3566-4FB0-908F-1E066DD1EF25}" destId="{62B8C783-DFC1-434F-926B-3EEEAEE4029A}" srcOrd="1" destOrd="0" presId="urn:microsoft.com/office/officeart/2016/7/layout/BasicLinearProcessNumbered"/>
+    <dgm:cxn modelId="{B0B90666-D781-4310-B165-674F8C27CC1E}" type="presOf" srcId="{0A0A51EA-3566-4FB0-908F-1E066DD1EF25}" destId="{0ADE7FB9-60FE-4599-9083-47FDFED43027}" srcOrd="0" destOrd="0" presId="urn:microsoft.com/office/officeart/2016/7/layout/BasicLinearProcessNumbered"/>
+    <dgm:cxn modelId="{F6FB3075-029E-4F31-B184-768AEA8C8EE2}" type="presOf" srcId="{EFD2686B-F4CB-4A0D-A1EE-BBECC848B9F6}" destId="{95AEACC8-FA6B-47EA-AAA5-D4A4A0764D09}" srcOrd="1" destOrd="0" presId="urn:microsoft.com/office/officeart/2016/7/layout/BasicLinearProcessNumbered"/>
+    <dgm:cxn modelId="{DADA3077-1939-4B6E-966E-C79826661AB6}" type="presOf" srcId="{2F2A89E3-CB97-40CA-8709-1C4401E7275D}" destId="{E25AF807-0E72-4557-A186-ADA5BB52A0A3}" srcOrd="0" destOrd="0" presId="urn:microsoft.com/office/officeart/2016/7/layout/BasicLinearProcessNumbered"/>
+    <dgm:cxn modelId="{A84CB358-DEBC-4CA3-A205-8C01F02137FC}" type="presOf" srcId="{6DB67969-0409-4AA4-83F8-C1CA10E77D55}" destId="{1D5F61B4-A4C5-411B-A841-C9D6B439C33B}" srcOrd="0" destOrd="0" presId="urn:microsoft.com/office/officeart/2016/7/layout/BasicLinearProcessNumbered"/>
+    <dgm:cxn modelId="{E3D72E7B-310B-43D4-A0CC-605C5FCB71D5}" srcId="{C896BB6D-C926-4F1D-A772-8829D7549684}" destId="{AF378C8C-92BA-4C3C-9C9D-3B57740C20C3}" srcOrd="3" destOrd="0" parTransId="{D35E43A6-683C-4F01-AE34-5C2DAD0DF765}" sibTransId="{C98F80F0-F8F6-49F7-A481-D1655482A9DB}"/>
+    <dgm:cxn modelId="{6B72B0A2-F77E-448B-868A-63C4CA954701}" srcId="{C896BB6D-C926-4F1D-A772-8829D7549684}" destId="{D5150EDA-844C-4917-9F7E-71CB40042591}" srcOrd="1" destOrd="0" parTransId="{921CB686-6468-41EA-A53D-BC9CC5B5FCD5}" sibTransId="{6DB67969-0409-4AA4-83F8-C1CA10E77D55}"/>
+    <dgm:cxn modelId="{041481CA-9992-4D65-9057-01503A71317A}" type="presOf" srcId="{AF378C8C-92BA-4C3C-9C9D-3B57740C20C3}" destId="{DB689B22-5B74-4981-AA8E-66C5339C7C34}" srcOrd="1" destOrd="0" presId="urn:microsoft.com/office/officeart/2016/7/layout/BasicLinearProcessNumbered"/>
+    <dgm:cxn modelId="{AC0A2ECF-465F-4015-936F-D10E1CB7CC7E}" type="presOf" srcId="{D5150EDA-844C-4917-9F7E-71CB40042591}" destId="{5B207AB0-2600-4298-9AC2-571066FDAD9C}" srcOrd="1" destOrd="0" presId="urn:microsoft.com/office/officeart/2016/7/layout/BasicLinearProcessNumbered"/>
+    <dgm:cxn modelId="{F7FD68D0-C84E-4FD9-B6FF-1EE298A62E61}" type="presOf" srcId="{AF378C8C-92BA-4C3C-9C9D-3B57740C20C3}" destId="{00BC48E7-0E20-423D-8050-8EC9EB23D890}" srcOrd="0" destOrd="0" presId="urn:microsoft.com/office/officeart/2016/7/layout/BasicLinearProcessNumbered"/>
+    <dgm:cxn modelId="{6A3E64D8-F2DF-4B41-8B42-B685EA83DA69}" type="presOf" srcId="{C896BB6D-C926-4F1D-A772-8829D7549684}" destId="{82513505-3768-45C5-8259-D563F3C1A627}" srcOrd="0" destOrd="0" presId="urn:microsoft.com/office/officeart/2016/7/layout/BasicLinearProcessNumbered"/>
+    <dgm:cxn modelId="{D2FBC6D8-561B-4F4B-94D3-8B689158EE4F}" type="presOf" srcId="{02E36B98-AF20-4213-BD6D-C272D13A2D82}" destId="{CB7C6B2B-5EDD-476D-8CE0-C8419CCF40D2}" srcOrd="0" destOrd="0" presId="urn:microsoft.com/office/officeart/2016/7/layout/BasicLinearProcessNumbered"/>
+    <dgm:cxn modelId="{0B0958DB-24AE-4F72-9573-66182E408800}" type="presOf" srcId="{D5150EDA-844C-4917-9F7E-71CB40042591}" destId="{774BE1E4-D1E9-4143-83BB-7D7BA039F2EA}" srcOrd="0" destOrd="0" presId="urn:microsoft.com/office/officeart/2016/7/layout/BasicLinearProcessNumbered"/>
+    <dgm:cxn modelId="{07772DF7-308E-4271-8A7B-EECED563FC0B}" srcId="{C896BB6D-C926-4F1D-A772-8829D7549684}" destId="{EFD2686B-F4CB-4A0D-A1EE-BBECC848B9F6}" srcOrd="0" destOrd="0" parTransId="{00F0AF37-8384-4F18-B29E-A32E6CAB8D83}" sibTransId="{02E36B98-AF20-4213-BD6D-C272D13A2D82}"/>
+    <dgm:cxn modelId="{D749440E-234D-480D-A895-6A6E4E287D81}" type="presParOf" srcId="{82513505-3768-45C5-8259-D563F3C1A627}" destId="{9D02D7BC-8F47-4254-A60E-465629DAF7F7}" srcOrd="0" destOrd="0" presId="urn:microsoft.com/office/officeart/2016/7/layout/BasicLinearProcessNumbered"/>
+    <dgm:cxn modelId="{5704C3CA-8984-4A07-B2DE-AC631FFDEA04}" type="presParOf" srcId="{9D02D7BC-8F47-4254-A60E-465629DAF7F7}" destId="{A28EC902-44D2-4050-A102-F57AAC364BD6}" srcOrd="0" destOrd="0" presId="urn:microsoft.com/office/officeart/2016/7/layout/BasicLinearProcessNumbered"/>
+    <dgm:cxn modelId="{76E77CC6-A1F1-4160-8C84-9B9DCF27C48D}" type="presParOf" srcId="{9D02D7BC-8F47-4254-A60E-465629DAF7F7}" destId="{CB7C6B2B-5EDD-476D-8CE0-C8419CCF40D2}" srcOrd="1" destOrd="0" presId="urn:microsoft.com/office/officeart/2016/7/layout/BasicLinearProcessNumbered"/>
+    <dgm:cxn modelId="{BE9737F8-9B20-4B8D-AC80-A3EF818D9D28}" type="presParOf" srcId="{9D02D7BC-8F47-4254-A60E-465629DAF7F7}" destId="{EFC94AE6-01D5-44A4-8E2B-C837B9117FB4}" srcOrd="2" destOrd="0" presId="urn:microsoft.com/office/officeart/2016/7/layout/BasicLinearProcessNumbered"/>
+    <dgm:cxn modelId="{24A58862-3815-4FF9-BB9A-924DC9AF57A3}" type="presParOf" srcId="{9D02D7BC-8F47-4254-A60E-465629DAF7F7}" destId="{95AEACC8-FA6B-47EA-AAA5-D4A4A0764D09}" srcOrd="3" destOrd="0" presId="urn:microsoft.com/office/officeart/2016/7/layout/BasicLinearProcessNumbered"/>
+    <dgm:cxn modelId="{4F2F9DD4-DECF-46EA-8C37-B8AD611A740A}" type="presParOf" srcId="{82513505-3768-45C5-8259-D563F3C1A627}" destId="{1B4AC405-C770-40BD-9020-176534418A6B}" srcOrd="1" destOrd="0" presId="urn:microsoft.com/office/officeart/2016/7/layout/BasicLinearProcessNumbered"/>
+    <dgm:cxn modelId="{0C5476AC-2969-42CA-809B-F8425D5438CD}" type="presParOf" srcId="{82513505-3768-45C5-8259-D563F3C1A627}" destId="{5053D095-E22B-4CE3-8C01-98C22A25A54C}" srcOrd="2" destOrd="0" presId="urn:microsoft.com/office/officeart/2016/7/layout/BasicLinearProcessNumbered"/>
+    <dgm:cxn modelId="{4050C300-D0FD-47D5-A6A7-F0D2AA670E2A}" type="presParOf" srcId="{5053D095-E22B-4CE3-8C01-98C22A25A54C}" destId="{774BE1E4-D1E9-4143-83BB-7D7BA039F2EA}" srcOrd="0" destOrd="0" presId="urn:microsoft.com/office/officeart/2016/7/layout/BasicLinearProcessNumbered"/>
+    <dgm:cxn modelId="{CD2E9D58-EF97-4D01-ADF8-7B97A57D2DE6}" type="presParOf" srcId="{5053D095-E22B-4CE3-8C01-98C22A25A54C}" destId="{1D5F61B4-A4C5-411B-A841-C9D6B439C33B}" srcOrd="1" destOrd="0" presId="urn:microsoft.com/office/officeart/2016/7/layout/BasicLinearProcessNumbered"/>
+    <dgm:cxn modelId="{97770873-4811-466A-AE5B-73E310FD61C2}" type="presParOf" srcId="{5053D095-E22B-4CE3-8C01-98C22A25A54C}" destId="{AB82BB77-6A4A-4755-85D0-47F519B18BC0}" srcOrd="2" destOrd="0" presId="urn:microsoft.com/office/officeart/2016/7/layout/BasicLinearProcessNumbered"/>
+    <dgm:cxn modelId="{0958C77B-CDF1-4C31-8BF3-9E1DC6A84925}" type="presParOf" srcId="{5053D095-E22B-4CE3-8C01-98C22A25A54C}" destId="{5B207AB0-2600-4298-9AC2-571066FDAD9C}" srcOrd="3" destOrd="0" presId="urn:microsoft.com/office/officeart/2016/7/layout/BasicLinearProcessNumbered"/>
+    <dgm:cxn modelId="{66079E1A-9CA0-4085-8DDC-C9B17C0867C4}" type="presParOf" srcId="{82513505-3768-45C5-8259-D563F3C1A627}" destId="{8FA75F9B-DEA4-4A92-8C93-84FBFFFEF588}" srcOrd="3" destOrd="0" presId="urn:microsoft.com/office/officeart/2016/7/layout/BasicLinearProcessNumbered"/>
+    <dgm:cxn modelId="{F604B884-B90C-43F3-A134-D4B6B431BB37}" type="presParOf" srcId="{82513505-3768-45C5-8259-D563F3C1A627}" destId="{26FAD006-922B-481E-B741-D293EF76EBEC}" srcOrd="4" destOrd="0" presId="urn:microsoft.com/office/officeart/2016/7/layout/BasicLinearProcessNumbered"/>
+    <dgm:cxn modelId="{110E7A11-61C8-49FA-B88C-047240E99887}" type="presParOf" srcId="{26FAD006-922B-481E-B741-D293EF76EBEC}" destId="{0ADE7FB9-60FE-4599-9083-47FDFED43027}" srcOrd="0" destOrd="0" presId="urn:microsoft.com/office/officeart/2016/7/layout/BasicLinearProcessNumbered"/>
+    <dgm:cxn modelId="{CD3A9751-119C-4C28-AA34-73D9129D7C5F}" type="presParOf" srcId="{26FAD006-922B-481E-B741-D293EF76EBEC}" destId="{E25AF807-0E72-4557-A186-ADA5BB52A0A3}" srcOrd="1" destOrd="0" presId="urn:microsoft.com/office/officeart/2016/7/layout/BasicLinearProcessNumbered"/>
+    <dgm:cxn modelId="{487B1771-BFAA-4F18-958B-CD25B19F1256}" type="presParOf" srcId="{26FAD006-922B-481E-B741-D293EF76EBEC}" destId="{537556CC-049C-4873-A942-B7277A916BCF}" srcOrd="2" destOrd="0" presId="urn:microsoft.com/office/officeart/2016/7/layout/BasicLinearProcessNumbered"/>
+    <dgm:cxn modelId="{DA544B39-9DE5-4DEA-B204-0519BD70E190}" type="presParOf" srcId="{26FAD006-922B-481E-B741-D293EF76EBEC}" destId="{62B8C783-DFC1-434F-926B-3EEEAEE4029A}" srcOrd="3" destOrd="0" presId="urn:microsoft.com/office/officeart/2016/7/layout/BasicLinearProcessNumbered"/>
+    <dgm:cxn modelId="{63FAAB10-3E9D-444D-83CE-51ECE1D58260}" type="presParOf" srcId="{82513505-3768-45C5-8259-D563F3C1A627}" destId="{1B84C0B0-CDDF-41B1-A98C-633DF5BCAE64}" srcOrd="5" destOrd="0" presId="urn:microsoft.com/office/officeart/2016/7/layout/BasicLinearProcessNumbered"/>
+    <dgm:cxn modelId="{4E2CE2C4-F4AF-4834-9A36-94E8842E44F2}" type="presParOf" srcId="{82513505-3768-45C5-8259-D563F3C1A627}" destId="{0CD27C0B-9BC0-4CB9-8C6C-7F13E21FB95D}" srcOrd="6" destOrd="0" presId="urn:microsoft.com/office/officeart/2016/7/layout/BasicLinearProcessNumbered"/>
+    <dgm:cxn modelId="{50F42709-C09D-4669-9E26-E19F927DF1D1}" type="presParOf" srcId="{0CD27C0B-9BC0-4CB9-8C6C-7F13E21FB95D}" destId="{00BC48E7-0E20-423D-8050-8EC9EB23D890}" srcOrd="0" destOrd="0" presId="urn:microsoft.com/office/officeart/2016/7/layout/BasicLinearProcessNumbered"/>
+    <dgm:cxn modelId="{14486BF9-F925-47E3-ACB6-8108FE4B5546}" type="presParOf" srcId="{0CD27C0B-9BC0-4CB9-8C6C-7F13E21FB95D}" destId="{D709D669-E545-4E71-93D2-7C87B218CB8E}" srcOrd="1" destOrd="0" presId="urn:microsoft.com/office/officeart/2016/7/layout/BasicLinearProcessNumbered"/>
+    <dgm:cxn modelId="{D95CEF6B-F4C9-4C7D-A165-A4FD1673C7C2}" type="presParOf" srcId="{0CD27C0B-9BC0-4CB9-8C6C-7F13E21FB95D}" destId="{22ED036B-2F42-43E2-BEAA-E00AD252D409}" srcOrd="2" destOrd="0" presId="urn:microsoft.com/office/officeart/2016/7/layout/BasicLinearProcessNumbered"/>
+    <dgm:cxn modelId="{11F70EA0-7F8D-4EBE-8CBB-FD32D903415D}" type="presParOf" srcId="{0CD27C0B-9BC0-4CB9-8C6C-7F13E21FB95D}" destId="{DB689B22-5B74-4981-AA8E-66C5339C7C34}" srcOrd="3" destOrd="0" presId="urn:microsoft.com/office/officeart/2016/7/layout/BasicLinearProcessNumbered"/>
+  </dgm:cxnLst>
+  <dgm:bg/>
+  <dgm:whole/>
+  <dgm:extLst>
+    <a:ext uri="http://schemas.microsoft.com/office/drawing/2008/diagram">
+      <dsp:dataModelExt xmlns:dsp="http://schemas.microsoft.com/office/drawing/2008/diagram" relId="rId7" minVer="http://schemas.openxmlformats.org/drawingml/2006/diagram"/>
+    </a:ext>
+  </dgm:extLst>
+</dgm:dataModel>
+</file>
+
+<file path=ppt/diagrams/drawing1.xml><?xml version="1.0" encoding="utf-8"?>
+<dsp:drawing xmlns:dgm="http://schemas.openxmlformats.org/drawingml/2006/diagram" xmlns:dsp="http://schemas.microsoft.com/office/drawing/2008/diagram" xmlns:a="http://schemas.openxmlformats.org/drawingml/2006/main">
+  <dsp:spTree>
+    <dsp:nvGrpSpPr>
+      <dsp:cNvPr id="0" name=""/>
+      <dsp:cNvGrpSpPr/>
+    </dsp:nvGrpSpPr>
+    <dsp:grpSpPr/>
+    <dsp:sp modelId="{A28EC902-44D2-4050-A102-F57AAC364BD6}">
+      <dsp:nvSpPr>
+        <dsp:cNvPr id="0" name=""/>
+        <dsp:cNvSpPr/>
+      </dsp:nvSpPr>
+      <dsp:spPr>
+        <a:xfrm>
+          <a:off x="3201" y="318495"/>
+          <a:ext cx="2539866" cy="3555813"/>
+        </a:xfrm>
+        <a:prstGeom prst="rect">
+          <a:avLst/>
+        </a:prstGeom>
+        <a:solidFill>
+          <a:schemeClr val="accent2">
+            <a:tint val="40000"/>
+            <a:alpha val="90000"/>
+            <a:hueOff val="0"/>
+            <a:satOff val="0"/>
+            <a:lumOff val="0"/>
+            <a:alphaOff val="0"/>
+          </a:schemeClr>
+        </a:solidFill>
+        <a:ln w="12700" cap="flat" cmpd="sng" algn="ctr">
+          <a:solidFill>
+            <a:schemeClr val="accent2">
+              <a:tint val="40000"/>
+              <a:alpha val="90000"/>
+              <a:hueOff val="0"/>
+              <a:satOff val="0"/>
+              <a:lumOff val="0"/>
+              <a:alphaOff val="0"/>
+            </a:schemeClr>
+          </a:solidFill>
+          <a:prstDash val="solid"/>
+          <a:miter lim="800000"/>
+        </a:ln>
+        <a:effectLst/>
+      </dsp:spPr>
+      <dsp:style>
+        <a:lnRef idx="2">
+          <a:scrgbClr r="0" g="0" b="0"/>
+        </a:lnRef>
+        <a:fillRef idx="1">
+          <a:scrgbClr r="0" g="0" b="0"/>
+        </a:fillRef>
+        <a:effectRef idx="0">
+          <a:scrgbClr r="0" g="0" b="0"/>
+        </a:effectRef>
+        <a:fontRef idx="minor"/>
+      </dsp:style>
+      <dsp:txBody>
+        <a:bodyPr spcFirstLastPara="0" vert="horz" wrap="square" lIns="198018" tIns="330200" rIns="198018" bIns="330200" numCol="1" spcCol="1270" anchor="t" anchorCtr="0">
+          <a:noAutofit/>
+        </a:bodyPr>
+        <a:lstStyle/>
+        <a:p>
+          <a:pPr marL="0" lvl="0" indent="0" algn="l" defTabSz="1022350">
+            <a:lnSpc>
+              <a:spcPct val="90000"/>
+            </a:lnSpc>
+            <a:spcBef>
+              <a:spcPct val="0"/>
+            </a:spcBef>
+            <a:spcAft>
+              <a:spcPct val="35000"/>
+            </a:spcAft>
+            <a:buNone/>
+          </a:pPr>
+          <a:r>
+            <a:rPr lang="en-US" sz="2300" b="0" i="0" kern="1200"/>
+            <a:t>Creating the global modules.</a:t>
+          </a:r>
+          <a:endParaRPr lang="en-US" sz="2300" kern="1200"/>
+        </a:p>
+      </dsp:txBody>
+      <dsp:txXfrm>
+        <a:off x="3201" y="1669704"/>
+        <a:ext cx="2539866" cy="2133487"/>
+      </dsp:txXfrm>
+    </dsp:sp>
+    <dsp:sp modelId="{CB7C6B2B-5EDD-476D-8CE0-C8419CCF40D2}">
+      <dsp:nvSpPr>
+        <dsp:cNvPr id="0" name=""/>
+        <dsp:cNvSpPr/>
+      </dsp:nvSpPr>
+      <dsp:spPr>
+        <a:xfrm>
+          <a:off x="739762" y="674077"/>
+          <a:ext cx="1066743" cy="1066743"/>
+        </a:xfrm>
+        <a:prstGeom prst="ellipse">
+          <a:avLst/>
+        </a:prstGeom>
+        <a:solidFill>
+          <a:schemeClr val="accent2">
+            <a:hueOff val="0"/>
+            <a:satOff val="0"/>
+            <a:lumOff val="0"/>
+            <a:alphaOff val="0"/>
+          </a:schemeClr>
+        </a:solidFill>
+        <a:ln w="12700" cap="flat" cmpd="sng" algn="ctr">
+          <a:solidFill>
+            <a:schemeClr val="accent2">
+              <a:hueOff val="0"/>
+              <a:satOff val="0"/>
+              <a:lumOff val="0"/>
+              <a:alphaOff val="0"/>
+            </a:schemeClr>
+          </a:solidFill>
+          <a:prstDash val="solid"/>
+          <a:miter lim="800000"/>
+        </a:ln>
+        <a:effectLst/>
+      </dsp:spPr>
+      <dsp:style>
+        <a:lnRef idx="2">
+          <a:scrgbClr r="0" g="0" b="0"/>
+        </a:lnRef>
+        <a:fillRef idx="1">
+          <a:scrgbClr r="0" g="0" b="0"/>
+        </a:fillRef>
+        <a:effectRef idx="0">
+          <a:scrgbClr r="0" g="0" b="0"/>
+        </a:effectRef>
+        <a:fontRef idx="minor">
+          <a:schemeClr val="lt1"/>
+        </a:fontRef>
+      </dsp:style>
+      <dsp:txBody>
+        <a:bodyPr spcFirstLastPara="0" vert="horz" wrap="square" lIns="83168" tIns="12700" rIns="83168" bIns="12700" numCol="1" spcCol="1270" anchor="ctr" anchorCtr="0">
+          <a:noAutofit/>
+        </a:bodyPr>
+        <a:lstStyle/>
+        <a:p>
+          <a:pPr marL="0" lvl="0" indent="0" algn="ctr" defTabSz="2133600">
+            <a:lnSpc>
+              <a:spcPct val="90000"/>
+            </a:lnSpc>
+            <a:spcBef>
+              <a:spcPct val="0"/>
+            </a:spcBef>
+            <a:spcAft>
+              <a:spcPct val="35000"/>
+            </a:spcAft>
+            <a:buNone/>
+          </a:pPr>
+          <a:r>
+            <a:rPr lang="en-US" sz="4800" kern="1200"/>
+            <a:t>1</a:t>
+          </a:r>
+        </a:p>
+      </dsp:txBody>
+      <dsp:txXfrm>
+        <a:off x="895983" y="830298"/>
+        <a:ext cx="754301" cy="754301"/>
+      </dsp:txXfrm>
+    </dsp:sp>
+    <dsp:sp modelId="{EFC94AE6-01D5-44A4-8E2B-C837B9117FB4}">
+      <dsp:nvSpPr>
+        <dsp:cNvPr id="0" name=""/>
+        <dsp:cNvSpPr/>
+      </dsp:nvSpPr>
+      <dsp:spPr>
+        <a:xfrm>
+          <a:off x="3201" y="3874237"/>
+          <a:ext cx="2539866" cy="72"/>
+        </a:xfrm>
+        <a:prstGeom prst="rect">
+          <a:avLst/>
+        </a:prstGeom>
+        <a:solidFill>
+          <a:schemeClr val="accent2">
+            <a:hueOff val="-207909"/>
+            <a:satOff val="-11990"/>
+            <a:lumOff val="1233"/>
+            <a:alphaOff val="0"/>
+          </a:schemeClr>
+        </a:solidFill>
+        <a:ln w="12700" cap="flat" cmpd="sng" algn="ctr">
+          <a:solidFill>
+            <a:schemeClr val="accent2">
+              <a:hueOff val="-207909"/>
+              <a:satOff val="-11990"/>
+              <a:lumOff val="1233"/>
+              <a:alphaOff val="0"/>
+            </a:schemeClr>
+          </a:solidFill>
+          <a:prstDash val="solid"/>
+          <a:miter lim="800000"/>
+        </a:ln>
+        <a:effectLst/>
+      </dsp:spPr>
+      <dsp:style>
+        <a:lnRef idx="2">
+          <a:scrgbClr r="0" g="0" b="0"/>
+        </a:lnRef>
+        <a:fillRef idx="1">
+          <a:scrgbClr r="0" g="0" b="0"/>
+        </a:fillRef>
+        <a:effectRef idx="0">
+          <a:scrgbClr r="0" g="0" b="0"/>
+        </a:effectRef>
+        <a:fontRef idx="minor">
+          <a:schemeClr val="lt1"/>
+        </a:fontRef>
+      </dsp:style>
+    </dsp:sp>
+    <dsp:sp modelId="{774BE1E4-D1E9-4143-83BB-7D7BA039F2EA}">
+      <dsp:nvSpPr>
+        <dsp:cNvPr id="0" name=""/>
+        <dsp:cNvSpPr/>
+      </dsp:nvSpPr>
+      <dsp:spPr>
+        <a:xfrm>
+          <a:off x="2797054" y="318495"/>
+          <a:ext cx="2539866" cy="3555813"/>
+        </a:xfrm>
+        <a:prstGeom prst="rect">
+          <a:avLst/>
+        </a:prstGeom>
+        <a:solidFill>
+          <a:schemeClr val="accent2">
+            <a:tint val="40000"/>
+            <a:alpha val="90000"/>
+            <a:hueOff val="-283075"/>
+            <a:satOff val="-25115"/>
+            <a:lumOff val="-256"/>
+            <a:alphaOff val="0"/>
+          </a:schemeClr>
+        </a:solidFill>
+        <a:ln w="12700" cap="flat" cmpd="sng" algn="ctr">
+          <a:solidFill>
+            <a:schemeClr val="accent2">
+              <a:tint val="40000"/>
+              <a:alpha val="90000"/>
+              <a:hueOff val="-283075"/>
+              <a:satOff val="-25115"/>
+              <a:lumOff val="-256"/>
+              <a:alphaOff val="0"/>
+            </a:schemeClr>
+          </a:solidFill>
+          <a:prstDash val="solid"/>
+          <a:miter lim="800000"/>
+        </a:ln>
+        <a:effectLst/>
+      </dsp:spPr>
+      <dsp:style>
+        <a:lnRef idx="2">
+          <a:scrgbClr r="0" g="0" b="0"/>
+        </a:lnRef>
+        <a:fillRef idx="1">
+          <a:scrgbClr r="0" g="0" b="0"/>
+        </a:fillRef>
+        <a:effectRef idx="0">
+          <a:scrgbClr r="0" g="0" b="0"/>
+        </a:effectRef>
+        <a:fontRef idx="minor"/>
+      </dsp:style>
+      <dsp:txBody>
+        <a:bodyPr spcFirstLastPara="0" vert="horz" wrap="square" lIns="198018" tIns="330200" rIns="198018" bIns="330200" numCol="1" spcCol="1270" anchor="t" anchorCtr="0">
+          <a:noAutofit/>
+        </a:bodyPr>
+        <a:lstStyle/>
+        <a:p>
+          <a:pPr marL="0" lvl="0" indent="0" algn="l" defTabSz="1022350">
+            <a:lnSpc>
+              <a:spcPct val="90000"/>
+            </a:lnSpc>
+            <a:spcBef>
+              <a:spcPct val="0"/>
+            </a:spcBef>
+            <a:spcAft>
+              <a:spcPct val="35000"/>
+            </a:spcAft>
+            <a:buNone/>
+          </a:pPr>
+          <a:r>
+            <a:rPr lang="en-US" sz="2300" b="0" i="0" kern="1200"/>
+            <a:t>Cleaning the global modules at the end of each test.</a:t>
+          </a:r>
+          <a:endParaRPr lang="en-US" sz="2300" kern="1200"/>
+        </a:p>
+      </dsp:txBody>
+      <dsp:txXfrm>
+        <a:off x="2797054" y="1669704"/>
+        <a:ext cx="2539866" cy="2133487"/>
+      </dsp:txXfrm>
+    </dsp:sp>
+    <dsp:sp modelId="{1D5F61B4-A4C5-411B-A841-C9D6B439C33B}">
+      <dsp:nvSpPr>
+        <dsp:cNvPr id="0" name=""/>
+        <dsp:cNvSpPr/>
+      </dsp:nvSpPr>
+      <dsp:spPr>
+        <a:xfrm>
+          <a:off x="3533615" y="674077"/>
+          <a:ext cx="1066743" cy="1066743"/>
+        </a:xfrm>
+        <a:prstGeom prst="ellipse">
+          <a:avLst/>
+        </a:prstGeom>
+        <a:solidFill>
+          <a:schemeClr val="accent2">
+            <a:hueOff val="-415818"/>
+            <a:satOff val="-23979"/>
+            <a:lumOff val="2465"/>
+            <a:alphaOff val="0"/>
+          </a:schemeClr>
+        </a:solidFill>
+        <a:ln w="12700" cap="flat" cmpd="sng" algn="ctr">
+          <a:solidFill>
+            <a:schemeClr val="accent2">
+              <a:hueOff val="-415818"/>
+              <a:satOff val="-23979"/>
+              <a:lumOff val="2465"/>
+              <a:alphaOff val="0"/>
+            </a:schemeClr>
+          </a:solidFill>
+          <a:prstDash val="solid"/>
+          <a:miter lim="800000"/>
+        </a:ln>
+        <a:effectLst/>
+      </dsp:spPr>
+      <dsp:style>
+        <a:lnRef idx="2">
+          <a:scrgbClr r="0" g="0" b="0"/>
+        </a:lnRef>
+        <a:fillRef idx="1">
+          <a:scrgbClr r="0" g="0" b="0"/>
+        </a:fillRef>
+        <a:effectRef idx="0">
+          <a:scrgbClr r="0" g="0" b="0"/>
+        </a:effectRef>
+        <a:fontRef idx="minor">
+          <a:schemeClr val="lt1"/>
+        </a:fontRef>
+      </dsp:style>
+      <dsp:txBody>
+        <a:bodyPr spcFirstLastPara="0" vert="horz" wrap="square" lIns="83168" tIns="12700" rIns="83168" bIns="12700" numCol="1" spcCol="1270" anchor="ctr" anchorCtr="0">
+          <a:noAutofit/>
+        </a:bodyPr>
+        <a:lstStyle/>
+        <a:p>
+          <a:pPr marL="0" lvl="0" indent="0" algn="ctr" defTabSz="2133600">
+            <a:lnSpc>
+              <a:spcPct val="90000"/>
+            </a:lnSpc>
+            <a:spcBef>
+              <a:spcPct val="0"/>
+            </a:spcBef>
+            <a:spcAft>
+              <a:spcPct val="35000"/>
+            </a:spcAft>
+            <a:buNone/>
+          </a:pPr>
+          <a:r>
+            <a:rPr lang="en-US" sz="4800" kern="1200"/>
+            <a:t>2</a:t>
+          </a:r>
+        </a:p>
+      </dsp:txBody>
+      <dsp:txXfrm>
+        <a:off x="3689836" y="830298"/>
+        <a:ext cx="754301" cy="754301"/>
+      </dsp:txXfrm>
+    </dsp:sp>
+    <dsp:sp modelId="{AB82BB77-6A4A-4755-85D0-47F519B18BC0}">
+      <dsp:nvSpPr>
+        <dsp:cNvPr id="0" name=""/>
+        <dsp:cNvSpPr/>
+      </dsp:nvSpPr>
+      <dsp:spPr>
+        <a:xfrm>
+          <a:off x="2797054" y="3874237"/>
+          <a:ext cx="2539866" cy="72"/>
+        </a:xfrm>
+        <a:prstGeom prst="rect">
+          <a:avLst/>
+        </a:prstGeom>
+        <a:solidFill>
+          <a:schemeClr val="accent2">
+            <a:hueOff val="-623727"/>
+            <a:satOff val="-35969"/>
+            <a:lumOff val="3698"/>
+            <a:alphaOff val="0"/>
+          </a:schemeClr>
+        </a:solidFill>
+        <a:ln w="12700" cap="flat" cmpd="sng" algn="ctr">
+          <a:solidFill>
+            <a:schemeClr val="accent2">
+              <a:hueOff val="-623727"/>
+              <a:satOff val="-35969"/>
+              <a:lumOff val="3698"/>
+              <a:alphaOff val="0"/>
+            </a:schemeClr>
+          </a:solidFill>
+          <a:prstDash val="solid"/>
+          <a:miter lim="800000"/>
+        </a:ln>
+        <a:effectLst/>
+      </dsp:spPr>
+      <dsp:style>
+        <a:lnRef idx="2">
+          <a:scrgbClr r="0" g="0" b="0"/>
+        </a:lnRef>
+        <a:fillRef idx="1">
+          <a:scrgbClr r="0" g="0" b="0"/>
+        </a:fillRef>
+        <a:effectRef idx="0">
+          <a:scrgbClr r="0" g="0" b="0"/>
+        </a:effectRef>
+        <a:fontRef idx="minor">
+          <a:schemeClr val="lt1"/>
+        </a:fontRef>
+      </dsp:style>
+    </dsp:sp>
+    <dsp:sp modelId="{0ADE7FB9-60FE-4599-9083-47FDFED43027}">
+      <dsp:nvSpPr>
+        <dsp:cNvPr id="0" name=""/>
+        <dsp:cNvSpPr/>
+      </dsp:nvSpPr>
+      <dsp:spPr>
+        <a:xfrm>
+          <a:off x="5590907" y="318495"/>
+          <a:ext cx="2539866" cy="3555813"/>
+        </a:xfrm>
+        <a:prstGeom prst="rect">
+          <a:avLst/>
+        </a:prstGeom>
+        <a:solidFill>
+          <a:schemeClr val="accent2">
+            <a:tint val="40000"/>
+            <a:alpha val="90000"/>
+            <a:hueOff val="-566151"/>
+            <a:satOff val="-50231"/>
+            <a:lumOff val="-513"/>
+            <a:alphaOff val="0"/>
+          </a:schemeClr>
+        </a:solidFill>
+        <a:ln w="12700" cap="flat" cmpd="sng" algn="ctr">
+          <a:solidFill>
+            <a:schemeClr val="accent2">
+              <a:tint val="40000"/>
+              <a:alpha val="90000"/>
+              <a:hueOff val="-566151"/>
+              <a:satOff val="-50231"/>
+              <a:lumOff val="-513"/>
+              <a:alphaOff val="0"/>
+            </a:schemeClr>
+          </a:solidFill>
+          <a:prstDash val="solid"/>
+          <a:miter lim="800000"/>
+        </a:ln>
+        <a:effectLst/>
+      </dsp:spPr>
+      <dsp:style>
+        <a:lnRef idx="2">
+          <a:scrgbClr r="0" g="0" b="0"/>
+        </a:lnRef>
+        <a:fillRef idx="1">
+          <a:scrgbClr r="0" g="0" b="0"/>
+        </a:fillRef>
+        <a:effectRef idx="0">
+          <a:scrgbClr r="0" g="0" b="0"/>
+        </a:effectRef>
+        <a:fontRef idx="minor"/>
+      </dsp:style>
+      <dsp:txBody>
+        <a:bodyPr spcFirstLastPara="0" vert="horz" wrap="square" lIns="198018" tIns="330200" rIns="198018" bIns="330200" numCol="1" spcCol="1270" anchor="t" anchorCtr="0">
+          <a:noAutofit/>
+        </a:bodyPr>
+        <a:lstStyle/>
+        <a:p>
+          <a:pPr marL="0" lvl="0" indent="0" algn="l" defTabSz="1022350">
+            <a:lnSpc>
+              <a:spcPct val="90000"/>
+            </a:lnSpc>
+            <a:spcBef>
+              <a:spcPct val="0"/>
+            </a:spcBef>
+            <a:spcAft>
+              <a:spcPct val="35000"/>
+            </a:spcAft>
+            <a:buNone/>
+          </a:pPr>
+          <a:r>
+            <a:rPr lang="en-US" sz="2300" kern="1200"/>
+            <a:t>Creating the local modules for each test.</a:t>
+          </a:r>
+        </a:p>
+      </dsp:txBody>
+      <dsp:txXfrm>
+        <a:off x="5590907" y="1669704"/>
+        <a:ext cx="2539866" cy="2133487"/>
+      </dsp:txXfrm>
+    </dsp:sp>
+    <dsp:sp modelId="{E25AF807-0E72-4557-A186-ADA5BB52A0A3}">
+      <dsp:nvSpPr>
+        <dsp:cNvPr id="0" name=""/>
+        <dsp:cNvSpPr/>
+      </dsp:nvSpPr>
+      <dsp:spPr>
+        <a:xfrm>
+          <a:off x="6327469" y="674077"/>
+          <a:ext cx="1066743" cy="1066743"/>
+        </a:xfrm>
+        <a:prstGeom prst="ellipse">
+          <a:avLst/>
+        </a:prstGeom>
+        <a:solidFill>
+          <a:schemeClr val="accent2">
+            <a:hueOff val="-831636"/>
+            <a:satOff val="-47959"/>
+            <a:lumOff val="4930"/>
+            <a:alphaOff val="0"/>
+          </a:schemeClr>
+        </a:solidFill>
+        <a:ln w="12700" cap="flat" cmpd="sng" algn="ctr">
+          <a:solidFill>
+            <a:schemeClr val="accent2">
+              <a:hueOff val="-831636"/>
+              <a:satOff val="-47959"/>
+              <a:lumOff val="4930"/>
+              <a:alphaOff val="0"/>
+            </a:schemeClr>
+          </a:solidFill>
+          <a:prstDash val="solid"/>
+          <a:miter lim="800000"/>
+        </a:ln>
+        <a:effectLst/>
+      </dsp:spPr>
+      <dsp:style>
+        <a:lnRef idx="2">
+          <a:scrgbClr r="0" g="0" b="0"/>
+        </a:lnRef>
+        <a:fillRef idx="1">
+          <a:scrgbClr r="0" g="0" b="0"/>
+        </a:fillRef>
+        <a:effectRef idx="0">
+          <a:scrgbClr r="0" g="0" b="0"/>
+        </a:effectRef>
+        <a:fontRef idx="minor">
+          <a:schemeClr val="lt1"/>
+        </a:fontRef>
+      </dsp:style>
+      <dsp:txBody>
+        <a:bodyPr spcFirstLastPara="0" vert="horz" wrap="square" lIns="83168" tIns="12700" rIns="83168" bIns="12700" numCol="1" spcCol="1270" anchor="ctr" anchorCtr="0">
+          <a:noAutofit/>
+        </a:bodyPr>
+        <a:lstStyle/>
+        <a:p>
+          <a:pPr marL="0" lvl="0" indent="0" algn="ctr" defTabSz="2133600">
+            <a:lnSpc>
+              <a:spcPct val="90000"/>
+            </a:lnSpc>
+            <a:spcBef>
+              <a:spcPct val="0"/>
+            </a:spcBef>
+            <a:spcAft>
+              <a:spcPct val="35000"/>
+            </a:spcAft>
+            <a:buNone/>
+          </a:pPr>
+          <a:r>
+            <a:rPr lang="en-US" sz="4800" kern="1200"/>
+            <a:t>3</a:t>
+          </a:r>
+        </a:p>
+      </dsp:txBody>
+      <dsp:txXfrm>
+        <a:off x="6483690" y="830298"/>
+        <a:ext cx="754301" cy="754301"/>
+      </dsp:txXfrm>
+    </dsp:sp>
+    <dsp:sp modelId="{537556CC-049C-4873-A942-B7277A916BCF}">
+      <dsp:nvSpPr>
+        <dsp:cNvPr id="0" name=""/>
+        <dsp:cNvSpPr/>
+      </dsp:nvSpPr>
+      <dsp:spPr>
+        <a:xfrm>
+          <a:off x="5590907" y="3874237"/>
+          <a:ext cx="2539866" cy="72"/>
+        </a:xfrm>
+        <a:prstGeom prst="rect">
+          <a:avLst/>
+        </a:prstGeom>
+        <a:solidFill>
+          <a:schemeClr val="accent2">
+            <a:hueOff val="-1039545"/>
+            <a:satOff val="-59949"/>
+            <a:lumOff val="6163"/>
+            <a:alphaOff val="0"/>
+          </a:schemeClr>
+        </a:solidFill>
+        <a:ln w="12700" cap="flat" cmpd="sng" algn="ctr">
+          <a:solidFill>
+            <a:schemeClr val="accent2">
+              <a:hueOff val="-1039545"/>
+              <a:satOff val="-59949"/>
+              <a:lumOff val="6163"/>
+              <a:alphaOff val="0"/>
+            </a:schemeClr>
+          </a:solidFill>
+          <a:prstDash val="solid"/>
+          <a:miter lim="800000"/>
+        </a:ln>
+        <a:effectLst/>
+      </dsp:spPr>
+      <dsp:style>
+        <a:lnRef idx="2">
+          <a:scrgbClr r="0" g="0" b="0"/>
+        </a:lnRef>
+        <a:fillRef idx="1">
+          <a:scrgbClr r="0" g="0" b="0"/>
+        </a:fillRef>
+        <a:effectRef idx="0">
+          <a:scrgbClr r="0" g="0" b="0"/>
+        </a:effectRef>
+        <a:fontRef idx="minor">
+          <a:schemeClr val="lt1"/>
+        </a:fontRef>
+      </dsp:style>
+    </dsp:sp>
+    <dsp:sp modelId="{00BC48E7-0E20-423D-8050-8EC9EB23D890}">
+      <dsp:nvSpPr>
+        <dsp:cNvPr id="0" name=""/>
+        <dsp:cNvSpPr/>
+      </dsp:nvSpPr>
+      <dsp:spPr>
+        <a:xfrm>
+          <a:off x="8384760" y="318495"/>
+          <a:ext cx="2539866" cy="3555813"/>
+        </a:xfrm>
+        <a:prstGeom prst="rect">
+          <a:avLst/>
+        </a:prstGeom>
+        <a:solidFill>
+          <a:schemeClr val="accent2">
+            <a:tint val="40000"/>
+            <a:alpha val="90000"/>
+            <a:hueOff val="-849226"/>
+            <a:satOff val="-75346"/>
+            <a:lumOff val="-769"/>
+            <a:alphaOff val="0"/>
+          </a:schemeClr>
+        </a:solidFill>
+        <a:ln w="12700" cap="flat" cmpd="sng" algn="ctr">
+          <a:solidFill>
+            <a:schemeClr val="accent2">
+              <a:tint val="40000"/>
+              <a:alpha val="90000"/>
+              <a:hueOff val="-849226"/>
+              <a:satOff val="-75346"/>
+              <a:lumOff val="-769"/>
+              <a:alphaOff val="0"/>
+            </a:schemeClr>
+          </a:solidFill>
+          <a:prstDash val="solid"/>
+          <a:miter lim="800000"/>
+        </a:ln>
+        <a:effectLst/>
+      </dsp:spPr>
+      <dsp:style>
+        <a:lnRef idx="2">
+          <a:scrgbClr r="0" g="0" b="0"/>
+        </a:lnRef>
+        <a:fillRef idx="1">
+          <a:scrgbClr r="0" g="0" b="0"/>
+        </a:fillRef>
+        <a:effectRef idx="0">
+          <a:scrgbClr r="0" g="0" b="0"/>
+        </a:effectRef>
+        <a:fontRef idx="minor"/>
+      </dsp:style>
+      <dsp:txBody>
+        <a:bodyPr spcFirstLastPara="0" vert="horz" wrap="square" lIns="198018" tIns="330200" rIns="198018" bIns="330200" numCol="1" spcCol="1270" anchor="t" anchorCtr="0">
+          <a:noAutofit/>
+        </a:bodyPr>
+        <a:lstStyle/>
+        <a:p>
+          <a:pPr marL="0" lvl="0" indent="0" algn="l" defTabSz="1022350">
+            <a:lnSpc>
+              <a:spcPct val="90000"/>
+            </a:lnSpc>
+            <a:spcBef>
+              <a:spcPct val="0"/>
+            </a:spcBef>
+            <a:spcAft>
+              <a:spcPct val="35000"/>
+            </a:spcAft>
+            <a:buNone/>
+          </a:pPr>
+          <a:r>
+            <a:rPr lang="en-US" sz="2300" kern="1200"/>
+            <a:t>Checking if re-planning is needed and run the offline planer.</a:t>
+          </a:r>
+        </a:p>
+      </dsp:txBody>
+      <dsp:txXfrm>
+        <a:off x="8384760" y="1669704"/>
+        <a:ext cx="2539866" cy="2133487"/>
+      </dsp:txXfrm>
+    </dsp:sp>
+    <dsp:sp modelId="{D709D669-E545-4E71-93D2-7C87B218CB8E}">
+      <dsp:nvSpPr>
+        <dsp:cNvPr id="0" name=""/>
+        <dsp:cNvSpPr/>
+      </dsp:nvSpPr>
+      <dsp:spPr>
+        <a:xfrm>
+          <a:off x="9121322" y="674077"/>
+          <a:ext cx="1066743" cy="1066743"/>
+        </a:xfrm>
+        <a:prstGeom prst="ellipse">
+          <a:avLst/>
+        </a:prstGeom>
+        <a:solidFill>
+          <a:schemeClr val="accent2">
+            <a:hueOff val="-1247454"/>
+            <a:satOff val="-71938"/>
+            <a:lumOff val="7395"/>
+            <a:alphaOff val="0"/>
+          </a:schemeClr>
+        </a:solidFill>
+        <a:ln w="12700" cap="flat" cmpd="sng" algn="ctr">
+          <a:solidFill>
+            <a:schemeClr val="accent2">
+              <a:hueOff val="-1247454"/>
+              <a:satOff val="-71938"/>
+              <a:lumOff val="7395"/>
+              <a:alphaOff val="0"/>
+            </a:schemeClr>
+          </a:solidFill>
+          <a:prstDash val="solid"/>
+          <a:miter lim="800000"/>
+        </a:ln>
+        <a:effectLst/>
+      </dsp:spPr>
+      <dsp:style>
+        <a:lnRef idx="2">
+          <a:scrgbClr r="0" g="0" b="0"/>
+        </a:lnRef>
+        <a:fillRef idx="1">
+          <a:scrgbClr r="0" g="0" b="0"/>
+        </a:fillRef>
+        <a:effectRef idx="0">
+          <a:scrgbClr r="0" g="0" b="0"/>
+        </a:effectRef>
+        <a:fontRef idx="minor">
+          <a:schemeClr val="lt1"/>
+        </a:fontRef>
+      </dsp:style>
+      <dsp:txBody>
+        <a:bodyPr spcFirstLastPara="0" vert="horz" wrap="square" lIns="83168" tIns="12700" rIns="83168" bIns="12700" numCol="1" spcCol="1270" anchor="ctr" anchorCtr="0">
+          <a:noAutofit/>
+        </a:bodyPr>
+        <a:lstStyle/>
+        <a:p>
+          <a:pPr marL="0" lvl="0" indent="0" algn="ctr" defTabSz="2133600">
+            <a:lnSpc>
+              <a:spcPct val="90000"/>
+            </a:lnSpc>
+            <a:spcBef>
+              <a:spcPct val="0"/>
+            </a:spcBef>
+            <a:spcAft>
+              <a:spcPct val="35000"/>
+            </a:spcAft>
+            <a:buNone/>
+          </a:pPr>
+          <a:r>
+            <a:rPr lang="en-US" sz="4800" kern="1200"/>
+            <a:t>4</a:t>
+          </a:r>
+        </a:p>
+      </dsp:txBody>
+      <dsp:txXfrm>
+        <a:off x="9277543" y="830298"/>
+        <a:ext cx="754301" cy="754301"/>
+      </dsp:txXfrm>
+    </dsp:sp>
+    <dsp:sp modelId="{22ED036B-2F42-43E2-BEAA-E00AD252D409}">
+      <dsp:nvSpPr>
+        <dsp:cNvPr id="0" name=""/>
+        <dsp:cNvSpPr/>
+      </dsp:nvSpPr>
+      <dsp:spPr>
+        <a:xfrm>
+          <a:off x="8384760" y="3874237"/>
+          <a:ext cx="2539866" cy="72"/>
+        </a:xfrm>
+        <a:prstGeom prst="rect">
+          <a:avLst/>
+        </a:prstGeom>
+        <a:solidFill>
+          <a:schemeClr val="accent2">
+            <a:hueOff val="-1455363"/>
+            <a:satOff val="-83928"/>
+            <a:lumOff val="8628"/>
+            <a:alphaOff val="0"/>
+          </a:schemeClr>
+        </a:solidFill>
+        <a:ln w="12700" cap="flat" cmpd="sng" algn="ctr">
+          <a:solidFill>
+            <a:schemeClr val="accent2">
+              <a:hueOff val="-1455363"/>
+              <a:satOff val="-83928"/>
+              <a:lumOff val="8628"/>
+              <a:alphaOff val="0"/>
+            </a:schemeClr>
+          </a:solidFill>
+          <a:prstDash val="solid"/>
+          <a:miter lim="800000"/>
+        </a:ln>
+        <a:effectLst/>
+      </dsp:spPr>
+      <dsp:style>
+        <a:lnRef idx="2">
+          <a:scrgbClr r="0" g="0" b="0"/>
+        </a:lnRef>
+        <a:fillRef idx="1">
+          <a:scrgbClr r="0" g="0" b="0"/>
+        </a:fillRef>
+        <a:effectRef idx="0">
+          <a:scrgbClr r="0" g="0" b="0"/>
+        </a:effectRef>
+        <a:fontRef idx="minor">
+          <a:schemeClr val="lt1"/>
+        </a:fontRef>
+      </dsp:style>
+    </dsp:sp>
+  </dsp:spTree>
+</dsp:drawing>
+</file>
+
+<file path=ppt/diagrams/layout1.xml><?xml version="1.0" encoding="utf-8"?>
+<dgm:layoutDef xmlns:dgm="http://schemas.openxmlformats.org/drawingml/2006/diagram" xmlns:a="http://schemas.openxmlformats.org/drawingml/2006/main" uniqueId="urn:microsoft.com/office/officeart/2016/7/layout/BasicLinearProcessNumbered">
+  <dgm:title val="Basic Linear Process Numbered"/>
+  <dgm:desc val="Used to show a progression; a timeline; sequential steps in a task, process, or workflow; or to emphasize movement or direction. Automatic numbers have been introduced to show the steps of the process which appears in a circle. Level 1 and Level 2 text appear in a rectangle."/>
+  <dgm:catLst>
+    <dgm:cat type="process" pri="500"/>
+  </dgm:catLst>
+  <dgm:sampData>
+    <dgm:dataModel>
+      <dgm:ptLst>
+        <dgm:pt modelId="0" type="doc"/>
+        <dgm:pt modelId="1">
+          <dgm:prSet phldr="1"/>
+        </dgm:pt>
+        <dgm:pt modelId="11">
+          <dgm:prSet phldr="1"/>
+        </dgm:pt>
+        <dgm:pt modelId="2">
+          <dgm:prSet phldr="1"/>
+        </dgm:pt>
+        <dgm:pt modelId="21">
+          <dgm:prSet phldr="1"/>
+        </dgm:pt>
+        <dgm:pt modelId="3">
+          <dgm:prSet phldr="1"/>
+        </dgm:pt>
+        <dgm:pt modelId="31">
+          <dgm:prSet phldr="1"/>
+        </dgm:pt>
+        <dgm:pt modelId="101" type="sibTrans" cxnId="4">
+          <dgm:prSet phldrT="1"/>
+          <dgm:t>
+            <a:bodyPr/>
+            <a:lstStyle/>
+            <a:p>
+              <a:r>
+                <a:t>1</a:t>
+              </a:r>
+            </a:p>
+          </dgm:t>
+        </dgm:pt>
+        <dgm:pt modelId="201" type="sibTrans" cxnId="5">
+          <dgm:prSet phldrT="2"/>
+          <dgm:t>
+            <a:bodyPr/>
+            <a:lstStyle/>
+            <a:p>
+              <a:r>
+                <a:t>2</a:t>
+              </a:r>
+            </a:p>
+          </dgm:t>
+        </dgm:pt>
+        <dgm:pt modelId="301" type="sibTrans" cxnId="6">
+          <dgm:prSet phldrT="3"/>
+          <dgm:t>
+            <a:bodyPr/>
+            <a:lstStyle/>
+            <a:p>
+              <a:r>
+                <a:t>3</a:t>
+              </a:r>
+            </a:p>
+          </dgm:t>
+        </dgm:pt>
+      </dgm:ptLst>
+      <dgm:cxnLst>
+        <dgm:cxn modelId="4" srcId="0" destId="1" srcOrd="0" destOrd="0" sibTransId="101"/>
+        <dgm:cxn modelId="5" srcId="0" destId="2" srcOrd="1" destOrd="0" sibTransId="201"/>
+        <dgm:cxn modelId="6" srcId="0" destId="3" srcOrd="2" destOrd="0" sibTransId="301"/>
+        <dgm:cxn modelId="13" srcId="1" destId="11" srcOrd="0" destOrd="0"/>
+        <dgm:cxn modelId="23" srcId="2" destId="21" srcOrd="0" destOrd="0"/>
+        <dgm:cxn modelId="33" srcId="3" destId="31" srcOrd="0" destOrd="0"/>
+      </dgm:cxnLst>
+      <dgm:bg/>
+      <dgm:whole/>
+    </dgm:dataModel>
+  </dgm:sampData>
+  <dgm:styleData>
+    <dgm:dataModel>
+      <dgm:ptLst>
+        <dgm:pt modelId="0" type="doc"/>
+        <dgm:pt modelId="1"/>
+        <dgm:pt modelId="11"/>
+        <dgm:pt modelId="2"/>
+        <dgm:pt modelId="21"/>
+      </dgm:ptLst>
+      <dgm:cxnLst>
+        <dgm:cxn modelId="4" srcId="0" destId="1" srcOrd="0" destOrd="0"/>
+        <dgm:cxn modelId="5" srcId="0" destId="2" srcOrd="1" destOrd="0"/>
+        <dgm:cxn modelId="13" srcId="1" destId="11" srcOrd="0" destOrd="0"/>
+        <dgm:cxn modelId="23" srcId="2" destId="21" srcOrd="0" destOrd="0"/>
+      </dgm:cxnLst>
+      <dgm:bg/>
+      <dgm:whole/>
+    </dgm:dataModel>
+  </dgm:styleData>
+  <dgm:clrData>
+    <dgm:dataModel>
+      <dgm:ptLst>
+        <dgm:pt modelId="0" type="doc"/>
+        <dgm:pt modelId="1"/>
+        <dgm:pt modelId="11"/>
+        <dgm:pt modelId="2"/>
+        <dgm:pt modelId="21"/>
+        <dgm:pt modelId="3"/>
+        <dgm:pt modelId="31"/>
+        <dgm:pt modelId="4"/>
+        <dgm:pt modelId="41"/>
+      </dgm:ptLst>
+      <dgm:cxnLst>
+        <dgm:cxn modelId="5" srcId="0" destId="1" srcOrd="0" destOrd="0"/>
+        <dgm:cxn modelId="6" srcId="0" destId="2" srcOrd="1" destOrd="0"/>
+        <dgm:cxn modelId="7" srcId="0" destId="3" srcOrd="2" destOrd="0"/>
+        <dgm:cxn modelId="8" srcId="0" destId="4" srcOrd="3" destOrd="0"/>
+        <dgm:cxn modelId="13" srcId="1" destId="11" srcOrd="0" destOrd="0"/>
+        <dgm:cxn modelId="23" srcId="2" destId="21" srcOrd="0" destOrd="0"/>
+        <dgm:cxn modelId="33" srcId="3" destId="31" srcOrd="0" destOrd="0"/>
+        <dgm:cxn modelId="43" srcId="4" destId="41" srcOrd="0" destOrd="0"/>
+      </dgm:cxnLst>
+      <dgm:bg/>
+      <dgm:whole/>
+    </dgm:dataModel>
+  </dgm:clrData>
+  <dgm:layoutNode name="Name0">
+    <dgm:varLst>
+      <dgm:animLvl val="lvl"/>
+      <dgm:resizeHandles val="exact"/>
+    </dgm:varLst>
+    <dgm:alg type="lin">
+      <dgm:param type="linDir" val="fromL"/>
+      <dgm:param type="nodeVertAlign" val="t"/>
+    </dgm:alg>
+    <dgm:shape xmlns:r="http://schemas.openxmlformats.org/officeDocument/2006/relationships" r:blip="">
+      <dgm:adjLst/>
+    </dgm:shape>
+    <dgm:presOf/>
+    <dgm:constrLst>
+      <dgm:constr type="h" for="ch" forName="compositeNode" refType="h"/>
+      <dgm:constr type="w" for="ch" forName="compositeNode" refType="w"/>
+      <dgm:constr type="w" for="des" forName="simulatedConn" refType="w" refFor="ch" refForName="compositeNode" fact="0.15"/>
+      <dgm:constr type="h" for="des" forName="simulatedConn" refType="w" refFor="des" refForName="simulatedConn"/>
+      <dgm:constr type="h" for="des" forName="vSp1" refType="w" refFor="ch" refForName="compositeNode" fact="0.8"/>
+      <dgm:constr type="h" for="des" forName="vSp2" refType="w" refFor="ch" refForName="compositeNode" fact="0.07"/>
+      <dgm:constr type="w" for="ch" forName="vProcSp" refType="w" refFor="des" refForName="simulatedConn" op="equ"/>
+      <dgm:constr type="h" for="ch" forName="vProcSp" refType="h" refFor="ch" refForName="compositeNode" op="equ"/>
+      <dgm:constr type="w" for="ch" forName="sibTrans" refType="w" refFor="ch" refForName="compositeNode" fact="0.1"/>
+      <dgm:constr type="primFontSz" for="des" forName="sibTransNodeCircle" op="equ"/>
+      <dgm:constr type="primFontSz" for="des" forName="nodeText" op="equ"/>
+      <dgm:constr type="h" for="des" forName="sibTransNodeCircle" op="equ"/>
+      <dgm:constr type="w" for="des" forName="sibTransNodeCircle" op="equ"/>
+    </dgm:constrLst>
+    <dgm:ruleLst>
+      <dgm:rule type="h" val="NaN" fact="1.2" max="NaN"/>
+    </dgm:ruleLst>
+    <dgm:forEach name="Name4" axis="ch" ptType="node">
+      <dgm:layoutNode name="compositeNode">
+        <dgm:varLst>
+          <dgm:bulletEnabled val="1"/>
+        </dgm:varLst>
+        <dgm:alg type="composite"/>
+        <dgm:constrLst>
+          <dgm:constr type="h" refType="w" op="lte" fact="1.4"/>
+          <dgm:constr type="w" for="ch" forName="bgRect" refType="w"/>
+          <dgm:constr type="h" for="ch" forName="bgRect" refType="h"/>
+          <dgm:constr type="t" for="ch" forName="bgRect"/>
+          <dgm:constr type="l" for="ch" forName="bgRect"/>
+          <dgm:constr type="h" for="ch" forName="sibTransNodeCircle" refType="h" refFor="ch" refForName="bgRect" fact="0.3"/>
+          <dgm:constr type="w" for="ch" forName="sibTransNodeCircle" refType="h" refFor="ch" refForName="sibTransNodeCircle"/>
+          <dgm:constr type="ctrX" for="ch" forName="sibTransNodeCircle" refType="w" fact="0.5"/>
+          <dgm:constr type="ctrY" for="ch" forName="sibTransNodeCircle" refType="h" fact="0.25"/>
+          <dgm:constr type="r" for="ch" forName="nodeText" refType="r" refFor="ch" refForName="bgRect"/>
+          <dgm:constr type="h" for="ch" forName="nodeText" refType="h" refFor="ch" refForName="bgRect" fact="0.6"/>
+          <dgm:constr type="t" for="ch" forName="nodeText" refType="h" refFor="ch" refForName="bgRect" fact="0.38"/>
+          <dgm:constr type="b" for="ch" forName="bottomLine" refType="b" refFor="ch" refForName="bgRect"/>
+          <dgm:constr type="w" for="ch" forName="bottomLine" refType="w" refFor="ch" refForName="bgRect"/>
+          <dgm:constr type="h" for="ch" forName="bottomLine" val="0.002"/>
+        </dgm:constrLst>
+        <dgm:ruleLst/>
+        <dgm:layoutNode name="bgRect" styleLbl="bgAccFollowNode1">
+          <dgm:alg type="sp"/>
+          <dgm:shape xmlns:r="http://schemas.openxmlformats.org/officeDocument/2006/relationships" type="rect" r:blip="">
+            <dgm:adjLst/>
+          </dgm:shape>
+          <dgm:presOf axis="self"/>
+          <dgm:constrLst/>
+          <dgm:ruleLst/>
+        </dgm:layoutNode>
+        <dgm:forEach name="Name19" axis="followSib" ptType="sibTrans" hideLastTrans="0" cnt="1">
+          <dgm:layoutNode name="sibTransNodeCircle" styleLbl="alignNode1">
+            <dgm:varLst>
+              <dgm:chMax val="0"/>
+              <dgm:bulletEnabled/>
+            </dgm:varLst>
+            <dgm:presOf axis="self" ptType="sibTrans"/>
+            <dgm:alg type="tx">
+              <dgm:param type="txAnchorVert" val="mid"/>
+              <dgm:param type="txAnchorHorzCh" val="ctr"/>
+            </dgm:alg>
+            <dgm:shape xmlns:r="http://schemas.openxmlformats.org/officeDocument/2006/relationships" type="ellipse" r:blip="">
+              <dgm:adjLst/>
+            </dgm:shape>
+            <dgm:constrLst>
+              <dgm:constr type="w" refType="h" op="lte"/>
+              <dgm:constr type="primFontSz" val="48"/>
+              <dgm:constr type="tMarg" val="1"/>
+              <dgm:constr type="lMarg" refType="w" fact="0.221"/>
+              <dgm:constr type="rMarg" refType="w" fact="0.221"/>
+              <dgm:constr type="bMarg" val="1"/>
+            </dgm:constrLst>
+            <dgm:ruleLst>
+              <dgm:rule type="primFontSz" val="14" fact="NaN" max="NaN"/>
+            </dgm:ruleLst>
+          </dgm:layoutNode>
+        </dgm:forEach>
+        <dgm:layoutNode name="bottomLine" styleLbl="alignNode1">
+          <dgm:varLst/>
+          <dgm:presOf/>
+          <dgm:alg type="sp"/>
+          <dgm:shape xmlns:r="http://schemas.openxmlformats.org/officeDocument/2006/relationships" type="rect" r:blip="">
+            <dgm:adjLst/>
+          </dgm:shape>
+          <dgm:constrLst/>
+          <dgm:ruleLst/>
+        </dgm:layoutNode>
+        <dgm:layoutNode name="nodeText" styleLbl="bgAccFollowNode1" moveWith="bgRect">
+          <dgm:varLst>
+            <dgm:bulletEnabled val="1"/>
+          </dgm:varLst>
+          <dgm:alg type="tx">
+            <dgm:param type="parTxLTRAlign" val="l"/>
+            <dgm:param type="parTxRTLAlign" val="r"/>
+            <dgm:param type="txAnchorVert" val="t"/>
+          </dgm:alg>
+          <dgm:shape xmlns:r="http://schemas.openxmlformats.org/officeDocument/2006/relationships" type="rect" r:blip="" zOrderOff="-1" hideGeom="1">
+            <dgm:adjLst/>
+          </dgm:shape>
+          <dgm:presOf axis="desOrSelf" ptType="node"/>
+          <dgm:constrLst>
+            <dgm:constr type="primFontSz" val="26"/>
+            <dgm:constr type="tMarg" val="26"/>
+            <dgm:constr type="lMarg" refType="w" fact="0.221"/>
+            <dgm:constr type="rMarg" refType="w" fact="0.221"/>
+            <dgm:constr type="bMarg" val="26"/>
+          </dgm:constrLst>
+          <dgm:ruleLst>
+            <dgm:rule type="primFontSz" val="11" fact="NaN" max="NaN"/>
+          </dgm:ruleLst>
+        </dgm:layoutNode>
+      </dgm:layoutNode>
+      <dgm:forEach name="Name14" axis="followSib" ptType="sibTrans" cnt="1">
+        <dgm:layoutNode name="sibTrans">
+          <dgm:alg type="sp"/>
+          <dgm:shape xmlns:r="http://schemas.openxmlformats.org/officeDocument/2006/relationships" r:blip="">
+            <dgm:adjLst/>
+          </dgm:shape>
+          <dgm:presOf/>
+          <dgm:constrLst/>
+          <dgm:ruleLst/>
+        </dgm:layoutNode>
+      </dgm:forEach>
+    </dgm:forEach>
+  </dgm:layoutNode>
+  <dgm:extLst>
+    <a:ext uri="{4F341089-5ED1-44EC-B178-C955D00A3D55}">
+      <dgm1611:autoBuNodeInfoLst xmlns:dgm1611="http://schemas.microsoft.com/office/drawing/2016/11/diagram">
+        <dgm1611:autoBuNodeInfo lvl="1" ptType="sibTrans">
+          <dgm1611:buPr prefix="" leadZeros="0">
+            <a:buAutoNum type="arabicParenBoth"/>
+          </dgm1611:buPr>
+        </dgm1611:autoBuNodeInfo>
+      </dgm1611:autoBuNodeInfoLst>
+    </a:ext>
+  </dgm:extLst>
+</dgm:layoutDef>
+</file>
+
+<file path=ppt/diagrams/quickStyle1.xml><?xml version="1.0" encoding="utf-8"?>
+<dgm:styleDef xmlns:dgm="http://schemas.openxmlformats.org/drawingml/2006/diagram" xmlns:a="http://schemas.openxmlformats.org/drawingml/2006/main" uniqueId="urn:microsoft.com/office/officeart/2005/8/quickstyle/simple1">
+  <dgm:title val=""/>
+  <dgm:desc val=""/>
+  <dgm:catLst>
+    <dgm:cat type="simple" pri="10100"/>
+  </dgm:catLst>
+  <dgm:scene3d>
+    <a:camera prst="orthographicFront"/>
+    <a:lightRig rig="threePt" dir="t"/>
+  </dgm:scene3d>
+  <dgm:styleLbl name="node0">
+    <dgm:scene3d>
+      <a:camera prst="orthographicFront"/>
+      <a:lightRig rig="threePt" dir="t"/>
+    </dgm:scene3d>
+    <dgm:sp3d/>
+    <dgm:txPr/>
+    <dgm:style>
+      <a:lnRef idx="2">
+        <a:scrgbClr r="0" g="0" b="0"/>
+      </a:lnRef>
+      <a:fillRef idx="1">
+        <a:scrgbClr r="0" g="0" b="0"/>
+      </a:fillRef>
+      <a:effectRef idx="0">
+        <a:scrgbClr r="0" g="0" b="0"/>
+      </a:effectRef>
+      <a:fontRef idx="minor">
+        <a:schemeClr val="lt1"/>
+      </a:fontRef>
+    </dgm:style>
+  </dgm:styleLbl>
+  <dgm:styleLbl name="lnNode1">
+    <dgm:scene3d>
+      <a:camera prst="orthographicFront"/>
+      <a:lightRig rig="threePt" dir="t"/>
+    </dgm:scene3d>
+    <dgm:sp3d/>
+    <dgm:txPr/>
+    <dgm:style>
+      <a:lnRef idx="2">
+        <a:scrgbClr r="0" g="0" b="0"/>
+      </a:lnRef>
+      <a:fillRef idx="1">
+        <a:scrgbClr r="0" g="0" b="0"/>
+      </a:fillRef>
+      <a:effectRef idx="0">
+        <a:scrgbClr r="0" g="0" b="0"/>
+      </a:effectRef>
+      <a:fontRef idx="minor">
+        <a:schemeClr val="lt1"/>
+      </a:fontRef>
+    </dgm:style>
+  </dgm:styleLbl>
+  <dgm:styleLbl name="vennNode1">
+    <dgm:scene3d>
+      <a:camera prst="orthographicFront"/>
+      <a:lightRig rig="threePt" dir="t"/>
+    </dgm:scene3d>
+    <dgm:sp3d/>
+    <dgm:txPr/>
+    <dgm:style>
+      <a:lnRef idx="2">
+        <a:scrgbClr r="0" g="0" b="0"/>
+      </a:lnRef>
+      <a:fillRef idx="1">
+        <a:scrgbClr r="0" g="0" b="0"/>
+      </a:fillRef>
+      <a:effectRef idx="0">
+        <a:scrgbClr r="0" g="0" b="0"/>
+      </a:effectRef>
+      <a:fontRef idx="minor">
+        <a:schemeClr val="tx1"/>
+      </a:fontRef>
+    </dgm:style>
+  </dgm:styleLbl>
+  <dgm:styleLbl name="alignNode1">
+    <dgm:scene3d>
+      <a:camera prst="orthographicFront"/>
+      <a:lightRig rig="threePt" dir="t"/>
+    </dgm:scene3d>
+    <dgm:sp3d/>
+    <dgm:txPr/>
+    <dgm:style>
+      <a:lnRef idx="2">
+        <a:scrgbClr r="0" g="0" b="0"/>
+      </a:lnRef>
+      <a:fillRef idx="1">
+        <a:scrgbClr r="0" g="0" b="0"/>
+      </a:fillRef>
+      <a:effectRef idx="0">
+        <a:scrgbClr r="0" g="0" b="0"/>
+      </a:effectRef>
+      <a:fontRef idx="minor">
+        <a:schemeClr val="lt1"/>
+      </a:fontRef>
+    </dgm:style>
+  </dgm:styleLbl>
+  <dgm:styleLbl name="node1">
+    <dgm:scene3d>
+      <a:camera prst="orthographicFront"/>
+      <a:lightRig rig="threePt" dir="t"/>
+    </dgm:scene3d>
+    <dgm:sp3d/>
+    <dgm:txPr/>
+    <dgm:style>
+      <a:lnRef idx="2">
+        <a:scrgbClr r="0" g="0" b="0"/>
+      </a:lnRef>
+      <a:fillRef idx="1">
+        <a:scrgbClr r="0" g="0" b="0"/>
+      </a:fillRef>
+      <a:effectRef idx="0">
+        <a:scrgbClr r="0" g="0" b="0"/>
+      </a:effectRef>
+      <a:fontRef idx="minor">
+        <a:schemeClr val="lt1"/>
+      </a:fontRef>
+    </dgm:style>
+  </dgm:styleLbl>
+  <dgm:styleLbl name="node2">
+    <dgm:scene3d>
+      <a:camera prst="orthographicFront"/>
+      <a:lightRig rig="threePt" dir="t"/>
+    </dgm:scene3d>
+    <dgm:sp3d/>
+    <dgm:txPr/>
+    <dgm:style>
+      <a:lnRef idx="2">
+        <a:scrgbClr r="0" g="0" b="0"/>
+      </a:lnRef>
+      <a:fillRef idx="1">
+        <a:scrgbClr r="0" g="0" b="0"/>
+      </a:fillRef>
+      <a:effectRef idx="0">
+        <a:scrgbClr r="0" g="0" b="0"/>
+      </a:effectRef>
+      <a:fontRef idx="minor">
+        <a:schemeClr val="lt1"/>
+      </a:fontRef>
+    </dgm:style>
+  </dgm:styleLbl>
+  <dgm:styleLbl name="node3">
+    <dgm:scene3d>
+      <a:camera prst="orthographicFront"/>
+      <a:lightRig rig="threePt" dir="t"/>
+    </dgm:scene3d>
+    <dgm:sp3d/>
+    <dgm:txPr/>
+    <dgm:style>
+      <a:lnRef idx="2">
+        <a:scrgbClr r="0" g="0" b="0"/>
+      </a:lnRef>
+      <a:fillRef idx="1">
+        <a:scrgbClr r="0" g="0" b="0"/>
+      </a:fillRef>
+      <a:effectRef idx="0">
+        <a:scrgbClr r="0" g="0" b="0"/>
+      </a:effectRef>
+      <a:fontRef idx="minor">
+        <a:schemeClr val="lt1"/>
+      </a:fontRef>
+    </dgm:style>
+  </dgm:styleLbl>
+  <dgm:styleLbl name="node4">
+    <dgm:scene3d>
+      <a:camera prst="orthographicFront"/>
+      <a:lightRig rig="threePt" dir="t"/>
+    </dgm:scene3d>
+    <dgm:sp3d/>
+    <dgm:txPr/>
+    <dgm:style>
+      <a:lnRef idx="2">
+        <a:scrgbClr r="0" g="0" b="0"/>
+      </a:lnRef>
+      <a:fillRef idx="1">
+        <a:scrgbClr r="0" g="0" b="0"/>
+      </a:fillRef>
+      <a:effectRef idx="0">
+        <a:scrgbClr r="0" g="0" b="0"/>
+      </a:effectRef>
+      <a:fontRef idx="minor">
+        <a:schemeClr val="lt1"/>
+      </a:fontRef>
+    </dgm:style>
+  </dgm:styleLbl>
+  <dgm:styleLbl name="fgImgPlace1">
+    <dgm:scene3d>
+      <a:camera prst="orthographicFront"/>
+      <a:lightRig rig="threePt" dir="t"/>
+    </dgm:scene3d>
+    <dgm:sp3d/>
+    <dgm:txPr/>
+    <dgm:style>
+      <a:lnRef idx="2">
+        <a:scrgbClr r="0" g="0" b="0"/>
+      </a:lnRef>
+      <a:fillRef idx="1">
+        <a:scrgbClr r="0" g="0" b="0"/>
+      </a:fillRef>
+      <a:effectRef idx="0">
+        <a:scrgbClr r="0" g="0" b="0"/>
+      </a:effectRef>
+      <a:fontRef idx="minor"/>
+    </dgm:style>
+  </dgm:styleLbl>
+  <dgm:styleLbl name="alignImgPlace1">
+    <dgm:scene3d>
+      <a:camera prst="orthographicFront"/>
+      <a:lightRig rig="threePt" dir="t"/>
+    </dgm:scene3d>
+    <dgm:sp3d/>
+    <dgm:txPr/>
+    <dgm:style>
+      <a:lnRef idx="2">
+        <a:scrgbClr r="0" g="0" b="0"/>
+      </a:lnRef>
+      <a:fillRef idx="1">
+        <a:scrgbClr r="0" g="0" b="0"/>
+      </a:fillRef>
+      <a:effectRef idx="0">
+        <a:scrgbClr r="0" g="0" b="0"/>
+      </a:effectRef>
+      <a:fontRef idx="minor"/>
+    </dgm:style>
+  </dgm:styleLbl>
+  <dgm:styleLbl name="bgImgPlace1">
+    <dgm:scene3d>
+      <a:camera prst="orthographicFront"/>
+      <a:lightRig rig="threePt" dir="t"/>
+    </dgm:scene3d>
+    <dgm:sp3d/>
+    <dgm:txPr/>
+    <dgm:style>
+      <a:lnRef idx="2">
+        <a:scrgbClr r="0" g="0" b="0"/>
+      </a:lnRef>
+      <a:fillRef idx="1">
+        <a:scrgbClr r="0" g="0" b="0"/>
+      </a:fillRef>
+      <a:effectRef idx="0">
+        <a:scrgbClr r="0" g="0" b="0"/>
+      </a:effectRef>
+      <a:fontRef idx="minor"/>
+    </dgm:style>
+  </dgm:styleLbl>
+  <dgm:styleLbl name="sibTrans2D1">
+    <dgm:scene3d>
+      <a:camera prst="orthographicFront"/>
+      <a:lightRig rig="threePt" dir="t"/>
+    </dgm:scene3d>
+    <dgm:sp3d/>
+    <dgm:txPr/>
+    <dgm:style>
+      <a:lnRef idx="0">
+        <a:scrgbClr r="0" g="0" b="0"/>
+      </a:lnRef>
+      <a:fillRef idx="1">
+        <a:scrgbClr r="0" g="0" b="0"/>
+      </a:fillRef>
+      <a:effectRef idx="0">
+        <a:scrgbClr r="0" g="0" b="0"/>
+      </a:effectRef>
+      <a:fontRef idx="minor">
+        <a:schemeClr val="lt1"/>
+      </a:fontRef>
+    </dgm:style>
+  </dgm:styleLbl>
+  <dgm:styleLbl name="fgSibTrans2D1">
+    <dgm:scene3d>
+      <a:camera prst="orthographicFront"/>
+      <a:lightRig rig="threePt" dir="t"/>
+    </dgm:scene3d>
+    <dgm:sp3d/>
+    <dgm:txPr/>
+    <dgm:style>
+      <a:lnRef idx="0">
+        <a:scrgbClr r="0" g="0" b="0"/>
+      </a:lnRef>
+      <a:fillRef idx="1">
+        <a:scrgbClr r="0" g="0" b="0"/>
+      </a:fillRef>
+      <a:effectRef idx="0">
+        <a:scrgbClr r="0" g="0" b="0"/>
+      </a:effectRef>
+      <a:fontRef idx="minor">
+        <a:schemeClr val="lt1"/>
+      </a:fontRef>
+    </dgm:style>
+  </dgm:styleLbl>
+  <dgm:styleLbl name="bgSibTrans2D1">
+    <dgm:scene3d>
+      <a:camera prst="orthographicFront"/>
+      <a:lightRig rig="threePt" dir="t"/>
+    </dgm:scene3d>
+    <dgm:sp3d/>
+    <dgm:txPr/>
+    <dgm:style>
+      <a:lnRef idx="0">
+        <a:scrgbClr r="0" g="0" b="0"/>
+      </a:lnRef>
+      <a:fillRef idx="1">
+        <a:scrgbClr r="0" g="0" b="0"/>
+      </a:fillRef>
+      <a:effectRef idx="0">
+        <a:scrgbClr r="0" g="0" b="0"/>
+      </a:effectRef>
+      <a:fontRef idx="minor">
+        <a:schemeClr val="lt1"/>
+      </a:fontRef>
+    </dgm:style>
+  </dgm:styleLbl>
+  <dgm:styleLbl name="sibTrans1D1">
+    <dgm:scene3d>
+      <a:camera prst="orthographicFront"/>
+      <a:lightRig rig="threePt" dir="t"/>
+    </dgm:scene3d>
+    <dgm:sp3d/>
+    <dgm:txPr/>
+    <dgm:style>
+      <a:lnRef idx="1">
+        <a:scrgbClr r="0" g="0" b="0"/>
+      </a:lnRef>
+      <a:fillRef idx="0">
+        <a:scrgbClr r="0" g="0" b="0"/>
+      </a:fillRef>
+      <a:effectRef idx="0">
+        <a:scrgbClr r="0" g="0" b="0"/>
+      </a:effectRef>
+      <a:fontRef idx="minor"/>
+    </dgm:style>
+  </dgm:styleLbl>
+  <dgm:styleLbl name="callout">
+    <dgm:scene3d>
+      <a:camera prst="orthographicFront"/>
+      <a:lightRig rig="threePt" dir="t"/>
+    </dgm:scene3d>
+    <dgm:sp3d/>
+    <dgm:txPr/>
+    <dgm:style>
+      <a:lnRef idx="2">
+        <a:scrgbClr r="0" g="0" b="0"/>
+      </a:lnRef>
+      <a:fillRef idx="1">
+        <a:scrgbClr r="0" g="0" b="0"/>
+      </a:fillRef>
+      <a:effectRef idx="0">
+        <a:scrgbClr r="0" g="0" b="0"/>
+      </a:effectRef>
+      <a:fontRef idx="minor"/>
+    </dgm:style>
+  </dgm:styleLbl>
+  <dgm:styleLbl name="asst0">
+    <dgm:scene3d>
+      <a:camera prst="orthographicFront"/>
+      <a:lightRig rig="threePt" dir="t"/>
+    </dgm:scene3d>
+    <dgm:sp3d/>
+    <dgm:txPr/>
+    <dgm:style>
+      <a:lnRef idx="2">
+        <a:scrgbClr r="0" g="0" b="0"/>
+      </a:lnRef>
+      <a:fillRef idx="1">
+        <a:scrgbClr r="0" g="0" b="0"/>
+      </a:fillRef>
+      <a:effectRef idx="0">
+        <a:scrgbClr r="0" g="0" b="0"/>
+      </a:effectRef>
+      <a:fontRef idx="minor">
+        <a:schemeClr val="lt1"/>
+      </a:fontRef>
+    </dgm:style>
+  </dgm:styleLbl>
+  <dgm:styleLbl name="asst1">
+    <dgm:scene3d>
+      <a:camera prst="orthographicFront"/>
+      <a:lightRig rig="threePt" dir="t"/>
+    </dgm:scene3d>
+    <dgm:sp3d/>
+    <dgm:txPr/>
+    <dgm:style>
+      <a:lnRef idx="2">
+        <a:scrgbClr r="0" g="0" b="0"/>
+      </a:lnRef>
+      <a:fillRef idx="1">
+        <a:scrgbClr r="0" g="0" b="0"/>
+      </a:fillRef>
+      <a:effectRef idx="0">
+        <a:scrgbClr r="0" g="0" b="0"/>
+      </a:effectRef>
+      <a:fontRef idx="minor">
+        <a:schemeClr val="lt1"/>
+      </a:fontRef>
+    </dgm:style>
+  </dgm:styleLbl>
+  <dgm:styleLbl name="asst2">
+    <dgm:scene3d>
+      <a:camera prst="orthographicFront"/>
+      <a:lightRig rig="threePt" dir="t"/>
+    </dgm:scene3d>
+    <dgm:sp3d/>
+    <dgm:txPr/>
+    <dgm:style>
+      <a:lnRef idx="2">
+        <a:scrgbClr r="0" g="0" b="0"/>
+      </a:lnRef>
+      <a:fillRef idx="1">
+        <a:scrgbClr r="0" g="0" b="0"/>
+      </a:fillRef>
+      <a:effectRef idx="0">
+        <a:scrgbClr r="0" g="0" b="0"/>
+      </a:effectRef>
+      <a:fontRef idx="minor">
+        <a:schemeClr val="lt1"/>
+      </a:fontRef>
+    </dgm:style>
+  </dgm:styleLbl>
+  <dgm:styleLbl name="asst3">
+    <dgm:scene3d>
+      <a:camera prst="orthographicFront"/>
+      <a:lightRig rig="threePt" dir="t"/>
+    </dgm:scene3d>
+    <dgm:sp3d/>
+    <dgm:txPr/>
+    <dgm:style>
+      <a:lnRef idx="2">
+        <a:scrgbClr r="0" g="0" b="0"/>
+      </a:lnRef>
+      <a:fillRef idx="1">
+        <a:scrgbClr r="0" g="0" b="0"/>
+      </a:fillRef>
+      <a:effectRef idx="0">
+        <a:scrgbClr r="0" g="0" b="0"/>
+      </a:effectRef>
+      <a:fontRef idx="minor">
+        <a:schemeClr val="lt1"/>
+      </a:fontRef>
+    </dgm:style>
+  </dgm:styleLbl>
+  <dgm:styleLbl name="asst4">
+    <dgm:scene3d>
+      <a:camera prst="orthographicFront"/>
+      <a:lightRig rig="threePt" dir="t"/>
+    </dgm:scene3d>
+    <dgm:sp3d/>
+    <dgm:txPr/>
+    <dgm:style>
+      <a:lnRef idx="2">
+        <a:scrgbClr r="0" g="0" b="0"/>
+      </a:lnRef>
+      <a:fillRef idx="1">
+        <a:scrgbClr r="0" g="0" b="0"/>
+      </a:fillRef>
+      <a:effectRef idx="0">
+        <a:scrgbClr r="0" g="0" b="0"/>
+      </a:effectRef>
+      <a:fontRef idx="minor">
+        <a:schemeClr val="lt1"/>
+      </a:fontRef>
+    </dgm:style>
+  </dgm:styleLbl>
+  <dgm:styleLbl name="parChTrans2D1">
+    <dgm:scene3d>
+      <a:camera prst="orthographicFront"/>
+      <a:lightRig rig="threePt" dir="t"/>
+    </dgm:scene3d>
+    <dgm:sp3d/>
+    <dgm:txPr/>
+    <dgm:style>
+      <a:lnRef idx="2">
+        <a:scrgbClr r="0" g="0" b="0"/>
+      </a:lnRef>
+      <a:fillRef idx="1">
+        <a:scrgbClr r="0" g="0" b="0"/>
+      </a:fillRef>
+      <a:effectRef idx="0">
+        <a:scrgbClr r="0" g="0" b="0"/>
+      </a:effectRef>
+      <a:fontRef idx="minor">
+        <a:schemeClr val="lt1"/>
+      </a:fontRef>
+    </dgm:style>
+  </dgm:styleLbl>
+  <dgm:styleLbl name="parChTrans2D2">
+    <dgm:scene3d>
+      <a:camera prst="orthographicFront"/>
+      <a:lightRig rig="threePt" dir="t"/>
+    </dgm:scene3d>
+    <dgm:sp3d/>
+    <dgm:txPr/>
+    <dgm:style>
+      <a:lnRef idx="2">
+        <a:scrgbClr r="0" g="0" b="0"/>
+      </a:lnRef>
+      <a:fillRef idx="1">
+        <a:scrgbClr r="0" g="0" b="0"/>
+      </a:fillRef>
+      <a:effectRef idx="0">
+        <a:scrgbClr r="0" g="0" b="0"/>
+      </a:effectRef>
+      <a:fontRef idx="minor">
+        <a:schemeClr val="lt1"/>
+      </a:fontRef>
+    </dgm:style>
+  </dgm:styleLbl>
+  <dgm:styleLbl name="parChTrans2D3">
+    <dgm:scene3d>
+      <a:camera prst="orthographicFront"/>
+      <a:lightRig rig="threePt" dir="t"/>
+    </dgm:scene3d>
+    <dgm:sp3d/>
+    <dgm:txPr/>
+    <dgm:style>
+      <a:lnRef idx="2">
+        <a:scrgbClr r="0" g="0" b="0"/>
+      </a:lnRef>
+      <a:fillRef idx="1">
+        <a:scrgbClr r="0" g="0" b="0"/>
+      </a:fillRef>
+      <a:effectRef idx="0">
+        <a:scrgbClr r="0" g="0" b="0"/>
+      </a:effectRef>
+      <a:fontRef idx="minor">
+        <a:schemeClr val="lt1"/>
+      </a:fontRef>
+    </dgm:style>
+  </dgm:styleLbl>
+  <dgm:styleLbl name="parChTrans2D4">
+    <dgm:scene3d>
+      <a:camera prst="orthographicFront"/>
+      <a:lightRig rig="threePt" dir="t"/>
+    </dgm:scene3d>
+    <dgm:sp3d/>
+    <dgm:txPr/>
+    <dgm:style>
+      <a:lnRef idx="2">
+        <a:scrgbClr r="0" g="0" b="0"/>
+      </a:lnRef>
+      <a:fillRef idx="1">
+        <a:scrgbClr r="0" g="0" b="0"/>
+      </a:fillRef>
+      <a:effectRef idx="0">
+        <a:scrgbClr r="0" g="0" b="0"/>
+      </a:effectRef>
+      <a:fontRef idx="minor">
+        <a:schemeClr val="lt1"/>
+      </a:fontRef>
+    </dgm:style>
+  </dgm:styleLbl>
+  <dgm:styleLbl name="parChTrans1D1">
+    <dgm:scene3d>
+      <a:camera prst="orthographicFront"/>
+      <a:lightRig rig="threePt" dir="t"/>
+    </dgm:scene3d>
+    <dgm:sp3d/>
+    <dgm:txPr/>
+    <dgm:style>
+      <a:lnRef idx="2">
+        <a:scrgbClr r="0" g="0" b="0"/>
+      </a:lnRef>
+      <a:fillRef idx="0">
+        <a:scrgbClr r="0" g="0" b="0"/>
+      </a:fillRef>
+      <a:effectRef idx="0">
+        <a:scrgbClr r="0" g="0" b="0"/>
+      </a:effectRef>
+      <a:fontRef idx="minor"/>
+    </dgm:style>
+  </dgm:styleLbl>
+  <dgm:styleLbl name="parChTrans1D2">
+    <dgm:scene3d>
+      <a:camera prst="orthographicFront"/>
+      <a:lightRig rig="threePt" dir="t"/>
+    </dgm:scene3d>
+    <dgm:sp3d/>
+    <dgm:txPr/>
+    <dgm:style>
+      <a:lnRef idx="2">
+        <a:scrgbClr r="0" g="0" b="0"/>
+      </a:lnRef>
+      <a:fillRef idx="0">
+        <a:scrgbClr r="0" g="0" b="0"/>
+      </a:fillRef>
+      <a:effectRef idx="0">
+        <a:scrgbClr r="0" g="0" b="0"/>
+      </a:effectRef>
+      <a:fontRef idx="minor"/>
+    </dgm:style>
+  </dgm:styleLbl>
+  <dgm:styleLbl name="parChTrans1D3">
+    <dgm:scene3d>
+      <a:camera prst="orthographicFront"/>
+      <a:lightRig rig="threePt" dir="t"/>
+    </dgm:scene3d>
+    <dgm:sp3d/>
+    <dgm:txPr/>
+    <dgm:style>
+      <a:lnRef idx="2">
+        <a:scrgbClr r="0" g="0" b="0"/>
+      </a:lnRef>
+      <a:fillRef idx="0">
+        <a:scrgbClr r="0" g="0" b="0"/>
+      </a:fillRef>
+      <a:effectRef idx="0">
+        <a:scrgbClr r="0" g="0" b="0"/>
+      </a:effectRef>
+      <a:fontRef idx="minor"/>
+    </dgm:style>
+  </dgm:styleLbl>
+  <dgm:styleLbl name="parChTrans1D4">
+    <dgm:scene3d>
+      <a:camera prst="orthographicFront"/>
+      <a:lightRig rig="threePt" dir="t"/>
+    </dgm:scene3d>
+    <dgm:sp3d/>
+    <dgm:txPr/>
+    <dgm:style>
+      <a:lnRef idx="2">
+        <a:scrgbClr r="0" g="0" b="0"/>
+      </a:lnRef>
+      <a:fillRef idx="0">
+        <a:scrgbClr r="0" g="0" b="0"/>
+      </a:fillRef>
+      <a:effectRef idx="0">
+        <a:scrgbClr r="0" g="0" b="0"/>
+      </a:effectRef>
+      <a:fontRef idx="minor"/>
+    </dgm:style>
+  </dgm:styleLbl>
+  <dgm:styleLbl name="fgAcc1">
+    <dgm:scene3d>
+      <a:camera prst="orthographicFront"/>
+      <a:lightRig rig="threePt" dir="t"/>
+    </dgm:scene3d>
+    <dgm:sp3d/>
+    <dgm:txPr/>
+    <dgm:style>
+      <a:lnRef idx="2">
+        <a:scrgbClr r="0" g="0" b="0"/>
+      </a:lnRef>
+      <a:fillRef idx="1">
+        <a:scrgbClr r="0" g="0" b="0"/>
+      </a:fillRef>
+      <a:effectRef idx="0">
+        <a:scrgbClr r="0" g="0" b="0"/>
+      </a:effectRef>
+      <a:fontRef idx="minor"/>
+    </dgm:style>
+  </dgm:styleLbl>
+  <dgm:styleLbl name="conFgAcc1">
+    <dgm:scene3d>
+      <a:camera prst="orthographicFront"/>
+      <a:lightRig rig="threePt" dir="t"/>
+    </dgm:scene3d>
+    <dgm:sp3d/>
+    <dgm:txPr/>
+    <dgm:style>
+      <a:lnRef idx="2">
+        <a:scrgbClr r="0" g="0" b="0"/>
+      </a:lnRef>
+      <a:fillRef idx="1">
+        <a:scrgbClr r="0" g="0" b="0"/>
+      </a:fillRef>
+      <a:effectRef idx="0">
+        <a:scrgbClr r="0" g="0" b="0"/>
+      </a:effectRef>
+      <a:fontRef idx="minor"/>
+    </dgm:style>
+  </dgm:styleLbl>
+  <dgm:styleLbl name="alignAcc1">
+    <dgm:scene3d>
+      <a:camera prst="orthographicFront"/>
+      <a:lightRig rig="threePt" dir="t"/>
+    </dgm:scene3d>
+    <dgm:sp3d/>
+    <dgm:txPr/>
+    <dgm:style>
+      <a:lnRef idx="2">
+        <a:scrgbClr r="0" g="0" b="0"/>
+      </a:lnRef>
+      <a:fillRef idx="1">
+        <a:scrgbClr r="0" g="0" b="0"/>
+      </a:fillRef>
+      <a:effectRef idx="0">
+        <a:scrgbClr r="0" g="0" b="0"/>
+      </a:effectRef>
+      <a:fontRef idx="minor"/>
+    </dgm:style>
+  </dgm:styleLbl>
+  <dgm:styleLbl name="trAlignAcc1">
+    <dgm:scene3d>
+      <a:camera prst="orthographicFront"/>
+      <a:lightRig rig="threePt" dir="t"/>
+    </dgm:scene3d>
+    <dgm:sp3d/>
+    <dgm:txPr/>
+    <dgm:style>
+      <a:lnRef idx="1">
+        <a:scrgbClr r="0" g="0" b="0"/>
+      </a:lnRef>
+      <a:fillRef idx="1">
+        <a:scrgbClr r="0" g="0" b="0"/>
+      </a:fillRef>
+      <a:effectRef idx="0">
+        <a:scrgbClr r="0" g="0" b="0"/>
+      </a:effectRef>
+      <a:fontRef idx="minor"/>
+    </dgm:style>
+  </dgm:styleLbl>
+  <dgm:styleLbl name="bgAcc1">
+    <dgm:scene3d>
+      <a:camera prst="orthographicFront"/>
+      <a:lightRig rig="threePt" dir="t"/>
+    </dgm:scene3d>
+    <dgm:sp3d/>
+    <dgm:txPr/>
+    <dgm:style>
+      <a:lnRef idx="2">
+        <a:scrgbClr r="0" g="0" b="0"/>
+      </a:lnRef>
+      <a:fillRef idx="1">
+        <a:scrgbClr r="0" g="0" b="0"/>
+      </a:fillRef>
+      <a:effectRef idx="0">
+        <a:scrgbClr r="0" g="0" b="0"/>
+      </a:effectRef>
+      <a:fontRef idx="minor"/>
+    </dgm:style>
+  </dgm:styleLbl>
+  <dgm:styleLbl name="solidFgAcc1">
+    <dgm:scene3d>
+      <a:camera prst="orthographicFront"/>
+      <a:lightRig rig="threePt" dir="t"/>
+    </dgm:scene3d>
+    <dgm:sp3d/>
+    <dgm:txPr/>
+    <dgm:style>
+      <a:lnRef idx="2">
+        <a:scrgbClr r="0" g="0" b="0"/>
+      </a:lnRef>
+      <a:fillRef idx="1">
+        <a:scrgbClr r="0" g="0" b="0"/>
+      </a:fillRef>
+      <a:effectRef idx="0">
+        <a:scrgbClr r="0" g="0" b="0"/>
+      </a:effectRef>
+      <a:fontRef idx="minor"/>
+    </dgm:style>
+  </dgm:styleLbl>
+  <dgm:styleLbl name="solidAlignAcc1">
+    <dgm:scene3d>
+      <a:camera prst="orthographicFront"/>
+      <a:lightRig rig="threePt" dir="t"/>
+    </dgm:scene3d>
+    <dgm:sp3d/>
+    <dgm:txPr/>
+    <dgm:style>
+      <a:lnRef idx="2">
+        <a:scrgbClr r="0" g="0" b="0"/>
+      </a:lnRef>
+      <a:fillRef idx="1">
+        <a:scrgbClr r="0" g="0" b="0"/>
+      </a:fillRef>
+      <a:effectRef idx="0">
+        <a:scrgbClr r="0" g="0" b="0"/>
+      </a:effectRef>
+      <a:fontRef idx="minor"/>
+    </dgm:style>
+  </dgm:styleLbl>
+  <dgm:styleLbl name="solidBgAcc1">
+    <dgm:scene3d>
+      <a:camera prst="orthographicFront"/>
+      <a:lightRig rig="threePt" dir="t"/>
+    </dgm:scene3d>
+    <dgm:sp3d/>
+    <dgm:txPr/>
+    <dgm:style>
+      <a:lnRef idx="2">
+        <a:scrgbClr r="0" g="0" b="0"/>
+      </a:lnRef>
+      <a:fillRef idx="1">
+        <a:scrgbClr r="0" g="0" b="0"/>
+      </a:fillRef>
+      <a:effectRef idx="0">
+        <a:scrgbClr r="0" g="0" b="0"/>
+      </a:effectRef>
+      <a:fontRef idx="minor"/>
+    </dgm:style>
+  </dgm:styleLbl>
+  <dgm:styleLbl name="fgAccFollowNode1">
+    <dgm:scene3d>
+      <a:camera prst="orthographicFront"/>
+      <a:lightRig rig="threePt" dir="t"/>
+    </dgm:scene3d>
+    <dgm:sp3d/>
+    <dgm:txPr/>
+    <dgm:style>
+      <a:lnRef idx="2">
+        <a:scrgbClr r="0" g="0" b="0"/>
+      </a:lnRef>
+      <a:fillRef idx="1">
+        <a:scrgbClr r="0" g="0" b="0"/>
+      </a:fillRef>
+      <a:effectRef idx="0">
+        <a:scrgbClr r="0" g="0" b="0"/>
+      </a:effectRef>
+      <a:fontRef idx="minor"/>
+    </dgm:style>
+  </dgm:styleLbl>
+  <dgm:styleLbl name="alignAccFollowNode1">
+    <dgm:scene3d>
+      <a:camera prst="orthographicFront"/>
+      <a:lightRig rig="threePt" dir="t"/>
+    </dgm:scene3d>
+    <dgm:sp3d/>
+    <dgm:txPr/>
+    <dgm:style>
+      <a:lnRef idx="2">
+        <a:scrgbClr r="0" g="0" b="0"/>
+      </a:lnRef>
+      <a:fillRef idx="1">
+        <a:scrgbClr r="0" g="0" b="0"/>
+      </a:fillRef>
+      <a:effectRef idx="0">
+        <a:scrgbClr r="0" g="0" b="0"/>
+      </a:effectRef>
+      <a:fontRef idx="minor"/>
+    </dgm:style>
+  </dgm:styleLbl>
+  <dgm:styleLbl name="bgAccFollowNode1">
+    <dgm:scene3d>
+      <a:camera prst="orthographicFront"/>
+      <a:lightRig rig="threePt" dir="t"/>
+    </dgm:scene3d>
+    <dgm:sp3d/>
+    <dgm:txPr/>
+    <dgm:style>
+      <a:lnRef idx="2">
+        <a:scrgbClr r="0" g="0" b="0"/>
+      </a:lnRef>
+      <a:fillRef idx="1">
+        <a:scrgbClr r="0" g="0" b="0"/>
+      </a:fillRef>
+      <a:effectRef idx="0">
+        <a:scrgbClr r="0" g="0" b="0"/>
+      </a:effectRef>
+      <a:fontRef idx="minor"/>
+    </dgm:style>
+  </dgm:styleLbl>
+  <dgm:styleLbl name="fgAcc0">
+    <dgm:scene3d>
+      <a:camera prst="orthographicFront"/>
+      <a:lightRig rig="threePt" dir="t"/>
+    </dgm:scene3d>
+    <dgm:sp3d/>
+    <dgm:txPr/>
+    <dgm:style>
+      <a:lnRef idx="2">
+        <a:scrgbClr r="0" g="0" b="0"/>
+      </a:lnRef>
+      <a:fillRef idx="1">
+        <a:scrgbClr r="0" g="0" b="0"/>
+      </a:fillRef>
+      <a:effectRef idx="0">
+        <a:scrgbClr r="0" g="0" b="0"/>
+      </a:effectRef>
+      <a:fontRef idx="minor"/>
+    </dgm:style>
+  </dgm:styleLbl>
+  <dgm:styleLbl name="fgAcc2">
+    <dgm:scene3d>
+      <a:camera prst="orthographicFront"/>
+      <a:lightRig rig="threePt" dir="t"/>
+    </dgm:scene3d>
+    <dgm:sp3d/>
+    <dgm:txPr/>
+    <dgm:style>
+      <a:lnRef idx="2">
+        <a:scrgbClr r="0" g="0" b="0"/>
+      </a:lnRef>
+      <a:fillRef idx="1">
+        <a:scrgbClr r="0" g="0" b="0"/>
+      </a:fillRef>
+      <a:effectRef idx="0">
+        <a:scrgbClr r="0" g="0" b="0"/>
+      </a:effectRef>
+      <a:fontRef idx="minor"/>
+    </dgm:style>
+  </dgm:styleLbl>
+  <dgm:styleLbl name="fgAcc3">
+    <dgm:scene3d>
+      <a:camera prst="orthographicFront"/>
+      <a:lightRig rig="threePt" dir="t"/>
+    </dgm:scene3d>
+    <dgm:sp3d/>
+    <dgm:txPr/>
+    <dgm:style>
+      <a:lnRef idx="2">
+        <a:scrgbClr r="0" g="0" b="0"/>
+      </a:lnRef>
+      <a:fillRef idx="1">
+        <a:scrgbClr r="0" g="0" b="0"/>
+      </a:fillRef>
+      <a:effectRef idx="0">
+        <a:scrgbClr r="0" g="0" b="0"/>
+      </a:effectRef>
+      <a:fontRef idx="minor"/>
+    </dgm:style>
+  </dgm:styleLbl>
+  <dgm:styleLbl name="fgAcc4">
+    <dgm:scene3d>
+      <a:camera prst="orthographicFront"/>
+      <a:lightRig rig="threePt" dir="t"/>
+    </dgm:scene3d>
+    <dgm:sp3d/>
+    <dgm:txPr/>
+    <dgm:style>
+      <a:lnRef idx="2">
+        <a:scrgbClr r="0" g="0" b="0"/>
+      </a:lnRef>
+      <a:fillRef idx="1">
+        <a:scrgbClr r="0" g="0" b="0"/>
+      </a:fillRef>
+      <a:effectRef idx="0">
+        <a:scrgbClr r="0" g="0" b="0"/>
+      </a:effectRef>
+      <a:fontRef idx="minor"/>
+    </dgm:style>
+  </dgm:styleLbl>
+  <dgm:styleLbl name="bgShp">
+    <dgm:scene3d>
+      <a:camera prst="orthographicFront"/>
+      <a:lightRig rig="threePt" dir="t"/>
+    </dgm:scene3d>
+    <dgm:sp3d/>
+    <dgm:txPr/>
+    <dgm:style>
+      <a:lnRef idx="0">
+        <a:scrgbClr r="0" g="0" b="0"/>
+      </a:lnRef>
+      <a:fillRef idx="1">
+        <a:scrgbClr r="0" g="0" b="0"/>
+      </a:fillRef>
+      <a:effectRef idx="0">
+        <a:scrgbClr r="0" g="0" b="0"/>
+      </a:effectRef>
+      <a:fontRef idx="minor"/>
+    </dgm:style>
+  </dgm:styleLbl>
+  <dgm:styleLbl name="dkBgShp">
+    <dgm:scene3d>
+      <a:camera prst="orthographicFront"/>
+      <a:lightRig rig="threePt" dir="t"/>
+    </dgm:scene3d>
+    <dgm:sp3d/>
+    <dgm:txPr/>
+    <dgm:style>
+      <a:lnRef idx="0">
+        <a:scrgbClr r="0" g="0" b="0"/>
+      </a:lnRef>
+      <a:fillRef idx="1">
+        <a:scrgbClr r="0" g="0" b="0"/>
+      </a:fillRef>
+      <a:effectRef idx="0">
+        <a:scrgbClr r="0" g="0" b="0"/>
+      </a:effectRef>
+      <a:fontRef idx="minor"/>
+    </dgm:style>
+  </dgm:styleLbl>
+  <dgm:styleLbl name="trBgShp">
+    <dgm:scene3d>
+      <a:camera prst="orthographicFront"/>
+      <a:lightRig rig="threePt" dir="t"/>
+    </dgm:scene3d>
+    <dgm:sp3d/>
+    <dgm:txPr/>
+    <dgm:style>
+      <a:lnRef idx="0">
+        <a:scrgbClr r="0" g="0" b="0"/>
+      </a:lnRef>
+      <a:fillRef idx="1">
+        <a:scrgbClr r="0" g="0" b="0"/>
+      </a:fillRef>
+      <a:effectRef idx="0">
+        <a:scrgbClr r="0" g="0" b="0"/>
+      </a:effectRef>
+      <a:fontRef idx="minor"/>
+    </dgm:style>
+  </dgm:styleLbl>
+  <dgm:styleLbl name="fgShp">
+    <dgm:scene3d>
+      <a:camera prst="orthographicFront"/>
+      <a:lightRig rig="threePt" dir="t"/>
+    </dgm:scene3d>
+    <dgm:sp3d/>
+    <dgm:txPr/>
+    <dgm:style>
+      <a:lnRef idx="2">
+        <a:scrgbClr r="0" g="0" b="0"/>
+      </a:lnRef>
+      <a:fillRef idx="1">
+        <a:scrgbClr r="0" g="0" b="0"/>
+      </a:fillRef>
+      <a:effectRef idx="0">
+        <a:scrgbClr r="0" g="0" b="0"/>
+      </a:effectRef>
+      <a:fontRef idx="minor"/>
+    </dgm:style>
+  </dgm:styleLbl>
+  <dgm:styleLbl name="revTx">
+    <dgm:scene3d>
+      <a:camera prst="orthographicFront"/>
+      <a:lightRig rig="threePt" dir="t"/>
+    </dgm:scene3d>
+    <dgm:sp3d/>
+    <dgm:txPr/>
+    <dgm:style>
+      <a:lnRef idx="0">
+        <a:scrgbClr r="0" g="0" b="0"/>
+      </a:lnRef>
+      <a:fillRef idx="0">
+        <a:scrgbClr r="0" g="0" b="0"/>
+      </a:fillRef>
+      <a:effectRef idx="0">
+        <a:scrgbClr r="0" g="0" b="0"/>
+      </a:effectRef>
+      <a:fontRef idx="minor"/>
+    </dgm:style>
+  </dgm:styleLbl>
+</dgm:styleDef>
+</file>
+
 <file path=ppt/handoutMasters/handoutMaster1.xml><?xml version="1.0" encoding="utf-8"?>
 <p:handoutMaster xmlns:a="http://schemas.openxmlformats.org/drawingml/2006/main" xmlns:r="http://schemas.openxmlformats.org/officeDocument/2006/relationships" xmlns:p="http://schemas.openxmlformats.org/presentationml/2006/main">
   <p:cSld>
@@ -2675,7 +6287,7 @@
           <a:p>
             <a:fld id="{45724847-4CA4-4B6E-A07B-DA883A6BD188}" type="datetimeFigureOut">
               <a:rPr lang="he-IL" smtClean="0"/>
-              <a:t>כ"ב/חשון/תשפ"ב</a:t>
+              <a:t>ד'/כסלו/תשפ"ב</a:t>
             </a:fld>
             <a:endParaRPr lang="he-IL"/>
           </a:p>
@@ -2857,7 +6469,7 @@
           <a:p>
             <a:fld id="{09A75E60-B2A5-4C51-B815-E2BF31CBADA7}" type="datetimeFigureOut">
               <a:rPr lang="he-IL" smtClean="0"/>
-              <a:t>כ"ב/חשון/תשפ"ב</a:t>
+              <a:t>ד'/כסלו/תשפ"ב</a:t>
             </a:fld>
             <a:endParaRPr lang="he-IL"/>
           </a:p>
@@ -3169,61 +6781,110 @@
           <a:bodyPr/>
           <a:lstStyle/>
           <a:p>
-            <a:pPr marL="171450" indent="-171450">
-              <a:buFontTx/>
-              <a:buChar char="-"/>
-            </a:pPr>
-            <a:r>
-              <a:rPr lang="he-IL" dirty="0"/>
-              <a:t>רקע ומה זה </a:t>
-            </a:r>
-            <a:r>
-              <a:rPr lang="en-US" dirty="0"/>
-              <a:t>STN</a:t>
-            </a:r>
-            <a:r>
-              <a:rPr lang="he-IL" dirty="0"/>
-              <a:t> בעיות תיכנון עם אילוצים, חיפוש בגרך ואלגוריתם חיפוש עם </a:t>
-            </a:r>
-            <a:r>
-              <a:rPr lang="he-IL" dirty="0" err="1"/>
-              <a:t>יורסטיקות</a:t>
-            </a:r>
-            <a:endParaRPr lang="he-IL" dirty="0"/>
-          </a:p>
-          <a:p>
-            <a:pPr marL="171450" indent="-171450">
-              <a:buFontTx/>
-              <a:buChar char="-"/>
-            </a:pPr>
-            <a:r>
-              <a:rPr lang="he-IL" dirty="0"/>
-              <a:t>הסבר פשטני על </a:t>
-            </a:r>
-            <a:r>
-              <a:rPr lang="en-US" dirty="0"/>
-              <a:t>STN</a:t>
-            </a:r>
-            <a:r>
-              <a:rPr lang="he-IL" dirty="0"/>
-              <a:t> דומה של תיקון פיוז</a:t>
-            </a:r>
-          </a:p>
-          <a:p>
-            <a:pPr marL="171450" indent="-171450">
-              <a:buFontTx/>
-              <a:buChar char="-"/>
-            </a:pPr>
-            <a:r>
-              <a:rPr lang="he-IL" dirty="0"/>
-              <a:t>הסבר על תהליך הלמידה שלנו על הנושאים ~ חודשיים</a:t>
-            </a:r>
-          </a:p>
-          <a:p>
-            <a:pPr marL="171450" indent="-171450">
-              <a:buFontTx/>
-              <a:buChar char="-"/>
-            </a:pPr>
+            <a:r>
+              <a:rPr lang="he-IL" sz="1100" dirty="0">
+                <a:latin typeface="+mn-lt"/>
+              </a:rPr>
+              <a:t>היי, אנחנו יואב כהן והודיה כהן אדיב.</a:t>
+            </a:r>
+          </a:p>
+          <a:p>
+            <a:r>
+              <a:rPr lang="he-IL" sz="1100" dirty="0">
+                <a:latin typeface="+mn-lt"/>
+              </a:rPr>
+              <a:t>ואנחנו נציג לכם עכשיו את מצגת הסיום של פרויקט א' שלנו, בהנחיית איל </a:t>
+            </a:r>
+            <a:r>
+              <a:rPr lang="he-IL" sz="1100" dirty="0" err="1">
+                <a:latin typeface="+mn-lt"/>
+              </a:rPr>
+              <a:t>טייטלר</a:t>
+            </a:r>
+            <a:r>
+              <a:rPr lang="he-IL" sz="1100" dirty="0">
+                <a:latin typeface="+mn-lt"/>
+              </a:rPr>
+              <a:t>.</a:t>
+            </a:r>
+          </a:p>
+          <a:p>
+            <a:r>
+              <a:rPr lang="he-IL" sz="1100" dirty="0">
+                <a:latin typeface="+mn-lt"/>
+              </a:rPr>
+              <a:t>הפרויקט הוא בניית אלגוריתם </a:t>
+            </a:r>
+            <a:r>
+              <a:rPr lang="en-US" sz="1100" dirty="0">
+                <a:latin typeface="+mn-lt"/>
+              </a:rPr>
+              <a:t>online</a:t>
+            </a:r>
+            <a:r>
+              <a:rPr lang="he-IL" sz="1100" dirty="0">
+                <a:latin typeface="+mn-lt"/>
+              </a:rPr>
+              <a:t> לניהול המראות ונחיתות של מטוסים.</a:t>
+            </a:r>
+          </a:p>
+          <a:p>
+            <a:r>
+              <a:rPr lang="he-IL" sz="1100" dirty="0">
+                <a:latin typeface="+mn-lt"/>
+              </a:rPr>
+              <a:t>זה הוא פרויקט המשך לפרויקט בו, כתבו אלגוריתם </a:t>
+            </a:r>
+            <a:r>
+              <a:rPr lang="en-US" sz="1100" dirty="0">
+                <a:latin typeface="+mn-lt"/>
+              </a:rPr>
+              <a:t>offline</a:t>
+            </a:r>
+            <a:r>
+              <a:rPr lang="he-IL" sz="1100" dirty="0">
+                <a:latin typeface="+mn-lt"/>
+              </a:rPr>
+              <a:t> לאותה מטרה.</a:t>
+            </a:r>
+          </a:p>
+          <a:p>
+            <a:endParaRPr lang="he-IL" sz="1100" dirty="0">
+              <a:latin typeface="+mn-lt"/>
+            </a:endParaRPr>
+          </a:p>
+          <a:p>
+            <a:r>
+              <a:rPr lang="he-IL" sz="1100" dirty="0">
+                <a:latin typeface="+mn-lt"/>
+              </a:rPr>
+              <a:t>זו הייתה ההתנסות הראשונה שלנו בעבודה מעשית בתכנון עם אילוצי זמנים ותכנות בזמן-אמת.</a:t>
+            </a:r>
+          </a:p>
+          <a:p>
+            <a:r>
+              <a:rPr lang="he-IL" sz="1100" dirty="0">
+                <a:latin typeface="+mn-lt"/>
+              </a:rPr>
+              <a:t>למדנו המון מהפרויקט וגם נהנינו מהדרך!</a:t>
+            </a:r>
+          </a:p>
+          <a:p>
+            <a:endParaRPr lang="he-IL" sz="1100" dirty="0">
+              <a:latin typeface="+mj-lt"/>
+            </a:endParaRPr>
+          </a:p>
+          <a:p>
+            <a:endParaRPr lang="he-IL" sz="1100" dirty="0">
+              <a:latin typeface="+mj-lt"/>
+            </a:endParaRPr>
+          </a:p>
+          <a:p>
+            <a:endParaRPr lang="he-IL" sz="1100" dirty="0">
+              <a:latin typeface="+mn-lt"/>
+            </a:endParaRPr>
+          </a:p>
+          <a:p>
             <a:endParaRPr lang="he-IL" dirty="0"/>
           </a:p>
         </p:txBody>
@@ -3268,7 +6929,7 @@
           <a:p>
             <a:fld id="{5D87C9B3-3F36-45D2-B699-10C699E739B9}" type="slidenum">
               <a:rPr lang="he-IL" smtClean="0"/>
-              <a:t>4</a:t>
+              <a:t>1</a:t>
             </a:fld>
             <a:endParaRPr lang="he-IL"/>
           </a:p>
@@ -3277,7 +6938,7 @@
     </p:spTree>
     <p:extLst>
       <p:ext uri="{BB962C8B-B14F-4D97-AF65-F5344CB8AC3E}">
-        <p14:creationId xmlns:p14="http://schemas.microsoft.com/office/powerpoint/2010/main" val="1160170663"/>
+        <p14:creationId xmlns:p14="http://schemas.microsoft.com/office/powerpoint/2010/main" val="3893690261"/>
       </p:ext>
     </p:extLst>
   </p:cSld>
@@ -3375,7 +7036,7 @@
           <a:p>
             <a:fld id="{5D87C9B3-3F36-45D2-B699-10C699E739B9}" type="slidenum">
               <a:rPr lang="he-IL" smtClean="0"/>
-              <a:t>13</a:t>
+              <a:t>17</a:t>
             </a:fld>
             <a:endParaRPr lang="he-IL"/>
           </a:p>
@@ -3384,7 +7045,7 @@
     </p:spTree>
     <p:extLst>
       <p:ext uri="{BB962C8B-B14F-4D97-AF65-F5344CB8AC3E}">
-        <p14:creationId xmlns:p14="http://schemas.microsoft.com/office/powerpoint/2010/main" val="3276345102"/>
+        <p14:creationId xmlns:p14="http://schemas.microsoft.com/office/powerpoint/2010/main" val="777958349"/>
       </p:ext>
     </p:extLst>
   </p:cSld>
@@ -3440,43 +7101,42 @@
           <a:p>
             <a:r>
               <a:rPr lang="he-IL" dirty="0"/>
-              <a:t>הסימולטור מדמה את מצב העולם, אין לא יכולת החלטה על ביצוע של דברים אלא הוא מקבל פקודות בלבד ועושה אותן.</a:t>
+              <a:t>הרשימה שלפיה נקבע מי הפעולה הבאה לביצוע לפי סדר כרונולוגי של תחיל ביצוע.</a:t>
             </a:r>
           </a:p>
           <a:p>
             <a:r>
               <a:rPr lang="he-IL" dirty="0"/>
-              <a:t>במידה ומודול ההפרעות החליט על הפרעה הסימולטור מוסיף את משך ההפרעה לפעולה המתאימה.</a:t>
+              <a:t>רשימה זו מחזיקה מצביעים לצמתי בגרף.</a:t>
             </a:r>
           </a:p>
           <a:p>
             <a:r>
               <a:rPr lang="he-IL" dirty="0"/>
-              <a:t>הסימולטור בכל התחלה וסיום של פעולה חדשה מבצע </a:t>
+              <a:t>הרשימה היא תור עדיפויות על פי הזמן שבו הפעולה אמורה להתחיל. (ממוש על ידי </a:t>
             </a:r>
             <a:r>
               <a:rPr lang="he-IL" dirty="0" err="1"/>
-              <a:t>עידכון</a:t>
+              <a:t>ערימת</a:t>
             </a:r>
             <a:r>
               <a:rPr lang="he-IL" dirty="0"/>
-              <a:t> של מודול מצב העולם.</a:t>
+              <a:t> מינימום).</a:t>
             </a:r>
           </a:p>
           <a:p>
             <a:r>
               <a:rPr lang="he-IL" dirty="0"/>
-              <a:t>הסימולטור בכל מחזור שעון מוריד יחידת זמן מנורמלת מכלל הפעולות שכרגע בביצוע.</a:t>
-            </a:r>
-          </a:p>
-          <a:p>
+              <a:t>פעולות שהזמן שלהן הגיע אך טרם מוכנות (עקב הפרעה או שינוי סדר פעולות על ידי הבקר) מקבלות קנס של יחידת זמן אחת ובכך אנו משנים את סדר הפעולות </a:t>
+            </a:r>
+            <a:r>
+              <a:rPr lang="he-IL" dirty="0" err="1"/>
+              <a:t>מהתכנית</a:t>
+            </a:r>
             <a:r>
               <a:rPr lang="he-IL" dirty="0"/>
-              <a:t>הסימולטור הוא "מקבילי" כלומר ייתכן שבאותו מחזור שעון יתחילו\ יסתיימו מספר פעולות במקביל.</a:t>
-            </a:r>
-          </a:p>
-          <a:p>
-            <a:endParaRPr lang="he-IL" dirty="0"/>
+              <a:t> המקורית.</a:t>
+            </a:r>
           </a:p>
         </p:txBody>
       </p:sp>
@@ -3520,7 +7180,7 @@
           <a:p>
             <a:fld id="{5D87C9B3-3F36-45D2-B699-10C699E739B9}" type="slidenum">
               <a:rPr lang="he-IL" smtClean="0"/>
-              <a:t>14</a:t>
+              <a:t>18</a:t>
             </a:fld>
             <a:endParaRPr lang="he-IL"/>
           </a:p>
@@ -3529,7 +7189,7 @@
     </p:spTree>
     <p:extLst>
       <p:ext uri="{BB962C8B-B14F-4D97-AF65-F5344CB8AC3E}">
-        <p14:creationId xmlns:p14="http://schemas.microsoft.com/office/powerpoint/2010/main" val="551762232"/>
+        <p14:creationId xmlns:p14="http://schemas.microsoft.com/office/powerpoint/2010/main" val="243888583"/>
       </p:ext>
     </p:extLst>
   </p:cSld>
@@ -3583,16 +7243,7 @@
           <a:bodyPr/>
           <a:lstStyle/>
           <a:p>
-            <a:r>
-              <a:rPr lang="he-IL" dirty="0"/>
-              <a:t>הסדר בדומה לבקר אך הפרמטר מיון הוא משך הפעולה, ייתכן שמשך הפעולה כולל הפרעה שהתקבלה.</a:t>
-            </a:r>
-          </a:p>
-          <a:p>
-            <a:r>
-              <a:rPr lang="he-IL" dirty="0"/>
-              <a:t>כל מחזור שעון מורידים יחידת זמן מנורמלת מכלל הפעולות שכרגע בביצוע.</a:t>
-            </a:r>
+            <a:endParaRPr lang="he-IL" dirty="0"/>
           </a:p>
         </p:txBody>
       </p:sp>
@@ -3636,7 +7287,7 @@
           <a:p>
             <a:fld id="{5D87C9B3-3F36-45D2-B699-10C699E739B9}" type="slidenum">
               <a:rPr lang="he-IL" smtClean="0"/>
-              <a:t>15</a:t>
+              <a:t>19</a:t>
             </a:fld>
             <a:endParaRPr lang="he-IL"/>
           </a:p>
@@ -3645,7 +7296,7 @@
     </p:spTree>
     <p:extLst>
       <p:ext uri="{BB962C8B-B14F-4D97-AF65-F5344CB8AC3E}">
-        <p14:creationId xmlns:p14="http://schemas.microsoft.com/office/powerpoint/2010/main" val="2543853672"/>
+        <p14:creationId xmlns:p14="http://schemas.microsoft.com/office/powerpoint/2010/main" val="3276345102"/>
       </p:ext>
     </p:extLst>
   </p:cSld>
@@ -3701,8 +7352,43 @@
           <a:p>
             <a:r>
               <a:rPr lang="he-IL" dirty="0"/>
-              <a:t>בעיות בייצוג של 0 במחשב לכן הגדרנו "0" עבור הבעיה שלנו</a:t>
-            </a:r>
+              <a:t>הסימולטור מדמה את מצב העולם, אין לא יכולת החלטה על ביצוע של דברים אלא הוא מקבל פקודות בלבד ועושה אותן.</a:t>
+            </a:r>
+          </a:p>
+          <a:p>
+            <a:r>
+              <a:rPr lang="he-IL" dirty="0"/>
+              <a:t>במידה ומודול ההפרעות החליט על הפרעה הסימולטור מוסיף את משך ההפרעה לפעולה המתאימה.</a:t>
+            </a:r>
+          </a:p>
+          <a:p>
+            <a:r>
+              <a:rPr lang="he-IL" dirty="0"/>
+              <a:t>הסימולטור בכל התחלה וסיום של פעולה חדשה מבצע </a:t>
+            </a:r>
+            <a:r>
+              <a:rPr lang="he-IL" dirty="0" err="1"/>
+              <a:t>עידכון</a:t>
+            </a:r>
+            <a:r>
+              <a:rPr lang="he-IL" dirty="0"/>
+              <a:t> של מודול מצב העולם.</a:t>
+            </a:r>
+          </a:p>
+          <a:p>
+            <a:r>
+              <a:rPr lang="he-IL" dirty="0"/>
+              <a:t>הסימולטור בכל מחזור שעון מוריד יחידת זמן מנורמלת מכלל הפעולות שכרגע בביצוע.</a:t>
+            </a:r>
+          </a:p>
+          <a:p>
+            <a:r>
+              <a:rPr lang="he-IL" dirty="0"/>
+              <a:t>הסימולטור הוא "מקבילי" כלומר ייתכן שבאותו מחזור שעון יתחילו\ יסתיימו מספר פעולות במקביל.</a:t>
+            </a:r>
+          </a:p>
+          <a:p>
+            <a:endParaRPr lang="he-IL" dirty="0"/>
           </a:p>
         </p:txBody>
       </p:sp>
@@ -3746,7 +7432,7 @@
           <a:p>
             <a:fld id="{5D87C9B3-3F36-45D2-B699-10C699E739B9}" type="slidenum">
               <a:rPr lang="he-IL" smtClean="0"/>
-              <a:t>16</a:t>
+              <a:t>20</a:t>
             </a:fld>
             <a:endParaRPr lang="he-IL"/>
           </a:p>
@@ -3755,7 +7441,7 @@
     </p:spTree>
     <p:extLst>
       <p:ext uri="{BB962C8B-B14F-4D97-AF65-F5344CB8AC3E}">
-        <p14:creationId xmlns:p14="http://schemas.microsoft.com/office/powerpoint/2010/main" val="1534296304"/>
+        <p14:creationId xmlns:p14="http://schemas.microsoft.com/office/powerpoint/2010/main" val="551762232"/>
       </p:ext>
     </p:extLst>
   </p:cSld>
@@ -3811,35 +7497,13 @@
           <a:p>
             <a:r>
               <a:rPr lang="he-IL" dirty="0"/>
-              <a:t>מודול אשר מרכז את התקשורת עבור כלל התכנית.</a:t>
+              <a:t>הסדר בדומה לבקר אך הפרמטר מיון הוא משך הפעולה, ייתכן שמשך הפעולה כולל הפרעה שהתקבלה.</a:t>
             </a:r>
           </a:p>
           <a:p>
             <a:r>
               <a:rPr lang="he-IL" dirty="0"/>
-              <a:t>שאר המודולים מדברים דרכו דרך מערכת סיגנלים.</a:t>
-            </a:r>
-          </a:p>
-          <a:p>
-            <a:r>
-              <a:rPr lang="he-IL" dirty="0"/>
-              <a:t>בתחילת המימוש התקשורת התבצעה ישירות בין </a:t>
-            </a:r>
-            <a:r>
-              <a:rPr lang="he-IL" dirty="0" err="1"/>
-              <a:t>המודלוים</a:t>
-            </a:r>
-            <a:r>
-              <a:rPr lang="he-IL" dirty="0"/>
-              <a:t> מה שגרר צימוד גבוה של התכנית שלנו ולכן יצרנו מודול זה על מנת לבטל את התלויות החזקות שנוצרו </a:t>
-            </a:r>
-            <a:r>
-              <a:rPr lang="he-IL" dirty="0" err="1"/>
-              <a:t>בתכנית</a:t>
-            </a:r>
-            <a:r>
-              <a:rPr lang="he-IL" dirty="0"/>
-              <a:t>.</a:t>
+              <a:t>כל מחזור שעון מורידים יחידת זמן מנורמלת מכלל הפעולות שכרגע בביצוע.</a:t>
             </a:r>
           </a:p>
         </p:txBody>
@@ -3884,7 +7548,7 @@
           <a:p>
             <a:fld id="{5D87C9B3-3F36-45D2-B699-10C699E739B9}" type="slidenum">
               <a:rPr lang="he-IL" smtClean="0"/>
-              <a:t>17</a:t>
+              <a:t>21</a:t>
             </a:fld>
             <a:endParaRPr lang="he-IL"/>
           </a:p>
@@ -3893,7 +7557,7 @@
     </p:spTree>
     <p:extLst>
       <p:ext uri="{BB962C8B-B14F-4D97-AF65-F5344CB8AC3E}">
-        <p14:creationId xmlns:p14="http://schemas.microsoft.com/office/powerpoint/2010/main" val="3654397469"/>
+        <p14:creationId xmlns:p14="http://schemas.microsoft.com/office/powerpoint/2010/main" val="2543853672"/>
       </p:ext>
     </p:extLst>
   </p:cSld>
@@ -3949,93 +7613,8 @@
           <a:p>
             <a:r>
               <a:rPr lang="he-IL" dirty="0"/>
-              <a:t>מודול זה מדמה לנו את ציר הזמן אשר מיוצג באופן דיסקרטי.</a:t>
-            </a:r>
-          </a:p>
-          <a:p>
-            <a:r>
-              <a:rPr lang="he-IL" dirty="0"/>
-              <a:t>בתחילת התכנית עבדנו עם זמן רציף אך לאחר בעיות מימוש רבות והתייעצות עם איל החלטנו לעבור לזמן בדיד.</a:t>
-            </a:r>
-          </a:p>
-          <a:p>
-            <a:r>
-              <a:rPr lang="he-IL" dirty="0"/>
-              <a:t>היתרון בזמן בדיד הוא יכולת לנרמל את ציר הזמן בקלות, יכולת מעקב אחריי הפעולות בצורה יעילה יותר.</a:t>
-            </a:r>
-          </a:p>
-          <a:p>
-            <a:endParaRPr lang="he-IL" dirty="0"/>
-          </a:p>
-          <a:p>
-            <a:r>
-              <a:rPr lang="he-IL" dirty="0"/>
-              <a:t>ערך השעון – מספר יחידות הזמן שעברו.</a:t>
-            </a:r>
-          </a:p>
-          <a:p>
-            <a:r>
-              <a:rPr lang="he-IL" dirty="0"/>
-              <a:t>אפסילון – ערך זה מכווץ או מותח את ציר הזמן.</a:t>
-            </a:r>
-          </a:p>
-          <a:p>
-            <a:r>
-              <a:rPr lang="he-IL" dirty="0"/>
-              <a:t>אפס – כיוון שאפסילון יכול להיות מאוד קטן יש בעיה של ייצוג מספרים לא שלמים במחשב ולכן נאלצנו לייצר "0" כך שנוכל להשוות אליו זמנים דיסקרטיים בצורה נכונה.</a:t>
-            </a:r>
-          </a:p>
-          <a:p>
-            <a:endParaRPr lang="he-IL" dirty="0"/>
-          </a:p>
-          <a:p>
-            <a:r>
-              <a:rPr lang="he-IL" dirty="0"/>
-              <a:t>השעון מבצע לולאה אינסופית אשר בכל איטרציה:</a:t>
-            </a:r>
-          </a:p>
-          <a:p>
-            <a:pPr marL="228600" indent="-228600">
-              <a:buAutoNum type="arabicPeriod"/>
-            </a:pPr>
-            <a:r>
-              <a:rPr lang="he-IL" dirty="0"/>
-              <a:t>נבדק האם הטסט הסתיים.</a:t>
-            </a:r>
-          </a:p>
-          <a:p>
-            <a:pPr marL="228600" indent="-228600">
-              <a:buAutoNum type="arabicPeriod"/>
-            </a:pPr>
-            <a:r>
-              <a:rPr lang="he-IL" dirty="0"/>
-              <a:t>נבדק האם יש צורך בקידום השעון (כתלות בפעולות שהתבצעו בסימולטור ובבקר).</a:t>
-            </a:r>
-          </a:p>
-          <a:p>
-            <a:pPr marL="228600" indent="-228600">
-              <a:buAutoNum type="arabicPeriod"/>
-            </a:pPr>
-            <a:r>
-              <a:rPr lang="he-IL" dirty="0" err="1"/>
-              <a:t>עידכון</a:t>
-            </a:r>
-            <a:r>
-              <a:rPr lang="he-IL" dirty="0"/>
-              <a:t> כלל העוקבים כי התבצע\לא התבצע אירוע שעון.</a:t>
-            </a:r>
-          </a:p>
-          <a:p>
-            <a:pPr marL="228600" indent="-228600">
-              <a:buAutoNum type="arabicPeriod"/>
-            </a:pPr>
-            <a:endParaRPr lang="he-IL" dirty="0"/>
-          </a:p>
-          <a:p>
-            <a:pPr marL="228600" indent="-228600">
-              <a:buAutoNum type="arabicPeriod"/>
-            </a:pPr>
-            <a:endParaRPr lang="he-IL" dirty="0"/>
+              <a:t>בעיות בייצוג של 0 במחשב לכן הגדרנו "0" עבור הבעיה שלנו</a:t>
+            </a:r>
           </a:p>
         </p:txBody>
       </p:sp>
@@ -4079,7 +7658,7 @@
           <a:p>
             <a:fld id="{5D87C9B3-3F36-45D2-B699-10C699E739B9}" type="slidenum">
               <a:rPr lang="he-IL" smtClean="0"/>
-              <a:t>18</a:t>
+              <a:t>22</a:t>
             </a:fld>
             <a:endParaRPr lang="he-IL"/>
           </a:p>
@@ -4088,7 +7667,7 @@
     </p:spTree>
     <p:extLst>
       <p:ext uri="{BB962C8B-B14F-4D97-AF65-F5344CB8AC3E}">
-        <p14:creationId xmlns:p14="http://schemas.microsoft.com/office/powerpoint/2010/main" val="3802725460"/>
+        <p14:creationId xmlns:p14="http://schemas.microsoft.com/office/powerpoint/2010/main" val="1534296304"/>
       </p:ext>
     </p:extLst>
   </p:cSld>
@@ -4144,64 +7723,36 @@
           <a:p>
             <a:r>
               <a:rPr lang="he-IL" dirty="0"/>
-              <a:t>מודול זה מייצג את מצב העולם ומתעדכן בעקבות הסימולטור.</a:t>
+              <a:t>מודול אשר מרכז את התקשורת עבור כלל התכנית.</a:t>
             </a:r>
           </a:p>
           <a:p>
             <a:r>
               <a:rPr lang="he-IL" dirty="0"/>
-              <a:t>המודול מחזיק וקטור של מטוסים אשר כל תא במערך מייצג את המצב של המטוס באינדקס המתאים. (להסביר על המצבים השונים).</a:t>
+              <a:t>שאר המודולים מדברים דרכו דרך מערכת סיגנלים.</a:t>
             </a:r>
           </a:p>
           <a:p>
             <a:r>
               <a:rPr lang="he-IL" dirty="0"/>
-              <a:t>המודול מחזיק וקטור של נתיבים כאשר כל תא במערך מייצג האם הנתיב פנוי(-1) או שהנתיב תפוס ואז הערך הוא המספר המזהה של המטוס באותו נתיב.</a:t>
-            </a:r>
-          </a:p>
-          <a:p>
+              <a:t>בתחילת המימוש התקשורת התבצעה ישירות בין </a:t>
+            </a:r>
+            <a:r>
+              <a:rPr lang="he-IL" dirty="0" err="1"/>
+              <a:t>המודלוים</a:t>
+            </a:r>
             <a:r>
               <a:rPr lang="he-IL" dirty="0"/>
-              <a:t>מטרת מודול זה הוא:</a:t>
-            </a:r>
-          </a:p>
-          <a:p>
-            <a:pPr marL="228600" indent="-228600">
-              <a:buAutoNum type="arabicPeriod"/>
-            </a:pPr>
+              <a:t> מה שגרר צימוד גבוה של התכנית שלנו ולכן יצרנו מודול זה על מנת לבטל את התלויות החזקות שנוצרו </a:t>
+            </a:r>
+            <a:r>
+              <a:rPr lang="he-IL" dirty="0" err="1"/>
+              <a:t>בתכנית</a:t>
+            </a:r>
             <a:r>
               <a:rPr lang="he-IL" dirty="0"/>
-              <a:t>לממש את פונקציית החוקיות שהבקר קורא לה </a:t>
-            </a:r>
-            <a:r>
-              <a:rPr lang="he-IL" dirty="0" err="1"/>
-              <a:t>והלחזיר</a:t>
-            </a:r>
-            <a:r>
-              <a:rPr lang="he-IL" dirty="0"/>
-              <a:t> האם המצב הבא חוקי או לא.</a:t>
-            </a:r>
-          </a:p>
-          <a:p>
-            <a:pPr marL="228600" indent="-228600">
-              <a:buAutoNum type="arabicPeriod"/>
-            </a:pPr>
-            <a:r>
-              <a:rPr lang="he-IL" dirty="0"/>
-              <a:t>לבצע הקפאה של מצב העולם וכתיבת קובץ קונפיגורציה חדש במידה ונדרש תיכנון מחדש, תיכנון מחדש מתרחש בעקבות החזרת ערך שגיאה מפונקציית החוקיות.</a:t>
-            </a:r>
-          </a:p>
-          <a:p>
-            <a:pPr marL="228600" indent="-228600">
-              <a:buAutoNum type="arabicPeriod"/>
-            </a:pPr>
-            <a:endParaRPr lang="he-IL" dirty="0"/>
-          </a:p>
-          <a:p>
-            <a:pPr marL="0" indent="0">
-              <a:buNone/>
-            </a:pPr>
-            <a:endParaRPr lang="he-IL" dirty="0"/>
+              <a:t>.</a:t>
+            </a:r>
           </a:p>
         </p:txBody>
       </p:sp>
@@ -4245,7 +7796,7 @@
           <a:p>
             <a:fld id="{5D87C9B3-3F36-45D2-B699-10C699E739B9}" type="slidenum">
               <a:rPr lang="he-IL" smtClean="0"/>
-              <a:t>19</a:t>
+              <a:t>23</a:t>
             </a:fld>
             <a:endParaRPr lang="he-IL"/>
           </a:p>
@@ -4254,7 +7805,7 @@
     </p:spTree>
     <p:extLst>
       <p:ext uri="{BB962C8B-B14F-4D97-AF65-F5344CB8AC3E}">
-        <p14:creationId xmlns:p14="http://schemas.microsoft.com/office/powerpoint/2010/main" val="202044522"/>
+        <p14:creationId xmlns:p14="http://schemas.microsoft.com/office/powerpoint/2010/main" val="3654397469"/>
       </p:ext>
     </p:extLst>
   </p:cSld>
@@ -4310,25 +7861,49 @@
           <a:p>
             <a:r>
               <a:rPr lang="he-IL" dirty="0"/>
-              <a:t>מודול זה מייצג את מצב העולם ומתעדכן בעקבות הסימולטור.</a:t>
+              <a:t>מודול זה מדמה לנו את ציר הזמן אשר מיוצג באופן דיסקרטי.</a:t>
             </a:r>
           </a:p>
           <a:p>
             <a:r>
               <a:rPr lang="he-IL" dirty="0"/>
-              <a:t>המודול מחזיק וקטור של מטוסים אשר כל תא במערך מייצג את המצב של המטוס באינדקס המתאים. (להסביר על המצבים השונים).</a:t>
+              <a:t>בתחילת התכנית עבדנו עם זמן רציף אך לאחר בעיות מימוש רבות והתייעצות עם איל החלטנו לעבור לזמן בדיד.</a:t>
             </a:r>
           </a:p>
           <a:p>
             <a:r>
               <a:rPr lang="he-IL" dirty="0"/>
-              <a:t>המודול מחזיק וקטור של נתיבים כאשר כל תא במערך מייצג האם הנתיב פנוי(-1) או שהנתיב תפוס ואז הערך הוא המספר המזהה של המטוס באותו נתיב.</a:t>
-            </a:r>
+              <a:t>היתרון בזמן בדיד הוא יכולת לנרמל את ציר הזמן בקלות, יכולת מעקב אחריי הפעולות בצורה יעילה יותר.</a:t>
+            </a:r>
+          </a:p>
+          <a:p>
+            <a:endParaRPr lang="he-IL" dirty="0"/>
           </a:p>
           <a:p>
             <a:r>
               <a:rPr lang="he-IL" dirty="0"/>
-              <a:t>מטרת מודול זה הוא:</a:t>
+              <a:t>ערך השעון – מספר יחידות הזמן שעברו.</a:t>
+            </a:r>
+          </a:p>
+          <a:p>
+            <a:r>
+              <a:rPr lang="he-IL" dirty="0"/>
+              <a:t>אפסילון – ערך זה מכווץ או מותח את ציר הזמן.</a:t>
+            </a:r>
+          </a:p>
+          <a:p>
+            <a:r>
+              <a:rPr lang="he-IL" dirty="0"/>
+              <a:t>אפס – כיוון שאפסילון יכול להיות מאוד קטן יש בעיה של ייצוג מספרים לא שלמים במחשב ולכן נאלצנו לייצר "0" כך שנוכל להשוות אליו זמנים דיסקרטיים בצורה נכונה.</a:t>
+            </a:r>
+          </a:p>
+          <a:p>
+            <a:endParaRPr lang="he-IL" dirty="0"/>
+          </a:p>
+          <a:p>
+            <a:r>
+              <a:rPr lang="he-IL" dirty="0"/>
+              <a:t>השעון מבצע לולאה אינסופית אשר בכל איטרציה:</a:t>
             </a:r>
           </a:p>
           <a:p>
@@ -4337,15 +7912,7 @@
             </a:pPr>
             <a:r>
               <a:rPr lang="he-IL" dirty="0"/>
-              <a:t>לממש את פונקציית החוקיות שהבקר קורא לה </a:t>
-            </a:r>
-            <a:r>
-              <a:rPr lang="he-IL" dirty="0" err="1"/>
-              <a:t>והלחזיר</a:t>
-            </a:r>
-            <a:r>
-              <a:rPr lang="he-IL" dirty="0"/>
-              <a:t> האם המצב הבא חוקי או לא.</a:t>
+              <a:t>נבדק האם הטסט הסתיים.</a:t>
             </a:r>
           </a:p>
           <a:p>
@@ -4354,7 +7921,20 @@
             </a:pPr>
             <a:r>
               <a:rPr lang="he-IL" dirty="0"/>
-              <a:t>לבצע הקפאה של מצב העולם וכתיבת קובץ קונפיגורציה חדש במידה ונדרש תיכנון מחדש, תיכנון מחדש מתרחש בעקבות החזרת ערך שגיאה מפונקציית החוקיות.</a:t>
+              <a:t>נבדק האם יש צורך בקידום השעון (כתלות בפעולות שהתבצעו בסימולטור ובבקר).</a:t>
+            </a:r>
+          </a:p>
+          <a:p>
+            <a:pPr marL="228600" indent="-228600">
+              <a:buAutoNum type="arabicPeriod"/>
+            </a:pPr>
+            <a:r>
+              <a:rPr lang="he-IL" dirty="0" err="1"/>
+              <a:t>עידכון</a:t>
+            </a:r>
+            <a:r>
+              <a:rPr lang="he-IL" dirty="0"/>
+              <a:t> כלל העוקבים כי התבצע\לא התבצע אירוע שעון.</a:t>
             </a:r>
           </a:p>
           <a:p>
@@ -4364,8 +7944,8 @@
             <a:endParaRPr lang="he-IL" dirty="0"/>
           </a:p>
           <a:p>
-            <a:pPr marL="0" indent="0">
-              <a:buNone/>
+            <a:pPr marL="228600" indent="-228600">
+              <a:buAutoNum type="arabicPeriod"/>
             </a:pPr>
             <a:endParaRPr lang="he-IL" dirty="0"/>
           </a:p>
@@ -4411,7 +7991,7 @@
           <a:p>
             <a:fld id="{5D87C9B3-3F36-45D2-B699-10C699E739B9}" type="slidenum">
               <a:rPr lang="he-IL" smtClean="0"/>
-              <a:t>20</a:t>
+              <a:t>24</a:t>
             </a:fld>
             <a:endParaRPr lang="he-IL"/>
           </a:p>
@@ -4420,7 +8000,7 @@
     </p:spTree>
     <p:extLst>
       <p:ext uri="{BB962C8B-B14F-4D97-AF65-F5344CB8AC3E}">
-        <p14:creationId xmlns:p14="http://schemas.microsoft.com/office/powerpoint/2010/main" val="2849164166"/>
+        <p14:creationId xmlns:p14="http://schemas.microsoft.com/office/powerpoint/2010/main" val="3802725460"/>
       </p:ext>
     </p:extLst>
   </p:cSld>
@@ -4474,37 +8054,27 @@
           <a:bodyPr/>
           <a:lstStyle/>
           <a:p>
-            <a:pPr marL="0" indent="0">
-              <a:buNone/>
-            </a:pPr>
             <a:r>
               <a:rPr lang="he-IL" dirty="0"/>
-              <a:t>המודל מייצר הפרעות אשר נשלחות לסימולטור, הפרעה היא משך זמן שמתווסף למשך זמן של פעולה </a:t>
-            </a:r>
-            <a:r>
-              <a:rPr lang="he-IL" dirty="0" err="1"/>
-              <a:t>מסויימת</a:t>
-            </a:r>
+              <a:t>מודול זה מייצג את מצב העולם ומתעדכן בעקבות הסימולטור.</a:t>
+            </a:r>
+          </a:p>
+          <a:p>
             <a:r>
               <a:rPr lang="he-IL" dirty="0"/>
-              <a:t>.</a:t>
-            </a:r>
-          </a:p>
-          <a:p>
-            <a:pPr marL="0" indent="0">
-              <a:buNone/>
-            </a:pPr>
+              <a:t>המודול מחזיק וקטור של מטוסים אשר כל תא במערך מייצג את המצב של המטוס באינדקס המתאים. (להסביר על המצבים השונים).</a:t>
+            </a:r>
+          </a:p>
+          <a:p>
             <a:r>
               <a:rPr lang="he-IL" dirty="0"/>
-              <a:t>המודל הוא </a:t>
-            </a:r>
-            <a:r>
-              <a:rPr lang="he-IL" dirty="0" err="1"/>
-              <a:t>פסודו</a:t>
-            </a:r>
+              <a:t>המודול מחזיק וקטור של נתיבים כאשר כל תא במערך מייצג האם הנתיב פנוי(-1) או שהנתיב תפוס ואז הערך הוא המספר המזהה של המטוס באותו נתיב.</a:t>
+            </a:r>
+          </a:p>
+          <a:p>
             <a:r>
               <a:rPr lang="he-IL" dirty="0"/>
-              <a:t> רנדומלי בשני מובנים:</a:t>
+              <a:t>מטרת מודול זה הוא:</a:t>
             </a:r>
           </a:p>
           <a:p>
@@ -4513,7 +8083,15 @@
             </a:pPr>
             <a:r>
               <a:rPr lang="he-IL" dirty="0"/>
-              <a:t>תדירות יצירת ההפרעה הוא מספר אקראי בין 1-ל4 פעולות.</a:t>
+              <a:t>לממש את פונקציית החוקיות שהבקר קורא לה </a:t>
+            </a:r>
+            <a:r>
+              <a:rPr lang="he-IL" dirty="0" err="1"/>
+              <a:t>והלחזיר</a:t>
+            </a:r>
+            <a:r>
+              <a:rPr lang="he-IL" dirty="0"/>
+              <a:t> האם המצב הבא חוקי או לא.</a:t>
             </a:r>
           </a:p>
           <a:p>
@@ -4522,15 +8100,7 @@
             </a:pPr>
             <a:r>
               <a:rPr lang="he-IL" dirty="0"/>
-              <a:t>משך ההפרעה הוא משתנה אקראי מפולג </a:t>
-            </a:r>
-            <a:r>
-              <a:rPr lang="he-IL" dirty="0" err="1"/>
-              <a:t>יוניפורמי</a:t>
-            </a:r>
-            <a:r>
-              <a:rPr lang="he-IL" dirty="0"/>
-              <a:t> בין מחצית משך הפעולה שנבחה לבין משך הפעולה שנבחרה.</a:t>
+              <a:t>לבצע הקפאה של מצב העולם וכתיבת קובץ קונפיגורציה חדש במידה ונדרש תיכנון מחדש, תיכנון מחדש מתרחש בעקבות החזרת ערך שגיאה מפונקציית החוקיות.</a:t>
             </a:r>
           </a:p>
           <a:p>
@@ -4543,15 +8113,6 @@
             <a:pPr marL="0" indent="0">
               <a:buNone/>
             </a:pPr>
-            <a:r>
-              <a:rPr lang="he-IL" dirty="0"/>
-              <a:t>כאשר נוצרה הפרעה המודול יאותת למודול הסימולטור על הפרעה שנוצרה ויאפס את תדירות יצירת ההפרעה.</a:t>
-            </a:r>
-          </a:p>
-          <a:p>
-            <a:pPr marL="0" indent="0">
-              <a:buNone/>
-            </a:pPr>
             <a:endParaRPr lang="he-IL" dirty="0"/>
           </a:p>
         </p:txBody>
@@ -4596,7 +8157,7 @@
           <a:p>
             <a:fld id="{5D87C9B3-3F36-45D2-B699-10C699E739B9}" type="slidenum">
               <a:rPr lang="he-IL" smtClean="0"/>
-              <a:t>21</a:t>
+              <a:t>25</a:t>
             </a:fld>
             <a:endParaRPr lang="he-IL"/>
           </a:p>
@@ -4605,7 +8166,7 @@
     </p:spTree>
     <p:extLst>
       <p:ext uri="{BB962C8B-B14F-4D97-AF65-F5344CB8AC3E}">
-        <p14:creationId xmlns:p14="http://schemas.microsoft.com/office/powerpoint/2010/main" val="546992971"/>
+        <p14:creationId xmlns:p14="http://schemas.microsoft.com/office/powerpoint/2010/main" val="202044522"/>
       </p:ext>
     </p:extLst>
   </p:cSld>
@@ -4661,8 +8222,64 @@
           <a:p>
             <a:r>
               <a:rPr lang="he-IL" dirty="0"/>
-              <a:t>תוצאה רגילה</a:t>
-            </a:r>
+              <a:t>מודול זה מייצג את מצב העולם ומתעדכן בעקבות הסימולטור.</a:t>
+            </a:r>
+          </a:p>
+          <a:p>
+            <a:r>
+              <a:rPr lang="he-IL" dirty="0"/>
+              <a:t>המודול מחזיק וקטור של מטוסים אשר כל תא במערך מייצג את המצב של המטוס באינדקס המתאים. (להסביר על המצבים השונים).</a:t>
+            </a:r>
+          </a:p>
+          <a:p>
+            <a:r>
+              <a:rPr lang="he-IL" dirty="0"/>
+              <a:t>המודול מחזיק וקטור של נתיבים כאשר כל תא במערך מייצג האם הנתיב פנוי(-1) או שהנתיב תפוס ואז הערך הוא המספר המזהה של המטוס באותו נתיב.</a:t>
+            </a:r>
+          </a:p>
+          <a:p>
+            <a:r>
+              <a:rPr lang="he-IL" dirty="0"/>
+              <a:t>מטרת מודול זה הוא:</a:t>
+            </a:r>
+          </a:p>
+          <a:p>
+            <a:pPr marL="228600" indent="-228600">
+              <a:buAutoNum type="arabicPeriod"/>
+            </a:pPr>
+            <a:r>
+              <a:rPr lang="he-IL" dirty="0"/>
+              <a:t>לממש את פונקציית החוקיות שהבקר קורא לה </a:t>
+            </a:r>
+            <a:r>
+              <a:rPr lang="he-IL" dirty="0" err="1"/>
+              <a:t>והלחזיר</a:t>
+            </a:r>
+            <a:r>
+              <a:rPr lang="he-IL" dirty="0"/>
+              <a:t> האם המצב הבא חוקי או לא.</a:t>
+            </a:r>
+          </a:p>
+          <a:p>
+            <a:pPr marL="228600" indent="-228600">
+              <a:buAutoNum type="arabicPeriod"/>
+            </a:pPr>
+            <a:r>
+              <a:rPr lang="he-IL" dirty="0"/>
+              <a:t>לבצע הקפאה של מצב העולם וכתיבת קובץ קונפיגורציה חדש במידה ונדרש תיכנון מחדש, תיכנון מחדש מתרחש בעקבות החזרת ערך שגיאה מפונקציית החוקיות.</a:t>
+            </a:r>
+          </a:p>
+          <a:p>
+            <a:pPr marL="228600" indent="-228600">
+              <a:buAutoNum type="arabicPeriod"/>
+            </a:pPr>
+            <a:endParaRPr lang="he-IL" dirty="0"/>
+          </a:p>
+          <a:p>
+            <a:pPr marL="0" indent="0">
+              <a:buNone/>
+            </a:pPr>
+            <a:endParaRPr lang="he-IL" dirty="0"/>
           </a:p>
         </p:txBody>
       </p:sp>
@@ -4706,7 +8323,7 @@
           <a:p>
             <a:fld id="{5D87C9B3-3F36-45D2-B699-10C699E739B9}" type="slidenum">
               <a:rPr lang="he-IL" smtClean="0"/>
-              <a:t>22</a:t>
+              <a:t>26</a:t>
             </a:fld>
             <a:endParaRPr lang="he-IL"/>
           </a:p>
@@ -4715,7 +8332,7 @@
     </p:spTree>
     <p:extLst>
       <p:ext uri="{BB962C8B-B14F-4D97-AF65-F5344CB8AC3E}">
-        <p14:creationId xmlns:p14="http://schemas.microsoft.com/office/powerpoint/2010/main" val="2318995915"/>
+        <p14:creationId xmlns:p14="http://schemas.microsoft.com/office/powerpoint/2010/main" val="2849164166"/>
       </p:ext>
     </p:extLst>
   </p:cSld>
@@ -4775,23 +8392,7 @@
             </a:pPr>
             <a:r>
               <a:rPr lang="he-IL" dirty="0"/>
-              <a:t>אלגוריתם אופליין שמבוסס על רשתות </a:t>
-            </a:r>
-            <a:r>
-              <a:rPr lang="he-IL" dirty="0" err="1"/>
-              <a:t>נוירוינים</a:t>
-            </a:r>
-            <a:r>
-              <a:rPr lang="he-IL" dirty="0"/>
-              <a:t> ותורת הגרפים (חיפוש בגרף, גרף דינמי, גרף מכוון, </a:t>
-            </a:r>
-            <a:r>
-              <a:rPr lang="en-US" dirty="0"/>
-              <a:t>A*</a:t>
-            </a:r>
-            <a:r>
-              <a:rPr lang="he-IL" dirty="0"/>
-              <a:t>)</a:t>
+              <a:t>תכנון עם זמנים ואילוצים מתמקד בבעיה בה לכל פעולה יש התחלה וסוף. בעצם, יש ממד נוסף לבעיה והוא זמן הביצוע.</a:t>
             </a:r>
           </a:p>
           <a:p>
@@ -4801,39 +8402,7 @@
             </a:pPr>
             <a:r>
               <a:rPr lang="he-IL" dirty="0"/>
-              <a:t>אלגוריתם </a:t>
-            </a:r>
-            <a:r>
-              <a:rPr lang="he-IL" dirty="0" err="1"/>
-              <a:t>האופיליין</a:t>
-            </a:r>
-            <a:r>
-              <a:rPr lang="he-IL" dirty="0"/>
-              <a:t> מקבל </a:t>
-            </a:r>
-            <a:r>
-              <a:rPr lang="he-IL" dirty="0" err="1"/>
-              <a:t>גקלט</a:t>
-            </a:r>
-            <a:r>
-              <a:rPr lang="he-IL" dirty="0"/>
-              <a:t> קובץ </a:t>
-            </a:r>
-            <a:r>
-              <a:rPr lang="he-IL" dirty="0" err="1"/>
-              <a:t>קונפיג</a:t>
-            </a:r>
-            <a:r>
-              <a:rPr lang="he-IL" dirty="0"/>
-              <a:t> ומוציא כפלט קובץ לוג(מכיל את גרף ה-</a:t>
-            </a:r>
-            <a:r>
-              <a:rPr lang="en-US" dirty="0"/>
-              <a:t>STN</a:t>
-            </a:r>
-            <a:r>
-              <a:rPr lang="he-IL" dirty="0"/>
-              <a:t> שלנו בתצורה של טבלה)</a:t>
+              <a:t>בתכנון עם זמנים יש צורך לקחת בחשבון את זמני ההתחלה והסיום של הפעולות ואת האילוצים השונים בין הפעולות.</a:t>
             </a:r>
           </a:p>
           <a:p>
@@ -4843,23 +8412,15 @@
             </a:pPr>
             <a:r>
               <a:rPr lang="he-IL" dirty="0"/>
-              <a:t>בהתחלה התייחסנו </a:t>
-            </a:r>
-            <a:r>
-              <a:rPr lang="he-IL" dirty="0" err="1"/>
-              <a:t>לפרוייקט</a:t>
+              <a:t>האילוצים מיוצגים בגרף שנקרא </a:t>
+            </a:r>
+            <a:r>
+              <a:rPr lang="en-US" dirty="0"/>
+              <a:t>STN</a:t>
             </a:r>
             <a:r>
               <a:rPr lang="he-IL" dirty="0"/>
-              <a:t> כקופסה שחורה אך ככל שהתקדמנו הבנו שכן יש צורך להיכנס לפרטיי המימוש ולבצע שינויים. הסיבה לכך היא שמדובר בעבודה אקדמית ולא מהתעשייה ולכן היה צורך בפגישה עם כותביי </a:t>
-            </a:r>
-            <a:r>
-              <a:rPr lang="he-IL" dirty="0" err="1"/>
-              <a:t>הפרוייקט</a:t>
-            </a:r>
-            <a:r>
-              <a:rPr lang="he-IL" dirty="0"/>
-              <a:t> הקודם על מנת לעבור על הקוד ופרטיי המימוש על מנת לבצע את השינויים הנדרשים ללא פגיעה באלגוריתם עצמו.</a:t>
+              <a:t>.</a:t>
             </a:r>
           </a:p>
           <a:p>
@@ -4869,33 +8430,42 @@
             </a:pPr>
             <a:r>
               <a:rPr lang="he-IL" dirty="0"/>
-              <a:t>מרבית השינויים היו הוספת מעטפת </a:t>
+              <a:t>לדג', נסתכל על הגרף הבא המתייחס לתיקון פיוז. על מנת לתקן את הפיוז, יש צורך להדליק גפרור. הגפרור דולק במשך 15 שניות, ותיקון הפיוז לוקח במשך 10 שניות. ניתן לראות כי לכל פעולה יש התחלה וסוף וכן כי התחלת תיקון הפיוז לא יכולה להתקיים ללא הדלקת הגפרור.</a:t>
+            </a:r>
+          </a:p>
+          <a:p>
+            <a:pPr marL="171450" indent="-171450">
+              <a:buFontTx/>
+              <a:buChar char="-"/>
+            </a:pPr>
+            <a:r>
+              <a:rPr lang="he-IL" dirty="0"/>
+              <a:t>בעיה שניתן לסדר את כל אילוציה בגרף </a:t>
+            </a:r>
+            <a:r>
+              <a:rPr lang="en-US" dirty="0"/>
+              <a:t>STN</a:t>
+            </a:r>
+            <a:r>
+              <a:rPr lang="he-IL" dirty="0"/>
+              <a:t> היא </a:t>
             </a:r>
             <a:r>
               <a:rPr lang="he-IL" dirty="0" err="1"/>
-              <a:t>לפרוייקט</a:t>
+              <a:t>פיזיבילית</a:t>
             </a:r>
             <a:r>
               <a:rPr lang="he-IL" dirty="0"/>
-              <a:t> כדי שנוכל להשתמש בו כחלק </a:t>
+              <a:t>, אחרת לא </a:t>
             </a:r>
             <a:r>
               <a:rPr lang="he-IL" dirty="0" err="1"/>
-              <a:t>מההפרוייקט</a:t>
+              <a:t>פיזיבילית</a:t>
             </a:r>
             <a:r>
               <a:rPr lang="he-IL" dirty="0"/>
-              <a:t> שלנו, כלומר שינינו את </a:t>
-            </a:r>
-            <a:r>
-              <a:rPr lang="he-IL" dirty="0" err="1"/>
-              <a:t>הפרוייקט</a:t>
-            </a:r>
-            <a:r>
-              <a:rPr lang="he-IL" dirty="0"/>
-              <a:t> כך שיקבל קלט ופלט בצורה שנוכל לייצר משוב מהזמן אונליין</a:t>
-            </a:r>
-            <a:endParaRPr lang="en-US" dirty="0"/>
+              <a:t>.</a:t>
+            </a:r>
           </a:p>
           <a:p>
             <a:pPr marL="171450" indent="-171450">
@@ -4904,6 +8474,71 @@
             </a:pPr>
             <a:endParaRPr lang="he-IL" dirty="0"/>
           </a:p>
+          <a:p>
+            <a:pPr marL="0" indent="0">
+              <a:buFontTx/>
+              <a:buNone/>
+            </a:pPr>
+            <a:endParaRPr lang="he-IL" dirty="0"/>
+          </a:p>
+          <a:p>
+            <a:pPr marL="171450" indent="-171450">
+              <a:buFontTx/>
+              <a:buChar char="-"/>
+            </a:pPr>
+            <a:r>
+              <a:rPr lang="he-IL" dirty="0"/>
+              <a:t>רקע ומה זה </a:t>
+            </a:r>
+            <a:r>
+              <a:rPr lang="en-US" dirty="0"/>
+              <a:t>STN</a:t>
+            </a:r>
+            <a:r>
+              <a:rPr lang="he-IL" dirty="0"/>
+              <a:t> בעיות תיכנון עם אילוצים, חיפוש בגרף ואלגוריתם חיפוש עם </a:t>
+            </a:r>
+            <a:r>
+              <a:rPr lang="he-IL" dirty="0" err="1"/>
+              <a:t>יורסטיקות</a:t>
+            </a:r>
+            <a:endParaRPr lang="he-IL" dirty="0"/>
+          </a:p>
+          <a:p>
+            <a:pPr marL="171450" indent="-171450">
+              <a:buFontTx/>
+              <a:buChar char="-"/>
+            </a:pPr>
+            <a:r>
+              <a:rPr lang="he-IL" dirty="0"/>
+              <a:t>הסבר פשטני על </a:t>
+            </a:r>
+            <a:r>
+              <a:rPr lang="en-US" dirty="0"/>
+              <a:t>STN</a:t>
+            </a:r>
+            <a:r>
+              <a:rPr lang="he-IL" dirty="0"/>
+              <a:t> דומה של תיקון פיוז</a:t>
+            </a:r>
+          </a:p>
+          <a:p>
+            <a:pPr marL="171450" indent="-171450">
+              <a:buFontTx/>
+              <a:buChar char="-"/>
+            </a:pPr>
+            <a:r>
+              <a:rPr lang="he-IL" dirty="0"/>
+              <a:t>הסבר על תהליך הלמידה שלנו על הנושאים ~ חודשיים</a:t>
+            </a:r>
+          </a:p>
+          <a:p>
+            <a:pPr marL="171450" indent="-171450">
+              <a:buFontTx/>
+              <a:buChar char="-"/>
+            </a:pPr>
+            <a:endParaRPr lang="he-IL" dirty="0"/>
+          </a:p>
         </p:txBody>
       </p:sp>
       <p:sp>
@@ -4946,7 +8581,7 @@
           <a:p>
             <a:fld id="{5D87C9B3-3F36-45D2-B699-10C699E739B9}" type="slidenum">
               <a:rPr lang="he-IL" smtClean="0"/>
-              <a:t>5</a:t>
+              <a:t>6</a:t>
             </a:fld>
             <a:endParaRPr lang="he-IL"/>
           </a:p>
@@ -4955,7 +8590,7 @@
     </p:spTree>
     <p:extLst>
       <p:ext uri="{BB962C8B-B14F-4D97-AF65-F5344CB8AC3E}">
-        <p14:creationId xmlns:p14="http://schemas.microsoft.com/office/powerpoint/2010/main" val="2298855564"/>
+        <p14:creationId xmlns:p14="http://schemas.microsoft.com/office/powerpoint/2010/main" val="1160170663"/>
       </p:ext>
     </p:extLst>
   </p:cSld>
@@ -5009,10 +8644,85 @@
           <a:bodyPr/>
           <a:lstStyle/>
           <a:p>
+            <a:pPr marL="0" indent="0">
+              <a:buNone/>
+            </a:pPr>
             <a:r>
               <a:rPr lang="he-IL" dirty="0"/>
-              <a:t>תוצאה עם תיכנון מחדש</a:t>
-            </a:r>
+              <a:t>המודל מייצר הפרעות אשר נשלחות לסימולטור, הפרעה היא משך זמן שמתווסף למשך זמן של פעולה </a:t>
+            </a:r>
+            <a:r>
+              <a:rPr lang="he-IL" dirty="0" err="1"/>
+              <a:t>מסויימת</a:t>
+            </a:r>
+            <a:r>
+              <a:rPr lang="he-IL" dirty="0"/>
+              <a:t>.</a:t>
+            </a:r>
+          </a:p>
+          <a:p>
+            <a:pPr marL="0" indent="0">
+              <a:buNone/>
+            </a:pPr>
+            <a:r>
+              <a:rPr lang="he-IL" dirty="0"/>
+              <a:t>המודל הוא </a:t>
+            </a:r>
+            <a:r>
+              <a:rPr lang="he-IL" dirty="0" err="1"/>
+              <a:t>פסודו</a:t>
+            </a:r>
+            <a:r>
+              <a:rPr lang="he-IL" dirty="0"/>
+              <a:t> רנדומלי בשני מובנים:</a:t>
+            </a:r>
+          </a:p>
+          <a:p>
+            <a:pPr marL="228600" indent="-228600">
+              <a:buAutoNum type="arabicPeriod"/>
+            </a:pPr>
+            <a:r>
+              <a:rPr lang="he-IL" dirty="0"/>
+              <a:t>תדירות יצירת ההפרעה הוא מספר אקראי בין 1-ל4 פעולות.</a:t>
+            </a:r>
+          </a:p>
+          <a:p>
+            <a:pPr marL="228600" indent="-228600">
+              <a:buAutoNum type="arabicPeriod"/>
+            </a:pPr>
+            <a:r>
+              <a:rPr lang="he-IL" dirty="0"/>
+              <a:t>משך ההפרעה הוא משתנה אקראי מפולג </a:t>
+            </a:r>
+            <a:r>
+              <a:rPr lang="he-IL" dirty="0" err="1"/>
+              <a:t>יוניפורמי</a:t>
+            </a:r>
+            <a:r>
+              <a:rPr lang="he-IL" dirty="0"/>
+              <a:t> בין מחצית משך הפעולה שנבחה לבין משך הפעולה שנבחרה.</a:t>
+            </a:r>
+          </a:p>
+          <a:p>
+            <a:pPr marL="228600" indent="-228600">
+              <a:buAutoNum type="arabicPeriod"/>
+            </a:pPr>
+            <a:endParaRPr lang="he-IL" dirty="0"/>
+          </a:p>
+          <a:p>
+            <a:pPr marL="0" indent="0">
+              <a:buNone/>
+            </a:pPr>
+            <a:r>
+              <a:rPr lang="he-IL" dirty="0"/>
+              <a:t>כאשר נוצרה הפרעה המודול יאותת למודול הסימולטור על הפרעה שנוצרה ויאפס את תדירות יצירת ההפרעה.</a:t>
+            </a:r>
+          </a:p>
+          <a:p>
+            <a:pPr marL="0" indent="0">
+              <a:buNone/>
+            </a:pPr>
+            <a:endParaRPr lang="he-IL" dirty="0"/>
           </a:p>
         </p:txBody>
       </p:sp>
@@ -5056,7 +8766,7 @@
           <a:p>
             <a:fld id="{5D87C9B3-3F36-45D2-B699-10C699E739B9}" type="slidenum">
               <a:rPr lang="he-IL" smtClean="0"/>
-              <a:t>23</a:t>
+              <a:t>27</a:t>
             </a:fld>
             <a:endParaRPr lang="he-IL"/>
           </a:p>
@@ -5065,7 +8775,7 @@
     </p:spTree>
     <p:extLst>
       <p:ext uri="{BB962C8B-B14F-4D97-AF65-F5344CB8AC3E}">
-        <p14:creationId xmlns:p14="http://schemas.microsoft.com/office/powerpoint/2010/main" val="1660480528"/>
+        <p14:creationId xmlns:p14="http://schemas.microsoft.com/office/powerpoint/2010/main" val="546992971"/>
       </p:ext>
     </p:extLst>
   </p:cSld>
@@ -5119,6 +8829,226 @@
           <a:bodyPr/>
           <a:lstStyle/>
           <a:p>
+            <a:r>
+              <a:rPr lang="he-IL" dirty="0"/>
+              <a:t>תוצאה רגילה</a:t>
+            </a:r>
+          </a:p>
+        </p:txBody>
+      </p:sp>
+      <p:sp>
+        <p:nvSpPr>
+          <p:cNvPr id="4" name="מציין מיקום של כותרת עליונה 3"/>
+          <p:cNvSpPr>
+            <a:spLocks noGrp="1"/>
+          </p:cNvSpPr>
+          <p:nvPr>
+            <p:ph type="hdr" sz="quarter"/>
+          </p:nvPr>
+        </p:nvSpPr>
+        <p:spPr/>
+        <p:txBody>
+          <a:bodyPr/>
+          <a:lstStyle/>
+          <a:p>
+            <a:r>
+              <a:rPr lang="en-US"/>
+              <a:t>hjfhgdhgfdfgh</a:t>
+            </a:r>
+            <a:endParaRPr lang="he-IL"/>
+          </a:p>
+        </p:txBody>
+      </p:sp>
+      <p:sp>
+        <p:nvSpPr>
+          <p:cNvPr id="5" name="מציין מיקום של מספר שקופית 4"/>
+          <p:cNvSpPr>
+            <a:spLocks noGrp="1"/>
+          </p:cNvSpPr>
+          <p:nvPr>
+            <p:ph type="sldNum" sz="quarter" idx="5"/>
+          </p:nvPr>
+        </p:nvSpPr>
+        <p:spPr/>
+        <p:txBody>
+          <a:bodyPr/>
+          <a:lstStyle/>
+          <a:p>
+            <a:fld id="{5D87C9B3-3F36-45D2-B699-10C699E739B9}" type="slidenum">
+              <a:rPr lang="he-IL" smtClean="0"/>
+              <a:t>28</a:t>
+            </a:fld>
+            <a:endParaRPr lang="he-IL"/>
+          </a:p>
+        </p:txBody>
+      </p:sp>
+    </p:spTree>
+    <p:extLst>
+      <p:ext uri="{BB962C8B-B14F-4D97-AF65-F5344CB8AC3E}">
+        <p14:creationId xmlns:p14="http://schemas.microsoft.com/office/powerpoint/2010/main" val="2318995915"/>
+      </p:ext>
+    </p:extLst>
+  </p:cSld>
+  <p:clrMapOvr>
+    <a:masterClrMapping/>
+  </p:clrMapOvr>
+</p:notes>
+</file>
+
+<file path=ppt/notesSlides/notesSlide22.xml><?xml version="1.0" encoding="utf-8"?>
+<p:notes xmlns:a="http://schemas.openxmlformats.org/drawingml/2006/main" xmlns:r="http://schemas.openxmlformats.org/officeDocument/2006/relationships" xmlns:p="http://schemas.openxmlformats.org/presentationml/2006/main">
+  <p:cSld>
+    <p:spTree>
+      <p:nvGrpSpPr>
+        <p:cNvPr id="1" name=""/>
+        <p:cNvGrpSpPr/>
+        <p:nvPr/>
+      </p:nvGrpSpPr>
+      <p:grpSpPr>
+        <a:xfrm>
+          <a:off x="0" y="0"/>
+          <a:ext cx="0" cy="0"/>
+          <a:chOff x="0" y="0"/>
+          <a:chExt cx="0" cy="0"/>
+        </a:xfrm>
+      </p:grpSpPr>
+      <p:sp>
+        <p:nvSpPr>
+          <p:cNvPr id="2" name="מציין מיקום של תמונת שקופית 1"/>
+          <p:cNvSpPr>
+            <a:spLocks noGrp="1" noRot="1" noChangeAspect="1"/>
+          </p:cNvSpPr>
+          <p:nvPr>
+            <p:ph type="sldImg"/>
+          </p:nvPr>
+        </p:nvSpPr>
+        <p:spPr/>
+      </p:sp>
+      <p:sp>
+        <p:nvSpPr>
+          <p:cNvPr id="3" name="מציין מיקום של הערות 2"/>
+          <p:cNvSpPr>
+            <a:spLocks noGrp="1"/>
+          </p:cNvSpPr>
+          <p:nvPr>
+            <p:ph type="body" idx="1"/>
+          </p:nvPr>
+        </p:nvSpPr>
+        <p:spPr/>
+        <p:txBody>
+          <a:bodyPr/>
+          <a:lstStyle/>
+          <a:p>
+            <a:r>
+              <a:rPr lang="he-IL" dirty="0"/>
+              <a:t>תוצאה עם תיכנון מחדש</a:t>
+            </a:r>
+          </a:p>
+        </p:txBody>
+      </p:sp>
+      <p:sp>
+        <p:nvSpPr>
+          <p:cNvPr id="4" name="מציין מיקום של כותרת עליונה 3"/>
+          <p:cNvSpPr>
+            <a:spLocks noGrp="1"/>
+          </p:cNvSpPr>
+          <p:nvPr>
+            <p:ph type="hdr" sz="quarter"/>
+          </p:nvPr>
+        </p:nvSpPr>
+        <p:spPr/>
+        <p:txBody>
+          <a:bodyPr/>
+          <a:lstStyle/>
+          <a:p>
+            <a:r>
+              <a:rPr lang="en-US"/>
+              <a:t>hjfhgdhgfdfgh</a:t>
+            </a:r>
+            <a:endParaRPr lang="he-IL"/>
+          </a:p>
+        </p:txBody>
+      </p:sp>
+      <p:sp>
+        <p:nvSpPr>
+          <p:cNvPr id="5" name="מציין מיקום של מספר שקופית 4"/>
+          <p:cNvSpPr>
+            <a:spLocks noGrp="1"/>
+          </p:cNvSpPr>
+          <p:nvPr>
+            <p:ph type="sldNum" sz="quarter" idx="5"/>
+          </p:nvPr>
+        </p:nvSpPr>
+        <p:spPr/>
+        <p:txBody>
+          <a:bodyPr/>
+          <a:lstStyle/>
+          <a:p>
+            <a:fld id="{5D87C9B3-3F36-45D2-B699-10C699E739B9}" type="slidenum">
+              <a:rPr lang="he-IL" smtClean="0"/>
+              <a:t>29</a:t>
+            </a:fld>
+            <a:endParaRPr lang="he-IL"/>
+          </a:p>
+        </p:txBody>
+      </p:sp>
+    </p:spTree>
+    <p:extLst>
+      <p:ext uri="{BB962C8B-B14F-4D97-AF65-F5344CB8AC3E}">
+        <p14:creationId xmlns:p14="http://schemas.microsoft.com/office/powerpoint/2010/main" val="1660480528"/>
+      </p:ext>
+    </p:extLst>
+  </p:cSld>
+  <p:clrMapOvr>
+    <a:masterClrMapping/>
+  </p:clrMapOvr>
+</p:notes>
+</file>
+
+<file path=ppt/notesSlides/notesSlide23.xml><?xml version="1.0" encoding="utf-8"?>
+<p:notes xmlns:a="http://schemas.openxmlformats.org/drawingml/2006/main" xmlns:r="http://schemas.openxmlformats.org/officeDocument/2006/relationships" xmlns:p="http://schemas.openxmlformats.org/presentationml/2006/main">
+  <p:cSld>
+    <p:spTree>
+      <p:nvGrpSpPr>
+        <p:cNvPr id="1" name=""/>
+        <p:cNvGrpSpPr/>
+        <p:nvPr/>
+      </p:nvGrpSpPr>
+      <p:grpSpPr>
+        <a:xfrm>
+          <a:off x="0" y="0"/>
+          <a:ext cx="0" cy="0"/>
+          <a:chOff x="0" y="0"/>
+          <a:chExt cx="0" cy="0"/>
+        </a:xfrm>
+      </p:grpSpPr>
+      <p:sp>
+        <p:nvSpPr>
+          <p:cNvPr id="2" name="מציין מיקום של תמונת שקופית 1"/>
+          <p:cNvSpPr>
+            <a:spLocks noGrp="1" noRot="1" noChangeAspect="1"/>
+          </p:cNvSpPr>
+          <p:nvPr>
+            <p:ph type="sldImg"/>
+          </p:nvPr>
+        </p:nvSpPr>
+        <p:spPr/>
+      </p:sp>
+      <p:sp>
+        <p:nvSpPr>
+          <p:cNvPr id="3" name="מציין מיקום של הערות 2"/>
+          <p:cNvSpPr>
+            <a:spLocks noGrp="1"/>
+          </p:cNvSpPr>
+          <p:nvPr>
+            <p:ph type="body" idx="1"/>
+          </p:nvPr>
+        </p:nvSpPr>
+        <p:spPr/>
+        <p:txBody>
+          <a:bodyPr/>
+          <a:lstStyle/>
+          <a:p>
             <a:pPr marL="0" indent="0">
               <a:buNone/>
             </a:pPr>
@@ -5241,7 +9171,7 @@
           <a:p>
             <a:fld id="{5D87C9B3-3F36-45D2-B699-10C699E739B9}" type="slidenum">
               <a:rPr lang="he-IL" smtClean="0"/>
-              <a:t>24</a:t>
+              <a:t>30</a:t>
             </a:fld>
             <a:endParaRPr lang="he-IL"/>
           </a:p>
@@ -5481,7 +9411,7 @@
           <a:p>
             <a:fld id="{5D87C9B3-3F36-45D2-B699-10C699E739B9}" type="slidenum">
               <a:rPr lang="he-IL" smtClean="0"/>
-              <a:t>6</a:t>
+              <a:t>8</a:t>
             </a:fld>
             <a:endParaRPr lang="he-IL"/>
           </a:p>
@@ -5550,15 +9480,15 @@
             </a:pPr>
             <a:r>
               <a:rPr lang="he-IL" dirty="0"/>
-              <a:t>אנחנו מקבלים תוכנית (</a:t>
+              <a:t>אלגוריתם ה-</a:t>
             </a:r>
             <a:r>
               <a:rPr lang="en-US" dirty="0"/>
-              <a:t>STN</a:t>
+              <a:t>offline</a:t>
             </a:r>
             <a:r>
               <a:rPr lang="he-IL" dirty="0"/>
-              <a:t>) מהזמן אופליין.</a:t>
+              <a:t> מבוסס על רשתות נוירונים ועל תורת הגרפים.</a:t>
             </a:r>
           </a:p>
           <a:p>
@@ -5568,15 +9498,23 @@
             </a:pPr>
             <a:r>
               <a:rPr lang="he-IL" dirty="0"/>
-              <a:t>התוכנית פעולה נכנסת למנהל התכנית והוא דואג לייצר את </a:t>
-            </a:r>
-            <a:r>
-              <a:rPr lang="he-IL" dirty="0" err="1"/>
-              <a:t>המודולוים</a:t>
+              <a:t>האלגוריתם מקבל כקלט קובץ </a:t>
+            </a:r>
+            <a:r>
+              <a:rPr lang="en-US" dirty="0"/>
+              <a:t>config</a:t>
             </a:r>
             <a:r>
               <a:rPr lang="he-IL" dirty="0"/>
-              <a:t> השונים והקשרים ביניהם.</a:t>
+              <a:t> (הנראה כך), ומוציא כפלט קובץ לוג המכיל בעצם את גרף ה-</a:t>
+            </a:r>
+            <a:r>
+              <a:rPr lang="en-US" dirty="0"/>
+              <a:t>STN</a:t>
+            </a:r>
+            <a:r>
+              <a:rPr lang="he-IL" dirty="0"/>
+              <a:t> בצורה של טבלה. גרף זה הוא הפתרון האופטימלי לבעיה שניתנה.</a:t>
             </a:r>
           </a:p>
           <a:p>
@@ -5586,31 +9524,15 @@
             </a:pPr>
             <a:r>
               <a:rPr lang="he-IL" dirty="0"/>
-              <a:t>הבקר מקבל את קובץ </a:t>
-            </a:r>
-            <a:r>
-              <a:rPr lang="he-IL" dirty="0" err="1"/>
-              <a:t>הקונפיג</a:t>
+              <a:t>בהתחלה התייחסנו לפרויקט ה-</a:t>
+            </a:r>
+            <a:r>
+              <a:rPr lang="en-US" dirty="0"/>
+              <a:t>offline</a:t>
             </a:r>
             <a:r>
               <a:rPr lang="he-IL" dirty="0"/>
-              <a:t> </a:t>
-            </a:r>
-            <a:r>
-              <a:rPr lang="he-IL" dirty="0" err="1"/>
-              <a:t>והתכנית</a:t>
-            </a:r>
-            <a:r>
-              <a:rPr lang="he-IL" dirty="0"/>
-              <a:t> (</a:t>
-            </a:r>
-            <a:r>
-              <a:rPr lang="en-US" dirty="0"/>
-              <a:t>STN</a:t>
-            </a:r>
-            <a:r>
-              <a:rPr lang="he-IL" dirty="0"/>
-              <a:t>) ותפקידו לשמש כמגדל בקרה ופיקוח.</a:t>
+              <a:t> כקופסא שחורה, אך במהלך העבודה הבנו שיש צורך להיכנס לפרטיי המימוש והאלגוריתם ולבצע שינויים.</a:t>
             </a:r>
           </a:p>
           <a:p>
@@ -5620,7 +9542,38 @@
             </a:pPr>
             <a:r>
               <a:rPr lang="he-IL" dirty="0"/>
-              <a:t>הסימולטור משמש כמודל לעולם אשר מריץ את הפעולות ונותן אינדיקציה כאשר פעולות הסתיימו.</a:t>
+              <a:t>(הסיבה העיקרית הייתה שמדובר בעבודה אקדמאית ולא מהתעשייה), ולכן היה צורך להיפגש עם כותביי הפרויקט הקודם ולעבור על פרטי המימוש על מנת לבצע שינויים שלא ייפגעו באלגוריתם עצמו.</a:t>
+            </a:r>
+          </a:p>
+          <a:p>
+            <a:pPr marL="171450" marR="0" lvl="0" indent="-171450" algn="r" defTabSz="914400" rtl="1" eaLnBrk="1" fontAlgn="auto" latinLnBrk="0" hangingPunct="1">
+              <a:lnSpc>
+                <a:spcPct val="100000"/>
+              </a:lnSpc>
+              <a:spcBef>
+                <a:spcPts val="0"/>
+              </a:spcBef>
+              <a:spcAft>
+                <a:spcPts val="0"/>
+              </a:spcAft>
+              <a:buClrTx/>
+              <a:buSzTx/>
+              <a:buFontTx/>
+              <a:buChar char="-"/>
+              <a:tabLst/>
+              <a:defRPr/>
+            </a:pPr>
+            <a:r>
+              <a:rPr lang="he-IL" dirty="0"/>
+              <a:t>עיקר השינויים היו הוספת מעטפת לפרויקט כדי שנוכל להשתמש בו </a:t>
+            </a:r>
+            <a:r>
+              <a:rPr lang="he-IL"/>
+              <a:t>כחלק מהאלגוריתם </a:t>
+            </a:r>
+            <a:r>
+              <a:rPr lang="he-IL" dirty="0"/>
+              <a:t>שלנו, בעצם, שינינו את הפרויקט כך שיקבל קלט ופלט בצורה שנוכל לייצר משוב בצורה נוחה.</a:t>
             </a:r>
           </a:p>
           <a:p>
@@ -5628,26 +9581,7 @@
               <a:buFontTx/>
               <a:buChar char="-"/>
             </a:pPr>
-            <a:r>
-              <a:rPr lang="he-IL" dirty="0"/>
-              <a:t>מודול מצב העולם (</a:t>
-            </a:r>
-            <a:r>
-              <a:rPr lang="en-US" dirty="0"/>
-              <a:t>state</a:t>
-            </a:r>
-            <a:r>
-              <a:rPr lang="he-IL" dirty="0"/>
-              <a:t>) מייצג תמונה של מצב כל המטוסים, נתיבים ושאר הפרמטרים אחריהם אנו עוקבים – מקבל </a:t>
-            </a:r>
-            <a:r>
-              <a:rPr lang="he-IL" dirty="0" err="1"/>
-              <a:t>עידכונים</a:t>
-            </a:r>
-            <a:r>
-              <a:rPr lang="he-IL" dirty="0"/>
-              <a:t> מהסימולטור על כל התחלה\סיום של פעולה.</a:t>
-            </a:r>
+            <a:endParaRPr lang="he-IL" dirty="0"/>
           </a:p>
           <a:p>
             <a:pPr marL="171450" indent="-171450">
@@ -5656,7 +9590,23 @@
             </a:pPr>
             <a:r>
               <a:rPr lang="he-IL" dirty="0"/>
-              <a:t>מודול ההפרעות – בוחר באופן רנדומלי כל מספר פעולות לייצר הפרעה אשר נשלחת לסימולטור עבור פעולה כלשהי.</a:t>
+              <a:t>אלגוריתם אופליין שמבוסס על רשתות </a:t>
+            </a:r>
+            <a:r>
+              <a:rPr lang="he-IL" dirty="0" err="1"/>
+              <a:t>נוירוינים</a:t>
+            </a:r>
+            <a:r>
+              <a:rPr lang="he-IL" dirty="0"/>
+              <a:t> ותורת הגרפים (חיפוש בגרף, גרף דינמי, גרף מכוון, </a:t>
+            </a:r>
+            <a:r>
+              <a:rPr lang="en-US" dirty="0"/>
+              <a:t>A*</a:t>
+            </a:r>
+            <a:r>
+              <a:rPr lang="he-IL" dirty="0"/>
+              <a:t>)</a:t>
             </a:r>
           </a:p>
           <a:p>
@@ -5666,7 +9616,31 @@
             </a:pPr>
             <a:r>
               <a:rPr lang="he-IL" dirty="0"/>
-              <a:t>שעון – מודול גלובלי אשר סופר זמן באופן דיסקרטי.</a:t>
+              <a:t>אלגוריתם </a:t>
+            </a:r>
+            <a:r>
+              <a:rPr lang="he-IL" dirty="0" err="1"/>
+              <a:t>האופיליין</a:t>
+            </a:r>
+            <a:r>
+              <a:rPr lang="he-IL" dirty="0"/>
+              <a:t> מקבל כקלט קובץ </a:t>
+            </a:r>
+            <a:r>
+              <a:rPr lang="he-IL" dirty="0" err="1"/>
+              <a:t>קונפיג</a:t>
+            </a:r>
+            <a:r>
+              <a:rPr lang="he-IL" dirty="0"/>
+              <a:t> ומוציא כפלט קובץ לוג(מכיל את גרף ה-</a:t>
+            </a:r>
+            <a:r>
+              <a:rPr lang="en-US" dirty="0"/>
+              <a:t>STN</a:t>
+            </a:r>
+            <a:r>
+              <a:rPr lang="he-IL" dirty="0"/>
+              <a:t> שלנו בתצורה של טבלה)</a:t>
             </a:r>
           </a:p>
           <a:p>
@@ -5676,16 +9650,66 @@
             </a:pPr>
             <a:r>
               <a:rPr lang="he-IL" dirty="0"/>
-              <a:t>אירועים – מודול גלובלי אשר משמש כאמצעי תקשורת בין המודולים השונים </a:t>
+              <a:t>בהתחלה התייחסנו </a:t>
             </a:r>
             <a:r>
               <a:rPr lang="he-IL" dirty="0" err="1"/>
-              <a:t>בתכנית</a:t>
+              <a:t>לפרוייקט</a:t>
             </a:r>
             <a:r>
               <a:rPr lang="he-IL" dirty="0"/>
-              <a:t> שלנו.</a:t>
-            </a:r>
+              <a:t> כקופסה שחורה אך ככל שהתקדמנו הבנו שכן יש צורך להיכנס לפרטיי המימוש ולבצע שינויים. הסיבה לכך היא שמדובר בעבודה אקדמית ולא מהתעשייה ולכן היה צורך בפגישה עם כותביי </a:t>
+            </a:r>
+            <a:r>
+              <a:rPr lang="he-IL" dirty="0" err="1"/>
+              <a:t>הפרוייקט</a:t>
+            </a:r>
+            <a:r>
+              <a:rPr lang="he-IL" dirty="0"/>
+              <a:t> הקודם על מנת לעבור על הקוד ופרטיי המימוש על מנת לבצע את השינויים הנדרשים ללא פגיעה באלגוריתם עצמו.</a:t>
+            </a:r>
+          </a:p>
+          <a:p>
+            <a:pPr marL="171450" indent="-171450">
+              <a:buFontTx/>
+              <a:buChar char="-"/>
+            </a:pPr>
+            <a:r>
+              <a:rPr lang="he-IL" dirty="0"/>
+              <a:t>מרבית השינויים היו הוספת מעטפת </a:t>
+            </a:r>
+            <a:r>
+              <a:rPr lang="he-IL" dirty="0" err="1"/>
+              <a:t>לפרוייקט</a:t>
+            </a:r>
+            <a:r>
+              <a:rPr lang="he-IL" dirty="0"/>
+              <a:t> כדי שנוכל להשתמש בו כחלק </a:t>
+            </a:r>
+            <a:r>
+              <a:rPr lang="he-IL" dirty="0" err="1"/>
+              <a:t>מההפרוייקט</a:t>
+            </a:r>
+            <a:r>
+              <a:rPr lang="he-IL" dirty="0"/>
+              <a:t> שלנו, כלומר שינינו את </a:t>
+            </a:r>
+            <a:r>
+              <a:rPr lang="he-IL" dirty="0" err="1"/>
+              <a:t>הפרוייקט</a:t>
+            </a:r>
+            <a:r>
+              <a:rPr lang="he-IL" dirty="0"/>
+              <a:t> כך שיקבל קלט ופלט בצורה שנוכל לייצר משוב מהזמן אונליין</a:t>
+            </a:r>
+            <a:endParaRPr lang="en-US" dirty="0"/>
+          </a:p>
+          <a:p>
+            <a:pPr marL="171450" indent="-171450">
+              <a:buFontTx/>
+              <a:buChar char="-"/>
+            </a:pPr>
+            <a:endParaRPr lang="he-IL" dirty="0"/>
           </a:p>
         </p:txBody>
       </p:sp>
@@ -5729,7 +9753,7 @@
           <a:p>
             <a:fld id="{5D87C9B3-3F36-45D2-B699-10C699E739B9}" type="slidenum">
               <a:rPr lang="he-IL" smtClean="0"/>
-              <a:t>7</a:t>
+              <a:t>9</a:t>
             </a:fld>
             <a:endParaRPr lang="he-IL"/>
           </a:p>
@@ -5738,7 +9762,7 @@
     </p:spTree>
     <p:extLst>
       <p:ext uri="{BB962C8B-B14F-4D97-AF65-F5344CB8AC3E}">
-        <p14:creationId xmlns:p14="http://schemas.microsoft.com/office/powerpoint/2010/main" val="850113018"/>
+        <p14:creationId xmlns:p14="http://schemas.microsoft.com/office/powerpoint/2010/main" val="2298855564"/>
       </p:ext>
     </p:extLst>
   </p:cSld>
@@ -5794,43 +9818,50 @@
           <a:p>
             <a:r>
               <a:rPr lang="he-IL" dirty="0"/>
-              <a:t>מנהל התוכנית – מודול אשר אחראי על היצירה והניקוי של המודולים הגלובליים</a:t>
-            </a:r>
-          </a:p>
-          <a:p>
+              <a:t>מטרת הפרויקט היא לבנות אלגוריתם </a:t>
+            </a:r>
+            <a:r>
+              <a:rPr lang="en-US" dirty="0"/>
+              <a:t>online</a:t>
+            </a:r>
             <a:r>
               <a:rPr lang="he-IL" dirty="0"/>
-              <a:t>	   מודול אשר מקשר את הזמן </a:t>
+              <a:t> לניהול המראות ונחיתות של מטוסים.</a:t>
+            </a:r>
+          </a:p>
+          <a:p>
+            <a:r>
+              <a:rPr lang="he-IL" dirty="0"/>
+              <a:t>בפרויקט זה בנינו אלגוריתם אשר מנהל את שדה התעופה בהתאם לתוכנית יום של אלגוריתם ה-</a:t>
+            </a:r>
+            <a:r>
+              <a:rPr lang="en-US" dirty="0"/>
+              <a:t>offline</a:t>
+            </a:r>
+            <a:r>
+              <a:rPr lang="he-IL" dirty="0"/>
+              <a:t>. זאת, תוך התמודדות עם שינויים ואילוצים בזמן-אמת.</a:t>
+            </a:r>
+          </a:p>
+          <a:p>
+            <a:r>
+              <a:rPr lang="he-IL" dirty="0"/>
+              <a:t>בנוסף האלגוריתם צריך להחליט האם הוא יכול לרוץ עם האילוצים שצצו במהלך היום או לחשב מסלול מחדש ביחס </a:t>
             </a:r>
             <a:r>
               <a:rPr lang="he-IL" dirty="0" err="1"/>
-              <a:t>האופליין</a:t>
+              <a:t>לנק</a:t>
             </a:r>
             <a:r>
               <a:rPr lang="he-IL" dirty="0"/>
-              <a:t> לזמן האונליין.</a:t>
+              <a:t>' בה הוא נמצא.</a:t>
             </a:r>
           </a:p>
           <a:p>
             <a:r>
               <a:rPr lang="he-IL" dirty="0"/>
-              <a:t>	   מודול אשר יוצר עבור כל טסט את המודולים </a:t>
-            </a:r>
-            <a:r>
-              <a:rPr lang="he-IL" dirty="0" err="1"/>
-              <a:t>הלוקאללים</a:t>
-            </a:r>
-            <a:r>
-              <a:rPr lang="he-IL" dirty="0"/>
-              <a:t> ומקשר ביניהם.</a:t>
-            </a:r>
-          </a:p>
-          <a:p>
-            <a:r>
-              <a:rPr lang="he-IL"/>
-              <a:t>		</a:t>
-            </a:r>
-            <a:endParaRPr lang="he-IL" dirty="0"/>
+              <a:t> </a:t>
+            </a:r>
           </a:p>
         </p:txBody>
       </p:sp>
@@ -5874,7 +9905,7 @@
           <a:p>
             <a:fld id="{5D87C9B3-3F36-45D2-B699-10C699E739B9}" type="slidenum">
               <a:rPr lang="he-IL" smtClean="0"/>
-              <a:t>8</a:t>
+              <a:t>10</a:t>
             </a:fld>
             <a:endParaRPr lang="he-IL"/>
           </a:p>
@@ -5883,7 +9914,7 @@
     </p:spTree>
     <p:extLst>
       <p:ext uri="{BB962C8B-B14F-4D97-AF65-F5344CB8AC3E}">
-        <p14:creationId xmlns:p14="http://schemas.microsoft.com/office/powerpoint/2010/main" val="2906297507"/>
+        <p14:creationId xmlns:p14="http://schemas.microsoft.com/office/powerpoint/2010/main" val="3337829285"/>
       </p:ext>
     </p:extLst>
   </p:cSld>
@@ -5937,7 +9968,148 @@
           <a:bodyPr/>
           <a:lstStyle/>
           <a:p>
-            <a:endParaRPr lang="he-IL" dirty="0"/>
+            <a:pPr marL="171450" indent="-171450">
+              <a:buFontTx/>
+              <a:buChar char="-"/>
+            </a:pPr>
+            <a:r>
+              <a:rPr lang="he-IL" dirty="0"/>
+              <a:t>אנחנו מקבלים תוכנית (</a:t>
+            </a:r>
+            <a:r>
+              <a:rPr lang="en-US" dirty="0"/>
+              <a:t>STN</a:t>
+            </a:r>
+            <a:r>
+              <a:rPr lang="he-IL" dirty="0"/>
+              <a:t>) מהזמן אופליין.</a:t>
+            </a:r>
+          </a:p>
+          <a:p>
+            <a:pPr marL="171450" indent="-171450">
+              <a:buFontTx/>
+              <a:buChar char="-"/>
+            </a:pPr>
+            <a:r>
+              <a:rPr lang="he-IL" dirty="0"/>
+              <a:t>התוכנית פעולה נכנסת למנהל התכנית והוא דואג לייצר את </a:t>
+            </a:r>
+            <a:r>
+              <a:rPr lang="he-IL" dirty="0" err="1"/>
+              <a:t>המודולוים</a:t>
+            </a:r>
+            <a:r>
+              <a:rPr lang="he-IL" dirty="0"/>
+              <a:t> השונים והקשרים ביניהם.</a:t>
+            </a:r>
+          </a:p>
+          <a:p>
+            <a:pPr marL="171450" indent="-171450">
+              <a:buFontTx/>
+              <a:buChar char="-"/>
+            </a:pPr>
+            <a:r>
+              <a:rPr lang="he-IL" dirty="0"/>
+              <a:t>הבקר מקבל את קובץ </a:t>
+            </a:r>
+            <a:r>
+              <a:rPr lang="he-IL" dirty="0" err="1"/>
+              <a:t>הקונפיג</a:t>
+            </a:r>
+            <a:r>
+              <a:rPr lang="he-IL" dirty="0"/>
+              <a:t> </a:t>
+            </a:r>
+            <a:r>
+              <a:rPr lang="he-IL" dirty="0" err="1"/>
+              <a:t>והתכנית</a:t>
+            </a:r>
+            <a:r>
+              <a:rPr lang="he-IL" dirty="0"/>
+              <a:t> (</a:t>
+            </a:r>
+            <a:r>
+              <a:rPr lang="en-US" dirty="0"/>
+              <a:t>STN</a:t>
+            </a:r>
+            <a:r>
+              <a:rPr lang="he-IL" dirty="0"/>
+              <a:t>) ותפקידו לשמש כמגדל בקרה ופיקוח.</a:t>
+            </a:r>
+          </a:p>
+          <a:p>
+            <a:pPr marL="171450" indent="-171450">
+              <a:buFontTx/>
+              <a:buChar char="-"/>
+            </a:pPr>
+            <a:r>
+              <a:rPr lang="he-IL" dirty="0"/>
+              <a:t>הסימולטור משמש כמודל לעולם אשר מריץ את הפעולות ונותן אינדיקציה כאשר פעולות הסתיימו.</a:t>
+            </a:r>
+          </a:p>
+          <a:p>
+            <a:pPr marL="171450" indent="-171450">
+              <a:buFontTx/>
+              <a:buChar char="-"/>
+            </a:pPr>
+            <a:r>
+              <a:rPr lang="he-IL" dirty="0"/>
+              <a:t>מודול מצב העולם (</a:t>
+            </a:r>
+            <a:r>
+              <a:rPr lang="en-US" dirty="0"/>
+              <a:t>state</a:t>
+            </a:r>
+            <a:r>
+              <a:rPr lang="he-IL" dirty="0"/>
+              <a:t>) מייצג תמונה של מצב כל המטוסים, נתיבים ושאר הפרמטרים אחריהם אנו עוקבים – מקבל </a:t>
+            </a:r>
+            <a:r>
+              <a:rPr lang="he-IL" dirty="0" err="1"/>
+              <a:t>עידכונים</a:t>
+            </a:r>
+            <a:r>
+              <a:rPr lang="he-IL" dirty="0"/>
+              <a:t> מהסימולטור על כל התחלה\סיום של פעולה.</a:t>
+            </a:r>
+          </a:p>
+          <a:p>
+            <a:pPr marL="171450" indent="-171450">
+              <a:buFontTx/>
+              <a:buChar char="-"/>
+            </a:pPr>
+            <a:r>
+              <a:rPr lang="he-IL" dirty="0"/>
+              <a:t>מודול ההפרעות – בוחר באופן רנדומלי כל מספר פעולות לייצר הפרעה אשר נשלחת לסימולטור עבור פעולה כלשהי.</a:t>
+            </a:r>
+          </a:p>
+          <a:p>
+            <a:pPr marL="171450" indent="-171450">
+              <a:buFontTx/>
+              <a:buChar char="-"/>
+            </a:pPr>
+            <a:r>
+              <a:rPr lang="he-IL" dirty="0"/>
+              <a:t>שעון – מודול גלובלי אשר סופר זמן באופן דיסקרטי.</a:t>
+            </a:r>
+          </a:p>
+          <a:p>
+            <a:pPr marL="171450" indent="-171450">
+              <a:buFontTx/>
+              <a:buChar char="-"/>
+            </a:pPr>
+            <a:r>
+              <a:rPr lang="he-IL" dirty="0"/>
+              <a:t>אירועים – מודול גלובלי אשר משמש כאמצעי תקשורת בין המודולים השונים </a:t>
+            </a:r>
+            <a:r>
+              <a:rPr lang="he-IL" dirty="0" err="1"/>
+              <a:t>בתכנית</a:t>
+            </a:r>
+            <a:r>
+              <a:rPr lang="he-IL" dirty="0"/>
+              <a:t> שלנו.</a:t>
+            </a:r>
           </a:p>
         </p:txBody>
       </p:sp>
@@ -5981,7 +10153,7 @@
           <a:p>
             <a:fld id="{5D87C9B3-3F36-45D2-B699-10C699E739B9}" type="slidenum">
               <a:rPr lang="he-IL" smtClean="0"/>
-              <a:t>9</a:t>
+              <a:t>13</a:t>
             </a:fld>
             <a:endParaRPr lang="he-IL"/>
           </a:p>
@@ -5990,7 +10162,7 @@
     </p:spTree>
     <p:extLst>
       <p:ext uri="{BB962C8B-B14F-4D97-AF65-F5344CB8AC3E}">
-        <p14:creationId xmlns:p14="http://schemas.microsoft.com/office/powerpoint/2010/main" val="34609377"/>
+        <p14:creationId xmlns:p14="http://schemas.microsoft.com/office/powerpoint/2010/main" val="850113018"/>
       </p:ext>
     </p:extLst>
   </p:cSld>
@@ -6046,69 +10218,43 @@
           <a:p>
             <a:r>
               <a:rPr lang="he-IL" dirty="0"/>
-              <a:t>הבקר מייצר את מבניי הנתונים שלו על סמך התכנית מהמודול אופליין.</a:t>
+              <a:t>מנהל התוכנית – מודול אשר אחראי על היצירה והניקוי של המודולים הגלובליים</a:t>
             </a:r>
           </a:p>
           <a:p>
             <a:r>
               <a:rPr lang="he-IL" dirty="0"/>
-              <a:t>הבקר הוא מגדל הפיקוח אשר שולח את הפעולות שמוכנות לביצוע לסימולטור.</a:t>
-            </a:r>
-          </a:p>
-          <a:p>
+              <a:t>	   מודול אשר מקשר את הזמן </a:t>
+            </a:r>
+            <a:r>
+              <a:rPr lang="he-IL" dirty="0" err="1"/>
+              <a:t>האופליין</a:t>
+            </a:r>
             <a:r>
               <a:rPr lang="he-IL" dirty="0"/>
-              <a:t>עבור כל פעולה נבדוק האם האבות של אותה פעולה הסתיימו והגיע הזמן שלה לרוץ.</a:t>
+              <a:t> לזמן האונליין.</a:t>
             </a:r>
           </a:p>
           <a:p>
             <a:r>
               <a:rPr lang="he-IL" dirty="0"/>
-              <a:t>טרם שליחת הפעולה לסימולטור מוודאים את חוקיות הפעולה אל מול מודול מצב העולם.</a:t>
-            </a:r>
-          </a:p>
-          <a:p>
-            <a:pPr marL="0" marR="0" lvl="0" indent="0" algn="r" defTabSz="914400" rtl="1" eaLnBrk="1" fontAlgn="auto" latinLnBrk="0" hangingPunct="1">
-              <a:lnSpc>
-                <a:spcPct val="100000"/>
-              </a:lnSpc>
-              <a:spcBef>
-                <a:spcPts val="0"/>
-              </a:spcBef>
-              <a:spcAft>
-                <a:spcPts val="0"/>
-              </a:spcAft>
-              <a:buClrTx/>
-              <a:buSzTx/>
-              <a:buFontTx/>
-              <a:buNone/>
-              <a:tabLst/>
-              <a:defRPr/>
-            </a:pPr>
+              <a:t>	   מודול אשר יוצר עבור כל טסט את המודולים </a:t>
+            </a:r>
+            <a:r>
+              <a:rPr lang="he-IL" dirty="0" err="1"/>
+              <a:t>הלוקאללים</a:t>
+            </a:r>
             <a:r>
               <a:rPr lang="he-IL" dirty="0"/>
-              <a:t>עבור כל פעולה שנשלחת לסימולטור מבצע המרה של משך הפעולה לפי ציר הזמן שהוגדר.</a:t>
-            </a:r>
-          </a:p>
-          <a:p>
-            <a:r>
-              <a:rPr lang="he-IL" dirty="0"/>
-              <a:t>עבור כל פעולה שהסתיימה מעדכן בגרף בצומת המתאים את הדגל של הפעולה.</a:t>
-            </a:r>
-          </a:p>
-          <a:p>
-            <a:r>
-              <a:rPr lang="he-IL" dirty="0"/>
-              <a:t>כאשר הבקר סיים את כל הפעולות שקיימות </a:t>
-            </a:r>
-            <a:r>
-              <a:rPr lang="he-IL" dirty="0" err="1"/>
-              <a:t>בתכנית</a:t>
-            </a:r>
-            <a:r>
-              <a:rPr lang="he-IL" dirty="0"/>
-              <a:t> –מעלה אירוע שהוא סיים.</a:t>
-            </a:r>
+              <a:t> ומקשר ביניהם.</a:t>
+            </a:r>
+          </a:p>
+          <a:p>
+            <a:r>
+              <a:rPr lang="he-IL"/>
+              <a:t>		</a:t>
+            </a:r>
+            <a:endParaRPr lang="he-IL" dirty="0"/>
           </a:p>
         </p:txBody>
       </p:sp>
@@ -6152,7 +10298,7 @@
           <a:p>
             <a:fld id="{5D87C9B3-3F36-45D2-B699-10C699E739B9}" type="slidenum">
               <a:rPr lang="he-IL" smtClean="0"/>
-              <a:t>10</a:t>
+              <a:t>14</a:t>
             </a:fld>
             <a:endParaRPr lang="he-IL"/>
           </a:p>
@@ -6161,7 +10307,7 @@
     </p:spTree>
     <p:extLst>
       <p:ext uri="{BB962C8B-B14F-4D97-AF65-F5344CB8AC3E}">
-        <p14:creationId xmlns:p14="http://schemas.microsoft.com/office/powerpoint/2010/main" val="4166017777"/>
+        <p14:creationId xmlns:p14="http://schemas.microsoft.com/office/powerpoint/2010/main" val="2906297507"/>
       </p:ext>
     </p:extLst>
   </p:cSld>
@@ -6259,7 +10405,7 @@
           <a:p>
             <a:fld id="{5D87C9B3-3F36-45D2-B699-10C699E739B9}" type="slidenum">
               <a:rPr lang="he-IL" smtClean="0"/>
-              <a:t>11</a:t>
+              <a:t>15</a:t>
             </a:fld>
             <a:endParaRPr lang="he-IL"/>
           </a:p>
@@ -6268,7 +10414,7 @@
     </p:spTree>
     <p:extLst>
       <p:ext uri="{BB962C8B-B14F-4D97-AF65-F5344CB8AC3E}">
-        <p14:creationId xmlns:p14="http://schemas.microsoft.com/office/powerpoint/2010/main" val="777958349"/>
+        <p14:creationId xmlns:p14="http://schemas.microsoft.com/office/powerpoint/2010/main" val="34609377"/>
       </p:ext>
     </p:extLst>
   </p:cSld>
@@ -6324,41 +10470,68 @@
           <a:p>
             <a:r>
               <a:rPr lang="he-IL" dirty="0"/>
-              <a:t>הרשימה שלפיה נקבע מי הפעולה הבאה לביצוע לפי סדר כרונולוגי של תחיל ביצוע.</a:t>
+              <a:t>הבקר מייצר את מבניי הנתונים שלו על סמך התכנית מהמודול אופליין.</a:t>
             </a:r>
           </a:p>
           <a:p>
             <a:r>
               <a:rPr lang="he-IL" dirty="0"/>
-              <a:t>רשימה זו מחזיקה מצביעים לצמתי בגרף.</a:t>
+              <a:t>הבקר הוא מגדל הפיקוח אשר שולח את הפעולות שמוכנות לביצוע לסימולטור.</a:t>
             </a:r>
           </a:p>
           <a:p>
             <a:r>
               <a:rPr lang="he-IL" dirty="0"/>
-              <a:t>הרשימה היא תור עדיפויות על פי הזמן שבו הפעולה אמורה להתחיל. (ממוש על ידי </a:t>
+              <a:t>עבור כל פעולה נבדוק האם האבות של אותה פעולה הסתיימו והגיע הזמן שלה לרוץ.</a:t>
+            </a:r>
+          </a:p>
+          <a:p>
+            <a:r>
+              <a:rPr lang="he-IL" dirty="0"/>
+              <a:t>טרם שליחת הפעולה לסימולטור מוודאים את חוקיות הפעולה אל מול מודול מצב העולם.</a:t>
+            </a:r>
+          </a:p>
+          <a:p>
+            <a:pPr marL="0" marR="0" lvl="0" indent="0" algn="r" defTabSz="914400" rtl="1" eaLnBrk="1" fontAlgn="auto" latinLnBrk="0" hangingPunct="1">
+              <a:lnSpc>
+                <a:spcPct val="100000"/>
+              </a:lnSpc>
+              <a:spcBef>
+                <a:spcPts val="0"/>
+              </a:spcBef>
+              <a:spcAft>
+                <a:spcPts val="0"/>
+              </a:spcAft>
+              <a:buClrTx/>
+              <a:buSzTx/>
+              <a:buFontTx/>
+              <a:buNone/>
+              <a:tabLst/>
+              <a:defRPr/>
+            </a:pPr>
+            <a:r>
+              <a:rPr lang="he-IL" dirty="0"/>
+              <a:t>עבור כל פעולה שנשלחת לסימולטור מבצע המרה של משך הפעולה לפי ציר הזמן שהוגדר.</a:t>
+            </a:r>
+          </a:p>
+          <a:p>
+            <a:r>
+              <a:rPr lang="he-IL" dirty="0"/>
+              <a:t>עבור כל פעולה שהסתיימה מעדכן בגרף בצומת המתאים את הדגל של הפעולה.</a:t>
+            </a:r>
+          </a:p>
+          <a:p>
+            <a:r>
+              <a:rPr lang="he-IL" dirty="0"/>
+              <a:t>כאשר הבקר סיים את כל הפעולות שקיימות </a:t>
             </a:r>
             <a:r>
               <a:rPr lang="he-IL" dirty="0" err="1"/>
-              <a:t>ערימת</a:t>
+              <a:t>בתכנית</a:t>
             </a:r>
             <a:r>
               <a:rPr lang="he-IL" dirty="0"/>
-              <a:t> מינימום).</a:t>
-            </a:r>
-          </a:p>
-          <a:p>
-            <a:r>
-              <a:rPr lang="he-IL" dirty="0"/>
-              <a:t>פעולות שהזמן שלהן הגיע אך טרם מוכנות (עקב הפרעה או שינוי סדר פעולות על ידי הבקר) מקבלות קנס של יחידת זמן אחת ובכך אנו משנים את סדר הפעולות </a:t>
-            </a:r>
-            <a:r>
-              <a:rPr lang="he-IL" dirty="0" err="1"/>
-              <a:t>מהתכנית</a:t>
-            </a:r>
-            <a:r>
-              <a:rPr lang="he-IL" dirty="0"/>
-              <a:t> המקורית.</a:t>
+              <a:t> –מעלה אירוע שהוא סיים.</a:t>
             </a:r>
           </a:p>
         </p:txBody>
@@ -6403,7 +10576,7 @@
           <a:p>
             <a:fld id="{5D87C9B3-3F36-45D2-B699-10C699E739B9}" type="slidenum">
               <a:rPr lang="he-IL" smtClean="0"/>
-              <a:t>12</a:t>
+              <a:t>16</a:t>
             </a:fld>
             <a:endParaRPr lang="he-IL"/>
           </a:p>
@@ -6412,7 +10585,7 @@
     </p:spTree>
     <p:extLst>
       <p:ext uri="{BB962C8B-B14F-4D97-AF65-F5344CB8AC3E}">
-        <p14:creationId xmlns:p14="http://schemas.microsoft.com/office/powerpoint/2010/main" val="243888583"/>
+        <p14:creationId xmlns:p14="http://schemas.microsoft.com/office/powerpoint/2010/main" val="4166017777"/>
       </p:ext>
     </p:extLst>
   </p:cSld>
@@ -6572,7 +10745,7 @@
           <a:p>
             <a:fld id="{79F52B68-D5BB-4EA1-AA06-AA0F0EB03557}" type="datetime8">
               <a:rPr lang="he-IL" smtClean="0"/>
-              <a:t>28 אוקטובר 21</a:t>
+              <a:t>08 נובמבר 21</a:t>
             </a:fld>
             <a:endParaRPr lang="he-IL"/>
           </a:p>
@@ -6778,7 +10951,7 @@
           <a:p>
             <a:fld id="{4630A421-3765-4AFC-82D8-61E7D97E88E2}" type="datetime8">
               <a:rPr lang="he-IL" smtClean="0"/>
-              <a:t>28 אוקטובר 21</a:t>
+              <a:t>08 נובמבר 21</a:t>
             </a:fld>
             <a:endParaRPr lang="he-IL"/>
           </a:p>
@@ -6989,7 +11162,7 @@
           <a:p>
             <a:fld id="{1928ACFF-5ACA-4C80-A849-F6D0F72C53A9}" type="datetime8">
               <a:rPr lang="he-IL" smtClean="0"/>
-              <a:t>28 אוקטובר 21</a:t>
+              <a:t>08 נובמבר 21</a:t>
             </a:fld>
             <a:endParaRPr lang="he-IL"/>
           </a:p>
@@ -7217,7 +11390,7 @@
           <a:p>
             <a:fld id="{770970AA-6FE6-4A3D-8DF8-9706D5D96A45}" type="datetimeFigureOut">
               <a:rPr lang="he-IL" smtClean="0"/>
-              <a:t>כ"ב/חשון/תשפ"ב</a:t>
+              <a:t>ד'/כסלו/תשפ"ב</a:t>
             </a:fld>
             <a:endParaRPr lang="he-IL"/>
           </a:p>
@@ -7439,7 +11612,7 @@
           <a:p>
             <a:fld id="{770970AA-6FE6-4A3D-8DF8-9706D5D96A45}" type="datetimeFigureOut">
               <a:rPr lang="he-IL" smtClean="0"/>
-              <a:t>כ"ב/חשון/תשפ"ב</a:t>
+              <a:t>ד'/כסלו/תשפ"ב</a:t>
             </a:fld>
             <a:endParaRPr lang="he-IL"/>
           </a:p>
@@ -7738,7 +11911,7 @@
           <a:p>
             <a:fld id="{770970AA-6FE6-4A3D-8DF8-9706D5D96A45}" type="datetimeFigureOut">
               <a:rPr lang="he-IL" smtClean="0"/>
-              <a:t>כ"ב/חשון/תשפ"ב</a:t>
+              <a:t>ד'/כסלו/תשפ"ב</a:t>
             </a:fld>
             <a:endParaRPr lang="he-IL"/>
           </a:p>
@@ -8027,7 +12200,7 @@
           <a:p>
             <a:fld id="{770970AA-6FE6-4A3D-8DF8-9706D5D96A45}" type="datetimeFigureOut">
               <a:rPr lang="he-IL" smtClean="0"/>
-              <a:t>כ"ב/חשון/תשפ"ב</a:t>
+              <a:t>ד'/כסלו/תשפ"ב</a:t>
             </a:fld>
             <a:endParaRPr lang="he-IL"/>
           </a:p>
@@ -8463,7 +12636,7 @@
           <a:p>
             <a:fld id="{770970AA-6FE6-4A3D-8DF8-9706D5D96A45}" type="datetimeFigureOut">
               <a:rPr lang="he-IL" smtClean="0"/>
-              <a:t>כ"ב/חשון/תשפ"ב</a:t>
+              <a:t>ד'/כסלו/תשפ"ב</a:t>
             </a:fld>
             <a:endParaRPr lang="he-IL"/>
           </a:p>
@@ -8628,7 +12801,7 @@
           <a:p>
             <a:fld id="{770970AA-6FE6-4A3D-8DF8-9706D5D96A45}" type="datetimeFigureOut">
               <a:rPr lang="he-IL" smtClean="0"/>
-              <a:t>כ"ב/חשון/תשפ"ב</a:t>
+              <a:t>ד'/כסלו/תשפ"ב</a:t>
             </a:fld>
             <a:endParaRPr lang="he-IL"/>
           </a:p>
@@ -8765,7 +12938,7 @@
           <a:p>
             <a:fld id="{770970AA-6FE6-4A3D-8DF8-9706D5D96A45}" type="datetimeFigureOut">
               <a:rPr lang="he-IL" smtClean="0"/>
-              <a:t>כ"ב/חשון/תשפ"ב</a:t>
+              <a:t>ד'/כסלו/תשפ"ב</a:t>
             </a:fld>
             <a:endParaRPr lang="he-IL"/>
           </a:p>
@@ -9100,7 +13273,7 @@
           <a:p>
             <a:fld id="{770970AA-6FE6-4A3D-8DF8-9706D5D96A45}" type="datetimeFigureOut">
               <a:rPr lang="he-IL" smtClean="0"/>
-              <a:t>כ"ב/חשון/תשפ"ב</a:t>
+              <a:t>ד'/כסלו/תשפ"ב</a:t>
             </a:fld>
             <a:endParaRPr lang="he-IL"/>
           </a:p>
@@ -9467,7 +13640,7 @@
           <a:p>
             <a:fld id="{770970AA-6FE6-4A3D-8DF8-9706D5D96A45}" type="datetimeFigureOut">
               <a:rPr lang="he-IL" smtClean="0"/>
-              <a:t>כ"ב/חשון/תשפ"ב</a:t>
+              <a:t>ד'/כסלו/תשפ"ב</a:t>
             </a:fld>
             <a:endParaRPr lang="he-IL"/>
           </a:p>
@@ -9689,7 +13862,7 @@
           <a:p>
             <a:fld id="{770970AA-6FE6-4A3D-8DF8-9706D5D96A45}" type="datetimeFigureOut">
               <a:rPr lang="he-IL" smtClean="0"/>
-              <a:t>כ"ב/חשון/תשפ"ב</a:t>
+              <a:t>ד'/כסלו/תשפ"ב</a:t>
             </a:fld>
             <a:endParaRPr lang="he-IL"/>
           </a:p>
@@ -9921,7 +14094,7 @@
           <a:p>
             <a:fld id="{770970AA-6FE6-4A3D-8DF8-9706D5D96A45}" type="datetimeFigureOut">
               <a:rPr lang="he-IL" smtClean="0"/>
-              <a:t>כ"ב/חשון/תשפ"ב</a:t>
+              <a:t>ד'/כסלו/תשפ"ב</a:t>
             </a:fld>
             <a:endParaRPr lang="he-IL"/>
           </a:p>
@@ -10215,7 +14388,7 @@
           <a:p>
             <a:fld id="{B633B74F-7D5F-40B2-99A3-88735BD1578B}" type="datetime8">
               <a:rPr lang="he-IL" smtClean="0"/>
-              <a:t>28 אוקטובר 21</a:t>
+              <a:t>08 נובמבר 21</a:t>
             </a:fld>
             <a:endParaRPr lang="he-IL"/>
           </a:p>
@@ -10488,7 +14661,7 @@
           <a:p>
             <a:fld id="{65562B8D-86A8-4454-AA4A-1BEBDBDA192F}" type="datetime8">
               <a:rPr lang="he-IL" smtClean="0"/>
-              <a:t>28 אוקטובר 21</a:t>
+              <a:t>08 נובמבר 21</a:t>
             </a:fld>
             <a:endParaRPr lang="he-IL"/>
           </a:p>
@@ -10903,7 +15076,7 @@
           <a:p>
             <a:fld id="{9BB23B68-68DB-45D4-BA8A-E485CD89D92D}" type="datetime8">
               <a:rPr lang="he-IL" smtClean="0"/>
-              <a:t>28 אוקטובר 21</a:t>
+              <a:t>08 נובמבר 21</a:t>
             </a:fld>
             <a:endParaRPr lang="he-IL"/>
           </a:p>
@@ -11052,7 +15225,7 @@
           <a:p>
             <a:fld id="{F1F471B7-87D8-4F1F-9E2D-C6A63061FDAF}" type="datetime8">
               <a:rPr lang="he-IL" smtClean="0"/>
-              <a:t>28 אוקטובר 21</a:t>
+              <a:t>08 נובמבר 21</a:t>
             </a:fld>
             <a:endParaRPr lang="he-IL"/>
           </a:p>
@@ -11165,7 +15338,7 @@
           <a:p>
             <a:fld id="{1FDAAD0D-E4D3-4002-8D78-AF351A1D3F6C}" type="datetime8">
               <a:rPr lang="he-IL" smtClean="0"/>
-              <a:t>28 אוקטובר 21</a:t>
+              <a:t>08 נובמבר 21</a:t>
             </a:fld>
             <a:endParaRPr lang="he-IL"/>
           </a:p>
@@ -11479,7 +15652,7 @@
           <a:p>
             <a:fld id="{70D621F4-9C26-416E-9A11-3CE3612254C3}" type="datetime8">
               <a:rPr lang="he-IL" smtClean="0"/>
-              <a:t>28 אוקטובר 21</a:t>
+              <a:t>08 נובמבר 21</a:t>
             </a:fld>
             <a:endParaRPr lang="he-IL"/>
           </a:p>
@@ -11770,7 +15943,7 @@
           <a:p>
             <a:fld id="{6ED9EE37-CB84-467D-A0A3-F81C0AAB9BAF}" type="datetime8">
               <a:rPr lang="he-IL" smtClean="0"/>
-              <a:t>28 אוקטובר 21</a:t>
+              <a:t>08 נובמבר 21</a:t>
             </a:fld>
             <a:endParaRPr lang="he-IL"/>
           </a:p>
@@ -12020,7 +16193,7 @@
           <a:p>
             <a:fld id="{1C4278E5-E3C6-4EAD-A696-23D756A692B1}" type="datetime8">
               <a:rPr lang="he-IL" smtClean="0"/>
-              <a:t>28 אוקטובר 21</a:t>
+              <a:t>08 נובמבר 21</a:t>
             </a:fld>
             <a:endParaRPr lang="he-IL"/>
           </a:p>
@@ -13096,7 +17269,7 @@
           <p:nvPr/>
         </p:nvPicPr>
         <p:blipFill>
-          <a:blip r:embed="rId2"/>
+          <a:blip r:embed="rId3"/>
           <a:stretch>
             <a:fillRect/>
           </a:stretch>
@@ -13146,6 +17319,329 @@
           <p:cNvPr id="2" name="כותרת 1">
             <a:extLst>
               <a:ext uri="{FF2B5EF4-FFF2-40B4-BE49-F238E27FC236}">
+                <a16:creationId xmlns:a16="http://schemas.microsoft.com/office/drawing/2014/main" id="{00BDE5E7-CDBD-4B22-B591-6EF0BF74681B}"/>
+              </a:ext>
+            </a:extLst>
+          </p:cNvPr>
+          <p:cNvSpPr>
+            <a:spLocks noGrp="1"/>
+          </p:cNvSpPr>
+          <p:nvPr>
+            <p:ph type="title"/>
+          </p:nvPr>
+        </p:nvSpPr>
+        <p:spPr/>
+        <p:txBody>
+          <a:bodyPr>
+            <a:normAutofit/>
+          </a:bodyPr>
+          <a:lstStyle/>
+          <a:p>
+            <a:pPr algn="ctr"/>
+            <a:r>
+              <a:rPr lang="en-US" sz="4400" b="1" dirty="0">
+                <a:solidFill>
+                  <a:srgbClr val="002060"/>
+                </a:solidFill>
+              </a:rPr>
+              <a:t>Project Goal</a:t>
+            </a:r>
+            <a:endParaRPr lang="he-IL" sz="4400" b="1" dirty="0">
+              <a:solidFill>
+                <a:srgbClr val="002060"/>
+              </a:solidFill>
+            </a:endParaRPr>
+          </a:p>
+        </p:txBody>
+      </p:sp>
+      <p:sp>
+        <p:nvSpPr>
+          <p:cNvPr id="3" name="מציין מיקום טקסט 2">
+            <a:extLst>
+              <a:ext uri="{FF2B5EF4-FFF2-40B4-BE49-F238E27FC236}">
+                <a16:creationId xmlns:a16="http://schemas.microsoft.com/office/drawing/2014/main" id="{197B225D-5CD6-43D4-B20E-E1451DF24856}"/>
+              </a:ext>
+            </a:extLst>
+          </p:cNvPr>
+          <p:cNvSpPr>
+            <a:spLocks noGrp="1"/>
+          </p:cNvSpPr>
+          <p:nvPr>
+            <p:ph type="body" idx="4294967295"/>
+          </p:nvPr>
+        </p:nvSpPr>
+        <p:spPr>
+          <a:xfrm>
+            <a:off x="666750" y="2001838"/>
+            <a:ext cx="10515600" cy="2989612"/>
+          </a:xfrm>
+        </p:spPr>
+        <p:txBody>
+          <a:bodyPr>
+            <a:noAutofit/>
+          </a:bodyPr>
+          <a:lstStyle/>
+          <a:p>
+            <a:pPr algn="l" rtl="0">
+              <a:lnSpc>
+                <a:spcPct val="150000"/>
+              </a:lnSpc>
+            </a:pPr>
+            <a:r>
+              <a:rPr lang="en-US" sz="2400" b="1" dirty="0">
+                <a:solidFill>
+                  <a:srgbClr val="002060"/>
+                </a:solidFill>
+                <a:cs typeface="Arial" panose="020B0604020202020204" pitchFamily="34" charset="0"/>
+              </a:rPr>
+              <a:t>Creating an online algorithm managing takeoff and landing.</a:t>
+            </a:r>
+          </a:p>
+          <a:p>
+            <a:pPr lvl="1" algn="l" rtl="0">
+              <a:lnSpc>
+                <a:spcPct val="150000"/>
+              </a:lnSpc>
+              <a:buFont typeface="Courier New" panose="02070309020205020404" pitchFamily="49" charset="0"/>
+              <a:buChar char="o"/>
+            </a:pPr>
+            <a:r>
+              <a:rPr lang="en-US" sz="2200" dirty="0">
+                <a:solidFill>
+                  <a:srgbClr val="002060"/>
+                </a:solidFill>
+                <a:cs typeface="Arial" panose="020B0604020202020204" pitchFamily="34" charset="0"/>
+              </a:rPr>
+              <a:t>In our project we build an online algorithm which follow a plan generated by the offline algorithm. Our algorithm ran the offline plan w</a:t>
+            </a:r>
+            <a:r>
+              <a:rPr lang="en-US" sz="2200" b="0" i="0" dirty="0">
+                <a:solidFill>
+                  <a:srgbClr val="002060"/>
+                </a:solidFill>
+                <a:effectLst/>
+                <a:cs typeface="Assistant" pitchFamily="2" charset="-79"/>
+              </a:rPr>
+              <a:t>hile</a:t>
+            </a:r>
+            <a:r>
+              <a:rPr lang="en-US" sz="2200" b="0" i="0" dirty="0">
+                <a:solidFill>
+                  <a:srgbClr val="333333"/>
+                </a:solidFill>
+                <a:effectLst/>
+                <a:cs typeface="Assistant" pitchFamily="2" charset="-79"/>
+              </a:rPr>
+              <a:t> </a:t>
+            </a:r>
+            <a:r>
+              <a:rPr lang="en-US" sz="2200" b="0" i="0" dirty="0">
+                <a:solidFill>
+                  <a:srgbClr val="002060"/>
+                </a:solidFill>
+                <a:effectLst/>
+                <a:cs typeface="Assistant" pitchFamily="2" charset="-79"/>
+              </a:rPr>
+              <a:t>dealing with real-time malfunctions and changes.</a:t>
+            </a:r>
+          </a:p>
+          <a:p>
+            <a:pPr lvl="1" algn="l" rtl="0">
+              <a:lnSpc>
+                <a:spcPct val="150000"/>
+              </a:lnSpc>
+              <a:buFont typeface="Courier New" panose="02070309020205020404" pitchFamily="49" charset="0"/>
+              <a:buChar char="o"/>
+            </a:pPr>
+            <a:r>
+              <a:rPr lang="en-US" sz="2200" dirty="0">
+                <a:solidFill>
+                  <a:srgbClr val="002060"/>
+                </a:solidFill>
+                <a:cs typeface="Assistant" pitchFamily="2" charset="-79"/>
+              </a:rPr>
+              <a:t>The algorithm</a:t>
+            </a:r>
+            <a:r>
+              <a:rPr lang="en-US" sz="2200" b="0" i="0" dirty="0">
+                <a:solidFill>
+                  <a:srgbClr val="002060"/>
+                </a:solidFill>
+                <a:effectLst/>
+                <a:cs typeface="Assistant" pitchFamily="2" charset="-79"/>
+              </a:rPr>
+              <a:t> has to decide whether the program can run with the different constraints or whether re-planning is needed.</a:t>
+            </a:r>
+          </a:p>
+        </p:txBody>
+      </p:sp>
+    </p:spTree>
+    <p:extLst>
+      <p:ext uri="{BB962C8B-B14F-4D97-AF65-F5344CB8AC3E}">
+        <p14:creationId xmlns:p14="http://schemas.microsoft.com/office/powerpoint/2010/main" val="4153337668"/>
+      </p:ext>
+    </p:extLst>
+  </p:cSld>
+  <p:clrMapOvr>
+    <a:masterClrMapping/>
+  </p:clrMapOvr>
+</p:sld>
+</file>
+
+<file path=ppt/slides/slide11.xml><?xml version="1.0" encoding="utf-8"?>
+<p:sld xmlns:a="http://schemas.openxmlformats.org/drawingml/2006/main" xmlns:r="http://schemas.openxmlformats.org/officeDocument/2006/relationships" xmlns:p="http://schemas.openxmlformats.org/presentationml/2006/main">
+  <p:cSld>
+    <p:spTree>
+      <p:nvGrpSpPr>
+        <p:cNvPr id="1" name=""/>
+        <p:cNvGrpSpPr/>
+        <p:nvPr/>
+      </p:nvGrpSpPr>
+      <p:grpSpPr>
+        <a:xfrm>
+          <a:off x="0" y="0"/>
+          <a:ext cx="0" cy="0"/>
+          <a:chOff x="0" y="0"/>
+          <a:chExt cx="0" cy="0"/>
+        </a:xfrm>
+      </p:grpSpPr>
+      <p:sp>
+        <p:nvSpPr>
+          <p:cNvPr id="2" name="כותרת 1">
+            <a:extLst>
+              <a:ext uri="{FF2B5EF4-FFF2-40B4-BE49-F238E27FC236}">
+                <a16:creationId xmlns:a16="http://schemas.microsoft.com/office/drawing/2014/main" id="{11433E98-96EA-4674-A96F-0E224428F1EB}"/>
+              </a:ext>
+            </a:extLst>
+          </p:cNvPr>
+          <p:cNvSpPr>
+            <a:spLocks noGrp="1"/>
+          </p:cNvSpPr>
+          <p:nvPr>
+            <p:ph type="title"/>
+          </p:nvPr>
+        </p:nvSpPr>
+        <p:spPr>
+          <a:xfrm>
+            <a:off x="838200" y="601027"/>
+            <a:ext cx="10515600" cy="1325563"/>
+          </a:xfrm>
+        </p:spPr>
+        <p:txBody>
+          <a:bodyPr>
+            <a:normAutofit/>
+          </a:bodyPr>
+          <a:lstStyle/>
+          <a:p>
+            <a:pPr algn="ctr"/>
+            <a:r>
+              <a:rPr lang="he-IL" b="1" dirty="0"/>
+              <a:t>הדיאגרמה של איל</a:t>
+            </a:r>
+          </a:p>
+        </p:txBody>
+      </p:sp>
+    </p:spTree>
+    <p:extLst>
+      <p:ext uri="{BB962C8B-B14F-4D97-AF65-F5344CB8AC3E}">
+        <p14:creationId xmlns:p14="http://schemas.microsoft.com/office/powerpoint/2010/main" val="3780144499"/>
+      </p:ext>
+    </p:extLst>
+  </p:cSld>
+  <p:clrMapOvr>
+    <a:masterClrMapping/>
+  </p:clrMapOvr>
+</p:sld>
+</file>
+
+<file path=ppt/slides/slide12.xml><?xml version="1.0" encoding="utf-8"?>
+<p:sld xmlns:a="http://schemas.openxmlformats.org/drawingml/2006/main" xmlns:r="http://schemas.openxmlformats.org/officeDocument/2006/relationships" xmlns:p="http://schemas.openxmlformats.org/presentationml/2006/main">
+  <p:cSld>
+    <p:spTree>
+      <p:nvGrpSpPr>
+        <p:cNvPr id="1" name=""/>
+        <p:cNvGrpSpPr/>
+        <p:nvPr/>
+      </p:nvGrpSpPr>
+      <p:grpSpPr>
+        <a:xfrm>
+          <a:off x="0" y="0"/>
+          <a:ext cx="0" cy="0"/>
+          <a:chOff x="0" y="0"/>
+          <a:chExt cx="0" cy="0"/>
+        </a:xfrm>
+      </p:grpSpPr>
+      <p:sp>
+        <p:nvSpPr>
+          <p:cNvPr id="2" name="כותרת 1">
+            <a:extLst>
+              <a:ext uri="{FF2B5EF4-FFF2-40B4-BE49-F238E27FC236}">
+                <a16:creationId xmlns:a16="http://schemas.microsoft.com/office/drawing/2014/main" id="{11433E98-96EA-4674-A96F-0E224428F1EB}"/>
+              </a:ext>
+            </a:extLst>
+          </p:cNvPr>
+          <p:cNvSpPr>
+            <a:spLocks noGrp="1"/>
+          </p:cNvSpPr>
+          <p:nvPr>
+            <p:ph type="title"/>
+          </p:nvPr>
+        </p:nvSpPr>
+        <p:spPr>
+          <a:xfrm>
+            <a:off x="838200" y="601027"/>
+            <a:ext cx="10515600" cy="1761173"/>
+          </a:xfrm>
+        </p:spPr>
+        <p:txBody>
+          <a:bodyPr>
+            <a:normAutofit/>
+          </a:bodyPr>
+          <a:lstStyle/>
+          <a:p>
+            <a:pPr algn="ctr"/>
+            <a:r>
+              <a:rPr lang="he-IL" b="1" dirty="0"/>
+              <a:t>עם מה התמודדנו (איזה הפרעות), מה ההנחות שלנו</a:t>
+            </a:r>
+          </a:p>
+        </p:txBody>
+      </p:sp>
+    </p:spTree>
+    <p:extLst>
+      <p:ext uri="{BB962C8B-B14F-4D97-AF65-F5344CB8AC3E}">
+        <p14:creationId xmlns:p14="http://schemas.microsoft.com/office/powerpoint/2010/main" val="674084596"/>
+      </p:ext>
+    </p:extLst>
+  </p:cSld>
+  <p:clrMapOvr>
+    <a:masterClrMapping/>
+  </p:clrMapOvr>
+</p:sld>
+</file>
+
+<file path=ppt/slides/slide13.xml><?xml version="1.0" encoding="utf-8"?>
+<p:sld xmlns:a="http://schemas.openxmlformats.org/drawingml/2006/main" xmlns:r="http://schemas.openxmlformats.org/officeDocument/2006/relationships" xmlns:p="http://schemas.openxmlformats.org/presentationml/2006/main">
+  <p:cSld>
+    <p:spTree>
+      <p:nvGrpSpPr>
+        <p:cNvPr id="1" name=""/>
+        <p:cNvGrpSpPr/>
+        <p:nvPr/>
+      </p:nvGrpSpPr>
+      <p:grpSpPr>
+        <a:xfrm>
+          <a:off x="0" y="0"/>
+          <a:ext cx="0" cy="0"/>
+          <a:chOff x="0" y="0"/>
+          <a:chExt cx="0" cy="0"/>
+        </a:xfrm>
+      </p:grpSpPr>
+      <p:sp>
+        <p:nvSpPr>
+          <p:cNvPr id="2" name="כותרת 1">
+            <a:extLst>
+              <a:ext uri="{FF2B5EF4-FFF2-40B4-BE49-F238E27FC236}">
                 <a16:creationId xmlns:a16="http://schemas.microsoft.com/office/drawing/2014/main" id="{8A89DB29-573A-4FA8-BC7D-7A78F7A84C6B}"/>
               </a:ext>
             </a:extLst>
@@ -13165,16 +17661,6 @@
           <a:lstStyle/>
           <a:p>
             <a:pPr algn="ctr"/>
-            <a:r>
-              <a:rPr lang="en-US" b="1" dirty="0">
-                <a:solidFill>
-                  <a:srgbClr val="002060"/>
-                </a:solidFill>
-                <a:latin typeface="Calibri Light" panose="020F0302020204030204" pitchFamily="34" charset="0"/>
-                <a:cs typeface="Calibri Light" panose="020F0302020204030204" pitchFamily="34" charset="0"/>
-              </a:rPr>
-              <a:t>C</a:t>
-            </a:r>
             <a:r>
               <a:rPr lang="en-US" sz="4400" b="1" dirty="0">
                 <a:solidFill>
@@ -13183,131 +17669,24 @@
                 <a:latin typeface="Calibri Light" panose="020F0302020204030204" pitchFamily="34" charset="0"/>
                 <a:cs typeface="Calibri Light" panose="020F0302020204030204" pitchFamily="34" charset="0"/>
               </a:rPr>
-              <a:t>ontroller </a:t>
-            </a:r>
-            <a:r>
-              <a:rPr lang="en-US" b="1" i="0" dirty="0">
-                <a:solidFill>
-                  <a:srgbClr val="002060"/>
-                </a:solidFill>
-                <a:effectLst/>
-                <a:cs typeface="Assistant" pitchFamily="2" charset="-79"/>
-              </a:rPr>
-              <a:t>module</a:t>
+              <a:t>Our algorithm</a:t>
             </a:r>
             <a:endParaRPr lang="he-IL" sz="4400" b="1" dirty="0">
               <a:solidFill>
                 <a:srgbClr val="002060"/>
               </a:solidFill>
+              <a:latin typeface="Calibri Light" panose="020F0302020204030204" pitchFamily="34" charset="0"/>
               <a:cs typeface="Calibri Light" panose="020F0302020204030204" pitchFamily="34" charset="0"/>
             </a:endParaRPr>
           </a:p>
         </p:txBody>
       </p:sp>
-      <p:sp>
-        <p:nvSpPr>
-          <p:cNvPr id="6" name="מציין מיקום טקסט 5">
+      <p:pic>
+        <p:nvPicPr>
+          <p:cNvPr id="9" name="תמונה 8">
             <a:extLst>
               <a:ext uri="{FF2B5EF4-FFF2-40B4-BE49-F238E27FC236}">
-                <a16:creationId xmlns:a16="http://schemas.microsoft.com/office/drawing/2014/main" id="{C778DE2C-6334-43CB-A106-325E2994739F}"/>
-              </a:ext>
-            </a:extLst>
-          </p:cNvPr>
-          <p:cNvSpPr>
-            <a:spLocks noGrp="1"/>
-          </p:cNvSpPr>
-          <p:nvPr>
-            <p:ph type="body" idx="4294967295"/>
-          </p:nvPr>
-        </p:nvSpPr>
-        <p:spPr>
-          <a:xfrm>
-            <a:off x="838201" y="2090057"/>
-            <a:ext cx="4330700" cy="1542143"/>
-          </a:xfrm>
-        </p:spPr>
-        <p:txBody>
-          <a:bodyPr/>
-          <a:lstStyle/>
-          <a:p>
-            <a:pPr marL="342900" indent="-342900" algn="l" rtl="0">
-              <a:buFont typeface="Arial" panose="020B0604020202020204" pitchFamily="34" charset="0"/>
-              <a:buChar char="•"/>
-            </a:pPr>
-            <a:r>
-              <a:rPr lang="en-US" sz="2400" dirty="0">
-                <a:solidFill>
-                  <a:srgbClr val="002060"/>
-                </a:solidFill>
-              </a:rPr>
-              <a:t>Graph, Heap (</a:t>
-            </a:r>
-            <a:r>
-              <a:rPr lang="en-US" sz="2400" b="0" i="0" dirty="0">
-                <a:solidFill>
-                  <a:srgbClr val="002060"/>
-                </a:solidFill>
-                <a:effectLst/>
-              </a:rPr>
-              <a:t>Priority Queue</a:t>
-            </a:r>
-            <a:r>
-              <a:rPr lang="he-IL" sz="2400" b="0" i="0" dirty="0">
-                <a:solidFill>
-                  <a:srgbClr val="002060"/>
-                </a:solidFill>
-                <a:effectLst/>
-              </a:rPr>
-              <a:t>(</a:t>
-            </a:r>
-          </a:p>
-          <a:p>
-            <a:pPr marL="342900" indent="-342900" algn="l" rtl="0">
-              <a:buFont typeface="Arial" panose="020B0604020202020204" pitchFamily="34" charset="0"/>
-              <a:buChar char="•"/>
-            </a:pPr>
-            <a:r>
-              <a:rPr lang="en-US" sz="2400" dirty="0">
-                <a:solidFill>
-                  <a:srgbClr val="002060"/>
-                </a:solidFill>
-              </a:rPr>
-              <a:t>Holds ref to: Clock, Events</a:t>
-            </a:r>
-          </a:p>
-          <a:p>
-            <a:pPr marL="342900" indent="-342900" algn="l" rtl="0">
-              <a:buFont typeface="Arial" panose="020B0604020202020204" pitchFamily="34" charset="0"/>
-              <a:buChar char="•"/>
-            </a:pPr>
-            <a:r>
-              <a:rPr lang="en-US" sz="2400" dirty="0">
-                <a:solidFill>
-                  <a:srgbClr val="002060"/>
-                </a:solidFill>
-              </a:rPr>
-              <a:t>Subscriber: Interrupt</a:t>
-            </a:r>
-          </a:p>
-          <a:p>
-            <a:pPr marL="342900" indent="-342900" algn="l" rtl="0">
-              <a:buFont typeface="Arial" panose="020B0604020202020204" pitchFamily="34" charset="0"/>
-              <a:buChar char="•"/>
-            </a:pPr>
-            <a:endParaRPr lang="en-US" dirty="0">
-              <a:solidFill>
-                <a:srgbClr val="002060"/>
-              </a:solidFill>
-            </a:endParaRPr>
-          </a:p>
-        </p:txBody>
-      </p:sp>
-      <p:pic>
-        <p:nvPicPr>
-          <p:cNvPr id="8" name="תמונה 7">
-            <a:extLst>
-              <a:ext uri="{FF2B5EF4-FFF2-40B4-BE49-F238E27FC236}">
-                <a16:creationId xmlns:a16="http://schemas.microsoft.com/office/drawing/2014/main" id="{C5FAAC71-D86D-48BA-B5D3-4545A8884FEB}"/>
+                <a16:creationId xmlns:a16="http://schemas.microsoft.com/office/drawing/2014/main" id="{7E0E42AA-C0FD-429F-B916-DA79AFE654E0}"/>
               </a:ext>
             </a:extLst>
           </p:cNvPr>
@@ -13324,8 +17703,1170 @@
         </p:blipFill>
         <p:spPr>
           <a:xfrm>
-            <a:off x="6438900" y="2456039"/>
-            <a:ext cx="5208821" cy="4036836"/>
+            <a:off x="970835" y="1436489"/>
+            <a:ext cx="10250330" cy="4963218"/>
+          </a:xfrm>
+          <a:prstGeom prst="rect">
+            <a:avLst/>
+          </a:prstGeom>
+        </p:spPr>
+      </p:pic>
+    </p:spTree>
+    <p:extLst>
+      <p:ext uri="{BB962C8B-B14F-4D97-AF65-F5344CB8AC3E}">
+        <p14:creationId xmlns:p14="http://schemas.microsoft.com/office/powerpoint/2010/main" val="3147433343"/>
+      </p:ext>
+    </p:extLst>
+  </p:cSld>
+  <p:clrMapOvr>
+    <a:masterClrMapping/>
+  </p:clrMapOvr>
+</p:sld>
+</file>
+
+<file path=ppt/slides/slide14.xml><?xml version="1.0" encoding="utf-8"?>
+<p:sld xmlns:a="http://schemas.openxmlformats.org/drawingml/2006/main" xmlns:r="http://schemas.openxmlformats.org/officeDocument/2006/relationships" xmlns:p="http://schemas.openxmlformats.org/presentationml/2006/main">
+  <p:cSld>
+    <p:bg>
+      <p:bgPr>
+        <a:solidFill>
+          <a:schemeClr val="bg1"/>
+        </a:solidFill>
+        <a:effectLst/>
+      </p:bgPr>
+    </p:bg>
+    <p:spTree>
+      <p:nvGrpSpPr>
+        <p:cNvPr id="1" name=""/>
+        <p:cNvGrpSpPr/>
+        <p:nvPr/>
+      </p:nvGrpSpPr>
+      <p:grpSpPr>
+        <a:xfrm>
+          <a:off x="0" y="0"/>
+          <a:ext cx="0" cy="0"/>
+          <a:chOff x="0" y="0"/>
+          <a:chExt cx="0" cy="0"/>
+        </a:xfrm>
+      </p:grpSpPr>
+      <p:sp useBgFill="1">
+        <p:nvSpPr>
+          <p:cNvPr id="45" name="Rectangle 11">
+            <a:extLst>
+              <a:ext uri="{FF2B5EF4-FFF2-40B4-BE49-F238E27FC236}">
+                <a16:creationId xmlns:a16="http://schemas.microsoft.com/office/drawing/2014/main" id="{BACC6370-2D7E-4714-9D71-7542949D7D5D}"/>
+              </a:ext>
+              <a:ext uri="{C183D7F6-B498-43B3-948B-1728B52AA6E4}">
+                <adec:decorative xmlns:adec="http://schemas.microsoft.com/office/drawing/2017/decorative" val="1"/>
+              </a:ext>
+            </a:extLst>
+          </p:cNvPr>
+          <p:cNvSpPr>
+            <a:spLocks noGrp="1" noRot="1" noChangeAspect="1" noMove="1" noResize="1" noEditPoints="1" noAdjustHandles="1" noChangeArrowheads="1" noChangeShapeType="1" noTextEdit="1"/>
+          </p:cNvSpPr>
+          <p:nvPr>
+            <p:extLst>
+              <p:ext uri="{386F3935-93C4-4BCD-93E2-E3B085C9AB24}">
+                <p16:designElem xmlns:p16="http://schemas.microsoft.com/office/powerpoint/2015/main" val="1"/>
+              </p:ext>
+            </p:extLst>
+          </p:nvPr>
+        </p:nvSpPr>
+        <p:spPr>
+          <a:xfrm>
+            <a:off x="0" y="0"/>
+            <a:ext cx="12192000" cy="6858000"/>
+          </a:xfrm>
+          <a:prstGeom prst="rect">
+            <a:avLst/>
+          </a:prstGeom>
+          <a:ln w="12700" cap="flat" cmpd="sng" algn="ctr">
+            <a:noFill/>
+            <a:prstDash val="solid"/>
+            <a:miter lim="800000"/>
+          </a:ln>
+          <a:effectLst/>
+          <a:extLst>
+            <a:ext uri="{91240B29-F687-4F45-9708-019B960494DF}">
+              <a14:hiddenLine xmlns:a14="http://schemas.microsoft.com/office/drawing/2010/main" w="12700" cap="flat" cmpd="sng" algn="ctr">
+                <a:solidFill>
+                  <a:schemeClr val="accent1">
+                    <a:shade val="50000"/>
+                  </a:schemeClr>
+                </a:solidFill>
+                <a:prstDash val="solid"/>
+                <a:miter lim="800000"/>
+              </a14:hiddenLine>
+            </a:ext>
+          </a:extLst>
+        </p:spPr>
+        <p:style>
+          <a:lnRef idx="2">
+            <a:schemeClr val="accent1">
+              <a:shade val="50000"/>
+            </a:schemeClr>
+          </a:lnRef>
+          <a:fillRef idx="1">
+            <a:schemeClr val="accent1"/>
+          </a:fillRef>
+          <a:effectRef idx="0">
+            <a:schemeClr val="accent1"/>
+          </a:effectRef>
+          <a:fontRef idx="minor">
+            <a:schemeClr val="lt1"/>
+          </a:fontRef>
+        </p:style>
+        <p:txBody>
+          <a:bodyPr rtlCol="0" anchor="ctr"/>
+          <a:lstStyle/>
+          <a:p>
+            <a:pPr algn="ctr"/>
+            <a:endParaRPr lang="en-US"/>
+          </a:p>
+        </p:txBody>
+      </p:sp>
+      <p:sp>
+        <p:nvSpPr>
+          <p:cNvPr id="46" name="Rectangle 13">
+            <a:extLst>
+              <a:ext uri="{FF2B5EF4-FFF2-40B4-BE49-F238E27FC236}">
+                <a16:creationId xmlns:a16="http://schemas.microsoft.com/office/drawing/2014/main" id="{F68B3F68-107C-434F-AA38-110D5EA91B85}"/>
+              </a:ext>
+              <a:ext uri="{C183D7F6-B498-43B3-948B-1728B52AA6E4}">
+                <adec:decorative xmlns:adec="http://schemas.microsoft.com/office/drawing/2017/decorative" val="1"/>
+              </a:ext>
+            </a:extLst>
+          </p:cNvPr>
+          <p:cNvSpPr>
+            <a:spLocks noGrp="1" noRot="1" noChangeAspect="1" noMove="1" noResize="1" noEditPoints="1" noAdjustHandles="1" noChangeArrowheads="1" noChangeShapeType="1" noTextEdit="1"/>
+          </p:cNvSpPr>
+          <p:nvPr>
+            <p:extLst>
+              <p:ext uri="{386F3935-93C4-4BCD-93E2-E3B085C9AB24}">
+                <p16:designElem xmlns:p16="http://schemas.microsoft.com/office/powerpoint/2015/main" val="1"/>
+              </p:ext>
+            </p:extLst>
+          </p:nvPr>
+        </p:nvSpPr>
+        <p:spPr>
+          <a:xfrm flipH="1">
+            <a:off x="2" y="0"/>
+            <a:ext cx="12191998" cy="1575955"/>
+          </a:xfrm>
+          <a:prstGeom prst="rect">
+            <a:avLst/>
+          </a:prstGeom>
+          <a:gradFill>
+            <a:gsLst>
+              <a:gs pos="0">
+                <a:srgbClr val="000000">
+                  <a:alpha val="96000"/>
+                </a:srgbClr>
+              </a:gs>
+              <a:gs pos="100000">
+                <a:schemeClr val="accent1">
+                  <a:lumMod val="75000"/>
+                </a:schemeClr>
+              </a:gs>
+            </a:gsLst>
+            <a:lin ang="8400000" scaled="0"/>
+          </a:gradFill>
+          <a:ln>
+            <a:noFill/>
+          </a:ln>
+        </p:spPr>
+        <p:style>
+          <a:lnRef idx="2">
+            <a:schemeClr val="accent1">
+              <a:shade val="50000"/>
+            </a:schemeClr>
+          </a:lnRef>
+          <a:fillRef idx="1">
+            <a:schemeClr val="accent1"/>
+          </a:fillRef>
+          <a:effectRef idx="0">
+            <a:schemeClr val="accent1"/>
+          </a:effectRef>
+          <a:fontRef idx="minor">
+            <a:schemeClr val="lt1"/>
+          </a:fontRef>
+        </p:style>
+        <p:txBody>
+          <a:bodyPr rtlCol="0" anchor="ctr"/>
+          <a:lstStyle/>
+          <a:p>
+            <a:pPr algn="ctr"/>
+            <a:endParaRPr lang="en-US"/>
+          </a:p>
+        </p:txBody>
+      </p:sp>
+      <p:sp>
+        <p:nvSpPr>
+          <p:cNvPr id="47" name="Rectangle 15">
+            <a:extLst>
+              <a:ext uri="{FF2B5EF4-FFF2-40B4-BE49-F238E27FC236}">
+                <a16:creationId xmlns:a16="http://schemas.microsoft.com/office/drawing/2014/main" id="{AAD0DBB9-1A4B-4391-81D4-CB19F9AB918A}"/>
+              </a:ext>
+              <a:ext uri="{C183D7F6-B498-43B3-948B-1728B52AA6E4}">
+                <adec:decorative xmlns:adec="http://schemas.microsoft.com/office/drawing/2017/decorative" val="1"/>
+              </a:ext>
+            </a:extLst>
+          </p:cNvPr>
+          <p:cNvSpPr>
+            <a:spLocks noGrp="1" noRot="1" noChangeAspect="1" noMove="1" noResize="1" noEditPoints="1" noAdjustHandles="1" noChangeArrowheads="1" noChangeShapeType="1" noTextEdit="1"/>
+          </p:cNvSpPr>
+          <p:nvPr>
+            <p:extLst>
+              <p:ext uri="{386F3935-93C4-4BCD-93E2-E3B085C9AB24}">
+                <p16:designElem xmlns:p16="http://schemas.microsoft.com/office/powerpoint/2015/main" val="1"/>
+              </p:ext>
+            </p:extLst>
+          </p:nvPr>
+        </p:nvSpPr>
+        <p:spPr>
+          <a:xfrm rot="10800000" flipH="1">
+            <a:off x="8128857" y="0"/>
+            <a:ext cx="4063143" cy="1576412"/>
+          </a:xfrm>
+          <a:prstGeom prst="rect">
+            <a:avLst/>
+          </a:prstGeom>
+          <a:gradFill>
+            <a:gsLst>
+              <a:gs pos="19000">
+                <a:schemeClr val="accent1">
+                  <a:lumMod val="50000"/>
+                  <a:alpha val="68000"/>
+                </a:schemeClr>
+              </a:gs>
+              <a:gs pos="100000">
+                <a:schemeClr val="accent1">
+                  <a:alpha val="79000"/>
+                </a:schemeClr>
+              </a:gs>
+            </a:gsLst>
+            <a:lin ang="19200000" scaled="0"/>
+          </a:gradFill>
+          <a:ln>
+            <a:noFill/>
+          </a:ln>
+        </p:spPr>
+        <p:style>
+          <a:lnRef idx="2">
+            <a:schemeClr val="accent1">
+              <a:shade val="50000"/>
+            </a:schemeClr>
+          </a:lnRef>
+          <a:fillRef idx="1">
+            <a:schemeClr val="accent1"/>
+          </a:fillRef>
+          <a:effectRef idx="0">
+            <a:schemeClr val="accent1"/>
+          </a:effectRef>
+          <a:fontRef idx="minor">
+            <a:schemeClr val="lt1"/>
+          </a:fontRef>
+        </p:style>
+        <p:txBody>
+          <a:bodyPr rtlCol="0" anchor="ctr"/>
+          <a:lstStyle/>
+          <a:p>
+            <a:pPr algn="ctr"/>
+            <a:endParaRPr lang="en-US"/>
+          </a:p>
+        </p:txBody>
+      </p:sp>
+      <p:sp>
+        <p:nvSpPr>
+          <p:cNvPr id="48" name="Rectangle 17">
+            <a:extLst>
+              <a:ext uri="{FF2B5EF4-FFF2-40B4-BE49-F238E27FC236}">
+                <a16:creationId xmlns:a16="http://schemas.microsoft.com/office/drawing/2014/main" id="{063BBA22-50EA-4C4D-BE05-F1CE4E63AA56}"/>
+              </a:ext>
+              <a:ext uri="{C183D7F6-B498-43B3-948B-1728B52AA6E4}">
+                <adec:decorative xmlns:adec="http://schemas.microsoft.com/office/drawing/2017/decorative" val="1"/>
+              </a:ext>
+            </a:extLst>
+          </p:cNvPr>
+          <p:cNvSpPr>
+            <a:spLocks noGrp="1" noRot="1" noChangeAspect="1" noMove="1" noResize="1" noEditPoints="1" noAdjustHandles="1" noChangeArrowheads="1" noChangeShapeType="1" noTextEdit="1"/>
+          </p:cNvSpPr>
+          <p:nvPr>
+            <p:extLst>
+              <p:ext uri="{386F3935-93C4-4BCD-93E2-E3B085C9AB24}">
+                <p16:designElem xmlns:p16="http://schemas.microsoft.com/office/powerpoint/2015/main" val="1"/>
+              </p:ext>
+            </p:extLst>
+          </p:nvPr>
+        </p:nvSpPr>
+        <p:spPr>
+          <a:xfrm rot="5400000">
+            <a:off x="5307777" y="-5307778"/>
+            <a:ext cx="1576446" cy="12192002"/>
+          </a:xfrm>
+          <a:prstGeom prst="rect">
+            <a:avLst/>
+          </a:prstGeom>
+          <a:gradFill>
+            <a:gsLst>
+              <a:gs pos="23000">
+                <a:schemeClr val="accent1">
+                  <a:alpha val="0"/>
+                </a:schemeClr>
+              </a:gs>
+              <a:gs pos="99000">
+                <a:srgbClr val="000000">
+                  <a:alpha val="74000"/>
+                </a:srgbClr>
+              </a:gs>
+            </a:gsLst>
+            <a:lin ang="20400000" scaled="0"/>
+          </a:gradFill>
+          <a:ln>
+            <a:noFill/>
+          </a:ln>
+        </p:spPr>
+        <p:style>
+          <a:lnRef idx="2">
+            <a:schemeClr val="accent1">
+              <a:shade val="50000"/>
+            </a:schemeClr>
+          </a:lnRef>
+          <a:fillRef idx="1">
+            <a:schemeClr val="accent1"/>
+          </a:fillRef>
+          <a:effectRef idx="0">
+            <a:schemeClr val="accent1"/>
+          </a:effectRef>
+          <a:fontRef idx="minor">
+            <a:schemeClr val="lt1"/>
+          </a:fontRef>
+        </p:style>
+        <p:txBody>
+          <a:bodyPr rtlCol="0" anchor="ctr"/>
+          <a:lstStyle/>
+          <a:p>
+            <a:pPr algn="ctr"/>
+            <a:endParaRPr lang="en-US" dirty="0"/>
+          </a:p>
+        </p:txBody>
+      </p:sp>
+      <p:sp>
+        <p:nvSpPr>
+          <p:cNvPr id="2" name="כותרת 1">
+            <a:extLst>
+              <a:ext uri="{FF2B5EF4-FFF2-40B4-BE49-F238E27FC236}">
+                <a16:creationId xmlns:a16="http://schemas.microsoft.com/office/drawing/2014/main" id="{8A89DB29-573A-4FA8-BC7D-7A78F7A84C6B}"/>
+              </a:ext>
+            </a:extLst>
+          </p:cNvPr>
+          <p:cNvSpPr>
+            <a:spLocks noGrp="1"/>
+          </p:cNvSpPr>
+          <p:nvPr>
+            <p:ph type="title"/>
+          </p:nvPr>
+        </p:nvSpPr>
+        <p:spPr>
+          <a:xfrm>
+            <a:off x="1371597" y="348865"/>
+            <a:ext cx="10044023" cy="877729"/>
+          </a:xfrm>
+        </p:spPr>
+        <p:txBody>
+          <a:bodyPr vert="horz" lIns="91440" tIns="45720" rIns="91440" bIns="45720" rtlCol="0" anchor="ctr">
+            <a:normAutofit/>
+          </a:bodyPr>
+          <a:lstStyle/>
+          <a:p>
+            <a:pPr algn="l" rtl="0"/>
+            <a:r>
+              <a:rPr lang="en-US" sz="4000" b="1" kern="1200">
+                <a:solidFill>
+                  <a:srgbClr val="FFFFFF"/>
+                </a:solidFill>
+                <a:latin typeface="+mj-lt"/>
+                <a:ea typeface="+mj-ea"/>
+                <a:cs typeface="+mj-cs"/>
+              </a:rPr>
+              <a:t>The Program Manager</a:t>
+            </a:r>
+          </a:p>
+        </p:txBody>
+      </p:sp>
+      <p:graphicFrame>
+        <p:nvGraphicFramePr>
+          <p:cNvPr id="49" name="מציין מיקום טקסט 5">
+            <a:extLst>
+              <a:ext uri="{FF2B5EF4-FFF2-40B4-BE49-F238E27FC236}">
+                <a16:creationId xmlns:a16="http://schemas.microsoft.com/office/drawing/2014/main" id="{AE7C6EB2-533F-4DE9-832C-597B3E8043C5}"/>
+              </a:ext>
+            </a:extLst>
+          </p:cNvPr>
+          <p:cNvGraphicFramePr/>
+          <p:nvPr>
+            <p:extLst>
+              <p:ext uri="{D42A27DB-BD31-4B8C-83A1-F6EECF244321}">
+                <p14:modId xmlns:p14="http://schemas.microsoft.com/office/powerpoint/2010/main" val="3223477702"/>
+              </p:ext>
+            </p:extLst>
+          </p:nvPr>
+        </p:nvGraphicFramePr>
+        <p:xfrm>
+          <a:off x="644056" y="2112579"/>
+          <a:ext cx="10927829" cy="4192805"/>
+        </p:xfrm>
+        <a:graphic>
+          <a:graphicData uri="http://schemas.openxmlformats.org/drawingml/2006/diagram">
+            <dgm:relIds xmlns:dgm="http://schemas.openxmlformats.org/drawingml/2006/diagram" xmlns:r="http://schemas.openxmlformats.org/officeDocument/2006/relationships" r:dm="rId3" r:lo="rId4" r:qs="rId5" r:cs="rId6"/>
+          </a:graphicData>
+        </a:graphic>
+      </p:graphicFrame>
+    </p:spTree>
+    <p:extLst>
+      <p:ext uri="{BB962C8B-B14F-4D97-AF65-F5344CB8AC3E}">
+        <p14:creationId xmlns:p14="http://schemas.microsoft.com/office/powerpoint/2010/main" val="2462817751"/>
+      </p:ext>
+    </p:extLst>
+  </p:cSld>
+  <p:clrMapOvr>
+    <a:masterClrMapping/>
+  </p:clrMapOvr>
+</p:sld>
+</file>
+
+<file path=ppt/slides/slide15.xml><?xml version="1.0" encoding="utf-8"?>
+<p:sld xmlns:a="http://schemas.openxmlformats.org/drawingml/2006/main" xmlns:r="http://schemas.openxmlformats.org/officeDocument/2006/relationships" xmlns:p="http://schemas.openxmlformats.org/presentationml/2006/main">
+  <p:cSld>
+    <p:bg>
+      <p:bgPr>
+        <a:solidFill>
+          <a:schemeClr val="bg1"/>
+        </a:solidFill>
+        <a:effectLst/>
+      </p:bgPr>
+    </p:bg>
+    <p:spTree>
+      <p:nvGrpSpPr>
+        <p:cNvPr id="1" name=""/>
+        <p:cNvGrpSpPr/>
+        <p:nvPr/>
+      </p:nvGrpSpPr>
+      <p:grpSpPr>
+        <a:xfrm>
+          <a:off x="0" y="0"/>
+          <a:ext cx="0" cy="0"/>
+          <a:chOff x="0" y="0"/>
+          <a:chExt cx="0" cy="0"/>
+        </a:xfrm>
+      </p:grpSpPr>
+      <p:sp useBgFill="1">
+        <p:nvSpPr>
+          <p:cNvPr id="21" name="Rectangle 9">
+            <a:extLst>
+              <a:ext uri="{FF2B5EF4-FFF2-40B4-BE49-F238E27FC236}">
+                <a16:creationId xmlns:a16="http://schemas.microsoft.com/office/drawing/2014/main" id="{53F29798-D584-4792-9B62-3F5F5C36D619}"/>
+              </a:ext>
+              <a:ext uri="{C183D7F6-B498-43B3-948B-1728B52AA6E4}">
+                <adec:decorative xmlns:adec="http://schemas.microsoft.com/office/drawing/2017/decorative" val="1"/>
+              </a:ext>
+            </a:extLst>
+          </p:cNvPr>
+          <p:cNvSpPr>
+            <a:spLocks noGrp="1" noRot="1" noChangeAspect="1" noMove="1" noResize="1" noEditPoints="1" noAdjustHandles="1" noChangeArrowheads="1" noChangeShapeType="1" noTextEdit="1"/>
+          </p:cNvSpPr>
+          <p:nvPr>
+            <p:extLst>
+              <p:ext uri="{386F3935-93C4-4BCD-93E2-E3B085C9AB24}">
+                <p16:designElem xmlns:p16="http://schemas.microsoft.com/office/powerpoint/2015/main" val="1"/>
+              </p:ext>
+            </p:extLst>
+          </p:nvPr>
+        </p:nvSpPr>
+        <p:spPr>
+          <a:xfrm>
+            <a:off x="0" y="0"/>
+            <a:ext cx="12188952" cy="6858000"/>
+          </a:xfrm>
+          <a:prstGeom prst="rect">
+            <a:avLst/>
+          </a:prstGeom>
+          <a:ln>
+            <a:noFill/>
+          </a:ln>
+        </p:spPr>
+        <p:style>
+          <a:lnRef idx="2">
+            <a:schemeClr val="accent1">
+              <a:shade val="50000"/>
+            </a:schemeClr>
+          </a:lnRef>
+          <a:fillRef idx="1">
+            <a:schemeClr val="accent1"/>
+          </a:fillRef>
+          <a:effectRef idx="0">
+            <a:schemeClr val="accent1"/>
+          </a:effectRef>
+          <a:fontRef idx="minor">
+            <a:schemeClr val="lt1"/>
+          </a:fontRef>
+        </p:style>
+        <p:txBody>
+          <a:bodyPr rtlCol="0" anchor="ctr"/>
+          <a:lstStyle/>
+          <a:p>
+            <a:pPr algn="ctr"/>
+            <a:endParaRPr lang="en-US"/>
+          </a:p>
+        </p:txBody>
+      </p:sp>
+      <p:sp>
+        <p:nvSpPr>
+          <p:cNvPr id="2" name="כותרת 1">
+            <a:extLst>
+              <a:ext uri="{FF2B5EF4-FFF2-40B4-BE49-F238E27FC236}">
+                <a16:creationId xmlns:a16="http://schemas.microsoft.com/office/drawing/2014/main" id="{8A89DB29-573A-4FA8-BC7D-7A78F7A84C6B}"/>
+              </a:ext>
+            </a:extLst>
+          </p:cNvPr>
+          <p:cNvSpPr>
+            <a:spLocks noGrp="1"/>
+          </p:cNvSpPr>
+          <p:nvPr>
+            <p:ph type="title"/>
+          </p:nvPr>
+        </p:nvSpPr>
+        <p:spPr>
+          <a:xfrm>
+            <a:off x="838200" y="184805"/>
+            <a:ext cx="10515600" cy="1505883"/>
+          </a:xfrm>
+        </p:spPr>
+        <p:txBody>
+          <a:bodyPr vert="horz" lIns="91440" tIns="45720" rIns="91440" bIns="45720" rtlCol="0" anchor="ctr">
+            <a:normAutofit/>
+          </a:bodyPr>
+          <a:lstStyle/>
+          <a:p>
+            <a:pPr algn="l" rtl="0"/>
+            <a:r>
+              <a:rPr lang="en-US" sz="5200" b="1" kern="1200">
+                <a:solidFill>
+                  <a:schemeClr val="tx1"/>
+                </a:solidFill>
+                <a:latin typeface="+mj-lt"/>
+                <a:ea typeface="+mj-ea"/>
+                <a:cs typeface="+mj-cs"/>
+              </a:rPr>
+              <a:t>The Program Manager</a:t>
+            </a:r>
+          </a:p>
+        </p:txBody>
+      </p:sp>
+      <p:pic>
+        <p:nvPicPr>
+          <p:cNvPr id="5" name="תמונה 4">
+            <a:extLst>
+              <a:ext uri="{FF2B5EF4-FFF2-40B4-BE49-F238E27FC236}">
+                <a16:creationId xmlns:a16="http://schemas.microsoft.com/office/drawing/2014/main" id="{AFB3DFCD-A03D-46A7-AB51-38A6F46D5C71}"/>
+              </a:ext>
+            </a:extLst>
+          </p:cNvPr>
+          <p:cNvPicPr>
+            <a:picLocks noChangeAspect="1"/>
+          </p:cNvPicPr>
+          <p:nvPr/>
+        </p:nvPicPr>
+        <p:blipFill>
+          <a:blip r:embed="rId3"/>
+          <a:stretch>
+            <a:fillRect/>
+          </a:stretch>
+        </p:blipFill>
+        <p:spPr>
+          <a:xfrm>
+            <a:off x="1434470" y="1845426"/>
+            <a:ext cx="9320006" cy="4450303"/>
+          </a:xfrm>
+          <a:prstGeom prst="rect">
+            <a:avLst/>
+          </a:prstGeom>
+        </p:spPr>
+      </p:pic>
+    </p:spTree>
+    <p:extLst>
+      <p:ext uri="{BB962C8B-B14F-4D97-AF65-F5344CB8AC3E}">
+        <p14:creationId xmlns:p14="http://schemas.microsoft.com/office/powerpoint/2010/main" val="2505620064"/>
+      </p:ext>
+    </p:extLst>
+  </p:cSld>
+  <p:clrMapOvr>
+    <a:masterClrMapping/>
+  </p:clrMapOvr>
+</p:sld>
+</file>
+
+<file path=ppt/slides/slide16.xml><?xml version="1.0" encoding="utf-8"?>
+<p:sld xmlns:a="http://schemas.openxmlformats.org/drawingml/2006/main" xmlns:r="http://schemas.openxmlformats.org/officeDocument/2006/relationships" xmlns:p="http://schemas.openxmlformats.org/presentationml/2006/main">
+  <p:cSld>
+    <p:bg>
+      <p:bgPr>
+        <a:solidFill>
+          <a:schemeClr val="bg1"/>
+        </a:solidFill>
+        <a:effectLst/>
+      </p:bgPr>
+    </p:bg>
+    <p:spTree>
+      <p:nvGrpSpPr>
+        <p:cNvPr id="1" name=""/>
+        <p:cNvGrpSpPr/>
+        <p:nvPr/>
+      </p:nvGrpSpPr>
+      <p:grpSpPr>
+        <a:xfrm>
+          <a:off x="0" y="0"/>
+          <a:ext cx="0" cy="0"/>
+          <a:chOff x="0" y="0"/>
+          <a:chExt cx="0" cy="0"/>
+        </a:xfrm>
+      </p:grpSpPr>
+      <p:sp useBgFill="1">
+        <p:nvSpPr>
+          <p:cNvPr id="10" name="Rectangle 12">
+            <a:extLst>
+              <a:ext uri="{FF2B5EF4-FFF2-40B4-BE49-F238E27FC236}">
+                <a16:creationId xmlns:a16="http://schemas.microsoft.com/office/drawing/2014/main" id="{201CC55D-ED54-4C5C-95E6-10947BD1103B}"/>
+              </a:ext>
+              <a:ext uri="{C183D7F6-B498-43B3-948B-1728B52AA6E4}">
+                <adec:decorative xmlns:adec="http://schemas.microsoft.com/office/drawing/2017/decorative" val="1"/>
+              </a:ext>
+            </a:extLst>
+          </p:cNvPr>
+          <p:cNvSpPr>
+            <a:spLocks noGrp="1" noRot="1" noChangeAspect="1" noMove="1" noResize="1" noEditPoints="1" noAdjustHandles="1" noChangeArrowheads="1" noChangeShapeType="1" noTextEdit="1"/>
+          </p:cNvSpPr>
+          <p:nvPr>
+            <p:extLst>
+              <p:ext uri="{386F3935-93C4-4BCD-93E2-E3B085C9AB24}">
+                <p16:designElem xmlns:p16="http://schemas.microsoft.com/office/powerpoint/2015/main" val="1"/>
+              </p:ext>
+            </p:extLst>
+          </p:nvPr>
+        </p:nvSpPr>
+        <p:spPr>
+          <a:xfrm>
+            <a:off x="0" y="0"/>
+            <a:ext cx="12191999" cy="6857365"/>
+          </a:xfrm>
+          <a:prstGeom prst="rect">
+            <a:avLst/>
+          </a:prstGeom>
+          <a:ln>
+            <a:noFill/>
+          </a:ln>
+        </p:spPr>
+        <p:style>
+          <a:lnRef idx="2">
+            <a:schemeClr val="accent1">
+              <a:shade val="50000"/>
+            </a:schemeClr>
+          </a:lnRef>
+          <a:fillRef idx="1">
+            <a:schemeClr val="accent1"/>
+          </a:fillRef>
+          <a:effectRef idx="0">
+            <a:schemeClr val="accent1"/>
+          </a:effectRef>
+          <a:fontRef idx="minor">
+            <a:schemeClr val="lt1"/>
+          </a:fontRef>
+        </p:style>
+        <p:txBody>
+          <a:bodyPr rtlCol="0" anchor="ctr"/>
+          <a:lstStyle/>
+          <a:p>
+            <a:pPr algn="ctr"/>
+            <a:endParaRPr lang="en-US"/>
+          </a:p>
+        </p:txBody>
+      </p:sp>
+      <p:sp>
+        <p:nvSpPr>
+          <p:cNvPr id="2" name="כותרת 1">
+            <a:extLst>
+              <a:ext uri="{FF2B5EF4-FFF2-40B4-BE49-F238E27FC236}">
+                <a16:creationId xmlns:a16="http://schemas.microsoft.com/office/drawing/2014/main" id="{8A89DB29-573A-4FA8-BC7D-7A78F7A84C6B}"/>
+              </a:ext>
+            </a:extLst>
+          </p:cNvPr>
+          <p:cNvSpPr>
+            <a:spLocks noGrp="1"/>
+          </p:cNvSpPr>
+          <p:nvPr>
+            <p:ph type="title"/>
+          </p:nvPr>
+        </p:nvSpPr>
+        <p:spPr>
+          <a:xfrm>
+            <a:off x="589560" y="856180"/>
+            <a:ext cx="4560584" cy="1128068"/>
+          </a:xfrm>
+        </p:spPr>
+        <p:txBody>
+          <a:bodyPr vert="horz" lIns="91440" tIns="45720" rIns="91440" bIns="45720" rtlCol="0" anchor="ctr">
+            <a:normAutofit/>
+          </a:bodyPr>
+          <a:lstStyle/>
+          <a:p>
+            <a:pPr algn="l" rtl="0"/>
+            <a:r>
+              <a:rPr lang="en-US" sz="4000" b="1"/>
+              <a:t>Controller </a:t>
+            </a:r>
+            <a:r>
+              <a:rPr lang="en-US" sz="4000" b="1" i="0">
+                <a:effectLst/>
+              </a:rPr>
+              <a:t>module</a:t>
+            </a:r>
+            <a:endParaRPr lang="en-US" sz="4000" b="1"/>
+          </a:p>
+        </p:txBody>
+      </p:sp>
+      <p:grpSp>
+        <p:nvGrpSpPr>
+          <p:cNvPr id="11" name="Group 14">
+            <a:extLst>
+              <a:ext uri="{FF2B5EF4-FFF2-40B4-BE49-F238E27FC236}">
+                <a16:creationId xmlns:a16="http://schemas.microsoft.com/office/drawing/2014/main" id="{1DE889C7-FAD6-4397-98E2-05D503484459}"/>
+              </a:ext>
+              <a:ext uri="{C183D7F6-B498-43B3-948B-1728B52AA6E4}">
+                <adec:decorative xmlns:adec="http://schemas.microsoft.com/office/drawing/2017/decorative" val="1"/>
+              </a:ext>
+            </a:extLst>
+          </p:cNvPr>
+          <p:cNvGrpSpPr>
+            <a:grpSpLocks noGrp="1" noUngrp="1" noRot="1" noChangeAspect="1" noMove="1" noResize="1"/>
+          </p:cNvGrpSpPr>
+          <p:nvPr>
+            <p:extLst>
+              <p:ext uri="{386F3935-93C4-4BCD-93E2-E3B085C9AB24}">
+                <p16:designElem xmlns:p16="http://schemas.microsoft.com/office/powerpoint/2015/main" val="1"/>
+              </p:ext>
+            </p:extLst>
+          </p:nvPr>
+        </p:nvGrpSpPr>
+        <p:grpSpPr>
+          <a:xfrm>
+            <a:off x="0" y="1083484"/>
+            <a:ext cx="355196" cy="673460"/>
+            <a:chOff x="0" y="823811"/>
+            <a:chExt cx="355196" cy="673460"/>
+          </a:xfrm>
+        </p:grpSpPr>
+        <p:sp>
+          <p:nvSpPr>
+            <p:cNvPr id="16" name="Rectangle 15">
+              <a:extLst>
+                <a:ext uri="{FF2B5EF4-FFF2-40B4-BE49-F238E27FC236}">
+                  <a16:creationId xmlns:a16="http://schemas.microsoft.com/office/drawing/2014/main" id="{F399A70F-F8CD-4992-9EF5-6CF15472E73F}"/>
+                </a:ext>
+                <a:ext uri="{C183D7F6-B498-43B3-948B-1728B52AA6E4}">
+                  <adec:decorative xmlns:adec="http://schemas.microsoft.com/office/drawing/2017/decorative" val="1"/>
+                </a:ext>
+              </a:extLst>
+            </p:cNvPr>
+            <p:cNvSpPr/>
+            <p:nvPr>
+              <p:extLst>
+                <p:ext uri="{386F3935-93C4-4BCD-93E2-E3B085C9AB24}">
+                  <p16:designElem xmlns:p16="http://schemas.microsoft.com/office/powerpoint/2015/main" val="1"/>
+                </p:ext>
+              </p:extLst>
+            </p:nvPr>
+          </p:nvSpPr>
+          <p:spPr>
+            <a:xfrm>
+              <a:off x="0" y="823811"/>
+              <a:ext cx="87363" cy="673460"/>
+            </a:xfrm>
+            <a:prstGeom prst="rect">
+              <a:avLst/>
+            </a:prstGeom>
+            <a:solidFill>
+              <a:schemeClr val="accent4"/>
+            </a:solidFill>
+            <a:ln>
+              <a:noFill/>
+            </a:ln>
+          </p:spPr>
+          <p:style>
+            <a:lnRef idx="2">
+              <a:schemeClr val="accent1">
+                <a:shade val="50000"/>
+              </a:schemeClr>
+            </a:lnRef>
+            <a:fillRef idx="1">
+              <a:schemeClr val="accent1"/>
+            </a:fillRef>
+            <a:effectRef idx="0">
+              <a:schemeClr val="accent1"/>
+            </a:effectRef>
+            <a:fontRef idx="minor">
+              <a:schemeClr val="lt1"/>
+            </a:fontRef>
+          </p:style>
+          <p:txBody>
+            <a:bodyPr rtlCol="0" anchor="ctr"/>
+            <a:lstStyle/>
+            <a:p>
+              <a:pPr algn="ctr"/>
+              <a:endParaRPr lang="en-US"/>
+            </a:p>
+          </p:txBody>
+        </p:sp>
+        <p:sp>
+          <p:nvSpPr>
+            <p:cNvPr id="17" name="Rectangle 16">
+              <a:extLst>
+                <a:ext uri="{FF2B5EF4-FFF2-40B4-BE49-F238E27FC236}">
+                  <a16:creationId xmlns:a16="http://schemas.microsoft.com/office/drawing/2014/main" id="{48F4FEDC-6D80-458C-A665-075D9B9500FD}"/>
+                </a:ext>
+                <a:ext uri="{C183D7F6-B498-43B3-948B-1728B52AA6E4}">
+                  <adec:decorative xmlns:adec="http://schemas.microsoft.com/office/drawing/2017/decorative" val="1"/>
+                </a:ext>
+              </a:extLst>
+            </p:cNvPr>
+            <p:cNvSpPr/>
+            <p:nvPr>
+              <p:extLst>
+                <p:ext uri="{386F3935-93C4-4BCD-93E2-E3B085C9AB24}">
+                  <p16:designElem xmlns:p16="http://schemas.microsoft.com/office/powerpoint/2015/main" val="1"/>
+                </p:ext>
+              </p:extLst>
+            </p:nvPr>
+          </p:nvSpPr>
+          <p:spPr>
+            <a:xfrm>
+              <a:off x="159341" y="823811"/>
+              <a:ext cx="195855" cy="673460"/>
+            </a:xfrm>
+            <a:prstGeom prst="rect">
+              <a:avLst/>
+            </a:prstGeom>
+            <a:solidFill>
+              <a:schemeClr val="accent4"/>
+            </a:solidFill>
+            <a:ln>
+              <a:noFill/>
+            </a:ln>
+          </p:spPr>
+          <p:style>
+            <a:lnRef idx="2">
+              <a:schemeClr val="accent1">
+                <a:shade val="50000"/>
+              </a:schemeClr>
+            </a:lnRef>
+            <a:fillRef idx="1">
+              <a:schemeClr val="accent1"/>
+            </a:fillRef>
+            <a:effectRef idx="0">
+              <a:schemeClr val="accent1"/>
+            </a:effectRef>
+            <a:fontRef idx="minor">
+              <a:schemeClr val="lt1"/>
+            </a:fontRef>
+          </p:style>
+          <p:txBody>
+            <a:bodyPr rtlCol="0" anchor="ctr"/>
+            <a:lstStyle/>
+            <a:p>
+              <a:pPr algn="ctr"/>
+              <a:endParaRPr lang="en-US"/>
+            </a:p>
+          </p:txBody>
+        </p:sp>
+      </p:grpSp>
+      <p:sp>
+        <p:nvSpPr>
+          <p:cNvPr id="19" name="Rectangle 18">
+            <a:extLst>
+              <a:ext uri="{FF2B5EF4-FFF2-40B4-BE49-F238E27FC236}">
+                <a16:creationId xmlns:a16="http://schemas.microsoft.com/office/drawing/2014/main" id="{3873B707-463F-40B0-8227-E8CC6C67EB25}"/>
+              </a:ext>
+              <a:ext uri="{C183D7F6-B498-43B3-948B-1728B52AA6E4}">
+                <adec:decorative xmlns:adec="http://schemas.microsoft.com/office/drawing/2017/decorative" val="1"/>
+              </a:ext>
+            </a:extLst>
+          </p:cNvPr>
+          <p:cNvSpPr>
+            <a:spLocks noGrp="1" noRot="1" noChangeAspect="1" noMove="1" noResize="1" noEditPoints="1" noAdjustHandles="1" noChangeArrowheads="1" noChangeShapeType="1" noTextEdit="1"/>
+          </p:cNvSpPr>
+          <p:nvPr>
+            <p:extLst>
+              <p:ext uri="{386F3935-93C4-4BCD-93E2-E3B085C9AB24}">
+                <p16:designElem xmlns:p16="http://schemas.microsoft.com/office/powerpoint/2015/main" val="1"/>
+              </p:ext>
+            </p:extLst>
+          </p:nvPr>
+        </p:nvSpPr>
+        <p:spPr>
+          <a:xfrm flipH="1">
+            <a:off x="665085" y="2090569"/>
+            <a:ext cx="4297680" cy="27432"/>
+          </a:xfrm>
+          <a:prstGeom prst="rect">
+            <a:avLst/>
+          </a:prstGeom>
+          <a:solidFill>
+            <a:schemeClr val="accent4"/>
+          </a:solidFill>
+          <a:ln>
+            <a:noFill/>
+          </a:ln>
+        </p:spPr>
+        <p:style>
+          <a:lnRef idx="2">
+            <a:schemeClr val="accent1">
+              <a:shade val="50000"/>
+            </a:schemeClr>
+          </a:lnRef>
+          <a:fillRef idx="1">
+            <a:schemeClr val="accent1"/>
+          </a:fillRef>
+          <a:effectRef idx="0">
+            <a:schemeClr val="accent1"/>
+          </a:effectRef>
+          <a:fontRef idx="minor">
+            <a:schemeClr val="lt1"/>
+          </a:fontRef>
+        </p:style>
+        <p:txBody>
+          <a:bodyPr rtlCol="0" anchor="ctr"/>
+          <a:lstStyle/>
+          <a:p>
+            <a:pPr algn="ctr"/>
+            <a:endParaRPr lang="en-US"/>
+          </a:p>
+        </p:txBody>
+      </p:sp>
+      <p:sp>
+        <p:nvSpPr>
+          <p:cNvPr id="6" name="מציין מיקום טקסט 5">
+            <a:extLst>
+              <a:ext uri="{FF2B5EF4-FFF2-40B4-BE49-F238E27FC236}">
+                <a16:creationId xmlns:a16="http://schemas.microsoft.com/office/drawing/2014/main" id="{C778DE2C-6334-43CB-A106-325E2994739F}"/>
+              </a:ext>
+            </a:extLst>
+          </p:cNvPr>
+          <p:cNvSpPr>
+            <a:spLocks noGrp="1"/>
+          </p:cNvSpPr>
+          <p:nvPr>
+            <p:ph type="body" idx="4294967295"/>
+          </p:nvPr>
+        </p:nvSpPr>
+        <p:spPr>
+          <a:xfrm>
+            <a:off x="590719" y="2330505"/>
+            <a:ext cx="4559425" cy="3979585"/>
+          </a:xfrm>
+        </p:spPr>
+        <p:txBody>
+          <a:bodyPr vert="horz" lIns="91440" tIns="45720" rIns="91440" bIns="45720" rtlCol="0" anchor="ctr">
+            <a:normAutofit/>
+          </a:bodyPr>
+          <a:lstStyle/>
+          <a:p>
+            <a:pPr marL="342900" algn="l" rtl="0"/>
+            <a:r>
+              <a:rPr lang="en-US" sz="2000"/>
+              <a:t>Graph, Heap (</a:t>
+            </a:r>
+            <a:r>
+              <a:rPr lang="en-US" sz="2000" b="0" i="0">
+                <a:effectLst/>
+              </a:rPr>
+              <a:t>Priority Queue(</a:t>
+            </a:r>
+          </a:p>
+          <a:p>
+            <a:pPr marL="342900" algn="l" rtl="0"/>
+            <a:r>
+              <a:rPr lang="en-US" sz="2000"/>
+              <a:t>Holds ref to: Clock, Events</a:t>
+            </a:r>
+          </a:p>
+          <a:p>
+            <a:pPr marL="342900" algn="l" rtl="0"/>
+            <a:r>
+              <a:rPr lang="en-US" sz="2000"/>
+              <a:t>Subscriber: Interrupt</a:t>
+            </a:r>
+          </a:p>
+          <a:p>
+            <a:pPr marL="342900" algn="l" rtl="0"/>
+            <a:endParaRPr lang="en-US" sz="2000"/>
+          </a:p>
+        </p:txBody>
+      </p:sp>
+      <p:sp>
+        <p:nvSpPr>
+          <p:cNvPr id="21" name="Rectangle 20">
+            <a:extLst>
+              <a:ext uri="{FF2B5EF4-FFF2-40B4-BE49-F238E27FC236}">
+                <a16:creationId xmlns:a16="http://schemas.microsoft.com/office/drawing/2014/main" id="{C13237C8-E62C-4F0D-A318-BD6FB6C2D138}"/>
+              </a:ext>
+              <a:ext uri="{C183D7F6-B498-43B3-948B-1728B52AA6E4}">
+                <adec:decorative xmlns:adec="http://schemas.microsoft.com/office/drawing/2017/decorative" val="1"/>
+              </a:ext>
+            </a:extLst>
+          </p:cNvPr>
+          <p:cNvSpPr>
+            <a:spLocks noGrp="1" noRot="1" noChangeAspect="1" noMove="1" noResize="1" noEditPoints="1" noAdjustHandles="1" noChangeArrowheads="1" noChangeShapeType="1" noTextEdit="1"/>
+          </p:cNvSpPr>
+          <p:nvPr>
+            <p:extLst>
+              <p:ext uri="{386F3935-93C4-4BCD-93E2-E3B085C9AB24}">
+                <p16:designElem xmlns:p16="http://schemas.microsoft.com/office/powerpoint/2015/main" val="1"/>
+              </p:ext>
+            </p:extLst>
+          </p:nvPr>
+        </p:nvSpPr>
+        <p:spPr>
+          <a:xfrm flipH="1">
+            <a:off x="10697670" y="0"/>
+            <a:ext cx="1494330" cy="6858000"/>
+          </a:xfrm>
+          <a:prstGeom prst="rect">
+            <a:avLst/>
+          </a:prstGeom>
+          <a:solidFill>
+            <a:schemeClr val="accent4"/>
+          </a:solidFill>
+          <a:ln>
+            <a:noFill/>
+          </a:ln>
+        </p:spPr>
+        <p:style>
+          <a:lnRef idx="2">
+            <a:schemeClr val="accent1">
+              <a:shade val="50000"/>
+            </a:schemeClr>
+          </a:lnRef>
+          <a:fillRef idx="1">
+            <a:schemeClr val="accent1"/>
+          </a:fillRef>
+          <a:effectRef idx="0">
+            <a:schemeClr val="accent1"/>
+          </a:effectRef>
+          <a:fontRef idx="minor">
+            <a:schemeClr val="lt1"/>
+          </a:fontRef>
+        </p:style>
+        <p:txBody>
+          <a:bodyPr rtlCol="0" anchor="ctr"/>
+          <a:lstStyle/>
+          <a:p>
+            <a:pPr algn="ctr"/>
+            <a:endParaRPr lang="en-US"/>
+          </a:p>
+        </p:txBody>
+      </p:sp>
+      <p:sp>
+        <p:nvSpPr>
+          <p:cNvPr id="23" name="Rectangle 22">
+            <a:extLst>
+              <a:ext uri="{FF2B5EF4-FFF2-40B4-BE49-F238E27FC236}">
+                <a16:creationId xmlns:a16="http://schemas.microsoft.com/office/drawing/2014/main" id="{19C9EAEA-39D0-4B0E-A0EB-51E7B26740B1}"/>
+              </a:ext>
+              <a:ext uri="{C183D7F6-B498-43B3-948B-1728B52AA6E4}">
+                <adec:decorative xmlns:adec="http://schemas.microsoft.com/office/drawing/2017/decorative" val="1"/>
+              </a:ext>
+            </a:extLst>
+          </p:cNvPr>
+          <p:cNvSpPr>
+            <a:spLocks noGrp="1" noRot="1" noChangeAspect="1" noMove="1" noResize="1" noEditPoints="1" noAdjustHandles="1" noChangeArrowheads="1" noChangeShapeType="1" noTextEdit="1"/>
+          </p:cNvSpPr>
+          <p:nvPr>
+            <p:extLst>
+              <p:ext uri="{386F3935-93C4-4BCD-93E2-E3B085C9AB24}">
+                <p16:designElem xmlns:p16="http://schemas.microsoft.com/office/powerpoint/2015/main" val="1"/>
+              </p:ext>
+            </p:extLst>
+          </p:nvPr>
+        </p:nvSpPr>
+        <p:spPr>
+          <a:xfrm>
+            <a:off x="5685810" y="513853"/>
+            <a:ext cx="6009366" cy="5834577"/>
+          </a:xfrm>
+          <a:prstGeom prst="rect">
+            <a:avLst/>
+          </a:prstGeom>
+          <a:solidFill>
+            <a:schemeClr val="bg1"/>
+          </a:solidFill>
+          <a:ln>
+            <a:noFill/>
+          </a:ln>
+          <a:effectLst>
+            <a:outerShdw blurRad="139700" dist="127000" dir="5400000" algn="t" rotWithShape="0">
+              <a:prstClr val="black">
+                <a:alpha val="15000"/>
+              </a:prstClr>
+            </a:outerShdw>
+          </a:effectLst>
+        </p:spPr>
+        <p:style>
+          <a:lnRef idx="2">
+            <a:schemeClr val="accent1">
+              <a:shade val="50000"/>
+            </a:schemeClr>
+          </a:lnRef>
+          <a:fillRef idx="1">
+            <a:schemeClr val="accent1"/>
+          </a:fillRef>
+          <a:effectRef idx="0">
+            <a:schemeClr val="accent1"/>
+          </a:effectRef>
+          <a:fontRef idx="minor">
+            <a:schemeClr val="lt1"/>
+          </a:fontRef>
+        </p:style>
+        <p:txBody>
+          <a:bodyPr rtlCol="0" anchor="ctr"/>
+          <a:lstStyle/>
+          <a:p>
+            <a:pPr algn="ctr"/>
+            <a:endParaRPr lang="en-US"/>
+          </a:p>
+        </p:txBody>
+      </p:sp>
+      <p:pic>
+        <p:nvPicPr>
+          <p:cNvPr id="8" name="תמונה 7">
+            <a:extLst>
+              <a:ext uri="{FF2B5EF4-FFF2-40B4-BE49-F238E27FC236}">
+                <a16:creationId xmlns:a16="http://schemas.microsoft.com/office/drawing/2014/main" id="{C5FAAC71-D86D-48BA-B5D3-4545A8884FEB}"/>
+              </a:ext>
+            </a:extLst>
+          </p:cNvPr>
+          <p:cNvPicPr>
+            <a:picLocks noChangeAspect="1"/>
+          </p:cNvPicPr>
+          <p:nvPr/>
+        </p:nvPicPr>
+        <p:blipFill rotWithShape="1">
+          <a:blip r:embed="rId3"/>
+          <a:srcRect l="11041" r="9009" b="-3"/>
+          <a:stretch/>
+        </p:blipFill>
+        <p:spPr>
+          <a:xfrm>
+            <a:off x="5977788" y="799352"/>
+            <a:ext cx="5425410" cy="5259296"/>
           </a:xfrm>
           <a:prstGeom prst="rect">
             <a:avLst/>
@@ -13345,7 +18886,7 @@
 </p:sld>
 </file>
 
-<file path=ppt/slides/slide11.xml><?xml version="1.0" encoding="utf-8"?>
+<file path=ppt/slides/slide17.xml><?xml version="1.0" encoding="utf-8"?>
 <p:sld xmlns:a="http://schemas.openxmlformats.org/drawingml/2006/main" xmlns:r="http://schemas.openxmlformats.org/officeDocument/2006/relationships" xmlns:p="http://schemas.openxmlformats.org/presentationml/2006/main">
   <p:cSld>
     <p:spTree>
@@ -13577,7 +19118,7 @@
 </p:sld>
 </file>
 
-<file path=ppt/slides/slide12.xml><?xml version="1.0" encoding="utf-8"?>
+<file path=ppt/slides/slide18.xml><?xml version="1.0" encoding="utf-8"?>
 <p:sld xmlns:a="http://schemas.openxmlformats.org/drawingml/2006/main" xmlns:r="http://schemas.openxmlformats.org/officeDocument/2006/relationships" xmlns:p="http://schemas.openxmlformats.org/presentationml/2006/main">
   <p:cSld>
     <p:spTree>
@@ -13725,7 +19266,7 @@
 </p:sld>
 </file>
 
-<file path=ppt/slides/slide13.xml><?xml version="1.0" encoding="utf-8"?>
+<file path=ppt/slides/slide19.xml><?xml version="1.0" encoding="utf-8"?>
 <p:sld xmlns:a="http://schemas.openxmlformats.org/drawingml/2006/main" xmlns:r="http://schemas.openxmlformats.org/officeDocument/2006/relationships" xmlns:p="http://schemas.openxmlformats.org/presentationml/2006/main">
   <p:cSld>
     <p:spTree>
@@ -14044,7 +19585,91 @@
 </p:sld>
 </file>
 
-<file path=ppt/slides/slide14.xml><?xml version="1.0" encoding="utf-8"?>
+<file path=ppt/slides/slide2.xml><?xml version="1.0" encoding="utf-8"?>
+<p:sld xmlns:a="http://schemas.openxmlformats.org/drawingml/2006/main" xmlns:r="http://schemas.openxmlformats.org/officeDocument/2006/relationships" xmlns:p="http://schemas.openxmlformats.org/presentationml/2006/main">
+  <p:cSld>
+    <p:spTree>
+      <p:nvGrpSpPr>
+        <p:cNvPr id="1" name=""/>
+        <p:cNvGrpSpPr/>
+        <p:nvPr/>
+      </p:nvGrpSpPr>
+      <p:grpSpPr>
+        <a:xfrm>
+          <a:off x="0" y="0"/>
+          <a:ext cx="0" cy="0"/>
+          <a:chOff x="0" y="0"/>
+          <a:chExt cx="0" cy="0"/>
+        </a:xfrm>
+      </p:grpSpPr>
+      <p:sp>
+        <p:nvSpPr>
+          <p:cNvPr id="2" name="כותרת 1">
+            <a:extLst>
+              <a:ext uri="{FF2B5EF4-FFF2-40B4-BE49-F238E27FC236}">
+                <a16:creationId xmlns:a16="http://schemas.microsoft.com/office/drawing/2014/main" id="{11433E98-96EA-4674-A96F-0E224428F1EB}"/>
+              </a:ext>
+            </a:extLst>
+          </p:cNvPr>
+          <p:cNvSpPr>
+            <a:spLocks noGrp="1"/>
+          </p:cNvSpPr>
+          <p:nvPr>
+            <p:ph type="title"/>
+          </p:nvPr>
+        </p:nvSpPr>
+        <p:spPr>
+          <a:xfrm>
+            <a:off x="838200" y="601027"/>
+            <a:ext cx="10515600" cy="1325563"/>
+          </a:xfrm>
+        </p:spPr>
+        <p:txBody>
+          <a:bodyPr/>
+          <a:lstStyle/>
+          <a:p>
+            <a:pPr algn="ctr"/>
+            <a:r>
+              <a:rPr lang="he-IL" b="1" dirty="0">
+                <a:solidFill>
+                  <a:srgbClr val="002060"/>
+                </a:solidFill>
+              </a:rPr>
+              <a:t>הצגת הבעיה והמוטיבציה</a:t>
+            </a:r>
+            <a:br>
+              <a:rPr lang="he-IL" b="1" dirty="0">
+                <a:solidFill>
+                  <a:srgbClr val="002060"/>
+                </a:solidFill>
+              </a:rPr>
+            </a:br>
+            <a:r>
+              <a:rPr lang="he-IL" b="1" dirty="0">
+                <a:solidFill>
+                  <a:srgbClr val="002060"/>
+                </a:solidFill>
+              </a:rPr>
+              <a:t>שדה תעופה, תוכנית יום, פיקוח</a:t>
+            </a:r>
+            <a:endParaRPr lang="he-IL" b="1" dirty="0"/>
+          </a:p>
+        </p:txBody>
+      </p:sp>
+    </p:spTree>
+    <p:extLst>
+      <p:ext uri="{BB962C8B-B14F-4D97-AF65-F5344CB8AC3E}">
+        <p14:creationId xmlns:p14="http://schemas.microsoft.com/office/powerpoint/2010/main" val="3687218320"/>
+      </p:ext>
+    </p:extLst>
+  </p:cSld>
+  <p:clrMapOvr>
+    <a:masterClrMapping/>
+  </p:clrMapOvr>
+</p:sld>
+</file>
+
+<file path=ppt/slides/slide20.xml><?xml version="1.0" encoding="utf-8"?>
 <p:sld xmlns:a="http://schemas.openxmlformats.org/drawingml/2006/main" xmlns:r="http://schemas.openxmlformats.org/officeDocument/2006/relationships" xmlns:p="http://schemas.openxmlformats.org/presentationml/2006/main">
   <p:cSld>
     <p:spTree>
@@ -14258,7 +19883,7 @@
 </p:sld>
 </file>
 
-<file path=ppt/slides/slide15.xml><?xml version="1.0" encoding="utf-8"?>
+<file path=ppt/slides/slide21.xml><?xml version="1.0" encoding="utf-8"?>
 <p:sld xmlns:a="http://schemas.openxmlformats.org/drawingml/2006/main" xmlns:r="http://schemas.openxmlformats.org/officeDocument/2006/relationships" xmlns:p="http://schemas.openxmlformats.org/presentationml/2006/main">
   <p:cSld>
     <p:spTree>
@@ -14396,7 +20021,7 @@
 </p:sld>
 </file>
 
-<file path=ppt/slides/slide16.xml><?xml version="1.0" encoding="utf-8"?>
+<file path=ppt/slides/slide22.xml><?xml version="1.0" encoding="utf-8"?>
 <p:sld xmlns:a="http://schemas.openxmlformats.org/drawingml/2006/main" xmlns:r="http://schemas.openxmlformats.org/officeDocument/2006/relationships" xmlns:p="http://schemas.openxmlformats.org/presentationml/2006/main">
   <p:cSld>
     <p:spTree>
@@ -14705,7 +20330,7 @@
 </p:sld>
 </file>
 
-<file path=ppt/slides/slide17.xml><?xml version="1.0" encoding="utf-8"?>
+<file path=ppt/slides/slide23.xml><?xml version="1.0" encoding="utf-8"?>
 <p:sld xmlns:a="http://schemas.openxmlformats.org/drawingml/2006/main" xmlns:r="http://schemas.openxmlformats.org/officeDocument/2006/relationships" xmlns:p="http://schemas.openxmlformats.org/presentationml/2006/main">
   <p:cSld>
     <p:spTree>
@@ -16320,7 +21945,7 @@
 </p:sld>
 </file>
 
-<file path=ppt/slides/slide18.xml><?xml version="1.0" encoding="utf-8"?>
+<file path=ppt/slides/slide24.xml><?xml version="1.0" encoding="utf-8"?>
 <p:sld xmlns:a="http://schemas.openxmlformats.org/drawingml/2006/main" xmlns:r="http://schemas.openxmlformats.org/officeDocument/2006/relationships" xmlns:p="http://schemas.openxmlformats.org/presentationml/2006/main">
   <p:cSld>
     <p:spTree>
@@ -16513,7 +22138,7 @@
 </p:sld>
 </file>
 
-<file path=ppt/slides/slide19.xml><?xml version="1.0" encoding="utf-8"?>
+<file path=ppt/slides/slide25.xml><?xml version="1.0" encoding="utf-8"?>
 <p:sld xmlns:a="http://schemas.openxmlformats.org/drawingml/2006/main" xmlns:r="http://schemas.openxmlformats.org/officeDocument/2006/relationships" xmlns:p="http://schemas.openxmlformats.org/presentationml/2006/main">
   <p:cSld>
     <p:spTree>
@@ -19105,228 +24730,7 @@
 </p:sld>
 </file>
 
-<file path=ppt/slides/slide2.xml><?xml version="1.0" encoding="utf-8"?>
-<p:sld xmlns:a="http://schemas.openxmlformats.org/drawingml/2006/main" xmlns:r="http://schemas.openxmlformats.org/officeDocument/2006/relationships" xmlns:p="http://schemas.openxmlformats.org/presentationml/2006/main" show="0">
-  <p:cSld>
-    <p:spTree>
-      <p:nvGrpSpPr>
-        <p:cNvPr id="1" name=""/>
-        <p:cNvGrpSpPr/>
-        <p:nvPr/>
-      </p:nvGrpSpPr>
-      <p:grpSpPr>
-        <a:xfrm>
-          <a:off x="0" y="0"/>
-          <a:ext cx="0" cy="0"/>
-          <a:chOff x="0" y="0"/>
-          <a:chExt cx="0" cy="0"/>
-        </a:xfrm>
-      </p:grpSpPr>
-      <p:sp>
-        <p:nvSpPr>
-          <p:cNvPr id="2" name="כותרת 1">
-            <a:extLst>
-              <a:ext uri="{FF2B5EF4-FFF2-40B4-BE49-F238E27FC236}">
-                <a16:creationId xmlns:a16="http://schemas.microsoft.com/office/drawing/2014/main" id="{11433E98-96EA-4674-A96F-0E224428F1EB}"/>
-              </a:ext>
-            </a:extLst>
-          </p:cNvPr>
-          <p:cNvSpPr>
-            <a:spLocks noGrp="1"/>
-          </p:cNvSpPr>
-          <p:nvPr>
-            <p:ph type="title"/>
-          </p:nvPr>
-        </p:nvSpPr>
-        <p:spPr>
-          <a:xfrm>
-            <a:off x="838200" y="601027"/>
-            <a:ext cx="10515600" cy="1325563"/>
-          </a:xfrm>
-        </p:spPr>
-        <p:txBody>
-          <a:bodyPr/>
-          <a:lstStyle/>
-          <a:p>
-            <a:pPr algn="ctr"/>
-            <a:r>
-              <a:rPr lang="en-US" b="1" dirty="0">
-                <a:solidFill>
-                  <a:srgbClr val="002060"/>
-                </a:solidFill>
-              </a:rPr>
-              <a:t>Presentation Outline</a:t>
-            </a:r>
-            <a:endParaRPr lang="he-IL" b="1" dirty="0"/>
-          </a:p>
-        </p:txBody>
-      </p:sp>
-      <p:sp>
-        <p:nvSpPr>
-          <p:cNvPr id="4" name="תיבת טקסט 3">
-            <a:extLst>
-              <a:ext uri="{FF2B5EF4-FFF2-40B4-BE49-F238E27FC236}">
-                <a16:creationId xmlns:a16="http://schemas.microsoft.com/office/drawing/2014/main" id="{CFB41CB1-2F3B-43EB-B870-D336A3835B25}"/>
-              </a:ext>
-            </a:extLst>
-          </p:cNvPr>
-          <p:cNvSpPr txBox="1"/>
-          <p:nvPr/>
-        </p:nvSpPr>
-        <p:spPr>
-          <a:xfrm>
-            <a:off x="838200" y="1762373"/>
-            <a:ext cx="4245428" cy="3447098"/>
-          </a:xfrm>
-          <a:prstGeom prst="rect">
-            <a:avLst/>
-          </a:prstGeom>
-          <a:noFill/>
-        </p:spPr>
-        <p:txBody>
-          <a:bodyPr wrap="square" rtlCol="1">
-            <a:spAutoFit/>
-          </a:bodyPr>
-          <a:lstStyle/>
-          <a:p>
-            <a:pPr marL="285750" indent="-285750" algn="l" rtl="0">
-              <a:buFont typeface="Arial" panose="020B0604020202020204" pitchFamily="34" charset="0"/>
-              <a:buChar char="•"/>
-            </a:pPr>
-            <a:r>
-              <a:rPr lang="en-US" sz="2500" dirty="0">
-                <a:solidFill>
-                  <a:srgbClr val="002060"/>
-                </a:solidFill>
-              </a:rPr>
-              <a:t>Project Goals</a:t>
-            </a:r>
-          </a:p>
-          <a:p>
-            <a:pPr marL="285750" indent="-285750" algn="l" rtl="0">
-              <a:buFont typeface="Arial" panose="020B0604020202020204" pitchFamily="34" charset="0"/>
-              <a:buChar char="•"/>
-            </a:pPr>
-            <a:r>
-              <a:rPr lang="en-US" sz="2500">
-                <a:solidFill>
-                  <a:srgbClr val="002060"/>
-                </a:solidFill>
-              </a:rPr>
-              <a:t>Background</a:t>
-            </a:r>
-            <a:r>
-              <a:rPr lang="en-US" sz="2500" dirty="0">
-                <a:solidFill>
-                  <a:srgbClr val="002060"/>
-                </a:solidFill>
-              </a:rPr>
-              <a:t>	</a:t>
-            </a:r>
-          </a:p>
-          <a:p>
-            <a:pPr marL="285750" indent="-285750" algn="l" rtl="0">
-              <a:buFont typeface="Arial" panose="020B0604020202020204" pitchFamily="34" charset="0"/>
-              <a:buChar char="•"/>
-            </a:pPr>
-            <a:r>
-              <a:rPr lang="en-US" sz="2500" dirty="0">
-                <a:solidFill>
-                  <a:srgbClr val="002060"/>
-                </a:solidFill>
-              </a:rPr>
-              <a:t>Our Algorithm </a:t>
-            </a:r>
-          </a:p>
-          <a:p>
-            <a:pPr marL="285750" indent="-285750" algn="l" rtl="0">
-              <a:buFont typeface="Arial" panose="020B0604020202020204" pitchFamily="34" charset="0"/>
-              <a:buChar char="•"/>
-            </a:pPr>
-            <a:r>
-              <a:rPr lang="en-US" sz="2500" dirty="0">
-                <a:solidFill>
-                  <a:srgbClr val="002060"/>
-                </a:solidFill>
-              </a:rPr>
-              <a:t>	- problems &amp; solutions</a:t>
-            </a:r>
-          </a:p>
-          <a:p>
-            <a:pPr marL="285750" indent="-285750" algn="l" rtl="0">
-              <a:buFont typeface="Arial" panose="020B0604020202020204" pitchFamily="34" charset="0"/>
-              <a:buChar char="•"/>
-            </a:pPr>
-            <a:r>
-              <a:rPr lang="en-US" sz="2500" dirty="0">
-                <a:solidFill>
-                  <a:srgbClr val="002060"/>
-                </a:solidFill>
-              </a:rPr>
-              <a:t>Results</a:t>
-            </a:r>
-          </a:p>
-          <a:p>
-            <a:pPr marL="285750" indent="-285750" algn="l" rtl="0">
-              <a:buFont typeface="Arial" panose="020B0604020202020204" pitchFamily="34" charset="0"/>
-              <a:buChar char="•"/>
-            </a:pPr>
-            <a:r>
-              <a:rPr lang="en-US" sz="2500" dirty="0">
-                <a:solidFill>
-                  <a:srgbClr val="002060"/>
-                </a:solidFill>
-              </a:rPr>
-              <a:t>Examples</a:t>
-            </a:r>
-          </a:p>
-          <a:p>
-            <a:pPr marL="285750" indent="-285750" algn="l" rtl="0">
-              <a:buFont typeface="Arial" panose="020B0604020202020204" pitchFamily="34" charset="0"/>
-              <a:buChar char="•"/>
-            </a:pPr>
-            <a:r>
-              <a:rPr lang="en-US" sz="2500" dirty="0">
-                <a:solidFill>
-                  <a:srgbClr val="002060"/>
-                </a:solidFill>
-              </a:rPr>
-              <a:t>Summery</a:t>
-            </a:r>
-          </a:p>
-          <a:p>
-            <a:pPr marL="285750" indent="-285750" algn="l" rtl="0">
-              <a:buFont typeface="Arial" panose="020B0604020202020204" pitchFamily="34" charset="0"/>
-              <a:buChar char="•"/>
-            </a:pPr>
-            <a:r>
-              <a:rPr lang="en-US" sz="2500" dirty="0">
-                <a:solidFill>
-                  <a:srgbClr val="002060"/>
-                </a:solidFill>
-              </a:rPr>
-              <a:t>References</a:t>
-            </a:r>
-          </a:p>
-          <a:p>
-            <a:endParaRPr lang="he-IL" dirty="0"/>
-          </a:p>
-        </p:txBody>
-      </p:sp>
-    </p:spTree>
-    <p:extLst>
-      <p:ext uri="{BB962C8B-B14F-4D97-AF65-F5344CB8AC3E}">
-        <p14:creationId xmlns:p14="http://schemas.microsoft.com/office/powerpoint/2010/main" val="4230339320"/>
-      </p:ext>
-    </p:extLst>
-  </p:cSld>
-  <p:clrMapOvr>
-    <a:masterClrMapping/>
-  </p:clrMapOvr>
-</p:sld>
-</file>
-
-<file path=ppt/slides/slide20.xml><?xml version="1.0" encoding="utf-8"?>
+<file path=ppt/slides/slide26.xml><?xml version="1.0" encoding="utf-8"?>
 <p:sld xmlns:a="http://schemas.openxmlformats.org/drawingml/2006/main" xmlns:r="http://schemas.openxmlformats.org/officeDocument/2006/relationships" xmlns:p="http://schemas.openxmlformats.org/presentationml/2006/main">
   <p:cSld>
     <p:spTree>
@@ -19706,7 +25110,7 @@
 </p:sld>
 </file>
 
-<file path=ppt/slides/slide21.xml><?xml version="1.0" encoding="utf-8"?>
+<file path=ppt/slides/slide27.xml><?xml version="1.0" encoding="utf-8"?>
 <p:sld xmlns:a="http://schemas.openxmlformats.org/drawingml/2006/main" xmlns:r="http://schemas.openxmlformats.org/officeDocument/2006/relationships" xmlns:p="http://schemas.openxmlformats.org/presentationml/2006/main">
   <p:cSld>
     <p:spTree>
@@ -19876,7 +25280,7 @@
 </p:sld>
 </file>
 
-<file path=ppt/slides/slide22.xml><?xml version="1.0" encoding="utf-8"?>
+<file path=ppt/slides/slide28.xml><?xml version="1.0" encoding="utf-8"?>
 <p:sld xmlns:a="http://schemas.openxmlformats.org/drawingml/2006/main" xmlns:r="http://schemas.openxmlformats.org/officeDocument/2006/relationships" xmlns:p="http://schemas.openxmlformats.org/presentationml/2006/main">
   <p:cSld>
     <p:spTree>
@@ -19964,7 +25368,7 @@
 </p:sld>
 </file>
 
-<file path=ppt/slides/slide23.xml><?xml version="1.0" encoding="utf-8"?>
+<file path=ppt/slides/slide29.xml><?xml version="1.0" encoding="utf-8"?>
 <p:sld xmlns:a="http://schemas.openxmlformats.org/drawingml/2006/main" xmlns:r="http://schemas.openxmlformats.org/officeDocument/2006/relationships" xmlns:p="http://schemas.openxmlformats.org/presentationml/2006/main">
   <p:cSld>
     <p:spTree>
@@ -20043,263 +25447,6 @@
     <p:extLst>
       <p:ext uri="{BB962C8B-B14F-4D97-AF65-F5344CB8AC3E}">
         <p14:creationId xmlns:p14="http://schemas.microsoft.com/office/powerpoint/2010/main" val="2265013049"/>
-      </p:ext>
-    </p:extLst>
-  </p:cSld>
-  <p:clrMapOvr>
-    <a:masterClrMapping/>
-  </p:clrMapOvr>
-</p:sld>
-</file>
-
-<file path=ppt/slides/slide24.xml><?xml version="1.0" encoding="utf-8"?>
-<p:sld xmlns:a="http://schemas.openxmlformats.org/drawingml/2006/main" xmlns:r="http://schemas.openxmlformats.org/officeDocument/2006/relationships" xmlns:p="http://schemas.openxmlformats.org/presentationml/2006/main">
-  <p:cSld>
-    <p:spTree>
-      <p:nvGrpSpPr>
-        <p:cNvPr id="1" name=""/>
-        <p:cNvGrpSpPr/>
-        <p:nvPr/>
-      </p:nvGrpSpPr>
-      <p:grpSpPr>
-        <a:xfrm>
-          <a:off x="0" y="0"/>
-          <a:ext cx="0" cy="0"/>
-          <a:chOff x="0" y="0"/>
-          <a:chExt cx="0" cy="0"/>
-        </a:xfrm>
-      </p:grpSpPr>
-      <p:sp>
-        <p:nvSpPr>
-          <p:cNvPr id="2" name="כותרת 1">
-            <a:extLst>
-              <a:ext uri="{FF2B5EF4-FFF2-40B4-BE49-F238E27FC236}">
-                <a16:creationId xmlns:a16="http://schemas.microsoft.com/office/drawing/2014/main" id="{8A89DB29-573A-4FA8-BC7D-7A78F7A84C6B}"/>
-              </a:ext>
-            </a:extLst>
-          </p:cNvPr>
-          <p:cNvSpPr>
-            <a:spLocks noGrp="1"/>
-          </p:cNvSpPr>
-          <p:nvPr>
-            <p:ph type="title"/>
-          </p:nvPr>
-        </p:nvSpPr>
-        <p:spPr/>
-        <p:txBody>
-          <a:bodyPr>
-            <a:normAutofit/>
-          </a:bodyPr>
-          <a:lstStyle/>
-          <a:p>
-            <a:pPr algn="ctr"/>
-            <a:r>
-              <a:rPr lang="en-US" b="1" dirty="0">
-                <a:solidFill>
-                  <a:srgbClr val="002060"/>
-                </a:solidFill>
-              </a:rPr>
-              <a:t>Future Work</a:t>
-            </a:r>
-            <a:endParaRPr lang="he-IL" sz="4400" b="1" dirty="0">
-              <a:solidFill>
-                <a:srgbClr val="002060"/>
-              </a:solidFill>
-              <a:latin typeface="Calibri Light" panose="020F0302020204030204" pitchFamily="34" charset="0"/>
-              <a:cs typeface="Calibri Light" panose="020F0302020204030204" pitchFamily="34" charset="0"/>
-            </a:endParaRPr>
-          </a:p>
-        </p:txBody>
-      </p:sp>
-      <p:sp>
-        <p:nvSpPr>
-          <p:cNvPr id="6" name="מציין מיקום טקסט 5">
-            <a:extLst>
-              <a:ext uri="{FF2B5EF4-FFF2-40B4-BE49-F238E27FC236}">
-                <a16:creationId xmlns:a16="http://schemas.microsoft.com/office/drawing/2014/main" id="{C778DE2C-6334-43CB-A106-325E2994739F}"/>
-              </a:ext>
-            </a:extLst>
-          </p:cNvPr>
-          <p:cNvSpPr>
-            <a:spLocks noGrp="1"/>
-          </p:cNvSpPr>
-          <p:nvPr>
-            <p:ph type="body" idx="4294967295"/>
-          </p:nvPr>
-        </p:nvSpPr>
-        <p:spPr>
-          <a:xfrm>
-            <a:off x="838200" y="2090057"/>
-            <a:ext cx="9713685" cy="2072368"/>
-          </a:xfrm>
-        </p:spPr>
-        <p:txBody>
-          <a:bodyPr>
-            <a:normAutofit/>
-          </a:bodyPr>
-          <a:lstStyle/>
-          <a:p>
-            <a:pPr marL="342900" indent="-342900" algn="l" rtl="0">
-              <a:buFont typeface="Arial" panose="020B0604020202020204" pitchFamily="34" charset="0"/>
-              <a:buChar char="•"/>
-            </a:pPr>
-            <a:r>
-              <a:rPr lang="en-US" sz="2400" b="0" i="0" dirty="0">
-                <a:solidFill>
-                  <a:srgbClr val="002060"/>
-                </a:solidFill>
-                <a:effectLst/>
-                <a:cs typeface="Assistant" pitchFamily="2" charset="-79"/>
-              </a:rPr>
-              <a:t>Add more types of interruptions</a:t>
-            </a:r>
-          </a:p>
-          <a:p>
-            <a:pPr marL="342900" indent="-342900" algn="l" rtl="0">
-              <a:buFont typeface="Arial" panose="020B0604020202020204" pitchFamily="34" charset="0"/>
-              <a:buChar char="•"/>
-            </a:pPr>
-            <a:r>
-              <a:rPr lang="en-US" sz="2400" b="0" i="0" dirty="0">
-                <a:solidFill>
-                  <a:srgbClr val="002060"/>
-                </a:solidFill>
-                <a:effectLst/>
-                <a:cs typeface="Assistant" pitchFamily="2" charset="-79"/>
-              </a:rPr>
-              <a:t>A</a:t>
-            </a:r>
-            <a:r>
-              <a:rPr lang="en-US" sz="2400" dirty="0">
-                <a:solidFill>
-                  <a:srgbClr val="002060"/>
-                </a:solidFill>
-                <a:cs typeface="Assistant" pitchFamily="2" charset="-79"/>
-              </a:rPr>
-              <a:t>dd a GUI</a:t>
-            </a:r>
-            <a:endParaRPr lang="he-IL" sz="2400" dirty="0">
-              <a:solidFill>
-                <a:srgbClr val="002060"/>
-              </a:solidFill>
-              <a:cs typeface="Assistant" pitchFamily="2" charset="-79"/>
-            </a:endParaRPr>
-          </a:p>
-          <a:p>
-            <a:pPr marL="342900" indent="-342900" algn="l" rtl="0">
-              <a:buFont typeface="Arial" panose="020B0604020202020204" pitchFamily="34" charset="0"/>
-              <a:buChar char="•"/>
-            </a:pPr>
-            <a:r>
-              <a:rPr lang="en-US" sz="2400" b="0" i="0" dirty="0">
-                <a:solidFill>
-                  <a:srgbClr val="002060"/>
-                </a:solidFill>
-                <a:effectLst/>
-                <a:cs typeface="Assistant" pitchFamily="2" charset="-79"/>
-              </a:rPr>
-              <a:t>Make the system interactive</a:t>
-            </a:r>
-          </a:p>
-          <a:p>
-            <a:pPr marL="0" indent="0" algn="l" rtl="0">
-              <a:buNone/>
-            </a:pPr>
-            <a:endParaRPr lang="en-US" dirty="0">
-              <a:solidFill>
-                <a:srgbClr val="002060"/>
-              </a:solidFill>
-            </a:endParaRPr>
-          </a:p>
-        </p:txBody>
-      </p:sp>
-    </p:spTree>
-    <p:extLst>
-      <p:ext uri="{BB962C8B-B14F-4D97-AF65-F5344CB8AC3E}">
-        <p14:creationId xmlns:p14="http://schemas.microsoft.com/office/powerpoint/2010/main" val="3853127531"/>
-      </p:ext>
-    </p:extLst>
-  </p:cSld>
-  <p:clrMapOvr>
-    <a:masterClrMapping/>
-  </p:clrMapOvr>
-</p:sld>
-</file>
-
-<file path=ppt/slides/slide25.xml><?xml version="1.0" encoding="utf-8"?>
-<p:sld xmlns:a="http://schemas.openxmlformats.org/drawingml/2006/main" xmlns:r="http://schemas.openxmlformats.org/officeDocument/2006/relationships" xmlns:p="http://schemas.openxmlformats.org/presentationml/2006/main">
-  <p:cSld>
-    <p:spTree>
-      <p:nvGrpSpPr>
-        <p:cNvPr id="1" name=""/>
-        <p:cNvGrpSpPr/>
-        <p:nvPr/>
-      </p:nvGrpSpPr>
-      <p:grpSpPr>
-        <a:xfrm>
-          <a:off x="0" y="0"/>
-          <a:ext cx="0" cy="0"/>
-          <a:chOff x="0" y="0"/>
-          <a:chExt cx="0" cy="0"/>
-        </a:xfrm>
-      </p:grpSpPr>
-      <p:sp>
-        <p:nvSpPr>
-          <p:cNvPr id="2" name="כותרת 1">
-            <a:extLst>
-              <a:ext uri="{FF2B5EF4-FFF2-40B4-BE49-F238E27FC236}">
-                <a16:creationId xmlns:a16="http://schemas.microsoft.com/office/drawing/2014/main" id="{096EE9F3-A5E6-42EA-848C-730AFF827D63}"/>
-              </a:ext>
-            </a:extLst>
-          </p:cNvPr>
-          <p:cNvSpPr>
-            <a:spLocks noGrp="1"/>
-          </p:cNvSpPr>
-          <p:nvPr>
-            <p:ph type="title"/>
-          </p:nvPr>
-        </p:nvSpPr>
-        <p:spPr/>
-        <p:txBody>
-          <a:bodyPr/>
-          <a:lstStyle/>
-          <a:p>
-            <a:endParaRPr lang="he-IL"/>
-          </a:p>
-        </p:txBody>
-      </p:sp>
-      <p:sp>
-        <p:nvSpPr>
-          <p:cNvPr id="3" name="מציין מיקום טקסט 2">
-            <a:extLst>
-              <a:ext uri="{FF2B5EF4-FFF2-40B4-BE49-F238E27FC236}">
-                <a16:creationId xmlns:a16="http://schemas.microsoft.com/office/drawing/2014/main" id="{C9723184-B045-416B-8AD9-83FFCF88F000}"/>
-              </a:ext>
-            </a:extLst>
-          </p:cNvPr>
-          <p:cNvSpPr>
-            <a:spLocks noGrp="1"/>
-          </p:cNvSpPr>
-          <p:nvPr>
-            <p:ph type="body" idx="1"/>
-          </p:nvPr>
-        </p:nvSpPr>
-        <p:spPr/>
-        <p:txBody>
-          <a:bodyPr/>
-          <a:lstStyle/>
-          <a:p>
-            <a:r>
-              <a:rPr lang="he-IL" dirty="0"/>
-              <a:t>מקורות? תודות?</a:t>
-            </a:r>
-          </a:p>
-        </p:txBody>
-      </p:sp>
-    </p:spTree>
-    <p:extLst>
-      <p:ext uri="{BB962C8B-B14F-4D97-AF65-F5344CB8AC3E}">
-        <p14:creationId xmlns:p14="http://schemas.microsoft.com/office/powerpoint/2010/main" val="4194559533"/>
       </p:ext>
     </p:extLst>
   </p:cSld>
@@ -20331,7 +25478,108 @@
           <p:cNvPr id="2" name="כותרת 1">
             <a:extLst>
               <a:ext uri="{FF2B5EF4-FFF2-40B4-BE49-F238E27FC236}">
-                <a16:creationId xmlns:a16="http://schemas.microsoft.com/office/drawing/2014/main" id="{00BDE5E7-CDBD-4B22-B591-6EF0BF74681B}"/>
+                <a16:creationId xmlns:a16="http://schemas.microsoft.com/office/drawing/2014/main" id="{11433E98-96EA-4674-A96F-0E224428F1EB}"/>
+              </a:ext>
+            </a:extLst>
+          </p:cNvPr>
+          <p:cNvSpPr>
+            <a:spLocks noGrp="1"/>
+          </p:cNvSpPr>
+          <p:nvPr>
+            <p:ph type="title"/>
+          </p:nvPr>
+        </p:nvSpPr>
+        <p:spPr>
+          <a:xfrm>
+            <a:off x="838200" y="601027"/>
+            <a:ext cx="10515600" cy="1325563"/>
+          </a:xfrm>
+        </p:spPr>
+        <p:txBody>
+          <a:bodyPr>
+            <a:normAutofit fontScale="90000"/>
+          </a:bodyPr>
+          <a:lstStyle/>
+          <a:p>
+            <a:pPr algn="ctr"/>
+            <a:r>
+              <a:rPr lang="he-IL" b="1" dirty="0">
+                <a:solidFill>
+                  <a:srgbClr val="002060"/>
+                </a:solidFill>
+              </a:rPr>
+              <a:t>הבעיה מתחלקת לשניים:</a:t>
+            </a:r>
+            <a:br>
+              <a:rPr lang="he-IL" b="1" dirty="0">
+                <a:solidFill>
+                  <a:srgbClr val="002060"/>
+                </a:solidFill>
+              </a:rPr>
+            </a:br>
+            <a:r>
+              <a:rPr lang="he-IL" b="1" dirty="0">
+                <a:solidFill>
+                  <a:srgbClr val="002060"/>
+                </a:solidFill>
+              </a:rPr>
+              <a:t>1. אופליין</a:t>
+            </a:r>
+            <a:br>
+              <a:rPr lang="he-IL" b="1" dirty="0">
+                <a:solidFill>
+                  <a:srgbClr val="002060"/>
+                </a:solidFill>
+              </a:rPr>
+            </a:br>
+            <a:r>
+              <a:rPr lang="he-IL" b="1" dirty="0">
+                <a:solidFill>
+                  <a:srgbClr val="002060"/>
+                </a:solidFill>
+              </a:rPr>
+              <a:t>2. אונליין – בהינתן תוכנית קיימת לסדר היום</a:t>
+            </a:r>
+            <a:endParaRPr lang="he-IL" b="1" dirty="0"/>
+          </a:p>
+        </p:txBody>
+      </p:sp>
+    </p:spTree>
+    <p:extLst>
+      <p:ext uri="{BB962C8B-B14F-4D97-AF65-F5344CB8AC3E}">
+        <p14:creationId xmlns:p14="http://schemas.microsoft.com/office/powerpoint/2010/main" val="294490900"/>
+      </p:ext>
+    </p:extLst>
+  </p:cSld>
+  <p:clrMapOvr>
+    <a:masterClrMapping/>
+  </p:clrMapOvr>
+</p:sld>
+</file>
+
+<file path=ppt/slides/slide30.xml><?xml version="1.0" encoding="utf-8"?>
+<p:sld xmlns:a="http://schemas.openxmlformats.org/drawingml/2006/main" xmlns:r="http://schemas.openxmlformats.org/officeDocument/2006/relationships" xmlns:p="http://schemas.openxmlformats.org/presentationml/2006/main">
+  <p:cSld>
+    <p:spTree>
+      <p:nvGrpSpPr>
+        <p:cNvPr id="1" name=""/>
+        <p:cNvGrpSpPr/>
+        <p:nvPr/>
+      </p:nvGrpSpPr>
+      <p:grpSpPr>
+        <a:xfrm>
+          <a:off x="0" y="0"/>
+          <a:ext cx="0" cy="0"/>
+          <a:chOff x="0" y="0"/>
+          <a:chExt cx="0" cy="0"/>
+        </a:xfrm>
+      </p:grpSpPr>
+      <p:sp>
+        <p:nvSpPr>
+          <p:cNvPr id="2" name="כותרת 1">
+            <a:extLst>
+              <a:ext uri="{FF2B5EF4-FFF2-40B4-BE49-F238E27FC236}">
+                <a16:creationId xmlns:a16="http://schemas.microsoft.com/office/drawing/2014/main" id="{8A89DB29-573A-4FA8-BC7D-7A78F7A84C6B}"/>
               </a:ext>
             </a:extLst>
           </p:cNvPr>
@@ -20351,27 +25599,29 @@
           <a:p>
             <a:pPr algn="ctr"/>
             <a:r>
-              <a:rPr lang="en-US" sz="4400" b="1" dirty="0">
+              <a:rPr lang="en-US" b="1" dirty="0">
                 <a:solidFill>
                   <a:srgbClr val="002060"/>
                 </a:solidFill>
               </a:rPr>
-              <a:t>Project Goal</a:t>
+              <a:t>Future Work</a:t>
             </a:r>
             <a:endParaRPr lang="he-IL" sz="4400" b="1" dirty="0">
               <a:solidFill>
                 <a:srgbClr val="002060"/>
               </a:solidFill>
+              <a:latin typeface="Calibri Light" panose="020F0302020204030204" pitchFamily="34" charset="0"/>
+              <a:cs typeface="Calibri Light" panose="020F0302020204030204" pitchFamily="34" charset="0"/>
             </a:endParaRPr>
           </a:p>
         </p:txBody>
       </p:sp>
       <p:sp>
         <p:nvSpPr>
-          <p:cNvPr id="3" name="מציין מיקום טקסט 2">
+          <p:cNvPr id="6" name="מציין מיקום טקסט 5">
             <a:extLst>
               <a:ext uri="{FF2B5EF4-FFF2-40B4-BE49-F238E27FC236}">
-                <a16:creationId xmlns:a16="http://schemas.microsoft.com/office/drawing/2014/main" id="{197B225D-5CD6-43D4-B20E-E1451DF24856}"/>
+                <a16:creationId xmlns:a16="http://schemas.microsoft.com/office/drawing/2014/main" id="{C778DE2C-6334-43CB-A106-325E2994739F}"/>
               </a:ext>
             </a:extLst>
           </p:cNvPr>
@@ -20384,113 +25634,177 @@
         </p:nvSpPr>
         <p:spPr>
           <a:xfrm>
-            <a:off x="666750" y="2001838"/>
-            <a:ext cx="10515600" cy="2989612"/>
+            <a:off x="838200" y="2090057"/>
+            <a:ext cx="9713685" cy="2072368"/>
           </a:xfrm>
         </p:spPr>
         <p:txBody>
           <a:bodyPr>
-            <a:noAutofit/>
+            <a:normAutofit/>
           </a:bodyPr>
           <a:lstStyle/>
           <a:p>
-            <a:pPr algn="l" rtl="0">
-              <a:lnSpc>
-                <a:spcPct val="150000"/>
-              </a:lnSpc>
+            <a:pPr marL="342900" indent="-342900" algn="l" rtl="0">
+              <a:buFont typeface="Arial" panose="020B0604020202020204" pitchFamily="34" charset="0"/>
+              <a:buChar char="•"/>
             </a:pPr>
             <a:r>
-              <a:rPr lang="en-US" sz="2400" b="1" dirty="0">
-                <a:solidFill>
-                  <a:srgbClr val="002060"/>
-                </a:solidFill>
-                <a:cs typeface="Arial" panose="020B0604020202020204" pitchFamily="34" charset="0"/>
-              </a:rPr>
-              <a:t>Creating an online algorithm managing takeoff and landing.</a:t>
-            </a:r>
-          </a:p>
-          <a:p>
-            <a:pPr lvl="1" algn="l" rtl="0">
-              <a:lnSpc>
-                <a:spcPct val="150000"/>
-              </a:lnSpc>
-              <a:buFont typeface="Courier New" panose="02070309020205020404" pitchFamily="49" charset="0"/>
-              <a:buChar char="o"/>
-            </a:pPr>
-            <a:r>
-              <a:rPr lang="en-US" sz="2200" dirty="0">
-                <a:solidFill>
-                  <a:srgbClr val="002060"/>
-                </a:solidFill>
-                <a:cs typeface="Arial" panose="020B0604020202020204" pitchFamily="34" charset="0"/>
-              </a:rPr>
-              <a:t>In our project we build an online algorithm which follow a plan generated by the offline algorithm. Our algorithm ran the offline plan w</a:t>
-            </a:r>
-            <a:r>
-              <a:rPr lang="en-US" sz="2200" b="0" i="0" dirty="0">
+              <a:rPr lang="en-US" sz="2400" b="0" i="0" dirty="0">
                 <a:solidFill>
                   <a:srgbClr val="002060"/>
                 </a:solidFill>
                 <a:effectLst/>
                 <a:cs typeface="Assistant" pitchFamily="2" charset="-79"/>
               </a:rPr>
-              <a:t>hile</a:t>
-            </a:r>
-            <a:r>
-              <a:rPr lang="en-US" sz="2200" b="0" i="0" dirty="0">
-                <a:solidFill>
-                  <a:srgbClr val="333333"/>
-                </a:solidFill>
-                <a:effectLst/>
-                <a:cs typeface="Assistant" pitchFamily="2" charset="-79"/>
-              </a:rPr>
-              <a:t> </a:t>
-            </a:r>
-            <a:r>
-              <a:rPr lang="en-US" sz="2200" b="0" i="0" dirty="0">
+              <a:t>Add more types of interruptions</a:t>
+            </a:r>
+          </a:p>
+          <a:p>
+            <a:pPr marL="342900" indent="-342900" algn="l" rtl="0">
+              <a:buFont typeface="Arial" panose="020B0604020202020204" pitchFamily="34" charset="0"/>
+              <a:buChar char="•"/>
+            </a:pPr>
+            <a:r>
+              <a:rPr lang="en-US" sz="2400" b="0" i="0" dirty="0">
                 <a:solidFill>
                   <a:srgbClr val="002060"/>
                 </a:solidFill>
                 <a:effectLst/>
                 <a:cs typeface="Assistant" pitchFamily="2" charset="-79"/>
               </a:rPr>
-              <a:t>dealing with real-time malfunctions and changes.</a:t>
-            </a:r>
-          </a:p>
-          <a:p>
-            <a:pPr lvl="1" algn="l" rtl="0">
-              <a:lnSpc>
-                <a:spcPct val="150000"/>
-              </a:lnSpc>
-              <a:buFont typeface="Courier New" panose="02070309020205020404" pitchFamily="49" charset="0"/>
-              <a:buChar char="o"/>
-            </a:pPr>
-            <a:r>
-              <a:rPr lang="en-US" sz="2200" dirty="0">
+              <a:t>A</a:t>
+            </a:r>
+            <a:r>
+              <a:rPr lang="en-US" sz="2400" dirty="0">
                 <a:solidFill>
                   <a:srgbClr val="002060"/>
                 </a:solidFill>
                 <a:cs typeface="Assistant" pitchFamily="2" charset="-79"/>
               </a:rPr>
-              <a:t>The algorithm</a:t>
-            </a:r>
-            <a:r>
-              <a:rPr lang="en-US" sz="2200" b="0" i="0" dirty="0">
+              <a:t>dd a GUI</a:t>
+            </a:r>
+            <a:endParaRPr lang="he-IL" sz="2400" dirty="0">
+              <a:solidFill>
+                <a:srgbClr val="002060"/>
+              </a:solidFill>
+              <a:cs typeface="Assistant" pitchFamily="2" charset="-79"/>
+            </a:endParaRPr>
+          </a:p>
+          <a:p>
+            <a:pPr marL="342900" indent="-342900" algn="l" rtl="0">
+              <a:buFont typeface="Arial" panose="020B0604020202020204" pitchFamily="34" charset="0"/>
+              <a:buChar char="•"/>
+            </a:pPr>
+            <a:r>
+              <a:rPr lang="en-US" sz="2400" b="0" i="0" dirty="0">
                 <a:solidFill>
                   <a:srgbClr val="002060"/>
                 </a:solidFill>
                 <a:effectLst/>
                 <a:cs typeface="Assistant" pitchFamily="2" charset="-79"/>
               </a:rPr>
-              <a:t> has to decide whether the program can run with the different constraints or whether re-planning is needed.</a:t>
-            </a:r>
+              <a:t>Make the system interactive</a:t>
+            </a:r>
+          </a:p>
+          <a:p>
+            <a:pPr marL="0" indent="0" algn="l" rtl="0">
+              <a:buNone/>
+            </a:pPr>
+            <a:endParaRPr lang="en-US" dirty="0">
+              <a:solidFill>
+                <a:srgbClr val="002060"/>
+              </a:solidFill>
+            </a:endParaRPr>
           </a:p>
         </p:txBody>
       </p:sp>
     </p:spTree>
     <p:extLst>
       <p:ext uri="{BB962C8B-B14F-4D97-AF65-F5344CB8AC3E}">
-        <p14:creationId xmlns:p14="http://schemas.microsoft.com/office/powerpoint/2010/main" val="4153337668"/>
+        <p14:creationId xmlns:p14="http://schemas.microsoft.com/office/powerpoint/2010/main" val="3853127531"/>
+      </p:ext>
+    </p:extLst>
+  </p:cSld>
+  <p:clrMapOvr>
+    <a:masterClrMapping/>
+  </p:clrMapOvr>
+</p:sld>
+</file>
+
+<file path=ppt/slides/slide31.xml><?xml version="1.0" encoding="utf-8"?>
+<p:sld xmlns:a="http://schemas.openxmlformats.org/drawingml/2006/main" xmlns:r="http://schemas.openxmlformats.org/officeDocument/2006/relationships" xmlns:p="http://schemas.openxmlformats.org/presentationml/2006/main">
+  <p:cSld>
+    <p:spTree>
+      <p:nvGrpSpPr>
+        <p:cNvPr id="1" name=""/>
+        <p:cNvGrpSpPr/>
+        <p:nvPr/>
+      </p:nvGrpSpPr>
+      <p:grpSpPr>
+        <a:xfrm>
+          <a:off x="0" y="0"/>
+          <a:ext cx="0" cy="0"/>
+          <a:chOff x="0" y="0"/>
+          <a:chExt cx="0" cy="0"/>
+        </a:xfrm>
+      </p:grpSpPr>
+      <p:sp>
+        <p:nvSpPr>
+          <p:cNvPr id="2" name="כותרת 1">
+            <a:extLst>
+              <a:ext uri="{FF2B5EF4-FFF2-40B4-BE49-F238E27FC236}">
+                <a16:creationId xmlns:a16="http://schemas.microsoft.com/office/drawing/2014/main" id="{096EE9F3-A5E6-42EA-848C-730AFF827D63}"/>
+              </a:ext>
+            </a:extLst>
+          </p:cNvPr>
+          <p:cNvSpPr>
+            <a:spLocks noGrp="1"/>
+          </p:cNvSpPr>
+          <p:nvPr>
+            <p:ph type="title"/>
+          </p:nvPr>
+        </p:nvSpPr>
+        <p:spPr/>
+        <p:txBody>
+          <a:bodyPr/>
+          <a:lstStyle/>
+          <a:p>
+            <a:endParaRPr lang="he-IL"/>
+          </a:p>
+        </p:txBody>
+      </p:sp>
+      <p:sp>
+        <p:nvSpPr>
+          <p:cNvPr id="3" name="מציין מיקום טקסט 2">
+            <a:extLst>
+              <a:ext uri="{FF2B5EF4-FFF2-40B4-BE49-F238E27FC236}">
+                <a16:creationId xmlns:a16="http://schemas.microsoft.com/office/drawing/2014/main" id="{C9723184-B045-416B-8AD9-83FFCF88F000}"/>
+              </a:ext>
+            </a:extLst>
+          </p:cNvPr>
+          <p:cNvSpPr>
+            <a:spLocks noGrp="1"/>
+          </p:cNvSpPr>
+          <p:nvPr>
+            <p:ph type="body" idx="1"/>
+          </p:nvPr>
+        </p:nvSpPr>
+        <p:spPr/>
+        <p:txBody>
+          <a:bodyPr/>
+          <a:lstStyle/>
+          <a:p>
+            <a:r>
+              <a:rPr lang="he-IL" dirty="0"/>
+              <a:t>מקורות? תודות?</a:t>
+            </a:r>
+          </a:p>
+        </p:txBody>
+      </p:sp>
+    </p:spTree>
+    <p:extLst>
+      <p:ext uri="{BB962C8B-B14F-4D97-AF65-F5344CB8AC3E}">
+        <p14:creationId xmlns:p14="http://schemas.microsoft.com/office/powerpoint/2010/main" val="4194559533"/>
       </p:ext>
     </p:extLst>
   </p:cSld>
@@ -20501,6 +25815,146 @@
 </file>
 
 <file path=ppt/slides/slide4.xml><?xml version="1.0" encoding="utf-8"?>
+<p:sld xmlns:a="http://schemas.openxmlformats.org/drawingml/2006/main" xmlns:r="http://schemas.openxmlformats.org/officeDocument/2006/relationships" xmlns:p="http://schemas.openxmlformats.org/presentationml/2006/main">
+  <p:cSld>
+    <p:spTree>
+      <p:nvGrpSpPr>
+        <p:cNvPr id="1" name=""/>
+        <p:cNvGrpSpPr/>
+        <p:nvPr/>
+      </p:nvGrpSpPr>
+      <p:grpSpPr>
+        <a:xfrm>
+          <a:off x="0" y="0"/>
+          <a:ext cx="0" cy="0"/>
+          <a:chOff x="0" y="0"/>
+          <a:chExt cx="0" cy="0"/>
+        </a:xfrm>
+      </p:grpSpPr>
+      <p:sp>
+        <p:nvSpPr>
+          <p:cNvPr id="2" name="כותרת 1">
+            <a:extLst>
+              <a:ext uri="{FF2B5EF4-FFF2-40B4-BE49-F238E27FC236}">
+                <a16:creationId xmlns:a16="http://schemas.microsoft.com/office/drawing/2014/main" id="{11433E98-96EA-4674-A96F-0E224428F1EB}"/>
+              </a:ext>
+            </a:extLst>
+          </p:cNvPr>
+          <p:cNvSpPr>
+            <a:spLocks noGrp="1"/>
+          </p:cNvSpPr>
+          <p:nvPr>
+            <p:ph type="title"/>
+          </p:nvPr>
+        </p:nvSpPr>
+        <p:spPr>
+          <a:xfrm>
+            <a:off x="838200" y="601027"/>
+            <a:ext cx="10515600" cy="1325563"/>
+          </a:xfrm>
+        </p:spPr>
+        <p:txBody>
+          <a:bodyPr>
+            <a:normAutofit/>
+          </a:bodyPr>
+          <a:lstStyle/>
+          <a:p>
+            <a:pPr algn="ctr"/>
+            <a:r>
+              <a:rPr lang="he-IL" b="1" dirty="0"/>
+              <a:t>הסבר על </a:t>
+            </a:r>
+            <a:r>
+              <a:rPr lang="he-IL" b="1" dirty="0" err="1"/>
+              <a:t>האופליין</a:t>
+            </a:r>
+            <a:r>
+              <a:rPr lang="he-IL" b="1" dirty="0"/>
+              <a:t> - </a:t>
+            </a:r>
+          </a:p>
+        </p:txBody>
+      </p:sp>
+    </p:spTree>
+    <p:extLst>
+      <p:ext uri="{BB962C8B-B14F-4D97-AF65-F5344CB8AC3E}">
+        <p14:creationId xmlns:p14="http://schemas.microsoft.com/office/powerpoint/2010/main" val="903792412"/>
+      </p:ext>
+    </p:extLst>
+  </p:cSld>
+  <p:clrMapOvr>
+    <a:masterClrMapping/>
+  </p:clrMapOvr>
+</p:sld>
+</file>
+
+<file path=ppt/slides/slide5.xml><?xml version="1.0" encoding="utf-8"?>
+<p:sld xmlns:a="http://schemas.openxmlformats.org/drawingml/2006/main" xmlns:r="http://schemas.openxmlformats.org/officeDocument/2006/relationships" xmlns:p="http://schemas.openxmlformats.org/presentationml/2006/main">
+  <p:cSld>
+    <p:spTree>
+      <p:nvGrpSpPr>
+        <p:cNvPr id="1" name=""/>
+        <p:cNvGrpSpPr/>
+        <p:nvPr/>
+      </p:nvGrpSpPr>
+      <p:grpSpPr>
+        <a:xfrm>
+          <a:off x="0" y="0"/>
+          <a:ext cx="0" cy="0"/>
+          <a:chOff x="0" y="0"/>
+          <a:chExt cx="0" cy="0"/>
+        </a:xfrm>
+      </p:grpSpPr>
+      <p:sp>
+        <p:nvSpPr>
+          <p:cNvPr id="2" name="כותרת 1">
+            <a:extLst>
+              <a:ext uri="{FF2B5EF4-FFF2-40B4-BE49-F238E27FC236}">
+                <a16:creationId xmlns:a16="http://schemas.microsoft.com/office/drawing/2014/main" id="{11433E98-96EA-4674-A96F-0E224428F1EB}"/>
+              </a:ext>
+            </a:extLst>
+          </p:cNvPr>
+          <p:cNvSpPr>
+            <a:spLocks noGrp="1"/>
+          </p:cNvSpPr>
+          <p:nvPr>
+            <p:ph type="title"/>
+          </p:nvPr>
+        </p:nvSpPr>
+        <p:spPr>
+          <a:xfrm>
+            <a:off x="838200" y="601027"/>
+            <a:ext cx="10515600" cy="1325563"/>
+          </a:xfrm>
+        </p:spPr>
+        <p:txBody>
+          <a:bodyPr>
+            <a:normAutofit/>
+          </a:bodyPr>
+          <a:lstStyle/>
+          <a:p>
+            <a:pPr algn="ctr"/>
+            <a:r>
+              <a:rPr lang="he-IL" b="1" dirty="0"/>
+              <a:t>הסבר על האונליין- </a:t>
+            </a:r>
+          </a:p>
+        </p:txBody>
+      </p:sp>
+    </p:spTree>
+    <p:extLst>
+      <p:ext uri="{BB962C8B-B14F-4D97-AF65-F5344CB8AC3E}">
+        <p14:creationId xmlns:p14="http://schemas.microsoft.com/office/powerpoint/2010/main" val="775111121"/>
+      </p:ext>
+    </p:extLst>
+  </p:cSld>
+  <p:clrMapOvr>
+    <a:masterClrMapping/>
+  </p:clrMapOvr>
+</p:sld>
+</file>
+
+<file path=ppt/slides/slide6.xml><?xml version="1.0" encoding="utf-8"?>
 <p:sld xmlns:a="http://schemas.openxmlformats.org/drawingml/2006/main" xmlns:r="http://schemas.openxmlformats.org/officeDocument/2006/relationships" xmlns:p="http://schemas.openxmlformats.org/presentationml/2006/main">
   <p:cSld>
     <p:spTree>
@@ -20685,7 +26139,7 @@
 </p:sld>
 </file>
 
-<file path=ppt/slides/slide5.xml><?xml version="1.0" encoding="utf-8"?>
+<file path=ppt/slides/slide7.xml><?xml version="1.0" encoding="utf-8"?>
 <p:sld xmlns:a="http://schemas.openxmlformats.org/drawingml/2006/main" xmlns:r="http://schemas.openxmlformats.org/officeDocument/2006/relationships" xmlns:p="http://schemas.openxmlformats.org/presentationml/2006/main">
   <p:cSld>
     <p:spTree>
@@ -20707,7 +26161,7 @@
           <p:cNvPr id="2" name="כותרת 1">
             <a:extLst>
               <a:ext uri="{FF2B5EF4-FFF2-40B4-BE49-F238E27FC236}">
-                <a16:creationId xmlns:a16="http://schemas.microsoft.com/office/drawing/2014/main" id="{B40C3AF8-4F60-436D-88E9-A7B5F651D8D5}"/>
+                <a16:creationId xmlns:a16="http://schemas.microsoft.com/office/drawing/2014/main" id="{11433E98-96EA-4674-A96F-0E224428F1EB}"/>
               </a:ext>
             </a:extLst>
           </p:cNvPr>
@@ -20718,65 +26172,10 @@
             <p:ph type="title"/>
           </p:nvPr>
         </p:nvSpPr>
-        <p:spPr/>
-        <p:txBody>
-          <a:bodyPr>
-            <a:normAutofit/>
-          </a:bodyPr>
-          <a:lstStyle/>
-          <a:p>
-            <a:pPr algn="ctr"/>
-            <a:r>
-              <a:rPr lang="en-US" sz="4400" b="1" dirty="0">
-                <a:solidFill>
-                  <a:srgbClr val="002060"/>
-                </a:solidFill>
-              </a:rPr>
-              <a:t>Background</a:t>
-            </a:r>
-            <a:br>
-              <a:rPr lang="en-US" sz="4400" b="1" dirty="0">
-                <a:solidFill>
-                  <a:srgbClr val="002060"/>
-                </a:solidFill>
-              </a:rPr>
-            </a:br>
-            <a:r>
-              <a:rPr lang="en-US" sz="1800" b="1" dirty="0">
-                <a:solidFill>
-                  <a:srgbClr val="002060"/>
-                </a:solidFill>
-              </a:rPr>
-              <a:t>offline algorithm</a:t>
-            </a:r>
-            <a:endParaRPr lang="he-IL" sz="1800" b="1" dirty="0">
-              <a:solidFill>
-                <a:srgbClr val="002060"/>
-              </a:solidFill>
-            </a:endParaRPr>
-          </a:p>
-        </p:txBody>
-      </p:sp>
-      <p:sp>
-        <p:nvSpPr>
-          <p:cNvPr id="4" name="מציין מיקום טקסט 3">
-            <a:extLst>
-              <a:ext uri="{FF2B5EF4-FFF2-40B4-BE49-F238E27FC236}">
-                <a16:creationId xmlns:a16="http://schemas.microsoft.com/office/drawing/2014/main" id="{4D71BCBC-EEA7-4CA5-86B5-64B74274D72E}"/>
-              </a:ext>
-            </a:extLst>
-          </p:cNvPr>
-          <p:cNvSpPr>
-            <a:spLocks noGrp="1"/>
-          </p:cNvSpPr>
-          <p:nvPr>
-            <p:ph type="body" idx="4294967295"/>
-          </p:nvPr>
-        </p:nvSpPr>
         <p:spPr>
           <a:xfrm>
-            <a:off x="838200" y="1980386"/>
-            <a:ext cx="10515600" cy="1879234"/>
+            <a:off x="838200" y="601027"/>
+            <a:ext cx="10515600" cy="1325563"/>
           </a:xfrm>
         </p:spPr>
         <p:txBody>
@@ -20785,74 +26184,26 @@
           </a:bodyPr>
           <a:lstStyle/>
           <a:p>
-            <a:pPr marL="342900" indent="-342900" algn="l" rtl="0">
-              <a:buFont typeface="Arial" panose="020B0604020202020204" pitchFamily="34" charset="0"/>
-              <a:buChar char="•"/>
-            </a:pPr>
-            <a:r>
-              <a:rPr lang="en-US" sz="2400" dirty="0">
-                <a:solidFill>
-                  <a:srgbClr val="002060"/>
-                </a:solidFill>
-              </a:rPr>
-              <a:t>The offline planner is a project that we are based on. It was implemented using neural network and graph theory.</a:t>
-            </a:r>
-          </a:p>
-          <a:p>
-            <a:pPr marL="342900" indent="-342900" algn="l" rtl="0">
-              <a:buFont typeface="Arial" panose="020B0604020202020204" pitchFamily="34" charset="0"/>
-              <a:buChar char="•"/>
-            </a:pPr>
-            <a:r>
-              <a:rPr lang="en-US" sz="2400" dirty="0">
-                <a:solidFill>
-                  <a:srgbClr val="002060"/>
-                </a:solidFill>
-              </a:rPr>
-              <a:t>The offline planner take a config file as an input and generate a log file as an output.</a:t>
-            </a:r>
-            <a:endParaRPr lang="he-IL" sz="2400" dirty="0">
-              <a:solidFill>
-                <a:srgbClr val="002060"/>
-              </a:solidFill>
-            </a:endParaRPr>
+            <a:pPr algn="ctr"/>
+            <a:r>
+              <a:rPr lang="he-IL" b="1" dirty="0"/>
+              <a:t>אנימציה של מתיחת </a:t>
+            </a:r>
+            <a:r>
+              <a:rPr lang="en-US" b="1" dirty="0"/>
+              <a:t>STN</a:t>
+            </a:r>
+            <a:r>
+              <a:rPr lang="he-IL" b="1" dirty="0"/>
+              <a:t> – כולל הפרעה</a:t>
+            </a:r>
           </a:p>
         </p:txBody>
       </p:sp>
-      <p:pic>
-        <p:nvPicPr>
-          <p:cNvPr id="5" name="תמונה 4">
-            <a:extLst>
-              <a:ext uri="{FF2B5EF4-FFF2-40B4-BE49-F238E27FC236}">
-                <a16:creationId xmlns:a16="http://schemas.microsoft.com/office/drawing/2014/main" id="{23BADA06-BFF7-4F78-AB5C-A3CFF5745D58}"/>
-              </a:ext>
-            </a:extLst>
-          </p:cNvPr>
-          <p:cNvPicPr>
-            <a:picLocks noChangeAspect="1"/>
-          </p:cNvPicPr>
-          <p:nvPr/>
-        </p:nvPicPr>
-        <p:blipFill>
-          <a:blip r:embed="rId3"/>
-          <a:stretch>
-            <a:fillRect/>
-          </a:stretch>
-        </p:blipFill>
-        <p:spPr>
-          <a:xfrm>
-            <a:off x="1637152" y="4149318"/>
-            <a:ext cx="8917696" cy="1879234"/>
-          </a:xfrm>
-          <a:prstGeom prst="rect">
-            <a:avLst/>
-          </a:prstGeom>
-        </p:spPr>
-      </p:pic>
     </p:spTree>
     <p:extLst>
       <p:ext uri="{BB962C8B-B14F-4D97-AF65-F5344CB8AC3E}">
-        <p14:creationId xmlns:p14="http://schemas.microsoft.com/office/powerpoint/2010/main" val="2701703745"/>
+        <p14:creationId xmlns:p14="http://schemas.microsoft.com/office/powerpoint/2010/main" val="1467167651"/>
       </p:ext>
     </p:extLst>
   </p:cSld>
@@ -20862,7 +26213,7 @@
 </p:sld>
 </file>
 
-<file path=ppt/slides/slide6.xml><?xml version="1.0" encoding="utf-8"?>
+<file path=ppt/slides/slide8.xml><?xml version="1.0" encoding="utf-8"?>
 <p:sld xmlns:a="http://schemas.openxmlformats.org/drawingml/2006/main" xmlns:r="http://schemas.openxmlformats.org/officeDocument/2006/relationships" xmlns:p="http://schemas.openxmlformats.org/presentationml/2006/main">
   <p:cSld>
     <p:spTree>
@@ -20977,294 +26328,6 @@
 </p:sld>
 </file>
 
-<file path=ppt/slides/slide7.xml><?xml version="1.0" encoding="utf-8"?>
-<p:sld xmlns:a="http://schemas.openxmlformats.org/drawingml/2006/main" xmlns:r="http://schemas.openxmlformats.org/officeDocument/2006/relationships" xmlns:p="http://schemas.openxmlformats.org/presentationml/2006/main">
-  <p:cSld>
-    <p:spTree>
-      <p:nvGrpSpPr>
-        <p:cNvPr id="1" name=""/>
-        <p:cNvGrpSpPr/>
-        <p:nvPr/>
-      </p:nvGrpSpPr>
-      <p:grpSpPr>
-        <a:xfrm>
-          <a:off x="0" y="0"/>
-          <a:ext cx="0" cy="0"/>
-          <a:chOff x="0" y="0"/>
-          <a:chExt cx="0" cy="0"/>
-        </a:xfrm>
-      </p:grpSpPr>
-      <p:sp>
-        <p:nvSpPr>
-          <p:cNvPr id="2" name="כותרת 1">
-            <a:extLst>
-              <a:ext uri="{FF2B5EF4-FFF2-40B4-BE49-F238E27FC236}">
-                <a16:creationId xmlns:a16="http://schemas.microsoft.com/office/drawing/2014/main" id="{8A89DB29-573A-4FA8-BC7D-7A78F7A84C6B}"/>
-              </a:ext>
-            </a:extLst>
-          </p:cNvPr>
-          <p:cNvSpPr>
-            <a:spLocks noGrp="1"/>
-          </p:cNvSpPr>
-          <p:nvPr>
-            <p:ph type="title"/>
-          </p:nvPr>
-        </p:nvSpPr>
-        <p:spPr/>
-        <p:txBody>
-          <a:bodyPr>
-            <a:normAutofit/>
-          </a:bodyPr>
-          <a:lstStyle/>
-          <a:p>
-            <a:pPr algn="ctr"/>
-            <a:r>
-              <a:rPr lang="en-US" sz="4400" b="1" dirty="0">
-                <a:solidFill>
-                  <a:srgbClr val="002060"/>
-                </a:solidFill>
-                <a:latin typeface="Calibri Light" panose="020F0302020204030204" pitchFamily="34" charset="0"/>
-                <a:cs typeface="Calibri Light" panose="020F0302020204030204" pitchFamily="34" charset="0"/>
-              </a:rPr>
-              <a:t>Our algorithm</a:t>
-            </a:r>
-            <a:endParaRPr lang="he-IL" sz="4400" b="1" dirty="0">
-              <a:solidFill>
-                <a:srgbClr val="002060"/>
-              </a:solidFill>
-              <a:latin typeface="Calibri Light" panose="020F0302020204030204" pitchFamily="34" charset="0"/>
-              <a:cs typeface="Calibri Light" panose="020F0302020204030204" pitchFamily="34" charset="0"/>
-            </a:endParaRPr>
-          </a:p>
-        </p:txBody>
-      </p:sp>
-      <p:pic>
-        <p:nvPicPr>
-          <p:cNvPr id="9" name="תמונה 8">
-            <a:extLst>
-              <a:ext uri="{FF2B5EF4-FFF2-40B4-BE49-F238E27FC236}">
-                <a16:creationId xmlns:a16="http://schemas.microsoft.com/office/drawing/2014/main" id="{7E0E42AA-C0FD-429F-B916-DA79AFE654E0}"/>
-              </a:ext>
-            </a:extLst>
-          </p:cNvPr>
-          <p:cNvPicPr>
-            <a:picLocks noChangeAspect="1"/>
-          </p:cNvPicPr>
-          <p:nvPr/>
-        </p:nvPicPr>
-        <p:blipFill>
-          <a:blip r:embed="rId3"/>
-          <a:stretch>
-            <a:fillRect/>
-          </a:stretch>
-        </p:blipFill>
-        <p:spPr>
-          <a:xfrm>
-            <a:off x="970835" y="1436489"/>
-            <a:ext cx="10250330" cy="4963218"/>
-          </a:xfrm>
-          <a:prstGeom prst="rect">
-            <a:avLst/>
-          </a:prstGeom>
-        </p:spPr>
-      </p:pic>
-    </p:spTree>
-    <p:extLst>
-      <p:ext uri="{BB962C8B-B14F-4D97-AF65-F5344CB8AC3E}">
-        <p14:creationId xmlns:p14="http://schemas.microsoft.com/office/powerpoint/2010/main" val="3147433343"/>
-      </p:ext>
-    </p:extLst>
-  </p:cSld>
-  <p:clrMapOvr>
-    <a:masterClrMapping/>
-  </p:clrMapOvr>
-</p:sld>
-</file>
-
-<file path=ppt/slides/slide8.xml><?xml version="1.0" encoding="utf-8"?>
-<p:sld xmlns:a="http://schemas.openxmlformats.org/drawingml/2006/main" xmlns:r="http://schemas.openxmlformats.org/officeDocument/2006/relationships" xmlns:p="http://schemas.openxmlformats.org/presentationml/2006/main">
-  <p:cSld>
-    <p:spTree>
-      <p:nvGrpSpPr>
-        <p:cNvPr id="1" name=""/>
-        <p:cNvGrpSpPr/>
-        <p:nvPr/>
-      </p:nvGrpSpPr>
-      <p:grpSpPr>
-        <a:xfrm>
-          <a:off x="0" y="0"/>
-          <a:ext cx="0" cy="0"/>
-          <a:chOff x="0" y="0"/>
-          <a:chExt cx="0" cy="0"/>
-        </a:xfrm>
-      </p:grpSpPr>
-      <p:sp>
-        <p:nvSpPr>
-          <p:cNvPr id="2" name="כותרת 1">
-            <a:extLst>
-              <a:ext uri="{FF2B5EF4-FFF2-40B4-BE49-F238E27FC236}">
-                <a16:creationId xmlns:a16="http://schemas.microsoft.com/office/drawing/2014/main" id="{8A89DB29-573A-4FA8-BC7D-7A78F7A84C6B}"/>
-              </a:ext>
-            </a:extLst>
-          </p:cNvPr>
-          <p:cNvSpPr>
-            <a:spLocks noGrp="1"/>
-          </p:cNvSpPr>
-          <p:nvPr>
-            <p:ph type="title"/>
-          </p:nvPr>
-        </p:nvSpPr>
-        <p:spPr/>
-        <p:txBody>
-          <a:bodyPr>
-            <a:normAutofit/>
-          </a:bodyPr>
-          <a:lstStyle/>
-          <a:p>
-            <a:pPr algn="ctr"/>
-            <a:r>
-              <a:rPr lang="en-US" sz="4400" b="1" dirty="0">
-                <a:solidFill>
-                  <a:srgbClr val="002060"/>
-                </a:solidFill>
-                <a:latin typeface="Calibri Light" panose="020F0302020204030204" pitchFamily="34" charset="0"/>
-                <a:cs typeface="Calibri Light" panose="020F0302020204030204" pitchFamily="34" charset="0"/>
-              </a:rPr>
-              <a:t>The Program Manager</a:t>
-            </a:r>
-            <a:endParaRPr lang="he-IL" sz="4400" b="1" dirty="0">
-              <a:solidFill>
-                <a:srgbClr val="002060"/>
-              </a:solidFill>
-              <a:latin typeface="Calibri Light" panose="020F0302020204030204" pitchFamily="34" charset="0"/>
-              <a:cs typeface="Calibri Light" panose="020F0302020204030204" pitchFamily="34" charset="0"/>
-            </a:endParaRPr>
-          </a:p>
-        </p:txBody>
-      </p:sp>
-      <p:sp>
-        <p:nvSpPr>
-          <p:cNvPr id="6" name="מציין מיקום טקסט 5">
-            <a:extLst>
-              <a:ext uri="{FF2B5EF4-FFF2-40B4-BE49-F238E27FC236}">
-                <a16:creationId xmlns:a16="http://schemas.microsoft.com/office/drawing/2014/main" id="{C778DE2C-6334-43CB-A106-325E2994739F}"/>
-              </a:ext>
-            </a:extLst>
-          </p:cNvPr>
-          <p:cNvSpPr>
-            <a:spLocks noGrp="1"/>
-          </p:cNvSpPr>
-          <p:nvPr>
-            <p:ph type="body" idx="4294967295"/>
-          </p:nvPr>
-        </p:nvSpPr>
-        <p:spPr>
-          <a:xfrm>
-            <a:off x="989044" y="2090738"/>
-            <a:ext cx="8688355" cy="3998912"/>
-          </a:xfrm>
-        </p:spPr>
-        <p:txBody>
-          <a:bodyPr/>
-          <a:lstStyle/>
-          <a:p>
-            <a:pPr marL="342900" indent="-342900" algn="l" rtl="0">
-              <a:buFont typeface="Arial" panose="020B0604020202020204" pitchFamily="34" charset="0"/>
-              <a:buChar char="•"/>
-            </a:pPr>
-            <a:r>
-              <a:rPr lang="en-US" sz="2400" b="0" i="0" dirty="0">
-                <a:solidFill>
-                  <a:srgbClr val="002060"/>
-                </a:solidFill>
-                <a:effectLst/>
-                <a:cs typeface="Assistant" pitchFamily="2" charset="-79"/>
-              </a:rPr>
-              <a:t>Creating the global modules.</a:t>
-            </a:r>
-            <a:endParaRPr lang="he-IL" sz="2400" b="0" i="0" dirty="0">
-              <a:solidFill>
-                <a:srgbClr val="002060"/>
-              </a:solidFill>
-              <a:effectLst/>
-              <a:cs typeface="Assistant" pitchFamily="2" charset="-79"/>
-            </a:endParaRPr>
-          </a:p>
-          <a:p>
-            <a:pPr marL="342900" indent="-342900" algn="l" rtl="0">
-              <a:buFont typeface="Arial" panose="020B0604020202020204" pitchFamily="34" charset="0"/>
-              <a:buChar char="•"/>
-            </a:pPr>
-            <a:r>
-              <a:rPr lang="en-US" sz="2400" b="0" i="0" dirty="0">
-                <a:solidFill>
-                  <a:srgbClr val="002060"/>
-                </a:solidFill>
-                <a:effectLst/>
-                <a:cs typeface="Assistant" pitchFamily="2" charset="-79"/>
-              </a:rPr>
-              <a:t>Cleaning the global modules at the end of each test.</a:t>
-            </a:r>
-            <a:endParaRPr lang="he-IL" sz="2400" dirty="0">
-              <a:solidFill>
-                <a:srgbClr val="002060"/>
-              </a:solidFill>
-            </a:endParaRPr>
-          </a:p>
-          <a:p>
-            <a:pPr marL="342900" indent="-342900" algn="l" rtl="0">
-              <a:buFont typeface="Arial" panose="020B0604020202020204" pitchFamily="34" charset="0"/>
-              <a:buChar char="•"/>
-            </a:pPr>
-            <a:r>
-              <a:rPr lang="en-US" sz="2400" dirty="0">
-                <a:solidFill>
-                  <a:srgbClr val="002060"/>
-                </a:solidFill>
-              </a:rPr>
-              <a:t>Creating the local modules for each test.</a:t>
-            </a:r>
-          </a:p>
-          <a:p>
-            <a:pPr marL="342900" indent="-342900" algn="l" rtl="0">
-              <a:buFont typeface="Arial" panose="020B0604020202020204" pitchFamily="34" charset="0"/>
-              <a:buChar char="•"/>
-            </a:pPr>
-            <a:r>
-              <a:rPr lang="en-US" sz="2400" dirty="0">
-                <a:solidFill>
-                  <a:srgbClr val="002060"/>
-                </a:solidFill>
-              </a:rPr>
-              <a:t>Checking if re-planning is needed and run the offline planer.</a:t>
-            </a:r>
-          </a:p>
-          <a:p>
-            <a:pPr marL="342900" indent="-342900" algn="l" rtl="0">
-              <a:buFont typeface="Arial" panose="020B0604020202020204" pitchFamily="34" charset="0"/>
-              <a:buChar char="•"/>
-            </a:pPr>
-            <a:endParaRPr lang="en-US" dirty="0">
-              <a:solidFill>
-                <a:srgbClr val="002060"/>
-              </a:solidFill>
-            </a:endParaRPr>
-          </a:p>
-        </p:txBody>
-      </p:sp>
-    </p:spTree>
-    <p:extLst>
-      <p:ext uri="{BB962C8B-B14F-4D97-AF65-F5344CB8AC3E}">
-        <p14:creationId xmlns:p14="http://schemas.microsoft.com/office/powerpoint/2010/main" val="2462817751"/>
-      </p:ext>
-    </p:extLst>
-  </p:cSld>
-  <p:clrMapOvr>
-    <a:masterClrMapping/>
-  </p:clrMapOvr>
-</p:sld>
-</file>
-
 <file path=ppt/slides/slide9.xml><?xml version="1.0" encoding="utf-8"?>
 <p:sld xmlns:a="http://schemas.openxmlformats.org/drawingml/2006/main" xmlns:r="http://schemas.openxmlformats.org/officeDocument/2006/relationships" xmlns:p="http://schemas.openxmlformats.org/presentationml/2006/main">
   <p:cSld>
@@ -21287,7 +26350,7 @@
           <p:cNvPr id="2" name="כותרת 1">
             <a:extLst>
               <a:ext uri="{FF2B5EF4-FFF2-40B4-BE49-F238E27FC236}">
-                <a16:creationId xmlns:a16="http://schemas.microsoft.com/office/drawing/2014/main" id="{8A89DB29-573A-4FA8-BC7D-7A78F7A84C6B}"/>
+                <a16:creationId xmlns:a16="http://schemas.microsoft.com/office/drawing/2014/main" id="{B40C3AF8-4F60-436D-88E9-A7B5F651D8D5}"/>
               </a:ext>
             </a:extLst>
           </p:cNvPr>
@@ -21311,17 +26374,90 @@
                 <a:solidFill>
                   <a:srgbClr val="002060"/>
                 </a:solidFill>
-                <a:latin typeface="Calibri Light" panose="020F0302020204030204" pitchFamily="34" charset="0"/>
-                <a:cs typeface="Calibri Light" panose="020F0302020204030204" pitchFamily="34" charset="0"/>
               </a:rPr>
-              <a:t>The Program Manager</a:t>
-            </a:r>
-            <a:endParaRPr lang="he-IL" sz="4400" b="1" dirty="0">
+              <a:t>Background</a:t>
+            </a:r>
+            <a:br>
+              <a:rPr lang="en-US" sz="4400" b="1" dirty="0">
+                <a:solidFill>
+                  <a:srgbClr val="002060"/>
+                </a:solidFill>
+              </a:rPr>
+            </a:br>
+            <a:r>
+              <a:rPr lang="en-US" sz="1800" b="1" dirty="0">
+                <a:solidFill>
+                  <a:srgbClr val="002060"/>
+                </a:solidFill>
+              </a:rPr>
+              <a:t>offline algorithm</a:t>
+            </a:r>
+            <a:endParaRPr lang="he-IL" sz="1800" b="1" dirty="0">
               <a:solidFill>
                 <a:srgbClr val="002060"/>
               </a:solidFill>
-              <a:latin typeface="Calibri Light" panose="020F0302020204030204" pitchFamily="34" charset="0"/>
-              <a:cs typeface="Calibri Light" panose="020F0302020204030204" pitchFamily="34" charset="0"/>
+            </a:endParaRPr>
+          </a:p>
+        </p:txBody>
+      </p:sp>
+      <p:sp>
+        <p:nvSpPr>
+          <p:cNvPr id="4" name="מציין מיקום טקסט 3">
+            <a:extLst>
+              <a:ext uri="{FF2B5EF4-FFF2-40B4-BE49-F238E27FC236}">
+                <a16:creationId xmlns:a16="http://schemas.microsoft.com/office/drawing/2014/main" id="{4D71BCBC-EEA7-4CA5-86B5-64B74274D72E}"/>
+              </a:ext>
+            </a:extLst>
+          </p:cNvPr>
+          <p:cNvSpPr>
+            <a:spLocks noGrp="1"/>
+          </p:cNvSpPr>
+          <p:nvPr>
+            <p:ph type="body" idx="4294967295"/>
+          </p:nvPr>
+        </p:nvSpPr>
+        <p:spPr>
+          <a:xfrm>
+            <a:off x="838200" y="1980386"/>
+            <a:ext cx="10515600" cy="1879234"/>
+          </a:xfrm>
+        </p:spPr>
+        <p:txBody>
+          <a:bodyPr>
+            <a:normAutofit/>
+          </a:bodyPr>
+          <a:lstStyle/>
+          <a:p>
+            <a:pPr marL="342900" indent="-342900" algn="l" rtl="0">
+              <a:buFont typeface="Arial" panose="020B0604020202020204" pitchFamily="34" charset="0"/>
+              <a:buChar char="•"/>
+            </a:pPr>
+            <a:r>
+              <a:rPr lang="en-US" sz="2400" dirty="0">
+                <a:solidFill>
+                  <a:srgbClr val="002060"/>
+                </a:solidFill>
+              </a:rPr>
+              <a:t>The offline planner is a project that we are based on. It was implemented using neural network and graph theory.</a:t>
+            </a:r>
+          </a:p>
+          <a:p>
+            <a:pPr marL="342900" indent="-342900" algn="l" rtl="0">
+              <a:buFont typeface="Arial" panose="020B0604020202020204" pitchFamily="34" charset="0"/>
+              <a:buChar char="•"/>
+            </a:pPr>
+            <a:r>
+              <a:rPr lang="en-US" sz="2400" dirty="0">
+                <a:solidFill>
+                  <a:srgbClr val="002060"/>
+                </a:solidFill>
+              </a:rPr>
+              <a:t>The offline planner take a config file as an input and generate a log file as an output.</a:t>
+            </a:r>
+            <a:endParaRPr lang="he-IL" sz="2400" dirty="0">
+              <a:solidFill>
+                <a:srgbClr val="002060"/>
+              </a:solidFill>
             </a:endParaRPr>
           </a:p>
         </p:txBody>
@@ -21331,7 +26467,7 @@
           <p:cNvPr id="5" name="תמונה 4">
             <a:extLst>
               <a:ext uri="{FF2B5EF4-FFF2-40B4-BE49-F238E27FC236}">
-                <a16:creationId xmlns:a16="http://schemas.microsoft.com/office/drawing/2014/main" id="{AFB3DFCD-A03D-46A7-AB51-38A6F46D5C71}"/>
+                <a16:creationId xmlns:a16="http://schemas.microsoft.com/office/drawing/2014/main" id="{23BADA06-BFF7-4F78-AB5C-A3CFF5745D58}"/>
               </a:ext>
             </a:extLst>
           </p:cNvPr>
@@ -21348,8 +26484,8 @@
         </p:blipFill>
         <p:spPr>
           <a:xfrm>
-            <a:off x="752604" y="1389386"/>
-            <a:ext cx="10686792" cy="5103489"/>
+            <a:off x="1637152" y="4149318"/>
+            <a:ext cx="8917696" cy="1879234"/>
           </a:xfrm>
           <a:prstGeom prst="rect">
             <a:avLst/>
@@ -21359,7 +26495,7 @@
     </p:spTree>
     <p:extLst>
       <p:ext uri="{BB962C8B-B14F-4D97-AF65-F5344CB8AC3E}">
-        <p14:creationId xmlns:p14="http://schemas.microsoft.com/office/powerpoint/2010/main" val="2505620064"/>
+        <p14:creationId xmlns:p14="http://schemas.microsoft.com/office/powerpoint/2010/main" val="2701703745"/>
       </p:ext>
     </p:extLst>
   </p:cSld>

--- a/חומר עזר לפרויקט/project_A.pptx
+++ b/חומר עזר לפרויקט/project_A.pptx
@@ -3650,7 +3650,7 @@
 <dgm:dataModel xmlns:dgm="http://schemas.openxmlformats.org/drawingml/2006/diagram" xmlns:a="http://schemas.openxmlformats.org/drawingml/2006/main">
   <dgm:ptLst>
     <dgm:pt modelId="{C896BB6D-C926-4F1D-A772-8829D7549684}" type="doc">
-      <dgm:prSet loTypeId="urn:microsoft.com/office/officeart/2016/7/layout/BasicLinearProcessNumbered" loCatId="process" qsTypeId="urn:microsoft.com/office/officeart/2005/8/quickstyle/simple1" qsCatId="simple" csTypeId="urn:microsoft.com/office/officeart/2005/8/colors/colorful2" csCatId="colorful"/>
+      <dgm:prSet loTypeId="urn:microsoft.com/office/officeart/2016/7/layout/BasicLinearProcessNumbered" loCatId="process" qsTypeId="urn:microsoft.com/office/officeart/2005/8/quickstyle/simple1" qsCatId="simple" csTypeId="urn:microsoft.com/office/officeart/2005/8/colors/colorful2" csCatId="colorful" phldr="1"/>
       <dgm:spPr/>
       <dgm:t>
         <a:bodyPr/>
@@ -3667,11 +3667,12 @@
         <a:bodyPr/>
         <a:lstStyle/>
         <a:p>
+          <a:pPr algn="ctr"/>
           <a:r>
-            <a:rPr lang="en-US" b="0" i="0"/>
-            <a:t>Creating the global modules.</a:t>
+            <a:rPr lang="en-US" b="0" i="0" dirty="0"/>
+            <a:t>Creating the global modules</a:t>
           </a:r>
-          <a:endParaRPr lang="en-US"/>
+          <a:endParaRPr lang="en-US" dirty="0"/>
         </a:p>
       </dgm:t>
     </dgm:pt>
@@ -3707,11 +3708,12 @@
         <a:bodyPr/>
         <a:lstStyle/>
         <a:p>
+          <a:pPr algn="ctr"/>
           <a:r>
-            <a:rPr lang="en-US" b="0" i="0"/>
-            <a:t>Cleaning the global modules at the end of each test.</a:t>
+            <a:rPr lang="en-US" b="0" i="0" dirty="0"/>
+            <a:t>Cleaning the global modules at the end of each test</a:t>
           </a:r>
-          <a:endParaRPr lang="en-US"/>
+          <a:endParaRPr lang="en-US" dirty="0"/>
         </a:p>
       </dgm:t>
     </dgm:pt>
@@ -3747,9 +3749,10 @@
         <a:bodyPr/>
         <a:lstStyle/>
         <a:p>
+          <a:pPr algn="ctr"/>
           <a:r>
-            <a:rPr lang="en-US"/>
-            <a:t>Creating the local modules for each test.</a:t>
+            <a:rPr lang="en-US" dirty="0"/>
+            <a:t>Creating the local modules for each test</a:t>
           </a:r>
         </a:p>
       </dgm:t>
@@ -3786,9 +3789,10 @@
         <a:bodyPr/>
         <a:lstStyle/>
         <a:p>
+          <a:pPr algn="ctr"/>
           <a:r>
-            <a:rPr lang="en-US"/>
-            <a:t>Checking if re-planning is needed and run the offline planer.</a:t>
+            <a:rPr lang="en-US" dirty="0"/>
+            <a:t>Checking if       re-planning is needed and run the offline planer</a:t>
           </a:r>
         </a:p>
       </dgm:t>
@@ -4097,7 +4101,7 @@
         </a:bodyPr>
         <a:lstStyle/>
         <a:p>
-          <a:pPr marL="0" lvl="0" indent="0" algn="l" defTabSz="1022350">
+          <a:pPr marL="0" lvl="0" indent="0" algn="ctr" defTabSz="1066800">
             <a:lnSpc>
               <a:spcPct val="90000"/>
             </a:lnSpc>
@@ -4110,10 +4114,10 @@
             <a:buNone/>
           </a:pPr>
           <a:r>
-            <a:rPr lang="en-US" sz="2300" b="0" i="0" kern="1200"/>
-            <a:t>Creating the global modules.</a:t>
+            <a:rPr lang="en-US" sz="2400" b="0" i="0" kern="1200" dirty="0"/>
+            <a:t>Creating the global modules</a:t>
           </a:r>
-          <a:endParaRPr lang="en-US" sz="2300" kern="1200"/>
+          <a:endParaRPr lang="en-US" sz="2400" kern="1200" dirty="0"/>
         </a:p>
       </dsp:txBody>
       <dsp:txXfrm>
@@ -4306,7 +4310,7 @@
         </a:bodyPr>
         <a:lstStyle/>
         <a:p>
-          <a:pPr marL="0" lvl="0" indent="0" algn="l" defTabSz="1022350">
+          <a:pPr marL="0" lvl="0" indent="0" algn="ctr" defTabSz="1066800">
             <a:lnSpc>
               <a:spcPct val="90000"/>
             </a:lnSpc>
@@ -4319,10 +4323,10 @@
             <a:buNone/>
           </a:pPr>
           <a:r>
-            <a:rPr lang="en-US" sz="2300" b="0" i="0" kern="1200"/>
-            <a:t>Cleaning the global modules at the end of each test.</a:t>
+            <a:rPr lang="en-US" sz="2400" b="0" i="0" kern="1200" dirty="0"/>
+            <a:t>Cleaning the global modules at the end of each test</a:t>
           </a:r>
-          <a:endParaRPr lang="en-US" sz="2300" kern="1200"/>
+          <a:endParaRPr lang="en-US" sz="2400" kern="1200" dirty="0"/>
         </a:p>
       </dsp:txBody>
       <dsp:txXfrm>
@@ -4515,7 +4519,7 @@
         </a:bodyPr>
         <a:lstStyle/>
         <a:p>
-          <a:pPr marL="0" lvl="0" indent="0" algn="l" defTabSz="1022350">
+          <a:pPr marL="0" lvl="0" indent="0" algn="ctr" defTabSz="1066800">
             <a:lnSpc>
               <a:spcPct val="90000"/>
             </a:lnSpc>
@@ -4528,8 +4532,8 @@
             <a:buNone/>
           </a:pPr>
           <a:r>
-            <a:rPr lang="en-US" sz="2300" kern="1200"/>
-            <a:t>Creating the local modules for each test.</a:t>
+            <a:rPr lang="en-US" sz="2400" kern="1200" dirty="0"/>
+            <a:t>Creating the local modules for each test</a:t>
           </a:r>
         </a:p>
       </dsp:txBody>
@@ -4723,7 +4727,7 @@
         </a:bodyPr>
         <a:lstStyle/>
         <a:p>
-          <a:pPr marL="0" lvl="0" indent="0" algn="l" defTabSz="1022350">
+          <a:pPr marL="0" lvl="0" indent="0" algn="ctr" defTabSz="1066800">
             <a:lnSpc>
               <a:spcPct val="90000"/>
             </a:lnSpc>
@@ -4736,8 +4740,8 @@
             <a:buNone/>
           </a:pPr>
           <a:r>
-            <a:rPr lang="en-US" sz="2300" kern="1200"/>
-            <a:t>Checking if re-planning is needed and run the offline planer.</a:t>
+            <a:rPr lang="en-US" sz="2400" kern="1200" dirty="0"/>
+            <a:t>Checking if       re-planning is needed and run the offline planer</a:t>
           </a:r>
         </a:p>
       </dsp:txBody>
@@ -6992,7 +6996,148 @@
           <a:bodyPr/>
           <a:lstStyle/>
           <a:p>
-            <a:endParaRPr lang="he-IL" dirty="0"/>
+            <a:pPr marL="171450" indent="-171450">
+              <a:buFontTx/>
+              <a:buChar char="-"/>
+            </a:pPr>
+            <a:r>
+              <a:rPr lang="he-IL" dirty="0"/>
+              <a:t>אנחנו מקבלים תוכנית (</a:t>
+            </a:r>
+            <a:r>
+              <a:rPr lang="en-US" dirty="0"/>
+              <a:t>STN</a:t>
+            </a:r>
+            <a:r>
+              <a:rPr lang="he-IL" dirty="0"/>
+              <a:t>) מהזמן אופליין.</a:t>
+            </a:r>
+          </a:p>
+          <a:p>
+            <a:pPr marL="171450" indent="-171450">
+              <a:buFontTx/>
+              <a:buChar char="-"/>
+            </a:pPr>
+            <a:r>
+              <a:rPr lang="he-IL" dirty="0"/>
+              <a:t>התוכנית פעולה נכנסת למנהל התכנית והוא דואג לייצר את </a:t>
+            </a:r>
+            <a:r>
+              <a:rPr lang="he-IL" dirty="0" err="1"/>
+              <a:t>המודולוים</a:t>
+            </a:r>
+            <a:r>
+              <a:rPr lang="he-IL" dirty="0"/>
+              <a:t> השונים והקשרים ביניהם.</a:t>
+            </a:r>
+          </a:p>
+          <a:p>
+            <a:pPr marL="171450" indent="-171450">
+              <a:buFontTx/>
+              <a:buChar char="-"/>
+            </a:pPr>
+            <a:r>
+              <a:rPr lang="he-IL" dirty="0"/>
+              <a:t>הבקר מקבל את קובץ </a:t>
+            </a:r>
+            <a:r>
+              <a:rPr lang="he-IL" dirty="0" err="1"/>
+              <a:t>הקונפיג</a:t>
+            </a:r>
+            <a:r>
+              <a:rPr lang="he-IL" dirty="0"/>
+              <a:t> </a:t>
+            </a:r>
+            <a:r>
+              <a:rPr lang="he-IL" dirty="0" err="1"/>
+              <a:t>והתכנית</a:t>
+            </a:r>
+            <a:r>
+              <a:rPr lang="he-IL" dirty="0"/>
+              <a:t> (</a:t>
+            </a:r>
+            <a:r>
+              <a:rPr lang="en-US" dirty="0"/>
+              <a:t>STN</a:t>
+            </a:r>
+            <a:r>
+              <a:rPr lang="he-IL" dirty="0"/>
+              <a:t>) ותפקידו לשמש כמגדל בקרה ופיקוח.</a:t>
+            </a:r>
+          </a:p>
+          <a:p>
+            <a:pPr marL="171450" indent="-171450">
+              <a:buFontTx/>
+              <a:buChar char="-"/>
+            </a:pPr>
+            <a:r>
+              <a:rPr lang="he-IL" dirty="0"/>
+              <a:t>הסימולטור משמש כמודל לעולם אשר מריץ את הפעולות ונותן אינדיקציה כאשר פעולות הסתיימו.</a:t>
+            </a:r>
+          </a:p>
+          <a:p>
+            <a:pPr marL="171450" indent="-171450">
+              <a:buFontTx/>
+              <a:buChar char="-"/>
+            </a:pPr>
+            <a:r>
+              <a:rPr lang="he-IL" dirty="0"/>
+              <a:t>מודול מצב העולם (</a:t>
+            </a:r>
+            <a:r>
+              <a:rPr lang="en-US" dirty="0"/>
+              <a:t>state</a:t>
+            </a:r>
+            <a:r>
+              <a:rPr lang="he-IL" dirty="0"/>
+              <a:t>) מייצג תמונה של מצב כל המטוסים, נתיבים ושאר הפרמטרים אחריהם אנו עוקבים – מקבל </a:t>
+            </a:r>
+            <a:r>
+              <a:rPr lang="he-IL" dirty="0" err="1"/>
+              <a:t>עידכונים</a:t>
+            </a:r>
+            <a:r>
+              <a:rPr lang="he-IL" dirty="0"/>
+              <a:t> מהסימולטור על כל התחלה\סיום של פעולה.</a:t>
+            </a:r>
+          </a:p>
+          <a:p>
+            <a:pPr marL="171450" indent="-171450">
+              <a:buFontTx/>
+              <a:buChar char="-"/>
+            </a:pPr>
+            <a:r>
+              <a:rPr lang="he-IL" dirty="0"/>
+              <a:t>מודול ההפרעות – בוחר באופן רנדומלי כל מספר פעולות לייצר הפרעה אשר נשלחת לסימולטור עבור פעולה כלשהי.</a:t>
+            </a:r>
+          </a:p>
+          <a:p>
+            <a:pPr marL="171450" indent="-171450">
+              <a:buFontTx/>
+              <a:buChar char="-"/>
+            </a:pPr>
+            <a:r>
+              <a:rPr lang="he-IL" dirty="0"/>
+              <a:t>שעון – מודול גלובלי אשר סופר זמן באופן דיסקרטי.</a:t>
+            </a:r>
+          </a:p>
+          <a:p>
+            <a:pPr marL="171450" indent="-171450">
+              <a:buFontTx/>
+              <a:buChar char="-"/>
+            </a:pPr>
+            <a:r>
+              <a:rPr lang="he-IL" dirty="0"/>
+              <a:t>אירועים – מודול גלובלי אשר משמש כאמצעי תקשורת בין המודולים השונים </a:t>
+            </a:r>
+            <a:r>
+              <a:rPr lang="he-IL" dirty="0" err="1"/>
+              <a:t>בתכנית</a:t>
+            </a:r>
+            <a:r>
+              <a:rPr lang="he-IL" dirty="0"/>
+              <a:t> שלנו.</a:t>
+            </a:r>
           </a:p>
         </p:txBody>
       </p:sp>
@@ -7036,7 +7181,7 @@
           <a:p>
             <a:fld id="{5D87C9B3-3F36-45D2-B699-10C699E739B9}" type="slidenum">
               <a:rPr lang="he-IL" smtClean="0"/>
-              <a:t>17</a:t>
+              <a:t>13</a:t>
             </a:fld>
             <a:endParaRPr lang="he-IL"/>
           </a:p>
@@ -7045,7 +7190,7 @@
     </p:spTree>
     <p:extLst>
       <p:ext uri="{BB962C8B-B14F-4D97-AF65-F5344CB8AC3E}">
-        <p14:creationId xmlns:p14="http://schemas.microsoft.com/office/powerpoint/2010/main" val="777958349"/>
+        <p14:creationId xmlns:p14="http://schemas.microsoft.com/office/powerpoint/2010/main" val="850113018"/>
       </p:ext>
     </p:extLst>
   </p:cSld>
@@ -7101,42 +7246,43 @@
           <a:p>
             <a:r>
               <a:rPr lang="he-IL" dirty="0"/>
-              <a:t>הרשימה שלפיה נקבע מי הפעולה הבאה לביצוע לפי סדר כרונולוגי של תחיל ביצוע.</a:t>
+              <a:t>מנהל התוכנית – מודול אשר אחראי על היצירה והניקוי של המודולים הגלובליים</a:t>
             </a:r>
           </a:p>
           <a:p>
             <a:r>
               <a:rPr lang="he-IL" dirty="0"/>
-              <a:t>רשימה זו מחזיקה מצביעים לצמתי בגרף.</a:t>
-            </a:r>
-          </a:p>
-          <a:p>
+              <a:t>	   מודול אשר מקשר את הזמן </a:t>
+            </a:r>
+            <a:r>
+              <a:rPr lang="he-IL" dirty="0" err="1"/>
+              <a:t>האופליין</a:t>
+            </a:r>
             <a:r>
               <a:rPr lang="he-IL" dirty="0"/>
-              <a:t>הרשימה היא תור עדיפויות על פי הזמן שבו הפעולה אמורה להתחיל. (ממוש על ידי </a:t>
+              <a:t> לזמן האונליין.</a:t>
+            </a:r>
+          </a:p>
+          <a:p>
+            <a:r>
+              <a:rPr lang="he-IL" dirty="0"/>
+              <a:t>	   מודול אשר יוצר עבור כל טסט את המודולים </a:t>
             </a:r>
             <a:r>
               <a:rPr lang="he-IL" dirty="0" err="1"/>
-              <a:t>ערימת</a:t>
+              <a:t>הלוקאללים</a:t>
             </a:r>
             <a:r>
               <a:rPr lang="he-IL" dirty="0"/>
-              <a:t> מינימום).</a:t>
-            </a:r>
-          </a:p>
-          <a:p>
-            <a:r>
-              <a:rPr lang="he-IL" dirty="0"/>
-              <a:t>פעולות שהזמן שלהן הגיע אך טרם מוכנות (עקב הפרעה או שינוי סדר פעולות על ידי הבקר) מקבלות קנס של יחידת זמן אחת ובכך אנו משנים את סדר הפעולות </a:t>
-            </a:r>
-            <a:r>
-              <a:rPr lang="he-IL" dirty="0" err="1"/>
-              <a:t>מהתכנית</a:t>
-            </a:r>
-            <a:r>
-              <a:rPr lang="he-IL" dirty="0"/>
-              <a:t> המקורית.</a:t>
-            </a:r>
+              <a:t> ומקשר ביניהם.</a:t>
+            </a:r>
+          </a:p>
+          <a:p>
+            <a:r>
+              <a:rPr lang="he-IL"/>
+              <a:t>		</a:t>
+            </a:r>
+            <a:endParaRPr lang="he-IL" dirty="0"/>
           </a:p>
         </p:txBody>
       </p:sp>
@@ -7180,7 +7326,7 @@
           <a:p>
             <a:fld id="{5D87C9B3-3F36-45D2-B699-10C699E739B9}" type="slidenum">
               <a:rPr lang="he-IL" smtClean="0"/>
-              <a:t>18</a:t>
+              <a:t>14</a:t>
             </a:fld>
             <a:endParaRPr lang="he-IL"/>
           </a:p>
@@ -7189,7 +7335,7 @@
     </p:spTree>
     <p:extLst>
       <p:ext uri="{BB962C8B-B14F-4D97-AF65-F5344CB8AC3E}">
-        <p14:creationId xmlns:p14="http://schemas.microsoft.com/office/powerpoint/2010/main" val="243888583"/>
+        <p14:creationId xmlns:p14="http://schemas.microsoft.com/office/powerpoint/2010/main" val="2906297507"/>
       </p:ext>
     </p:extLst>
   </p:cSld>
@@ -7287,7 +7433,7 @@
           <a:p>
             <a:fld id="{5D87C9B3-3F36-45D2-B699-10C699E739B9}" type="slidenum">
               <a:rPr lang="he-IL" smtClean="0"/>
-              <a:t>19</a:t>
+              <a:t>15</a:t>
             </a:fld>
             <a:endParaRPr lang="he-IL"/>
           </a:p>
@@ -7296,7 +7442,7 @@
     </p:spTree>
     <p:extLst>
       <p:ext uri="{BB962C8B-B14F-4D97-AF65-F5344CB8AC3E}">
-        <p14:creationId xmlns:p14="http://schemas.microsoft.com/office/powerpoint/2010/main" val="3276345102"/>
+        <p14:creationId xmlns:p14="http://schemas.microsoft.com/office/powerpoint/2010/main" val="34609377"/>
       </p:ext>
     </p:extLst>
   </p:cSld>
@@ -7352,43 +7498,69 @@
           <a:p>
             <a:r>
               <a:rPr lang="he-IL" dirty="0"/>
-              <a:t>הסימולטור מדמה את מצב העולם, אין לא יכולת החלטה על ביצוע של דברים אלא הוא מקבל פקודות בלבד ועושה אותן.</a:t>
+              <a:t>הבקר מייצר את מבניי הנתונים שלו על סמך התכנית מהמודול אופליין.</a:t>
             </a:r>
           </a:p>
           <a:p>
             <a:r>
               <a:rPr lang="he-IL" dirty="0"/>
-              <a:t>במידה ומודול ההפרעות החליט על הפרעה הסימולטור מוסיף את משך ההפרעה לפעולה המתאימה.</a:t>
+              <a:t>הבקר הוא מגדל הפיקוח אשר שולח את הפעולות שמוכנות לביצוע לסימולטור.</a:t>
             </a:r>
           </a:p>
           <a:p>
             <a:r>
               <a:rPr lang="he-IL" dirty="0"/>
-              <a:t>הסימולטור בכל התחלה וסיום של פעולה חדשה מבצע </a:t>
+              <a:t>עבור כל פעולה נבדוק האם האבות של אותה פעולה הסתיימו והגיע הזמן שלה לרוץ.</a:t>
+            </a:r>
+          </a:p>
+          <a:p>
+            <a:r>
+              <a:rPr lang="he-IL" dirty="0"/>
+              <a:t>טרם שליחת הפעולה לסימולטור מוודאים את חוקיות הפעולה אל מול מודול מצב העולם.</a:t>
+            </a:r>
+          </a:p>
+          <a:p>
+            <a:pPr marL="0" marR="0" lvl="0" indent="0" algn="r" defTabSz="914400" rtl="1" eaLnBrk="1" fontAlgn="auto" latinLnBrk="0" hangingPunct="1">
+              <a:lnSpc>
+                <a:spcPct val="100000"/>
+              </a:lnSpc>
+              <a:spcBef>
+                <a:spcPts val="0"/>
+              </a:spcBef>
+              <a:spcAft>
+                <a:spcPts val="0"/>
+              </a:spcAft>
+              <a:buClrTx/>
+              <a:buSzTx/>
+              <a:buFontTx/>
+              <a:buNone/>
+              <a:tabLst/>
+              <a:defRPr/>
+            </a:pPr>
+            <a:r>
+              <a:rPr lang="he-IL" dirty="0"/>
+              <a:t>עבור כל פעולה שנשלחת לסימולטור מבצע המרה של משך הפעולה לפי ציר הזמן שהוגדר.</a:t>
+            </a:r>
+          </a:p>
+          <a:p>
+            <a:r>
+              <a:rPr lang="he-IL" dirty="0"/>
+              <a:t>עבור כל פעולה שהסתיימה מעדכן בגרף בצומת המתאים את הדגל של הפעולה.</a:t>
+            </a:r>
+          </a:p>
+          <a:p>
+            <a:r>
+              <a:rPr lang="he-IL" dirty="0"/>
+              <a:t>כאשר הבקר סיים את כל הפעולות שקיימות </a:t>
             </a:r>
             <a:r>
               <a:rPr lang="he-IL" dirty="0" err="1"/>
-              <a:t>עידכון</a:t>
+              <a:t>בתכנית</a:t>
             </a:r>
             <a:r>
               <a:rPr lang="he-IL" dirty="0"/>
-              <a:t> של מודול מצב העולם.</a:t>
-            </a:r>
-          </a:p>
-          <a:p>
-            <a:r>
-              <a:rPr lang="he-IL" dirty="0"/>
-              <a:t>הסימולטור בכל מחזור שעון מוריד יחידת זמן מנורמלת מכלל הפעולות שכרגע בביצוע.</a:t>
-            </a:r>
-          </a:p>
-          <a:p>
-            <a:r>
-              <a:rPr lang="he-IL" dirty="0"/>
-              <a:t>הסימולטור הוא "מקבילי" כלומר ייתכן שבאותו מחזור שעון יתחילו\ יסתיימו מספר פעולות במקביל.</a:t>
-            </a:r>
-          </a:p>
-          <a:p>
-            <a:endParaRPr lang="he-IL" dirty="0"/>
+              <a:t> –מעלה אירוע שהוא סיים.</a:t>
+            </a:r>
           </a:p>
         </p:txBody>
       </p:sp>
@@ -7432,7 +7604,7 @@
           <a:p>
             <a:fld id="{5D87C9B3-3F36-45D2-B699-10C699E739B9}" type="slidenum">
               <a:rPr lang="he-IL" smtClean="0"/>
-              <a:t>20</a:t>
+              <a:t>16</a:t>
             </a:fld>
             <a:endParaRPr lang="he-IL"/>
           </a:p>
@@ -7441,7 +7613,7 @@
     </p:spTree>
     <p:extLst>
       <p:ext uri="{BB962C8B-B14F-4D97-AF65-F5344CB8AC3E}">
-        <p14:creationId xmlns:p14="http://schemas.microsoft.com/office/powerpoint/2010/main" val="551762232"/>
+        <p14:creationId xmlns:p14="http://schemas.microsoft.com/office/powerpoint/2010/main" val="4166017777"/>
       </p:ext>
     </p:extLst>
   </p:cSld>
@@ -7495,16 +7667,7 @@
           <a:bodyPr/>
           <a:lstStyle/>
           <a:p>
-            <a:r>
-              <a:rPr lang="he-IL" dirty="0"/>
-              <a:t>הסדר בדומה לבקר אך הפרמטר מיון הוא משך הפעולה, ייתכן שמשך הפעולה כולל הפרעה שהתקבלה.</a:t>
-            </a:r>
-          </a:p>
-          <a:p>
-            <a:r>
-              <a:rPr lang="he-IL" dirty="0"/>
-              <a:t>כל מחזור שעון מורידים יחידת זמן מנורמלת מכלל הפעולות שכרגע בביצוע.</a:t>
-            </a:r>
+            <a:endParaRPr lang="he-IL" dirty="0"/>
           </a:p>
         </p:txBody>
       </p:sp>
@@ -7548,7 +7711,7 @@
           <a:p>
             <a:fld id="{5D87C9B3-3F36-45D2-B699-10C699E739B9}" type="slidenum">
               <a:rPr lang="he-IL" smtClean="0"/>
-              <a:t>21</a:t>
+              <a:t>17</a:t>
             </a:fld>
             <a:endParaRPr lang="he-IL"/>
           </a:p>
@@ -7557,7 +7720,7 @@
     </p:spTree>
     <p:extLst>
       <p:ext uri="{BB962C8B-B14F-4D97-AF65-F5344CB8AC3E}">
-        <p14:creationId xmlns:p14="http://schemas.microsoft.com/office/powerpoint/2010/main" val="2543853672"/>
+        <p14:creationId xmlns:p14="http://schemas.microsoft.com/office/powerpoint/2010/main" val="777958349"/>
       </p:ext>
     </p:extLst>
   </p:cSld>
@@ -7613,7 +7776,41 @@
           <a:p>
             <a:r>
               <a:rPr lang="he-IL" dirty="0"/>
-              <a:t>בעיות בייצוג של 0 במחשב לכן הגדרנו "0" עבור הבעיה שלנו</a:t>
+              <a:t>הרשימה שלפיה נקבע מי הפעולה הבאה לביצוע לפי סדר כרונולוגי של תחיל ביצוע.</a:t>
+            </a:r>
+          </a:p>
+          <a:p>
+            <a:r>
+              <a:rPr lang="he-IL" dirty="0"/>
+              <a:t>רשימה זו מחזיקה מצביעים לצמתי בגרף.</a:t>
+            </a:r>
+          </a:p>
+          <a:p>
+            <a:r>
+              <a:rPr lang="he-IL" dirty="0"/>
+              <a:t>הרשימה היא תור עדיפויות על פי הזמן שבו הפעולה אמורה להתחיל. (ממוש על ידי </a:t>
+            </a:r>
+            <a:r>
+              <a:rPr lang="he-IL" dirty="0" err="1"/>
+              <a:t>ערימת</a:t>
+            </a:r>
+            <a:r>
+              <a:rPr lang="he-IL" dirty="0"/>
+              <a:t> מינימום).</a:t>
+            </a:r>
+          </a:p>
+          <a:p>
+            <a:r>
+              <a:rPr lang="he-IL" dirty="0"/>
+              <a:t>פעולות שהזמן שלהן הגיע אך טרם מוכנות (עקב הפרעה או שינוי סדר פעולות על ידי הבקר) מקבלות קנס של יחידת זמן אחת ובכך אנו משנים את סדר הפעולות </a:t>
+            </a:r>
+            <a:r>
+              <a:rPr lang="he-IL" dirty="0" err="1"/>
+              <a:t>מהתכנית</a:t>
+            </a:r>
+            <a:r>
+              <a:rPr lang="he-IL" dirty="0"/>
+              <a:t> המקורית.</a:t>
             </a:r>
           </a:p>
         </p:txBody>
@@ -7658,7 +7855,7 @@
           <a:p>
             <a:fld id="{5D87C9B3-3F36-45D2-B699-10C699E739B9}" type="slidenum">
               <a:rPr lang="he-IL" smtClean="0"/>
-              <a:t>22</a:t>
+              <a:t>18</a:t>
             </a:fld>
             <a:endParaRPr lang="he-IL"/>
           </a:p>
@@ -7667,7 +7864,7 @@
     </p:spTree>
     <p:extLst>
       <p:ext uri="{BB962C8B-B14F-4D97-AF65-F5344CB8AC3E}">
-        <p14:creationId xmlns:p14="http://schemas.microsoft.com/office/powerpoint/2010/main" val="1534296304"/>
+        <p14:creationId xmlns:p14="http://schemas.microsoft.com/office/powerpoint/2010/main" val="243888583"/>
       </p:ext>
     </p:extLst>
   </p:cSld>
@@ -7721,38 +7918,7 @@
           <a:bodyPr/>
           <a:lstStyle/>
           <a:p>
-            <a:r>
-              <a:rPr lang="he-IL" dirty="0"/>
-              <a:t>מודול אשר מרכז את התקשורת עבור כלל התכנית.</a:t>
-            </a:r>
-          </a:p>
-          <a:p>
-            <a:r>
-              <a:rPr lang="he-IL" dirty="0"/>
-              <a:t>שאר המודולים מדברים דרכו דרך מערכת סיגנלים.</a:t>
-            </a:r>
-          </a:p>
-          <a:p>
-            <a:r>
-              <a:rPr lang="he-IL" dirty="0"/>
-              <a:t>בתחילת המימוש התקשורת התבצעה ישירות בין </a:t>
-            </a:r>
-            <a:r>
-              <a:rPr lang="he-IL" dirty="0" err="1"/>
-              <a:t>המודלוים</a:t>
-            </a:r>
-            <a:r>
-              <a:rPr lang="he-IL" dirty="0"/>
-              <a:t> מה שגרר צימוד גבוה של התכנית שלנו ולכן יצרנו מודול זה על מנת לבטל את התלויות החזקות שנוצרו </a:t>
-            </a:r>
-            <a:r>
-              <a:rPr lang="he-IL" dirty="0" err="1"/>
-              <a:t>בתכנית</a:t>
-            </a:r>
-            <a:r>
-              <a:rPr lang="he-IL" dirty="0"/>
-              <a:t>.</a:t>
-            </a:r>
+            <a:endParaRPr lang="he-IL" dirty="0"/>
           </a:p>
         </p:txBody>
       </p:sp>
@@ -7796,7 +7962,7 @@
           <a:p>
             <a:fld id="{5D87C9B3-3F36-45D2-B699-10C699E739B9}" type="slidenum">
               <a:rPr lang="he-IL" smtClean="0"/>
-              <a:t>23</a:t>
+              <a:t>19</a:t>
             </a:fld>
             <a:endParaRPr lang="he-IL"/>
           </a:p>
@@ -7805,7 +7971,7 @@
     </p:spTree>
     <p:extLst>
       <p:ext uri="{BB962C8B-B14F-4D97-AF65-F5344CB8AC3E}">
-        <p14:creationId xmlns:p14="http://schemas.microsoft.com/office/powerpoint/2010/main" val="3654397469"/>
+        <p14:creationId xmlns:p14="http://schemas.microsoft.com/office/powerpoint/2010/main" val="3276345102"/>
       </p:ext>
     </p:extLst>
   </p:cSld>
@@ -7861,92 +8027,42 @@
           <a:p>
             <a:r>
               <a:rPr lang="he-IL" dirty="0"/>
-              <a:t>מודול זה מדמה לנו את ציר הזמן אשר מיוצג באופן דיסקרטי.</a:t>
+              <a:t>הסימולטור מדמה את מצב העולם, אין לא יכולת החלטה על ביצוע של דברים אלא הוא מקבל פקודות בלבד ועושה אותן.</a:t>
             </a:r>
           </a:p>
           <a:p>
             <a:r>
               <a:rPr lang="he-IL" dirty="0"/>
-              <a:t>בתחילת התכנית עבדנו עם זמן רציף אך לאחר בעיות מימוש רבות והתייעצות עם איל החלטנו לעבור לזמן בדיד.</a:t>
+              <a:t>במידה ומודול ההפרעות החליט על הפרעה הסימולטור מוסיף את משך ההפרעה לפעולה המתאימה.</a:t>
             </a:r>
           </a:p>
           <a:p>
             <a:r>
               <a:rPr lang="he-IL" dirty="0"/>
-              <a:t>היתרון בזמן בדיד הוא יכולת לנרמל את ציר הזמן בקלות, יכולת מעקב אחריי הפעולות בצורה יעילה יותר.</a:t>
-            </a:r>
-          </a:p>
-          <a:p>
-            <a:endParaRPr lang="he-IL" dirty="0"/>
-          </a:p>
-          <a:p>
-            <a:r>
-              <a:rPr lang="he-IL" dirty="0"/>
-              <a:t>ערך השעון – מספר יחידות הזמן שעברו.</a:t>
-            </a:r>
-          </a:p>
-          <a:p>
-            <a:r>
-              <a:rPr lang="he-IL" dirty="0"/>
-              <a:t>אפסילון – ערך זה מכווץ או מותח את ציר הזמן.</a:t>
-            </a:r>
-          </a:p>
-          <a:p>
-            <a:r>
-              <a:rPr lang="he-IL" dirty="0"/>
-              <a:t>אפס – כיוון שאפסילון יכול להיות מאוד קטן יש בעיה של ייצוג מספרים לא שלמים במחשב ולכן נאלצנו לייצר "0" כך שנוכל להשוות אליו זמנים דיסקרטיים בצורה נכונה.</a:t>
-            </a:r>
-          </a:p>
-          <a:p>
-            <a:endParaRPr lang="he-IL" dirty="0"/>
-          </a:p>
-          <a:p>
-            <a:r>
-              <a:rPr lang="he-IL" dirty="0"/>
-              <a:t>השעון מבצע לולאה אינסופית אשר בכל איטרציה:</a:t>
-            </a:r>
-          </a:p>
-          <a:p>
-            <a:pPr marL="228600" indent="-228600">
-              <a:buAutoNum type="arabicPeriod"/>
-            </a:pPr>
-            <a:r>
-              <a:rPr lang="he-IL" dirty="0"/>
-              <a:t>נבדק האם הטסט הסתיים.</a:t>
-            </a:r>
-          </a:p>
-          <a:p>
-            <a:pPr marL="228600" indent="-228600">
-              <a:buAutoNum type="arabicPeriod"/>
-            </a:pPr>
-            <a:r>
-              <a:rPr lang="he-IL" dirty="0"/>
-              <a:t>נבדק האם יש צורך בקידום השעון (כתלות בפעולות שהתבצעו בסימולטור ובבקר).</a:t>
-            </a:r>
-          </a:p>
-          <a:p>
-            <a:pPr marL="228600" indent="-228600">
-              <a:buAutoNum type="arabicPeriod"/>
-            </a:pPr>
+              <a:t>הסימולטור בכל התחלה וסיום של פעולה חדשה מבצע </a:t>
+            </a:r>
             <a:r>
               <a:rPr lang="he-IL" dirty="0" err="1"/>
               <a:t>עידכון</a:t>
             </a:r>
             <a:r>
               <a:rPr lang="he-IL" dirty="0"/>
-              <a:t> כלל העוקבים כי התבצע\לא התבצע אירוע שעון.</a:t>
-            </a:r>
-          </a:p>
-          <a:p>
-            <a:pPr marL="228600" indent="-228600">
-              <a:buAutoNum type="arabicPeriod"/>
-            </a:pPr>
-            <a:endParaRPr lang="he-IL" dirty="0"/>
-          </a:p>
-          <a:p>
-            <a:pPr marL="228600" indent="-228600">
-              <a:buAutoNum type="arabicPeriod"/>
-            </a:pPr>
+              <a:t> של מודול מצב העולם.</a:t>
+            </a:r>
+          </a:p>
+          <a:p>
+            <a:r>
+              <a:rPr lang="he-IL" dirty="0"/>
+              <a:t>הסימולטור בכל מחזור שעון מוריד יחידת זמן מנורמלת מכלל הפעולות שכרגע בביצוע.</a:t>
+            </a:r>
+          </a:p>
+          <a:p>
+            <a:r>
+              <a:rPr lang="he-IL" dirty="0"/>
+              <a:t>הסימולטור הוא "מקבילי" כלומר ייתכן שבאותו מחזור שעון יתחילו\ יסתיימו מספר פעולות במקביל.</a:t>
+            </a:r>
+          </a:p>
+          <a:p>
             <a:endParaRPr lang="he-IL" dirty="0"/>
           </a:p>
         </p:txBody>
@@ -7991,7 +8107,7 @@
           <a:p>
             <a:fld id="{5D87C9B3-3F36-45D2-B699-10C699E739B9}" type="slidenum">
               <a:rPr lang="he-IL" smtClean="0"/>
-              <a:t>24</a:t>
+              <a:t>20</a:t>
             </a:fld>
             <a:endParaRPr lang="he-IL"/>
           </a:p>
@@ -8000,7 +8116,7 @@
     </p:spTree>
     <p:extLst>
       <p:ext uri="{BB962C8B-B14F-4D97-AF65-F5344CB8AC3E}">
-        <p14:creationId xmlns:p14="http://schemas.microsoft.com/office/powerpoint/2010/main" val="3802725460"/>
+        <p14:creationId xmlns:p14="http://schemas.microsoft.com/office/powerpoint/2010/main" val="551762232"/>
       </p:ext>
     </p:extLst>
   </p:cSld>
@@ -8056,64 +8172,14 @@
           <a:p>
             <a:r>
               <a:rPr lang="he-IL" dirty="0"/>
-              <a:t>מודול זה מייצג את מצב העולם ומתעדכן בעקבות הסימולטור.</a:t>
+              <a:t>הסדר בדומה לבקר אך הפרמטר מיון הוא משך הפעולה, ייתכן שמשך הפעולה כולל הפרעה שהתקבלה.</a:t>
             </a:r>
           </a:p>
           <a:p>
             <a:r>
               <a:rPr lang="he-IL" dirty="0"/>
-              <a:t>המודול מחזיק וקטור של מטוסים אשר כל תא במערך מייצג את המצב של המטוס באינדקס המתאים. (להסביר על המצבים השונים).</a:t>
-            </a:r>
-          </a:p>
-          <a:p>
-            <a:r>
-              <a:rPr lang="he-IL" dirty="0"/>
-              <a:t>המודול מחזיק וקטור של נתיבים כאשר כל תא במערך מייצג האם הנתיב פנוי(-1) או שהנתיב תפוס ואז הערך הוא המספר המזהה של המטוס באותו נתיב.</a:t>
-            </a:r>
-          </a:p>
-          <a:p>
-            <a:r>
-              <a:rPr lang="he-IL" dirty="0"/>
-              <a:t>מטרת מודול זה הוא:</a:t>
-            </a:r>
-          </a:p>
-          <a:p>
-            <a:pPr marL="228600" indent="-228600">
-              <a:buAutoNum type="arabicPeriod"/>
-            </a:pPr>
-            <a:r>
-              <a:rPr lang="he-IL" dirty="0"/>
-              <a:t>לממש את פונקציית החוקיות שהבקר קורא לה </a:t>
-            </a:r>
-            <a:r>
-              <a:rPr lang="he-IL" dirty="0" err="1"/>
-              <a:t>והלחזיר</a:t>
-            </a:r>
-            <a:r>
-              <a:rPr lang="he-IL" dirty="0"/>
-              <a:t> האם המצב הבא חוקי או לא.</a:t>
-            </a:r>
-          </a:p>
-          <a:p>
-            <a:pPr marL="228600" indent="-228600">
-              <a:buAutoNum type="arabicPeriod"/>
-            </a:pPr>
-            <a:r>
-              <a:rPr lang="he-IL" dirty="0"/>
-              <a:t>לבצע הקפאה של מצב העולם וכתיבת קובץ קונפיגורציה חדש במידה ונדרש תיכנון מחדש, תיכנון מחדש מתרחש בעקבות החזרת ערך שגיאה מפונקציית החוקיות.</a:t>
-            </a:r>
-          </a:p>
-          <a:p>
-            <a:pPr marL="228600" indent="-228600">
-              <a:buAutoNum type="arabicPeriod"/>
-            </a:pPr>
-            <a:endParaRPr lang="he-IL" dirty="0"/>
-          </a:p>
-          <a:p>
-            <a:pPr marL="0" indent="0">
-              <a:buNone/>
-            </a:pPr>
-            <a:endParaRPr lang="he-IL" dirty="0"/>
+              <a:t>כל מחזור שעון מורידים יחידת זמן מנורמלת מכלל הפעולות שכרגע בביצוע.</a:t>
+            </a:r>
           </a:p>
         </p:txBody>
       </p:sp>
@@ -8157,7 +8223,7 @@
           <a:p>
             <a:fld id="{5D87C9B3-3F36-45D2-B699-10C699E739B9}" type="slidenum">
               <a:rPr lang="he-IL" smtClean="0"/>
-              <a:t>25</a:t>
+              <a:t>21</a:t>
             </a:fld>
             <a:endParaRPr lang="he-IL"/>
           </a:p>
@@ -8166,7 +8232,7 @@
     </p:spTree>
     <p:extLst>
       <p:ext uri="{BB962C8B-B14F-4D97-AF65-F5344CB8AC3E}">
-        <p14:creationId xmlns:p14="http://schemas.microsoft.com/office/powerpoint/2010/main" val="202044522"/>
+        <p14:creationId xmlns:p14="http://schemas.microsoft.com/office/powerpoint/2010/main" val="2543853672"/>
       </p:ext>
     </p:extLst>
   </p:cSld>
@@ -8222,64 +8288,8 @@
           <a:p>
             <a:r>
               <a:rPr lang="he-IL" dirty="0"/>
-              <a:t>מודול זה מייצג את מצב העולם ומתעדכן בעקבות הסימולטור.</a:t>
-            </a:r>
-          </a:p>
-          <a:p>
-            <a:r>
-              <a:rPr lang="he-IL" dirty="0"/>
-              <a:t>המודול מחזיק וקטור של מטוסים אשר כל תא במערך מייצג את המצב של המטוס באינדקס המתאים. (להסביר על המצבים השונים).</a:t>
-            </a:r>
-          </a:p>
-          <a:p>
-            <a:r>
-              <a:rPr lang="he-IL" dirty="0"/>
-              <a:t>המודול מחזיק וקטור של נתיבים כאשר כל תא במערך מייצג האם הנתיב פנוי(-1) או שהנתיב תפוס ואז הערך הוא המספר המזהה של המטוס באותו נתיב.</a:t>
-            </a:r>
-          </a:p>
-          <a:p>
-            <a:r>
-              <a:rPr lang="he-IL" dirty="0"/>
-              <a:t>מטרת מודול זה הוא:</a:t>
-            </a:r>
-          </a:p>
-          <a:p>
-            <a:pPr marL="228600" indent="-228600">
-              <a:buAutoNum type="arabicPeriod"/>
-            </a:pPr>
-            <a:r>
-              <a:rPr lang="he-IL" dirty="0"/>
-              <a:t>לממש את פונקציית החוקיות שהבקר קורא לה </a:t>
-            </a:r>
-            <a:r>
-              <a:rPr lang="he-IL" dirty="0" err="1"/>
-              <a:t>והלחזיר</a:t>
-            </a:r>
-            <a:r>
-              <a:rPr lang="he-IL" dirty="0"/>
-              <a:t> האם המצב הבא חוקי או לא.</a:t>
-            </a:r>
-          </a:p>
-          <a:p>
-            <a:pPr marL="228600" indent="-228600">
-              <a:buAutoNum type="arabicPeriod"/>
-            </a:pPr>
-            <a:r>
-              <a:rPr lang="he-IL" dirty="0"/>
-              <a:t>לבצע הקפאה של מצב העולם וכתיבת קובץ קונפיגורציה חדש במידה ונדרש תיכנון מחדש, תיכנון מחדש מתרחש בעקבות החזרת ערך שגיאה מפונקציית החוקיות.</a:t>
-            </a:r>
-          </a:p>
-          <a:p>
-            <a:pPr marL="228600" indent="-228600">
-              <a:buAutoNum type="arabicPeriod"/>
-            </a:pPr>
-            <a:endParaRPr lang="he-IL" dirty="0"/>
-          </a:p>
-          <a:p>
-            <a:pPr marL="0" indent="0">
-              <a:buNone/>
-            </a:pPr>
-            <a:endParaRPr lang="he-IL" dirty="0"/>
+              <a:t>בעיות בייצוג של 0 במחשב לכן הגדרנו "0" עבור הבעיה שלנו</a:t>
+            </a:r>
           </a:p>
         </p:txBody>
       </p:sp>
@@ -8323,7 +8333,7 @@
           <a:p>
             <a:fld id="{5D87C9B3-3F36-45D2-B699-10C699E739B9}" type="slidenum">
               <a:rPr lang="he-IL" smtClean="0"/>
-              <a:t>26</a:t>
+              <a:t>22</a:t>
             </a:fld>
             <a:endParaRPr lang="he-IL"/>
           </a:p>
@@ -8332,7 +8342,7 @@
     </p:spTree>
     <p:extLst>
       <p:ext uri="{BB962C8B-B14F-4D97-AF65-F5344CB8AC3E}">
-        <p14:creationId xmlns:p14="http://schemas.microsoft.com/office/powerpoint/2010/main" val="2849164166"/>
+        <p14:creationId xmlns:p14="http://schemas.microsoft.com/office/powerpoint/2010/main" val="1534296304"/>
       </p:ext>
     </p:extLst>
   </p:cSld>
@@ -8386,157 +8396,70 @@
           <a:bodyPr/>
           <a:lstStyle/>
           <a:p>
-            <a:pPr marL="171450" indent="-171450">
-              <a:buFontTx/>
-              <a:buChar char="-"/>
-            </a:pPr>
-            <a:r>
-              <a:rPr lang="he-IL" dirty="0"/>
-              <a:t>תכנון עם זמנים ואילוצים מתמקד בבעיה בה לכל פעולה יש התחלה וסוף. בעצם, יש ממד נוסף לבעיה והוא זמן הביצוע.</a:t>
-            </a:r>
-          </a:p>
-          <a:p>
-            <a:pPr marL="171450" indent="-171450">
-              <a:buFontTx/>
-              <a:buChar char="-"/>
-            </a:pPr>
-            <a:r>
-              <a:rPr lang="he-IL" dirty="0"/>
-              <a:t>בתכנון עם זמנים יש צורך לקחת בחשבון את זמני ההתחלה והסיום של הפעולות ואת האילוצים השונים בין הפעולות.</a:t>
-            </a:r>
-          </a:p>
-          <a:p>
-            <a:pPr marL="171450" indent="-171450">
-              <a:buFontTx/>
-              <a:buChar char="-"/>
-            </a:pPr>
-            <a:r>
-              <a:rPr lang="he-IL" dirty="0"/>
-              <a:t>האילוצים מיוצגים בגרף שנקרא </a:t>
-            </a:r>
-            <a:r>
-              <a:rPr lang="en-US" dirty="0"/>
-              <a:t>STN</a:t>
-            </a:r>
-            <a:r>
-              <a:rPr lang="he-IL" dirty="0"/>
-              <a:t>.</a:t>
-            </a:r>
-          </a:p>
-          <a:p>
-            <a:pPr marL="171450" indent="-171450">
-              <a:buFontTx/>
-              <a:buChar char="-"/>
-            </a:pPr>
-            <a:r>
-              <a:rPr lang="he-IL" dirty="0"/>
-              <a:t>לדג', נסתכל על הגרף הבא המתייחס לתיקון פיוז. על מנת לתקן את הפיוז, יש צורך להדליק גפרור. הגפרור דולק במשך 15 שניות, ותיקון הפיוז לוקח במשך 10 שניות. ניתן לראות כי לכל פעולה יש התחלה וסוף וכן כי התחלת תיקון הפיוז לא יכולה להתקיים ללא הדלקת הגפרור.</a:t>
-            </a:r>
-          </a:p>
-          <a:p>
-            <a:pPr marL="171450" indent="-171450">
-              <a:buFontTx/>
-              <a:buChar char="-"/>
-            </a:pPr>
-            <a:r>
-              <a:rPr lang="he-IL" dirty="0"/>
-              <a:t>בעיה שניתן לסדר את כל אילוציה בגרף </a:t>
-            </a:r>
-            <a:r>
-              <a:rPr lang="en-US" dirty="0"/>
-              <a:t>STN</a:t>
-            </a:r>
-            <a:r>
-              <a:rPr lang="he-IL" dirty="0"/>
-              <a:t> היא </a:t>
-            </a:r>
-            <a:r>
-              <a:rPr lang="he-IL" dirty="0" err="1"/>
-              <a:t>פיזיבילית</a:t>
-            </a:r>
-            <a:r>
-              <a:rPr lang="he-IL" dirty="0"/>
-              <a:t>, אחרת לא </a:t>
-            </a:r>
-            <a:r>
-              <a:rPr lang="he-IL" dirty="0" err="1"/>
-              <a:t>פיזיבילית</a:t>
-            </a:r>
-            <a:r>
-              <a:rPr lang="he-IL" dirty="0"/>
-              <a:t>.</a:t>
-            </a:r>
-          </a:p>
-          <a:p>
-            <a:pPr marL="171450" indent="-171450">
-              <a:buFontTx/>
-              <a:buChar char="-"/>
-            </a:pPr>
-            <a:endParaRPr lang="he-IL" dirty="0"/>
-          </a:p>
-          <a:p>
-            <a:pPr marL="0" indent="0">
+            <a:r>
+              <a:rPr lang="he-IL" b="1" dirty="0">
+                <a:solidFill>
+                  <a:srgbClr val="002060"/>
+                </a:solidFill>
+              </a:rPr>
+              <a:t>הצגת הבעיה והמוטיבציה</a:t>
+            </a:r>
+            <a:br>
+              <a:rPr lang="he-IL" b="1" dirty="0">
+                <a:solidFill>
+                  <a:srgbClr val="002060"/>
+                </a:solidFill>
+              </a:rPr>
+            </a:br>
+            <a:r>
+              <a:rPr lang="he-IL" b="1" dirty="0">
+                <a:solidFill>
+                  <a:srgbClr val="002060"/>
+                </a:solidFill>
+              </a:rPr>
+              <a:t>שדה תעופה, תוכנית יום, פיקוח</a:t>
+            </a:r>
+          </a:p>
+          <a:p>
+            <a:endParaRPr lang="he-IL" b="1" dirty="0">
+              <a:solidFill>
+                <a:srgbClr val="002060"/>
+              </a:solidFill>
+            </a:endParaRPr>
+          </a:p>
+          <a:p>
+            <a:pPr marL="0" marR="0" lvl="0" indent="0" algn="r" defTabSz="914400" rtl="1" eaLnBrk="1" fontAlgn="auto" latinLnBrk="0" hangingPunct="1">
+              <a:lnSpc>
+                <a:spcPct val="100000"/>
+              </a:lnSpc>
+              <a:spcBef>
+                <a:spcPts val="0"/>
+              </a:spcBef>
+              <a:spcAft>
+                <a:spcPts val="0"/>
+              </a:spcAft>
+              <a:buClrTx/>
+              <a:buSzTx/>
               <a:buFontTx/>
               <a:buNone/>
+              <a:tabLst/>
+              <a:defRPr/>
             </a:pPr>
-            <a:endParaRPr lang="he-IL" dirty="0"/>
-          </a:p>
-          <a:p>
-            <a:pPr marL="171450" indent="-171450">
-              <a:buFontTx/>
-              <a:buChar char="-"/>
-            </a:pPr>
-            <a:r>
-              <a:rPr lang="he-IL" dirty="0"/>
-              <a:t>רקע ומה זה </a:t>
-            </a:r>
-            <a:r>
-              <a:rPr lang="en-US" dirty="0"/>
-              <a:t>STN</a:t>
-            </a:r>
-            <a:r>
-              <a:rPr lang="he-IL" dirty="0"/>
-              <a:t> בעיות תיכנון עם אילוצים, חיפוש בגרף ואלגוריתם חיפוש עם </a:t>
-            </a:r>
-            <a:r>
-              <a:rPr lang="he-IL" dirty="0" err="1"/>
-              <a:t>יורסטיקות</a:t>
-            </a:r>
-            <a:endParaRPr lang="he-IL" dirty="0"/>
-          </a:p>
-          <a:p>
-            <a:pPr marL="171450" indent="-171450">
-              <a:buFontTx/>
-              <a:buChar char="-"/>
-            </a:pPr>
-            <a:r>
-              <a:rPr lang="he-IL" dirty="0"/>
-              <a:t>הסבר פשטני על </a:t>
-            </a:r>
-            <a:r>
-              <a:rPr lang="en-US" dirty="0"/>
-              <a:t>STN</a:t>
-            </a:r>
-            <a:r>
-              <a:rPr lang="he-IL" dirty="0"/>
-              <a:t> דומה של תיקון פיוז</a:t>
-            </a:r>
-          </a:p>
-          <a:p>
-            <a:pPr marL="171450" indent="-171450">
-              <a:buFontTx/>
-              <a:buChar char="-"/>
-            </a:pPr>
-            <a:r>
-              <a:rPr lang="he-IL" dirty="0"/>
-              <a:t>הסבר על תהליך הלמידה שלנו על הנושאים ~ חודשיים</a:t>
-            </a:r>
-          </a:p>
-          <a:p>
-            <a:pPr marL="171450" indent="-171450">
-              <a:buFontTx/>
-              <a:buChar char="-"/>
-            </a:pPr>
+            <a:r>
+              <a:rPr lang="en-US" sz="1200" dirty="0">
+                <a:solidFill>
+                  <a:srgbClr val="002060"/>
+                </a:solidFill>
+              </a:rPr>
+              <a:t>Given airplanes and missions, build a day plan and monitor it in real time</a:t>
+            </a:r>
+            <a:endParaRPr lang="he-IL" sz="1200" dirty="0">
+              <a:solidFill>
+                <a:srgbClr val="002060"/>
+              </a:solidFill>
+            </a:endParaRPr>
+          </a:p>
+          <a:p>
             <a:endParaRPr lang="he-IL" dirty="0"/>
           </a:p>
         </p:txBody>
@@ -8581,7 +8504,7 @@
           <a:p>
             <a:fld id="{5D87C9B3-3F36-45D2-B699-10C699E739B9}" type="slidenum">
               <a:rPr lang="he-IL" smtClean="0"/>
-              <a:t>6</a:t>
+              <a:t>2</a:t>
             </a:fld>
             <a:endParaRPr lang="he-IL"/>
           </a:p>
@@ -8590,7 +8513,7 @@
     </p:spTree>
     <p:extLst>
       <p:ext uri="{BB962C8B-B14F-4D97-AF65-F5344CB8AC3E}">
-        <p14:creationId xmlns:p14="http://schemas.microsoft.com/office/powerpoint/2010/main" val="1160170663"/>
+        <p14:creationId xmlns:p14="http://schemas.microsoft.com/office/powerpoint/2010/main" val="2522327076"/>
       </p:ext>
     </p:extLst>
   </p:cSld>
@@ -8644,85 +8567,38 @@
           <a:bodyPr/>
           <a:lstStyle/>
           <a:p>
-            <a:pPr marL="0" indent="0">
-              <a:buNone/>
-            </a:pPr>
             <a:r>
               <a:rPr lang="he-IL" dirty="0"/>
-              <a:t>המודל מייצר הפרעות אשר נשלחות לסימולטור, הפרעה היא משך זמן שמתווסף למשך זמן של פעולה </a:t>
+              <a:t>מודול אשר מרכז את התקשורת עבור כלל התכנית.</a:t>
+            </a:r>
+          </a:p>
+          <a:p>
+            <a:r>
+              <a:rPr lang="he-IL" dirty="0"/>
+              <a:t>שאר המודולים מדברים דרכו דרך מערכת סיגנלים.</a:t>
+            </a:r>
+          </a:p>
+          <a:p>
+            <a:r>
+              <a:rPr lang="he-IL" dirty="0"/>
+              <a:t>בתחילת המימוש התקשורת התבצעה ישירות בין </a:t>
             </a:r>
             <a:r>
               <a:rPr lang="he-IL" dirty="0" err="1"/>
-              <a:t>מסויימת</a:t>
+              <a:t>המודלוים</a:t>
+            </a:r>
+            <a:r>
+              <a:rPr lang="he-IL" dirty="0"/>
+              <a:t> מה שגרר צימוד גבוה של התכנית שלנו ולכן יצרנו מודול זה על מנת לבטל את התלויות החזקות שנוצרו </a:t>
+            </a:r>
+            <a:r>
+              <a:rPr lang="he-IL" dirty="0" err="1"/>
+              <a:t>בתכנית</a:t>
             </a:r>
             <a:r>
               <a:rPr lang="he-IL" dirty="0"/>
               <a:t>.</a:t>
             </a:r>
-          </a:p>
-          <a:p>
-            <a:pPr marL="0" indent="0">
-              <a:buNone/>
-            </a:pPr>
-            <a:r>
-              <a:rPr lang="he-IL" dirty="0"/>
-              <a:t>המודל הוא </a:t>
-            </a:r>
-            <a:r>
-              <a:rPr lang="he-IL" dirty="0" err="1"/>
-              <a:t>פסודו</a:t>
-            </a:r>
-            <a:r>
-              <a:rPr lang="he-IL" dirty="0"/>
-              <a:t> רנדומלי בשני מובנים:</a:t>
-            </a:r>
-          </a:p>
-          <a:p>
-            <a:pPr marL="228600" indent="-228600">
-              <a:buAutoNum type="arabicPeriod"/>
-            </a:pPr>
-            <a:r>
-              <a:rPr lang="he-IL" dirty="0"/>
-              <a:t>תדירות יצירת ההפרעה הוא מספר אקראי בין 1-ל4 פעולות.</a:t>
-            </a:r>
-          </a:p>
-          <a:p>
-            <a:pPr marL="228600" indent="-228600">
-              <a:buAutoNum type="arabicPeriod"/>
-            </a:pPr>
-            <a:r>
-              <a:rPr lang="he-IL" dirty="0"/>
-              <a:t>משך ההפרעה הוא משתנה אקראי מפולג </a:t>
-            </a:r>
-            <a:r>
-              <a:rPr lang="he-IL" dirty="0" err="1"/>
-              <a:t>יוניפורמי</a:t>
-            </a:r>
-            <a:r>
-              <a:rPr lang="he-IL" dirty="0"/>
-              <a:t> בין מחצית משך הפעולה שנבחה לבין משך הפעולה שנבחרה.</a:t>
-            </a:r>
-          </a:p>
-          <a:p>
-            <a:pPr marL="228600" indent="-228600">
-              <a:buAutoNum type="arabicPeriod"/>
-            </a:pPr>
-            <a:endParaRPr lang="he-IL" dirty="0"/>
-          </a:p>
-          <a:p>
-            <a:pPr marL="0" indent="0">
-              <a:buNone/>
-            </a:pPr>
-            <a:r>
-              <a:rPr lang="he-IL" dirty="0"/>
-              <a:t>כאשר נוצרה הפרעה המודול יאותת למודול הסימולטור על הפרעה שנוצרה ויאפס את תדירות יצירת ההפרעה.</a:t>
-            </a:r>
-          </a:p>
-          <a:p>
-            <a:pPr marL="0" indent="0">
-              <a:buNone/>
-            </a:pPr>
-            <a:endParaRPr lang="he-IL" dirty="0"/>
           </a:p>
         </p:txBody>
       </p:sp>
@@ -8766,7 +8642,7 @@
           <a:p>
             <a:fld id="{5D87C9B3-3F36-45D2-B699-10C699E739B9}" type="slidenum">
               <a:rPr lang="he-IL" smtClean="0"/>
-              <a:t>27</a:t>
+              <a:t>23</a:t>
             </a:fld>
             <a:endParaRPr lang="he-IL"/>
           </a:p>
@@ -8775,7 +8651,7 @@
     </p:spTree>
     <p:extLst>
       <p:ext uri="{BB962C8B-B14F-4D97-AF65-F5344CB8AC3E}">
-        <p14:creationId xmlns:p14="http://schemas.microsoft.com/office/powerpoint/2010/main" val="546992971"/>
+        <p14:creationId xmlns:p14="http://schemas.microsoft.com/office/powerpoint/2010/main" val="3654397469"/>
       </p:ext>
     </p:extLst>
   </p:cSld>
@@ -8831,8 +8707,93 @@
           <a:p>
             <a:r>
               <a:rPr lang="he-IL" dirty="0"/>
-              <a:t>תוצאה רגילה</a:t>
-            </a:r>
+              <a:t>מודול זה מדמה לנו את ציר הזמן אשר מיוצג באופן דיסקרטי.</a:t>
+            </a:r>
+          </a:p>
+          <a:p>
+            <a:r>
+              <a:rPr lang="he-IL" dirty="0"/>
+              <a:t>בתחילת התכנית עבדנו עם זמן רציף אך לאחר בעיות מימוש רבות והתייעצות עם איל החלטנו לעבור לזמן בדיד.</a:t>
+            </a:r>
+          </a:p>
+          <a:p>
+            <a:r>
+              <a:rPr lang="he-IL" dirty="0"/>
+              <a:t>היתרון בזמן בדיד הוא יכולת לנרמל את ציר הזמן בקלות, יכולת מעקב אחריי הפעולות בצורה יעילה יותר.</a:t>
+            </a:r>
+          </a:p>
+          <a:p>
+            <a:endParaRPr lang="he-IL" dirty="0"/>
+          </a:p>
+          <a:p>
+            <a:r>
+              <a:rPr lang="he-IL" dirty="0"/>
+              <a:t>ערך השעון – מספר יחידות הזמן שעברו.</a:t>
+            </a:r>
+          </a:p>
+          <a:p>
+            <a:r>
+              <a:rPr lang="he-IL" dirty="0"/>
+              <a:t>אפסילון – ערך זה מכווץ או מותח את ציר הזמן.</a:t>
+            </a:r>
+          </a:p>
+          <a:p>
+            <a:r>
+              <a:rPr lang="he-IL" dirty="0"/>
+              <a:t>אפס – כיוון שאפסילון יכול להיות מאוד קטן יש בעיה של ייצוג מספרים לא שלמים במחשב ולכן נאלצנו לייצר "0" כך שנוכל להשוות אליו זמנים דיסקרטיים בצורה נכונה.</a:t>
+            </a:r>
+          </a:p>
+          <a:p>
+            <a:endParaRPr lang="he-IL" dirty="0"/>
+          </a:p>
+          <a:p>
+            <a:r>
+              <a:rPr lang="he-IL" dirty="0"/>
+              <a:t>השעון מבצע לולאה אינסופית אשר בכל איטרציה:</a:t>
+            </a:r>
+          </a:p>
+          <a:p>
+            <a:pPr marL="228600" indent="-228600">
+              <a:buAutoNum type="arabicPeriod"/>
+            </a:pPr>
+            <a:r>
+              <a:rPr lang="he-IL" dirty="0"/>
+              <a:t>נבדק האם הטסט הסתיים.</a:t>
+            </a:r>
+          </a:p>
+          <a:p>
+            <a:pPr marL="228600" indent="-228600">
+              <a:buAutoNum type="arabicPeriod"/>
+            </a:pPr>
+            <a:r>
+              <a:rPr lang="he-IL" dirty="0"/>
+              <a:t>נבדק האם יש צורך בקידום השעון (כתלות בפעולות שהתבצעו בסימולטור ובבקר).</a:t>
+            </a:r>
+          </a:p>
+          <a:p>
+            <a:pPr marL="228600" indent="-228600">
+              <a:buAutoNum type="arabicPeriod"/>
+            </a:pPr>
+            <a:r>
+              <a:rPr lang="he-IL" dirty="0" err="1"/>
+              <a:t>עידכון</a:t>
+            </a:r>
+            <a:r>
+              <a:rPr lang="he-IL" dirty="0"/>
+              <a:t> כלל העוקבים כי התבצע\לא התבצע אירוע שעון.</a:t>
+            </a:r>
+          </a:p>
+          <a:p>
+            <a:pPr marL="228600" indent="-228600">
+              <a:buAutoNum type="arabicPeriod"/>
+            </a:pPr>
+            <a:endParaRPr lang="he-IL" dirty="0"/>
+          </a:p>
+          <a:p>
+            <a:pPr marL="228600" indent="-228600">
+              <a:buAutoNum type="arabicPeriod"/>
+            </a:pPr>
+            <a:endParaRPr lang="he-IL" dirty="0"/>
           </a:p>
         </p:txBody>
       </p:sp>
@@ -8876,7 +8837,7 @@
           <a:p>
             <a:fld id="{5D87C9B3-3F36-45D2-B699-10C699E739B9}" type="slidenum">
               <a:rPr lang="he-IL" smtClean="0"/>
-              <a:t>28</a:t>
+              <a:t>24</a:t>
             </a:fld>
             <a:endParaRPr lang="he-IL"/>
           </a:p>
@@ -8885,7 +8846,7 @@
     </p:spTree>
     <p:extLst>
       <p:ext uri="{BB962C8B-B14F-4D97-AF65-F5344CB8AC3E}">
-        <p14:creationId xmlns:p14="http://schemas.microsoft.com/office/powerpoint/2010/main" val="2318995915"/>
+        <p14:creationId xmlns:p14="http://schemas.microsoft.com/office/powerpoint/2010/main" val="3802725460"/>
       </p:ext>
     </p:extLst>
   </p:cSld>
@@ -8941,6 +8902,633 @@
           <a:p>
             <a:r>
               <a:rPr lang="he-IL" dirty="0"/>
+              <a:t>מודול זה מייצג את מצב העולם ומתעדכן בעקבות הסימולטור.</a:t>
+            </a:r>
+          </a:p>
+          <a:p>
+            <a:r>
+              <a:rPr lang="he-IL" dirty="0"/>
+              <a:t>המודול מחזיק וקטור של מטוסים אשר כל תא במערך מייצג את המצב של המטוס באינדקס המתאים. (להסביר על המצבים השונים).</a:t>
+            </a:r>
+          </a:p>
+          <a:p>
+            <a:r>
+              <a:rPr lang="he-IL" dirty="0"/>
+              <a:t>המודול מחזיק וקטור של נתיבים כאשר כל תא במערך מייצג האם הנתיב פנוי(-1) או שהנתיב תפוס ואז הערך הוא המספר המזהה של המטוס באותו נתיב.</a:t>
+            </a:r>
+          </a:p>
+          <a:p>
+            <a:r>
+              <a:rPr lang="he-IL" dirty="0"/>
+              <a:t>מטרת מודול זה הוא:</a:t>
+            </a:r>
+          </a:p>
+          <a:p>
+            <a:pPr marL="228600" indent="-228600">
+              <a:buAutoNum type="arabicPeriod"/>
+            </a:pPr>
+            <a:r>
+              <a:rPr lang="he-IL" dirty="0"/>
+              <a:t>לממש את פונקציית החוקיות שהבקר קורא לה </a:t>
+            </a:r>
+            <a:r>
+              <a:rPr lang="he-IL" dirty="0" err="1"/>
+              <a:t>והלחזיר</a:t>
+            </a:r>
+            <a:r>
+              <a:rPr lang="he-IL" dirty="0"/>
+              <a:t> האם המצב הבא חוקי או לא.</a:t>
+            </a:r>
+          </a:p>
+          <a:p>
+            <a:pPr marL="228600" indent="-228600">
+              <a:buAutoNum type="arabicPeriod"/>
+            </a:pPr>
+            <a:r>
+              <a:rPr lang="he-IL" dirty="0"/>
+              <a:t>לבצע הקפאה של מצב העולם וכתיבת קובץ קונפיגורציה חדש במידה ונדרש תיכנון מחדש, תיכנון מחדש מתרחש בעקבות החזרת ערך שגיאה מפונקציית החוקיות.</a:t>
+            </a:r>
+          </a:p>
+          <a:p>
+            <a:pPr marL="228600" indent="-228600">
+              <a:buAutoNum type="arabicPeriod"/>
+            </a:pPr>
+            <a:endParaRPr lang="he-IL" dirty="0"/>
+          </a:p>
+          <a:p>
+            <a:pPr marL="0" indent="0">
+              <a:buNone/>
+            </a:pPr>
+            <a:endParaRPr lang="he-IL" dirty="0"/>
+          </a:p>
+        </p:txBody>
+      </p:sp>
+      <p:sp>
+        <p:nvSpPr>
+          <p:cNvPr id="4" name="מציין מיקום של כותרת עליונה 3"/>
+          <p:cNvSpPr>
+            <a:spLocks noGrp="1"/>
+          </p:cNvSpPr>
+          <p:nvPr>
+            <p:ph type="hdr" sz="quarter"/>
+          </p:nvPr>
+        </p:nvSpPr>
+        <p:spPr/>
+        <p:txBody>
+          <a:bodyPr/>
+          <a:lstStyle/>
+          <a:p>
+            <a:r>
+              <a:rPr lang="en-US"/>
+              <a:t>hjfhgdhgfdfgh</a:t>
+            </a:r>
+            <a:endParaRPr lang="he-IL"/>
+          </a:p>
+        </p:txBody>
+      </p:sp>
+      <p:sp>
+        <p:nvSpPr>
+          <p:cNvPr id="5" name="מציין מיקום של מספר שקופית 4"/>
+          <p:cNvSpPr>
+            <a:spLocks noGrp="1"/>
+          </p:cNvSpPr>
+          <p:nvPr>
+            <p:ph type="sldNum" sz="quarter" idx="5"/>
+          </p:nvPr>
+        </p:nvSpPr>
+        <p:spPr/>
+        <p:txBody>
+          <a:bodyPr/>
+          <a:lstStyle/>
+          <a:p>
+            <a:fld id="{5D87C9B3-3F36-45D2-B699-10C699E739B9}" type="slidenum">
+              <a:rPr lang="he-IL" smtClean="0"/>
+              <a:t>25</a:t>
+            </a:fld>
+            <a:endParaRPr lang="he-IL"/>
+          </a:p>
+        </p:txBody>
+      </p:sp>
+    </p:spTree>
+    <p:extLst>
+      <p:ext uri="{BB962C8B-B14F-4D97-AF65-F5344CB8AC3E}">
+        <p14:creationId xmlns:p14="http://schemas.microsoft.com/office/powerpoint/2010/main" val="202044522"/>
+      </p:ext>
+    </p:extLst>
+  </p:cSld>
+  <p:clrMapOvr>
+    <a:masterClrMapping/>
+  </p:clrMapOvr>
+</p:notes>
+</file>
+
+<file path=ppt/notesSlides/notesSlide23.xml><?xml version="1.0" encoding="utf-8"?>
+<p:notes xmlns:a="http://schemas.openxmlformats.org/drawingml/2006/main" xmlns:r="http://schemas.openxmlformats.org/officeDocument/2006/relationships" xmlns:p="http://schemas.openxmlformats.org/presentationml/2006/main">
+  <p:cSld>
+    <p:spTree>
+      <p:nvGrpSpPr>
+        <p:cNvPr id="1" name=""/>
+        <p:cNvGrpSpPr/>
+        <p:nvPr/>
+      </p:nvGrpSpPr>
+      <p:grpSpPr>
+        <a:xfrm>
+          <a:off x="0" y="0"/>
+          <a:ext cx="0" cy="0"/>
+          <a:chOff x="0" y="0"/>
+          <a:chExt cx="0" cy="0"/>
+        </a:xfrm>
+      </p:grpSpPr>
+      <p:sp>
+        <p:nvSpPr>
+          <p:cNvPr id="2" name="מציין מיקום של תמונת שקופית 1"/>
+          <p:cNvSpPr>
+            <a:spLocks noGrp="1" noRot="1" noChangeAspect="1"/>
+          </p:cNvSpPr>
+          <p:nvPr>
+            <p:ph type="sldImg"/>
+          </p:nvPr>
+        </p:nvSpPr>
+        <p:spPr/>
+      </p:sp>
+      <p:sp>
+        <p:nvSpPr>
+          <p:cNvPr id="3" name="מציין מיקום של הערות 2"/>
+          <p:cNvSpPr>
+            <a:spLocks noGrp="1"/>
+          </p:cNvSpPr>
+          <p:nvPr>
+            <p:ph type="body" idx="1"/>
+          </p:nvPr>
+        </p:nvSpPr>
+        <p:spPr/>
+        <p:txBody>
+          <a:bodyPr/>
+          <a:lstStyle/>
+          <a:p>
+            <a:r>
+              <a:rPr lang="he-IL" dirty="0"/>
+              <a:t>מודול זה מייצג את מצב העולם ומתעדכן בעקבות הסימולטור.</a:t>
+            </a:r>
+          </a:p>
+          <a:p>
+            <a:r>
+              <a:rPr lang="he-IL" dirty="0"/>
+              <a:t>המודול מחזיק וקטור של מטוסים אשר כל תא במערך מייצג את המצב של המטוס באינדקס המתאים. (להסביר על המצבים השונים).</a:t>
+            </a:r>
+          </a:p>
+          <a:p>
+            <a:r>
+              <a:rPr lang="he-IL" dirty="0"/>
+              <a:t>המודול מחזיק וקטור של נתיבים כאשר כל תא במערך מייצג האם הנתיב פנוי(-1) או שהנתיב תפוס ואז הערך הוא המספר המזהה של המטוס באותו נתיב.</a:t>
+            </a:r>
+          </a:p>
+          <a:p>
+            <a:r>
+              <a:rPr lang="he-IL" dirty="0"/>
+              <a:t>מטרת מודול זה הוא:</a:t>
+            </a:r>
+          </a:p>
+          <a:p>
+            <a:pPr marL="228600" indent="-228600">
+              <a:buAutoNum type="arabicPeriod"/>
+            </a:pPr>
+            <a:r>
+              <a:rPr lang="he-IL" dirty="0"/>
+              <a:t>לממש את פונקציית החוקיות שהבקר קורא לה </a:t>
+            </a:r>
+            <a:r>
+              <a:rPr lang="he-IL" dirty="0" err="1"/>
+              <a:t>והלחזיר</a:t>
+            </a:r>
+            <a:r>
+              <a:rPr lang="he-IL" dirty="0"/>
+              <a:t> האם המצב הבא חוקי או לא.</a:t>
+            </a:r>
+          </a:p>
+          <a:p>
+            <a:pPr marL="228600" indent="-228600">
+              <a:buAutoNum type="arabicPeriod"/>
+            </a:pPr>
+            <a:r>
+              <a:rPr lang="he-IL" dirty="0"/>
+              <a:t>לבצע הקפאה של מצב העולם וכתיבת קובץ קונפיגורציה חדש במידה ונדרש תיכנון מחדש, תיכנון מחדש מתרחש בעקבות החזרת ערך שגיאה מפונקציית החוקיות.</a:t>
+            </a:r>
+          </a:p>
+          <a:p>
+            <a:pPr marL="228600" indent="-228600">
+              <a:buAutoNum type="arabicPeriod"/>
+            </a:pPr>
+            <a:endParaRPr lang="he-IL" dirty="0"/>
+          </a:p>
+          <a:p>
+            <a:pPr marL="0" indent="0">
+              <a:buNone/>
+            </a:pPr>
+            <a:endParaRPr lang="he-IL" dirty="0"/>
+          </a:p>
+        </p:txBody>
+      </p:sp>
+      <p:sp>
+        <p:nvSpPr>
+          <p:cNvPr id="4" name="מציין מיקום של כותרת עליונה 3"/>
+          <p:cNvSpPr>
+            <a:spLocks noGrp="1"/>
+          </p:cNvSpPr>
+          <p:nvPr>
+            <p:ph type="hdr" sz="quarter"/>
+          </p:nvPr>
+        </p:nvSpPr>
+        <p:spPr/>
+        <p:txBody>
+          <a:bodyPr/>
+          <a:lstStyle/>
+          <a:p>
+            <a:r>
+              <a:rPr lang="en-US"/>
+              <a:t>hjfhgdhgfdfgh</a:t>
+            </a:r>
+            <a:endParaRPr lang="he-IL"/>
+          </a:p>
+        </p:txBody>
+      </p:sp>
+      <p:sp>
+        <p:nvSpPr>
+          <p:cNvPr id="5" name="מציין מיקום של מספר שקופית 4"/>
+          <p:cNvSpPr>
+            <a:spLocks noGrp="1"/>
+          </p:cNvSpPr>
+          <p:nvPr>
+            <p:ph type="sldNum" sz="quarter" idx="5"/>
+          </p:nvPr>
+        </p:nvSpPr>
+        <p:spPr/>
+        <p:txBody>
+          <a:bodyPr/>
+          <a:lstStyle/>
+          <a:p>
+            <a:fld id="{5D87C9B3-3F36-45D2-B699-10C699E739B9}" type="slidenum">
+              <a:rPr lang="he-IL" smtClean="0"/>
+              <a:t>26</a:t>
+            </a:fld>
+            <a:endParaRPr lang="he-IL"/>
+          </a:p>
+        </p:txBody>
+      </p:sp>
+    </p:spTree>
+    <p:extLst>
+      <p:ext uri="{BB962C8B-B14F-4D97-AF65-F5344CB8AC3E}">
+        <p14:creationId xmlns:p14="http://schemas.microsoft.com/office/powerpoint/2010/main" val="2849164166"/>
+      </p:ext>
+    </p:extLst>
+  </p:cSld>
+  <p:clrMapOvr>
+    <a:masterClrMapping/>
+  </p:clrMapOvr>
+</p:notes>
+</file>
+
+<file path=ppt/notesSlides/notesSlide24.xml><?xml version="1.0" encoding="utf-8"?>
+<p:notes xmlns:a="http://schemas.openxmlformats.org/drawingml/2006/main" xmlns:r="http://schemas.openxmlformats.org/officeDocument/2006/relationships" xmlns:p="http://schemas.openxmlformats.org/presentationml/2006/main">
+  <p:cSld>
+    <p:spTree>
+      <p:nvGrpSpPr>
+        <p:cNvPr id="1" name=""/>
+        <p:cNvGrpSpPr/>
+        <p:nvPr/>
+      </p:nvGrpSpPr>
+      <p:grpSpPr>
+        <a:xfrm>
+          <a:off x="0" y="0"/>
+          <a:ext cx="0" cy="0"/>
+          <a:chOff x="0" y="0"/>
+          <a:chExt cx="0" cy="0"/>
+        </a:xfrm>
+      </p:grpSpPr>
+      <p:sp>
+        <p:nvSpPr>
+          <p:cNvPr id="2" name="מציין מיקום של תמונת שקופית 1"/>
+          <p:cNvSpPr>
+            <a:spLocks noGrp="1" noRot="1" noChangeAspect="1"/>
+          </p:cNvSpPr>
+          <p:nvPr>
+            <p:ph type="sldImg"/>
+          </p:nvPr>
+        </p:nvSpPr>
+        <p:spPr/>
+      </p:sp>
+      <p:sp>
+        <p:nvSpPr>
+          <p:cNvPr id="3" name="מציין מיקום של הערות 2"/>
+          <p:cNvSpPr>
+            <a:spLocks noGrp="1"/>
+          </p:cNvSpPr>
+          <p:nvPr>
+            <p:ph type="body" idx="1"/>
+          </p:nvPr>
+        </p:nvSpPr>
+        <p:spPr/>
+        <p:txBody>
+          <a:bodyPr/>
+          <a:lstStyle/>
+          <a:p>
+            <a:pPr marL="0" indent="0">
+              <a:buNone/>
+            </a:pPr>
+            <a:r>
+              <a:rPr lang="he-IL" dirty="0"/>
+              <a:t>המודל מייצר הפרעות אשר נשלחות לסימולטור, הפרעה היא משך זמן שמתווסף למשך זמן של פעולה </a:t>
+            </a:r>
+            <a:r>
+              <a:rPr lang="he-IL" dirty="0" err="1"/>
+              <a:t>מסויימת</a:t>
+            </a:r>
+            <a:r>
+              <a:rPr lang="he-IL" dirty="0"/>
+              <a:t>.</a:t>
+            </a:r>
+          </a:p>
+          <a:p>
+            <a:pPr marL="0" indent="0">
+              <a:buNone/>
+            </a:pPr>
+            <a:r>
+              <a:rPr lang="he-IL" dirty="0"/>
+              <a:t>המודל הוא </a:t>
+            </a:r>
+            <a:r>
+              <a:rPr lang="he-IL" dirty="0" err="1"/>
+              <a:t>פסודו</a:t>
+            </a:r>
+            <a:r>
+              <a:rPr lang="he-IL" dirty="0"/>
+              <a:t> רנדומלי בשני מובנים:</a:t>
+            </a:r>
+          </a:p>
+          <a:p>
+            <a:pPr marL="228600" indent="-228600">
+              <a:buAutoNum type="arabicPeriod"/>
+            </a:pPr>
+            <a:r>
+              <a:rPr lang="he-IL" dirty="0"/>
+              <a:t>תדירות יצירת ההפרעה הוא מספר אקראי בין 1-ל4 פעולות.</a:t>
+            </a:r>
+          </a:p>
+          <a:p>
+            <a:pPr marL="228600" indent="-228600">
+              <a:buAutoNum type="arabicPeriod"/>
+            </a:pPr>
+            <a:r>
+              <a:rPr lang="he-IL" dirty="0"/>
+              <a:t>משך ההפרעה הוא משתנה אקראי מפולג </a:t>
+            </a:r>
+            <a:r>
+              <a:rPr lang="he-IL" dirty="0" err="1"/>
+              <a:t>יוניפורמי</a:t>
+            </a:r>
+            <a:r>
+              <a:rPr lang="he-IL" dirty="0"/>
+              <a:t> בין מחצית משך הפעולה שנבחה לבין משך הפעולה שנבחרה.</a:t>
+            </a:r>
+          </a:p>
+          <a:p>
+            <a:pPr marL="228600" indent="-228600">
+              <a:buAutoNum type="arabicPeriod"/>
+            </a:pPr>
+            <a:endParaRPr lang="he-IL" dirty="0"/>
+          </a:p>
+          <a:p>
+            <a:pPr marL="0" indent="0">
+              <a:buNone/>
+            </a:pPr>
+            <a:r>
+              <a:rPr lang="he-IL" dirty="0"/>
+              <a:t>כאשר נוצרה הפרעה המודול יאותת למודול הסימולטור על הפרעה שנוצרה ויאפס את תדירות יצירת ההפרעה.</a:t>
+            </a:r>
+          </a:p>
+          <a:p>
+            <a:pPr marL="0" indent="0">
+              <a:buNone/>
+            </a:pPr>
+            <a:endParaRPr lang="he-IL" dirty="0"/>
+          </a:p>
+        </p:txBody>
+      </p:sp>
+      <p:sp>
+        <p:nvSpPr>
+          <p:cNvPr id="4" name="מציין מיקום של כותרת עליונה 3"/>
+          <p:cNvSpPr>
+            <a:spLocks noGrp="1"/>
+          </p:cNvSpPr>
+          <p:nvPr>
+            <p:ph type="hdr" sz="quarter"/>
+          </p:nvPr>
+        </p:nvSpPr>
+        <p:spPr/>
+        <p:txBody>
+          <a:bodyPr/>
+          <a:lstStyle/>
+          <a:p>
+            <a:r>
+              <a:rPr lang="en-US"/>
+              <a:t>hjfhgdhgfdfgh</a:t>
+            </a:r>
+            <a:endParaRPr lang="he-IL"/>
+          </a:p>
+        </p:txBody>
+      </p:sp>
+      <p:sp>
+        <p:nvSpPr>
+          <p:cNvPr id="5" name="מציין מיקום של מספר שקופית 4"/>
+          <p:cNvSpPr>
+            <a:spLocks noGrp="1"/>
+          </p:cNvSpPr>
+          <p:nvPr>
+            <p:ph type="sldNum" sz="quarter" idx="5"/>
+          </p:nvPr>
+        </p:nvSpPr>
+        <p:spPr/>
+        <p:txBody>
+          <a:bodyPr/>
+          <a:lstStyle/>
+          <a:p>
+            <a:fld id="{5D87C9B3-3F36-45D2-B699-10C699E739B9}" type="slidenum">
+              <a:rPr lang="he-IL" smtClean="0"/>
+              <a:t>27</a:t>
+            </a:fld>
+            <a:endParaRPr lang="he-IL"/>
+          </a:p>
+        </p:txBody>
+      </p:sp>
+    </p:spTree>
+    <p:extLst>
+      <p:ext uri="{BB962C8B-B14F-4D97-AF65-F5344CB8AC3E}">
+        <p14:creationId xmlns:p14="http://schemas.microsoft.com/office/powerpoint/2010/main" val="546992971"/>
+      </p:ext>
+    </p:extLst>
+  </p:cSld>
+  <p:clrMapOvr>
+    <a:masterClrMapping/>
+  </p:clrMapOvr>
+</p:notes>
+</file>
+
+<file path=ppt/notesSlides/notesSlide25.xml><?xml version="1.0" encoding="utf-8"?>
+<p:notes xmlns:a="http://schemas.openxmlformats.org/drawingml/2006/main" xmlns:r="http://schemas.openxmlformats.org/officeDocument/2006/relationships" xmlns:p="http://schemas.openxmlformats.org/presentationml/2006/main">
+  <p:cSld>
+    <p:spTree>
+      <p:nvGrpSpPr>
+        <p:cNvPr id="1" name=""/>
+        <p:cNvGrpSpPr/>
+        <p:nvPr/>
+      </p:nvGrpSpPr>
+      <p:grpSpPr>
+        <a:xfrm>
+          <a:off x="0" y="0"/>
+          <a:ext cx="0" cy="0"/>
+          <a:chOff x="0" y="0"/>
+          <a:chExt cx="0" cy="0"/>
+        </a:xfrm>
+      </p:grpSpPr>
+      <p:sp>
+        <p:nvSpPr>
+          <p:cNvPr id="2" name="מציין מיקום של תמונת שקופית 1"/>
+          <p:cNvSpPr>
+            <a:spLocks noGrp="1" noRot="1" noChangeAspect="1"/>
+          </p:cNvSpPr>
+          <p:nvPr>
+            <p:ph type="sldImg"/>
+          </p:nvPr>
+        </p:nvSpPr>
+        <p:spPr/>
+      </p:sp>
+      <p:sp>
+        <p:nvSpPr>
+          <p:cNvPr id="3" name="מציין מיקום של הערות 2"/>
+          <p:cNvSpPr>
+            <a:spLocks noGrp="1"/>
+          </p:cNvSpPr>
+          <p:nvPr>
+            <p:ph type="body" idx="1"/>
+          </p:nvPr>
+        </p:nvSpPr>
+        <p:spPr/>
+        <p:txBody>
+          <a:bodyPr/>
+          <a:lstStyle/>
+          <a:p>
+            <a:r>
+              <a:rPr lang="he-IL" dirty="0"/>
+              <a:t>תוצאה רגילה</a:t>
+            </a:r>
+          </a:p>
+        </p:txBody>
+      </p:sp>
+      <p:sp>
+        <p:nvSpPr>
+          <p:cNvPr id="4" name="מציין מיקום של כותרת עליונה 3"/>
+          <p:cNvSpPr>
+            <a:spLocks noGrp="1"/>
+          </p:cNvSpPr>
+          <p:nvPr>
+            <p:ph type="hdr" sz="quarter"/>
+          </p:nvPr>
+        </p:nvSpPr>
+        <p:spPr/>
+        <p:txBody>
+          <a:bodyPr/>
+          <a:lstStyle/>
+          <a:p>
+            <a:r>
+              <a:rPr lang="en-US"/>
+              <a:t>hjfhgdhgfdfgh</a:t>
+            </a:r>
+            <a:endParaRPr lang="he-IL"/>
+          </a:p>
+        </p:txBody>
+      </p:sp>
+      <p:sp>
+        <p:nvSpPr>
+          <p:cNvPr id="5" name="מציין מיקום של מספר שקופית 4"/>
+          <p:cNvSpPr>
+            <a:spLocks noGrp="1"/>
+          </p:cNvSpPr>
+          <p:nvPr>
+            <p:ph type="sldNum" sz="quarter" idx="5"/>
+          </p:nvPr>
+        </p:nvSpPr>
+        <p:spPr/>
+        <p:txBody>
+          <a:bodyPr/>
+          <a:lstStyle/>
+          <a:p>
+            <a:fld id="{5D87C9B3-3F36-45D2-B699-10C699E739B9}" type="slidenum">
+              <a:rPr lang="he-IL" smtClean="0"/>
+              <a:t>28</a:t>
+            </a:fld>
+            <a:endParaRPr lang="he-IL"/>
+          </a:p>
+        </p:txBody>
+      </p:sp>
+    </p:spTree>
+    <p:extLst>
+      <p:ext uri="{BB962C8B-B14F-4D97-AF65-F5344CB8AC3E}">
+        <p14:creationId xmlns:p14="http://schemas.microsoft.com/office/powerpoint/2010/main" val="2318995915"/>
+      </p:ext>
+    </p:extLst>
+  </p:cSld>
+  <p:clrMapOvr>
+    <a:masterClrMapping/>
+  </p:clrMapOvr>
+</p:notes>
+</file>
+
+<file path=ppt/notesSlides/notesSlide26.xml><?xml version="1.0" encoding="utf-8"?>
+<p:notes xmlns:a="http://schemas.openxmlformats.org/drawingml/2006/main" xmlns:r="http://schemas.openxmlformats.org/officeDocument/2006/relationships" xmlns:p="http://schemas.openxmlformats.org/presentationml/2006/main">
+  <p:cSld>
+    <p:spTree>
+      <p:nvGrpSpPr>
+        <p:cNvPr id="1" name=""/>
+        <p:cNvGrpSpPr/>
+        <p:nvPr/>
+      </p:nvGrpSpPr>
+      <p:grpSpPr>
+        <a:xfrm>
+          <a:off x="0" y="0"/>
+          <a:ext cx="0" cy="0"/>
+          <a:chOff x="0" y="0"/>
+          <a:chExt cx="0" cy="0"/>
+        </a:xfrm>
+      </p:grpSpPr>
+      <p:sp>
+        <p:nvSpPr>
+          <p:cNvPr id="2" name="מציין מיקום של תמונת שקופית 1"/>
+          <p:cNvSpPr>
+            <a:spLocks noGrp="1" noRot="1" noChangeAspect="1"/>
+          </p:cNvSpPr>
+          <p:nvPr>
+            <p:ph type="sldImg"/>
+          </p:nvPr>
+        </p:nvSpPr>
+        <p:spPr/>
+      </p:sp>
+      <p:sp>
+        <p:nvSpPr>
+          <p:cNvPr id="3" name="מציין מיקום של הערות 2"/>
+          <p:cNvSpPr>
+            <a:spLocks noGrp="1"/>
+          </p:cNvSpPr>
+          <p:nvPr>
+            <p:ph type="body" idx="1"/>
+          </p:nvPr>
+        </p:nvSpPr>
+        <p:spPr/>
+        <p:txBody>
+          <a:bodyPr/>
+          <a:lstStyle/>
+          <a:p>
+            <a:r>
+              <a:rPr lang="he-IL" dirty="0"/>
               <a:t>תוצאה עם תיכנון מחדש</a:t>
             </a:r>
           </a:p>
@@ -9005,7 +9593,7 @@
 </p:notes>
 </file>
 
-<file path=ppt/notesSlides/notesSlide23.xml><?xml version="1.0" encoding="utf-8"?>
+<file path=ppt/notesSlides/notesSlide27.xml><?xml version="1.0" encoding="utf-8"?>
 <p:notes xmlns:a="http://schemas.openxmlformats.org/drawingml/2006/main" xmlns:r="http://schemas.openxmlformats.org/officeDocument/2006/relationships" xmlns:p="http://schemas.openxmlformats.org/presentationml/2006/main">
   <p:cSld>
     <p:spTree>
@@ -9234,139 +9822,44 @@
           <a:bodyPr/>
           <a:lstStyle/>
           <a:p>
-            <a:pPr marL="171450" indent="-171450">
-              <a:buFontTx/>
-              <a:buChar char="-"/>
-            </a:pPr>
-            <a:r>
-              <a:rPr lang="he-IL" dirty="0"/>
-              <a:t>אלגוריתם אופליין שמבוסס על רשתות </a:t>
-            </a:r>
-            <a:r>
-              <a:rPr lang="he-IL" dirty="0" err="1"/>
-              <a:t>נוירוינים</a:t>
-            </a:r>
-            <a:r>
-              <a:rPr lang="he-IL" dirty="0"/>
-              <a:t> ותורת הגרפים (חיפוש בגרף, גרף דינמי, גרף מכוון, </a:t>
-            </a:r>
-            <a:r>
-              <a:rPr lang="en-US" dirty="0"/>
-              <a:t>A*</a:t>
-            </a:r>
-            <a:r>
-              <a:rPr lang="he-IL" dirty="0"/>
-              <a:t>)</a:t>
-            </a:r>
-          </a:p>
-          <a:p>
-            <a:pPr marL="171450" indent="-171450">
-              <a:buFontTx/>
-              <a:buChar char="-"/>
-            </a:pPr>
-            <a:r>
-              <a:rPr lang="he-IL" dirty="0"/>
-              <a:t>אלגוריתם </a:t>
-            </a:r>
-            <a:r>
-              <a:rPr lang="he-IL" dirty="0" err="1"/>
-              <a:t>האופיליין</a:t>
-            </a:r>
-            <a:r>
-              <a:rPr lang="he-IL" dirty="0"/>
-              <a:t> מקבל </a:t>
-            </a:r>
-            <a:r>
-              <a:rPr lang="he-IL" dirty="0" err="1"/>
-              <a:t>גקלט</a:t>
-            </a:r>
-            <a:r>
-              <a:rPr lang="he-IL" dirty="0"/>
-              <a:t> קובץ </a:t>
-            </a:r>
-            <a:r>
-              <a:rPr lang="he-IL" dirty="0" err="1"/>
-              <a:t>קונפיג</a:t>
-            </a:r>
-            <a:r>
-              <a:rPr lang="he-IL" dirty="0"/>
-              <a:t> ומוציא כפלט קובץ לוג(מכיל את גרף ה-</a:t>
-            </a:r>
-            <a:r>
-              <a:rPr lang="en-US" dirty="0"/>
-              <a:t>STN</a:t>
-            </a:r>
-            <a:r>
-              <a:rPr lang="he-IL" dirty="0"/>
-              <a:t> שלנו בתצורה של טבלה)</a:t>
-            </a:r>
-          </a:p>
-          <a:p>
-            <a:pPr marL="171450" indent="-171450">
-              <a:buFontTx/>
-              <a:buChar char="-"/>
-            </a:pPr>
-            <a:r>
-              <a:rPr lang="he-IL" dirty="0"/>
-              <a:t>בהתחלה התייחסנו </a:t>
-            </a:r>
-            <a:r>
-              <a:rPr lang="he-IL" dirty="0" err="1"/>
-              <a:t>לפרוייקט</a:t>
-            </a:r>
-            <a:r>
-              <a:rPr lang="he-IL" dirty="0"/>
-              <a:t> כקופסה שחורה אך ככל שהתקדמנו הבנו שכן יש צורך להיכנס לפרטיי המימוש ולבצע שינויים. הסיבה לכך היא שמדובר בעבודה אקדמית ולא מהתעשייה ולכן היה צורך בפגישה עם כותביי </a:t>
-            </a:r>
-            <a:r>
-              <a:rPr lang="he-IL" dirty="0" err="1"/>
-              <a:t>הפרוייקט</a:t>
-            </a:r>
-            <a:r>
-              <a:rPr lang="he-IL" dirty="0"/>
-              <a:t> הקודם על מנת לעבור על הקוד ופרטיי המימוש על מנת לבצע את השינויים הנדרשים ללא פגיעה באלגוריתם עצמו.</a:t>
-            </a:r>
-          </a:p>
-          <a:p>
-            <a:pPr marL="171450" indent="-171450">
-              <a:buFontTx/>
-              <a:buChar char="-"/>
-            </a:pPr>
-            <a:r>
-              <a:rPr lang="he-IL" dirty="0"/>
-              <a:t>מרבית השינויים היו הוספת מעטפת </a:t>
-            </a:r>
-            <a:r>
-              <a:rPr lang="he-IL" dirty="0" err="1"/>
-              <a:t>לפרוייקט</a:t>
-            </a:r>
-            <a:r>
-              <a:rPr lang="he-IL" dirty="0"/>
-              <a:t> כדי שנוכל להשתמש בו כחלק </a:t>
-            </a:r>
-            <a:r>
-              <a:rPr lang="he-IL" dirty="0" err="1"/>
-              <a:t>מההפרוייקט</a:t>
-            </a:r>
-            <a:r>
-              <a:rPr lang="he-IL" dirty="0"/>
-              <a:t> שלנו, כלומר שינינו את </a:t>
-            </a:r>
-            <a:r>
-              <a:rPr lang="he-IL" dirty="0" err="1"/>
-              <a:t>הפרוייקט</a:t>
-            </a:r>
-            <a:r>
-              <a:rPr lang="he-IL" dirty="0"/>
-              <a:t> כך שיקבל קלט ופלט בצורה שנוכל לייצר משוב מהזמן אונליין</a:t>
-            </a:r>
-            <a:endParaRPr lang="en-US" dirty="0"/>
-          </a:p>
-          <a:p>
-            <a:pPr marL="171450" indent="-171450">
-              <a:buFontTx/>
-              <a:buChar char="-"/>
-            </a:pPr>
+            <a:r>
+              <a:rPr lang="he-IL" b="1" dirty="0">
+                <a:solidFill>
+                  <a:srgbClr val="002060"/>
+                </a:solidFill>
+              </a:rPr>
+              <a:t>הבעיה מתחלקת לשניים:</a:t>
+            </a:r>
+            <a:br>
+              <a:rPr lang="he-IL" b="1" dirty="0">
+                <a:solidFill>
+                  <a:srgbClr val="002060"/>
+                </a:solidFill>
+              </a:rPr>
+            </a:br>
+            <a:r>
+              <a:rPr lang="he-IL" b="1" dirty="0">
+                <a:solidFill>
+                  <a:srgbClr val="002060"/>
+                </a:solidFill>
+              </a:rPr>
+              <a:t>1. אופליין</a:t>
+            </a:r>
+            <a:br>
+              <a:rPr lang="he-IL" b="1" dirty="0">
+                <a:solidFill>
+                  <a:srgbClr val="002060"/>
+                </a:solidFill>
+              </a:rPr>
+            </a:br>
+            <a:r>
+              <a:rPr lang="he-IL" b="1" dirty="0">
+                <a:solidFill>
+                  <a:srgbClr val="002060"/>
+                </a:solidFill>
+              </a:rPr>
+              <a:t>2. אונליין – בהינתן תוכנית קיימת לסדר היום</a:t>
+            </a:r>
             <a:endParaRPr lang="he-IL" dirty="0"/>
           </a:p>
         </p:txBody>
@@ -9411,7 +9904,7 @@
           <a:p>
             <a:fld id="{5D87C9B3-3F36-45D2-B699-10C699E739B9}" type="slidenum">
               <a:rPr lang="he-IL" smtClean="0"/>
-              <a:t>8</a:t>
+              <a:t>3</a:t>
             </a:fld>
             <a:endParaRPr lang="he-IL"/>
           </a:p>
@@ -9420,7 +9913,7 @@
     </p:spTree>
     <p:extLst>
       <p:ext uri="{BB962C8B-B14F-4D97-AF65-F5344CB8AC3E}">
-        <p14:creationId xmlns:p14="http://schemas.microsoft.com/office/powerpoint/2010/main" val="97309096"/>
+        <p14:creationId xmlns:p14="http://schemas.microsoft.com/office/powerpoint/2010/main" val="1875335535"/>
       </p:ext>
     </p:extLst>
   </p:cSld>
@@ -9474,241 +9967,6 @@
           <a:bodyPr/>
           <a:lstStyle/>
           <a:p>
-            <a:pPr marL="171450" indent="-171450">
-              <a:buFontTx/>
-              <a:buChar char="-"/>
-            </a:pPr>
-            <a:r>
-              <a:rPr lang="he-IL" dirty="0"/>
-              <a:t>אלגוריתם ה-</a:t>
-            </a:r>
-            <a:r>
-              <a:rPr lang="en-US" dirty="0"/>
-              <a:t>offline</a:t>
-            </a:r>
-            <a:r>
-              <a:rPr lang="he-IL" dirty="0"/>
-              <a:t> מבוסס על רשתות נוירונים ועל תורת הגרפים.</a:t>
-            </a:r>
-          </a:p>
-          <a:p>
-            <a:pPr marL="171450" indent="-171450">
-              <a:buFontTx/>
-              <a:buChar char="-"/>
-            </a:pPr>
-            <a:r>
-              <a:rPr lang="he-IL" dirty="0"/>
-              <a:t>האלגוריתם מקבל כקלט קובץ </a:t>
-            </a:r>
-            <a:r>
-              <a:rPr lang="en-US" dirty="0"/>
-              <a:t>config</a:t>
-            </a:r>
-            <a:r>
-              <a:rPr lang="he-IL" dirty="0"/>
-              <a:t> (הנראה כך), ומוציא כפלט קובץ לוג המכיל בעצם את גרף ה-</a:t>
-            </a:r>
-            <a:r>
-              <a:rPr lang="en-US" dirty="0"/>
-              <a:t>STN</a:t>
-            </a:r>
-            <a:r>
-              <a:rPr lang="he-IL" dirty="0"/>
-              <a:t> בצורה של טבלה. גרף זה הוא הפתרון האופטימלי לבעיה שניתנה.</a:t>
-            </a:r>
-          </a:p>
-          <a:p>
-            <a:pPr marL="171450" indent="-171450">
-              <a:buFontTx/>
-              <a:buChar char="-"/>
-            </a:pPr>
-            <a:r>
-              <a:rPr lang="he-IL" dirty="0"/>
-              <a:t>בהתחלה התייחסנו לפרויקט ה-</a:t>
-            </a:r>
-            <a:r>
-              <a:rPr lang="en-US" dirty="0"/>
-              <a:t>offline</a:t>
-            </a:r>
-            <a:r>
-              <a:rPr lang="he-IL" dirty="0"/>
-              <a:t> כקופסא שחורה, אך במהלך העבודה הבנו שיש צורך להיכנס לפרטיי המימוש והאלגוריתם ולבצע שינויים.</a:t>
-            </a:r>
-          </a:p>
-          <a:p>
-            <a:pPr marL="171450" indent="-171450">
-              <a:buFontTx/>
-              <a:buChar char="-"/>
-            </a:pPr>
-            <a:r>
-              <a:rPr lang="he-IL" dirty="0"/>
-              <a:t>(הסיבה העיקרית הייתה שמדובר בעבודה אקדמאית ולא מהתעשייה), ולכן היה צורך להיפגש עם כותביי הפרויקט הקודם ולעבור על פרטי המימוש על מנת לבצע שינויים שלא ייפגעו באלגוריתם עצמו.</a:t>
-            </a:r>
-          </a:p>
-          <a:p>
-            <a:pPr marL="171450" marR="0" lvl="0" indent="-171450" algn="r" defTabSz="914400" rtl="1" eaLnBrk="1" fontAlgn="auto" latinLnBrk="0" hangingPunct="1">
-              <a:lnSpc>
-                <a:spcPct val="100000"/>
-              </a:lnSpc>
-              <a:spcBef>
-                <a:spcPts val="0"/>
-              </a:spcBef>
-              <a:spcAft>
-                <a:spcPts val="0"/>
-              </a:spcAft>
-              <a:buClrTx/>
-              <a:buSzTx/>
-              <a:buFontTx/>
-              <a:buChar char="-"/>
-              <a:tabLst/>
-              <a:defRPr/>
-            </a:pPr>
-            <a:r>
-              <a:rPr lang="he-IL" dirty="0"/>
-              <a:t>עיקר השינויים היו הוספת מעטפת לפרויקט כדי שנוכל להשתמש בו </a:t>
-            </a:r>
-            <a:r>
-              <a:rPr lang="he-IL"/>
-              <a:t>כחלק מהאלגוריתם </a:t>
-            </a:r>
-            <a:r>
-              <a:rPr lang="he-IL" dirty="0"/>
-              <a:t>שלנו, בעצם, שינינו את הפרויקט כך שיקבל קלט ופלט בצורה שנוכל לייצר משוב בצורה נוחה.</a:t>
-            </a:r>
-          </a:p>
-          <a:p>
-            <a:pPr marL="171450" indent="-171450">
-              <a:buFontTx/>
-              <a:buChar char="-"/>
-            </a:pPr>
-            <a:endParaRPr lang="he-IL" dirty="0"/>
-          </a:p>
-          <a:p>
-            <a:pPr marL="171450" indent="-171450">
-              <a:buFontTx/>
-              <a:buChar char="-"/>
-            </a:pPr>
-            <a:r>
-              <a:rPr lang="he-IL" dirty="0"/>
-              <a:t>אלגוריתם אופליין שמבוסס על רשתות </a:t>
-            </a:r>
-            <a:r>
-              <a:rPr lang="he-IL" dirty="0" err="1"/>
-              <a:t>נוירוינים</a:t>
-            </a:r>
-            <a:r>
-              <a:rPr lang="he-IL" dirty="0"/>
-              <a:t> ותורת הגרפים (חיפוש בגרף, גרף דינמי, גרף מכוון, </a:t>
-            </a:r>
-            <a:r>
-              <a:rPr lang="en-US" dirty="0"/>
-              <a:t>A*</a:t>
-            </a:r>
-            <a:r>
-              <a:rPr lang="he-IL" dirty="0"/>
-              <a:t>)</a:t>
-            </a:r>
-          </a:p>
-          <a:p>
-            <a:pPr marL="171450" indent="-171450">
-              <a:buFontTx/>
-              <a:buChar char="-"/>
-            </a:pPr>
-            <a:r>
-              <a:rPr lang="he-IL" dirty="0"/>
-              <a:t>אלגוריתם </a:t>
-            </a:r>
-            <a:r>
-              <a:rPr lang="he-IL" dirty="0" err="1"/>
-              <a:t>האופיליין</a:t>
-            </a:r>
-            <a:r>
-              <a:rPr lang="he-IL" dirty="0"/>
-              <a:t> מקבל כקלט קובץ </a:t>
-            </a:r>
-            <a:r>
-              <a:rPr lang="he-IL" dirty="0" err="1"/>
-              <a:t>קונפיג</a:t>
-            </a:r>
-            <a:r>
-              <a:rPr lang="he-IL" dirty="0"/>
-              <a:t> ומוציא כפלט קובץ לוג(מכיל את גרף ה-</a:t>
-            </a:r>
-            <a:r>
-              <a:rPr lang="en-US" dirty="0"/>
-              <a:t>STN</a:t>
-            </a:r>
-            <a:r>
-              <a:rPr lang="he-IL" dirty="0"/>
-              <a:t> שלנו בתצורה של טבלה)</a:t>
-            </a:r>
-          </a:p>
-          <a:p>
-            <a:pPr marL="171450" indent="-171450">
-              <a:buFontTx/>
-              <a:buChar char="-"/>
-            </a:pPr>
-            <a:r>
-              <a:rPr lang="he-IL" dirty="0"/>
-              <a:t>בהתחלה התייחסנו </a:t>
-            </a:r>
-            <a:r>
-              <a:rPr lang="he-IL" dirty="0" err="1"/>
-              <a:t>לפרוייקט</a:t>
-            </a:r>
-            <a:r>
-              <a:rPr lang="he-IL" dirty="0"/>
-              <a:t> כקופסה שחורה אך ככל שהתקדמנו הבנו שכן יש צורך להיכנס לפרטיי המימוש ולבצע שינויים. הסיבה לכך היא שמדובר בעבודה אקדמית ולא מהתעשייה ולכן היה צורך בפגישה עם כותביי </a:t>
-            </a:r>
-            <a:r>
-              <a:rPr lang="he-IL" dirty="0" err="1"/>
-              <a:t>הפרוייקט</a:t>
-            </a:r>
-            <a:r>
-              <a:rPr lang="he-IL" dirty="0"/>
-              <a:t> הקודם על מנת לעבור על הקוד ופרטיי המימוש על מנת לבצע את השינויים הנדרשים ללא פגיעה באלגוריתם עצמו.</a:t>
-            </a:r>
-          </a:p>
-          <a:p>
-            <a:pPr marL="171450" indent="-171450">
-              <a:buFontTx/>
-              <a:buChar char="-"/>
-            </a:pPr>
-            <a:r>
-              <a:rPr lang="he-IL" dirty="0"/>
-              <a:t>מרבית השינויים היו הוספת מעטפת </a:t>
-            </a:r>
-            <a:r>
-              <a:rPr lang="he-IL" dirty="0" err="1"/>
-              <a:t>לפרוייקט</a:t>
-            </a:r>
-            <a:r>
-              <a:rPr lang="he-IL" dirty="0"/>
-              <a:t> כדי שנוכל להשתמש בו כחלק </a:t>
-            </a:r>
-            <a:r>
-              <a:rPr lang="he-IL" dirty="0" err="1"/>
-              <a:t>מההפרוייקט</a:t>
-            </a:r>
-            <a:r>
-              <a:rPr lang="he-IL" dirty="0"/>
-              <a:t> שלנו, כלומר שינינו את </a:t>
-            </a:r>
-            <a:r>
-              <a:rPr lang="he-IL" dirty="0" err="1"/>
-              <a:t>הפרוייקט</a:t>
-            </a:r>
-            <a:r>
-              <a:rPr lang="he-IL" dirty="0"/>
-              <a:t> כך שיקבל קלט ופלט בצורה שנוכל לייצר משוב מהזמן אונליין</a:t>
-            </a:r>
-            <a:endParaRPr lang="en-US" dirty="0"/>
-          </a:p>
-          <a:p>
-            <a:pPr marL="171450" indent="-171450">
-              <a:buFontTx/>
-              <a:buChar char="-"/>
-            </a:pPr>
             <a:endParaRPr lang="he-IL" dirty="0"/>
           </a:p>
         </p:txBody>
@@ -9753,7 +10011,7 @@
           <a:p>
             <a:fld id="{5D87C9B3-3F36-45D2-B699-10C699E739B9}" type="slidenum">
               <a:rPr lang="he-IL" smtClean="0"/>
-              <a:t>9</a:t>
+              <a:t>5</a:t>
             </a:fld>
             <a:endParaRPr lang="he-IL"/>
           </a:p>
@@ -9762,7 +10020,7 @@
     </p:spTree>
     <p:extLst>
       <p:ext uri="{BB962C8B-B14F-4D97-AF65-F5344CB8AC3E}">
-        <p14:creationId xmlns:p14="http://schemas.microsoft.com/office/powerpoint/2010/main" val="2298855564"/>
+        <p14:creationId xmlns:p14="http://schemas.microsoft.com/office/powerpoint/2010/main" val="3565720944"/>
       </p:ext>
     </p:extLst>
   </p:cSld>
@@ -9816,52 +10074,158 @@
           <a:bodyPr/>
           <a:lstStyle/>
           <a:p>
+            <a:pPr marL="171450" indent="-171450">
+              <a:buFontTx/>
+              <a:buChar char="-"/>
+            </a:pPr>
             <a:r>
               <a:rPr lang="he-IL" dirty="0"/>
-              <a:t>מטרת הפרויקט היא לבנות אלגוריתם </a:t>
+              <a:t>תכנון עם זמנים ואילוצים מתמקד בבעיה בה לכל פעולה יש התחלה וסוף. בעצם, יש ממד נוסף לבעיה והוא זמן הביצוע.</a:t>
+            </a:r>
+          </a:p>
+          <a:p>
+            <a:pPr marL="171450" indent="-171450">
+              <a:buFontTx/>
+              <a:buChar char="-"/>
+            </a:pPr>
+            <a:r>
+              <a:rPr lang="he-IL" dirty="0"/>
+              <a:t>בתכנון עם זמנים יש צורך לקחת בחשבון את זמני ההתחלה והסיום של הפעולות ואת האילוצים השונים בין הפעולות.</a:t>
+            </a:r>
+          </a:p>
+          <a:p>
+            <a:pPr marL="171450" indent="-171450">
+              <a:buFontTx/>
+              <a:buChar char="-"/>
+            </a:pPr>
+            <a:r>
+              <a:rPr lang="he-IL" dirty="0"/>
+              <a:t>האילוצים מיוצגים בגרף שנקרא </a:t>
             </a:r>
             <a:r>
               <a:rPr lang="en-US" dirty="0"/>
-              <a:t>online</a:t>
+              <a:t>STN</a:t>
             </a:r>
             <a:r>
               <a:rPr lang="he-IL" dirty="0"/>
-              <a:t> לניהול המראות ונחיתות של מטוסים.</a:t>
-            </a:r>
-          </a:p>
-          <a:p>
+              <a:t>.</a:t>
+            </a:r>
+          </a:p>
+          <a:p>
+            <a:pPr marL="171450" indent="-171450">
+              <a:buFontTx/>
+              <a:buChar char="-"/>
+            </a:pPr>
             <a:r>
               <a:rPr lang="he-IL" dirty="0"/>
-              <a:t>בפרויקט זה בנינו אלגוריתם אשר מנהל את שדה התעופה בהתאם לתוכנית יום של אלגוריתם ה-</a:t>
+              <a:t>לדג', נסתכל על הגרף הבא המתייחס לתיקון פיוז. על מנת לתקן את הפיוז, יש צורך להדליק גפרור. הגפרור דולק במשך 15 שניות, ותיקון הפיוז לוקח במשך 10 שניות. ניתן לראות כי לכל פעולה יש התחלה וסוף וכן כי התחלת תיקון הפיוז לא יכולה להתקיים ללא הדלקת הגפרור.</a:t>
+            </a:r>
+          </a:p>
+          <a:p>
+            <a:pPr marL="171450" indent="-171450">
+              <a:buFontTx/>
+              <a:buChar char="-"/>
+            </a:pPr>
+            <a:r>
+              <a:rPr lang="he-IL" dirty="0"/>
+              <a:t>בעיה שניתן לסדר את כל אילוציה בגרף </a:t>
             </a:r>
             <a:r>
               <a:rPr lang="en-US" dirty="0"/>
-              <a:t>offline</a:t>
+              <a:t>STN</a:t>
             </a:r>
             <a:r>
               <a:rPr lang="he-IL" dirty="0"/>
-              <a:t>. זאת, תוך התמודדות עם שינויים ואילוצים בזמן-אמת.</a:t>
-            </a:r>
-          </a:p>
-          <a:p>
+              <a:t> היא </a:t>
+            </a:r>
+            <a:r>
+              <a:rPr lang="he-IL" dirty="0" err="1"/>
+              <a:t>פיזיבילית</a:t>
+            </a:r>
             <a:r>
               <a:rPr lang="he-IL" dirty="0"/>
-              <a:t>בנוסף האלגוריתם צריך להחליט האם הוא יכול לרוץ עם האילוצים שצצו במהלך היום או לחשב מסלול מחדש ביחס </a:t>
+              <a:t>, אחרת לא </a:t>
             </a:r>
             <a:r>
               <a:rPr lang="he-IL" dirty="0" err="1"/>
-              <a:t>לנק</a:t>
+              <a:t>פיזיבילית</a:t>
             </a:r>
             <a:r>
               <a:rPr lang="he-IL" dirty="0"/>
-              <a:t>' בה הוא נמצא.</a:t>
-            </a:r>
-          </a:p>
-          <a:p>
+              <a:t>.</a:t>
+            </a:r>
+          </a:p>
+          <a:p>
+            <a:pPr marL="171450" indent="-171450">
+              <a:buFontTx/>
+              <a:buChar char="-"/>
+            </a:pPr>
+            <a:endParaRPr lang="he-IL" dirty="0"/>
+          </a:p>
+          <a:p>
+            <a:pPr marL="0" indent="0">
+              <a:buFontTx/>
+              <a:buNone/>
+            </a:pPr>
+            <a:endParaRPr lang="he-IL" dirty="0"/>
+          </a:p>
+          <a:p>
+            <a:pPr marL="171450" indent="-171450">
+              <a:buFontTx/>
+              <a:buChar char="-"/>
+            </a:pPr>
             <a:r>
               <a:rPr lang="he-IL" dirty="0"/>
-              <a:t> </a:t>
-            </a:r>
+              <a:t>רקע ומה זה </a:t>
+            </a:r>
+            <a:r>
+              <a:rPr lang="en-US" dirty="0"/>
+              <a:t>STN</a:t>
+            </a:r>
+            <a:r>
+              <a:rPr lang="he-IL" dirty="0"/>
+              <a:t> בעיות תיכנון עם אילוצים, חיפוש בגרף ואלגוריתם חיפוש עם </a:t>
+            </a:r>
+            <a:r>
+              <a:rPr lang="he-IL" dirty="0" err="1"/>
+              <a:t>יורסטיקות</a:t>
+            </a:r>
+            <a:endParaRPr lang="he-IL" dirty="0"/>
+          </a:p>
+          <a:p>
+            <a:pPr marL="171450" indent="-171450">
+              <a:buFontTx/>
+              <a:buChar char="-"/>
+            </a:pPr>
+            <a:r>
+              <a:rPr lang="he-IL" dirty="0"/>
+              <a:t>הסבר פשטני על </a:t>
+            </a:r>
+            <a:r>
+              <a:rPr lang="en-US" dirty="0"/>
+              <a:t>STN</a:t>
+            </a:r>
+            <a:r>
+              <a:rPr lang="he-IL" dirty="0"/>
+              <a:t> דומה של תיקון פיוז</a:t>
+            </a:r>
+          </a:p>
+          <a:p>
+            <a:pPr marL="171450" indent="-171450">
+              <a:buFontTx/>
+              <a:buChar char="-"/>
+            </a:pPr>
+            <a:r>
+              <a:rPr lang="he-IL" dirty="0"/>
+              <a:t>הסבר על תהליך הלמידה שלנו על הנושאים ~ חודשיים</a:t>
+            </a:r>
+          </a:p>
+          <a:p>
+            <a:pPr marL="171450" indent="-171450">
+              <a:buFontTx/>
+              <a:buChar char="-"/>
+            </a:pPr>
+            <a:endParaRPr lang="he-IL" dirty="0"/>
           </a:p>
         </p:txBody>
       </p:sp>
@@ -9905,7 +10269,7 @@
           <a:p>
             <a:fld id="{5D87C9B3-3F36-45D2-B699-10C699E739B9}" type="slidenum">
               <a:rPr lang="he-IL" smtClean="0"/>
-              <a:t>10</a:t>
+              <a:t>6</a:t>
             </a:fld>
             <a:endParaRPr lang="he-IL"/>
           </a:p>
@@ -9914,7 +10278,7 @@
     </p:spTree>
     <p:extLst>
       <p:ext uri="{BB962C8B-B14F-4D97-AF65-F5344CB8AC3E}">
-        <p14:creationId xmlns:p14="http://schemas.microsoft.com/office/powerpoint/2010/main" val="3337829285"/>
+        <p14:creationId xmlns:p14="http://schemas.microsoft.com/office/powerpoint/2010/main" val="1160170663"/>
       </p:ext>
     </p:extLst>
   </p:cSld>
@@ -9974,15 +10338,23 @@
             </a:pPr>
             <a:r>
               <a:rPr lang="he-IL" dirty="0"/>
-              <a:t>אנחנו מקבלים תוכנית (</a:t>
+              <a:t>אלגוריתם אופליין שמבוסס על רשתות </a:t>
+            </a:r>
+            <a:r>
+              <a:rPr lang="he-IL" dirty="0" err="1"/>
+              <a:t>נוירוינים</a:t>
+            </a:r>
+            <a:r>
+              <a:rPr lang="he-IL" dirty="0"/>
+              <a:t> ותורת הגרפים (חיפוש בגרף, גרף דינמי, גרף מכוון, </a:t>
             </a:r>
             <a:r>
               <a:rPr lang="en-US" dirty="0"/>
-              <a:t>STN</a:t>
+              <a:t>A*</a:t>
             </a:r>
             <a:r>
               <a:rPr lang="he-IL" dirty="0"/>
-              <a:t>) מהזמן אופליין.</a:t>
+              <a:t>)</a:t>
             </a:r>
           </a:p>
           <a:p>
@@ -9992,15 +10364,39 @@
             </a:pPr>
             <a:r>
               <a:rPr lang="he-IL" dirty="0"/>
-              <a:t>התוכנית פעולה נכנסת למנהל התכנית והוא דואג לייצר את </a:t>
+              <a:t>אלגוריתם </a:t>
             </a:r>
             <a:r>
               <a:rPr lang="he-IL" dirty="0" err="1"/>
-              <a:t>המודולוים</a:t>
+              <a:t>האופיליין</a:t>
             </a:r>
             <a:r>
               <a:rPr lang="he-IL" dirty="0"/>
-              <a:t> השונים והקשרים ביניהם.</a:t>
+              <a:t> מקבל </a:t>
+            </a:r>
+            <a:r>
+              <a:rPr lang="he-IL" dirty="0" err="1"/>
+              <a:t>גקלט</a:t>
+            </a:r>
+            <a:r>
+              <a:rPr lang="he-IL" dirty="0"/>
+              <a:t> קובץ </a:t>
+            </a:r>
+            <a:r>
+              <a:rPr lang="he-IL" dirty="0" err="1"/>
+              <a:t>קונפיג</a:t>
+            </a:r>
+            <a:r>
+              <a:rPr lang="he-IL" dirty="0"/>
+              <a:t> ומוציא כפלט קובץ לוג(מכיל את גרף ה-</a:t>
+            </a:r>
+            <a:r>
+              <a:rPr lang="en-US" dirty="0"/>
+              <a:t>STN</a:t>
+            </a:r>
+            <a:r>
+              <a:rPr lang="he-IL" dirty="0"/>
+              <a:t> שלנו בתצורה של טבלה)</a:t>
             </a:r>
           </a:p>
           <a:p>
@@ -10010,31 +10406,23 @@
             </a:pPr>
             <a:r>
               <a:rPr lang="he-IL" dirty="0"/>
-              <a:t>הבקר מקבל את קובץ </a:t>
+              <a:t>בהתחלה התייחסנו </a:t>
             </a:r>
             <a:r>
               <a:rPr lang="he-IL" dirty="0" err="1"/>
-              <a:t>הקונפיג</a:t>
+              <a:t>לפרוייקט</a:t>
             </a:r>
             <a:r>
               <a:rPr lang="he-IL" dirty="0"/>
-              <a:t> </a:t>
+              <a:t> כקופסה שחורה אך ככל שהתקדמנו הבנו שכן יש צורך להיכנס לפרטיי המימוש ולבצע שינויים. הסיבה לכך היא שמדובר בעבודה אקדמית ולא מהתעשייה ולכן היה צורך בפגישה עם כותביי </a:t>
             </a:r>
             <a:r>
               <a:rPr lang="he-IL" dirty="0" err="1"/>
-              <a:t>והתכנית</a:t>
+              <a:t>הפרוייקט</a:t>
             </a:r>
             <a:r>
               <a:rPr lang="he-IL" dirty="0"/>
-              <a:t> (</a:t>
-            </a:r>
-            <a:r>
-              <a:rPr lang="en-US" dirty="0"/>
-              <a:t>STN</a:t>
-            </a:r>
-            <a:r>
-              <a:rPr lang="he-IL" dirty="0"/>
-              <a:t>) ותפקידו לשמש כמגדל בקרה ופיקוח.</a:t>
+              <a:t> הקודם על מנת לעבור על הקוד ופרטיי המימוש על מנת לבצע את השינויים הנדרשים ללא פגיעה באלגוריתם עצמו.</a:t>
             </a:r>
           </a:p>
           <a:p>
@@ -10044,72 +10432,40 @@
             </a:pPr>
             <a:r>
               <a:rPr lang="he-IL" dirty="0"/>
-              <a:t>הסימולטור משמש כמודל לעולם אשר מריץ את הפעולות ונותן אינדיקציה כאשר פעולות הסתיימו.</a:t>
-            </a:r>
+              <a:t>מרבית השינויים היו הוספת מעטפת </a:t>
+            </a:r>
+            <a:r>
+              <a:rPr lang="he-IL" dirty="0" err="1"/>
+              <a:t>לפרוייקט</a:t>
+            </a:r>
+            <a:r>
+              <a:rPr lang="he-IL" dirty="0"/>
+              <a:t> כדי שנוכל להשתמש בו כחלק </a:t>
+            </a:r>
+            <a:r>
+              <a:rPr lang="he-IL" dirty="0" err="1"/>
+              <a:t>מההפרוייקט</a:t>
+            </a:r>
+            <a:r>
+              <a:rPr lang="he-IL" dirty="0"/>
+              <a:t> שלנו, כלומר שינינו את </a:t>
+            </a:r>
+            <a:r>
+              <a:rPr lang="he-IL" dirty="0" err="1"/>
+              <a:t>הפרוייקט</a:t>
+            </a:r>
+            <a:r>
+              <a:rPr lang="he-IL" dirty="0"/>
+              <a:t> כך שיקבל קלט ופלט בצורה שנוכל לייצר משוב מהזמן אונליין</a:t>
+            </a:r>
+            <a:endParaRPr lang="en-US" dirty="0"/>
           </a:p>
           <a:p>
             <a:pPr marL="171450" indent="-171450">
               <a:buFontTx/>
               <a:buChar char="-"/>
             </a:pPr>
-            <a:r>
-              <a:rPr lang="he-IL" dirty="0"/>
-              <a:t>מודול מצב העולם (</a:t>
-            </a:r>
-            <a:r>
-              <a:rPr lang="en-US" dirty="0"/>
-              <a:t>state</a:t>
-            </a:r>
-            <a:r>
-              <a:rPr lang="he-IL" dirty="0"/>
-              <a:t>) מייצג תמונה של מצב כל המטוסים, נתיבים ושאר הפרמטרים אחריהם אנו עוקבים – מקבל </a:t>
-            </a:r>
-            <a:r>
-              <a:rPr lang="he-IL" dirty="0" err="1"/>
-              <a:t>עידכונים</a:t>
-            </a:r>
-            <a:r>
-              <a:rPr lang="he-IL" dirty="0"/>
-              <a:t> מהסימולטור על כל התחלה\סיום של פעולה.</a:t>
-            </a:r>
-          </a:p>
-          <a:p>
-            <a:pPr marL="171450" indent="-171450">
-              <a:buFontTx/>
-              <a:buChar char="-"/>
-            </a:pPr>
-            <a:r>
-              <a:rPr lang="he-IL" dirty="0"/>
-              <a:t>מודול ההפרעות – בוחר באופן רנדומלי כל מספר פעולות לייצר הפרעה אשר נשלחת לסימולטור עבור פעולה כלשהי.</a:t>
-            </a:r>
-          </a:p>
-          <a:p>
-            <a:pPr marL="171450" indent="-171450">
-              <a:buFontTx/>
-              <a:buChar char="-"/>
-            </a:pPr>
-            <a:r>
-              <a:rPr lang="he-IL" dirty="0"/>
-              <a:t>שעון – מודול גלובלי אשר סופר זמן באופן דיסקרטי.</a:t>
-            </a:r>
-          </a:p>
-          <a:p>
-            <a:pPr marL="171450" indent="-171450">
-              <a:buFontTx/>
-              <a:buChar char="-"/>
-            </a:pPr>
-            <a:r>
-              <a:rPr lang="he-IL" dirty="0"/>
-              <a:t>אירועים – מודול גלובלי אשר משמש כאמצעי תקשורת בין המודולים השונים </a:t>
-            </a:r>
-            <a:r>
-              <a:rPr lang="he-IL" dirty="0" err="1"/>
-              <a:t>בתכנית</a:t>
-            </a:r>
-            <a:r>
-              <a:rPr lang="he-IL" dirty="0"/>
-              <a:t> שלנו.</a:t>
-            </a:r>
+            <a:endParaRPr lang="he-IL" dirty="0"/>
           </a:p>
         </p:txBody>
       </p:sp>
@@ -10153,7 +10509,7 @@
           <a:p>
             <a:fld id="{5D87C9B3-3F36-45D2-B699-10C699E739B9}" type="slidenum">
               <a:rPr lang="he-IL" smtClean="0"/>
-              <a:t>13</a:t>
+              <a:t>8</a:t>
             </a:fld>
             <a:endParaRPr lang="he-IL"/>
           </a:p>
@@ -10162,7 +10518,7 @@
     </p:spTree>
     <p:extLst>
       <p:ext uri="{BB962C8B-B14F-4D97-AF65-F5344CB8AC3E}">
-        <p14:creationId xmlns:p14="http://schemas.microsoft.com/office/powerpoint/2010/main" val="850113018"/>
+        <p14:creationId xmlns:p14="http://schemas.microsoft.com/office/powerpoint/2010/main" val="97309096"/>
       </p:ext>
     </p:extLst>
   </p:cSld>
@@ -10216,44 +10572,241 @@
           <a:bodyPr/>
           <a:lstStyle/>
           <a:p>
+            <a:pPr marL="171450" indent="-171450">
+              <a:buFontTx/>
+              <a:buChar char="-"/>
+            </a:pPr>
             <a:r>
               <a:rPr lang="he-IL" dirty="0"/>
-              <a:t>מנהל התוכנית – מודול אשר אחראי על היצירה והניקוי של המודולים הגלובליים</a:t>
-            </a:r>
-          </a:p>
-          <a:p>
+              <a:t>אלגוריתם ה-</a:t>
+            </a:r>
+            <a:r>
+              <a:rPr lang="en-US" dirty="0"/>
+              <a:t>offline</a:t>
+            </a:r>
             <a:r>
               <a:rPr lang="he-IL" dirty="0"/>
-              <a:t>	   מודול אשר מקשר את הזמן </a:t>
+              <a:t> מבוסס על רשתות נוירונים ועל תורת הגרפים.</a:t>
+            </a:r>
+          </a:p>
+          <a:p>
+            <a:pPr marL="171450" indent="-171450">
+              <a:buFontTx/>
+              <a:buChar char="-"/>
+            </a:pPr>
+            <a:r>
+              <a:rPr lang="he-IL" dirty="0"/>
+              <a:t>האלגוריתם מקבל כקלט קובץ </a:t>
+            </a:r>
+            <a:r>
+              <a:rPr lang="en-US" dirty="0"/>
+              <a:t>config</a:t>
+            </a:r>
+            <a:r>
+              <a:rPr lang="he-IL" dirty="0"/>
+              <a:t> (הנראה כך), ומוציא כפלט קובץ לוג המכיל בעצם את גרף ה-</a:t>
+            </a:r>
+            <a:r>
+              <a:rPr lang="en-US" dirty="0"/>
+              <a:t>STN</a:t>
+            </a:r>
+            <a:r>
+              <a:rPr lang="he-IL" dirty="0"/>
+              <a:t> בצורה של טבלה. גרף זה הוא הפתרון האופטימלי לבעיה שניתנה.</a:t>
+            </a:r>
+          </a:p>
+          <a:p>
+            <a:pPr marL="171450" indent="-171450">
+              <a:buFontTx/>
+              <a:buChar char="-"/>
+            </a:pPr>
+            <a:r>
+              <a:rPr lang="he-IL" dirty="0"/>
+              <a:t>בהתחלה התייחסנו לפרויקט ה-</a:t>
+            </a:r>
+            <a:r>
+              <a:rPr lang="en-US" dirty="0"/>
+              <a:t>offline</a:t>
+            </a:r>
+            <a:r>
+              <a:rPr lang="he-IL" dirty="0"/>
+              <a:t> כקופסא שחורה, אך במהלך העבודה הבנו שיש צורך להיכנס לפרטיי המימוש והאלגוריתם ולבצע שינויים.</a:t>
+            </a:r>
+          </a:p>
+          <a:p>
+            <a:pPr marL="171450" indent="-171450">
+              <a:buFontTx/>
+              <a:buChar char="-"/>
+            </a:pPr>
+            <a:r>
+              <a:rPr lang="he-IL" dirty="0"/>
+              <a:t>(הסיבה העיקרית הייתה שמדובר בעבודה אקדמאית ולא מהתעשייה), ולכן היה צורך להיפגש עם כותביי הפרויקט הקודם ולעבור על פרטי המימוש על מנת לבצע שינויים שלא ייפגעו באלגוריתם עצמו.</a:t>
+            </a:r>
+          </a:p>
+          <a:p>
+            <a:pPr marL="171450" marR="0" lvl="0" indent="-171450" algn="r" defTabSz="914400" rtl="1" eaLnBrk="1" fontAlgn="auto" latinLnBrk="0" hangingPunct="1">
+              <a:lnSpc>
+                <a:spcPct val="100000"/>
+              </a:lnSpc>
+              <a:spcBef>
+                <a:spcPts val="0"/>
+              </a:spcBef>
+              <a:spcAft>
+                <a:spcPts val="0"/>
+              </a:spcAft>
+              <a:buClrTx/>
+              <a:buSzTx/>
+              <a:buFontTx/>
+              <a:buChar char="-"/>
+              <a:tabLst/>
+              <a:defRPr/>
+            </a:pPr>
+            <a:r>
+              <a:rPr lang="he-IL" dirty="0"/>
+              <a:t>עיקר השינויים היו הוספת מעטפת לפרויקט כדי שנוכל להשתמש בו </a:t>
+            </a:r>
+            <a:r>
+              <a:rPr lang="he-IL"/>
+              <a:t>כחלק מהאלגוריתם </a:t>
+            </a:r>
+            <a:r>
+              <a:rPr lang="he-IL" dirty="0"/>
+              <a:t>שלנו, בעצם, שינינו את הפרויקט כך שיקבל קלט ופלט בצורה שנוכל לייצר משוב בצורה נוחה.</a:t>
+            </a:r>
+          </a:p>
+          <a:p>
+            <a:pPr marL="171450" indent="-171450">
+              <a:buFontTx/>
+              <a:buChar char="-"/>
+            </a:pPr>
+            <a:endParaRPr lang="he-IL" dirty="0"/>
+          </a:p>
+          <a:p>
+            <a:pPr marL="171450" indent="-171450">
+              <a:buFontTx/>
+              <a:buChar char="-"/>
+            </a:pPr>
+            <a:r>
+              <a:rPr lang="he-IL" dirty="0"/>
+              <a:t>אלגוריתם אופליין שמבוסס על רשתות </a:t>
             </a:r>
             <a:r>
               <a:rPr lang="he-IL" dirty="0" err="1"/>
-              <a:t>האופליין</a:t>
+              <a:t>נוירוינים</a:t>
             </a:r>
             <a:r>
               <a:rPr lang="he-IL" dirty="0"/>
-              <a:t> לזמן האונליין.</a:t>
-            </a:r>
-          </a:p>
-          <a:p>
+              <a:t> ותורת הגרפים (חיפוש בגרף, גרף דינמי, גרף מכוון, </a:t>
+            </a:r>
+            <a:r>
+              <a:rPr lang="en-US" dirty="0"/>
+              <a:t>A*</a:t>
+            </a:r>
             <a:r>
               <a:rPr lang="he-IL" dirty="0"/>
-              <a:t>	   מודול אשר יוצר עבור כל טסט את המודולים </a:t>
+              <a:t>)</a:t>
+            </a:r>
+          </a:p>
+          <a:p>
+            <a:pPr marL="171450" indent="-171450">
+              <a:buFontTx/>
+              <a:buChar char="-"/>
+            </a:pPr>
+            <a:r>
+              <a:rPr lang="he-IL" dirty="0"/>
+              <a:t>אלגוריתם </a:t>
             </a:r>
             <a:r>
               <a:rPr lang="he-IL" dirty="0" err="1"/>
-              <a:t>הלוקאללים</a:t>
+              <a:t>האופיליין</a:t>
             </a:r>
             <a:r>
               <a:rPr lang="he-IL" dirty="0"/>
-              <a:t> ומקשר ביניהם.</a:t>
-            </a:r>
-          </a:p>
-          <a:p>
-            <a:r>
-              <a:rPr lang="he-IL"/>
-              <a:t>		</a:t>
-            </a:r>
+              <a:t> מקבל כקלט קובץ </a:t>
+            </a:r>
+            <a:r>
+              <a:rPr lang="he-IL" dirty="0" err="1"/>
+              <a:t>קונפיג</a:t>
+            </a:r>
+            <a:r>
+              <a:rPr lang="he-IL" dirty="0"/>
+              <a:t> ומוציא כפלט קובץ לוג(מכיל את גרף ה-</a:t>
+            </a:r>
+            <a:r>
+              <a:rPr lang="en-US" dirty="0"/>
+              <a:t>STN</a:t>
+            </a:r>
+            <a:r>
+              <a:rPr lang="he-IL" dirty="0"/>
+              <a:t> שלנו בתצורה של טבלה)</a:t>
+            </a:r>
+          </a:p>
+          <a:p>
+            <a:pPr marL="171450" indent="-171450">
+              <a:buFontTx/>
+              <a:buChar char="-"/>
+            </a:pPr>
+            <a:r>
+              <a:rPr lang="he-IL" dirty="0"/>
+              <a:t>בהתחלה התייחסנו </a:t>
+            </a:r>
+            <a:r>
+              <a:rPr lang="he-IL" dirty="0" err="1"/>
+              <a:t>לפרוייקט</a:t>
+            </a:r>
+            <a:r>
+              <a:rPr lang="he-IL" dirty="0"/>
+              <a:t> כקופסה שחורה אך ככל שהתקדמנו הבנו שכן יש צורך להיכנס לפרטיי המימוש ולבצע שינויים. הסיבה לכך היא שמדובר בעבודה אקדמית ולא מהתעשייה ולכן היה צורך בפגישה עם כותביי </a:t>
+            </a:r>
+            <a:r>
+              <a:rPr lang="he-IL" dirty="0" err="1"/>
+              <a:t>הפרוייקט</a:t>
+            </a:r>
+            <a:r>
+              <a:rPr lang="he-IL" dirty="0"/>
+              <a:t> הקודם על מנת לעבור על הקוד ופרטיי המימוש על מנת לבצע את השינויים הנדרשים ללא פגיעה באלגוריתם עצמו.</a:t>
+            </a:r>
+          </a:p>
+          <a:p>
+            <a:pPr marL="171450" indent="-171450">
+              <a:buFontTx/>
+              <a:buChar char="-"/>
+            </a:pPr>
+            <a:r>
+              <a:rPr lang="he-IL" dirty="0"/>
+              <a:t>מרבית השינויים היו הוספת מעטפת </a:t>
+            </a:r>
+            <a:r>
+              <a:rPr lang="he-IL" dirty="0" err="1"/>
+              <a:t>לפרוייקט</a:t>
+            </a:r>
+            <a:r>
+              <a:rPr lang="he-IL" dirty="0"/>
+              <a:t> כדי שנוכל להשתמש בו כחלק </a:t>
+            </a:r>
+            <a:r>
+              <a:rPr lang="he-IL" dirty="0" err="1"/>
+              <a:t>מההפרוייקט</a:t>
+            </a:r>
+            <a:r>
+              <a:rPr lang="he-IL" dirty="0"/>
+              <a:t> שלנו, כלומר שינינו את </a:t>
+            </a:r>
+            <a:r>
+              <a:rPr lang="he-IL" dirty="0" err="1"/>
+              <a:t>הפרוייקט</a:t>
+            </a:r>
+            <a:r>
+              <a:rPr lang="he-IL" dirty="0"/>
+              <a:t> כך שיקבל קלט ופלט בצורה שנוכל לייצר משוב מהזמן אונליין</a:t>
+            </a:r>
+            <a:endParaRPr lang="en-US" dirty="0"/>
+          </a:p>
+          <a:p>
+            <a:pPr marL="171450" indent="-171450">
+              <a:buFontTx/>
+              <a:buChar char="-"/>
+            </a:pPr>
             <a:endParaRPr lang="he-IL" dirty="0"/>
           </a:p>
         </p:txBody>
@@ -10298,7 +10851,7 @@
           <a:p>
             <a:fld id="{5D87C9B3-3F36-45D2-B699-10C699E739B9}" type="slidenum">
               <a:rPr lang="he-IL" smtClean="0"/>
-              <a:t>14</a:t>
+              <a:t>9</a:t>
             </a:fld>
             <a:endParaRPr lang="he-IL"/>
           </a:p>
@@ -10307,7 +10860,7 @@
     </p:spTree>
     <p:extLst>
       <p:ext uri="{BB962C8B-B14F-4D97-AF65-F5344CB8AC3E}">
-        <p14:creationId xmlns:p14="http://schemas.microsoft.com/office/powerpoint/2010/main" val="2906297507"/>
+        <p14:creationId xmlns:p14="http://schemas.microsoft.com/office/powerpoint/2010/main" val="2298855564"/>
       </p:ext>
     </p:extLst>
   </p:cSld>
@@ -10361,7 +10914,52 @@
           <a:bodyPr/>
           <a:lstStyle/>
           <a:p>
-            <a:endParaRPr lang="he-IL" dirty="0"/>
+            <a:r>
+              <a:rPr lang="he-IL" dirty="0"/>
+              <a:t>מטרת הפרויקט היא לבנות אלגוריתם </a:t>
+            </a:r>
+            <a:r>
+              <a:rPr lang="en-US" dirty="0"/>
+              <a:t>online</a:t>
+            </a:r>
+            <a:r>
+              <a:rPr lang="he-IL" dirty="0"/>
+              <a:t> לניהול המראות ונחיתות של מטוסים.</a:t>
+            </a:r>
+          </a:p>
+          <a:p>
+            <a:r>
+              <a:rPr lang="he-IL" dirty="0"/>
+              <a:t>בפרויקט זה בנינו אלגוריתם אשר מנהל את שדה התעופה בהתאם לתוכנית יום של אלגוריתם ה-</a:t>
+            </a:r>
+            <a:r>
+              <a:rPr lang="en-US" dirty="0"/>
+              <a:t>offline</a:t>
+            </a:r>
+            <a:r>
+              <a:rPr lang="he-IL" dirty="0"/>
+              <a:t>. זאת, תוך התמודדות עם שינויים ואילוצים בזמן-אמת.</a:t>
+            </a:r>
+          </a:p>
+          <a:p>
+            <a:r>
+              <a:rPr lang="he-IL" dirty="0"/>
+              <a:t>בנוסף האלגוריתם צריך להחליט האם הוא יכול לרוץ עם האילוצים שצצו במהלך היום או לחשב מסלול מחדש ביחס </a:t>
+            </a:r>
+            <a:r>
+              <a:rPr lang="he-IL" dirty="0" err="1"/>
+              <a:t>לנק</a:t>
+            </a:r>
+            <a:r>
+              <a:rPr lang="he-IL" dirty="0"/>
+              <a:t>' בה הוא נמצא.</a:t>
+            </a:r>
+          </a:p>
+          <a:p>
+            <a:r>
+              <a:rPr lang="he-IL" dirty="0"/>
+              <a:t> </a:t>
+            </a:r>
           </a:p>
         </p:txBody>
       </p:sp>
@@ -10405,7 +11003,7 @@
           <a:p>
             <a:fld id="{5D87C9B3-3F36-45D2-B699-10C699E739B9}" type="slidenum">
               <a:rPr lang="he-IL" smtClean="0"/>
-              <a:t>15</a:t>
+              <a:t>10</a:t>
             </a:fld>
             <a:endParaRPr lang="he-IL"/>
           </a:p>
@@ -10414,7 +11012,7 @@
     </p:spTree>
     <p:extLst>
       <p:ext uri="{BB962C8B-B14F-4D97-AF65-F5344CB8AC3E}">
-        <p14:creationId xmlns:p14="http://schemas.microsoft.com/office/powerpoint/2010/main" val="34609377"/>
+        <p14:creationId xmlns:p14="http://schemas.microsoft.com/office/powerpoint/2010/main" val="3337829285"/>
       </p:ext>
     </p:extLst>
   </p:cSld>
@@ -10470,68 +11068,57 @@
           <a:p>
             <a:r>
               <a:rPr lang="he-IL" dirty="0"/>
-              <a:t>הבקר מייצר את מבניי הנתונים שלו על סמך התכנית מהמודול אופליין.</a:t>
+              <a:t>זוהי סכמה כללית של הבעיה שלנו</a:t>
             </a:r>
           </a:p>
           <a:p>
             <a:r>
               <a:rPr lang="he-IL" dirty="0"/>
-              <a:t>הבקר הוא מגדל הפיקוח אשר שולח את הפעולות שמוכנות לביצוע לסימולטור.</a:t>
-            </a:r>
-          </a:p>
-          <a:p>
+              <a:t>כאשר ה-</a:t>
+            </a:r>
+            <a:r>
+              <a:rPr lang="en-US" dirty="0"/>
+              <a:t>planner</a:t>
+            </a:r>
             <a:r>
               <a:rPr lang="he-IL" dirty="0"/>
-              <a:t>עבור כל פעולה נבדוק האם האבות של אותה פעולה הסתיימו והגיע הזמן שלה לרוץ.</a:t>
-            </a:r>
-          </a:p>
-          <a:p>
+              <a:t> הוא בעצם אלגוריתם </a:t>
+            </a:r>
+            <a:r>
+              <a:rPr lang="he-IL" dirty="0" err="1"/>
+              <a:t>האופליין</a:t>
+            </a:r>
             <a:r>
               <a:rPr lang="he-IL" dirty="0"/>
-              <a:t>טרם שליחת הפעולה לסימולטור מוודאים את חוקיות הפעולה אל מול מודול מצב העולם.</a:t>
-            </a:r>
-          </a:p>
-          <a:p>
-            <a:pPr marL="0" marR="0" lvl="0" indent="0" algn="r" defTabSz="914400" rtl="1" eaLnBrk="1" fontAlgn="auto" latinLnBrk="0" hangingPunct="1">
-              <a:lnSpc>
-                <a:spcPct val="100000"/>
-              </a:lnSpc>
-              <a:spcBef>
-                <a:spcPts val="0"/>
-              </a:spcBef>
-              <a:spcAft>
-                <a:spcPts val="0"/>
-              </a:spcAft>
-              <a:buClrTx/>
-              <a:buSzTx/>
-              <a:buFontTx/>
-              <a:buNone/>
-              <a:tabLst/>
-              <a:defRPr/>
-            </a:pPr>
+              <a:t>.</a:t>
+            </a:r>
+          </a:p>
+          <a:p>
             <a:r>
               <a:rPr lang="he-IL" dirty="0"/>
-              <a:t>עבור כל פעולה שנשלחת לסימולטור מבצע המרה של משך הפעולה לפי ציר הזמן שהוגדר.</a:t>
-            </a:r>
-          </a:p>
-          <a:p>
+              <a:t>ה-</a:t>
+            </a:r>
+            <a:r>
+              <a:rPr lang="en-US" dirty="0" err="1"/>
+              <a:t>exeutor</a:t>
+            </a:r>
             <a:r>
               <a:rPr lang="he-IL" dirty="0"/>
-              <a:t>עבור כל פעולה שהסתיימה מעדכן בגרף בצומת המתאים את הדגל של הפעולה.</a:t>
-            </a:r>
-          </a:p>
-          <a:p>
+              <a:t> הוא אלגוריתם האונליין שלנו, בגדול ה-</a:t>
+            </a:r>
+            <a:r>
+              <a:rPr lang="en-US" dirty="0"/>
+              <a:t>controller</a:t>
+            </a:r>
             <a:r>
               <a:rPr lang="he-IL" dirty="0"/>
-              <a:t>כאשר הבקר סיים את כל הפעולות שקיימות </a:t>
-            </a:r>
-            <a:r>
-              <a:rPr lang="he-IL" dirty="0" err="1"/>
-              <a:t>בתכנית</a:t>
-            </a:r>
+              <a:t> שלנו.</a:t>
+            </a:r>
+          </a:p>
+          <a:p>
             <a:r>
               <a:rPr lang="he-IL" dirty="0"/>
-              <a:t> –מעלה אירוע שהוא סיים.</a:t>
+              <a:t>ועל מנת לבדוק את האלגוריתם, בנינו סביבה אשר מדמה שדה תעופה עם הפרעות ושינויים בזמן-אמת.</a:t>
             </a:r>
           </a:p>
         </p:txBody>
@@ -10576,7 +11163,7 @@
           <a:p>
             <a:fld id="{5D87C9B3-3F36-45D2-B699-10C699E739B9}" type="slidenum">
               <a:rPr lang="he-IL" smtClean="0"/>
-              <a:t>16</a:t>
+              <a:t>11</a:t>
             </a:fld>
             <a:endParaRPr lang="he-IL"/>
           </a:p>
@@ -10585,7 +11172,7 @@
     </p:spTree>
     <p:extLst>
       <p:ext uri="{BB962C8B-B14F-4D97-AF65-F5344CB8AC3E}">
-        <p14:creationId xmlns:p14="http://schemas.microsoft.com/office/powerpoint/2010/main" val="4166017777"/>
+        <p14:creationId xmlns:p14="http://schemas.microsoft.com/office/powerpoint/2010/main" val="756721077"/>
       </p:ext>
     </p:extLst>
   </p:cSld>
@@ -17491,6 +18078,14 @@
 <file path=ppt/slides/slide11.xml><?xml version="1.0" encoding="utf-8"?>
 <p:sld xmlns:a="http://schemas.openxmlformats.org/drawingml/2006/main" xmlns:r="http://schemas.openxmlformats.org/officeDocument/2006/relationships" xmlns:p="http://schemas.openxmlformats.org/presentationml/2006/main">
   <p:cSld>
+    <p:bg>
+      <p:bgPr>
+        <a:solidFill>
+          <a:schemeClr val="bg1"/>
+        </a:solidFill>
+        <a:effectLst/>
+      </p:bgPr>
+    </p:bg>
     <p:spTree>
       <p:nvGrpSpPr>
         <p:cNvPr id="1" name=""/>
@@ -17505,6 +18100,66 @@
           <a:chExt cx="0" cy="0"/>
         </a:xfrm>
       </p:grpSpPr>
+      <p:sp useBgFill="1">
+        <p:nvSpPr>
+          <p:cNvPr id="9" name="Rectangle 8">
+            <a:extLst>
+              <a:ext uri="{FF2B5EF4-FFF2-40B4-BE49-F238E27FC236}">
+                <a16:creationId xmlns:a16="http://schemas.microsoft.com/office/drawing/2014/main" id="{91DC6ABD-215C-4EA8-A483-CEF5B99AB385}"/>
+              </a:ext>
+              <a:ext uri="{C183D7F6-B498-43B3-948B-1728B52AA6E4}">
+                <adec:decorative xmlns:adec="http://schemas.microsoft.com/office/drawing/2017/decorative" val="1"/>
+              </a:ext>
+            </a:extLst>
+          </p:cNvPr>
+          <p:cNvSpPr>
+            <a:spLocks noGrp="1" noRot="1" noChangeAspect="1" noMove="1" noResize="1" noEditPoints="1" noAdjustHandles="1" noChangeArrowheads="1" noChangeShapeType="1" noTextEdit="1"/>
+          </p:cNvSpPr>
+          <p:nvPr>
+            <p:extLst>
+              <p:ext uri="{386F3935-93C4-4BCD-93E2-E3B085C9AB24}">
+                <p16:designElem xmlns:p16="http://schemas.microsoft.com/office/powerpoint/2015/main" val="1"/>
+              </p:ext>
+            </p:extLst>
+          </p:nvPr>
+        </p:nvSpPr>
+        <p:spPr>
+          <a:xfrm>
+            <a:off x="0" y="0"/>
+            <a:ext cx="12191999" cy="6857365"/>
+          </a:xfrm>
+          <a:prstGeom prst="rect">
+            <a:avLst/>
+          </a:prstGeom>
+          <a:ln>
+            <a:noFill/>
+          </a:ln>
+        </p:spPr>
+        <p:style>
+          <a:lnRef idx="2">
+            <a:schemeClr val="accent1">
+              <a:shade val="50000"/>
+            </a:schemeClr>
+          </a:lnRef>
+          <a:fillRef idx="1">
+            <a:schemeClr val="accent1"/>
+          </a:fillRef>
+          <a:effectRef idx="0">
+            <a:schemeClr val="accent1"/>
+          </a:effectRef>
+          <a:fontRef idx="minor">
+            <a:schemeClr val="lt1"/>
+          </a:fontRef>
+        </p:style>
+        <p:txBody>
+          <a:bodyPr rtlCol="0" anchor="ctr"/>
+          <a:lstStyle/>
+          <a:p>
+            <a:pPr algn="ctr"/>
+            <a:endParaRPr lang="en-US"/>
+          </a:p>
+        </p:txBody>
+      </p:sp>
       <p:sp>
         <p:nvSpPr>
           <p:cNvPr id="2" name="כותרת 1">
@@ -17523,24 +18178,285 @@
         </p:nvSpPr>
         <p:spPr>
           <a:xfrm>
-            <a:off x="838200" y="601027"/>
-            <a:ext cx="10515600" cy="1325563"/>
+            <a:off x="599609" y="679731"/>
+            <a:ext cx="4171994" cy="3736540"/>
           </a:xfrm>
         </p:spPr>
         <p:txBody>
-          <a:bodyPr>
+          <a:bodyPr vert="horz" lIns="91440" tIns="45720" rIns="91440" bIns="45720" rtlCol="0" anchor="b">
             <a:normAutofit/>
           </a:bodyPr>
           <a:lstStyle/>
           <a:p>
+            <a:pPr algn="l" rtl="0"/>
+            <a:r>
+              <a:rPr lang="en-US" sz="6000" b="1" i="0" kern="1200">
+                <a:solidFill>
+                  <a:schemeClr val="tx1"/>
+                </a:solidFill>
+                <a:effectLst/>
+                <a:latin typeface="+mj-lt"/>
+                <a:ea typeface="+mj-ea"/>
+                <a:cs typeface="+mj-cs"/>
+              </a:rPr>
+              <a:t>General schema of the problem</a:t>
+            </a:r>
+            <a:endParaRPr lang="en-US" sz="6000" b="1" kern="1200">
+              <a:solidFill>
+                <a:schemeClr val="tx1"/>
+              </a:solidFill>
+              <a:latin typeface="+mj-lt"/>
+              <a:ea typeface="+mj-ea"/>
+              <a:cs typeface="+mj-cs"/>
+            </a:endParaRPr>
+          </a:p>
+        </p:txBody>
+      </p:sp>
+      <p:grpSp>
+        <p:nvGrpSpPr>
+          <p:cNvPr id="11" name="Group 10">
+            <a:extLst>
+              <a:ext uri="{FF2B5EF4-FFF2-40B4-BE49-F238E27FC236}">
+                <a16:creationId xmlns:a16="http://schemas.microsoft.com/office/drawing/2014/main" id="{3AF6A671-C637-4547-85F4-51B6D1881399}"/>
+              </a:ext>
+              <a:ext uri="{C183D7F6-B498-43B3-948B-1728B52AA6E4}">
+                <adec:decorative xmlns:adec="http://schemas.microsoft.com/office/drawing/2017/decorative" val="1"/>
+              </a:ext>
+            </a:extLst>
+          </p:cNvPr>
+          <p:cNvGrpSpPr>
+            <a:grpSpLocks noGrp="1" noUngrp="1" noRot="1" noChangeAspect="1" noMove="1" noResize="1"/>
+          </p:cNvGrpSpPr>
+          <p:nvPr>
+            <p:extLst>
+              <p:ext uri="{386F3935-93C4-4BCD-93E2-E3B085C9AB24}">
+                <p16:designElem xmlns:p16="http://schemas.microsoft.com/office/powerpoint/2015/main" val="1"/>
+              </p:ext>
+            </p:extLst>
+          </p:nvPr>
+        </p:nvGrpSpPr>
+        <p:grpSpPr>
+          <a:xfrm>
+            <a:off x="9416432" y="1"/>
+            <a:ext cx="2446384" cy="5777808"/>
+            <a:chOff x="329184" y="1"/>
+            <a:chExt cx="524256" cy="5777808"/>
+          </a:xfrm>
+        </p:grpSpPr>
+        <p:cxnSp>
+          <p:nvCxnSpPr>
+            <p:cNvPr id="22" name="Straight Connector 11">
+              <a:extLst>
+                <a:ext uri="{FF2B5EF4-FFF2-40B4-BE49-F238E27FC236}">
+                  <a16:creationId xmlns:a16="http://schemas.microsoft.com/office/drawing/2014/main" id="{C575CF26-3D3C-4C5A-A2B7-00432016EF62}"/>
+                </a:ext>
+                <a:ext uri="{C183D7F6-B498-43B3-948B-1728B52AA6E4}">
+                  <adec:decorative xmlns:adec="http://schemas.microsoft.com/office/drawing/2017/decorative" val="1"/>
+                </a:ext>
+              </a:extLst>
+            </p:cNvPr>
+            <p:cNvCxnSpPr>
+              <a:cxnSpLocks/>
+            </p:cNvCxnSpPr>
+            <p:nvPr>
+              <p:extLst>
+                <p:ext uri="{386F3935-93C4-4BCD-93E2-E3B085C9AB24}">
+                  <p16:designElem xmlns:p16="http://schemas.microsoft.com/office/powerpoint/2015/main" val="1"/>
+                </p:ext>
+              </p:extLst>
+            </p:nvPr>
+          </p:nvCxnSpPr>
+          <p:spPr>
+            <a:xfrm flipH="1">
+              <a:off x="329184" y="5777809"/>
+              <a:ext cx="521208" cy="0"/>
+            </a:xfrm>
+            <a:prstGeom prst="line">
+              <a:avLst/>
+            </a:prstGeom>
+            <a:ln w="152400">
+              <a:solidFill>
+                <a:schemeClr val="accent4"/>
+              </a:solidFill>
+            </a:ln>
+          </p:spPr>
+          <p:style>
+            <a:lnRef idx="1">
+              <a:schemeClr val="accent1"/>
+            </a:lnRef>
+            <a:fillRef idx="0">
+              <a:schemeClr val="accent1"/>
+            </a:fillRef>
+            <a:effectRef idx="0">
+              <a:schemeClr val="accent1"/>
+            </a:effectRef>
+            <a:fontRef idx="minor">
+              <a:schemeClr val="tx1"/>
+            </a:fontRef>
+          </p:style>
+        </p:cxnSp>
+        <p:sp>
+          <p:nvSpPr>
+            <p:cNvPr id="13" name="Rectangle 12">
+              <a:extLst>
+                <a:ext uri="{FF2B5EF4-FFF2-40B4-BE49-F238E27FC236}">
+                  <a16:creationId xmlns:a16="http://schemas.microsoft.com/office/drawing/2014/main" id="{99413ED5-9ED4-4772-BCE4-2BCAE6B12E35}"/>
+                </a:ext>
+                <a:ext uri="{C183D7F6-B498-43B3-948B-1728B52AA6E4}">
+                  <adec:decorative xmlns:adec="http://schemas.microsoft.com/office/drawing/2017/decorative" val="1"/>
+                </a:ext>
+              </a:extLst>
+            </p:cNvPr>
+            <p:cNvSpPr/>
+            <p:nvPr>
+              <p:extLst>
+                <p:ext uri="{386F3935-93C4-4BCD-93E2-E3B085C9AB24}">
+                  <p16:designElem xmlns:p16="http://schemas.microsoft.com/office/powerpoint/2015/main" val="1"/>
+                </p:ext>
+              </p:extLst>
+            </p:nvPr>
+          </p:nvSpPr>
+          <p:spPr>
+            <a:xfrm>
+              <a:off x="329184" y="1"/>
+              <a:ext cx="524256" cy="5532119"/>
+            </a:xfrm>
+            <a:prstGeom prst="rect">
+              <a:avLst/>
+            </a:prstGeom>
+            <a:solidFill>
+              <a:schemeClr val="accent4"/>
+            </a:solidFill>
+            <a:ln>
+              <a:noFill/>
+            </a:ln>
+          </p:spPr>
+          <p:style>
+            <a:lnRef idx="2">
+              <a:schemeClr val="accent1">
+                <a:shade val="50000"/>
+              </a:schemeClr>
+            </a:lnRef>
+            <a:fillRef idx="1">
+              <a:schemeClr val="accent1"/>
+            </a:fillRef>
+            <a:effectRef idx="0">
+              <a:schemeClr val="accent1"/>
+            </a:effectRef>
+            <a:fontRef idx="minor">
+              <a:schemeClr val="lt1"/>
+            </a:fontRef>
+          </p:style>
+          <p:txBody>
+            <a:bodyPr rtlCol="0" anchor="ctr"/>
+            <a:lstStyle/>
+            <a:p>
+              <a:pPr algn="ctr"/>
+              <a:endParaRPr lang="en-US"/>
+            </a:p>
+          </p:txBody>
+        </p:sp>
+      </p:grpSp>
+      <p:sp>
+        <p:nvSpPr>
+          <p:cNvPr id="15" name="Rectangle 14">
+            <a:extLst>
+              <a:ext uri="{FF2B5EF4-FFF2-40B4-BE49-F238E27FC236}">
+                <a16:creationId xmlns:a16="http://schemas.microsoft.com/office/drawing/2014/main" id="{04357C93-F0CB-4A1C-8F77-4E9063789819}"/>
+              </a:ext>
+              <a:ext uri="{C183D7F6-B498-43B3-948B-1728B52AA6E4}">
+                <adec:decorative xmlns:adec="http://schemas.microsoft.com/office/drawing/2017/decorative" val="1"/>
+              </a:ext>
+            </a:extLst>
+          </p:cNvPr>
+          <p:cNvSpPr>
+            <a:spLocks noGrp="1" noRot="1" noChangeAspect="1" noMove="1" noResize="1" noEditPoints="1" noAdjustHandles="1" noChangeArrowheads="1" noChangeShapeType="1" noTextEdit="1"/>
+          </p:cNvSpPr>
+          <p:nvPr>
+            <p:extLst>
+              <p:ext uri="{386F3935-93C4-4BCD-93E2-E3B085C9AB24}">
+                <p16:designElem xmlns:p16="http://schemas.microsoft.com/office/powerpoint/2015/main" val="1"/>
+              </p:ext>
+            </p:extLst>
+          </p:nvPr>
+        </p:nvSpPr>
+        <p:spPr>
+          <a:xfrm>
+            <a:off x="5386598" y="269324"/>
+            <a:ext cx="6116779" cy="6208776"/>
+          </a:xfrm>
+          <a:prstGeom prst="rect">
+            <a:avLst/>
+          </a:prstGeom>
+          <a:solidFill>
+            <a:schemeClr val="bg1"/>
+          </a:solidFill>
+          <a:ln>
+            <a:noFill/>
+          </a:ln>
+          <a:effectLst>
+            <a:outerShdw blurRad="139700" dist="127000" dir="5400000" algn="t" rotWithShape="0">
+              <a:prstClr val="black">
+                <a:alpha val="15000"/>
+              </a:prstClr>
+            </a:outerShdw>
+          </a:effectLst>
+        </p:spPr>
+        <p:style>
+          <a:lnRef idx="2">
+            <a:schemeClr val="accent1">
+              <a:shade val="50000"/>
+            </a:schemeClr>
+          </a:lnRef>
+          <a:fillRef idx="1">
+            <a:schemeClr val="accent1"/>
+          </a:fillRef>
+          <a:effectRef idx="0">
+            <a:schemeClr val="accent1"/>
+          </a:effectRef>
+          <a:fontRef idx="minor">
+            <a:schemeClr val="lt1"/>
+          </a:fontRef>
+        </p:style>
+        <p:txBody>
+          <a:bodyPr rtlCol="0" anchor="ctr"/>
+          <a:lstStyle/>
+          <a:p>
             <a:pPr algn="ctr"/>
-            <a:r>
-              <a:rPr lang="he-IL" b="1" dirty="0"/>
-              <a:t>הדיאגרמה של איל</a:t>
-            </a:r>
+            <a:endParaRPr lang="en-US"/>
           </a:p>
         </p:txBody>
       </p:sp>
+      <p:pic>
+        <p:nvPicPr>
+          <p:cNvPr id="4" name="תמונה 3">
+            <a:extLst>
+              <a:ext uri="{FF2B5EF4-FFF2-40B4-BE49-F238E27FC236}">
+                <a16:creationId xmlns:a16="http://schemas.microsoft.com/office/drawing/2014/main" id="{3927218F-0555-4053-8B8E-F796012EADA4}"/>
+              </a:ext>
+            </a:extLst>
+          </p:cNvPr>
+          <p:cNvPicPr>
+            <a:picLocks noChangeAspect="1"/>
+          </p:cNvPicPr>
+          <p:nvPr/>
+        </p:nvPicPr>
+        <p:blipFill>
+          <a:blip r:embed="rId3"/>
+          <a:stretch>
+            <a:fillRect/>
+          </a:stretch>
+        </p:blipFill>
+        <p:spPr>
+          <a:xfrm>
+            <a:off x="5832821" y="557360"/>
+            <a:ext cx="5224332" cy="5632704"/>
+          </a:xfrm>
+          <a:prstGeom prst="rect">
+            <a:avLst/>
+          </a:prstGeom>
+        </p:spPr>
+      </p:pic>
     </p:spTree>
     <p:extLst>
       <p:ext uri="{BB962C8B-B14F-4D97-AF65-F5344CB8AC3E}">
@@ -17662,20 +18578,19 @@
           <a:p>
             <a:pPr algn="ctr"/>
             <a:r>
-              <a:rPr lang="en-US" sz="4400" b="1" dirty="0">
+              <a:rPr lang="en-US" b="1" i="0" dirty="0">
                 <a:solidFill>
                   <a:srgbClr val="002060"/>
                 </a:solidFill>
-                <a:latin typeface="Calibri Light" panose="020F0302020204030204" pitchFamily="34" charset="0"/>
-                <a:cs typeface="Calibri Light" panose="020F0302020204030204" pitchFamily="34" charset="0"/>
+                <a:effectLst/>
+                <a:cs typeface="Assistant" pitchFamily="2" charset="-79"/>
               </a:rPr>
-              <a:t>Our algorithm</a:t>
+              <a:t>Block Diagram</a:t>
             </a:r>
             <a:endParaRPr lang="he-IL" sz="4400" b="1" dirty="0">
               <a:solidFill>
                 <a:srgbClr val="002060"/>
               </a:solidFill>
-              <a:latin typeface="Calibri Light" panose="020F0302020204030204" pitchFamily="34" charset="0"/>
               <a:cs typeface="Calibri Light" panose="020F0302020204030204" pitchFamily="34" charset="0"/>
             </a:endParaRPr>
           </a:p>
@@ -18107,7 +19022,7 @@
           <p:nvPr>
             <p:extLst>
               <p:ext uri="{D42A27DB-BD31-4B8C-83A1-F6EECF244321}">
-                <p14:modId xmlns:p14="http://schemas.microsoft.com/office/powerpoint/2010/main" val="3223477702"/>
+                <p14:modId xmlns:p14="http://schemas.microsoft.com/office/powerpoint/2010/main" val="2370501653"/>
               </p:ext>
             </p:extLst>
           </p:nvPr>
@@ -18333,10 +19248,10 @@
       </p:grpSpPr>
       <p:sp useBgFill="1">
         <p:nvSpPr>
-          <p:cNvPr id="10" name="Rectangle 12">
+          <p:cNvPr id="28" name="Rectangle 27">
             <a:extLst>
               <a:ext uri="{FF2B5EF4-FFF2-40B4-BE49-F238E27FC236}">
-                <a16:creationId xmlns:a16="http://schemas.microsoft.com/office/drawing/2014/main" id="{201CC55D-ED54-4C5C-95E6-10947BD1103B}"/>
+                <a16:creationId xmlns:a16="http://schemas.microsoft.com/office/drawing/2014/main" id="{28D31E1B-0407-4223-9642-0B642CBF57D9}"/>
               </a:ext>
               <a:ext uri="{C183D7F6-B498-43B3-948B-1728B52AA6E4}">
                 <adec:decorative xmlns:adec="http://schemas.microsoft.com/office/drawing/2017/decorative" val="1"/>
@@ -18391,55 +19306,12 @@
           </a:p>
         </p:txBody>
       </p:sp>
-      <p:sp>
-        <p:nvSpPr>
-          <p:cNvPr id="2" name="כותרת 1">
+      <p:grpSp>
+        <p:nvGrpSpPr>
+          <p:cNvPr id="30" name="Group 29">
             <a:extLst>
               <a:ext uri="{FF2B5EF4-FFF2-40B4-BE49-F238E27FC236}">
-                <a16:creationId xmlns:a16="http://schemas.microsoft.com/office/drawing/2014/main" id="{8A89DB29-573A-4FA8-BC7D-7A78F7A84C6B}"/>
-              </a:ext>
-            </a:extLst>
-          </p:cNvPr>
-          <p:cNvSpPr>
-            <a:spLocks noGrp="1"/>
-          </p:cNvSpPr>
-          <p:nvPr>
-            <p:ph type="title"/>
-          </p:nvPr>
-        </p:nvSpPr>
-        <p:spPr>
-          <a:xfrm>
-            <a:off x="589560" y="856180"/>
-            <a:ext cx="4560584" cy="1128068"/>
-          </a:xfrm>
-        </p:spPr>
-        <p:txBody>
-          <a:bodyPr vert="horz" lIns="91440" tIns="45720" rIns="91440" bIns="45720" rtlCol="0" anchor="ctr">
-            <a:normAutofit/>
-          </a:bodyPr>
-          <a:lstStyle/>
-          <a:p>
-            <a:pPr algn="l" rtl="0"/>
-            <a:r>
-              <a:rPr lang="en-US" sz="4000" b="1"/>
-              <a:t>Controller </a:t>
-            </a:r>
-            <a:r>
-              <a:rPr lang="en-US" sz="4000" b="1" i="0">
-                <a:effectLst/>
-              </a:rPr>
-              <a:t>module</a:t>
-            </a:r>
-            <a:endParaRPr lang="en-US" sz="4000" b="1"/>
-          </a:p>
-        </p:txBody>
-      </p:sp>
-      <p:grpSp>
-        <p:nvGrpSpPr>
-          <p:cNvPr id="11" name="Group 14">
-            <a:extLst>
-              <a:ext uri="{FF2B5EF4-FFF2-40B4-BE49-F238E27FC236}">
-                <a16:creationId xmlns:a16="http://schemas.microsoft.com/office/drawing/2014/main" id="{1DE889C7-FAD6-4397-98E2-05D503484459}"/>
+                <a16:creationId xmlns:a16="http://schemas.microsoft.com/office/drawing/2014/main" id="{AE1C45F0-260A-458C-96ED-C1F6D2151219}"/>
               </a:ext>
               <a:ext uri="{C183D7F6-B498-43B3-948B-1728B52AA6E4}">
                 <adec:decorative xmlns:adec="http://schemas.microsoft.com/office/drawing/2017/decorative" val="1"/>
@@ -18459,18 +19331,21 @@
         </p:nvGrpSpPr>
         <p:grpSpPr>
           <a:xfrm>
-            <a:off x="0" y="1083484"/>
-            <a:ext cx="355196" cy="673460"/>
-            <a:chOff x="0" y="823811"/>
-            <a:chExt cx="355196" cy="673460"/>
+            <a:off x="4" y="1062849"/>
+            <a:ext cx="731521" cy="673460"/>
+            <a:chOff x="3940602" y="308034"/>
+            <a:chExt cx="2116791" cy="3428999"/>
           </a:xfrm>
+          <a:solidFill>
+            <a:schemeClr val="accent4"/>
+          </a:solidFill>
         </p:grpSpPr>
         <p:sp>
           <p:nvSpPr>
-            <p:cNvPr id="16" name="Rectangle 15">
+            <p:cNvPr id="31" name="Rectangle 30">
               <a:extLst>
                 <a:ext uri="{FF2B5EF4-FFF2-40B4-BE49-F238E27FC236}">
-                  <a16:creationId xmlns:a16="http://schemas.microsoft.com/office/drawing/2014/main" id="{F399A70F-F8CD-4992-9EF5-6CF15472E73F}"/>
+                  <a16:creationId xmlns:a16="http://schemas.microsoft.com/office/drawing/2014/main" id="{A6604B49-AD5C-4590-B051-06C8222ECD99}"/>
                 </a:ext>
                 <a:ext uri="{C183D7F6-B498-43B3-948B-1728B52AA6E4}">
                   <adec:decorative xmlns:adec="http://schemas.microsoft.com/office/drawing/2017/decorative" val="1"/>
@@ -18488,15 +19363,13 @@
           </p:nvSpPr>
           <p:spPr>
             <a:xfrm>
-              <a:off x="0" y="823811"/>
-              <a:ext cx="87363" cy="673460"/>
+              <a:off x="3940602" y="308034"/>
+              <a:ext cx="566743" cy="3428999"/>
             </a:xfrm>
             <a:prstGeom prst="rect">
               <a:avLst/>
             </a:prstGeom>
-            <a:solidFill>
-              <a:schemeClr val="accent4"/>
-            </a:solidFill>
+            <a:grpFill/>
             <a:ln>
               <a:noFill/>
             </a:ln>
@@ -18528,10 +19401,10 @@
         </p:sp>
         <p:sp>
           <p:nvSpPr>
-            <p:cNvPr id="17" name="Rectangle 16">
+            <p:cNvPr id="32" name="Rectangle 31">
               <a:extLst>
                 <a:ext uri="{FF2B5EF4-FFF2-40B4-BE49-F238E27FC236}">
-                  <a16:creationId xmlns:a16="http://schemas.microsoft.com/office/drawing/2014/main" id="{48F4FEDC-6D80-458C-A665-075D9B9500FD}"/>
+                  <a16:creationId xmlns:a16="http://schemas.microsoft.com/office/drawing/2014/main" id="{743ECCAF-29C5-4537-947C-7EA1292463DB}"/>
                 </a:ext>
                 <a:ext uri="{C183D7F6-B498-43B3-948B-1728B52AA6E4}">
                   <adec:decorative xmlns:adec="http://schemas.microsoft.com/office/drawing/2017/decorative" val="1"/>
@@ -18549,15 +19422,72 @@
           </p:nvSpPr>
           <p:spPr>
             <a:xfrm>
-              <a:off x="159341" y="823811"/>
-              <a:ext cx="195855" cy="673460"/>
+              <a:off x="4715626" y="308034"/>
+              <a:ext cx="566743" cy="3428999"/>
             </a:xfrm>
             <a:prstGeom prst="rect">
               <a:avLst/>
             </a:prstGeom>
-            <a:solidFill>
-              <a:schemeClr val="accent4"/>
-            </a:solidFill>
+            <a:grpFill/>
+            <a:ln>
+              <a:noFill/>
+            </a:ln>
+          </p:spPr>
+          <p:style>
+            <a:lnRef idx="2">
+              <a:schemeClr val="accent1">
+                <a:shade val="50000"/>
+              </a:schemeClr>
+            </a:lnRef>
+            <a:fillRef idx="1">
+              <a:schemeClr val="accent1"/>
+            </a:fillRef>
+            <a:effectRef idx="0">
+              <a:schemeClr val="accent1"/>
+            </a:effectRef>
+            <a:fontRef idx="minor">
+              <a:schemeClr val="lt1"/>
+            </a:fontRef>
+          </p:style>
+          <p:txBody>
+            <a:bodyPr rtlCol="0" anchor="ctr"/>
+            <a:lstStyle/>
+            <a:p>
+              <a:pPr algn="ctr"/>
+              <a:endParaRPr lang="en-US"/>
+            </a:p>
+          </p:txBody>
+        </p:sp>
+        <p:sp>
+          <p:nvSpPr>
+            <p:cNvPr id="33" name="Rectangle 32">
+              <a:extLst>
+                <a:ext uri="{FF2B5EF4-FFF2-40B4-BE49-F238E27FC236}">
+                  <a16:creationId xmlns:a16="http://schemas.microsoft.com/office/drawing/2014/main" id="{ED49787B-8DE6-4467-AD0A-8DECC6E0C2D6}"/>
+                </a:ext>
+                <a:ext uri="{C183D7F6-B498-43B3-948B-1728B52AA6E4}">
+                  <adec:decorative xmlns:adec="http://schemas.microsoft.com/office/drawing/2017/decorative" val="1"/>
+                </a:ext>
+              </a:extLst>
+            </p:cNvPr>
+            <p:cNvSpPr/>
+            <p:nvPr>
+              <p:extLst>
+                <p:ext uri="{386F3935-93C4-4BCD-93E2-E3B085C9AB24}">
+                  <p16:designElem xmlns:p16="http://schemas.microsoft.com/office/powerpoint/2015/main" val="1"/>
+                </p:ext>
+              </p:extLst>
+            </p:nvPr>
+          </p:nvSpPr>
+          <p:spPr>
+            <a:xfrm>
+              <a:off x="5490650" y="308034"/>
+              <a:ext cx="566743" cy="3428999"/>
+            </a:xfrm>
+            <a:prstGeom prst="rect">
+              <a:avLst/>
+            </a:prstGeom>
+            <a:grpFill/>
             <a:ln>
               <a:noFill/>
             </a:ln>
@@ -18590,10 +19520,10 @@
       </p:grpSp>
       <p:sp>
         <p:nvSpPr>
-          <p:cNvPr id="19" name="Rectangle 18">
+          <p:cNvPr id="35" name="Rectangle 34">
             <a:extLst>
               <a:ext uri="{FF2B5EF4-FFF2-40B4-BE49-F238E27FC236}">
-                <a16:creationId xmlns:a16="http://schemas.microsoft.com/office/drawing/2014/main" id="{3873B707-463F-40B0-8227-E8CC6C67EB25}"/>
+                <a16:creationId xmlns:a16="http://schemas.microsoft.com/office/drawing/2014/main" id="{D5B0017B-2ECA-49AF-B397-DC140825DF8D}"/>
               </a:ext>
               <a:ext uri="{C183D7F6-B498-43B3-948B-1728B52AA6E4}">
                 <adec:decorative xmlns:adec="http://schemas.microsoft.com/office/drawing/2017/decorative" val="1"/>
@@ -18612,195 +19542,9 @@
           </p:nvPr>
         </p:nvSpPr>
         <p:spPr>
-          <a:xfrm flipH="1">
-            <a:off x="665085" y="2090569"/>
-            <a:ext cx="4297680" cy="27432"/>
-          </a:xfrm>
-          <a:prstGeom prst="rect">
-            <a:avLst/>
-          </a:prstGeom>
-          <a:solidFill>
-            <a:schemeClr val="accent4"/>
-          </a:solidFill>
-          <a:ln>
-            <a:noFill/>
-          </a:ln>
-        </p:spPr>
-        <p:style>
-          <a:lnRef idx="2">
-            <a:schemeClr val="accent1">
-              <a:shade val="50000"/>
-            </a:schemeClr>
-          </a:lnRef>
-          <a:fillRef idx="1">
-            <a:schemeClr val="accent1"/>
-          </a:fillRef>
-          <a:effectRef idx="0">
-            <a:schemeClr val="accent1"/>
-          </a:effectRef>
-          <a:fontRef idx="minor">
-            <a:schemeClr val="lt1"/>
-          </a:fontRef>
-        </p:style>
-        <p:txBody>
-          <a:bodyPr rtlCol="0" anchor="ctr"/>
-          <a:lstStyle/>
-          <a:p>
-            <a:pPr algn="ctr"/>
-            <a:endParaRPr lang="en-US"/>
-          </a:p>
-        </p:txBody>
-      </p:sp>
-      <p:sp>
-        <p:nvSpPr>
-          <p:cNvPr id="6" name="מציין מיקום טקסט 5">
-            <a:extLst>
-              <a:ext uri="{FF2B5EF4-FFF2-40B4-BE49-F238E27FC236}">
-                <a16:creationId xmlns:a16="http://schemas.microsoft.com/office/drawing/2014/main" id="{C778DE2C-6334-43CB-A106-325E2994739F}"/>
-              </a:ext>
-            </a:extLst>
-          </p:cNvPr>
-          <p:cNvSpPr>
-            <a:spLocks noGrp="1"/>
-          </p:cNvSpPr>
-          <p:nvPr>
-            <p:ph type="body" idx="4294967295"/>
-          </p:nvPr>
-        </p:nvSpPr>
-        <p:spPr>
           <a:xfrm>
-            <a:off x="590719" y="2330505"/>
-            <a:ext cx="4559425" cy="3979585"/>
-          </a:xfrm>
-        </p:spPr>
-        <p:txBody>
-          <a:bodyPr vert="horz" lIns="91440" tIns="45720" rIns="91440" bIns="45720" rtlCol="0" anchor="ctr">
-            <a:normAutofit/>
-          </a:bodyPr>
-          <a:lstStyle/>
-          <a:p>
-            <a:pPr marL="342900" algn="l" rtl="0"/>
-            <a:r>
-              <a:rPr lang="en-US" sz="2000"/>
-              <a:t>Graph, Heap (</a:t>
-            </a:r>
-            <a:r>
-              <a:rPr lang="en-US" sz="2000" b="0" i="0">
-                <a:effectLst/>
-              </a:rPr>
-              <a:t>Priority Queue(</a:t>
-            </a:r>
-          </a:p>
-          <a:p>
-            <a:pPr marL="342900" algn="l" rtl="0"/>
-            <a:r>
-              <a:rPr lang="en-US" sz="2000"/>
-              <a:t>Holds ref to: Clock, Events</a:t>
-            </a:r>
-          </a:p>
-          <a:p>
-            <a:pPr marL="342900" algn="l" rtl="0"/>
-            <a:r>
-              <a:rPr lang="en-US" sz="2000"/>
-              <a:t>Subscriber: Interrupt</a:t>
-            </a:r>
-          </a:p>
-          <a:p>
-            <a:pPr marL="342900" algn="l" rtl="0"/>
-            <a:endParaRPr lang="en-US" sz="2000"/>
-          </a:p>
-        </p:txBody>
-      </p:sp>
-      <p:sp>
-        <p:nvSpPr>
-          <p:cNvPr id="21" name="Rectangle 20">
-            <a:extLst>
-              <a:ext uri="{FF2B5EF4-FFF2-40B4-BE49-F238E27FC236}">
-                <a16:creationId xmlns:a16="http://schemas.microsoft.com/office/drawing/2014/main" id="{C13237C8-E62C-4F0D-A318-BD6FB6C2D138}"/>
-              </a:ext>
-              <a:ext uri="{C183D7F6-B498-43B3-948B-1728B52AA6E4}">
-                <adec:decorative xmlns:adec="http://schemas.microsoft.com/office/drawing/2017/decorative" val="1"/>
-              </a:ext>
-            </a:extLst>
-          </p:cNvPr>
-          <p:cNvSpPr>
-            <a:spLocks noGrp="1" noRot="1" noChangeAspect="1" noMove="1" noResize="1" noEditPoints="1" noAdjustHandles="1" noChangeArrowheads="1" noChangeShapeType="1" noTextEdit="1"/>
-          </p:cNvSpPr>
-          <p:nvPr>
-            <p:extLst>
-              <p:ext uri="{386F3935-93C4-4BCD-93E2-E3B085C9AB24}">
-                <p16:designElem xmlns:p16="http://schemas.microsoft.com/office/powerpoint/2015/main" val="1"/>
-              </p:ext>
-            </p:extLst>
-          </p:nvPr>
-        </p:nvSpPr>
-        <p:spPr>
-          <a:xfrm flipH="1">
-            <a:off x="10697670" y="0"/>
-            <a:ext cx="1494330" cy="6858000"/>
-          </a:xfrm>
-          <a:prstGeom prst="rect">
-            <a:avLst/>
-          </a:prstGeom>
-          <a:solidFill>
-            <a:schemeClr val="accent4"/>
-          </a:solidFill>
-          <a:ln>
-            <a:noFill/>
-          </a:ln>
-        </p:spPr>
-        <p:style>
-          <a:lnRef idx="2">
-            <a:schemeClr val="accent1">
-              <a:shade val="50000"/>
-            </a:schemeClr>
-          </a:lnRef>
-          <a:fillRef idx="1">
-            <a:schemeClr val="accent1"/>
-          </a:fillRef>
-          <a:effectRef idx="0">
-            <a:schemeClr val="accent1"/>
-          </a:effectRef>
-          <a:fontRef idx="minor">
-            <a:schemeClr val="lt1"/>
-          </a:fontRef>
-        </p:style>
-        <p:txBody>
-          <a:bodyPr rtlCol="0" anchor="ctr"/>
-          <a:lstStyle/>
-          <a:p>
-            <a:pPr algn="ctr"/>
-            <a:endParaRPr lang="en-US"/>
-          </a:p>
-        </p:txBody>
-      </p:sp>
-      <p:sp>
-        <p:nvSpPr>
-          <p:cNvPr id="23" name="Rectangle 22">
-            <a:extLst>
-              <a:ext uri="{FF2B5EF4-FFF2-40B4-BE49-F238E27FC236}">
-                <a16:creationId xmlns:a16="http://schemas.microsoft.com/office/drawing/2014/main" id="{19C9EAEA-39D0-4B0E-A0EB-51E7B26740B1}"/>
-              </a:ext>
-              <a:ext uri="{C183D7F6-B498-43B3-948B-1728B52AA6E4}">
-                <adec:decorative xmlns:adec="http://schemas.microsoft.com/office/drawing/2017/decorative" val="1"/>
-              </a:ext>
-            </a:extLst>
-          </p:cNvPr>
-          <p:cNvSpPr>
-            <a:spLocks noGrp="1" noRot="1" noChangeAspect="1" noMove="1" noResize="1" noEditPoints="1" noAdjustHandles="1" noChangeArrowheads="1" noChangeShapeType="1" noTextEdit="1"/>
-          </p:cNvSpPr>
-          <p:nvPr>
-            <p:extLst>
-              <p:ext uri="{386F3935-93C4-4BCD-93E2-E3B085C9AB24}">
-                <p16:designElem xmlns:p16="http://schemas.microsoft.com/office/powerpoint/2015/main" val="1"/>
-              </p:ext>
-            </p:extLst>
-          </p:nvPr>
-        </p:nvSpPr>
-        <p:spPr>
-          <a:xfrm>
-            <a:off x="5685810" y="513853"/>
-            <a:ext cx="6009366" cy="5834577"/>
+            <a:off x="640080" y="656150"/>
+            <a:ext cx="5672667" cy="1431591"/>
           </a:xfrm>
           <a:prstGeom prst="rect">
             <a:avLst/>
@@ -18844,6 +19588,211 @@
           </a:p>
         </p:txBody>
       </p:sp>
+      <p:sp>
+        <p:nvSpPr>
+          <p:cNvPr id="2" name="כותרת 1">
+            <a:extLst>
+              <a:ext uri="{FF2B5EF4-FFF2-40B4-BE49-F238E27FC236}">
+                <a16:creationId xmlns:a16="http://schemas.microsoft.com/office/drawing/2014/main" id="{8A89DB29-573A-4FA8-BC7D-7A78F7A84C6B}"/>
+              </a:ext>
+            </a:extLst>
+          </p:cNvPr>
+          <p:cNvSpPr>
+            <a:spLocks noGrp="1"/>
+          </p:cNvSpPr>
+          <p:nvPr>
+            <p:ph type="title"/>
+          </p:nvPr>
+        </p:nvSpPr>
+        <p:spPr>
+          <a:xfrm>
+            <a:off x="1043631" y="873940"/>
+            <a:ext cx="5052369" cy="1035781"/>
+          </a:xfrm>
+        </p:spPr>
+        <p:txBody>
+          <a:bodyPr vert="horz" lIns="91440" tIns="45720" rIns="91440" bIns="45720" rtlCol="0" anchor="ctr">
+            <a:normAutofit/>
+          </a:bodyPr>
+          <a:lstStyle/>
+          <a:p>
+            <a:pPr algn="l" rtl="0"/>
+            <a:r>
+              <a:rPr lang="en-US" sz="3600" b="1" kern="1200">
+                <a:solidFill>
+                  <a:schemeClr val="tx1"/>
+                </a:solidFill>
+                <a:latin typeface="+mj-lt"/>
+                <a:ea typeface="+mj-ea"/>
+                <a:cs typeface="+mj-cs"/>
+              </a:rPr>
+              <a:t>Controller </a:t>
+            </a:r>
+            <a:r>
+              <a:rPr lang="en-US" sz="3600" b="1" i="0" kern="1200">
+                <a:solidFill>
+                  <a:schemeClr val="tx1"/>
+                </a:solidFill>
+                <a:effectLst/>
+                <a:latin typeface="+mj-lt"/>
+                <a:ea typeface="+mj-ea"/>
+                <a:cs typeface="+mj-cs"/>
+              </a:rPr>
+              <a:t>module</a:t>
+            </a:r>
+            <a:endParaRPr lang="en-US" sz="3600" b="1" kern="1200">
+              <a:solidFill>
+                <a:schemeClr val="tx1"/>
+              </a:solidFill>
+              <a:latin typeface="+mj-lt"/>
+              <a:ea typeface="+mj-ea"/>
+              <a:cs typeface="+mj-cs"/>
+            </a:endParaRPr>
+          </a:p>
+        </p:txBody>
+      </p:sp>
+      <p:sp>
+        <p:nvSpPr>
+          <p:cNvPr id="6" name="מציין מיקום טקסט 5">
+            <a:extLst>
+              <a:ext uri="{FF2B5EF4-FFF2-40B4-BE49-F238E27FC236}">
+                <a16:creationId xmlns:a16="http://schemas.microsoft.com/office/drawing/2014/main" id="{C778DE2C-6334-43CB-A106-325E2994739F}"/>
+              </a:ext>
+            </a:extLst>
+          </p:cNvPr>
+          <p:cNvSpPr>
+            <a:spLocks noGrp="1"/>
+          </p:cNvSpPr>
+          <p:nvPr>
+            <p:ph type="body" idx="4294967295"/>
+          </p:nvPr>
+        </p:nvSpPr>
+        <p:spPr>
+          <a:xfrm>
+            <a:off x="1045029" y="2524721"/>
+            <a:ext cx="4991629" cy="3677123"/>
+          </a:xfrm>
+        </p:spPr>
+        <p:txBody>
+          <a:bodyPr vert="horz" lIns="91440" tIns="45720" rIns="91440" bIns="45720" rtlCol="0" anchor="ctr">
+            <a:normAutofit/>
+          </a:bodyPr>
+          <a:lstStyle/>
+          <a:p>
+            <a:pPr marL="342900" algn="l" rtl="0">
+              <a:lnSpc>
+                <a:spcPct val="150000"/>
+              </a:lnSpc>
+            </a:pPr>
+            <a:r>
+              <a:rPr lang="en-US" dirty="0"/>
+              <a:t>Graph, Heap (</a:t>
+            </a:r>
+            <a:r>
+              <a:rPr lang="en-US" b="0" i="0" dirty="0">
+                <a:effectLst/>
+              </a:rPr>
+              <a:t>Priority Queue)</a:t>
+            </a:r>
+          </a:p>
+          <a:p>
+            <a:pPr marL="342900" algn="l" rtl="0">
+              <a:lnSpc>
+                <a:spcPct val="150000"/>
+              </a:lnSpc>
+            </a:pPr>
+            <a:r>
+              <a:rPr lang="en-US" dirty="0"/>
+              <a:t>Holds ref to: Clock, Events</a:t>
+            </a:r>
+          </a:p>
+          <a:p>
+            <a:pPr marL="342900" algn="l" rtl="0">
+              <a:lnSpc>
+                <a:spcPct val="150000"/>
+              </a:lnSpc>
+            </a:pPr>
+            <a:r>
+              <a:rPr lang="en-US" dirty="0"/>
+              <a:t>Subscriber: Interrupt</a:t>
+            </a:r>
+          </a:p>
+          <a:p>
+            <a:pPr marL="342900" algn="l" rtl="0"/>
+            <a:endParaRPr lang="en-US" sz="1800" dirty="0"/>
+          </a:p>
+        </p:txBody>
+      </p:sp>
+      <p:sp>
+        <p:nvSpPr>
+          <p:cNvPr id="37" name="Rectangle 36">
+            <a:extLst>
+              <a:ext uri="{FF2B5EF4-FFF2-40B4-BE49-F238E27FC236}">
+                <a16:creationId xmlns:a16="http://schemas.microsoft.com/office/drawing/2014/main" id="{70E96339-907C-46C3-99AC-31179B6F0EBD}"/>
+              </a:ext>
+              <a:ext uri="{C183D7F6-B498-43B3-948B-1728B52AA6E4}">
+                <adec:decorative xmlns:adec="http://schemas.microsoft.com/office/drawing/2017/decorative" val="1"/>
+              </a:ext>
+            </a:extLst>
+          </p:cNvPr>
+          <p:cNvSpPr>
+            <a:spLocks noGrp="1" noRot="1" noChangeAspect="1" noMove="1" noResize="1" noEditPoints="1" noAdjustHandles="1" noChangeArrowheads="1" noChangeShapeType="1" noTextEdit="1"/>
+          </p:cNvSpPr>
+          <p:nvPr>
+            <p:extLst>
+              <p:ext uri="{386F3935-93C4-4BCD-93E2-E3B085C9AB24}">
+                <p16:designElem xmlns:p16="http://schemas.microsoft.com/office/powerpoint/2015/main" val="1"/>
+              </p:ext>
+            </p:extLst>
+          </p:nvPr>
+        </p:nvSpPr>
+        <p:spPr>
+          <a:xfrm>
+            <a:off x="6716299" y="608401"/>
+            <a:ext cx="4637502" cy="5593443"/>
+          </a:xfrm>
+          <a:prstGeom prst="rect">
+            <a:avLst/>
+          </a:prstGeom>
+          <a:solidFill>
+            <a:schemeClr val="bg1"/>
+          </a:solidFill>
+          <a:ln>
+            <a:noFill/>
+          </a:ln>
+          <a:effectLst>
+            <a:outerShdw blurRad="139700" dist="127000" dir="5400000" algn="t" rotWithShape="0">
+              <a:prstClr val="black">
+                <a:alpha val="15000"/>
+              </a:prstClr>
+            </a:outerShdw>
+          </a:effectLst>
+        </p:spPr>
+        <p:style>
+          <a:lnRef idx="2">
+            <a:schemeClr val="accent1">
+              <a:shade val="50000"/>
+            </a:schemeClr>
+          </a:lnRef>
+          <a:fillRef idx="1">
+            <a:schemeClr val="accent1"/>
+          </a:fillRef>
+          <a:effectRef idx="0">
+            <a:schemeClr val="accent1"/>
+          </a:effectRef>
+          <a:fontRef idx="minor">
+            <a:schemeClr val="lt1"/>
+          </a:fontRef>
+        </p:style>
+        <p:txBody>
+          <a:bodyPr rtlCol="0" anchor="ctr"/>
+          <a:lstStyle/>
+          <a:p>
+            <a:pPr algn="ctr"/>
+            <a:endParaRPr lang="en-US"/>
+          </a:p>
+        </p:txBody>
+      </p:sp>
       <p:pic>
         <p:nvPicPr>
           <p:cNvPr id="8" name="תמונה 7">
@@ -18865,14 +19814,66 @@
         </p:blipFill>
         <p:spPr>
           <a:xfrm>
-            <a:off x="5977788" y="799352"/>
-            <a:ext cx="5425410" cy="5259296"/>
+            <a:off x="6930493" y="1412165"/>
+            <a:ext cx="4223252" cy="4093954"/>
           </a:xfrm>
           <a:prstGeom prst="rect">
             <a:avLst/>
           </a:prstGeom>
         </p:spPr>
       </p:pic>
+      <p:cxnSp>
+        <p:nvCxnSpPr>
+          <p:cNvPr id="39" name="Straight Connector 38">
+            <a:extLst>
+              <a:ext uri="{FF2B5EF4-FFF2-40B4-BE49-F238E27FC236}">
+                <a16:creationId xmlns:a16="http://schemas.microsoft.com/office/drawing/2014/main" id="{6CF1BAF6-AD41-4082-B212-8A1F9A2E8779}"/>
+              </a:ext>
+              <a:ext uri="{C183D7F6-B498-43B3-948B-1728B52AA6E4}">
+                <adec:decorative xmlns:adec="http://schemas.microsoft.com/office/drawing/2017/decorative" val="1"/>
+              </a:ext>
+            </a:extLst>
+          </p:cNvPr>
+          <p:cNvCxnSpPr>
+            <a:cxnSpLocks noGrp="1" noRot="1" noChangeAspect="1" noMove="1" noResize="1" noEditPoints="1" noAdjustHandles="1" noChangeArrowheads="1" noChangeShapeType="1"/>
+          </p:cNvCxnSpPr>
+          <p:nvPr>
+            <p:extLst>
+              <p:ext uri="{386F3935-93C4-4BCD-93E2-E3B085C9AB24}">
+                <p16:designElem xmlns:p16="http://schemas.microsoft.com/office/powerpoint/2015/main" val="1"/>
+              </p:ext>
+            </p:extLst>
+          </p:nvPr>
+        </p:nvCxnSpPr>
+        <p:spPr>
+          <a:xfrm flipH="1">
+            <a:off x="838200" y="6492240"/>
+            <a:ext cx="10515600" cy="0"/>
+          </a:xfrm>
+          <a:prstGeom prst="line">
+            <a:avLst/>
+          </a:prstGeom>
+          <a:ln w="57150">
+            <a:solidFill>
+              <a:schemeClr val="accent4"/>
+            </a:solidFill>
+          </a:ln>
+        </p:spPr>
+        <p:style>
+          <a:lnRef idx="1">
+            <a:schemeClr val="accent1"/>
+          </a:lnRef>
+          <a:fillRef idx="0">
+            <a:schemeClr val="accent1"/>
+          </a:fillRef>
+          <a:effectRef idx="0">
+            <a:schemeClr val="accent1"/>
+          </a:effectRef>
+          <a:fontRef idx="minor">
+            <a:schemeClr val="tx1"/>
+          </a:fontRef>
+        </p:style>
+      </p:cxnSp>
     </p:spTree>
     <p:extLst>
       <p:ext uri="{BB962C8B-B14F-4D97-AF65-F5344CB8AC3E}">
@@ -19618,39 +20619,21 @@
             <p:ph type="title"/>
           </p:nvPr>
         </p:nvSpPr>
-        <p:spPr>
-          <a:xfrm>
-            <a:off x="838200" y="601027"/>
-            <a:ext cx="10515600" cy="1325563"/>
-          </a:xfrm>
-        </p:spPr>
+        <p:spPr/>
         <p:txBody>
-          <a:bodyPr/>
+          <a:bodyPr>
+            <a:normAutofit/>
+          </a:bodyPr>
           <a:lstStyle/>
           <a:p>
             <a:pPr algn="ctr"/>
             <a:r>
-              <a:rPr lang="he-IL" b="1" dirty="0">
+              <a:rPr lang="en-US" b="1" dirty="0">
                 <a:solidFill>
                   <a:srgbClr val="002060"/>
                 </a:solidFill>
               </a:rPr>
-              <a:t>הצגת הבעיה והמוטיבציה</a:t>
-            </a:r>
-            <a:br>
-              <a:rPr lang="he-IL" b="1" dirty="0">
-                <a:solidFill>
-                  <a:srgbClr val="002060"/>
-                </a:solidFill>
-              </a:rPr>
-            </a:br>
-            <a:r>
-              <a:rPr lang="he-IL" b="1" dirty="0">
-                <a:solidFill>
-                  <a:srgbClr val="002060"/>
-                </a:solidFill>
-              </a:rPr>
-              <a:t>שדה תעופה, תוכנית יום, פיקוח</a:t>
+              <a:t>The motivation</a:t>
             </a:r>
             <a:endParaRPr lang="he-IL" b="1" dirty="0"/>
           </a:p>
@@ -25497,50 +26480,171 @@
         </p:spPr>
         <p:txBody>
           <a:bodyPr>
-            <a:normAutofit fontScale="90000"/>
+            <a:normAutofit/>
           </a:bodyPr>
           <a:lstStyle/>
           <a:p>
             <a:pPr algn="ctr"/>
             <a:r>
-              <a:rPr lang="he-IL" b="1" dirty="0">
+              <a:rPr lang="en-US" b="1">
                 <a:solidFill>
                   <a:srgbClr val="002060"/>
                 </a:solidFill>
               </a:rPr>
-              <a:t>הבעיה מתחלקת לשניים:</a:t>
-            </a:r>
-            <a:br>
-              <a:rPr lang="he-IL" b="1" dirty="0">
+              <a:t>The problem</a:t>
+            </a:r>
+            <a:endParaRPr lang="he-IL" b="1" dirty="0">
+              <a:solidFill>
+                <a:srgbClr val="002060"/>
+              </a:solidFill>
+            </a:endParaRPr>
+          </a:p>
+        </p:txBody>
+      </p:sp>
+      <p:sp>
+        <p:nvSpPr>
+          <p:cNvPr id="3" name="תיבת טקסט 2">
+            <a:extLst>
+              <a:ext uri="{FF2B5EF4-FFF2-40B4-BE49-F238E27FC236}">
+                <a16:creationId xmlns:a16="http://schemas.microsoft.com/office/drawing/2014/main" id="{DF8B983F-BA27-43EE-B9DA-E759494E3462}"/>
+              </a:ext>
+            </a:extLst>
+          </p:cNvPr>
+          <p:cNvSpPr txBox="1"/>
+          <p:nvPr/>
+        </p:nvSpPr>
+        <p:spPr>
+          <a:xfrm>
+            <a:off x="1266824" y="1926590"/>
+            <a:ext cx="9648825" cy="2585323"/>
+          </a:xfrm>
+          <a:prstGeom prst="rect">
+            <a:avLst/>
+          </a:prstGeom>
+          <a:noFill/>
+        </p:spPr>
+        <p:txBody>
+          <a:bodyPr wrap="square" rtlCol="1">
+            <a:spAutoFit/>
+          </a:bodyPr>
+          <a:lstStyle/>
+          <a:p>
+            <a:pPr algn="l" rtl="0">
+              <a:lnSpc>
+                <a:spcPct val="150000"/>
+              </a:lnSpc>
+            </a:pPr>
+            <a:r>
+              <a:rPr lang="en-US" sz="2400" dirty="0">
                 <a:solidFill>
                   <a:srgbClr val="002060"/>
                 </a:solidFill>
               </a:rPr>
-            </a:br>
-            <a:r>
-              <a:rPr lang="he-IL" b="1" dirty="0">
+              <a:t>The problem is divided into two:</a:t>
+            </a:r>
+          </a:p>
+          <a:p>
+            <a:pPr marL="457200" indent="-457200" algn="l" rtl="0">
+              <a:lnSpc>
+                <a:spcPct val="150000"/>
+              </a:lnSpc>
+              <a:buAutoNum type="arabicPeriod"/>
+            </a:pPr>
+            <a:r>
+              <a:rPr lang="en-US" sz="2400" dirty="0">
                 <a:solidFill>
                   <a:srgbClr val="002060"/>
                 </a:solidFill>
               </a:rPr>
-              <a:t>1. אופליין</a:t>
-            </a:r>
-            <a:br>
-              <a:rPr lang="he-IL" b="1" dirty="0">
+              <a:t>The offline algorithm - </a:t>
+            </a:r>
+            <a:r>
+              <a:rPr lang="en-US" sz="2400" dirty="0">
+                <a:solidFill>
+                  <a:srgbClr val="002060"/>
+                </a:solidFill>
+                <a:cs typeface="Assistant" pitchFamily="2" charset="-79"/>
+              </a:rPr>
+              <a:t>b</a:t>
+            </a:r>
+            <a:r>
+              <a:rPr lang="en-US" sz="2400" b="0" i="0" dirty="0">
+                <a:solidFill>
+                  <a:srgbClr val="002060"/>
+                </a:solidFill>
+                <a:effectLst/>
+                <a:cs typeface="Assistant" pitchFamily="2" charset="-79"/>
+              </a:rPr>
+              <a:t>uilding a day plan by prior knowledge.</a:t>
+            </a:r>
+            <a:endParaRPr lang="en-US" sz="2400" dirty="0">
+              <a:solidFill>
+                <a:srgbClr val="002060"/>
+              </a:solidFill>
+            </a:endParaRPr>
+          </a:p>
+          <a:p>
+            <a:pPr marL="457200" indent="-457200" algn="l" rtl="0">
+              <a:lnSpc>
+                <a:spcPct val="150000"/>
+              </a:lnSpc>
+              <a:buAutoNum type="arabicPeriod"/>
+            </a:pPr>
+            <a:r>
+              <a:rPr lang="en-US" sz="2400" dirty="0">
                 <a:solidFill>
                   <a:srgbClr val="002060"/>
                 </a:solidFill>
               </a:rPr>
-            </a:br>
-            <a:r>
-              <a:rPr lang="he-IL" b="1" dirty="0">
+              <a:t>The online algorithm - </a:t>
+            </a:r>
+            <a:r>
+              <a:rPr lang="en-US" sz="2400" dirty="0">
                 <a:solidFill>
                   <a:srgbClr val="002060"/>
                 </a:solidFill>
+                <a:cs typeface="Assistant" pitchFamily="2" charset="-79"/>
               </a:rPr>
-              <a:t>2. אונליין – בהינתן תוכנית קיימת לסדר היום</a:t>
-            </a:r>
-            <a:endParaRPr lang="he-IL" b="1" dirty="0"/>
+              <a:t>g</a:t>
+            </a:r>
+            <a:r>
+              <a:rPr lang="en-US" sz="2400" b="0" i="0" dirty="0">
+                <a:solidFill>
+                  <a:srgbClr val="002060"/>
+                </a:solidFill>
+                <a:effectLst/>
+                <a:cs typeface="Assistant" pitchFamily="2" charset="-79"/>
+              </a:rPr>
+              <a:t>iven an existing program</a:t>
+            </a:r>
+            <a:r>
+              <a:rPr lang="en-US" sz="2400" dirty="0">
+                <a:solidFill>
+                  <a:srgbClr val="002060"/>
+                </a:solidFill>
+                <a:cs typeface="Assistant" pitchFamily="2" charset="-79"/>
+              </a:rPr>
+              <a:t>, t</a:t>
+            </a:r>
+            <a:r>
+              <a:rPr lang="en-US" sz="2400" b="0" i="0" dirty="0">
+                <a:solidFill>
+                  <a:srgbClr val="002060"/>
+                </a:solidFill>
+                <a:effectLst/>
+                <a:cs typeface="Assistant" pitchFamily="2" charset="-79"/>
+              </a:rPr>
+              <a:t>racking it and the constraints in real time.</a:t>
+            </a:r>
+            <a:endParaRPr lang="en-US" sz="2400" dirty="0">
+              <a:solidFill>
+                <a:srgbClr val="002060"/>
+              </a:solidFill>
+            </a:endParaRPr>
+          </a:p>
+          <a:p>
+            <a:pPr algn="l" rtl="0"/>
+            <a:endParaRPr lang="he-IL" dirty="0"/>
           </a:p>
         </p:txBody>
       </p:sp>
@@ -25996,7 +27100,7 @@
           <a:p>
             <a:pPr algn="ctr"/>
             <a:r>
-              <a:rPr lang="en-US" sz="4400" b="1">
+              <a:rPr lang="en-US" sz="4400" b="1" dirty="0">
                 <a:solidFill>
                   <a:srgbClr val="002060"/>
                 </a:solidFill>
@@ -26004,14 +27108,14 @@
               <a:t>Background</a:t>
             </a:r>
             <a:br>
-              <a:rPr lang="en-US" sz="4400" b="1">
+              <a:rPr lang="en-US" sz="4400" b="1" dirty="0">
                 <a:solidFill>
                   <a:srgbClr val="002060"/>
                 </a:solidFill>
               </a:rPr>
             </a:br>
             <a:r>
-              <a:rPr lang="en-US" sz="1800" b="1">
+              <a:rPr lang="en-US" sz="1800" b="1" dirty="0">
                 <a:solidFill>
                   <a:srgbClr val="002060"/>
                 </a:solidFill>

--- a/חומר עזר לפרויקט/project_A.pptx
+++ b/חומר עזר לפרויקט/project_A.pptx
@@ -6,43 +6,42 @@
     <p:sldMasterId id="2147483660" r:id="rId2"/>
   </p:sldMasterIdLst>
   <p:notesMasterIdLst>
-    <p:notesMasterId r:id="rId34"/>
+    <p:notesMasterId r:id="rId33"/>
   </p:notesMasterIdLst>
   <p:handoutMasterIdLst>
-    <p:handoutMasterId r:id="rId35"/>
+    <p:handoutMasterId r:id="rId34"/>
   </p:handoutMasterIdLst>
   <p:sldIdLst>
     <p:sldId id="257" r:id="rId3"/>
     <p:sldId id="286" r:id="rId4"/>
     <p:sldId id="285" r:id="rId5"/>
-    <p:sldId id="287" r:id="rId6"/>
-    <p:sldId id="288" r:id="rId7"/>
-    <p:sldId id="261" r:id="rId8"/>
-    <p:sldId id="289" r:id="rId9"/>
+    <p:sldId id="269" r:id="rId6"/>
+    <p:sldId id="261" r:id="rId7"/>
+    <p:sldId id="289" r:id="rId8"/>
+    <p:sldId id="288" r:id="rId9"/>
     <p:sldId id="271" r:id="rId10"/>
-    <p:sldId id="269" r:id="rId11"/>
-    <p:sldId id="260" r:id="rId12"/>
-    <p:sldId id="290" r:id="rId13"/>
-    <p:sldId id="291" r:id="rId14"/>
-    <p:sldId id="262" r:id="rId15"/>
-    <p:sldId id="268" r:id="rId16"/>
-    <p:sldId id="272" r:id="rId17"/>
-    <p:sldId id="266" r:id="rId18"/>
-    <p:sldId id="267" r:id="rId19"/>
-    <p:sldId id="273" r:id="rId20"/>
-    <p:sldId id="274" r:id="rId21"/>
-    <p:sldId id="275" r:id="rId22"/>
-    <p:sldId id="276" r:id="rId23"/>
-    <p:sldId id="277" r:id="rId24"/>
-    <p:sldId id="278" r:id="rId25"/>
-    <p:sldId id="279" r:id="rId26"/>
-    <p:sldId id="280" r:id="rId27"/>
-    <p:sldId id="281" r:id="rId28"/>
-    <p:sldId id="282" r:id="rId29"/>
-    <p:sldId id="264" r:id="rId30"/>
-    <p:sldId id="283" r:id="rId31"/>
-    <p:sldId id="284" r:id="rId32"/>
-    <p:sldId id="265" r:id="rId33"/>
+    <p:sldId id="260" r:id="rId11"/>
+    <p:sldId id="290" r:id="rId12"/>
+    <p:sldId id="291" r:id="rId13"/>
+    <p:sldId id="262" r:id="rId14"/>
+    <p:sldId id="268" r:id="rId15"/>
+    <p:sldId id="272" r:id="rId16"/>
+    <p:sldId id="266" r:id="rId17"/>
+    <p:sldId id="267" r:id="rId18"/>
+    <p:sldId id="273" r:id="rId19"/>
+    <p:sldId id="274" r:id="rId20"/>
+    <p:sldId id="275" r:id="rId21"/>
+    <p:sldId id="276" r:id="rId22"/>
+    <p:sldId id="277" r:id="rId23"/>
+    <p:sldId id="278" r:id="rId24"/>
+    <p:sldId id="279" r:id="rId25"/>
+    <p:sldId id="280" r:id="rId26"/>
+    <p:sldId id="281" r:id="rId27"/>
+    <p:sldId id="282" r:id="rId28"/>
+    <p:sldId id="264" r:id="rId29"/>
+    <p:sldId id="283" r:id="rId30"/>
+    <p:sldId id="284" r:id="rId31"/>
+    <p:sldId id="265" r:id="rId32"/>
   </p:sldIdLst>
   <p:sldSz cx="12192000" cy="6858000"/>
   <p:notesSz cx="6858000" cy="9144000"/>
@@ -6291,7 +6290,7 @@
           <a:p>
             <a:fld id="{45724847-4CA4-4B6E-A07B-DA883A6BD188}" type="datetimeFigureOut">
               <a:rPr lang="he-IL" smtClean="0"/>
-              <a:t>ד'/כסלו/תשפ"ב</a:t>
+              <a:t>ה'/כסלו/תשפ"ב</a:t>
             </a:fld>
             <a:endParaRPr lang="he-IL"/>
           </a:p>
@@ -6473,7 +6472,7 @@
           <a:p>
             <a:fld id="{09A75E60-B2A5-4C51-B815-E2BF31CBADA7}" type="datetimeFigureOut">
               <a:rPr lang="he-IL" smtClean="0"/>
-              <a:t>ד'/כסלו/תשפ"ב</a:t>
+              <a:t>ה'/כסלו/תשפ"ב</a:t>
             </a:fld>
             <a:endParaRPr lang="he-IL"/>
           </a:p>
@@ -6817,39 +6816,7 @@
               <a:rPr lang="he-IL" sz="1100" dirty="0">
                 <a:latin typeface="+mn-lt"/>
               </a:rPr>
-              <a:t>הפרויקט הוא בניית אלגוריתם </a:t>
-            </a:r>
-            <a:r>
-              <a:rPr lang="en-US" sz="1100" dirty="0">
-                <a:latin typeface="+mn-lt"/>
-              </a:rPr>
-              <a:t>online</a:t>
-            </a:r>
-            <a:r>
-              <a:rPr lang="he-IL" sz="1100" dirty="0">
-                <a:latin typeface="+mn-lt"/>
-              </a:rPr>
-              <a:t> לניהול המראות ונחיתות של מטוסים.</a:t>
-            </a:r>
-          </a:p>
-          <a:p>
-            <a:r>
-              <a:rPr lang="he-IL" sz="1100" dirty="0">
-                <a:latin typeface="+mn-lt"/>
-              </a:rPr>
-              <a:t>זה הוא פרויקט המשך לפרויקט בו, כתבו אלגוריתם </a:t>
-            </a:r>
-            <a:r>
-              <a:rPr lang="en-US" sz="1100" dirty="0">
-                <a:latin typeface="+mn-lt"/>
-              </a:rPr>
-              <a:t>offline</a:t>
-            </a:r>
-            <a:r>
-              <a:rPr lang="he-IL" sz="1100" dirty="0">
-                <a:latin typeface="+mn-lt"/>
-              </a:rPr>
-              <a:t> לאותה מטרה.</a:t>
+              <a:t>הפרויקט שלנו הוא בניית אלגוריתם לניהול המראות ונחיתות של מטוסים בזמן-אמת.</a:t>
             </a:r>
           </a:p>
           <a:p>
@@ -6996,147 +6963,59 @@
           <a:bodyPr/>
           <a:lstStyle/>
           <a:p>
-            <a:pPr marL="171450" indent="-171450">
-              <a:buFontTx/>
-              <a:buChar char="-"/>
-            </a:pPr>
             <a:r>
               <a:rPr lang="he-IL" dirty="0"/>
-              <a:t>אנחנו מקבלים תוכנית (</a:t>
+              <a:t>זוהי סכמה כללית של הבעיה שלנו</a:t>
+            </a:r>
+          </a:p>
+          <a:p>
+            <a:r>
+              <a:rPr lang="he-IL" dirty="0"/>
+              <a:t>כאשר ה-</a:t>
             </a:r>
             <a:r>
               <a:rPr lang="en-US" dirty="0"/>
-              <a:t>STN</a:t>
+              <a:t>planner</a:t>
             </a:r>
             <a:r>
               <a:rPr lang="he-IL" dirty="0"/>
-              <a:t>) מהזמן אופליין.</a:t>
-            </a:r>
-          </a:p>
-          <a:p>
-            <a:pPr marL="171450" indent="-171450">
-              <a:buFontTx/>
-              <a:buChar char="-"/>
-            </a:pPr>
+              <a:t> הוא בעצם אלגוריתם </a:t>
+            </a:r>
+            <a:r>
+              <a:rPr lang="he-IL" dirty="0" err="1"/>
+              <a:t>האופליין</a:t>
+            </a:r>
             <a:r>
               <a:rPr lang="he-IL" dirty="0"/>
-              <a:t>התוכנית פעולה נכנסת למנהל התכנית והוא דואג לייצר את </a:t>
-            </a:r>
-            <a:r>
-              <a:rPr lang="he-IL" dirty="0" err="1"/>
-              <a:t>המודולוים</a:t>
-            </a:r>
+              <a:t>.</a:t>
+            </a:r>
+          </a:p>
+          <a:p>
             <a:r>
               <a:rPr lang="he-IL" dirty="0"/>
-              <a:t> השונים והקשרים ביניהם.</a:t>
-            </a:r>
-          </a:p>
-          <a:p>
-            <a:pPr marL="171450" indent="-171450">
-              <a:buFontTx/>
-              <a:buChar char="-"/>
-            </a:pPr>
+              <a:t>ה-</a:t>
+            </a:r>
+            <a:r>
+              <a:rPr lang="en-US" dirty="0" err="1"/>
+              <a:t>exeutor</a:t>
+            </a:r>
             <a:r>
               <a:rPr lang="he-IL" dirty="0"/>
-              <a:t>הבקר מקבל את קובץ </a:t>
-            </a:r>
-            <a:r>
-              <a:rPr lang="he-IL" dirty="0" err="1"/>
-              <a:t>הקונפיג</a:t>
-            </a:r>
-            <a:r>
-              <a:rPr lang="he-IL" dirty="0"/>
-              <a:t> </a:t>
-            </a:r>
-            <a:r>
-              <a:rPr lang="he-IL" dirty="0" err="1"/>
-              <a:t>והתכנית</a:t>
-            </a:r>
-            <a:r>
-              <a:rPr lang="he-IL" dirty="0"/>
-              <a:t> (</a:t>
+              <a:t> הוא אלגוריתם האונליין שלנו, בגדול ה-</a:t>
             </a:r>
             <a:r>
               <a:rPr lang="en-US" dirty="0"/>
-              <a:t>STN</a:t>
-            </a:r>
-            <a:r>
-              <a:rPr lang="he-IL" dirty="0"/>
-              <a:t>) ותפקידו לשמש כמגדל בקרה ופיקוח.</a:t>
-            </a:r>
-          </a:p>
-          <a:p>
-            <a:pPr marL="171450" indent="-171450">
-              <a:buFontTx/>
-              <a:buChar char="-"/>
-            </a:pPr>
-            <a:r>
-              <a:rPr lang="he-IL" dirty="0"/>
-              <a:t>הסימולטור משמש כמודל לעולם אשר מריץ את הפעולות ונותן אינדיקציה כאשר פעולות הסתיימו.</a:t>
-            </a:r>
-          </a:p>
-          <a:p>
-            <a:pPr marL="171450" indent="-171450">
-              <a:buFontTx/>
-              <a:buChar char="-"/>
-            </a:pPr>
-            <a:r>
-              <a:rPr lang="he-IL" dirty="0"/>
-              <a:t>מודול מצב העולם (</a:t>
-            </a:r>
-            <a:r>
-              <a:rPr lang="en-US" dirty="0"/>
-              <a:t>state</a:t>
-            </a:r>
-            <a:r>
-              <a:rPr lang="he-IL" dirty="0"/>
-              <a:t>) מייצג תמונה של מצב כל המטוסים, נתיבים ושאר הפרמטרים אחריהם אנו עוקבים – מקבל </a:t>
-            </a:r>
-            <a:r>
-              <a:rPr lang="he-IL" dirty="0" err="1"/>
-              <a:t>עידכונים</a:t>
-            </a:r>
-            <a:r>
-              <a:rPr lang="he-IL" dirty="0"/>
-              <a:t> מהסימולטור על כל התחלה\סיום של פעולה.</a:t>
-            </a:r>
-          </a:p>
-          <a:p>
-            <a:pPr marL="171450" indent="-171450">
-              <a:buFontTx/>
-              <a:buChar char="-"/>
-            </a:pPr>
-            <a:r>
-              <a:rPr lang="he-IL" dirty="0"/>
-              <a:t>מודול ההפרעות – בוחר באופן רנדומלי כל מספר פעולות לייצר הפרעה אשר נשלחת לסימולטור עבור פעולה כלשהי.</a:t>
-            </a:r>
-          </a:p>
-          <a:p>
-            <a:pPr marL="171450" indent="-171450">
-              <a:buFontTx/>
-              <a:buChar char="-"/>
-            </a:pPr>
-            <a:r>
-              <a:rPr lang="he-IL" dirty="0"/>
-              <a:t>שעון – מודול גלובלי אשר סופר זמן באופן דיסקרטי.</a:t>
-            </a:r>
-          </a:p>
-          <a:p>
-            <a:pPr marL="171450" indent="-171450">
-              <a:buFontTx/>
-              <a:buChar char="-"/>
-            </a:pPr>
-            <a:r>
-              <a:rPr lang="he-IL" dirty="0"/>
-              <a:t>אירועים – מודול גלובלי אשר משמש כאמצעי תקשורת בין המודולים השונים </a:t>
-            </a:r>
-            <a:r>
-              <a:rPr lang="he-IL" dirty="0" err="1"/>
-              <a:t>בתכנית</a:t>
+              <a:t>controller</a:t>
             </a:r>
             <a:r>
               <a:rPr lang="he-IL" dirty="0"/>
               <a:t> שלנו.</a:t>
+            </a:r>
+          </a:p>
+          <a:p>
+            <a:r>
+              <a:rPr lang="he-IL" dirty="0"/>
+              <a:t>ועל מנת לבדוק את האלגוריתם, בנינו סביבה אשר מדמה שדה תעופה עם הפרעות ושינויים בזמן-אמת.</a:t>
             </a:r>
           </a:p>
         </p:txBody>
@@ -7181,7 +7060,7 @@
           <a:p>
             <a:fld id="{5D87C9B3-3F36-45D2-B699-10C699E739B9}" type="slidenum">
               <a:rPr lang="he-IL" smtClean="0"/>
-              <a:t>13</a:t>
+              <a:t>10</a:t>
             </a:fld>
             <a:endParaRPr lang="he-IL"/>
           </a:p>
@@ -7190,7 +7069,7 @@
     </p:spTree>
     <p:extLst>
       <p:ext uri="{BB962C8B-B14F-4D97-AF65-F5344CB8AC3E}">
-        <p14:creationId xmlns:p14="http://schemas.microsoft.com/office/powerpoint/2010/main" val="850113018"/>
+        <p14:creationId xmlns:p14="http://schemas.microsoft.com/office/powerpoint/2010/main" val="756721077"/>
       </p:ext>
     </p:extLst>
   </p:cSld>
@@ -7244,44 +7123,192 @@
           <a:bodyPr/>
           <a:lstStyle/>
           <a:p>
+            <a:pPr marL="171450" indent="-171450">
+              <a:buFontTx/>
+              <a:buChar char="-"/>
+            </a:pPr>
             <a:r>
               <a:rPr lang="he-IL" dirty="0"/>
-              <a:t>מנהל התוכנית – מודול אשר אחראי על היצירה והניקוי של המודולים הגלובליים</a:t>
-            </a:r>
-          </a:p>
-          <a:p>
+              <a:t>אנחנו מקבלים תוכנית (</a:t>
+            </a:r>
+            <a:r>
+              <a:rPr lang="en-US" dirty="0"/>
+              <a:t>STN</a:t>
+            </a:r>
             <a:r>
               <a:rPr lang="he-IL" dirty="0"/>
-              <a:t>	   מודול אשר מקשר את הזמן </a:t>
+              <a:t>) מהזמן אופליין.</a:t>
+            </a:r>
+          </a:p>
+          <a:p>
+            <a:pPr marL="171450" indent="-171450">
+              <a:buFontTx/>
+              <a:buChar char="-"/>
+            </a:pPr>
+            <a:r>
+              <a:rPr lang="he-IL" dirty="0"/>
+              <a:t>התוכנית פעולה נכנסת למנהל התכנית והוא דואג לייצר את </a:t>
             </a:r>
             <a:r>
               <a:rPr lang="he-IL" dirty="0" err="1"/>
-              <a:t>האופליין</a:t>
+              <a:t>המודולוים</a:t>
             </a:r>
             <a:r>
               <a:rPr lang="he-IL" dirty="0"/>
-              <a:t> לזמן האונליין.</a:t>
-            </a:r>
-          </a:p>
-          <a:p>
+              <a:t> השונים והקשרים ביניהם.</a:t>
+            </a:r>
+          </a:p>
+          <a:p>
+            <a:pPr marL="171450" indent="-171450">
+              <a:buFontTx/>
+              <a:buChar char="-"/>
+            </a:pPr>
             <a:r>
               <a:rPr lang="he-IL" dirty="0"/>
-              <a:t>	   מודול אשר יוצר עבור כל טסט את המודולים </a:t>
+              <a:t>הבקר מקבל את קובץ </a:t>
             </a:r>
             <a:r>
               <a:rPr lang="he-IL" dirty="0" err="1"/>
-              <a:t>הלוקאללים</a:t>
+              <a:t>הקונפיג</a:t>
             </a:r>
             <a:r>
               <a:rPr lang="he-IL" dirty="0"/>
-              <a:t> ומקשר ביניהם.</a:t>
-            </a:r>
-          </a:p>
-          <a:p>
-            <a:r>
-              <a:rPr lang="he-IL"/>
-              <a:t>		</a:t>
-            </a:r>
+              <a:t> </a:t>
+            </a:r>
+            <a:r>
+              <a:rPr lang="he-IL" dirty="0" err="1"/>
+              <a:t>והתכנית</a:t>
+            </a:r>
+            <a:r>
+              <a:rPr lang="he-IL" dirty="0"/>
+              <a:t> (</a:t>
+            </a:r>
+            <a:r>
+              <a:rPr lang="en-US" dirty="0"/>
+              <a:t>STN</a:t>
+            </a:r>
+            <a:r>
+              <a:rPr lang="he-IL" dirty="0"/>
+              <a:t>) ותפקידו לשמש כמגדל בקרה ופיקוח.</a:t>
+            </a:r>
+          </a:p>
+          <a:p>
+            <a:pPr marL="171450" indent="-171450">
+              <a:buFontTx/>
+              <a:buChar char="-"/>
+            </a:pPr>
+            <a:r>
+              <a:rPr lang="he-IL" dirty="0"/>
+              <a:t>הסימולטור משמש כמודל לעולם אשר מריץ את הפעולות ונותן אינדיקציה כאשר פעולות הסתיימו.</a:t>
+            </a:r>
+          </a:p>
+          <a:p>
+            <a:pPr marL="171450" indent="-171450">
+              <a:buFontTx/>
+              <a:buChar char="-"/>
+            </a:pPr>
+            <a:r>
+              <a:rPr lang="he-IL" dirty="0"/>
+              <a:t>מודול מצב העולם (</a:t>
+            </a:r>
+            <a:r>
+              <a:rPr lang="en-US" dirty="0"/>
+              <a:t>state</a:t>
+            </a:r>
+            <a:r>
+              <a:rPr lang="he-IL" dirty="0"/>
+              <a:t>) מייצג תמונה של מצב כל המטוסים, נתיבים ושאר הפרמטרים אחריהם אנו עוקבים – מקבל </a:t>
+            </a:r>
+            <a:r>
+              <a:rPr lang="he-IL" dirty="0" err="1"/>
+              <a:t>עידכונים</a:t>
+            </a:r>
+            <a:r>
+              <a:rPr lang="he-IL" dirty="0"/>
+              <a:t> מהסימולטור על כל התחלה\סיום של פעולה.</a:t>
+            </a:r>
+          </a:p>
+          <a:p>
+            <a:pPr marL="171450" indent="-171450">
+              <a:buFontTx/>
+              <a:buChar char="-"/>
+            </a:pPr>
+            <a:r>
+              <a:rPr lang="he-IL" dirty="0"/>
+              <a:t>מודול ההפרעות – בוחר באופן רנדומלי כל מספר פעולות לייצר הפרעה אשר נשלחת לסימולטור עבור פעולה כלשהי.</a:t>
+            </a:r>
+          </a:p>
+          <a:p>
+            <a:pPr marL="171450" indent="-171450">
+              <a:buFontTx/>
+              <a:buChar char="-"/>
+            </a:pPr>
+            <a:r>
+              <a:rPr lang="he-IL" dirty="0"/>
+              <a:t>שעון – מודול גלובלי אשר סופר זמן באופן דיסקרטי.</a:t>
+            </a:r>
+          </a:p>
+          <a:p>
+            <a:pPr marL="171450" indent="-171450">
+              <a:buFontTx/>
+              <a:buChar char="-"/>
+            </a:pPr>
+            <a:r>
+              <a:rPr lang="he-IL" dirty="0"/>
+              <a:t>אירועים – מודול גלובלי אשר משמש כאמצעי תקשורת בין המודולים השונים </a:t>
+            </a:r>
+            <a:r>
+              <a:rPr lang="he-IL" dirty="0" err="1"/>
+              <a:t>בתכנית</a:t>
+            </a:r>
+            <a:r>
+              <a:rPr lang="he-IL" dirty="0"/>
+              <a:t> שלנו.</a:t>
+            </a:r>
+          </a:p>
+          <a:p>
+            <a:pPr marL="171450" indent="-171450">
+              <a:buFontTx/>
+              <a:buChar char="-"/>
+            </a:pPr>
+            <a:endParaRPr lang="he-IL" dirty="0"/>
+          </a:p>
+          <a:p>
+            <a:pPr marL="171450" marR="0" lvl="0" indent="-171450" algn="r" defTabSz="914400" rtl="1" eaLnBrk="1" fontAlgn="auto" latinLnBrk="0" hangingPunct="1">
+              <a:lnSpc>
+                <a:spcPct val="100000"/>
+              </a:lnSpc>
+              <a:spcBef>
+                <a:spcPts val="0"/>
+              </a:spcBef>
+              <a:spcAft>
+                <a:spcPts val="0"/>
+              </a:spcAft>
+              <a:buClrTx/>
+              <a:buSzTx/>
+              <a:buFontTx/>
+              <a:buChar char="-"/>
+              <a:tabLst/>
+              <a:defRPr/>
+            </a:pPr>
+            <a:r>
+              <a:rPr lang="he-IL" dirty="0"/>
+              <a:t>עיקר השינויים היו הוספת מעטפת לפרויקט כדי שנוכל להשתמש בו כחלק מהאלגוריתם שלנו, בעצם, שינינו את הפרויקט כך שיקבל קלט ופלט בצורה שנוכל לייצר </a:t>
+            </a:r>
+            <a:r>
+              <a:rPr lang="he-IL" b="1" dirty="0"/>
+              <a:t>משוב</a:t>
+            </a:r>
+            <a:r>
+              <a:rPr lang="he-IL" dirty="0"/>
+              <a:t> בצורה נוחה.</a:t>
+            </a:r>
+          </a:p>
+          <a:p>
+            <a:pPr marL="171450" indent="-171450">
+              <a:buFontTx/>
+              <a:buChar char="-"/>
+            </a:pPr>
             <a:endParaRPr lang="he-IL" dirty="0"/>
           </a:p>
         </p:txBody>
@@ -7326,7 +7353,7 @@
           <a:p>
             <a:fld id="{5D87C9B3-3F36-45D2-B699-10C699E739B9}" type="slidenum">
               <a:rPr lang="he-IL" smtClean="0"/>
-              <a:t>14</a:t>
+              <a:t>12</a:t>
             </a:fld>
             <a:endParaRPr lang="he-IL"/>
           </a:p>
@@ -7335,7 +7362,7 @@
     </p:spTree>
     <p:extLst>
       <p:ext uri="{BB962C8B-B14F-4D97-AF65-F5344CB8AC3E}">
-        <p14:creationId xmlns:p14="http://schemas.microsoft.com/office/powerpoint/2010/main" val="2906297507"/>
+        <p14:creationId xmlns:p14="http://schemas.microsoft.com/office/powerpoint/2010/main" val="850113018"/>
       </p:ext>
     </p:extLst>
   </p:cSld>
@@ -7389,6 +7416,44 @@
           <a:bodyPr/>
           <a:lstStyle/>
           <a:p>
+            <a:r>
+              <a:rPr lang="he-IL" dirty="0"/>
+              <a:t>מנהל התוכנית – מודול אשר אחראי על היצירה והניקוי של המודולים הגלובליים</a:t>
+            </a:r>
+          </a:p>
+          <a:p>
+            <a:r>
+              <a:rPr lang="he-IL" dirty="0"/>
+              <a:t>	   מודול אשר מקשר את הזמן </a:t>
+            </a:r>
+            <a:r>
+              <a:rPr lang="he-IL" dirty="0" err="1"/>
+              <a:t>האופליין</a:t>
+            </a:r>
+            <a:r>
+              <a:rPr lang="he-IL" dirty="0"/>
+              <a:t> לזמן האונליין.</a:t>
+            </a:r>
+          </a:p>
+          <a:p>
+            <a:r>
+              <a:rPr lang="he-IL" dirty="0"/>
+              <a:t>	   מודול אשר יוצר עבור כל טסט את המודולים </a:t>
+            </a:r>
+            <a:r>
+              <a:rPr lang="he-IL" dirty="0" err="1"/>
+              <a:t>הלוקאללים</a:t>
+            </a:r>
+            <a:r>
+              <a:rPr lang="he-IL" dirty="0"/>
+              <a:t> ומקשר ביניהם.</a:t>
+            </a:r>
+          </a:p>
+          <a:p>
+            <a:r>
+              <a:rPr lang="he-IL"/>
+              <a:t>		</a:t>
+            </a:r>
             <a:endParaRPr lang="he-IL" dirty="0"/>
           </a:p>
         </p:txBody>
@@ -7433,7 +7498,7 @@
           <a:p>
             <a:fld id="{5D87C9B3-3F36-45D2-B699-10C699E739B9}" type="slidenum">
               <a:rPr lang="he-IL" smtClean="0"/>
-              <a:t>15</a:t>
+              <a:t>13</a:t>
             </a:fld>
             <a:endParaRPr lang="he-IL"/>
           </a:p>
@@ -7442,7 +7507,7 @@
     </p:spTree>
     <p:extLst>
       <p:ext uri="{BB962C8B-B14F-4D97-AF65-F5344CB8AC3E}">
-        <p14:creationId xmlns:p14="http://schemas.microsoft.com/office/powerpoint/2010/main" val="34609377"/>
+        <p14:creationId xmlns:p14="http://schemas.microsoft.com/office/powerpoint/2010/main" val="2906297507"/>
       </p:ext>
     </p:extLst>
   </p:cSld>
@@ -7496,71 +7561,7 @@
           <a:bodyPr/>
           <a:lstStyle/>
           <a:p>
-            <a:r>
-              <a:rPr lang="he-IL" dirty="0"/>
-              <a:t>הבקר מייצר את מבניי הנתונים שלו על סמך התכנית מהמודול אופליין.</a:t>
-            </a:r>
-          </a:p>
-          <a:p>
-            <a:r>
-              <a:rPr lang="he-IL" dirty="0"/>
-              <a:t>הבקר הוא מגדל הפיקוח אשר שולח את הפעולות שמוכנות לביצוע לסימולטור.</a:t>
-            </a:r>
-          </a:p>
-          <a:p>
-            <a:r>
-              <a:rPr lang="he-IL" dirty="0"/>
-              <a:t>עבור כל פעולה נבדוק האם האבות של אותה פעולה הסתיימו והגיע הזמן שלה לרוץ.</a:t>
-            </a:r>
-          </a:p>
-          <a:p>
-            <a:r>
-              <a:rPr lang="he-IL" dirty="0"/>
-              <a:t>טרם שליחת הפעולה לסימולטור מוודאים את חוקיות הפעולה אל מול מודול מצב העולם.</a:t>
-            </a:r>
-          </a:p>
-          <a:p>
-            <a:pPr marL="0" marR="0" lvl="0" indent="0" algn="r" defTabSz="914400" rtl="1" eaLnBrk="1" fontAlgn="auto" latinLnBrk="0" hangingPunct="1">
-              <a:lnSpc>
-                <a:spcPct val="100000"/>
-              </a:lnSpc>
-              <a:spcBef>
-                <a:spcPts val="0"/>
-              </a:spcBef>
-              <a:spcAft>
-                <a:spcPts val="0"/>
-              </a:spcAft>
-              <a:buClrTx/>
-              <a:buSzTx/>
-              <a:buFontTx/>
-              <a:buNone/>
-              <a:tabLst/>
-              <a:defRPr/>
-            </a:pPr>
-            <a:r>
-              <a:rPr lang="he-IL" dirty="0"/>
-              <a:t>עבור כל פעולה שנשלחת לסימולטור מבצע המרה של משך הפעולה לפי ציר הזמן שהוגדר.</a:t>
-            </a:r>
-          </a:p>
-          <a:p>
-            <a:r>
-              <a:rPr lang="he-IL" dirty="0"/>
-              <a:t>עבור כל פעולה שהסתיימה מעדכן בגרף בצומת המתאים את הדגל של הפעולה.</a:t>
-            </a:r>
-          </a:p>
-          <a:p>
-            <a:r>
-              <a:rPr lang="he-IL" dirty="0"/>
-              <a:t>כאשר הבקר סיים את כל הפעולות שקיימות </a:t>
-            </a:r>
-            <a:r>
-              <a:rPr lang="he-IL" dirty="0" err="1"/>
-              <a:t>בתכנית</a:t>
-            </a:r>
-            <a:r>
-              <a:rPr lang="he-IL" dirty="0"/>
-              <a:t> –מעלה אירוע שהוא סיים.</a:t>
-            </a:r>
+            <a:endParaRPr lang="he-IL" dirty="0"/>
           </a:p>
         </p:txBody>
       </p:sp>
@@ -7604,7 +7605,7 @@
           <a:p>
             <a:fld id="{5D87C9B3-3F36-45D2-B699-10C699E739B9}" type="slidenum">
               <a:rPr lang="he-IL" smtClean="0"/>
-              <a:t>16</a:t>
+              <a:t>14</a:t>
             </a:fld>
             <a:endParaRPr lang="he-IL"/>
           </a:p>
@@ -7613,7 +7614,7 @@
     </p:spTree>
     <p:extLst>
       <p:ext uri="{BB962C8B-B14F-4D97-AF65-F5344CB8AC3E}">
-        <p14:creationId xmlns:p14="http://schemas.microsoft.com/office/powerpoint/2010/main" val="4166017777"/>
+        <p14:creationId xmlns:p14="http://schemas.microsoft.com/office/powerpoint/2010/main" val="34609377"/>
       </p:ext>
     </p:extLst>
   </p:cSld>
@@ -7667,7 +7668,71 @@
           <a:bodyPr/>
           <a:lstStyle/>
           <a:p>
-            <a:endParaRPr lang="he-IL" dirty="0"/>
+            <a:r>
+              <a:rPr lang="he-IL" dirty="0"/>
+              <a:t>הבקר מייצר את מבניי הנתונים שלו על סמך התכנית מהמודול אופליין.</a:t>
+            </a:r>
+          </a:p>
+          <a:p>
+            <a:r>
+              <a:rPr lang="he-IL" dirty="0"/>
+              <a:t>הבקר הוא מגדל הפיקוח אשר שולח את הפעולות שמוכנות לביצוע לסימולטור.</a:t>
+            </a:r>
+          </a:p>
+          <a:p>
+            <a:r>
+              <a:rPr lang="he-IL" dirty="0"/>
+              <a:t>עבור כל פעולה נבדוק האם האבות של אותה פעולה הסתיימו והגיע הזמן שלה לרוץ.</a:t>
+            </a:r>
+          </a:p>
+          <a:p>
+            <a:r>
+              <a:rPr lang="he-IL" dirty="0"/>
+              <a:t>טרם שליחת הפעולה לסימולטור מוודאים את חוקיות הפעולה אל מול מודול מצב העולם.</a:t>
+            </a:r>
+          </a:p>
+          <a:p>
+            <a:pPr marL="0" marR="0" lvl="0" indent="0" algn="r" defTabSz="914400" rtl="1" eaLnBrk="1" fontAlgn="auto" latinLnBrk="0" hangingPunct="1">
+              <a:lnSpc>
+                <a:spcPct val="100000"/>
+              </a:lnSpc>
+              <a:spcBef>
+                <a:spcPts val="0"/>
+              </a:spcBef>
+              <a:spcAft>
+                <a:spcPts val="0"/>
+              </a:spcAft>
+              <a:buClrTx/>
+              <a:buSzTx/>
+              <a:buFontTx/>
+              <a:buNone/>
+              <a:tabLst/>
+              <a:defRPr/>
+            </a:pPr>
+            <a:r>
+              <a:rPr lang="he-IL" dirty="0"/>
+              <a:t>עבור כל פעולה שנשלחת לסימולטור מבצע המרה של משך הפעולה לפי ציר הזמן שהוגדר.</a:t>
+            </a:r>
+          </a:p>
+          <a:p>
+            <a:r>
+              <a:rPr lang="he-IL" dirty="0"/>
+              <a:t>עבור כל פעולה שהסתיימה מעדכן בגרף בצומת המתאים את הדגל של הפעולה.</a:t>
+            </a:r>
+          </a:p>
+          <a:p>
+            <a:r>
+              <a:rPr lang="he-IL" dirty="0"/>
+              <a:t>כאשר הבקר סיים את כל הפעולות שקיימות </a:t>
+            </a:r>
+            <a:r>
+              <a:rPr lang="he-IL" dirty="0" err="1"/>
+              <a:t>בתכנית</a:t>
+            </a:r>
+            <a:r>
+              <a:rPr lang="he-IL" dirty="0"/>
+              <a:t> –מעלה אירוע שהוא סיים.</a:t>
+            </a:r>
           </a:p>
         </p:txBody>
       </p:sp>
@@ -7711,7 +7776,7 @@
           <a:p>
             <a:fld id="{5D87C9B3-3F36-45D2-B699-10C699E739B9}" type="slidenum">
               <a:rPr lang="he-IL" smtClean="0"/>
-              <a:t>17</a:t>
+              <a:t>15</a:t>
             </a:fld>
             <a:endParaRPr lang="he-IL"/>
           </a:p>
@@ -7720,7 +7785,7 @@
     </p:spTree>
     <p:extLst>
       <p:ext uri="{BB962C8B-B14F-4D97-AF65-F5344CB8AC3E}">
-        <p14:creationId xmlns:p14="http://schemas.microsoft.com/office/powerpoint/2010/main" val="777958349"/>
+        <p14:creationId xmlns:p14="http://schemas.microsoft.com/office/powerpoint/2010/main" val="4166017777"/>
       </p:ext>
     </p:extLst>
   </p:cSld>
@@ -7774,44 +7839,7 @@
           <a:bodyPr/>
           <a:lstStyle/>
           <a:p>
-            <a:r>
-              <a:rPr lang="he-IL" dirty="0"/>
-              <a:t>הרשימה שלפיה נקבע מי הפעולה הבאה לביצוע לפי סדר כרונולוגי של תחיל ביצוע.</a:t>
-            </a:r>
-          </a:p>
-          <a:p>
-            <a:r>
-              <a:rPr lang="he-IL" dirty="0"/>
-              <a:t>רשימה זו מחזיקה מצביעים לצמתי בגרף.</a:t>
-            </a:r>
-          </a:p>
-          <a:p>
-            <a:r>
-              <a:rPr lang="he-IL" dirty="0"/>
-              <a:t>הרשימה היא תור עדיפויות על פי הזמן שבו הפעולה אמורה להתחיל. (ממוש על ידי </a:t>
-            </a:r>
-            <a:r>
-              <a:rPr lang="he-IL" dirty="0" err="1"/>
-              <a:t>ערימת</a:t>
-            </a:r>
-            <a:r>
-              <a:rPr lang="he-IL" dirty="0"/>
-              <a:t> מינימום).</a:t>
-            </a:r>
-          </a:p>
-          <a:p>
-            <a:r>
-              <a:rPr lang="he-IL" dirty="0"/>
-              <a:t>פעולות שהזמן שלהן הגיע אך טרם מוכנות (עקב הפרעה או שינוי סדר פעולות על ידי הבקר) מקבלות קנס של יחידת זמן אחת ובכך אנו משנים את סדר הפעולות </a:t>
-            </a:r>
-            <a:r>
-              <a:rPr lang="he-IL" dirty="0" err="1"/>
-              <a:t>מהתכנית</a:t>
-            </a:r>
-            <a:r>
-              <a:rPr lang="he-IL" dirty="0"/>
-              <a:t> המקורית.</a:t>
-            </a:r>
+            <a:endParaRPr lang="he-IL" dirty="0"/>
           </a:p>
         </p:txBody>
       </p:sp>
@@ -7855,7 +7883,7 @@
           <a:p>
             <a:fld id="{5D87C9B3-3F36-45D2-B699-10C699E739B9}" type="slidenum">
               <a:rPr lang="he-IL" smtClean="0"/>
-              <a:t>18</a:t>
+              <a:t>16</a:t>
             </a:fld>
             <a:endParaRPr lang="he-IL"/>
           </a:p>
@@ -7864,7 +7892,7 @@
     </p:spTree>
     <p:extLst>
       <p:ext uri="{BB962C8B-B14F-4D97-AF65-F5344CB8AC3E}">
-        <p14:creationId xmlns:p14="http://schemas.microsoft.com/office/powerpoint/2010/main" val="243888583"/>
+        <p14:creationId xmlns:p14="http://schemas.microsoft.com/office/powerpoint/2010/main" val="777958349"/>
       </p:ext>
     </p:extLst>
   </p:cSld>
@@ -7918,7 +7946,44 @@
           <a:bodyPr/>
           <a:lstStyle/>
           <a:p>
-            <a:endParaRPr lang="he-IL" dirty="0"/>
+            <a:r>
+              <a:rPr lang="he-IL" dirty="0"/>
+              <a:t>הרשימה שלפיה נקבע מי הפעולה הבאה לביצוע לפי סדר כרונולוגי של תחיל ביצוע.</a:t>
+            </a:r>
+          </a:p>
+          <a:p>
+            <a:r>
+              <a:rPr lang="he-IL" dirty="0"/>
+              <a:t>רשימה זו מחזיקה מצביעים לצמתי בגרף.</a:t>
+            </a:r>
+          </a:p>
+          <a:p>
+            <a:r>
+              <a:rPr lang="he-IL" dirty="0"/>
+              <a:t>הרשימה היא תור עדיפויות על פי הזמן שבו הפעולה אמורה להתחיל. (ממוש על ידי </a:t>
+            </a:r>
+            <a:r>
+              <a:rPr lang="he-IL" dirty="0" err="1"/>
+              <a:t>ערימת</a:t>
+            </a:r>
+            <a:r>
+              <a:rPr lang="he-IL" dirty="0"/>
+              <a:t> מינימום).</a:t>
+            </a:r>
+          </a:p>
+          <a:p>
+            <a:r>
+              <a:rPr lang="he-IL" dirty="0"/>
+              <a:t>פעולות שהזמן שלהן הגיע אך טרם מוכנות (עקב הפרעה או שינוי סדר פעולות על ידי הבקר) מקבלות קנס של יחידת זמן אחת ובכך אנו משנים את סדר הפעולות </a:t>
+            </a:r>
+            <a:r>
+              <a:rPr lang="he-IL" dirty="0" err="1"/>
+              <a:t>מהתכנית</a:t>
+            </a:r>
+            <a:r>
+              <a:rPr lang="he-IL" dirty="0"/>
+              <a:t> המקורית.</a:t>
+            </a:r>
           </a:p>
         </p:txBody>
       </p:sp>
@@ -7962,7 +8027,7 @@
           <a:p>
             <a:fld id="{5D87C9B3-3F36-45D2-B699-10C699E739B9}" type="slidenum">
               <a:rPr lang="he-IL" smtClean="0"/>
-              <a:t>19</a:t>
+              <a:t>17</a:t>
             </a:fld>
             <a:endParaRPr lang="he-IL"/>
           </a:p>
@@ -7971,7 +8036,7 @@
     </p:spTree>
     <p:extLst>
       <p:ext uri="{BB962C8B-B14F-4D97-AF65-F5344CB8AC3E}">
-        <p14:creationId xmlns:p14="http://schemas.microsoft.com/office/powerpoint/2010/main" val="3276345102"/>
+        <p14:creationId xmlns:p14="http://schemas.microsoft.com/office/powerpoint/2010/main" val="243888583"/>
       </p:ext>
     </p:extLst>
   </p:cSld>
@@ -8025,44 +8090,6 @@
           <a:bodyPr/>
           <a:lstStyle/>
           <a:p>
-            <a:r>
-              <a:rPr lang="he-IL" dirty="0"/>
-              <a:t>הסימולטור מדמה את מצב העולם, אין לא יכולת החלטה על ביצוע של דברים אלא הוא מקבל פקודות בלבד ועושה אותן.</a:t>
-            </a:r>
-          </a:p>
-          <a:p>
-            <a:r>
-              <a:rPr lang="he-IL" dirty="0"/>
-              <a:t>במידה ומודול ההפרעות החליט על הפרעה הסימולטור מוסיף את משך ההפרעה לפעולה המתאימה.</a:t>
-            </a:r>
-          </a:p>
-          <a:p>
-            <a:r>
-              <a:rPr lang="he-IL" dirty="0"/>
-              <a:t>הסימולטור בכל התחלה וסיום של פעולה חדשה מבצע </a:t>
-            </a:r>
-            <a:r>
-              <a:rPr lang="he-IL" dirty="0" err="1"/>
-              <a:t>עידכון</a:t>
-            </a:r>
-            <a:r>
-              <a:rPr lang="he-IL" dirty="0"/>
-              <a:t> של מודול מצב העולם.</a:t>
-            </a:r>
-          </a:p>
-          <a:p>
-            <a:r>
-              <a:rPr lang="he-IL" dirty="0"/>
-              <a:t>הסימולטור בכל מחזור שעון מוריד יחידת זמן מנורמלת מכלל הפעולות שכרגע בביצוע.</a:t>
-            </a:r>
-          </a:p>
-          <a:p>
-            <a:r>
-              <a:rPr lang="he-IL" dirty="0"/>
-              <a:t>הסימולטור הוא "מקבילי" כלומר ייתכן שבאותו מחזור שעון יתחילו\ יסתיימו מספר פעולות במקביל.</a:t>
-            </a:r>
-          </a:p>
-          <a:p>
             <a:endParaRPr lang="he-IL" dirty="0"/>
           </a:p>
         </p:txBody>
@@ -8107,7 +8134,7 @@
           <a:p>
             <a:fld id="{5D87C9B3-3F36-45D2-B699-10C699E739B9}" type="slidenum">
               <a:rPr lang="he-IL" smtClean="0"/>
-              <a:t>20</a:t>
+              <a:t>18</a:t>
             </a:fld>
             <a:endParaRPr lang="he-IL"/>
           </a:p>
@@ -8116,7 +8143,7 @@
     </p:spTree>
     <p:extLst>
       <p:ext uri="{BB962C8B-B14F-4D97-AF65-F5344CB8AC3E}">
-        <p14:creationId xmlns:p14="http://schemas.microsoft.com/office/powerpoint/2010/main" val="551762232"/>
+        <p14:creationId xmlns:p14="http://schemas.microsoft.com/office/powerpoint/2010/main" val="3276345102"/>
       </p:ext>
     </p:extLst>
   </p:cSld>
@@ -8172,14 +8199,43 @@
           <a:p>
             <a:r>
               <a:rPr lang="he-IL" dirty="0"/>
-              <a:t>הסדר בדומה לבקר אך הפרמטר מיון הוא משך הפעולה, ייתכן שמשך הפעולה כולל הפרעה שהתקבלה.</a:t>
+              <a:t>הסימולטור מדמה את מצב העולם, אין לא יכולת החלטה על ביצוע של דברים אלא הוא מקבל פקודות בלבד ועושה אותן.</a:t>
             </a:r>
           </a:p>
           <a:p>
             <a:r>
               <a:rPr lang="he-IL" dirty="0"/>
-              <a:t>כל מחזור שעון מורידים יחידת זמן מנורמלת מכלל הפעולות שכרגע בביצוע.</a:t>
-            </a:r>
+              <a:t>במידה ומודול ההפרעות החליט על הפרעה הסימולטור מוסיף את משך ההפרעה לפעולה המתאימה.</a:t>
+            </a:r>
+          </a:p>
+          <a:p>
+            <a:r>
+              <a:rPr lang="he-IL" dirty="0"/>
+              <a:t>הסימולטור בכל התחלה וסיום של פעולה חדשה מבצע </a:t>
+            </a:r>
+            <a:r>
+              <a:rPr lang="he-IL" dirty="0" err="1"/>
+              <a:t>עידכון</a:t>
+            </a:r>
+            <a:r>
+              <a:rPr lang="he-IL" dirty="0"/>
+              <a:t> של מודול מצב העולם.</a:t>
+            </a:r>
+          </a:p>
+          <a:p>
+            <a:r>
+              <a:rPr lang="he-IL" dirty="0"/>
+              <a:t>הסימולטור בכל מחזור שעון מוריד יחידת זמן מנורמלת מכלל הפעולות שכרגע בביצוע.</a:t>
+            </a:r>
+          </a:p>
+          <a:p>
+            <a:r>
+              <a:rPr lang="he-IL" dirty="0"/>
+              <a:t>הסימולטור הוא "מקבילי" כלומר ייתכן שבאותו מחזור שעון יתחילו\ יסתיימו מספר פעולות במקביל.</a:t>
+            </a:r>
+          </a:p>
+          <a:p>
+            <a:endParaRPr lang="he-IL" dirty="0"/>
           </a:p>
         </p:txBody>
       </p:sp>
@@ -8223,7 +8279,7 @@
           <a:p>
             <a:fld id="{5D87C9B3-3F36-45D2-B699-10C699E739B9}" type="slidenum">
               <a:rPr lang="he-IL" smtClean="0"/>
-              <a:t>21</a:t>
+              <a:t>19</a:t>
             </a:fld>
             <a:endParaRPr lang="he-IL"/>
           </a:p>
@@ -8232,7 +8288,7 @@
     </p:spTree>
     <p:extLst>
       <p:ext uri="{BB962C8B-B14F-4D97-AF65-F5344CB8AC3E}">
-        <p14:creationId xmlns:p14="http://schemas.microsoft.com/office/powerpoint/2010/main" val="2543853672"/>
+        <p14:creationId xmlns:p14="http://schemas.microsoft.com/office/powerpoint/2010/main" val="551762232"/>
       </p:ext>
     </p:extLst>
   </p:cSld>
@@ -8288,7 +8344,13 @@
           <a:p>
             <a:r>
               <a:rPr lang="he-IL" dirty="0"/>
-              <a:t>בעיות בייצוג של 0 במחשב לכן הגדרנו "0" עבור הבעיה שלנו</a:t>
+              <a:t>הסדר בדומה לבקר אך הפרמטר מיון הוא משך הפעולה, ייתכן שמשך הפעולה כולל הפרעה שהתקבלה.</a:t>
+            </a:r>
+          </a:p>
+          <a:p>
+            <a:r>
+              <a:rPr lang="he-IL" dirty="0"/>
+              <a:t>כל מחזור שעון מורידים יחידת זמן מנורמלת מכלל הפעולות שכרגע בביצוע.</a:t>
             </a:r>
           </a:p>
         </p:txBody>
@@ -8333,7 +8395,7 @@
           <a:p>
             <a:fld id="{5D87C9B3-3F36-45D2-B699-10C699E739B9}" type="slidenum">
               <a:rPr lang="he-IL" smtClean="0"/>
-              <a:t>22</a:t>
+              <a:t>20</a:t>
             </a:fld>
             <a:endParaRPr lang="he-IL"/>
           </a:p>
@@ -8342,7 +8404,7 @@
     </p:spTree>
     <p:extLst>
       <p:ext uri="{BB962C8B-B14F-4D97-AF65-F5344CB8AC3E}">
-        <p14:creationId xmlns:p14="http://schemas.microsoft.com/office/powerpoint/2010/main" val="1534296304"/>
+        <p14:creationId xmlns:p14="http://schemas.microsoft.com/office/powerpoint/2010/main" val="2543853672"/>
       </p:ext>
     </p:extLst>
   </p:cSld>
@@ -8397,67 +8459,61 @@
           <a:lstStyle/>
           <a:p>
             <a:r>
-              <a:rPr lang="he-IL" b="1" dirty="0">
-                <a:solidFill>
-                  <a:srgbClr val="002060"/>
-                </a:solidFill>
-              </a:rPr>
-              <a:t>הצגת הבעיה והמוטיבציה</a:t>
-            </a:r>
-            <a:br>
-              <a:rPr lang="he-IL" b="1" dirty="0">
-                <a:solidFill>
-                  <a:srgbClr val="002060"/>
-                </a:solidFill>
-              </a:rPr>
-            </a:br>
-            <a:r>
-              <a:rPr lang="he-IL" b="1" dirty="0">
-                <a:solidFill>
-                  <a:srgbClr val="002060"/>
-                </a:solidFill>
-              </a:rPr>
-              <a:t>שדה תעופה, תוכנית יום, פיקוח</a:t>
-            </a:r>
-          </a:p>
-          <a:p>
-            <a:endParaRPr lang="he-IL" b="1" dirty="0">
-              <a:solidFill>
-                <a:srgbClr val="002060"/>
-              </a:solidFill>
-            </a:endParaRPr>
-          </a:p>
-          <a:p>
-            <a:pPr marL="0" marR="0" lvl="0" indent="0" algn="r" defTabSz="914400" rtl="1" eaLnBrk="1" fontAlgn="auto" latinLnBrk="0" hangingPunct="1">
-              <a:lnSpc>
-                <a:spcPct val="100000"/>
-              </a:lnSpc>
-              <a:spcBef>
-                <a:spcPts val="0"/>
-              </a:spcBef>
-              <a:spcAft>
-                <a:spcPts val="0"/>
-              </a:spcAft>
-              <a:buClrTx/>
-              <a:buSzTx/>
-              <a:buFontTx/>
+              <a:rPr lang="he-IL" dirty="0"/>
+              <a:t>שדה תעופה מורכב מפעולות רבות במהלך היום - הוא מכיל מס' רב של מטוסים ומס' רב של נתיבים ועליו לסנכרן בין כל הפעולות ולפקח עליהן.</a:t>
+            </a:r>
+          </a:p>
+          <a:p>
+            <a:pPr marL="171450" indent="-171450">
+              <a:buFont typeface="Arial" panose="020B0604020202020204" pitchFamily="34" charset="0"/>
+              <a:buChar char="•"/>
+            </a:pPr>
+            <a:r>
+              <a:rPr lang="he-IL" dirty="0"/>
+              <a:t>ישנן פעולות רבות המתרחשות בו-זמנית.</a:t>
+            </a:r>
+          </a:p>
+          <a:p>
+            <a:pPr marL="171450" indent="-171450">
+              <a:buFont typeface="Arial" panose="020B0604020202020204" pitchFamily="34" charset="0"/>
+              <a:buChar char="•"/>
+            </a:pPr>
+            <a:r>
+              <a:rPr lang="he-IL" dirty="0"/>
+              <a:t>ישנן פעולות התלויות אחת בשנייה</a:t>
+            </a:r>
+          </a:p>
+          <a:p>
+            <a:pPr marL="171450" indent="-171450">
+              <a:buFont typeface="Arial" panose="020B0604020202020204" pitchFamily="34" charset="0"/>
+              <a:buChar char="•"/>
+            </a:pPr>
+            <a:r>
+              <a:rPr lang="he-IL" dirty="0"/>
+              <a:t>וישנן פעולות אשר יוצרות הפרעות ויכולות לשבש את סדר היום.</a:t>
+            </a:r>
+          </a:p>
+          <a:p>
+            <a:pPr marL="0" indent="0">
+              <a:buFont typeface="Arial" panose="020B0604020202020204" pitchFamily="34" charset="0"/>
               <a:buNone/>
-              <a:tabLst/>
-              <a:defRPr/>
             </a:pPr>
-            <a:r>
-              <a:rPr lang="en-US" sz="1200" dirty="0">
-                <a:solidFill>
-                  <a:srgbClr val="002060"/>
-                </a:solidFill>
-              </a:rPr>
-              <a:t>Given airplanes and missions, build a day plan and monitor it in real time</a:t>
-            </a:r>
-            <a:endParaRPr lang="he-IL" sz="1200" dirty="0">
-              <a:solidFill>
-                <a:srgbClr val="002060"/>
-              </a:solidFill>
-            </a:endParaRPr>
+            <a:endParaRPr lang="he-IL" dirty="0"/>
+          </a:p>
+          <a:p>
+            <a:r>
+              <a:rPr lang="he-IL" dirty="0"/>
+              <a:t>פיקוח על שדה תעופה בדרך כלל מתבצע על ידי בניית תוכנית לסדר יום. תוכנית זו מכילה את סדר ההמראות והנחיתות עבור כל יום מראש.  </a:t>
+            </a:r>
+          </a:p>
+          <a:p>
+            <a:r>
+              <a:rPr lang="he-IL" dirty="0"/>
+              <a:t>בנוסף, הפיקוח דורש מעקב אחר התוכנית בזמן אמת וטיפול בבעיות שצצות.</a:t>
+            </a:r>
+          </a:p>
+          <a:p>
+            <a:endParaRPr lang="he-IL" dirty="0"/>
           </a:p>
           <a:p>
             <a:endParaRPr lang="he-IL" dirty="0"/>
@@ -8569,35 +8625,7 @@
           <a:p>
             <a:r>
               <a:rPr lang="he-IL" dirty="0"/>
-              <a:t>מודול אשר מרכז את התקשורת עבור כלל התכנית.</a:t>
-            </a:r>
-          </a:p>
-          <a:p>
-            <a:r>
-              <a:rPr lang="he-IL" dirty="0"/>
-              <a:t>שאר המודולים מדברים דרכו דרך מערכת סיגנלים.</a:t>
-            </a:r>
-          </a:p>
-          <a:p>
-            <a:r>
-              <a:rPr lang="he-IL" dirty="0"/>
-              <a:t>בתחילת המימוש התקשורת התבצעה ישירות בין </a:t>
-            </a:r>
-            <a:r>
-              <a:rPr lang="he-IL" dirty="0" err="1"/>
-              <a:t>המודלוים</a:t>
-            </a:r>
-            <a:r>
-              <a:rPr lang="he-IL" dirty="0"/>
-              <a:t> מה שגרר צימוד גבוה של התכנית שלנו ולכן יצרנו מודול זה על מנת לבטל את התלויות החזקות שנוצרו </a:t>
-            </a:r>
-            <a:r>
-              <a:rPr lang="he-IL" dirty="0" err="1"/>
-              <a:t>בתכנית</a:t>
-            </a:r>
-            <a:r>
-              <a:rPr lang="he-IL" dirty="0"/>
-              <a:t>.</a:t>
+              <a:t>בעיות בייצוג של 0 במחשב לכן הגדרנו "0" עבור הבעיה שלנו</a:t>
             </a:r>
           </a:p>
         </p:txBody>
@@ -8642,7 +8670,7 @@
           <a:p>
             <a:fld id="{5D87C9B3-3F36-45D2-B699-10C699E739B9}" type="slidenum">
               <a:rPr lang="he-IL" smtClean="0"/>
-              <a:t>23</a:t>
+              <a:t>21</a:t>
             </a:fld>
             <a:endParaRPr lang="he-IL"/>
           </a:p>
@@ -8651,7 +8679,7 @@
     </p:spTree>
     <p:extLst>
       <p:ext uri="{BB962C8B-B14F-4D97-AF65-F5344CB8AC3E}">
-        <p14:creationId xmlns:p14="http://schemas.microsoft.com/office/powerpoint/2010/main" val="3654397469"/>
+        <p14:creationId xmlns:p14="http://schemas.microsoft.com/office/powerpoint/2010/main" val="1534296304"/>
       </p:ext>
     </p:extLst>
   </p:cSld>
@@ -8707,93 +8735,36 @@
           <a:p>
             <a:r>
               <a:rPr lang="he-IL" dirty="0"/>
-              <a:t>מודול זה מדמה לנו את ציר הזמן אשר מיוצג באופן דיסקרטי.</a:t>
+              <a:t>מודול אשר מרכז את התקשורת עבור כלל התכנית.</a:t>
             </a:r>
           </a:p>
           <a:p>
             <a:r>
               <a:rPr lang="he-IL" dirty="0"/>
-              <a:t>בתחילת התכנית עבדנו עם זמן רציף אך לאחר בעיות מימוש רבות והתייעצות עם איל החלטנו לעבור לזמן בדיד.</a:t>
+              <a:t>שאר המודולים מדברים דרכו דרך מערכת סיגנלים.</a:t>
             </a:r>
           </a:p>
           <a:p>
             <a:r>
               <a:rPr lang="he-IL" dirty="0"/>
-              <a:t>היתרון בזמן בדיד הוא יכולת לנרמל את ציר הזמן בקלות, יכולת מעקב אחריי הפעולות בצורה יעילה יותר.</a:t>
-            </a:r>
-          </a:p>
-          <a:p>
-            <a:endParaRPr lang="he-IL" dirty="0"/>
-          </a:p>
-          <a:p>
+              <a:t>בתחילת המימוש התקשורת התבצעה ישירות בין </a:t>
+            </a:r>
+            <a:r>
+              <a:rPr lang="he-IL" dirty="0" err="1"/>
+              <a:t>המודלוים</a:t>
+            </a:r>
             <a:r>
               <a:rPr lang="he-IL" dirty="0"/>
-              <a:t>ערך השעון – מספר יחידות הזמן שעברו.</a:t>
-            </a:r>
-          </a:p>
-          <a:p>
+              <a:t> מה שגרר צימוד גבוה של התכנית שלנו ולכן יצרנו מודול זה על מנת לבטל את התלויות החזקות שנוצרו </a:t>
+            </a:r>
+            <a:r>
+              <a:rPr lang="he-IL" dirty="0" err="1"/>
+              <a:t>בתכנית</a:t>
+            </a:r>
             <a:r>
               <a:rPr lang="he-IL" dirty="0"/>
-              <a:t>אפסילון – ערך זה מכווץ או מותח את ציר הזמן.</a:t>
-            </a:r>
-          </a:p>
-          <a:p>
-            <a:r>
-              <a:rPr lang="he-IL" dirty="0"/>
-              <a:t>אפס – כיוון שאפסילון יכול להיות מאוד קטן יש בעיה של ייצוג מספרים לא שלמים במחשב ולכן נאלצנו לייצר "0" כך שנוכל להשוות אליו זמנים דיסקרטיים בצורה נכונה.</a:t>
-            </a:r>
-          </a:p>
-          <a:p>
-            <a:endParaRPr lang="he-IL" dirty="0"/>
-          </a:p>
-          <a:p>
-            <a:r>
-              <a:rPr lang="he-IL" dirty="0"/>
-              <a:t>השעון מבצע לולאה אינסופית אשר בכל איטרציה:</a:t>
-            </a:r>
-          </a:p>
-          <a:p>
-            <a:pPr marL="228600" indent="-228600">
-              <a:buAutoNum type="arabicPeriod"/>
-            </a:pPr>
-            <a:r>
-              <a:rPr lang="he-IL" dirty="0"/>
-              <a:t>נבדק האם הטסט הסתיים.</a:t>
-            </a:r>
-          </a:p>
-          <a:p>
-            <a:pPr marL="228600" indent="-228600">
-              <a:buAutoNum type="arabicPeriod"/>
-            </a:pPr>
-            <a:r>
-              <a:rPr lang="he-IL" dirty="0"/>
-              <a:t>נבדק האם יש צורך בקידום השעון (כתלות בפעולות שהתבצעו בסימולטור ובבקר).</a:t>
-            </a:r>
-          </a:p>
-          <a:p>
-            <a:pPr marL="228600" indent="-228600">
-              <a:buAutoNum type="arabicPeriod"/>
-            </a:pPr>
-            <a:r>
-              <a:rPr lang="he-IL" dirty="0" err="1"/>
-              <a:t>עידכון</a:t>
-            </a:r>
-            <a:r>
-              <a:rPr lang="he-IL" dirty="0"/>
-              <a:t> כלל העוקבים כי התבצע\לא התבצע אירוע שעון.</a:t>
-            </a:r>
-          </a:p>
-          <a:p>
-            <a:pPr marL="228600" indent="-228600">
-              <a:buAutoNum type="arabicPeriod"/>
-            </a:pPr>
-            <a:endParaRPr lang="he-IL" dirty="0"/>
-          </a:p>
-          <a:p>
-            <a:pPr marL="228600" indent="-228600">
-              <a:buAutoNum type="arabicPeriod"/>
-            </a:pPr>
-            <a:endParaRPr lang="he-IL" dirty="0"/>
+              <a:t>.</a:t>
+            </a:r>
           </a:p>
         </p:txBody>
       </p:sp>
@@ -8837,7 +8808,7 @@
           <a:p>
             <a:fld id="{5D87C9B3-3F36-45D2-B699-10C699E739B9}" type="slidenum">
               <a:rPr lang="he-IL" smtClean="0"/>
-              <a:t>24</a:t>
+              <a:t>22</a:t>
             </a:fld>
             <a:endParaRPr lang="he-IL"/>
           </a:p>
@@ -8846,7 +8817,7 @@
     </p:spTree>
     <p:extLst>
       <p:ext uri="{BB962C8B-B14F-4D97-AF65-F5344CB8AC3E}">
-        <p14:creationId xmlns:p14="http://schemas.microsoft.com/office/powerpoint/2010/main" val="3802725460"/>
+        <p14:creationId xmlns:p14="http://schemas.microsoft.com/office/powerpoint/2010/main" val="3654397469"/>
       </p:ext>
     </p:extLst>
   </p:cSld>
@@ -8902,25 +8873,49 @@
           <a:p>
             <a:r>
               <a:rPr lang="he-IL" dirty="0"/>
-              <a:t>מודול זה מייצג את מצב העולם ומתעדכן בעקבות הסימולטור.</a:t>
+              <a:t>מודול זה מדמה לנו את ציר הזמן אשר מיוצג באופן דיסקרטי.</a:t>
             </a:r>
           </a:p>
           <a:p>
             <a:r>
               <a:rPr lang="he-IL" dirty="0"/>
-              <a:t>המודול מחזיק וקטור של מטוסים אשר כל תא במערך מייצג את המצב של המטוס באינדקס המתאים. (להסביר על המצבים השונים).</a:t>
+              <a:t>בתחילת התכנית עבדנו עם זמן רציף אך לאחר בעיות מימוש רבות והתייעצות עם איל החלטנו לעבור לזמן בדיד.</a:t>
             </a:r>
           </a:p>
           <a:p>
             <a:r>
               <a:rPr lang="he-IL" dirty="0"/>
-              <a:t>המודול מחזיק וקטור של נתיבים כאשר כל תא במערך מייצג האם הנתיב פנוי(-1) או שהנתיב תפוס ואז הערך הוא המספר המזהה של המטוס באותו נתיב.</a:t>
-            </a:r>
+              <a:t>היתרון בזמן בדיד הוא יכולת לנרמל את ציר הזמן בקלות, יכולת מעקב אחריי הפעולות בצורה יעילה יותר.</a:t>
+            </a:r>
+          </a:p>
+          <a:p>
+            <a:endParaRPr lang="he-IL" dirty="0"/>
           </a:p>
           <a:p>
             <a:r>
               <a:rPr lang="he-IL" dirty="0"/>
-              <a:t>מטרת מודול זה הוא:</a:t>
+              <a:t>ערך השעון – מספר יחידות הזמן שעברו.</a:t>
+            </a:r>
+          </a:p>
+          <a:p>
+            <a:r>
+              <a:rPr lang="he-IL" dirty="0"/>
+              <a:t>אפסילון – ערך זה מכווץ או מותח את ציר הזמן.</a:t>
+            </a:r>
+          </a:p>
+          <a:p>
+            <a:r>
+              <a:rPr lang="he-IL" dirty="0"/>
+              <a:t>אפס – כיוון שאפסילון יכול להיות מאוד קטן יש בעיה של ייצוג מספרים לא שלמים במחשב ולכן נאלצנו לייצר "0" כך שנוכל להשוות אליו זמנים דיסקרטיים בצורה נכונה.</a:t>
+            </a:r>
+          </a:p>
+          <a:p>
+            <a:endParaRPr lang="he-IL" dirty="0"/>
+          </a:p>
+          <a:p>
+            <a:r>
+              <a:rPr lang="he-IL" dirty="0"/>
+              <a:t>השעון מבצע לולאה אינסופית אשר בכל איטרציה:</a:t>
             </a:r>
           </a:p>
           <a:p>
@@ -8929,15 +8924,7 @@
             </a:pPr>
             <a:r>
               <a:rPr lang="he-IL" dirty="0"/>
-              <a:t>לממש את פונקציית החוקיות שהבקר קורא לה </a:t>
-            </a:r>
-            <a:r>
-              <a:rPr lang="he-IL" dirty="0" err="1"/>
-              <a:t>והלחזיר</a:t>
-            </a:r>
-            <a:r>
-              <a:rPr lang="he-IL" dirty="0"/>
-              <a:t> האם המצב הבא חוקי או לא.</a:t>
+              <a:t>נבדק האם הטסט הסתיים.</a:t>
             </a:r>
           </a:p>
           <a:p>
@@ -8946,7 +8933,20 @@
             </a:pPr>
             <a:r>
               <a:rPr lang="he-IL" dirty="0"/>
-              <a:t>לבצע הקפאה של מצב העולם וכתיבת קובץ קונפיגורציה חדש במידה ונדרש תיכנון מחדש, תיכנון מחדש מתרחש בעקבות החזרת ערך שגיאה מפונקציית החוקיות.</a:t>
+              <a:t>נבדק האם יש צורך בקידום השעון (כתלות בפעולות שהתבצעו בסימולטור ובבקר).</a:t>
+            </a:r>
+          </a:p>
+          <a:p>
+            <a:pPr marL="228600" indent="-228600">
+              <a:buAutoNum type="arabicPeriod"/>
+            </a:pPr>
+            <a:r>
+              <a:rPr lang="he-IL" dirty="0" err="1"/>
+              <a:t>עידכון</a:t>
+            </a:r>
+            <a:r>
+              <a:rPr lang="he-IL" dirty="0"/>
+              <a:t> כלל העוקבים כי התבצע\לא התבצע אירוע שעון.</a:t>
             </a:r>
           </a:p>
           <a:p>
@@ -8956,8 +8956,8 @@
             <a:endParaRPr lang="he-IL" dirty="0"/>
           </a:p>
           <a:p>
-            <a:pPr marL="0" indent="0">
-              <a:buNone/>
+            <a:pPr marL="228600" indent="-228600">
+              <a:buAutoNum type="arabicPeriod"/>
             </a:pPr>
             <a:endParaRPr lang="he-IL" dirty="0"/>
           </a:p>
@@ -9003,7 +9003,7 @@
           <a:p>
             <a:fld id="{5D87C9B3-3F36-45D2-B699-10C699E739B9}" type="slidenum">
               <a:rPr lang="he-IL" smtClean="0"/>
-              <a:t>25</a:t>
+              <a:t>23</a:t>
             </a:fld>
             <a:endParaRPr lang="he-IL"/>
           </a:p>
@@ -9012,7 +9012,7 @@
     </p:spTree>
     <p:extLst>
       <p:ext uri="{BB962C8B-B14F-4D97-AF65-F5344CB8AC3E}">
-        <p14:creationId xmlns:p14="http://schemas.microsoft.com/office/powerpoint/2010/main" val="202044522"/>
+        <p14:creationId xmlns:p14="http://schemas.microsoft.com/office/powerpoint/2010/main" val="3802725460"/>
       </p:ext>
     </p:extLst>
   </p:cSld>
@@ -9169,7 +9169,7 @@
           <a:p>
             <a:fld id="{5D87C9B3-3F36-45D2-B699-10C699E739B9}" type="slidenum">
               <a:rPr lang="he-IL" smtClean="0"/>
-              <a:t>26</a:t>
+              <a:t>24</a:t>
             </a:fld>
             <a:endParaRPr lang="he-IL"/>
           </a:p>
@@ -9178,7 +9178,7 @@
     </p:spTree>
     <p:extLst>
       <p:ext uri="{BB962C8B-B14F-4D97-AF65-F5344CB8AC3E}">
-        <p14:creationId xmlns:p14="http://schemas.microsoft.com/office/powerpoint/2010/main" val="2849164166"/>
+        <p14:creationId xmlns:p14="http://schemas.microsoft.com/office/powerpoint/2010/main" val="202044522"/>
       </p:ext>
     </p:extLst>
   </p:cSld>
@@ -9232,37 +9232,27 @@
           <a:bodyPr/>
           <a:lstStyle/>
           <a:p>
-            <a:pPr marL="0" indent="0">
-              <a:buNone/>
-            </a:pPr>
             <a:r>
               <a:rPr lang="he-IL" dirty="0"/>
-              <a:t>המודל מייצר הפרעות אשר נשלחות לסימולטור, הפרעה היא משך זמן שמתווסף למשך זמן של פעולה </a:t>
-            </a:r>
-            <a:r>
-              <a:rPr lang="he-IL" dirty="0" err="1"/>
-              <a:t>מסויימת</a:t>
-            </a:r>
+              <a:t>מודול זה מייצג את מצב העולם ומתעדכן בעקבות הסימולטור.</a:t>
+            </a:r>
+          </a:p>
+          <a:p>
             <a:r>
               <a:rPr lang="he-IL" dirty="0"/>
-              <a:t>.</a:t>
-            </a:r>
-          </a:p>
-          <a:p>
-            <a:pPr marL="0" indent="0">
-              <a:buNone/>
-            </a:pPr>
+              <a:t>המודול מחזיק וקטור של מטוסים אשר כל תא במערך מייצג את המצב של המטוס באינדקס המתאים. (להסביר על המצבים השונים).</a:t>
+            </a:r>
+          </a:p>
+          <a:p>
             <a:r>
               <a:rPr lang="he-IL" dirty="0"/>
-              <a:t>המודל הוא </a:t>
-            </a:r>
-            <a:r>
-              <a:rPr lang="he-IL" dirty="0" err="1"/>
-              <a:t>פסודו</a:t>
-            </a:r>
+              <a:t>המודול מחזיק וקטור של נתיבים כאשר כל תא במערך מייצג האם הנתיב פנוי(-1) או שהנתיב תפוס ואז הערך הוא המספר המזהה של המטוס באותו נתיב.</a:t>
+            </a:r>
+          </a:p>
+          <a:p>
             <a:r>
               <a:rPr lang="he-IL" dirty="0"/>
-              <a:t> רנדומלי בשני מובנים:</a:t>
+              <a:t>מטרת מודול זה הוא:</a:t>
             </a:r>
           </a:p>
           <a:p>
@@ -9271,7 +9261,15 @@
             </a:pPr>
             <a:r>
               <a:rPr lang="he-IL" dirty="0"/>
-              <a:t>תדירות יצירת ההפרעה הוא מספר אקראי בין 1-ל4 פעולות.</a:t>
+              <a:t>לממש את פונקציית החוקיות שהבקר קורא לה </a:t>
+            </a:r>
+            <a:r>
+              <a:rPr lang="he-IL" dirty="0" err="1"/>
+              <a:t>והלחזיר</a:t>
+            </a:r>
+            <a:r>
+              <a:rPr lang="he-IL" dirty="0"/>
+              <a:t> האם המצב הבא חוקי או לא.</a:t>
             </a:r>
           </a:p>
           <a:p>
@@ -9280,15 +9278,7 @@
             </a:pPr>
             <a:r>
               <a:rPr lang="he-IL" dirty="0"/>
-              <a:t>משך ההפרעה הוא משתנה אקראי מפולג </a:t>
-            </a:r>
-            <a:r>
-              <a:rPr lang="he-IL" dirty="0" err="1"/>
-              <a:t>יוניפורמי</a:t>
-            </a:r>
-            <a:r>
-              <a:rPr lang="he-IL" dirty="0"/>
-              <a:t> בין מחצית משך הפעולה שנבחה לבין משך הפעולה שנבחרה.</a:t>
+              <a:t>לבצע הקפאה של מצב העולם וכתיבת קובץ קונפיגורציה חדש במידה ונדרש תיכנון מחדש, תיכנון מחדש מתרחש בעקבות החזרת ערך שגיאה מפונקציית החוקיות.</a:t>
             </a:r>
           </a:p>
           <a:p>
@@ -9301,15 +9291,6 @@
             <a:pPr marL="0" indent="0">
               <a:buNone/>
             </a:pPr>
-            <a:r>
-              <a:rPr lang="he-IL" dirty="0"/>
-              <a:t>כאשר נוצרה הפרעה המודול יאותת למודול הסימולטור על הפרעה שנוצרה ויאפס את תדירות יצירת ההפרעה.</a:t>
-            </a:r>
-          </a:p>
-          <a:p>
-            <a:pPr marL="0" indent="0">
-              <a:buNone/>
-            </a:pPr>
             <a:endParaRPr lang="he-IL" dirty="0"/>
           </a:p>
         </p:txBody>
@@ -9354,7 +9335,7 @@
           <a:p>
             <a:fld id="{5D87C9B3-3F36-45D2-B699-10C699E739B9}" type="slidenum">
               <a:rPr lang="he-IL" smtClean="0"/>
-              <a:t>27</a:t>
+              <a:t>25</a:t>
             </a:fld>
             <a:endParaRPr lang="he-IL"/>
           </a:p>
@@ -9363,7 +9344,7 @@
     </p:spTree>
     <p:extLst>
       <p:ext uri="{BB962C8B-B14F-4D97-AF65-F5344CB8AC3E}">
-        <p14:creationId xmlns:p14="http://schemas.microsoft.com/office/powerpoint/2010/main" val="546992971"/>
+        <p14:creationId xmlns:p14="http://schemas.microsoft.com/office/powerpoint/2010/main" val="2849164166"/>
       </p:ext>
     </p:extLst>
   </p:cSld>
@@ -9417,10 +9398,85 @@
           <a:bodyPr/>
           <a:lstStyle/>
           <a:p>
+            <a:pPr marL="0" indent="0">
+              <a:buNone/>
+            </a:pPr>
             <a:r>
               <a:rPr lang="he-IL" dirty="0"/>
-              <a:t>תוצאה רגילה</a:t>
-            </a:r>
+              <a:t>המודל מייצר הפרעות אשר נשלחות לסימולטור, הפרעה היא משך זמן שמתווסף למשך זמן של פעולה </a:t>
+            </a:r>
+            <a:r>
+              <a:rPr lang="he-IL" dirty="0" err="1"/>
+              <a:t>מסויימת</a:t>
+            </a:r>
+            <a:r>
+              <a:rPr lang="he-IL" dirty="0"/>
+              <a:t>.</a:t>
+            </a:r>
+          </a:p>
+          <a:p>
+            <a:pPr marL="0" indent="0">
+              <a:buNone/>
+            </a:pPr>
+            <a:r>
+              <a:rPr lang="he-IL" dirty="0"/>
+              <a:t>המודל הוא </a:t>
+            </a:r>
+            <a:r>
+              <a:rPr lang="he-IL" dirty="0" err="1"/>
+              <a:t>פסודו</a:t>
+            </a:r>
+            <a:r>
+              <a:rPr lang="he-IL" dirty="0"/>
+              <a:t> רנדומלי בשני מובנים:</a:t>
+            </a:r>
+          </a:p>
+          <a:p>
+            <a:pPr marL="228600" indent="-228600">
+              <a:buAutoNum type="arabicPeriod"/>
+            </a:pPr>
+            <a:r>
+              <a:rPr lang="he-IL" dirty="0"/>
+              <a:t>תדירות יצירת ההפרעה הוא מספר אקראי בין 1-ל4 פעולות.</a:t>
+            </a:r>
+          </a:p>
+          <a:p>
+            <a:pPr marL="228600" indent="-228600">
+              <a:buAutoNum type="arabicPeriod"/>
+            </a:pPr>
+            <a:r>
+              <a:rPr lang="he-IL" dirty="0"/>
+              <a:t>משך ההפרעה הוא משתנה אקראי מפולג </a:t>
+            </a:r>
+            <a:r>
+              <a:rPr lang="he-IL" dirty="0" err="1"/>
+              <a:t>יוניפורמי</a:t>
+            </a:r>
+            <a:r>
+              <a:rPr lang="he-IL" dirty="0"/>
+              <a:t> בין מחצית משך הפעולה שנבחה לבין משך הפעולה שנבחרה.</a:t>
+            </a:r>
+          </a:p>
+          <a:p>
+            <a:pPr marL="228600" indent="-228600">
+              <a:buAutoNum type="arabicPeriod"/>
+            </a:pPr>
+            <a:endParaRPr lang="he-IL" dirty="0"/>
+          </a:p>
+          <a:p>
+            <a:pPr marL="0" indent="0">
+              <a:buNone/>
+            </a:pPr>
+            <a:r>
+              <a:rPr lang="he-IL" dirty="0"/>
+              <a:t>כאשר נוצרה הפרעה המודול יאותת למודול הסימולטור על הפרעה שנוצרה ויאפס את תדירות יצירת ההפרעה.</a:t>
+            </a:r>
+          </a:p>
+          <a:p>
+            <a:pPr marL="0" indent="0">
+              <a:buNone/>
+            </a:pPr>
+            <a:endParaRPr lang="he-IL" dirty="0"/>
           </a:p>
         </p:txBody>
       </p:sp>
@@ -9464,7 +9520,7 @@
           <a:p>
             <a:fld id="{5D87C9B3-3F36-45D2-B699-10C699E739B9}" type="slidenum">
               <a:rPr lang="he-IL" smtClean="0"/>
-              <a:t>28</a:t>
+              <a:t>26</a:t>
             </a:fld>
             <a:endParaRPr lang="he-IL"/>
           </a:p>
@@ -9473,7 +9529,7 @@
     </p:spTree>
     <p:extLst>
       <p:ext uri="{BB962C8B-B14F-4D97-AF65-F5344CB8AC3E}">
-        <p14:creationId xmlns:p14="http://schemas.microsoft.com/office/powerpoint/2010/main" val="2318995915"/>
+        <p14:creationId xmlns:p14="http://schemas.microsoft.com/office/powerpoint/2010/main" val="546992971"/>
       </p:ext>
     </p:extLst>
   </p:cSld>
@@ -9529,7 +9585,7 @@
           <a:p>
             <a:r>
               <a:rPr lang="he-IL" dirty="0"/>
-              <a:t>תוצאה עם תיכנון מחדש</a:t>
+              <a:t>תוצאה רגילה</a:t>
             </a:r>
           </a:p>
         </p:txBody>
@@ -9574,7 +9630,7 @@
           <a:p>
             <a:fld id="{5D87C9B3-3F36-45D2-B699-10C699E739B9}" type="slidenum">
               <a:rPr lang="he-IL" smtClean="0"/>
-              <a:t>29</a:t>
+              <a:t>27</a:t>
             </a:fld>
             <a:endParaRPr lang="he-IL"/>
           </a:p>
@@ -9583,7 +9639,7 @@
     </p:spTree>
     <p:extLst>
       <p:ext uri="{BB962C8B-B14F-4D97-AF65-F5344CB8AC3E}">
-        <p14:creationId xmlns:p14="http://schemas.microsoft.com/office/powerpoint/2010/main" val="1660480528"/>
+        <p14:creationId xmlns:p14="http://schemas.microsoft.com/office/powerpoint/2010/main" val="2318995915"/>
       </p:ext>
     </p:extLst>
   </p:cSld>
@@ -9637,6 +9693,116 @@
           <a:bodyPr/>
           <a:lstStyle/>
           <a:p>
+            <a:r>
+              <a:rPr lang="he-IL" dirty="0"/>
+              <a:t>תוצאה עם תיכנון מחדש</a:t>
+            </a:r>
+          </a:p>
+        </p:txBody>
+      </p:sp>
+      <p:sp>
+        <p:nvSpPr>
+          <p:cNvPr id="4" name="מציין מיקום של כותרת עליונה 3"/>
+          <p:cNvSpPr>
+            <a:spLocks noGrp="1"/>
+          </p:cNvSpPr>
+          <p:nvPr>
+            <p:ph type="hdr" sz="quarter"/>
+          </p:nvPr>
+        </p:nvSpPr>
+        <p:spPr/>
+        <p:txBody>
+          <a:bodyPr/>
+          <a:lstStyle/>
+          <a:p>
+            <a:r>
+              <a:rPr lang="en-US"/>
+              <a:t>hjfhgdhgfdfgh</a:t>
+            </a:r>
+            <a:endParaRPr lang="he-IL"/>
+          </a:p>
+        </p:txBody>
+      </p:sp>
+      <p:sp>
+        <p:nvSpPr>
+          <p:cNvPr id="5" name="מציין מיקום של מספר שקופית 4"/>
+          <p:cNvSpPr>
+            <a:spLocks noGrp="1"/>
+          </p:cNvSpPr>
+          <p:nvPr>
+            <p:ph type="sldNum" sz="quarter" idx="5"/>
+          </p:nvPr>
+        </p:nvSpPr>
+        <p:spPr/>
+        <p:txBody>
+          <a:bodyPr/>
+          <a:lstStyle/>
+          <a:p>
+            <a:fld id="{5D87C9B3-3F36-45D2-B699-10C699E739B9}" type="slidenum">
+              <a:rPr lang="he-IL" smtClean="0"/>
+              <a:t>28</a:t>
+            </a:fld>
+            <a:endParaRPr lang="he-IL"/>
+          </a:p>
+        </p:txBody>
+      </p:sp>
+    </p:spTree>
+    <p:extLst>
+      <p:ext uri="{BB962C8B-B14F-4D97-AF65-F5344CB8AC3E}">
+        <p14:creationId xmlns:p14="http://schemas.microsoft.com/office/powerpoint/2010/main" val="1660480528"/>
+      </p:ext>
+    </p:extLst>
+  </p:cSld>
+  <p:clrMapOvr>
+    <a:masterClrMapping/>
+  </p:clrMapOvr>
+</p:notes>
+</file>
+
+<file path=ppt/notesSlides/notesSlide28.xml><?xml version="1.0" encoding="utf-8"?>
+<p:notes xmlns:a="http://schemas.openxmlformats.org/drawingml/2006/main" xmlns:r="http://schemas.openxmlformats.org/officeDocument/2006/relationships" xmlns:p="http://schemas.openxmlformats.org/presentationml/2006/main">
+  <p:cSld>
+    <p:spTree>
+      <p:nvGrpSpPr>
+        <p:cNvPr id="1" name=""/>
+        <p:cNvGrpSpPr/>
+        <p:nvPr/>
+      </p:nvGrpSpPr>
+      <p:grpSpPr>
+        <a:xfrm>
+          <a:off x="0" y="0"/>
+          <a:ext cx="0" cy="0"/>
+          <a:chOff x="0" y="0"/>
+          <a:chExt cx="0" cy="0"/>
+        </a:xfrm>
+      </p:grpSpPr>
+      <p:sp>
+        <p:nvSpPr>
+          <p:cNvPr id="2" name="מציין מיקום של תמונת שקופית 1"/>
+          <p:cNvSpPr>
+            <a:spLocks noGrp="1" noRot="1" noChangeAspect="1"/>
+          </p:cNvSpPr>
+          <p:nvPr>
+            <p:ph type="sldImg"/>
+          </p:nvPr>
+        </p:nvSpPr>
+        <p:spPr/>
+      </p:sp>
+      <p:sp>
+        <p:nvSpPr>
+          <p:cNvPr id="3" name="מציין מיקום של הערות 2"/>
+          <p:cNvSpPr>
+            <a:spLocks noGrp="1"/>
+          </p:cNvSpPr>
+          <p:nvPr>
+            <p:ph type="body" idx="1"/>
+          </p:nvPr>
+        </p:nvSpPr>
+        <p:spPr/>
+        <p:txBody>
+          <a:bodyPr/>
+          <a:lstStyle/>
+          <a:p>
             <a:pPr marL="0" indent="0">
               <a:buNone/>
             </a:pPr>
@@ -9759,7 +9925,7 @@
           <a:p>
             <a:fld id="{5D87C9B3-3F36-45D2-B699-10C699E739B9}" type="slidenum">
               <a:rPr lang="he-IL" smtClean="0"/>
-              <a:t>30</a:t>
+              <a:t>29</a:t>
             </a:fld>
             <a:endParaRPr lang="he-IL"/>
           </a:p>
@@ -9823,43 +9989,101 @@
           <a:lstStyle/>
           <a:p>
             <a:r>
+              <a:rPr lang="he-IL" dirty="0"/>
+              <a:t>בניית תוכנית יום עבור סדר הנחיתות וההמראות של המטוסים, מעקב אחריה בזמן אמת וטיפול בבעיות היא בעיה מורכבת.</a:t>
+            </a:r>
+          </a:p>
+          <a:p>
+            <a:r>
+              <a:rPr lang="he-IL" dirty="0"/>
+              <a:t>בעיה זו ניתן לחלק ל-2 תתי-בעיות:</a:t>
+            </a:r>
+          </a:p>
+          <a:p>
+            <a:pPr marL="171450" indent="-171450">
+              <a:buFont typeface="Arial" panose="020B0604020202020204" pitchFamily="34" charset="0"/>
+              <a:buChar char="•"/>
+            </a:pPr>
+            <a:r>
+              <a:rPr lang="he-IL" dirty="0"/>
+              <a:t>בניית תוכנית יום – זהו אלגוריתם אופליין, אלגוריתם זה מתבסס על נתונים שמוזנים כקלט לבעיה. אלגוריתם זה מומש </a:t>
+            </a:r>
+            <a:r>
+              <a:rPr lang="he-IL" dirty="0" err="1"/>
+              <a:t>בפרוייקט</a:t>
+            </a:r>
+            <a:r>
+              <a:rPr lang="he-IL" dirty="0"/>
+              <a:t> קודם אף </a:t>
+            </a:r>
+            <a:r>
               <a:rPr lang="he-IL" b="1" dirty="0">
                 <a:solidFill>
-                  <a:srgbClr val="002060"/>
+                  <a:srgbClr val="FF0000"/>
                 </a:solidFill>
               </a:rPr>
-              <a:t>הבעיה מתחלקת לשניים:</a:t>
-            </a:r>
-            <a:br>
+              <a:t>הוא </a:t>
+            </a:r>
+            <a:r>
               <a:rPr lang="he-IL" b="1" dirty="0">
                 <a:solidFill>
-                  <a:srgbClr val="002060"/>
+                  <a:srgbClr val="FF0000"/>
+                </a:solidFill>
+                <a:highlight>
+                  <a:srgbClr val="FFFF00"/>
+                </a:highlight>
+              </a:rPr>
+              <a:t>בהנחיית אייל </a:t>
+            </a:r>
+            <a:r>
+              <a:rPr lang="he-IL" b="1" dirty="0">
+                <a:solidFill>
+                  <a:srgbClr val="FF0000"/>
                 </a:solidFill>
               </a:rPr>
-            </a:br>
+              <a:t>ע"י בר </a:t>
+            </a:r>
+            <a:r>
+              <a:rPr lang="he-IL" b="1" dirty="0" err="1">
+                <a:solidFill>
+                  <a:srgbClr val="FF0000"/>
+                </a:solidFill>
+              </a:rPr>
+              <a:t>מימרן</a:t>
+            </a:r>
             <a:r>
               <a:rPr lang="he-IL" b="1" dirty="0">
                 <a:solidFill>
-                  <a:srgbClr val="002060"/>
+                  <a:srgbClr val="FF0000"/>
                 </a:solidFill>
               </a:rPr>
-              <a:t>1. אופליין</a:t>
-            </a:r>
-            <a:br>
-              <a:rPr lang="he-IL" b="1" dirty="0">
-                <a:solidFill>
-                  <a:srgbClr val="002060"/>
-                </a:solidFill>
-              </a:rPr>
-            </a:br>
-            <a:r>
-              <a:rPr lang="he-IL" b="1" dirty="0">
-                <a:solidFill>
-                  <a:srgbClr val="002060"/>
-                </a:solidFill>
-              </a:rPr>
-              <a:t>2. אונליין – בהינתן תוכנית קיימת לסדר היום</a:t>
-            </a:r>
+              <a:t> ותום שפירא . </a:t>
+            </a:r>
+          </a:p>
+          <a:p>
+            <a:pPr marL="171450" indent="-171450">
+              <a:buFont typeface="Arial" panose="020B0604020202020204" pitchFamily="34" charset="0"/>
+              <a:buChar char="•"/>
+            </a:pPr>
+            <a:r>
+              <a:rPr lang="he-IL" dirty="0"/>
+              <a:t>מעקב ופיקוח אחר התוכנית בזמן אמת – זהו אלגוריתם האונליין שאנחנו מימשנו. אלגוריתם זה מתבסס על תוכנית יום קיימת שמוזנת כקלט לבעיה.</a:t>
+            </a:r>
+          </a:p>
+          <a:p>
+            <a:pPr marL="0" indent="0">
+              <a:buFont typeface="Arial" panose="020B0604020202020204" pitchFamily="34" charset="0"/>
+              <a:buNone/>
+            </a:pPr>
+            <a:endParaRPr lang="he-IL" dirty="0"/>
+          </a:p>
+          <a:p>
+            <a:endParaRPr lang="he-IL" dirty="0"/>
+          </a:p>
+          <a:p>
+            <a:endParaRPr lang="he-IL" dirty="0"/>
+          </a:p>
+          <a:p>
             <a:endParaRPr lang="he-IL" dirty="0"/>
           </a:p>
         </p:txBody>
@@ -9967,6 +10191,253 @@
           <a:bodyPr/>
           <a:lstStyle/>
           <a:p>
+            <a:pPr marL="171450" indent="-171450">
+              <a:buFontTx/>
+              <a:buChar char="-"/>
+            </a:pPr>
+            <a:r>
+              <a:rPr lang="he-IL" dirty="0"/>
+              <a:t>אלגוריתם ה-</a:t>
+            </a:r>
+            <a:r>
+              <a:rPr lang="en-US" dirty="0"/>
+              <a:t>offline</a:t>
+            </a:r>
+            <a:r>
+              <a:rPr lang="he-IL" dirty="0"/>
+              <a:t> מבוסס על רשתות נוירונים, תורת הגרפים </a:t>
+            </a:r>
+            <a:r>
+              <a:rPr lang="he-IL" dirty="0" err="1"/>
+              <a:t>ויוריסטיקות</a:t>
+            </a:r>
+            <a:r>
+              <a:rPr lang="he-IL" dirty="0"/>
+              <a:t>.</a:t>
+            </a:r>
+          </a:p>
+          <a:p>
+            <a:pPr marL="171450" indent="-171450">
+              <a:buFontTx/>
+              <a:buChar char="-"/>
+            </a:pPr>
+            <a:r>
+              <a:rPr lang="he-IL" dirty="0"/>
+              <a:t>האלגוריתם מקבל כקלט קובץ </a:t>
+            </a:r>
+            <a:r>
+              <a:rPr lang="en-US" dirty="0"/>
+              <a:t>config</a:t>
+            </a:r>
+            <a:r>
+              <a:rPr lang="he-IL" dirty="0"/>
+              <a:t> (הנראה כך), ומוציא כפלט קובץ המכיל את תכנית היום.</a:t>
+            </a:r>
+          </a:p>
+          <a:p>
+            <a:pPr marL="171450" indent="-171450">
+              <a:buFontTx/>
+              <a:buChar char="-"/>
+            </a:pPr>
+            <a:r>
+              <a:rPr lang="he-IL" dirty="0"/>
+              <a:t>אלגוריתם </a:t>
+            </a:r>
+            <a:r>
+              <a:rPr lang="he-IL" dirty="0" err="1"/>
+              <a:t>האופליין</a:t>
+            </a:r>
+            <a:r>
+              <a:rPr lang="he-IL" dirty="0"/>
+              <a:t> מחשב את סדר היום האופטימלי בהינתן הנתונים שהוגדרו לו. הוא בעצם בונה גרף </a:t>
+            </a:r>
+            <a:r>
+              <a:rPr lang="en-US" dirty="0"/>
+              <a:t>STN</a:t>
+            </a:r>
+            <a:r>
+              <a:rPr lang="he-IL" dirty="0"/>
+              <a:t>, שעליו נרחיב בהמשך.</a:t>
+            </a:r>
+          </a:p>
+          <a:p>
+            <a:pPr marL="171450" indent="-171450">
+              <a:buFontTx/>
+              <a:buChar char="-"/>
+            </a:pPr>
+            <a:r>
+              <a:rPr lang="he-IL" dirty="0"/>
+              <a:t>בהתחלה התייחסנו לפרויקט ה-</a:t>
+            </a:r>
+            <a:r>
+              <a:rPr lang="en-US" dirty="0"/>
+              <a:t>offline</a:t>
+            </a:r>
+            <a:r>
+              <a:rPr lang="he-IL" dirty="0"/>
+              <a:t> כקופסא שחורה, אך במהלך העבודה הבנו שיש צורך להיכנס לפרטיי המימוש ולאלגוריתם עצמו ולבצע שינויים.</a:t>
+            </a:r>
+          </a:p>
+          <a:p>
+            <a:pPr marL="0" indent="0">
+              <a:buFontTx/>
+              <a:buNone/>
+            </a:pPr>
+            <a:r>
+              <a:rPr lang="he-IL" dirty="0"/>
+              <a:t>    נפגשנו עם כותבי הפרויקט הקודם במטרה לעבור על פרטיי המימוש, כדי שנוכל לבצע את השינויים הנחוצים בלי לפגוע באלגוריתם עצמו.</a:t>
+            </a:r>
+          </a:p>
+          <a:p>
+            <a:pPr marL="0" indent="0">
+              <a:buFontTx/>
+              <a:buNone/>
+            </a:pPr>
+            <a:r>
+              <a:rPr lang="he-IL" dirty="0"/>
+              <a:t>את השינויים שביצענו נפרט בהמשך, בנקודות הרלוונטיות.</a:t>
+            </a:r>
+          </a:p>
+          <a:p>
+            <a:pPr marL="171450" indent="-171450">
+              <a:buFontTx/>
+              <a:buChar char="-"/>
+            </a:pPr>
+            <a:endParaRPr lang="he-IL" dirty="0"/>
+          </a:p>
+          <a:p>
+            <a:pPr marL="0" indent="0">
+              <a:buFontTx/>
+              <a:buNone/>
+            </a:pPr>
+            <a:endParaRPr lang="he-IL" dirty="0"/>
+          </a:p>
+          <a:p>
+            <a:pPr marL="171450" indent="-171450">
+              <a:buFontTx/>
+              <a:buChar char="-"/>
+            </a:pPr>
+            <a:r>
+              <a:rPr lang="he-IL" dirty="0"/>
+              <a:t>אלגוריתם אופליין שמבוסס על רשתות </a:t>
+            </a:r>
+            <a:r>
+              <a:rPr lang="he-IL" dirty="0" err="1"/>
+              <a:t>נוירוינים</a:t>
+            </a:r>
+            <a:r>
+              <a:rPr lang="he-IL" dirty="0"/>
+              <a:t> ותורת הגרפים (חיפוש בגרף, גרף דינמי, גרף מכוון, </a:t>
+            </a:r>
+            <a:r>
+              <a:rPr lang="en-US" dirty="0"/>
+              <a:t>A*</a:t>
+            </a:r>
+            <a:r>
+              <a:rPr lang="he-IL" dirty="0"/>
+              <a:t>)</a:t>
+            </a:r>
+          </a:p>
+          <a:p>
+            <a:pPr marL="171450" indent="-171450">
+              <a:buFontTx/>
+              <a:buChar char="-"/>
+            </a:pPr>
+            <a:r>
+              <a:rPr lang="he-IL" dirty="0"/>
+              <a:t>אלגוריתם </a:t>
+            </a:r>
+            <a:r>
+              <a:rPr lang="he-IL" dirty="0" err="1"/>
+              <a:t>האופיליין</a:t>
+            </a:r>
+            <a:r>
+              <a:rPr lang="he-IL" dirty="0"/>
+              <a:t> מקבל כקלט קובץ </a:t>
+            </a:r>
+            <a:r>
+              <a:rPr lang="he-IL" dirty="0" err="1"/>
+              <a:t>קונפיג</a:t>
+            </a:r>
+            <a:r>
+              <a:rPr lang="he-IL" dirty="0"/>
+              <a:t> ומוציא כפלט קובץ לוג(מכיל את גרף ה-</a:t>
+            </a:r>
+            <a:r>
+              <a:rPr lang="en-US" dirty="0"/>
+              <a:t>STN</a:t>
+            </a:r>
+            <a:r>
+              <a:rPr lang="he-IL" dirty="0"/>
+              <a:t> שלנו בתצורה של טבלה)</a:t>
+            </a:r>
+          </a:p>
+          <a:p>
+            <a:pPr marL="171450" indent="-171450">
+              <a:buFontTx/>
+              <a:buChar char="-"/>
+            </a:pPr>
+            <a:r>
+              <a:rPr lang="he-IL" dirty="0"/>
+              <a:t>בהתחלה התייחסנו </a:t>
+            </a:r>
+            <a:r>
+              <a:rPr lang="he-IL" dirty="0" err="1"/>
+              <a:t>לפרוייקט</a:t>
+            </a:r>
+            <a:r>
+              <a:rPr lang="he-IL" dirty="0"/>
+              <a:t> כקופסה שחורה אך ככל שהתקדמנו הבנו שכן יש צורך להיכנס לפרטיי המימוש ולבצע שינויים. הסיבה לכך היא שמדובר בעבודה אקדמית ולא מהתעשייה ולכן היה צורך בפגישה עם כותביי </a:t>
+            </a:r>
+            <a:r>
+              <a:rPr lang="he-IL" dirty="0" err="1"/>
+              <a:t>הפרוייקט</a:t>
+            </a:r>
+            <a:r>
+              <a:rPr lang="he-IL" dirty="0"/>
+              <a:t> הקודם על מנת לעבור על הקוד ופרטיי המימוש על מנת לבצע את השינויים הנדרשים ללא פגיעה באלגוריתם עצמו.</a:t>
+            </a:r>
+          </a:p>
+          <a:p>
+            <a:pPr marL="171450" indent="-171450">
+              <a:buFontTx/>
+              <a:buChar char="-"/>
+            </a:pPr>
+            <a:r>
+              <a:rPr lang="he-IL" dirty="0"/>
+              <a:t>מרבית השינויים היו הוספת מעטפת </a:t>
+            </a:r>
+            <a:r>
+              <a:rPr lang="he-IL" dirty="0" err="1"/>
+              <a:t>לפרוייקט</a:t>
+            </a:r>
+            <a:r>
+              <a:rPr lang="he-IL" dirty="0"/>
+              <a:t> כדי שנוכל להשתמש בו כחלק </a:t>
+            </a:r>
+            <a:r>
+              <a:rPr lang="he-IL" dirty="0" err="1"/>
+              <a:t>מההפרוייקט</a:t>
+            </a:r>
+            <a:r>
+              <a:rPr lang="he-IL" dirty="0"/>
+              <a:t> שלנו, כלומר שינינו את </a:t>
+            </a:r>
+            <a:r>
+              <a:rPr lang="he-IL" dirty="0" err="1"/>
+              <a:t>הפרוייקט</a:t>
+            </a:r>
+            <a:r>
+              <a:rPr lang="he-IL" dirty="0"/>
+              <a:t> כך שיקבל קלט ופלט בצורה שנוכל לייצר משוב מהזמן אונליין</a:t>
+            </a:r>
+            <a:endParaRPr lang="en-US" dirty="0"/>
+          </a:p>
+          <a:p>
+            <a:pPr marL="171450" indent="-171450">
+              <a:buFontTx/>
+              <a:buChar char="-"/>
+            </a:pPr>
             <a:endParaRPr lang="he-IL" dirty="0"/>
           </a:p>
         </p:txBody>
@@ -10011,7 +10482,7 @@
           <a:p>
             <a:fld id="{5D87C9B3-3F36-45D2-B699-10C699E739B9}" type="slidenum">
               <a:rPr lang="he-IL" smtClean="0"/>
-              <a:t>5</a:t>
+              <a:t>4</a:t>
             </a:fld>
             <a:endParaRPr lang="he-IL"/>
           </a:p>
@@ -10020,7 +10491,7 @@
     </p:spTree>
     <p:extLst>
       <p:ext uri="{BB962C8B-B14F-4D97-AF65-F5344CB8AC3E}">
-        <p14:creationId xmlns:p14="http://schemas.microsoft.com/office/powerpoint/2010/main" val="3565720944"/>
+        <p14:creationId xmlns:p14="http://schemas.microsoft.com/office/powerpoint/2010/main" val="2298855564"/>
       </p:ext>
     </p:extLst>
   </p:cSld>
@@ -10094,21 +10565,88 @@
             </a:r>
           </a:p>
           <a:p>
+            <a:pPr marL="171450" marR="0" lvl="0" indent="-171450" algn="r" defTabSz="914400" rtl="1" eaLnBrk="1" fontAlgn="auto" latinLnBrk="0" hangingPunct="1">
+              <a:lnSpc>
+                <a:spcPct val="100000"/>
+              </a:lnSpc>
+              <a:spcBef>
+                <a:spcPts val="0"/>
+              </a:spcBef>
+              <a:spcAft>
+                <a:spcPts val="0"/>
+              </a:spcAft>
+              <a:buClrTx/>
+              <a:buSzTx/>
+              <a:buFontTx/>
+              <a:buChar char="-"/>
+              <a:tabLst/>
+              <a:defRPr/>
+            </a:pPr>
+            <a:r>
+              <a:rPr lang="he-IL" dirty="0"/>
+              <a:t>האילוצים מיוצגים בגרף שנקרא </a:t>
+            </a:r>
+            <a:r>
+              <a:rPr lang="en-US" dirty="0"/>
+              <a:t>STN</a:t>
+            </a:r>
+            <a:r>
+              <a:rPr lang="he-IL" dirty="0"/>
+              <a:t>. בעיה שניתן לסדר את כל אילוציה בגרף </a:t>
+            </a:r>
+            <a:r>
+              <a:rPr lang="en-US" dirty="0"/>
+              <a:t>STN</a:t>
+            </a:r>
+            <a:r>
+              <a:rPr lang="he-IL" dirty="0"/>
+              <a:t> היא </a:t>
+            </a:r>
+            <a:r>
+              <a:rPr lang="he-IL" dirty="0" err="1"/>
+              <a:t>פיזיבילית</a:t>
+            </a:r>
+            <a:r>
+              <a:rPr lang="he-IL" dirty="0"/>
+              <a:t>, אחרת לא </a:t>
+            </a:r>
+            <a:r>
+              <a:rPr lang="he-IL" dirty="0" err="1"/>
+              <a:t>פיזיבילית</a:t>
+            </a:r>
+            <a:r>
+              <a:rPr lang="he-IL" dirty="0"/>
+              <a:t>.</a:t>
+            </a:r>
+          </a:p>
+          <a:p>
+            <a:pPr marL="0" marR="0" lvl="0" indent="0" algn="r" defTabSz="914400" rtl="1" eaLnBrk="1" fontAlgn="auto" latinLnBrk="0" hangingPunct="1">
+              <a:lnSpc>
+                <a:spcPct val="100000"/>
+              </a:lnSpc>
+              <a:spcBef>
+                <a:spcPts val="0"/>
+              </a:spcBef>
+              <a:spcAft>
+                <a:spcPts val="0"/>
+              </a:spcAft>
+              <a:buClrTx/>
+              <a:buSzTx/>
+              <a:buFontTx/>
+              <a:buNone/>
+              <a:tabLst/>
+              <a:defRPr/>
+            </a:pPr>
+            <a:endParaRPr lang="he-IL" dirty="0"/>
+          </a:p>
+          <a:p>
             <a:pPr marL="171450" indent="-171450">
               <a:buFontTx/>
               <a:buChar char="-"/>
             </a:pPr>
             <a:r>
               <a:rPr lang="he-IL" dirty="0"/>
-              <a:t>האילוצים מיוצגים בגרף שנקרא </a:t>
-            </a:r>
-            <a:r>
-              <a:rPr lang="en-US" dirty="0"/>
-              <a:t>STN</a:t>
-            </a:r>
-            <a:r>
-              <a:rPr lang="he-IL" dirty="0"/>
-              <a:t>.</a:t>
+              <a:t>לדג', נסתכל על הגרף הבא המתייחס לבעיית תיכנון זמנים עבור תיקון פיוז.</a:t>
             </a:r>
           </a:p>
           <a:p>
@@ -10118,7 +10656,23 @@
             </a:pPr>
             <a:r>
               <a:rPr lang="he-IL" dirty="0"/>
-              <a:t>לדג', נסתכל על הגרף הבא המתייחס לתיקון פיוז. על מנת לתקן את הפיוז, יש צורך להדליק גפרור. הגפרור דולק במשך 15 שניות, ותיקון הפיוז לוקח במשך 10 שניות. ניתן לראות כי לכל פעולה יש התחלה וסוף וכן כי התחלת תיקון הפיוז לא יכולה להתקיים ללא הדלקת הגפרור.</a:t>
+              <a:t>על מנת לתקן את הפיוז, יש צורך להדליק גפרור – כלומר ,</a:t>
+            </a:r>
+            <a:r>
+              <a:rPr lang="he-IL" dirty="0" err="1"/>
+              <a:t>יקון</a:t>
+            </a:r>
+            <a:r>
+              <a:rPr lang="he-IL" dirty="0"/>
+              <a:t> הפיוז אינו יכול </a:t>
+            </a:r>
+            <a:r>
+              <a:rPr lang="he-IL" dirty="0" err="1"/>
+              <a:t>לה,חיל</a:t>
+            </a:r>
+            <a:r>
+              <a:rPr lang="he-IL" dirty="0"/>
+              <a:t> טרם הדלק, הגפרור – זהו האילוץ המרכזי בבעיה.</a:t>
             </a:r>
           </a:p>
           <a:p>
@@ -10128,31 +10682,101 @@
             </a:pPr>
             <a:r>
               <a:rPr lang="he-IL" dirty="0"/>
-              <a:t>בעיה שניתן לסדר את כל אילוציה בגרף </a:t>
-            </a:r>
-            <a:r>
-              <a:rPr lang="en-US" dirty="0"/>
-              <a:t>STN</a:t>
-            </a:r>
+              <a:t>הגפרור דולק במשך 15 שניות, ותיקון הפיוז לוקח 10 שניות – אלה האילוצים המשניים. </a:t>
+            </a:r>
+          </a:p>
+          <a:p>
+            <a:pPr marL="171450" indent="-171450">
+              <a:buFontTx/>
+              <a:buChar char="-"/>
+            </a:pPr>
             <a:r>
               <a:rPr lang="he-IL" dirty="0"/>
-              <a:t> היא </a:t>
+              <a:t>ניתן לראות כי לכל פעולה יש התחלה וסוף. </a:t>
             </a:r>
             <a:r>
               <a:rPr lang="he-IL" dirty="0" err="1"/>
-              <a:t>פיזיבילית</a:t>
+              <a:t>פי,רון</a:t>
             </a:r>
             <a:r>
               <a:rPr lang="he-IL" dirty="0"/>
-              <a:t>, אחרת לא </a:t>
+              <a:t> אפשרי של בעיה זו יכול </a:t>
             </a:r>
             <a:r>
               <a:rPr lang="he-IL" dirty="0" err="1"/>
-              <a:t>פיזיבילית</a:t>
+              <a:t>להיו</a:t>
             </a:r>
             <a:r>
               <a:rPr lang="he-IL" dirty="0"/>
-              <a:t>.</a:t>
+              <a:t>, סדר </a:t>
+            </a:r>
+            <a:r>
+              <a:rPr lang="he-IL" dirty="0" err="1"/>
+              <a:t>הפעולו</a:t>
+            </a:r>
+            <a:r>
+              <a:rPr lang="he-IL" dirty="0"/>
+              <a:t>, הבא:</a:t>
+            </a:r>
+          </a:p>
+          <a:p>
+            <a:pPr marL="171450" indent="-171450">
+              <a:buFontTx/>
+              <a:buChar char="-"/>
+            </a:pPr>
+            <a:r>
+              <a:rPr lang="he-IL" dirty="0"/>
+              <a:t>הדלק, גפרור – זמן 0</a:t>
+            </a:r>
+          </a:p>
+          <a:p>
+            <a:pPr marL="171450" indent="-171450">
+              <a:buFontTx/>
+              <a:buChar char="-"/>
+            </a:pPr>
+            <a:r>
+              <a:rPr lang="he-IL" dirty="0" err="1"/>
+              <a:t>ה,חל</a:t>
+            </a:r>
+            <a:r>
+              <a:rPr lang="he-IL" dirty="0"/>
+              <a:t>, ,</a:t>
+            </a:r>
+            <a:r>
+              <a:rPr lang="he-IL" dirty="0" err="1"/>
+              <a:t>יקון</a:t>
+            </a:r>
+            <a:r>
+              <a:rPr lang="he-IL" dirty="0"/>
+              <a:t> הפיוז – זמן 1</a:t>
+            </a:r>
+          </a:p>
+          <a:p>
+            <a:pPr marL="171450" indent="-171450">
+              <a:buFontTx/>
+              <a:buChar char="-"/>
+            </a:pPr>
+            <a:r>
+              <a:rPr lang="he-IL" dirty="0"/>
+              <a:t>סיום ,</a:t>
+            </a:r>
+            <a:r>
+              <a:rPr lang="he-IL" dirty="0" err="1"/>
+              <a:t>יקון</a:t>
+            </a:r>
+            <a:r>
+              <a:rPr lang="he-IL" dirty="0"/>
+              <a:t> הפיוז – זמן 11</a:t>
+            </a:r>
+          </a:p>
+          <a:p>
+            <a:pPr marL="171450" indent="-171450">
+              <a:buFontTx/>
+              <a:buChar char="-"/>
+            </a:pPr>
+            <a:r>
+              <a:rPr lang="he-IL" dirty="0"/>
+              <a:t>כיבוי הגפרור – זמן 12</a:t>
             </a:r>
           </a:p>
           <a:p>
@@ -10163,64 +10787,6 @@
             <a:endParaRPr lang="he-IL" dirty="0"/>
           </a:p>
           <a:p>
-            <a:pPr marL="0" indent="0">
-              <a:buFontTx/>
-              <a:buNone/>
-            </a:pPr>
-            <a:endParaRPr lang="he-IL" dirty="0"/>
-          </a:p>
-          <a:p>
-            <a:pPr marL="171450" indent="-171450">
-              <a:buFontTx/>
-              <a:buChar char="-"/>
-            </a:pPr>
-            <a:r>
-              <a:rPr lang="he-IL" dirty="0"/>
-              <a:t>רקע ומה זה </a:t>
-            </a:r>
-            <a:r>
-              <a:rPr lang="en-US" dirty="0"/>
-              <a:t>STN</a:t>
-            </a:r>
-            <a:r>
-              <a:rPr lang="he-IL" dirty="0"/>
-              <a:t> בעיות תיכנון עם אילוצים, חיפוש בגרף ואלגוריתם חיפוש עם </a:t>
-            </a:r>
-            <a:r>
-              <a:rPr lang="he-IL" dirty="0" err="1"/>
-              <a:t>יורסטיקות</a:t>
-            </a:r>
-            <a:endParaRPr lang="he-IL" dirty="0"/>
-          </a:p>
-          <a:p>
-            <a:pPr marL="171450" indent="-171450">
-              <a:buFontTx/>
-              <a:buChar char="-"/>
-            </a:pPr>
-            <a:r>
-              <a:rPr lang="he-IL" dirty="0"/>
-              <a:t>הסבר פשטני על </a:t>
-            </a:r>
-            <a:r>
-              <a:rPr lang="en-US" dirty="0"/>
-              <a:t>STN</a:t>
-            </a:r>
-            <a:r>
-              <a:rPr lang="he-IL" dirty="0"/>
-              <a:t> דומה של תיקון פיוז</a:t>
-            </a:r>
-          </a:p>
-          <a:p>
-            <a:pPr marL="171450" indent="-171450">
-              <a:buFontTx/>
-              <a:buChar char="-"/>
-            </a:pPr>
-            <a:r>
-              <a:rPr lang="he-IL" dirty="0"/>
-              <a:t>הסבר על תהליך הלמידה שלנו על הנושאים ~ חודשיים</a:t>
-            </a:r>
-          </a:p>
-          <a:p>
             <a:pPr marL="171450" indent="-171450">
               <a:buFontTx/>
               <a:buChar char="-"/>
@@ -10269,7 +10835,7 @@
           <a:p>
             <a:fld id="{5D87C9B3-3F36-45D2-B699-10C699E739B9}" type="slidenum">
               <a:rPr lang="he-IL" smtClean="0"/>
-              <a:t>6</a:t>
+              <a:t>5</a:t>
             </a:fld>
             <a:endParaRPr lang="he-IL"/>
           </a:p>
@@ -10332,63 +10898,9 @@
           <a:bodyPr/>
           <a:lstStyle/>
           <a:p>
-            <a:pPr marL="171450" indent="-171450">
-              <a:buFontTx/>
-              <a:buChar char="-"/>
-            </a:pPr>
             <a:r>
               <a:rPr lang="he-IL" dirty="0"/>
-              <a:t>אלגוריתם אופליין שמבוסס על רשתות </a:t>
-            </a:r>
-            <a:r>
-              <a:rPr lang="he-IL" dirty="0" err="1"/>
-              <a:t>נוירוינים</a:t>
-            </a:r>
-            <a:r>
-              <a:rPr lang="he-IL" dirty="0"/>
-              <a:t> ותורת הגרפים (חיפוש בגרף, גרף דינמי, גרף מכוון, </a:t>
-            </a:r>
-            <a:r>
-              <a:rPr lang="en-US" dirty="0"/>
-              <a:t>A*</a:t>
-            </a:r>
-            <a:r>
-              <a:rPr lang="he-IL" dirty="0"/>
-              <a:t>)</a:t>
-            </a:r>
-          </a:p>
-          <a:p>
-            <a:pPr marL="171450" indent="-171450">
-              <a:buFontTx/>
-              <a:buChar char="-"/>
-            </a:pPr>
-            <a:r>
-              <a:rPr lang="he-IL" dirty="0"/>
-              <a:t>אלגוריתם </a:t>
-            </a:r>
-            <a:r>
-              <a:rPr lang="he-IL" dirty="0" err="1"/>
-              <a:t>האופיליין</a:t>
-            </a:r>
-            <a:r>
-              <a:rPr lang="he-IL" dirty="0"/>
-              <a:t> מקבל </a:t>
-            </a:r>
-            <a:r>
-              <a:rPr lang="he-IL" dirty="0" err="1"/>
-              <a:t>גקלט</a:t>
-            </a:r>
-            <a:r>
-              <a:rPr lang="he-IL" dirty="0"/>
-              <a:t> קובץ </a:t>
-            </a:r>
-            <a:r>
-              <a:rPr lang="he-IL" dirty="0" err="1"/>
-              <a:t>קונפיג</a:t>
-            </a:r>
-            <a:r>
-              <a:rPr lang="he-IL" dirty="0"/>
-              <a:t> ומוציא כפלט קובץ לוג(מכיל את גרף ה-</a:t>
+              <a:t>נתאר כעת מקרה יותר מורכב של גרף </a:t>
             </a:r>
             <a:r>
               <a:rPr lang="en-US" dirty="0"/>
@@ -10396,76 +10908,26 @@
             </a:r>
             <a:r>
               <a:rPr lang="he-IL" dirty="0"/>
-              <a:t> שלנו בתצורה של טבלה)</a:t>
-            </a:r>
-          </a:p>
-          <a:p>
-            <a:pPr marL="171450" indent="-171450">
-              <a:buFontTx/>
-              <a:buChar char="-"/>
-            </a:pPr>
+              <a:t>, בו נראה את היתרונות של שימוש במבנה נתונים זה:</a:t>
+            </a:r>
+          </a:p>
+          <a:p>
             <a:r>
               <a:rPr lang="he-IL" dirty="0"/>
-              <a:t>בהתחלה התייחסנו </a:t>
-            </a:r>
-            <a:r>
-              <a:rPr lang="he-IL" dirty="0" err="1"/>
-              <a:t>לפרוייקט</a:t>
-            </a:r>
+              <a:t>המקרה הוא שיש לשני סטודנטים (נקרא להם ר' ס') תרגיל בית להגשה יחד.</a:t>
+            </a:r>
+          </a:p>
+          <a:p>
             <a:r>
               <a:rPr lang="he-IL" dirty="0"/>
-              <a:t> כקופסה שחורה אך ככל שהתקדמנו הבנו שכן יש צורך להיכנס לפרטיי המימוש ולבצע שינויים. הסיבה לכך היא שמדובר בעבודה אקדמית ולא מהתעשייה ולכן היה צורך בפגישה עם כותביי </a:t>
-            </a:r>
-            <a:r>
-              <a:rPr lang="he-IL" dirty="0" err="1"/>
-              <a:t>הפרוייקט</a:t>
-            </a:r>
+              <a:t>על מנת שיוכלו להתחיל את תרגיל הבית יחד, שני הסטודנטים צריכים לסיים את המטלות הקודמות שלהם.</a:t>
+            </a:r>
+          </a:p>
+          <a:p>
             <a:r>
               <a:rPr lang="he-IL" dirty="0"/>
-              <a:t> הקודם על מנת לעבור על הקוד ופרטיי המימוש על מנת לבצע את השינויים הנדרשים ללא פגיעה באלגוריתם עצמו.</a:t>
-            </a:r>
-          </a:p>
-          <a:p>
-            <a:pPr marL="171450" indent="-171450">
-              <a:buFontTx/>
-              <a:buChar char="-"/>
-            </a:pPr>
-            <a:r>
-              <a:rPr lang="he-IL" dirty="0"/>
-              <a:t>מרבית השינויים היו הוספת מעטפת </a:t>
-            </a:r>
-            <a:r>
-              <a:rPr lang="he-IL" dirty="0" err="1"/>
-              <a:t>לפרוייקט</a:t>
-            </a:r>
-            <a:r>
-              <a:rPr lang="he-IL" dirty="0"/>
-              <a:t> כדי שנוכל להשתמש בו כחלק </a:t>
-            </a:r>
-            <a:r>
-              <a:rPr lang="he-IL" dirty="0" err="1"/>
-              <a:t>מההפרוייקט</a:t>
-            </a:r>
-            <a:r>
-              <a:rPr lang="he-IL" dirty="0"/>
-              <a:t> שלנו, כלומר שינינו את </a:t>
-            </a:r>
-            <a:r>
-              <a:rPr lang="he-IL" dirty="0" err="1"/>
-              <a:t>הפרוייקט</a:t>
-            </a:r>
-            <a:r>
-              <a:rPr lang="he-IL" dirty="0"/>
-              <a:t> כך שיקבל קלט ופלט בצורה שנוכל לייצר משוב מהזמן אונליין</a:t>
-            </a:r>
-            <a:endParaRPr lang="en-US" dirty="0"/>
-          </a:p>
-          <a:p>
-            <a:pPr marL="171450" indent="-171450">
-              <a:buFontTx/>
-              <a:buChar char="-"/>
-            </a:pPr>
-            <a:endParaRPr lang="he-IL" dirty="0"/>
+              <a:t>נניח כי תרגיל הבית לוקח חצי שעה.  </a:t>
+            </a:r>
           </a:p>
         </p:txBody>
       </p:sp>
@@ -10509,7 +10971,7 @@
           <a:p>
             <a:fld id="{5D87C9B3-3F36-45D2-B699-10C699E739B9}" type="slidenum">
               <a:rPr lang="he-IL" smtClean="0"/>
-              <a:t>8</a:t>
+              <a:t>6</a:t>
             </a:fld>
             <a:endParaRPr lang="he-IL"/>
           </a:p>
@@ -10518,7 +10980,7 @@
     </p:spTree>
     <p:extLst>
       <p:ext uri="{BB962C8B-B14F-4D97-AF65-F5344CB8AC3E}">
-        <p14:creationId xmlns:p14="http://schemas.microsoft.com/office/powerpoint/2010/main" val="97309096"/>
+        <p14:creationId xmlns:p14="http://schemas.microsoft.com/office/powerpoint/2010/main" val="1398427955"/>
       </p:ext>
     </p:extLst>
   </p:cSld>
@@ -10572,21 +11034,82 @@
           <a:bodyPr/>
           <a:lstStyle/>
           <a:p>
+            <a:r>
+              <a:rPr lang="he-IL" dirty="0"/>
+              <a:t>אלגוריתם האונליין מומש בעזר,:</a:t>
+            </a:r>
+          </a:p>
+          <a:p>
+            <a:pPr marL="171450" indent="-171450">
+              <a:buFont typeface="Arial" panose="020B0604020202020204" pitchFamily="34" charset="0"/>
+              <a:buChar char="•"/>
+            </a:pPr>
+            <a:r>
+              <a:rPr lang="he-IL" dirty="0"/>
+              <a:t>,יכנו, מונחה עצמים</a:t>
+            </a:r>
+          </a:p>
+          <a:p>
+            <a:pPr marL="171450" indent="-171450">
+              <a:buFont typeface="Arial" panose="020B0604020202020204" pitchFamily="34" charset="0"/>
+              <a:buChar char="•"/>
+            </a:pPr>
+            <a:r>
+              <a:rPr lang="he-IL" dirty="0" err="1"/>
+              <a:t>דיזיין</a:t>
+            </a:r>
+            <a:r>
+              <a:rPr lang="he-IL" dirty="0"/>
+              <a:t> פטרן</a:t>
+            </a:r>
+          </a:p>
+          <a:p>
+            <a:pPr marL="171450" indent="-171450">
+              <a:buFont typeface="Arial" panose="020B0604020202020204" pitchFamily="34" charset="0"/>
+              <a:buChar char="•"/>
+            </a:pPr>
+            <a:r>
+              <a:rPr lang="he-IL" dirty="0"/>
+              <a:t>,יכנון </a:t>
+            </a:r>
+            <a:r>
+              <a:rPr lang="he-IL" dirty="0" err="1"/>
+              <a:t>אלגורי,מי</a:t>
+            </a:r>
+            <a:endParaRPr lang="he-IL" dirty="0"/>
+          </a:p>
+          <a:p>
             <a:pPr marL="171450" indent="-171450">
               <a:buFontTx/>
               <a:buChar char="-"/>
             </a:pPr>
             <a:r>
               <a:rPr lang="he-IL" dirty="0"/>
-              <a:t>אלגוריתם ה-</a:t>
+              <a:t>האלגוריתם מקבל כקלט קובץ </a:t>
             </a:r>
             <a:r>
               <a:rPr lang="en-US" dirty="0"/>
-              <a:t>offline</a:t>
+              <a:t>config</a:t>
             </a:r>
             <a:r>
               <a:rPr lang="he-IL" dirty="0"/>
-              <a:t> מבוסס על רשתות נוירונים ועל תורת הגרפים.</a:t>
+              <a:t> וגר; </a:t>
+            </a:r>
+            <a:r>
+              <a:rPr lang="en-US" dirty="0"/>
+              <a:t>STN</a:t>
+            </a:r>
+            <a:r>
+              <a:rPr lang="he-IL" dirty="0"/>
+              <a:t> ומוציא כפלט קובץ המכיל את סדר </a:t>
+            </a:r>
+            <a:r>
+              <a:rPr lang="he-IL" dirty="0" err="1"/>
+              <a:t>הפעולו</a:t>
+            </a:r>
+            <a:r>
+              <a:rPr lang="he-IL" dirty="0"/>
+              <a:t>, שקרו במהלך היום.</a:t>
             </a:r>
           </a:p>
           <a:p>
@@ -10596,23 +11119,31 @@
             </a:pPr>
             <a:r>
               <a:rPr lang="he-IL" dirty="0"/>
-              <a:t>האלגוריתם מקבל כקלט קובץ </a:t>
-            </a:r>
-            <a:r>
-              <a:rPr lang="en-US" dirty="0"/>
-              <a:t>config</a:t>
+              <a:t>אלגוריתם האונליין משמש ב"מגדל פיקוח" אשר שולח משימו, </a:t>
+            </a:r>
+            <a:r>
+              <a:rPr lang="he-IL" dirty="0" err="1"/>
+              <a:t>לסביב</a:t>
             </a:r>
             <a:r>
               <a:rPr lang="he-IL" dirty="0"/>
-              <a:t> (הנראה כך), ומוציא כפלט קובץ לוג המכיל בעצם את גרף ה-</a:t>
-            </a:r>
-            <a:r>
-              <a:rPr lang="en-US" dirty="0"/>
-              <a:t>STN</a:t>
+              <a:t>, ההרצה )סימולטור( ומבצע החלטו, על בסיס מצב העולם </a:t>
+            </a:r>
+            <a:r>
+              <a:rPr lang="he-IL" dirty="0" err="1"/>
+              <a:t>וההפרעו</a:t>
             </a:r>
             <a:r>
               <a:rPr lang="he-IL" dirty="0"/>
-              <a:t> בצורה של טבלה. גרף זה הוא הפתרון האופטימלי לבעיה שניתנה.</a:t>
+              <a:t>, </a:t>
+            </a:r>
+            <a:r>
+              <a:rPr lang="he-IL" dirty="0" err="1"/>
+              <a:t>המ,רחשו</a:t>
+            </a:r>
+            <a:r>
+              <a:rPr lang="he-IL" dirty="0"/>
+              <a:t>,/</a:t>
             </a:r>
           </a:p>
           <a:p>
@@ -10621,193 +11152,53 @@
               <a:buChar char="-"/>
             </a:pPr>
             <a:r>
+              <a:rPr lang="he-IL" dirty="0" err="1"/>
+              <a:t>ההחלטו</a:t>
+            </a:r>
+            <a:r>
               <a:rPr lang="he-IL" dirty="0"/>
-              <a:t>בהתחלה התייחסנו לפרויקט ה-</a:t>
-            </a:r>
-            <a:r>
-              <a:rPr lang="en-US" dirty="0"/>
-              <a:t>offline</a:t>
+              <a:t>, </a:t>
+            </a:r>
+            <a:r>
+              <a:rPr lang="he-IL" dirty="0" err="1"/>
+              <a:t>שהאלגורי,ם</a:t>
             </a:r>
             <a:r>
               <a:rPr lang="he-IL" dirty="0"/>
-              <a:t> כקופסא שחורה, אך במהלך העבודה הבנו שיש צורך להיכנס לפרטיי המימוש והאלגוריתם ולבצע שינויים.</a:t>
-            </a:r>
-          </a:p>
-          <a:p>
-            <a:pPr marL="171450" indent="-171450">
-              <a:buFontTx/>
-              <a:buChar char="-"/>
-            </a:pPr>
+              <a:t> מקבל הן האם לבצע ,</a:t>
+            </a:r>
+            <a:r>
+              <a:rPr lang="he-IL" dirty="0" err="1"/>
+              <a:t>יקון</a:t>
+            </a:r>
             <a:r>
               <a:rPr lang="he-IL" dirty="0"/>
-              <a:t>(הסיבה העיקרית הייתה שמדובר בעבודה אקדמאית ולא מהתעשייה), ולכן היה צורך להיפגש עם כותביי הפרויקט הקודם ולעבור על פרטי המימוש על מנת לבצע שינויים שלא ייפגעו באלגוריתם עצמו.</a:t>
-            </a:r>
-          </a:p>
-          <a:p>
-            <a:pPr marL="171450" marR="0" lvl="0" indent="-171450" algn="r" defTabSz="914400" rtl="1" eaLnBrk="1" fontAlgn="auto" latinLnBrk="0" hangingPunct="1">
-              <a:lnSpc>
-                <a:spcPct val="100000"/>
-              </a:lnSpc>
-              <a:spcBef>
-                <a:spcPts val="0"/>
-              </a:spcBef>
-              <a:spcAft>
-                <a:spcPts val="0"/>
-              </a:spcAft>
-              <a:buClrTx/>
-              <a:buSzTx/>
-              <a:buFontTx/>
-              <a:buChar char="-"/>
-              <a:tabLst/>
-              <a:defRPr/>
-            </a:pPr>
+              <a:t> מקומי' האם לבצע ,</a:t>
+            </a:r>
+            <a:r>
+              <a:rPr lang="he-IL" dirty="0" err="1"/>
+              <a:t>יקון</a:t>
+            </a:r>
             <a:r>
               <a:rPr lang="he-IL" dirty="0"/>
-              <a:t>עיקר השינויים היו הוספת מעטפת לפרויקט כדי שנוכל להשתמש בו </a:t>
-            </a:r>
-            <a:r>
-              <a:rPr lang="he-IL"/>
-              <a:t>כחלק מהאלגוריתם </a:t>
+              <a:t> גלובלי ),יכנון מחדש( או האם </a:t>
+            </a:r>
+            <a:r>
+              <a:rPr lang="he-IL" dirty="0" err="1"/>
+              <a:t>ה,כני</a:t>
             </a:r>
             <a:r>
               <a:rPr lang="he-IL" dirty="0"/>
-              <a:t>שלנו, בעצם, שינינו את הפרויקט כך שיקבל קלט ופלט בצורה שנוכל לייצר משוב בצורה נוחה.</a:t>
-            </a:r>
-          </a:p>
-          <a:p>
-            <a:pPr marL="171450" indent="-171450">
-              <a:buFontTx/>
-              <a:buChar char="-"/>
-            </a:pPr>
-            <a:endParaRPr lang="he-IL" dirty="0"/>
-          </a:p>
-          <a:p>
-            <a:pPr marL="171450" indent="-171450">
-              <a:buFontTx/>
-              <a:buChar char="-"/>
-            </a:pPr>
+              <a:t>, אינה </a:t>
+            </a:r>
+            <a:r>
+              <a:rPr lang="he-IL" dirty="0" err="1"/>
+              <a:t>פיזיבלי</a:t>
+            </a:r>
             <a:r>
               <a:rPr lang="he-IL" dirty="0"/>
-              <a:t>אלגוריתם אופליין שמבוסס על רשתות </a:t>
-            </a:r>
-            <a:r>
-              <a:rPr lang="he-IL" dirty="0" err="1"/>
-              <a:t>נוירוינים</a:t>
-            </a:r>
-            <a:r>
-              <a:rPr lang="he-IL" dirty="0"/>
-              <a:t> ותורת הגרפים (חיפוש בגרף, גרף דינמי, גרף מכוון, </a:t>
-            </a:r>
-            <a:r>
-              <a:rPr lang="en-US" dirty="0"/>
-              <a:t>A*</a:t>
-            </a:r>
-            <a:r>
-              <a:rPr lang="he-IL" dirty="0"/>
-              <a:t>)</a:t>
-            </a:r>
-          </a:p>
-          <a:p>
-            <a:pPr marL="171450" indent="-171450">
-              <a:buFontTx/>
-              <a:buChar char="-"/>
-            </a:pPr>
-            <a:r>
-              <a:rPr lang="he-IL" dirty="0"/>
-              <a:t>אלגוריתם </a:t>
-            </a:r>
-            <a:r>
-              <a:rPr lang="he-IL" dirty="0" err="1"/>
-              <a:t>האופיליין</a:t>
-            </a:r>
-            <a:r>
-              <a:rPr lang="he-IL" dirty="0"/>
-              <a:t> מקבל כקלט קובץ </a:t>
-            </a:r>
-            <a:r>
-              <a:rPr lang="he-IL" dirty="0" err="1"/>
-              <a:t>קונפיג</a:t>
-            </a:r>
-            <a:r>
-              <a:rPr lang="he-IL" dirty="0"/>
-              <a:t> ומוציא כפלט קובץ לוג(מכיל את גרף ה-</a:t>
-            </a:r>
-            <a:r>
-              <a:rPr lang="en-US" dirty="0"/>
-              <a:t>STN</a:t>
-            </a:r>
-            <a:r>
-              <a:rPr lang="he-IL" dirty="0"/>
-              <a:t> שלנו בתצורה של טבלה)</a:t>
-            </a:r>
-          </a:p>
-          <a:p>
-            <a:pPr marL="171450" indent="-171450">
-              <a:buFontTx/>
-              <a:buChar char="-"/>
-            </a:pPr>
-            <a:r>
-              <a:rPr lang="he-IL" dirty="0"/>
-              <a:t>בהתחלה התייחסנו </a:t>
-            </a:r>
-            <a:r>
-              <a:rPr lang="he-IL" dirty="0" err="1"/>
-              <a:t>לפרוייקט</a:t>
-            </a:r>
-            <a:r>
-              <a:rPr lang="he-IL" dirty="0"/>
-              <a:t> כקופסה שחורה אך ככל שהתקדמנו הבנו שכן יש צורך להיכנס לפרטיי המימוש ולבצע שינויים. הסיבה לכך היא שמדובר בעבודה אקדמית ולא מהתעשייה ולכן היה צורך בפגישה עם כותביי </a:t>
-            </a:r>
-            <a:r>
-              <a:rPr lang="he-IL" dirty="0" err="1"/>
-              <a:t>הפרוייקט</a:t>
-            </a:r>
-            <a:r>
-              <a:rPr lang="he-IL" dirty="0"/>
-              <a:t> הקודם על מנת לעבור על הקוד ופרטיי המימוש על מנת לבצע את השינויים הנדרשים ללא פגיעה באלגוריתם עצמו.</a:t>
-            </a:r>
-          </a:p>
-          <a:p>
-            <a:pPr marL="171450" indent="-171450">
-              <a:buFontTx/>
-              <a:buChar char="-"/>
-            </a:pPr>
-            <a:r>
-              <a:rPr lang="he-IL" dirty="0"/>
-              <a:t>מרבית השינויים היו הוספת מעטפת </a:t>
-            </a:r>
-            <a:r>
-              <a:rPr lang="he-IL" dirty="0" err="1"/>
-              <a:t>לפרוייקט</a:t>
-            </a:r>
-            <a:r>
-              <a:rPr lang="he-IL" dirty="0"/>
-              <a:t> כדי שנוכל להשתמש בו כחלק </a:t>
-            </a:r>
-            <a:r>
-              <a:rPr lang="he-IL" dirty="0" err="1"/>
-              <a:t>מההפרוייקט</a:t>
-            </a:r>
-            <a:r>
-              <a:rPr lang="he-IL" dirty="0"/>
-              <a:t> שלנו, כלומר שינינו את </a:t>
-            </a:r>
-            <a:r>
-              <a:rPr lang="he-IL" dirty="0" err="1"/>
-              <a:t>הפרוייקט</a:t>
-            </a:r>
-            <a:r>
-              <a:rPr lang="he-IL" dirty="0"/>
-              <a:t> כך שיקבל קלט ופלט בצורה שנוכל לייצר משוב מהזמן אונליין</a:t>
-            </a:r>
-            <a:endParaRPr lang="en-US" dirty="0"/>
-          </a:p>
-          <a:p>
-            <a:pPr marL="171450" indent="-171450">
-              <a:buFontTx/>
-              <a:buChar char="-"/>
-            </a:pPr>
-            <a:endParaRPr lang="he-IL" dirty="0"/>
+              <a:t>,/</a:t>
+            </a:r>
           </a:p>
         </p:txBody>
       </p:sp>
@@ -10851,7 +11242,7 @@
           <a:p>
             <a:fld id="{5D87C9B3-3F36-45D2-B699-10C699E739B9}" type="slidenum">
               <a:rPr lang="he-IL" smtClean="0"/>
-              <a:t>9</a:t>
+              <a:t>7</a:t>
             </a:fld>
             <a:endParaRPr lang="he-IL"/>
           </a:p>
@@ -10860,7 +11251,7 @@
     </p:spTree>
     <p:extLst>
       <p:ext uri="{BB962C8B-B14F-4D97-AF65-F5344CB8AC3E}">
-        <p14:creationId xmlns:p14="http://schemas.microsoft.com/office/powerpoint/2010/main" val="2298855564"/>
+        <p14:creationId xmlns:p14="http://schemas.microsoft.com/office/powerpoint/2010/main" val="3565720944"/>
       </p:ext>
     </p:extLst>
   </p:cSld>
@@ -10914,52 +11305,140 @@
           <a:bodyPr/>
           <a:lstStyle/>
           <a:p>
+            <a:pPr marL="171450" indent="-171450">
+              <a:buFontTx/>
+              <a:buChar char="-"/>
+            </a:pPr>
             <a:r>
               <a:rPr lang="he-IL" dirty="0"/>
-              <a:t>מטרת הפרויקט היא לבנות אלגוריתם </a:t>
+              <a:t>אלגוריתם אופליין שמבוסס על רשתות </a:t>
+            </a:r>
+            <a:r>
+              <a:rPr lang="he-IL" dirty="0" err="1"/>
+              <a:t>נוירוינים</a:t>
+            </a:r>
+            <a:r>
+              <a:rPr lang="he-IL" dirty="0"/>
+              <a:t> ותורת הגרפים (חיפוש בגרף, גרף דינמי, גרף מכוון, </a:t>
             </a:r>
             <a:r>
               <a:rPr lang="en-US" dirty="0"/>
-              <a:t>online</a:t>
+              <a:t>A*</a:t>
             </a:r>
             <a:r>
               <a:rPr lang="he-IL" dirty="0"/>
-              <a:t> לניהול המראות ונחיתות של מטוסים.</a:t>
-            </a:r>
-          </a:p>
-          <a:p>
+              <a:t>)</a:t>
+            </a:r>
+          </a:p>
+          <a:p>
+            <a:pPr marL="171450" indent="-171450">
+              <a:buFontTx/>
+              <a:buChar char="-"/>
+            </a:pPr>
             <a:r>
               <a:rPr lang="he-IL" dirty="0"/>
-              <a:t>בפרויקט זה בנינו אלגוריתם אשר מנהל את שדה התעופה בהתאם לתוכנית יום של אלגוריתם ה-</a:t>
+              <a:t>אלגוריתם </a:t>
+            </a:r>
+            <a:r>
+              <a:rPr lang="he-IL" dirty="0" err="1"/>
+              <a:t>האופיליין</a:t>
+            </a:r>
+            <a:r>
+              <a:rPr lang="he-IL" dirty="0"/>
+              <a:t> מקבל </a:t>
+            </a:r>
+            <a:r>
+              <a:rPr lang="he-IL" dirty="0" err="1"/>
+              <a:t>גקלט</a:t>
+            </a:r>
+            <a:r>
+              <a:rPr lang="he-IL" dirty="0"/>
+              <a:t> קובץ </a:t>
+            </a:r>
+            <a:r>
+              <a:rPr lang="he-IL" dirty="0" err="1"/>
+              <a:t>קונפיג</a:t>
+            </a:r>
+            <a:r>
+              <a:rPr lang="he-IL" dirty="0"/>
+              <a:t> ומוציא כפלט קובץ לוג(מכיל את גרף ה-</a:t>
             </a:r>
             <a:r>
               <a:rPr lang="en-US" dirty="0"/>
-              <a:t>offline</a:t>
+              <a:t>STN</a:t>
             </a:r>
             <a:r>
               <a:rPr lang="he-IL" dirty="0"/>
-              <a:t>. זאת, תוך התמודדות עם שינויים ואילוצים בזמן-אמת.</a:t>
-            </a:r>
-          </a:p>
-          <a:p>
+              <a:t> שלנו בתצורה של טבלה)</a:t>
+            </a:r>
+          </a:p>
+          <a:p>
+            <a:pPr marL="171450" indent="-171450">
+              <a:buFontTx/>
+              <a:buChar char="-"/>
+            </a:pPr>
             <a:r>
               <a:rPr lang="he-IL" dirty="0"/>
-              <a:t>בנוסף האלגוריתם צריך להחליט האם הוא יכול לרוץ עם האילוצים שצצו במהלך היום או לחשב מסלול מחדש ביחס </a:t>
+              <a:t>בהתחלה התייחסנו </a:t>
             </a:r>
             <a:r>
               <a:rPr lang="he-IL" dirty="0" err="1"/>
-              <a:t>לנק</a:t>
+              <a:t>לפרוייקט</a:t>
             </a:r>
             <a:r>
               <a:rPr lang="he-IL" dirty="0"/>
-              <a:t>' בה הוא נמצא.</a:t>
-            </a:r>
-          </a:p>
-          <a:p>
+              <a:t> כקופסה שחורה אך ככל שהתקדמנו הבנו שכן יש צורך להיכנס לפרטיי המימוש ולבצע שינויים. הסיבה לכך היא שמדובר בעבודה אקדמית ולא מהתעשייה ולכן היה צורך בפגישה עם כותביי </a:t>
+            </a:r>
+            <a:r>
+              <a:rPr lang="he-IL" dirty="0" err="1"/>
+              <a:t>הפרוייקט</a:t>
+            </a:r>
             <a:r>
               <a:rPr lang="he-IL" dirty="0"/>
-              <a:t> </a:t>
-            </a:r>
+              <a:t> הקודם על מנת לעבור על הקוד ופרטיי המימוש על מנת לבצע את השינויים הנדרשים ללא פגיעה באלגוריתם עצמו.</a:t>
+            </a:r>
+          </a:p>
+          <a:p>
+            <a:pPr marL="171450" indent="-171450">
+              <a:buFontTx/>
+              <a:buChar char="-"/>
+            </a:pPr>
+            <a:r>
+              <a:rPr lang="he-IL" dirty="0"/>
+              <a:t>מרבית השינויים היו הוספת מעטפת </a:t>
+            </a:r>
+            <a:r>
+              <a:rPr lang="he-IL" dirty="0" err="1"/>
+              <a:t>לפרוייקט</a:t>
+            </a:r>
+            <a:r>
+              <a:rPr lang="he-IL" dirty="0"/>
+              <a:t> כדי שנוכל להשתמש בו כחלק </a:t>
+            </a:r>
+            <a:r>
+              <a:rPr lang="he-IL" dirty="0" err="1"/>
+              <a:t>מההפרוייקט</a:t>
+            </a:r>
+            <a:r>
+              <a:rPr lang="he-IL" dirty="0"/>
+              <a:t> שלנו, כלומר שינינו את </a:t>
+            </a:r>
+            <a:r>
+              <a:rPr lang="he-IL" dirty="0" err="1"/>
+              <a:t>הפרוייקט</a:t>
+            </a:r>
+            <a:r>
+              <a:rPr lang="he-IL" dirty="0"/>
+              <a:t> כך שיקבל קלט ופלט בצורה שנוכל לייצר משוב מהזמן אונליין</a:t>
+            </a:r>
+            <a:endParaRPr lang="en-US" dirty="0"/>
+          </a:p>
+          <a:p>
+            <a:pPr marL="171450" indent="-171450">
+              <a:buFontTx/>
+              <a:buChar char="-"/>
+            </a:pPr>
+            <a:endParaRPr lang="he-IL" dirty="0"/>
           </a:p>
         </p:txBody>
       </p:sp>
@@ -11003,7 +11482,7 @@
           <a:p>
             <a:fld id="{5D87C9B3-3F36-45D2-B699-10C699E739B9}" type="slidenum">
               <a:rPr lang="he-IL" smtClean="0"/>
-              <a:t>10</a:t>
+              <a:t>8</a:t>
             </a:fld>
             <a:endParaRPr lang="he-IL"/>
           </a:p>
@@ -11012,7 +11491,7 @@
     </p:spTree>
     <p:extLst>
       <p:ext uri="{BB962C8B-B14F-4D97-AF65-F5344CB8AC3E}">
-        <p14:creationId xmlns:p14="http://schemas.microsoft.com/office/powerpoint/2010/main" val="3337829285"/>
+        <p14:creationId xmlns:p14="http://schemas.microsoft.com/office/powerpoint/2010/main" val="97309096"/>
       </p:ext>
     </p:extLst>
   </p:cSld>
@@ -11068,57 +11547,49 @@
           <a:p>
             <a:r>
               <a:rPr lang="he-IL" dirty="0"/>
-              <a:t>זוהי סכמה כללית של הבעיה שלנו</a:t>
-            </a:r>
-          </a:p>
-          <a:p>
+              <a:t>מטרת הפרויקט היא לבנות אלגוריתם </a:t>
+            </a:r>
+            <a:r>
+              <a:rPr lang="en-US" dirty="0"/>
+              <a:t>online</a:t>
+            </a:r>
             <a:r>
               <a:rPr lang="he-IL" dirty="0"/>
-              <a:t>כאשר ה-</a:t>
+              <a:t> לניהול המראות ונחיתות של מטוסים.</a:t>
+            </a:r>
+          </a:p>
+          <a:p>
+            <a:r>
+              <a:rPr lang="he-IL" dirty="0"/>
+              <a:t>בפרויקט זה בנינו אלגוריתם אשר מנהל את שדה התעופה בהתאם לתוכנית יום של אלגוריתם ה-</a:t>
             </a:r>
             <a:r>
               <a:rPr lang="en-US" dirty="0"/>
-              <a:t>planner</a:t>
+              <a:t>offline</a:t>
             </a:r>
             <a:r>
               <a:rPr lang="he-IL" dirty="0"/>
-              <a:t> הוא בעצם אלגוריתם </a:t>
+              <a:t>. זאת, תוך התמודדות עם שינויים ואילוצים בזמן-אמת.</a:t>
+            </a:r>
+          </a:p>
+          <a:p>
+            <a:r>
+              <a:rPr lang="he-IL" dirty="0"/>
+              <a:t>האלגוריתם צריך להחליט האם הוא יכול לרוץ עם </a:t>
             </a:r>
             <a:r>
               <a:rPr lang="he-IL" dirty="0" err="1"/>
-              <a:t>האופליין</a:t>
+              <a:t>ההפרעו</a:t>
             </a:r>
             <a:r>
               <a:rPr lang="he-IL" dirty="0"/>
-              <a:t>.</a:t>
+              <a:t>, שצצו במהלך היום או לבצע ,יכנון מחדש ביחס למצב העולם בו הוא נמצא.</a:t>
             </a:r>
           </a:p>
           <a:p>
             <a:r>
               <a:rPr lang="he-IL" dirty="0"/>
-              <a:t>ה-</a:t>
-            </a:r>
-            <a:r>
-              <a:rPr lang="en-US" dirty="0" err="1"/>
-              <a:t>exeutor</a:t>
-            </a:r>
-            <a:r>
-              <a:rPr lang="he-IL" dirty="0"/>
-              <a:t> הוא אלגוריתם האונליין שלנו, בגדול ה-</a:t>
-            </a:r>
-            <a:r>
-              <a:rPr lang="en-US" dirty="0"/>
-              <a:t>controller</a:t>
-            </a:r>
-            <a:r>
-              <a:rPr lang="he-IL" dirty="0"/>
-              <a:t> שלנו.</a:t>
-            </a:r>
-          </a:p>
-          <a:p>
-            <a:r>
-              <a:rPr lang="he-IL" dirty="0"/>
-              <a:t>ועל מנת לבדוק את האלגוריתם, בנינו סביבה אשר מדמה שדה תעופה עם הפרעות ושינויים בזמן-אמת.</a:t>
+              <a:t> </a:t>
             </a:r>
           </a:p>
         </p:txBody>
@@ -11163,7 +11634,7 @@
           <a:p>
             <a:fld id="{5D87C9B3-3F36-45D2-B699-10C699E739B9}" type="slidenum">
               <a:rPr lang="he-IL" smtClean="0"/>
-              <a:t>11</a:t>
+              <a:t>9</a:t>
             </a:fld>
             <a:endParaRPr lang="he-IL"/>
           </a:p>
@@ -11172,7 +11643,7 @@
     </p:spTree>
     <p:extLst>
       <p:ext uri="{BB962C8B-B14F-4D97-AF65-F5344CB8AC3E}">
-        <p14:creationId xmlns:p14="http://schemas.microsoft.com/office/powerpoint/2010/main" val="756721077"/>
+        <p14:creationId xmlns:p14="http://schemas.microsoft.com/office/powerpoint/2010/main" val="3337829285"/>
       </p:ext>
     </p:extLst>
   </p:cSld>
@@ -11332,7 +11803,7 @@
           <a:p>
             <a:fld id="{79F52B68-D5BB-4EA1-AA06-AA0F0EB03557}" type="datetime8">
               <a:rPr lang="he-IL" smtClean="0"/>
-              <a:t>08 נובמבר 21</a:t>
+              <a:t>09 נובמבר 21</a:t>
             </a:fld>
             <a:endParaRPr lang="he-IL"/>
           </a:p>
@@ -11538,7 +12009,7 @@
           <a:p>
             <a:fld id="{4630A421-3765-4AFC-82D8-61E7D97E88E2}" type="datetime8">
               <a:rPr lang="he-IL" smtClean="0"/>
-              <a:t>08 נובמבר 21</a:t>
+              <a:t>09 נובמבר 21</a:t>
             </a:fld>
             <a:endParaRPr lang="he-IL"/>
           </a:p>
@@ -11749,7 +12220,7 @@
           <a:p>
             <a:fld id="{1928ACFF-5ACA-4C80-A849-F6D0F72C53A9}" type="datetime8">
               <a:rPr lang="he-IL" smtClean="0"/>
-              <a:t>08 נובמבר 21</a:t>
+              <a:t>09 נובמבר 21</a:t>
             </a:fld>
             <a:endParaRPr lang="he-IL"/>
           </a:p>
@@ -11977,7 +12448,7 @@
           <a:p>
             <a:fld id="{770970AA-6FE6-4A3D-8DF8-9706D5D96A45}" type="datetimeFigureOut">
               <a:rPr lang="he-IL" smtClean="0"/>
-              <a:t>ד'/כסלו/תשפ"ב</a:t>
+              <a:t>ה'/כסלו/תשפ"ב</a:t>
             </a:fld>
             <a:endParaRPr lang="he-IL"/>
           </a:p>
@@ -12199,7 +12670,7 @@
           <a:p>
             <a:fld id="{770970AA-6FE6-4A3D-8DF8-9706D5D96A45}" type="datetimeFigureOut">
               <a:rPr lang="he-IL" smtClean="0"/>
-              <a:t>ד'/כסלו/תשפ"ב</a:t>
+              <a:t>ה'/כסלו/תשפ"ב</a:t>
             </a:fld>
             <a:endParaRPr lang="he-IL"/>
           </a:p>
@@ -12498,7 +12969,7 @@
           <a:p>
             <a:fld id="{770970AA-6FE6-4A3D-8DF8-9706D5D96A45}" type="datetimeFigureOut">
               <a:rPr lang="he-IL" smtClean="0"/>
-              <a:t>ד'/כסלו/תשפ"ב</a:t>
+              <a:t>ה'/כסלו/תשפ"ב</a:t>
             </a:fld>
             <a:endParaRPr lang="he-IL"/>
           </a:p>
@@ -12787,7 +13258,7 @@
           <a:p>
             <a:fld id="{770970AA-6FE6-4A3D-8DF8-9706D5D96A45}" type="datetimeFigureOut">
               <a:rPr lang="he-IL" smtClean="0"/>
-              <a:t>ד'/כסלו/תשפ"ב</a:t>
+              <a:t>ה'/כסלו/תשפ"ב</a:t>
             </a:fld>
             <a:endParaRPr lang="he-IL"/>
           </a:p>
@@ -13223,7 +13694,7 @@
           <a:p>
             <a:fld id="{770970AA-6FE6-4A3D-8DF8-9706D5D96A45}" type="datetimeFigureOut">
               <a:rPr lang="he-IL" smtClean="0"/>
-              <a:t>ד'/כסלו/תשפ"ב</a:t>
+              <a:t>ה'/כסלו/תשפ"ב</a:t>
             </a:fld>
             <a:endParaRPr lang="he-IL"/>
           </a:p>
@@ -13388,7 +13859,7 @@
           <a:p>
             <a:fld id="{770970AA-6FE6-4A3D-8DF8-9706D5D96A45}" type="datetimeFigureOut">
               <a:rPr lang="he-IL" smtClean="0"/>
-              <a:t>ד'/כסלו/תשפ"ב</a:t>
+              <a:t>ה'/כסלו/תשפ"ב</a:t>
             </a:fld>
             <a:endParaRPr lang="he-IL"/>
           </a:p>
@@ -13525,7 +13996,7 @@
           <a:p>
             <a:fld id="{770970AA-6FE6-4A3D-8DF8-9706D5D96A45}" type="datetimeFigureOut">
               <a:rPr lang="he-IL" smtClean="0"/>
-              <a:t>ד'/כסלו/תשפ"ב</a:t>
+              <a:t>ה'/כסלו/תשפ"ב</a:t>
             </a:fld>
             <a:endParaRPr lang="he-IL"/>
           </a:p>
@@ -13860,7 +14331,7 @@
           <a:p>
             <a:fld id="{770970AA-6FE6-4A3D-8DF8-9706D5D96A45}" type="datetimeFigureOut">
               <a:rPr lang="he-IL" smtClean="0"/>
-              <a:t>ד'/כסלו/תשפ"ב</a:t>
+              <a:t>ה'/כסלו/תשפ"ב</a:t>
             </a:fld>
             <a:endParaRPr lang="he-IL"/>
           </a:p>
@@ -14227,7 +14698,7 @@
           <a:p>
             <a:fld id="{770970AA-6FE6-4A3D-8DF8-9706D5D96A45}" type="datetimeFigureOut">
               <a:rPr lang="he-IL" smtClean="0"/>
-              <a:t>ד'/כסלו/תשפ"ב</a:t>
+              <a:t>ה'/כסלו/תשפ"ב</a:t>
             </a:fld>
             <a:endParaRPr lang="he-IL"/>
           </a:p>
@@ -14449,7 +14920,7 @@
           <a:p>
             <a:fld id="{770970AA-6FE6-4A3D-8DF8-9706D5D96A45}" type="datetimeFigureOut">
               <a:rPr lang="he-IL" smtClean="0"/>
-              <a:t>ד'/כסלו/תשפ"ב</a:t>
+              <a:t>ה'/כסלו/תשפ"ב</a:t>
             </a:fld>
             <a:endParaRPr lang="he-IL"/>
           </a:p>
@@ -14681,7 +15152,7 @@
           <a:p>
             <a:fld id="{770970AA-6FE6-4A3D-8DF8-9706D5D96A45}" type="datetimeFigureOut">
               <a:rPr lang="he-IL" smtClean="0"/>
-              <a:t>ד'/כסלו/תשפ"ב</a:t>
+              <a:t>ה'/כסלו/תשפ"ב</a:t>
             </a:fld>
             <a:endParaRPr lang="he-IL"/>
           </a:p>
@@ -14975,7 +15446,7 @@
           <a:p>
             <a:fld id="{B633B74F-7D5F-40B2-99A3-88735BD1578B}" type="datetime8">
               <a:rPr lang="he-IL" smtClean="0"/>
-              <a:t>08 נובמבר 21</a:t>
+              <a:t>09 נובמבר 21</a:t>
             </a:fld>
             <a:endParaRPr lang="he-IL"/>
           </a:p>
@@ -15248,7 +15719,7 @@
           <a:p>
             <a:fld id="{65562B8D-86A8-4454-AA4A-1BEBDBDA192F}" type="datetime8">
               <a:rPr lang="he-IL" smtClean="0"/>
-              <a:t>08 נובמבר 21</a:t>
+              <a:t>09 נובמבר 21</a:t>
             </a:fld>
             <a:endParaRPr lang="he-IL"/>
           </a:p>
@@ -15663,7 +16134,7 @@
           <a:p>
             <a:fld id="{9BB23B68-68DB-45D4-BA8A-E485CD89D92D}" type="datetime8">
               <a:rPr lang="he-IL" smtClean="0"/>
-              <a:t>08 נובמבר 21</a:t>
+              <a:t>09 נובמבר 21</a:t>
             </a:fld>
             <a:endParaRPr lang="he-IL"/>
           </a:p>
@@ -15812,7 +16283,7 @@
           <a:p>
             <a:fld id="{F1F471B7-87D8-4F1F-9E2D-C6A63061FDAF}" type="datetime8">
               <a:rPr lang="he-IL" smtClean="0"/>
-              <a:t>08 נובמבר 21</a:t>
+              <a:t>09 נובמבר 21</a:t>
             </a:fld>
             <a:endParaRPr lang="he-IL"/>
           </a:p>
@@ -15925,7 +16396,7 @@
           <a:p>
             <a:fld id="{1FDAAD0D-E4D3-4002-8D78-AF351A1D3F6C}" type="datetime8">
               <a:rPr lang="he-IL" smtClean="0"/>
-              <a:t>08 נובמבר 21</a:t>
+              <a:t>09 נובמבר 21</a:t>
             </a:fld>
             <a:endParaRPr lang="he-IL"/>
           </a:p>
@@ -16239,7 +16710,7 @@
           <a:p>
             <a:fld id="{70D621F4-9C26-416E-9A11-3CE3612254C3}" type="datetime8">
               <a:rPr lang="he-IL" smtClean="0"/>
-              <a:t>08 נובמבר 21</a:t>
+              <a:t>09 נובמבר 21</a:t>
             </a:fld>
             <a:endParaRPr lang="he-IL"/>
           </a:p>
@@ -16530,7 +17001,7 @@
           <a:p>
             <a:fld id="{6ED9EE37-CB84-467D-A0A3-F81C0AAB9BAF}" type="datetime8">
               <a:rPr lang="he-IL" smtClean="0"/>
-              <a:t>08 נובמבר 21</a:t>
+              <a:t>09 נובמבר 21</a:t>
             </a:fld>
             <a:endParaRPr lang="he-IL"/>
           </a:p>
@@ -16780,7 +17251,7 @@
           <a:p>
             <a:fld id="{1C4278E5-E3C6-4EAD-A696-23D756A692B1}" type="datetime8">
               <a:rPr lang="he-IL" smtClean="0"/>
-              <a:t>08 נובמבר 21</a:t>
+              <a:t>09 נובמבר 21</a:t>
             </a:fld>
             <a:endParaRPr lang="he-IL"/>
           </a:p>
@@ -17667,7 +18138,7 @@
           <a:lstStyle/>
           <a:p>
             <a:r>
-              <a:rPr lang="en-US" sz="2200" dirty="0">
+              <a:rPr lang="en-US" sz="2200">
                 <a:solidFill>
                   <a:srgbClr val="002060"/>
                 </a:solidFill>
@@ -17675,14 +18146,14 @@
               <a:t>Final Presentation</a:t>
             </a:r>
             <a:br>
-              <a:rPr lang="en-US" sz="4800" dirty="0">
+              <a:rPr lang="en-US" sz="4800">
                 <a:solidFill>
                   <a:srgbClr val="002060"/>
                 </a:solidFill>
               </a:rPr>
             </a:br>
             <a:r>
-              <a:rPr lang="en-US" sz="3600" b="1" dirty="0">
+              <a:rPr lang="en-US" sz="3600" b="1">
                 <a:solidFill>
                   <a:srgbClr val="002060"/>
                 </a:solidFill>
@@ -17692,7 +18163,7 @@
               <a:t>Online </a:t>
             </a:r>
             <a:r>
-              <a:rPr lang="en-US" sz="3600" b="1" i="0" dirty="0">
+              <a:rPr lang="en-US" sz="3600" b="1" i="0">
                 <a:solidFill>
                   <a:srgbClr val="002060"/>
                 </a:solidFill>
@@ -17703,7 +18174,7 @@
               <a:t>algorithm for </a:t>
             </a:r>
             <a:r>
-              <a:rPr lang="en-US" sz="3600" b="1" dirty="0">
+              <a:rPr lang="en-US" sz="3600" b="1">
                 <a:solidFill>
                   <a:srgbClr val="002060"/>
                 </a:solidFill>
@@ -17713,7 +18184,7 @@
               <a:t>A</a:t>
             </a:r>
             <a:r>
-              <a:rPr lang="en-US" sz="3600" b="1" i="0" dirty="0">
+              <a:rPr lang="en-US" sz="3600" b="1" i="0">
                 <a:solidFill>
                   <a:srgbClr val="002060"/>
                 </a:solidFill>
@@ -17763,7 +18234,7 @@
           <a:p>
             <a:pPr algn="l" rtl="0"/>
             <a:r>
-              <a:rPr lang="en-US" u="sng" dirty="0">
+              <a:rPr lang="en-US" u="sng">
                 <a:solidFill>
                   <a:srgbClr val="002060"/>
                 </a:solidFill>
@@ -17771,7 +18242,7 @@
               <a:t>Students:</a:t>
             </a:r>
             <a:r>
-              <a:rPr lang="en-US" dirty="0">
+              <a:rPr lang="en-US">
                 <a:solidFill>
                   <a:srgbClr val="002060"/>
                 </a:solidFill>
@@ -17782,7 +18253,7 @@
           <a:p>
             <a:pPr algn="l" rtl="0"/>
             <a:r>
-              <a:rPr lang="en-US" u="sng" dirty="0">
+              <a:rPr lang="en-US" u="sng">
                 <a:solidFill>
                   <a:srgbClr val="002060"/>
                 </a:solidFill>
@@ -17790,7 +18261,7 @@
               <a:t>Supervisor</a:t>
             </a:r>
             <a:r>
-              <a:rPr lang="en-US" dirty="0">
+              <a:rPr lang="en-US">
                 <a:solidFill>
                   <a:srgbClr val="002060"/>
                 </a:solidFill>
@@ -17800,12 +18271,12 @@
           </a:p>
           <a:p>
             <a:pPr algn="l" rtl="0"/>
-            <a:endParaRPr lang="he-IL" sz="2000" dirty="0"/>
+            <a:endParaRPr lang="he-IL" sz="2000"/>
           </a:p>
           <a:p>
             <a:pPr algn="l" rtl="0"/>
             <a:r>
-              <a:rPr lang="en-US" sz="2000" dirty="0">
+              <a:rPr lang="en-US" sz="2000">
                 <a:solidFill>
                   <a:srgbClr val="002060"/>
                 </a:solidFill>
@@ -17817,7 +18288,7 @@
           <a:p>
             <a:pPr algn="l" rtl="0"/>
             <a:r>
-              <a:rPr lang="en-US" sz="2000" dirty="0">
+              <a:rPr lang="en-US" sz="2000">
                 <a:solidFill>
                   <a:srgbClr val="002060"/>
                 </a:solidFill>
@@ -17829,7 +18300,7 @@
           <a:p>
             <a:pPr algn="l" rtl="0"/>
             <a:r>
-              <a:rPr lang="en-US" sz="2000" dirty="0">
+              <a:rPr lang="en-US" sz="2000">
                 <a:solidFill>
                   <a:srgbClr val="002060"/>
                 </a:solidFill>
@@ -17885,197 +18356,6 @@
 </file>
 
 <file path=ppt/slides/slide10.xml><?xml version="1.0" encoding="utf-8"?>
-<p:sld xmlns:a="http://schemas.openxmlformats.org/drawingml/2006/main" xmlns:r="http://schemas.openxmlformats.org/officeDocument/2006/relationships" xmlns:p="http://schemas.openxmlformats.org/presentationml/2006/main">
-  <p:cSld>
-    <p:spTree>
-      <p:nvGrpSpPr>
-        <p:cNvPr id="1" name=""/>
-        <p:cNvGrpSpPr/>
-        <p:nvPr/>
-      </p:nvGrpSpPr>
-      <p:grpSpPr>
-        <a:xfrm>
-          <a:off x="0" y="0"/>
-          <a:ext cx="0" cy="0"/>
-          <a:chOff x="0" y="0"/>
-          <a:chExt cx="0" cy="0"/>
-        </a:xfrm>
-      </p:grpSpPr>
-      <p:sp>
-        <p:nvSpPr>
-          <p:cNvPr id="2" name="כותרת 1">
-            <a:extLst>
-              <a:ext uri="{FF2B5EF4-FFF2-40B4-BE49-F238E27FC236}">
-                <a16:creationId xmlns:a16="http://schemas.microsoft.com/office/drawing/2014/main" id="{00BDE5E7-CDBD-4B22-B591-6EF0BF74681B}"/>
-              </a:ext>
-            </a:extLst>
-          </p:cNvPr>
-          <p:cNvSpPr>
-            <a:spLocks noGrp="1"/>
-          </p:cNvSpPr>
-          <p:nvPr>
-            <p:ph type="title"/>
-          </p:nvPr>
-        </p:nvSpPr>
-        <p:spPr/>
-        <p:txBody>
-          <a:bodyPr>
-            <a:normAutofit/>
-          </a:bodyPr>
-          <a:lstStyle/>
-          <a:p>
-            <a:pPr algn="ctr"/>
-            <a:r>
-              <a:rPr lang="en-US" sz="4400" b="1" dirty="0">
-                <a:solidFill>
-                  <a:srgbClr val="002060"/>
-                </a:solidFill>
-              </a:rPr>
-              <a:t>Project Goal</a:t>
-            </a:r>
-            <a:endParaRPr lang="he-IL" sz="4400" b="1" dirty="0">
-              <a:solidFill>
-                <a:srgbClr val="002060"/>
-              </a:solidFill>
-            </a:endParaRPr>
-          </a:p>
-        </p:txBody>
-      </p:sp>
-      <p:sp>
-        <p:nvSpPr>
-          <p:cNvPr id="3" name="מציין מיקום טקסט 2">
-            <a:extLst>
-              <a:ext uri="{FF2B5EF4-FFF2-40B4-BE49-F238E27FC236}">
-                <a16:creationId xmlns:a16="http://schemas.microsoft.com/office/drawing/2014/main" id="{197B225D-5CD6-43D4-B20E-E1451DF24856}"/>
-              </a:ext>
-            </a:extLst>
-          </p:cNvPr>
-          <p:cNvSpPr>
-            <a:spLocks noGrp="1"/>
-          </p:cNvSpPr>
-          <p:nvPr>
-            <p:ph type="body" idx="4294967295"/>
-          </p:nvPr>
-        </p:nvSpPr>
-        <p:spPr>
-          <a:xfrm>
-            <a:off x="666750" y="2001838"/>
-            <a:ext cx="10515600" cy="2989612"/>
-          </a:xfrm>
-        </p:spPr>
-        <p:txBody>
-          <a:bodyPr>
-            <a:noAutofit/>
-          </a:bodyPr>
-          <a:lstStyle/>
-          <a:p>
-            <a:pPr algn="l" rtl="0">
-              <a:lnSpc>
-                <a:spcPct val="150000"/>
-              </a:lnSpc>
-            </a:pPr>
-            <a:r>
-              <a:rPr lang="en-US" sz="2400" b="1" dirty="0">
-                <a:solidFill>
-                  <a:srgbClr val="002060"/>
-                </a:solidFill>
-                <a:cs typeface="Arial" panose="020B0604020202020204" pitchFamily="34" charset="0"/>
-              </a:rPr>
-              <a:t>Creating an online algorithm managing takeoff and landing.</a:t>
-            </a:r>
-          </a:p>
-          <a:p>
-            <a:pPr lvl="1" algn="l" rtl="0">
-              <a:lnSpc>
-                <a:spcPct val="150000"/>
-              </a:lnSpc>
-              <a:buFont typeface="Courier New" panose="02070309020205020404" pitchFamily="49" charset="0"/>
-              <a:buChar char="o"/>
-            </a:pPr>
-            <a:r>
-              <a:rPr lang="en-US" sz="2200" dirty="0">
-                <a:solidFill>
-                  <a:srgbClr val="002060"/>
-                </a:solidFill>
-                <a:cs typeface="Arial" panose="020B0604020202020204" pitchFamily="34" charset="0"/>
-              </a:rPr>
-              <a:t>In our project we build an online algorithm which follow a plan generated by the offline algorithm. Our algorithm ran the offline plan w</a:t>
-            </a:r>
-            <a:r>
-              <a:rPr lang="en-US" sz="2200" b="0" i="0" dirty="0">
-                <a:solidFill>
-                  <a:srgbClr val="002060"/>
-                </a:solidFill>
-                <a:effectLst/>
-                <a:cs typeface="Assistant" pitchFamily="2" charset="-79"/>
-              </a:rPr>
-              <a:t>hile</a:t>
-            </a:r>
-            <a:r>
-              <a:rPr lang="en-US" sz="2200" b="0" i="0" dirty="0">
-                <a:solidFill>
-                  <a:srgbClr val="333333"/>
-                </a:solidFill>
-                <a:effectLst/>
-                <a:cs typeface="Assistant" pitchFamily="2" charset="-79"/>
-              </a:rPr>
-              <a:t> </a:t>
-            </a:r>
-            <a:r>
-              <a:rPr lang="en-US" sz="2200" b="0" i="0" dirty="0">
-                <a:solidFill>
-                  <a:srgbClr val="002060"/>
-                </a:solidFill>
-                <a:effectLst/>
-                <a:cs typeface="Assistant" pitchFamily="2" charset="-79"/>
-              </a:rPr>
-              <a:t>dealing with real-time malfunctions and changes.</a:t>
-            </a:r>
-          </a:p>
-          <a:p>
-            <a:pPr lvl="1" algn="l" rtl="0">
-              <a:lnSpc>
-                <a:spcPct val="150000"/>
-              </a:lnSpc>
-              <a:buFont typeface="Courier New" panose="02070309020205020404" pitchFamily="49" charset="0"/>
-              <a:buChar char="o"/>
-            </a:pPr>
-            <a:r>
-              <a:rPr lang="en-US" sz="2200" dirty="0">
-                <a:solidFill>
-                  <a:srgbClr val="002060"/>
-                </a:solidFill>
-                <a:cs typeface="Assistant" pitchFamily="2" charset="-79"/>
-              </a:rPr>
-              <a:t>The algorithm</a:t>
-            </a:r>
-            <a:r>
-              <a:rPr lang="en-US" sz="2200" b="0" i="0" dirty="0">
-                <a:solidFill>
-                  <a:srgbClr val="002060"/>
-                </a:solidFill>
-                <a:effectLst/>
-                <a:cs typeface="Assistant" pitchFamily="2" charset="-79"/>
-              </a:rPr>
-              <a:t> has to decide whether the program can run with the different constraints or whether re-planning is needed.</a:t>
-            </a:r>
-          </a:p>
-        </p:txBody>
-      </p:sp>
-    </p:spTree>
-    <p:extLst>
-      <p:ext uri="{BB962C8B-B14F-4D97-AF65-F5344CB8AC3E}">
-        <p14:creationId xmlns:p14="http://schemas.microsoft.com/office/powerpoint/2010/main" val="4153337668"/>
-      </p:ext>
-    </p:extLst>
-  </p:cSld>
-  <p:clrMapOvr>
-    <a:masterClrMapping/>
-  </p:clrMapOvr>
-</p:sld>
-</file>
-
-<file path=ppt/slides/slide11.xml><?xml version="1.0" encoding="utf-8"?>
 <p:sld xmlns:a="http://schemas.openxmlformats.org/drawingml/2006/main" xmlns:r="http://schemas.openxmlformats.org/officeDocument/2006/relationships" xmlns:p="http://schemas.openxmlformats.org/presentationml/2006/main">
   <p:cSld>
     <p:bg>
@@ -18470,7 +18750,7 @@
 </p:sld>
 </file>
 
-<file path=ppt/slides/slide12.xml><?xml version="1.0" encoding="utf-8"?>
+<file path=ppt/slides/slide11.xml><?xml version="1.0" encoding="utf-8"?>
 <p:sld xmlns:a="http://schemas.openxmlformats.org/drawingml/2006/main" xmlns:r="http://schemas.openxmlformats.org/officeDocument/2006/relationships" xmlns:p="http://schemas.openxmlformats.org/presentationml/2006/main">
   <p:cSld>
     <p:spTree>
@@ -18536,7 +18816,7 @@
 </p:sld>
 </file>
 
-<file path=ppt/slides/slide13.xml><?xml version="1.0" encoding="utf-8"?>
+<file path=ppt/slides/slide12.xml><?xml version="1.0" encoding="utf-8"?>
 <p:sld xmlns:a="http://schemas.openxmlformats.org/drawingml/2006/main" xmlns:r="http://schemas.openxmlformats.org/officeDocument/2006/relationships" xmlns:p="http://schemas.openxmlformats.org/presentationml/2006/main">
   <p:cSld>
     <p:spTree>
@@ -18639,7 +18919,7 @@
 </p:sld>
 </file>
 
-<file path=ppt/slides/slide14.xml><?xml version="1.0" encoding="utf-8"?>
+<file path=ppt/slides/slide13.xml><?xml version="1.0" encoding="utf-8"?>
 <p:sld xmlns:a="http://schemas.openxmlformats.org/drawingml/2006/main" xmlns:r="http://schemas.openxmlformats.org/officeDocument/2006/relationships" xmlns:p="http://schemas.openxmlformats.org/presentationml/2006/main">
   <p:cSld>
     <p:bg>
@@ -19050,7 +19330,7 @@
 </p:sld>
 </file>
 
-<file path=ppt/slides/slide15.xml><?xml version="1.0" encoding="utf-8"?>
+<file path=ppt/slides/slide14.xml><?xml version="1.0" encoding="utf-8"?>
 <p:sld xmlns:a="http://schemas.openxmlformats.org/drawingml/2006/main" xmlns:r="http://schemas.openxmlformats.org/officeDocument/2006/relationships" xmlns:p="http://schemas.openxmlformats.org/presentationml/2006/main">
   <p:cSld>
     <p:bg>
@@ -19221,7 +19501,7 @@
 </p:sld>
 </file>
 
-<file path=ppt/slides/slide16.xml><?xml version="1.0" encoding="utf-8"?>
+<file path=ppt/slides/slide15.xml><?xml version="1.0" encoding="utf-8"?>
 <p:sld xmlns:a="http://schemas.openxmlformats.org/drawingml/2006/main" xmlns:r="http://schemas.openxmlformats.org/officeDocument/2006/relationships" xmlns:p="http://schemas.openxmlformats.org/presentationml/2006/main">
   <p:cSld>
     <p:bg>
@@ -19887,7 +20167,7 @@
 </p:sld>
 </file>
 
-<file path=ppt/slides/slide17.xml><?xml version="1.0" encoding="utf-8"?>
+<file path=ppt/slides/slide16.xml><?xml version="1.0" encoding="utf-8"?>
 <p:sld xmlns:a="http://schemas.openxmlformats.org/drawingml/2006/main" xmlns:r="http://schemas.openxmlformats.org/officeDocument/2006/relationships" xmlns:p="http://schemas.openxmlformats.org/presentationml/2006/main">
   <p:cSld>
     <p:spTree>
@@ -20119,7 +20399,7 @@
 </p:sld>
 </file>
 
-<file path=ppt/slides/slide18.xml><?xml version="1.0" encoding="utf-8"?>
+<file path=ppt/slides/slide17.xml><?xml version="1.0" encoding="utf-8"?>
 <p:sld xmlns:a="http://schemas.openxmlformats.org/drawingml/2006/main" xmlns:r="http://schemas.openxmlformats.org/officeDocument/2006/relationships" xmlns:p="http://schemas.openxmlformats.org/presentationml/2006/main">
   <p:cSld>
     <p:spTree>
@@ -20267,7 +20547,7 @@
 </p:sld>
 </file>
 
-<file path=ppt/slides/slide19.xml><?xml version="1.0" encoding="utf-8"?>
+<file path=ppt/slides/slide18.xml><?xml version="1.0" encoding="utf-8"?>
 <p:sld xmlns:a="http://schemas.openxmlformats.org/drawingml/2006/main" xmlns:r="http://schemas.openxmlformats.org/officeDocument/2006/relationships" xmlns:p="http://schemas.openxmlformats.org/presentationml/2006/main">
   <p:cSld>
     <p:spTree>
@@ -20586,73 +20866,7 @@
 </p:sld>
 </file>
 
-<file path=ppt/slides/slide2.xml><?xml version="1.0" encoding="utf-8"?>
-<p:sld xmlns:a="http://schemas.openxmlformats.org/drawingml/2006/main" xmlns:r="http://schemas.openxmlformats.org/officeDocument/2006/relationships" xmlns:p="http://schemas.openxmlformats.org/presentationml/2006/main">
-  <p:cSld>
-    <p:spTree>
-      <p:nvGrpSpPr>
-        <p:cNvPr id="1" name=""/>
-        <p:cNvGrpSpPr/>
-        <p:nvPr/>
-      </p:nvGrpSpPr>
-      <p:grpSpPr>
-        <a:xfrm>
-          <a:off x="0" y="0"/>
-          <a:ext cx="0" cy="0"/>
-          <a:chOff x="0" y="0"/>
-          <a:chExt cx="0" cy="0"/>
-        </a:xfrm>
-      </p:grpSpPr>
-      <p:sp>
-        <p:nvSpPr>
-          <p:cNvPr id="2" name="כותרת 1">
-            <a:extLst>
-              <a:ext uri="{FF2B5EF4-FFF2-40B4-BE49-F238E27FC236}">
-                <a16:creationId xmlns:a16="http://schemas.microsoft.com/office/drawing/2014/main" id="{11433E98-96EA-4674-A96F-0E224428F1EB}"/>
-              </a:ext>
-            </a:extLst>
-          </p:cNvPr>
-          <p:cNvSpPr>
-            <a:spLocks noGrp="1"/>
-          </p:cNvSpPr>
-          <p:nvPr>
-            <p:ph type="title"/>
-          </p:nvPr>
-        </p:nvSpPr>
-        <p:spPr/>
-        <p:txBody>
-          <a:bodyPr>
-            <a:normAutofit/>
-          </a:bodyPr>
-          <a:lstStyle/>
-          <a:p>
-            <a:pPr algn="ctr"/>
-            <a:r>
-              <a:rPr lang="en-US" b="1" dirty="0">
-                <a:solidFill>
-                  <a:srgbClr val="002060"/>
-                </a:solidFill>
-              </a:rPr>
-              <a:t>The motivation</a:t>
-            </a:r>
-            <a:endParaRPr lang="he-IL" b="1" dirty="0"/>
-          </a:p>
-        </p:txBody>
-      </p:sp>
-    </p:spTree>
-    <p:extLst>
-      <p:ext uri="{BB962C8B-B14F-4D97-AF65-F5344CB8AC3E}">
-        <p14:creationId xmlns:p14="http://schemas.microsoft.com/office/powerpoint/2010/main" val="3687218320"/>
-      </p:ext>
-    </p:extLst>
-  </p:cSld>
-  <p:clrMapOvr>
-    <a:masterClrMapping/>
-  </p:clrMapOvr>
-</p:sld>
-</file>
-
-<file path=ppt/slides/slide20.xml><?xml version="1.0" encoding="utf-8"?>
+<file path=ppt/slides/slide19.xml><?xml version="1.0" encoding="utf-8"?>
 <p:sld xmlns:a="http://schemas.openxmlformats.org/drawingml/2006/main" xmlns:r="http://schemas.openxmlformats.org/officeDocument/2006/relationships" xmlns:p="http://schemas.openxmlformats.org/presentationml/2006/main">
   <p:cSld>
     <p:spTree>
@@ -20866,7 +21080,227 @@
 </p:sld>
 </file>
 
-<file path=ppt/slides/slide21.xml><?xml version="1.0" encoding="utf-8"?>
+<file path=ppt/slides/slide2.xml><?xml version="1.0" encoding="utf-8"?>
+<p:sld xmlns:a="http://schemas.openxmlformats.org/drawingml/2006/main" xmlns:r="http://schemas.openxmlformats.org/officeDocument/2006/relationships" xmlns:p="http://schemas.openxmlformats.org/presentationml/2006/main">
+  <p:cSld>
+    <p:spTree>
+      <p:nvGrpSpPr>
+        <p:cNvPr id="1" name=""/>
+        <p:cNvGrpSpPr/>
+        <p:nvPr/>
+      </p:nvGrpSpPr>
+      <p:grpSpPr>
+        <a:xfrm>
+          <a:off x="0" y="0"/>
+          <a:ext cx="0" cy="0"/>
+          <a:chOff x="0" y="0"/>
+          <a:chExt cx="0" cy="0"/>
+        </a:xfrm>
+      </p:grpSpPr>
+      <p:sp>
+        <p:nvSpPr>
+          <p:cNvPr id="2" name="כותרת 1">
+            <a:extLst>
+              <a:ext uri="{FF2B5EF4-FFF2-40B4-BE49-F238E27FC236}">
+                <a16:creationId xmlns:a16="http://schemas.microsoft.com/office/drawing/2014/main" id="{11433E98-96EA-4674-A96F-0E224428F1EB}"/>
+              </a:ext>
+            </a:extLst>
+          </p:cNvPr>
+          <p:cNvSpPr>
+            <a:spLocks noGrp="1"/>
+          </p:cNvSpPr>
+          <p:nvPr>
+            <p:ph type="title"/>
+          </p:nvPr>
+        </p:nvSpPr>
+        <p:spPr/>
+        <p:txBody>
+          <a:bodyPr>
+            <a:normAutofit/>
+          </a:bodyPr>
+          <a:lstStyle/>
+          <a:p>
+            <a:pPr algn="ctr"/>
+            <a:r>
+              <a:rPr lang="en-US" b="1" dirty="0">
+                <a:solidFill>
+                  <a:srgbClr val="002060"/>
+                </a:solidFill>
+              </a:rPr>
+              <a:t>Motivation</a:t>
+            </a:r>
+            <a:endParaRPr lang="he-IL" b="1" dirty="0"/>
+          </a:p>
+        </p:txBody>
+      </p:sp>
+      <p:sp>
+        <p:nvSpPr>
+          <p:cNvPr id="4" name="כותרת משנה 3">
+            <a:extLst>
+              <a:ext uri="{FF2B5EF4-FFF2-40B4-BE49-F238E27FC236}">
+                <a16:creationId xmlns:a16="http://schemas.microsoft.com/office/drawing/2014/main" id="{862AA29A-9D87-4C9D-87B5-CDE841376CCD}"/>
+              </a:ext>
+            </a:extLst>
+          </p:cNvPr>
+          <p:cNvSpPr>
+            <a:spLocks noGrp="1"/>
+          </p:cNvSpPr>
+          <p:nvPr>
+            <p:ph type="subTitle" idx="4294967295"/>
+          </p:nvPr>
+        </p:nvSpPr>
+        <p:spPr>
+          <a:xfrm>
+            <a:off x="838200" y="1690688"/>
+            <a:ext cx="10515600" cy="4053384"/>
+          </a:xfrm>
+        </p:spPr>
+        <p:txBody>
+          <a:bodyPr>
+            <a:normAutofit/>
+          </a:bodyPr>
+          <a:lstStyle/>
+          <a:p>
+            <a:pPr algn="l" rtl="0">
+              <a:lnSpc>
+                <a:spcPct val="150000"/>
+              </a:lnSpc>
+            </a:pPr>
+            <a:r>
+              <a:rPr lang="en-US" sz="2400" dirty="0">
+                <a:solidFill>
+                  <a:srgbClr val="002060"/>
+                </a:solidFill>
+              </a:rPr>
+              <a:t>An Airport has a lot of operations everyday. </a:t>
+            </a:r>
+          </a:p>
+          <a:p>
+            <a:pPr lvl="1" algn="l" rtl="0">
+              <a:lnSpc>
+                <a:spcPct val="150000"/>
+              </a:lnSpc>
+            </a:pPr>
+            <a:r>
+              <a:rPr lang="en-US" dirty="0" err="1">
+                <a:solidFill>
+                  <a:srgbClr val="002060"/>
+                </a:solidFill>
+              </a:rPr>
+              <a:t>Multipale</a:t>
+            </a:r>
+            <a:r>
+              <a:rPr lang="en-US" dirty="0">
+                <a:solidFill>
+                  <a:srgbClr val="002060"/>
+                </a:solidFill>
+              </a:rPr>
+              <a:t> planes that are </a:t>
+            </a:r>
+            <a:r>
+              <a:rPr lang="en-US" dirty="0" err="1">
+                <a:solidFill>
+                  <a:srgbClr val="002060"/>
+                </a:solidFill>
+              </a:rPr>
+              <a:t>simultaniusly</a:t>
+            </a:r>
+            <a:r>
+              <a:rPr lang="en-US" dirty="0">
+                <a:solidFill>
+                  <a:srgbClr val="002060"/>
+                </a:solidFill>
+              </a:rPr>
+              <a:t> take off and land.</a:t>
+            </a:r>
+          </a:p>
+          <a:p>
+            <a:pPr lvl="1" algn="l" rtl="0">
+              <a:lnSpc>
+                <a:spcPct val="150000"/>
+              </a:lnSpc>
+            </a:pPr>
+            <a:r>
+              <a:rPr lang="en-US" dirty="0">
+                <a:solidFill>
+                  <a:srgbClr val="002060"/>
+                </a:solidFill>
+              </a:rPr>
+              <a:t>Operations that depends on other operations.</a:t>
+            </a:r>
+          </a:p>
+          <a:p>
+            <a:pPr lvl="1" algn="l" rtl="0">
+              <a:lnSpc>
+                <a:spcPct val="150000"/>
+              </a:lnSpc>
+            </a:pPr>
+            <a:r>
+              <a:rPr lang="en-US" dirty="0">
+                <a:solidFill>
+                  <a:srgbClr val="002060"/>
+                </a:solidFill>
+              </a:rPr>
+              <a:t>Unexpected problems create conflicts and may change the day plan.</a:t>
+            </a:r>
+            <a:br>
+              <a:rPr lang="en-US" dirty="0">
+                <a:solidFill>
+                  <a:srgbClr val="002060"/>
+                </a:solidFill>
+              </a:rPr>
+            </a:br>
+            <a:endParaRPr lang="en-US" dirty="0">
+              <a:solidFill>
+                <a:srgbClr val="002060"/>
+              </a:solidFill>
+            </a:endParaRPr>
+          </a:p>
+          <a:p>
+            <a:pPr algn="l" rtl="0">
+              <a:lnSpc>
+                <a:spcPct val="150000"/>
+              </a:lnSpc>
+            </a:pPr>
+            <a:r>
+              <a:rPr lang="en-US" sz="2400" dirty="0">
+                <a:solidFill>
+                  <a:srgbClr val="002060"/>
+                </a:solidFill>
+              </a:rPr>
+              <a:t>Airport management is done with a day plan and executing it in </a:t>
+            </a:r>
+            <a:r>
+              <a:rPr lang="en-US" sz="2400" b="1" dirty="0">
+                <a:solidFill>
+                  <a:srgbClr val="002060"/>
+                </a:solidFill>
+              </a:rPr>
+              <a:t>Real time.</a:t>
+            </a:r>
+          </a:p>
+          <a:p>
+            <a:pPr marL="0" indent="0">
+              <a:buNone/>
+            </a:pPr>
+            <a:endParaRPr lang="he-IL" dirty="0"/>
+          </a:p>
+        </p:txBody>
+      </p:sp>
+    </p:spTree>
+    <p:extLst>
+      <p:ext uri="{BB962C8B-B14F-4D97-AF65-F5344CB8AC3E}">
+        <p14:creationId xmlns:p14="http://schemas.microsoft.com/office/powerpoint/2010/main" val="3687218320"/>
+      </p:ext>
+    </p:extLst>
+  </p:cSld>
+  <p:clrMapOvr>
+    <a:masterClrMapping/>
+  </p:clrMapOvr>
+</p:sld>
+</file>
+
+<file path=ppt/slides/slide20.xml><?xml version="1.0" encoding="utf-8"?>
 <p:sld xmlns:a="http://schemas.openxmlformats.org/drawingml/2006/main" xmlns:r="http://schemas.openxmlformats.org/officeDocument/2006/relationships" xmlns:p="http://schemas.openxmlformats.org/presentationml/2006/main">
   <p:cSld>
     <p:spTree>
@@ -21004,7 +21438,7 @@
 </p:sld>
 </file>
 
-<file path=ppt/slides/slide22.xml><?xml version="1.0" encoding="utf-8"?>
+<file path=ppt/slides/slide21.xml><?xml version="1.0" encoding="utf-8"?>
 <p:sld xmlns:a="http://schemas.openxmlformats.org/drawingml/2006/main" xmlns:r="http://schemas.openxmlformats.org/officeDocument/2006/relationships" xmlns:p="http://schemas.openxmlformats.org/presentationml/2006/main">
   <p:cSld>
     <p:spTree>
@@ -21313,7 +21747,7 @@
 </p:sld>
 </file>
 
-<file path=ppt/slides/slide23.xml><?xml version="1.0" encoding="utf-8"?>
+<file path=ppt/slides/slide22.xml><?xml version="1.0" encoding="utf-8"?>
 <p:sld xmlns:a="http://schemas.openxmlformats.org/drawingml/2006/main" xmlns:r="http://schemas.openxmlformats.org/officeDocument/2006/relationships" xmlns:p="http://schemas.openxmlformats.org/presentationml/2006/main">
   <p:cSld>
     <p:spTree>
@@ -22928,7 +23362,7 @@
 </p:sld>
 </file>
 
-<file path=ppt/slides/slide24.xml><?xml version="1.0" encoding="utf-8"?>
+<file path=ppt/slides/slide23.xml><?xml version="1.0" encoding="utf-8"?>
 <p:sld xmlns:a="http://schemas.openxmlformats.org/drawingml/2006/main" xmlns:r="http://schemas.openxmlformats.org/officeDocument/2006/relationships" xmlns:p="http://schemas.openxmlformats.org/presentationml/2006/main">
   <p:cSld>
     <p:spTree>
@@ -23121,7 +23555,7 @@
 </p:sld>
 </file>
 
-<file path=ppt/slides/slide25.xml><?xml version="1.0" encoding="utf-8"?>
+<file path=ppt/slides/slide24.xml><?xml version="1.0" encoding="utf-8"?>
 <p:sld xmlns:a="http://schemas.openxmlformats.org/drawingml/2006/main" xmlns:r="http://schemas.openxmlformats.org/officeDocument/2006/relationships" xmlns:p="http://schemas.openxmlformats.org/presentationml/2006/main">
   <p:cSld>
     <p:spTree>
@@ -25713,7 +26147,7 @@
 </p:sld>
 </file>
 
-<file path=ppt/slides/slide26.xml><?xml version="1.0" encoding="utf-8"?>
+<file path=ppt/slides/slide25.xml><?xml version="1.0" encoding="utf-8"?>
 <p:sld xmlns:a="http://schemas.openxmlformats.org/drawingml/2006/main" xmlns:r="http://schemas.openxmlformats.org/officeDocument/2006/relationships" xmlns:p="http://schemas.openxmlformats.org/presentationml/2006/main">
   <p:cSld>
     <p:spTree>
@@ -26093,6 +26527,176 @@
 </p:sld>
 </file>
 
+<file path=ppt/slides/slide26.xml><?xml version="1.0" encoding="utf-8"?>
+<p:sld xmlns:a="http://schemas.openxmlformats.org/drawingml/2006/main" xmlns:r="http://schemas.openxmlformats.org/officeDocument/2006/relationships" xmlns:p="http://schemas.openxmlformats.org/presentationml/2006/main">
+  <p:cSld>
+    <p:spTree>
+      <p:nvGrpSpPr>
+        <p:cNvPr id="1" name=""/>
+        <p:cNvGrpSpPr/>
+        <p:nvPr/>
+      </p:nvGrpSpPr>
+      <p:grpSpPr>
+        <a:xfrm>
+          <a:off x="0" y="0"/>
+          <a:ext cx="0" cy="0"/>
+          <a:chOff x="0" y="0"/>
+          <a:chExt cx="0" cy="0"/>
+        </a:xfrm>
+      </p:grpSpPr>
+      <p:sp>
+        <p:nvSpPr>
+          <p:cNvPr id="2" name="כותרת 1">
+            <a:extLst>
+              <a:ext uri="{FF2B5EF4-FFF2-40B4-BE49-F238E27FC236}">
+                <a16:creationId xmlns:a16="http://schemas.microsoft.com/office/drawing/2014/main" id="{8A89DB29-573A-4FA8-BC7D-7A78F7A84C6B}"/>
+              </a:ext>
+            </a:extLst>
+          </p:cNvPr>
+          <p:cNvSpPr>
+            <a:spLocks noGrp="1"/>
+          </p:cNvSpPr>
+          <p:nvPr>
+            <p:ph type="title"/>
+          </p:nvPr>
+        </p:nvSpPr>
+        <p:spPr/>
+        <p:txBody>
+          <a:bodyPr>
+            <a:normAutofit/>
+          </a:bodyPr>
+          <a:lstStyle/>
+          <a:p>
+            <a:pPr algn="ctr"/>
+            <a:r>
+              <a:rPr lang="en-US" sz="4400" b="1" dirty="0">
+                <a:solidFill>
+                  <a:srgbClr val="002060"/>
+                </a:solidFill>
+                <a:latin typeface="Calibri Light" panose="020F0302020204030204" pitchFamily="34" charset="0"/>
+                <a:cs typeface="Calibri Light" panose="020F0302020204030204" pitchFamily="34" charset="0"/>
+              </a:rPr>
+              <a:t>Interrupt</a:t>
+            </a:r>
+            <a:r>
+              <a:rPr lang="en-US" b="1" i="0" dirty="0">
+                <a:solidFill>
+                  <a:srgbClr val="002060"/>
+                </a:solidFill>
+                <a:effectLst/>
+                <a:cs typeface="Assistant" pitchFamily="2" charset="-79"/>
+              </a:rPr>
+              <a:t> module</a:t>
+            </a:r>
+            <a:endParaRPr lang="he-IL" sz="4400" b="1" dirty="0">
+              <a:solidFill>
+                <a:srgbClr val="002060"/>
+              </a:solidFill>
+              <a:latin typeface="Calibri Light" panose="020F0302020204030204" pitchFamily="34" charset="0"/>
+              <a:cs typeface="Calibri Light" panose="020F0302020204030204" pitchFamily="34" charset="0"/>
+            </a:endParaRPr>
+          </a:p>
+        </p:txBody>
+      </p:sp>
+      <p:sp>
+        <p:nvSpPr>
+          <p:cNvPr id="6" name="מציין מיקום טקסט 5">
+            <a:extLst>
+              <a:ext uri="{FF2B5EF4-FFF2-40B4-BE49-F238E27FC236}">
+                <a16:creationId xmlns:a16="http://schemas.microsoft.com/office/drawing/2014/main" id="{C778DE2C-6334-43CB-A106-325E2994739F}"/>
+              </a:ext>
+            </a:extLst>
+          </p:cNvPr>
+          <p:cNvSpPr>
+            <a:spLocks noGrp="1"/>
+          </p:cNvSpPr>
+          <p:nvPr>
+            <p:ph type="body" idx="4294967295"/>
+          </p:nvPr>
+        </p:nvSpPr>
+        <p:spPr>
+          <a:xfrm>
+            <a:off x="838201" y="2090057"/>
+            <a:ext cx="4330700" cy="1542143"/>
+          </a:xfrm>
+        </p:spPr>
+        <p:txBody>
+          <a:bodyPr/>
+          <a:lstStyle/>
+          <a:p>
+            <a:pPr marL="342900" indent="-342900" algn="l" rtl="0">
+              <a:buFont typeface="Arial" panose="020B0604020202020204" pitchFamily="34" charset="0"/>
+              <a:buChar char="•"/>
+            </a:pPr>
+            <a:r>
+              <a:rPr lang="en-US" sz="2400" dirty="0">
+                <a:solidFill>
+                  <a:srgbClr val="002060"/>
+                </a:solidFill>
+              </a:rPr>
+              <a:t>Action count, duration</a:t>
+            </a:r>
+            <a:endParaRPr lang="he-IL" sz="2400" b="0" i="0" dirty="0">
+              <a:solidFill>
+                <a:srgbClr val="002060"/>
+              </a:solidFill>
+              <a:effectLst/>
+            </a:endParaRPr>
+          </a:p>
+          <a:p>
+            <a:pPr marL="342900" indent="-342900" algn="l" rtl="0">
+              <a:buFont typeface="Arial" panose="020B0604020202020204" pitchFamily="34" charset="0"/>
+              <a:buChar char="•"/>
+            </a:pPr>
+            <a:r>
+              <a:rPr lang="en-US" sz="2400" dirty="0">
+                <a:solidFill>
+                  <a:srgbClr val="002060"/>
+                </a:solidFill>
+              </a:rPr>
+              <a:t>Holds ref to: Clock, Events</a:t>
+            </a:r>
+          </a:p>
+          <a:p>
+            <a:pPr marL="342900" indent="-342900" algn="l" rtl="0">
+              <a:buFont typeface="Arial" panose="020B0604020202020204" pitchFamily="34" charset="0"/>
+              <a:buChar char="•"/>
+            </a:pPr>
+            <a:r>
+              <a:rPr lang="en-US" sz="2400" dirty="0">
+                <a:solidFill>
+                  <a:srgbClr val="002060"/>
+                </a:solidFill>
+              </a:rPr>
+              <a:t>Listen to: Controller</a:t>
+            </a:r>
+          </a:p>
+          <a:p>
+            <a:pPr marL="342900" indent="-342900" algn="l" rtl="0">
+              <a:buFont typeface="Arial" panose="020B0604020202020204" pitchFamily="34" charset="0"/>
+              <a:buChar char="•"/>
+            </a:pPr>
+            <a:endParaRPr lang="en-US" dirty="0">
+              <a:solidFill>
+                <a:srgbClr val="002060"/>
+              </a:solidFill>
+            </a:endParaRPr>
+          </a:p>
+        </p:txBody>
+      </p:sp>
+    </p:spTree>
+    <p:extLst>
+      <p:ext uri="{BB962C8B-B14F-4D97-AF65-F5344CB8AC3E}">
+        <p14:creationId xmlns:p14="http://schemas.microsoft.com/office/powerpoint/2010/main" val="1450417377"/>
+      </p:ext>
+    </p:extLst>
+  </p:cSld>
+  <p:clrMapOvr>
+    <a:masterClrMapping/>
+  </p:clrMapOvr>
+</p:sld>
+</file>
+
 <file path=ppt/slides/slide27.xml><?xml version="1.0" encoding="utf-8"?>
 <p:sld xmlns:a="http://schemas.openxmlformats.org/drawingml/2006/main" xmlns:r="http://schemas.openxmlformats.org/officeDocument/2006/relationships" xmlns:p="http://schemas.openxmlformats.org/presentationml/2006/main">
   <p:cSld>
@@ -26115,7 +26719,7 @@
           <p:cNvPr id="2" name="כותרת 1">
             <a:extLst>
               <a:ext uri="{FF2B5EF4-FFF2-40B4-BE49-F238E27FC236}">
-                <a16:creationId xmlns:a16="http://schemas.microsoft.com/office/drawing/2014/main" id="{8A89DB29-573A-4FA8-BC7D-7A78F7A84C6B}"/>
+                <a16:creationId xmlns:a16="http://schemas.microsoft.com/office/drawing/2014/main" id="{88D98B86-C5B7-4A01-8E43-ECD04D8869D6}"/>
               </a:ext>
             </a:extLst>
           </p:cNvPr>
@@ -26128,48 +26732,19 @@
         </p:nvSpPr>
         <p:spPr/>
         <p:txBody>
-          <a:bodyPr>
-            <a:normAutofit/>
-          </a:bodyPr>
+          <a:bodyPr/>
           <a:lstStyle/>
           <a:p>
-            <a:pPr algn="ctr"/>
-            <a:r>
-              <a:rPr lang="en-US" sz="4400" b="1" dirty="0">
-                <a:solidFill>
-                  <a:srgbClr val="002060"/>
-                </a:solidFill>
-                <a:latin typeface="Calibri Light" panose="020F0302020204030204" pitchFamily="34" charset="0"/>
-                <a:cs typeface="Calibri Light" panose="020F0302020204030204" pitchFamily="34" charset="0"/>
-              </a:rPr>
-              <a:t>Interrupt</a:t>
-            </a:r>
-            <a:r>
-              <a:rPr lang="en-US" b="1" i="0" dirty="0">
-                <a:solidFill>
-                  <a:srgbClr val="002060"/>
-                </a:solidFill>
-                <a:effectLst/>
-                <a:cs typeface="Assistant" pitchFamily="2" charset="-79"/>
-              </a:rPr>
-              <a:t> module</a:t>
-            </a:r>
-            <a:endParaRPr lang="he-IL" sz="4400" b="1" dirty="0">
-              <a:solidFill>
-                <a:srgbClr val="002060"/>
-              </a:solidFill>
-              <a:latin typeface="Calibri Light" panose="020F0302020204030204" pitchFamily="34" charset="0"/>
-              <a:cs typeface="Calibri Light" panose="020F0302020204030204" pitchFamily="34" charset="0"/>
-            </a:endParaRPr>
+            <a:endParaRPr lang="he-IL" dirty="0"/>
           </a:p>
         </p:txBody>
       </p:sp>
       <p:sp>
         <p:nvSpPr>
-          <p:cNvPr id="6" name="מציין מיקום טקסט 5">
+          <p:cNvPr id="3" name="מציין מיקום טקסט 2">
             <a:extLst>
               <a:ext uri="{FF2B5EF4-FFF2-40B4-BE49-F238E27FC236}">
-                <a16:creationId xmlns:a16="http://schemas.microsoft.com/office/drawing/2014/main" id="{C778DE2C-6334-43CB-A106-325E2994739F}"/>
+                <a16:creationId xmlns:a16="http://schemas.microsoft.com/office/drawing/2014/main" id="{E6B91886-07E7-4C81-9AAF-69D8F8D5C895}"/>
               </a:ext>
             </a:extLst>
           </p:cNvPr>
@@ -26177,83 +26752,30 @@
             <a:spLocks noGrp="1"/>
           </p:cNvSpPr>
           <p:nvPr>
-            <p:ph type="body" idx="4294967295"/>
-          </p:nvPr>
-        </p:nvSpPr>
-        <p:spPr>
-          <a:xfrm>
-            <a:off x="838201" y="2090057"/>
-            <a:ext cx="4330700" cy="1542143"/>
-          </a:xfrm>
-        </p:spPr>
+            <p:ph type="body" idx="1"/>
+          </p:nvPr>
+        </p:nvSpPr>
+        <p:spPr/>
         <p:txBody>
           <a:bodyPr/>
           <a:lstStyle/>
           <a:p>
-            <a:pPr marL="342900" indent="-342900" algn="l" rtl="0">
-              <a:buFont typeface="Arial" panose="020B0604020202020204" pitchFamily="34" charset="0"/>
-              <a:buChar char="•"/>
-            </a:pPr>
-            <a:r>
-              <a:rPr lang="en-US" sz="2400" dirty="0">
-                <a:solidFill>
-                  <a:srgbClr val="002060"/>
-                </a:solidFill>
-              </a:rPr>
-              <a:t>Action count, duration</a:t>
-            </a:r>
-            <a:endParaRPr lang="he-IL" sz="2400" b="0" i="0" dirty="0">
-              <a:solidFill>
-                <a:srgbClr val="002060"/>
-              </a:solidFill>
-              <a:effectLst/>
-            </a:endParaRPr>
-          </a:p>
-          <a:p>
-            <a:pPr marL="342900" indent="-342900" algn="l" rtl="0">
-              <a:buFont typeface="Arial" panose="020B0604020202020204" pitchFamily="34" charset="0"/>
-              <a:buChar char="•"/>
-            </a:pPr>
-            <a:r>
-              <a:rPr lang="en-US" sz="2400" dirty="0">
-                <a:solidFill>
-                  <a:srgbClr val="002060"/>
-                </a:solidFill>
-              </a:rPr>
-              <a:t>Holds ref to: Clock, Events</a:t>
-            </a:r>
-          </a:p>
-          <a:p>
-            <a:pPr marL="342900" indent="-342900" algn="l" rtl="0">
-              <a:buFont typeface="Arial" panose="020B0604020202020204" pitchFamily="34" charset="0"/>
-              <a:buChar char="•"/>
-            </a:pPr>
-            <a:r>
-              <a:rPr lang="en-US" sz="2400" dirty="0">
-                <a:solidFill>
-                  <a:srgbClr val="002060"/>
-                </a:solidFill>
-              </a:rPr>
-              <a:t>Listen to: Controller</a:t>
-            </a:r>
-          </a:p>
-          <a:p>
-            <a:pPr marL="342900" indent="-342900" algn="l" rtl="0">
-              <a:buFont typeface="Arial" panose="020B0604020202020204" pitchFamily="34" charset="0"/>
-              <a:buChar char="•"/>
-            </a:pPr>
-            <a:endParaRPr lang="en-US" dirty="0">
-              <a:solidFill>
-                <a:srgbClr val="002060"/>
-              </a:solidFill>
-            </a:endParaRPr>
+            <a:r>
+              <a:rPr lang="he-IL" dirty="0"/>
+              <a:t>תוצאות – </a:t>
+            </a:r>
+            <a:r>
+              <a:rPr lang="en-US" dirty="0"/>
+              <a:t>log output</a:t>
+            </a:r>
+            <a:endParaRPr lang="he-IL" dirty="0"/>
           </a:p>
         </p:txBody>
       </p:sp>
     </p:spTree>
     <p:extLst>
       <p:ext uri="{BB962C8B-B14F-4D97-AF65-F5344CB8AC3E}">
-        <p14:creationId xmlns:p14="http://schemas.microsoft.com/office/powerpoint/2010/main" val="1450417377"/>
+        <p14:creationId xmlns:p14="http://schemas.microsoft.com/office/powerpoint/2010/main" val="2659655321"/>
       </p:ext>
     </p:extLst>
   </p:cSld>
@@ -26341,7 +26863,7 @@
     </p:spTree>
     <p:extLst>
       <p:ext uri="{BB962C8B-B14F-4D97-AF65-F5344CB8AC3E}">
-        <p14:creationId xmlns:p14="http://schemas.microsoft.com/office/powerpoint/2010/main" val="2659655321"/>
+        <p14:creationId xmlns:p14="http://schemas.microsoft.com/office/powerpoint/2010/main" val="2265013049"/>
       </p:ext>
     </p:extLst>
   </p:cSld>
@@ -26373,7 +26895,7 @@
           <p:cNvPr id="2" name="כותרת 1">
             <a:extLst>
               <a:ext uri="{FF2B5EF4-FFF2-40B4-BE49-F238E27FC236}">
-                <a16:creationId xmlns:a16="http://schemas.microsoft.com/office/drawing/2014/main" id="{88D98B86-C5B7-4A01-8E43-ECD04D8869D6}"/>
+                <a16:creationId xmlns:a16="http://schemas.microsoft.com/office/drawing/2014/main" id="{8A89DB29-573A-4FA8-BC7D-7A78F7A84C6B}"/>
               </a:ext>
             </a:extLst>
           </p:cNvPr>
@@ -26386,19 +26908,36 @@
         </p:nvSpPr>
         <p:spPr/>
         <p:txBody>
-          <a:bodyPr/>
+          <a:bodyPr>
+            <a:normAutofit/>
+          </a:bodyPr>
           <a:lstStyle/>
           <a:p>
-            <a:endParaRPr lang="he-IL" dirty="0"/>
+            <a:pPr algn="ctr"/>
+            <a:r>
+              <a:rPr lang="en-US" b="1" dirty="0">
+                <a:solidFill>
+                  <a:srgbClr val="002060"/>
+                </a:solidFill>
+              </a:rPr>
+              <a:t>Future Work</a:t>
+            </a:r>
+            <a:endParaRPr lang="he-IL" sz="4400" b="1" dirty="0">
+              <a:solidFill>
+                <a:srgbClr val="002060"/>
+              </a:solidFill>
+              <a:latin typeface="Calibri Light" panose="020F0302020204030204" pitchFamily="34" charset="0"/>
+              <a:cs typeface="Calibri Light" panose="020F0302020204030204" pitchFamily="34" charset="0"/>
+            </a:endParaRPr>
           </a:p>
         </p:txBody>
       </p:sp>
       <p:sp>
         <p:nvSpPr>
-          <p:cNvPr id="3" name="מציין מיקום טקסט 2">
+          <p:cNvPr id="6" name="מציין מיקום טקסט 5">
             <a:extLst>
               <a:ext uri="{FF2B5EF4-FFF2-40B4-BE49-F238E27FC236}">
-                <a16:creationId xmlns:a16="http://schemas.microsoft.com/office/drawing/2014/main" id="{E6B91886-07E7-4C81-9AAF-69D8F8D5C895}"/>
+                <a16:creationId xmlns:a16="http://schemas.microsoft.com/office/drawing/2014/main" id="{C778DE2C-6334-43CB-A106-325E2994739F}"/>
               </a:ext>
             </a:extLst>
           </p:cNvPr>
@@ -26406,30 +26945,99 @@
             <a:spLocks noGrp="1"/>
           </p:cNvSpPr>
           <p:nvPr>
-            <p:ph type="body" idx="1"/>
-          </p:nvPr>
-        </p:nvSpPr>
-        <p:spPr/>
+            <p:ph type="body" idx="4294967295"/>
+          </p:nvPr>
+        </p:nvSpPr>
+        <p:spPr>
+          <a:xfrm>
+            <a:off x="838200" y="2090057"/>
+            <a:ext cx="9713685" cy="2072368"/>
+          </a:xfrm>
+        </p:spPr>
         <p:txBody>
-          <a:bodyPr/>
+          <a:bodyPr>
+            <a:normAutofit/>
+          </a:bodyPr>
           <a:lstStyle/>
           <a:p>
-            <a:r>
-              <a:rPr lang="he-IL" dirty="0"/>
-              <a:t>תוצאות – </a:t>
-            </a:r>
-            <a:r>
-              <a:rPr lang="en-US" dirty="0"/>
-              <a:t>log output</a:t>
-            </a:r>
-            <a:endParaRPr lang="he-IL" dirty="0"/>
+            <a:pPr marL="342900" indent="-342900" algn="l" rtl="0">
+              <a:buFont typeface="Arial" panose="020B0604020202020204" pitchFamily="34" charset="0"/>
+              <a:buChar char="•"/>
+            </a:pPr>
+            <a:r>
+              <a:rPr lang="en-US" sz="2400" b="0" i="0" dirty="0">
+                <a:solidFill>
+                  <a:srgbClr val="002060"/>
+                </a:solidFill>
+                <a:effectLst/>
+                <a:cs typeface="Assistant" pitchFamily="2" charset="-79"/>
+              </a:rPr>
+              <a:t>Add more types of interruptions</a:t>
+            </a:r>
+          </a:p>
+          <a:p>
+            <a:pPr marL="342900" indent="-342900" algn="l" rtl="0">
+              <a:buFont typeface="Arial" panose="020B0604020202020204" pitchFamily="34" charset="0"/>
+              <a:buChar char="•"/>
+            </a:pPr>
+            <a:r>
+              <a:rPr lang="en-US" sz="2400" b="0" i="0" dirty="0">
+                <a:solidFill>
+                  <a:srgbClr val="002060"/>
+                </a:solidFill>
+                <a:effectLst/>
+                <a:cs typeface="Assistant" pitchFamily="2" charset="-79"/>
+              </a:rPr>
+              <a:t>A</a:t>
+            </a:r>
+            <a:r>
+              <a:rPr lang="en-US" sz="2400" dirty="0">
+                <a:solidFill>
+                  <a:srgbClr val="002060"/>
+                </a:solidFill>
+                <a:cs typeface="Assistant" pitchFamily="2" charset="-79"/>
+              </a:rPr>
+              <a:t>dd a GUI</a:t>
+            </a:r>
+            <a:endParaRPr lang="he-IL" sz="2400" dirty="0">
+              <a:solidFill>
+                <a:srgbClr val="002060"/>
+              </a:solidFill>
+              <a:cs typeface="Assistant" pitchFamily="2" charset="-79"/>
+            </a:endParaRPr>
+          </a:p>
+          <a:p>
+            <a:pPr marL="342900" indent="-342900" algn="l" rtl="0">
+              <a:buFont typeface="Arial" panose="020B0604020202020204" pitchFamily="34" charset="0"/>
+              <a:buChar char="•"/>
+            </a:pPr>
+            <a:r>
+              <a:rPr lang="en-US" sz="2400" b="0" i="0" dirty="0">
+                <a:solidFill>
+                  <a:srgbClr val="002060"/>
+                </a:solidFill>
+                <a:effectLst/>
+                <a:cs typeface="Assistant" pitchFamily="2" charset="-79"/>
+              </a:rPr>
+              <a:t>Make the system interactive</a:t>
+            </a:r>
+          </a:p>
+          <a:p>
+            <a:pPr marL="0" indent="0" algn="l" rtl="0">
+              <a:buNone/>
+            </a:pPr>
+            <a:endParaRPr lang="en-US" dirty="0">
+              <a:solidFill>
+                <a:srgbClr val="002060"/>
+              </a:solidFill>
+            </a:endParaRPr>
           </a:p>
         </p:txBody>
       </p:sp>
     </p:spTree>
     <p:extLst>
       <p:ext uri="{BB962C8B-B14F-4D97-AF65-F5344CB8AC3E}">
-        <p14:creationId xmlns:p14="http://schemas.microsoft.com/office/powerpoint/2010/main" val="2265013049"/>
+        <p14:creationId xmlns:p14="http://schemas.microsoft.com/office/powerpoint/2010/main" val="3853127531"/>
       </p:ext>
     </p:extLst>
   </p:cSld>
@@ -26486,7 +27094,7 @@
           <a:p>
             <a:pPr algn="ctr"/>
             <a:r>
-              <a:rPr lang="en-US" b="1">
+              <a:rPr lang="en-US" b="1" dirty="0">
                 <a:solidFill>
                   <a:srgbClr val="002060"/>
                 </a:solidFill>
@@ -26516,7 +27124,7 @@
         <p:spPr>
           <a:xfrm>
             <a:off x="1266824" y="1926590"/>
-            <a:ext cx="9648825" cy="2585323"/>
+            <a:ext cx="9648825" cy="3139321"/>
           </a:xfrm>
           <a:prstGeom prst="rect">
             <a:avLst/>
@@ -26540,7 +27148,22 @@
                   <a:srgbClr val="002060"/>
                 </a:solidFill>
               </a:rPr>
-              <a:t>The problem is divided into two:</a:t>
+              <a:t>Building a day plan and monitoring it in real time is a complex problem.</a:t>
+            </a:r>
+          </a:p>
+          <a:p>
+            <a:pPr algn="l" rtl="0">
+              <a:lnSpc>
+                <a:spcPct val="150000"/>
+              </a:lnSpc>
+            </a:pPr>
+            <a:r>
+              <a:rPr lang="en-US" sz="2400" dirty="0">
+                <a:solidFill>
+                  <a:srgbClr val="002060"/>
+                </a:solidFill>
+              </a:rPr>
+              <a:t>This problem is divided into two:</a:t>
             </a:r>
           </a:p>
           <a:p>
@@ -26575,7 +27198,26 @@
                 <a:effectLst/>
                 <a:cs typeface="Assistant" pitchFamily="2" charset="-79"/>
               </a:rPr>
-              <a:t>uilding a day plan by prior knowledge.</a:t>
+              <a:t>uilding a day plan </a:t>
+            </a:r>
+            <a:r>
+              <a:rPr lang="en-US" sz="2400" dirty="0">
+                <a:solidFill>
+                  <a:srgbClr val="002060"/>
+                </a:solidFill>
+                <a:cs typeface="Assistant" pitchFamily="2" charset="-79"/>
+              </a:rPr>
+              <a:t>based on</a:t>
+            </a:r>
+            <a:r>
+              <a:rPr lang="en-US" sz="2400" b="0" i="0" dirty="0">
+                <a:solidFill>
+                  <a:srgbClr val="002060"/>
+                </a:solidFill>
+                <a:effectLst/>
+                <a:cs typeface="Assistant" pitchFamily="2" charset="-79"/>
+              </a:rPr>
+              <a:t> prior knowledge.</a:t>
             </a:r>
             <a:endParaRPr lang="en-US" sz="2400" dirty="0">
               <a:solidFill>
@@ -26634,7 +27276,45 @@
                 <a:effectLst/>
                 <a:cs typeface="Assistant" pitchFamily="2" charset="-79"/>
               </a:rPr>
-              <a:t>racking it and the constraints in real time.</a:t>
+              <a:t>racking it </a:t>
+            </a:r>
+            <a:r>
+              <a:rPr lang="en-US" sz="2400" dirty="0">
+                <a:solidFill>
+                  <a:srgbClr val="002060"/>
+                </a:solidFill>
+                <a:cs typeface="Assistant" pitchFamily="2" charset="-79"/>
+              </a:rPr>
+              <a:t>while</a:t>
+            </a:r>
+            <a:r>
+              <a:rPr lang="en-US" sz="2400" b="0" i="0" dirty="0">
+                <a:solidFill>
+                  <a:srgbClr val="002060"/>
+                </a:solidFill>
+                <a:effectLst/>
+                <a:cs typeface="Assistant" pitchFamily="2" charset="-79"/>
+              </a:rPr>
+              <a:t> </a:t>
+            </a:r>
+            <a:r>
+              <a:rPr lang="en-US" sz="2400" dirty="0">
+                <a:solidFill>
+                  <a:srgbClr val="002060"/>
+                </a:solidFill>
+                <a:cs typeface="Assistant" pitchFamily="2" charset="-79"/>
+              </a:rPr>
+              <a:t>keeping</a:t>
+            </a:r>
+            <a:r>
+              <a:rPr lang="en-US" sz="2400" b="0" i="0" dirty="0">
+                <a:solidFill>
+                  <a:srgbClr val="002060"/>
+                </a:solidFill>
+                <a:effectLst/>
+                <a:cs typeface="Assistant" pitchFamily="2" charset="-79"/>
+              </a:rPr>
+              <a:t> the constraints in real time.</a:t>
             </a:r>
             <a:endParaRPr lang="en-US" sz="2400" dirty="0">
               <a:solidFill>
@@ -26683,180 +27363,6 @@
           <p:cNvPr id="2" name="כותרת 1">
             <a:extLst>
               <a:ext uri="{FF2B5EF4-FFF2-40B4-BE49-F238E27FC236}">
-                <a16:creationId xmlns:a16="http://schemas.microsoft.com/office/drawing/2014/main" id="{8A89DB29-573A-4FA8-BC7D-7A78F7A84C6B}"/>
-              </a:ext>
-            </a:extLst>
-          </p:cNvPr>
-          <p:cNvSpPr>
-            <a:spLocks noGrp="1"/>
-          </p:cNvSpPr>
-          <p:nvPr>
-            <p:ph type="title"/>
-          </p:nvPr>
-        </p:nvSpPr>
-        <p:spPr/>
-        <p:txBody>
-          <a:bodyPr>
-            <a:normAutofit/>
-          </a:bodyPr>
-          <a:lstStyle/>
-          <a:p>
-            <a:pPr algn="ctr"/>
-            <a:r>
-              <a:rPr lang="en-US" b="1" dirty="0">
-                <a:solidFill>
-                  <a:srgbClr val="002060"/>
-                </a:solidFill>
-              </a:rPr>
-              <a:t>Future Work</a:t>
-            </a:r>
-            <a:endParaRPr lang="he-IL" sz="4400" b="1" dirty="0">
-              <a:solidFill>
-                <a:srgbClr val="002060"/>
-              </a:solidFill>
-              <a:latin typeface="Calibri Light" panose="020F0302020204030204" pitchFamily="34" charset="0"/>
-              <a:cs typeface="Calibri Light" panose="020F0302020204030204" pitchFamily="34" charset="0"/>
-            </a:endParaRPr>
-          </a:p>
-        </p:txBody>
-      </p:sp>
-      <p:sp>
-        <p:nvSpPr>
-          <p:cNvPr id="6" name="מציין מיקום טקסט 5">
-            <a:extLst>
-              <a:ext uri="{FF2B5EF4-FFF2-40B4-BE49-F238E27FC236}">
-                <a16:creationId xmlns:a16="http://schemas.microsoft.com/office/drawing/2014/main" id="{C778DE2C-6334-43CB-A106-325E2994739F}"/>
-              </a:ext>
-            </a:extLst>
-          </p:cNvPr>
-          <p:cNvSpPr>
-            <a:spLocks noGrp="1"/>
-          </p:cNvSpPr>
-          <p:nvPr>
-            <p:ph type="body" idx="4294967295"/>
-          </p:nvPr>
-        </p:nvSpPr>
-        <p:spPr>
-          <a:xfrm>
-            <a:off x="838200" y="2090057"/>
-            <a:ext cx="9713685" cy="2072368"/>
-          </a:xfrm>
-        </p:spPr>
-        <p:txBody>
-          <a:bodyPr>
-            <a:normAutofit/>
-          </a:bodyPr>
-          <a:lstStyle/>
-          <a:p>
-            <a:pPr marL="342900" indent="-342900" algn="l" rtl="0">
-              <a:buFont typeface="Arial" panose="020B0604020202020204" pitchFamily="34" charset="0"/>
-              <a:buChar char="•"/>
-            </a:pPr>
-            <a:r>
-              <a:rPr lang="en-US" sz="2400" b="0" i="0" dirty="0">
-                <a:solidFill>
-                  <a:srgbClr val="002060"/>
-                </a:solidFill>
-                <a:effectLst/>
-                <a:cs typeface="Assistant" pitchFamily="2" charset="-79"/>
-              </a:rPr>
-              <a:t>Add more types of interruptions</a:t>
-            </a:r>
-          </a:p>
-          <a:p>
-            <a:pPr marL="342900" indent="-342900" algn="l" rtl="0">
-              <a:buFont typeface="Arial" panose="020B0604020202020204" pitchFamily="34" charset="0"/>
-              <a:buChar char="•"/>
-            </a:pPr>
-            <a:r>
-              <a:rPr lang="en-US" sz="2400" b="0" i="0" dirty="0">
-                <a:solidFill>
-                  <a:srgbClr val="002060"/>
-                </a:solidFill>
-                <a:effectLst/>
-                <a:cs typeface="Assistant" pitchFamily="2" charset="-79"/>
-              </a:rPr>
-              <a:t>A</a:t>
-            </a:r>
-            <a:r>
-              <a:rPr lang="en-US" sz="2400" dirty="0">
-                <a:solidFill>
-                  <a:srgbClr val="002060"/>
-                </a:solidFill>
-                <a:cs typeface="Assistant" pitchFamily="2" charset="-79"/>
-              </a:rPr>
-              <a:t>dd a GUI</a:t>
-            </a:r>
-            <a:endParaRPr lang="he-IL" sz="2400" dirty="0">
-              <a:solidFill>
-                <a:srgbClr val="002060"/>
-              </a:solidFill>
-              <a:cs typeface="Assistant" pitchFamily="2" charset="-79"/>
-            </a:endParaRPr>
-          </a:p>
-          <a:p>
-            <a:pPr marL="342900" indent="-342900" algn="l" rtl="0">
-              <a:buFont typeface="Arial" panose="020B0604020202020204" pitchFamily="34" charset="0"/>
-              <a:buChar char="•"/>
-            </a:pPr>
-            <a:r>
-              <a:rPr lang="en-US" sz="2400" b="0" i="0" dirty="0">
-                <a:solidFill>
-                  <a:srgbClr val="002060"/>
-                </a:solidFill>
-                <a:effectLst/>
-                <a:cs typeface="Assistant" pitchFamily="2" charset="-79"/>
-              </a:rPr>
-              <a:t>Make the system interactive</a:t>
-            </a:r>
-          </a:p>
-          <a:p>
-            <a:pPr marL="0" indent="0" algn="l" rtl="0">
-              <a:buNone/>
-            </a:pPr>
-            <a:endParaRPr lang="en-US" dirty="0">
-              <a:solidFill>
-                <a:srgbClr val="002060"/>
-              </a:solidFill>
-            </a:endParaRPr>
-          </a:p>
-        </p:txBody>
-      </p:sp>
-    </p:spTree>
-    <p:extLst>
-      <p:ext uri="{BB962C8B-B14F-4D97-AF65-F5344CB8AC3E}">
-        <p14:creationId xmlns:p14="http://schemas.microsoft.com/office/powerpoint/2010/main" val="3853127531"/>
-      </p:ext>
-    </p:extLst>
-  </p:cSld>
-  <p:clrMapOvr>
-    <a:masterClrMapping/>
-  </p:clrMapOvr>
-</p:sld>
-</file>
-
-<file path=ppt/slides/slide31.xml><?xml version="1.0" encoding="utf-8"?>
-<p:sld xmlns:a="http://schemas.openxmlformats.org/drawingml/2006/main" xmlns:r="http://schemas.openxmlformats.org/officeDocument/2006/relationships" xmlns:p="http://schemas.openxmlformats.org/presentationml/2006/main">
-  <p:cSld>
-    <p:spTree>
-      <p:nvGrpSpPr>
-        <p:cNvPr id="1" name=""/>
-        <p:cNvGrpSpPr/>
-        <p:nvPr/>
-      </p:nvGrpSpPr>
-      <p:grpSpPr>
-        <a:xfrm>
-          <a:off x="0" y="0"/>
-          <a:ext cx="0" cy="0"/>
-          <a:chOff x="0" y="0"/>
-          <a:chExt cx="0" cy="0"/>
-        </a:xfrm>
-      </p:grpSpPr>
-      <p:sp>
-        <p:nvSpPr>
-          <p:cNvPr id="2" name="כותרת 1">
-            <a:extLst>
-              <a:ext uri="{FF2B5EF4-FFF2-40B4-BE49-F238E27FC236}">
                 <a16:creationId xmlns:a16="http://schemas.microsoft.com/office/drawing/2014/main" id="{096EE9F3-A5E6-42EA-848C-730AFF827D63}"/>
               </a:ext>
             </a:extLst>
@@ -26940,7 +27446,7 @@
           <p:cNvPr id="2" name="כותרת 1">
             <a:extLst>
               <a:ext uri="{FF2B5EF4-FFF2-40B4-BE49-F238E27FC236}">
-                <a16:creationId xmlns:a16="http://schemas.microsoft.com/office/drawing/2014/main" id="{11433E98-96EA-4674-A96F-0E224428F1EB}"/>
+                <a16:creationId xmlns:a16="http://schemas.microsoft.com/office/drawing/2014/main" id="{B40C3AF8-4F60-436D-88E9-A7B5F651D8D5}"/>
               </a:ext>
             </a:extLst>
           </p:cNvPr>
@@ -26951,10 +27457,50 @@
             <p:ph type="title"/>
           </p:nvPr>
         </p:nvSpPr>
+        <p:spPr/>
+        <p:txBody>
+          <a:bodyPr>
+            <a:normAutofit/>
+          </a:bodyPr>
+          <a:lstStyle/>
+          <a:p>
+            <a:pPr algn="ctr"/>
+            <a:r>
+              <a:rPr lang="en-US" b="1" dirty="0">
+                <a:solidFill>
+                  <a:srgbClr val="002060"/>
+                </a:solidFill>
+              </a:rPr>
+              <a:t>offline algorithm</a:t>
+            </a:r>
+            <a:endParaRPr lang="he-IL" b="1" dirty="0">
+              <a:solidFill>
+                <a:srgbClr val="002060"/>
+              </a:solidFill>
+            </a:endParaRPr>
+          </a:p>
+        </p:txBody>
+      </p:sp>
+      <p:sp>
+        <p:nvSpPr>
+          <p:cNvPr id="4" name="מציין מיקום טקסט 3">
+            <a:extLst>
+              <a:ext uri="{FF2B5EF4-FFF2-40B4-BE49-F238E27FC236}">
+                <a16:creationId xmlns:a16="http://schemas.microsoft.com/office/drawing/2014/main" id="{4D71BCBC-EEA7-4CA5-86B5-64B74274D72E}"/>
+              </a:ext>
+            </a:extLst>
+          </p:cNvPr>
+          <p:cNvSpPr>
+            <a:spLocks noGrp="1"/>
+          </p:cNvSpPr>
+          <p:nvPr>
+            <p:ph type="body" idx="4294967295"/>
+          </p:nvPr>
+        </p:nvSpPr>
         <p:spPr>
           <a:xfrm>
-            <a:off x="838200" y="601027"/>
-            <a:ext cx="10515600" cy="1325563"/>
+            <a:off x="838200" y="1980386"/>
+            <a:ext cx="10515600" cy="1879234"/>
           </a:xfrm>
         </p:spPr>
         <p:txBody>
@@ -26963,26 +27509,88 @@
           </a:bodyPr>
           <a:lstStyle/>
           <a:p>
-            <a:pPr algn="ctr"/>
-            <a:r>
-              <a:rPr lang="he-IL" b="1" dirty="0"/>
-              <a:t>הסבר על </a:t>
-            </a:r>
-            <a:r>
-              <a:rPr lang="he-IL" b="1" dirty="0" err="1"/>
-              <a:t>האופליין</a:t>
-            </a:r>
-            <a:r>
-              <a:rPr lang="he-IL" b="1" dirty="0"/>
-              <a:t> - </a:t>
-            </a:r>
+            <a:pPr marL="342900" indent="-342900" algn="l" rtl="0">
+              <a:buFont typeface="Arial" panose="020B0604020202020204" pitchFamily="34" charset="0"/>
+              <a:buChar char="•"/>
+            </a:pPr>
+            <a:r>
+              <a:rPr lang="en-US" sz="2400" dirty="0">
+                <a:solidFill>
+                  <a:srgbClr val="002060"/>
+                </a:solidFill>
+              </a:rPr>
+              <a:t>The offline planner was implemented using neural network and graph theory.</a:t>
+            </a:r>
+          </a:p>
+          <a:p>
+            <a:pPr marL="342900" indent="-342900" algn="l" rtl="0">
+              <a:buFont typeface="Arial" panose="020B0604020202020204" pitchFamily="34" charset="0"/>
+              <a:buChar char="•"/>
+            </a:pPr>
+            <a:r>
+              <a:rPr lang="en-US" sz="2400" dirty="0">
+                <a:solidFill>
+                  <a:srgbClr val="002060"/>
+                </a:solidFill>
+              </a:rPr>
+              <a:t>The offline planner input is a config file.</a:t>
+            </a:r>
+          </a:p>
+          <a:p>
+            <a:pPr marL="342900" indent="-342900" algn="l" rtl="0">
+              <a:buFont typeface="Arial" panose="020B0604020202020204" pitchFamily="34" charset="0"/>
+              <a:buChar char="•"/>
+            </a:pPr>
+            <a:r>
+              <a:rPr lang="en-US" sz="2400" dirty="0">
+                <a:solidFill>
+                  <a:srgbClr val="002060"/>
+                </a:solidFill>
+              </a:rPr>
+              <a:t>The offline planner generate a log file as an output.</a:t>
+            </a:r>
+            <a:endParaRPr lang="he-IL" sz="2400" dirty="0">
+              <a:solidFill>
+                <a:srgbClr val="002060"/>
+              </a:solidFill>
+            </a:endParaRPr>
           </a:p>
         </p:txBody>
       </p:sp>
+      <p:pic>
+        <p:nvPicPr>
+          <p:cNvPr id="5" name="תמונה 4">
+            <a:extLst>
+              <a:ext uri="{FF2B5EF4-FFF2-40B4-BE49-F238E27FC236}">
+                <a16:creationId xmlns:a16="http://schemas.microsoft.com/office/drawing/2014/main" id="{23BADA06-BFF7-4F78-AB5C-A3CFF5745D58}"/>
+              </a:ext>
+            </a:extLst>
+          </p:cNvPr>
+          <p:cNvPicPr>
+            <a:picLocks noChangeAspect="1"/>
+          </p:cNvPicPr>
+          <p:nvPr/>
+        </p:nvPicPr>
+        <p:blipFill>
+          <a:blip r:embed="rId3"/>
+          <a:stretch>
+            <a:fillRect/>
+          </a:stretch>
+        </p:blipFill>
+        <p:spPr>
+          <a:xfrm>
+            <a:off x="1637152" y="3958249"/>
+            <a:ext cx="8917696" cy="1879234"/>
+          </a:xfrm>
+          <a:prstGeom prst="rect">
+            <a:avLst/>
+          </a:prstGeom>
+        </p:spPr>
+      </p:pic>
     </p:spTree>
     <p:extLst>
       <p:ext uri="{BB962C8B-B14F-4D97-AF65-F5344CB8AC3E}">
-        <p14:creationId xmlns:p14="http://schemas.microsoft.com/office/powerpoint/2010/main" val="903792412"/>
+        <p14:creationId xmlns:p14="http://schemas.microsoft.com/office/powerpoint/2010/main" val="2701703745"/>
       </p:ext>
     </p:extLst>
   </p:cSld>
@@ -27014,7 +27622,7 @@
           <p:cNvPr id="2" name="כותרת 1">
             <a:extLst>
               <a:ext uri="{FF2B5EF4-FFF2-40B4-BE49-F238E27FC236}">
-                <a16:creationId xmlns:a16="http://schemas.microsoft.com/office/drawing/2014/main" id="{11433E98-96EA-4674-A96F-0E224428F1EB}"/>
+                <a16:creationId xmlns:a16="http://schemas.microsoft.com/office/drawing/2014/main" id="{B40C3AF8-4F60-436D-88E9-A7B5F651D8D5}"/>
               </a:ext>
             </a:extLst>
           </p:cNvPr>
@@ -27025,10 +27633,65 @@
             <p:ph type="title"/>
           </p:nvPr>
         </p:nvSpPr>
+        <p:spPr/>
+        <p:txBody>
+          <a:bodyPr>
+            <a:normAutofit/>
+          </a:bodyPr>
+          <a:lstStyle/>
+          <a:p>
+            <a:pPr algn="ctr"/>
+            <a:r>
+              <a:rPr lang="en-US" b="1" dirty="0">
+                <a:solidFill>
+                  <a:srgbClr val="002060"/>
+                </a:solidFill>
+              </a:rPr>
+              <a:t>Offline algorithm</a:t>
+            </a:r>
+            <a:br>
+              <a:rPr lang="en-US" sz="4400" b="1" dirty="0">
+                <a:solidFill>
+                  <a:srgbClr val="002060"/>
+                </a:solidFill>
+              </a:rPr>
+            </a:br>
+            <a:r>
+              <a:rPr lang="en-US" sz="1800" b="1" dirty="0">
+                <a:solidFill>
+                  <a:srgbClr val="002060"/>
+                </a:solidFill>
+              </a:rPr>
+              <a:t>planning with times and constrains</a:t>
+            </a:r>
+            <a:endParaRPr lang="he-IL" sz="1800" b="1" dirty="0">
+              <a:solidFill>
+                <a:srgbClr val="002060"/>
+              </a:solidFill>
+            </a:endParaRPr>
+          </a:p>
+        </p:txBody>
+      </p:sp>
+      <p:sp>
+        <p:nvSpPr>
+          <p:cNvPr id="4" name="מציין מיקום טקסט 3">
+            <a:extLst>
+              <a:ext uri="{FF2B5EF4-FFF2-40B4-BE49-F238E27FC236}">
+                <a16:creationId xmlns:a16="http://schemas.microsoft.com/office/drawing/2014/main" id="{4D71BCBC-EEA7-4CA5-86B5-64B74274D72E}"/>
+              </a:ext>
+            </a:extLst>
+          </p:cNvPr>
+          <p:cNvSpPr>
+            <a:spLocks noGrp="1"/>
+          </p:cNvSpPr>
+          <p:nvPr>
+            <p:ph type="body" idx="4294967295"/>
+          </p:nvPr>
+        </p:nvSpPr>
         <p:spPr>
           <a:xfrm>
-            <a:off x="838200" y="601027"/>
-            <a:ext cx="10515600" cy="1325563"/>
+            <a:off x="838200" y="1513854"/>
+            <a:ext cx="10515600" cy="2712913"/>
           </a:xfrm>
         </p:spPr>
         <p:txBody>
@@ -27037,18 +27700,82 @@
           </a:bodyPr>
           <a:lstStyle/>
           <a:p>
-            <a:pPr algn="ctr"/>
-            <a:r>
-              <a:rPr lang="he-IL" b="1" dirty="0"/>
-              <a:t>הסבר על האונליין- </a:t>
+            <a:pPr marL="342900" indent="-342900">
+              <a:buFont typeface="Arial" panose="020B0604020202020204" pitchFamily="34" charset="0"/>
+              <a:buChar char="•"/>
+            </a:pPr>
+            <a:endParaRPr lang="he-IL" sz="2000" dirty="0">
+              <a:solidFill>
+                <a:srgbClr val="002060"/>
+              </a:solidFill>
+            </a:endParaRPr>
+          </a:p>
+          <a:p>
+            <a:pPr marL="342900" indent="-342900" algn="l" rtl="0">
+              <a:lnSpc>
+                <a:spcPct val="120000"/>
+              </a:lnSpc>
+            </a:pPr>
+            <a:r>
+              <a:rPr lang="en-US" sz="2400" dirty="0">
+                <a:solidFill>
+                  <a:srgbClr val="002060"/>
+                </a:solidFill>
+              </a:rPr>
+              <a:t>The planning problem under time constrains is actually an optimization problem that finds the optimal solution.</a:t>
+            </a:r>
+          </a:p>
+          <a:p>
+            <a:pPr marL="342900" indent="-342900" algn="l" rtl="0">
+              <a:lnSpc>
+                <a:spcPct val="120000"/>
+              </a:lnSpc>
+            </a:pPr>
+            <a:r>
+              <a:rPr lang="en-US" sz="2400" dirty="0">
+                <a:solidFill>
+                  <a:srgbClr val="002060"/>
+                </a:solidFill>
+              </a:rPr>
+              <a:t>The constrains are represented in data structure called STN graph.</a:t>
             </a:r>
           </a:p>
         </p:txBody>
       </p:sp>
+      <p:pic>
+        <p:nvPicPr>
+          <p:cNvPr id="5" name="תמונה 4">
+            <a:extLst>
+              <a:ext uri="{FF2B5EF4-FFF2-40B4-BE49-F238E27FC236}">
+                <a16:creationId xmlns:a16="http://schemas.microsoft.com/office/drawing/2014/main" id="{B8471523-AECE-40E1-B529-AA5B43E3C8F8}"/>
+              </a:ext>
+            </a:extLst>
+          </p:cNvPr>
+          <p:cNvPicPr>
+            <a:picLocks noChangeAspect="1"/>
+          </p:cNvPicPr>
+          <p:nvPr/>
+        </p:nvPicPr>
+        <p:blipFill>
+          <a:blip r:embed="rId3"/>
+          <a:stretch>
+            <a:fillRect/>
+          </a:stretch>
+        </p:blipFill>
+        <p:spPr>
+          <a:xfrm>
+            <a:off x="1435402" y="4356989"/>
+            <a:ext cx="8646133" cy="1974313"/>
+          </a:xfrm>
+          <a:prstGeom prst="rect">
+            <a:avLst/>
+          </a:prstGeom>
+        </p:spPr>
+      </p:pic>
     </p:spTree>
     <p:extLst>
       <p:ext uri="{BB962C8B-B14F-4D97-AF65-F5344CB8AC3E}">
-        <p14:creationId xmlns:p14="http://schemas.microsoft.com/office/powerpoint/2010/main" val="775111121"/>
+        <p14:creationId xmlns:p14="http://schemas.microsoft.com/office/powerpoint/2010/main" val="1408261515"/>
       </p:ext>
     </p:extLst>
   </p:cSld>
@@ -27080,7 +27807,7 @@
           <p:cNvPr id="2" name="כותרת 1">
             <a:extLst>
               <a:ext uri="{FF2B5EF4-FFF2-40B4-BE49-F238E27FC236}">
-                <a16:creationId xmlns:a16="http://schemas.microsoft.com/office/drawing/2014/main" id="{B40C3AF8-4F60-436D-88E9-A7B5F651D8D5}"/>
+                <a16:creationId xmlns:a16="http://schemas.microsoft.com/office/drawing/2014/main" id="{11433E98-96EA-4674-A96F-0E224428F1EB}"/>
               </a:ext>
             </a:extLst>
           </p:cNvPr>
@@ -27091,7 +27818,12 @@
             <p:ph type="title"/>
           </p:nvPr>
         </p:nvSpPr>
-        <p:spPr/>
+        <p:spPr>
+          <a:xfrm>
+            <a:off x="838200" y="601027"/>
+            <a:ext cx="10515600" cy="1325563"/>
+          </a:xfrm>
+        </p:spPr>
         <p:txBody>
           <a:bodyPr>
             <a:normAutofit/>
@@ -27100,140 +27832,116 @@
           <a:p>
             <a:pPr algn="ctr"/>
             <a:r>
-              <a:rPr lang="en-US" sz="4400" b="1" dirty="0">
-                <a:solidFill>
-                  <a:srgbClr val="002060"/>
-                </a:solidFill>
-              </a:rPr>
-              <a:t>Background</a:t>
-            </a:r>
-            <a:br>
-              <a:rPr lang="en-US" sz="4400" b="1" dirty="0">
-                <a:solidFill>
-                  <a:srgbClr val="002060"/>
-                </a:solidFill>
-              </a:rPr>
-            </a:br>
-            <a:r>
-              <a:rPr lang="en-US" sz="1800" b="1" dirty="0">
-                <a:solidFill>
-                  <a:srgbClr val="002060"/>
-                </a:solidFill>
-              </a:rPr>
-              <a:t>planning with times and constrains</a:t>
-            </a:r>
-            <a:endParaRPr lang="he-IL" sz="1800" b="1" dirty="0">
-              <a:solidFill>
-                <a:srgbClr val="002060"/>
-              </a:solidFill>
-            </a:endParaRPr>
+              <a:rPr lang="he-IL" b="1" dirty="0"/>
+              <a:t>אנימציה של מתיחת </a:t>
+            </a:r>
+            <a:r>
+              <a:rPr lang="en-US" b="1" dirty="0"/>
+              <a:t>STN</a:t>
+            </a:r>
+            <a:r>
+              <a:rPr lang="he-IL" b="1" dirty="0"/>
+              <a:t> – כולל הפרעה</a:t>
+            </a:r>
           </a:p>
         </p:txBody>
       </p:sp>
       <p:sp>
         <p:nvSpPr>
-          <p:cNvPr id="4" name="מציין מיקום טקסט 3">
+          <p:cNvPr id="3" name="פרצוף מחייך 2">
             <a:extLst>
               <a:ext uri="{FF2B5EF4-FFF2-40B4-BE49-F238E27FC236}">
-                <a16:creationId xmlns:a16="http://schemas.microsoft.com/office/drawing/2014/main" id="{4D71BCBC-EEA7-4CA5-86B5-64B74274D72E}"/>
+                <a16:creationId xmlns:a16="http://schemas.microsoft.com/office/drawing/2014/main" id="{CE06B7F4-5A73-4FD0-B78D-00411605B81B}"/>
               </a:ext>
             </a:extLst>
           </p:cNvPr>
-          <p:cNvSpPr>
-            <a:spLocks noGrp="1"/>
-          </p:cNvSpPr>
-          <p:nvPr>
-            <p:ph type="body" idx="4294967295"/>
-          </p:nvPr>
+          <p:cNvSpPr/>
+          <p:nvPr/>
         </p:nvSpPr>
         <p:spPr>
           <a:xfrm>
-            <a:off x="838200" y="1513854"/>
-            <a:ext cx="10515600" cy="2712913"/>
+            <a:off x="1458097" y="2458995"/>
+            <a:ext cx="1136822" cy="970005"/>
           </a:xfrm>
+          <a:prstGeom prst="smileyFace">
+            <a:avLst/>
+          </a:prstGeom>
         </p:spPr>
+        <p:style>
+          <a:lnRef idx="2">
+            <a:schemeClr val="accent1">
+              <a:shade val="50000"/>
+            </a:schemeClr>
+          </a:lnRef>
+          <a:fillRef idx="1">
+            <a:schemeClr val="accent1"/>
+          </a:fillRef>
+          <a:effectRef idx="0">
+            <a:schemeClr val="accent1"/>
+          </a:effectRef>
+          <a:fontRef idx="minor">
+            <a:schemeClr val="lt1"/>
+          </a:fontRef>
+        </p:style>
         <p:txBody>
-          <a:bodyPr>
-            <a:normAutofit lnSpcReduction="10000"/>
-          </a:bodyPr>
+          <a:bodyPr rtlCol="1" anchor="ctr"/>
           <a:lstStyle/>
           <a:p>
-            <a:pPr marL="342900" indent="-342900">
-              <a:buFont typeface="Arial" panose="020B0604020202020204" pitchFamily="34" charset="0"/>
-              <a:buChar char="•"/>
-            </a:pPr>
-            <a:endParaRPr lang="he-IL" sz="2000" dirty="0">
-              <a:solidFill>
-                <a:srgbClr val="002060"/>
-              </a:solidFill>
-            </a:endParaRPr>
-          </a:p>
-          <a:p>
-            <a:pPr marL="342900" indent="-342900" algn="l" rtl="0">
-              <a:lnSpc>
-                <a:spcPct val="120000"/>
-              </a:lnSpc>
-            </a:pPr>
-            <a:r>
-              <a:rPr lang="en-US" sz="2400" dirty="0">
-                <a:solidFill>
-                  <a:srgbClr val="002060"/>
-                </a:solidFill>
-              </a:rPr>
-              <a:t>The planning problem under time constrains is actually an optimization problem which finding the optimal solution.</a:t>
-            </a:r>
-          </a:p>
-          <a:p>
-            <a:pPr marL="342900" indent="-342900" algn="l" rtl="0">
-              <a:lnSpc>
-                <a:spcPct val="120000"/>
-              </a:lnSpc>
-            </a:pPr>
-            <a:r>
-              <a:rPr lang="en-US" sz="2400" dirty="0">
-                <a:solidFill>
-                  <a:srgbClr val="002060"/>
-                </a:solidFill>
-              </a:rPr>
-              <a:t>The constrains are represented in data structure called STN graph. If there is a solution to the optimization problem under the constrains the entire problem is defined as being feasible, otherwise, defined as being not feasible.</a:t>
-            </a:r>
+            <a:pPr algn="ctr"/>
+            <a:endParaRPr lang="he-IL"/>
           </a:p>
         </p:txBody>
       </p:sp>
-      <p:pic>
-        <p:nvPicPr>
-          <p:cNvPr id="5" name="תמונה 4">
+      <p:sp>
+        <p:nvSpPr>
+          <p:cNvPr id="4" name="פרצוף מחייך 3">
             <a:extLst>
               <a:ext uri="{FF2B5EF4-FFF2-40B4-BE49-F238E27FC236}">
-                <a16:creationId xmlns:a16="http://schemas.microsoft.com/office/drawing/2014/main" id="{B8471523-AECE-40E1-B529-AA5B43E3C8F8}"/>
+                <a16:creationId xmlns:a16="http://schemas.microsoft.com/office/drawing/2014/main" id="{1948DAA7-CCDC-4527-8DCD-A4EF065D395A}"/>
               </a:ext>
             </a:extLst>
           </p:cNvPr>
-          <p:cNvPicPr>
-            <a:picLocks noChangeAspect="1"/>
-          </p:cNvPicPr>
+          <p:cNvSpPr/>
           <p:nvPr/>
-        </p:nvPicPr>
-        <p:blipFill>
-          <a:blip r:embed="rId3"/>
-          <a:stretch>
-            <a:fillRect/>
-          </a:stretch>
-        </p:blipFill>
+        </p:nvSpPr>
         <p:spPr>
           <a:xfrm>
-            <a:off x="1509543" y="4518562"/>
-            <a:ext cx="8646133" cy="1974313"/>
+            <a:off x="1458097" y="4534930"/>
+            <a:ext cx="1136822" cy="970005"/>
           </a:xfrm>
-          <a:prstGeom prst="rect">
+          <a:prstGeom prst="smileyFace">
             <a:avLst/>
           </a:prstGeom>
         </p:spPr>
-      </p:pic>
+        <p:style>
+          <a:lnRef idx="2">
+            <a:schemeClr val="accent1">
+              <a:shade val="50000"/>
+            </a:schemeClr>
+          </a:lnRef>
+          <a:fillRef idx="1">
+            <a:schemeClr val="accent1"/>
+          </a:fillRef>
+          <a:effectRef idx="0">
+            <a:schemeClr val="accent1"/>
+          </a:effectRef>
+          <a:fontRef idx="minor">
+            <a:schemeClr val="lt1"/>
+          </a:fontRef>
+        </p:style>
+        <p:txBody>
+          <a:bodyPr rtlCol="1" anchor="ctr"/>
+          <a:lstStyle/>
+          <a:p>
+            <a:pPr algn="ctr"/>
+            <a:endParaRPr lang="he-IL"/>
+          </a:p>
+        </p:txBody>
+      </p:sp>
     </p:spTree>
     <p:extLst>
       <p:ext uri="{BB962C8B-B14F-4D97-AF65-F5344CB8AC3E}">
-        <p14:creationId xmlns:p14="http://schemas.microsoft.com/office/powerpoint/2010/main" val="1408261515"/>
+        <p14:creationId xmlns:p14="http://schemas.microsoft.com/office/powerpoint/2010/main" val="1467167651"/>
       </p:ext>
     </p:extLst>
   </p:cSld>
@@ -27290,24 +27998,227 @@
           <a:p>
             <a:pPr algn="ctr"/>
             <a:r>
-              <a:rPr lang="he-IL" b="1" dirty="0"/>
-              <a:t>אנימציה של מתיחת </a:t>
-            </a:r>
-            <a:r>
-              <a:rPr lang="en-US" b="1" dirty="0"/>
-              <a:t>STN</a:t>
-            </a:r>
-            <a:r>
-              <a:rPr lang="he-IL" b="1" dirty="0"/>
-              <a:t> – כולל הפרעה</a:t>
-            </a:r>
+              <a:rPr lang="en-US" b="1"/>
+              <a:t>Online algorithm</a:t>
+            </a:r>
+            <a:endParaRPr lang="he-IL" b="1" dirty="0"/>
           </a:p>
         </p:txBody>
       </p:sp>
+      <p:sp>
+        <p:nvSpPr>
+          <p:cNvPr id="5" name="תיבת טקסט 4">
+            <a:extLst>
+              <a:ext uri="{FF2B5EF4-FFF2-40B4-BE49-F238E27FC236}">
+                <a16:creationId xmlns:a16="http://schemas.microsoft.com/office/drawing/2014/main" id="{2D447068-664C-450C-9FB6-B8004A0ABB8E}"/>
+              </a:ext>
+            </a:extLst>
+          </p:cNvPr>
+          <p:cNvSpPr txBox="1"/>
+          <p:nvPr/>
+        </p:nvSpPr>
+        <p:spPr>
+          <a:xfrm>
+            <a:off x="195648" y="1643449"/>
+            <a:ext cx="11158152" cy="1754326"/>
+          </a:xfrm>
+          <a:prstGeom prst="rect">
+            <a:avLst/>
+          </a:prstGeom>
+          <a:noFill/>
+        </p:spPr>
+        <p:txBody>
+          <a:bodyPr wrap="square">
+            <a:spAutoFit/>
+          </a:bodyPr>
+          <a:lstStyle/>
+          <a:p>
+            <a:pPr marL="342900" indent="-342900" algn="l" rtl="0">
+              <a:buFont typeface="Arial" panose="020B0604020202020204" pitchFamily="34" charset="0"/>
+              <a:buChar char="•"/>
+            </a:pPr>
+            <a:r>
+              <a:rPr lang="en-US" sz="1800" dirty="0">
+                <a:solidFill>
+                  <a:srgbClr val="002060"/>
+                </a:solidFill>
+              </a:rPr>
+              <a:t>The online planner was implemented using </a:t>
+            </a:r>
+          </a:p>
+          <a:p>
+            <a:pPr marL="800100" lvl="1" indent="-342900" algn="l" rtl="0">
+              <a:buFont typeface="Arial" panose="020B0604020202020204" pitchFamily="34" charset="0"/>
+              <a:buChar char="•"/>
+            </a:pPr>
+            <a:r>
+              <a:rPr lang="en-US" dirty="0">
+                <a:solidFill>
+                  <a:srgbClr val="002060"/>
+                </a:solidFill>
+              </a:rPr>
+              <a:t>Object </a:t>
+            </a:r>
+            <a:r>
+              <a:rPr lang="en-US" dirty="0" err="1">
+                <a:solidFill>
+                  <a:srgbClr val="002060"/>
+                </a:solidFill>
+              </a:rPr>
+              <a:t>Orinted</a:t>
+            </a:r>
+            <a:r>
+              <a:rPr lang="en-US" dirty="0">
+                <a:solidFill>
+                  <a:srgbClr val="002060"/>
+                </a:solidFill>
+              </a:rPr>
+              <a:t> programing</a:t>
+            </a:r>
+          </a:p>
+          <a:p>
+            <a:pPr marL="800100" lvl="1" indent="-342900" algn="l" rtl="0">
+              <a:buFont typeface="Arial" panose="020B0604020202020204" pitchFamily="34" charset="0"/>
+              <a:buChar char="•"/>
+            </a:pPr>
+            <a:r>
+              <a:rPr lang="en-US" dirty="0" err="1">
+                <a:solidFill>
+                  <a:srgbClr val="002060"/>
+                </a:solidFill>
+              </a:rPr>
+              <a:t>degisn</a:t>
+            </a:r>
+            <a:r>
+              <a:rPr lang="en-US" dirty="0">
+                <a:solidFill>
+                  <a:srgbClr val="002060"/>
+                </a:solidFill>
+              </a:rPr>
+              <a:t> patterns</a:t>
+            </a:r>
+          </a:p>
+          <a:p>
+            <a:pPr marL="800100" lvl="1" indent="-342900" algn="l" rtl="0">
+              <a:buFont typeface="Arial" panose="020B0604020202020204" pitchFamily="34" charset="0"/>
+              <a:buChar char="•"/>
+            </a:pPr>
+            <a:r>
+              <a:rPr lang="en-US" dirty="0" err="1">
+                <a:solidFill>
+                  <a:srgbClr val="002060"/>
+                </a:solidFill>
+              </a:rPr>
+              <a:t>algorithem</a:t>
+            </a:r>
+            <a:r>
+              <a:rPr lang="en-US" dirty="0">
+                <a:solidFill>
+                  <a:srgbClr val="002060"/>
+                </a:solidFill>
+              </a:rPr>
+              <a:t> design</a:t>
+            </a:r>
+          </a:p>
+          <a:p>
+            <a:pPr marL="342900" indent="-342900" algn="l" rtl="0">
+              <a:buFont typeface="Arial" panose="020B0604020202020204" pitchFamily="34" charset="0"/>
+              <a:buChar char="•"/>
+            </a:pPr>
+            <a:r>
+              <a:rPr lang="en-US" sz="1800" dirty="0">
+                <a:solidFill>
+                  <a:srgbClr val="002060"/>
+                </a:solidFill>
+              </a:rPr>
+              <a:t>The online planner input is a config file and STN graph.</a:t>
+            </a:r>
+          </a:p>
+          <a:p>
+            <a:pPr marL="342900" indent="-342900" algn="l" rtl="0">
+              <a:buFont typeface="Arial" panose="020B0604020202020204" pitchFamily="34" charset="0"/>
+              <a:buChar char="•"/>
+            </a:pPr>
+            <a:r>
+              <a:rPr lang="en-US" sz="1800" dirty="0">
+                <a:solidFill>
+                  <a:srgbClr val="002060"/>
+                </a:solidFill>
+              </a:rPr>
+              <a:t>The online planner generate a log file as an output.</a:t>
+            </a:r>
+            <a:endParaRPr lang="he-IL" sz="1800" dirty="0">
+              <a:solidFill>
+                <a:srgbClr val="002060"/>
+              </a:solidFill>
+            </a:endParaRPr>
+          </a:p>
+        </p:txBody>
+      </p:sp>
+      <p:pic>
+        <p:nvPicPr>
+          <p:cNvPr id="6" name="תמונה 5">
+            <a:extLst>
+              <a:ext uri="{FF2B5EF4-FFF2-40B4-BE49-F238E27FC236}">
+                <a16:creationId xmlns:a16="http://schemas.microsoft.com/office/drawing/2014/main" id="{DE0B55EE-1776-4375-827D-B8BD98F07137}"/>
+              </a:ext>
+            </a:extLst>
+          </p:cNvPr>
+          <p:cNvPicPr>
+            <a:picLocks noChangeAspect="1"/>
+          </p:cNvPicPr>
+          <p:nvPr/>
+        </p:nvPicPr>
+        <p:blipFill>
+          <a:blip r:embed="rId3"/>
+          <a:stretch>
+            <a:fillRect/>
+          </a:stretch>
+        </p:blipFill>
+        <p:spPr>
+          <a:xfrm>
+            <a:off x="380541" y="3776808"/>
+            <a:ext cx="5044075" cy="2758598"/>
+          </a:xfrm>
+          <a:prstGeom prst="rect">
+            <a:avLst/>
+          </a:prstGeom>
+        </p:spPr>
+      </p:pic>
+      <p:pic>
+        <p:nvPicPr>
+          <p:cNvPr id="7" name="תמונה 6">
+            <a:extLst>
+              <a:ext uri="{FF2B5EF4-FFF2-40B4-BE49-F238E27FC236}">
+                <a16:creationId xmlns:a16="http://schemas.microsoft.com/office/drawing/2014/main" id="{6A8494A5-25E9-43BE-AF71-EAFCFD4BF875}"/>
+              </a:ext>
+            </a:extLst>
+          </p:cNvPr>
+          <p:cNvPicPr>
+            <a:picLocks noChangeAspect="1"/>
+          </p:cNvPicPr>
+          <p:nvPr/>
+        </p:nvPicPr>
+        <p:blipFill>
+          <a:blip r:embed="rId4"/>
+          <a:stretch>
+            <a:fillRect/>
+          </a:stretch>
+        </p:blipFill>
+        <p:spPr>
+          <a:xfrm>
+            <a:off x="6907426" y="4357392"/>
+            <a:ext cx="4067551" cy="857159"/>
+          </a:xfrm>
+          <a:prstGeom prst="rect">
+            <a:avLst/>
+          </a:prstGeom>
+        </p:spPr>
+      </p:pic>
     </p:spTree>
     <p:extLst>
       <p:ext uri="{BB962C8B-B14F-4D97-AF65-F5344CB8AC3E}">
-        <p14:creationId xmlns:p14="http://schemas.microsoft.com/office/powerpoint/2010/main" val="1467167651"/>
+        <p14:creationId xmlns:p14="http://schemas.microsoft.com/office/powerpoint/2010/main" val="775111121"/>
       </p:ext>
     </p:extLst>
   </p:cSld>
@@ -27318,7 +28229,7 @@
 </file>
 
 <file path=ppt/slides/slide8.xml><?xml version="1.0" encoding="utf-8"?>
-<p:sld xmlns:a="http://schemas.openxmlformats.org/drawingml/2006/main" xmlns:r="http://schemas.openxmlformats.org/officeDocument/2006/relationships" xmlns:p="http://schemas.openxmlformats.org/presentationml/2006/main">
+<p:sld xmlns:a="http://schemas.openxmlformats.org/drawingml/2006/main" xmlns:r="http://schemas.openxmlformats.org/officeDocument/2006/relationships" xmlns:p="http://schemas.openxmlformats.org/presentationml/2006/main" show="0">
   <p:cSld>
     <p:spTree>
       <p:nvGrpSpPr>
@@ -27454,7 +28365,7 @@
           <p:cNvPr id="2" name="כותרת 1">
             <a:extLst>
               <a:ext uri="{FF2B5EF4-FFF2-40B4-BE49-F238E27FC236}">
-                <a16:creationId xmlns:a16="http://schemas.microsoft.com/office/drawing/2014/main" id="{B40C3AF8-4F60-436D-88E9-A7B5F651D8D5}"/>
+                <a16:creationId xmlns:a16="http://schemas.microsoft.com/office/drawing/2014/main" id="{00BDE5E7-CDBD-4B22-B591-6EF0BF74681B}"/>
               </a:ext>
             </a:extLst>
           </p:cNvPr>
@@ -27479,24 +28390,9 @@
                   <a:srgbClr val="002060"/>
                 </a:solidFill>
               </a:rPr>
-              <a:t>Background</a:t>
-            </a:r>
-            <a:br>
-              <a:rPr lang="en-US" sz="4400" b="1" dirty="0">
-                <a:solidFill>
-                  <a:srgbClr val="002060"/>
-                </a:solidFill>
-              </a:rPr>
-            </a:br>
-            <a:r>
-              <a:rPr lang="en-US" sz="1800" b="1" dirty="0">
-                <a:solidFill>
-                  <a:srgbClr val="002060"/>
-                </a:solidFill>
-              </a:rPr>
-              <a:t>offline algorithm</a:t>
-            </a:r>
-            <a:endParaRPr lang="he-IL" sz="1800" b="1" dirty="0">
+              <a:t>Project Goal</a:t>
+            </a:r>
+            <a:endParaRPr lang="he-IL" sz="4400" b="1" dirty="0">
               <a:solidFill>
                 <a:srgbClr val="002060"/>
               </a:solidFill>
@@ -27506,10 +28402,10 @@
       </p:sp>
       <p:sp>
         <p:nvSpPr>
-          <p:cNvPr id="4" name="מציין מיקום טקסט 3">
+          <p:cNvPr id="3" name="מציין מיקום טקסט 2">
             <a:extLst>
               <a:ext uri="{FF2B5EF4-FFF2-40B4-BE49-F238E27FC236}">
-                <a16:creationId xmlns:a16="http://schemas.microsoft.com/office/drawing/2014/main" id="{4D71BCBC-EEA7-4CA5-86B5-64B74274D72E}"/>
+                <a16:creationId xmlns:a16="http://schemas.microsoft.com/office/drawing/2014/main" id="{197B225D-5CD6-43D4-B20E-E1451DF24856}"/>
               </a:ext>
             </a:extLst>
           </p:cNvPr>
@@ -27522,84 +28418,113 @@
         </p:nvSpPr>
         <p:spPr>
           <a:xfrm>
-            <a:off x="838200" y="1980386"/>
-            <a:ext cx="10515600" cy="1879234"/>
+            <a:off x="666750" y="2001837"/>
+            <a:ext cx="10515600" cy="3435135"/>
           </a:xfrm>
         </p:spPr>
         <p:txBody>
           <a:bodyPr>
-            <a:normAutofit/>
+            <a:noAutofit/>
           </a:bodyPr>
           <a:lstStyle/>
           <a:p>
-            <a:pPr marL="342900" indent="-342900" algn="l" rtl="0">
-              <a:buFont typeface="Arial" panose="020B0604020202020204" pitchFamily="34" charset="0"/>
-              <a:buChar char="•"/>
+            <a:pPr algn="l" rtl="0">
+              <a:lnSpc>
+                <a:spcPct val="150000"/>
+              </a:lnSpc>
             </a:pPr>
             <a:r>
-              <a:rPr lang="en-US" sz="2400" dirty="0">
+              <a:rPr lang="en-US" sz="2400" b="1" dirty="0">
                 <a:solidFill>
                   <a:srgbClr val="002060"/>
                 </a:solidFill>
+                <a:cs typeface="Arial" panose="020B0604020202020204" pitchFamily="34" charset="0"/>
               </a:rPr>
-              <a:t>The offline planner is a project that we are based on. It was implemented using neural network and graph theory.</a:t>
-            </a:r>
-          </a:p>
-          <a:p>
-            <a:pPr marL="342900" indent="-342900" algn="l" rtl="0">
-              <a:buFont typeface="Arial" panose="020B0604020202020204" pitchFamily="34" charset="0"/>
-              <a:buChar char="•"/>
+              <a:t>Creating an online algorithm managing takeoff and landing.</a:t>
+            </a:r>
+          </a:p>
+          <a:p>
+            <a:pPr lvl="1" algn="l" rtl="0">
+              <a:lnSpc>
+                <a:spcPct val="150000"/>
+              </a:lnSpc>
+              <a:buFont typeface="Courier New" panose="02070309020205020404" pitchFamily="49" charset="0"/>
+              <a:buChar char="o"/>
             </a:pPr>
             <a:r>
-              <a:rPr lang="en-US" sz="2400" dirty="0">
+              <a:rPr lang="en-US" sz="2200" dirty="0">
                 <a:solidFill>
                   <a:srgbClr val="002060"/>
                 </a:solidFill>
+                <a:cs typeface="Arial" panose="020B0604020202020204" pitchFamily="34" charset="0"/>
               </a:rPr>
-              <a:t>The offline planner take a config file as an input and generate a log file as an output.</a:t>
-            </a:r>
-            <a:endParaRPr lang="he-IL" sz="2400" dirty="0">
-              <a:solidFill>
-                <a:srgbClr val="002060"/>
-              </a:solidFill>
-            </a:endParaRPr>
+              <a:t>In our project we build an online algorithm which follow a plan generated by the offline algorithm. Our algorithm ran the offline plan w</a:t>
+            </a:r>
+            <a:r>
+              <a:rPr lang="en-US" sz="2200" b="0" i="0" dirty="0">
+                <a:solidFill>
+                  <a:srgbClr val="002060"/>
+                </a:solidFill>
+                <a:effectLst/>
+                <a:cs typeface="Assistant" pitchFamily="2" charset="-79"/>
+              </a:rPr>
+              <a:t>hile</a:t>
+            </a:r>
+            <a:r>
+              <a:rPr lang="en-US" sz="2200" b="0" i="0" dirty="0">
+                <a:solidFill>
+                  <a:srgbClr val="333333"/>
+                </a:solidFill>
+                <a:effectLst/>
+                <a:cs typeface="Assistant" pitchFamily="2" charset="-79"/>
+              </a:rPr>
+              <a:t> </a:t>
+            </a:r>
+            <a:r>
+              <a:rPr lang="en-US" sz="2200" b="0" i="0" dirty="0">
+                <a:solidFill>
+                  <a:srgbClr val="002060"/>
+                </a:solidFill>
+                <a:effectLst/>
+                <a:cs typeface="Assistant" pitchFamily="2" charset="-79"/>
+              </a:rPr>
+              <a:t>dealing with real-time malfunctions and changes.</a:t>
+            </a:r>
+          </a:p>
+          <a:p>
+            <a:pPr lvl="1" algn="l" rtl="0">
+              <a:lnSpc>
+                <a:spcPct val="150000"/>
+              </a:lnSpc>
+              <a:buFont typeface="Courier New" panose="02070309020205020404" pitchFamily="49" charset="0"/>
+              <a:buChar char="o"/>
+            </a:pPr>
+            <a:r>
+              <a:rPr lang="en-US" sz="2200" dirty="0">
+                <a:solidFill>
+                  <a:srgbClr val="002060"/>
+                </a:solidFill>
+                <a:cs typeface="Assistant" pitchFamily="2" charset="-79"/>
+              </a:rPr>
+              <a:t>The algorithm</a:t>
+            </a:r>
+            <a:r>
+              <a:rPr lang="en-US" sz="2200" b="0" i="0" dirty="0">
+                <a:solidFill>
+                  <a:srgbClr val="002060"/>
+                </a:solidFill>
+                <a:effectLst/>
+                <a:cs typeface="Assistant" pitchFamily="2" charset="-79"/>
+              </a:rPr>
+              <a:t> has to decide whether the program can run with the different constraints or whether re-planning is needed.</a:t>
+            </a:r>
           </a:p>
         </p:txBody>
       </p:sp>
-      <p:pic>
-        <p:nvPicPr>
-          <p:cNvPr id="5" name="תמונה 4">
-            <a:extLst>
-              <a:ext uri="{FF2B5EF4-FFF2-40B4-BE49-F238E27FC236}">
-                <a16:creationId xmlns:a16="http://schemas.microsoft.com/office/drawing/2014/main" id="{23BADA06-BFF7-4F78-AB5C-A3CFF5745D58}"/>
-              </a:ext>
-            </a:extLst>
-          </p:cNvPr>
-          <p:cNvPicPr>
-            <a:picLocks noChangeAspect="1"/>
-          </p:cNvPicPr>
-          <p:nvPr/>
-        </p:nvPicPr>
-        <p:blipFill>
-          <a:blip r:embed="rId3"/>
-          <a:stretch>
-            <a:fillRect/>
-          </a:stretch>
-        </p:blipFill>
-        <p:spPr>
-          <a:xfrm>
-            <a:off x="1637152" y="4149318"/>
-            <a:ext cx="8917696" cy="1879234"/>
-          </a:xfrm>
-          <a:prstGeom prst="rect">
-            <a:avLst/>
-          </a:prstGeom>
-        </p:spPr>
-      </p:pic>
     </p:spTree>
     <p:extLst>
       <p:ext uri="{BB962C8B-B14F-4D97-AF65-F5344CB8AC3E}">
-        <p14:creationId xmlns:p14="http://schemas.microsoft.com/office/powerpoint/2010/main" val="2701703745"/>
+        <p14:creationId xmlns:p14="http://schemas.microsoft.com/office/powerpoint/2010/main" val="4153337668"/>
       </p:ext>
     </p:extLst>
   </p:cSld>

--- a/חומר עזר לפרויקט/project_A.pptx
+++ b/חומר עזר לפרויקט/project_A.pptx
@@ -6,10 +6,10 @@
     <p:sldMasterId id="2147483660" r:id="rId2"/>
   </p:sldMasterIdLst>
   <p:notesMasterIdLst>
-    <p:notesMasterId r:id="rId33"/>
+    <p:notesMasterId r:id="rId34"/>
   </p:notesMasterIdLst>
   <p:handoutMasterIdLst>
-    <p:handoutMasterId r:id="rId34"/>
+    <p:handoutMasterId r:id="rId35"/>
   </p:handoutMasterIdLst>
   <p:sldIdLst>
     <p:sldId id="257" r:id="rId3"/>
@@ -35,13 +35,14 @@
     <p:sldId id="277" r:id="rId23"/>
     <p:sldId id="278" r:id="rId24"/>
     <p:sldId id="279" r:id="rId25"/>
-    <p:sldId id="280" r:id="rId26"/>
-    <p:sldId id="281" r:id="rId27"/>
-    <p:sldId id="282" r:id="rId28"/>
-    <p:sldId id="264" r:id="rId29"/>
-    <p:sldId id="283" r:id="rId30"/>
-    <p:sldId id="284" r:id="rId31"/>
-    <p:sldId id="265" r:id="rId32"/>
+    <p:sldId id="292" r:id="rId26"/>
+    <p:sldId id="280" r:id="rId27"/>
+    <p:sldId id="281" r:id="rId28"/>
+    <p:sldId id="282" r:id="rId29"/>
+    <p:sldId id="264" r:id="rId30"/>
+    <p:sldId id="283" r:id="rId31"/>
+    <p:sldId id="284" r:id="rId32"/>
+    <p:sldId id="265" r:id="rId33"/>
   </p:sldIdLst>
   <p:sldSz cx="12192000" cy="6858000"/>
   <p:notesSz cx="6858000" cy="9144000"/>
@@ -6996,8 +6997,8 @@
               <a:t>ה-</a:t>
             </a:r>
             <a:r>
-              <a:rPr lang="en-US" dirty="0" err="1"/>
-              <a:t>exeutor</a:t>
+              <a:rPr lang="en-US" dirty="0"/>
+              <a:t>executor</a:t>
             </a:r>
             <a:r>
               <a:rPr lang="he-IL" dirty="0"/>
@@ -7123,13 +7124,9 @@
           <a:bodyPr/>
           <a:lstStyle/>
           <a:p>
-            <a:pPr marL="171450" indent="-171450">
-              <a:buFontTx/>
-              <a:buChar char="-"/>
-            </a:pPr>
             <a:r>
               <a:rPr lang="he-IL" dirty="0"/>
-              <a:t>אנחנו מקבלים תוכנית (</a:t>
+              <a:t>בפרויקט התעסקנו בעיקר במתיחת גרף ה-</a:t>
             </a:r>
             <a:r>
               <a:rPr lang="en-US" dirty="0"/>
@@ -7137,178 +7134,24 @@
             </a:r>
             <a:r>
               <a:rPr lang="he-IL" dirty="0"/>
-              <a:t>) מהזמן אופליין.</a:t>
-            </a:r>
-          </a:p>
-          <a:p>
-            <a:pPr marL="171450" indent="-171450">
-              <a:buFontTx/>
-              <a:buChar char="-"/>
-            </a:pPr>
+              <a:t> – כלומר, בהפרעה של עיכוב או דחייה של פעולה מסוימת (למשל משימה של מטוס שהתארכה, המראה שהתעכבה) ואיך עיכוב זה השפיע על שאר סדר היום והשינויים הנצרכים בזמן-אמת.</a:t>
+            </a:r>
+          </a:p>
+          <a:p>
             <a:r>
               <a:rPr lang="he-IL" dirty="0"/>
-              <a:t>התוכנית פעולה נכנסת למנהל התכנית והוא דואג לייצר את </a:t>
+              <a:t>בפרויקט הנחנו כי תכנון </a:t>
             </a:r>
             <a:r>
               <a:rPr lang="he-IL" dirty="0" err="1"/>
-              <a:t>המודולוים</a:t>
+              <a:t>האופליין</a:t>
             </a:r>
             <a:r>
               <a:rPr lang="he-IL" dirty="0"/>
-              <a:t> השונים והקשרים ביניהם.</a:t>
-            </a:r>
-          </a:p>
-          <a:p>
-            <a:pPr marL="171450" indent="-171450">
-              <a:buFontTx/>
-              <a:buChar char="-"/>
-            </a:pPr>
-            <a:r>
-              <a:rPr lang="he-IL" dirty="0"/>
-              <a:t>הבקר מקבל את קובץ </a:t>
-            </a:r>
-            <a:r>
-              <a:rPr lang="he-IL" dirty="0" err="1"/>
-              <a:t>הקונפיג</a:t>
-            </a:r>
-            <a:r>
-              <a:rPr lang="he-IL" dirty="0"/>
-              <a:t> </a:t>
-            </a:r>
-            <a:r>
-              <a:rPr lang="he-IL" dirty="0" err="1"/>
-              <a:t>והתכנית</a:t>
-            </a:r>
-            <a:r>
-              <a:rPr lang="he-IL" dirty="0"/>
-              <a:t> (</a:t>
-            </a:r>
-            <a:r>
-              <a:rPr lang="en-US" dirty="0"/>
-              <a:t>STN</a:t>
-            </a:r>
-            <a:r>
-              <a:rPr lang="he-IL" dirty="0"/>
-              <a:t>) ותפקידו לשמש כמגדל בקרה ופיקוח.</a:t>
-            </a:r>
-          </a:p>
-          <a:p>
-            <a:pPr marL="171450" indent="-171450">
-              <a:buFontTx/>
-              <a:buChar char="-"/>
-            </a:pPr>
-            <a:r>
-              <a:rPr lang="he-IL" dirty="0"/>
-              <a:t>הסימולטור משמש כמודל לעולם אשר מריץ את הפעולות ונותן אינדיקציה כאשר פעולות הסתיימו.</a:t>
-            </a:r>
-          </a:p>
-          <a:p>
-            <a:pPr marL="171450" indent="-171450">
-              <a:buFontTx/>
-              <a:buChar char="-"/>
-            </a:pPr>
-            <a:r>
-              <a:rPr lang="he-IL" dirty="0"/>
-              <a:t>מודול מצב העולם (</a:t>
-            </a:r>
-            <a:r>
-              <a:rPr lang="en-US" dirty="0"/>
-              <a:t>state</a:t>
-            </a:r>
-            <a:r>
-              <a:rPr lang="he-IL" dirty="0"/>
-              <a:t>) מייצג תמונה של מצב כל המטוסים, נתיבים ושאר הפרמטרים אחריהם אנו עוקבים – מקבל </a:t>
-            </a:r>
-            <a:r>
-              <a:rPr lang="he-IL" dirty="0" err="1"/>
-              <a:t>עידכונים</a:t>
-            </a:r>
-            <a:r>
-              <a:rPr lang="he-IL" dirty="0"/>
-              <a:t> מהסימולטור על כל התחלה\סיום של פעולה.</a:t>
-            </a:r>
-          </a:p>
-          <a:p>
-            <a:pPr marL="171450" indent="-171450">
-              <a:buFontTx/>
-              <a:buChar char="-"/>
-            </a:pPr>
-            <a:r>
-              <a:rPr lang="he-IL" dirty="0"/>
-              <a:t>מודול ההפרעות – בוחר באופן רנדומלי כל מספר פעולות לייצר הפרעה אשר נשלחת לסימולטור עבור פעולה כלשהי.</a:t>
-            </a:r>
-          </a:p>
-          <a:p>
-            <a:pPr marL="171450" indent="-171450">
-              <a:buFontTx/>
-              <a:buChar char="-"/>
-            </a:pPr>
-            <a:r>
-              <a:rPr lang="he-IL" dirty="0"/>
-              <a:t>שעון – מודול גלובלי אשר סופר זמן באופן דיסקרטי.</a:t>
-            </a:r>
-          </a:p>
-          <a:p>
-            <a:pPr marL="171450" indent="-171450">
-              <a:buFontTx/>
-              <a:buChar char="-"/>
-            </a:pPr>
-            <a:r>
-              <a:rPr lang="he-IL" dirty="0"/>
-              <a:t>אירועים – מודול גלובלי אשר משמש כאמצעי תקשורת בין המודולים השונים </a:t>
-            </a:r>
-            <a:r>
-              <a:rPr lang="he-IL" dirty="0" err="1"/>
-              <a:t>בתכנית</a:t>
-            </a:r>
-            <a:r>
-              <a:rPr lang="he-IL" dirty="0"/>
-              <a:t> שלנו.</a:t>
-            </a:r>
-          </a:p>
-          <a:p>
-            <a:pPr marL="171450" indent="-171450">
-              <a:buFontTx/>
-              <a:buChar char="-"/>
-            </a:pPr>
-            <a:endParaRPr lang="he-IL" dirty="0"/>
-          </a:p>
-          <a:p>
-            <a:pPr marL="171450" marR="0" lvl="0" indent="-171450" algn="r" defTabSz="914400" rtl="1" eaLnBrk="1" fontAlgn="auto" latinLnBrk="0" hangingPunct="1">
-              <a:lnSpc>
-                <a:spcPct val="100000"/>
-              </a:lnSpc>
-              <a:spcBef>
-                <a:spcPts val="0"/>
-              </a:spcBef>
-              <a:spcAft>
-                <a:spcPts val="0"/>
-              </a:spcAft>
-              <a:buClrTx/>
-              <a:buSzTx/>
-              <a:buFontTx/>
-              <a:buChar char="-"/>
-              <a:tabLst/>
-              <a:defRPr/>
-            </a:pPr>
-            <a:r>
-              <a:rPr lang="he-IL" dirty="0"/>
-              <a:t>עיקר השינויים היו הוספת מעטפת לפרויקט כדי שנוכל להשתמש בו כחלק מהאלגוריתם שלנו, בעצם, שינינו את הפרויקט כך שיקבל קלט ופלט בצורה שנוכל לייצר </a:t>
-            </a:r>
-            <a:r>
-              <a:rPr lang="he-IL" b="1" dirty="0"/>
-              <a:t>משוב</a:t>
-            </a:r>
-            <a:r>
-              <a:rPr lang="he-IL" dirty="0"/>
-              <a:t> בצורה נוחה.</a:t>
-            </a:r>
-          </a:p>
-          <a:p>
-            <a:pPr marL="171450" indent="-171450">
-              <a:buFontTx/>
-              <a:buChar char="-"/>
-            </a:pPr>
+              <a:t> זניח, ולכן בעת ביצוע תכנון מחדש הקפאנו את מצב העולם.</a:t>
+            </a:r>
+          </a:p>
+          <a:p>
             <a:endParaRPr lang="he-IL" dirty="0"/>
           </a:p>
         </p:txBody>
@@ -7353,7 +7196,7 @@
           <a:p>
             <a:fld id="{5D87C9B3-3F36-45D2-B699-10C699E739B9}" type="slidenum">
               <a:rPr lang="he-IL" smtClean="0"/>
-              <a:t>12</a:t>
+              <a:t>11</a:t>
             </a:fld>
             <a:endParaRPr lang="he-IL"/>
           </a:p>
@@ -7362,7 +7205,7 @@
     </p:spTree>
     <p:extLst>
       <p:ext uri="{BB962C8B-B14F-4D97-AF65-F5344CB8AC3E}">
-        <p14:creationId xmlns:p14="http://schemas.microsoft.com/office/powerpoint/2010/main" val="850113018"/>
+        <p14:creationId xmlns:p14="http://schemas.microsoft.com/office/powerpoint/2010/main" val="1169753784"/>
       </p:ext>
     </p:extLst>
   </p:cSld>
@@ -7416,15 +7259,13 @@
           <a:bodyPr/>
           <a:lstStyle/>
           <a:p>
+            <a:pPr marL="171450" indent="-171450">
+              <a:buFontTx/>
+              <a:buChar char="-"/>
+            </a:pPr>
             <a:r>
               <a:rPr lang="he-IL" dirty="0"/>
-              <a:t>מנהל התוכנית – מודול אשר אחראי על היצירה והניקוי של המודולים הגלובליים</a:t>
-            </a:r>
-          </a:p>
-          <a:p>
-            <a:r>
-              <a:rPr lang="he-IL" dirty="0"/>
-              <a:t>	   מודול אשר מקשר את הזמן </a:t>
+              <a:t>בדיאגרמה הזו ניתן לראות את הקשר בין אלגוריתם </a:t>
             </a:r>
             <a:r>
               <a:rPr lang="he-IL" dirty="0" err="1"/>
@@ -7432,28 +7273,235 @@
             </a:r>
             <a:r>
               <a:rPr lang="he-IL" dirty="0"/>
-              <a:t> לזמן האונליין.</a:t>
-            </a:r>
-          </a:p>
-          <a:p>
+              <a:t> לאלגוריתם האונליין.</a:t>
+            </a:r>
+          </a:p>
+          <a:p>
+            <a:pPr marL="171450" marR="0" lvl="0" indent="-171450" algn="r" defTabSz="914400" rtl="1" eaLnBrk="1" fontAlgn="auto" latinLnBrk="0" hangingPunct="1">
+              <a:lnSpc>
+                <a:spcPct val="100000"/>
+              </a:lnSpc>
+              <a:spcBef>
+                <a:spcPts val="0"/>
+              </a:spcBef>
+              <a:spcAft>
+                <a:spcPts val="0"/>
+              </a:spcAft>
+              <a:buClrTx/>
+              <a:buSzTx/>
+              <a:buFontTx/>
+              <a:buChar char="-"/>
+              <a:tabLst/>
+              <a:defRPr/>
+            </a:pPr>
             <a:r>
               <a:rPr lang="he-IL" dirty="0"/>
-              <a:t>	   מודול אשר יוצר עבור כל טסט את המודולים </a:t>
+              <a:t>חשוב לציין כי עיקר השינויים שביצענו באלגוריתם </a:t>
             </a:r>
             <a:r>
               <a:rPr lang="he-IL" dirty="0" err="1"/>
-              <a:t>הלוקאללים</a:t>
+              <a:t>האופליין</a:t>
             </a:r>
             <a:r>
               <a:rPr lang="he-IL" dirty="0"/>
-              <a:t> ומקשר ביניהם.</a:t>
-            </a:r>
-          </a:p>
-          <a:p>
-            <a:r>
-              <a:rPr lang="he-IL"/>
-              <a:t>		</a:t>
-            </a:r>
+              <a:t> היו הוספת מעטפת לפרויקט כדי שנוכל לקשר בניהם. בעצם, שינינו את אלגוריתם </a:t>
+            </a:r>
+            <a:r>
+              <a:rPr lang="he-IL" dirty="0" err="1"/>
+              <a:t>האופליין</a:t>
+            </a:r>
+            <a:r>
+              <a:rPr lang="he-IL" dirty="0"/>
+              <a:t> כך שיקבל קלט ופלט בצורה שנוכל לייצר </a:t>
+            </a:r>
+            <a:r>
+              <a:rPr lang="he-IL" b="0" dirty="0"/>
+              <a:t>משוב (כפי שמופיע כאן)</a:t>
+            </a:r>
+            <a:r>
+              <a:rPr lang="he-IL" dirty="0"/>
+              <a:t> בצורה נוחה.</a:t>
+            </a:r>
+          </a:p>
+          <a:p>
+            <a:pPr marL="171450" marR="0" lvl="0" indent="-171450" algn="r" defTabSz="914400" rtl="1" eaLnBrk="1" fontAlgn="auto" latinLnBrk="0" hangingPunct="1">
+              <a:lnSpc>
+                <a:spcPct val="100000"/>
+              </a:lnSpc>
+              <a:spcBef>
+                <a:spcPts val="0"/>
+              </a:spcBef>
+              <a:spcAft>
+                <a:spcPts val="0"/>
+              </a:spcAft>
+              <a:buClrTx/>
+              <a:buSzTx/>
+              <a:buFontTx/>
+              <a:buChar char="-"/>
+              <a:tabLst/>
+              <a:defRPr/>
+            </a:pPr>
+            <a:r>
+              <a:rPr lang="he-IL" dirty="0"/>
+              <a:t>אפשר לראות כי:</a:t>
+            </a:r>
+          </a:p>
+          <a:p>
+            <a:pPr marL="171450" indent="-171450">
+              <a:buFontTx/>
+              <a:buChar char="-"/>
+            </a:pPr>
+            <a:r>
+              <a:rPr lang="he-IL" dirty="0"/>
+              <a:t>אנחנו מקבלים תוכנית (</a:t>
+            </a:r>
+            <a:r>
+              <a:rPr lang="en-US" dirty="0"/>
+              <a:t>STN</a:t>
+            </a:r>
+            <a:r>
+              <a:rPr lang="he-IL" dirty="0"/>
+              <a:t>) מהזמן אופליין.</a:t>
+            </a:r>
+          </a:p>
+          <a:p>
+            <a:pPr marL="171450" indent="-171450">
+              <a:buFontTx/>
+              <a:buChar char="-"/>
+            </a:pPr>
+            <a:r>
+              <a:rPr lang="he-IL" dirty="0"/>
+              <a:t>התוכנית פעולה נכנסת למנהל התכנית והוא דואג לייצר את </a:t>
+            </a:r>
+            <a:r>
+              <a:rPr lang="he-IL" dirty="0" err="1"/>
+              <a:t>המודולוים</a:t>
+            </a:r>
+            <a:r>
+              <a:rPr lang="he-IL" dirty="0"/>
+              <a:t> השונים והקשרים ביניהם.</a:t>
+            </a:r>
+          </a:p>
+          <a:p>
+            <a:pPr marL="171450" indent="-171450">
+              <a:buFontTx/>
+              <a:buChar char="-"/>
+            </a:pPr>
+            <a:r>
+              <a:rPr lang="he-IL" dirty="0"/>
+              <a:t>הבקר מקבל את קובץ </a:t>
+            </a:r>
+            <a:r>
+              <a:rPr lang="he-IL" dirty="0" err="1"/>
+              <a:t>הקונפיג</a:t>
+            </a:r>
+            <a:r>
+              <a:rPr lang="he-IL" dirty="0"/>
+              <a:t> </a:t>
+            </a:r>
+            <a:r>
+              <a:rPr lang="he-IL" dirty="0" err="1"/>
+              <a:t>והתכנית</a:t>
+            </a:r>
+            <a:r>
+              <a:rPr lang="he-IL" dirty="0"/>
+              <a:t> (</a:t>
+            </a:r>
+            <a:r>
+              <a:rPr lang="en-US" dirty="0"/>
+              <a:t>STN</a:t>
+            </a:r>
+            <a:r>
+              <a:rPr lang="he-IL" dirty="0"/>
+              <a:t>) ותפקידו לשמש כמגדל בקרה ופיקוח.</a:t>
+            </a:r>
+          </a:p>
+          <a:p>
+            <a:pPr marL="171450" indent="-171450">
+              <a:buFontTx/>
+              <a:buChar char="-"/>
+            </a:pPr>
+            <a:r>
+              <a:rPr lang="he-IL" dirty="0"/>
+              <a:t>הסימולטור משמש כמודל לעולם אשר מריץ את הפעולות ונותן אינדיקציה כאשר פעולות הסתיימו.</a:t>
+            </a:r>
+          </a:p>
+          <a:p>
+            <a:pPr marL="171450" indent="-171450">
+              <a:buFontTx/>
+              <a:buChar char="-"/>
+            </a:pPr>
+            <a:r>
+              <a:rPr lang="he-IL" dirty="0"/>
+              <a:t>מודול מצב העולם (</a:t>
+            </a:r>
+            <a:r>
+              <a:rPr lang="en-US" dirty="0"/>
+              <a:t>state</a:t>
+            </a:r>
+            <a:r>
+              <a:rPr lang="he-IL" dirty="0"/>
+              <a:t>) מייצג תמונה של מצב כל המטוסים, נתיבים ושאר הפרמטרים אחריהם אנו עוקבים – מקבל </a:t>
+            </a:r>
+            <a:r>
+              <a:rPr lang="he-IL" dirty="0" err="1"/>
+              <a:t>עידכונים</a:t>
+            </a:r>
+            <a:r>
+              <a:rPr lang="he-IL" dirty="0"/>
+              <a:t> מהסימולטור על כל התחלה\סיום של פעולה.</a:t>
+            </a:r>
+          </a:p>
+          <a:p>
+            <a:pPr marL="171450" indent="-171450">
+              <a:buFontTx/>
+              <a:buChar char="-"/>
+            </a:pPr>
+            <a:endParaRPr lang="he-IL" dirty="0"/>
+          </a:p>
+          <a:p>
+            <a:pPr marL="171450" indent="-171450">
+              <a:buFontTx/>
+              <a:buChar char="-"/>
+            </a:pPr>
+            <a:r>
+              <a:rPr lang="he-IL" dirty="0"/>
+              <a:t>מודול ההפרעות – בוחר באופן רנדומלי כל מספר פעולות לייצר הפרעה אשר נשלחת לסימולטור עבור פעולה כלשהי.</a:t>
+            </a:r>
+          </a:p>
+          <a:p>
+            <a:pPr marL="171450" indent="-171450">
+              <a:buFontTx/>
+              <a:buChar char="-"/>
+            </a:pPr>
+            <a:r>
+              <a:rPr lang="he-IL" dirty="0"/>
+              <a:t>שעון – מודול גלובלי אשר סופר זמן באופן דיסקרטי.</a:t>
+            </a:r>
+          </a:p>
+          <a:p>
+            <a:pPr marL="171450" indent="-171450">
+              <a:buFontTx/>
+              <a:buChar char="-"/>
+            </a:pPr>
+            <a:r>
+              <a:rPr lang="he-IL" dirty="0"/>
+              <a:t>אירועים – מודול גלובלי אשר משמש כאמצעי תקשורת בין המודולים השונים </a:t>
+            </a:r>
+            <a:r>
+              <a:rPr lang="he-IL" dirty="0" err="1"/>
+              <a:t>בתכנית</a:t>
+            </a:r>
+            <a:r>
+              <a:rPr lang="he-IL" dirty="0"/>
+              <a:t> שלנו.</a:t>
+            </a:r>
+          </a:p>
+          <a:p>
+            <a:pPr marL="171450" indent="-171450">
+              <a:buFontTx/>
+              <a:buChar char="-"/>
+            </a:pPr>
             <a:endParaRPr lang="he-IL" dirty="0"/>
           </a:p>
         </p:txBody>
@@ -7498,7 +7546,7 @@
           <a:p>
             <a:fld id="{5D87C9B3-3F36-45D2-B699-10C699E739B9}" type="slidenum">
               <a:rPr lang="he-IL" smtClean="0"/>
-              <a:t>13</a:t>
+              <a:t>12</a:t>
             </a:fld>
             <a:endParaRPr lang="he-IL"/>
           </a:p>
@@ -7507,7 +7555,7 @@
     </p:spTree>
     <p:extLst>
       <p:ext uri="{BB962C8B-B14F-4D97-AF65-F5344CB8AC3E}">
-        <p14:creationId xmlns:p14="http://schemas.microsoft.com/office/powerpoint/2010/main" val="2906297507"/>
+        <p14:creationId xmlns:p14="http://schemas.microsoft.com/office/powerpoint/2010/main" val="850113018"/>
       </p:ext>
     </p:extLst>
   </p:cSld>
@@ -7561,7 +7609,76 @@
           <a:bodyPr/>
           <a:lstStyle/>
           <a:p>
-            <a:endParaRPr lang="he-IL" dirty="0"/>
+            <a:r>
+              <a:rPr lang="he-IL" dirty="0"/>
+              <a:t>מנהל התוכנית הוא בעצם החולייה המקשרת בין אלגוריתם האונליין לאלגוריתם </a:t>
+            </a:r>
+            <a:r>
+              <a:rPr lang="he-IL" dirty="0" err="1"/>
+              <a:t>האופליין</a:t>
+            </a:r>
+            <a:r>
+              <a:rPr lang="he-IL" dirty="0"/>
+              <a:t>.</a:t>
+            </a:r>
+          </a:p>
+          <a:p>
+            <a:r>
+              <a:rPr lang="he-IL" dirty="0"/>
+              <a:t>הוא מקבל את הפלט של אלגוריתם </a:t>
+            </a:r>
+            <a:r>
+              <a:rPr lang="he-IL" dirty="0" err="1"/>
+              <a:t>האופליין</a:t>
+            </a:r>
+            <a:r>
+              <a:rPr lang="he-IL" dirty="0"/>
+              <a:t> ומסדר אותו, בנוסף הוא בונה את המודולים של אלגוריתם האונליין:</a:t>
+            </a:r>
+          </a:p>
+          <a:p>
+            <a:pPr marL="171450" indent="-171450">
+              <a:buFont typeface="Arial" panose="020B0604020202020204" pitchFamily="34" charset="0"/>
+              <a:buChar char="•"/>
+            </a:pPr>
+            <a:r>
+              <a:rPr lang="he-IL" dirty="0"/>
+              <a:t>הוא אחראי על יצירת המודולים הגלובליים, ועל הניקיון שלהם כאשר מתקבלת תוכנית חדשה.</a:t>
+            </a:r>
+          </a:p>
+          <a:p>
+            <a:pPr marL="171450" indent="-171450">
+              <a:buFont typeface="Arial" panose="020B0604020202020204" pitchFamily="34" charset="0"/>
+              <a:buChar char="•"/>
+            </a:pPr>
+            <a:r>
+              <a:rPr lang="he-IL" dirty="0"/>
+              <a:t>הוא יוצא את המודולים הלוקאלים עבור כל טסט ומקשר בניהם.</a:t>
+            </a:r>
+          </a:p>
+          <a:p>
+            <a:pPr marL="171450" indent="-171450">
+              <a:buFont typeface="Arial" panose="020B0604020202020204" pitchFamily="34" charset="0"/>
+              <a:buChar char="•"/>
+            </a:pPr>
+            <a:r>
+              <a:rPr lang="he-IL" dirty="0"/>
+              <a:t>בודק האם יש צורך בתכנון מחדש ומריץ את אלגוריתם </a:t>
+            </a:r>
+            <a:r>
+              <a:rPr lang="he-IL" dirty="0" err="1"/>
+              <a:t>האופליין</a:t>
+            </a:r>
+            <a:r>
+              <a:rPr lang="he-IL" dirty="0"/>
+              <a:t>.</a:t>
+            </a:r>
+          </a:p>
+          <a:p>
+            <a:r>
+              <a:rPr lang="he-IL" dirty="0"/>
+              <a:t>		</a:t>
+            </a:r>
           </a:p>
         </p:txBody>
       </p:sp>
@@ -7605,7 +7722,7 @@
           <a:p>
             <a:fld id="{5D87C9B3-3F36-45D2-B699-10C699E739B9}" type="slidenum">
               <a:rPr lang="he-IL" smtClean="0"/>
-              <a:t>14</a:t>
+              <a:t>13</a:t>
             </a:fld>
             <a:endParaRPr lang="he-IL"/>
           </a:p>
@@ -7614,7 +7731,7 @@
     </p:spTree>
     <p:extLst>
       <p:ext uri="{BB962C8B-B14F-4D97-AF65-F5344CB8AC3E}">
-        <p14:creationId xmlns:p14="http://schemas.microsoft.com/office/powerpoint/2010/main" val="34609377"/>
+        <p14:creationId xmlns:p14="http://schemas.microsoft.com/office/powerpoint/2010/main" val="2906297507"/>
       </p:ext>
     </p:extLst>
   </p:cSld>
@@ -7670,68 +7787,21 @@
           <a:p>
             <a:r>
               <a:rPr lang="he-IL" dirty="0"/>
-              <a:t>הבקר מייצר את מבניי הנתונים שלו על סמך התכנית מהמודול אופליין.</a:t>
-            </a:r>
-          </a:p>
-          <a:p>
+              <a:t>כאן ניתן לראות את ה-</a:t>
+            </a:r>
+            <a:r>
+              <a:rPr lang="en-US" dirty="0"/>
+              <a:t>flow</a:t>
+            </a:r>
             <a:r>
               <a:rPr lang="he-IL" dirty="0"/>
-              <a:t>הבקר הוא מגדל הפיקוח אשר שולח את הפעולות שמוכנות לביצוע לסימולטור.</a:t>
+              <a:t> של מנהל התוכנית:</a:t>
             </a:r>
           </a:p>
           <a:p>
             <a:r>
               <a:rPr lang="he-IL" dirty="0"/>
-              <a:t>עבור כל פעולה נבדוק האם האבות של אותה פעולה הסתיימו והגיע הזמן שלה לרוץ.</a:t>
-            </a:r>
-          </a:p>
-          <a:p>
-            <a:r>
-              <a:rPr lang="he-IL" dirty="0"/>
-              <a:t>טרם שליחת הפעולה לסימולטור מוודאים את חוקיות הפעולה אל מול מודול מצב העולם.</a:t>
-            </a:r>
-          </a:p>
-          <a:p>
-            <a:pPr marL="0" marR="0" lvl="0" indent="0" algn="r" defTabSz="914400" rtl="1" eaLnBrk="1" fontAlgn="auto" latinLnBrk="0" hangingPunct="1">
-              <a:lnSpc>
-                <a:spcPct val="100000"/>
-              </a:lnSpc>
-              <a:spcBef>
-                <a:spcPts val="0"/>
-              </a:spcBef>
-              <a:spcAft>
-                <a:spcPts val="0"/>
-              </a:spcAft>
-              <a:buClrTx/>
-              <a:buSzTx/>
-              <a:buFontTx/>
-              <a:buNone/>
-              <a:tabLst/>
-              <a:defRPr/>
-            </a:pPr>
-            <a:r>
-              <a:rPr lang="he-IL" dirty="0"/>
-              <a:t>עבור כל פעולה שנשלחת לסימולטור מבצע המרה של משך הפעולה לפי ציר הזמן שהוגדר.</a:t>
-            </a:r>
-          </a:p>
-          <a:p>
-            <a:r>
-              <a:rPr lang="he-IL" dirty="0"/>
-              <a:t>עבור כל פעולה שהסתיימה מעדכן בגרף בצומת המתאים את הדגל של הפעולה.</a:t>
-            </a:r>
-          </a:p>
-          <a:p>
-            <a:r>
-              <a:rPr lang="he-IL" dirty="0"/>
-              <a:t>כאשר הבקר סיים את כל הפעולות שקיימות </a:t>
-            </a:r>
-            <a:r>
-              <a:rPr lang="he-IL" dirty="0" err="1"/>
-              <a:t>בתכנית</a:t>
-            </a:r>
-            <a:r>
-              <a:rPr lang="he-IL" dirty="0"/>
-              <a:t> –מעלה אירוע שהוא סיים.</a:t>
+              <a:t>פשוט לעבור על הדיאגרמה ולהקריא. להדגיש מה גלובלי ומה נבנה עבור כל טסט מחדש.</a:t>
             </a:r>
           </a:p>
         </p:txBody>
@@ -7776,7 +7846,7 @@
           <a:p>
             <a:fld id="{5D87C9B3-3F36-45D2-B699-10C699E739B9}" type="slidenum">
               <a:rPr lang="he-IL" smtClean="0"/>
-              <a:t>15</a:t>
+              <a:t>14</a:t>
             </a:fld>
             <a:endParaRPr lang="he-IL"/>
           </a:p>
@@ -7785,7 +7855,7 @@
     </p:spTree>
     <p:extLst>
       <p:ext uri="{BB962C8B-B14F-4D97-AF65-F5344CB8AC3E}">
-        <p14:creationId xmlns:p14="http://schemas.microsoft.com/office/powerpoint/2010/main" val="4166017777"/>
+        <p14:creationId xmlns:p14="http://schemas.microsoft.com/office/powerpoint/2010/main" val="34609377"/>
       </p:ext>
     </p:extLst>
   </p:cSld>
@@ -7839,7 +7909,85 @@
           <a:bodyPr/>
           <a:lstStyle/>
           <a:p>
+            <a:r>
+              <a:rPr lang="he-IL" dirty="0" err="1"/>
+              <a:t>הקונטרולר</a:t>
+            </a:r>
+            <a:r>
+              <a:rPr lang="he-IL" dirty="0"/>
+              <a:t> הוא כביכול מגדל הפיקוח של התוכנית. הוא שולח את הפעולות שמוכנות לביצוע לסימולטור.</a:t>
+            </a:r>
+          </a:p>
+          <a:p>
+            <a:r>
+              <a:rPr lang="he-IL" dirty="0" err="1"/>
+              <a:t>הקונטרולר</a:t>
+            </a:r>
+            <a:r>
+              <a:rPr lang="he-IL" dirty="0"/>
+              <a:t> מחזיק בגרף התלויות כפי שקיבלנו מאלגוריתם </a:t>
+            </a:r>
+            <a:r>
+              <a:rPr lang="he-IL" dirty="0" err="1"/>
+              <a:t>האופליין</a:t>
+            </a:r>
+            <a:r>
+              <a:rPr lang="he-IL" dirty="0"/>
+              <a:t> ומחזיק גם את תור העדיפויות שלפיו נשלחות הפעולות לביצוע.</a:t>
+            </a:r>
+          </a:p>
+          <a:p>
+            <a:r>
+              <a:rPr lang="he-IL" dirty="0"/>
+              <a:t>הוא מחזיק </a:t>
+            </a:r>
+            <a:r>
+              <a:rPr lang="he-IL" dirty="0" err="1"/>
+              <a:t>רפרנס</a:t>
+            </a:r>
+            <a:r>
+              <a:rPr lang="he-IL" dirty="0"/>
+              <a:t> למודולים של ה-</a:t>
+            </a:r>
+            <a:r>
+              <a:rPr lang="en-US" dirty="0"/>
+              <a:t>clock</a:t>
+            </a:r>
+            <a:r>
+              <a:rPr lang="he-IL" dirty="0"/>
+              <a:t> וה-</a:t>
+            </a:r>
+            <a:r>
+              <a:rPr lang="en-US" dirty="0"/>
+              <a:t>events</a:t>
+            </a:r>
+            <a:r>
+              <a:rPr lang="he-IL" dirty="0"/>
+              <a:t>. מודול ההפרעות מאזין </a:t>
+            </a:r>
+            <a:r>
+              <a:rPr lang="he-IL" dirty="0" err="1"/>
+              <a:t>לקונטרולר</a:t>
+            </a:r>
+            <a:r>
+              <a:rPr lang="he-IL" dirty="0"/>
+              <a:t>.</a:t>
+            </a:r>
+          </a:p>
+          <a:p>
             <a:endParaRPr lang="he-IL" dirty="0"/>
+          </a:p>
+          <a:p>
+            <a:r>
+              <a:rPr lang="he-IL" dirty="0"/>
+              <a:t>הבקר מייצר את מבניי הנתונים שלו על סמך התכנית מהמודול אופליין.</a:t>
+            </a:r>
+          </a:p>
+          <a:p>
+            <a:r>
+              <a:rPr lang="he-IL" dirty="0"/>
+              <a:t>הבקר הוא מגדל הפיקוח אשר שולח את הפעולות שמוכנות לביצוע לסימולטור.</a:t>
+            </a:r>
           </a:p>
         </p:txBody>
       </p:sp>
@@ -7883,7 +8031,7 @@
           <a:p>
             <a:fld id="{5D87C9B3-3F36-45D2-B699-10C699E739B9}" type="slidenum">
               <a:rPr lang="he-IL" smtClean="0"/>
-              <a:t>16</a:t>
+              <a:t>15</a:t>
             </a:fld>
             <a:endParaRPr lang="he-IL"/>
           </a:p>
@@ -7892,7 +8040,7 @@
     </p:spTree>
     <p:extLst>
       <p:ext uri="{BB962C8B-B14F-4D97-AF65-F5344CB8AC3E}">
-        <p14:creationId xmlns:p14="http://schemas.microsoft.com/office/powerpoint/2010/main" val="777958349"/>
+        <p14:creationId xmlns:p14="http://schemas.microsoft.com/office/powerpoint/2010/main" val="4166017777"/>
       </p:ext>
     </p:extLst>
   </p:cSld>
@@ -7948,41 +8096,27 @@
           <a:p>
             <a:r>
               <a:rPr lang="he-IL" dirty="0"/>
-              <a:t>הרשימה שלפיה נקבע מי הפעולה הבאה לביצוע לפי סדר כרונולוגי של תחיל ביצוע.</a:t>
-            </a:r>
-          </a:p>
-          <a:p>
+              <a:t>הגרף הוא בעצם הפלט של תוכנית </a:t>
+            </a:r>
+            <a:r>
+              <a:rPr lang="he-IL" dirty="0" err="1"/>
+              <a:t>האופליין</a:t>
+            </a:r>
             <a:r>
               <a:rPr lang="he-IL" dirty="0"/>
-              <a:t>רשימה זו מחזיקה מצביעים לצמתי בגרף.</a:t>
+              <a:t>.</a:t>
             </a:r>
           </a:p>
           <a:p>
             <a:r>
               <a:rPr lang="he-IL" dirty="0"/>
-              <a:t>הרשימה היא תור עדיפויות על פי הזמן שבו הפעולה אמורה להתחיל. (ממוש על ידי </a:t>
-            </a:r>
-            <a:r>
-              <a:rPr lang="he-IL" dirty="0" err="1"/>
-              <a:t>ערימת</a:t>
-            </a:r>
+              <a:t>סידרנו אותו במבנה נתונים כזה, על מנת שיהיה לנו נוח לבצע חיפוש בגרף ולעקוב אחר התלויות (איזו פעולה תלויה באיזו פעולה – מיוצג ע"י קשרי אב ובן).</a:t>
+            </a:r>
+          </a:p>
+          <a:p>
             <a:r>
               <a:rPr lang="he-IL" dirty="0"/>
-              <a:t> מינימום).</a:t>
-            </a:r>
-          </a:p>
-          <a:p>
-            <a:r>
-              <a:rPr lang="he-IL" dirty="0"/>
-              <a:t>פעולות שהזמן שלהן הגיע אך טרם מוכנות (עקב הפרעה או שינוי סדר פעולות על ידי הבקר) מקבלות קנס של יחידת זמן אחת ובכך אנו משנים את סדר הפעולות </a:t>
-            </a:r>
-            <a:r>
-              <a:rPr lang="he-IL" dirty="0" err="1"/>
-              <a:t>מהתכנית</a:t>
-            </a:r>
-            <a:r>
-              <a:rPr lang="he-IL" dirty="0"/>
-              <a:t> המקורית.</a:t>
+              <a:t>לעבור על המלל והגרף, שיראו את המעבר. תוך דגש על מקומות עם מס' תלויות.</a:t>
             </a:r>
           </a:p>
         </p:txBody>
@@ -8027,7 +8161,7 @@
           <a:p>
             <a:fld id="{5D87C9B3-3F36-45D2-B699-10C699E739B9}" type="slidenum">
               <a:rPr lang="he-IL" smtClean="0"/>
-              <a:t>17</a:t>
+              <a:t>16</a:t>
             </a:fld>
             <a:endParaRPr lang="he-IL"/>
           </a:p>
@@ -8036,7 +8170,7 @@
     </p:spTree>
     <p:extLst>
       <p:ext uri="{BB962C8B-B14F-4D97-AF65-F5344CB8AC3E}">
-        <p14:creationId xmlns:p14="http://schemas.microsoft.com/office/powerpoint/2010/main" val="243888583"/>
+        <p14:creationId xmlns:p14="http://schemas.microsoft.com/office/powerpoint/2010/main" val="777958349"/>
       </p:ext>
     </p:extLst>
   </p:cSld>
@@ -8090,6 +8224,205 @@
           <a:bodyPr/>
           <a:lstStyle/>
           <a:p>
+            <a:r>
+              <a:rPr lang="he-IL" dirty="0"/>
+              <a:t>זה הוא תור העדיפויות שלפיו הבקר שולח את הפעולות לביצוע. בתחילת התוכנית התור מסודר לפי התוכנית הראשונית שהתקבלה ממנהל התוכנית.</a:t>
+            </a:r>
+          </a:p>
+          <a:p>
+            <a:r>
+              <a:rPr lang="he-IL" dirty="0"/>
+              <a:t>- התור מסודר לפי הזמן בו הפעולה אמורה להתחיל ביחס לתחילת הבעיה (להצביע על הדיאגרמה ולהסביר).</a:t>
+            </a:r>
+          </a:p>
+          <a:p>
+            <a:pPr marL="171450" indent="-171450">
+              <a:buFontTx/>
+              <a:buChar char="-"/>
+            </a:pPr>
+            <a:r>
+              <a:rPr lang="he-IL" dirty="0"/>
+              <a:t>התור מורכב ממצביעים לצמתים בגרף (אשר מכילים מידע על כל פעולה).</a:t>
+            </a:r>
+          </a:p>
+          <a:p>
+            <a:pPr marL="171450" indent="-171450">
+              <a:buFontTx/>
+              <a:buChar char="-"/>
+            </a:pPr>
+            <a:r>
+              <a:rPr lang="he-IL" dirty="0"/>
+              <a:t>עבור כל פעולה נבדוק מס' דברים:</a:t>
+            </a:r>
+          </a:p>
+          <a:p>
+            <a:pPr marL="171450" indent="-171450">
+              <a:buFontTx/>
+              <a:buChar char="-"/>
+            </a:pPr>
+            <a:r>
+              <a:rPr lang="he-IL" dirty="0"/>
+              <a:t>1. האם האבות שלה סיימו.</a:t>
+            </a:r>
+          </a:p>
+          <a:p>
+            <a:pPr marL="171450" indent="-171450">
+              <a:buFontTx/>
+              <a:buChar char="-"/>
+            </a:pPr>
+            <a:r>
+              <a:rPr lang="he-IL" dirty="0"/>
+              <a:t>2. האם הגיע הזמן שלה לרוץ.</a:t>
+            </a:r>
+          </a:p>
+          <a:p>
+            <a:pPr marL="171450" indent="-171450">
+              <a:buFontTx/>
+              <a:buChar char="-"/>
+            </a:pPr>
+            <a:r>
+              <a:rPr lang="he-IL" dirty="0"/>
+              <a:t>3. מוודאים את חוקיות הפעולה מול מודול מצב העולם (לדג' נחיתה צריכה נתיב, אז האם יש נתיב פנוי)</a:t>
+            </a:r>
+          </a:p>
+          <a:p>
+            <a:pPr marL="171450" indent="-171450">
+              <a:buFontTx/>
+              <a:buChar char="-"/>
+            </a:pPr>
+            <a:endParaRPr lang="he-IL" dirty="0"/>
+          </a:p>
+          <a:p>
+            <a:pPr marL="171450" indent="-171450">
+              <a:buFontTx/>
+              <a:buChar char="-"/>
+            </a:pPr>
+            <a:r>
+              <a:rPr lang="he-IL" dirty="0"/>
+              <a:t>(עבור כל פעולה שנשלחת לסימולטור מתבצעת המרת יחידות של משך הפעולה לפי ציר הזמן שהוגדר)</a:t>
+            </a:r>
+          </a:p>
+          <a:p>
+            <a:pPr marL="171450" indent="-171450">
+              <a:buFontTx/>
+              <a:buChar char="-"/>
+            </a:pPr>
+            <a:endParaRPr lang="he-IL" dirty="0"/>
+          </a:p>
+          <a:p>
+            <a:pPr marL="171450" indent="-171450">
+              <a:buFontTx/>
+              <a:buChar char="-"/>
+            </a:pPr>
+            <a:r>
+              <a:rPr lang="he-IL" dirty="0"/>
+              <a:t>פעולות שהזמן שלהן הגיע אך לא מוכנות (עקב הפרעה או שינוי סדר פעולות על ידי הבקר) מקבלות קנס של יחידת זמן אחת ובכך אנו משנים את סדר הפעולות מהתוכנית המקורית.</a:t>
+            </a:r>
+          </a:p>
+          <a:p>
+            <a:pPr marL="171450" indent="-171450">
+              <a:buFontTx/>
+              <a:buChar char="-"/>
+            </a:pPr>
+            <a:endParaRPr lang="he-IL" dirty="0"/>
+          </a:p>
+          <a:p>
+            <a:pPr marL="171450" indent="-171450">
+              <a:buFontTx/>
+              <a:buChar char="-"/>
+            </a:pPr>
+            <a:r>
+              <a:rPr lang="he-IL" dirty="0"/>
+              <a:t>כל פעולה שהסתיימה מרימה דגל בצומת שלה בגרף.</a:t>
+            </a:r>
+          </a:p>
+          <a:p>
+            <a:pPr marL="171450" indent="-171450">
+              <a:buFontTx/>
+              <a:buChar char="-"/>
+            </a:pPr>
+            <a:r>
+              <a:rPr lang="he-IL" dirty="0"/>
+              <a:t>כאשר כל הפעולות הסתיימו והתור ריק – </a:t>
+            </a:r>
+            <a:r>
+              <a:rPr lang="he-IL" dirty="0" err="1"/>
+              <a:t>הקונטרולר</a:t>
+            </a:r>
+            <a:r>
+              <a:rPr lang="he-IL" dirty="0"/>
+              <a:t> מעלה </a:t>
+            </a:r>
+            <a:r>
+              <a:rPr lang="he-IL" dirty="0" err="1"/>
+              <a:t>איבנט</a:t>
+            </a:r>
+            <a:r>
+              <a:rPr lang="he-IL" dirty="0"/>
+              <a:t> שהוא סיים.</a:t>
+            </a:r>
+          </a:p>
+          <a:p>
+            <a:pPr marL="171450" indent="-171450">
+              <a:buFontTx/>
+              <a:buChar char="-"/>
+            </a:pPr>
+            <a:endParaRPr lang="he-IL" dirty="0"/>
+          </a:p>
+          <a:p>
+            <a:pPr marL="171450" indent="-171450">
+              <a:buFontTx/>
+              <a:buChar char="-"/>
+            </a:pPr>
+            <a:endParaRPr lang="he-IL" dirty="0"/>
+          </a:p>
+          <a:p>
+            <a:endParaRPr lang="he-IL" dirty="0"/>
+          </a:p>
+          <a:p>
+            <a:pPr marL="0" marR="0" lvl="0" indent="0" algn="r" defTabSz="914400" rtl="1" eaLnBrk="1" fontAlgn="auto" latinLnBrk="0" hangingPunct="1">
+              <a:lnSpc>
+                <a:spcPct val="100000"/>
+              </a:lnSpc>
+              <a:spcBef>
+                <a:spcPts val="0"/>
+              </a:spcBef>
+              <a:spcAft>
+                <a:spcPts val="0"/>
+              </a:spcAft>
+              <a:buClrTx/>
+              <a:buSzTx/>
+              <a:buFontTx/>
+              <a:buNone/>
+              <a:tabLst/>
+              <a:defRPr/>
+            </a:pPr>
+            <a:r>
+              <a:rPr lang="he-IL" dirty="0"/>
+              <a:t>עבור כל פעולה שנשלחת לסימולטור מבצע המרה של משך הפעולה לפי ציר הזמן שהוגדר.</a:t>
+            </a:r>
+          </a:p>
+          <a:p>
+            <a:r>
+              <a:rPr lang="he-IL" dirty="0"/>
+              <a:t>עבור כל פעולה שהסתיימה מעדכן בגרף בצומת המתאים את הדגל של הפעולה.</a:t>
+            </a:r>
+          </a:p>
+          <a:p>
+            <a:r>
+              <a:rPr lang="he-IL" dirty="0"/>
+              <a:t>כאשר הבקר סיים את כל הפעולות שקיימות </a:t>
+            </a:r>
+            <a:r>
+              <a:rPr lang="he-IL" dirty="0" err="1"/>
+              <a:t>בתכנית</a:t>
+            </a:r>
+            <a:r>
+              <a:rPr lang="he-IL" dirty="0"/>
+              <a:t> –מעלה אירוע שהוא סיים.</a:t>
+            </a:r>
+          </a:p>
+          <a:p>
             <a:endParaRPr lang="he-IL" dirty="0"/>
           </a:p>
         </p:txBody>
@@ -8134,7 +8467,7 @@
           <a:p>
             <a:fld id="{5D87C9B3-3F36-45D2-B699-10C699E739B9}" type="slidenum">
               <a:rPr lang="he-IL" smtClean="0"/>
-              <a:t>18</a:t>
+              <a:t>17</a:t>
             </a:fld>
             <a:endParaRPr lang="he-IL"/>
           </a:p>
@@ -8143,7 +8476,7 @@
     </p:spTree>
     <p:extLst>
       <p:ext uri="{BB962C8B-B14F-4D97-AF65-F5344CB8AC3E}">
-        <p14:creationId xmlns:p14="http://schemas.microsoft.com/office/powerpoint/2010/main" val="3276345102"/>
+        <p14:creationId xmlns:p14="http://schemas.microsoft.com/office/powerpoint/2010/main" val="243888583"/>
       </p:ext>
     </p:extLst>
   </p:cSld>
@@ -8197,44 +8530,6 @@
           <a:bodyPr/>
           <a:lstStyle/>
           <a:p>
-            <a:r>
-              <a:rPr lang="he-IL" dirty="0"/>
-              <a:t>הסימולטור מדמה את מצב העולם, אין לא יכולת החלטה על ביצוע של דברים אלא הוא מקבל פקודות בלבד ועושה אותן.</a:t>
-            </a:r>
-          </a:p>
-          <a:p>
-            <a:r>
-              <a:rPr lang="he-IL" dirty="0"/>
-              <a:t>במידה ומודול ההפרעות החליט על הפרעה הסימולטור מוסיף את משך ההפרעה לפעולה המתאימה.</a:t>
-            </a:r>
-          </a:p>
-          <a:p>
-            <a:r>
-              <a:rPr lang="he-IL" dirty="0"/>
-              <a:t>הסימולטור בכל התחלה וסיום של פעולה חדשה מבצע </a:t>
-            </a:r>
-            <a:r>
-              <a:rPr lang="he-IL" dirty="0" err="1"/>
-              <a:t>עידכון</a:t>
-            </a:r>
-            <a:r>
-              <a:rPr lang="he-IL" dirty="0"/>
-              <a:t> של מודול מצב העולם.</a:t>
-            </a:r>
-          </a:p>
-          <a:p>
-            <a:r>
-              <a:rPr lang="he-IL" dirty="0"/>
-              <a:t>הסימולטור בכל מחזור שעון מוריד יחידת זמן מנורמלת מכלל הפעולות שכרגע בביצוע.</a:t>
-            </a:r>
-          </a:p>
-          <a:p>
-            <a:r>
-              <a:rPr lang="he-IL" dirty="0"/>
-              <a:t>הסימולטור הוא "מקבילי" כלומר ייתכן שבאותו מחזור שעון יתחילו\ יסתיימו מספר פעולות במקביל.</a:t>
-            </a:r>
-          </a:p>
-          <a:p>
             <a:endParaRPr lang="he-IL" dirty="0"/>
           </a:p>
         </p:txBody>
@@ -8279,7 +8574,7 @@
           <a:p>
             <a:fld id="{5D87C9B3-3F36-45D2-B699-10C699E739B9}" type="slidenum">
               <a:rPr lang="he-IL" smtClean="0"/>
-              <a:t>19</a:t>
+              <a:t>18</a:t>
             </a:fld>
             <a:endParaRPr lang="he-IL"/>
           </a:p>
@@ -8288,7 +8583,7 @@
     </p:spTree>
     <p:extLst>
       <p:ext uri="{BB962C8B-B14F-4D97-AF65-F5344CB8AC3E}">
-        <p14:creationId xmlns:p14="http://schemas.microsoft.com/office/powerpoint/2010/main" val="551762232"/>
+        <p14:creationId xmlns:p14="http://schemas.microsoft.com/office/powerpoint/2010/main" val="3276345102"/>
       </p:ext>
     </p:extLst>
   </p:cSld>
@@ -8344,14 +8639,96 @@
           <a:p>
             <a:r>
               <a:rPr lang="he-IL" dirty="0"/>
-              <a:t>הסדר בדומה לבקר אך הפרמטר מיון הוא משך הפעולה, ייתכן שמשך הפעולה כולל הפרעה שהתקבלה.</a:t>
+              <a:t>הסימולטור מדמה את מצב העולם, אין לא יכולת החלטה על ביצוע של דברים אלא הוא מקבל פקודות בלבד ועושה אותן.</a:t>
             </a:r>
           </a:p>
           <a:p>
             <a:r>
               <a:rPr lang="he-IL" dirty="0"/>
-              <a:t>כל מחזור שעון מורידים יחידת זמן מנורמלת מכלל הפעולות שכרגע בביצוע.</a:t>
-            </a:r>
+              <a:t>הסימולטור מחזיק תור עדיפויות שונה </a:t>
+            </a:r>
+            <a:r>
+              <a:rPr lang="he-IL" dirty="0" err="1"/>
+              <a:t>מקונטרולר</a:t>
+            </a:r>
+            <a:r>
+              <a:rPr lang="he-IL" dirty="0"/>
+              <a:t> (נסביר בהמשך) שלפיו הסימולטור יודע אילו פעולות סיימו.</a:t>
+            </a:r>
+          </a:p>
+          <a:p>
+            <a:r>
+              <a:rPr lang="he-IL" dirty="0"/>
+              <a:t>הוא מחזיק </a:t>
+            </a:r>
+            <a:r>
+              <a:rPr lang="he-IL" dirty="0" err="1"/>
+              <a:t>רפרנס</a:t>
+            </a:r>
+            <a:r>
+              <a:rPr lang="he-IL" dirty="0"/>
+              <a:t> למודולים של ה-</a:t>
+            </a:r>
+            <a:r>
+              <a:rPr lang="en-US" dirty="0"/>
+              <a:t>clock</a:t>
+            </a:r>
+            <a:r>
+              <a:rPr lang="he-IL" dirty="0"/>
+              <a:t> וה-</a:t>
+            </a:r>
+            <a:r>
+              <a:rPr lang="en-US" dirty="0"/>
+              <a:t>events</a:t>
+            </a:r>
+            <a:r>
+              <a:rPr lang="he-IL" dirty="0"/>
+              <a:t>. מודול מצב העולם מאזין לסימולטור.</a:t>
+            </a:r>
+          </a:p>
+          <a:p>
+            <a:endParaRPr lang="he-IL" dirty="0"/>
+          </a:p>
+          <a:p>
+            <a:r>
+              <a:rPr lang="he-IL" dirty="0"/>
+              <a:t>הסימולטור מדמה את מצב העולם, אין לא יכולת החלטה על ביצוע של דברים אלא הוא מקבל פקודות בלבד ועושה אותן.</a:t>
+            </a:r>
+          </a:p>
+          <a:p>
+            <a:r>
+              <a:rPr lang="he-IL" dirty="0"/>
+              <a:t>במידה ומודול ההפרעות החליט על הפרעה הסימולטור מוסיף את משך ההפרעה לפעולה המתאימה.</a:t>
+            </a:r>
+          </a:p>
+          <a:p>
+            <a:r>
+              <a:rPr lang="he-IL" dirty="0"/>
+              <a:t>הסימולטור בכל התחלה וסיום של פעולה חדשה מבצע </a:t>
+            </a:r>
+            <a:r>
+              <a:rPr lang="he-IL" dirty="0" err="1"/>
+              <a:t>עידכון</a:t>
+            </a:r>
+            <a:r>
+              <a:rPr lang="he-IL" dirty="0"/>
+              <a:t> של מודול מצב העולם.</a:t>
+            </a:r>
+          </a:p>
+          <a:p>
+            <a:r>
+              <a:rPr lang="he-IL" dirty="0"/>
+              <a:t>הסימולטור בכל מחזור שעון מוריד יחידת זמן מנורמלת מכלל הפעולות שכרגע בביצוע.</a:t>
+            </a:r>
+          </a:p>
+          <a:p>
+            <a:r>
+              <a:rPr lang="he-IL" dirty="0"/>
+              <a:t>הסימולטור הוא "מקבילי" כלומר ייתכן שבאותו מחזור שעון יתחילו\ יסתיימו מספר פעולות במקביל.</a:t>
+            </a:r>
+          </a:p>
+          <a:p>
+            <a:endParaRPr lang="he-IL" dirty="0"/>
           </a:p>
         </p:txBody>
       </p:sp>
@@ -8395,7 +8772,7 @@
           <a:p>
             <a:fld id="{5D87C9B3-3F36-45D2-B699-10C699E739B9}" type="slidenum">
               <a:rPr lang="he-IL" smtClean="0"/>
-              <a:t>20</a:t>
+              <a:t>19</a:t>
             </a:fld>
             <a:endParaRPr lang="he-IL"/>
           </a:p>
@@ -8404,7 +8781,7 @@
     </p:spTree>
     <p:extLst>
       <p:ext uri="{BB962C8B-B14F-4D97-AF65-F5344CB8AC3E}">
-        <p14:creationId xmlns:p14="http://schemas.microsoft.com/office/powerpoint/2010/main" val="2543853672"/>
+        <p14:creationId xmlns:p14="http://schemas.microsoft.com/office/powerpoint/2010/main" val="551762232"/>
       </p:ext>
     </p:extLst>
   </p:cSld>
@@ -8625,7 +9002,37 @@
           <a:p>
             <a:r>
               <a:rPr lang="he-IL" dirty="0"/>
-              <a:t>בעיות בייצוג של 0 במחשב לכן הגדרנו "0" עבור הבעיה שלנו</a:t>
+              <a:t>זה הוא תור העדיפויות שלפיו הסימולטור יודע אילו פעולות מתבצעות כעת ואילו פעולות סיימו.</a:t>
+            </a:r>
+          </a:p>
+          <a:p>
+            <a:r>
+              <a:rPr lang="he-IL" dirty="0"/>
+              <a:t>הפעולות ממוינות לפי משך הפעולה (להצביע על הדיאגרמה ולהסביר).</a:t>
+            </a:r>
+          </a:p>
+          <a:p>
+            <a:r>
+              <a:rPr lang="he-IL" dirty="0"/>
+              <a:t>- במידה ומודול ההפרעות החליט על הפרעה, הסימולטור מוסיף את משך ההפרעה לפעולה המתאימה.</a:t>
+            </a:r>
+          </a:p>
+          <a:p>
+            <a:r>
+              <a:rPr lang="he-IL" dirty="0"/>
+              <a:t>- הסימולטור בכל התחלה וסיום של פעולה חדשה מבצע עדכון של מודול מצב העולם.</a:t>
+            </a:r>
+          </a:p>
+          <a:p>
+            <a:r>
+              <a:rPr lang="he-IL" dirty="0"/>
+              <a:t>- הסימולטור בכל מחזור שעון מוריד יחידת זמן מנורמלת מכלל הפעולות שכרגע בביצוע.</a:t>
+            </a:r>
+          </a:p>
+          <a:p>
+            <a:r>
+              <a:rPr lang="he-IL" dirty="0"/>
+              <a:t>- הסימולטור הוא "מקבילי" כלומר ייתכן שבאותו מחזור שעון יתחילו\ יסתיימו מספר פעולות במקביל.</a:t>
             </a:r>
           </a:p>
         </p:txBody>
@@ -8670,7 +9077,7 @@
           <a:p>
             <a:fld id="{5D87C9B3-3F36-45D2-B699-10C699E739B9}" type="slidenum">
               <a:rPr lang="he-IL" smtClean="0"/>
-              <a:t>21</a:t>
+              <a:t>20</a:t>
             </a:fld>
             <a:endParaRPr lang="he-IL"/>
           </a:p>
@@ -8679,7 +9086,7 @@
     </p:spTree>
     <p:extLst>
       <p:ext uri="{BB962C8B-B14F-4D97-AF65-F5344CB8AC3E}">
-        <p14:creationId xmlns:p14="http://schemas.microsoft.com/office/powerpoint/2010/main" val="1534296304"/>
+        <p14:creationId xmlns:p14="http://schemas.microsoft.com/office/powerpoint/2010/main" val="2543853672"/>
       </p:ext>
     </p:extLst>
   </p:cSld>
@@ -8735,35 +9142,7 @@
           <a:p>
             <a:r>
               <a:rPr lang="he-IL" dirty="0"/>
-              <a:t>מודול אשר מרכז את התקשורת עבור כלל התכנית.</a:t>
-            </a:r>
-          </a:p>
-          <a:p>
-            <a:r>
-              <a:rPr lang="he-IL" dirty="0"/>
-              <a:t>שאר המודולים מדברים דרכו דרך מערכת סיגנלים.</a:t>
-            </a:r>
-          </a:p>
-          <a:p>
-            <a:r>
-              <a:rPr lang="he-IL" dirty="0"/>
-              <a:t>בתחילת המימוש התקשורת התבצעה ישירות בין </a:t>
-            </a:r>
-            <a:r>
-              <a:rPr lang="he-IL" dirty="0" err="1"/>
-              <a:t>המודלוים</a:t>
-            </a:r>
-            <a:r>
-              <a:rPr lang="he-IL" dirty="0"/>
-              <a:t> מה שגרר צימוד גבוה של התכנית שלנו ולכן יצרנו מודול זה על מנת לבטל את התלויות החזקות שנוצרו </a:t>
-            </a:r>
-            <a:r>
-              <a:rPr lang="he-IL" dirty="0" err="1"/>
-              <a:t>בתכנית</a:t>
-            </a:r>
-            <a:r>
-              <a:rPr lang="he-IL" dirty="0"/>
-              <a:t>.</a:t>
+              <a:t>בעיות בייצוג של 0 במחשב לכן הגדרנו "0" עבור הבעיה שלנו</a:t>
             </a:r>
           </a:p>
         </p:txBody>
@@ -8808,7 +9187,7 @@
           <a:p>
             <a:fld id="{5D87C9B3-3F36-45D2-B699-10C699E739B9}" type="slidenum">
               <a:rPr lang="he-IL" smtClean="0"/>
-              <a:t>22</a:t>
+              <a:t>21</a:t>
             </a:fld>
             <a:endParaRPr lang="he-IL"/>
           </a:p>
@@ -8817,7 +9196,7 @@
     </p:spTree>
     <p:extLst>
       <p:ext uri="{BB962C8B-B14F-4D97-AF65-F5344CB8AC3E}">
-        <p14:creationId xmlns:p14="http://schemas.microsoft.com/office/powerpoint/2010/main" val="3654397469"/>
+        <p14:creationId xmlns:p14="http://schemas.microsoft.com/office/powerpoint/2010/main" val="1534296304"/>
       </p:ext>
     </p:extLst>
   </p:cSld>
@@ -8873,19 +9252,24 @@
           <a:p>
             <a:r>
               <a:rPr lang="he-IL" dirty="0"/>
-              <a:t>מודול זה מדמה לנו את ציר הזמן אשר מיוצג באופן דיסקרטי.</a:t>
-            </a:r>
-          </a:p>
-          <a:p>
+              <a:t>מודל </a:t>
+            </a:r>
+            <a:r>
+              <a:rPr lang="he-IL" dirty="0" err="1"/>
+              <a:t>האיבנטים</a:t>
+            </a:r>
             <a:r>
               <a:rPr lang="he-IL" dirty="0"/>
-              <a:t>בתחילת התכנית עבדנו עם זמן רציף אך לאחר בעיות מימוש רבות והתייעצות עם איל החלטנו לעבור לזמן בדיד.</a:t>
-            </a:r>
+              <a:t> הוא בעצם רשימה של סיגנלים אשר דרכו כל המודולים מתקשרים, זו מין מערכת סיגנלים.</a:t>
+            </a:r>
+          </a:p>
+          <a:p>
+            <a:endParaRPr lang="he-IL" dirty="0"/>
           </a:p>
           <a:p>
             <a:r>
               <a:rPr lang="he-IL" dirty="0"/>
-              <a:t>היתרון בזמן בדיד הוא יכולת לנרמל את ציר הזמן בקלות, יכולת מעקב אחריי הפעולות בצורה יעילה יותר.</a:t>
+              <a:t>בתחילה, מימשנו את התקשורת ישירות בין המודולים, אך זה גרר צימוד גבוה של התכנית שלנו (תלויות רבות), ולכן יצרנו את המודול הזה כדי לסדר את זה בצורה נוחה ומובנת יותר.</a:t>
             </a:r>
           </a:p>
           <a:p>
@@ -8894,72 +9278,48 @@
           <a:p>
             <a:r>
               <a:rPr lang="he-IL" dirty="0"/>
-              <a:t>ערך השעון – מספר יחידות הזמן שעברו.</a:t>
-            </a:r>
+              <a:t>לעבור בקטנה על הטבלה בצד ולהסביר על כל סיגנל.</a:t>
+            </a:r>
+          </a:p>
+          <a:p>
+            <a:endParaRPr lang="he-IL" dirty="0"/>
+          </a:p>
+          <a:p>
+            <a:endParaRPr lang="he-IL" dirty="0"/>
           </a:p>
           <a:p>
             <a:r>
               <a:rPr lang="he-IL" dirty="0"/>
-              <a:t>אפסילון – ערך זה מכווץ או מותח את ציר הזמן.</a:t>
+              <a:t>מודול אשר מרכז את התקשורת עבור כלל התכנית.</a:t>
             </a:r>
           </a:p>
           <a:p>
             <a:r>
               <a:rPr lang="he-IL" dirty="0"/>
-              <a:t>אפס – כיוון שאפסילון יכול להיות מאוד קטן יש בעיה של ייצוג מספרים לא שלמים במחשב ולכן נאלצנו לייצר "0" כך שנוכל להשוות אליו זמנים דיסקרטיים בצורה נכונה.</a:t>
-            </a:r>
-          </a:p>
-          <a:p>
-            <a:endParaRPr lang="he-IL" dirty="0"/>
+              <a:t>שאר המודולים מדברים דרכו דרך מערכת סיגנלים.</a:t>
+            </a:r>
           </a:p>
           <a:p>
             <a:r>
               <a:rPr lang="he-IL" dirty="0"/>
-              <a:t>השעון מבצע לולאה אינסופית אשר בכל איטרציה:</a:t>
-            </a:r>
-          </a:p>
-          <a:p>
-            <a:pPr marL="228600" indent="-228600">
-              <a:buAutoNum type="arabicPeriod"/>
-            </a:pPr>
+              <a:t>בתחילת המימוש התקשורת התבצעה ישירות בין </a:t>
+            </a:r>
+            <a:r>
+              <a:rPr lang="he-IL" dirty="0" err="1"/>
+              <a:t>המודלוים</a:t>
+            </a:r>
             <a:r>
               <a:rPr lang="he-IL" dirty="0"/>
-              <a:t>נבדק האם הטסט הסתיים.</a:t>
-            </a:r>
-          </a:p>
-          <a:p>
-            <a:pPr marL="228600" indent="-228600">
-              <a:buAutoNum type="arabicPeriod"/>
-            </a:pPr>
+              <a:t> מה שגרר צימוד גבוה של התכנית שלנו ולכן יצרנו מודול זה על מנת לבטל את התלויות החזקות שנוצרו </a:t>
+            </a:r>
+            <a:r>
+              <a:rPr lang="he-IL" dirty="0" err="1"/>
+              <a:t>בתכנית</a:t>
+            </a:r>
             <a:r>
               <a:rPr lang="he-IL" dirty="0"/>
-              <a:t>נבדק האם יש צורך בקידום השעון (כתלות בפעולות שהתבצעו בסימולטור ובבקר).</a:t>
-            </a:r>
-          </a:p>
-          <a:p>
-            <a:pPr marL="228600" indent="-228600">
-              <a:buAutoNum type="arabicPeriod"/>
-            </a:pPr>
-            <a:r>
-              <a:rPr lang="he-IL" dirty="0" err="1"/>
-              <a:t>עידכון</a:t>
-            </a:r>
-            <a:r>
-              <a:rPr lang="he-IL" dirty="0"/>
-              <a:t> כלל העוקבים כי התבצע\לא התבצע אירוע שעון.</a:t>
-            </a:r>
-          </a:p>
-          <a:p>
-            <a:pPr marL="228600" indent="-228600">
-              <a:buAutoNum type="arabicPeriod"/>
-            </a:pPr>
-            <a:endParaRPr lang="he-IL" dirty="0"/>
-          </a:p>
-          <a:p>
-            <a:pPr marL="228600" indent="-228600">
-              <a:buAutoNum type="arabicPeriod"/>
-            </a:pPr>
-            <a:endParaRPr lang="he-IL" dirty="0"/>
+              <a:t>.</a:t>
+            </a:r>
           </a:p>
         </p:txBody>
       </p:sp>
@@ -9003,7 +9363,7 @@
           <a:p>
             <a:fld id="{5D87C9B3-3F36-45D2-B699-10C699E739B9}" type="slidenum">
               <a:rPr lang="he-IL" smtClean="0"/>
-              <a:t>23</a:t>
+              <a:t>22</a:t>
             </a:fld>
             <a:endParaRPr lang="he-IL"/>
           </a:p>
@@ -9012,7 +9372,7 @@
     </p:spTree>
     <p:extLst>
       <p:ext uri="{BB962C8B-B14F-4D97-AF65-F5344CB8AC3E}">
-        <p14:creationId xmlns:p14="http://schemas.microsoft.com/office/powerpoint/2010/main" val="3802725460"/>
+        <p14:creationId xmlns:p14="http://schemas.microsoft.com/office/powerpoint/2010/main" val="3654397469"/>
       </p:ext>
     </p:extLst>
   </p:cSld>
@@ -9068,25 +9428,49 @@
           <a:p>
             <a:r>
               <a:rPr lang="he-IL" dirty="0"/>
-              <a:t>מודול זה מייצג את מצב העולם ומתעדכן בעקבות הסימולטור.</a:t>
+              <a:t>מודול זה מדמה לנו את ציר הזמן אשר מיוצג באופן דיסקרטי.</a:t>
             </a:r>
           </a:p>
           <a:p>
             <a:r>
               <a:rPr lang="he-IL" dirty="0"/>
-              <a:t>המודול מחזיק וקטור של מטוסים אשר כל תא במערך מייצג את המצב של המטוס באינדקס המתאים. (להסביר על המצבים השונים).</a:t>
+              <a:t>בתחילת התכנית עבדנו עם זמן רציף אך לאחר בעיות מימוש רבות והתייעצות עם איל החלטנו לעבור לזמן בדיד.</a:t>
             </a:r>
           </a:p>
           <a:p>
             <a:r>
               <a:rPr lang="he-IL" dirty="0"/>
-              <a:t>המודול מחזיק וקטור של נתיבים כאשר כל תא במערך מייצג האם הנתיב פנוי(-1) או שהנתיב תפוס ואז הערך הוא המספר המזהה של המטוס באותו נתיב.</a:t>
-            </a:r>
+              <a:t>היתרון בזמן בדיד הוא היכולת לנרמל את ציר הזמן בקלות, יכולת מעקב אחרי הפעולות בצורה יעילה יותר.</a:t>
+            </a:r>
+          </a:p>
+          <a:p>
+            <a:endParaRPr lang="he-IL" dirty="0"/>
           </a:p>
           <a:p>
             <a:r>
               <a:rPr lang="he-IL" dirty="0"/>
-              <a:t>מטרת מודול זה הוא:</a:t>
+              <a:t>ערך השעון – מספר יחידות הזמן שעברו.</a:t>
+            </a:r>
+          </a:p>
+          <a:p>
+            <a:r>
+              <a:rPr lang="he-IL" dirty="0"/>
+              <a:t>אפסילון – ערך זה מכווץ או מותח את ציר הזמן.</a:t>
+            </a:r>
+          </a:p>
+          <a:p>
+            <a:r>
+              <a:rPr lang="he-IL" dirty="0"/>
+              <a:t>אפס – כיוון שאפסילון יכול להיות מאוד קטן יש בעיה של ייצוג מספרים לא שלמים במחשב ולכן נאלצנו לייצר "0" כך שנוכל להשוות אליו זמנים דיסקרטיים בצורה נכונה.</a:t>
+            </a:r>
+          </a:p>
+          <a:p>
+            <a:endParaRPr lang="he-IL" dirty="0"/>
+          </a:p>
+          <a:p>
+            <a:r>
+              <a:rPr lang="he-IL" dirty="0"/>
+              <a:t>השעון מבצע לולאה אינסופית אשר בכל איטרציה:</a:t>
             </a:r>
           </a:p>
           <a:p>
@@ -9095,15 +9479,7 @@
             </a:pPr>
             <a:r>
               <a:rPr lang="he-IL" dirty="0"/>
-              <a:t>לממש את פונקציית החוקיות שהבקר קורא לה </a:t>
-            </a:r>
-            <a:r>
-              <a:rPr lang="he-IL" dirty="0" err="1"/>
-              <a:t>והלחזיר</a:t>
-            </a:r>
-            <a:r>
-              <a:rPr lang="he-IL" dirty="0"/>
-              <a:t> האם המצב הבא חוקי או לא.</a:t>
+              <a:t>נבדק האם הטסט הסתיים.</a:t>
             </a:r>
           </a:p>
           <a:p>
@@ -9112,7 +9488,16 @@
             </a:pPr>
             <a:r>
               <a:rPr lang="he-IL" dirty="0"/>
-              <a:t>לבצע הקפאה של מצב העולם וכתיבת קובץ קונפיגורציה חדש במידה ונדרש תיכנון מחדש, תיכנון מחדש מתרחש בעקבות החזרת ערך שגיאה מפונקציית החוקיות.</a:t>
+              <a:t>נבדק האם יש צורך בקידום השעון (כתלות בפעולות שהתבצעו בסימולטור ובבקר).</a:t>
+            </a:r>
+          </a:p>
+          <a:p>
+            <a:pPr marL="228600" indent="-228600">
+              <a:buAutoNum type="arabicPeriod"/>
+            </a:pPr>
+            <a:r>
+              <a:rPr lang="he-IL" dirty="0"/>
+              <a:t>עדכון כלל העוקבים כי התבצע\לא התבצע אירוע שעון.</a:t>
             </a:r>
           </a:p>
           <a:p>
@@ -9122,8 +9507,8 @@
             <a:endParaRPr lang="he-IL" dirty="0"/>
           </a:p>
           <a:p>
-            <a:pPr marL="0" indent="0">
-              <a:buNone/>
+            <a:pPr marL="228600" indent="-228600">
+              <a:buAutoNum type="arabicPeriod"/>
             </a:pPr>
             <a:endParaRPr lang="he-IL" dirty="0"/>
           </a:p>
@@ -9169,7 +9554,7 @@
           <a:p>
             <a:fld id="{5D87C9B3-3F36-45D2-B699-10C699E739B9}" type="slidenum">
               <a:rPr lang="he-IL" smtClean="0"/>
-              <a:t>24</a:t>
+              <a:t>23</a:t>
             </a:fld>
             <a:endParaRPr lang="he-IL"/>
           </a:p>
@@ -9178,7 +9563,7 @@
     </p:spTree>
     <p:extLst>
       <p:ext uri="{BB962C8B-B14F-4D97-AF65-F5344CB8AC3E}">
-        <p14:creationId xmlns:p14="http://schemas.microsoft.com/office/powerpoint/2010/main" val="202044522"/>
+        <p14:creationId xmlns:p14="http://schemas.microsoft.com/office/powerpoint/2010/main" val="3802725460"/>
       </p:ext>
     </p:extLst>
   </p:cSld>
@@ -9234,52 +9619,11 @@
           <a:p>
             <a:r>
               <a:rPr lang="he-IL" dirty="0"/>
-              <a:t>מודול זה מייצג את מצב העולם ומתעדכן בעקבות הסימולטור.</a:t>
-            </a:r>
-          </a:p>
-          <a:p>
-            <a:r>
-              <a:rPr lang="he-IL" dirty="0"/>
-              <a:t>המודול מחזיק וקטור של מטוסים אשר כל תא במערך מייצג את המצב של המטוס באינדקס המתאים. (להסביר על המצבים השונים).</a:t>
-            </a:r>
-          </a:p>
-          <a:p>
-            <a:r>
-              <a:rPr lang="he-IL" dirty="0"/>
-              <a:t>המודול מחזיק וקטור של נתיבים כאשר כל תא במערך מייצג האם הנתיב פנוי(-1) או שהנתיב תפוס ואז הערך הוא המספר המזהה של המטוס באותו נתיב.</a:t>
-            </a:r>
-          </a:p>
-          <a:p>
-            <a:r>
-              <a:rPr lang="he-IL" dirty="0"/>
-              <a:t>מטרת מודול זה הוא:</a:t>
-            </a:r>
-          </a:p>
-          <a:p>
-            <a:pPr marL="228600" indent="-228600">
-              <a:buAutoNum type="arabicPeriod"/>
-            </a:pPr>
-            <a:r>
-              <a:rPr lang="he-IL" dirty="0"/>
-              <a:t>לממש את פונקציית החוקיות שהבקר קורא לה </a:t>
-            </a:r>
-            <a:r>
-              <a:rPr lang="he-IL" dirty="0" err="1"/>
-              <a:t>והלחזיר</a:t>
-            </a:r>
-            <a:r>
-              <a:rPr lang="he-IL" dirty="0"/>
-              <a:t> האם המצב הבא חוקי או לא.</a:t>
-            </a:r>
-          </a:p>
-          <a:p>
-            <a:pPr marL="228600" indent="-228600">
-              <a:buAutoNum type="arabicPeriod"/>
-            </a:pPr>
-            <a:r>
-              <a:rPr lang="he-IL" dirty="0"/>
-              <a:t>לבצע הקפאה של מצב העולם וכתיבת קובץ קונפיגורציה חדש במידה ונדרש תיכנון מחדש, תיכנון מחדש מתרחש בעקבות החזרת ערך שגיאה מפונקציית החוקיות.</a:t>
-            </a:r>
+              <a:t>אפס – כיוון שאפסילון יכול להיות מאוד קטן יש בעיה של ייצוג מספרים לא שלמים במחשב ולכן נאלצנו לייצר "0" כך שנוכל להשוות אליו זמנים דיסקרטיים בצורה נכונה.</a:t>
+            </a:r>
+          </a:p>
+          <a:p>
+            <a:endParaRPr lang="he-IL" dirty="0"/>
           </a:p>
           <a:p>
             <a:pPr marL="228600" indent="-228600">
@@ -9335,7 +9679,7 @@
           <a:p>
             <a:fld id="{5D87C9B3-3F36-45D2-B699-10C699E739B9}" type="slidenum">
               <a:rPr lang="he-IL" smtClean="0"/>
-              <a:t>25</a:t>
+              <a:t>24</a:t>
             </a:fld>
             <a:endParaRPr lang="he-IL"/>
           </a:p>
@@ -9344,7 +9688,7 @@
     </p:spTree>
     <p:extLst>
       <p:ext uri="{BB962C8B-B14F-4D97-AF65-F5344CB8AC3E}">
-        <p14:creationId xmlns:p14="http://schemas.microsoft.com/office/powerpoint/2010/main" val="2849164166"/>
+        <p14:creationId xmlns:p14="http://schemas.microsoft.com/office/powerpoint/2010/main" val="2045717316"/>
       </p:ext>
     </p:extLst>
   </p:cSld>
@@ -9398,37 +9742,27 @@
           <a:bodyPr/>
           <a:lstStyle/>
           <a:p>
-            <a:pPr marL="0" indent="0">
-              <a:buNone/>
-            </a:pPr>
             <a:r>
               <a:rPr lang="he-IL" dirty="0"/>
-              <a:t>המודל מייצר הפרעות אשר נשלחות לסימולטור, הפרעה היא משך זמן שמתווסף למשך זמן של פעולה </a:t>
-            </a:r>
-            <a:r>
-              <a:rPr lang="he-IL" dirty="0" err="1"/>
-              <a:t>מסויימת</a:t>
-            </a:r>
+              <a:t>מודול זה מייצג את מצב העולם ומתעדכן בעקבות הסימולטור.</a:t>
+            </a:r>
+          </a:p>
+          <a:p>
             <a:r>
               <a:rPr lang="he-IL" dirty="0"/>
-              <a:t>.</a:t>
-            </a:r>
-          </a:p>
-          <a:p>
-            <a:pPr marL="0" indent="0">
-              <a:buNone/>
-            </a:pPr>
+              <a:t>המודול מחזיק וקטור של מטוסים אשר כל תא במערך מייצג את המצב של המטוס באינדקס המתאים. (להסביר על המצבים השונים).</a:t>
+            </a:r>
+          </a:p>
+          <a:p>
             <a:r>
               <a:rPr lang="he-IL" dirty="0"/>
-              <a:t>המודל הוא </a:t>
-            </a:r>
-            <a:r>
-              <a:rPr lang="he-IL" dirty="0" err="1"/>
-              <a:t>פסודו</a:t>
-            </a:r>
+              <a:t>המודול מחזיק וקטור של נתיבים כאשר כל תא במערך מייצג האם הנתיב פנוי(-1) או שהנתיב תפוס ואז הערך הוא המספר המזהה של המטוס באותו נתיב.</a:t>
+            </a:r>
+          </a:p>
+          <a:p>
             <a:r>
               <a:rPr lang="he-IL" dirty="0"/>
-              <a:t> רנדומלי בשני מובנים:</a:t>
+              <a:t>מטרת מודול זה הוא:</a:t>
             </a:r>
           </a:p>
           <a:p>
@@ -9437,7 +9771,7 @@
             </a:pPr>
             <a:r>
               <a:rPr lang="he-IL" dirty="0"/>
-              <a:t>תדירות יצירת ההפרעה הוא מספר אקראי בין 1-ל4 פעולות.</a:t>
+              <a:t>לממש את פונקציית החוקיות שהבקר קורא לה ולהחזיר האם המצב הבא חוקי או לא.</a:t>
             </a:r>
           </a:p>
           <a:p>
@@ -9446,15 +9780,7 @@
             </a:pPr>
             <a:r>
               <a:rPr lang="he-IL" dirty="0"/>
-              <a:t>משך ההפרעה הוא משתנה אקראי מפולג </a:t>
-            </a:r>
-            <a:r>
-              <a:rPr lang="he-IL" dirty="0" err="1"/>
-              <a:t>יוניפורמי</a:t>
-            </a:r>
-            <a:r>
-              <a:rPr lang="he-IL" dirty="0"/>
-              <a:t> בין מחצית משך הפעולה שנבחה לבין משך הפעולה שנבחרה.</a:t>
+              <a:t>לבצע הקפאה של מצב העולם וכתיבת קובץ קונפיגורציה חדש במידה ונדרש תיכנון מחדש, תיכנון מחדש מתרחש בעקבות החזרת ערך שגיאה מפונקציית החוקיות.</a:t>
             </a:r>
           </a:p>
           <a:p>
@@ -9467,15 +9793,6 @@
             <a:pPr marL="0" indent="0">
               <a:buNone/>
             </a:pPr>
-            <a:r>
-              <a:rPr lang="he-IL" dirty="0"/>
-              <a:t>כאשר נוצרה הפרעה המודול יאותת למודול הסימולטור על הפרעה שנוצרה ויאפס את תדירות יצירת ההפרעה.</a:t>
-            </a:r>
-          </a:p>
-          <a:p>
-            <a:pPr marL="0" indent="0">
-              <a:buNone/>
-            </a:pPr>
             <a:endParaRPr lang="he-IL" dirty="0"/>
           </a:p>
         </p:txBody>
@@ -9520,7 +9837,7 @@
           <a:p>
             <a:fld id="{5D87C9B3-3F36-45D2-B699-10C699E739B9}" type="slidenum">
               <a:rPr lang="he-IL" smtClean="0"/>
-              <a:t>26</a:t>
+              <a:t>25</a:t>
             </a:fld>
             <a:endParaRPr lang="he-IL"/>
           </a:p>
@@ -9529,7 +9846,7 @@
     </p:spTree>
     <p:extLst>
       <p:ext uri="{BB962C8B-B14F-4D97-AF65-F5344CB8AC3E}">
-        <p14:creationId xmlns:p14="http://schemas.microsoft.com/office/powerpoint/2010/main" val="546992971"/>
+        <p14:creationId xmlns:p14="http://schemas.microsoft.com/office/powerpoint/2010/main" val="202044522"/>
       </p:ext>
     </p:extLst>
   </p:cSld>
@@ -9585,8 +9902,64 @@
           <a:p>
             <a:r>
               <a:rPr lang="he-IL" dirty="0"/>
-              <a:t>תוצאה רגילה</a:t>
-            </a:r>
+              <a:t>מודול זה מייצג את מצב העולם ומתעדכן בעקבות הסימולטור.</a:t>
+            </a:r>
+          </a:p>
+          <a:p>
+            <a:r>
+              <a:rPr lang="he-IL" dirty="0"/>
+              <a:t>המודול מחזיק וקטור של מטוסים אשר כל תא במערך מייצג את המצב של המטוס באינדקס המתאים. (להסביר על המצבים השונים).</a:t>
+            </a:r>
+          </a:p>
+          <a:p>
+            <a:r>
+              <a:rPr lang="he-IL" dirty="0"/>
+              <a:t>המודול מחזיק וקטור של נתיבים כאשר כל תא במערך מייצג האם הנתיב פנוי(-1) או שהנתיב תפוס ואז הערך הוא המספר המזהה של המטוס באותו נתיב.</a:t>
+            </a:r>
+          </a:p>
+          <a:p>
+            <a:r>
+              <a:rPr lang="he-IL" dirty="0"/>
+              <a:t>מטרת מודול זה הוא:</a:t>
+            </a:r>
+          </a:p>
+          <a:p>
+            <a:pPr marL="228600" indent="-228600">
+              <a:buAutoNum type="arabicPeriod"/>
+            </a:pPr>
+            <a:r>
+              <a:rPr lang="he-IL" dirty="0"/>
+              <a:t>לממש את פונקציית החוקיות שהבקר קורא לה </a:t>
+            </a:r>
+            <a:r>
+              <a:rPr lang="he-IL" dirty="0" err="1"/>
+              <a:t>והלחזיר</a:t>
+            </a:r>
+            <a:r>
+              <a:rPr lang="he-IL" dirty="0"/>
+              <a:t> האם המצב הבא חוקי או לא.</a:t>
+            </a:r>
+          </a:p>
+          <a:p>
+            <a:pPr marL="228600" indent="-228600">
+              <a:buAutoNum type="arabicPeriod"/>
+            </a:pPr>
+            <a:r>
+              <a:rPr lang="he-IL" dirty="0"/>
+              <a:t>לבצע הקפאה של מצב העולם וכתיבת קובץ קונפיגורציה חדש במידה ונדרש תיכנון מחדש, תיכנון מחדש מתרחש בעקבות החזרת ערך שגיאה מפונקציית החוקיות.</a:t>
+            </a:r>
+          </a:p>
+          <a:p>
+            <a:pPr marL="228600" indent="-228600">
+              <a:buAutoNum type="arabicPeriod"/>
+            </a:pPr>
+            <a:endParaRPr lang="he-IL" dirty="0"/>
+          </a:p>
+          <a:p>
+            <a:pPr marL="0" indent="0">
+              <a:buNone/>
+            </a:pPr>
+            <a:endParaRPr lang="he-IL" dirty="0"/>
           </a:p>
         </p:txBody>
       </p:sp>
@@ -9630,7 +10003,7 @@
           <a:p>
             <a:fld id="{5D87C9B3-3F36-45D2-B699-10C699E739B9}" type="slidenum">
               <a:rPr lang="he-IL" smtClean="0"/>
-              <a:t>27</a:t>
+              <a:t>26</a:t>
             </a:fld>
             <a:endParaRPr lang="he-IL"/>
           </a:p>
@@ -9639,7 +10012,7 @@
     </p:spTree>
     <p:extLst>
       <p:ext uri="{BB962C8B-B14F-4D97-AF65-F5344CB8AC3E}">
-        <p14:creationId xmlns:p14="http://schemas.microsoft.com/office/powerpoint/2010/main" val="2318995915"/>
+        <p14:creationId xmlns:p14="http://schemas.microsoft.com/office/powerpoint/2010/main" val="2849164166"/>
       </p:ext>
     </p:extLst>
   </p:cSld>
@@ -9693,10 +10066,101 @@
           <a:bodyPr/>
           <a:lstStyle/>
           <a:p>
+            <a:pPr marL="0" indent="0">
+              <a:buNone/>
+            </a:pPr>
             <a:r>
               <a:rPr lang="he-IL" dirty="0"/>
-              <a:t>תוצאה עם תיכנון מחדש</a:t>
-            </a:r>
+              <a:t>המודל מייצר הפרעות אשר נשלחות לסימולטור, הפרעה יכולה להתפרש כ-2 מצבים:</a:t>
+            </a:r>
+          </a:p>
+          <a:p>
+            <a:pPr marL="228600" indent="-228600">
+              <a:buAutoNum type="arabicPeriod"/>
+            </a:pPr>
+            <a:r>
+              <a:rPr lang="he-IL" dirty="0"/>
+              <a:t>דחייה של פעולה מסוימת (דחייה של ההמראה)</a:t>
+            </a:r>
+          </a:p>
+          <a:p>
+            <a:pPr marL="228600" indent="-228600">
+              <a:buAutoNum type="arabicPeriod"/>
+            </a:pPr>
+            <a:r>
+              <a:rPr lang="he-IL" dirty="0"/>
+              <a:t>עיכוב של פעולה מסוימת (הארכת זמן המשימה המקורי של המטוס)</a:t>
+            </a:r>
+          </a:p>
+          <a:p>
+            <a:pPr marL="228600" indent="-228600">
+              <a:buAutoNum type="arabicPeriod"/>
+            </a:pPr>
+            <a:endParaRPr lang="he-IL" dirty="0"/>
+          </a:p>
+          <a:p>
+            <a:pPr marL="0" indent="0">
+              <a:buNone/>
+            </a:pPr>
+            <a:r>
+              <a:rPr lang="he-IL" dirty="0"/>
+              <a:t>המודל הוא </a:t>
+            </a:r>
+            <a:r>
+              <a:rPr lang="he-IL" dirty="0" err="1"/>
+              <a:t>פסודו</a:t>
+            </a:r>
+            <a:r>
+              <a:rPr lang="he-IL" dirty="0"/>
+              <a:t> רנדומלי בשני מובנים:</a:t>
+            </a:r>
+          </a:p>
+          <a:p>
+            <a:pPr marL="228600" indent="-228600">
+              <a:buAutoNum type="arabicPeriod"/>
+            </a:pPr>
+            <a:r>
+              <a:rPr lang="he-IL" dirty="0"/>
+              <a:t>תדירות יצירת ההפרעה הוא מספר אקראי בין 1-ל4 פעולות.</a:t>
+            </a:r>
+          </a:p>
+          <a:p>
+            <a:pPr marL="228600" indent="-228600">
+              <a:buAutoNum type="arabicPeriod"/>
+            </a:pPr>
+            <a:r>
+              <a:rPr lang="he-IL" dirty="0"/>
+              <a:t>משך ההפרעה הוא משתנה אקראי מפולג </a:t>
+            </a:r>
+            <a:r>
+              <a:rPr lang="he-IL" dirty="0" err="1"/>
+              <a:t>יוניפורמי</a:t>
+            </a:r>
+            <a:r>
+              <a:rPr lang="he-IL" dirty="0"/>
+              <a:t> בין מחצית משך הפעולה שנבחה לבין משך הפעולה שנבחרה.</a:t>
+            </a:r>
+          </a:p>
+          <a:p>
+            <a:pPr marL="228600" indent="-228600">
+              <a:buAutoNum type="arabicPeriod"/>
+            </a:pPr>
+            <a:endParaRPr lang="he-IL" dirty="0"/>
+          </a:p>
+          <a:p>
+            <a:pPr marL="0" indent="0">
+              <a:buNone/>
+            </a:pPr>
+            <a:r>
+              <a:rPr lang="he-IL" dirty="0"/>
+              <a:t>כאשר נוצרה הפרעה המודול יאותת למודול הסימולטור על הפרעה שנוצרה ויאפס את תדירות יצירת ההפרעה.</a:t>
+            </a:r>
+          </a:p>
+          <a:p>
+            <a:pPr marL="0" indent="0">
+              <a:buNone/>
+            </a:pPr>
+            <a:endParaRPr lang="he-IL" dirty="0"/>
           </a:p>
         </p:txBody>
       </p:sp>
@@ -9740,7 +10204,7 @@
           <a:p>
             <a:fld id="{5D87C9B3-3F36-45D2-B699-10C699E739B9}" type="slidenum">
               <a:rPr lang="he-IL" smtClean="0"/>
-              <a:t>28</a:t>
+              <a:t>27</a:t>
             </a:fld>
             <a:endParaRPr lang="he-IL"/>
           </a:p>
@@ -9749,7 +10213,7 @@
     </p:spTree>
     <p:extLst>
       <p:ext uri="{BB962C8B-B14F-4D97-AF65-F5344CB8AC3E}">
-        <p14:creationId xmlns:p14="http://schemas.microsoft.com/office/powerpoint/2010/main" val="1660480528"/>
+        <p14:creationId xmlns:p14="http://schemas.microsoft.com/office/powerpoint/2010/main" val="546992971"/>
       </p:ext>
     </p:extLst>
   </p:cSld>
@@ -9803,85 +10267,120 @@
           <a:bodyPr/>
           <a:lstStyle/>
           <a:p>
-            <a:pPr marL="0" indent="0">
-              <a:buNone/>
-            </a:pPr>
             <a:r>
               <a:rPr lang="he-IL" dirty="0"/>
-              <a:t>המודל מייצר הפרעות אשר נשלחות לסימולטור, הפרעה היא משך זמן שמתווסף למשך זמן של פעולה </a:t>
-            </a:r>
-            <a:r>
-              <a:rPr lang="he-IL" dirty="0" err="1"/>
-              <a:t>מסויימת</a:t>
-            </a:r>
+              <a:t>תוצאה רגילה</a:t>
+            </a:r>
+          </a:p>
+        </p:txBody>
+      </p:sp>
+      <p:sp>
+        <p:nvSpPr>
+          <p:cNvPr id="4" name="מציין מיקום של כותרת עליונה 3"/>
+          <p:cNvSpPr>
+            <a:spLocks noGrp="1"/>
+          </p:cNvSpPr>
+          <p:nvPr>
+            <p:ph type="hdr" sz="quarter"/>
+          </p:nvPr>
+        </p:nvSpPr>
+        <p:spPr/>
+        <p:txBody>
+          <a:bodyPr/>
+          <a:lstStyle/>
+          <a:p>
+            <a:r>
+              <a:rPr lang="en-US"/>
+              <a:t>hjfhgdhgfdfgh</a:t>
+            </a:r>
+            <a:endParaRPr lang="he-IL"/>
+          </a:p>
+        </p:txBody>
+      </p:sp>
+      <p:sp>
+        <p:nvSpPr>
+          <p:cNvPr id="5" name="מציין מיקום של מספר שקופית 4"/>
+          <p:cNvSpPr>
+            <a:spLocks noGrp="1"/>
+          </p:cNvSpPr>
+          <p:nvPr>
+            <p:ph type="sldNum" sz="quarter" idx="5"/>
+          </p:nvPr>
+        </p:nvSpPr>
+        <p:spPr/>
+        <p:txBody>
+          <a:bodyPr/>
+          <a:lstStyle/>
+          <a:p>
+            <a:fld id="{5D87C9B3-3F36-45D2-B699-10C699E739B9}" type="slidenum">
+              <a:rPr lang="he-IL" smtClean="0"/>
+              <a:t>28</a:t>
+            </a:fld>
+            <a:endParaRPr lang="he-IL"/>
+          </a:p>
+        </p:txBody>
+      </p:sp>
+    </p:spTree>
+    <p:extLst>
+      <p:ext uri="{BB962C8B-B14F-4D97-AF65-F5344CB8AC3E}">
+        <p14:creationId xmlns:p14="http://schemas.microsoft.com/office/powerpoint/2010/main" val="2318995915"/>
+      </p:ext>
+    </p:extLst>
+  </p:cSld>
+  <p:clrMapOvr>
+    <a:masterClrMapping/>
+  </p:clrMapOvr>
+</p:notes>
+</file>
+
+<file path=ppt/notesSlides/notesSlide29.xml><?xml version="1.0" encoding="utf-8"?>
+<p:notes xmlns:a="http://schemas.openxmlformats.org/drawingml/2006/main" xmlns:r="http://schemas.openxmlformats.org/officeDocument/2006/relationships" xmlns:p="http://schemas.openxmlformats.org/presentationml/2006/main">
+  <p:cSld>
+    <p:spTree>
+      <p:nvGrpSpPr>
+        <p:cNvPr id="1" name=""/>
+        <p:cNvGrpSpPr/>
+        <p:nvPr/>
+      </p:nvGrpSpPr>
+      <p:grpSpPr>
+        <a:xfrm>
+          <a:off x="0" y="0"/>
+          <a:ext cx="0" cy="0"/>
+          <a:chOff x="0" y="0"/>
+          <a:chExt cx="0" cy="0"/>
+        </a:xfrm>
+      </p:grpSpPr>
+      <p:sp>
+        <p:nvSpPr>
+          <p:cNvPr id="2" name="מציין מיקום של תמונת שקופית 1"/>
+          <p:cNvSpPr>
+            <a:spLocks noGrp="1" noRot="1" noChangeAspect="1"/>
+          </p:cNvSpPr>
+          <p:nvPr>
+            <p:ph type="sldImg"/>
+          </p:nvPr>
+        </p:nvSpPr>
+        <p:spPr/>
+      </p:sp>
+      <p:sp>
+        <p:nvSpPr>
+          <p:cNvPr id="3" name="מציין מיקום של הערות 2"/>
+          <p:cNvSpPr>
+            <a:spLocks noGrp="1"/>
+          </p:cNvSpPr>
+          <p:nvPr>
+            <p:ph type="body" idx="1"/>
+          </p:nvPr>
+        </p:nvSpPr>
+        <p:spPr/>
+        <p:txBody>
+          <a:bodyPr/>
+          <a:lstStyle/>
+          <a:p>
             <a:r>
               <a:rPr lang="he-IL" dirty="0"/>
-              <a:t>.</a:t>
-            </a:r>
-          </a:p>
-          <a:p>
-            <a:pPr marL="0" indent="0">
-              <a:buNone/>
-            </a:pPr>
-            <a:r>
-              <a:rPr lang="he-IL" dirty="0"/>
-              <a:t>המודל הוא </a:t>
-            </a:r>
-            <a:r>
-              <a:rPr lang="he-IL" dirty="0" err="1"/>
-              <a:t>פסודו</a:t>
-            </a:r>
-            <a:r>
-              <a:rPr lang="he-IL" dirty="0"/>
-              <a:t> רנדומלי בשני מובנים:</a:t>
-            </a:r>
-          </a:p>
-          <a:p>
-            <a:pPr marL="228600" indent="-228600">
-              <a:buAutoNum type="arabicPeriod"/>
-            </a:pPr>
-            <a:r>
-              <a:rPr lang="he-IL" dirty="0"/>
-              <a:t>תדירות יצירת ההפרעה הוא מספר אקראי בין 1-ל4 פעולות.</a:t>
-            </a:r>
-          </a:p>
-          <a:p>
-            <a:pPr marL="228600" indent="-228600">
-              <a:buAutoNum type="arabicPeriod"/>
-            </a:pPr>
-            <a:r>
-              <a:rPr lang="he-IL" dirty="0"/>
-              <a:t>משך ההפרעה הוא משתנה אקראי מפולג </a:t>
-            </a:r>
-            <a:r>
-              <a:rPr lang="he-IL" dirty="0" err="1"/>
-              <a:t>יוניפורמי</a:t>
-            </a:r>
-            <a:r>
-              <a:rPr lang="he-IL" dirty="0"/>
-              <a:t> בין מחצית משך הפעולה שנבחה לבין משך הפעולה שנבחרה.</a:t>
-            </a:r>
-          </a:p>
-          <a:p>
-            <a:pPr marL="228600" indent="-228600">
-              <a:buAutoNum type="arabicPeriod"/>
-            </a:pPr>
-            <a:endParaRPr lang="he-IL" dirty="0"/>
-          </a:p>
-          <a:p>
-            <a:pPr marL="0" indent="0">
-              <a:buNone/>
-            </a:pPr>
-            <a:r>
-              <a:rPr lang="he-IL" dirty="0"/>
-              <a:t>כאשר נוצרה הפרעה המודול יאותת למודול הסימולטור על הפרעה שנוצרה ויאפס את תדירות יצירת ההפרעה.</a:t>
-            </a:r>
-          </a:p>
-          <a:p>
-            <a:pPr marL="0" indent="0">
-              <a:buNone/>
-            </a:pPr>
-            <a:endParaRPr lang="he-IL" dirty="0"/>
+              <a:t>תוצאה עם תיכנון מחדש</a:t>
+            </a:r>
           </a:p>
         </p:txBody>
       </p:sp>
@@ -9934,7 +10433,7 @@
     </p:spTree>
     <p:extLst>
       <p:ext uri="{BB962C8B-B14F-4D97-AF65-F5344CB8AC3E}">
-        <p14:creationId xmlns:p14="http://schemas.microsoft.com/office/powerpoint/2010/main" val="916540336"/>
+        <p14:creationId xmlns:p14="http://schemas.microsoft.com/office/powerpoint/2010/main" val="1660480528"/>
       </p:ext>
     </p:extLst>
   </p:cSld>
@@ -10138,6 +10637,270 @@
     <p:extLst>
       <p:ext uri="{BB962C8B-B14F-4D97-AF65-F5344CB8AC3E}">
         <p14:creationId xmlns:p14="http://schemas.microsoft.com/office/powerpoint/2010/main" val="1875335535"/>
+      </p:ext>
+    </p:extLst>
+  </p:cSld>
+  <p:clrMapOvr>
+    <a:masterClrMapping/>
+  </p:clrMapOvr>
+</p:notes>
+</file>
+
+<file path=ppt/notesSlides/notesSlide30.xml><?xml version="1.0" encoding="utf-8"?>
+<p:notes xmlns:a="http://schemas.openxmlformats.org/drawingml/2006/main" xmlns:r="http://schemas.openxmlformats.org/officeDocument/2006/relationships" xmlns:p="http://schemas.openxmlformats.org/presentationml/2006/main">
+  <p:cSld>
+    <p:spTree>
+      <p:nvGrpSpPr>
+        <p:cNvPr id="1" name=""/>
+        <p:cNvGrpSpPr/>
+        <p:nvPr/>
+      </p:nvGrpSpPr>
+      <p:grpSpPr>
+        <a:xfrm>
+          <a:off x="0" y="0"/>
+          <a:ext cx="0" cy="0"/>
+          <a:chOff x="0" y="0"/>
+          <a:chExt cx="0" cy="0"/>
+        </a:xfrm>
+      </p:grpSpPr>
+      <p:sp>
+        <p:nvSpPr>
+          <p:cNvPr id="2" name="מציין מיקום של תמונת שקופית 1"/>
+          <p:cNvSpPr>
+            <a:spLocks noGrp="1" noRot="1" noChangeAspect="1"/>
+          </p:cNvSpPr>
+          <p:nvPr>
+            <p:ph type="sldImg"/>
+          </p:nvPr>
+        </p:nvSpPr>
+        <p:spPr/>
+      </p:sp>
+      <p:sp>
+        <p:nvSpPr>
+          <p:cNvPr id="3" name="מציין מיקום של הערות 2"/>
+          <p:cNvSpPr>
+            <a:spLocks noGrp="1"/>
+          </p:cNvSpPr>
+          <p:nvPr>
+            <p:ph type="body" idx="1"/>
+          </p:nvPr>
+        </p:nvSpPr>
+        <p:spPr/>
+        <p:txBody>
+          <a:bodyPr/>
+          <a:lstStyle/>
+          <a:p>
+            <a:pPr marL="0" indent="0">
+              <a:buNone/>
+            </a:pPr>
+            <a:r>
+              <a:rPr lang="he-IL" dirty="0"/>
+              <a:t>את הפרויקט ניתן להרחיב בכמה מישורים:</a:t>
+            </a:r>
+          </a:p>
+          <a:p>
+            <a:pPr marL="228600" indent="-228600">
+              <a:buAutoNum type="arabicPeriod"/>
+            </a:pPr>
+            <a:r>
+              <a:rPr lang="he-IL" dirty="0"/>
+              <a:t>להוסיף עוד סוגי הפרעות (לדג' קיצור זמן של פעולה מעיד על תקלה) כדי לדמות עולם יותר מציאותי בסימולציה.</a:t>
+            </a:r>
+          </a:p>
+          <a:p>
+            <a:pPr marL="228600" indent="-228600">
+              <a:buAutoNum type="arabicPeriod"/>
+            </a:pPr>
+            <a:r>
+              <a:rPr lang="he-IL" dirty="0"/>
+              <a:t>הוספת </a:t>
+            </a:r>
+            <a:r>
+              <a:rPr lang="en-US" dirty="0"/>
+              <a:t>GUI</a:t>
+            </a:r>
+            <a:r>
+              <a:rPr lang="he-IL" dirty="0"/>
+              <a:t>?</a:t>
+            </a:r>
+          </a:p>
+          <a:p>
+            <a:pPr marL="228600" indent="-228600">
+              <a:buAutoNum type="arabicPeriod"/>
+            </a:pPr>
+            <a:r>
+              <a:rPr lang="he-IL" dirty="0"/>
+              <a:t>להפוך את המערכת ליותר אינטראקטיבית עבור המשתמש.</a:t>
+            </a:r>
+          </a:p>
+          <a:p>
+            <a:pPr marL="228600" indent="-228600">
+              <a:buAutoNum type="arabicPeriod"/>
+            </a:pPr>
+            <a:endParaRPr lang="he-IL" dirty="0"/>
+          </a:p>
+        </p:txBody>
+      </p:sp>
+      <p:sp>
+        <p:nvSpPr>
+          <p:cNvPr id="4" name="מציין מיקום של כותרת עליונה 3"/>
+          <p:cNvSpPr>
+            <a:spLocks noGrp="1"/>
+          </p:cNvSpPr>
+          <p:nvPr>
+            <p:ph type="hdr" sz="quarter"/>
+          </p:nvPr>
+        </p:nvSpPr>
+        <p:spPr/>
+        <p:txBody>
+          <a:bodyPr/>
+          <a:lstStyle/>
+          <a:p>
+            <a:r>
+              <a:rPr lang="en-US"/>
+              <a:t>hjfhgdhgfdfgh</a:t>
+            </a:r>
+            <a:endParaRPr lang="he-IL"/>
+          </a:p>
+        </p:txBody>
+      </p:sp>
+      <p:sp>
+        <p:nvSpPr>
+          <p:cNvPr id="5" name="מציין מיקום של מספר שקופית 4"/>
+          <p:cNvSpPr>
+            <a:spLocks noGrp="1"/>
+          </p:cNvSpPr>
+          <p:nvPr>
+            <p:ph type="sldNum" sz="quarter" idx="5"/>
+          </p:nvPr>
+        </p:nvSpPr>
+        <p:spPr/>
+        <p:txBody>
+          <a:bodyPr/>
+          <a:lstStyle/>
+          <a:p>
+            <a:fld id="{5D87C9B3-3F36-45D2-B699-10C699E739B9}" type="slidenum">
+              <a:rPr lang="he-IL" smtClean="0"/>
+              <a:t>30</a:t>
+            </a:fld>
+            <a:endParaRPr lang="he-IL"/>
+          </a:p>
+        </p:txBody>
+      </p:sp>
+    </p:spTree>
+    <p:extLst>
+      <p:ext uri="{BB962C8B-B14F-4D97-AF65-F5344CB8AC3E}">
+        <p14:creationId xmlns:p14="http://schemas.microsoft.com/office/powerpoint/2010/main" val="916540336"/>
+      </p:ext>
+    </p:extLst>
+  </p:cSld>
+  <p:clrMapOvr>
+    <a:masterClrMapping/>
+  </p:clrMapOvr>
+</p:notes>
+</file>
+
+<file path=ppt/notesSlides/notesSlide31.xml><?xml version="1.0" encoding="utf-8"?>
+<p:notes xmlns:a="http://schemas.openxmlformats.org/drawingml/2006/main" xmlns:r="http://schemas.openxmlformats.org/officeDocument/2006/relationships" xmlns:p="http://schemas.openxmlformats.org/presentationml/2006/main">
+  <p:cSld>
+    <p:spTree>
+      <p:nvGrpSpPr>
+        <p:cNvPr id="1" name=""/>
+        <p:cNvGrpSpPr/>
+        <p:nvPr/>
+      </p:nvGrpSpPr>
+      <p:grpSpPr>
+        <a:xfrm>
+          <a:off x="0" y="0"/>
+          <a:ext cx="0" cy="0"/>
+          <a:chOff x="0" y="0"/>
+          <a:chExt cx="0" cy="0"/>
+        </a:xfrm>
+      </p:grpSpPr>
+      <p:sp>
+        <p:nvSpPr>
+          <p:cNvPr id="2" name="מציין מיקום של תמונת שקופית 1"/>
+          <p:cNvSpPr>
+            <a:spLocks noGrp="1" noRot="1" noChangeAspect="1"/>
+          </p:cNvSpPr>
+          <p:nvPr>
+            <p:ph type="sldImg"/>
+          </p:nvPr>
+        </p:nvSpPr>
+        <p:spPr/>
+      </p:sp>
+      <p:sp>
+        <p:nvSpPr>
+          <p:cNvPr id="3" name="מציין מיקום של הערות 2"/>
+          <p:cNvSpPr>
+            <a:spLocks noGrp="1"/>
+          </p:cNvSpPr>
+          <p:nvPr>
+            <p:ph type="body" idx="1"/>
+          </p:nvPr>
+        </p:nvSpPr>
+        <p:spPr/>
+        <p:txBody>
+          <a:bodyPr/>
+          <a:lstStyle/>
+          <a:p>
+            <a:r>
+              <a:rPr lang="he-IL" dirty="0"/>
+              <a:t>תודה לאיל!!!!! וליואב!!!!</a:t>
+            </a:r>
+          </a:p>
+        </p:txBody>
+      </p:sp>
+      <p:sp>
+        <p:nvSpPr>
+          <p:cNvPr id="4" name="מציין מיקום של כותרת עליונה 3"/>
+          <p:cNvSpPr>
+            <a:spLocks noGrp="1"/>
+          </p:cNvSpPr>
+          <p:nvPr>
+            <p:ph type="hdr" sz="quarter"/>
+          </p:nvPr>
+        </p:nvSpPr>
+        <p:spPr/>
+        <p:txBody>
+          <a:bodyPr/>
+          <a:lstStyle/>
+          <a:p>
+            <a:r>
+              <a:rPr lang="en-US"/>
+              <a:t>hjfhgdhgfdfgh</a:t>
+            </a:r>
+            <a:endParaRPr lang="he-IL"/>
+          </a:p>
+        </p:txBody>
+      </p:sp>
+      <p:sp>
+        <p:nvSpPr>
+          <p:cNvPr id="5" name="מציין מיקום של מספר שקופית 4"/>
+          <p:cNvSpPr>
+            <a:spLocks noGrp="1"/>
+          </p:cNvSpPr>
+          <p:nvPr>
+            <p:ph type="sldNum" sz="quarter" idx="5"/>
+          </p:nvPr>
+        </p:nvSpPr>
+        <p:spPr/>
+        <p:txBody>
+          <a:bodyPr/>
+          <a:lstStyle/>
+          <a:p>
+            <a:fld id="{5D87C9B3-3F36-45D2-B699-10C699E739B9}" type="slidenum">
+              <a:rPr lang="he-IL" smtClean="0"/>
+              <a:t>31</a:t>
+            </a:fld>
+            <a:endParaRPr lang="he-IL"/>
+          </a:p>
+        </p:txBody>
+      </p:sp>
+    </p:spTree>
+    <p:extLst>
+      <p:ext uri="{BB962C8B-B14F-4D97-AF65-F5344CB8AC3E}">
+        <p14:creationId xmlns:p14="http://schemas.microsoft.com/office/powerpoint/2010/main" val="4201386572"/>
       </p:ext>
     </p:extLst>
   </p:cSld>
@@ -11036,7 +11799,7 @@
           <a:p>
             <a:r>
               <a:rPr lang="he-IL" dirty="0"/>
-              <a:t>אלגוריתם האונליין מומש בעזר,:</a:t>
+              <a:t>אלגוריתם האונליין מומש בעזרת:</a:t>
             </a:r>
           </a:p>
           <a:p>
@@ -11045,8 +11808,12 @@
               <a:buChar char="•"/>
             </a:pPr>
             <a:r>
+              <a:rPr lang="he-IL" dirty="0" err="1"/>
+              <a:t>תיכנות</a:t>
+            </a:r>
+            <a:r>
               <a:rPr lang="he-IL" dirty="0"/>
-              <a:t>,יכנו, מונחה עצמים</a:t>
+              <a:t> מונחה עצמים</a:t>
             </a:r>
           </a:p>
           <a:p>
@@ -11070,13 +11837,8 @@
             </a:pPr>
             <a:r>
               <a:rPr lang="he-IL" dirty="0"/>
-              <a:t>,יכנון </a:t>
-            </a:r>
-            <a:r>
-              <a:rPr lang="he-IL" dirty="0" err="1"/>
-              <a:t>אלגורי,מי</a:t>
-            </a:r>
-            <a:endParaRPr lang="he-IL" dirty="0"/>
+              <a:t>תיכנון אלגוריתמי</a:t>
+            </a:r>
           </a:p>
           <a:p>
             <a:pPr marL="171450" indent="-171450">
@@ -11085,7 +11847,7 @@
             </a:pPr>
             <a:r>
               <a:rPr lang="he-IL" dirty="0"/>
-              <a:t>האלגוריתם מקבל כקלט קובץ </a:t>
+              <a:t>האלגוריתם האונליין מקבל כקלט קובץ </a:t>
             </a:r>
             <a:r>
               <a:rPr lang="en-US" dirty="0"/>
@@ -11093,7 +11855,7 @@
             </a:r>
             <a:r>
               <a:rPr lang="he-IL" dirty="0"/>
-              <a:t> וגר; </a:t>
+              <a:t> וגרף </a:t>
             </a:r>
             <a:r>
               <a:rPr lang="en-US" dirty="0"/>
@@ -11101,15 +11863,7 @@
             </a:r>
             <a:r>
               <a:rPr lang="he-IL" dirty="0"/>
-              <a:t> ומוציא כפלט קובץ המכיל את סדר </a:t>
-            </a:r>
-            <a:r>
-              <a:rPr lang="he-IL" dirty="0" err="1"/>
-              <a:t>הפעולו</a:t>
-            </a:r>
-            <a:r>
-              <a:rPr lang="he-IL" dirty="0"/>
-              <a:t>, שקרו במהלך היום.</a:t>
+              <a:t> ומוציא כפלט קובץ המכיל את סדר הפעולות שקרו במהלך היום.</a:t>
             </a:r>
           </a:p>
           <a:p>
@@ -11119,31 +11873,7 @@
             </a:pPr>
             <a:r>
               <a:rPr lang="he-IL" dirty="0"/>
-              <a:t>אלגוריתם האונליין משמש ב"מגדל פיקוח" אשר שולח משימו, </a:t>
-            </a:r>
-            <a:r>
-              <a:rPr lang="he-IL" dirty="0" err="1"/>
-              <a:t>לסביב</a:t>
-            </a:r>
-            <a:r>
-              <a:rPr lang="he-IL" dirty="0"/>
-              <a:t>, ההרצה )סימולטור( ומבצע החלטו, על בסיס מצב העולם </a:t>
-            </a:r>
-            <a:r>
-              <a:rPr lang="he-IL" dirty="0" err="1"/>
-              <a:t>וההפרעו</a:t>
-            </a:r>
-            <a:r>
-              <a:rPr lang="he-IL" dirty="0"/>
-              <a:t>, </a:t>
-            </a:r>
-            <a:r>
-              <a:rPr lang="he-IL" dirty="0" err="1"/>
-              <a:t>המ,רחשו</a:t>
-            </a:r>
-            <a:r>
-              <a:rPr lang="he-IL" dirty="0"/>
-              <a:t>,/</a:t>
+              <a:t>אלגוריתם האונליין משמש כ-"מגדל פיקוח" אשר שולח משימות לסביבת ההרצה (סימולטור) ומבצע החלטות על בסיס מצב העולם וההפרעות המתרחשות.</a:t>
             </a:r>
           </a:p>
           <a:p>
@@ -11152,52 +11882,34 @@
               <a:buChar char="-"/>
             </a:pPr>
             <a:r>
+              <a:rPr lang="he-IL" dirty="0"/>
+              <a:t>האלגוריתם צריך להחליט האם הוא מבצע תיקון מקומי, תיקון גלובלי, או תכנון מחדש (במקרה </a:t>
+            </a:r>
+            <a:r>
               <a:rPr lang="he-IL" dirty="0" err="1"/>
-              <a:t>ההחלטו</a:t>
+              <a:t>שהתכנית</a:t>
             </a:r>
             <a:r>
               <a:rPr lang="he-IL" dirty="0"/>
-              <a:t>, </a:t>
+              <a:t> אינה </a:t>
             </a:r>
             <a:r>
               <a:rPr lang="he-IL" dirty="0" err="1"/>
-              <a:t>שהאלגורי,ם</a:t>
+              <a:t>פיזיבילית</a:t>
             </a:r>
             <a:r>
               <a:rPr lang="he-IL" dirty="0"/>
-              <a:t> מקבל הן האם לבצע ,</a:t>
-            </a:r>
-            <a:r>
-              <a:rPr lang="he-IL" dirty="0" err="1"/>
-              <a:t>יקון</a:t>
-            </a:r>
-            <a:r>
-              <a:rPr lang="he-IL" dirty="0"/>
-              <a:t> מקומי' האם לבצע ,</a:t>
-            </a:r>
-            <a:r>
-              <a:rPr lang="he-IL" dirty="0" err="1"/>
-              <a:t>יקון</a:t>
-            </a:r>
-            <a:r>
-              <a:rPr lang="he-IL" dirty="0"/>
-              <a:t> גלובלי ),יכנון מחדש( או האם </a:t>
-            </a:r>
-            <a:r>
-              <a:rPr lang="he-IL" dirty="0" err="1"/>
-              <a:t>ה,כני</a:t>
-            </a:r>
-            <a:r>
-              <a:rPr lang="he-IL" dirty="0"/>
-              <a:t>, אינה </a:t>
-            </a:r>
-            <a:r>
-              <a:rPr lang="he-IL" dirty="0" err="1"/>
-              <a:t>פיזיבלי</a:t>
-            </a:r>
-            <a:r>
-              <a:rPr lang="he-IL" dirty="0"/>
-              <a:t>,/</a:t>
+              <a:t>)</a:t>
+            </a:r>
+          </a:p>
+          <a:p>
+            <a:pPr marL="171450" indent="-171450">
+              <a:buFontTx/>
+              <a:buChar char="-"/>
+            </a:pPr>
+            <a:r>
+              <a:rPr lang="he-IL" b="1" dirty="0"/>
+              <a:t>האם גלובלי לא נחשב תכנון מחדש?</a:t>
             </a:r>
           </a:p>
         </p:txBody>
@@ -11575,15 +12287,7 @@
           <a:p>
             <a:r>
               <a:rPr lang="he-IL" dirty="0"/>
-              <a:t>האלגוריתם צריך להחליט האם הוא יכול לרוץ עם </a:t>
-            </a:r>
-            <a:r>
-              <a:rPr lang="he-IL" dirty="0" err="1"/>
-              <a:t>ההפרעו</a:t>
-            </a:r>
-            <a:r>
-              <a:rPr lang="he-IL" dirty="0"/>
-              <a:t>, שצצו במהלך היום או לבצע ,יכנון מחדש ביחס למצב העולם בו הוא נמצא.</a:t>
+              <a:t>האלגוריתם צריך להחליט האם הוא יכול לרוץ עם ההפרעות שצצו במהלך היום או לבצע תיכנון מחדש ביחס למצב העולם בו הוא נמצא.</a:t>
             </a:r>
           </a:p>
           <a:p>
@@ -18470,7 +19174,7 @@
           <a:p>
             <a:pPr algn="l" rtl="0"/>
             <a:r>
-              <a:rPr lang="en-US" sz="6000" b="1" i="0" kern="1200">
+              <a:rPr lang="en-US" sz="6000" b="1" i="0" kern="1200" dirty="0">
                 <a:solidFill>
                   <a:schemeClr val="tx1"/>
                 </a:solidFill>
@@ -18481,7 +19185,7 @@
               </a:rPr>
               <a:t>General schema of the problem</a:t>
             </a:r>
-            <a:endParaRPr lang="en-US" sz="6000" b="1" kern="1200">
+            <a:endParaRPr lang="en-US" sz="6000" b="1" kern="1200" dirty="0">
               <a:solidFill>
                 <a:schemeClr val="tx1"/>
               </a:solidFill>
@@ -18709,10 +19413,10 @@
       </p:sp>
       <p:pic>
         <p:nvPicPr>
-          <p:cNvPr id="4" name="תמונה 3">
+          <p:cNvPr id="7" name="תמונה 6">
             <a:extLst>
               <a:ext uri="{FF2B5EF4-FFF2-40B4-BE49-F238E27FC236}">
-                <a16:creationId xmlns:a16="http://schemas.microsoft.com/office/drawing/2014/main" id="{3927218F-0555-4053-8B8E-F796012EADA4}"/>
+                <a16:creationId xmlns:a16="http://schemas.microsoft.com/office/drawing/2014/main" id="{361A4517-EDD6-47D7-96DB-E44E58657F9B}"/>
               </a:ext>
             </a:extLst>
           </p:cNvPr>
@@ -18729,8 +19433,8 @@
         </p:blipFill>
         <p:spPr>
           <a:xfrm>
-            <a:off x="5832821" y="557360"/>
-            <a:ext cx="5224332" cy="5632704"/>
+            <a:off x="6172957" y="861336"/>
+            <a:ext cx="4544059" cy="5134692"/>
           </a:xfrm>
           <a:prstGeom prst="rect">
             <a:avLst/>
@@ -18878,10 +19582,10 @@
       </p:sp>
       <p:pic>
         <p:nvPicPr>
-          <p:cNvPr id="9" name="תמונה 8">
+          <p:cNvPr id="4" name="תמונה 3">
             <a:extLst>
               <a:ext uri="{FF2B5EF4-FFF2-40B4-BE49-F238E27FC236}">
-                <a16:creationId xmlns:a16="http://schemas.microsoft.com/office/drawing/2014/main" id="{7E0E42AA-C0FD-429F-B916-DA79AFE654E0}"/>
+                <a16:creationId xmlns:a16="http://schemas.microsoft.com/office/drawing/2014/main" id="{E510DCC6-5E2E-4A28-90BE-62809804437F}"/>
               </a:ext>
             </a:extLst>
           </p:cNvPr>
@@ -18898,8 +19602,8 @@
         </p:blipFill>
         <p:spPr>
           <a:xfrm>
-            <a:off x="970835" y="1436489"/>
-            <a:ext cx="10250330" cy="4963218"/>
+            <a:off x="959522" y="1248849"/>
+            <a:ext cx="10272956" cy="5021605"/>
           </a:xfrm>
           <a:prstGeom prst="rect">
             <a:avLst/>
@@ -23556,6 +24260,187 @@
 </file>
 
 <file path=ppt/slides/slide24.xml><?xml version="1.0" encoding="utf-8"?>
+<p:sld xmlns:a="http://schemas.openxmlformats.org/drawingml/2006/main" xmlns:r="http://schemas.openxmlformats.org/officeDocument/2006/relationships" xmlns:p="http://schemas.openxmlformats.org/presentationml/2006/main">
+  <p:cSld>
+    <p:spTree>
+      <p:nvGrpSpPr>
+        <p:cNvPr id="1" name=""/>
+        <p:cNvGrpSpPr/>
+        <p:nvPr/>
+      </p:nvGrpSpPr>
+      <p:grpSpPr>
+        <a:xfrm>
+          <a:off x="0" y="0"/>
+          <a:ext cx="0" cy="0"/>
+          <a:chOff x="0" y="0"/>
+          <a:chExt cx="0" cy="0"/>
+        </a:xfrm>
+      </p:grpSpPr>
+      <p:sp>
+        <p:nvSpPr>
+          <p:cNvPr id="2" name="כותרת 1">
+            <a:extLst>
+              <a:ext uri="{FF2B5EF4-FFF2-40B4-BE49-F238E27FC236}">
+                <a16:creationId xmlns:a16="http://schemas.microsoft.com/office/drawing/2014/main" id="{8A89DB29-573A-4FA8-BC7D-7A78F7A84C6B}"/>
+              </a:ext>
+            </a:extLst>
+          </p:cNvPr>
+          <p:cNvSpPr>
+            <a:spLocks noGrp="1"/>
+          </p:cNvSpPr>
+          <p:nvPr>
+            <p:ph type="title"/>
+          </p:nvPr>
+        </p:nvSpPr>
+        <p:spPr/>
+        <p:txBody>
+          <a:bodyPr>
+            <a:normAutofit/>
+          </a:bodyPr>
+          <a:lstStyle/>
+          <a:p>
+            <a:pPr algn="ctr"/>
+            <a:r>
+              <a:rPr lang="en-US" sz="4400" b="1" dirty="0">
+                <a:solidFill>
+                  <a:srgbClr val="002060"/>
+                </a:solidFill>
+                <a:latin typeface="Calibri Light" panose="020F0302020204030204" pitchFamily="34" charset="0"/>
+                <a:cs typeface="Calibri Light" panose="020F0302020204030204" pitchFamily="34" charset="0"/>
+              </a:rPr>
+              <a:t>Clock </a:t>
+            </a:r>
+            <a:r>
+              <a:rPr lang="en-US" b="1" i="0" dirty="0">
+                <a:solidFill>
+                  <a:srgbClr val="002060"/>
+                </a:solidFill>
+                <a:effectLst/>
+                <a:cs typeface="Assistant" pitchFamily="2" charset="-79"/>
+              </a:rPr>
+              <a:t>module</a:t>
+            </a:r>
+            <a:br>
+              <a:rPr lang="en-US" sz="1800" b="1" i="0" dirty="0">
+                <a:solidFill>
+                  <a:srgbClr val="002060"/>
+                </a:solidFill>
+                <a:effectLst/>
+                <a:cs typeface="Assistant" pitchFamily="2" charset="-79"/>
+              </a:rPr>
+            </a:br>
+            <a:r>
+              <a:rPr lang="en-US" sz="1800" b="1" dirty="0">
+                <a:solidFill>
+                  <a:srgbClr val="002060"/>
+                </a:solidFill>
+                <a:latin typeface="Calibri Light" panose="020F0302020204030204" pitchFamily="34" charset="0"/>
+                <a:cs typeface="Calibri Light" panose="020F0302020204030204" pitchFamily="34" charset="0"/>
+              </a:rPr>
+              <a:t>Problems and Solutions</a:t>
+            </a:r>
+            <a:endParaRPr lang="he-IL" sz="4400" b="1" dirty="0">
+              <a:solidFill>
+                <a:srgbClr val="002060"/>
+              </a:solidFill>
+              <a:latin typeface="Calibri Light" panose="020F0302020204030204" pitchFamily="34" charset="0"/>
+              <a:cs typeface="Calibri Light" panose="020F0302020204030204" pitchFamily="34" charset="0"/>
+            </a:endParaRPr>
+          </a:p>
+        </p:txBody>
+      </p:sp>
+      <p:sp>
+        <p:nvSpPr>
+          <p:cNvPr id="6" name="מציין מיקום טקסט 5">
+            <a:extLst>
+              <a:ext uri="{FF2B5EF4-FFF2-40B4-BE49-F238E27FC236}">
+                <a16:creationId xmlns:a16="http://schemas.microsoft.com/office/drawing/2014/main" id="{C778DE2C-6334-43CB-A106-325E2994739F}"/>
+              </a:ext>
+            </a:extLst>
+          </p:cNvPr>
+          <p:cNvSpPr>
+            <a:spLocks noGrp="1"/>
+          </p:cNvSpPr>
+          <p:nvPr>
+            <p:ph type="body" idx="4294967295"/>
+          </p:nvPr>
+        </p:nvSpPr>
+        <p:spPr>
+          <a:xfrm>
+            <a:off x="838201" y="2090057"/>
+            <a:ext cx="5705474" cy="1542143"/>
+          </a:xfrm>
+        </p:spPr>
+        <p:txBody>
+          <a:bodyPr>
+            <a:normAutofit/>
+          </a:bodyPr>
+          <a:lstStyle/>
+          <a:p>
+            <a:pPr marL="342900" indent="-342900" algn="l" rtl="0">
+              <a:buFont typeface="Arial" panose="020B0604020202020204" pitchFamily="34" charset="0"/>
+              <a:buChar char="•"/>
+            </a:pPr>
+            <a:r>
+              <a:rPr lang="en-US" sz="2400" dirty="0">
+                <a:solidFill>
+                  <a:srgbClr val="002060"/>
+                </a:solidFill>
+              </a:rPr>
+              <a:t>ZERO</a:t>
+            </a:r>
+            <a:endParaRPr lang="en-US" sz="2400" b="0" i="0" dirty="0">
+              <a:solidFill>
+                <a:srgbClr val="002060"/>
+              </a:solidFill>
+              <a:effectLst/>
+            </a:endParaRPr>
+          </a:p>
+        </p:txBody>
+      </p:sp>
+      <p:pic>
+        <p:nvPicPr>
+          <p:cNvPr id="5" name="תמונה 4">
+            <a:extLst>
+              <a:ext uri="{FF2B5EF4-FFF2-40B4-BE49-F238E27FC236}">
+                <a16:creationId xmlns:a16="http://schemas.microsoft.com/office/drawing/2014/main" id="{3150E5DF-15A5-4F52-8E9D-CB6254F71688}"/>
+              </a:ext>
+            </a:extLst>
+          </p:cNvPr>
+          <p:cNvPicPr>
+            <a:picLocks noChangeAspect="1"/>
+          </p:cNvPicPr>
+          <p:nvPr/>
+        </p:nvPicPr>
+        <p:blipFill rotWithShape="1">
+          <a:blip r:embed="rId3"/>
+          <a:srcRect b="1955"/>
+          <a:stretch/>
+        </p:blipFill>
+        <p:spPr>
+          <a:xfrm>
+            <a:off x="4735036" y="3632200"/>
+            <a:ext cx="6830378" cy="1924050"/>
+          </a:xfrm>
+          <a:prstGeom prst="rect">
+            <a:avLst/>
+          </a:prstGeom>
+        </p:spPr>
+      </p:pic>
+    </p:spTree>
+    <p:extLst>
+      <p:ext uri="{BB962C8B-B14F-4D97-AF65-F5344CB8AC3E}">
+        <p14:creationId xmlns:p14="http://schemas.microsoft.com/office/powerpoint/2010/main" val="1206695979"/>
+      </p:ext>
+    </p:extLst>
+  </p:cSld>
+  <p:clrMapOvr>
+    <a:masterClrMapping/>
+  </p:clrMapOvr>
+</p:sld>
+</file>
+
+<file path=ppt/slides/slide25.xml><?xml version="1.0" encoding="utf-8"?>
 <p:sld xmlns:a="http://schemas.openxmlformats.org/drawingml/2006/main" xmlns:r="http://schemas.openxmlformats.org/officeDocument/2006/relationships" xmlns:p="http://schemas.openxmlformats.org/presentationml/2006/main">
   <p:cSld>
     <p:spTree>
@@ -26147,7 +27032,7 @@
 </p:sld>
 </file>
 
-<file path=ppt/slides/slide25.xml><?xml version="1.0" encoding="utf-8"?>
+<file path=ppt/slides/slide26.xml><?xml version="1.0" encoding="utf-8"?>
 <p:sld xmlns:a="http://schemas.openxmlformats.org/drawingml/2006/main" xmlns:r="http://schemas.openxmlformats.org/officeDocument/2006/relationships" xmlns:p="http://schemas.openxmlformats.org/presentationml/2006/main">
   <p:cSld>
     <p:spTree>
@@ -26527,176 +27412,6 @@
 </p:sld>
 </file>
 
-<file path=ppt/slides/slide26.xml><?xml version="1.0" encoding="utf-8"?>
-<p:sld xmlns:a="http://schemas.openxmlformats.org/drawingml/2006/main" xmlns:r="http://schemas.openxmlformats.org/officeDocument/2006/relationships" xmlns:p="http://schemas.openxmlformats.org/presentationml/2006/main">
-  <p:cSld>
-    <p:spTree>
-      <p:nvGrpSpPr>
-        <p:cNvPr id="1" name=""/>
-        <p:cNvGrpSpPr/>
-        <p:nvPr/>
-      </p:nvGrpSpPr>
-      <p:grpSpPr>
-        <a:xfrm>
-          <a:off x="0" y="0"/>
-          <a:ext cx="0" cy="0"/>
-          <a:chOff x="0" y="0"/>
-          <a:chExt cx="0" cy="0"/>
-        </a:xfrm>
-      </p:grpSpPr>
-      <p:sp>
-        <p:nvSpPr>
-          <p:cNvPr id="2" name="כותרת 1">
-            <a:extLst>
-              <a:ext uri="{FF2B5EF4-FFF2-40B4-BE49-F238E27FC236}">
-                <a16:creationId xmlns:a16="http://schemas.microsoft.com/office/drawing/2014/main" id="{8A89DB29-573A-4FA8-BC7D-7A78F7A84C6B}"/>
-              </a:ext>
-            </a:extLst>
-          </p:cNvPr>
-          <p:cNvSpPr>
-            <a:spLocks noGrp="1"/>
-          </p:cNvSpPr>
-          <p:nvPr>
-            <p:ph type="title"/>
-          </p:nvPr>
-        </p:nvSpPr>
-        <p:spPr/>
-        <p:txBody>
-          <a:bodyPr>
-            <a:normAutofit/>
-          </a:bodyPr>
-          <a:lstStyle/>
-          <a:p>
-            <a:pPr algn="ctr"/>
-            <a:r>
-              <a:rPr lang="en-US" sz="4400" b="1" dirty="0">
-                <a:solidFill>
-                  <a:srgbClr val="002060"/>
-                </a:solidFill>
-                <a:latin typeface="Calibri Light" panose="020F0302020204030204" pitchFamily="34" charset="0"/>
-                <a:cs typeface="Calibri Light" panose="020F0302020204030204" pitchFamily="34" charset="0"/>
-              </a:rPr>
-              <a:t>Interrupt</a:t>
-            </a:r>
-            <a:r>
-              <a:rPr lang="en-US" b="1" i="0" dirty="0">
-                <a:solidFill>
-                  <a:srgbClr val="002060"/>
-                </a:solidFill>
-                <a:effectLst/>
-                <a:cs typeface="Assistant" pitchFamily="2" charset="-79"/>
-              </a:rPr>
-              <a:t> module</a:t>
-            </a:r>
-            <a:endParaRPr lang="he-IL" sz="4400" b="1" dirty="0">
-              <a:solidFill>
-                <a:srgbClr val="002060"/>
-              </a:solidFill>
-              <a:latin typeface="Calibri Light" panose="020F0302020204030204" pitchFamily="34" charset="0"/>
-              <a:cs typeface="Calibri Light" panose="020F0302020204030204" pitchFamily="34" charset="0"/>
-            </a:endParaRPr>
-          </a:p>
-        </p:txBody>
-      </p:sp>
-      <p:sp>
-        <p:nvSpPr>
-          <p:cNvPr id="6" name="מציין מיקום טקסט 5">
-            <a:extLst>
-              <a:ext uri="{FF2B5EF4-FFF2-40B4-BE49-F238E27FC236}">
-                <a16:creationId xmlns:a16="http://schemas.microsoft.com/office/drawing/2014/main" id="{C778DE2C-6334-43CB-A106-325E2994739F}"/>
-              </a:ext>
-            </a:extLst>
-          </p:cNvPr>
-          <p:cNvSpPr>
-            <a:spLocks noGrp="1"/>
-          </p:cNvSpPr>
-          <p:nvPr>
-            <p:ph type="body" idx="4294967295"/>
-          </p:nvPr>
-        </p:nvSpPr>
-        <p:spPr>
-          <a:xfrm>
-            <a:off x="838201" y="2090057"/>
-            <a:ext cx="4330700" cy="1542143"/>
-          </a:xfrm>
-        </p:spPr>
-        <p:txBody>
-          <a:bodyPr/>
-          <a:lstStyle/>
-          <a:p>
-            <a:pPr marL="342900" indent="-342900" algn="l" rtl="0">
-              <a:buFont typeface="Arial" panose="020B0604020202020204" pitchFamily="34" charset="0"/>
-              <a:buChar char="•"/>
-            </a:pPr>
-            <a:r>
-              <a:rPr lang="en-US" sz="2400" dirty="0">
-                <a:solidFill>
-                  <a:srgbClr val="002060"/>
-                </a:solidFill>
-              </a:rPr>
-              <a:t>Action count, duration</a:t>
-            </a:r>
-            <a:endParaRPr lang="he-IL" sz="2400" b="0" i="0" dirty="0">
-              <a:solidFill>
-                <a:srgbClr val="002060"/>
-              </a:solidFill>
-              <a:effectLst/>
-            </a:endParaRPr>
-          </a:p>
-          <a:p>
-            <a:pPr marL="342900" indent="-342900" algn="l" rtl="0">
-              <a:buFont typeface="Arial" panose="020B0604020202020204" pitchFamily="34" charset="0"/>
-              <a:buChar char="•"/>
-            </a:pPr>
-            <a:r>
-              <a:rPr lang="en-US" sz="2400" dirty="0">
-                <a:solidFill>
-                  <a:srgbClr val="002060"/>
-                </a:solidFill>
-              </a:rPr>
-              <a:t>Holds ref to: Clock, Events</a:t>
-            </a:r>
-          </a:p>
-          <a:p>
-            <a:pPr marL="342900" indent="-342900" algn="l" rtl="0">
-              <a:buFont typeface="Arial" panose="020B0604020202020204" pitchFamily="34" charset="0"/>
-              <a:buChar char="•"/>
-            </a:pPr>
-            <a:r>
-              <a:rPr lang="en-US" sz="2400" dirty="0">
-                <a:solidFill>
-                  <a:srgbClr val="002060"/>
-                </a:solidFill>
-              </a:rPr>
-              <a:t>Listen to: Controller</a:t>
-            </a:r>
-          </a:p>
-          <a:p>
-            <a:pPr marL="342900" indent="-342900" algn="l" rtl="0">
-              <a:buFont typeface="Arial" panose="020B0604020202020204" pitchFamily="34" charset="0"/>
-              <a:buChar char="•"/>
-            </a:pPr>
-            <a:endParaRPr lang="en-US" dirty="0">
-              <a:solidFill>
-                <a:srgbClr val="002060"/>
-              </a:solidFill>
-            </a:endParaRPr>
-          </a:p>
-        </p:txBody>
-      </p:sp>
-    </p:spTree>
-    <p:extLst>
-      <p:ext uri="{BB962C8B-B14F-4D97-AF65-F5344CB8AC3E}">
-        <p14:creationId xmlns:p14="http://schemas.microsoft.com/office/powerpoint/2010/main" val="1450417377"/>
-      </p:ext>
-    </p:extLst>
-  </p:cSld>
-  <p:clrMapOvr>
-    <a:masterClrMapping/>
-  </p:clrMapOvr>
-</p:sld>
-</file>
-
 <file path=ppt/slides/slide27.xml><?xml version="1.0" encoding="utf-8"?>
 <p:sld xmlns:a="http://schemas.openxmlformats.org/drawingml/2006/main" xmlns:r="http://schemas.openxmlformats.org/officeDocument/2006/relationships" xmlns:p="http://schemas.openxmlformats.org/presentationml/2006/main">
   <p:cSld>
@@ -26719,7 +27434,7 @@
           <p:cNvPr id="2" name="כותרת 1">
             <a:extLst>
               <a:ext uri="{FF2B5EF4-FFF2-40B4-BE49-F238E27FC236}">
-                <a16:creationId xmlns:a16="http://schemas.microsoft.com/office/drawing/2014/main" id="{88D98B86-C5B7-4A01-8E43-ECD04D8869D6}"/>
+                <a16:creationId xmlns:a16="http://schemas.microsoft.com/office/drawing/2014/main" id="{8A89DB29-573A-4FA8-BC7D-7A78F7A84C6B}"/>
               </a:ext>
             </a:extLst>
           </p:cNvPr>
@@ -26732,19 +27447,48 @@
         </p:nvSpPr>
         <p:spPr/>
         <p:txBody>
-          <a:bodyPr/>
+          <a:bodyPr>
+            <a:normAutofit/>
+          </a:bodyPr>
           <a:lstStyle/>
           <a:p>
-            <a:endParaRPr lang="he-IL" dirty="0"/>
+            <a:pPr algn="ctr"/>
+            <a:r>
+              <a:rPr lang="en-US" sz="4400" b="1" dirty="0">
+                <a:solidFill>
+                  <a:srgbClr val="002060"/>
+                </a:solidFill>
+                <a:latin typeface="Calibri Light" panose="020F0302020204030204" pitchFamily="34" charset="0"/>
+                <a:cs typeface="Calibri Light" panose="020F0302020204030204" pitchFamily="34" charset="0"/>
+              </a:rPr>
+              <a:t>Interrupt</a:t>
+            </a:r>
+            <a:r>
+              <a:rPr lang="en-US" b="1" i="0" dirty="0">
+                <a:solidFill>
+                  <a:srgbClr val="002060"/>
+                </a:solidFill>
+                <a:effectLst/>
+                <a:cs typeface="Assistant" pitchFamily="2" charset="-79"/>
+              </a:rPr>
+              <a:t> module</a:t>
+            </a:r>
+            <a:endParaRPr lang="he-IL" sz="4400" b="1" dirty="0">
+              <a:solidFill>
+                <a:srgbClr val="002060"/>
+              </a:solidFill>
+              <a:latin typeface="Calibri Light" panose="020F0302020204030204" pitchFamily="34" charset="0"/>
+              <a:cs typeface="Calibri Light" panose="020F0302020204030204" pitchFamily="34" charset="0"/>
+            </a:endParaRPr>
           </a:p>
         </p:txBody>
       </p:sp>
       <p:sp>
         <p:nvSpPr>
-          <p:cNvPr id="3" name="מציין מיקום טקסט 2">
+          <p:cNvPr id="6" name="מציין מיקום טקסט 5">
             <a:extLst>
               <a:ext uri="{FF2B5EF4-FFF2-40B4-BE49-F238E27FC236}">
-                <a16:creationId xmlns:a16="http://schemas.microsoft.com/office/drawing/2014/main" id="{E6B91886-07E7-4C81-9AAF-69D8F8D5C895}"/>
+                <a16:creationId xmlns:a16="http://schemas.microsoft.com/office/drawing/2014/main" id="{C778DE2C-6334-43CB-A106-325E2994739F}"/>
               </a:ext>
             </a:extLst>
           </p:cNvPr>
@@ -26752,30 +27496,83 @@
             <a:spLocks noGrp="1"/>
           </p:cNvSpPr>
           <p:nvPr>
-            <p:ph type="body" idx="1"/>
-          </p:nvPr>
-        </p:nvSpPr>
-        <p:spPr/>
+            <p:ph type="body" idx="4294967295"/>
+          </p:nvPr>
+        </p:nvSpPr>
+        <p:spPr>
+          <a:xfrm>
+            <a:off x="838201" y="2090057"/>
+            <a:ext cx="4330700" cy="1542143"/>
+          </a:xfrm>
+        </p:spPr>
         <p:txBody>
           <a:bodyPr/>
           <a:lstStyle/>
           <a:p>
-            <a:r>
-              <a:rPr lang="he-IL" dirty="0"/>
-              <a:t>תוצאות – </a:t>
-            </a:r>
-            <a:r>
-              <a:rPr lang="en-US" dirty="0"/>
-              <a:t>log output</a:t>
-            </a:r>
-            <a:endParaRPr lang="he-IL" dirty="0"/>
+            <a:pPr marL="342900" indent="-342900" algn="l" rtl="0">
+              <a:buFont typeface="Arial" panose="020B0604020202020204" pitchFamily="34" charset="0"/>
+              <a:buChar char="•"/>
+            </a:pPr>
+            <a:r>
+              <a:rPr lang="en-US" sz="2400" dirty="0">
+                <a:solidFill>
+                  <a:srgbClr val="002060"/>
+                </a:solidFill>
+              </a:rPr>
+              <a:t>Action count, duration</a:t>
+            </a:r>
+            <a:endParaRPr lang="he-IL" sz="2400" b="0" i="0" dirty="0">
+              <a:solidFill>
+                <a:srgbClr val="002060"/>
+              </a:solidFill>
+              <a:effectLst/>
+            </a:endParaRPr>
+          </a:p>
+          <a:p>
+            <a:pPr marL="342900" indent="-342900" algn="l" rtl="0">
+              <a:buFont typeface="Arial" panose="020B0604020202020204" pitchFamily="34" charset="0"/>
+              <a:buChar char="•"/>
+            </a:pPr>
+            <a:r>
+              <a:rPr lang="en-US" sz="2400" dirty="0">
+                <a:solidFill>
+                  <a:srgbClr val="002060"/>
+                </a:solidFill>
+              </a:rPr>
+              <a:t>Holds ref to: Clock, Events</a:t>
+            </a:r>
+          </a:p>
+          <a:p>
+            <a:pPr marL="342900" indent="-342900" algn="l" rtl="0">
+              <a:buFont typeface="Arial" panose="020B0604020202020204" pitchFamily="34" charset="0"/>
+              <a:buChar char="•"/>
+            </a:pPr>
+            <a:r>
+              <a:rPr lang="en-US" sz="2400" dirty="0">
+                <a:solidFill>
+                  <a:srgbClr val="002060"/>
+                </a:solidFill>
+              </a:rPr>
+              <a:t>Listen to: Controller</a:t>
+            </a:r>
+          </a:p>
+          <a:p>
+            <a:pPr marL="342900" indent="-342900" algn="l" rtl="0">
+              <a:buFont typeface="Arial" panose="020B0604020202020204" pitchFamily="34" charset="0"/>
+              <a:buChar char="•"/>
+            </a:pPr>
+            <a:endParaRPr lang="en-US" dirty="0">
+              <a:solidFill>
+                <a:srgbClr val="002060"/>
+              </a:solidFill>
+            </a:endParaRPr>
           </a:p>
         </p:txBody>
       </p:sp>
     </p:spTree>
     <p:extLst>
       <p:ext uri="{BB962C8B-B14F-4D97-AF65-F5344CB8AC3E}">
-        <p14:creationId xmlns:p14="http://schemas.microsoft.com/office/powerpoint/2010/main" val="2659655321"/>
+        <p14:creationId xmlns:p14="http://schemas.microsoft.com/office/powerpoint/2010/main" val="1450417377"/>
       </p:ext>
     </p:extLst>
   </p:cSld>
@@ -26863,7 +27660,7 @@
     </p:spTree>
     <p:extLst>
       <p:ext uri="{BB962C8B-B14F-4D97-AF65-F5344CB8AC3E}">
-        <p14:creationId xmlns:p14="http://schemas.microsoft.com/office/powerpoint/2010/main" val="2265013049"/>
+        <p14:creationId xmlns:p14="http://schemas.microsoft.com/office/powerpoint/2010/main" val="2659655321"/>
       </p:ext>
     </p:extLst>
   </p:cSld>
@@ -26895,7 +27692,7 @@
           <p:cNvPr id="2" name="כותרת 1">
             <a:extLst>
               <a:ext uri="{FF2B5EF4-FFF2-40B4-BE49-F238E27FC236}">
-                <a16:creationId xmlns:a16="http://schemas.microsoft.com/office/drawing/2014/main" id="{8A89DB29-573A-4FA8-BC7D-7A78F7A84C6B}"/>
+                <a16:creationId xmlns:a16="http://schemas.microsoft.com/office/drawing/2014/main" id="{88D98B86-C5B7-4A01-8E43-ECD04D8869D6}"/>
               </a:ext>
             </a:extLst>
           </p:cNvPr>
@@ -26908,36 +27705,19 @@
         </p:nvSpPr>
         <p:spPr/>
         <p:txBody>
-          <a:bodyPr>
-            <a:normAutofit/>
-          </a:bodyPr>
+          <a:bodyPr/>
           <a:lstStyle/>
           <a:p>
-            <a:pPr algn="ctr"/>
-            <a:r>
-              <a:rPr lang="en-US" b="1" dirty="0">
-                <a:solidFill>
-                  <a:srgbClr val="002060"/>
-                </a:solidFill>
-              </a:rPr>
-              <a:t>Future Work</a:t>
-            </a:r>
-            <a:endParaRPr lang="he-IL" sz="4400" b="1" dirty="0">
-              <a:solidFill>
-                <a:srgbClr val="002060"/>
-              </a:solidFill>
-              <a:latin typeface="Calibri Light" panose="020F0302020204030204" pitchFamily="34" charset="0"/>
-              <a:cs typeface="Calibri Light" panose="020F0302020204030204" pitchFamily="34" charset="0"/>
-            </a:endParaRPr>
+            <a:endParaRPr lang="he-IL" dirty="0"/>
           </a:p>
         </p:txBody>
       </p:sp>
       <p:sp>
         <p:nvSpPr>
-          <p:cNvPr id="6" name="מציין מיקום טקסט 5">
+          <p:cNvPr id="3" name="מציין מיקום טקסט 2">
             <a:extLst>
               <a:ext uri="{FF2B5EF4-FFF2-40B4-BE49-F238E27FC236}">
-                <a16:creationId xmlns:a16="http://schemas.microsoft.com/office/drawing/2014/main" id="{C778DE2C-6334-43CB-A106-325E2994739F}"/>
+                <a16:creationId xmlns:a16="http://schemas.microsoft.com/office/drawing/2014/main" id="{E6B91886-07E7-4C81-9AAF-69D8F8D5C895}"/>
               </a:ext>
             </a:extLst>
           </p:cNvPr>
@@ -26945,99 +27725,30 @@
             <a:spLocks noGrp="1"/>
           </p:cNvSpPr>
           <p:nvPr>
-            <p:ph type="body" idx="4294967295"/>
-          </p:nvPr>
-        </p:nvSpPr>
-        <p:spPr>
-          <a:xfrm>
-            <a:off x="838200" y="2090057"/>
-            <a:ext cx="9713685" cy="2072368"/>
-          </a:xfrm>
-        </p:spPr>
+            <p:ph type="body" idx="1"/>
+          </p:nvPr>
+        </p:nvSpPr>
+        <p:spPr/>
         <p:txBody>
-          <a:bodyPr>
-            <a:normAutofit/>
-          </a:bodyPr>
+          <a:bodyPr/>
           <a:lstStyle/>
           <a:p>
-            <a:pPr marL="342900" indent="-342900" algn="l" rtl="0">
-              <a:buFont typeface="Arial" panose="020B0604020202020204" pitchFamily="34" charset="0"/>
-              <a:buChar char="•"/>
-            </a:pPr>
-            <a:r>
-              <a:rPr lang="en-US" sz="2400" b="0" i="0" dirty="0">
-                <a:solidFill>
-                  <a:srgbClr val="002060"/>
-                </a:solidFill>
-                <a:effectLst/>
-                <a:cs typeface="Assistant" pitchFamily="2" charset="-79"/>
-              </a:rPr>
-              <a:t>Add more types of interruptions</a:t>
-            </a:r>
-          </a:p>
-          <a:p>
-            <a:pPr marL="342900" indent="-342900" algn="l" rtl="0">
-              <a:buFont typeface="Arial" panose="020B0604020202020204" pitchFamily="34" charset="0"/>
-              <a:buChar char="•"/>
-            </a:pPr>
-            <a:r>
-              <a:rPr lang="en-US" sz="2400" b="0" i="0" dirty="0">
-                <a:solidFill>
-                  <a:srgbClr val="002060"/>
-                </a:solidFill>
-                <a:effectLst/>
-                <a:cs typeface="Assistant" pitchFamily="2" charset="-79"/>
-              </a:rPr>
-              <a:t>A</a:t>
-            </a:r>
-            <a:r>
-              <a:rPr lang="en-US" sz="2400" dirty="0">
-                <a:solidFill>
-                  <a:srgbClr val="002060"/>
-                </a:solidFill>
-                <a:cs typeface="Assistant" pitchFamily="2" charset="-79"/>
-              </a:rPr>
-              <a:t>dd a GUI</a:t>
-            </a:r>
-            <a:endParaRPr lang="he-IL" sz="2400" dirty="0">
-              <a:solidFill>
-                <a:srgbClr val="002060"/>
-              </a:solidFill>
-              <a:cs typeface="Assistant" pitchFamily="2" charset="-79"/>
-            </a:endParaRPr>
-          </a:p>
-          <a:p>
-            <a:pPr marL="342900" indent="-342900" algn="l" rtl="0">
-              <a:buFont typeface="Arial" panose="020B0604020202020204" pitchFamily="34" charset="0"/>
-              <a:buChar char="•"/>
-            </a:pPr>
-            <a:r>
-              <a:rPr lang="en-US" sz="2400" b="0" i="0" dirty="0">
-                <a:solidFill>
-                  <a:srgbClr val="002060"/>
-                </a:solidFill>
-                <a:effectLst/>
-                <a:cs typeface="Assistant" pitchFamily="2" charset="-79"/>
-              </a:rPr>
-              <a:t>Make the system interactive</a:t>
-            </a:r>
-          </a:p>
-          <a:p>
-            <a:pPr marL="0" indent="0" algn="l" rtl="0">
-              <a:buNone/>
-            </a:pPr>
-            <a:endParaRPr lang="en-US" dirty="0">
-              <a:solidFill>
-                <a:srgbClr val="002060"/>
-              </a:solidFill>
-            </a:endParaRPr>
+            <a:r>
+              <a:rPr lang="he-IL" dirty="0"/>
+              <a:t>תוצאות – </a:t>
+            </a:r>
+            <a:r>
+              <a:rPr lang="en-US" dirty="0"/>
+              <a:t>log output</a:t>
+            </a:r>
+            <a:endParaRPr lang="he-IL" dirty="0"/>
           </a:p>
         </p:txBody>
       </p:sp>
     </p:spTree>
     <p:extLst>
       <p:ext uri="{BB962C8B-B14F-4D97-AF65-F5344CB8AC3E}">
-        <p14:creationId xmlns:p14="http://schemas.microsoft.com/office/powerpoint/2010/main" val="3853127531"/>
+        <p14:creationId xmlns:p14="http://schemas.microsoft.com/office/powerpoint/2010/main" val="2265013049"/>
       </p:ext>
     </p:extLst>
   </p:cSld>
@@ -27124,7 +27835,7 @@
         <p:spPr>
           <a:xfrm>
             <a:off x="1266824" y="1926590"/>
-            <a:ext cx="9648825" cy="3139321"/>
+            <a:ext cx="9648825" cy="3693319"/>
           </a:xfrm>
           <a:prstGeom prst="rect">
             <a:avLst/>
@@ -27150,6 +27861,18 @@
               </a:rPr>
               <a:t>Building a day plan and monitoring it in real time is a complex problem.</a:t>
             </a:r>
+          </a:p>
+          <a:p>
+            <a:pPr algn="l" rtl="0">
+              <a:lnSpc>
+                <a:spcPct val="150000"/>
+              </a:lnSpc>
+            </a:pPr>
+            <a:endParaRPr lang="en-US" sz="2400" dirty="0">
+              <a:solidFill>
+                <a:srgbClr val="002060"/>
+              </a:solidFill>
+            </a:endParaRPr>
           </a:p>
           <a:p>
             <a:pPr algn="l" rtl="0">
@@ -27342,6 +28065,180 @@
 </file>
 
 <file path=ppt/slides/slide30.xml><?xml version="1.0" encoding="utf-8"?>
+<p:sld xmlns:a="http://schemas.openxmlformats.org/drawingml/2006/main" xmlns:r="http://schemas.openxmlformats.org/officeDocument/2006/relationships" xmlns:p="http://schemas.openxmlformats.org/presentationml/2006/main">
+  <p:cSld>
+    <p:spTree>
+      <p:nvGrpSpPr>
+        <p:cNvPr id="1" name=""/>
+        <p:cNvGrpSpPr/>
+        <p:nvPr/>
+      </p:nvGrpSpPr>
+      <p:grpSpPr>
+        <a:xfrm>
+          <a:off x="0" y="0"/>
+          <a:ext cx="0" cy="0"/>
+          <a:chOff x="0" y="0"/>
+          <a:chExt cx="0" cy="0"/>
+        </a:xfrm>
+      </p:grpSpPr>
+      <p:sp>
+        <p:nvSpPr>
+          <p:cNvPr id="2" name="כותרת 1">
+            <a:extLst>
+              <a:ext uri="{FF2B5EF4-FFF2-40B4-BE49-F238E27FC236}">
+                <a16:creationId xmlns:a16="http://schemas.microsoft.com/office/drawing/2014/main" id="{8A89DB29-573A-4FA8-BC7D-7A78F7A84C6B}"/>
+              </a:ext>
+            </a:extLst>
+          </p:cNvPr>
+          <p:cNvSpPr>
+            <a:spLocks noGrp="1"/>
+          </p:cNvSpPr>
+          <p:nvPr>
+            <p:ph type="title"/>
+          </p:nvPr>
+        </p:nvSpPr>
+        <p:spPr/>
+        <p:txBody>
+          <a:bodyPr>
+            <a:normAutofit/>
+          </a:bodyPr>
+          <a:lstStyle/>
+          <a:p>
+            <a:pPr algn="ctr"/>
+            <a:r>
+              <a:rPr lang="en-US" b="1" dirty="0">
+                <a:solidFill>
+                  <a:srgbClr val="002060"/>
+                </a:solidFill>
+              </a:rPr>
+              <a:t>Future Work</a:t>
+            </a:r>
+            <a:endParaRPr lang="he-IL" sz="4400" b="1" dirty="0">
+              <a:solidFill>
+                <a:srgbClr val="002060"/>
+              </a:solidFill>
+              <a:latin typeface="Calibri Light" panose="020F0302020204030204" pitchFamily="34" charset="0"/>
+              <a:cs typeface="Calibri Light" panose="020F0302020204030204" pitchFamily="34" charset="0"/>
+            </a:endParaRPr>
+          </a:p>
+        </p:txBody>
+      </p:sp>
+      <p:sp>
+        <p:nvSpPr>
+          <p:cNvPr id="6" name="מציין מיקום טקסט 5">
+            <a:extLst>
+              <a:ext uri="{FF2B5EF4-FFF2-40B4-BE49-F238E27FC236}">
+                <a16:creationId xmlns:a16="http://schemas.microsoft.com/office/drawing/2014/main" id="{C778DE2C-6334-43CB-A106-325E2994739F}"/>
+              </a:ext>
+            </a:extLst>
+          </p:cNvPr>
+          <p:cNvSpPr>
+            <a:spLocks noGrp="1"/>
+          </p:cNvSpPr>
+          <p:nvPr>
+            <p:ph type="body" idx="4294967295"/>
+          </p:nvPr>
+        </p:nvSpPr>
+        <p:spPr>
+          <a:xfrm>
+            <a:off x="838200" y="2090057"/>
+            <a:ext cx="9713685" cy="2072368"/>
+          </a:xfrm>
+        </p:spPr>
+        <p:txBody>
+          <a:bodyPr>
+            <a:normAutofit/>
+          </a:bodyPr>
+          <a:lstStyle/>
+          <a:p>
+            <a:pPr marL="342900" indent="-342900" algn="l" rtl="0">
+              <a:buFont typeface="Arial" panose="020B0604020202020204" pitchFamily="34" charset="0"/>
+              <a:buChar char="•"/>
+            </a:pPr>
+            <a:r>
+              <a:rPr lang="en-US" sz="2400" b="0" i="0" dirty="0">
+                <a:solidFill>
+                  <a:srgbClr val="002060"/>
+                </a:solidFill>
+                <a:effectLst/>
+                <a:cs typeface="Assistant" pitchFamily="2" charset="-79"/>
+              </a:rPr>
+              <a:t>Add more types of interruptions</a:t>
+            </a:r>
+          </a:p>
+          <a:p>
+            <a:pPr marL="342900" indent="-342900" algn="l" rtl="0">
+              <a:buFont typeface="Arial" panose="020B0604020202020204" pitchFamily="34" charset="0"/>
+              <a:buChar char="•"/>
+            </a:pPr>
+            <a:r>
+              <a:rPr lang="en-US" sz="2400" b="0" i="0" dirty="0">
+                <a:solidFill>
+                  <a:srgbClr val="002060"/>
+                </a:solidFill>
+                <a:effectLst/>
+                <a:cs typeface="Assistant" pitchFamily="2" charset="-79"/>
+              </a:rPr>
+              <a:t>A</a:t>
+            </a:r>
+            <a:r>
+              <a:rPr lang="en-US" sz="2400" dirty="0">
+                <a:solidFill>
+                  <a:srgbClr val="002060"/>
+                </a:solidFill>
+                <a:cs typeface="Assistant" pitchFamily="2" charset="-79"/>
+              </a:rPr>
+              <a:t>dd a GUI</a:t>
+            </a:r>
+            <a:endParaRPr lang="he-IL" sz="2400" dirty="0">
+              <a:solidFill>
+                <a:srgbClr val="002060"/>
+              </a:solidFill>
+              <a:cs typeface="Assistant" pitchFamily="2" charset="-79"/>
+            </a:endParaRPr>
+          </a:p>
+          <a:p>
+            <a:pPr marL="342900" indent="-342900" algn="l" rtl="0">
+              <a:buFont typeface="Arial" panose="020B0604020202020204" pitchFamily="34" charset="0"/>
+              <a:buChar char="•"/>
+            </a:pPr>
+            <a:r>
+              <a:rPr lang="en-US" sz="2400" b="0" i="0" dirty="0">
+                <a:solidFill>
+                  <a:srgbClr val="002060"/>
+                </a:solidFill>
+                <a:effectLst/>
+                <a:cs typeface="Assistant" pitchFamily="2" charset="-79"/>
+              </a:rPr>
+              <a:t>Make the system interactive</a:t>
+            </a:r>
+          </a:p>
+          <a:p>
+            <a:pPr marL="0" indent="0" algn="l" rtl="0">
+              <a:buNone/>
+            </a:pPr>
+            <a:endParaRPr lang="en-US" dirty="0">
+              <a:solidFill>
+                <a:srgbClr val="002060"/>
+              </a:solidFill>
+            </a:endParaRPr>
+          </a:p>
+        </p:txBody>
+      </p:sp>
+    </p:spTree>
+    <p:extLst>
+      <p:ext uri="{BB962C8B-B14F-4D97-AF65-F5344CB8AC3E}">
+        <p14:creationId xmlns:p14="http://schemas.microsoft.com/office/powerpoint/2010/main" val="3853127531"/>
+      </p:ext>
+    </p:extLst>
+  </p:cSld>
+  <p:clrMapOvr>
+    <a:masterClrMapping/>
+  </p:clrMapOvr>
+</p:sld>
+</file>
+
+<file path=ppt/slides/slide31.xml><?xml version="1.0" encoding="utf-8"?>
 <p:sld xmlns:a="http://schemas.openxmlformats.org/drawingml/2006/main" xmlns:r="http://schemas.openxmlformats.org/officeDocument/2006/relationships" xmlns:p="http://schemas.openxmlformats.org/presentationml/2006/main">
   <p:cSld>
     <p:spTree>
@@ -28452,13 +29349,22 @@
               <a:buChar char="o"/>
             </a:pPr>
             <a:r>
+              <a:rPr lang="en-US" sz="2200" strike="sngStrike" dirty="0">
+                <a:solidFill>
+                  <a:srgbClr val="002060"/>
+                </a:solidFill>
+                <a:cs typeface="Arial" panose="020B0604020202020204" pitchFamily="34" charset="0"/>
+              </a:rPr>
+              <a:t>In our project we build an online algorithm which follow a plan generated by the offline algorithm. </a:t>
+            </a:r>
+            <a:r>
               <a:rPr lang="en-US" sz="2200" dirty="0">
                 <a:solidFill>
                   <a:srgbClr val="002060"/>
                 </a:solidFill>
                 <a:cs typeface="Arial" panose="020B0604020202020204" pitchFamily="34" charset="0"/>
               </a:rPr>
-              <a:t>In our project we build an online algorithm which follow a plan generated by the offline algorithm. Our algorithm ran the offline plan w</a:t>
+              <a:t>Our algorithm ran the offline plan w</a:t>
             </a:r>
             <a:r>
               <a:rPr lang="en-US" sz="2200" b="0" i="0" dirty="0">

--- a/חומר עזר לפרויקט/project_A.pptx
+++ b/חומר עזר לפרויקט/project_A.pptx
@@ -6,10 +6,10 @@
     <p:sldMasterId id="2147483660" r:id="rId2"/>
   </p:sldMasterIdLst>
   <p:notesMasterIdLst>
-    <p:notesMasterId r:id="rId34"/>
+    <p:notesMasterId r:id="rId42"/>
   </p:notesMasterIdLst>
   <p:handoutMasterIdLst>
-    <p:handoutMasterId r:id="rId35"/>
+    <p:handoutMasterId r:id="rId43"/>
   </p:handoutMasterIdLst>
   <p:sldIdLst>
     <p:sldId id="257" r:id="rId3"/>
@@ -17,32 +17,40 @@
     <p:sldId id="285" r:id="rId5"/>
     <p:sldId id="269" r:id="rId6"/>
     <p:sldId id="261" r:id="rId7"/>
-    <p:sldId id="289" r:id="rId8"/>
-    <p:sldId id="288" r:id="rId9"/>
-    <p:sldId id="271" r:id="rId10"/>
-    <p:sldId id="260" r:id="rId11"/>
-    <p:sldId id="290" r:id="rId12"/>
-    <p:sldId id="291" r:id="rId13"/>
-    <p:sldId id="262" r:id="rId14"/>
-    <p:sldId id="268" r:id="rId15"/>
-    <p:sldId id="272" r:id="rId16"/>
-    <p:sldId id="266" r:id="rId17"/>
-    <p:sldId id="267" r:id="rId18"/>
-    <p:sldId id="273" r:id="rId19"/>
-    <p:sldId id="274" r:id="rId20"/>
-    <p:sldId id="275" r:id="rId21"/>
-    <p:sldId id="276" r:id="rId22"/>
-    <p:sldId id="277" r:id="rId23"/>
-    <p:sldId id="278" r:id="rId24"/>
-    <p:sldId id="279" r:id="rId25"/>
-    <p:sldId id="292" r:id="rId26"/>
-    <p:sldId id="280" r:id="rId27"/>
-    <p:sldId id="281" r:id="rId28"/>
-    <p:sldId id="282" r:id="rId29"/>
-    <p:sldId id="264" r:id="rId30"/>
-    <p:sldId id="283" r:id="rId31"/>
-    <p:sldId id="284" r:id="rId32"/>
-    <p:sldId id="265" r:id="rId33"/>
+    <p:sldId id="304" r:id="rId8"/>
+    <p:sldId id="294" r:id="rId9"/>
+    <p:sldId id="295" r:id="rId10"/>
+    <p:sldId id="296" r:id="rId11"/>
+    <p:sldId id="305" r:id="rId12"/>
+    <p:sldId id="300" r:id="rId13"/>
+    <p:sldId id="301" r:id="rId14"/>
+    <p:sldId id="302" r:id="rId15"/>
+    <p:sldId id="303" r:id="rId16"/>
+    <p:sldId id="288" r:id="rId17"/>
+    <p:sldId id="271" r:id="rId18"/>
+    <p:sldId id="260" r:id="rId19"/>
+    <p:sldId id="290" r:id="rId20"/>
+    <p:sldId id="291" r:id="rId21"/>
+    <p:sldId id="262" r:id="rId22"/>
+    <p:sldId id="268" r:id="rId23"/>
+    <p:sldId id="272" r:id="rId24"/>
+    <p:sldId id="266" r:id="rId25"/>
+    <p:sldId id="267" r:id="rId26"/>
+    <p:sldId id="273" r:id="rId27"/>
+    <p:sldId id="274" r:id="rId28"/>
+    <p:sldId id="275" r:id="rId29"/>
+    <p:sldId id="276" r:id="rId30"/>
+    <p:sldId id="277" r:id="rId31"/>
+    <p:sldId id="278" r:id="rId32"/>
+    <p:sldId id="279" r:id="rId33"/>
+    <p:sldId id="292" r:id="rId34"/>
+    <p:sldId id="280" r:id="rId35"/>
+    <p:sldId id="281" r:id="rId36"/>
+    <p:sldId id="282" r:id="rId37"/>
+    <p:sldId id="264" r:id="rId38"/>
+    <p:sldId id="283" r:id="rId39"/>
+    <p:sldId id="284" r:id="rId40"/>
+    <p:sldId id="265" r:id="rId41"/>
   </p:sldIdLst>
   <p:sldSz cx="12192000" cy="6858000"/>
   <p:notesSz cx="6858000" cy="9144000"/>
@@ -6291,7 +6299,7 @@
           <a:p>
             <a:fld id="{45724847-4CA4-4B6E-A07B-DA883A6BD188}" type="datetimeFigureOut">
               <a:rPr lang="he-IL" smtClean="0"/>
-              <a:t>ה'/כסלו/תשפ"ב</a:t>
+              <a:t>ו'/כסלו/תשפ"ב</a:t>
             </a:fld>
             <a:endParaRPr lang="he-IL"/>
           </a:p>
@@ -6473,7 +6481,7 @@
           <a:p>
             <a:fld id="{09A75E60-B2A5-4C51-B815-E2BF31CBADA7}" type="datetimeFigureOut">
               <a:rPr lang="he-IL" smtClean="0"/>
-              <a:t>ה'/כסלו/תשפ"ב</a:t>
+              <a:t>ו'/כסלו/תשפ"ב</a:t>
             </a:fld>
             <a:endParaRPr lang="he-IL"/>
           </a:p>
@@ -6964,60 +6972,7 @@
           <a:bodyPr/>
           <a:lstStyle/>
           <a:p>
-            <a:r>
-              <a:rPr lang="he-IL" dirty="0"/>
-              <a:t>זוהי סכמה כללית של הבעיה שלנו</a:t>
-            </a:r>
-          </a:p>
-          <a:p>
-            <a:r>
-              <a:rPr lang="he-IL" dirty="0"/>
-              <a:t>כאשר ה-</a:t>
-            </a:r>
-            <a:r>
-              <a:rPr lang="en-US" dirty="0"/>
-              <a:t>planner</a:t>
-            </a:r>
-            <a:r>
-              <a:rPr lang="he-IL" dirty="0"/>
-              <a:t> הוא בעצם אלגוריתם </a:t>
-            </a:r>
-            <a:r>
-              <a:rPr lang="he-IL" dirty="0" err="1"/>
-              <a:t>האופליין</a:t>
-            </a:r>
-            <a:r>
-              <a:rPr lang="he-IL" dirty="0"/>
-              <a:t>.</a:t>
-            </a:r>
-          </a:p>
-          <a:p>
-            <a:r>
-              <a:rPr lang="he-IL" dirty="0"/>
-              <a:t>ה-</a:t>
-            </a:r>
-            <a:r>
-              <a:rPr lang="en-US" dirty="0"/>
-              <a:t>executor</a:t>
-            </a:r>
-            <a:r>
-              <a:rPr lang="he-IL" dirty="0"/>
-              <a:t> הוא אלגוריתם האונליין שלנו, בגדול ה-</a:t>
-            </a:r>
-            <a:r>
-              <a:rPr lang="en-US" dirty="0"/>
-              <a:t>controller</a:t>
-            </a:r>
-            <a:r>
-              <a:rPr lang="he-IL" dirty="0"/>
-              <a:t> שלנו.</a:t>
-            </a:r>
-          </a:p>
-          <a:p>
-            <a:r>
-              <a:rPr lang="he-IL" dirty="0"/>
-              <a:t>ועל מנת לבדוק את האלגוריתם, בנינו סביבה אשר מדמה שדה תעופה עם הפרעות ושינויים בזמן-אמת.</a:t>
-            </a:r>
+            <a:endParaRPr lang="he-IL" dirty="0"/>
           </a:p>
         </p:txBody>
       </p:sp>
@@ -7070,7 +7025,7 @@
     </p:spTree>
     <p:extLst>
       <p:ext uri="{BB962C8B-B14F-4D97-AF65-F5344CB8AC3E}">
-        <p14:creationId xmlns:p14="http://schemas.microsoft.com/office/powerpoint/2010/main" val="756721077"/>
+        <p14:creationId xmlns:p14="http://schemas.microsoft.com/office/powerpoint/2010/main" val="754368921"/>
       </p:ext>
     </p:extLst>
   </p:cSld>
@@ -7124,34 +7079,6 @@
           <a:bodyPr/>
           <a:lstStyle/>
           <a:p>
-            <a:r>
-              <a:rPr lang="he-IL" dirty="0"/>
-              <a:t>בפרויקט התעסקנו בעיקר במתיחת גרף ה-</a:t>
-            </a:r>
-            <a:r>
-              <a:rPr lang="en-US" dirty="0"/>
-              <a:t>STN</a:t>
-            </a:r>
-            <a:r>
-              <a:rPr lang="he-IL" dirty="0"/>
-              <a:t> – כלומר, בהפרעה של עיכוב או דחייה של פעולה מסוימת (למשל משימה של מטוס שהתארכה, המראה שהתעכבה) ואיך עיכוב זה השפיע על שאר סדר היום והשינויים הנצרכים בזמן-אמת.</a:t>
-            </a:r>
-          </a:p>
-          <a:p>
-            <a:r>
-              <a:rPr lang="he-IL" dirty="0"/>
-              <a:t>בפרויקט הנחנו כי תכנון </a:t>
-            </a:r>
-            <a:r>
-              <a:rPr lang="he-IL" dirty="0" err="1"/>
-              <a:t>האופליין</a:t>
-            </a:r>
-            <a:r>
-              <a:rPr lang="he-IL" dirty="0"/>
-              <a:t> זניח, ולכן בעת ביצוע תכנון מחדש הקפאנו את מצב העולם.</a:t>
-            </a:r>
-          </a:p>
-          <a:p>
             <a:endParaRPr lang="he-IL" dirty="0"/>
           </a:p>
         </p:txBody>
@@ -7205,7 +7132,7 @@
     </p:spTree>
     <p:extLst>
       <p:ext uri="{BB962C8B-B14F-4D97-AF65-F5344CB8AC3E}">
-        <p14:creationId xmlns:p14="http://schemas.microsoft.com/office/powerpoint/2010/main" val="1169753784"/>
+        <p14:creationId xmlns:p14="http://schemas.microsoft.com/office/powerpoint/2010/main" val="242413461"/>
       </p:ext>
     </p:extLst>
   </p:cSld>
@@ -7259,249 +7186,6 @@
           <a:bodyPr/>
           <a:lstStyle/>
           <a:p>
-            <a:pPr marL="171450" indent="-171450">
-              <a:buFontTx/>
-              <a:buChar char="-"/>
-            </a:pPr>
-            <a:r>
-              <a:rPr lang="he-IL" dirty="0"/>
-              <a:t>בדיאגרמה הזו ניתן לראות את הקשר בין אלגוריתם </a:t>
-            </a:r>
-            <a:r>
-              <a:rPr lang="he-IL" dirty="0" err="1"/>
-              <a:t>האופליין</a:t>
-            </a:r>
-            <a:r>
-              <a:rPr lang="he-IL" dirty="0"/>
-              <a:t> לאלגוריתם האונליין.</a:t>
-            </a:r>
-          </a:p>
-          <a:p>
-            <a:pPr marL="171450" marR="0" lvl="0" indent="-171450" algn="r" defTabSz="914400" rtl="1" eaLnBrk="1" fontAlgn="auto" latinLnBrk="0" hangingPunct="1">
-              <a:lnSpc>
-                <a:spcPct val="100000"/>
-              </a:lnSpc>
-              <a:spcBef>
-                <a:spcPts val="0"/>
-              </a:spcBef>
-              <a:spcAft>
-                <a:spcPts val="0"/>
-              </a:spcAft>
-              <a:buClrTx/>
-              <a:buSzTx/>
-              <a:buFontTx/>
-              <a:buChar char="-"/>
-              <a:tabLst/>
-              <a:defRPr/>
-            </a:pPr>
-            <a:r>
-              <a:rPr lang="he-IL" dirty="0"/>
-              <a:t>חשוב לציין כי עיקר השינויים שביצענו באלגוריתם </a:t>
-            </a:r>
-            <a:r>
-              <a:rPr lang="he-IL" dirty="0" err="1"/>
-              <a:t>האופליין</a:t>
-            </a:r>
-            <a:r>
-              <a:rPr lang="he-IL" dirty="0"/>
-              <a:t> היו הוספת מעטפת לפרויקט כדי שנוכל לקשר בניהם. בעצם, שינינו את אלגוריתם </a:t>
-            </a:r>
-            <a:r>
-              <a:rPr lang="he-IL" dirty="0" err="1"/>
-              <a:t>האופליין</a:t>
-            </a:r>
-            <a:r>
-              <a:rPr lang="he-IL" dirty="0"/>
-              <a:t> כך שיקבל קלט ופלט בצורה שנוכל לייצר </a:t>
-            </a:r>
-            <a:r>
-              <a:rPr lang="he-IL" b="0" dirty="0"/>
-              <a:t>משוב (כפי שמופיע כאן)</a:t>
-            </a:r>
-            <a:r>
-              <a:rPr lang="he-IL" dirty="0"/>
-              <a:t> בצורה נוחה.</a:t>
-            </a:r>
-          </a:p>
-          <a:p>
-            <a:pPr marL="171450" marR="0" lvl="0" indent="-171450" algn="r" defTabSz="914400" rtl="1" eaLnBrk="1" fontAlgn="auto" latinLnBrk="0" hangingPunct="1">
-              <a:lnSpc>
-                <a:spcPct val="100000"/>
-              </a:lnSpc>
-              <a:spcBef>
-                <a:spcPts val="0"/>
-              </a:spcBef>
-              <a:spcAft>
-                <a:spcPts val="0"/>
-              </a:spcAft>
-              <a:buClrTx/>
-              <a:buSzTx/>
-              <a:buFontTx/>
-              <a:buChar char="-"/>
-              <a:tabLst/>
-              <a:defRPr/>
-            </a:pPr>
-            <a:r>
-              <a:rPr lang="he-IL" dirty="0"/>
-              <a:t>אפשר לראות כי:</a:t>
-            </a:r>
-          </a:p>
-          <a:p>
-            <a:pPr marL="171450" indent="-171450">
-              <a:buFontTx/>
-              <a:buChar char="-"/>
-            </a:pPr>
-            <a:r>
-              <a:rPr lang="he-IL" dirty="0"/>
-              <a:t>אנחנו מקבלים תוכנית (</a:t>
-            </a:r>
-            <a:r>
-              <a:rPr lang="en-US" dirty="0"/>
-              <a:t>STN</a:t>
-            </a:r>
-            <a:r>
-              <a:rPr lang="he-IL" dirty="0"/>
-              <a:t>) מהזמן אופליין.</a:t>
-            </a:r>
-          </a:p>
-          <a:p>
-            <a:pPr marL="171450" indent="-171450">
-              <a:buFontTx/>
-              <a:buChar char="-"/>
-            </a:pPr>
-            <a:r>
-              <a:rPr lang="he-IL" dirty="0"/>
-              <a:t>התוכנית פעולה נכנסת למנהל התכנית והוא דואג לייצר את </a:t>
-            </a:r>
-            <a:r>
-              <a:rPr lang="he-IL" dirty="0" err="1"/>
-              <a:t>המודולוים</a:t>
-            </a:r>
-            <a:r>
-              <a:rPr lang="he-IL" dirty="0"/>
-              <a:t> השונים והקשרים ביניהם.</a:t>
-            </a:r>
-          </a:p>
-          <a:p>
-            <a:pPr marL="171450" indent="-171450">
-              <a:buFontTx/>
-              <a:buChar char="-"/>
-            </a:pPr>
-            <a:r>
-              <a:rPr lang="he-IL" dirty="0"/>
-              <a:t>הבקר מקבל את קובץ </a:t>
-            </a:r>
-            <a:r>
-              <a:rPr lang="he-IL" dirty="0" err="1"/>
-              <a:t>הקונפיג</a:t>
-            </a:r>
-            <a:r>
-              <a:rPr lang="he-IL" dirty="0"/>
-              <a:t> </a:t>
-            </a:r>
-            <a:r>
-              <a:rPr lang="he-IL" dirty="0" err="1"/>
-              <a:t>והתכנית</a:t>
-            </a:r>
-            <a:r>
-              <a:rPr lang="he-IL" dirty="0"/>
-              <a:t> (</a:t>
-            </a:r>
-            <a:r>
-              <a:rPr lang="en-US" dirty="0"/>
-              <a:t>STN</a:t>
-            </a:r>
-            <a:r>
-              <a:rPr lang="he-IL" dirty="0"/>
-              <a:t>) ותפקידו לשמש כמגדל בקרה ופיקוח.</a:t>
-            </a:r>
-          </a:p>
-          <a:p>
-            <a:pPr marL="171450" indent="-171450">
-              <a:buFontTx/>
-              <a:buChar char="-"/>
-            </a:pPr>
-            <a:r>
-              <a:rPr lang="he-IL" dirty="0"/>
-              <a:t>הסימולטור משמש כמודל לעולם אשר מריץ את הפעולות ונותן אינדיקציה כאשר פעולות הסתיימו.</a:t>
-            </a:r>
-          </a:p>
-          <a:p>
-            <a:pPr marL="171450" indent="-171450">
-              <a:buFontTx/>
-              <a:buChar char="-"/>
-            </a:pPr>
-            <a:r>
-              <a:rPr lang="he-IL" dirty="0"/>
-              <a:t>מודול מצב העולם (</a:t>
-            </a:r>
-            <a:r>
-              <a:rPr lang="en-US" dirty="0"/>
-              <a:t>state</a:t>
-            </a:r>
-            <a:r>
-              <a:rPr lang="he-IL" dirty="0"/>
-              <a:t>) מייצג תמונה של מצב כל המטוסים, נתיבים ושאר הפרמטרים אחריהם אנו עוקבים – מקבל </a:t>
-            </a:r>
-            <a:r>
-              <a:rPr lang="he-IL" dirty="0" err="1"/>
-              <a:t>עידכונים</a:t>
-            </a:r>
-            <a:r>
-              <a:rPr lang="he-IL" dirty="0"/>
-              <a:t> מהסימולטור על כל התחלה\סיום של פעולה.</a:t>
-            </a:r>
-          </a:p>
-          <a:p>
-            <a:pPr marL="171450" indent="-171450">
-              <a:buFontTx/>
-              <a:buChar char="-"/>
-            </a:pPr>
-            <a:endParaRPr lang="he-IL" dirty="0"/>
-          </a:p>
-          <a:p>
-            <a:pPr marL="171450" indent="-171450">
-              <a:buFontTx/>
-              <a:buChar char="-"/>
-            </a:pPr>
-            <a:r>
-              <a:rPr lang="he-IL" dirty="0"/>
-              <a:t>מודול ההפרעות – בוחר באופן רנדומלי כל מספר פעולות לייצר הפרעה אשר נשלחת לסימולטור עבור פעולה כלשהי.</a:t>
-            </a:r>
-          </a:p>
-          <a:p>
-            <a:pPr marL="171450" indent="-171450">
-              <a:buFontTx/>
-              <a:buChar char="-"/>
-            </a:pPr>
-            <a:r>
-              <a:rPr lang="he-IL" dirty="0"/>
-              <a:t>שעון – מודול גלובלי אשר סופר זמן באופן דיסקרטי.</a:t>
-            </a:r>
-          </a:p>
-          <a:p>
-            <a:pPr marL="171450" indent="-171450">
-              <a:buFontTx/>
-              <a:buChar char="-"/>
-            </a:pPr>
-            <a:r>
-              <a:rPr lang="he-IL" dirty="0"/>
-              <a:t>אירועים – מודול גלובלי אשר משמש כאמצעי תקשורת בין המודולים השונים </a:t>
-            </a:r>
-            <a:r>
-              <a:rPr lang="he-IL" dirty="0" err="1"/>
-              <a:t>בתכנית</a:t>
-            </a:r>
-            <a:r>
-              <a:rPr lang="he-IL" dirty="0"/>
-              <a:t> שלנו.</a:t>
-            </a:r>
-          </a:p>
-          <a:p>
-            <a:pPr marL="171450" indent="-171450">
-              <a:buFontTx/>
-              <a:buChar char="-"/>
-            </a:pPr>
             <a:endParaRPr lang="he-IL" dirty="0"/>
           </a:p>
         </p:txBody>
@@ -7555,7 +7239,7 @@
     </p:spTree>
     <p:extLst>
       <p:ext uri="{BB962C8B-B14F-4D97-AF65-F5344CB8AC3E}">
-        <p14:creationId xmlns:p14="http://schemas.microsoft.com/office/powerpoint/2010/main" val="850113018"/>
+        <p14:creationId xmlns:p14="http://schemas.microsoft.com/office/powerpoint/2010/main" val="1175446276"/>
       </p:ext>
     </p:extLst>
   </p:cSld>
@@ -7609,76 +7293,7 @@
           <a:bodyPr/>
           <a:lstStyle/>
           <a:p>
-            <a:r>
-              <a:rPr lang="he-IL" dirty="0"/>
-              <a:t>מנהל התוכנית הוא בעצם החולייה המקשרת בין אלגוריתם האונליין לאלגוריתם </a:t>
-            </a:r>
-            <a:r>
-              <a:rPr lang="he-IL" dirty="0" err="1"/>
-              <a:t>האופליין</a:t>
-            </a:r>
-            <a:r>
-              <a:rPr lang="he-IL" dirty="0"/>
-              <a:t>.</a:t>
-            </a:r>
-          </a:p>
-          <a:p>
-            <a:r>
-              <a:rPr lang="he-IL" dirty="0"/>
-              <a:t>הוא מקבל את הפלט של אלגוריתם </a:t>
-            </a:r>
-            <a:r>
-              <a:rPr lang="he-IL" dirty="0" err="1"/>
-              <a:t>האופליין</a:t>
-            </a:r>
-            <a:r>
-              <a:rPr lang="he-IL" dirty="0"/>
-              <a:t> ומסדר אותו, בנוסף הוא בונה את המודולים של אלגוריתם האונליין:</a:t>
-            </a:r>
-          </a:p>
-          <a:p>
-            <a:pPr marL="171450" indent="-171450">
-              <a:buFont typeface="Arial" panose="020B0604020202020204" pitchFamily="34" charset="0"/>
-              <a:buChar char="•"/>
-            </a:pPr>
-            <a:r>
-              <a:rPr lang="he-IL" dirty="0"/>
-              <a:t>הוא אחראי על יצירת המודולים הגלובליים, ועל הניקיון שלהם כאשר מתקבלת תוכנית חדשה.</a:t>
-            </a:r>
-          </a:p>
-          <a:p>
-            <a:pPr marL="171450" indent="-171450">
-              <a:buFont typeface="Arial" panose="020B0604020202020204" pitchFamily="34" charset="0"/>
-              <a:buChar char="•"/>
-            </a:pPr>
-            <a:r>
-              <a:rPr lang="he-IL" dirty="0"/>
-              <a:t>הוא יוצא את המודולים הלוקאלים עבור כל טסט ומקשר בניהם.</a:t>
-            </a:r>
-          </a:p>
-          <a:p>
-            <a:pPr marL="171450" indent="-171450">
-              <a:buFont typeface="Arial" panose="020B0604020202020204" pitchFamily="34" charset="0"/>
-              <a:buChar char="•"/>
-            </a:pPr>
-            <a:r>
-              <a:rPr lang="he-IL" dirty="0"/>
-              <a:t>בודק האם יש צורך בתכנון מחדש ומריץ את אלגוריתם </a:t>
-            </a:r>
-            <a:r>
-              <a:rPr lang="he-IL" dirty="0" err="1"/>
-              <a:t>האופליין</a:t>
-            </a:r>
-            <a:r>
-              <a:rPr lang="he-IL" dirty="0"/>
-              <a:t>.</a:t>
-            </a:r>
-          </a:p>
-          <a:p>
-            <a:r>
-              <a:rPr lang="he-IL" dirty="0"/>
-              <a:t>		</a:t>
-            </a:r>
+            <a:endParaRPr lang="he-IL" dirty="0"/>
           </a:p>
         </p:txBody>
       </p:sp>
@@ -7731,7 +7346,7 @@
     </p:spTree>
     <p:extLst>
       <p:ext uri="{BB962C8B-B14F-4D97-AF65-F5344CB8AC3E}">
-        <p14:creationId xmlns:p14="http://schemas.microsoft.com/office/powerpoint/2010/main" val="2906297507"/>
+        <p14:creationId xmlns:p14="http://schemas.microsoft.com/office/powerpoint/2010/main" val="33647486"/>
       </p:ext>
     </p:extLst>
   </p:cSld>
@@ -7785,24 +7400,7 @@
           <a:bodyPr/>
           <a:lstStyle/>
           <a:p>
-            <a:r>
-              <a:rPr lang="he-IL" dirty="0"/>
-              <a:t>כאן ניתן לראות את ה-</a:t>
-            </a:r>
-            <a:r>
-              <a:rPr lang="en-US" dirty="0"/>
-              <a:t>flow</a:t>
-            </a:r>
-            <a:r>
-              <a:rPr lang="he-IL" dirty="0"/>
-              <a:t> של מנהל התוכנית:</a:t>
-            </a:r>
-          </a:p>
-          <a:p>
-            <a:r>
-              <a:rPr lang="he-IL" dirty="0"/>
-              <a:t>פשוט לעבור על הדיאגרמה ולהקריא. להדגיש מה גלובלי ומה נבנה עבור כל טסט מחדש.</a:t>
-            </a:r>
+            <a:endParaRPr lang="he-IL" dirty="0"/>
           </a:p>
         </p:txBody>
       </p:sp>
@@ -7855,7 +7453,7 @@
     </p:spTree>
     <p:extLst>
       <p:ext uri="{BB962C8B-B14F-4D97-AF65-F5344CB8AC3E}">
-        <p14:creationId xmlns:p14="http://schemas.microsoft.com/office/powerpoint/2010/main" val="34609377"/>
+        <p14:creationId xmlns:p14="http://schemas.microsoft.com/office/powerpoint/2010/main" val="2170608854"/>
       </p:ext>
     </p:extLst>
   </p:cSld>
@@ -7910,83 +7508,118 @@
           <a:lstStyle/>
           <a:p>
             <a:r>
+              <a:rPr lang="he-IL" dirty="0"/>
+              <a:t>אלגוריתם האונליין מומש בעזרת:</a:t>
+            </a:r>
+          </a:p>
+          <a:p>
+            <a:pPr marL="171450" indent="-171450">
+              <a:buFont typeface="Arial" panose="020B0604020202020204" pitchFamily="34" charset="0"/>
+              <a:buChar char="•"/>
+            </a:pPr>
+            <a:r>
               <a:rPr lang="he-IL" dirty="0" err="1"/>
-              <a:t>הקונטרולר</a:t>
+              <a:t>תיכנות</a:t>
             </a:r>
             <a:r>
               <a:rPr lang="he-IL" dirty="0"/>
-              <a:t> הוא כביכול מגדל הפיקוח של התוכנית. הוא שולח את הפעולות שמוכנות לביצוע לסימולטור.</a:t>
-            </a:r>
-          </a:p>
-          <a:p>
+              <a:t> מונחה עצמים</a:t>
+            </a:r>
+          </a:p>
+          <a:p>
+            <a:pPr marL="171450" indent="-171450">
+              <a:buFont typeface="Arial" panose="020B0604020202020204" pitchFamily="34" charset="0"/>
+              <a:buChar char="•"/>
+            </a:pPr>
             <a:r>
               <a:rPr lang="he-IL" dirty="0" err="1"/>
-              <a:t>הקונטרולר</a:t>
+              <a:t>דיזיין</a:t>
             </a:r>
             <a:r>
               <a:rPr lang="he-IL" dirty="0"/>
-              <a:t> מחזיק בגרף התלויות כפי שקיבלנו מאלגוריתם </a:t>
+              <a:t> פטרן</a:t>
+            </a:r>
+          </a:p>
+          <a:p>
+            <a:pPr marL="171450" indent="-171450">
+              <a:buFont typeface="Arial" panose="020B0604020202020204" pitchFamily="34" charset="0"/>
+              <a:buChar char="•"/>
+            </a:pPr>
+            <a:r>
+              <a:rPr lang="he-IL" dirty="0"/>
+              <a:t>תיכנון אלגוריתמי</a:t>
+            </a:r>
+          </a:p>
+          <a:p>
+            <a:pPr marL="171450" indent="-171450">
+              <a:buFontTx/>
+              <a:buChar char="-"/>
+            </a:pPr>
+            <a:r>
+              <a:rPr lang="he-IL" dirty="0"/>
+              <a:t>האלגוריתם האונליין מקבל כקלט קובץ </a:t>
+            </a:r>
+            <a:r>
+              <a:rPr lang="en-US" dirty="0"/>
+              <a:t>config</a:t>
+            </a:r>
+            <a:r>
+              <a:rPr lang="he-IL" dirty="0"/>
+              <a:t> וגרף </a:t>
+            </a:r>
+            <a:r>
+              <a:rPr lang="en-US" dirty="0"/>
+              <a:t>STN</a:t>
+            </a:r>
+            <a:r>
+              <a:rPr lang="he-IL" dirty="0"/>
+              <a:t> ומוציא כפלט קובץ המכיל את סדר הפעולות שקרו במהלך היום.</a:t>
+            </a:r>
+          </a:p>
+          <a:p>
+            <a:pPr marL="171450" indent="-171450">
+              <a:buFontTx/>
+              <a:buChar char="-"/>
+            </a:pPr>
+            <a:r>
+              <a:rPr lang="he-IL" dirty="0"/>
+              <a:t>אלגוריתם האונליין משמש כ-"מגדל פיקוח" אשר שולח משימות לסביבת ההרצה (סימולטור) ומבצע החלטות על בסיס מצב העולם וההפרעות המתרחשות.</a:t>
+            </a:r>
+          </a:p>
+          <a:p>
+            <a:pPr marL="171450" indent="-171450">
+              <a:buFontTx/>
+              <a:buChar char="-"/>
+            </a:pPr>
+            <a:r>
+              <a:rPr lang="he-IL" dirty="0"/>
+              <a:t>האלגוריתם צריך להחליט האם הוא מבצע תיקון מקומי, תיקון גלובלי, או תכנון מחדש (במקרה </a:t>
             </a:r>
             <a:r>
               <a:rPr lang="he-IL" dirty="0" err="1"/>
-              <a:t>האופליין</a:t>
+              <a:t>שהתכנית</a:t>
             </a:r>
             <a:r>
               <a:rPr lang="he-IL" dirty="0"/>
-              <a:t> ומחזיק גם את תור העדיפויות שלפיו נשלחות הפעולות לביצוע.</a:t>
-            </a:r>
-          </a:p>
-          <a:p>
+              <a:t> אינה </a:t>
+            </a:r>
+            <a:r>
+              <a:rPr lang="he-IL" dirty="0" err="1"/>
+              <a:t>פיזיבילית</a:t>
+            </a:r>
             <a:r>
               <a:rPr lang="he-IL" dirty="0"/>
-              <a:t>הוא מחזיק </a:t>
-            </a:r>
-            <a:r>
-              <a:rPr lang="he-IL" dirty="0" err="1"/>
-              <a:t>רפרנס</a:t>
-            </a:r>
-            <a:r>
-              <a:rPr lang="he-IL" dirty="0"/>
-              <a:t> למודולים של ה-</a:t>
-            </a:r>
-            <a:r>
-              <a:rPr lang="en-US" dirty="0"/>
-              <a:t>clock</a:t>
-            </a:r>
-            <a:r>
-              <a:rPr lang="he-IL" dirty="0"/>
-              <a:t> וה-</a:t>
-            </a:r>
-            <a:r>
-              <a:rPr lang="en-US" dirty="0"/>
-              <a:t>events</a:t>
-            </a:r>
-            <a:r>
-              <a:rPr lang="he-IL" dirty="0"/>
-              <a:t>. מודול ההפרעות מאזין </a:t>
-            </a:r>
-            <a:r>
-              <a:rPr lang="he-IL" dirty="0" err="1"/>
-              <a:t>לקונטרולר</a:t>
-            </a:r>
-            <a:r>
-              <a:rPr lang="he-IL" dirty="0"/>
-              <a:t>.</a:t>
-            </a:r>
-          </a:p>
-          <a:p>
-            <a:endParaRPr lang="he-IL" dirty="0"/>
-          </a:p>
-          <a:p>
-            <a:r>
-              <a:rPr lang="he-IL" dirty="0"/>
-              <a:t>הבקר מייצר את מבניי הנתונים שלו על סמך התכנית מהמודול אופליין.</a:t>
-            </a:r>
-          </a:p>
-          <a:p>
-            <a:r>
-              <a:rPr lang="he-IL" dirty="0"/>
-              <a:t>הבקר הוא מגדל הפיקוח אשר שולח את הפעולות שמוכנות לביצוע לסימולטור.</a:t>
+              <a:t>)</a:t>
+            </a:r>
+          </a:p>
+          <a:p>
+            <a:pPr marL="171450" indent="-171450">
+              <a:buFontTx/>
+              <a:buChar char="-"/>
+            </a:pPr>
+            <a:r>
+              <a:rPr lang="he-IL" b="1" dirty="0"/>
+              <a:t>האם גלובלי לא נחשב תכנון מחדש?</a:t>
             </a:r>
           </a:p>
         </p:txBody>
@@ -8040,7 +7673,7 @@
     </p:spTree>
     <p:extLst>
       <p:ext uri="{BB962C8B-B14F-4D97-AF65-F5344CB8AC3E}">
-        <p14:creationId xmlns:p14="http://schemas.microsoft.com/office/powerpoint/2010/main" val="4166017777"/>
+        <p14:creationId xmlns:p14="http://schemas.microsoft.com/office/powerpoint/2010/main" val="3565720944"/>
       </p:ext>
     </p:extLst>
   </p:cSld>
@@ -8094,30 +7727,140 @@
           <a:bodyPr/>
           <a:lstStyle/>
           <a:p>
+            <a:pPr marL="171450" indent="-171450">
+              <a:buFontTx/>
+              <a:buChar char="-"/>
+            </a:pPr>
             <a:r>
               <a:rPr lang="he-IL" dirty="0"/>
-              <a:t>הגרף הוא בעצם הפלט של תוכנית </a:t>
+              <a:t>אלגוריתם אופליין שמבוסס על רשתות </a:t>
             </a:r>
             <a:r>
               <a:rPr lang="he-IL" dirty="0" err="1"/>
-              <a:t>האופליין</a:t>
+              <a:t>נוירוינים</a:t>
             </a:r>
             <a:r>
               <a:rPr lang="he-IL" dirty="0"/>
-              <a:t>.</a:t>
-            </a:r>
-          </a:p>
-          <a:p>
+              <a:t> ותורת הגרפים (חיפוש בגרף, גרף דינמי, גרף מכוון, </a:t>
+            </a:r>
+            <a:r>
+              <a:rPr lang="en-US" dirty="0"/>
+              <a:t>A*</a:t>
+            </a:r>
             <a:r>
               <a:rPr lang="he-IL" dirty="0"/>
-              <a:t>סידרנו אותו במבנה נתונים כזה, על מנת שיהיה לנו נוח לבצע חיפוש בגרף ולעקוב אחר התלויות (איזו פעולה תלויה באיזו פעולה – מיוצג ע"י קשרי אב ובן).</a:t>
-            </a:r>
-          </a:p>
-          <a:p>
+              <a:t>)</a:t>
+            </a:r>
+          </a:p>
+          <a:p>
+            <a:pPr marL="171450" indent="-171450">
+              <a:buFontTx/>
+              <a:buChar char="-"/>
+            </a:pPr>
             <a:r>
               <a:rPr lang="he-IL" dirty="0"/>
-              <a:t>לעבור על המלל והגרף, שיראו את המעבר. תוך דגש על מקומות עם מס' תלויות.</a:t>
-            </a:r>
+              <a:t>אלגוריתם </a:t>
+            </a:r>
+            <a:r>
+              <a:rPr lang="he-IL" dirty="0" err="1"/>
+              <a:t>האופיליין</a:t>
+            </a:r>
+            <a:r>
+              <a:rPr lang="he-IL" dirty="0"/>
+              <a:t> מקבל </a:t>
+            </a:r>
+            <a:r>
+              <a:rPr lang="he-IL" dirty="0" err="1"/>
+              <a:t>גקלט</a:t>
+            </a:r>
+            <a:r>
+              <a:rPr lang="he-IL" dirty="0"/>
+              <a:t> קובץ </a:t>
+            </a:r>
+            <a:r>
+              <a:rPr lang="he-IL" dirty="0" err="1"/>
+              <a:t>קונפיג</a:t>
+            </a:r>
+            <a:r>
+              <a:rPr lang="he-IL" dirty="0"/>
+              <a:t> ומוציא כפלט קובץ לוג(מכיל את גרף ה-</a:t>
+            </a:r>
+            <a:r>
+              <a:rPr lang="en-US" dirty="0"/>
+              <a:t>STN</a:t>
+            </a:r>
+            <a:r>
+              <a:rPr lang="he-IL" dirty="0"/>
+              <a:t> שלנו בתצורה של טבלה)</a:t>
+            </a:r>
+          </a:p>
+          <a:p>
+            <a:pPr marL="171450" indent="-171450">
+              <a:buFontTx/>
+              <a:buChar char="-"/>
+            </a:pPr>
+            <a:r>
+              <a:rPr lang="he-IL" dirty="0"/>
+              <a:t>בהתחלה התייחסנו </a:t>
+            </a:r>
+            <a:r>
+              <a:rPr lang="he-IL" dirty="0" err="1"/>
+              <a:t>לפרוייקט</a:t>
+            </a:r>
+            <a:r>
+              <a:rPr lang="he-IL" dirty="0"/>
+              <a:t> כקופסה שחורה אך ככל שהתקדמנו הבנו שכן יש צורך להיכנס לפרטיי המימוש ולבצע שינויים. הסיבה לכך היא שמדובר בעבודה אקדמית ולא מהתעשייה ולכן היה צורך בפגישה עם כותביי </a:t>
+            </a:r>
+            <a:r>
+              <a:rPr lang="he-IL" dirty="0" err="1"/>
+              <a:t>הפרוייקט</a:t>
+            </a:r>
+            <a:r>
+              <a:rPr lang="he-IL" dirty="0"/>
+              <a:t> הקודם על מנת לעבור על הקוד ופרטיי המימוש על מנת לבצע את השינויים הנדרשים ללא פגיעה באלגוריתם עצמו.</a:t>
+            </a:r>
+          </a:p>
+          <a:p>
+            <a:pPr marL="171450" indent="-171450">
+              <a:buFontTx/>
+              <a:buChar char="-"/>
+            </a:pPr>
+            <a:r>
+              <a:rPr lang="he-IL" dirty="0"/>
+              <a:t>מרבית השינויים היו הוספת מעטפת </a:t>
+            </a:r>
+            <a:r>
+              <a:rPr lang="he-IL" dirty="0" err="1"/>
+              <a:t>לפרוייקט</a:t>
+            </a:r>
+            <a:r>
+              <a:rPr lang="he-IL" dirty="0"/>
+              <a:t> כדי שנוכל להשתמש בו כחלק </a:t>
+            </a:r>
+            <a:r>
+              <a:rPr lang="he-IL" dirty="0" err="1"/>
+              <a:t>מההפרוייקט</a:t>
+            </a:r>
+            <a:r>
+              <a:rPr lang="he-IL" dirty="0"/>
+              <a:t> שלנו, כלומר שינינו את </a:t>
+            </a:r>
+            <a:r>
+              <a:rPr lang="he-IL" dirty="0" err="1"/>
+              <a:t>הפרוייקט</a:t>
+            </a:r>
+            <a:r>
+              <a:rPr lang="he-IL" dirty="0"/>
+              <a:t> כך שיקבל קלט ופלט בצורה שנוכל לייצר משוב מהזמן אונליין</a:t>
+            </a:r>
+            <a:endParaRPr lang="en-US" dirty="0"/>
+          </a:p>
+          <a:p>
+            <a:pPr marL="171450" indent="-171450">
+              <a:buFontTx/>
+              <a:buChar char="-"/>
+            </a:pPr>
+            <a:endParaRPr lang="he-IL" dirty="0"/>
           </a:p>
         </p:txBody>
       </p:sp>
@@ -8170,7 +7913,7 @@
     </p:spTree>
     <p:extLst>
       <p:ext uri="{BB962C8B-B14F-4D97-AF65-F5344CB8AC3E}">
-        <p14:creationId xmlns:p14="http://schemas.microsoft.com/office/powerpoint/2010/main" val="777958349"/>
+        <p14:creationId xmlns:p14="http://schemas.microsoft.com/office/powerpoint/2010/main" val="97309096"/>
       </p:ext>
     </p:extLst>
   </p:cSld>
@@ -8226,204 +7969,42 @@
           <a:p>
             <a:r>
               <a:rPr lang="he-IL" dirty="0"/>
-              <a:t>זה הוא תור העדיפויות שלפיו הבקר שולח את הפעולות לביצוע. בתחילת התוכנית התור מסודר לפי התוכנית הראשונית שהתקבלה ממנהל התוכנית.</a:t>
-            </a:r>
-          </a:p>
-          <a:p>
+              <a:t>מטרת הפרויקט היא לבנות אלגוריתם </a:t>
+            </a:r>
+            <a:r>
+              <a:rPr lang="en-US" dirty="0"/>
+              <a:t>online</a:t>
+            </a:r>
             <a:r>
               <a:rPr lang="he-IL" dirty="0"/>
-              <a:t>- התור מסודר לפי הזמן בו הפעולה אמורה להתחיל ביחס לתחילת הבעיה (להצביע על הדיאגרמה ולהסביר).</a:t>
-            </a:r>
-          </a:p>
-          <a:p>
-            <a:pPr marL="171450" indent="-171450">
-              <a:buFontTx/>
-              <a:buChar char="-"/>
-            </a:pPr>
+              <a:t> לניהול המראות ונחיתות של מטוסים.</a:t>
+            </a:r>
+          </a:p>
+          <a:p>
             <a:r>
               <a:rPr lang="he-IL" dirty="0"/>
-              <a:t>התור מורכב ממצביעים לצמתים בגרף (אשר מכילים מידע על כל פעולה).</a:t>
-            </a:r>
-          </a:p>
-          <a:p>
-            <a:pPr marL="171450" indent="-171450">
-              <a:buFontTx/>
-              <a:buChar char="-"/>
-            </a:pPr>
+              <a:t>בפרויקט זה בנינו אלגוריתם אשר מנהל את שדה התעופה בהתאם לתוכנית יום של אלגוריתם ה-</a:t>
+            </a:r>
+            <a:r>
+              <a:rPr lang="en-US" dirty="0"/>
+              <a:t>offline</a:t>
+            </a:r>
             <a:r>
               <a:rPr lang="he-IL" dirty="0"/>
-              <a:t>עבור כל פעולה נבדוק מס' דברים:</a:t>
-            </a:r>
-          </a:p>
-          <a:p>
-            <a:pPr marL="171450" indent="-171450">
-              <a:buFontTx/>
-              <a:buChar char="-"/>
-            </a:pPr>
+              <a:t>. זאת, תוך התמודדות עם שינויים ואילוצים בזמן-אמת.</a:t>
+            </a:r>
+          </a:p>
+          <a:p>
             <a:r>
               <a:rPr lang="he-IL" dirty="0"/>
-              <a:t>1. האם האבות שלה סיימו.</a:t>
-            </a:r>
-          </a:p>
-          <a:p>
-            <a:pPr marL="171450" indent="-171450">
-              <a:buFontTx/>
-              <a:buChar char="-"/>
-            </a:pPr>
+              <a:t>האלגוריתם צריך להחליט האם הוא יכול לרוץ עם ההפרעות שצצו במהלך היום או לבצע תיכנון מחדש ביחס למצב העולם בו הוא נמצא.</a:t>
+            </a:r>
+          </a:p>
+          <a:p>
             <a:r>
               <a:rPr lang="he-IL" dirty="0"/>
-              <a:t>2. האם הגיע הזמן שלה לרוץ.</a:t>
-            </a:r>
-          </a:p>
-          <a:p>
-            <a:pPr marL="171450" indent="-171450">
-              <a:buFontTx/>
-              <a:buChar char="-"/>
-            </a:pPr>
-            <a:r>
-              <a:rPr lang="he-IL" dirty="0"/>
-              <a:t>3. מוודאים את חוקיות הפעולה מול מודול מצב העולם (לדג' נחיתה צריכה נתיב, אז האם יש נתיב פנוי)</a:t>
-            </a:r>
-          </a:p>
-          <a:p>
-            <a:pPr marL="171450" indent="-171450">
-              <a:buFontTx/>
-              <a:buChar char="-"/>
-            </a:pPr>
-            <a:endParaRPr lang="he-IL" dirty="0"/>
-          </a:p>
-          <a:p>
-            <a:pPr marL="171450" indent="-171450">
-              <a:buFontTx/>
-              <a:buChar char="-"/>
-            </a:pPr>
-            <a:r>
-              <a:rPr lang="he-IL" dirty="0"/>
-              <a:t>(עבור כל פעולה שנשלחת לסימולטור מתבצעת המרת יחידות של משך הפעולה לפי ציר הזמן שהוגדר)</a:t>
-            </a:r>
-          </a:p>
-          <a:p>
-            <a:pPr marL="171450" indent="-171450">
-              <a:buFontTx/>
-              <a:buChar char="-"/>
-            </a:pPr>
-            <a:endParaRPr lang="he-IL" dirty="0"/>
-          </a:p>
-          <a:p>
-            <a:pPr marL="171450" indent="-171450">
-              <a:buFontTx/>
-              <a:buChar char="-"/>
-            </a:pPr>
-            <a:r>
-              <a:rPr lang="he-IL" dirty="0"/>
-              <a:t>פעולות שהזמן שלהן הגיע אך לא מוכנות (עקב הפרעה או שינוי סדר פעולות על ידי הבקר) מקבלות קנס של יחידת זמן אחת ובכך אנו משנים את סדר הפעולות מהתוכנית המקורית.</a:t>
-            </a:r>
-          </a:p>
-          <a:p>
-            <a:pPr marL="171450" indent="-171450">
-              <a:buFontTx/>
-              <a:buChar char="-"/>
-            </a:pPr>
-            <a:endParaRPr lang="he-IL" dirty="0"/>
-          </a:p>
-          <a:p>
-            <a:pPr marL="171450" indent="-171450">
-              <a:buFontTx/>
-              <a:buChar char="-"/>
-            </a:pPr>
-            <a:r>
-              <a:rPr lang="he-IL" dirty="0"/>
-              <a:t>כל פעולה שהסתיימה מרימה דגל בצומת שלה בגרף.</a:t>
-            </a:r>
-          </a:p>
-          <a:p>
-            <a:pPr marL="171450" indent="-171450">
-              <a:buFontTx/>
-              <a:buChar char="-"/>
-            </a:pPr>
-            <a:r>
-              <a:rPr lang="he-IL" dirty="0"/>
-              <a:t>כאשר כל הפעולות הסתיימו והתור ריק – </a:t>
-            </a:r>
-            <a:r>
-              <a:rPr lang="he-IL" dirty="0" err="1"/>
-              <a:t>הקונטרולר</a:t>
-            </a:r>
-            <a:r>
-              <a:rPr lang="he-IL" dirty="0"/>
-              <a:t> מעלה </a:t>
-            </a:r>
-            <a:r>
-              <a:rPr lang="he-IL" dirty="0" err="1"/>
-              <a:t>איבנט</a:t>
-            </a:r>
-            <a:r>
-              <a:rPr lang="he-IL" dirty="0"/>
-              <a:t> שהוא סיים.</a:t>
-            </a:r>
-          </a:p>
-          <a:p>
-            <a:pPr marL="171450" indent="-171450">
-              <a:buFontTx/>
-              <a:buChar char="-"/>
-            </a:pPr>
-            <a:endParaRPr lang="he-IL" dirty="0"/>
-          </a:p>
-          <a:p>
-            <a:pPr marL="171450" indent="-171450">
-              <a:buFontTx/>
-              <a:buChar char="-"/>
-            </a:pPr>
-            <a:endParaRPr lang="he-IL" dirty="0"/>
-          </a:p>
-          <a:p>
-            <a:endParaRPr lang="he-IL" dirty="0"/>
-          </a:p>
-          <a:p>
-            <a:pPr marL="0" marR="0" lvl="0" indent="0" algn="r" defTabSz="914400" rtl="1" eaLnBrk="1" fontAlgn="auto" latinLnBrk="0" hangingPunct="1">
-              <a:lnSpc>
-                <a:spcPct val="100000"/>
-              </a:lnSpc>
-              <a:spcBef>
-                <a:spcPts val="0"/>
-              </a:spcBef>
-              <a:spcAft>
-                <a:spcPts val="0"/>
-              </a:spcAft>
-              <a:buClrTx/>
-              <a:buSzTx/>
-              <a:buFontTx/>
-              <a:buNone/>
-              <a:tabLst/>
-              <a:defRPr/>
-            </a:pPr>
-            <a:r>
-              <a:rPr lang="he-IL" dirty="0"/>
-              <a:t>עבור כל פעולה שנשלחת לסימולטור מבצע המרה של משך הפעולה לפי ציר הזמן שהוגדר.</a:t>
-            </a:r>
-          </a:p>
-          <a:p>
-            <a:r>
-              <a:rPr lang="he-IL" dirty="0"/>
-              <a:t>עבור כל פעולה שהסתיימה מעדכן בגרף בצומת המתאים את הדגל של הפעולה.</a:t>
-            </a:r>
-          </a:p>
-          <a:p>
-            <a:r>
-              <a:rPr lang="he-IL" dirty="0"/>
-              <a:t>כאשר הבקר סיים את כל הפעולות שקיימות </a:t>
-            </a:r>
-            <a:r>
-              <a:rPr lang="he-IL" dirty="0" err="1"/>
-              <a:t>בתכנית</a:t>
-            </a:r>
-            <a:r>
-              <a:rPr lang="he-IL" dirty="0"/>
-              <a:t> –מעלה אירוע שהוא סיים.</a:t>
-            </a:r>
-          </a:p>
-          <a:p>
-            <a:endParaRPr lang="he-IL" dirty="0"/>
+              <a:t> </a:t>
+            </a:r>
           </a:p>
         </p:txBody>
       </p:sp>
@@ -8476,7 +8057,7 @@
     </p:spTree>
     <p:extLst>
       <p:ext uri="{BB962C8B-B14F-4D97-AF65-F5344CB8AC3E}">
-        <p14:creationId xmlns:p14="http://schemas.microsoft.com/office/powerpoint/2010/main" val="243888583"/>
+        <p14:creationId xmlns:p14="http://schemas.microsoft.com/office/powerpoint/2010/main" val="3337829285"/>
       </p:ext>
     </p:extLst>
   </p:cSld>
@@ -8530,7 +8111,60 @@
           <a:bodyPr/>
           <a:lstStyle/>
           <a:p>
-            <a:endParaRPr lang="he-IL" dirty="0"/>
+            <a:r>
+              <a:rPr lang="he-IL" dirty="0"/>
+              <a:t>זוהי סכמה כללית של הבעיה שלנו</a:t>
+            </a:r>
+          </a:p>
+          <a:p>
+            <a:r>
+              <a:rPr lang="he-IL" dirty="0"/>
+              <a:t>כאשר ה-</a:t>
+            </a:r>
+            <a:r>
+              <a:rPr lang="en-US" dirty="0"/>
+              <a:t>planner</a:t>
+            </a:r>
+            <a:r>
+              <a:rPr lang="he-IL" dirty="0"/>
+              <a:t> הוא בעצם אלגוריתם </a:t>
+            </a:r>
+            <a:r>
+              <a:rPr lang="he-IL" dirty="0" err="1"/>
+              <a:t>האופליין</a:t>
+            </a:r>
+            <a:r>
+              <a:rPr lang="he-IL" dirty="0"/>
+              <a:t>.</a:t>
+            </a:r>
+          </a:p>
+          <a:p>
+            <a:r>
+              <a:rPr lang="he-IL" dirty="0"/>
+              <a:t>ה-</a:t>
+            </a:r>
+            <a:r>
+              <a:rPr lang="en-US" dirty="0"/>
+              <a:t>executor</a:t>
+            </a:r>
+            <a:r>
+              <a:rPr lang="he-IL" dirty="0"/>
+              <a:t> הוא אלגוריתם האונליין שלנו, בגדול ה-</a:t>
+            </a:r>
+            <a:r>
+              <a:rPr lang="en-US" dirty="0"/>
+              <a:t>controller</a:t>
+            </a:r>
+            <a:r>
+              <a:rPr lang="he-IL" dirty="0"/>
+              <a:t> שלנו.</a:t>
+            </a:r>
+          </a:p>
+          <a:p>
+            <a:r>
+              <a:rPr lang="he-IL" dirty="0"/>
+              <a:t>ועל מנת לבדוק את האלגוריתם, בנינו סביבה אשר מדמה שדה תעופה עם הפרעות ושינויים בזמן-אמת.</a:t>
+            </a:r>
           </a:p>
         </p:txBody>
       </p:sp>
@@ -8583,7 +8217,7 @@
     </p:spTree>
     <p:extLst>
       <p:ext uri="{BB962C8B-B14F-4D97-AF65-F5344CB8AC3E}">
-        <p14:creationId xmlns:p14="http://schemas.microsoft.com/office/powerpoint/2010/main" val="3276345102"/>
+        <p14:creationId xmlns:p14="http://schemas.microsoft.com/office/powerpoint/2010/main" val="756721077"/>
       </p:ext>
     </p:extLst>
   </p:cSld>
@@ -8639,92 +8273,29 @@
           <a:p>
             <a:r>
               <a:rPr lang="he-IL" dirty="0"/>
-              <a:t>הסימולטור מדמה את מצב העולם, אין לא יכולת החלטה על ביצוע של דברים אלא הוא מקבל פקודות בלבד ועושה אותן.</a:t>
-            </a:r>
-          </a:p>
-          <a:p>
+              <a:t>בפרויקט התעסקנו בעיקר במתיחת גרף ה-</a:t>
+            </a:r>
+            <a:r>
+              <a:rPr lang="en-US" dirty="0"/>
+              <a:t>STN</a:t>
+            </a:r>
             <a:r>
               <a:rPr lang="he-IL" dirty="0"/>
-              <a:t>הסימולטור מחזיק תור עדיפויות שונה </a:t>
+              <a:t> – כלומר, בהפרעה של עיכוב או דחייה של פעולה מסוימת (למשל משימה של מטוס שהתארכה, המראה שהתעכבה) ואיך עיכוב זה השפיע על שאר סדר היום והשינויים הנצרכים בזמן-אמת.</a:t>
+            </a:r>
+          </a:p>
+          <a:p>
+            <a:r>
+              <a:rPr lang="he-IL" dirty="0"/>
+              <a:t>בפרויקט הנחנו כי תכנון </a:t>
             </a:r>
             <a:r>
               <a:rPr lang="he-IL" dirty="0" err="1"/>
-              <a:t>מקונטרולר</a:t>
+              <a:t>האופליין</a:t>
             </a:r>
             <a:r>
               <a:rPr lang="he-IL" dirty="0"/>
-              <a:t> (נסביר בהמשך) שלפיו הסימולטור יודע אילו פעולות סיימו.</a:t>
-            </a:r>
-          </a:p>
-          <a:p>
-            <a:r>
-              <a:rPr lang="he-IL" dirty="0"/>
-              <a:t>הוא מחזיק </a:t>
-            </a:r>
-            <a:r>
-              <a:rPr lang="he-IL" dirty="0" err="1"/>
-              <a:t>רפרנס</a:t>
-            </a:r>
-            <a:r>
-              <a:rPr lang="he-IL" dirty="0"/>
-              <a:t> למודולים של ה-</a:t>
-            </a:r>
-            <a:r>
-              <a:rPr lang="en-US" dirty="0"/>
-              <a:t>clock</a:t>
-            </a:r>
-            <a:r>
-              <a:rPr lang="he-IL" dirty="0"/>
-              <a:t> וה-</a:t>
-            </a:r>
-            <a:r>
-              <a:rPr lang="en-US" dirty="0"/>
-              <a:t>events</a:t>
-            </a:r>
-            <a:r>
-              <a:rPr lang="he-IL" dirty="0"/>
-              <a:t>. מודול מצב העולם מאזין לסימולטור.</a:t>
-            </a:r>
-          </a:p>
-          <a:p>
-            <a:endParaRPr lang="he-IL" dirty="0"/>
-          </a:p>
-          <a:p>
-            <a:r>
-              <a:rPr lang="he-IL" dirty="0"/>
-              <a:t>הסימולטור מדמה את מצב העולם, אין לא יכולת החלטה על ביצוע של דברים אלא הוא מקבל פקודות בלבד ועושה אותן.</a:t>
-            </a:r>
-          </a:p>
-          <a:p>
-            <a:r>
-              <a:rPr lang="he-IL" dirty="0"/>
-              <a:t>במידה ומודול ההפרעות החליט על הפרעה הסימולטור מוסיף את משך ההפרעה לפעולה המתאימה.</a:t>
-            </a:r>
-          </a:p>
-          <a:p>
-            <a:r>
-              <a:rPr lang="he-IL" dirty="0"/>
-              <a:t>הסימולטור בכל התחלה וסיום של פעולה חדשה מבצע </a:t>
-            </a:r>
-            <a:r>
-              <a:rPr lang="he-IL" dirty="0" err="1"/>
-              <a:t>עידכון</a:t>
-            </a:r>
-            <a:r>
-              <a:rPr lang="he-IL" dirty="0"/>
-              <a:t> של מודול מצב העולם.</a:t>
-            </a:r>
-          </a:p>
-          <a:p>
-            <a:r>
-              <a:rPr lang="he-IL" dirty="0"/>
-              <a:t>הסימולטור בכל מחזור שעון מוריד יחידת זמן מנורמלת מכלל הפעולות שכרגע בביצוע.</a:t>
-            </a:r>
-          </a:p>
-          <a:p>
-            <a:r>
-              <a:rPr lang="he-IL" dirty="0"/>
-              <a:t>הסימולטור הוא "מקבילי" כלומר ייתכן שבאותו מחזור שעון יתחילו\ יסתיימו מספר פעולות במקביל.</a:t>
+              <a:t> זניח, ולכן בעת ביצוע תכנון מחדש הקפאנו את מצב העולם.</a:t>
             </a:r>
           </a:p>
           <a:p>
@@ -8781,7 +8352,7 @@
     </p:spTree>
     <p:extLst>
       <p:ext uri="{BB962C8B-B14F-4D97-AF65-F5344CB8AC3E}">
-        <p14:creationId xmlns:p14="http://schemas.microsoft.com/office/powerpoint/2010/main" val="551762232"/>
+        <p14:creationId xmlns:p14="http://schemas.microsoft.com/office/powerpoint/2010/main" val="1169753784"/>
       </p:ext>
     </p:extLst>
   </p:cSld>
@@ -9000,40 +8571,250 @@
           <a:bodyPr/>
           <a:lstStyle/>
           <a:p>
+            <a:pPr marL="171450" indent="-171450">
+              <a:buFontTx/>
+              <a:buChar char="-"/>
+            </a:pPr>
             <a:r>
               <a:rPr lang="he-IL" dirty="0"/>
-              <a:t>זה הוא תור העדיפויות שלפיו הסימולטור יודע אילו פעולות מתבצעות כעת ואילו פעולות סיימו.</a:t>
-            </a:r>
-          </a:p>
-          <a:p>
+              <a:t>בדיאגרמה הזו ניתן לראות את הקשר בין אלגוריתם </a:t>
+            </a:r>
+            <a:r>
+              <a:rPr lang="he-IL" dirty="0" err="1"/>
+              <a:t>האופליין</a:t>
+            </a:r>
             <a:r>
               <a:rPr lang="he-IL" dirty="0"/>
-              <a:t>הפעולות ממוינות לפי משך הפעולה (להצביע על הדיאגרמה ולהסביר).</a:t>
-            </a:r>
-          </a:p>
-          <a:p>
+              <a:t> לאלגוריתם האונליין.</a:t>
+            </a:r>
+          </a:p>
+          <a:p>
+            <a:pPr marL="171450" marR="0" lvl="0" indent="-171450" algn="r" defTabSz="914400" rtl="1" eaLnBrk="1" fontAlgn="auto" latinLnBrk="0" hangingPunct="1">
+              <a:lnSpc>
+                <a:spcPct val="100000"/>
+              </a:lnSpc>
+              <a:spcBef>
+                <a:spcPts val="0"/>
+              </a:spcBef>
+              <a:spcAft>
+                <a:spcPts val="0"/>
+              </a:spcAft>
+              <a:buClrTx/>
+              <a:buSzTx/>
+              <a:buFontTx/>
+              <a:buChar char="-"/>
+              <a:tabLst/>
+              <a:defRPr/>
+            </a:pPr>
             <a:r>
               <a:rPr lang="he-IL" dirty="0"/>
-              <a:t>- במידה ומודול ההפרעות החליט על הפרעה, הסימולטור מוסיף את משך ההפרעה לפעולה המתאימה.</a:t>
-            </a:r>
-          </a:p>
-          <a:p>
+              <a:t>חשוב לציין כי עיקר השינויים שביצענו באלגוריתם </a:t>
+            </a:r>
+            <a:r>
+              <a:rPr lang="he-IL" dirty="0" err="1"/>
+              <a:t>האופליין</a:t>
+            </a:r>
             <a:r>
               <a:rPr lang="he-IL" dirty="0"/>
-              <a:t>- הסימולטור בכל התחלה וסיום של פעולה חדשה מבצע עדכון של מודול מצב העולם.</a:t>
-            </a:r>
-          </a:p>
-          <a:p>
+              <a:t> היו הוספת מעטפת לפרויקט כדי שנוכל לקשר בניהם. בעצם, שינינו את אלגוריתם </a:t>
+            </a:r>
+            <a:r>
+              <a:rPr lang="he-IL" dirty="0" err="1"/>
+              <a:t>האופליין</a:t>
+            </a:r>
             <a:r>
               <a:rPr lang="he-IL" dirty="0"/>
-              <a:t>- הסימולטור בכל מחזור שעון מוריד יחידת זמן מנורמלת מכלל הפעולות שכרגע בביצוע.</a:t>
-            </a:r>
-          </a:p>
-          <a:p>
+              <a:t> כך שיקבל קלט ופלט בצורה שנוכל לייצר </a:t>
+            </a:r>
+            <a:r>
+              <a:rPr lang="he-IL" b="0" dirty="0"/>
+              <a:t>משוב (כפי שמופיע כאן)</a:t>
+            </a:r>
             <a:r>
               <a:rPr lang="he-IL" dirty="0"/>
-              <a:t>- הסימולטור הוא "מקבילי" כלומר ייתכן שבאותו מחזור שעון יתחילו\ יסתיימו מספר פעולות במקביל.</a:t>
-            </a:r>
+              <a:t> בצורה נוחה.</a:t>
+            </a:r>
+          </a:p>
+          <a:p>
+            <a:pPr marL="171450" marR="0" lvl="0" indent="-171450" algn="r" defTabSz="914400" rtl="1" eaLnBrk="1" fontAlgn="auto" latinLnBrk="0" hangingPunct="1">
+              <a:lnSpc>
+                <a:spcPct val="100000"/>
+              </a:lnSpc>
+              <a:spcBef>
+                <a:spcPts val="0"/>
+              </a:spcBef>
+              <a:spcAft>
+                <a:spcPts val="0"/>
+              </a:spcAft>
+              <a:buClrTx/>
+              <a:buSzTx/>
+              <a:buFontTx/>
+              <a:buChar char="-"/>
+              <a:tabLst/>
+              <a:defRPr/>
+            </a:pPr>
+            <a:r>
+              <a:rPr lang="he-IL" dirty="0"/>
+              <a:t>אפשר לראות כי:</a:t>
+            </a:r>
+          </a:p>
+          <a:p>
+            <a:pPr marL="171450" indent="-171450">
+              <a:buFontTx/>
+              <a:buChar char="-"/>
+            </a:pPr>
+            <a:r>
+              <a:rPr lang="he-IL" dirty="0"/>
+              <a:t>אנחנו מקבלים תוכנית (</a:t>
+            </a:r>
+            <a:r>
+              <a:rPr lang="en-US" dirty="0"/>
+              <a:t>STN</a:t>
+            </a:r>
+            <a:r>
+              <a:rPr lang="he-IL" dirty="0"/>
+              <a:t>) מהזמן אופליין.</a:t>
+            </a:r>
+          </a:p>
+          <a:p>
+            <a:pPr marL="171450" indent="-171450">
+              <a:buFontTx/>
+              <a:buChar char="-"/>
+            </a:pPr>
+            <a:r>
+              <a:rPr lang="he-IL" dirty="0"/>
+              <a:t>התוכנית פעולה נכנסת למנהל התכנית והוא דואג לייצר את </a:t>
+            </a:r>
+            <a:r>
+              <a:rPr lang="he-IL" dirty="0" err="1"/>
+              <a:t>המודולוים</a:t>
+            </a:r>
+            <a:r>
+              <a:rPr lang="he-IL" dirty="0"/>
+              <a:t> השונים והקשרים ביניהם.</a:t>
+            </a:r>
+          </a:p>
+          <a:p>
+            <a:pPr marL="171450" indent="-171450">
+              <a:buFontTx/>
+              <a:buChar char="-"/>
+            </a:pPr>
+            <a:r>
+              <a:rPr lang="he-IL" dirty="0"/>
+              <a:t>הבקר מקבל את קובץ </a:t>
+            </a:r>
+            <a:r>
+              <a:rPr lang="he-IL" dirty="0" err="1"/>
+              <a:t>הקונפיג</a:t>
+            </a:r>
+            <a:r>
+              <a:rPr lang="he-IL" dirty="0"/>
+              <a:t> </a:t>
+            </a:r>
+            <a:r>
+              <a:rPr lang="he-IL" dirty="0" err="1"/>
+              <a:t>והתכנית</a:t>
+            </a:r>
+            <a:r>
+              <a:rPr lang="he-IL" dirty="0"/>
+              <a:t> (</a:t>
+            </a:r>
+            <a:r>
+              <a:rPr lang="en-US" dirty="0"/>
+              <a:t>STN</a:t>
+            </a:r>
+            <a:r>
+              <a:rPr lang="he-IL" dirty="0"/>
+              <a:t>) ותפקידו לשמש כמגדל בקרה ופיקוח.</a:t>
+            </a:r>
+          </a:p>
+          <a:p>
+            <a:pPr marL="171450" indent="-171450">
+              <a:buFontTx/>
+              <a:buChar char="-"/>
+            </a:pPr>
+            <a:r>
+              <a:rPr lang="he-IL" dirty="0"/>
+              <a:t>הסימולטור משמש כמודל לעולם אשר מריץ את הפעולות ונותן אינדיקציה כאשר פעולות הסתיימו.</a:t>
+            </a:r>
+          </a:p>
+          <a:p>
+            <a:pPr marL="171450" indent="-171450">
+              <a:buFontTx/>
+              <a:buChar char="-"/>
+            </a:pPr>
+            <a:r>
+              <a:rPr lang="he-IL" dirty="0"/>
+              <a:t>מודול מצב העולם (</a:t>
+            </a:r>
+            <a:r>
+              <a:rPr lang="en-US" dirty="0"/>
+              <a:t>state</a:t>
+            </a:r>
+            <a:r>
+              <a:rPr lang="he-IL" dirty="0"/>
+              <a:t>) מייצג תמונה של מצב כל המטוסים, נתיבים ושאר הפרמטרים אחריהם אנו עוקבים – מקבל </a:t>
+            </a:r>
+            <a:r>
+              <a:rPr lang="he-IL" dirty="0" err="1"/>
+              <a:t>עידכונים</a:t>
+            </a:r>
+            <a:r>
+              <a:rPr lang="he-IL" dirty="0"/>
+              <a:t> מהסימולטור על כל התחלה\סיום של פעולה.</a:t>
+            </a:r>
+          </a:p>
+          <a:p>
+            <a:pPr marL="171450" indent="-171450">
+              <a:buFontTx/>
+              <a:buChar char="-"/>
+            </a:pPr>
+            <a:endParaRPr lang="he-IL" dirty="0"/>
+          </a:p>
+          <a:p>
+            <a:pPr marL="171450" indent="-171450">
+              <a:buFontTx/>
+              <a:buChar char="-"/>
+            </a:pPr>
+            <a:r>
+              <a:rPr lang="he-IL" dirty="0"/>
+              <a:t>מודול ההפרעות – בוחר באופן רנדומלי כל מספר פעולות לייצר הפרעה אשר נשלחת לסימולטור עבור פעולה כלשהי.</a:t>
+            </a:r>
+          </a:p>
+          <a:p>
+            <a:pPr marL="171450" indent="-171450">
+              <a:buFontTx/>
+              <a:buChar char="-"/>
+            </a:pPr>
+            <a:r>
+              <a:rPr lang="he-IL" dirty="0"/>
+              <a:t>שעון – מודול גלובלי אשר סופר זמן באופן דיסקרטי.</a:t>
+            </a:r>
+          </a:p>
+          <a:p>
+            <a:pPr marL="171450" indent="-171450">
+              <a:buFontTx/>
+              <a:buChar char="-"/>
+            </a:pPr>
+            <a:r>
+              <a:rPr lang="he-IL" dirty="0"/>
+              <a:t>אירועים – מודול גלובלי אשר משמש כאמצעי תקשורת בין המודולים השונים </a:t>
+            </a:r>
+            <a:r>
+              <a:rPr lang="he-IL" dirty="0" err="1"/>
+              <a:t>בתכנית</a:t>
+            </a:r>
+            <a:r>
+              <a:rPr lang="he-IL" dirty="0"/>
+              <a:t> שלנו.</a:t>
+            </a:r>
+          </a:p>
+          <a:p>
+            <a:pPr marL="171450" indent="-171450">
+              <a:buFontTx/>
+              <a:buChar char="-"/>
+            </a:pPr>
+            <a:endParaRPr lang="he-IL" dirty="0"/>
           </a:p>
         </p:txBody>
       </p:sp>
@@ -9086,7 +8867,7 @@
     </p:spTree>
     <p:extLst>
       <p:ext uri="{BB962C8B-B14F-4D97-AF65-F5344CB8AC3E}">
-        <p14:creationId xmlns:p14="http://schemas.microsoft.com/office/powerpoint/2010/main" val="2543853672"/>
+        <p14:creationId xmlns:p14="http://schemas.microsoft.com/office/powerpoint/2010/main" val="850113018"/>
       </p:ext>
     </p:extLst>
   </p:cSld>
@@ -9142,7 +8923,73 @@
           <a:p>
             <a:r>
               <a:rPr lang="he-IL" dirty="0"/>
-              <a:t>בעיות בייצוג של 0 במחשב לכן הגדרנו "0" עבור הבעיה שלנו</a:t>
+              <a:t>מנהל התוכנית הוא בעצם החולייה המקשרת בין אלגוריתם האונליין לאלגוריתם </a:t>
+            </a:r>
+            <a:r>
+              <a:rPr lang="he-IL" dirty="0" err="1"/>
+              <a:t>האופליין</a:t>
+            </a:r>
+            <a:r>
+              <a:rPr lang="he-IL" dirty="0"/>
+              <a:t>.</a:t>
+            </a:r>
+          </a:p>
+          <a:p>
+            <a:r>
+              <a:rPr lang="he-IL" dirty="0"/>
+              <a:t>הוא מקבל את הפלט של אלגוריתם </a:t>
+            </a:r>
+            <a:r>
+              <a:rPr lang="he-IL" dirty="0" err="1"/>
+              <a:t>האופליין</a:t>
+            </a:r>
+            <a:r>
+              <a:rPr lang="he-IL" dirty="0"/>
+              <a:t> ומסדר אותו, בנוסף הוא בונה את המודולים של אלגוריתם האונליין:</a:t>
+            </a:r>
+          </a:p>
+          <a:p>
+            <a:pPr marL="171450" indent="-171450">
+              <a:buFont typeface="Arial" panose="020B0604020202020204" pitchFamily="34" charset="0"/>
+              <a:buChar char="•"/>
+            </a:pPr>
+            <a:r>
+              <a:rPr lang="he-IL" dirty="0"/>
+              <a:t>הוא אחראי על יצירת המודולים הגלובליים, ועל הניקיון שלהם כאשר מתקבלת תוכנית חדשה.</a:t>
+            </a:r>
+          </a:p>
+          <a:p>
+            <a:pPr marL="171450" indent="-171450">
+              <a:buFont typeface="Arial" panose="020B0604020202020204" pitchFamily="34" charset="0"/>
+              <a:buChar char="•"/>
+            </a:pPr>
+            <a:r>
+              <a:rPr lang="he-IL" dirty="0"/>
+              <a:t>הוא יוצא את המודולים הלוקאלים עבור כל טסט ומקשר בניהם.</a:t>
+            </a:r>
+          </a:p>
+          <a:p>
+            <a:pPr marL="171450" indent="-171450">
+              <a:buFont typeface="Arial" panose="020B0604020202020204" pitchFamily="34" charset="0"/>
+              <a:buChar char="•"/>
+            </a:pPr>
+            <a:r>
+              <a:rPr lang="he-IL" dirty="0"/>
+              <a:t>בודק האם יש צורך בתכנון מחדש ומריץ את אלגוריתם </a:t>
+            </a:r>
+            <a:r>
+              <a:rPr lang="he-IL" dirty="0" err="1"/>
+              <a:t>האופליין</a:t>
+            </a:r>
+            <a:r>
+              <a:rPr lang="he-IL" dirty="0"/>
+              <a:t>.</a:t>
+            </a:r>
+          </a:p>
+          <a:p>
+            <a:r>
+              <a:rPr lang="he-IL" dirty="0"/>
+              <a:t>		</a:t>
             </a:r>
           </a:p>
         </p:txBody>
@@ -9196,7 +9043,7 @@
     </p:spTree>
     <p:extLst>
       <p:ext uri="{BB962C8B-B14F-4D97-AF65-F5344CB8AC3E}">
-        <p14:creationId xmlns:p14="http://schemas.microsoft.com/office/powerpoint/2010/main" val="1534296304"/>
+        <p14:creationId xmlns:p14="http://schemas.microsoft.com/office/powerpoint/2010/main" val="2906297507"/>
       </p:ext>
     </p:extLst>
   </p:cSld>
@@ -9252,73 +9099,21 @@
           <a:p>
             <a:r>
               <a:rPr lang="he-IL" dirty="0"/>
-              <a:t>מודל </a:t>
-            </a:r>
-            <a:r>
-              <a:rPr lang="he-IL" dirty="0" err="1"/>
-              <a:t>האיבנטים</a:t>
+              <a:t>כאן ניתן לראות את ה-</a:t>
+            </a:r>
+            <a:r>
+              <a:rPr lang="en-US" dirty="0"/>
+              <a:t>flow</a:t>
             </a:r>
             <a:r>
               <a:rPr lang="he-IL" dirty="0"/>
-              <a:t> הוא בעצם רשימה של סיגנלים אשר דרכו כל המודולים מתקשרים, זו מין מערכת סיגנלים.</a:t>
-            </a:r>
-          </a:p>
-          <a:p>
-            <a:endParaRPr lang="he-IL" dirty="0"/>
+              <a:t> של מנהל התוכנית:</a:t>
+            </a:r>
           </a:p>
           <a:p>
             <a:r>
               <a:rPr lang="he-IL" dirty="0"/>
-              <a:t>בתחילה, מימשנו את התקשורת ישירות בין המודולים, אך זה גרר צימוד גבוה של התכנית שלנו (תלויות רבות), ולכן יצרנו את המודול הזה כדי לסדר את זה בצורה נוחה ומובנת יותר.</a:t>
-            </a:r>
-          </a:p>
-          <a:p>
-            <a:endParaRPr lang="he-IL" dirty="0"/>
-          </a:p>
-          <a:p>
-            <a:r>
-              <a:rPr lang="he-IL" dirty="0"/>
-              <a:t>לעבור בקטנה על הטבלה בצד ולהסביר על כל סיגנל.</a:t>
-            </a:r>
-          </a:p>
-          <a:p>
-            <a:endParaRPr lang="he-IL" dirty="0"/>
-          </a:p>
-          <a:p>
-            <a:endParaRPr lang="he-IL" dirty="0"/>
-          </a:p>
-          <a:p>
-            <a:r>
-              <a:rPr lang="he-IL" dirty="0"/>
-              <a:t>מודול אשר מרכז את התקשורת עבור כלל התכנית.</a:t>
-            </a:r>
-          </a:p>
-          <a:p>
-            <a:r>
-              <a:rPr lang="he-IL" dirty="0"/>
-              <a:t>שאר המודולים מדברים דרכו דרך מערכת סיגנלים.</a:t>
-            </a:r>
-          </a:p>
-          <a:p>
-            <a:r>
-              <a:rPr lang="he-IL" dirty="0"/>
-              <a:t>בתחילת המימוש התקשורת התבצעה ישירות בין </a:t>
-            </a:r>
-            <a:r>
-              <a:rPr lang="he-IL" dirty="0" err="1"/>
-              <a:t>המודלוים</a:t>
-            </a:r>
-            <a:r>
-              <a:rPr lang="he-IL" dirty="0"/>
-              <a:t> מה שגרר צימוד גבוה של התכנית שלנו ולכן יצרנו מודול זה על מנת לבטל את התלויות החזקות שנוצרו </a:t>
-            </a:r>
-            <a:r>
-              <a:rPr lang="he-IL" dirty="0" err="1"/>
-              <a:t>בתכנית</a:t>
-            </a:r>
-            <a:r>
-              <a:rPr lang="he-IL" dirty="0"/>
-              <a:t>.</a:t>
+              <a:t>פשוט לעבור על הדיאגרמה ולהקריא. להדגיש מה גלובלי ומה נבנה עבור כל טסט מחדש.</a:t>
             </a:r>
           </a:p>
         </p:txBody>
@@ -9372,7 +9167,7 @@
     </p:spTree>
     <p:extLst>
       <p:ext uri="{BB962C8B-B14F-4D97-AF65-F5344CB8AC3E}">
-        <p14:creationId xmlns:p14="http://schemas.microsoft.com/office/powerpoint/2010/main" val="3654397469"/>
+        <p14:creationId xmlns:p14="http://schemas.microsoft.com/office/powerpoint/2010/main" val="34609377"/>
       </p:ext>
     </p:extLst>
   </p:cSld>
@@ -9427,20 +9222,68 @@
           <a:lstStyle/>
           <a:p>
             <a:r>
+              <a:rPr lang="he-IL" dirty="0" err="1"/>
+              <a:t>הקונטרולר</a:t>
+            </a:r>
+            <a:r>
               <a:rPr lang="he-IL" dirty="0"/>
-              <a:t>מודול זה מדמה לנו את ציר הזמן אשר מיוצג באופן דיסקרטי.</a:t>
-            </a:r>
-          </a:p>
-          <a:p>
+              <a:t> הוא כביכול מגדל הפיקוח של התוכנית. הוא שולח את הפעולות שמוכנות לביצוע לסימולטור.</a:t>
+            </a:r>
+          </a:p>
+          <a:p>
+            <a:r>
+              <a:rPr lang="he-IL" dirty="0" err="1"/>
+              <a:t>הקונטרולר</a:t>
+            </a:r>
             <a:r>
               <a:rPr lang="he-IL" dirty="0"/>
-              <a:t>בתחילת התכנית עבדנו עם זמן רציף אך לאחר בעיות מימוש רבות והתייעצות עם איל החלטנו לעבור לזמן בדיד.</a:t>
-            </a:r>
-          </a:p>
-          <a:p>
+              <a:t> מחזיק בגרף התלויות כפי שקיבלנו מאלגוריתם </a:t>
+            </a:r>
+            <a:r>
+              <a:rPr lang="he-IL" dirty="0" err="1"/>
+              <a:t>האופליין</a:t>
+            </a:r>
             <a:r>
               <a:rPr lang="he-IL" dirty="0"/>
-              <a:t>היתרון בזמן בדיד הוא היכולת לנרמל את ציר הזמן בקלות, יכולת מעקב אחרי הפעולות בצורה יעילה יותר.</a:t>
+              <a:t> ומחזיק גם את תור העדיפויות שלפיו נשלחות הפעולות לביצוע.</a:t>
+            </a:r>
+          </a:p>
+          <a:p>
+            <a:r>
+              <a:rPr lang="he-IL" dirty="0"/>
+              <a:t>הוא מחזיק </a:t>
+            </a:r>
+            <a:r>
+              <a:rPr lang="he-IL" dirty="0" err="1"/>
+              <a:t>רפרנס</a:t>
+            </a:r>
+            <a:r>
+              <a:rPr lang="he-IL" dirty="0"/>
+              <a:t> למודולים של ה-</a:t>
+            </a:r>
+            <a:r>
+              <a:rPr lang="en-US" dirty="0"/>
+              <a:t>clock</a:t>
+            </a:r>
+            <a:r>
+              <a:rPr lang="he-IL" dirty="0"/>
+              <a:t> וה-</a:t>
+            </a:r>
+            <a:r>
+              <a:rPr lang="en-US" dirty="0"/>
+              <a:t>events</a:t>
+            </a:r>
+            <a:r>
+              <a:rPr lang="he-IL" dirty="0"/>
+              <a:t>. מודול ההפרעות מאזין </a:t>
+            </a:r>
+            <a:r>
+              <a:rPr lang="he-IL" dirty="0" err="1"/>
+              <a:t>לקונטרולר</a:t>
+            </a:r>
+            <a:r>
+              <a:rPr lang="he-IL" dirty="0"/>
+              <a:t>.</a:t>
             </a:r>
           </a:p>
           <a:p>
@@ -9449,68 +9292,14 @@
           <a:p>
             <a:r>
               <a:rPr lang="he-IL" dirty="0"/>
-              <a:t>ערך השעון – מספר יחידות הזמן שעברו.</a:t>
+              <a:t>הבקר מייצר את מבניי הנתונים שלו על סמך התכנית מהמודול אופליין.</a:t>
             </a:r>
           </a:p>
           <a:p>
             <a:r>
               <a:rPr lang="he-IL" dirty="0"/>
-              <a:t>אפסילון – ערך זה מכווץ או מותח את ציר הזמן.</a:t>
-            </a:r>
-          </a:p>
-          <a:p>
-            <a:r>
-              <a:rPr lang="he-IL" dirty="0"/>
-              <a:t>אפס – כיוון שאפסילון יכול להיות מאוד קטן יש בעיה של ייצוג מספרים לא שלמים במחשב ולכן נאלצנו לייצר "0" כך שנוכל להשוות אליו זמנים דיסקרטיים בצורה נכונה.</a:t>
-            </a:r>
-          </a:p>
-          <a:p>
-            <a:endParaRPr lang="he-IL" dirty="0"/>
-          </a:p>
-          <a:p>
-            <a:r>
-              <a:rPr lang="he-IL" dirty="0"/>
-              <a:t>השעון מבצע לולאה אינסופית אשר בכל איטרציה:</a:t>
-            </a:r>
-          </a:p>
-          <a:p>
-            <a:pPr marL="228600" indent="-228600">
-              <a:buAutoNum type="arabicPeriod"/>
-            </a:pPr>
-            <a:r>
-              <a:rPr lang="he-IL" dirty="0"/>
-              <a:t>נבדק האם הטסט הסתיים.</a:t>
-            </a:r>
-          </a:p>
-          <a:p>
-            <a:pPr marL="228600" indent="-228600">
-              <a:buAutoNum type="arabicPeriod"/>
-            </a:pPr>
-            <a:r>
-              <a:rPr lang="he-IL" dirty="0"/>
-              <a:t>נבדק האם יש צורך בקידום השעון (כתלות בפעולות שהתבצעו בסימולטור ובבקר).</a:t>
-            </a:r>
-          </a:p>
-          <a:p>
-            <a:pPr marL="228600" indent="-228600">
-              <a:buAutoNum type="arabicPeriod"/>
-            </a:pPr>
-            <a:r>
-              <a:rPr lang="he-IL" dirty="0"/>
-              <a:t>עדכון כלל העוקבים כי התבצע\לא התבצע אירוע שעון.</a:t>
-            </a:r>
-          </a:p>
-          <a:p>
-            <a:pPr marL="228600" indent="-228600">
-              <a:buAutoNum type="arabicPeriod"/>
-            </a:pPr>
-            <a:endParaRPr lang="he-IL" dirty="0"/>
-          </a:p>
-          <a:p>
-            <a:pPr marL="228600" indent="-228600">
-              <a:buAutoNum type="arabicPeriod"/>
-            </a:pPr>
-            <a:endParaRPr lang="he-IL" dirty="0"/>
+              <a:t>הבקר הוא מגדל הפיקוח אשר שולח את הפעולות שמוכנות לביצוע לסימולטור.</a:t>
+            </a:r>
           </a:p>
         </p:txBody>
       </p:sp>
@@ -9563,7 +9352,7 @@
     </p:spTree>
     <p:extLst>
       <p:ext uri="{BB962C8B-B14F-4D97-AF65-F5344CB8AC3E}">
-        <p14:creationId xmlns:p14="http://schemas.microsoft.com/office/powerpoint/2010/main" val="3802725460"/>
+        <p14:creationId xmlns:p14="http://schemas.microsoft.com/office/powerpoint/2010/main" val="4166017777"/>
       </p:ext>
     </p:extLst>
   </p:cSld>
@@ -9619,23 +9408,28 @@
           <a:p>
             <a:r>
               <a:rPr lang="he-IL" dirty="0"/>
-              <a:t>אפס – כיוון שאפסילון יכול להיות מאוד קטן יש בעיה של ייצוג מספרים לא שלמים במחשב ולכן נאלצנו לייצר "0" כך שנוכל להשוות אליו זמנים דיסקרטיים בצורה נכונה.</a:t>
-            </a:r>
-          </a:p>
-          <a:p>
-            <a:endParaRPr lang="he-IL" dirty="0"/>
-          </a:p>
-          <a:p>
-            <a:pPr marL="228600" indent="-228600">
-              <a:buAutoNum type="arabicPeriod"/>
-            </a:pPr>
-            <a:endParaRPr lang="he-IL" dirty="0"/>
-          </a:p>
-          <a:p>
-            <a:pPr marL="0" indent="0">
-              <a:buNone/>
-            </a:pPr>
-            <a:endParaRPr lang="he-IL" dirty="0"/>
+              <a:t>הגרף הוא בעצם הפלט של תוכנית </a:t>
+            </a:r>
+            <a:r>
+              <a:rPr lang="he-IL" dirty="0" err="1"/>
+              <a:t>האופליין</a:t>
+            </a:r>
+            <a:r>
+              <a:rPr lang="he-IL" dirty="0"/>
+              <a:t>.</a:t>
+            </a:r>
+          </a:p>
+          <a:p>
+            <a:r>
+              <a:rPr lang="he-IL" dirty="0"/>
+              <a:t>סידרנו אותו במבנה נתונים כזה, על מנת שיהיה לנו נוח לבצע חיפוש בגרף ולעקוב אחר התלויות (איזו פעולה תלויה באיזו פעולה – מיוצג ע"י קשרי אב ובן).</a:t>
+            </a:r>
+          </a:p>
+          <a:p>
+            <a:r>
+              <a:rPr lang="he-IL" dirty="0"/>
+              <a:t>לעבור על המלל והגרף, שיראו את המעבר. תוך דגש על מקומות עם מס' תלויות.</a:t>
+            </a:r>
           </a:p>
         </p:txBody>
       </p:sp>
@@ -9688,7 +9482,7 @@
     </p:spTree>
     <p:extLst>
       <p:ext uri="{BB962C8B-B14F-4D97-AF65-F5344CB8AC3E}">
-        <p14:creationId xmlns:p14="http://schemas.microsoft.com/office/powerpoint/2010/main" val="2045717316"/>
+        <p14:creationId xmlns:p14="http://schemas.microsoft.com/office/powerpoint/2010/main" val="777958349"/>
       </p:ext>
     </p:extLst>
   </p:cSld>
@@ -9744,55 +9538,203 @@
           <a:p>
             <a:r>
               <a:rPr lang="he-IL" dirty="0"/>
-              <a:t>מודול זה מייצג את מצב העולם ומתעדכן בעקבות הסימולטור.</a:t>
+              <a:t>זה הוא תור העדיפויות שלפיו הבקר שולח את הפעולות לביצוע. בתחילת התוכנית התור מסודר לפי התוכנית הראשונית שהתקבלה ממנהל התוכנית.</a:t>
             </a:r>
           </a:p>
           <a:p>
             <a:r>
               <a:rPr lang="he-IL" dirty="0"/>
-              <a:t>המודול מחזיק וקטור של מטוסים אשר כל תא במערך מייצג את המצב של המטוס באינדקס המתאים. (להסביר על המצבים השונים).</a:t>
-            </a:r>
-          </a:p>
-          <a:p>
+              <a:t>- התור מסודר לפי הזמן בו הפעולה אמורה להתחיל ביחס לתחילת הבעיה (להצביע על הדיאגרמה ולהסביר).</a:t>
+            </a:r>
+          </a:p>
+          <a:p>
+            <a:pPr marL="171450" indent="-171450">
+              <a:buFontTx/>
+              <a:buChar char="-"/>
+            </a:pPr>
             <a:r>
               <a:rPr lang="he-IL" dirty="0"/>
-              <a:t>המודול מחזיק וקטור של נתיבים כאשר כל תא במערך מייצג האם הנתיב פנוי(-1) או שהנתיב תפוס ואז הערך הוא המספר המזהה של המטוס באותו נתיב.</a:t>
-            </a:r>
-          </a:p>
-          <a:p>
+              <a:t>התור מורכב ממצביעים לצמתים בגרף (אשר מכילים מידע על כל פעולה).</a:t>
+            </a:r>
+          </a:p>
+          <a:p>
+            <a:pPr marL="171450" indent="-171450">
+              <a:buFontTx/>
+              <a:buChar char="-"/>
+            </a:pPr>
             <a:r>
               <a:rPr lang="he-IL" dirty="0"/>
-              <a:t>מטרת מודול זה הוא:</a:t>
-            </a:r>
-          </a:p>
-          <a:p>
-            <a:pPr marL="228600" indent="-228600">
-              <a:buAutoNum type="arabicPeriod"/>
+              <a:t>עבור כל פעולה נבדוק מס' דברים:</a:t>
+            </a:r>
+          </a:p>
+          <a:p>
+            <a:pPr marL="171450" indent="-171450">
+              <a:buFontTx/>
+              <a:buChar char="-"/>
             </a:pPr>
             <a:r>
               <a:rPr lang="he-IL" dirty="0"/>
-              <a:t>לממש את פונקציית החוקיות שהבקר קורא לה ולהחזיר האם המצב הבא חוקי או לא.</a:t>
-            </a:r>
-          </a:p>
-          <a:p>
-            <a:pPr marL="228600" indent="-228600">
-              <a:buAutoNum type="arabicPeriod"/>
+              <a:t>1. האם האבות שלה סיימו.</a:t>
+            </a:r>
+          </a:p>
+          <a:p>
+            <a:pPr marL="171450" indent="-171450">
+              <a:buFontTx/>
+              <a:buChar char="-"/>
             </a:pPr>
             <a:r>
               <a:rPr lang="he-IL" dirty="0"/>
-              <a:t>לבצע הקפאה של מצב העולם וכתיבת קובץ קונפיגורציה חדש במידה ונדרש תיכנון מחדש, תיכנון מחדש מתרחש בעקבות החזרת ערך שגיאה מפונקציית החוקיות.</a:t>
-            </a:r>
-          </a:p>
-          <a:p>
-            <a:pPr marL="228600" indent="-228600">
-              <a:buAutoNum type="arabicPeriod"/>
+              <a:t>2. האם הגיע הזמן שלה לרוץ.</a:t>
+            </a:r>
+          </a:p>
+          <a:p>
+            <a:pPr marL="171450" indent="-171450">
+              <a:buFontTx/>
+              <a:buChar char="-"/>
+            </a:pPr>
+            <a:r>
+              <a:rPr lang="he-IL" dirty="0"/>
+              <a:t>3. מוודאים את חוקיות הפעולה מול מודול מצב העולם (לדג' נחיתה צריכה נתיב, אז האם יש נתיב פנוי)</a:t>
+            </a:r>
+          </a:p>
+          <a:p>
+            <a:pPr marL="171450" indent="-171450">
+              <a:buFontTx/>
+              <a:buChar char="-"/>
             </a:pPr>
             <a:endParaRPr lang="he-IL" dirty="0"/>
           </a:p>
           <a:p>
-            <a:pPr marL="0" indent="0">
+            <a:pPr marL="171450" indent="-171450">
+              <a:buFontTx/>
+              <a:buChar char="-"/>
+            </a:pPr>
+            <a:r>
+              <a:rPr lang="he-IL" dirty="0"/>
+              <a:t>(עבור כל פעולה שנשלחת לסימולטור מתבצעת המרת יחידות של משך הפעולה לפי ציר הזמן שהוגדר)</a:t>
+            </a:r>
+          </a:p>
+          <a:p>
+            <a:pPr marL="171450" indent="-171450">
+              <a:buFontTx/>
+              <a:buChar char="-"/>
+            </a:pPr>
+            <a:endParaRPr lang="he-IL" dirty="0"/>
+          </a:p>
+          <a:p>
+            <a:pPr marL="171450" indent="-171450">
+              <a:buFontTx/>
+              <a:buChar char="-"/>
+            </a:pPr>
+            <a:r>
+              <a:rPr lang="he-IL" dirty="0"/>
+              <a:t>פעולות שהזמן שלהן הגיע אך לא מוכנות (עקב הפרעה או שינוי סדר פעולות על ידי הבקר) מקבלות קנס של יחידת זמן אחת ובכך אנו משנים את סדר הפעולות מהתוכנית המקורית.</a:t>
+            </a:r>
+          </a:p>
+          <a:p>
+            <a:pPr marL="171450" indent="-171450">
+              <a:buFontTx/>
+              <a:buChar char="-"/>
+            </a:pPr>
+            <a:endParaRPr lang="he-IL" dirty="0"/>
+          </a:p>
+          <a:p>
+            <a:pPr marL="171450" indent="-171450">
+              <a:buFontTx/>
+              <a:buChar char="-"/>
+            </a:pPr>
+            <a:r>
+              <a:rPr lang="he-IL" dirty="0"/>
+              <a:t>כל פעולה שהסתיימה מרימה דגל בצומת שלה בגרף.</a:t>
+            </a:r>
+          </a:p>
+          <a:p>
+            <a:pPr marL="171450" indent="-171450">
+              <a:buFontTx/>
+              <a:buChar char="-"/>
+            </a:pPr>
+            <a:r>
+              <a:rPr lang="he-IL" dirty="0"/>
+              <a:t>כאשר כל הפעולות הסתיימו והתור ריק – </a:t>
+            </a:r>
+            <a:r>
+              <a:rPr lang="he-IL" dirty="0" err="1"/>
+              <a:t>הקונטרולר</a:t>
+            </a:r>
+            <a:r>
+              <a:rPr lang="he-IL" dirty="0"/>
+              <a:t> מעלה </a:t>
+            </a:r>
+            <a:r>
+              <a:rPr lang="he-IL" dirty="0" err="1"/>
+              <a:t>איבנט</a:t>
+            </a:r>
+            <a:r>
+              <a:rPr lang="he-IL" dirty="0"/>
+              <a:t> שהוא סיים.</a:t>
+            </a:r>
+          </a:p>
+          <a:p>
+            <a:pPr marL="171450" indent="-171450">
+              <a:buFontTx/>
+              <a:buChar char="-"/>
+            </a:pPr>
+            <a:endParaRPr lang="he-IL" dirty="0"/>
+          </a:p>
+          <a:p>
+            <a:pPr marL="171450" indent="-171450">
+              <a:buFontTx/>
+              <a:buChar char="-"/>
+            </a:pPr>
+            <a:endParaRPr lang="he-IL" dirty="0"/>
+          </a:p>
+          <a:p>
+            <a:endParaRPr lang="he-IL" dirty="0"/>
+          </a:p>
+          <a:p>
+            <a:pPr marL="0" marR="0" lvl="0" indent="0" algn="r" defTabSz="914400" rtl="1" eaLnBrk="1" fontAlgn="auto" latinLnBrk="0" hangingPunct="1">
+              <a:lnSpc>
+                <a:spcPct val="100000"/>
+              </a:lnSpc>
+              <a:spcBef>
+                <a:spcPts val="0"/>
+              </a:spcBef>
+              <a:spcAft>
+                <a:spcPts val="0"/>
+              </a:spcAft>
+              <a:buClrTx/>
+              <a:buSzTx/>
+              <a:buFontTx/>
               <a:buNone/>
+              <a:tabLst/>
+              <a:defRPr/>
             </a:pPr>
+            <a:r>
+              <a:rPr lang="he-IL" dirty="0"/>
+              <a:t>עבור כל פעולה שנשלחת לסימולטור מבצע המרה של משך הפעולה לפי ציר הזמן שהוגדר.</a:t>
+            </a:r>
+          </a:p>
+          <a:p>
+            <a:r>
+              <a:rPr lang="he-IL" dirty="0"/>
+              <a:t>עבור כל פעולה שהסתיימה מעדכן בגרף בצומת המתאים את הדגל של הפעולה.</a:t>
+            </a:r>
+          </a:p>
+          <a:p>
+            <a:r>
+              <a:rPr lang="he-IL" dirty="0"/>
+              <a:t>כאשר הבקר סיים את כל הפעולות שקיימות </a:t>
+            </a:r>
+            <a:r>
+              <a:rPr lang="he-IL" dirty="0" err="1"/>
+              <a:t>בתכנית</a:t>
+            </a:r>
+            <a:r>
+              <a:rPr lang="he-IL" dirty="0"/>
+              <a:t> –מעלה אירוע שהוא סיים.</a:t>
+            </a:r>
+          </a:p>
+          <a:p>
             <a:endParaRPr lang="he-IL" dirty="0"/>
           </a:p>
         </p:txBody>
@@ -9846,7 +9788,7 @@
     </p:spTree>
     <p:extLst>
       <p:ext uri="{BB962C8B-B14F-4D97-AF65-F5344CB8AC3E}">
-        <p14:creationId xmlns:p14="http://schemas.microsoft.com/office/powerpoint/2010/main" val="202044522"/>
+        <p14:creationId xmlns:p14="http://schemas.microsoft.com/office/powerpoint/2010/main" val="243888583"/>
       </p:ext>
     </p:extLst>
   </p:cSld>
@@ -9900,65 +9842,6 @@
           <a:bodyPr/>
           <a:lstStyle/>
           <a:p>
-            <a:r>
-              <a:rPr lang="he-IL" dirty="0"/>
-              <a:t>מודול זה מייצג את מצב העולם ומתעדכן בעקבות הסימולטור.</a:t>
-            </a:r>
-          </a:p>
-          <a:p>
-            <a:r>
-              <a:rPr lang="he-IL" dirty="0"/>
-              <a:t>המודול מחזיק וקטור של מטוסים אשר כל תא במערך מייצג את המצב של המטוס באינדקס המתאים. (להסביר על המצבים השונים).</a:t>
-            </a:r>
-          </a:p>
-          <a:p>
-            <a:r>
-              <a:rPr lang="he-IL" dirty="0"/>
-              <a:t>המודול מחזיק וקטור של נתיבים כאשר כל תא במערך מייצג האם הנתיב פנוי(-1) או שהנתיב תפוס ואז הערך הוא המספר המזהה של המטוס באותו נתיב.</a:t>
-            </a:r>
-          </a:p>
-          <a:p>
-            <a:r>
-              <a:rPr lang="he-IL" dirty="0"/>
-              <a:t>מטרת מודול זה הוא:</a:t>
-            </a:r>
-          </a:p>
-          <a:p>
-            <a:pPr marL="228600" indent="-228600">
-              <a:buAutoNum type="arabicPeriod"/>
-            </a:pPr>
-            <a:r>
-              <a:rPr lang="he-IL" dirty="0"/>
-              <a:t>לממש את פונקציית החוקיות שהבקר קורא לה </a:t>
-            </a:r>
-            <a:r>
-              <a:rPr lang="he-IL" dirty="0" err="1"/>
-              <a:t>והלחזיר</a:t>
-            </a:r>
-            <a:r>
-              <a:rPr lang="he-IL" dirty="0"/>
-              <a:t> האם המצב הבא חוקי או לא.</a:t>
-            </a:r>
-          </a:p>
-          <a:p>
-            <a:pPr marL="228600" indent="-228600">
-              <a:buAutoNum type="arabicPeriod"/>
-            </a:pPr>
-            <a:r>
-              <a:rPr lang="he-IL" dirty="0"/>
-              <a:t>לבצע הקפאה של מצב העולם וכתיבת קובץ קונפיגורציה חדש במידה ונדרש תיכנון מחדש, תיכנון מחדש מתרחש בעקבות החזרת ערך שגיאה מפונקציית החוקיות.</a:t>
-            </a:r>
-          </a:p>
-          <a:p>
-            <a:pPr marL="228600" indent="-228600">
-              <a:buAutoNum type="arabicPeriod"/>
-            </a:pPr>
-            <a:endParaRPr lang="he-IL" dirty="0"/>
-          </a:p>
-          <a:p>
-            <a:pPr marL="0" indent="0">
-              <a:buNone/>
-            </a:pPr>
             <a:endParaRPr lang="he-IL" dirty="0"/>
           </a:p>
         </p:txBody>
@@ -10012,7 +9895,7 @@
     </p:spTree>
     <p:extLst>
       <p:ext uri="{BB962C8B-B14F-4D97-AF65-F5344CB8AC3E}">
-        <p14:creationId xmlns:p14="http://schemas.microsoft.com/office/powerpoint/2010/main" val="2849164166"/>
+        <p14:creationId xmlns:p14="http://schemas.microsoft.com/office/powerpoint/2010/main" val="3276345102"/>
       </p:ext>
     </p:extLst>
   </p:cSld>
@@ -10066,100 +9949,97 @@
           <a:bodyPr/>
           <a:lstStyle/>
           <a:p>
-            <a:pPr marL="0" indent="0">
-              <a:buNone/>
-            </a:pPr>
             <a:r>
               <a:rPr lang="he-IL" dirty="0"/>
-              <a:t>המודל מייצר הפרעות אשר נשלחות לסימולטור, הפרעה יכולה להתפרש כ-2 מצבים:</a:t>
-            </a:r>
-          </a:p>
-          <a:p>
-            <a:pPr marL="228600" indent="-228600">
-              <a:buAutoNum type="arabicPeriod"/>
-            </a:pPr>
+              <a:t>הסימולטור מדמה את מצב העולם, אין לא יכולת החלטה על ביצוע של דברים אלא הוא מקבל פקודות בלבד ועושה אותן.</a:t>
+            </a:r>
+          </a:p>
+          <a:p>
             <a:r>
               <a:rPr lang="he-IL" dirty="0"/>
-              <a:t>דחייה של פעולה מסוימת (דחייה של ההמראה)</a:t>
-            </a:r>
-          </a:p>
-          <a:p>
-            <a:pPr marL="228600" indent="-228600">
-              <a:buAutoNum type="arabicPeriod"/>
-            </a:pPr>
+              <a:t>הסימולטור מחזיק תור עדיפויות שונה </a:t>
+            </a:r>
+            <a:r>
+              <a:rPr lang="he-IL" dirty="0" err="1"/>
+              <a:t>מקונטרולר</a:t>
+            </a:r>
             <a:r>
               <a:rPr lang="he-IL" dirty="0"/>
-              <a:t>עיכוב של פעולה מסוימת (הארכת זמן המשימה המקורי של המטוס)</a:t>
-            </a:r>
-          </a:p>
-          <a:p>
-            <a:pPr marL="228600" indent="-228600">
-              <a:buAutoNum type="arabicPeriod"/>
-            </a:pPr>
+              <a:t> (נסביר בהמשך) שלפיו הסימולטור יודע אילו פעולות סיימו.</a:t>
+            </a:r>
+          </a:p>
+          <a:p>
+            <a:r>
+              <a:rPr lang="he-IL" dirty="0"/>
+              <a:t>הוא מחזיק </a:t>
+            </a:r>
+            <a:r>
+              <a:rPr lang="he-IL" dirty="0" err="1"/>
+              <a:t>רפרנס</a:t>
+            </a:r>
+            <a:r>
+              <a:rPr lang="he-IL" dirty="0"/>
+              <a:t> למודולים של ה-</a:t>
+            </a:r>
+            <a:r>
+              <a:rPr lang="en-US" dirty="0"/>
+              <a:t>clock</a:t>
+            </a:r>
+            <a:r>
+              <a:rPr lang="he-IL" dirty="0"/>
+              <a:t> וה-</a:t>
+            </a:r>
+            <a:r>
+              <a:rPr lang="en-US" dirty="0"/>
+              <a:t>events</a:t>
+            </a:r>
+            <a:r>
+              <a:rPr lang="he-IL" dirty="0"/>
+              <a:t>. מודול מצב העולם מאזין לסימולטור.</a:t>
+            </a:r>
+          </a:p>
+          <a:p>
             <a:endParaRPr lang="he-IL" dirty="0"/>
           </a:p>
           <a:p>
-            <a:pPr marL="0" indent="0">
-              <a:buNone/>
-            </a:pPr>
             <a:r>
               <a:rPr lang="he-IL" dirty="0"/>
-              <a:t>המודל הוא </a:t>
+              <a:t>הסימולטור מדמה את מצב העולם, אין לא יכולת החלטה על ביצוע של דברים אלא הוא מקבל פקודות בלבד ועושה אותן.</a:t>
+            </a:r>
+          </a:p>
+          <a:p>
+            <a:r>
+              <a:rPr lang="he-IL" dirty="0"/>
+              <a:t>במידה ומודול ההפרעות החליט על הפרעה הסימולטור מוסיף את משך ההפרעה לפעולה המתאימה.</a:t>
+            </a:r>
+          </a:p>
+          <a:p>
+            <a:r>
+              <a:rPr lang="he-IL" dirty="0"/>
+              <a:t>הסימולטור בכל התחלה וסיום של פעולה חדשה מבצע </a:t>
             </a:r>
             <a:r>
               <a:rPr lang="he-IL" dirty="0" err="1"/>
-              <a:t>פסודו</a:t>
+              <a:t>עידכון</a:t>
             </a:r>
             <a:r>
               <a:rPr lang="he-IL" dirty="0"/>
-              <a:t> רנדומלי בשני מובנים:</a:t>
-            </a:r>
-          </a:p>
-          <a:p>
-            <a:pPr marL="228600" indent="-228600">
-              <a:buAutoNum type="arabicPeriod"/>
-            </a:pPr>
+              <a:t> של מודול מצב העולם.</a:t>
+            </a:r>
+          </a:p>
+          <a:p>
             <a:r>
               <a:rPr lang="he-IL" dirty="0"/>
-              <a:t>תדירות יצירת ההפרעה הוא מספר אקראי בין 1-ל4 פעולות.</a:t>
-            </a:r>
-          </a:p>
-          <a:p>
-            <a:pPr marL="228600" indent="-228600">
-              <a:buAutoNum type="arabicPeriod"/>
-            </a:pPr>
+              <a:t>הסימולטור בכל מחזור שעון מוריד יחידת זמן מנורמלת מכלל הפעולות שכרגע בביצוע.</a:t>
+            </a:r>
+          </a:p>
+          <a:p>
             <a:r>
               <a:rPr lang="he-IL" dirty="0"/>
-              <a:t>משך ההפרעה הוא משתנה אקראי מפולג </a:t>
-            </a:r>
-            <a:r>
-              <a:rPr lang="he-IL" dirty="0" err="1"/>
-              <a:t>יוניפורמי</a:t>
-            </a:r>
-            <a:r>
-              <a:rPr lang="he-IL" dirty="0"/>
-              <a:t> בין מחצית משך הפעולה שנבחה לבין משך הפעולה שנבחרה.</a:t>
-            </a:r>
-          </a:p>
-          <a:p>
-            <a:pPr marL="228600" indent="-228600">
-              <a:buAutoNum type="arabicPeriod"/>
-            </a:pPr>
-            <a:endParaRPr lang="he-IL" dirty="0"/>
-          </a:p>
-          <a:p>
-            <a:pPr marL="0" indent="0">
-              <a:buNone/>
-            </a:pPr>
-            <a:r>
-              <a:rPr lang="he-IL" dirty="0"/>
-              <a:t>כאשר נוצרה הפרעה המודול יאותת למודול הסימולטור על הפרעה שנוצרה ויאפס את תדירות יצירת ההפרעה.</a:t>
-            </a:r>
-          </a:p>
-          <a:p>
-            <a:pPr marL="0" indent="0">
-              <a:buNone/>
-            </a:pPr>
+              <a:t>הסימולטור הוא "מקבילי" כלומר ייתכן שבאותו מחזור שעון יתחילו\ יסתיימו מספר פעולות במקביל.</a:t>
+            </a:r>
+          </a:p>
+          <a:p>
             <a:endParaRPr lang="he-IL" dirty="0"/>
           </a:p>
         </p:txBody>
@@ -10213,7 +10093,7 @@
     </p:spTree>
     <p:extLst>
       <p:ext uri="{BB962C8B-B14F-4D97-AF65-F5344CB8AC3E}">
-        <p14:creationId xmlns:p14="http://schemas.microsoft.com/office/powerpoint/2010/main" val="546992971"/>
+        <p14:creationId xmlns:p14="http://schemas.microsoft.com/office/powerpoint/2010/main" val="551762232"/>
       </p:ext>
     </p:extLst>
   </p:cSld>
@@ -10269,7 +10149,37 @@
           <a:p>
             <a:r>
               <a:rPr lang="he-IL" dirty="0"/>
-              <a:t>תוצאה רגילה</a:t>
+              <a:t>זה הוא תור העדיפויות שלפיו הסימולטור יודע אילו פעולות מתבצעות כעת ואילו פעולות סיימו.</a:t>
+            </a:r>
+          </a:p>
+          <a:p>
+            <a:r>
+              <a:rPr lang="he-IL" dirty="0"/>
+              <a:t>הפעולות ממוינות לפי משך הפעולה (להצביע על הדיאגרמה ולהסביר).</a:t>
+            </a:r>
+          </a:p>
+          <a:p>
+            <a:r>
+              <a:rPr lang="he-IL" dirty="0"/>
+              <a:t>- במידה ומודול ההפרעות החליט על הפרעה, הסימולטור מוסיף את משך ההפרעה לפעולה המתאימה.</a:t>
+            </a:r>
+          </a:p>
+          <a:p>
+            <a:r>
+              <a:rPr lang="he-IL" dirty="0"/>
+              <a:t>- הסימולטור בכל התחלה וסיום של פעולה חדשה מבצע עדכון של מודול מצב העולם.</a:t>
+            </a:r>
+          </a:p>
+          <a:p>
+            <a:r>
+              <a:rPr lang="he-IL" dirty="0"/>
+              <a:t>- הסימולטור בכל מחזור שעון מוריד יחידת זמן מנורמלת מכלל הפעולות שכרגע בביצוע.</a:t>
+            </a:r>
+          </a:p>
+          <a:p>
+            <a:r>
+              <a:rPr lang="he-IL" dirty="0"/>
+              <a:t>- הסימולטור הוא "מקבילי" כלומר ייתכן שבאותו מחזור שעון יתחילו\ יסתיימו מספר פעולות במקביל.</a:t>
             </a:r>
           </a:p>
         </p:txBody>
@@ -10323,7 +10233,7 @@
     </p:spTree>
     <p:extLst>
       <p:ext uri="{BB962C8B-B14F-4D97-AF65-F5344CB8AC3E}">
-        <p14:creationId xmlns:p14="http://schemas.microsoft.com/office/powerpoint/2010/main" val="2318995915"/>
+        <p14:creationId xmlns:p14="http://schemas.microsoft.com/office/powerpoint/2010/main" val="2543853672"/>
       </p:ext>
     </p:extLst>
   </p:cSld>
@@ -10379,7 +10289,7 @@
           <a:p>
             <a:r>
               <a:rPr lang="he-IL" dirty="0"/>
-              <a:t>תוצאה עם תיכנון מחדש</a:t>
+              <a:t>בעיות בייצוג של 0 במחשב לכן הגדרנו "0" עבור הבעיה שלנו</a:t>
             </a:r>
           </a:p>
         </p:txBody>
@@ -10433,7 +10343,7 @@
     </p:spTree>
     <p:extLst>
       <p:ext uri="{BB962C8B-B14F-4D97-AF65-F5344CB8AC3E}">
-        <p14:creationId xmlns:p14="http://schemas.microsoft.com/office/powerpoint/2010/main" val="1660480528"/>
+        <p14:creationId xmlns:p14="http://schemas.microsoft.com/office/powerpoint/2010/main" val="1534296304"/>
       </p:ext>
     </p:extLst>
   </p:cSld>
@@ -10690,54 +10600,76 @@
           <a:bodyPr/>
           <a:lstStyle/>
           <a:p>
-            <a:pPr marL="0" indent="0">
-              <a:buNone/>
-            </a:pPr>
             <a:r>
               <a:rPr lang="he-IL" dirty="0"/>
-              <a:t>את הפרויקט ניתן להרחיב בכמה מישורים:</a:t>
-            </a:r>
-          </a:p>
-          <a:p>
-            <a:pPr marL="228600" indent="-228600">
-              <a:buAutoNum type="arabicPeriod"/>
-            </a:pPr>
+              <a:t>מודל </a:t>
+            </a:r>
+            <a:r>
+              <a:rPr lang="he-IL" dirty="0" err="1"/>
+              <a:t>האיבנטים</a:t>
+            </a:r>
             <a:r>
               <a:rPr lang="he-IL" dirty="0"/>
-              <a:t>להוסיף עוד סוגי הפרעות (לדג' קיצור זמן של פעולה מעיד על תקלה) כדי לדמות עולם יותר מציאותי בסימולציה.</a:t>
-            </a:r>
-          </a:p>
-          <a:p>
-            <a:pPr marL="228600" indent="-228600">
-              <a:buAutoNum type="arabicPeriod"/>
-            </a:pPr>
+              <a:t> הוא בעצם רשימה של סיגנלים אשר דרכו כל המודולים מתקשרים, זו מין מערכת סיגנלים.</a:t>
+            </a:r>
+          </a:p>
+          <a:p>
+            <a:endParaRPr lang="he-IL" dirty="0"/>
+          </a:p>
+          <a:p>
             <a:r>
               <a:rPr lang="he-IL" dirty="0"/>
-              <a:t>הוספת </a:t>
-            </a:r>
-            <a:r>
-              <a:rPr lang="en-US" dirty="0"/>
-              <a:t>GUI</a:t>
-            </a:r>
+              <a:t>בתחילה, מימשנו את התקשורת ישירות בין המודולים, אך זה גרר צימוד גבוה של התכנית שלנו (תלויות רבות), ולכן יצרנו את המודול הזה כדי לסדר את זה בצורה נוחה ומובנת יותר.</a:t>
+            </a:r>
+          </a:p>
+          <a:p>
+            <a:endParaRPr lang="he-IL" dirty="0"/>
+          </a:p>
+          <a:p>
             <a:r>
               <a:rPr lang="he-IL" dirty="0"/>
-              <a:t>?</a:t>
-            </a:r>
-          </a:p>
-          <a:p>
-            <a:pPr marL="228600" indent="-228600">
-              <a:buAutoNum type="arabicPeriod"/>
-            </a:pPr>
+              <a:t>לעבור בקטנה על הטבלה בצד ולהסביר על כל סיגנל.</a:t>
+            </a:r>
+          </a:p>
+          <a:p>
+            <a:endParaRPr lang="he-IL" dirty="0"/>
+          </a:p>
+          <a:p>
+            <a:endParaRPr lang="he-IL" dirty="0"/>
+          </a:p>
+          <a:p>
             <a:r>
               <a:rPr lang="he-IL" dirty="0"/>
-              <a:t>להפוך את המערכת ליותר אינטראקטיבית עבור המשתמש.</a:t>
-            </a:r>
-          </a:p>
-          <a:p>
-            <a:pPr marL="228600" indent="-228600">
-              <a:buAutoNum type="arabicPeriod"/>
-            </a:pPr>
-            <a:endParaRPr lang="he-IL" dirty="0"/>
+              <a:t>מודול אשר מרכז את התקשורת עבור כלל התכנית.</a:t>
+            </a:r>
+          </a:p>
+          <a:p>
+            <a:r>
+              <a:rPr lang="he-IL" dirty="0"/>
+              <a:t>שאר המודולים מדברים דרכו דרך מערכת סיגנלים.</a:t>
+            </a:r>
+          </a:p>
+          <a:p>
+            <a:r>
+              <a:rPr lang="he-IL" dirty="0"/>
+              <a:t>בתחילת המימוש התקשורת התבצעה ישירות בין </a:t>
+            </a:r>
+            <a:r>
+              <a:rPr lang="he-IL" dirty="0" err="1"/>
+              <a:t>המודלוים</a:t>
+            </a:r>
+            <a:r>
+              <a:rPr lang="he-IL" dirty="0"/>
+              <a:t> מה שגרר צימוד גבוה של התכנית שלנו ולכן יצרנו מודול זה על מנת לבטל את התלויות החזקות שנוצרו </a:t>
+            </a:r>
+            <a:r>
+              <a:rPr lang="he-IL" dirty="0" err="1"/>
+              <a:t>בתכנית</a:t>
+            </a:r>
+            <a:r>
+              <a:rPr lang="he-IL" dirty="0"/>
+              <a:t>.</a:t>
+            </a:r>
           </a:p>
         </p:txBody>
       </p:sp>
@@ -10790,7 +10722,7 @@
     </p:spTree>
     <p:extLst>
       <p:ext uri="{BB962C8B-B14F-4D97-AF65-F5344CB8AC3E}">
-        <p14:creationId xmlns:p14="http://schemas.microsoft.com/office/powerpoint/2010/main" val="916540336"/>
+        <p14:creationId xmlns:p14="http://schemas.microsoft.com/office/powerpoint/2010/main" val="3654397469"/>
       </p:ext>
     </p:extLst>
   </p:cSld>
@@ -10846,8 +10778,89 @@
           <a:p>
             <a:r>
               <a:rPr lang="he-IL" dirty="0"/>
-              <a:t>תודה לאיל!!!!! וליואב!!!!</a:t>
-            </a:r>
+              <a:t>מודול זה מדמה לנו את ציר הזמן אשר מיוצג באופן דיסקרטי.</a:t>
+            </a:r>
+          </a:p>
+          <a:p>
+            <a:r>
+              <a:rPr lang="he-IL" dirty="0"/>
+              <a:t>בתחילת התכנית עבדנו עם זמן רציף אך לאחר בעיות מימוש רבות והתייעצות עם איל החלטנו לעבור לזמן בדיד.</a:t>
+            </a:r>
+          </a:p>
+          <a:p>
+            <a:r>
+              <a:rPr lang="he-IL" dirty="0"/>
+              <a:t>היתרון בזמן בדיד הוא היכולת לנרמל את ציר הזמן בקלות, יכולת מעקב אחרי הפעולות בצורה יעילה יותר.</a:t>
+            </a:r>
+          </a:p>
+          <a:p>
+            <a:endParaRPr lang="he-IL" dirty="0"/>
+          </a:p>
+          <a:p>
+            <a:r>
+              <a:rPr lang="he-IL" dirty="0"/>
+              <a:t>ערך השעון – מספר יחידות הזמן שעברו.</a:t>
+            </a:r>
+          </a:p>
+          <a:p>
+            <a:r>
+              <a:rPr lang="he-IL" dirty="0"/>
+              <a:t>אפסילון – ערך זה מכווץ או מותח את ציר הזמן.</a:t>
+            </a:r>
+          </a:p>
+          <a:p>
+            <a:r>
+              <a:rPr lang="he-IL" dirty="0"/>
+              <a:t>אפס – כיוון שאפסילון יכול להיות מאוד קטן יש בעיה של ייצוג מספרים לא שלמים במחשב ולכן נאלצנו לייצר "0" כך שנוכל להשוות אליו זמנים דיסקרטיים בצורה נכונה.</a:t>
+            </a:r>
+          </a:p>
+          <a:p>
+            <a:endParaRPr lang="he-IL" dirty="0"/>
+          </a:p>
+          <a:p>
+            <a:r>
+              <a:rPr lang="he-IL" dirty="0"/>
+              <a:t>השעון מבצע לולאה אינסופית אשר בכל איטרציה:</a:t>
+            </a:r>
+          </a:p>
+          <a:p>
+            <a:pPr marL="228600" indent="-228600">
+              <a:buAutoNum type="arabicPeriod"/>
+            </a:pPr>
+            <a:r>
+              <a:rPr lang="he-IL" dirty="0"/>
+              <a:t>נבדק האם הטסט הסתיים.</a:t>
+            </a:r>
+          </a:p>
+          <a:p>
+            <a:pPr marL="228600" indent="-228600">
+              <a:buAutoNum type="arabicPeriod"/>
+            </a:pPr>
+            <a:r>
+              <a:rPr lang="he-IL" dirty="0"/>
+              <a:t>נבדק האם יש צורך בקידום השעון (כתלות בפעולות שהתבצעו בסימולטור ובבקר).</a:t>
+            </a:r>
+          </a:p>
+          <a:p>
+            <a:pPr marL="228600" indent="-228600">
+              <a:buAutoNum type="arabicPeriod"/>
+            </a:pPr>
+            <a:r>
+              <a:rPr lang="he-IL" dirty="0"/>
+              <a:t>עדכון כלל העוקבים כי התבצע\לא התבצע אירוע שעון.</a:t>
+            </a:r>
+          </a:p>
+          <a:p>
+            <a:pPr marL="228600" indent="-228600">
+              <a:buAutoNum type="arabicPeriod"/>
+            </a:pPr>
+            <a:endParaRPr lang="he-IL" dirty="0"/>
+          </a:p>
+          <a:p>
+            <a:pPr marL="228600" indent="-228600">
+              <a:buAutoNum type="arabicPeriod"/>
+            </a:pPr>
+            <a:endParaRPr lang="he-IL" dirty="0"/>
           </a:p>
         </p:txBody>
       </p:sp>
@@ -10892,6 +10905,1140 @@
             <a:fld id="{5D87C9B3-3F36-45D2-B699-10C699E739B9}" type="slidenum">
               <a:rPr lang="he-IL" smtClean="0"/>
               <a:t>31</a:t>
+            </a:fld>
+            <a:endParaRPr lang="he-IL"/>
+          </a:p>
+        </p:txBody>
+      </p:sp>
+    </p:spTree>
+    <p:extLst>
+      <p:ext uri="{BB962C8B-B14F-4D97-AF65-F5344CB8AC3E}">
+        <p14:creationId xmlns:p14="http://schemas.microsoft.com/office/powerpoint/2010/main" val="3802725460"/>
+      </p:ext>
+    </p:extLst>
+  </p:cSld>
+  <p:clrMapOvr>
+    <a:masterClrMapping/>
+  </p:clrMapOvr>
+</p:notes>
+</file>
+
+<file path=ppt/notesSlides/notesSlide32.xml><?xml version="1.0" encoding="utf-8"?>
+<p:notes xmlns:a="http://schemas.openxmlformats.org/drawingml/2006/main" xmlns:r="http://schemas.openxmlformats.org/officeDocument/2006/relationships" xmlns:p="http://schemas.openxmlformats.org/presentationml/2006/main">
+  <p:cSld>
+    <p:spTree>
+      <p:nvGrpSpPr>
+        <p:cNvPr id="1" name=""/>
+        <p:cNvGrpSpPr/>
+        <p:nvPr/>
+      </p:nvGrpSpPr>
+      <p:grpSpPr>
+        <a:xfrm>
+          <a:off x="0" y="0"/>
+          <a:ext cx="0" cy="0"/>
+          <a:chOff x="0" y="0"/>
+          <a:chExt cx="0" cy="0"/>
+        </a:xfrm>
+      </p:grpSpPr>
+      <p:sp>
+        <p:nvSpPr>
+          <p:cNvPr id="2" name="מציין מיקום של תמונת שקופית 1"/>
+          <p:cNvSpPr>
+            <a:spLocks noGrp="1" noRot="1" noChangeAspect="1"/>
+          </p:cNvSpPr>
+          <p:nvPr>
+            <p:ph type="sldImg"/>
+          </p:nvPr>
+        </p:nvSpPr>
+        <p:spPr/>
+      </p:sp>
+      <p:sp>
+        <p:nvSpPr>
+          <p:cNvPr id="3" name="מציין מיקום של הערות 2"/>
+          <p:cNvSpPr>
+            <a:spLocks noGrp="1"/>
+          </p:cNvSpPr>
+          <p:nvPr>
+            <p:ph type="body" idx="1"/>
+          </p:nvPr>
+        </p:nvSpPr>
+        <p:spPr/>
+        <p:txBody>
+          <a:bodyPr/>
+          <a:lstStyle/>
+          <a:p>
+            <a:r>
+              <a:rPr lang="he-IL" dirty="0"/>
+              <a:t>אפס – כיוון שאפסילון יכול להיות מאוד קטן יש בעיה של ייצוג מספרים לא שלמים במחשב ולכן נאלצנו לייצר "0" כך שנוכל להשוות אליו זמנים דיסקרטיים בצורה נכונה.</a:t>
+            </a:r>
+          </a:p>
+          <a:p>
+            <a:endParaRPr lang="he-IL" dirty="0"/>
+          </a:p>
+          <a:p>
+            <a:pPr marL="228600" indent="-228600">
+              <a:buAutoNum type="arabicPeriod"/>
+            </a:pPr>
+            <a:endParaRPr lang="he-IL" dirty="0"/>
+          </a:p>
+          <a:p>
+            <a:pPr marL="0" indent="0">
+              <a:buNone/>
+            </a:pPr>
+            <a:endParaRPr lang="he-IL" dirty="0"/>
+          </a:p>
+        </p:txBody>
+      </p:sp>
+      <p:sp>
+        <p:nvSpPr>
+          <p:cNvPr id="4" name="מציין מיקום של כותרת עליונה 3"/>
+          <p:cNvSpPr>
+            <a:spLocks noGrp="1"/>
+          </p:cNvSpPr>
+          <p:nvPr>
+            <p:ph type="hdr" sz="quarter"/>
+          </p:nvPr>
+        </p:nvSpPr>
+        <p:spPr/>
+        <p:txBody>
+          <a:bodyPr/>
+          <a:lstStyle/>
+          <a:p>
+            <a:r>
+              <a:rPr lang="en-US"/>
+              <a:t>hjfhgdhgfdfgh</a:t>
+            </a:r>
+            <a:endParaRPr lang="he-IL"/>
+          </a:p>
+        </p:txBody>
+      </p:sp>
+      <p:sp>
+        <p:nvSpPr>
+          <p:cNvPr id="5" name="מציין מיקום של מספר שקופית 4"/>
+          <p:cNvSpPr>
+            <a:spLocks noGrp="1"/>
+          </p:cNvSpPr>
+          <p:nvPr>
+            <p:ph type="sldNum" sz="quarter" idx="5"/>
+          </p:nvPr>
+        </p:nvSpPr>
+        <p:spPr/>
+        <p:txBody>
+          <a:bodyPr/>
+          <a:lstStyle/>
+          <a:p>
+            <a:fld id="{5D87C9B3-3F36-45D2-B699-10C699E739B9}" type="slidenum">
+              <a:rPr lang="he-IL" smtClean="0"/>
+              <a:t>32</a:t>
+            </a:fld>
+            <a:endParaRPr lang="he-IL"/>
+          </a:p>
+        </p:txBody>
+      </p:sp>
+    </p:spTree>
+    <p:extLst>
+      <p:ext uri="{BB962C8B-B14F-4D97-AF65-F5344CB8AC3E}">
+        <p14:creationId xmlns:p14="http://schemas.microsoft.com/office/powerpoint/2010/main" val="2045717316"/>
+      </p:ext>
+    </p:extLst>
+  </p:cSld>
+  <p:clrMapOvr>
+    <a:masterClrMapping/>
+  </p:clrMapOvr>
+</p:notes>
+</file>
+
+<file path=ppt/notesSlides/notesSlide33.xml><?xml version="1.0" encoding="utf-8"?>
+<p:notes xmlns:a="http://schemas.openxmlformats.org/drawingml/2006/main" xmlns:r="http://schemas.openxmlformats.org/officeDocument/2006/relationships" xmlns:p="http://schemas.openxmlformats.org/presentationml/2006/main">
+  <p:cSld>
+    <p:spTree>
+      <p:nvGrpSpPr>
+        <p:cNvPr id="1" name=""/>
+        <p:cNvGrpSpPr/>
+        <p:nvPr/>
+      </p:nvGrpSpPr>
+      <p:grpSpPr>
+        <a:xfrm>
+          <a:off x="0" y="0"/>
+          <a:ext cx="0" cy="0"/>
+          <a:chOff x="0" y="0"/>
+          <a:chExt cx="0" cy="0"/>
+        </a:xfrm>
+      </p:grpSpPr>
+      <p:sp>
+        <p:nvSpPr>
+          <p:cNvPr id="2" name="מציין מיקום של תמונת שקופית 1"/>
+          <p:cNvSpPr>
+            <a:spLocks noGrp="1" noRot="1" noChangeAspect="1"/>
+          </p:cNvSpPr>
+          <p:nvPr>
+            <p:ph type="sldImg"/>
+          </p:nvPr>
+        </p:nvSpPr>
+        <p:spPr/>
+      </p:sp>
+      <p:sp>
+        <p:nvSpPr>
+          <p:cNvPr id="3" name="מציין מיקום של הערות 2"/>
+          <p:cNvSpPr>
+            <a:spLocks noGrp="1"/>
+          </p:cNvSpPr>
+          <p:nvPr>
+            <p:ph type="body" idx="1"/>
+          </p:nvPr>
+        </p:nvSpPr>
+        <p:spPr/>
+        <p:txBody>
+          <a:bodyPr/>
+          <a:lstStyle/>
+          <a:p>
+            <a:r>
+              <a:rPr lang="he-IL" dirty="0"/>
+              <a:t>מודול זה מייצג את מצב העולם ומתעדכן בעקבות הסימולטור.</a:t>
+            </a:r>
+          </a:p>
+          <a:p>
+            <a:r>
+              <a:rPr lang="he-IL" dirty="0"/>
+              <a:t>המודול מחזיק וקטור של מטוסים אשר כל תא במערך מייצג את המצב של המטוס באינדקס המתאים. (להסביר על המצבים השונים).</a:t>
+            </a:r>
+          </a:p>
+          <a:p>
+            <a:r>
+              <a:rPr lang="he-IL" dirty="0"/>
+              <a:t>המודול מחזיק וקטור של נתיבים כאשר כל תא במערך מייצג האם הנתיב פנוי(-1) או שהנתיב תפוס ואז הערך הוא המספר המזהה של המטוס באותו נתיב.</a:t>
+            </a:r>
+          </a:p>
+          <a:p>
+            <a:r>
+              <a:rPr lang="he-IL" dirty="0"/>
+              <a:t>מטרת מודול זה הוא:</a:t>
+            </a:r>
+          </a:p>
+          <a:p>
+            <a:pPr marL="228600" indent="-228600">
+              <a:buAutoNum type="arabicPeriod"/>
+            </a:pPr>
+            <a:r>
+              <a:rPr lang="he-IL" dirty="0"/>
+              <a:t>לממש את פונקציית החוקיות שהבקר קורא לה ולהחזיר האם המצב הבא חוקי או לא.</a:t>
+            </a:r>
+          </a:p>
+          <a:p>
+            <a:pPr marL="228600" indent="-228600">
+              <a:buAutoNum type="arabicPeriod"/>
+            </a:pPr>
+            <a:r>
+              <a:rPr lang="he-IL" dirty="0"/>
+              <a:t>לבצע הקפאה של מצב העולם וכתיבת קובץ קונפיגורציה חדש במידה ונדרש תיכנון מחדש, תיכנון מחדש מתרחש בעקבות החזרת ערך שגיאה מפונקציית החוקיות.</a:t>
+            </a:r>
+          </a:p>
+          <a:p>
+            <a:pPr marL="228600" indent="-228600">
+              <a:buAutoNum type="arabicPeriod"/>
+            </a:pPr>
+            <a:endParaRPr lang="he-IL" dirty="0"/>
+          </a:p>
+          <a:p>
+            <a:pPr marL="0" indent="0">
+              <a:buNone/>
+            </a:pPr>
+            <a:endParaRPr lang="he-IL" dirty="0"/>
+          </a:p>
+        </p:txBody>
+      </p:sp>
+      <p:sp>
+        <p:nvSpPr>
+          <p:cNvPr id="4" name="מציין מיקום של כותרת עליונה 3"/>
+          <p:cNvSpPr>
+            <a:spLocks noGrp="1"/>
+          </p:cNvSpPr>
+          <p:nvPr>
+            <p:ph type="hdr" sz="quarter"/>
+          </p:nvPr>
+        </p:nvSpPr>
+        <p:spPr/>
+        <p:txBody>
+          <a:bodyPr/>
+          <a:lstStyle/>
+          <a:p>
+            <a:r>
+              <a:rPr lang="en-US"/>
+              <a:t>hjfhgdhgfdfgh</a:t>
+            </a:r>
+            <a:endParaRPr lang="he-IL"/>
+          </a:p>
+        </p:txBody>
+      </p:sp>
+      <p:sp>
+        <p:nvSpPr>
+          <p:cNvPr id="5" name="מציין מיקום של מספר שקופית 4"/>
+          <p:cNvSpPr>
+            <a:spLocks noGrp="1"/>
+          </p:cNvSpPr>
+          <p:nvPr>
+            <p:ph type="sldNum" sz="quarter" idx="5"/>
+          </p:nvPr>
+        </p:nvSpPr>
+        <p:spPr/>
+        <p:txBody>
+          <a:bodyPr/>
+          <a:lstStyle/>
+          <a:p>
+            <a:fld id="{5D87C9B3-3F36-45D2-B699-10C699E739B9}" type="slidenum">
+              <a:rPr lang="he-IL" smtClean="0"/>
+              <a:t>33</a:t>
+            </a:fld>
+            <a:endParaRPr lang="he-IL"/>
+          </a:p>
+        </p:txBody>
+      </p:sp>
+    </p:spTree>
+    <p:extLst>
+      <p:ext uri="{BB962C8B-B14F-4D97-AF65-F5344CB8AC3E}">
+        <p14:creationId xmlns:p14="http://schemas.microsoft.com/office/powerpoint/2010/main" val="202044522"/>
+      </p:ext>
+    </p:extLst>
+  </p:cSld>
+  <p:clrMapOvr>
+    <a:masterClrMapping/>
+  </p:clrMapOvr>
+</p:notes>
+</file>
+
+<file path=ppt/notesSlides/notesSlide34.xml><?xml version="1.0" encoding="utf-8"?>
+<p:notes xmlns:a="http://schemas.openxmlformats.org/drawingml/2006/main" xmlns:r="http://schemas.openxmlformats.org/officeDocument/2006/relationships" xmlns:p="http://schemas.openxmlformats.org/presentationml/2006/main">
+  <p:cSld>
+    <p:spTree>
+      <p:nvGrpSpPr>
+        <p:cNvPr id="1" name=""/>
+        <p:cNvGrpSpPr/>
+        <p:nvPr/>
+      </p:nvGrpSpPr>
+      <p:grpSpPr>
+        <a:xfrm>
+          <a:off x="0" y="0"/>
+          <a:ext cx="0" cy="0"/>
+          <a:chOff x="0" y="0"/>
+          <a:chExt cx="0" cy="0"/>
+        </a:xfrm>
+      </p:grpSpPr>
+      <p:sp>
+        <p:nvSpPr>
+          <p:cNvPr id="2" name="מציין מיקום של תמונת שקופית 1"/>
+          <p:cNvSpPr>
+            <a:spLocks noGrp="1" noRot="1" noChangeAspect="1"/>
+          </p:cNvSpPr>
+          <p:nvPr>
+            <p:ph type="sldImg"/>
+          </p:nvPr>
+        </p:nvSpPr>
+        <p:spPr/>
+      </p:sp>
+      <p:sp>
+        <p:nvSpPr>
+          <p:cNvPr id="3" name="מציין מיקום של הערות 2"/>
+          <p:cNvSpPr>
+            <a:spLocks noGrp="1"/>
+          </p:cNvSpPr>
+          <p:nvPr>
+            <p:ph type="body" idx="1"/>
+          </p:nvPr>
+        </p:nvSpPr>
+        <p:spPr/>
+        <p:txBody>
+          <a:bodyPr/>
+          <a:lstStyle/>
+          <a:p>
+            <a:r>
+              <a:rPr lang="he-IL" dirty="0"/>
+              <a:t>מודול זה מייצג את מצב העולם ומתעדכן בעקבות הסימולטור.</a:t>
+            </a:r>
+          </a:p>
+          <a:p>
+            <a:r>
+              <a:rPr lang="he-IL" dirty="0"/>
+              <a:t>המודול מחזיק וקטור של מטוסים אשר כל תא במערך מייצג את המצב של המטוס באינדקס המתאים. (להסביר על המצבים השונים).</a:t>
+            </a:r>
+          </a:p>
+          <a:p>
+            <a:r>
+              <a:rPr lang="he-IL" dirty="0"/>
+              <a:t>המודול מחזיק וקטור של נתיבים כאשר כל תא במערך מייצג האם הנתיב פנוי(-1) או שהנתיב תפוס ואז הערך הוא המספר המזהה של המטוס באותו נתיב.</a:t>
+            </a:r>
+          </a:p>
+          <a:p>
+            <a:r>
+              <a:rPr lang="he-IL" dirty="0"/>
+              <a:t>מטרת מודול זה הוא:</a:t>
+            </a:r>
+          </a:p>
+          <a:p>
+            <a:pPr marL="228600" indent="-228600">
+              <a:buAutoNum type="arabicPeriod"/>
+            </a:pPr>
+            <a:r>
+              <a:rPr lang="he-IL" dirty="0"/>
+              <a:t>לממש את פונקציית החוקיות שהבקר קורא לה </a:t>
+            </a:r>
+            <a:r>
+              <a:rPr lang="he-IL" dirty="0" err="1"/>
+              <a:t>והלחזיר</a:t>
+            </a:r>
+            <a:r>
+              <a:rPr lang="he-IL" dirty="0"/>
+              <a:t> האם המצב הבא חוקי או לא.</a:t>
+            </a:r>
+          </a:p>
+          <a:p>
+            <a:pPr marL="228600" indent="-228600">
+              <a:buAutoNum type="arabicPeriod"/>
+            </a:pPr>
+            <a:r>
+              <a:rPr lang="he-IL" dirty="0"/>
+              <a:t>לבצע הקפאה של מצב העולם וכתיבת קובץ קונפיגורציה חדש במידה ונדרש תיכנון מחדש, תיכנון מחדש מתרחש בעקבות החזרת ערך שגיאה מפונקציית החוקיות.</a:t>
+            </a:r>
+          </a:p>
+          <a:p>
+            <a:pPr marL="228600" indent="-228600">
+              <a:buAutoNum type="arabicPeriod"/>
+            </a:pPr>
+            <a:endParaRPr lang="he-IL" dirty="0"/>
+          </a:p>
+          <a:p>
+            <a:pPr marL="0" indent="0">
+              <a:buNone/>
+            </a:pPr>
+            <a:endParaRPr lang="he-IL" dirty="0"/>
+          </a:p>
+        </p:txBody>
+      </p:sp>
+      <p:sp>
+        <p:nvSpPr>
+          <p:cNvPr id="4" name="מציין מיקום של כותרת עליונה 3"/>
+          <p:cNvSpPr>
+            <a:spLocks noGrp="1"/>
+          </p:cNvSpPr>
+          <p:nvPr>
+            <p:ph type="hdr" sz="quarter"/>
+          </p:nvPr>
+        </p:nvSpPr>
+        <p:spPr/>
+        <p:txBody>
+          <a:bodyPr/>
+          <a:lstStyle/>
+          <a:p>
+            <a:r>
+              <a:rPr lang="en-US"/>
+              <a:t>hjfhgdhgfdfgh</a:t>
+            </a:r>
+            <a:endParaRPr lang="he-IL"/>
+          </a:p>
+        </p:txBody>
+      </p:sp>
+      <p:sp>
+        <p:nvSpPr>
+          <p:cNvPr id="5" name="מציין מיקום של מספר שקופית 4"/>
+          <p:cNvSpPr>
+            <a:spLocks noGrp="1"/>
+          </p:cNvSpPr>
+          <p:nvPr>
+            <p:ph type="sldNum" sz="quarter" idx="5"/>
+          </p:nvPr>
+        </p:nvSpPr>
+        <p:spPr/>
+        <p:txBody>
+          <a:bodyPr/>
+          <a:lstStyle/>
+          <a:p>
+            <a:fld id="{5D87C9B3-3F36-45D2-B699-10C699E739B9}" type="slidenum">
+              <a:rPr lang="he-IL" smtClean="0"/>
+              <a:t>34</a:t>
+            </a:fld>
+            <a:endParaRPr lang="he-IL"/>
+          </a:p>
+        </p:txBody>
+      </p:sp>
+    </p:spTree>
+    <p:extLst>
+      <p:ext uri="{BB962C8B-B14F-4D97-AF65-F5344CB8AC3E}">
+        <p14:creationId xmlns:p14="http://schemas.microsoft.com/office/powerpoint/2010/main" val="2849164166"/>
+      </p:ext>
+    </p:extLst>
+  </p:cSld>
+  <p:clrMapOvr>
+    <a:masterClrMapping/>
+  </p:clrMapOvr>
+</p:notes>
+</file>
+
+<file path=ppt/notesSlides/notesSlide35.xml><?xml version="1.0" encoding="utf-8"?>
+<p:notes xmlns:a="http://schemas.openxmlformats.org/drawingml/2006/main" xmlns:r="http://schemas.openxmlformats.org/officeDocument/2006/relationships" xmlns:p="http://schemas.openxmlformats.org/presentationml/2006/main">
+  <p:cSld>
+    <p:spTree>
+      <p:nvGrpSpPr>
+        <p:cNvPr id="1" name=""/>
+        <p:cNvGrpSpPr/>
+        <p:nvPr/>
+      </p:nvGrpSpPr>
+      <p:grpSpPr>
+        <a:xfrm>
+          <a:off x="0" y="0"/>
+          <a:ext cx="0" cy="0"/>
+          <a:chOff x="0" y="0"/>
+          <a:chExt cx="0" cy="0"/>
+        </a:xfrm>
+      </p:grpSpPr>
+      <p:sp>
+        <p:nvSpPr>
+          <p:cNvPr id="2" name="מציין מיקום של תמונת שקופית 1"/>
+          <p:cNvSpPr>
+            <a:spLocks noGrp="1" noRot="1" noChangeAspect="1"/>
+          </p:cNvSpPr>
+          <p:nvPr>
+            <p:ph type="sldImg"/>
+          </p:nvPr>
+        </p:nvSpPr>
+        <p:spPr/>
+      </p:sp>
+      <p:sp>
+        <p:nvSpPr>
+          <p:cNvPr id="3" name="מציין מיקום של הערות 2"/>
+          <p:cNvSpPr>
+            <a:spLocks noGrp="1"/>
+          </p:cNvSpPr>
+          <p:nvPr>
+            <p:ph type="body" idx="1"/>
+          </p:nvPr>
+        </p:nvSpPr>
+        <p:spPr/>
+        <p:txBody>
+          <a:bodyPr/>
+          <a:lstStyle/>
+          <a:p>
+            <a:pPr marL="0" indent="0">
+              <a:buNone/>
+            </a:pPr>
+            <a:r>
+              <a:rPr lang="he-IL" dirty="0"/>
+              <a:t>המודל מייצר הפרעות אשר נשלחות לסימולטור, הפרעה יכולה להתפרש כ-2 מצבים:</a:t>
+            </a:r>
+          </a:p>
+          <a:p>
+            <a:pPr marL="228600" indent="-228600">
+              <a:buAutoNum type="arabicPeriod"/>
+            </a:pPr>
+            <a:r>
+              <a:rPr lang="he-IL" dirty="0"/>
+              <a:t>דחייה של פעולה מסוימת (דחייה של ההמראה)</a:t>
+            </a:r>
+          </a:p>
+          <a:p>
+            <a:pPr marL="228600" indent="-228600">
+              <a:buAutoNum type="arabicPeriod"/>
+            </a:pPr>
+            <a:r>
+              <a:rPr lang="he-IL" dirty="0"/>
+              <a:t>עיכוב של פעולה מסוימת (הארכת זמן המשימה המקורי של המטוס)</a:t>
+            </a:r>
+          </a:p>
+          <a:p>
+            <a:pPr marL="228600" indent="-228600">
+              <a:buAutoNum type="arabicPeriod"/>
+            </a:pPr>
+            <a:endParaRPr lang="he-IL" dirty="0"/>
+          </a:p>
+          <a:p>
+            <a:pPr marL="0" indent="0">
+              <a:buNone/>
+            </a:pPr>
+            <a:r>
+              <a:rPr lang="he-IL" dirty="0"/>
+              <a:t>המודל הוא </a:t>
+            </a:r>
+            <a:r>
+              <a:rPr lang="he-IL" dirty="0" err="1"/>
+              <a:t>פסודו</a:t>
+            </a:r>
+            <a:r>
+              <a:rPr lang="he-IL" dirty="0"/>
+              <a:t> רנדומלי בשני מובנים:</a:t>
+            </a:r>
+          </a:p>
+          <a:p>
+            <a:pPr marL="228600" indent="-228600">
+              <a:buAutoNum type="arabicPeriod"/>
+            </a:pPr>
+            <a:r>
+              <a:rPr lang="he-IL" dirty="0"/>
+              <a:t>תדירות יצירת ההפרעה הוא מספר אקראי בין 1-ל4 פעולות.</a:t>
+            </a:r>
+          </a:p>
+          <a:p>
+            <a:pPr marL="228600" indent="-228600">
+              <a:buAutoNum type="arabicPeriod"/>
+            </a:pPr>
+            <a:r>
+              <a:rPr lang="he-IL" dirty="0"/>
+              <a:t>משך ההפרעה הוא משתנה אקראי מפולג </a:t>
+            </a:r>
+            <a:r>
+              <a:rPr lang="he-IL" dirty="0" err="1"/>
+              <a:t>יוניפורמי</a:t>
+            </a:r>
+            <a:r>
+              <a:rPr lang="he-IL" dirty="0"/>
+              <a:t> בין מחצית משך הפעולה שנבחה לבין משך הפעולה שנבחרה.</a:t>
+            </a:r>
+          </a:p>
+          <a:p>
+            <a:pPr marL="228600" indent="-228600">
+              <a:buAutoNum type="arabicPeriod"/>
+            </a:pPr>
+            <a:endParaRPr lang="he-IL" dirty="0"/>
+          </a:p>
+          <a:p>
+            <a:pPr marL="0" indent="0">
+              <a:buNone/>
+            </a:pPr>
+            <a:r>
+              <a:rPr lang="he-IL" dirty="0"/>
+              <a:t>כאשר נוצרה הפרעה המודול יאותת למודול הסימולטור על הפרעה שנוצרה ויאפס את תדירות יצירת ההפרעה.</a:t>
+            </a:r>
+          </a:p>
+          <a:p>
+            <a:pPr marL="0" indent="0">
+              <a:buNone/>
+            </a:pPr>
+            <a:endParaRPr lang="he-IL" dirty="0"/>
+          </a:p>
+        </p:txBody>
+      </p:sp>
+      <p:sp>
+        <p:nvSpPr>
+          <p:cNvPr id="4" name="מציין מיקום של כותרת עליונה 3"/>
+          <p:cNvSpPr>
+            <a:spLocks noGrp="1"/>
+          </p:cNvSpPr>
+          <p:nvPr>
+            <p:ph type="hdr" sz="quarter"/>
+          </p:nvPr>
+        </p:nvSpPr>
+        <p:spPr/>
+        <p:txBody>
+          <a:bodyPr/>
+          <a:lstStyle/>
+          <a:p>
+            <a:r>
+              <a:rPr lang="en-US"/>
+              <a:t>hjfhgdhgfdfgh</a:t>
+            </a:r>
+            <a:endParaRPr lang="he-IL"/>
+          </a:p>
+        </p:txBody>
+      </p:sp>
+      <p:sp>
+        <p:nvSpPr>
+          <p:cNvPr id="5" name="מציין מיקום של מספר שקופית 4"/>
+          <p:cNvSpPr>
+            <a:spLocks noGrp="1"/>
+          </p:cNvSpPr>
+          <p:nvPr>
+            <p:ph type="sldNum" sz="quarter" idx="5"/>
+          </p:nvPr>
+        </p:nvSpPr>
+        <p:spPr/>
+        <p:txBody>
+          <a:bodyPr/>
+          <a:lstStyle/>
+          <a:p>
+            <a:fld id="{5D87C9B3-3F36-45D2-B699-10C699E739B9}" type="slidenum">
+              <a:rPr lang="he-IL" smtClean="0"/>
+              <a:t>35</a:t>
+            </a:fld>
+            <a:endParaRPr lang="he-IL"/>
+          </a:p>
+        </p:txBody>
+      </p:sp>
+    </p:spTree>
+    <p:extLst>
+      <p:ext uri="{BB962C8B-B14F-4D97-AF65-F5344CB8AC3E}">
+        <p14:creationId xmlns:p14="http://schemas.microsoft.com/office/powerpoint/2010/main" val="546992971"/>
+      </p:ext>
+    </p:extLst>
+  </p:cSld>
+  <p:clrMapOvr>
+    <a:masterClrMapping/>
+  </p:clrMapOvr>
+</p:notes>
+</file>
+
+<file path=ppt/notesSlides/notesSlide36.xml><?xml version="1.0" encoding="utf-8"?>
+<p:notes xmlns:a="http://schemas.openxmlformats.org/drawingml/2006/main" xmlns:r="http://schemas.openxmlformats.org/officeDocument/2006/relationships" xmlns:p="http://schemas.openxmlformats.org/presentationml/2006/main">
+  <p:cSld>
+    <p:spTree>
+      <p:nvGrpSpPr>
+        <p:cNvPr id="1" name=""/>
+        <p:cNvGrpSpPr/>
+        <p:nvPr/>
+      </p:nvGrpSpPr>
+      <p:grpSpPr>
+        <a:xfrm>
+          <a:off x="0" y="0"/>
+          <a:ext cx="0" cy="0"/>
+          <a:chOff x="0" y="0"/>
+          <a:chExt cx="0" cy="0"/>
+        </a:xfrm>
+      </p:grpSpPr>
+      <p:sp>
+        <p:nvSpPr>
+          <p:cNvPr id="2" name="מציין מיקום של תמונת שקופית 1"/>
+          <p:cNvSpPr>
+            <a:spLocks noGrp="1" noRot="1" noChangeAspect="1"/>
+          </p:cNvSpPr>
+          <p:nvPr>
+            <p:ph type="sldImg"/>
+          </p:nvPr>
+        </p:nvSpPr>
+        <p:spPr/>
+      </p:sp>
+      <p:sp>
+        <p:nvSpPr>
+          <p:cNvPr id="3" name="מציין מיקום של הערות 2"/>
+          <p:cNvSpPr>
+            <a:spLocks noGrp="1"/>
+          </p:cNvSpPr>
+          <p:nvPr>
+            <p:ph type="body" idx="1"/>
+          </p:nvPr>
+        </p:nvSpPr>
+        <p:spPr/>
+        <p:txBody>
+          <a:bodyPr/>
+          <a:lstStyle/>
+          <a:p>
+            <a:r>
+              <a:rPr lang="he-IL" dirty="0"/>
+              <a:t>תוצאה רגילה</a:t>
+            </a:r>
+          </a:p>
+        </p:txBody>
+      </p:sp>
+      <p:sp>
+        <p:nvSpPr>
+          <p:cNvPr id="4" name="מציין מיקום של כותרת עליונה 3"/>
+          <p:cNvSpPr>
+            <a:spLocks noGrp="1"/>
+          </p:cNvSpPr>
+          <p:nvPr>
+            <p:ph type="hdr" sz="quarter"/>
+          </p:nvPr>
+        </p:nvSpPr>
+        <p:spPr/>
+        <p:txBody>
+          <a:bodyPr/>
+          <a:lstStyle/>
+          <a:p>
+            <a:r>
+              <a:rPr lang="en-US"/>
+              <a:t>hjfhgdhgfdfgh</a:t>
+            </a:r>
+            <a:endParaRPr lang="he-IL"/>
+          </a:p>
+        </p:txBody>
+      </p:sp>
+      <p:sp>
+        <p:nvSpPr>
+          <p:cNvPr id="5" name="מציין מיקום של מספר שקופית 4"/>
+          <p:cNvSpPr>
+            <a:spLocks noGrp="1"/>
+          </p:cNvSpPr>
+          <p:nvPr>
+            <p:ph type="sldNum" sz="quarter" idx="5"/>
+          </p:nvPr>
+        </p:nvSpPr>
+        <p:spPr/>
+        <p:txBody>
+          <a:bodyPr/>
+          <a:lstStyle/>
+          <a:p>
+            <a:fld id="{5D87C9B3-3F36-45D2-B699-10C699E739B9}" type="slidenum">
+              <a:rPr lang="he-IL" smtClean="0"/>
+              <a:t>36</a:t>
+            </a:fld>
+            <a:endParaRPr lang="he-IL"/>
+          </a:p>
+        </p:txBody>
+      </p:sp>
+    </p:spTree>
+    <p:extLst>
+      <p:ext uri="{BB962C8B-B14F-4D97-AF65-F5344CB8AC3E}">
+        <p14:creationId xmlns:p14="http://schemas.microsoft.com/office/powerpoint/2010/main" val="2318995915"/>
+      </p:ext>
+    </p:extLst>
+  </p:cSld>
+  <p:clrMapOvr>
+    <a:masterClrMapping/>
+  </p:clrMapOvr>
+</p:notes>
+</file>
+
+<file path=ppt/notesSlides/notesSlide37.xml><?xml version="1.0" encoding="utf-8"?>
+<p:notes xmlns:a="http://schemas.openxmlformats.org/drawingml/2006/main" xmlns:r="http://schemas.openxmlformats.org/officeDocument/2006/relationships" xmlns:p="http://schemas.openxmlformats.org/presentationml/2006/main">
+  <p:cSld>
+    <p:spTree>
+      <p:nvGrpSpPr>
+        <p:cNvPr id="1" name=""/>
+        <p:cNvGrpSpPr/>
+        <p:nvPr/>
+      </p:nvGrpSpPr>
+      <p:grpSpPr>
+        <a:xfrm>
+          <a:off x="0" y="0"/>
+          <a:ext cx="0" cy="0"/>
+          <a:chOff x="0" y="0"/>
+          <a:chExt cx="0" cy="0"/>
+        </a:xfrm>
+      </p:grpSpPr>
+      <p:sp>
+        <p:nvSpPr>
+          <p:cNvPr id="2" name="מציין מיקום של תמונת שקופית 1"/>
+          <p:cNvSpPr>
+            <a:spLocks noGrp="1" noRot="1" noChangeAspect="1"/>
+          </p:cNvSpPr>
+          <p:nvPr>
+            <p:ph type="sldImg"/>
+          </p:nvPr>
+        </p:nvSpPr>
+        <p:spPr/>
+      </p:sp>
+      <p:sp>
+        <p:nvSpPr>
+          <p:cNvPr id="3" name="מציין מיקום של הערות 2"/>
+          <p:cNvSpPr>
+            <a:spLocks noGrp="1"/>
+          </p:cNvSpPr>
+          <p:nvPr>
+            <p:ph type="body" idx="1"/>
+          </p:nvPr>
+        </p:nvSpPr>
+        <p:spPr/>
+        <p:txBody>
+          <a:bodyPr/>
+          <a:lstStyle/>
+          <a:p>
+            <a:r>
+              <a:rPr lang="he-IL" dirty="0"/>
+              <a:t>תוצאה עם תיכנון מחדש</a:t>
+            </a:r>
+          </a:p>
+        </p:txBody>
+      </p:sp>
+      <p:sp>
+        <p:nvSpPr>
+          <p:cNvPr id="4" name="מציין מיקום של כותרת עליונה 3"/>
+          <p:cNvSpPr>
+            <a:spLocks noGrp="1"/>
+          </p:cNvSpPr>
+          <p:nvPr>
+            <p:ph type="hdr" sz="quarter"/>
+          </p:nvPr>
+        </p:nvSpPr>
+        <p:spPr/>
+        <p:txBody>
+          <a:bodyPr/>
+          <a:lstStyle/>
+          <a:p>
+            <a:r>
+              <a:rPr lang="en-US"/>
+              <a:t>hjfhgdhgfdfgh</a:t>
+            </a:r>
+            <a:endParaRPr lang="he-IL"/>
+          </a:p>
+        </p:txBody>
+      </p:sp>
+      <p:sp>
+        <p:nvSpPr>
+          <p:cNvPr id="5" name="מציין מיקום של מספר שקופית 4"/>
+          <p:cNvSpPr>
+            <a:spLocks noGrp="1"/>
+          </p:cNvSpPr>
+          <p:nvPr>
+            <p:ph type="sldNum" sz="quarter" idx="5"/>
+          </p:nvPr>
+        </p:nvSpPr>
+        <p:spPr/>
+        <p:txBody>
+          <a:bodyPr/>
+          <a:lstStyle/>
+          <a:p>
+            <a:fld id="{5D87C9B3-3F36-45D2-B699-10C699E739B9}" type="slidenum">
+              <a:rPr lang="he-IL" smtClean="0"/>
+              <a:t>37</a:t>
+            </a:fld>
+            <a:endParaRPr lang="he-IL"/>
+          </a:p>
+        </p:txBody>
+      </p:sp>
+    </p:spTree>
+    <p:extLst>
+      <p:ext uri="{BB962C8B-B14F-4D97-AF65-F5344CB8AC3E}">
+        <p14:creationId xmlns:p14="http://schemas.microsoft.com/office/powerpoint/2010/main" val="1660480528"/>
+      </p:ext>
+    </p:extLst>
+  </p:cSld>
+  <p:clrMapOvr>
+    <a:masterClrMapping/>
+  </p:clrMapOvr>
+</p:notes>
+</file>
+
+<file path=ppt/notesSlides/notesSlide38.xml><?xml version="1.0" encoding="utf-8"?>
+<p:notes xmlns:a="http://schemas.openxmlformats.org/drawingml/2006/main" xmlns:r="http://schemas.openxmlformats.org/officeDocument/2006/relationships" xmlns:p="http://schemas.openxmlformats.org/presentationml/2006/main">
+  <p:cSld>
+    <p:spTree>
+      <p:nvGrpSpPr>
+        <p:cNvPr id="1" name=""/>
+        <p:cNvGrpSpPr/>
+        <p:nvPr/>
+      </p:nvGrpSpPr>
+      <p:grpSpPr>
+        <a:xfrm>
+          <a:off x="0" y="0"/>
+          <a:ext cx="0" cy="0"/>
+          <a:chOff x="0" y="0"/>
+          <a:chExt cx="0" cy="0"/>
+        </a:xfrm>
+      </p:grpSpPr>
+      <p:sp>
+        <p:nvSpPr>
+          <p:cNvPr id="2" name="מציין מיקום של תמונת שקופית 1"/>
+          <p:cNvSpPr>
+            <a:spLocks noGrp="1" noRot="1" noChangeAspect="1"/>
+          </p:cNvSpPr>
+          <p:nvPr>
+            <p:ph type="sldImg"/>
+          </p:nvPr>
+        </p:nvSpPr>
+        <p:spPr/>
+      </p:sp>
+      <p:sp>
+        <p:nvSpPr>
+          <p:cNvPr id="3" name="מציין מיקום של הערות 2"/>
+          <p:cNvSpPr>
+            <a:spLocks noGrp="1"/>
+          </p:cNvSpPr>
+          <p:nvPr>
+            <p:ph type="body" idx="1"/>
+          </p:nvPr>
+        </p:nvSpPr>
+        <p:spPr/>
+        <p:txBody>
+          <a:bodyPr/>
+          <a:lstStyle/>
+          <a:p>
+            <a:pPr marL="0" indent="0">
+              <a:buNone/>
+            </a:pPr>
+            <a:r>
+              <a:rPr lang="he-IL" dirty="0"/>
+              <a:t>את הפרויקט ניתן להרחיב בכמה מישורים:</a:t>
+            </a:r>
+          </a:p>
+          <a:p>
+            <a:pPr marL="228600" indent="-228600">
+              <a:buAutoNum type="arabicPeriod"/>
+            </a:pPr>
+            <a:r>
+              <a:rPr lang="he-IL" dirty="0"/>
+              <a:t>להוסיף עוד סוגי הפרעות (לדג' קיצור זמן של פעולה מעיד על תקלה) כדי לדמות עולם יותר מציאותי בסימולציה.</a:t>
+            </a:r>
+          </a:p>
+          <a:p>
+            <a:pPr marL="228600" indent="-228600">
+              <a:buAutoNum type="arabicPeriod"/>
+            </a:pPr>
+            <a:r>
+              <a:rPr lang="he-IL" dirty="0"/>
+              <a:t>הוספת </a:t>
+            </a:r>
+            <a:r>
+              <a:rPr lang="en-US" dirty="0"/>
+              <a:t>GUI</a:t>
+            </a:r>
+            <a:r>
+              <a:rPr lang="he-IL" dirty="0"/>
+              <a:t>?</a:t>
+            </a:r>
+          </a:p>
+          <a:p>
+            <a:pPr marL="228600" indent="-228600">
+              <a:buAutoNum type="arabicPeriod"/>
+            </a:pPr>
+            <a:r>
+              <a:rPr lang="he-IL" dirty="0"/>
+              <a:t>להפוך את המערכת ליותר אינטראקטיבית עבור המשתמש.</a:t>
+            </a:r>
+          </a:p>
+          <a:p>
+            <a:pPr marL="228600" indent="-228600">
+              <a:buAutoNum type="arabicPeriod"/>
+            </a:pPr>
+            <a:endParaRPr lang="he-IL" dirty="0"/>
+          </a:p>
+        </p:txBody>
+      </p:sp>
+      <p:sp>
+        <p:nvSpPr>
+          <p:cNvPr id="4" name="מציין מיקום של כותרת עליונה 3"/>
+          <p:cNvSpPr>
+            <a:spLocks noGrp="1"/>
+          </p:cNvSpPr>
+          <p:nvPr>
+            <p:ph type="hdr" sz="quarter"/>
+          </p:nvPr>
+        </p:nvSpPr>
+        <p:spPr/>
+        <p:txBody>
+          <a:bodyPr/>
+          <a:lstStyle/>
+          <a:p>
+            <a:r>
+              <a:rPr lang="en-US"/>
+              <a:t>hjfhgdhgfdfgh</a:t>
+            </a:r>
+            <a:endParaRPr lang="he-IL"/>
+          </a:p>
+        </p:txBody>
+      </p:sp>
+      <p:sp>
+        <p:nvSpPr>
+          <p:cNvPr id="5" name="מציין מיקום של מספר שקופית 4"/>
+          <p:cNvSpPr>
+            <a:spLocks noGrp="1"/>
+          </p:cNvSpPr>
+          <p:nvPr>
+            <p:ph type="sldNum" sz="quarter" idx="5"/>
+          </p:nvPr>
+        </p:nvSpPr>
+        <p:spPr/>
+        <p:txBody>
+          <a:bodyPr/>
+          <a:lstStyle/>
+          <a:p>
+            <a:fld id="{5D87C9B3-3F36-45D2-B699-10C699E739B9}" type="slidenum">
+              <a:rPr lang="he-IL" smtClean="0"/>
+              <a:t>38</a:t>
+            </a:fld>
+            <a:endParaRPr lang="he-IL"/>
+          </a:p>
+        </p:txBody>
+      </p:sp>
+    </p:spTree>
+    <p:extLst>
+      <p:ext uri="{BB962C8B-B14F-4D97-AF65-F5344CB8AC3E}">
+        <p14:creationId xmlns:p14="http://schemas.microsoft.com/office/powerpoint/2010/main" val="916540336"/>
+      </p:ext>
+    </p:extLst>
+  </p:cSld>
+  <p:clrMapOvr>
+    <a:masterClrMapping/>
+  </p:clrMapOvr>
+</p:notes>
+</file>
+
+<file path=ppt/notesSlides/notesSlide39.xml><?xml version="1.0" encoding="utf-8"?>
+<p:notes xmlns:a="http://schemas.openxmlformats.org/drawingml/2006/main" xmlns:r="http://schemas.openxmlformats.org/officeDocument/2006/relationships" xmlns:p="http://schemas.openxmlformats.org/presentationml/2006/main">
+  <p:cSld>
+    <p:spTree>
+      <p:nvGrpSpPr>
+        <p:cNvPr id="1" name=""/>
+        <p:cNvGrpSpPr/>
+        <p:nvPr/>
+      </p:nvGrpSpPr>
+      <p:grpSpPr>
+        <a:xfrm>
+          <a:off x="0" y="0"/>
+          <a:ext cx="0" cy="0"/>
+          <a:chOff x="0" y="0"/>
+          <a:chExt cx="0" cy="0"/>
+        </a:xfrm>
+      </p:grpSpPr>
+      <p:sp>
+        <p:nvSpPr>
+          <p:cNvPr id="2" name="מציין מיקום של תמונת שקופית 1"/>
+          <p:cNvSpPr>
+            <a:spLocks noGrp="1" noRot="1" noChangeAspect="1"/>
+          </p:cNvSpPr>
+          <p:nvPr>
+            <p:ph type="sldImg"/>
+          </p:nvPr>
+        </p:nvSpPr>
+        <p:spPr/>
+      </p:sp>
+      <p:sp>
+        <p:nvSpPr>
+          <p:cNvPr id="3" name="מציין מיקום של הערות 2"/>
+          <p:cNvSpPr>
+            <a:spLocks noGrp="1"/>
+          </p:cNvSpPr>
+          <p:nvPr>
+            <p:ph type="body" idx="1"/>
+          </p:nvPr>
+        </p:nvSpPr>
+        <p:spPr/>
+        <p:txBody>
+          <a:bodyPr/>
+          <a:lstStyle/>
+          <a:p>
+            <a:r>
+              <a:rPr lang="he-IL" dirty="0"/>
+              <a:t>תודה לאיל!!!!! וליואב!!!!</a:t>
+            </a:r>
+          </a:p>
+        </p:txBody>
+      </p:sp>
+      <p:sp>
+        <p:nvSpPr>
+          <p:cNvPr id="4" name="מציין מיקום של כותרת עליונה 3"/>
+          <p:cNvSpPr>
+            <a:spLocks noGrp="1"/>
+          </p:cNvSpPr>
+          <p:nvPr>
+            <p:ph type="hdr" sz="quarter"/>
+          </p:nvPr>
+        </p:nvSpPr>
+        <p:spPr/>
+        <p:txBody>
+          <a:bodyPr/>
+          <a:lstStyle/>
+          <a:p>
+            <a:r>
+              <a:rPr lang="en-US"/>
+              <a:t>hjfhgdhgfdfgh</a:t>
+            </a:r>
+            <a:endParaRPr lang="he-IL"/>
+          </a:p>
+        </p:txBody>
+      </p:sp>
+      <p:sp>
+        <p:nvSpPr>
+          <p:cNvPr id="5" name="מציין מיקום של מספר שקופית 4"/>
+          <p:cNvSpPr>
+            <a:spLocks noGrp="1"/>
+          </p:cNvSpPr>
+          <p:nvPr>
+            <p:ph type="sldNum" sz="quarter" idx="5"/>
+          </p:nvPr>
+        </p:nvSpPr>
+        <p:spPr/>
+        <p:txBody>
+          <a:bodyPr/>
+          <a:lstStyle/>
+          <a:p>
+            <a:fld id="{5D87C9B3-3F36-45D2-B699-10C699E739B9}" type="slidenum">
+              <a:rPr lang="he-IL" smtClean="0"/>
+              <a:t>39</a:t>
             </a:fld>
             <a:endParaRPr lang="he-IL"/>
           </a:p>
@@ -11419,23 +12566,7 @@
             </a:pPr>
             <a:r>
               <a:rPr lang="he-IL" dirty="0"/>
-              <a:t>על מנת לתקן את הפיוז, יש צורך להדליק גפרור – כלומר ,</a:t>
-            </a:r>
-            <a:r>
-              <a:rPr lang="he-IL" dirty="0" err="1"/>
-              <a:t>יקון</a:t>
-            </a:r>
-            <a:r>
-              <a:rPr lang="he-IL" dirty="0"/>
-              <a:t> הפיוז אינו יכול </a:t>
-            </a:r>
-            <a:r>
-              <a:rPr lang="he-IL" dirty="0" err="1"/>
-              <a:t>לה,חיל</a:t>
-            </a:r>
-            <a:r>
-              <a:rPr lang="he-IL" dirty="0"/>
-              <a:t> טרם הדלק, הגפרור – זהו האילוץ המרכזי בבעיה.</a:t>
+              <a:t>על מנת לתקן את הפיוז, יש צורך להדליק גפרור – כלומר תיקון הפיוז אינו יכול להתחיל טרם הדלקת הגפרור – זהו האילוץ המרכזי בבעיה.</a:t>
             </a:r>
           </a:p>
           <a:p>
@@ -11459,27 +12590,11 @@
             </a:r>
             <a:r>
               <a:rPr lang="he-IL" dirty="0" err="1"/>
-              <a:t>פי,רון</a:t>
+              <a:t>פיתרון</a:t>
             </a:r>
             <a:r>
               <a:rPr lang="he-IL" dirty="0"/>
-              <a:t> אפשרי של בעיה זו יכול </a:t>
-            </a:r>
-            <a:r>
-              <a:rPr lang="he-IL" dirty="0" err="1"/>
-              <a:t>להיו</a:t>
-            </a:r>
-            <a:r>
-              <a:rPr lang="he-IL" dirty="0"/>
-              <a:t>, סדר </a:t>
-            </a:r>
-            <a:r>
-              <a:rPr lang="he-IL" dirty="0" err="1"/>
-              <a:t>הפעולו</a:t>
-            </a:r>
-            <a:r>
-              <a:rPr lang="he-IL" dirty="0"/>
-              <a:t>, הבא:</a:t>
+              <a:t> אפשרי של בעיה זו יכול להיות סדר הפעולות הבא:</a:t>
             </a:r>
           </a:p>
           <a:p>
@@ -11489,7 +12604,7 @@
             </a:pPr>
             <a:r>
               <a:rPr lang="he-IL" dirty="0"/>
-              <a:t>הדלק, גפרור – זמן 0</a:t>
+              <a:t>הדלקת גפרור – זמן 0</a:t>
             </a:r>
           </a:p>
           <a:p>
@@ -11498,20 +12613,8 @@
               <a:buChar char="-"/>
             </a:pPr>
             <a:r>
-              <a:rPr lang="he-IL" dirty="0" err="1"/>
-              <a:t>ה,חל</a:t>
-            </a:r>
-            <a:r>
               <a:rPr lang="he-IL" dirty="0"/>
-              <a:t>, ,</a:t>
-            </a:r>
-            <a:r>
-              <a:rPr lang="he-IL" dirty="0" err="1"/>
-              <a:t>יקון</a:t>
-            </a:r>
-            <a:r>
-              <a:rPr lang="he-IL" dirty="0"/>
-              <a:t> הפיוז – זמן 1</a:t>
+              <a:t>התחלת תיקון הפיוז – זמן 1</a:t>
             </a:r>
           </a:p>
           <a:p>
@@ -11521,15 +12624,7 @@
             </a:pPr>
             <a:r>
               <a:rPr lang="he-IL" dirty="0"/>
-              <a:t>סיום ,</a:t>
-            </a:r>
-            <a:r>
-              <a:rPr lang="he-IL" dirty="0" err="1"/>
-              <a:t>יקון</a:t>
-            </a:r>
-            <a:r>
-              <a:rPr lang="he-IL" dirty="0"/>
-              <a:t> הפיוז – זמן 11</a:t>
+              <a:t>סיום תיקון הפיוז – זמן 11</a:t>
             </a:r>
           </a:p>
           <a:p>
@@ -11677,20 +12772,99 @@
           <a:p>
             <a:r>
               <a:rPr lang="he-IL" dirty="0"/>
-              <a:t>המקרה הוא שיש לשני סטודנטים (נקרא להם ר' ס') תרגיל בית להגשה יחד.</a:t>
+              <a:t>הבעיה אותה נתאר היא ביצוע מבחן כניסה על ידי זוג סטודנטים לפני ניסוי במעבדה לבקרה.</a:t>
             </a:r>
           </a:p>
           <a:p>
             <a:r>
               <a:rPr lang="he-IL" dirty="0"/>
-              <a:t>על מנת שיוכלו להתחיל את תרגיל הבית יחד, שני הסטודנטים צריכים לסיים את המטלות הקודמות שלהם.</a:t>
-            </a:r>
-          </a:p>
-          <a:p>
+              <a:t>את המבחן עליהם להתחיל יחד </a:t>
+            </a:r>
+            <a:r>
+              <a:rPr lang="he-IL" dirty="0" err="1"/>
+              <a:t>בזוום</a:t>
+            </a:r>
             <a:r>
               <a:rPr lang="he-IL" dirty="0"/>
-              <a:t>נניח כי תרגיל הבית לוקח חצי שעה.  </a:t>
-            </a:r>
+              <a:t> ולסיים תוך 90 דקות, המבחן כולל 2 מטלות כאשר מטלה מספר 2 תלויה במטלה מספר 1.</a:t>
+            </a:r>
+          </a:p>
+          <a:p>
+            <a:r>
+              <a:rPr lang="he-IL" dirty="0"/>
+              <a:t>זוג הסטודנטים ישב והכין תכנית לביצוע מהטלות בהתבסס על הידע שלהם המבחן העריכו כי:</a:t>
+            </a:r>
+          </a:p>
+          <a:p>
+            <a:r>
+              <a:rPr lang="he-IL" dirty="0"/>
+              <a:t>תחילת המבחן תהיה עד 15 דקות החל מרגע תחילת המפגש </a:t>
+            </a:r>
+            <a:r>
+              <a:rPr lang="he-IL" dirty="0" err="1"/>
+              <a:t>בזוום</a:t>
+            </a:r>
+            <a:r>
+              <a:rPr lang="he-IL" dirty="0"/>
+              <a:t>.</a:t>
+            </a:r>
+          </a:p>
+          <a:p>
+            <a:r>
+              <a:rPr lang="he-IL" dirty="0"/>
+              <a:t>תחילת ביצוע המשימה הראשונה יתבצע עד 5 דקות מתחילת המבחן (קריאת המשימה).</a:t>
+            </a:r>
+          </a:p>
+          <a:p>
+            <a:r>
+              <a:rPr lang="he-IL" dirty="0"/>
+              <a:t>משך המשימה הראשונה יהיה בין 10 ל-20 דקות.</a:t>
+            </a:r>
+          </a:p>
+          <a:p>
+            <a:r>
+              <a:rPr lang="he-IL" dirty="0"/>
+              <a:t>תחילת המשימה </a:t>
+            </a:r>
+            <a:r>
+              <a:rPr lang="he-IL" dirty="0" err="1"/>
+              <a:t>השניה</a:t>
+            </a:r>
+            <a:r>
+              <a:rPr lang="he-IL" dirty="0"/>
+              <a:t> יתחיל כ-5 דקות אחריי סיום הראשונה.</a:t>
+            </a:r>
+          </a:p>
+          <a:p>
+            <a:r>
+              <a:rPr lang="he-IL" dirty="0"/>
+              <a:t>משך המשימה </a:t>
+            </a:r>
+            <a:r>
+              <a:rPr lang="he-IL" dirty="0" err="1"/>
+              <a:t>השניה</a:t>
+            </a:r>
+            <a:r>
+              <a:rPr lang="he-IL" dirty="0"/>
+              <a:t> יהיה 20-30 דקות.</a:t>
+            </a:r>
+          </a:p>
+          <a:p>
+            <a:r>
+              <a:rPr lang="he-IL" dirty="0"/>
+              <a:t>סיום המבחן והגשתו ייקחו עד 15 דקות מסיום המשימה </a:t>
+            </a:r>
+            <a:r>
+              <a:rPr lang="he-IL" dirty="0" err="1"/>
+              <a:t>השניה</a:t>
+            </a:r>
+            <a:r>
+              <a:rPr lang="he-IL" dirty="0"/>
+              <a:t>.</a:t>
+            </a:r>
+          </a:p>
+          <a:p>
+            <a:endParaRPr lang="he-IL" dirty="0"/>
           </a:p>
         </p:txBody>
       </p:sp>
@@ -11743,7 +12917,7 @@
     </p:spTree>
     <p:extLst>
       <p:ext uri="{BB962C8B-B14F-4D97-AF65-F5344CB8AC3E}">
-        <p14:creationId xmlns:p14="http://schemas.microsoft.com/office/powerpoint/2010/main" val="1398427955"/>
+        <p14:creationId xmlns:p14="http://schemas.microsoft.com/office/powerpoint/2010/main" val="2595114286"/>
       </p:ext>
     </p:extLst>
   </p:cSld>
@@ -11797,120 +12971,7 @@
           <a:bodyPr/>
           <a:lstStyle/>
           <a:p>
-            <a:r>
-              <a:rPr lang="he-IL" dirty="0"/>
-              <a:t>אלגוריתם האונליין מומש בעזרת:</a:t>
-            </a:r>
-          </a:p>
-          <a:p>
-            <a:pPr marL="171450" indent="-171450">
-              <a:buFont typeface="Arial" panose="020B0604020202020204" pitchFamily="34" charset="0"/>
-              <a:buChar char="•"/>
-            </a:pPr>
-            <a:r>
-              <a:rPr lang="he-IL" dirty="0" err="1"/>
-              <a:t>תיכנות</a:t>
-            </a:r>
-            <a:r>
-              <a:rPr lang="he-IL" dirty="0"/>
-              <a:t> מונחה עצמים</a:t>
-            </a:r>
-          </a:p>
-          <a:p>
-            <a:pPr marL="171450" indent="-171450">
-              <a:buFont typeface="Arial" panose="020B0604020202020204" pitchFamily="34" charset="0"/>
-              <a:buChar char="•"/>
-            </a:pPr>
-            <a:r>
-              <a:rPr lang="he-IL" dirty="0" err="1"/>
-              <a:t>דיזיין</a:t>
-            </a:r>
-            <a:r>
-              <a:rPr lang="he-IL" dirty="0"/>
-              <a:t> פטרן</a:t>
-            </a:r>
-          </a:p>
-          <a:p>
-            <a:pPr marL="171450" indent="-171450">
-              <a:buFont typeface="Arial" panose="020B0604020202020204" pitchFamily="34" charset="0"/>
-              <a:buChar char="•"/>
-            </a:pPr>
-            <a:r>
-              <a:rPr lang="he-IL" dirty="0"/>
-              <a:t>תיכנון אלגוריתמי</a:t>
-            </a:r>
-          </a:p>
-          <a:p>
-            <a:pPr marL="171450" indent="-171450">
-              <a:buFontTx/>
-              <a:buChar char="-"/>
-            </a:pPr>
-            <a:r>
-              <a:rPr lang="he-IL" dirty="0"/>
-              <a:t>האלגוריתם האונליין מקבל כקלט קובץ </a:t>
-            </a:r>
-            <a:r>
-              <a:rPr lang="en-US" dirty="0"/>
-              <a:t>config</a:t>
-            </a:r>
-            <a:r>
-              <a:rPr lang="he-IL" dirty="0"/>
-              <a:t> וגרף </a:t>
-            </a:r>
-            <a:r>
-              <a:rPr lang="en-US" dirty="0"/>
-              <a:t>STN</a:t>
-            </a:r>
-            <a:r>
-              <a:rPr lang="he-IL" dirty="0"/>
-              <a:t> ומוציא כפלט קובץ המכיל את סדר הפעולות שקרו במהלך היום.</a:t>
-            </a:r>
-          </a:p>
-          <a:p>
-            <a:pPr marL="171450" indent="-171450">
-              <a:buFontTx/>
-              <a:buChar char="-"/>
-            </a:pPr>
-            <a:r>
-              <a:rPr lang="he-IL" dirty="0"/>
-              <a:t>אלגוריתם האונליין משמש כ-"מגדל פיקוח" אשר שולח משימות לסביבת ההרצה (סימולטור) ומבצע החלטות על בסיס מצב העולם וההפרעות המתרחשות.</a:t>
-            </a:r>
-          </a:p>
-          <a:p>
-            <a:pPr marL="171450" indent="-171450">
-              <a:buFontTx/>
-              <a:buChar char="-"/>
-            </a:pPr>
-            <a:r>
-              <a:rPr lang="he-IL" dirty="0"/>
-              <a:t>האלגוריתם צריך להחליט האם הוא מבצע תיקון מקומי, תיקון גלובלי, או תכנון מחדש (במקרה </a:t>
-            </a:r>
-            <a:r>
-              <a:rPr lang="he-IL" dirty="0" err="1"/>
-              <a:t>שהתכנית</a:t>
-            </a:r>
-            <a:r>
-              <a:rPr lang="he-IL" dirty="0"/>
-              <a:t> אינה </a:t>
-            </a:r>
-            <a:r>
-              <a:rPr lang="he-IL" dirty="0" err="1"/>
-              <a:t>פיזיבילית</a:t>
-            </a:r>
-            <a:r>
-              <a:rPr lang="he-IL" dirty="0"/>
-              <a:t>)</a:t>
-            </a:r>
-          </a:p>
-          <a:p>
-            <a:pPr marL="171450" indent="-171450">
-              <a:buFontTx/>
-              <a:buChar char="-"/>
-            </a:pPr>
-            <a:r>
-              <a:rPr lang="he-IL" b="1" dirty="0"/>
-              <a:t>האם גלובלי לא נחשב תכנון מחדש?</a:t>
-            </a:r>
+            <a:endParaRPr lang="he-IL" dirty="0"/>
           </a:p>
         </p:txBody>
       </p:sp>
@@ -11963,7 +13024,7 @@
     </p:spTree>
     <p:extLst>
       <p:ext uri="{BB962C8B-B14F-4D97-AF65-F5344CB8AC3E}">
-        <p14:creationId xmlns:p14="http://schemas.microsoft.com/office/powerpoint/2010/main" val="3565720944"/>
+        <p14:creationId xmlns:p14="http://schemas.microsoft.com/office/powerpoint/2010/main" val="92271117"/>
       </p:ext>
     </p:extLst>
   </p:cSld>
@@ -12017,139 +13078,6 @@
           <a:bodyPr/>
           <a:lstStyle/>
           <a:p>
-            <a:pPr marL="171450" indent="-171450">
-              <a:buFontTx/>
-              <a:buChar char="-"/>
-            </a:pPr>
-            <a:r>
-              <a:rPr lang="he-IL" dirty="0"/>
-              <a:t>אלגוריתם אופליין שמבוסס על רשתות </a:t>
-            </a:r>
-            <a:r>
-              <a:rPr lang="he-IL" dirty="0" err="1"/>
-              <a:t>נוירוינים</a:t>
-            </a:r>
-            <a:r>
-              <a:rPr lang="he-IL" dirty="0"/>
-              <a:t> ותורת הגרפים (חיפוש בגרף, גרף דינמי, גרף מכוון, </a:t>
-            </a:r>
-            <a:r>
-              <a:rPr lang="en-US" dirty="0"/>
-              <a:t>A*</a:t>
-            </a:r>
-            <a:r>
-              <a:rPr lang="he-IL" dirty="0"/>
-              <a:t>)</a:t>
-            </a:r>
-          </a:p>
-          <a:p>
-            <a:pPr marL="171450" indent="-171450">
-              <a:buFontTx/>
-              <a:buChar char="-"/>
-            </a:pPr>
-            <a:r>
-              <a:rPr lang="he-IL" dirty="0"/>
-              <a:t>אלגוריתם </a:t>
-            </a:r>
-            <a:r>
-              <a:rPr lang="he-IL" dirty="0" err="1"/>
-              <a:t>האופיליין</a:t>
-            </a:r>
-            <a:r>
-              <a:rPr lang="he-IL" dirty="0"/>
-              <a:t> מקבל </a:t>
-            </a:r>
-            <a:r>
-              <a:rPr lang="he-IL" dirty="0" err="1"/>
-              <a:t>גקלט</a:t>
-            </a:r>
-            <a:r>
-              <a:rPr lang="he-IL" dirty="0"/>
-              <a:t> קובץ </a:t>
-            </a:r>
-            <a:r>
-              <a:rPr lang="he-IL" dirty="0" err="1"/>
-              <a:t>קונפיג</a:t>
-            </a:r>
-            <a:r>
-              <a:rPr lang="he-IL" dirty="0"/>
-              <a:t> ומוציא כפלט קובץ לוג(מכיל את גרף ה-</a:t>
-            </a:r>
-            <a:r>
-              <a:rPr lang="en-US" dirty="0"/>
-              <a:t>STN</a:t>
-            </a:r>
-            <a:r>
-              <a:rPr lang="he-IL" dirty="0"/>
-              <a:t> שלנו בתצורה של טבלה)</a:t>
-            </a:r>
-          </a:p>
-          <a:p>
-            <a:pPr marL="171450" indent="-171450">
-              <a:buFontTx/>
-              <a:buChar char="-"/>
-            </a:pPr>
-            <a:r>
-              <a:rPr lang="he-IL" dirty="0"/>
-              <a:t>בהתחלה התייחסנו </a:t>
-            </a:r>
-            <a:r>
-              <a:rPr lang="he-IL" dirty="0" err="1"/>
-              <a:t>לפרוייקט</a:t>
-            </a:r>
-            <a:r>
-              <a:rPr lang="he-IL" dirty="0"/>
-              <a:t> כקופסה שחורה אך ככל שהתקדמנו הבנו שכן יש צורך להיכנס לפרטיי המימוש ולבצע שינויים. הסיבה לכך היא שמדובר בעבודה אקדמית ולא מהתעשייה ולכן היה צורך בפגישה עם כותביי </a:t>
-            </a:r>
-            <a:r>
-              <a:rPr lang="he-IL" dirty="0" err="1"/>
-              <a:t>הפרוייקט</a:t>
-            </a:r>
-            <a:r>
-              <a:rPr lang="he-IL" dirty="0"/>
-              <a:t> הקודם על מנת לעבור על הקוד ופרטיי המימוש על מנת לבצע את השינויים הנדרשים ללא פגיעה באלגוריתם עצמו.</a:t>
-            </a:r>
-          </a:p>
-          <a:p>
-            <a:pPr marL="171450" indent="-171450">
-              <a:buFontTx/>
-              <a:buChar char="-"/>
-            </a:pPr>
-            <a:r>
-              <a:rPr lang="he-IL" dirty="0"/>
-              <a:t>מרבית השינויים היו הוספת מעטפת </a:t>
-            </a:r>
-            <a:r>
-              <a:rPr lang="he-IL" dirty="0" err="1"/>
-              <a:t>לפרוייקט</a:t>
-            </a:r>
-            <a:r>
-              <a:rPr lang="he-IL" dirty="0"/>
-              <a:t> כדי שנוכל להשתמש בו כחלק </a:t>
-            </a:r>
-            <a:r>
-              <a:rPr lang="he-IL" dirty="0" err="1"/>
-              <a:t>מההפרוייקט</a:t>
-            </a:r>
-            <a:r>
-              <a:rPr lang="he-IL" dirty="0"/>
-              <a:t> שלנו, כלומר שינינו את </a:t>
-            </a:r>
-            <a:r>
-              <a:rPr lang="he-IL" dirty="0" err="1"/>
-              <a:t>הפרוייקט</a:t>
-            </a:r>
-            <a:r>
-              <a:rPr lang="he-IL" dirty="0"/>
-              <a:t> כך שיקבל קלט ופלט בצורה שנוכל לייצר משוב מהזמן אונליין</a:t>
-            </a:r>
-            <a:endParaRPr lang="en-US" dirty="0"/>
-          </a:p>
-          <a:p>
-            <a:pPr marL="171450" indent="-171450">
-              <a:buFontTx/>
-              <a:buChar char="-"/>
-            </a:pPr>
             <a:endParaRPr lang="he-IL" dirty="0"/>
           </a:p>
         </p:txBody>
@@ -12203,7 +13131,7 @@
     </p:spTree>
     <p:extLst>
       <p:ext uri="{BB962C8B-B14F-4D97-AF65-F5344CB8AC3E}">
-        <p14:creationId xmlns:p14="http://schemas.microsoft.com/office/powerpoint/2010/main" val="97309096"/>
+        <p14:creationId xmlns:p14="http://schemas.microsoft.com/office/powerpoint/2010/main" val="674513514"/>
       </p:ext>
     </p:extLst>
   </p:cSld>
@@ -12257,44 +13185,7 @@
           <a:bodyPr/>
           <a:lstStyle/>
           <a:p>
-            <a:r>
-              <a:rPr lang="he-IL" dirty="0"/>
-              <a:t>מטרת הפרויקט היא לבנות אלגוריתם </a:t>
-            </a:r>
-            <a:r>
-              <a:rPr lang="en-US" dirty="0"/>
-              <a:t>online</a:t>
-            </a:r>
-            <a:r>
-              <a:rPr lang="he-IL" dirty="0"/>
-              <a:t> לניהול המראות ונחיתות של מטוסים.</a:t>
-            </a:r>
-          </a:p>
-          <a:p>
-            <a:r>
-              <a:rPr lang="he-IL" dirty="0"/>
-              <a:t>בפרויקט זה בנינו אלגוריתם אשר מנהל את שדה התעופה בהתאם לתוכנית יום של אלגוריתם ה-</a:t>
-            </a:r>
-            <a:r>
-              <a:rPr lang="en-US" dirty="0"/>
-              <a:t>offline</a:t>
-            </a:r>
-            <a:r>
-              <a:rPr lang="he-IL" dirty="0"/>
-              <a:t>. זאת, תוך התמודדות עם שינויים ואילוצים בזמן-אמת.</a:t>
-            </a:r>
-          </a:p>
-          <a:p>
-            <a:r>
-              <a:rPr lang="he-IL" dirty="0"/>
-              <a:t>האלגוריתם צריך להחליט האם הוא יכול לרוץ עם ההפרעות שצצו במהלך היום או לבצע תיכנון מחדש ביחס למצב העולם בו הוא נמצא.</a:t>
-            </a:r>
-          </a:p>
-          <a:p>
-            <a:r>
-              <a:rPr lang="he-IL" dirty="0"/>
-              <a:t> </a:t>
-            </a:r>
+            <a:endParaRPr lang="he-IL" dirty="0"/>
           </a:p>
         </p:txBody>
       </p:sp>
@@ -12347,7 +13238,7 @@
     </p:spTree>
     <p:extLst>
       <p:ext uri="{BB962C8B-B14F-4D97-AF65-F5344CB8AC3E}">
-        <p14:creationId xmlns:p14="http://schemas.microsoft.com/office/powerpoint/2010/main" val="3337829285"/>
+        <p14:creationId xmlns:p14="http://schemas.microsoft.com/office/powerpoint/2010/main" val="1564566150"/>
       </p:ext>
     </p:extLst>
   </p:cSld>
@@ -12507,7 +13398,7 @@
           <a:p>
             <a:fld id="{79F52B68-D5BB-4EA1-AA06-AA0F0EB03557}" type="datetime8">
               <a:rPr lang="he-IL" smtClean="0"/>
-              <a:t>09 נובמבר 21</a:t>
+              <a:t>10 נובמבר 21</a:t>
             </a:fld>
             <a:endParaRPr lang="he-IL"/>
           </a:p>
@@ -12713,7 +13604,7 @@
           <a:p>
             <a:fld id="{4630A421-3765-4AFC-82D8-61E7D97E88E2}" type="datetime8">
               <a:rPr lang="he-IL" smtClean="0"/>
-              <a:t>09 נובמבר 21</a:t>
+              <a:t>10 נובמבר 21</a:t>
             </a:fld>
             <a:endParaRPr lang="he-IL"/>
           </a:p>
@@ -12924,7 +13815,7 @@
           <a:p>
             <a:fld id="{1928ACFF-5ACA-4C80-A849-F6D0F72C53A9}" type="datetime8">
               <a:rPr lang="he-IL" smtClean="0"/>
-              <a:t>09 נובמבר 21</a:t>
+              <a:t>10 נובמבר 21</a:t>
             </a:fld>
             <a:endParaRPr lang="he-IL"/>
           </a:p>
@@ -13152,7 +14043,7 @@
           <a:p>
             <a:fld id="{770970AA-6FE6-4A3D-8DF8-9706D5D96A45}" type="datetimeFigureOut">
               <a:rPr lang="he-IL" smtClean="0"/>
-              <a:t>ה'/כסלו/תשפ"ב</a:t>
+              <a:t>ו'/כסלו/תשפ"ב</a:t>
             </a:fld>
             <a:endParaRPr lang="he-IL"/>
           </a:p>
@@ -13374,7 +14265,7 @@
           <a:p>
             <a:fld id="{770970AA-6FE6-4A3D-8DF8-9706D5D96A45}" type="datetimeFigureOut">
               <a:rPr lang="he-IL" smtClean="0"/>
-              <a:t>ה'/כסלו/תשפ"ב</a:t>
+              <a:t>ו'/כסלו/תשפ"ב</a:t>
             </a:fld>
             <a:endParaRPr lang="he-IL"/>
           </a:p>
@@ -13673,7 +14564,7 @@
           <a:p>
             <a:fld id="{770970AA-6FE6-4A3D-8DF8-9706D5D96A45}" type="datetimeFigureOut">
               <a:rPr lang="he-IL" smtClean="0"/>
-              <a:t>ה'/כסלו/תשפ"ב</a:t>
+              <a:t>ו'/כסלו/תשפ"ב</a:t>
             </a:fld>
             <a:endParaRPr lang="he-IL"/>
           </a:p>
@@ -13962,7 +14853,7 @@
           <a:p>
             <a:fld id="{770970AA-6FE6-4A3D-8DF8-9706D5D96A45}" type="datetimeFigureOut">
               <a:rPr lang="he-IL" smtClean="0"/>
-              <a:t>ה'/כסלו/תשפ"ב</a:t>
+              <a:t>ו'/כסלו/תשפ"ב</a:t>
             </a:fld>
             <a:endParaRPr lang="he-IL"/>
           </a:p>
@@ -14398,7 +15289,7 @@
           <a:p>
             <a:fld id="{770970AA-6FE6-4A3D-8DF8-9706D5D96A45}" type="datetimeFigureOut">
               <a:rPr lang="he-IL" smtClean="0"/>
-              <a:t>ה'/כסלו/תשפ"ב</a:t>
+              <a:t>ו'/כסלו/תשפ"ב</a:t>
             </a:fld>
             <a:endParaRPr lang="he-IL"/>
           </a:p>
@@ -14563,7 +15454,7 @@
           <a:p>
             <a:fld id="{770970AA-6FE6-4A3D-8DF8-9706D5D96A45}" type="datetimeFigureOut">
               <a:rPr lang="he-IL" smtClean="0"/>
-              <a:t>ה'/כסלו/תשפ"ב</a:t>
+              <a:t>ו'/כסלו/תשפ"ב</a:t>
             </a:fld>
             <a:endParaRPr lang="he-IL"/>
           </a:p>
@@ -14700,7 +15591,7 @@
           <a:p>
             <a:fld id="{770970AA-6FE6-4A3D-8DF8-9706D5D96A45}" type="datetimeFigureOut">
               <a:rPr lang="he-IL" smtClean="0"/>
-              <a:t>ה'/כסלו/תשפ"ב</a:t>
+              <a:t>ו'/כסלו/תשפ"ב</a:t>
             </a:fld>
             <a:endParaRPr lang="he-IL"/>
           </a:p>
@@ -15035,7 +15926,7 @@
           <a:p>
             <a:fld id="{770970AA-6FE6-4A3D-8DF8-9706D5D96A45}" type="datetimeFigureOut">
               <a:rPr lang="he-IL" smtClean="0"/>
-              <a:t>ה'/כסלו/תשפ"ב</a:t>
+              <a:t>ו'/כסלו/תשפ"ב</a:t>
             </a:fld>
             <a:endParaRPr lang="he-IL"/>
           </a:p>
@@ -15402,7 +16293,7 @@
           <a:p>
             <a:fld id="{770970AA-6FE6-4A3D-8DF8-9706D5D96A45}" type="datetimeFigureOut">
               <a:rPr lang="he-IL" smtClean="0"/>
-              <a:t>ה'/כסלו/תשפ"ב</a:t>
+              <a:t>ו'/כסלו/תשפ"ב</a:t>
             </a:fld>
             <a:endParaRPr lang="he-IL"/>
           </a:p>
@@ -15624,7 +16515,7 @@
           <a:p>
             <a:fld id="{770970AA-6FE6-4A3D-8DF8-9706D5D96A45}" type="datetimeFigureOut">
               <a:rPr lang="he-IL" smtClean="0"/>
-              <a:t>ה'/כסלו/תשפ"ב</a:t>
+              <a:t>ו'/כסלו/תשפ"ב</a:t>
             </a:fld>
             <a:endParaRPr lang="he-IL"/>
           </a:p>
@@ -15856,7 +16747,7 @@
           <a:p>
             <a:fld id="{770970AA-6FE6-4A3D-8DF8-9706D5D96A45}" type="datetimeFigureOut">
               <a:rPr lang="he-IL" smtClean="0"/>
-              <a:t>ה'/כסלו/תשפ"ב</a:t>
+              <a:t>ו'/כסלו/תשפ"ב</a:t>
             </a:fld>
             <a:endParaRPr lang="he-IL"/>
           </a:p>
@@ -16150,7 +17041,7 @@
           <a:p>
             <a:fld id="{B633B74F-7D5F-40B2-99A3-88735BD1578B}" type="datetime8">
               <a:rPr lang="he-IL" smtClean="0"/>
-              <a:t>09 נובמבר 21</a:t>
+              <a:t>10 נובמבר 21</a:t>
             </a:fld>
             <a:endParaRPr lang="he-IL"/>
           </a:p>
@@ -16423,7 +17314,7 @@
           <a:p>
             <a:fld id="{65562B8D-86A8-4454-AA4A-1BEBDBDA192F}" type="datetime8">
               <a:rPr lang="he-IL" smtClean="0"/>
-              <a:t>09 נובמבר 21</a:t>
+              <a:t>10 נובמבר 21</a:t>
             </a:fld>
             <a:endParaRPr lang="he-IL"/>
           </a:p>
@@ -16838,7 +17729,7 @@
           <a:p>
             <a:fld id="{9BB23B68-68DB-45D4-BA8A-E485CD89D92D}" type="datetime8">
               <a:rPr lang="he-IL" smtClean="0"/>
-              <a:t>09 נובמבר 21</a:t>
+              <a:t>10 נובמבר 21</a:t>
             </a:fld>
             <a:endParaRPr lang="he-IL"/>
           </a:p>
@@ -16987,7 +17878,7 @@
           <a:p>
             <a:fld id="{F1F471B7-87D8-4F1F-9E2D-C6A63061FDAF}" type="datetime8">
               <a:rPr lang="he-IL" smtClean="0"/>
-              <a:t>09 נובמבר 21</a:t>
+              <a:t>10 נובמבר 21</a:t>
             </a:fld>
             <a:endParaRPr lang="he-IL"/>
           </a:p>
@@ -17100,7 +17991,7 @@
           <a:p>
             <a:fld id="{1FDAAD0D-E4D3-4002-8D78-AF351A1D3F6C}" type="datetime8">
               <a:rPr lang="he-IL" smtClean="0"/>
-              <a:t>09 נובמבר 21</a:t>
+              <a:t>10 נובמבר 21</a:t>
             </a:fld>
             <a:endParaRPr lang="he-IL"/>
           </a:p>
@@ -17414,7 +18305,7 @@
           <a:p>
             <a:fld id="{70D621F4-9C26-416E-9A11-3CE3612254C3}" type="datetime8">
               <a:rPr lang="he-IL" smtClean="0"/>
-              <a:t>09 נובמבר 21</a:t>
+              <a:t>10 נובמבר 21</a:t>
             </a:fld>
             <a:endParaRPr lang="he-IL"/>
           </a:p>
@@ -17705,7 +18596,7 @@
           <a:p>
             <a:fld id="{6ED9EE37-CB84-467D-A0A3-F81C0AAB9BAF}" type="datetime8">
               <a:rPr lang="he-IL" smtClean="0"/>
-              <a:t>09 נובמבר 21</a:t>
+              <a:t>10 נובמבר 21</a:t>
             </a:fld>
             <a:endParaRPr lang="he-IL"/>
           </a:p>
@@ -17955,7 +18846,7 @@
           <a:p>
             <a:fld id="{1C4278E5-E3C6-4EAD-A696-23D756A692B1}" type="datetime8">
               <a:rPr lang="he-IL" smtClean="0"/>
-              <a:t>09 נובמבר 21</a:t>
+              <a:t>10 נובמבר 21</a:t>
             </a:fld>
             <a:endParaRPr lang="he-IL"/>
           </a:p>
@@ -19062,6 +19953,1681 @@
 <file path=ppt/slides/slide10.xml><?xml version="1.0" encoding="utf-8"?>
 <p:sld xmlns:a="http://schemas.openxmlformats.org/drawingml/2006/main" xmlns:r="http://schemas.openxmlformats.org/officeDocument/2006/relationships" xmlns:p="http://schemas.openxmlformats.org/presentationml/2006/main">
   <p:cSld>
+    <p:spTree>
+      <p:nvGrpSpPr>
+        <p:cNvPr id="1" name=""/>
+        <p:cNvGrpSpPr/>
+        <p:nvPr/>
+      </p:nvGrpSpPr>
+      <p:grpSpPr>
+        <a:xfrm>
+          <a:off x="0" y="0"/>
+          <a:ext cx="0" cy="0"/>
+          <a:chOff x="0" y="0"/>
+          <a:chExt cx="0" cy="0"/>
+        </a:xfrm>
+      </p:grpSpPr>
+      <p:sp>
+        <p:nvSpPr>
+          <p:cNvPr id="2" name="כותרת 1">
+            <a:extLst>
+              <a:ext uri="{FF2B5EF4-FFF2-40B4-BE49-F238E27FC236}">
+                <a16:creationId xmlns:a16="http://schemas.microsoft.com/office/drawing/2014/main" id="{11433E98-96EA-4674-A96F-0E224428F1EB}"/>
+              </a:ext>
+            </a:extLst>
+          </p:cNvPr>
+          <p:cNvSpPr>
+            <a:spLocks noGrp="1"/>
+          </p:cNvSpPr>
+          <p:nvPr>
+            <p:ph type="title"/>
+          </p:nvPr>
+        </p:nvSpPr>
+        <p:spPr>
+          <a:xfrm>
+            <a:off x="838200" y="601027"/>
+            <a:ext cx="10515600" cy="1325563"/>
+          </a:xfrm>
+        </p:spPr>
+        <p:txBody>
+          <a:bodyPr>
+            <a:normAutofit/>
+          </a:bodyPr>
+          <a:lstStyle/>
+          <a:p>
+            <a:pPr algn="ctr"/>
+            <a:r>
+              <a:rPr lang="he-IL" b="1" dirty="0"/>
+              <a:t>אנימציה של מתיחת </a:t>
+            </a:r>
+            <a:r>
+              <a:rPr lang="en-US" b="1" dirty="0"/>
+              <a:t>STN</a:t>
+            </a:r>
+            <a:r>
+              <a:rPr lang="he-IL" b="1" dirty="0"/>
+              <a:t> – כולל הפרעה</a:t>
+            </a:r>
+          </a:p>
+        </p:txBody>
+      </p:sp>
+      <p:pic>
+        <p:nvPicPr>
+          <p:cNvPr id="4" name="תמונה 3" descr="תמונה שמכילה אדם, אישה, צהוב&#10;&#10;התיאור נוצר באופן אוטומטי">
+            <a:extLst>
+              <a:ext uri="{FF2B5EF4-FFF2-40B4-BE49-F238E27FC236}">
+                <a16:creationId xmlns:a16="http://schemas.microsoft.com/office/drawing/2014/main" id="{EDDB7786-76CD-4A8A-A880-EBF494D0C598}"/>
+              </a:ext>
+            </a:extLst>
+          </p:cNvPr>
+          <p:cNvPicPr>
+            <a:picLocks noChangeAspect="1"/>
+          </p:cNvPicPr>
+          <p:nvPr/>
+        </p:nvPicPr>
+        <p:blipFill>
+          <a:blip r:embed="rId3">
+            <a:extLst>
+              <a:ext uri="{28A0092B-C50C-407E-A947-70E740481C1C}">
+                <a14:useLocalDpi xmlns:a14="http://schemas.microsoft.com/office/drawing/2010/main" val="0"/>
+              </a:ext>
+            </a:extLst>
+          </a:blip>
+          <a:stretch>
+            <a:fillRect/>
+          </a:stretch>
+        </p:blipFill>
+        <p:spPr>
+          <a:xfrm>
+            <a:off x="2071424" y="2116336"/>
+            <a:ext cx="1405353" cy="1437141"/>
+          </a:xfrm>
+          <a:prstGeom prst="rect">
+            <a:avLst/>
+          </a:prstGeom>
+        </p:spPr>
+      </p:pic>
+      <p:pic>
+        <p:nvPicPr>
+          <p:cNvPr id="5" name="תמונה 4">
+            <a:extLst>
+              <a:ext uri="{FF2B5EF4-FFF2-40B4-BE49-F238E27FC236}">
+                <a16:creationId xmlns:a16="http://schemas.microsoft.com/office/drawing/2014/main" id="{466F62E2-1907-4989-ADC9-9D03C27B1ABB}"/>
+              </a:ext>
+            </a:extLst>
+          </p:cNvPr>
+          <p:cNvPicPr>
+            <a:picLocks noChangeAspect="1"/>
+          </p:cNvPicPr>
+          <p:nvPr/>
+        </p:nvPicPr>
+        <p:blipFill>
+          <a:blip r:embed="rId4">
+            <a:extLst>
+              <a:ext uri="{28A0092B-C50C-407E-A947-70E740481C1C}">
+                <a14:useLocalDpi xmlns:a14="http://schemas.microsoft.com/office/drawing/2010/main" val="0"/>
+              </a:ext>
+            </a:extLst>
+          </a:blip>
+          <a:stretch>
+            <a:fillRect/>
+          </a:stretch>
+        </p:blipFill>
+        <p:spPr>
+          <a:xfrm>
+            <a:off x="6890762" y="2082743"/>
+            <a:ext cx="1388607" cy="1504325"/>
+          </a:xfrm>
+          <a:prstGeom prst="rect">
+            <a:avLst/>
+          </a:prstGeom>
+        </p:spPr>
+      </p:pic>
+      <p:pic>
+        <p:nvPicPr>
+          <p:cNvPr id="9" name="תמונה 8" descr="תמונה שמכילה טקסט, אלקטרוניקה, תצוגה&#10;&#10;התיאור נוצר באופן אוטומטי">
+            <a:extLst>
+              <a:ext uri="{FF2B5EF4-FFF2-40B4-BE49-F238E27FC236}">
+                <a16:creationId xmlns:a16="http://schemas.microsoft.com/office/drawing/2014/main" id="{9E80280A-0B79-4ECC-A14D-A9AC46D19B45}"/>
+              </a:ext>
+            </a:extLst>
+          </p:cNvPr>
+          <p:cNvPicPr>
+            <a:picLocks noChangeAspect="1"/>
+          </p:cNvPicPr>
+          <p:nvPr/>
+        </p:nvPicPr>
+        <p:blipFill>
+          <a:blip r:embed="rId5">
+            <a:extLst>
+              <a:ext uri="{28A0092B-C50C-407E-A947-70E740481C1C}">
+                <a14:useLocalDpi xmlns:a14="http://schemas.microsoft.com/office/drawing/2010/main" val="0"/>
+              </a:ext>
+            </a:extLst>
+          </a:blip>
+          <a:stretch>
+            <a:fillRect/>
+          </a:stretch>
+        </p:blipFill>
+        <p:spPr>
+          <a:xfrm>
+            <a:off x="4272504" y="2310577"/>
+            <a:ext cx="1822530" cy="1048656"/>
+          </a:xfrm>
+          <a:prstGeom prst="rect">
+            <a:avLst/>
+          </a:prstGeom>
+        </p:spPr>
+      </p:pic>
+      <p:sp>
+        <p:nvSpPr>
+          <p:cNvPr id="8" name="סימן ''אסור'' 7">
+            <a:extLst>
+              <a:ext uri="{FF2B5EF4-FFF2-40B4-BE49-F238E27FC236}">
+                <a16:creationId xmlns:a16="http://schemas.microsoft.com/office/drawing/2014/main" id="{460CA6B1-A0A7-4152-B423-9D68B5DBD4EE}"/>
+              </a:ext>
+            </a:extLst>
+          </p:cNvPr>
+          <p:cNvSpPr/>
+          <p:nvPr/>
+        </p:nvSpPr>
+        <p:spPr>
+          <a:xfrm>
+            <a:off x="4388699" y="2307515"/>
+            <a:ext cx="1102111" cy="1048656"/>
+          </a:xfrm>
+          <a:prstGeom prst="noSmoking">
+            <a:avLst>
+              <a:gd name="adj" fmla="val 8898"/>
+            </a:avLst>
+          </a:prstGeom>
+          <a:solidFill>
+            <a:srgbClr val="FF0000"/>
+          </a:solidFill>
+        </p:spPr>
+        <p:style>
+          <a:lnRef idx="2">
+            <a:schemeClr val="accent1">
+              <a:shade val="50000"/>
+            </a:schemeClr>
+          </a:lnRef>
+          <a:fillRef idx="1">
+            <a:schemeClr val="accent1"/>
+          </a:fillRef>
+          <a:effectRef idx="0">
+            <a:schemeClr val="accent1"/>
+          </a:effectRef>
+          <a:fontRef idx="minor">
+            <a:schemeClr val="lt1"/>
+          </a:fontRef>
+        </p:style>
+        <p:txBody>
+          <a:bodyPr rtlCol="1" anchor="ctr"/>
+          <a:lstStyle/>
+          <a:p>
+            <a:pPr algn="ctr"/>
+            <a:endParaRPr lang="he-IL">
+              <a:solidFill>
+                <a:schemeClr val="tx1"/>
+              </a:solidFill>
+            </a:endParaRPr>
+          </a:p>
+        </p:txBody>
+      </p:sp>
+      <p:pic>
+        <p:nvPicPr>
+          <p:cNvPr id="11" name="תמונה 10">
+            <a:extLst>
+              <a:ext uri="{FF2B5EF4-FFF2-40B4-BE49-F238E27FC236}">
+                <a16:creationId xmlns:a16="http://schemas.microsoft.com/office/drawing/2014/main" id="{F657A408-36A1-422A-8EAD-FCB1709B4656}"/>
+              </a:ext>
+            </a:extLst>
+          </p:cNvPr>
+          <p:cNvPicPr>
+            <a:picLocks noChangeAspect="1"/>
+          </p:cNvPicPr>
+          <p:nvPr/>
+        </p:nvPicPr>
+        <p:blipFill>
+          <a:blip r:embed="rId6"/>
+          <a:stretch>
+            <a:fillRect/>
+          </a:stretch>
+        </p:blipFill>
+        <p:spPr>
+          <a:xfrm>
+            <a:off x="307789" y="3580943"/>
+            <a:ext cx="11574490" cy="3277057"/>
+          </a:xfrm>
+          <a:prstGeom prst="rect">
+            <a:avLst/>
+          </a:prstGeom>
+        </p:spPr>
+      </p:pic>
+    </p:spTree>
+    <p:extLst>
+      <p:ext uri="{BB962C8B-B14F-4D97-AF65-F5344CB8AC3E}">
+        <p14:creationId xmlns:p14="http://schemas.microsoft.com/office/powerpoint/2010/main" val="2525093531"/>
+      </p:ext>
+    </p:extLst>
+  </p:cSld>
+  <p:clrMapOvr>
+    <a:masterClrMapping/>
+  </p:clrMapOvr>
+</p:sld>
+</file>
+
+<file path=ppt/slides/slide11.xml><?xml version="1.0" encoding="utf-8"?>
+<p:sld xmlns:a="http://schemas.openxmlformats.org/drawingml/2006/main" xmlns:r="http://schemas.openxmlformats.org/officeDocument/2006/relationships" xmlns:p="http://schemas.openxmlformats.org/presentationml/2006/main">
+  <p:cSld>
+    <p:spTree>
+      <p:nvGrpSpPr>
+        <p:cNvPr id="1" name=""/>
+        <p:cNvGrpSpPr/>
+        <p:nvPr/>
+      </p:nvGrpSpPr>
+      <p:grpSpPr>
+        <a:xfrm>
+          <a:off x="0" y="0"/>
+          <a:ext cx="0" cy="0"/>
+          <a:chOff x="0" y="0"/>
+          <a:chExt cx="0" cy="0"/>
+        </a:xfrm>
+      </p:grpSpPr>
+      <p:sp>
+        <p:nvSpPr>
+          <p:cNvPr id="2" name="כותרת 1">
+            <a:extLst>
+              <a:ext uri="{FF2B5EF4-FFF2-40B4-BE49-F238E27FC236}">
+                <a16:creationId xmlns:a16="http://schemas.microsoft.com/office/drawing/2014/main" id="{11433E98-96EA-4674-A96F-0E224428F1EB}"/>
+              </a:ext>
+            </a:extLst>
+          </p:cNvPr>
+          <p:cNvSpPr>
+            <a:spLocks noGrp="1"/>
+          </p:cNvSpPr>
+          <p:nvPr>
+            <p:ph type="title"/>
+          </p:nvPr>
+        </p:nvSpPr>
+        <p:spPr>
+          <a:xfrm>
+            <a:off x="838200" y="601027"/>
+            <a:ext cx="10515600" cy="1325563"/>
+          </a:xfrm>
+        </p:spPr>
+        <p:txBody>
+          <a:bodyPr>
+            <a:normAutofit/>
+          </a:bodyPr>
+          <a:lstStyle/>
+          <a:p>
+            <a:pPr algn="ctr"/>
+            <a:r>
+              <a:rPr lang="he-IL" b="1" dirty="0"/>
+              <a:t>אנימציה של מתיחת </a:t>
+            </a:r>
+            <a:r>
+              <a:rPr lang="en-US" b="1" dirty="0"/>
+              <a:t>STN</a:t>
+            </a:r>
+            <a:r>
+              <a:rPr lang="he-IL" b="1" dirty="0"/>
+              <a:t> – כולל הפרעה</a:t>
+            </a:r>
+          </a:p>
+        </p:txBody>
+      </p:sp>
+      <p:pic>
+        <p:nvPicPr>
+          <p:cNvPr id="4" name="תמונה 3" descr="תמונה שמכילה אדם, אישה, צהוב&#10;&#10;התיאור נוצר באופן אוטומטי">
+            <a:extLst>
+              <a:ext uri="{FF2B5EF4-FFF2-40B4-BE49-F238E27FC236}">
+                <a16:creationId xmlns:a16="http://schemas.microsoft.com/office/drawing/2014/main" id="{EDDB7786-76CD-4A8A-A880-EBF494D0C598}"/>
+              </a:ext>
+            </a:extLst>
+          </p:cNvPr>
+          <p:cNvPicPr>
+            <a:picLocks noChangeAspect="1"/>
+          </p:cNvPicPr>
+          <p:nvPr/>
+        </p:nvPicPr>
+        <p:blipFill>
+          <a:blip r:embed="rId3">
+            <a:extLst>
+              <a:ext uri="{28A0092B-C50C-407E-A947-70E740481C1C}">
+                <a14:useLocalDpi xmlns:a14="http://schemas.microsoft.com/office/drawing/2010/main" val="0"/>
+              </a:ext>
+            </a:extLst>
+          </a:blip>
+          <a:stretch>
+            <a:fillRect/>
+          </a:stretch>
+        </p:blipFill>
+        <p:spPr>
+          <a:xfrm>
+            <a:off x="2071424" y="2116336"/>
+            <a:ext cx="1405353" cy="1437141"/>
+          </a:xfrm>
+          <a:prstGeom prst="rect">
+            <a:avLst/>
+          </a:prstGeom>
+        </p:spPr>
+      </p:pic>
+      <p:pic>
+        <p:nvPicPr>
+          <p:cNvPr id="5" name="תמונה 4">
+            <a:extLst>
+              <a:ext uri="{FF2B5EF4-FFF2-40B4-BE49-F238E27FC236}">
+                <a16:creationId xmlns:a16="http://schemas.microsoft.com/office/drawing/2014/main" id="{466F62E2-1907-4989-ADC9-9D03C27B1ABB}"/>
+              </a:ext>
+            </a:extLst>
+          </p:cNvPr>
+          <p:cNvPicPr>
+            <a:picLocks noChangeAspect="1"/>
+          </p:cNvPicPr>
+          <p:nvPr/>
+        </p:nvPicPr>
+        <p:blipFill>
+          <a:blip r:embed="rId4">
+            <a:extLst>
+              <a:ext uri="{28A0092B-C50C-407E-A947-70E740481C1C}">
+                <a14:useLocalDpi xmlns:a14="http://schemas.microsoft.com/office/drawing/2010/main" val="0"/>
+              </a:ext>
+            </a:extLst>
+          </a:blip>
+          <a:stretch>
+            <a:fillRect/>
+          </a:stretch>
+        </p:blipFill>
+        <p:spPr>
+          <a:xfrm>
+            <a:off x="6890762" y="2082743"/>
+            <a:ext cx="1388607" cy="1504325"/>
+          </a:xfrm>
+          <a:prstGeom prst="rect">
+            <a:avLst/>
+          </a:prstGeom>
+        </p:spPr>
+      </p:pic>
+      <p:pic>
+        <p:nvPicPr>
+          <p:cNvPr id="9" name="תמונה 8" descr="תמונה שמכילה טקסט, אלקטרוניקה, תצוגה&#10;&#10;התיאור נוצר באופן אוטומטי">
+            <a:extLst>
+              <a:ext uri="{FF2B5EF4-FFF2-40B4-BE49-F238E27FC236}">
+                <a16:creationId xmlns:a16="http://schemas.microsoft.com/office/drawing/2014/main" id="{9E80280A-0B79-4ECC-A14D-A9AC46D19B45}"/>
+              </a:ext>
+            </a:extLst>
+          </p:cNvPr>
+          <p:cNvPicPr>
+            <a:picLocks noChangeAspect="1"/>
+          </p:cNvPicPr>
+          <p:nvPr/>
+        </p:nvPicPr>
+        <p:blipFill>
+          <a:blip r:embed="rId5">
+            <a:extLst>
+              <a:ext uri="{28A0092B-C50C-407E-A947-70E740481C1C}">
+                <a14:useLocalDpi xmlns:a14="http://schemas.microsoft.com/office/drawing/2010/main" val="0"/>
+              </a:ext>
+            </a:extLst>
+          </a:blip>
+          <a:stretch>
+            <a:fillRect/>
+          </a:stretch>
+        </p:blipFill>
+        <p:spPr>
+          <a:xfrm>
+            <a:off x="4272504" y="2310577"/>
+            <a:ext cx="1822530" cy="1048656"/>
+          </a:xfrm>
+          <a:prstGeom prst="rect">
+            <a:avLst/>
+          </a:prstGeom>
+        </p:spPr>
+      </p:pic>
+      <p:pic>
+        <p:nvPicPr>
+          <p:cNvPr id="10" name="תמונה 9">
+            <a:extLst>
+              <a:ext uri="{FF2B5EF4-FFF2-40B4-BE49-F238E27FC236}">
+                <a16:creationId xmlns:a16="http://schemas.microsoft.com/office/drawing/2014/main" id="{369A488D-4317-4A2E-8977-0F6DC06E2082}"/>
+              </a:ext>
+            </a:extLst>
+          </p:cNvPr>
+          <p:cNvPicPr>
+            <a:picLocks noChangeAspect="1"/>
+          </p:cNvPicPr>
+          <p:nvPr/>
+        </p:nvPicPr>
+        <p:blipFill>
+          <a:blip r:embed="rId6"/>
+          <a:stretch>
+            <a:fillRect/>
+          </a:stretch>
+        </p:blipFill>
+        <p:spPr>
+          <a:xfrm>
+            <a:off x="298262" y="3561890"/>
+            <a:ext cx="11593543" cy="3296110"/>
+          </a:xfrm>
+          <a:prstGeom prst="rect">
+            <a:avLst/>
+          </a:prstGeom>
+        </p:spPr>
+      </p:pic>
+    </p:spTree>
+    <p:extLst>
+      <p:ext uri="{BB962C8B-B14F-4D97-AF65-F5344CB8AC3E}">
+        <p14:creationId xmlns:p14="http://schemas.microsoft.com/office/powerpoint/2010/main" val="483562318"/>
+      </p:ext>
+    </p:extLst>
+  </p:cSld>
+  <p:clrMapOvr>
+    <a:masterClrMapping/>
+  </p:clrMapOvr>
+</p:sld>
+</file>
+
+<file path=ppt/slides/slide12.xml><?xml version="1.0" encoding="utf-8"?>
+<p:sld xmlns:a="http://schemas.openxmlformats.org/drawingml/2006/main" xmlns:r="http://schemas.openxmlformats.org/officeDocument/2006/relationships" xmlns:p="http://schemas.openxmlformats.org/presentationml/2006/main">
+  <p:cSld>
+    <p:spTree>
+      <p:nvGrpSpPr>
+        <p:cNvPr id="1" name=""/>
+        <p:cNvGrpSpPr/>
+        <p:nvPr/>
+      </p:nvGrpSpPr>
+      <p:grpSpPr>
+        <a:xfrm>
+          <a:off x="0" y="0"/>
+          <a:ext cx="0" cy="0"/>
+          <a:chOff x="0" y="0"/>
+          <a:chExt cx="0" cy="0"/>
+        </a:xfrm>
+      </p:grpSpPr>
+      <p:sp>
+        <p:nvSpPr>
+          <p:cNvPr id="2" name="כותרת 1">
+            <a:extLst>
+              <a:ext uri="{FF2B5EF4-FFF2-40B4-BE49-F238E27FC236}">
+                <a16:creationId xmlns:a16="http://schemas.microsoft.com/office/drawing/2014/main" id="{11433E98-96EA-4674-A96F-0E224428F1EB}"/>
+              </a:ext>
+            </a:extLst>
+          </p:cNvPr>
+          <p:cNvSpPr>
+            <a:spLocks noGrp="1"/>
+          </p:cNvSpPr>
+          <p:nvPr>
+            <p:ph type="title"/>
+          </p:nvPr>
+        </p:nvSpPr>
+        <p:spPr>
+          <a:xfrm>
+            <a:off x="838200" y="601027"/>
+            <a:ext cx="10515600" cy="1325563"/>
+          </a:xfrm>
+        </p:spPr>
+        <p:txBody>
+          <a:bodyPr>
+            <a:normAutofit/>
+          </a:bodyPr>
+          <a:lstStyle/>
+          <a:p>
+            <a:pPr algn="ctr"/>
+            <a:r>
+              <a:rPr lang="he-IL" b="1" dirty="0"/>
+              <a:t>אנימציה של מתיחת </a:t>
+            </a:r>
+            <a:r>
+              <a:rPr lang="en-US" b="1" dirty="0"/>
+              <a:t>STN</a:t>
+            </a:r>
+            <a:r>
+              <a:rPr lang="he-IL" b="1" dirty="0"/>
+              <a:t> – כולל הפרעה</a:t>
+            </a:r>
+          </a:p>
+        </p:txBody>
+      </p:sp>
+      <p:pic>
+        <p:nvPicPr>
+          <p:cNvPr id="4" name="תמונה 3" descr="תמונה שמכילה אדם, אישה, צהוב&#10;&#10;התיאור נוצר באופן אוטומטי">
+            <a:extLst>
+              <a:ext uri="{FF2B5EF4-FFF2-40B4-BE49-F238E27FC236}">
+                <a16:creationId xmlns:a16="http://schemas.microsoft.com/office/drawing/2014/main" id="{EDDB7786-76CD-4A8A-A880-EBF494D0C598}"/>
+              </a:ext>
+            </a:extLst>
+          </p:cNvPr>
+          <p:cNvPicPr>
+            <a:picLocks noChangeAspect="1"/>
+          </p:cNvPicPr>
+          <p:nvPr/>
+        </p:nvPicPr>
+        <p:blipFill>
+          <a:blip r:embed="rId3">
+            <a:extLst>
+              <a:ext uri="{28A0092B-C50C-407E-A947-70E740481C1C}">
+                <a14:useLocalDpi xmlns:a14="http://schemas.microsoft.com/office/drawing/2010/main" val="0"/>
+              </a:ext>
+            </a:extLst>
+          </a:blip>
+          <a:stretch>
+            <a:fillRect/>
+          </a:stretch>
+        </p:blipFill>
+        <p:spPr>
+          <a:xfrm>
+            <a:off x="2071424" y="2116336"/>
+            <a:ext cx="1405353" cy="1437141"/>
+          </a:xfrm>
+          <a:prstGeom prst="rect">
+            <a:avLst/>
+          </a:prstGeom>
+        </p:spPr>
+      </p:pic>
+      <p:pic>
+        <p:nvPicPr>
+          <p:cNvPr id="5" name="תמונה 4">
+            <a:extLst>
+              <a:ext uri="{FF2B5EF4-FFF2-40B4-BE49-F238E27FC236}">
+                <a16:creationId xmlns:a16="http://schemas.microsoft.com/office/drawing/2014/main" id="{466F62E2-1907-4989-ADC9-9D03C27B1ABB}"/>
+              </a:ext>
+            </a:extLst>
+          </p:cNvPr>
+          <p:cNvPicPr>
+            <a:picLocks noChangeAspect="1"/>
+          </p:cNvPicPr>
+          <p:nvPr/>
+        </p:nvPicPr>
+        <p:blipFill>
+          <a:blip r:embed="rId4">
+            <a:extLst>
+              <a:ext uri="{28A0092B-C50C-407E-A947-70E740481C1C}">
+                <a14:useLocalDpi xmlns:a14="http://schemas.microsoft.com/office/drawing/2010/main" val="0"/>
+              </a:ext>
+            </a:extLst>
+          </a:blip>
+          <a:stretch>
+            <a:fillRect/>
+          </a:stretch>
+        </p:blipFill>
+        <p:spPr>
+          <a:xfrm>
+            <a:off x="6890762" y="2082743"/>
+            <a:ext cx="1388607" cy="1504325"/>
+          </a:xfrm>
+          <a:prstGeom prst="rect">
+            <a:avLst/>
+          </a:prstGeom>
+        </p:spPr>
+      </p:pic>
+      <p:pic>
+        <p:nvPicPr>
+          <p:cNvPr id="9" name="תמונה 8" descr="תמונה שמכילה טקסט, אלקטרוניקה, תצוגה&#10;&#10;התיאור נוצר באופן אוטומטי">
+            <a:extLst>
+              <a:ext uri="{FF2B5EF4-FFF2-40B4-BE49-F238E27FC236}">
+                <a16:creationId xmlns:a16="http://schemas.microsoft.com/office/drawing/2014/main" id="{9E80280A-0B79-4ECC-A14D-A9AC46D19B45}"/>
+              </a:ext>
+            </a:extLst>
+          </p:cNvPr>
+          <p:cNvPicPr>
+            <a:picLocks noChangeAspect="1"/>
+          </p:cNvPicPr>
+          <p:nvPr/>
+        </p:nvPicPr>
+        <p:blipFill>
+          <a:blip r:embed="rId5">
+            <a:extLst>
+              <a:ext uri="{28A0092B-C50C-407E-A947-70E740481C1C}">
+                <a14:useLocalDpi xmlns:a14="http://schemas.microsoft.com/office/drawing/2010/main" val="0"/>
+              </a:ext>
+            </a:extLst>
+          </a:blip>
+          <a:stretch>
+            <a:fillRect/>
+          </a:stretch>
+        </p:blipFill>
+        <p:spPr>
+          <a:xfrm>
+            <a:off x="4272504" y="2310577"/>
+            <a:ext cx="1822530" cy="1048656"/>
+          </a:xfrm>
+          <a:prstGeom prst="rect">
+            <a:avLst/>
+          </a:prstGeom>
+        </p:spPr>
+      </p:pic>
+      <p:pic>
+        <p:nvPicPr>
+          <p:cNvPr id="7" name="תמונה 6">
+            <a:extLst>
+              <a:ext uri="{FF2B5EF4-FFF2-40B4-BE49-F238E27FC236}">
+                <a16:creationId xmlns:a16="http://schemas.microsoft.com/office/drawing/2014/main" id="{80F7AC35-DEE1-42EB-8571-970EB7CC9B23}"/>
+              </a:ext>
+            </a:extLst>
+          </p:cNvPr>
+          <p:cNvPicPr>
+            <a:picLocks noChangeAspect="1"/>
+          </p:cNvPicPr>
+          <p:nvPr/>
+        </p:nvPicPr>
+        <p:blipFill>
+          <a:blip r:embed="rId6"/>
+          <a:stretch>
+            <a:fillRect/>
+          </a:stretch>
+        </p:blipFill>
+        <p:spPr>
+          <a:xfrm>
+            <a:off x="298262" y="3590469"/>
+            <a:ext cx="11593543" cy="3267531"/>
+          </a:xfrm>
+          <a:prstGeom prst="rect">
+            <a:avLst/>
+          </a:prstGeom>
+        </p:spPr>
+      </p:pic>
+    </p:spTree>
+    <p:extLst>
+      <p:ext uri="{BB962C8B-B14F-4D97-AF65-F5344CB8AC3E}">
+        <p14:creationId xmlns:p14="http://schemas.microsoft.com/office/powerpoint/2010/main" val="3232853718"/>
+      </p:ext>
+    </p:extLst>
+  </p:cSld>
+  <p:clrMapOvr>
+    <a:masterClrMapping/>
+  </p:clrMapOvr>
+</p:sld>
+</file>
+
+<file path=ppt/slides/slide13.xml><?xml version="1.0" encoding="utf-8"?>
+<p:sld xmlns:a="http://schemas.openxmlformats.org/drawingml/2006/main" xmlns:r="http://schemas.openxmlformats.org/officeDocument/2006/relationships" xmlns:p="http://schemas.openxmlformats.org/presentationml/2006/main">
+  <p:cSld>
+    <p:spTree>
+      <p:nvGrpSpPr>
+        <p:cNvPr id="1" name=""/>
+        <p:cNvGrpSpPr/>
+        <p:nvPr/>
+      </p:nvGrpSpPr>
+      <p:grpSpPr>
+        <a:xfrm>
+          <a:off x="0" y="0"/>
+          <a:ext cx="0" cy="0"/>
+          <a:chOff x="0" y="0"/>
+          <a:chExt cx="0" cy="0"/>
+        </a:xfrm>
+      </p:grpSpPr>
+      <p:sp>
+        <p:nvSpPr>
+          <p:cNvPr id="2" name="כותרת 1">
+            <a:extLst>
+              <a:ext uri="{FF2B5EF4-FFF2-40B4-BE49-F238E27FC236}">
+                <a16:creationId xmlns:a16="http://schemas.microsoft.com/office/drawing/2014/main" id="{11433E98-96EA-4674-A96F-0E224428F1EB}"/>
+              </a:ext>
+            </a:extLst>
+          </p:cNvPr>
+          <p:cNvSpPr>
+            <a:spLocks noGrp="1"/>
+          </p:cNvSpPr>
+          <p:nvPr>
+            <p:ph type="title"/>
+          </p:nvPr>
+        </p:nvSpPr>
+        <p:spPr>
+          <a:xfrm>
+            <a:off x="838200" y="601027"/>
+            <a:ext cx="10515600" cy="1325563"/>
+          </a:xfrm>
+        </p:spPr>
+        <p:txBody>
+          <a:bodyPr>
+            <a:normAutofit/>
+          </a:bodyPr>
+          <a:lstStyle/>
+          <a:p>
+            <a:pPr algn="ctr"/>
+            <a:r>
+              <a:rPr lang="he-IL" b="1" dirty="0"/>
+              <a:t>אנימציה של מתיחת </a:t>
+            </a:r>
+            <a:r>
+              <a:rPr lang="en-US" b="1" dirty="0"/>
+              <a:t>STN</a:t>
+            </a:r>
+            <a:r>
+              <a:rPr lang="he-IL" b="1" dirty="0"/>
+              <a:t> – כולל הפרעה</a:t>
+            </a:r>
+          </a:p>
+        </p:txBody>
+      </p:sp>
+      <p:pic>
+        <p:nvPicPr>
+          <p:cNvPr id="4" name="תמונה 3" descr="תמונה שמכילה אדם, אישה, צהוב&#10;&#10;התיאור נוצר באופן אוטומטי">
+            <a:extLst>
+              <a:ext uri="{FF2B5EF4-FFF2-40B4-BE49-F238E27FC236}">
+                <a16:creationId xmlns:a16="http://schemas.microsoft.com/office/drawing/2014/main" id="{EDDB7786-76CD-4A8A-A880-EBF494D0C598}"/>
+              </a:ext>
+            </a:extLst>
+          </p:cNvPr>
+          <p:cNvPicPr>
+            <a:picLocks noChangeAspect="1"/>
+          </p:cNvPicPr>
+          <p:nvPr/>
+        </p:nvPicPr>
+        <p:blipFill>
+          <a:blip r:embed="rId3">
+            <a:extLst>
+              <a:ext uri="{28A0092B-C50C-407E-A947-70E740481C1C}">
+                <a14:useLocalDpi xmlns:a14="http://schemas.microsoft.com/office/drawing/2010/main" val="0"/>
+              </a:ext>
+            </a:extLst>
+          </a:blip>
+          <a:stretch>
+            <a:fillRect/>
+          </a:stretch>
+        </p:blipFill>
+        <p:spPr>
+          <a:xfrm>
+            <a:off x="2071424" y="2116336"/>
+            <a:ext cx="1405353" cy="1437141"/>
+          </a:xfrm>
+          <a:prstGeom prst="rect">
+            <a:avLst/>
+          </a:prstGeom>
+        </p:spPr>
+      </p:pic>
+      <p:pic>
+        <p:nvPicPr>
+          <p:cNvPr id="5" name="תמונה 4">
+            <a:extLst>
+              <a:ext uri="{FF2B5EF4-FFF2-40B4-BE49-F238E27FC236}">
+                <a16:creationId xmlns:a16="http://schemas.microsoft.com/office/drawing/2014/main" id="{466F62E2-1907-4989-ADC9-9D03C27B1ABB}"/>
+              </a:ext>
+            </a:extLst>
+          </p:cNvPr>
+          <p:cNvPicPr>
+            <a:picLocks noChangeAspect="1"/>
+          </p:cNvPicPr>
+          <p:nvPr/>
+        </p:nvPicPr>
+        <p:blipFill>
+          <a:blip r:embed="rId4">
+            <a:extLst>
+              <a:ext uri="{28A0092B-C50C-407E-A947-70E740481C1C}">
+                <a14:useLocalDpi xmlns:a14="http://schemas.microsoft.com/office/drawing/2010/main" val="0"/>
+              </a:ext>
+            </a:extLst>
+          </a:blip>
+          <a:stretch>
+            <a:fillRect/>
+          </a:stretch>
+        </p:blipFill>
+        <p:spPr>
+          <a:xfrm>
+            <a:off x="6890762" y="2082743"/>
+            <a:ext cx="1388607" cy="1504325"/>
+          </a:xfrm>
+          <a:prstGeom prst="rect">
+            <a:avLst/>
+          </a:prstGeom>
+        </p:spPr>
+      </p:pic>
+      <p:pic>
+        <p:nvPicPr>
+          <p:cNvPr id="9" name="תמונה 8" descr="תמונה שמכילה טקסט, אלקטרוניקה, תצוגה&#10;&#10;התיאור נוצר באופן אוטומטי">
+            <a:extLst>
+              <a:ext uri="{FF2B5EF4-FFF2-40B4-BE49-F238E27FC236}">
+                <a16:creationId xmlns:a16="http://schemas.microsoft.com/office/drawing/2014/main" id="{9E80280A-0B79-4ECC-A14D-A9AC46D19B45}"/>
+              </a:ext>
+            </a:extLst>
+          </p:cNvPr>
+          <p:cNvPicPr>
+            <a:picLocks noChangeAspect="1"/>
+          </p:cNvPicPr>
+          <p:nvPr/>
+        </p:nvPicPr>
+        <p:blipFill>
+          <a:blip r:embed="rId5">
+            <a:extLst>
+              <a:ext uri="{28A0092B-C50C-407E-A947-70E740481C1C}">
+                <a14:useLocalDpi xmlns:a14="http://schemas.microsoft.com/office/drawing/2010/main" val="0"/>
+              </a:ext>
+            </a:extLst>
+          </a:blip>
+          <a:stretch>
+            <a:fillRect/>
+          </a:stretch>
+        </p:blipFill>
+        <p:spPr>
+          <a:xfrm>
+            <a:off x="4272504" y="2310577"/>
+            <a:ext cx="1822530" cy="1048656"/>
+          </a:xfrm>
+          <a:prstGeom prst="rect">
+            <a:avLst/>
+          </a:prstGeom>
+        </p:spPr>
+      </p:pic>
+      <p:pic>
+        <p:nvPicPr>
+          <p:cNvPr id="6" name="תמונה 5">
+            <a:extLst>
+              <a:ext uri="{FF2B5EF4-FFF2-40B4-BE49-F238E27FC236}">
+                <a16:creationId xmlns:a16="http://schemas.microsoft.com/office/drawing/2014/main" id="{9B5748B2-30ED-46AE-9DD7-38CD3C29BD26}"/>
+              </a:ext>
+            </a:extLst>
+          </p:cNvPr>
+          <p:cNvPicPr>
+            <a:picLocks noChangeAspect="1"/>
+          </p:cNvPicPr>
+          <p:nvPr/>
+        </p:nvPicPr>
+        <p:blipFill>
+          <a:blip r:embed="rId6"/>
+          <a:stretch>
+            <a:fillRect/>
+          </a:stretch>
+        </p:blipFill>
+        <p:spPr>
+          <a:xfrm>
+            <a:off x="298262" y="3590469"/>
+            <a:ext cx="11593543" cy="3267531"/>
+          </a:xfrm>
+          <a:prstGeom prst="rect">
+            <a:avLst/>
+          </a:prstGeom>
+        </p:spPr>
+      </p:pic>
+    </p:spTree>
+    <p:extLst>
+      <p:ext uri="{BB962C8B-B14F-4D97-AF65-F5344CB8AC3E}">
+        <p14:creationId xmlns:p14="http://schemas.microsoft.com/office/powerpoint/2010/main" val="1155580103"/>
+      </p:ext>
+    </p:extLst>
+  </p:cSld>
+  <p:clrMapOvr>
+    <a:masterClrMapping/>
+  </p:clrMapOvr>
+</p:sld>
+</file>
+
+<file path=ppt/slides/slide14.xml><?xml version="1.0" encoding="utf-8"?>
+<p:sld xmlns:a="http://schemas.openxmlformats.org/drawingml/2006/main" xmlns:r="http://schemas.openxmlformats.org/officeDocument/2006/relationships" xmlns:p="http://schemas.openxmlformats.org/presentationml/2006/main">
+  <p:cSld>
+    <p:spTree>
+      <p:nvGrpSpPr>
+        <p:cNvPr id="1" name=""/>
+        <p:cNvGrpSpPr/>
+        <p:nvPr/>
+      </p:nvGrpSpPr>
+      <p:grpSpPr>
+        <a:xfrm>
+          <a:off x="0" y="0"/>
+          <a:ext cx="0" cy="0"/>
+          <a:chOff x="0" y="0"/>
+          <a:chExt cx="0" cy="0"/>
+        </a:xfrm>
+      </p:grpSpPr>
+      <p:sp>
+        <p:nvSpPr>
+          <p:cNvPr id="2" name="כותרת 1">
+            <a:extLst>
+              <a:ext uri="{FF2B5EF4-FFF2-40B4-BE49-F238E27FC236}">
+                <a16:creationId xmlns:a16="http://schemas.microsoft.com/office/drawing/2014/main" id="{11433E98-96EA-4674-A96F-0E224428F1EB}"/>
+              </a:ext>
+            </a:extLst>
+          </p:cNvPr>
+          <p:cNvSpPr>
+            <a:spLocks noGrp="1"/>
+          </p:cNvSpPr>
+          <p:nvPr>
+            <p:ph type="title"/>
+          </p:nvPr>
+        </p:nvSpPr>
+        <p:spPr>
+          <a:xfrm>
+            <a:off x="838200" y="601027"/>
+            <a:ext cx="10515600" cy="1325563"/>
+          </a:xfrm>
+        </p:spPr>
+        <p:txBody>
+          <a:bodyPr>
+            <a:normAutofit/>
+          </a:bodyPr>
+          <a:lstStyle/>
+          <a:p>
+            <a:pPr algn="ctr"/>
+            <a:r>
+              <a:rPr lang="he-IL" b="1" dirty="0"/>
+              <a:t>אנימציה של מתיחת </a:t>
+            </a:r>
+            <a:r>
+              <a:rPr lang="en-US" b="1" dirty="0"/>
+              <a:t>STN</a:t>
+            </a:r>
+            <a:r>
+              <a:rPr lang="he-IL" b="1" dirty="0"/>
+              <a:t> – כולל הפרעה</a:t>
+            </a:r>
+          </a:p>
+        </p:txBody>
+      </p:sp>
+      <p:pic>
+        <p:nvPicPr>
+          <p:cNvPr id="4" name="תמונה 3" descr="תמונה שמכילה אדם, אישה, צהוב&#10;&#10;התיאור נוצר באופן אוטומטי">
+            <a:extLst>
+              <a:ext uri="{FF2B5EF4-FFF2-40B4-BE49-F238E27FC236}">
+                <a16:creationId xmlns:a16="http://schemas.microsoft.com/office/drawing/2014/main" id="{EDDB7786-76CD-4A8A-A880-EBF494D0C598}"/>
+              </a:ext>
+            </a:extLst>
+          </p:cNvPr>
+          <p:cNvPicPr>
+            <a:picLocks noChangeAspect="1"/>
+          </p:cNvPicPr>
+          <p:nvPr/>
+        </p:nvPicPr>
+        <p:blipFill>
+          <a:blip r:embed="rId3">
+            <a:extLst>
+              <a:ext uri="{28A0092B-C50C-407E-A947-70E740481C1C}">
+                <a14:useLocalDpi xmlns:a14="http://schemas.microsoft.com/office/drawing/2010/main" val="0"/>
+              </a:ext>
+            </a:extLst>
+          </a:blip>
+          <a:stretch>
+            <a:fillRect/>
+          </a:stretch>
+        </p:blipFill>
+        <p:spPr>
+          <a:xfrm>
+            <a:off x="2071424" y="2116336"/>
+            <a:ext cx="1405353" cy="1437141"/>
+          </a:xfrm>
+          <a:prstGeom prst="rect">
+            <a:avLst/>
+          </a:prstGeom>
+        </p:spPr>
+      </p:pic>
+      <p:pic>
+        <p:nvPicPr>
+          <p:cNvPr id="5" name="תמונה 4">
+            <a:extLst>
+              <a:ext uri="{FF2B5EF4-FFF2-40B4-BE49-F238E27FC236}">
+                <a16:creationId xmlns:a16="http://schemas.microsoft.com/office/drawing/2014/main" id="{466F62E2-1907-4989-ADC9-9D03C27B1ABB}"/>
+              </a:ext>
+            </a:extLst>
+          </p:cNvPr>
+          <p:cNvPicPr>
+            <a:picLocks noChangeAspect="1"/>
+          </p:cNvPicPr>
+          <p:nvPr/>
+        </p:nvPicPr>
+        <p:blipFill>
+          <a:blip r:embed="rId4">
+            <a:extLst>
+              <a:ext uri="{28A0092B-C50C-407E-A947-70E740481C1C}">
+                <a14:useLocalDpi xmlns:a14="http://schemas.microsoft.com/office/drawing/2010/main" val="0"/>
+              </a:ext>
+            </a:extLst>
+          </a:blip>
+          <a:stretch>
+            <a:fillRect/>
+          </a:stretch>
+        </p:blipFill>
+        <p:spPr>
+          <a:xfrm>
+            <a:off x="6890762" y="2082743"/>
+            <a:ext cx="1388607" cy="1504325"/>
+          </a:xfrm>
+          <a:prstGeom prst="rect">
+            <a:avLst/>
+          </a:prstGeom>
+        </p:spPr>
+      </p:pic>
+      <p:pic>
+        <p:nvPicPr>
+          <p:cNvPr id="9" name="תמונה 8" descr="תמונה שמכילה טקסט, אלקטרוניקה, תצוגה&#10;&#10;התיאור נוצר באופן אוטומטי">
+            <a:extLst>
+              <a:ext uri="{FF2B5EF4-FFF2-40B4-BE49-F238E27FC236}">
+                <a16:creationId xmlns:a16="http://schemas.microsoft.com/office/drawing/2014/main" id="{9E80280A-0B79-4ECC-A14D-A9AC46D19B45}"/>
+              </a:ext>
+            </a:extLst>
+          </p:cNvPr>
+          <p:cNvPicPr>
+            <a:picLocks noChangeAspect="1"/>
+          </p:cNvPicPr>
+          <p:nvPr/>
+        </p:nvPicPr>
+        <p:blipFill>
+          <a:blip r:embed="rId5">
+            <a:extLst>
+              <a:ext uri="{28A0092B-C50C-407E-A947-70E740481C1C}">
+                <a14:useLocalDpi xmlns:a14="http://schemas.microsoft.com/office/drawing/2010/main" val="0"/>
+              </a:ext>
+            </a:extLst>
+          </a:blip>
+          <a:stretch>
+            <a:fillRect/>
+          </a:stretch>
+        </p:blipFill>
+        <p:spPr>
+          <a:xfrm>
+            <a:off x="4272504" y="2310577"/>
+            <a:ext cx="1822530" cy="1048656"/>
+          </a:xfrm>
+          <a:prstGeom prst="rect">
+            <a:avLst/>
+          </a:prstGeom>
+        </p:spPr>
+      </p:pic>
+      <p:pic>
+        <p:nvPicPr>
+          <p:cNvPr id="7" name="תמונה 6">
+            <a:extLst>
+              <a:ext uri="{FF2B5EF4-FFF2-40B4-BE49-F238E27FC236}">
+                <a16:creationId xmlns:a16="http://schemas.microsoft.com/office/drawing/2014/main" id="{33D4B4BA-5240-494C-AB92-C8D443B15972}"/>
+              </a:ext>
+            </a:extLst>
+          </p:cNvPr>
+          <p:cNvPicPr>
+            <a:picLocks noChangeAspect="1"/>
+          </p:cNvPicPr>
+          <p:nvPr/>
+        </p:nvPicPr>
+        <p:blipFill>
+          <a:blip r:embed="rId6"/>
+          <a:stretch>
+            <a:fillRect/>
+          </a:stretch>
+        </p:blipFill>
+        <p:spPr>
+          <a:xfrm>
+            <a:off x="303025" y="3498768"/>
+            <a:ext cx="11584017" cy="3296110"/>
+          </a:xfrm>
+          <a:prstGeom prst="rect">
+            <a:avLst/>
+          </a:prstGeom>
+        </p:spPr>
+      </p:pic>
+    </p:spTree>
+    <p:extLst>
+      <p:ext uri="{BB962C8B-B14F-4D97-AF65-F5344CB8AC3E}">
+        <p14:creationId xmlns:p14="http://schemas.microsoft.com/office/powerpoint/2010/main" val="3910785500"/>
+      </p:ext>
+    </p:extLst>
+  </p:cSld>
+  <p:clrMapOvr>
+    <a:masterClrMapping/>
+  </p:clrMapOvr>
+</p:sld>
+</file>
+
+<file path=ppt/slides/slide15.xml><?xml version="1.0" encoding="utf-8"?>
+<p:sld xmlns:a="http://schemas.openxmlformats.org/drawingml/2006/main" xmlns:r="http://schemas.openxmlformats.org/officeDocument/2006/relationships" xmlns:p="http://schemas.openxmlformats.org/presentationml/2006/main">
+  <p:cSld>
+    <p:spTree>
+      <p:nvGrpSpPr>
+        <p:cNvPr id="1" name=""/>
+        <p:cNvGrpSpPr/>
+        <p:nvPr/>
+      </p:nvGrpSpPr>
+      <p:grpSpPr>
+        <a:xfrm>
+          <a:off x="0" y="0"/>
+          <a:ext cx="0" cy="0"/>
+          <a:chOff x="0" y="0"/>
+          <a:chExt cx="0" cy="0"/>
+        </a:xfrm>
+      </p:grpSpPr>
+      <p:sp>
+        <p:nvSpPr>
+          <p:cNvPr id="2" name="כותרת 1">
+            <a:extLst>
+              <a:ext uri="{FF2B5EF4-FFF2-40B4-BE49-F238E27FC236}">
+                <a16:creationId xmlns:a16="http://schemas.microsoft.com/office/drawing/2014/main" id="{11433E98-96EA-4674-A96F-0E224428F1EB}"/>
+              </a:ext>
+            </a:extLst>
+          </p:cNvPr>
+          <p:cNvSpPr>
+            <a:spLocks noGrp="1"/>
+          </p:cNvSpPr>
+          <p:nvPr>
+            <p:ph type="title"/>
+          </p:nvPr>
+        </p:nvSpPr>
+        <p:spPr>
+          <a:xfrm>
+            <a:off x="838200" y="601027"/>
+            <a:ext cx="10515600" cy="1325563"/>
+          </a:xfrm>
+        </p:spPr>
+        <p:txBody>
+          <a:bodyPr>
+            <a:normAutofit/>
+          </a:bodyPr>
+          <a:lstStyle/>
+          <a:p>
+            <a:pPr algn="ctr"/>
+            <a:r>
+              <a:rPr lang="en-US" b="1"/>
+              <a:t>Online algorithm</a:t>
+            </a:r>
+            <a:endParaRPr lang="he-IL" b="1" dirty="0"/>
+          </a:p>
+        </p:txBody>
+      </p:sp>
+      <p:sp>
+        <p:nvSpPr>
+          <p:cNvPr id="5" name="תיבת טקסט 4">
+            <a:extLst>
+              <a:ext uri="{FF2B5EF4-FFF2-40B4-BE49-F238E27FC236}">
+                <a16:creationId xmlns:a16="http://schemas.microsoft.com/office/drawing/2014/main" id="{2D447068-664C-450C-9FB6-B8004A0ABB8E}"/>
+              </a:ext>
+            </a:extLst>
+          </p:cNvPr>
+          <p:cNvSpPr txBox="1"/>
+          <p:nvPr/>
+        </p:nvSpPr>
+        <p:spPr>
+          <a:xfrm>
+            <a:off x="195648" y="1643449"/>
+            <a:ext cx="11158152" cy="1754326"/>
+          </a:xfrm>
+          <a:prstGeom prst="rect">
+            <a:avLst/>
+          </a:prstGeom>
+          <a:noFill/>
+        </p:spPr>
+        <p:txBody>
+          <a:bodyPr wrap="square">
+            <a:spAutoFit/>
+          </a:bodyPr>
+          <a:lstStyle/>
+          <a:p>
+            <a:pPr marL="342900" indent="-342900" algn="l" rtl="0">
+              <a:buFont typeface="Arial" panose="020B0604020202020204" pitchFamily="34" charset="0"/>
+              <a:buChar char="•"/>
+            </a:pPr>
+            <a:r>
+              <a:rPr lang="en-US" sz="1800">
+                <a:solidFill>
+                  <a:srgbClr val="002060"/>
+                </a:solidFill>
+              </a:rPr>
+              <a:t>The online planner was implemented using </a:t>
+            </a:r>
+          </a:p>
+          <a:p>
+            <a:pPr marL="800100" lvl="1" indent="-342900" algn="l" rtl="0">
+              <a:buFont typeface="Arial" panose="020B0604020202020204" pitchFamily="34" charset="0"/>
+              <a:buChar char="•"/>
+            </a:pPr>
+            <a:r>
+              <a:rPr lang="en-US">
+                <a:solidFill>
+                  <a:srgbClr val="002060"/>
+                </a:solidFill>
+              </a:rPr>
+              <a:t>Object Orinted programing</a:t>
+            </a:r>
+          </a:p>
+          <a:p>
+            <a:pPr marL="800100" lvl="1" indent="-342900" algn="l" rtl="0">
+              <a:buFont typeface="Arial" panose="020B0604020202020204" pitchFamily="34" charset="0"/>
+              <a:buChar char="•"/>
+            </a:pPr>
+            <a:r>
+              <a:rPr lang="en-US">
+                <a:solidFill>
+                  <a:srgbClr val="002060"/>
+                </a:solidFill>
+              </a:rPr>
+              <a:t>degisn patterns</a:t>
+            </a:r>
+          </a:p>
+          <a:p>
+            <a:pPr marL="800100" lvl="1" indent="-342900" algn="l" rtl="0">
+              <a:buFont typeface="Arial" panose="020B0604020202020204" pitchFamily="34" charset="0"/>
+              <a:buChar char="•"/>
+            </a:pPr>
+            <a:r>
+              <a:rPr lang="en-US">
+                <a:solidFill>
+                  <a:srgbClr val="002060"/>
+                </a:solidFill>
+              </a:rPr>
+              <a:t>algorithem design</a:t>
+            </a:r>
+          </a:p>
+          <a:p>
+            <a:pPr marL="342900" indent="-342900" algn="l" rtl="0">
+              <a:buFont typeface="Arial" panose="020B0604020202020204" pitchFamily="34" charset="0"/>
+              <a:buChar char="•"/>
+            </a:pPr>
+            <a:r>
+              <a:rPr lang="en-US" sz="1800">
+                <a:solidFill>
+                  <a:srgbClr val="002060"/>
+                </a:solidFill>
+              </a:rPr>
+              <a:t>The online planner input is a config file and STN graph.</a:t>
+            </a:r>
+          </a:p>
+          <a:p>
+            <a:pPr marL="342900" indent="-342900" algn="l" rtl="0">
+              <a:buFont typeface="Arial" panose="020B0604020202020204" pitchFamily="34" charset="0"/>
+              <a:buChar char="•"/>
+            </a:pPr>
+            <a:r>
+              <a:rPr lang="en-US" sz="1800">
+                <a:solidFill>
+                  <a:srgbClr val="002060"/>
+                </a:solidFill>
+              </a:rPr>
+              <a:t>The online planner generate a log file as an output.</a:t>
+            </a:r>
+            <a:endParaRPr lang="he-IL" sz="1800" dirty="0">
+              <a:solidFill>
+                <a:srgbClr val="002060"/>
+              </a:solidFill>
+            </a:endParaRPr>
+          </a:p>
+        </p:txBody>
+      </p:sp>
+      <p:pic>
+        <p:nvPicPr>
+          <p:cNvPr id="6" name="תמונה 5">
+            <a:extLst>
+              <a:ext uri="{FF2B5EF4-FFF2-40B4-BE49-F238E27FC236}">
+                <a16:creationId xmlns:a16="http://schemas.microsoft.com/office/drawing/2014/main" id="{DE0B55EE-1776-4375-827D-B8BD98F07137}"/>
+              </a:ext>
+            </a:extLst>
+          </p:cNvPr>
+          <p:cNvPicPr>
+            <a:picLocks noChangeAspect="1"/>
+          </p:cNvPicPr>
+          <p:nvPr/>
+        </p:nvPicPr>
+        <p:blipFill>
+          <a:blip r:embed="rId3"/>
+          <a:stretch>
+            <a:fillRect/>
+          </a:stretch>
+        </p:blipFill>
+        <p:spPr>
+          <a:xfrm>
+            <a:off x="380541" y="3776808"/>
+            <a:ext cx="5044075" cy="2758598"/>
+          </a:xfrm>
+          <a:prstGeom prst="rect">
+            <a:avLst/>
+          </a:prstGeom>
+        </p:spPr>
+      </p:pic>
+      <p:pic>
+        <p:nvPicPr>
+          <p:cNvPr id="7" name="תמונה 6">
+            <a:extLst>
+              <a:ext uri="{FF2B5EF4-FFF2-40B4-BE49-F238E27FC236}">
+                <a16:creationId xmlns:a16="http://schemas.microsoft.com/office/drawing/2014/main" id="{6A8494A5-25E9-43BE-AF71-EAFCFD4BF875}"/>
+              </a:ext>
+            </a:extLst>
+          </p:cNvPr>
+          <p:cNvPicPr>
+            <a:picLocks noChangeAspect="1"/>
+          </p:cNvPicPr>
+          <p:nvPr/>
+        </p:nvPicPr>
+        <p:blipFill>
+          <a:blip r:embed="rId4"/>
+          <a:stretch>
+            <a:fillRect/>
+          </a:stretch>
+        </p:blipFill>
+        <p:spPr>
+          <a:xfrm>
+            <a:off x="6907426" y="4357392"/>
+            <a:ext cx="4067551" cy="857159"/>
+          </a:xfrm>
+          <a:prstGeom prst="rect">
+            <a:avLst/>
+          </a:prstGeom>
+        </p:spPr>
+      </p:pic>
+    </p:spTree>
+    <p:extLst>
+      <p:ext uri="{BB962C8B-B14F-4D97-AF65-F5344CB8AC3E}">
+        <p14:creationId xmlns:p14="http://schemas.microsoft.com/office/powerpoint/2010/main" val="775111121"/>
+      </p:ext>
+    </p:extLst>
+  </p:cSld>
+  <p:clrMapOvr>
+    <a:masterClrMapping/>
+  </p:clrMapOvr>
+</p:sld>
+</file>
+
+<file path=ppt/slides/slide16.xml><?xml version="1.0" encoding="utf-8"?>
+<p:sld xmlns:a="http://schemas.openxmlformats.org/drawingml/2006/main" xmlns:r="http://schemas.openxmlformats.org/officeDocument/2006/relationships" xmlns:p="http://schemas.openxmlformats.org/presentationml/2006/main" show="0">
+  <p:cSld>
+    <p:spTree>
+      <p:nvGrpSpPr>
+        <p:cNvPr id="1" name=""/>
+        <p:cNvGrpSpPr/>
+        <p:nvPr/>
+      </p:nvGrpSpPr>
+      <p:grpSpPr>
+        <a:xfrm>
+          <a:off x="0" y="0"/>
+          <a:ext cx="0" cy="0"/>
+          <a:chOff x="0" y="0"/>
+          <a:chExt cx="0" cy="0"/>
+        </a:xfrm>
+      </p:grpSpPr>
+      <p:sp>
+        <p:nvSpPr>
+          <p:cNvPr id="2" name="כותרת 1">
+            <a:extLst>
+              <a:ext uri="{FF2B5EF4-FFF2-40B4-BE49-F238E27FC236}">
+                <a16:creationId xmlns:a16="http://schemas.microsoft.com/office/drawing/2014/main" id="{B40C3AF8-4F60-436D-88E9-A7B5F651D8D5}"/>
+              </a:ext>
+            </a:extLst>
+          </p:cNvPr>
+          <p:cNvSpPr>
+            <a:spLocks noGrp="1"/>
+          </p:cNvSpPr>
+          <p:nvPr>
+            <p:ph type="title"/>
+          </p:nvPr>
+        </p:nvSpPr>
+        <p:spPr/>
+        <p:txBody>
+          <a:bodyPr>
+            <a:normAutofit/>
+          </a:bodyPr>
+          <a:lstStyle/>
+          <a:p>
+            <a:pPr algn="ctr"/>
+            <a:r>
+              <a:rPr lang="en-US" sz="4400" b="1" dirty="0">
+                <a:solidFill>
+                  <a:srgbClr val="002060"/>
+                </a:solidFill>
+              </a:rPr>
+              <a:t>Background</a:t>
+            </a:r>
+            <a:br>
+              <a:rPr lang="en-US" sz="4400" b="1" dirty="0">
+                <a:solidFill>
+                  <a:srgbClr val="002060"/>
+                </a:solidFill>
+              </a:rPr>
+            </a:br>
+            <a:r>
+              <a:rPr lang="en-US" sz="1800" b="1" dirty="0">
+                <a:solidFill>
+                  <a:srgbClr val="002060"/>
+                </a:solidFill>
+              </a:rPr>
+              <a:t>offline algorithm - output</a:t>
+            </a:r>
+            <a:endParaRPr lang="he-IL" sz="1800" b="1" dirty="0">
+              <a:solidFill>
+                <a:srgbClr val="002060"/>
+              </a:solidFill>
+            </a:endParaRPr>
+          </a:p>
+        </p:txBody>
+      </p:sp>
+      <p:pic>
+        <p:nvPicPr>
+          <p:cNvPr id="6" name="תמונה 5">
+            <a:extLst>
+              <a:ext uri="{FF2B5EF4-FFF2-40B4-BE49-F238E27FC236}">
+                <a16:creationId xmlns:a16="http://schemas.microsoft.com/office/drawing/2014/main" id="{AE2A0379-2AC7-4E01-AD58-F7565B4C2FD4}"/>
+              </a:ext>
+            </a:extLst>
+          </p:cNvPr>
+          <p:cNvPicPr>
+            <a:picLocks noChangeAspect="1"/>
+          </p:cNvPicPr>
+          <p:nvPr/>
+        </p:nvPicPr>
+        <p:blipFill>
+          <a:blip r:embed="rId3"/>
+          <a:stretch>
+            <a:fillRect/>
+          </a:stretch>
+        </p:blipFill>
+        <p:spPr>
+          <a:xfrm>
+            <a:off x="1579146" y="1594885"/>
+            <a:ext cx="9033707" cy="4940522"/>
+          </a:xfrm>
+          <a:prstGeom prst="rect">
+            <a:avLst/>
+          </a:prstGeom>
+        </p:spPr>
+      </p:pic>
+    </p:spTree>
+    <p:extLst>
+      <p:ext uri="{BB962C8B-B14F-4D97-AF65-F5344CB8AC3E}">
+        <p14:creationId xmlns:p14="http://schemas.microsoft.com/office/powerpoint/2010/main" val="1595074511"/>
+      </p:ext>
+    </p:extLst>
+  </p:cSld>
+  <p:clrMapOvr>
+    <a:masterClrMapping/>
+  </p:clrMapOvr>
+</p:sld>
+</file>
+
+<file path=ppt/slides/slide17.xml><?xml version="1.0" encoding="utf-8"?>
+<p:sld xmlns:a="http://schemas.openxmlformats.org/drawingml/2006/main" xmlns:r="http://schemas.openxmlformats.org/officeDocument/2006/relationships" xmlns:p="http://schemas.openxmlformats.org/presentationml/2006/main">
+  <p:cSld>
+    <p:spTree>
+      <p:nvGrpSpPr>
+        <p:cNvPr id="1" name=""/>
+        <p:cNvGrpSpPr/>
+        <p:nvPr/>
+      </p:nvGrpSpPr>
+      <p:grpSpPr>
+        <a:xfrm>
+          <a:off x="0" y="0"/>
+          <a:ext cx="0" cy="0"/>
+          <a:chOff x="0" y="0"/>
+          <a:chExt cx="0" cy="0"/>
+        </a:xfrm>
+      </p:grpSpPr>
+      <p:sp>
+        <p:nvSpPr>
+          <p:cNvPr id="2" name="כותרת 1">
+            <a:extLst>
+              <a:ext uri="{FF2B5EF4-FFF2-40B4-BE49-F238E27FC236}">
+                <a16:creationId xmlns:a16="http://schemas.microsoft.com/office/drawing/2014/main" id="{00BDE5E7-CDBD-4B22-B591-6EF0BF74681B}"/>
+              </a:ext>
+            </a:extLst>
+          </p:cNvPr>
+          <p:cNvSpPr>
+            <a:spLocks noGrp="1"/>
+          </p:cNvSpPr>
+          <p:nvPr>
+            <p:ph type="title"/>
+          </p:nvPr>
+        </p:nvSpPr>
+        <p:spPr/>
+        <p:txBody>
+          <a:bodyPr>
+            <a:normAutofit/>
+          </a:bodyPr>
+          <a:lstStyle/>
+          <a:p>
+            <a:pPr algn="ctr"/>
+            <a:r>
+              <a:rPr lang="en-US" sz="4400" b="1" dirty="0">
+                <a:solidFill>
+                  <a:srgbClr val="002060"/>
+                </a:solidFill>
+              </a:rPr>
+              <a:t>Project Goal</a:t>
+            </a:r>
+            <a:endParaRPr lang="he-IL" sz="4400" b="1" dirty="0">
+              <a:solidFill>
+                <a:srgbClr val="002060"/>
+              </a:solidFill>
+            </a:endParaRPr>
+          </a:p>
+        </p:txBody>
+      </p:sp>
+      <p:sp>
+        <p:nvSpPr>
+          <p:cNvPr id="3" name="מציין מיקום טקסט 2">
+            <a:extLst>
+              <a:ext uri="{FF2B5EF4-FFF2-40B4-BE49-F238E27FC236}">
+                <a16:creationId xmlns:a16="http://schemas.microsoft.com/office/drawing/2014/main" id="{197B225D-5CD6-43D4-B20E-E1451DF24856}"/>
+              </a:ext>
+            </a:extLst>
+          </p:cNvPr>
+          <p:cNvSpPr>
+            <a:spLocks noGrp="1"/>
+          </p:cNvSpPr>
+          <p:nvPr>
+            <p:ph type="body" idx="4294967295"/>
+          </p:nvPr>
+        </p:nvSpPr>
+        <p:spPr>
+          <a:xfrm>
+            <a:off x="666750" y="2001837"/>
+            <a:ext cx="10515600" cy="3435135"/>
+          </a:xfrm>
+        </p:spPr>
+        <p:txBody>
+          <a:bodyPr>
+            <a:noAutofit/>
+          </a:bodyPr>
+          <a:lstStyle/>
+          <a:p>
+            <a:pPr algn="l" rtl="0">
+              <a:lnSpc>
+                <a:spcPct val="150000"/>
+              </a:lnSpc>
+            </a:pPr>
+            <a:r>
+              <a:rPr lang="en-US" sz="2400" b="1" dirty="0">
+                <a:solidFill>
+                  <a:srgbClr val="002060"/>
+                </a:solidFill>
+                <a:cs typeface="Arial" panose="020B0604020202020204" pitchFamily="34" charset="0"/>
+              </a:rPr>
+              <a:t>Creating an online algorithm managing takeoff and landing.</a:t>
+            </a:r>
+          </a:p>
+          <a:p>
+            <a:pPr lvl="1" algn="l" rtl="0">
+              <a:lnSpc>
+                <a:spcPct val="150000"/>
+              </a:lnSpc>
+              <a:buFont typeface="Courier New" panose="02070309020205020404" pitchFamily="49" charset="0"/>
+              <a:buChar char="o"/>
+            </a:pPr>
+            <a:r>
+              <a:rPr lang="en-US" sz="2200" strike="sngStrike" dirty="0">
+                <a:solidFill>
+                  <a:srgbClr val="002060"/>
+                </a:solidFill>
+                <a:cs typeface="Arial" panose="020B0604020202020204" pitchFamily="34" charset="0"/>
+              </a:rPr>
+              <a:t>In our project we build an online algorithm which follow a plan generated by the offline algorithm. </a:t>
+            </a:r>
+            <a:r>
+              <a:rPr lang="en-US" sz="2200" dirty="0">
+                <a:solidFill>
+                  <a:srgbClr val="002060"/>
+                </a:solidFill>
+                <a:cs typeface="Arial" panose="020B0604020202020204" pitchFamily="34" charset="0"/>
+              </a:rPr>
+              <a:t>Our algorithm ran the offline plan w</a:t>
+            </a:r>
+            <a:r>
+              <a:rPr lang="en-US" sz="2200" b="0" i="0" dirty="0">
+                <a:solidFill>
+                  <a:srgbClr val="002060"/>
+                </a:solidFill>
+                <a:effectLst/>
+                <a:cs typeface="Assistant" pitchFamily="2" charset="-79"/>
+              </a:rPr>
+              <a:t>hile</a:t>
+            </a:r>
+            <a:r>
+              <a:rPr lang="en-US" sz="2200" b="0" i="0" dirty="0">
+                <a:solidFill>
+                  <a:srgbClr val="333333"/>
+                </a:solidFill>
+                <a:effectLst/>
+                <a:cs typeface="Assistant" pitchFamily="2" charset="-79"/>
+              </a:rPr>
+              <a:t> </a:t>
+            </a:r>
+            <a:r>
+              <a:rPr lang="en-US" sz="2200" b="0" i="0" dirty="0">
+                <a:solidFill>
+                  <a:srgbClr val="002060"/>
+                </a:solidFill>
+                <a:effectLst/>
+                <a:cs typeface="Assistant" pitchFamily="2" charset="-79"/>
+              </a:rPr>
+              <a:t>dealing with real-time malfunctions and changes.</a:t>
+            </a:r>
+          </a:p>
+          <a:p>
+            <a:pPr lvl="1" algn="l" rtl="0">
+              <a:lnSpc>
+                <a:spcPct val="150000"/>
+              </a:lnSpc>
+              <a:buFont typeface="Courier New" panose="02070309020205020404" pitchFamily="49" charset="0"/>
+              <a:buChar char="o"/>
+            </a:pPr>
+            <a:r>
+              <a:rPr lang="en-US" sz="2200" dirty="0">
+                <a:solidFill>
+                  <a:srgbClr val="002060"/>
+                </a:solidFill>
+                <a:cs typeface="Assistant" pitchFamily="2" charset="-79"/>
+              </a:rPr>
+              <a:t>The algorithm</a:t>
+            </a:r>
+            <a:r>
+              <a:rPr lang="en-US" sz="2200" b="0" i="0" dirty="0">
+                <a:solidFill>
+                  <a:srgbClr val="002060"/>
+                </a:solidFill>
+                <a:effectLst/>
+                <a:cs typeface="Assistant" pitchFamily="2" charset="-79"/>
+              </a:rPr>
+              <a:t> has to decide whether the program can run with the different constraints or whether re-planning is needed.</a:t>
+            </a:r>
+          </a:p>
+        </p:txBody>
+      </p:sp>
+    </p:spTree>
+    <p:extLst>
+      <p:ext uri="{BB962C8B-B14F-4D97-AF65-F5344CB8AC3E}">
+        <p14:creationId xmlns:p14="http://schemas.microsoft.com/office/powerpoint/2010/main" val="4153337668"/>
+      </p:ext>
+    </p:extLst>
+  </p:cSld>
+  <p:clrMapOvr>
+    <a:masterClrMapping/>
+  </p:clrMapOvr>
+</p:sld>
+</file>
+
+<file path=ppt/slides/slide18.xml><?xml version="1.0" encoding="utf-8"?>
+<p:sld xmlns:a="http://schemas.openxmlformats.org/drawingml/2006/main" xmlns:r="http://schemas.openxmlformats.org/officeDocument/2006/relationships" xmlns:p="http://schemas.openxmlformats.org/presentationml/2006/main">
+  <p:cSld>
     <p:bg>
       <p:bgPr>
         <a:solidFill>
@@ -19454,7 +22020,7 @@
 </p:sld>
 </file>
 
-<file path=ppt/slides/slide11.xml><?xml version="1.0" encoding="utf-8"?>
+<file path=ppt/slides/slide19.xml><?xml version="1.0" encoding="utf-8"?>
 <p:sld xmlns:a="http://schemas.openxmlformats.org/drawingml/2006/main" xmlns:r="http://schemas.openxmlformats.org/officeDocument/2006/relationships" xmlns:p="http://schemas.openxmlformats.org/presentationml/2006/main">
   <p:cSld>
     <p:spTree>
@@ -19520,7 +22086,227 @@
 </p:sld>
 </file>
 
-<file path=ppt/slides/slide12.xml><?xml version="1.0" encoding="utf-8"?>
+<file path=ppt/slides/slide2.xml><?xml version="1.0" encoding="utf-8"?>
+<p:sld xmlns:a="http://schemas.openxmlformats.org/drawingml/2006/main" xmlns:r="http://schemas.openxmlformats.org/officeDocument/2006/relationships" xmlns:p="http://schemas.openxmlformats.org/presentationml/2006/main">
+  <p:cSld>
+    <p:spTree>
+      <p:nvGrpSpPr>
+        <p:cNvPr id="1" name=""/>
+        <p:cNvGrpSpPr/>
+        <p:nvPr/>
+      </p:nvGrpSpPr>
+      <p:grpSpPr>
+        <a:xfrm>
+          <a:off x="0" y="0"/>
+          <a:ext cx="0" cy="0"/>
+          <a:chOff x="0" y="0"/>
+          <a:chExt cx="0" cy="0"/>
+        </a:xfrm>
+      </p:grpSpPr>
+      <p:sp>
+        <p:nvSpPr>
+          <p:cNvPr id="2" name="כותרת 1">
+            <a:extLst>
+              <a:ext uri="{FF2B5EF4-FFF2-40B4-BE49-F238E27FC236}">
+                <a16:creationId xmlns:a16="http://schemas.microsoft.com/office/drawing/2014/main" id="{11433E98-96EA-4674-A96F-0E224428F1EB}"/>
+              </a:ext>
+            </a:extLst>
+          </p:cNvPr>
+          <p:cNvSpPr>
+            <a:spLocks noGrp="1"/>
+          </p:cNvSpPr>
+          <p:nvPr>
+            <p:ph type="title"/>
+          </p:nvPr>
+        </p:nvSpPr>
+        <p:spPr/>
+        <p:txBody>
+          <a:bodyPr>
+            <a:normAutofit/>
+          </a:bodyPr>
+          <a:lstStyle/>
+          <a:p>
+            <a:pPr algn="ctr"/>
+            <a:r>
+              <a:rPr lang="en-US" b="1" dirty="0">
+                <a:solidFill>
+                  <a:srgbClr val="002060"/>
+                </a:solidFill>
+              </a:rPr>
+              <a:t>Motivation</a:t>
+            </a:r>
+            <a:endParaRPr lang="he-IL" b="1" dirty="0"/>
+          </a:p>
+        </p:txBody>
+      </p:sp>
+      <p:sp>
+        <p:nvSpPr>
+          <p:cNvPr id="4" name="כותרת משנה 3">
+            <a:extLst>
+              <a:ext uri="{FF2B5EF4-FFF2-40B4-BE49-F238E27FC236}">
+                <a16:creationId xmlns:a16="http://schemas.microsoft.com/office/drawing/2014/main" id="{862AA29A-9D87-4C9D-87B5-CDE841376CCD}"/>
+              </a:ext>
+            </a:extLst>
+          </p:cNvPr>
+          <p:cNvSpPr>
+            <a:spLocks noGrp="1"/>
+          </p:cNvSpPr>
+          <p:nvPr>
+            <p:ph type="subTitle" idx="4294967295"/>
+          </p:nvPr>
+        </p:nvSpPr>
+        <p:spPr>
+          <a:xfrm>
+            <a:off x="838200" y="1690688"/>
+            <a:ext cx="10515600" cy="4053384"/>
+          </a:xfrm>
+        </p:spPr>
+        <p:txBody>
+          <a:bodyPr>
+            <a:normAutofit/>
+          </a:bodyPr>
+          <a:lstStyle/>
+          <a:p>
+            <a:pPr algn="l" rtl="0">
+              <a:lnSpc>
+                <a:spcPct val="150000"/>
+              </a:lnSpc>
+            </a:pPr>
+            <a:r>
+              <a:rPr lang="en-US" sz="2400" dirty="0">
+                <a:solidFill>
+                  <a:srgbClr val="002060"/>
+                </a:solidFill>
+              </a:rPr>
+              <a:t>An Airport has a lot of operations everyday. </a:t>
+            </a:r>
+          </a:p>
+          <a:p>
+            <a:pPr lvl="1" algn="l" rtl="0">
+              <a:lnSpc>
+                <a:spcPct val="150000"/>
+              </a:lnSpc>
+            </a:pPr>
+            <a:r>
+              <a:rPr lang="en-US" dirty="0" err="1">
+                <a:solidFill>
+                  <a:srgbClr val="002060"/>
+                </a:solidFill>
+              </a:rPr>
+              <a:t>Multipale</a:t>
+            </a:r>
+            <a:r>
+              <a:rPr lang="en-US" dirty="0">
+                <a:solidFill>
+                  <a:srgbClr val="002060"/>
+                </a:solidFill>
+              </a:rPr>
+              <a:t> planes that are </a:t>
+            </a:r>
+            <a:r>
+              <a:rPr lang="en-US" dirty="0" err="1">
+                <a:solidFill>
+                  <a:srgbClr val="002060"/>
+                </a:solidFill>
+              </a:rPr>
+              <a:t>simultaniusly</a:t>
+            </a:r>
+            <a:r>
+              <a:rPr lang="en-US" dirty="0">
+                <a:solidFill>
+                  <a:srgbClr val="002060"/>
+                </a:solidFill>
+              </a:rPr>
+              <a:t> take off and land.</a:t>
+            </a:r>
+          </a:p>
+          <a:p>
+            <a:pPr lvl="1" algn="l" rtl="0">
+              <a:lnSpc>
+                <a:spcPct val="150000"/>
+              </a:lnSpc>
+            </a:pPr>
+            <a:r>
+              <a:rPr lang="en-US" dirty="0">
+                <a:solidFill>
+                  <a:srgbClr val="002060"/>
+                </a:solidFill>
+              </a:rPr>
+              <a:t>Operations that depends on other operations.</a:t>
+            </a:r>
+          </a:p>
+          <a:p>
+            <a:pPr lvl="1" algn="l" rtl="0">
+              <a:lnSpc>
+                <a:spcPct val="150000"/>
+              </a:lnSpc>
+            </a:pPr>
+            <a:r>
+              <a:rPr lang="en-US" dirty="0">
+                <a:solidFill>
+                  <a:srgbClr val="002060"/>
+                </a:solidFill>
+              </a:rPr>
+              <a:t>Unexpected problems create conflicts and may change the day plan.</a:t>
+            </a:r>
+            <a:br>
+              <a:rPr lang="en-US" dirty="0">
+                <a:solidFill>
+                  <a:srgbClr val="002060"/>
+                </a:solidFill>
+              </a:rPr>
+            </a:br>
+            <a:endParaRPr lang="en-US" dirty="0">
+              <a:solidFill>
+                <a:srgbClr val="002060"/>
+              </a:solidFill>
+            </a:endParaRPr>
+          </a:p>
+          <a:p>
+            <a:pPr algn="l" rtl="0">
+              <a:lnSpc>
+                <a:spcPct val="150000"/>
+              </a:lnSpc>
+            </a:pPr>
+            <a:r>
+              <a:rPr lang="en-US" sz="2400" dirty="0">
+                <a:solidFill>
+                  <a:srgbClr val="002060"/>
+                </a:solidFill>
+              </a:rPr>
+              <a:t>Airport management is done with a day plan and executing it in </a:t>
+            </a:r>
+            <a:r>
+              <a:rPr lang="en-US" sz="2400" b="1" dirty="0">
+                <a:solidFill>
+                  <a:srgbClr val="002060"/>
+                </a:solidFill>
+              </a:rPr>
+              <a:t>Real time.</a:t>
+            </a:r>
+          </a:p>
+          <a:p>
+            <a:pPr marL="0" indent="0">
+              <a:buNone/>
+            </a:pPr>
+            <a:endParaRPr lang="he-IL" dirty="0"/>
+          </a:p>
+        </p:txBody>
+      </p:sp>
+    </p:spTree>
+    <p:extLst>
+      <p:ext uri="{BB962C8B-B14F-4D97-AF65-F5344CB8AC3E}">
+        <p14:creationId xmlns:p14="http://schemas.microsoft.com/office/powerpoint/2010/main" val="3687218320"/>
+      </p:ext>
+    </p:extLst>
+  </p:cSld>
+  <p:clrMapOvr>
+    <a:masterClrMapping/>
+  </p:clrMapOvr>
+</p:sld>
+</file>
+
+<file path=ppt/slides/slide20.xml><?xml version="1.0" encoding="utf-8"?>
 <p:sld xmlns:a="http://schemas.openxmlformats.org/drawingml/2006/main" xmlns:r="http://schemas.openxmlformats.org/officeDocument/2006/relationships" xmlns:p="http://schemas.openxmlformats.org/presentationml/2006/main">
   <p:cSld>
     <p:spTree>
@@ -19623,7 +22409,7 @@
 </p:sld>
 </file>
 
-<file path=ppt/slides/slide13.xml><?xml version="1.0" encoding="utf-8"?>
+<file path=ppt/slides/slide21.xml><?xml version="1.0" encoding="utf-8"?>
 <p:sld xmlns:a="http://schemas.openxmlformats.org/drawingml/2006/main" xmlns:r="http://schemas.openxmlformats.org/officeDocument/2006/relationships" xmlns:p="http://schemas.openxmlformats.org/presentationml/2006/main">
   <p:cSld>
     <p:bg>
@@ -20034,7 +22820,7 @@
 </p:sld>
 </file>
 
-<file path=ppt/slides/slide14.xml><?xml version="1.0" encoding="utf-8"?>
+<file path=ppt/slides/slide22.xml><?xml version="1.0" encoding="utf-8"?>
 <p:sld xmlns:a="http://schemas.openxmlformats.org/drawingml/2006/main" xmlns:r="http://schemas.openxmlformats.org/officeDocument/2006/relationships" xmlns:p="http://schemas.openxmlformats.org/presentationml/2006/main">
   <p:cSld>
     <p:bg>
@@ -20205,7 +22991,7 @@
 </p:sld>
 </file>
 
-<file path=ppt/slides/slide15.xml><?xml version="1.0" encoding="utf-8"?>
+<file path=ppt/slides/slide23.xml><?xml version="1.0" encoding="utf-8"?>
 <p:sld xmlns:a="http://schemas.openxmlformats.org/drawingml/2006/main" xmlns:r="http://schemas.openxmlformats.org/officeDocument/2006/relationships" xmlns:p="http://schemas.openxmlformats.org/presentationml/2006/main">
   <p:cSld>
     <p:bg>
@@ -20871,7 +23657,7 @@
 </p:sld>
 </file>
 
-<file path=ppt/slides/slide16.xml><?xml version="1.0" encoding="utf-8"?>
+<file path=ppt/slides/slide24.xml><?xml version="1.0" encoding="utf-8"?>
 <p:sld xmlns:a="http://schemas.openxmlformats.org/drawingml/2006/main" xmlns:r="http://schemas.openxmlformats.org/officeDocument/2006/relationships" xmlns:p="http://schemas.openxmlformats.org/presentationml/2006/main">
   <p:cSld>
     <p:spTree>
@@ -21103,7 +23889,7 @@
 </p:sld>
 </file>
 
-<file path=ppt/slides/slide17.xml><?xml version="1.0" encoding="utf-8"?>
+<file path=ppt/slides/slide25.xml><?xml version="1.0" encoding="utf-8"?>
 <p:sld xmlns:a="http://schemas.openxmlformats.org/drawingml/2006/main" xmlns:r="http://schemas.openxmlformats.org/officeDocument/2006/relationships" xmlns:p="http://schemas.openxmlformats.org/presentationml/2006/main">
   <p:cSld>
     <p:spTree>
@@ -21251,7 +24037,7 @@
 </p:sld>
 </file>
 
-<file path=ppt/slides/slide18.xml><?xml version="1.0" encoding="utf-8"?>
+<file path=ppt/slides/slide26.xml><?xml version="1.0" encoding="utf-8"?>
 <p:sld xmlns:a="http://schemas.openxmlformats.org/drawingml/2006/main" xmlns:r="http://schemas.openxmlformats.org/officeDocument/2006/relationships" xmlns:p="http://schemas.openxmlformats.org/presentationml/2006/main">
   <p:cSld>
     <p:spTree>
@@ -21570,7 +24356,7 @@
 </p:sld>
 </file>
 
-<file path=ppt/slides/slide19.xml><?xml version="1.0" encoding="utf-8"?>
+<file path=ppt/slides/slide27.xml><?xml version="1.0" encoding="utf-8"?>
 <p:sld xmlns:a="http://schemas.openxmlformats.org/drawingml/2006/main" xmlns:r="http://schemas.openxmlformats.org/officeDocument/2006/relationships" xmlns:p="http://schemas.openxmlformats.org/presentationml/2006/main">
   <p:cSld>
     <p:spTree>
@@ -21784,227 +24570,7 @@
 </p:sld>
 </file>
 
-<file path=ppt/slides/slide2.xml><?xml version="1.0" encoding="utf-8"?>
-<p:sld xmlns:a="http://schemas.openxmlformats.org/drawingml/2006/main" xmlns:r="http://schemas.openxmlformats.org/officeDocument/2006/relationships" xmlns:p="http://schemas.openxmlformats.org/presentationml/2006/main">
-  <p:cSld>
-    <p:spTree>
-      <p:nvGrpSpPr>
-        <p:cNvPr id="1" name=""/>
-        <p:cNvGrpSpPr/>
-        <p:nvPr/>
-      </p:nvGrpSpPr>
-      <p:grpSpPr>
-        <a:xfrm>
-          <a:off x="0" y="0"/>
-          <a:ext cx="0" cy="0"/>
-          <a:chOff x="0" y="0"/>
-          <a:chExt cx="0" cy="0"/>
-        </a:xfrm>
-      </p:grpSpPr>
-      <p:sp>
-        <p:nvSpPr>
-          <p:cNvPr id="2" name="כותרת 1">
-            <a:extLst>
-              <a:ext uri="{FF2B5EF4-FFF2-40B4-BE49-F238E27FC236}">
-                <a16:creationId xmlns:a16="http://schemas.microsoft.com/office/drawing/2014/main" id="{11433E98-96EA-4674-A96F-0E224428F1EB}"/>
-              </a:ext>
-            </a:extLst>
-          </p:cNvPr>
-          <p:cNvSpPr>
-            <a:spLocks noGrp="1"/>
-          </p:cNvSpPr>
-          <p:nvPr>
-            <p:ph type="title"/>
-          </p:nvPr>
-        </p:nvSpPr>
-        <p:spPr/>
-        <p:txBody>
-          <a:bodyPr>
-            <a:normAutofit/>
-          </a:bodyPr>
-          <a:lstStyle/>
-          <a:p>
-            <a:pPr algn="ctr"/>
-            <a:r>
-              <a:rPr lang="en-US" b="1" dirty="0">
-                <a:solidFill>
-                  <a:srgbClr val="002060"/>
-                </a:solidFill>
-              </a:rPr>
-              <a:t>Motivation</a:t>
-            </a:r>
-            <a:endParaRPr lang="he-IL" b="1" dirty="0"/>
-          </a:p>
-        </p:txBody>
-      </p:sp>
-      <p:sp>
-        <p:nvSpPr>
-          <p:cNvPr id="4" name="כותרת משנה 3">
-            <a:extLst>
-              <a:ext uri="{FF2B5EF4-FFF2-40B4-BE49-F238E27FC236}">
-                <a16:creationId xmlns:a16="http://schemas.microsoft.com/office/drawing/2014/main" id="{862AA29A-9D87-4C9D-87B5-CDE841376CCD}"/>
-              </a:ext>
-            </a:extLst>
-          </p:cNvPr>
-          <p:cNvSpPr>
-            <a:spLocks noGrp="1"/>
-          </p:cNvSpPr>
-          <p:nvPr>
-            <p:ph type="subTitle" idx="4294967295"/>
-          </p:nvPr>
-        </p:nvSpPr>
-        <p:spPr>
-          <a:xfrm>
-            <a:off x="838200" y="1690688"/>
-            <a:ext cx="10515600" cy="4053384"/>
-          </a:xfrm>
-        </p:spPr>
-        <p:txBody>
-          <a:bodyPr>
-            <a:normAutofit/>
-          </a:bodyPr>
-          <a:lstStyle/>
-          <a:p>
-            <a:pPr algn="l" rtl="0">
-              <a:lnSpc>
-                <a:spcPct val="150000"/>
-              </a:lnSpc>
-            </a:pPr>
-            <a:r>
-              <a:rPr lang="en-US" sz="2400" dirty="0">
-                <a:solidFill>
-                  <a:srgbClr val="002060"/>
-                </a:solidFill>
-              </a:rPr>
-              <a:t>An Airport has a lot of operations everyday. </a:t>
-            </a:r>
-          </a:p>
-          <a:p>
-            <a:pPr lvl="1" algn="l" rtl="0">
-              <a:lnSpc>
-                <a:spcPct val="150000"/>
-              </a:lnSpc>
-            </a:pPr>
-            <a:r>
-              <a:rPr lang="en-US" dirty="0" err="1">
-                <a:solidFill>
-                  <a:srgbClr val="002060"/>
-                </a:solidFill>
-              </a:rPr>
-              <a:t>Multipale</a:t>
-            </a:r>
-            <a:r>
-              <a:rPr lang="en-US" dirty="0">
-                <a:solidFill>
-                  <a:srgbClr val="002060"/>
-                </a:solidFill>
-              </a:rPr>
-              <a:t> planes that are </a:t>
-            </a:r>
-            <a:r>
-              <a:rPr lang="en-US" dirty="0" err="1">
-                <a:solidFill>
-                  <a:srgbClr val="002060"/>
-                </a:solidFill>
-              </a:rPr>
-              <a:t>simultaniusly</a:t>
-            </a:r>
-            <a:r>
-              <a:rPr lang="en-US" dirty="0">
-                <a:solidFill>
-                  <a:srgbClr val="002060"/>
-                </a:solidFill>
-              </a:rPr>
-              <a:t> take off and land.</a:t>
-            </a:r>
-          </a:p>
-          <a:p>
-            <a:pPr lvl="1" algn="l" rtl="0">
-              <a:lnSpc>
-                <a:spcPct val="150000"/>
-              </a:lnSpc>
-            </a:pPr>
-            <a:r>
-              <a:rPr lang="en-US" dirty="0">
-                <a:solidFill>
-                  <a:srgbClr val="002060"/>
-                </a:solidFill>
-              </a:rPr>
-              <a:t>Operations that depends on other operations.</a:t>
-            </a:r>
-          </a:p>
-          <a:p>
-            <a:pPr lvl="1" algn="l" rtl="0">
-              <a:lnSpc>
-                <a:spcPct val="150000"/>
-              </a:lnSpc>
-            </a:pPr>
-            <a:r>
-              <a:rPr lang="en-US" dirty="0">
-                <a:solidFill>
-                  <a:srgbClr val="002060"/>
-                </a:solidFill>
-              </a:rPr>
-              <a:t>Unexpected problems create conflicts and may change the day plan.</a:t>
-            </a:r>
-            <a:br>
-              <a:rPr lang="en-US" dirty="0">
-                <a:solidFill>
-                  <a:srgbClr val="002060"/>
-                </a:solidFill>
-              </a:rPr>
-            </a:br>
-            <a:endParaRPr lang="en-US" dirty="0">
-              <a:solidFill>
-                <a:srgbClr val="002060"/>
-              </a:solidFill>
-            </a:endParaRPr>
-          </a:p>
-          <a:p>
-            <a:pPr algn="l" rtl="0">
-              <a:lnSpc>
-                <a:spcPct val="150000"/>
-              </a:lnSpc>
-            </a:pPr>
-            <a:r>
-              <a:rPr lang="en-US" sz="2400" dirty="0">
-                <a:solidFill>
-                  <a:srgbClr val="002060"/>
-                </a:solidFill>
-              </a:rPr>
-              <a:t>Airport management is done with a day plan and executing it in </a:t>
-            </a:r>
-            <a:r>
-              <a:rPr lang="en-US" sz="2400" b="1" dirty="0">
-                <a:solidFill>
-                  <a:srgbClr val="002060"/>
-                </a:solidFill>
-              </a:rPr>
-              <a:t>Real time.</a:t>
-            </a:r>
-          </a:p>
-          <a:p>
-            <a:pPr marL="0" indent="0">
-              <a:buNone/>
-            </a:pPr>
-            <a:endParaRPr lang="he-IL" dirty="0"/>
-          </a:p>
-        </p:txBody>
-      </p:sp>
-    </p:spTree>
-    <p:extLst>
-      <p:ext uri="{BB962C8B-B14F-4D97-AF65-F5344CB8AC3E}">
-        <p14:creationId xmlns:p14="http://schemas.microsoft.com/office/powerpoint/2010/main" val="3687218320"/>
-      </p:ext>
-    </p:extLst>
-  </p:cSld>
-  <p:clrMapOvr>
-    <a:masterClrMapping/>
-  </p:clrMapOvr>
-</p:sld>
-</file>
-
-<file path=ppt/slides/slide20.xml><?xml version="1.0" encoding="utf-8"?>
+<file path=ppt/slides/slide28.xml><?xml version="1.0" encoding="utf-8"?>
 <p:sld xmlns:a="http://schemas.openxmlformats.org/drawingml/2006/main" xmlns:r="http://schemas.openxmlformats.org/officeDocument/2006/relationships" xmlns:p="http://schemas.openxmlformats.org/presentationml/2006/main">
   <p:cSld>
     <p:spTree>
@@ -22142,7 +24708,7 @@
 </p:sld>
 </file>
 
-<file path=ppt/slides/slide21.xml><?xml version="1.0" encoding="utf-8"?>
+<file path=ppt/slides/slide29.xml><?xml version="1.0" encoding="utf-8"?>
 <p:sld xmlns:a="http://schemas.openxmlformats.org/drawingml/2006/main" xmlns:r="http://schemas.openxmlformats.org/officeDocument/2006/relationships" xmlns:p="http://schemas.openxmlformats.org/presentationml/2006/main">
   <p:cSld>
     <p:spTree>
@@ -22451,7 +25017,313 @@
 </p:sld>
 </file>
 
-<file path=ppt/slides/slide22.xml><?xml version="1.0" encoding="utf-8"?>
+<file path=ppt/slides/slide3.xml><?xml version="1.0" encoding="utf-8"?>
+<p:sld xmlns:a="http://schemas.openxmlformats.org/drawingml/2006/main" xmlns:r="http://schemas.openxmlformats.org/officeDocument/2006/relationships" xmlns:p="http://schemas.openxmlformats.org/presentationml/2006/main">
+  <p:cSld>
+    <p:spTree>
+      <p:nvGrpSpPr>
+        <p:cNvPr id="1" name=""/>
+        <p:cNvGrpSpPr/>
+        <p:nvPr/>
+      </p:nvGrpSpPr>
+      <p:grpSpPr>
+        <a:xfrm>
+          <a:off x="0" y="0"/>
+          <a:ext cx="0" cy="0"/>
+          <a:chOff x="0" y="0"/>
+          <a:chExt cx="0" cy="0"/>
+        </a:xfrm>
+      </p:grpSpPr>
+      <p:sp>
+        <p:nvSpPr>
+          <p:cNvPr id="2" name="כותרת 1">
+            <a:extLst>
+              <a:ext uri="{FF2B5EF4-FFF2-40B4-BE49-F238E27FC236}">
+                <a16:creationId xmlns:a16="http://schemas.microsoft.com/office/drawing/2014/main" id="{11433E98-96EA-4674-A96F-0E224428F1EB}"/>
+              </a:ext>
+            </a:extLst>
+          </p:cNvPr>
+          <p:cNvSpPr>
+            <a:spLocks noGrp="1"/>
+          </p:cNvSpPr>
+          <p:nvPr>
+            <p:ph type="title"/>
+          </p:nvPr>
+        </p:nvSpPr>
+        <p:spPr>
+          <a:xfrm>
+            <a:off x="838200" y="601027"/>
+            <a:ext cx="10515600" cy="1325563"/>
+          </a:xfrm>
+        </p:spPr>
+        <p:txBody>
+          <a:bodyPr>
+            <a:normAutofit/>
+          </a:bodyPr>
+          <a:lstStyle/>
+          <a:p>
+            <a:pPr algn="ctr"/>
+            <a:r>
+              <a:rPr lang="en-US" b="1" dirty="0">
+                <a:solidFill>
+                  <a:srgbClr val="002060"/>
+                </a:solidFill>
+              </a:rPr>
+              <a:t>The problem</a:t>
+            </a:r>
+            <a:endParaRPr lang="he-IL" b="1" dirty="0">
+              <a:solidFill>
+                <a:srgbClr val="002060"/>
+              </a:solidFill>
+            </a:endParaRPr>
+          </a:p>
+        </p:txBody>
+      </p:sp>
+      <p:sp>
+        <p:nvSpPr>
+          <p:cNvPr id="3" name="תיבת טקסט 2">
+            <a:extLst>
+              <a:ext uri="{FF2B5EF4-FFF2-40B4-BE49-F238E27FC236}">
+                <a16:creationId xmlns:a16="http://schemas.microsoft.com/office/drawing/2014/main" id="{DF8B983F-BA27-43EE-B9DA-E759494E3462}"/>
+              </a:ext>
+            </a:extLst>
+          </p:cNvPr>
+          <p:cNvSpPr txBox="1"/>
+          <p:nvPr/>
+        </p:nvSpPr>
+        <p:spPr>
+          <a:xfrm>
+            <a:off x="1266824" y="1926590"/>
+            <a:ext cx="9648825" cy="3693319"/>
+          </a:xfrm>
+          <a:prstGeom prst="rect">
+            <a:avLst/>
+          </a:prstGeom>
+          <a:noFill/>
+        </p:spPr>
+        <p:txBody>
+          <a:bodyPr wrap="square" rtlCol="1">
+            <a:spAutoFit/>
+          </a:bodyPr>
+          <a:lstStyle/>
+          <a:p>
+            <a:pPr algn="l" rtl="0">
+              <a:lnSpc>
+                <a:spcPct val="150000"/>
+              </a:lnSpc>
+            </a:pPr>
+            <a:r>
+              <a:rPr lang="en-US" sz="2400" dirty="0">
+                <a:solidFill>
+                  <a:srgbClr val="002060"/>
+                </a:solidFill>
+              </a:rPr>
+              <a:t>Building a day plan and monitoring it in real time is a complex problem.</a:t>
+            </a:r>
+          </a:p>
+          <a:p>
+            <a:pPr algn="l" rtl="0">
+              <a:lnSpc>
+                <a:spcPct val="150000"/>
+              </a:lnSpc>
+            </a:pPr>
+            <a:endParaRPr lang="en-US" sz="2400" dirty="0">
+              <a:solidFill>
+                <a:srgbClr val="002060"/>
+              </a:solidFill>
+            </a:endParaRPr>
+          </a:p>
+          <a:p>
+            <a:pPr algn="l" rtl="0">
+              <a:lnSpc>
+                <a:spcPct val="150000"/>
+              </a:lnSpc>
+            </a:pPr>
+            <a:r>
+              <a:rPr lang="en-US" sz="2400" dirty="0">
+                <a:solidFill>
+                  <a:srgbClr val="002060"/>
+                </a:solidFill>
+              </a:rPr>
+              <a:t>This problem is divided into two:</a:t>
+            </a:r>
+          </a:p>
+          <a:p>
+            <a:pPr marL="457200" indent="-457200" algn="l" rtl="0">
+              <a:lnSpc>
+                <a:spcPct val="150000"/>
+              </a:lnSpc>
+              <a:buAutoNum type="arabicPeriod"/>
+            </a:pPr>
+            <a:r>
+              <a:rPr lang="en-US" sz="2400" dirty="0">
+                <a:solidFill>
+                  <a:srgbClr val="002060"/>
+                </a:solidFill>
+              </a:rPr>
+              <a:t>The offline algorithm - </a:t>
+            </a:r>
+            <a:r>
+              <a:rPr lang="en-US" sz="2400" dirty="0">
+                <a:solidFill>
+                  <a:srgbClr val="002060"/>
+                </a:solidFill>
+                <a:cs typeface="Assistant" pitchFamily="2" charset="-79"/>
+              </a:rPr>
+              <a:t>b</a:t>
+            </a:r>
+            <a:r>
+              <a:rPr lang="en-US" sz="2400" b="0" i="0" dirty="0">
+                <a:solidFill>
+                  <a:srgbClr val="002060"/>
+                </a:solidFill>
+                <a:effectLst/>
+                <a:cs typeface="Assistant" pitchFamily="2" charset="-79"/>
+              </a:rPr>
+              <a:t>uilding a day plan </a:t>
+            </a:r>
+            <a:r>
+              <a:rPr lang="en-US" sz="2400" dirty="0">
+                <a:solidFill>
+                  <a:srgbClr val="002060"/>
+                </a:solidFill>
+                <a:cs typeface="Assistant" pitchFamily="2" charset="-79"/>
+              </a:rPr>
+              <a:t>based on</a:t>
+            </a:r>
+            <a:r>
+              <a:rPr lang="en-US" sz="2400" b="0" i="0" dirty="0">
+                <a:solidFill>
+                  <a:srgbClr val="002060"/>
+                </a:solidFill>
+                <a:effectLst/>
+                <a:cs typeface="Assistant" pitchFamily="2" charset="-79"/>
+              </a:rPr>
+              <a:t> prior knowledge.</a:t>
+            </a:r>
+            <a:endParaRPr lang="en-US" sz="2400" dirty="0">
+              <a:solidFill>
+                <a:srgbClr val="002060"/>
+              </a:solidFill>
+            </a:endParaRPr>
+          </a:p>
+          <a:p>
+            <a:pPr marL="457200" indent="-457200" algn="l" rtl="0">
+              <a:lnSpc>
+                <a:spcPct val="150000"/>
+              </a:lnSpc>
+              <a:buAutoNum type="arabicPeriod"/>
+            </a:pPr>
+            <a:r>
+              <a:rPr lang="en-US" sz="2400" dirty="0">
+                <a:solidFill>
+                  <a:srgbClr val="002060"/>
+                </a:solidFill>
+              </a:rPr>
+              <a:t>The online algorithm - </a:t>
+            </a:r>
+            <a:r>
+              <a:rPr lang="en-US" sz="2400" dirty="0">
+                <a:solidFill>
+                  <a:srgbClr val="002060"/>
+                </a:solidFill>
+                <a:cs typeface="Assistant" pitchFamily="2" charset="-79"/>
+              </a:rPr>
+              <a:t>g</a:t>
+            </a:r>
+            <a:r>
+              <a:rPr lang="en-US" sz="2400" b="0" i="0" dirty="0">
+                <a:solidFill>
+                  <a:srgbClr val="002060"/>
+                </a:solidFill>
+                <a:effectLst/>
+                <a:cs typeface="Assistant" pitchFamily="2" charset="-79"/>
+              </a:rPr>
+              <a:t>iven an existing program</a:t>
+            </a:r>
+            <a:r>
+              <a:rPr lang="en-US" sz="2400" dirty="0">
+                <a:solidFill>
+                  <a:srgbClr val="002060"/>
+                </a:solidFill>
+                <a:cs typeface="Assistant" pitchFamily="2" charset="-79"/>
+              </a:rPr>
+              <a:t>, t</a:t>
+            </a:r>
+            <a:r>
+              <a:rPr lang="en-US" sz="2400" b="0" i="0" dirty="0">
+                <a:solidFill>
+                  <a:srgbClr val="002060"/>
+                </a:solidFill>
+                <a:effectLst/>
+                <a:cs typeface="Assistant" pitchFamily="2" charset="-79"/>
+              </a:rPr>
+              <a:t>racking it </a:t>
+            </a:r>
+            <a:r>
+              <a:rPr lang="en-US" sz="2400" dirty="0">
+                <a:solidFill>
+                  <a:srgbClr val="002060"/>
+                </a:solidFill>
+                <a:cs typeface="Assistant" pitchFamily="2" charset="-79"/>
+              </a:rPr>
+              <a:t>while</a:t>
+            </a:r>
+            <a:r>
+              <a:rPr lang="en-US" sz="2400" b="0" i="0" dirty="0">
+                <a:solidFill>
+                  <a:srgbClr val="002060"/>
+                </a:solidFill>
+                <a:effectLst/>
+                <a:cs typeface="Assistant" pitchFamily="2" charset="-79"/>
+              </a:rPr>
+              <a:t> </a:t>
+            </a:r>
+            <a:r>
+              <a:rPr lang="en-US" sz="2400" dirty="0">
+                <a:solidFill>
+                  <a:srgbClr val="002060"/>
+                </a:solidFill>
+                <a:cs typeface="Assistant" pitchFamily="2" charset="-79"/>
+              </a:rPr>
+              <a:t>keeping</a:t>
+            </a:r>
+            <a:r>
+              <a:rPr lang="en-US" sz="2400" b="0" i="0" dirty="0">
+                <a:solidFill>
+                  <a:srgbClr val="002060"/>
+                </a:solidFill>
+                <a:effectLst/>
+                <a:cs typeface="Assistant" pitchFamily="2" charset="-79"/>
+              </a:rPr>
+              <a:t> the constraints in real time.</a:t>
+            </a:r>
+            <a:endParaRPr lang="en-US" sz="2400" dirty="0">
+              <a:solidFill>
+                <a:srgbClr val="002060"/>
+              </a:solidFill>
+            </a:endParaRPr>
+          </a:p>
+          <a:p>
+            <a:pPr algn="l" rtl="0"/>
+            <a:endParaRPr lang="he-IL" dirty="0"/>
+          </a:p>
+        </p:txBody>
+      </p:sp>
+    </p:spTree>
+    <p:extLst>
+      <p:ext uri="{BB962C8B-B14F-4D97-AF65-F5344CB8AC3E}">
+        <p14:creationId xmlns:p14="http://schemas.microsoft.com/office/powerpoint/2010/main" val="294490900"/>
+      </p:ext>
+    </p:extLst>
+  </p:cSld>
+  <p:clrMapOvr>
+    <a:masterClrMapping/>
+  </p:clrMapOvr>
+</p:sld>
+</file>
+
+<file path=ppt/slides/slide30.xml><?xml version="1.0" encoding="utf-8"?>
 <p:sld xmlns:a="http://schemas.openxmlformats.org/drawingml/2006/main" xmlns:r="http://schemas.openxmlformats.org/officeDocument/2006/relationships" xmlns:p="http://schemas.openxmlformats.org/presentationml/2006/main">
   <p:cSld>
     <p:spTree>
@@ -24066,7 +26938,7 @@
 </p:sld>
 </file>
 
-<file path=ppt/slides/slide23.xml><?xml version="1.0" encoding="utf-8"?>
+<file path=ppt/slides/slide31.xml><?xml version="1.0" encoding="utf-8"?>
 <p:sld xmlns:a="http://schemas.openxmlformats.org/drawingml/2006/main" xmlns:r="http://schemas.openxmlformats.org/officeDocument/2006/relationships" xmlns:p="http://schemas.openxmlformats.org/presentationml/2006/main">
   <p:cSld>
     <p:spTree>
@@ -24259,7 +27131,7 @@
 </p:sld>
 </file>
 
-<file path=ppt/slides/slide24.xml><?xml version="1.0" encoding="utf-8"?>
+<file path=ppt/slides/slide32.xml><?xml version="1.0" encoding="utf-8"?>
 <p:sld xmlns:a="http://schemas.openxmlformats.org/drawingml/2006/main" xmlns:r="http://schemas.openxmlformats.org/officeDocument/2006/relationships" xmlns:p="http://schemas.openxmlformats.org/presentationml/2006/main">
   <p:cSld>
     <p:spTree>
@@ -24440,7 +27312,7 @@
 </p:sld>
 </file>
 
-<file path=ppt/slides/slide25.xml><?xml version="1.0" encoding="utf-8"?>
+<file path=ppt/slides/slide33.xml><?xml version="1.0" encoding="utf-8"?>
 <p:sld xmlns:a="http://schemas.openxmlformats.org/drawingml/2006/main" xmlns:r="http://schemas.openxmlformats.org/officeDocument/2006/relationships" xmlns:p="http://schemas.openxmlformats.org/presentationml/2006/main">
   <p:cSld>
     <p:spTree>
@@ -27032,7 +29904,7 @@
 </p:sld>
 </file>
 
-<file path=ppt/slides/slide26.xml><?xml version="1.0" encoding="utf-8"?>
+<file path=ppt/slides/slide34.xml><?xml version="1.0" encoding="utf-8"?>
 <p:sld xmlns:a="http://schemas.openxmlformats.org/drawingml/2006/main" xmlns:r="http://schemas.openxmlformats.org/officeDocument/2006/relationships" xmlns:p="http://schemas.openxmlformats.org/presentationml/2006/main">
   <p:cSld>
     <p:spTree>
@@ -27412,7 +30284,7 @@
 </p:sld>
 </file>
 
-<file path=ppt/slides/slide27.xml><?xml version="1.0" encoding="utf-8"?>
+<file path=ppt/slides/slide35.xml><?xml version="1.0" encoding="utf-8"?>
 <p:sld xmlns:a="http://schemas.openxmlformats.org/drawingml/2006/main" xmlns:r="http://schemas.openxmlformats.org/officeDocument/2006/relationships" xmlns:p="http://schemas.openxmlformats.org/presentationml/2006/main">
   <p:cSld>
     <p:spTree>
@@ -27582,7 +30454,7 @@
 </p:sld>
 </file>
 
-<file path=ppt/slides/slide28.xml><?xml version="1.0" encoding="utf-8"?>
+<file path=ppt/slides/slide36.xml><?xml version="1.0" encoding="utf-8"?>
 <p:sld xmlns:a="http://schemas.openxmlformats.org/drawingml/2006/main" xmlns:r="http://schemas.openxmlformats.org/officeDocument/2006/relationships" xmlns:p="http://schemas.openxmlformats.org/presentationml/2006/main">
   <p:cSld>
     <p:spTree>
@@ -27670,7 +30542,7 @@
 </p:sld>
 </file>
 
-<file path=ppt/slides/slide29.xml><?xml version="1.0" encoding="utf-8"?>
+<file path=ppt/slides/slide37.xml><?xml version="1.0" encoding="utf-8"?>
 <p:sld xmlns:a="http://schemas.openxmlformats.org/drawingml/2006/main" xmlns:r="http://schemas.openxmlformats.org/officeDocument/2006/relationships" xmlns:p="http://schemas.openxmlformats.org/presentationml/2006/main">
   <p:cSld>
     <p:spTree>
@@ -27758,7 +30630,7 @@
 </p:sld>
 </file>
 
-<file path=ppt/slides/slide3.xml><?xml version="1.0" encoding="utf-8"?>
+<file path=ppt/slides/slide38.xml><?xml version="1.0" encoding="utf-8"?>
 <p:sld xmlns:a="http://schemas.openxmlformats.org/drawingml/2006/main" xmlns:r="http://schemas.openxmlformats.org/officeDocument/2006/relationships" xmlns:p="http://schemas.openxmlformats.org/presentationml/2006/main">
   <p:cSld>
     <p:spTree>
@@ -27780,312 +30652,6 @@
           <p:cNvPr id="2" name="כותרת 1">
             <a:extLst>
               <a:ext uri="{FF2B5EF4-FFF2-40B4-BE49-F238E27FC236}">
-                <a16:creationId xmlns:a16="http://schemas.microsoft.com/office/drawing/2014/main" id="{11433E98-96EA-4674-A96F-0E224428F1EB}"/>
-              </a:ext>
-            </a:extLst>
-          </p:cNvPr>
-          <p:cNvSpPr>
-            <a:spLocks noGrp="1"/>
-          </p:cNvSpPr>
-          <p:nvPr>
-            <p:ph type="title"/>
-          </p:nvPr>
-        </p:nvSpPr>
-        <p:spPr>
-          <a:xfrm>
-            <a:off x="838200" y="601027"/>
-            <a:ext cx="10515600" cy="1325563"/>
-          </a:xfrm>
-        </p:spPr>
-        <p:txBody>
-          <a:bodyPr>
-            <a:normAutofit/>
-          </a:bodyPr>
-          <a:lstStyle/>
-          <a:p>
-            <a:pPr algn="ctr"/>
-            <a:r>
-              <a:rPr lang="en-US" b="1" dirty="0">
-                <a:solidFill>
-                  <a:srgbClr val="002060"/>
-                </a:solidFill>
-              </a:rPr>
-              <a:t>The problem</a:t>
-            </a:r>
-            <a:endParaRPr lang="he-IL" b="1" dirty="0">
-              <a:solidFill>
-                <a:srgbClr val="002060"/>
-              </a:solidFill>
-            </a:endParaRPr>
-          </a:p>
-        </p:txBody>
-      </p:sp>
-      <p:sp>
-        <p:nvSpPr>
-          <p:cNvPr id="3" name="תיבת טקסט 2">
-            <a:extLst>
-              <a:ext uri="{FF2B5EF4-FFF2-40B4-BE49-F238E27FC236}">
-                <a16:creationId xmlns:a16="http://schemas.microsoft.com/office/drawing/2014/main" id="{DF8B983F-BA27-43EE-B9DA-E759494E3462}"/>
-              </a:ext>
-            </a:extLst>
-          </p:cNvPr>
-          <p:cNvSpPr txBox="1"/>
-          <p:nvPr/>
-        </p:nvSpPr>
-        <p:spPr>
-          <a:xfrm>
-            <a:off x="1266824" y="1926590"/>
-            <a:ext cx="9648825" cy="3693319"/>
-          </a:xfrm>
-          <a:prstGeom prst="rect">
-            <a:avLst/>
-          </a:prstGeom>
-          <a:noFill/>
-        </p:spPr>
-        <p:txBody>
-          <a:bodyPr wrap="square" rtlCol="1">
-            <a:spAutoFit/>
-          </a:bodyPr>
-          <a:lstStyle/>
-          <a:p>
-            <a:pPr algn="l" rtl="0">
-              <a:lnSpc>
-                <a:spcPct val="150000"/>
-              </a:lnSpc>
-            </a:pPr>
-            <a:r>
-              <a:rPr lang="en-US" sz="2400" dirty="0">
-                <a:solidFill>
-                  <a:srgbClr val="002060"/>
-                </a:solidFill>
-              </a:rPr>
-              <a:t>Building a day plan and monitoring it in real time is a complex problem.</a:t>
-            </a:r>
-          </a:p>
-          <a:p>
-            <a:pPr algn="l" rtl="0">
-              <a:lnSpc>
-                <a:spcPct val="150000"/>
-              </a:lnSpc>
-            </a:pPr>
-            <a:endParaRPr lang="en-US" sz="2400" dirty="0">
-              <a:solidFill>
-                <a:srgbClr val="002060"/>
-              </a:solidFill>
-            </a:endParaRPr>
-          </a:p>
-          <a:p>
-            <a:pPr algn="l" rtl="0">
-              <a:lnSpc>
-                <a:spcPct val="150000"/>
-              </a:lnSpc>
-            </a:pPr>
-            <a:r>
-              <a:rPr lang="en-US" sz="2400" dirty="0">
-                <a:solidFill>
-                  <a:srgbClr val="002060"/>
-                </a:solidFill>
-              </a:rPr>
-              <a:t>This problem is divided into two:</a:t>
-            </a:r>
-          </a:p>
-          <a:p>
-            <a:pPr marL="457200" indent="-457200" algn="l" rtl="0">
-              <a:lnSpc>
-                <a:spcPct val="150000"/>
-              </a:lnSpc>
-              <a:buAutoNum type="arabicPeriod"/>
-            </a:pPr>
-            <a:r>
-              <a:rPr lang="en-US" sz="2400" dirty="0">
-                <a:solidFill>
-                  <a:srgbClr val="002060"/>
-                </a:solidFill>
-              </a:rPr>
-              <a:t>The offline algorithm - </a:t>
-            </a:r>
-            <a:r>
-              <a:rPr lang="en-US" sz="2400" dirty="0">
-                <a:solidFill>
-                  <a:srgbClr val="002060"/>
-                </a:solidFill>
-                <a:cs typeface="Assistant" pitchFamily="2" charset="-79"/>
-              </a:rPr>
-              <a:t>b</a:t>
-            </a:r>
-            <a:r>
-              <a:rPr lang="en-US" sz="2400" b="0" i="0" dirty="0">
-                <a:solidFill>
-                  <a:srgbClr val="002060"/>
-                </a:solidFill>
-                <a:effectLst/>
-                <a:cs typeface="Assistant" pitchFamily="2" charset="-79"/>
-              </a:rPr>
-              <a:t>uilding a day plan </a:t>
-            </a:r>
-            <a:r>
-              <a:rPr lang="en-US" sz="2400" dirty="0">
-                <a:solidFill>
-                  <a:srgbClr val="002060"/>
-                </a:solidFill>
-                <a:cs typeface="Assistant" pitchFamily="2" charset="-79"/>
-              </a:rPr>
-              <a:t>based on</a:t>
-            </a:r>
-            <a:r>
-              <a:rPr lang="en-US" sz="2400" b="0" i="0" dirty="0">
-                <a:solidFill>
-                  <a:srgbClr val="002060"/>
-                </a:solidFill>
-                <a:effectLst/>
-                <a:cs typeface="Assistant" pitchFamily="2" charset="-79"/>
-              </a:rPr>
-              <a:t> prior knowledge.</a:t>
-            </a:r>
-            <a:endParaRPr lang="en-US" sz="2400" dirty="0">
-              <a:solidFill>
-                <a:srgbClr val="002060"/>
-              </a:solidFill>
-            </a:endParaRPr>
-          </a:p>
-          <a:p>
-            <a:pPr marL="457200" indent="-457200" algn="l" rtl="0">
-              <a:lnSpc>
-                <a:spcPct val="150000"/>
-              </a:lnSpc>
-              <a:buAutoNum type="arabicPeriod"/>
-            </a:pPr>
-            <a:r>
-              <a:rPr lang="en-US" sz="2400" dirty="0">
-                <a:solidFill>
-                  <a:srgbClr val="002060"/>
-                </a:solidFill>
-              </a:rPr>
-              <a:t>The online algorithm - </a:t>
-            </a:r>
-            <a:r>
-              <a:rPr lang="en-US" sz="2400" dirty="0">
-                <a:solidFill>
-                  <a:srgbClr val="002060"/>
-                </a:solidFill>
-                <a:cs typeface="Assistant" pitchFamily="2" charset="-79"/>
-              </a:rPr>
-              <a:t>g</a:t>
-            </a:r>
-            <a:r>
-              <a:rPr lang="en-US" sz="2400" b="0" i="0" dirty="0">
-                <a:solidFill>
-                  <a:srgbClr val="002060"/>
-                </a:solidFill>
-                <a:effectLst/>
-                <a:cs typeface="Assistant" pitchFamily="2" charset="-79"/>
-              </a:rPr>
-              <a:t>iven an existing program</a:t>
-            </a:r>
-            <a:r>
-              <a:rPr lang="en-US" sz="2400" dirty="0">
-                <a:solidFill>
-                  <a:srgbClr val="002060"/>
-                </a:solidFill>
-                <a:cs typeface="Assistant" pitchFamily="2" charset="-79"/>
-              </a:rPr>
-              <a:t>, t</a:t>
-            </a:r>
-            <a:r>
-              <a:rPr lang="en-US" sz="2400" b="0" i="0" dirty="0">
-                <a:solidFill>
-                  <a:srgbClr val="002060"/>
-                </a:solidFill>
-                <a:effectLst/>
-                <a:cs typeface="Assistant" pitchFamily="2" charset="-79"/>
-              </a:rPr>
-              <a:t>racking it </a:t>
-            </a:r>
-            <a:r>
-              <a:rPr lang="en-US" sz="2400" dirty="0">
-                <a:solidFill>
-                  <a:srgbClr val="002060"/>
-                </a:solidFill>
-                <a:cs typeface="Assistant" pitchFamily="2" charset="-79"/>
-              </a:rPr>
-              <a:t>while</a:t>
-            </a:r>
-            <a:r>
-              <a:rPr lang="en-US" sz="2400" b="0" i="0" dirty="0">
-                <a:solidFill>
-                  <a:srgbClr val="002060"/>
-                </a:solidFill>
-                <a:effectLst/>
-                <a:cs typeface="Assistant" pitchFamily="2" charset="-79"/>
-              </a:rPr>
-              <a:t> </a:t>
-            </a:r>
-            <a:r>
-              <a:rPr lang="en-US" sz="2400" dirty="0">
-                <a:solidFill>
-                  <a:srgbClr val="002060"/>
-                </a:solidFill>
-                <a:cs typeface="Assistant" pitchFamily="2" charset="-79"/>
-              </a:rPr>
-              <a:t>keeping</a:t>
-            </a:r>
-            <a:r>
-              <a:rPr lang="en-US" sz="2400" b="0" i="0" dirty="0">
-                <a:solidFill>
-                  <a:srgbClr val="002060"/>
-                </a:solidFill>
-                <a:effectLst/>
-                <a:cs typeface="Assistant" pitchFamily="2" charset="-79"/>
-              </a:rPr>
-              <a:t> the constraints in real time.</a:t>
-            </a:r>
-            <a:endParaRPr lang="en-US" sz="2400" dirty="0">
-              <a:solidFill>
-                <a:srgbClr val="002060"/>
-              </a:solidFill>
-            </a:endParaRPr>
-          </a:p>
-          <a:p>
-            <a:pPr algn="l" rtl="0"/>
-            <a:endParaRPr lang="he-IL" dirty="0"/>
-          </a:p>
-        </p:txBody>
-      </p:sp>
-    </p:spTree>
-    <p:extLst>
-      <p:ext uri="{BB962C8B-B14F-4D97-AF65-F5344CB8AC3E}">
-        <p14:creationId xmlns:p14="http://schemas.microsoft.com/office/powerpoint/2010/main" val="294490900"/>
-      </p:ext>
-    </p:extLst>
-  </p:cSld>
-  <p:clrMapOvr>
-    <a:masterClrMapping/>
-  </p:clrMapOvr>
-</p:sld>
-</file>
-
-<file path=ppt/slides/slide30.xml><?xml version="1.0" encoding="utf-8"?>
-<p:sld xmlns:a="http://schemas.openxmlformats.org/drawingml/2006/main" xmlns:r="http://schemas.openxmlformats.org/officeDocument/2006/relationships" xmlns:p="http://schemas.openxmlformats.org/presentationml/2006/main">
-  <p:cSld>
-    <p:spTree>
-      <p:nvGrpSpPr>
-        <p:cNvPr id="1" name=""/>
-        <p:cNvGrpSpPr/>
-        <p:nvPr/>
-      </p:nvGrpSpPr>
-      <p:grpSpPr>
-        <a:xfrm>
-          <a:off x="0" y="0"/>
-          <a:ext cx="0" cy="0"/>
-          <a:chOff x="0" y="0"/>
-          <a:chExt cx="0" cy="0"/>
-        </a:xfrm>
-      </p:grpSpPr>
-      <p:sp>
-        <p:nvSpPr>
-          <p:cNvPr id="2" name="כותרת 1">
-            <a:extLst>
-              <a:ext uri="{FF2B5EF4-FFF2-40B4-BE49-F238E27FC236}">
                 <a16:creationId xmlns:a16="http://schemas.microsoft.com/office/drawing/2014/main" id="{8A89DB29-573A-4FA8-BC7D-7A78F7A84C6B}"/>
               </a:ext>
             </a:extLst>
@@ -28238,7 +30804,7 @@
 </p:sld>
 </file>
 
-<file path=ppt/slides/slide31.xml><?xml version="1.0" encoding="utf-8"?>
+<file path=ppt/slides/slide39.xml><?xml version="1.0" encoding="utf-8"?>
 <p:sld xmlns:a="http://schemas.openxmlformats.org/drawingml/2006/main" xmlns:r="http://schemas.openxmlformats.org/officeDocument/2006/relationships" xmlns:p="http://schemas.openxmlformats.org/presentationml/2006/main">
   <p:cSld>
     <p:spTree>
@@ -28363,7 +30929,7 @@
           <a:p>
             <a:pPr algn="ctr"/>
             <a:r>
-              <a:rPr lang="en-US" b="1" dirty="0">
+              <a:rPr lang="en-US" b="1">
                 <a:solidFill>
                   <a:srgbClr val="002060"/>
                 </a:solidFill>
@@ -28539,7 +31105,7 @@
           <a:p>
             <a:pPr algn="ctr"/>
             <a:r>
-              <a:rPr lang="en-US" b="1" dirty="0">
+              <a:rPr lang="en-US" b="1">
                 <a:solidFill>
                   <a:srgbClr val="002060"/>
                 </a:solidFill>
@@ -28547,14 +31113,14 @@
               <a:t>Offline algorithm</a:t>
             </a:r>
             <a:br>
-              <a:rPr lang="en-US" sz="4400" b="1" dirty="0">
+              <a:rPr lang="en-US" sz="4400" b="1">
                 <a:solidFill>
                   <a:srgbClr val="002060"/>
                 </a:solidFill>
               </a:rPr>
             </a:br>
             <a:r>
-              <a:rPr lang="en-US" sz="1800" b="1" dirty="0">
+              <a:rPr lang="en-US" sz="1800" b="1">
                 <a:solidFill>
                   <a:srgbClr val="002060"/>
                 </a:solidFill>
@@ -28601,7 +31167,7 @@
               <a:buFont typeface="Arial" panose="020B0604020202020204" pitchFamily="34" charset="0"/>
               <a:buChar char="•"/>
             </a:pPr>
-            <a:endParaRPr lang="he-IL" sz="2000" dirty="0">
+            <a:endParaRPr lang="he-IL" sz="2000">
               <a:solidFill>
                 <a:srgbClr val="002060"/>
               </a:solidFill>
@@ -28614,7 +31180,7 @@
               </a:lnSpc>
             </a:pPr>
             <a:r>
-              <a:rPr lang="en-US" sz="2400" dirty="0">
+              <a:rPr lang="en-US" sz="2400">
                 <a:solidFill>
                   <a:srgbClr val="002060"/>
                 </a:solidFill>
@@ -28629,22 +31195,27 @@
               </a:lnSpc>
             </a:pPr>
             <a:r>
-              <a:rPr lang="en-US" sz="2400" dirty="0">
+              <a:rPr lang="en-US" sz="2400">
                 <a:solidFill>
                   <a:srgbClr val="002060"/>
                 </a:solidFill>
               </a:rPr>
               <a:t>The constrains are represented in data structure called STN graph.</a:t>
             </a:r>
+            <a:endParaRPr lang="en-US" sz="2400" dirty="0">
+              <a:solidFill>
+                <a:srgbClr val="002060"/>
+              </a:solidFill>
+            </a:endParaRPr>
           </a:p>
         </p:txBody>
       </p:sp>
       <p:pic>
         <p:nvPicPr>
-          <p:cNvPr id="5" name="תמונה 4">
+          <p:cNvPr id="6" name="תמונה 5">
             <a:extLst>
               <a:ext uri="{FF2B5EF4-FFF2-40B4-BE49-F238E27FC236}">
-                <a16:creationId xmlns:a16="http://schemas.microsoft.com/office/drawing/2014/main" id="{B8471523-AECE-40E1-B529-AA5B43E3C8F8}"/>
+                <a16:creationId xmlns:a16="http://schemas.microsoft.com/office/drawing/2014/main" id="{880F645F-C6CD-4790-B910-091A31969DA3}"/>
               </a:ext>
             </a:extLst>
           </p:cNvPr>
@@ -28661,8 +31232,8 @@
         </p:blipFill>
         <p:spPr>
           <a:xfrm>
-            <a:off x="1435402" y="4356989"/>
-            <a:ext cx="8646133" cy="1974313"/>
+            <a:off x="212912" y="3908611"/>
+            <a:ext cx="11766175" cy="2353235"/>
           </a:xfrm>
           <a:prstGeom prst="rect">
             <a:avLst/>
@@ -28743,108 +31314,364 @@
           </a:p>
         </p:txBody>
       </p:sp>
-      <p:sp>
-        <p:nvSpPr>
-          <p:cNvPr id="3" name="פרצוף מחייך 2">
+      <p:pic>
+        <p:nvPicPr>
+          <p:cNvPr id="4" name="תמונה 3" descr="תמונה שמכילה אדם, אישה, צהוב&#10;&#10;התיאור נוצר באופן אוטומטי">
             <a:extLst>
               <a:ext uri="{FF2B5EF4-FFF2-40B4-BE49-F238E27FC236}">
-                <a16:creationId xmlns:a16="http://schemas.microsoft.com/office/drawing/2014/main" id="{CE06B7F4-5A73-4FD0-B78D-00411605B81B}"/>
+                <a16:creationId xmlns:a16="http://schemas.microsoft.com/office/drawing/2014/main" id="{EDDB7786-76CD-4A8A-A880-EBF494D0C598}"/>
               </a:ext>
             </a:extLst>
           </p:cNvPr>
-          <p:cNvSpPr/>
+          <p:cNvPicPr>
+            <a:picLocks noChangeAspect="1"/>
+          </p:cNvPicPr>
           <p:nvPr/>
-        </p:nvSpPr>
+        </p:nvPicPr>
+        <p:blipFill>
+          <a:blip r:embed="rId3">
+            <a:extLst>
+              <a:ext uri="{28A0092B-C50C-407E-A947-70E740481C1C}">
+                <a14:useLocalDpi xmlns:a14="http://schemas.microsoft.com/office/drawing/2010/main" val="0"/>
+              </a:ext>
+            </a:extLst>
+          </a:blip>
+          <a:stretch>
+            <a:fillRect/>
+          </a:stretch>
+        </p:blipFill>
         <p:spPr>
           <a:xfrm>
-            <a:off x="1458097" y="2458995"/>
-            <a:ext cx="1136822" cy="970005"/>
+            <a:off x="2071424" y="2116336"/>
+            <a:ext cx="1405353" cy="1437141"/>
           </a:xfrm>
-          <a:prstGeom prst="smileyFace">
+          <a:prstGeom prst="rect">
             <a:avLst/>
           </a:prstGeom>
         </p:spPr>
-        <p:style>
-          <a:lnRef idx="2">
-            <a:schemeClr val="accent1">
-              <a:shade val="50000"/>
-            </a:schemeClr>
-          </a:lnRef>
-          <a:fillRef idx="1">
-            <a:schemeClr val="accent1"/>
-          </a:fillRef>
-          <a:effectRef idx="0">
-            <a:schemeClr val="accent1"/>
-          </a:effectRef>
-          <a:fontRef idx="minor">
-            <a:schemeClr val="lt1"/>
-          </a:fontRef>
-        </p:style>
-        <p:txBody>
-          <a:bodyPr rtlCol="1" anchor="ctr"/>
-          <a:lstStyle/>
-          <a:p>
-            <a:pPr algn="ctr"/>
-            <a:endParaRPr lang="he-IL"/>
-          </a:p>
-        </p:txBody>
-      </p:sp>
-      <p:sp>
-        <p:nvSpPr>
-          <p:cNvPr id="4" name="פרצוף מחייך 3">
+      </p:pic>
+      <p:pic>
+        <p:nvPicPr>
+          <p:cNvPr id="5" name="תמונה 4">
             <a:extLst>
               <a:ext uri="{FF2B5EF4-FFF2-40B4-BE49-F238E27FC236}">
-                <a16:creationId xmlns:a16="http://schemas.microsoft.com/office/drawing/2014/main" id="{1948DAA7-CCDC-4527-8DCD-A4EF065D395A}"/>
+                <a16:creationId xmlns:a16="http://schemas.microsoft.com/office/drawing/2014/main" id="{466F62E2-1907-4989-ADC9-9D03C27B1ABB}"/>
               </a:ext>
             </a:extLst>
           </p:cNvPr>
-          <p:cNvSpPr/>
+          <p:cNvPicPr>
+            <a:picLocks noChangeAspect="1"/>
+          </p:cNvPicPr>
           <p:nvPr/>
-        </p:nvSpPr>
+        </p:nvPicPr>
+        <p:blipFill>
+          <a:blip r:embed="rId4">
+            <a:extLst>
+              <a:ext uri="{28A0092B-C50C-407E-A947-70E740481C1C}">
+                <a14:useLocalDpi xmlns:a14="http://schemas.microsoft.com/office/drawing/2010/main" val="0"/>
+              </a:ext>
+            </a:extLst>
+          </a:blip>
+          <a:stretch>
+            <a:fillRect/>
+          </a:stretch>
+        </p:blipFill>
         <p:spPr>
           <a:xfrm>
-            <a:off x="1458097" y="4534930"/>
-            <a:ext cx="1136822" cy="970005"/>
+            <a:off x="6890762" y="2082743"/>
+            <a:ext cx="1388607" cy="1504325"/>
           </a:xfrm>
-          <a:prstGeom prst="smileyFace">
+          <a:prstGeom prst="rect">
             <a:avLst/>
           </a:prstGeom>
         </p:spPr>
-        <p:style>
-          <a:lnRef idx="2">
-            <a:schemeClr val="accent1">
-              <a:shade val="50000"/>
-            </a:schemeClr>
-          </a:lnRef>
-          <a:fillRef idx="1">
-            <a:schemeClr val="accent1"/>
-          </a:fillRef>
-          <a:effectRef idx="0">
-            <a:schemeClr val="accent1"/>
-          </a:effectRef>
-          <a:fontRef idx="minor">
-            <a:schemeClr val="lt1"/>
-          </a:fontRef>
-        </p:style>
-        <p:txBody>
-          <a:bodyPr rtlCol="1" anchor="ctr"/>
-          <a:lstStyle/>
-          <a:p>
-            <a:pPr algn="ctr"/>
-            <a:endParaRPr lang="he-IL"/>
-          </a:p>
-        </p:txBody>
-      </p:sp>
+      </p:pic>
+      <p:pic>
+        <p:nvPicPr>
+          <p:cNvPr id="9" name="תמונה 8" descr="תמונה שמכילה טקסט, אלקטרוניקה, תצוגה&#10;&#10;התיאור נוצר באופן אוטומטי">
+            <a:extLst>
+              <a:ext uri="{FF2B5EF4-FFF2-40B4-BE49-F238E27FC236}">
+                <a16:creationId xmlns:a16="http://schemas.microsoft.com/office/drawing/2014/main" id="{9E80280A-0B79-4ECC-A14D-A9AC46D19B45}"/>
+              </a:ext>
+            </a:extLst>
+          </p:cNvPr>
+          <p:cNvPicPr>
+            <a:picLocks noChangeAspect="1"/>
+          </p:cNvPicPr>
+          <p:nvPr/>
+        </p:nvPicPr>
+        <p:blipFill>
+          <a:blip r:embed="rId5">
+            <a:extLst>
+              <a:ext uri="{28A0092B-C50C-407E-A947-70E740481C1C}">
+                <a14:useLocalDpi xmlns:a14="http://schemas.microsoft.com/office/drawing/2010/main" val="0"/>
+              </a:ext>
+            </a:extLst>
+          </a:blip>
+          <a:stretch>
+            <a:fillRect/>
+          </a:stretch>
+        </p:blipFill>
+        <p:spPr>
+          <a:xfrm>
+            <a:off x="4272504" y="2310577"/>
+            <a:ext cx="1822530" cy="1048656"/>
+          </a:xfrm>
+          <a:prstGeom prst="rect">
+            <a:avLst/>
+          </a:prstGeom>
+        </p:spPr>
+      </p:pic>
+      <p:pic>
+        <p:nvPicPr>
+          <p:cNvPr id="12" name="תמונה 11">
+            <a:extLst>
+              <a:ext uri="{FF2B5EF4-FFF2-40B4-BE49-F238E27FC236}">
+                <a16:creationId xmlns:a16="http://schemas.microsoft.com/office/drawing/2014/main" id="{34A708CC-6FFC-4D85-891D-5DA72D883CBC}"/>
+              </a:ext>
+            </a:extLst>
+          </p:cNvPr>
+          <p:cNvPicPr>
+            <a:picLocks noChangeAspect="1"/>
+          </p:cNvPicPr>
+          <p:nvPr/>
+        </p:nvPicPr>
+        <p:blipFill>
+          <a:blip r:embed="rId6"/>
+          <a:stretch>
+            <a:fillRect/>
+          </a:stretch>
+        </p:blipFill>
+        <p:spPr>
+          <a:xfrm>
+            <a:off x="298262" y="3571416"/>
+            <a:ext cx="11593543" cy="3286584"/>
+          </a:xfrm>
+          <a:prstGeom prst="rect">
+            <a:avLst/>
+          </a:prstGeom>
+        </p:spPr>
+      </p:pic>
     </p:spTree>
     <p:extLst>
       <p:ext uri="{BB962C8B-B14F-4D97-AF65-F5344CB8AC3E}">
-        <p14:creationId xmlns:p14="http://schemas.microsoft.com/office/powerpoint/2010/main" val="1467167651"/>
+        <p14:creationId xmlns:p14="http://schemas.microsoft.com/office/powerpoint/2010/main" val="2043652774"/>
       </p:ext>
     </p:extLst>
   </p:cSld>
   <p:clrMapOvr>
     <a:masterClrMapping/>
   </p:clrMapOvr>
+  <p:timing>
+    <p:tnLst>
+      <p:par>
+        <p:cTn id="1" dur="indefinite" restart="never" nodeType="tmRoot">
+          <p:childTnLst>
+            <p:seq concurrent="1" nextAc="seek">
+              <p:cTn id="2" dur="indefinite" nodeType="mainSeq">
+                <p:childTnLst>
+                  <p:par>
+                    <p:cTn id="3" fill="hold">
+                      <p:stCondLst>
+                        <p:cond delay="indefinite"/>
+                      </p:stCondLst>
+                      <p:childTnLst>
+                        <p:par>
+                          <p:cTn id="4" fill="hold">
+                            <p:stCondLst>
+                              <p:cond delay="0"/>
+                            </p:stCondLst>
+                            <p:childTnLst>
+                              <p:par>
+                                <p:cTn id="5" presetID="1" presetClass="entr" presetSubtype="0" fill="hold" nodeType="clickEffect">
+                                  <p:stCondLst>
+                                    <p:cond delay="0"/>
+                                  </p:stCondLst>
+                                  <p:childTnLst>
+                                    <p:set>
+                                      <p:cBhvr>
+                                        <p:cTn id="6" dur="1" fill="hold">
+                                          <p:stCondLst>
+                                            <p:cond delay="0"/>
+                                          </p:stCondLst>
+                                        </p:cTn>
+                                        <p:tgtEl>
+                                          <p:spTgt spid="4"/>
+                                        </p:tgtEl>
+                                        <p:attrNameLst>
+                                          <p:attrName>style.visibility</p:attrName>
+                                        </p:attrNameLst>
+                                      </p:cBhvr>
+                                      <p:to>
+                                        <p:strVal val="visible"/>
+                                      </p:to>
+                                    </p:set>
+                                  </p:childTnLst>
+                                </p:cTn>
+                              </p:par>
+                            </p:childTnLst>
+                          </p:cTn>
+                        </p:par>
+                      </p:childTnLst>
+                    </p:cTn>
+                  </p:par>
+                  <p:par>
+                    <p:cTn id="7" fill="hold">
+                      <p:stCondLst>
+                        <p:cond delay="indefinite"/>
+                      </p:stCondLst>
+                      <p:childTnLst>
+                        <p:par>
+                          <p:cTn id="8" fill="hold">
+                            <p:stCondLst>
+                              <p:cond delay="0"/>
+                            </p:stCondLst>
+                            <p:childTnLst>
+                              <p:par>
+                                <p:cTn id="9" presetID="1" presetClass="entr" presetSubtype="0" fill="hold" nodeType="clickEffect">
+                                  <p:stCondLst>
+                                    <p:cond delay="0"/>
+                                  </p:stCondLst>
+                                  <p:childTnLst>
+                                    <p:set>
+                                      <p:cBhvr>
+                                        <p:cTn id="10" dur="1" fill="hold">
+                                          <p:stCondLst>
+                                            <p:cond delay="0"/>
+                                          </p:stCondLst>
+                                        </p:cTn>
+                                        <p:tgtEl>
+                                          <p:spTgt spid="5"/>
+                                        </p:tgtEl>
+                                        <p:attrNameLst>
+                                          <p:attrName>style.visibility</p:attrName>
+                                        </p:attrNameLst>
+                                      </p:cBhvr>
+                                      <p:to>
+                                        <p:strVal val="visible"/>
+                                      </p:to>
+                                    </p:set>
+                                  </p:childTnLst>
+                                </p:cTn>
+                              </p:par>
+                            </p:childTnLst>
+                          </p:cTn>
+                        </p:par>
+                      </p:childTnLst>
+                    </p:cTn>
+                  </p:par>
+                  <p:par>
+                    <p:cTn id="11" fill="hold">
+                      <p:stCondLst>
+                        <p:cond delay="indefinite"/>
+                      </p:stCondLst>
+                      <p:childTnLst>
+                        <p:par>
+                          <p:cTn id="12" fill="hold">
+                            <p:stCondLst>
+                              <p:cond delay="0"/>
+                            </p:stCondLst>
+                            <p:childTnLst>
+                              <p:par>
+                                <p:cTn id="13" presetID="1" presetClass="entr" presetSubtype="0" fill="hold" nodeType="clickEffect">
+                                  <p:stCondLst>
+                                    <p:cond delay="0"/>
+                                  </p:stCondLst>
+                                  <p:childTnLst>
+                                    <p:set>
+                                      <p:cBhvr>
+                                        <p:cTn id="14" dur="1" fill="hold">
+                                          <p:stCondLst>
+                                            <p:cond delay="0"/>
+                                          </p:stCondLst>
+                                        </p:cTn>
+                                        <p:tgtEl>
+                                          <p:spTgt spid="9"/>
+                                        </p:tgtEl>
+                                        <p:attrNameLst>
+                                          <p:attrName>style.visibility</p:attrName>
+                                        </p:attrNameLst>
+                                      </p:cBhvr>
+                                      <p:to>
+                                        <p:strVal val="visible"/>
+                                      </p:to>
+                                    </p:set>
+                                  </p:childTnLst>
+                                </p:cTn>
+                              </p:par>
+                            </p:childTnLst>
+                          </p:cTn>
+                        </p:par>
+                      </p:childTnLst>
+                    </p:cTn>
+                  </p:par>
+                  <p:par>
+                    <p:cTn id="15" fill="hold">
+                      <p:stCondLst>
+                        <p:cond delay="indefinite"/>
+                      </p:stCondLst>
+                      <p:childTnLst>
+                        <p:par>
+                          <p:cTn id="16" fill="hold">
+                            <p:stCondLst>
+                              <p:cond delay="0"/>
+                            </p:stCondLst>
+                            <p:childTnLst>
+                              <p:par>
+                                <p:cTn id="17" presetID="1" presetClass="entr" presetSubtype="0" fill="hold" nodeType="clickEffect">
+                                  <p:stCondLst>
+                                    <p:cond delay="0"/>
+                                  </p:stCondLst>
+                                  <p:childTnLst>
+                                    <p:set>
+                                      <p:cBhvr>
+                                        <p:cTn id="18" dur="1" fill="hold">
+                                          <p:stCondLst>
+                                            <p:cond delay="0"/>
+                                          </p:stCondLst>
+                                        </p:cTn>
+                                        <p:tgtEl>
+                                          <p:spTgt spid="12"/>
+                                        </p:tgtEl>
+                                        <p:attrNameLst>
+                                          <p:attrName>style.visibility</p:attrName>
+                                        </p:attrNameLst>
+                                      </p:cBhvr>
+                                      <p:to>
+                                        <p:strVal val="visible"/>
+                                      </p:to>
+                                    </p:set>
+                                  </p:childTnLst>
+                                </p:cTn>
+                              </p:par>
+                            </p:childTnLst>
+                          </p:cTn>
+                        </p:par>
+                      </p:childTnLst>
+                    </p:cTn>
+                  </p:par>
+                </p:childTnLst>
+              </p:cTn>
+              <p:prevCondLst>
+                <p:cond evt="onPrev" delay="0">
+                  <p:tgtEl>
+                    <p:sldTgt/>
+                  </p:tgtEl>
+                </p:cond>
+              </p:prevCondLst>
+              <p:nextCondLst>
+                <p:cond evt="onNext" delay="0">
+                  <p:tgtEl>
+                    <p:sldTgt/>
+                  </p:tgtEl>
+                </p:cond>
+              </p:nextCondLst>
+            </p:seq>
+          </p:childTnLst>
+        </p:cTn>
+      </p:par>
+    </p:tnLst>
+  </p:timing>
 </p:sld>
 </file>
 
@@ -28895,169 +31722,26 @@
           <a:p>
             <a:pPr algn="ctr"/>
             <a:r>
-              <a:rPr lang="en-US" b="1"/>
-              <a:t>Online algorithm</a:t>
-            </a:r>
-            <a:endParaRPr lang="he-IL" b="1" dirty="0"/>
+              <a:rPr lang="he-IL" b="1" dirty="0"/>
+              <a:t>אנימציה של מתיחת </a:t>
+            </a:r>
+            <a:r>
+              <a:rPr lang="en-US" b="1" dirty="0"/>
+              <a:t>STN</a:t>
+            </a:r>
+            <a:r>
+              <a:rPr lang="he-IL" b="1" dirty="0"/>
+              <a:t> – כולל הפרעה</a:t>
+            </a:r>
           </a:p>
         </p:txBody>
       </p:sp>
-      <p:sp>
-        <p:nvSpPr>
-          <p:cNvPr id="5" name="תיבת טקסט 4">
+      <p:pic>
+        <p:nvPicPr>
+          <p:cNvPr id="4" name="תמונה 3" descr="תמונה שמכילה אדם, אישה, צהוב&#10;&#10;התיאור נוצר באופן אוטומטי">
             <a:extLst>
               <a:ext uri="{FF2B5EF4-FFF2-40B4-BE49-F238E27FC236}">
-                <a16:creationId xmlns:a16="http://schemas.microsoft.com/office/drawing/2014/main" id="{2D447068-664C-450C-9FB6-B8004A0ABB8E}"/>
-              </a:ext>
-            </a:extLst>
-          </p:cNvPr>
-          <p:cNvSpPr txBox="1"/>
-          <p:nvPr/>
-        </p:nvSpPr>
-        <p:spPr>
-          <a:xfrm>
-            <a:off x="195648" y="1643449"/>
-            <a:ext cx="11158152" cy="1754326"/>
-          </a:xfrm>
-          <a:prstGeom prst="rect">
-            <a:avLst/>
-          </a:prstGeom>
-          <a:noFill/>
-        </p:spPr>
-        <p:txBody>
-          <a:bodyPr wrap="square">
-            <a:spAutoFit/>
-          </a:bodyPr>
-          <a:lstStyle/>
-          <a:p>
-            <a:pPr marL="342900" indent="-342900" algn="l" rtl="0">
-              <a:buFont typeface="Arial" panose="020B0604020202020204" pitchFamily="34" charset="0"/>
-              <a:buChar char="•"/>
-            </a:pPr>
-            <a:r>
-              <a:rPr lang="en-US" sz="1800" dirty="0">
-                <a:solidFill>
-                  <a:srgbClr val="002060"/>
-                </a:solidFill>
-              </a:rPr>
-              <a:t>The online planner was implemented using </a:t>
-            </a:r>
-          </a:p>
-          <a:p>
-            <a:pPr marL="800100" lvl="1" indent="-342900" algn="l" rtl="0">
-              <a:buFont typeface="Arial" panose="020B0604020202020204" pitchFamily="34" charset="0"/>
-              <a:buChar char="•"/>
-            </a:pPr>
-            <a:r>
-              <a:rPr lang="en-US" dirty="0">
-                <a:solidFill>
-                  <a:srgbClr val="002060"/>
-                </a:solidFill>
-              </a:rPr>
-              <a:t>Object </a:t>
-            </a:r>
-            <a:r>
-              <a:rPr lang="en-US" dirty="0" err="1">
-                <a:solidFill>
-                  <a:srgbClr val="002060"/>
-                </a:solidFill>
-              </a:rPr>
-              <a:t>Orinted</a:t>
-            </a:r>
-            <a:r>
-              <a:rPr lang="en-US" dirty="0">
-                <a:solidFill>
-                  <a:srgbClr val="002060"/>
-                </a:solidFill>
-              </a:rPr>
-              <a:t> programing</a:t>
-            </a:r>
-          </a:p>
-          <a:p>
-            <a:pPr marL="800100" lvl="1" indent="-342900" algn="l" rtl="0">
-              <a:buFont typeface="Arial" panose="020B0604020202020204" pitchFamily="34" charset="0"/>
-              <a:buChar char="•"/>
-            </a:pPr>
-            <a:r>
-              <a:rPr lang="en-US" dirty="0" err="1">
-                <a:solidFill>
-                  <a:srgbClr val="002060"/>
-                </a:solidFill>
-              </a:rPr>
-              <a:t>degisn</a:t>
-            </a:r>
-            <a:r>
-              <a:rPr lang="en-US" dirty="0">
-                <a:solidFill>
-                  <a:srgbClr val="002060"/>
-                </a:solidFill>
-              </a:rPr>
-              <a:t> patterns</a:t>
-            </a:r>
-          </a:p>
-          <a:p>
-            <a:pPr marL="800100" lvl="1" indent="-342900" algn="l" rtl="0">
-              <a:buFont typeface="Arial" panose="020B0604020202020204" pitchFamily="34" charset="0"/>
-              <a:buChar char="•"/>
-            </a:pPr>
-            <a:r>
-              <a:rPr lang="en-US" dirty="0" err="1">
-                <a:solidFill>
-                  <a:srgbClr val="002060"/>
-                </a:solidFill>
-              </a:rPr>
-              <a:t>algorithem</a:t>
-            </a:r>
-            <a:r>
-              <a:rPr lang="en-US" dirty="0">
-                <a:solidFill>
-                  <a:srgbClr val="002060"/>
-                </a:solidFill>
-              </a:rPr>
-              <a:t> design</a:t>
-            </a:r>
-          </a:p>
-          <a:p>
-            <a:pPr marL="342900" indent="-342900" algn="l" rtl="0">
-              <a:buFont typeface="Arial" panose="020B0604020202020204" pitchFamily="34" charset="0"/>
-              <a:buChar char="•"/>
-            </a:pPr>
-            <a:r>
-              <a:rPr lang="en-US" sz="1800" dirty="0">
-                <a:solidFill>
-                  <a:srgbClr val="002060"/>
-                </a:solidFill>
-              </a:rPr>
-              <a:t>The online planner input is a config file and STN graph.</a:t>
-            </a:r>
-          </a:p>
-          <a:p>
-            <a:pPr marL="342900" indent="-342900" algn="l" rtl="0">
-              <a:buFont typeface="Arial" panose="020B0604020202020204" pitchFamily="34" charset="0"/>
-              <a:buChar char="•"/>
-            </a:pPr>
-            <a:r>
-              <a:rPr lang="en-US" sz="1800" dirty="0">
-                <a:solidFill>
-                  <a:srgbClr val="002060"/>
-                </a:solidFill>
-              </a:rPr>
-              <a:t>The online planner generate a log file as an output.</a:t>
-            </a:r>
-            <a:endParaRPr lang="he-IL" sz="1800" dirty="0">
-              <a:solidFill>
-                <a:srgbClr val="002060"/>
-              </a:solidFill>
-            </a:endParaRPr>
-          </a:p>
-        </p:txBody>
-      </p:sp>
-      <p:pic>
-        <p:nvPicPr>
-          <p:cNvPr id="6" name="תמונה 5">
-            <a:extLst>
-              <a:ext uri="{FF2B5EF4-FFF2-40B4-BE49-F238E27FC236}">
-                <a16:creationId xmlns:a16="http://schemas.microsoft.com/office/drawing/2014/main" id="{DE0B55EE-1776-4375-827D-B8BD98F07137}"/>
+                <a16:creationId xmlns:a16="http://schemas.microsoft.com/office/drawing/2014/main" id="{EDDB7786-76CD-4A8A-A880-EBF494D0C598}"/>
               </a:ext>
             </a:extLst>
           </p:cNvPr>
@@ -29067,15 +31751,57 @@
           <p:nvPr/>
         </p:nvPicPr>
         <p:blipFill>
-          <a:blip r:embed="rId3"/>
+          <a:blip r:embed="rId3">
+            <a:extLst>
+              <a:ext uri="{28A0092B-C50C-407E-A947-70E740481C1C}">
+                <a14:useLocalDpi xmlns:a14="http://schemas.microsoft.com/office/drawing/2010/main" val="0"/>
+              </a:ext>
+            </a:extLst>
+          </a:blip>
           <a:stretch>
             <a:fillRect/>
           </a:stretch>
         </p:blipFill>
         <p:spPr>
           <a:xfrm>
-            <a:off x="380541" y="3776808"/>
-            <a:ext cx="5044075" cy="2758598"/>
+            <a:off x="2071424" y="2116336"/>
+            <a:ext cx="1405353" cy="1437141"/>
+          </a:xfrm>
+          <a:prstGeom prst="rect">
+            <a:avLst/>
+          </a:prstGeom>
+        </p:spPr>
+      </p:pic>
+      <p:pic>
+        <p:nvPicPr>
+          <p:cNvPr id="5" name="תמונה 4">
+            <a:extLst>
+              <a:ext uri="{FF2B5EF4-FFF2-40B4-BE49-F238E27FC236}">
+                <a16:creationId xmlns:a16="http://schemas.microsoft.com/office/drawing/2014/main" id="{466F62E2-1907-4989-ADC9-9D03C27B1ABB}"/>
+              </a:ext>
+            </a:extLst>
+          </p:cNvPr>
+          <p:cNvPicPr>
+            <a:picLocks noChangeAspect="1"/>
+          </p:cNvPicPr>
+          <p:nvPr/>
+        </p:nvPicPr>
+        <p:blipFill>
+          <a:blip r:embed="rId4">
+            <a:extLst>
+              <a:ext uri="{28A0092B-C50C-407E-A947-70E740481C1C}">
+                <a14:useLocalDpi xmlns:a14="http://schemas.microsoft.com/office/drawing/2010/main" val="0"/>
+              </a:ext>
+            </a:extLst>
+          </a:blip>
+          <a:stretch>
+            <a:fillRect/>
+          </a:stretch>
+        </p:blipFill>
+        <p:spPr>
+          <a:xfrm>
+            <a:off x="6890762" y="2082743"/>
+            <a:ext cx="1388607" cy="1504325"/>
           </a:xfrm>
           <a:prstGeom prst="rect">
             <a:avLst/>
@@ -29087,7 +31813,7 @@
           <p:cNvPr id="7" name="תמונה 6">
             <a:extLst>
               <a:ext uri="{FF2B5EF4-FFF2-40B4-BE49-F238E27FC236}">
-                <a16:creationId xmlns:a16="http://schemas.microsoft.com/office/drawing/2014/main" id="{6A8494A5-25E9-43BE-AF71-EAFCFD4BF875}"/>
+                <a16:creationId xmlns:a16="http://schemas.microsoft.com/office/drawing/2014/main" id="{40BC009B-2335-4348-8F23-3199171A95D6}"/>
               </a:ext>
             </a:extLst>
           </p:cNvPr>
@@ -29097,15 +31823,51 @@
           <p:nvPr/>
         </p:nvPicPr>
         <p:blipFill>
-          <a:blip r:embed="rId4"/>
+          <a:blip r:embed="rId5"/>
           <a:stretch>
             <a:fillRect/>
           </a:stretch>
         </p:blipFill>
         <p:spPr>
           <a:xfrm>
-            <a:off x="6907426" y="4357392"/>
-            <a:ext cx="4067551" cy="857159"/>
+            <a:off x="307789" y="3609522"/>
+            <a:ext cx="11574490" cy="3248478"/>
+          </a:xfrm>
+          <a:prstGeom prst="rect">
+            <a:avLst/>
+          </a:prstGeom>
+        </p:spPr>
+      </p:pic>
+      <p:pic>
+        <p:nvPicPr>
+          <p:cNvPr id="9" name="תמונה 8" descr="תמונה שמכילה טקסט, אלקטרוניקה, תצוגה&#10;&#10;התיאור נוצר באופן אוטומטי">
+            <a:extLst>
+              <a:ext uri="{FF2B5EF4-FFF2-40B4-BE49-F238E27FC236}">
+                <a16:creationId xmlns:a16="http://schemas.microsoft.com/office/drawing/2014/main" id="{9E80280A-0B79-4ECC-A14D-A9AC46D19B45}"/>
+              </a:ext>
+            </a:extLst>
+          </p:cNvPr>
+          <p:cNvPicPr>
+            <a:picLocks noChangeAspect="1"/>
+          </p:cNvPicPr>
+          <p:nvPr/>
+        </p:nvPicPr>
+        <p:blipFill>
+          <a:blip r:embed="rId6">
+            <a:extLst>
+              <a:ext uri="{28A0092B-C50C-407E-A947-70E740481C1C}">
+                <a14:useLocalDpi xmlns:a14="http://schemas.microsoft.com/office/drawing/2010/main" val="0"/>
+              </a:ext>
+            </a:extLst>
+          </a:blip>
+          <a:stretch>
+            <a:fillRect/>
+          </a:stretch>
+        </p:blipFill>
+        <p:spPr>
+          <a:xfrm>
+            <a:off x="4272504" y="2310577"/>
+            <a:ext cx="1822530" cy="1048656"/>
           </a:xfrm>
           <a:prstGeom prst="rect">
             <a:avLst/>
@@ -29115,7 +31877,7 @@
     </p:spTree>
     <p:extLst>
       <p:ext uri="{BB962C8B-B14F-4D97-AF65-F5344CB8AC3E}">
-        <p14:creationId xmlns:p14="http://schemas.microsoft.com/office/powerpoint/2010/main" val="775111121"/>
+        <p14:creationId xmlns:p14="http://schemas.microsoft.com/office/powerpoint/2010/main" val="4149237426"/>
       </p:ext>
     </p:extLst>
   </p:cSld>
@@ -29126,7 +31888,7 @@
 </file>
 
 <file path=ppt/slides/slide8.xml><?xml version="1.0" encoding="utf-8"?>
-<p:sld xmlns:a="http://schemas.openxmlformats.org/drawingml/2006/main" xmlns:r="http://schemas.openxmlformats.org/officeDocument/2006/relationships" xmlns:p="http://schemas.openxmlformats.org/presentationml/2006/main" show="0">
+<p:sld xmlns:a="http://schemas.openxmlformats.org/drawingml/2006/main" xmlns:r="http://schemas.openxmlformats.org/officeDocument/2006/relationships" xmlns:p="http://schemas.openxmlformats.org/presentationml/2006/main">
   <p:cSld>
     <p:spTree>
       <p:nvGrpSpPr>
@@ -29147,7 +31909,7 @@
           <p:cNvPr id="2" name="כותרת 1">
             <a:extLst>
               <a:ext uri="{FF2B5EF4-FFF2-40B4-BE49-F238E27FC236}">
-                <a16:creationId xmlns:a16="http://schemas.microsoft.com/office/drawing/2014/main" id="{B40C3AF8-4F60-436D-88E9-A7B5F651D8D5}"/>
+                <a16:creationId xmlns:a16="http://schemas.microsoft.com/office/drawing/2014/main" id="{11433E98-96EA-4674-A96F-0E224428F1EB}"/>
               </a:ext>
             </a:extLst>
           </p:cNvPr>
@@ -29158,7 +31920,12 @@
             <p:ph type="title"/>
           </p:nvPr>
         </p:nvSpPr>
-        <p:spPr/>
+        <p:spPr>
+          <a:xfrm>
+            <a:off x="838200" y="601027"/>
+            <a:ext cx="10515600" cy="1325563"/>
+          </a:xfrm>
+        </p:spPr>
         <p:txBody>
           <a:bodyPr>
             <a:normAutofit/>
@@ -29167,42 +31934,26 @@
           <a:p>
             <a:pPr algn="ctr"/>
             <a:r>
-              <a:rPr lang="en-US" sz="4400" b="1" dirty="0">
-                <a:solidFill>
-                  <a:srgbClr val="002060"/>
-                </a:solidFill>
-              </a:rPr>
-              <a:t>Background</a:t>
-            </a:r>
-            <a:br>
-              <a:rPr lang="en-US" sz="4400" b="1" dirty="0">
-                <a:solidFill>
-                  <a:srgbClr val="002060"/>
-                </a:solidFill>
-              </a:rPr>
-            </a:br>
-            <a:r>
-              <a:rPr lang="en-US" sz="1800" b="1" dirty="0">
-                <a:solidFill>
-                  <a:srgbClr val="002060"/>
-                </a:solidFill>
-              </a:rPr>
-              <a:t>offline algorithm - output</a:t>
-            </a:r>
-            <a:endParaRPr lang="he-IL" sz="1800" b="1" dirty="0">
-              <a:solidFill>
-                <a:srgbClr val="002060"/>
-              </a:solidFill>
-            </a:endParaRPr>
+              <a:rPr lang="he-IL" b="1" dirty="0"/>
+              <a:t>אנימציה של מתיחת </a:t>
+            </a:r>
+            <a:r>
+              <a:rPr lang="en-US" b="1" dirty="0"/>
+              <a:t>STN</a:t>
+            </a:r>
+            <a:r>
+              <a:rPr lang="he-IL" b="1" dirty="0"/>
+              <a:t> – כולל הפרעה</a:t>
+            </a:r>
           </a:p>
         </p:txBody>
       </p:sp>
       <p:pic>
         <p:nvPicPr>
-          <p:cNvPr id="6" name="תמונה 5">
+          <p:cNvPr id="4" name="תמונה 3" descr="תמונה שמכילה אדם, אישה, צהוב&#10;&#10;התיאור נוצר באופן אוטומטי">
             <a:extLst>
               <a:ext uri="{FF2B5EF4-FFF2-40B4-BE49-F238E27FC236}">
-                <a16:creationId xmlns:a16="http://schemas.microsoft.com/office/drawing/2014/main" id="{AE2A0379-2AC7-4E01-AD58-F7565B4C2FD4}"/>
+                <a16:creationId xmlns:a16="http://schemas.microsoft.com/office/drawing/2014/main" id="{EDDB7786-76CD-4A8A-A880-EBF494D0C598}"/>
               </a:ext>
             </a:extLst>
           </p:cNvPr>
@@ -29212,15 +31963,123 @@
           <p:nvPr/>
         </p:nvPicPr>
         <p:blipFill>
-          <a:blip r:embed="rId3"/>
+          <a:blip r:embed="rId3">
+            <a:extLst>
+              <a:ext uri="{28A0092B-C50C-407E-A947-70E740481C1C}">
+                <a14:useLocalDpi xmlns:a14="http://schemas.microsoft.com/office/drawing/2010/main" val="0"/>
+              </a:ext>
+            </a:extLst>
+          </a:blip>
           <a:stretch>
             <a:fillRect/>
           </a:stretch>
         </p:blipFill>
         <p:spPr>
           <a:xfrm>
-            <a:off x="1579146" y="1594885"/>
-            <a:ext cx="9033707" cy="4940522"/>
+            <a:off x="2071424" y="2116336"/>
+            <a:ext cx="1405353" cy="1437141"/>
+          </a:xfrm>
+          <a:prstGeom prst="rect">
+            <a:avLst/>
+          </a:prstGeom>
+        </p:spPr>
+      </p:pic>
+      <p:pic>
+        <p:nvPicPr>
+          <p:cNvPr id="5" name="תמונה 4">
+            <a:extLst>
+              <a:ext uri="{FF2B5EF4-FFF2-40B4-BE49-F238E27FC236}">
+                <a16:creationId xmlns:a16="http://schemas.microsoft.com/office/drawing/2014/main" id="{466F62E2-1907-4989-ADC9-9D03C27B1ABB}"/>
+              </a:ext>
+            </a:extLst>
+          </p:cNvPr>
+          <p:cNvPicPr>
+            <a:picLocks noChangeAspect="1"/>
+          </p:cNvPicPr>
+          <p:nvPr/>
+        </p:nvPicPr>
+        <p:blipFill>
+          <a:blip r:embed="rId4">
+            <a:extLst>
+              <a:ext uri="{28A0092B-C50C-407E-A947-70E740481C1C}">
+                <a14:useLocalDpi xmlns:a14="http://schemas.microsoft.com/office/drawing/2010/main" val="0"/>
+              </a:ext>
+            </a:extLst>
+          </a:blip>
+          <a:stretch>
+            <a:fillRect/>
+          </a:stretch>
+        </p:blipFill>
+        <p:spPr>
+          <a:xfrm>
+            <a:off x="6890762" y="2082743"/>
+            <a:ext cx="1388607" cy="1504325"/>
+          </a:xfrm>
+          <a:prstGeom prst="rect">
+            <a:avLst/>
+          </a:prstGeom>
+        </p:spPr>
+      </p:pic>
+      <p:pic>
+        <p:nvPicPr>
+          <p:cNvPr id="9" name="תמונה 8" descr="תמונה שמכילה טקסט, אלקטרוניקה, תצוגה&#10;&#10;התיאור נוצר באופן אוטומטי">
+            <a:extLst>
+              <a:ext uri="{FF2B5EF4-FFF2-40B4-BE49-F238E27FC236}">
+                <a16:creationId xmlns:a16="http://schemas.microsoft.com/office/drawing/2014/main" id="{9E80280A-0B79-4ECC-A14D-A9AC46D19B45}"/>
+              </a:ext>
+            </a:extLst>
+          </p:cNvPr>
+          <p:cNvPicPr>
+            <a:picLocks noChangeAspect="1"/>
+          </p:cNvPicPr>
+          <p:nvPr/>
+        </p:nvPicPr>
+        <p:blipFill>
+          <a:blip r:embed="rId5">
+            <a:extLst>
+              <a:ext uri="{28A0092B-C50C-407E-A947-70E740481C1C}">
+                <a14:useLocalDpi xmlns:a14="http://schemas.microsoft.com/office/drawing/2010/main" val="0"/>
+              </a:ext>
+            </a:extLst>
+          </a:blip>
+          <a:stretch>
+            <a:fillRect/>
+          </a:stretch>
+        </p:blipFill>
+        <p:spPr>
+          <a:xfrm>
+            <a:off x="4272504" y="2310577"/>
+            <a:ext cx="1822530" cy="1048656"/>
+          </a:xfrm>
+          <a:prstGeom prst="rect">
+            <a:avLst/>
+          </a:prstGeom>
+        </p:spPr>
+      </p:pic>
+      <p:pic>
+        <p:nvPicPr>
+          <p:cNvPr id="6" name="תמונה 5">
+            <a:extLst>
+              <a:ext uri="{FF2B5EF4-FFF2-40B4-BE49-F238E27FC236}">
+                <a16:creationId xmlns:a16="http://schemas.microsoft.com/office/drawing/2014/main" id="{6CA58AB9-D144-4126-BFE9-887E2BF19C9C}"/>
+              </a:ext>
+            </a:extLst>
+          </p:cNvPr>
+          <p:cNvPicPr>
+            <a:picLocks noChangeAspect="1"/>
+          </p:cNvPicPr>
+          <p:nvPr/>
+        </p:nvPicPr>
+        <p:blipFill>
+          <a:blip r:embed="rId6"/>
+          <a:stretch>
+            <a:fillRect/>
+          </a:stretch>
+        </p:blipFill>
+        <p:spPr>
+          <a:xfrm>
+            <a:off x="298262" y="3587068"/>
+            <a:ext cx="11593543" cy="3286584"/>
           </a:xfrm>
           <a:prstGeom prst="rect">
             <a:avLst/>
@@ -29230,7 +32089,7 @@
     </p:spTree>
     <p:extLst>
       <p:ext uri="{BB962C8B-B14F-4D97-AF65-F5344CB8AC3E}">
-        <p14:creationId xmlns:p14="http://schemas.microsoft.com/office/powerpoint/2010/main" val="1595074511"/>
+        <p14:creationId xmlns:p14="http://schemas.microsoft.com/office/powerpoint/2010/main" val="4285169626"/>
       </p:ext>
     </p:extLst>
   </p:cSld>
@@ -29262,7 +32121,7 @@
           <p:cNvPr id="2" name="כותרת 1">
             <a:extLst>
               <a:ext uri="{FF2B5EF4-FFF2-40B4-BE49-F238E27FC236}">
-                <a16:creationId xmlns:a16="http://schemas.microsoft.com/office/drawing/2014/main" id="{00BDE5E7-CDBD-4B22-B591-6EF0BF74681B}"/>
+                <a16:creationId xmlns:a16="http://schemas.microsoft.com/office/drawing/2014/main" id="{11433E98-96EA-4674-A96F-0E224428F1EB}"/>
               </a:ext>
             </a:extLst>
           </p:cNvPr>
@@ -29273,7 +32132,12 @@
             <p:ph type="title"/>
           </p:nvPr>
         </p:nvSpPr>
-        <p:spPr/>
+        <p:spPr>
+          <a:xfrm>
+            <a:off x="838200" y="601027"/>
+            <a:ext cx="10515600" cy="1325563"/>
+          </a:xfrm>
+        </p:spPr>
         <p:txBody>
           <a:bodyPr>
             <a:normAutofit/>
@@ -29282,155 +32146,162 @@
           <a:p>
             <a:pPr algn="ctr"/>
             <a:r>
-              <a:rPr lang="en-US" sz="4400" b="1" dirty="0">
-                <a:solidFill>
-                  <a:srgbClr val="002060"/>
-                </a:solidFill>
-              </a:rPr>
-              <a:t>Project Goal</a:t>
-            </a:r>
-            <a:endParaRPr lang="he-IL" sz="4400" b="1" dirty="0">
-              <a:solidFill>
-                <a:srgbClr val="002060"/>
-              </a:solidFill>
-            </a:endParaRPr>
+              <a:rPr lang="he-IL" b="1" dirty="0"/>
+              <a:t>אנימציה של מתיחת </a:t>
+            </a:r>
+            <a:r>
+              <a:rPr lang="en-US" b="1" dirty="0"/>
+              <a:t>STN</a:t>
+            </a:r>
+            <a:r>
+              <a:rPr lang="he-IL" b="1" dirty="0"/>
+              <a:t> – כולל הפרעה</a:t>
+            </a:r>
           </a:p>
         </p:txBody>
       </p:sp>
-      <p:sp>
-        <p:nvSpPr>
-          <p:cNvPr id="3" name="מציין מיקום טקסט 2">
+      <p:pic>
+        <p:nvPicPr>
+          <p:cNvPr id="4" name="תמונה 3" descr="תמונה שמכילה אדם, אישה, צהוב&#10;&#10;התיאור נוצר באופן אוטומטי">
             <a:extLst>
               <a:ext uri="{FF2B5EF4-FFF2-40B4-BE49-F238E27FC236}">
-                <a16:creationId xmlns:a16="http://schemas.microsoft.com/office/drawing/2014/main" id="{197B225D-5CD6-43D4-B20E-E1451DF24856}"/>
+                <a16:creationId xmlns:a16="http://schemas.microsoft.com/office/drawing/2014/main" id="{EDDB7786-76CD-4A8A-A880-EBF494D0C598}"/>
               </a:ext>
             </a:extLst>
           </p:cNvPr>
-          <p:cNvSpPr>
-            <a:spLocks noGrp="1"/>
-          </p:cNvSpPr>
-          <p:nvPr>
-            <p:ph type="body" idx="4294967295"/>
-          </p:nvPr>
-        </p:nvSpPr>
+          <p:cNvPicPr>
+            <a:picLocks noChangeAspect="1"/>
+          </p:cNvPicPr>
+          <p:nvPr/>
+        </p:nvPicPr>
+        <p:blipFill>
+          <a:blip r:embed="rId3">
+            <a:extLst>
+              <a:ext uri="{28A0092B-C50C-407E-A947-70E740481C1C}">
+                <a14:useLocalDpi xmlns:a14="http://schemas.microsoft.com/office/drawing/2010/main" val="0"/>
+              </a:ext>
+            </a:extLst>
+          </a:blip>
+          <a:stretch>
+            <a:fillRect/>
+          </a:stretch>
+        </p:blipFill>
         <p:spPr>
           <a:xfrm>
-            <a:off x="666750" y="2001837"/>
-            <a:ext cx="10515600" cy="3435135"/>
+            <a:off x="2071424" y="2116336"/>
+            <a:ext cx="1405353" cy="1437141"/>
           </a:xfrm>
+          <a:prstGeom prst="rect">
+            <a:avLst/>
+          </a:prstGeom>
         </p:spPr>
-        <p:txBody>
-          <a:bodyPr>
-            <a:noAutofit/>
-          </a:bodyPr>
-          <a:lstStyle/>
-          <a:p>
-            <a:pPr algn="l" rtl="0">
-              <a:lnSpc>
-                <a:spcPct val="150000"/>
-              </a:lnSpc>
-            </a:pPr>
-            <a:r>
-              <a:rPr lang="en-US" sz="2400" b="1" dirty="0">
-                <a:solidFill>
-                  <a:srgbClr val="002060"/>
-                </a:solidFill>
-                <a:cs typeface="Arial" panose="020B0604020202020204" pitchFamily="34" charset="0"/>
-              </a:rPr>
-              <a:t>Creating an online algorithm managing takeoff and landing.</a:t>
-            </a:r>
-          </a:p>
-          <a:p>
-            <a:pPr lvl="1" algn="l" rtl="0">
-              <a:lnSpc>
-                <a:spcPct val="150000"/>
-              </a:lnSpc>
-              <a:buFont typeface="Courier New" panose="02070309020205020404" pitchFamily="49" charset="0"/>
-              <a:buChar char="o"/>
-            </a:pPr>
-            <a:r>
-              <a:rPr lang="en-US" sz="2200" strike="sngStrike" dirty="0">
-                <a:solidFill>
-                  <a:srgbClr val="002060"/>
-                </a:solidFill>
-                <a:cs typeface="Arial" panose="020B0604020202020204" pitchFamily="34" charset="0"/>
-              </a:rPr>
-              <a:t>In our project we build an online algorithm which follow a plan generated by the offline algorithm. </a:t>
-            </a:r>
-            <a:r>
-              <a:rPr lang="en-US" sz="2200" dirty="0">
-                <a:solidFill>
-                  <a:srgbClr val="002060"/>
-                </a:solidFill>
-                <a:cs typeface="Arial" panose="020B0604020202020204" pitchFamily="34" charset="0"/>
-              </a:rPr>
-              <a:t>Our algorithm ran the offline plan w</a:t>
-            </a:r>
-            <a:r>
-              <a:rPr lang="en-US" sz="2200" b="0" i="0" dirty="0">
-                <a:solidFill>
-                  <a:srgbClr val="002060"/>
-                </a:solidFill>
-                <a:effectLst/>
-                <a:cs typeface="Assistant" pitchFamily="2" charset="-79"/>
-              </a:rPr>
-              <a:t>hile</a:t>
-            </a:r>
-            <a:r>
-              <a:rPr lang="en-US" sz="2200" b="0" i="0" dirty="0">
-                <a:solidFill>
-                  <a:srgbClr val="333333"/>
-                </a:solidFill>
-                <a:effectLst/>
-                <a:cs typeface="Assistant" pitchFamily="2" charset="-79"/>
-              </a:rPr>
-              <a:t> </a:t>
-            </a:r>
-            <a:r>
-              <a:rPr lang="en-US" sz="2200" b="0" i="0" dirty="0">
-                <a:solidFill>
-                  <a:srgbClr val="002060"/>
-                </a:solidFill>
-                <a:effectLst/>
-                <a:cs typeface="Assistant" pitchFamily="2" charset="-79"/>
-              </a:rPr>
-              <a:t>dealing with real-time malfunctions and changes.</a:t>
-            </a:r>
-          </a:p>
-          <a:p>
-            <a:pPr lvl="1" algn="l" rtl="0">
-              <a:lnSpc>
-                <a:spcPct val="150000"/>
-              </a:lnSpc>
-              <a:buFont typeface="Courier New" panose="02070309020205020404" pitchFamily="49" charset="0"/>
-              <a:buChar char="o"/>
-            </a:pPr>
-            <a:r>
-              <a:rPr lang="en-US" sz="2200" dirty="0">
-                <a:solidFill>
-                  <a:srgbClr val="002060"/>
-                </a:solidFill>
-                <a:cs typeface="Assistant" pitchFamily="2" charset="-79"/>
-              </a:rPr>
-              <a:t>The algorithm</a:t>
-            </a:r>
-            <a:r>
-              <a:rPr lang="en-US" sz="2200" b="0" i="0" dirty="0">
-                <a:solidFill>
-                  <a:srgbClr val="002060"/>
-                </a:solidFill>
-                <a:effectLst/>
-                <a:cs typeface="Assistant" pitchFamily="2" charset="-79"/>
-              </a:rPr>
-              <a:t> has to decide whether the program can run with the different constraints or whether re-planning is needed.</a:t>
-            </a:r>
-          </a:p>
-        </p:txBody>
-      </p:sp>
+      </p:pic>
+      <p:pic>
+        <p:nvPicPr>
+          <p:cNvPr id="5" name="תמונה 4">
+            <a:extLst>
+              <a:ext uri="{FF2B5EF4-FFF2-40B4-BE49-F238E27FC236}">
+                <a16:creationId xmlns:a16="http://schemas.microsoft.com/office/drawing/2014/main" id="{466F62E2-1907-4989-ADC9-9D03C27B1ABB}"/>
+              </a:ext>
+            </a:extLst>
+          </p:cNvPr>
+          <p:cNvPicPr>
+            <a:picLocks noChangeAspect="1"/>
+          </p:cNvPicPr>
+          <p:nvPr/>
+        </p:nvPicPr>
+        <p:blipFill>
+          <a:blip r:embed="rId4">
+            <a:extLst>
+              <a:ext uri="{28A0092B-C50C-407E-A947-70E740481C1C}">
+                <a14:useLocalDpi xmlns:a14="http://schemas.microsoft.com/office/drawing/2010/main" val="0"/>
+              </a:ext>
+            </a:extLst>
+          </a:blip>
+          <a:stretch>
+            <a:fillRect/>
+          </a:stretch>
+        </p:blipFill>
+        <p:spPr>
+          <a:xfrm>
+            <a:off x="6890762" y="2082743"/>
+            <a:ext cx="1388607" cy="1504325"/>
+          </a:xfrm>
+          <a:prstGeom prst="rect">
+            <a:avLst/>
+          </a:prstGeom>
+        </p:spPr>
+      </p:pic>
+      <p:pic>
+        <p:nvPicPr>
+          <p:cNvPr id="9" name="תמונה 8" descr="תמונה שמכילה טקסט, אלקטרוניקה, תצוגה&#10;&#10;התיאור נוצר באופן אוטומטי">
+            <a:extLst>
+              <a:ext uri="{FF2B5EF4-FFF2-40B4-BE49-F238E27FC236}">
+                <a16:creationId xmlns:a16="http://schemas.microsoft.com/office/drawing/2014/main" id="{9E80280A-0B79-4ECC-A14D-A9AC46D19B45}"/>
+              </a:ext>
+            </a:extLst>
+          </p:cNvPr>
+          <p:cNvPicPr>
+            <a:picLocks noChangeAspect="1"/>
+          </p:cNvPicPr>
+          <p:nvPr/>
+        </p:nvPicPr>
+        <p:blipFill>
+          <a:blip r:embed="rId5">
+            <a:extLst>
+              <a:ext uri="{28A0092B-C50C-407E-A947-70E740481C1C}">
+                <a14:useLocalDpi xmlns:a14="http://schemas.microsoft.com/office/drawing/2010/main" val="0"/>
+              </a:ext>
+            </a:extLst>
+          </a:blip>
+          <a:stretch>
+            <a:fillRect/>
+          </a:stretch>
+        </p:blipFill>
+        <p:spPr>
+          <a:xfrm>
+            <a:off x="4272504" y="2310577"/>
+            <a:ext cx="1822530" cy="1048656"/>
+          </a:xfrm>
+          <a:prstGeom prst="rect">
+            <a:avLst/>
+          </a:prstGeom>
+        </p:spPr>
+      </p:pic>
+      <p:pic>
+        <p:nvPicPr>
+          <p:cNvPr id="13" name="תמונה 12">
+            <a:extLst>
+              <a:ext uri="{FF2B5EF4-FFF2-40B4-BE49-F238E27FC236}">
+                <a16:creationId xmlns:a16="http://schemas.microsoft.com/office/drawing/2014/main" id="{B7125C9F-BA99-4360-8C64-1A47F86DA1D0}"/>
+              </a:ext>
+            </a:extLst>
+          </p:cNvPr>
+          <p:cNvPicPr>
+            <a:picLocks noChangeAspect="1"/>
+          </p:cNvPicPr>
+          <p:nvPr/>
+        </p:nvPicPr>
+        <p:blipFill>
+          <a:blip r:embed="rId6"/>
+          <a:stretch>
+            <a:fillRect/>
+          </a:stretch>
+        </p:blipFill>
+        <p:spPr>
+          <a:xfrm>
+            <a:off x="303025" y="3587068"/>
+            <a:ext cx="11584017" cy="3277057"/>
+          </a:xfrm>
+          <a:prstGeom prst="rect">
+            <a:avLst/>
+          </a:prstGeom>
+        </p:spPr>
+      </p:pic>
     </p:spTree>
     <p:extLst>
       <p:ext uri="{BB962C8B-B14F-4D97-AF65-F5344CB8AC3E}">
-        <p14:creationId xmlns:p14="http://schemas.microsoft.com/office/powerpoint/2010/main" val="4153337668"/>
+        <p14:creationId xmlns:p14="http://schemas.microsoft.com/office/powerpoint/2010/main" val="670283756"/>
       </p:ext>
     </p:extLst>
   </p:cSld>

--- a/חומר עזר לפרויקט/project_A.pptx
+++ b/חומר עזר לפרויקט/project_A.pptx
@@ -6,10 +6,10 @@
     <p:sldMasterId id="2147483724" r:id="rId2"/>
   </p:sldMasterIdLst>
   <p:notesMasterIdLst>
-    <p:notesMasterId r:id="rId42"/>
+    <p:notesMasterId r:id="rId41"/>
   </p:notesMasterIdLst>
   <p:handoutMasterIdLst>
-    <p:handoutMasterId r:id="rId43"/>
+    <p:handoutMasterId r:id="rId42"/>
   </p:handoutMasterIdLst>
   <p:sldIdLst>
     <p:sldId id="257" r:id="rId3"/>
@@ -27,30 +27,29 @@
     <p:sldId id="302" r:id="rId15"/>
     <p:sldId id="303" r:id="rId16"/>
     <p:sldId id="288" r:id="rId17"/>
-    <p:sldId id="271" r:id="rId18"/>
-    <p:sldId id="260" r:id="rId19"/>
-    <p:sldId id="290" r:id="rId20"/>
-    <p:sldId id="291" r:id="rId21"/>
-    <p:sldId id="262" r:id="rId22"/>
-    <p:sldId id="268" r:id="rId23"/>
-    <p:sldId id="272" r:id="rId24"/>
-    <p:sldId id="266" r:id="rId25"/>
-    <p:sldId id="267" r:id="rId26"/>
-    <p:sldId id="273" r:id="rId27"/>
-    <p:sldId id="274" r:id="rId28"/>
-    <p:sldId id="275" r:id="rId29"/>
-    <p:sldId id="276" r:id="rId30"/>
-    <p:sldId id="277" r:id="rId31"/>
-    <p:sldId id="278" r:id="rId32"/>
-    <p:sldId id="279" r:id="rId33"/>
-    <p:sldId id="292" r:id="rId34"/>
-    <p:sldId id="280" r:id="rId35"/>
-    <p:sldId id="281" r:id="rId36"/>
-    <p:sldId id="282" r:id="rId37"/>
-    <p:sldId id="264" r:id="rId38"/>
-    <p:sldId id="283" r:id="rId39"/>
-    <p:sldId id="284" r:id="rId40"/>
-    <p:sldId id="265" r:id="rId41"/>
+    <p:sldId id="260" r:id="rId18"/>
+    <p:sldId id="290" r:id="rId19"/>
+    <p:sldId id="291" r:id="rId20"/>
+    <p:sldId id="262" r:id="rId21"/>
+    <p:sldId id="268" r:id="rId22"/>
+    <p:sldId id="272" r:id="rId23"/>
+    <p:sldId id="266" r:id="rId24"/>
+    <p:sldId id="267" r:id="rId25"/>
+    <p:sldId id="273" r:id="rId26"/>
+    <p:sldId id="274" r:id="rId27"/>
+    <p:sldId id="275" r:id="rId28"/>
+    <p:sldId id="276" r:id="rId29"/>
+    <p:sldId id="277" r:id="rId30"/>
+    <p:sldId id="278" r:id="rId31"/>
+    <p:sldId id="279" r:id="rId32"/>
+    <p:sldId id="292" r:id="rId33"/>
+    <p:sldId id="280" r:id="rId34"/>
+    <p:sldId id="281" r:id="rId35"/>
+    <p:sldId id="282" r:id="rId36"/>
+    <p:sldId id="264" r:id="rId37"/>
+    <p:sldId id="283" r:id="rId38"/>
+    <p:sldId id="284" r:id="rId39"/>
+    <p:sldId id="265" r:id="rId40"/>
   </p:sldIdLst>
   <p:sldSz cx="12192000" cy="6858000"/>
   <p:notesSz cx="6858000" cy="9144000"/>
@@ -6786,10 +6785,16 @@
           <a:lstStyle/>
           <a:p>
             <a:r>
+              <a:rPr lang="he-IL" sz="1100" u="sng" dirty="0">
+                <a:latin typeface="+mn-lt"/>
+              </a:rPr>
+              <a:t>הודיה</a:t>
+            </a:r>
+            <a:r>
               <a:rPr lang="he-IL" sz="1100" dirty="0">
                 <a:latin typeface="+mn-lt"/>
               </a:rPr>
-              <a:t>היי, אנחנו יואב כהן והודיה כהן אדיב.</a:t>
+              <a:t>: היי, אנחנו יואב כהן והודיה כהן אדיב.</a:t>
             </a:r>
           </a:p>
           <a:p>
@@ -6830,7 +6835,7 @@
               <a:rPr lang="he-IL" sz="1100" dirty="0">
                 <a:latin typeface="+mn-lt"/>
               </a:rPr>
-              <a:t>זו הייתה ההתנסות הראשונה שלנו בעבודה מעשית בתכנון עם אילוצי זמנים ותכנות בזמן-אמת.</a:t>
+              <a:t>זוהי ההתנסות הראשונה שלנו בעבודה מעשית בתכנון עם אילוצי זמנים ותכנות בזמן-אמת.</a:t>
             </a:r>
           </a:p>
           <a:p>
@@ -7500,8 +7505,18 @@
           <a:lstStyle/>
           <a:p>
             <a:r>
+              <a:rPr lang="he-IL" u="sng" dirty="0"/>
+              <a:t>הודיה:</a:t>
+            </a:r>
+            <a:r>
+              <a:rPr lang="he-IL" u="none" dirty="0"/>
+              <a:t> </a:t>
+            </a:r>
+          </a:p>
+          <a:p>
+            <a:r>
               <a:rPr lang="he-IL" dirty="0"/>
-              <a:t>אלגוריתם האונליין מומש בעזרת:</a:t>
+              <a:t>כעת נדבר על אלגוריתם האונליין שזה בעצם החלק שאותו אנחנו מימשנו, אלגוריתם האונליין מומש בעזרת:</a:t>
             </a:r>
           </a:p>
           <a:p>
@@ -7549,7 +7564,7 @@
             </a:pPr>
             <a:r>
               <a:rPr lang="he-IL" dirty="0"/>
-              <a:t>האלגוריתם האונליין מקבל כקלט קובץ </a:t>
+              <a:t>האלגוריתם האונליין מקבל כקלט את אותו קובץ </a:t>
             </a:r>
             <a:r>
               <a:rPr lang="en-US" dirty="0"/>
@@ -7557,6 +7572,14 @@
             </a:r>
             <a:r>
               <a:rPr lang="he-IL" dirty="0"/>
+              <a:t> שהתקבל </a:t>
+            </a:r>
+            <a:r>
+              <a:rPr lang="he-IL" dirty="0" err="1"/>
+              <a:t>לאופליין</a:t>
+            </a:r>
+            <a:r>
+              <a:rPr lang="he-IL" dirty="0"/>
               <a:t> וגרף </a:t>
             </a:r>
             <a:r>
@@ -7565,7 +7588,7 @@
             </a:r>
             <a:r>
               <a:rPr lang="he-IL" dirty="0"/>
-              <a:t> ומוציא כפלט קובץ המכיל את סדר הפעולות שקרו במהלך היום.</a:t>
+              <a:t> המיוצג כטבלה.</a:t>
             </a:r>
           </a:p>
           <a:p>
@@ -7575,7 +7598,7 @@
             </a:pPr>
             <a:r>
               <a:rPr lang="he-IL" dirty="0"/>
-              <a:t>אלגוריתם האונליין משמש כ-"מגדל פיקוח" אשר שולח משימות לסביבת ההרצה (סימולטור) ומבצע החלטות על בסיס מצב העולם וההפרעות המתרחשות.</a:t>
+              <a:t>האלגוריתם מוציא כפלט קובץ המכיל את סדר הפעולות שקרו במהלך היום.</a:t>
             </a:r>
           </a:p>
           <a:p>
@@ -7585,23 +7608,7 @@
             </a:pPr>
             <a:r>
               <a:rPr lang="he-IL" dirty="0"/>
-              <a:t>האלגוריתם צריך להחליט האם הוא מבצע תיקון מקומי, תיקון גלובלי, או תכנון מחדש (במקרה </a:t>
-            </a:r>
-            <a:r>
-              <a:rPr lang="he-IL" dirty="0" err="1"/>
-              <a:t>שהתכנית</a:t>
-            </a:r>
-            <a:r>
-              <a:rPr lang="he-IL" dirty="0"/>
-              <a:t> אינה </a:t>
-            </a:r>
-            <a:r>
-              <a:rPr lang="he-IL" dirty="0" err="1"/>
-              <a:t>פיזיבילית</a:t>
-            </a:r>
-            <a:r>
-              <a:rPr lang="he-IL" dirty="0"/>
-              <a:t>)</a:t>
+              <a:t>אלגוריתם האונליין משמש כ-"מגדל פיקוח" אשר שולח משימות לסביבת ההרצה (סימולטור) ומבצע החלטות על בסיס מצב העולם וההפרעות המתרחשות.</a:t>
             </a:r>
           </a:p>
           <a:p>
@@ -7610,8 +7617,24 @@
               <a:buChar char="-"/>
             </a:pPr>
             <a:r>
-              <a:rPr lang="he-IL" b="1" dirty="0"/>
-              <a:t>האם גלובלי לא נחשב תכנון מחדש?</a:t>
+              <a:rPr lang="he-IL" dirty="0"/>
+              <a:t>האלגוריתם צריך להחליט האם הוא מבצע תיקון מקומי או תכנון מחדש (במקרה </a:t>
+            </a:r>
+            <a:r>
+              <a:rPr lang="he-IL" dirty="0" err="1"/>
+              <a:t>שהתכנית</a:t>
+            </a:r>
+            <a:r>
+              <a:rPr lang="he-IL" dirty="0"/>
+              <a:t> אינה </a:t>
+            </a:r>
+            <a:r>
+              <a:rPr lang="he-IL" dirty="0" err="1"/>
+              <a:t>פיזיבילית</a:t>
+            </a:r>
+            <a:r>
+              <a:rPr lang="he-IL" dirty="0"/>
+              <a:t>)</a:t>
             </a:r>
           </a:p>
         </p:txBody>
@@ -7719,140 +7742,54 @@
           <a:bodyPr/>
           <a:lstStyle/>
           <a:p>
-            <a:pPr marL="171450" indent="-171450">
-              <a:buFontTx/>
-              <a:buChar char="-"/>
-            </a:pPr>
+            <a:r>
+              <a:rPr lang="he-IL" u="sng" dirty="0"/>
+              <a:t>הודיה:</a:t>
+            </a:r>
             <a:r>
               <a:rPr lang="he-IL" dirty="0"/>
-              <a:t>אלגוריתם אופליין שמבוסס על רשתות </a:t>
-            </a:r>
-            <a:r>
-              <a:rPr lang="he-IL" dirty="0" err="1"/>
-              <a:t>נוירוינים</a:t>
-            </a:r>
+              <a:t> לאחר שהבנו את הבעיה שלנו -נוכל להגדיר את מטרת הפרויקט.</a:t>
+            </a:r>
+          </a:p>
+          <a:p>
             <a:r>
               <a:rPr lang="he-IL" dirty="0"/>
-              <a:t> ותורת הגרפים (חיפוש בגרף, גרף דינמי, גרף מכוון, </a:t>
+              <a:t>המטרה היא לבנות אלגוריתם </a:t>
             </a:r>
             <a:r>
               <a:rPr lang="en-US" dirty="0"/>
-              <a:t>A*</a:t>
+              <a:t>online</a:t>
             </a:r>
             <a:r>
               <a:rPr lang="he-IL" dirty="0"/>
-              <a:t>)</a:t>
-            </a:r>
-          </a:p>
-          <a:p>
-            <a:pPr marL="171450" indent="-171450">
-              <a:buFontTx/>
-              <a:buChar char="-"/>
-            </a:pPr>
+              <a:t> לניהול המראות ונחיתות של מטוסים.</a:t>
+            </a:r>
+          </a:p>
+          <a:p>
             <a:r>
               <a:rPr lang="he-IL" dirty="0"/>
-              <a:t>אלגוריתם </a:t>
-            </a:r>
-            <a:r>
-              <a:rPr lang="he-IL" dirty="0" err="1"/>
-              <a:t>האופיליין</a:t>
+              <a:t>בפרויקט זה בנינו אלגוריתם אשר מנהל את שדה התעופה בהתאם לתוכנית יום שהתקבלה מאלגוריתם ה-</a:t>
+            </a:r>
+            <a:r>
+              <a:rPr lang="en-US" dirty="0"/>
+              <a:t>offline</a:t>
             </a:r>
             <a:r>
               <a:rPr lang="he-IL" dirty="0"/>
-              <a:t> מקבל </a:t>
-            </a:r>
-            <a:r>
-              <a:rPr lang="he-IL" dirty="0" err="1"/>
-              <a:t>גקלט</a:t>
-            </a:r>
+              <a:t>. זאת, תוך התמודדות עם שינויים ואילוצים בזמן-אמת.</a:t>
+            </a:r>
+          </a:p>
+          <a:p>
             <a:r>
               <a:rPr lang="he-IL" dirty="0"/>
-              <a:t> קובץ </a:t>
-            </a:r>
-            <a:r>
-              <a:rPr lang="he-IL" dirty="0" err="1"/>
-              <a:t>קונפיג</a:t>
-            </a:r>
+              <a:t>האלגוריתם צריך להחליט האם הוא יכול לרוץ עם ההפרעות שצצו במהלך היום או לבצע תיכנון מחדש ביחס למצב העולם בו הוא נמצא.</a:t>
+            </a:r>
+          </a:p>
+          <a:p>
             <a:r>
               <a:rPr lang="he-IL" dirty="0"/>
-              <a:t> ומוציא כפלט קובץ לוג(מכיל את גרף ה-</a:t>
-            </a:r>
-            <a:r>
-              <a:rPr lang="en-US" dirty="0"/>
-              <a:t>STN</a:t>
-            </a:r>
-            <a:r>
-              <a:rPr lang="he-IL" dirty="0"/>
-              <a:t> שלנו בתצורה של טבלה)</a:t>
-            </a:r>
-          </a:p>
-          <a:p>
-            <a:pPr marL="171450" indent="-171450">
-              <a:buFontTx/>
-              <a:buChar char="-"/>
-            </a:pPr>
-            <a:r>
-              <a:rPr lang="he-IL" dirty="0"/>
-              <a:t>בהתחלה התייחסנו </a:t>
-            </a:r>
-            <a:r>
-              <a:rPr lang="he-IL" dirty="0" err="1"/>
-              <a:t>לפרוייקט</a:t>
-            </a:r>
-            <a:r>
-              <a:rPr lang="he-IL" dirty="0"/>
-              <a:t> כקופסה שחורה אך ככל שהתקדמנו הבנו שכן יש צורך להיכנס לפרטיי המימוש ולבצע שינויים. הסיבה לכך היא שמדובר בעבודה אקדמית ולא מהתעשייה ולכן היה צורך בפגישה עם כותביי </a:t>
-            </a:r>
-            <a:r>
-              <a:rPr lang="he-IL" dirty="0" err="1"/>
-              <a:t>הפרוייקט</a:t>
-            </a:r>
-            <a:r>
-              <a:rPr lang="he-IL" dirty="0"/>
-              <a:t> הקודם על מנת לעבור על הקוד ופרטיי המימוש על מנת לבצע את השינויים הנדרשים ללא פגיעה באלגוריתם עצמו.</a:t>
-            </a:r>
-          </a:p>
-          <a:p>
-            <a:pPr marL="171450" indent="-171450">
-              <a:buFontTx/>
-              <a:buChar char="-"/>
-            </a:pPr>
-            <a:r>
-              <a:rPr lang="he-IL" dirty="0"/>
-              <a:t>מרבית השינויים היו הוספת מעטפת </a:t>
-            </a:r>
-            <a:r>
-              <a:rPr lang="he-IL" dirty="0" err="1"/>
-              <a:t>לפרוייקט</a:t>
-            </a:r>
-            <a:r>
-              <a:rPr lang="he-IL" dirty="0"/>
-              <a:t> כדי שנוכל להשתמש בו כחלק </a:t>
-            </a:r>
-            <a:r>
-              <a:rPr lang="he-IL" dirty="0" err="1"/>
-              <a:t>מההפרוייקט</a:t>
-            </a:r>
-            <a:r>
-              <a:rPr lang="he-IL" dirty="0"/>
-              <a:t> שלנו, כלומר שינינו את </a:t>
-            </a:r>
-            <a:r>
-              <a:rPr lang="he-IL" dirty="0" err="1"/>
-              <a:t>הפרוייקט</a:t>
-            </a:r>
-            <a:r>
-              <a:rPr lang="he-IL" dirty="0"/>
-              <a:t> כך שיקבל קלט ופלט בצורה שנוכל לייצר משוב מהזמן אונליין</a:t>
-            </a:r>
-            <a:endParaRPr lang="en-US" dirty="0"/>
-          </a:p>
-          <a:p>
-            <a:pPr marL="171450" indent="-171450">
-              <a:buFontTx/>
-              <a:buChar char="-"/>
-            </a:pPr>
-            <a:endParaRPr lang="he-IL" dirty="0"/>
+              <a:t> </a:t>
+            </a:r>
           </a:p>
         </p:txBody>
       </p:sp>
@@ -7905,7 +7842,7 @@
     </p:spTree>
     <p:extLst>
       <p:ext uri="{BB962C8B-B14F-4D97-AF65-F5344CB8AC3E}">
-        <p14:creationId xmlns:p14="http://schemas.microsoft.com/office/powerpoint/2010/main" val="97309096"/>
+        <p14:creationId xmlns:p14="http://schemas.microsoft.com/office/powerpoint/2010/main" val="3337829285"/>
       </p:ext>
     </p:extLst>
   </p:cSld>
@@ -7960,42 +7897,54 @@
           <a:lstStyle/>
           <a:p>
             <a:r>
+              <a:rPr lang="he-IL" u="sng" dirty="0"/>
+              <a:t>יואב</a:t>
+            </a:r>
+            <a:r>
               <a:rPr lang="he-IL" dirty="0"/>
-              <a:t>מטרת הפרויקט היא לבנות אלגוריתם </a:t>
+              <a:t>: כאן ניתן לראות את הסכמה כללית של הבעיה שלנו</a:t>
+            </a:r>
+          </a:p>
+          <a:p>
+            <a:r>
+              <a:rPr lang="he-IL" dirty="0"/>
+              <a:t>כאשר ה-</a:t>
             </a:r>
             <a:r>
               <a:rPr lang="en-US" dirty="0"/>
-              <a:t>online</a:t>
+              <a:t>planner</a:t>
             </a:r>
             <a:r>
               <a:rPr lang="he-IL" dirty="0"/>
-              <a:t> לניהול המראות ונחיתות של מטוסים.</a:t>
-            </a:r>
-          </a:p>
-          <a:p>
+              <a:t> הוא בעצם אלגוריתם </a:t>
+            </a:r>
+            <a:r>
+              <a:rPr lang="he-IL" dirty="0" err="1"/>
+              <a:t>האופליין</a:t>
+            </a:r>
             <a:r>
               <a:rPr lang="he-IL" dirty="0"/>
-              <a:t>בפרויקט זה בנינו אלגוריתם אשר מנהל את שדה התעופה בהתאם לתוכנית יום של אלגוריתם ה-</a:t>
+              <a:t> שמומש בפרויקט הקודם.</a:t>
+            </a:r>
+          </a:p>
+          <a:p>
+            <a:r>
+              <a:rPr lang="he-IL" dirty="0"/>
+              <a:t>ה-</a:t>
             </a:r>
             <a:r>
               <a:rPr lang="en-US" dirty="0"/>
-              <a:t>offline</a:t>
+              <a:t>executor</a:t>
             </a:r>
             <a:r>
               <a:rPr lang="he-IL" dirty="0"/>
-              <a:t>. זאת, תוך התמודדות עם שינויים ואילוצים בזמן-אמת.</a:t>
+              <a:t> הוא אלגוריתם האונליין שלנו.</a:t>
             </a:r>
           </a:p>
           <a:p>
             <a:r>
               <a:rPr lang="he-IL" dirty="0"/>
-              <a:t>האלגוריתם צריך להחליט האם הוא יכול לרוץ עם ההפרעות שצצו במהלך היום או לבצע תיכנון מחדש ביחס למצב העולם בו הוא נמצא.</a:t>
-            </a:r>
-          </a:p>
-          <a:p>
-            <a:r>
-              <a:rPr lang="he-IL" dirty="0"/>
-              <a:t> </a:t>
+              <a:t>כדי לבדוק את האלגוריתם שלנו היה עלינו לבנות סביבה אשר מדמה את שדה התעופה עם הפרעות ושינויים בזמן-אמת.</a:t>
             </a:r>
           </a:p>
         </p:txBody>
@@ -8049,7 +7998,7 @@
     </p:spTree>
     <p:extLst>
       <p:ext uri="{BB962C8B-B14F-4D97-AF65-F5344CB8AC3E}">
-        <p14:creationId xmlns:p14="http://schemas.microsoft.com/office/powerpoint/2010/main" val="3337829285"/>
+        <p14:creationId xmlns:p14="http://schemas.microsoft.com/office/powerpoint/2010/main" val="756721077"/>
       </p:ext>
     </p:extLst>
   </p:cSld>
@@ -8104,58 +8053,99 @@
           <a:lstStyle/>
           <a:p>
             <a:r>
+              <a:rPr lang="he-IL" u="sng" dirty="0"/>
+              <a:t>יואב:</a:t>
+            </a:r>
+            <a:endParaRPr lang="he-IL" u="none" dirty="0"/>
+          </a:p>
+          <a:p>
+            <a:r>
+              <a:rPr lang="he-IL" u="none" dirty="0"/>
+              <a:t>במימוש </a:t>
+            </a:r>
+            <a:r>
+              <a:rPr lang="he-IL" u="none" dirty="0" err="1"/>
+              <a:t>הפרוייקט</a:t>
+            </a:r>
+            <a:r>
+              <a:rPr lang="he-IL" u="none" dirty="0"/>
+              <a:t> ביצענו מספר הנחות:</a:t>
+            </a:r>
+          </a:p>
+          <a:p>
+            <a:pPr marL="171450" indent="-171450">
+              <a:buFontTx/>
+              <a:buChar char="-"/>
+            </a:pPr>
+            <a:r>
+              <a:rPr lang="he-IL" u="none" dirty="0"/>
+              <a:t>אין המראות ונחיתות בו זמנית – כלומר במרחב האווירי יש מטוס יחיד בכל זמן נתון.</a:t>
+            </a:r>
+          </a:p>
+          <a:p>
+            <a:pPr marL="171450" marR="0" lvl="0" indent="-171450" algn="r" defTabSz="914400" rtl="1" eaLnBrk="1" fontAlgn="auto" latinLnBrk="0" hangingPunct="1">
+              <a:lnSpc>
+                <a:spcPct val="100000"/>
+              </a:lnSpc>
+              <a:spcBef>
+                <a:spcPts val="0"/>
+              </a:spcBef>
+              <a:spcAft>
+                <a:spcPts val="0"/>
+              </a:spcAft>
+              <a:buClrTx/>
+              <a:buSzTx/>
+              <a:buFontTx/>
+              <a:buChar char="-"/>
+              <a:tabLst/>
+              <a:defRPr/>
+            </a:pPr>
+            <a:r>
+              <a:rPr lang="he-IL" u="none" dirty="0"/>
+              <a:t>זמן תיכנון מחדש זניח ביחס לזמניי הבעיה – </a:t>
+            </a:r>
+            <a:r>
               <a:rPr lang="he-IL" dirty="0"/>
-              <a:t>זוהי סכמה כללית של הבעיה שלנו</a:t>
-            </a:r>
-          </a:p>
-          <a:p>
+              <a:t>לכן בעת ביצוע תכנון מחדש הקפאנו את מצב העולם.</a:t>
+            </a:r>
+          </a:p>
+          <a:p>
+            <a:pPr marL="171450" marR="0" lvl="0" indent="-171450" algn="r" defTabSz="914400" rtl="1" eaLnBrk="1" fontAlgn="auto" latinLnBrk="0" hangingPunct="1">
+              <a:lnSpc>
+                <a:spcPct val="100000"/>
+              </a:lnSpc>
+              <a:spcBef>
+                <a:spcPts val="0"/>
+              </a:spcBef>
+              <a:spcAft>
+                <a:spcPts val="0"/>
+              </a:spcAft>
+              <a:buClrTx/>
+              <a:buSzTx/>
+              <a:buFontTx/>
+              <a:buChar char="-"/>
+              <a:tabLst/>
+              <a:defRPr/>
+            </a:pPr>
             <a:r>
               <a:rPr lang="he-IL" dirty="0"/>
-              <a:t>כאשר ה-</a:t>
+              <a:t>ההפרעה היחידה </a:t>
+            </a:r>
+            <a:r>
+              <a:rPr lang="he-IL" dirty="0" err="1"/>
+              <a:t>שסימלצנו</a:t>
+            </a:r>
+            <a:r>
+              <a:rPr lang="he-IL" dirty="0"/>
+              <a:t> היא עיכוב\דחייה של פעולה – כלומר מתיחה של גרף ה-</a:t>
             </a:r>
             <a:r>
               <a:rPr lang="en-US" dirty="0"/>
-              <a:t>planner</a:t>
-            </a:r>
-            <a:r>
-              <a:rPr lang="he-IL" dirty="0"/>
-              <a:t> הוא בעצם אלגוריתם </a:t>
-            </a:r>
-            <a:r>
-              <a:rPr lang="he-IL" dirty="0" err="1"/>
-              <a:t>האופליין</a:t>
+              <a:t>STN</a:t>
             </a:r>
             <a:r>
               <a:rPr lang="he-IL" dirty="0"/>
               <a:t>.</a:t>
-            </a:r>
-          </a:p>
-          <a:p>
-            <a:r>
-              <a:rPr lang="he-IL" dirty="0"/>
-              <a:t>ה-</a:t>
-            </a:r>
-            <a:r>
-              <a:rPr lang="en-US" dirty="0"/>
-              <a:t>executor</a:t>
-            </a:r>
-            <a:r>
-              <a:rPr lang="he-IL" dirty="0"/>
-              <a:t> הוא אלגוריתם האונליין שלנו, בגדול ה-</a:t>
-            </a:r>
-            <a:r>
-              <a:rPr lang="en-US" dirty="0"/>
-              <a:t>controller</a:t>
-            </a:r>
-            <a:r>
-              <a:rPr lang="he-IL" dirty="0"/>
-              <a:t> שלנו.</a:t>
-            </a:r>
-          </a:p>
-          <a:p>
-            <a:r>
-              <a:rPr lang="he-IL" dirty="0"/>
-              <a:t>ועל מנת לבדוק את האלגוריתם, בנינו סביבה אשר מדמה שדה תעופה עם הפרעות ושינויים בזמן-אמת.</a:t>
             </a:r>
           </a:p>
         </p:txBody>
@@ -8209,7 +8199,7 @@
     </p:spTree>
     <p:extLst>
       <p:ext uri="{BB962C8B-B14F-4D97-AF65-F5344CB8AC3E}">
-        <p14:creationId xmlns:p14="http://schemas.microsoft.com/office/powerpoint/2010/main" val="756721077"/>
+        <p14:creationId xmlns:p14="http://schemas.microsoft.com/office/powerpoint/2010/main" val="1169753784"/>
       </p:ext>
     </p:extLst>
   </p:cSld>
@@ -8263,9 +8253,153 @@
           <a:bodyPr/>
           <a:lstStyle/>
           <a:p>
+            <a:pPr marL="0" indent="0">
+              <a:buFontTx/>
+              <a:buNone/>
+            </a:pPr>
+            <a:r>
+              <a:rPr lang="he-IL" u="sng" dirty="0"/>
+              <a:t>יואב</a:t>
+            </a:r>
             <a:r>
               <a:rPr lang="he-IL" dirty="0"/>
-              <a:t>בפרויקט התעסקנו בעיקר במתיחת גרף ה-</a:t>
+              <a:t>:</a:t>
+            </a:r>
+          </a:p>
+          <a:p>
+            <a:pPr marL="171450" indent="-171450">
+              <a:buFontTx/>
+              <a:buChar char="-"/>
+            </a:pPr>
+            <a:r>
+              <a:rPr lang="he-IL" dirty="0"/>
+              <a:t>בדיאגרמה הזו ניתן לראות את הקשר בין אלגוריתם </a:t>
+            </a:r>
+            <a:r>
+              <a:rPr lang="he-IL" dirty="0" err="1"/>
+              <a:t>האופליין</a:t>
+            </a:r>
+            <a:r>
+              <a:rPr lang="he-IL" dirty="0"/>
+              <a:t> לאלגוריתם האונליין.</a:t>
+            </a:r>
+          </a:p>
+          <a:p>
+            <a:pPr marL="171450" marR="0" lvl="0" indent="-171450" algn="r" defTabSz="914400" rtl="1" eaLnBrk="1" fontAlgn="auto" latinLnBrk="0" hangingPunct="1">
+              <a:lnSpc>
+                <a:spcPct val="100000"/>
+              </a:lnSpc>
+              <a:spcBef>
+                <a:spcPts val="0"/>
+              </a:spcBef>
+              <a:spcAft>
+                <a:spcPts val="0"/>
+              </a:spcAft>
+              <a:buClrTx/>
+              <a:buSzTx/>
+              <a:buFontTx/>
+              <a:buChar char="-"/>
+              <a:tabLst/>
+              <a:defRPr/>
+            </a:pPr>
+            <a:r>
+              <a:rPr lang="he-IL" dirty="0"/>
+              <a:t>חשוב לציין כי השינוי העיקרי שביצענו באלגוריתם </a:t>
+            </a:r>
+            <a:r>
+              <a:rPr lang="he-IL" dirty="0" err="1"/>
+              <a:t>האופליין</a:t>
+            </a:r>
+            <a:r>
+              <a:rPr lang="he-IL" dirty="0"/>
+              <a:t> היה הוספת מעטפת, מעטפת זו </a:t>
+            </a:r>
+            <a:r>
+              <a:rPr lang="he-IL" dirty="0" err="1"/>
+              <a:t>איפשרה</a:t>
+            </a:r>
+            <a:r>
+              <a:rPr lang="he-IL" dirty="0"/>
+              <a:t> קבלת קלט ופלט על מנת שנוכל לייצר משוב.</a:t>
+            </a:r>
+          </a:p>
+          <a:p>
+            <a:pPr marL="0" marR="0" lvl="0" indent="0" algn="r" defTabSz="914400" rtl="1" eaLnBrk="1" fontAlgn="auto" latinLnBrk="0" hangingPunct="1">
+              <a:lnSpc>
+                <a:spcPct val="100000"/>
+              </a:lnSpc>
+              <a:spcBef>
+                <a:spcPts val="0"/>
+              </a:spcBef>
+              <a:spcAft>
+                <a:spcPts val="0"/>
+              </a:spcAft>
+              <a:buClrTx/>
+              <a:buSzTx/>
+              <a:buFontTx/>
+              <a:buNone/>
+              <a:tabLst/>
+              <a:defRPr/>
+            </a:pPr>
+            <a:r>
+              <a:rPr lang="he-IL" dirty="0"/>
+              <a:t>נעבור על סכמת הבלוקים ונתאר בקצרה את התפקיד של כל בלוק והקשר בין הבלוקים:</a:t>
+            </a:r>
+          </a:p>
+          <a:p>
+            <a:pPr marL="171450" indent="-171450">
+              <a:buFontTx/>
+              <a:buChar char="-"/>
+            </a:pPr>
+            <a:r>
+              <a:rPr lang="he-IL" dirty="0" err="1"/>
+              <a:t>האופליין</a:t>
+            </a:r>
+            <a:r>
+              <a:rPr lang="he-IL" dirty="0"/>
+              <a:t> יכול לקבל קובץ </a:t>
+            </a:r>
+            <a:r>
+              <a:rPr lang="he-IL" dirty="0" err="1"/>
+              <a:t>קונפיג</a:t>
+            </a:r>
+            <a:r>
+              <a:rPr lang="he-IL" dirty="0"/>
+              <a:t> חדש(טסט\יום חדש) או </a:t>
+            </a:r>
+            <a:r>
+              <a:rPr lang="he-IL" dirty="0" err="1"/>
+              <a:t>קונפיג</a:t>
+            </a:r>
+            <a:r>
+              <a:rPr lang="he-IL" dirty="0"/>
+              <a:t> שנוצר </a:t>
+            </a:r>
+            <a:r>
+              <a:rPr lang="he-IL" dirty="0" err="1"/>
+              <a:t>מתיכנון</a:t>
+            </a:r>
+            <a:r>
+              <a:rPr lang="he-IL" dirty="0"/>
+              <a:t> מחדש(משוב).</a:t>
+            </a:r>
+          </a:p>
+          <a:p>
+            <a:pPr marL="171450" indent="-171450">
+              <a:buFontTx/>
+              <a:buChar char="-"/>
+            </a:pPr>
+            <a:r>
+              <a:rPr lang="he-IL" dirty="0"/>
+              <a:t>כפלט </a:t>
+            </a:r>
+            <a:r>
+              <a:rPr lang="he-IL" dirty="0" err="1"/>
+              <a:t>האופליין</a:t>
+            </a:r>
+            <a:r>
+              <a:rPr lang="he-IL" dirty="0"/>
+              <a:t> מוציא תוכנית (</a:t>
             </a:r>
             <a:r>
               <a:rPr lang="en-US" dirty="0"/>
@@ -8273,24 +8407,199 @@
             </a:r>
             <a:r>
               <a:rPr lang="he-IL" dirty="0"/>
-              <a:t> – כלומר, בהפרעה של עיכוב או דחייה של פעולה מסוימת (למשל משימה של מטוס שהתארכה, המראה שהתעכבה) ואיך עיכוב זה השפיע על שאר סדר היום והשינויים הנצרכים בזמן-אמת.</a:t>
-            </a:r>
-          </a:p>
-          <a:p>
+              <a:t>) ומעביר אותה למנהל התוכנית.</a:t>
+            </a:r>
+          </a:p>
+          <a:p>
+            <a:pPr marL="171450" indent="-171450">
+              <a:buFontTx/>
+              <a:buChar char="-"/>
+            </a:pPr>
             <a:r>
               <a:rPr lang="he-IL" dirty="0"/>
-              <a:t>בפרויקט הנחנו כי תכנון </a:t>
+              <a:t>הבלוקים בכחול הם ה-</a:t>
+            </a:r>
+            <a:r>
+              <a:rPr lang="en-US" dirty="0" err="1"/>
+              <a:t>excutor</a:t>
+            </a:r>
+            <a:r>
+              <a:rPr lang="he-IL" dirty="0"/>
+              <a:t> הבלוקים באדום הם הסביבה.</a:t>
+            </a:r>
+          </a:p>
+          <a:p>
+            <a:pPr marL="171450" indent="-171450">
+              <a:buFontTx/>
+              <a:buChar char="-"/>
+            </a:pPr>
+            <a:r>
+              <a:rPr lang="he-IL" dirty="0"/>
+              <a:t>התוכנית יום נכנסת למנהל </a:t>
             </a:r>
             <a:r>
               <a:rPr lang="he-IL" dirty="0" err="1"/>
-              <a:t>האופליין</a:t>
+              <a:t>התכנית</a:t>
             </a:r>
             <a:r>
               <a:rPr lang="he-IL" dirty="0"/>
-              <a:t> זניח, ולכן בעת ביצוע תכנון מחדש הקפאנו את מצב העולם.</a:t>
-            </a:r>
-          </a:p>
-          <a:p>
+              <a:t> אשר מייצר את המודולים השונים והקשרים ביניהם.</a:t>
+            </a:r>
+          </a:p>
+          <a:p>
+            <a:pPr marL="171450" indent="-171450">
+              <a:buFontTx/>
+              <a:buChar char="-"/>
+            </a:pPr>
+            <a:r>
+              <a:rPr lang="he-IL" dirty="0"/>
+              <a:t>הבקר מקבל את קובץ </a:t>
+            </a:r>
+            <a:r>
+              <a:rPr lang="he-IL" dirty="0" err="1"/>
+              <a:t>הקונפיג</a:t>
+            </a:r>
+            <a:r>
+              <a:rPr lang="he-IL" dirty="0"/>
+              <a:t> </a:t>
+            </a:r>
+            <a:r>
+              <a:rPr lang="he-IL" dirty="0" err="1"/>
+              <a:t>והתכנית</a:t>
+            </a:r>
+            <a:r>
+              <a:rPr lang="he-IL" dirty="0"/>
+              <a:t> (</a:t>
+            </a:r>
+            <a:r>
+              <a:rPr lang="en-US" dirty="0"/>
+              <a:t>STN</a:t>
+            </a:r>
+            <a:r>
+              <a:rPr lang="he-IL" dirty="0"/>
+              <a:t>) ותפקידו לשמש כמגדל בקרה ופיקוח.</a:t>
+            </a:r>
+          </a:p>
+          <a:p>
+            <a:pPr marL="171450" marR="0" lvl="0" indent="-171450" algn="r" defTabSz="914400" rtl="1" eaLnBrk="1" fontAlgn="auto" latinLnBrk="0" hangingPunct="1">
+              <a:lnSpc>
+                <a:spcPct val="100000"/>
+              </a:lnSpc>
+              <a:spcBef>
+                <a:spcPts val="0"/>
+              </a:spcBef>
+              <a:spcAft>
+                <a:spcPts val="0"/>
+              </a:spcAft>
+              <a:buClrTx/>
+              <a:buSzTx/>
+              <a:buFontTx/>
+              <a:buChar char="-"/>
+              <a:tabLst/>
+              <a:defRPr/>
+            </a:pPr>
+            <a:r>
+              <a:rPr lang="he-IL" dirty="0"/>
+              <a:t>מודול מצב העולם (</a:t>
+            </a:r>
+            <a:r>
+              <a:rPr lang="en-US" dirty="0"/>
+              <a:t>state</a:t>
+            </a:r>
+            <a:r>
+              <a:rPr lang="he-IL" dirty="0"/>
+              <a:t>) מייצג תמונה של מצב כל המטוסים, נתיבים ושאר הפרמטרים אחריהם אנו עוקבים – מקבל </a:t>
+            </a:r>
+            <a:r>
+              <a:rPr lang="he-IL" dirty="0" err="1"/>
+              <a:t>עידכונים</a:t>
+            </a:r>
+            <a:r>
+              <a:rPr lang="he-IL" dirty="0"/>
+              <a:t> מהסימולטור על כל התחלה\סיום של פעולה.</a:t>
+            </a:r>
+          </a:p>
+          <a:p>
+            <a:pPr marL="0" marR="0" lvl="0" indent="0" algn="r" defTabSz="914400" rtl="1" eaLnBrk="1" fontAlgn="auto" latinLnBrk="0" hangingPunct="1">
+              <a:lnSpc>
+                <a:spcPct val="100000"/>
+              </a:lnSpc>
+              <a:spcBef>
+                <a:spcPts val="0"/>
+              </a:spcBef>
+              <a:spcAft>
+                <a:spcPts val="0"/>
+              </a:spcAft>
+              <a:buClrTx/>
+              <a:buSzTx/>
+              <a:buFontTx/>
+              <a:buNone/>
+              <a:tabLst/>
+              <a:defRPr/>
+            </a:pPr>
+            <a:endParaRPr lang="he-IL" dirty="0"/>
+          </a:p>
+          <a:p>
+            <a:pPr marL="171450" indent="-171450">
+              <a:buFontTx/>
+              <a:buChar char="-"/>
+            </a:pPr>
+            <a:r>
+              <a:rPr lang="he-IL" dirty="0"/>
+              <a:t>שעון – מודול גלובלי אשר סופר זמן באופן דיסקרטי.</a:t>
+            </a:r>
+          </a:p>
+          <a:p>
+            <a:pPr marL="171450" indent="-171450">
+              <a:buFontTx/>
+              <a:buChar char="-"/>
+            </a:pPr>
+            <a:r>
+              <a:rPr lang="he-IL" dirty="0"/>
+              <a:t>אירועים – מודול גלובלי אשר משמש כאמצעי תקשורת בין המודולים השונים </a:t>
+            </a:r>
+            <a:r>
+              <a:rPr lang="he-IL" dirty="0" err="1"/>
+              <a:t>בתכנית</a:t>
+            </a:r>
+            <a:r>
+              <a:rPr lang="he-IL" dirty="0"/>
+              <a:t> שלנו – מעין </a:t>
+            </a:r>
+            <a:r>
+              <a:rPr lang="en-US" dirty="0"/>
+              <a:t>BUS</a:t>
+            </a:r>
+            <a:r>
+              <a:rPr lang="he-IL" dirty="0"/>
+              <a:t>.</a:t>
+            </a:r>
+          </a:p>
+          <a:p>
+            <a:pPr marL="171450" indent="-171450">
+              <a:buFontTx/>
+              <a:buChar char="-"/>
+            </a:pPr>
+            <a:r>
+              <a:rPr lang="he-IL" dirty="0"/>
+              <a:t>הסימולטור משמש כמודל לעולם אשר מריץ את הפעולות ונותן אינדיקציה כאשר פעולות התחילו או הסתיימו.</a:t>
+            </a:r>
+          </a:p>
+          <a:p>
+            <a:pPr marL="171450" indent="-171450">
+              <a:buFontTx/>
+              <a:buChar char="-"/>
+            </a:pPr>
+            <a:r>
+              <a:rPr lang="he-IL" dirty="0"/>
+              <a:t>מודול ההפרעות – בוחר באופן רנדומלי לאיזה פעולה להפריע ומה משך ההפרעה.</a:t>
+            </a:r>
+          </a:p>
+          <a:p>
+            <a:pPr marL="171450" indent="-171450">
+              <a:buFontTx/>
+              <a:buChar char="-"/>
+            </a:pPr>
             <a:endParaRPr lang="he-IL" dirty="0"/>
           </a:p>
         </p:txBody>
@@ -8344,7 +8653,7 @@
     </p:spTree>
     <p:extLst>
       <p:ext uri="{BB962C8B-B14F-4D97-AF65-F5344CB8AC3E}">
-        <p14:creationId xmlns:p14="http://schemas.microsoft.com/office/powerpoint/2010/main" val="1169753784"/>
+        <p14:creationId xmlns:p14="http://schemas.microsoft.com/office/powerpoint/2010/main" val="850113018"/>
       </p:ext>
     </p:extLst>
   </p:cSld>
@@ -8399,8 +8708,12 @@
           <a:lstStyle/>
           <a:p>
             <a:r>
+              <a:rPr lang="he-IL" u="sng" dirty="0"/>
+              <a:t>הודיה</a:t>
+            </a:r>
+            <a:r>
               <a:rPr lang="he-IL" dirty="0"/>
-              <a:t>שדה תעופה מורכב מפעולות רבות במהלך היום - הוא מכיל מס' רב של מטוסים ומס' רב של נתיבים ועליו לסנכרן בין כל הפעולות ולפקח עליהן.</a:t>
+              <a:t>: שדה תעופה מורכב מפעולות רבות במהלך היום - הוא מכיל מס' רב של מטוסים ומס' רב של נתיבים ועליו לסנכרן בין כל הפעולות ולפקח עליהן.</a:t>
             </a:r>
           </a:p>
           <a:p>
@@ -8442,8 +8755,12 @@
           </a:p>
           <a:p>
             <a:r>
+              <a:rPr lang="he-IL" u="sng" dirty="0"/>
+              <a:t>יואב</a:t>
+            </a:r>
+            <a:r>
               <a:rPr lang="he-IL" dirty="0"/>
-              <a:t>פיקוח על שדה תעופה בדרך כלל מתבצע על ידי בניית תוכנית לסדר יום. תוכנית זו מכילה את סדר ההמראות והנחיתות עבור כל יום מראש.  </a:t>
+              <a:t>: פיקוח על שדה תעופה בדרך כלל מתבצע על ידי בניית תוכנית לסדר יום. תוכנית זו מכילה את סדר ההמראות והנחיתות עבור כל יום מראש.  </a:t>
             </a:r>
           </a:p>
           <a:p>
@@ -8563,13 +8880,17 @@
           <a:bodyPr/>
           <a:lstStyle/>
           <a:p>
-            <a:pPr marL="171450" indent="-171450">
-              <a:buFontTx/>
-              <a:buChar char="-"/>
-            </a:pPr>
+            <a:r>
+              <a:rPr lang="he-IL" u="sng" dirty="0"/>
+              <a:t>הודיה</a:t>
+            </a:r>
+            <a:r>
+              <a:rPr lang="he-IL" u="none" dirty="0"/>
+              <a:t>: מנהל</a:t>
+            </a:r>
             <a:r>
               <a:rPr lang="he-IL" dirty="0"/>
-              <a:t>בדיאגרמה הזו ניתן לראות את הקשר בין אלגוריתם </a:t>
+              <a:t> התוכנית הוא בעצם החולייה המקשרת בין האונליין </a:t>
             </a:r>
             <a:r>
               <a:rPr lang="he-IL" dirty="0" err="1"/>
@@ -8577,30 +8898,13 @@
             </a:r>
             <a:r>
               <a:rPr lang="he-IL" dirty="0"/>
-              <a:t> לאלגוריתם האונליין.</a:t>
-            </a:r>
-          </a:p>
-          <a:p>
-            <a:pPr marL="171450" marR="0" lvl="0" indent="-171450" algn="r" defTabSz="914400" rtl="1" eaLnBrk="1" fontAlgn="auto" latinLnBrk="0" hangingPunct="1">
-              <a:lnSpc>
-                <a:spcPct val="100000"/>
-              </a:lnSpc>
-              <a:spcBef>
-                <a:spcPts val="0"/>
-              </a:spcBef>
-              <a:spcAft>
-                <a:spcPts val="0"/>
-              </a:spcAft>
-              <a:buClrTx/>
-              <a:buSzTx/>
-              <a:buFontTx/>
-              <a:buChar char="-"/>
-              <a:tabLst/>
-              <a:defRPr/>
-            </a:pPr>
+              <a:t>.</a:t>
+            </a:r>
+          </a:p>
+          <a:p>
             <a:r>
               <a:rPr lang="he-IL" dirty="0"/>
-              <a:t>חשוב לציין כי עיקר השינויים שביצענו באלגוריתם </a:t>
+              <a:t>הוא מקבל את הפלט של </a:t>
             </a:r>
             <a:r>
               <a:rPr lang="he-IL" dirty="0" err="1"/>
@@ -8608,7 +8912,37 @@
             </a:r>
             <a:r>
               <a:rPr lang="he-IL" dirty="0"/>
-              <a:t> היו הוספת מעטפת לפרויקט כדי שנוכל לקשר בניהם. בעצם, שינינו את אלגוריתם </a:t>
+              <a:t> ומסדר אותו, בנוסף הוא בונה את המודולים של האונליין:</a:t>
+            </a:r>
+          </a:p>
+          <a:p>
+            <a:pPr marL="171450" indent="-171450">
+              <a:buFont typeface="Arial" panose="020B0604020202020204" pitchFamily="34" charset="0"/>
+              <a:buChar char="•"/>
+            </a:pPr>
+            <a:r>
+              <a:rPr lang="he-IL" dirty="0"/>
+              <a:t>הוא אחראי על יצירת המודולים הגלובליים, ועל הניקיון שלהם כאשר מתקבלת תוכנית חדשה.</a:t>
+            </a:r>
+          </a:p>
+          <a:p>
+            <a:pPr marL="171450" indent="-171450">
+              <a:buFont typeface="Arial" panose="020B0604020202020204" pitchFamily="34" charset="0"/>
+              <a:buChar char="•"/>
+            </a:pPr>
+            <a:r>
+              <a:rPr lang="he-IL" dirty="0"/>
+              <a:t>הוא יוצר את המודולים הלוקאלים עבור כל טסט ומקשר בניהם.</a:t>
+            </a:r>
+          </a:p>
+          <a:p>
+            <a:pPr marL="171450" indent="-171450">
+              <a:buFont typeface="Arial" panose="020B0604020202020204" pitchFamily="34" charset="0"/>
+              <a:buChar char="•"/>
+            </a:pPr>
+            <a:r>
+              <a:rPr lang="he-IL" dirty="0"/>
+              <a:t>בודק האם יש צורך בתכנון מחדש ובמידה וכן מריץ את </a:t>
             </a:r>
             <a:r>
               <a:rPr lang="he-IL" dirty="0" err="1"/>
@@ -8616,197 +8950,14 @@
             </a:r>
             <a:r>
               <a:rPr lang="he-IL" dirty="0"/>
-              <a:t> כך שיקבל קלט ופלט בצורה שנוכל לייצר </a:t>
-            </a:r>
-            <a:r>
-              <a:rPr lang="he-IL" b="0" dirty="0"/>
-              <a:t>משוב (כפי שמופיע כאן)</a:t>
-            </a:r>
+              <a:t>.</a:t>
+            </a:r>
+          </a:p>
+          <a:p>
             <a:r>
               <a:rPr lang="he-IL" dirty="0"/>
-              <a:t> בצורה נוחה.</a:t>
-            </a:r>
-          </a:p>
-          <a:p>
-            <a:pPr marL="171450" marR="0" lvl="0" indent="-171450" algn="r" defTabSz="914400" rtl="1" eaLnBrk="1" fontAlgn="auto" latinLnBrk="0" hangingPunct="1">
-              <a:lnSpc>
-                <a:spcPct val="100000"/>
-              </a:lnSpc>
-              <a:spcBef>
-                <a:spcPts val="0"/>
-              </a:spcBef>
-              <a:spcAft>
-                <a:spcPts val="0"/>
-              </a:spcAft>
-              <a:buClrTx/>
-              <a:buSzTx/>
-              <a:buFontTx/>
-              <a:buChar char="-"/>
-              <a:tabLst/>
-              <a:defRPr/>
-            </a:pPr>
-            <a:r>
-              <a:rPr lang="he-IL" dirty="0"/>
-              <a:t>אפשר לראות כי:</a:t>
-            </a:r>
-          </a:p>
-          <a:p>
-            <a:pPr marL="171450" indent="-171450">
-              <a:buFontTx/>
-              <a:buChar char="-"/>
-            </a:pPr>
-            <a:r>
-              <a:rPr lang="he-IL" dirty="0"/>
-              <a:t>אנחנו מקבלים תוכנית (</a:t>
-            </a:r>
-            <a:r>
-              <a:rPr lang="en-US" dirty="0"/>
-              <a:t>STN</a:t>
-            </a:r>
-            <a:r>
-              <a:rPr lang="he-IL" dirty="0"/>
-              <a:t>) מהזמן אופליין.</a:t>
-            </a:r>
-          </a:p>
-          <a:p>
-            <a:pPr marL="171450" indent="-171450">
-              <a:buFontTx/>
-              <a:buChar char="-"/>
-            </a:pPr>
-            <a:r>
-              <a:rPr lang="he-IL" dirty="0"/>
-              <a:t>התוכנית פעולה נכנסת למנהל התכנית והוא דואג לייצר את </a:t>
-            </a:r>
-            <a:r>
-              <a:rPr lang="he-IL" dirty="0" err="1"/>
-              <a:t>המודולוים</a:t>
-            </a:r>
-            <a:r>
-              <a:rPr lang="he-IL" dirty="0"/>
-              <a:t> השונים והקשרים ביניהם.</a:t>
-            </a:r>
-          </a:p>
-          <a:p>
-            <a:pPr marL="171450" indent="-171450">
-              <a:buFontTx/>
-              <a:buChar char="-"/>
-            </a:pPr>
-            <a:r>
-              <a:rPr lang="he-IL" dirty="0"/>
-              <a:t>הבקר מקבל את קובץ </a:t>
-            </a:r>
-            <a:r>
-              <a:rPr lang="he-IL" dirty="0" err="1"/>
-              <a:t>הקונפיג</a:t>
-            </a:r>
-            <a:r>
-              <a:rPr lang="he-IL" dirty="0"/>
-              <a:t> </a:t>
-            </a:r>
-            <a:r>
-              <a:rPr lang="he-IL" dirty="0" err="1"/>
-              <a:t>והתכנית</a:t>
-            </a:r>
-            <a:r>
-              <a:rPr lang="he-IL" dirty="0"/>
-              <a:t> (</a:t>
-            </a:r>
-            <a:r>
-              <a:rPr lang="en-US" dirty="0"/>
-              <a:t>STN</a:t>
-            </a:r>
-            <a:r>
-              <a:rPr lang="he-IL" dirty="0"/>
-              <a:t>) ותפקידו לשמש כמגדל בקרה ופיקוח.</a:t>
-            </a:r>
-          </a:p>
-          <a:p>
-            <a:pPr marL="171450" indent="-171450">
-              <a:buFontTx/>
-              <a:buChar char="-"/>
-            </a:pPr>
-            <a:r>
-              <a:rPr lang="he-IL" dirty="0"/>
-              <a:t>הסימולטור משמש כמודל לעולם אשר מריץ את הפעולות ונותן אינדיקציה כאשר פעולות הסתיימו.</a:t>
-            </a:r>
-          </a:p>
-          <a:p>
-            <a:pPr marL="171450" indent="-171450">
-              <a:buFontTx/>
-              <a:buChar char="-"/>
-            </a:pPr>
-            <a:r>
-              <a:rPr lang="he-IL" dirty="0"/>
-              <a:t>מודול מצב העולם (</a:t>
-            </a:r>
-            <a:r>
-              <a:rPr lang="en-US" dirty="0"/>
-              <a:t>state</a:t>
-            </a:r>
-            <a:r>
-              <a:rPr lang="he-IL" dirty="0"/>
-              <a:t>) מייצג תמונה של מצב כל המטוסים, נתיבים ושאר הפרמטרים אחריהם אנו עוקבים – מקבל </a:t>
-            </a:r>
-            <a:r>
-              <a:rPr lang="he-IL" dirty="0" err="1"/>
-              <a:t>עידכונים</a:t>
-            </a:r>
-            <a:r>
-              <a:rPr lang="he-IL" dirty="0"/>
-              <a:t> מהסימולטור על כל התחלה\סיום של פעולה.</a:t>
-            </a:r>
-          </a:p>
-          <a:p>
-            <a:pPr marL="171450" indent="-171450">
-              <a:buFontTx/>
-              <a:buChar char="-"/>
-            </a:pPr>
-            <a:endParaRPr lang="he-IL" dirty="0"/>
-          </a:p>
-          <a:p>
-            <a:pPr marL="171450" indent="-171450">
-              <a:buFontTx/>
-              <a:buChar char="-"/>
-            </a:pPr>
-            <a:r>
-              <a:rPr lang="he-IL" dirty="0"/>
-              <a:t>מודול ההפרעות – בוחר באופן רנדומלי כל מספר פעולות לייצר הפרעה אשר נשלחת לסימולטור עבור פעולה כלשהי.</a:t>
-            </a:r>
-          </a:p>
-          <a:p>
-            <a:pPr marL="171450" indent="-171450">
-              <a:buFontTx/>
-              <a:buChar char="-"/>
-            </a:pPr>
-            <a:r>
-              <a:rPr lang="he-IL" dirty="0"/>
-              <a:t>שעון – מודול גלובלי אשר סופר זמן באופן דיסקרטי.</a:t>
-            </a:r>
-          </a:p>
-          <a:p>
-            <a:pPr marL="171450" indent="-171450">
-              <a:buFontTx/>
-              <a:buChar char="-"/>
-            </a:pPr>
-            <a:r>
-              <a:rPr lang="he-IL" dirty="0"/>
-              <a:t>אירועים – מודול גלובלי אשר משמש כאמצעי תקשורת בין המודולים השונים </a:t>
-            </a:r>
-            <a:r>
-              <a:rPr lang="he-IL" dirty="0" err="1"/>
-              <a:t>בתכנית</a:t>
-            </a:r>
-            <a:r>
-              <a:rPr lang="he-IL" dirty="0"/>
-              <a:t> שלנו.</a:t>
-            </a:r>
-          </a:p>
-          <a:p>
-            <a:pPr marL="171450" indent="-171450">
-              <a:buFontTx/>
-              <a:buChar char="-"/>
-            </a:pPr>
-            <a:endParaRPr lang="he-IL" dirty="0"/>
+              <a:t>		</a:t>
+            </a:r>
           </a:p>
         </p:txBody>
       </p:sp>
@@ -8859,7 +9010,7 @@
     </p:spTree>
     <p:extLst>
       <p:ext uri="{BB962C8B-B14F-4D97-AF65-F5344CB8AC3E}">
-        <p14:creationId xmlns:p14="http://schemas.microsoft.com/office/powerpoint/2010/main" val="850113018"/>
+        <p14:creationId xmlns:p14="http://schemas.microsoft.com/office/powerpoint/2010/main" val="2906297507"/>
       </p:ext>
     </p:extLst>
   </p:cSld>
@@ -8914,12 +9065,30 @@
           <a:lstStyle/>
           <a:p>
             <a:r>
+              <a:rPr lang="he-IL" u="sng" dirty="0"/>
+              <a:t>הודיה</a:t>
+            </a:r>
+            <a:r>
               <a:rPr lang="he-IL" dirty="0"/>
-              <a:t>מנהל התוכנית הוא בעצם החולייה המקשרת בין אלגוריתם האונליין לאלגוריתם </a:t>
+              <a:t>: כאן ניתן לראות את ה-</a:t>
+            </a:r>
+            <a:r>
+              <a:rPr lang="en-US" dirty="0"/>
+              <a:t>flow</a:t>
+            </a:r>
+            <a:r>
+              <a:rPr lang="he-IL" dirty="0"/>
+              <a:t> של מנהל התוכנית:</a:t>
+            </a:r>
+          </a:p>
+          <a:p>
+            <a:r>
+              <a:rPr lang="he-IL" dirty="0"/>
+              <a:t>תחילה הוא יוצר את הבלוקים </a:t>
             </a:r>
             <a:r>
               <a:rPr lang="he-IL" dirty="0" err="1"/>
-              <a:t>האופליין</a:t>
+              <a:t>הגלובלים</a:t>
             </a:r>
             <a:r>
               <a:rPr lang="he-IL" dirty="0"/>
@@ -8929,59 +9098,49 @@
           <a:p>
             <a:r>
               <a:rPr lang="he-IL" dirty="0"/>
-              <a:t>הוא מקבל את הפלט של אלגוריתם </a:t>
+              <a:t>לאחר מכן הוא בודק האם הטסט סיים – אם כן, הוא מבצע ניקיון לבלוקים הגלובליים ועובר לטסט הבא!</a:t>
+            </a:r>
+          </a:p>
+          <a:p>
+            <a:r>
+              <a:rPr lang="he-IL" dirty="0"/>
+              <a:t>אם הטסט לא סיים, הוא בודק האם יש צורך בתכנון מחדש.</a:t>
+            </a:r>
+          </a:p>
+          <a:p>
+            <a:r>
+              <a:rPr lang="he-IL" dirty="0"/>
+              <a:t>אם אין צורך, כלומר אנחנו בתחילת טסט לכן מנהל </a:t>
             </a:r>
             <a:r>
               <a:rPr lang="he-IL" dirty="0" err="1"/>
-              <a:t>האופליין</a:t>
+              <a:t>התכנית</a:t>
             </a:r>
             <a:r>
               <a:rPr lang="he-IL" dirty="0"/>
-              <a:t> ומסדר אותו, בנוסף הוא בונה את המודולים של אלגוריתם האונליין:</a:t>
-            </a:r>
-          </a:p>
-          <a:p>
-            <a:pPr marL="171450" indent="-171450">
-              <a:buFont typeface="Arial" panose="020B0604020202020204" pitchFamily="34" charset="0"/>
-              <a:buChar char="•"/>
-            </a:pPr>
+              <a:t> ייצור את המודולים הלוקליים ויריץ את הסימולציה.</a:t>
+            </a:r>
+          </a:p>
+          <a:p>
             <a:r>
               <a:rPr lang="he-IL" dirty="0"/>
-              <a:t>הוא אחראי על יצירת המודולים הגלובליים, ועל הניקיון שלהם כאשר מתקבלת תוכנית חדשה.</a:t>
-            </a:r>
-          </a:p>
-          <a:p>
-            <a:pPr marL="171450" indent="-171450">
-              <a:buFont typeface="Arial" panose="020B0604020202020204" pitchFamily="34" charset="0"/>
-              <a:buChar char="•"/>
-            </a:pPr>
+              <a:t>אם יש צורך בתכנון מחדש – יבצע קריאה </a:t>
+            </a:r>
+            <a:r>
+              <a:rPr lang="he-IL" dirty="0" err="1"/>
+              <a:t>לאופליין</a:t>
+            </a:r>
             <a:r>
               <a:rPr lang="he-IL" dirty="0"/>
-              <a:t>הוא יוצא את המודולים הלוקאלים עבור כל טסט ומקשר בניהם.</a:t>
-            </a:r>
-          </a:p>
-          <a:p>
-            <a:pPr marL="171450" indent="-171450">
-              <a:buFont typeface="Arial" panose="020B0604020202020204" pitchFamily="34" charset="0"/>
-              <a:buChar char="•"/>
-            </a:pPr>
+              <a:t> עם </a:t>
+            </a:r>
+            <a:r>
+              <a:rPr lang="he-IL" dirty="0" err="1"/>
+              <a:t>הקונפיג</a:t>
+            </a:r>
             <a:r>
               <a:rPr lang="he-IL" dirty="0"/>
-              <a:t>בודק האם יש צורך בתכנון מחדש ומריץ את אלגוריתם </a:t>
-            </a:r>
-            <a:r>
-              <a:rPr lang="he-IL" dirty="0" err="1"/>
-              <a:t>האופליין</a:t>
-            </a:r>
-            <a:r>
-              <a:rPr lang="he-IL" dirty="0"/>
-              <a:t>.</a:t>
-            </a:r>
-          </a:p>
-          <a:p>
-            <a:r>
-              <a:rPr lang="he-IL" dirty="0"/>
-              <a:t>		</a:t>
+              <a:t> של התיכנון מחדש, ינקה את המודולים הגלובליים ויבנה מחדש את המודולים הלוקליים.</a:t>
             </a:r>
           </a:p>
         </p:txBody>
@@ -9035,7 +9194,7 @@
     </p:spTree>
     <p:extLst>
       <p:ext uri="{BB962C8B-B14F-4D97-AF65-F5344CB8AC3E}">
-        <p14:creationId xmlns:p14="http://schemas.microsoft.com/office/powerpoint/2010/main" val="2906297507"/>
+        <p14:creationId xmlns:p14="http://schemas.microsoft.com/office/powerpoint/2010/main" val="34609377"/>
       </p:ext>
     </p:extLst>
   </p:cSld>
@@ -9090,22 +9249,91 @@
           <a:lstStyle/>
           <a:p>
             <a:r>
+              <a:rPr lang="he-IL" u="sng" dirty="0"/>
+              <a:t>יואב</a:t>
+            </a:r>
+            <a:r>
               <a:rPr lang="he-IL" dirty="0"/>
-              <a:t>כאן ניתן לראות את ה-</a:t>
+              <a:t>: </a:t>
+            </a:r>
+            <a:r>
+              <a:rPr lang="he-IL" dirty="0" err="1"/>
+              <a:t>הקונטרולר</a:t>
+            </a:r>
+            <a:r>
+              <a:rPr lang="he-IL" dirty="0"/>
+              <a:t> הוא כביכול מגדל הפיקוח של התוכנית. הוא שולח את הפעולות שמוכנות לביצוע לסימולטור.</a:t>
+            </a:r>
+          </a:p>
+          <a:p>
+            <a:r>
+              <a:rPr lang="he-IL" dirty="0" err="1"/>
+              <a:t>הקונטרולר</a:t>
+            </a:r>
+            <a:r>
+              <a:rPr lang="he-IL" dirty="0"/>
+              <a:t> מחזיק בגרף התלויות כפי שקיבלנו מאלגוריתם </a:t>
+            </a:r>
+            <a:r>
+              <a:rPr lang="he-IL" dirty="0" err="1"/>
+              <a:t>האופליין</a:t>
+            </a:r>
+            <a:r>
+              <a:rPr lang="he-IL" dirty="0"/>
+              <a:t> ומחזיק גם את תור העדיפויות שלפיו נשלחות הפעולות לביצוע.</a:t>
+            </a:r>
+          </a:p>
+          <a:p>
+            <a:r>
+              <a:rPr lang="he-IL" dirty="0"/>
+              <a:t>הוא מחזיק </a:t>
+            </a:r>
+            <a:r>
+              <a:rPr lang="he-IL" dirty="0" err="1"/>
+              <a:t>רפרנס</a:t>
+            </a:r>
+            <a:r>
+              <a:rPr lang="he-IL" dirty="0"/>
+              <a:t> למודולים של ה-</a:t>
             </a:r>
             <a:r>
               <a:rPr lang="en-US" dirty="0"/>
-              <a:t>flow</a:t>
+              <a:t>clock</a:t>
             </a:r>
             <a:r>
               <a:rPr lang="he-IL" dirty="0"/>
-              <a:t> של מנהל התוכנית:</a:t>
-            </a:r>
-          </a:p>
-          <a:p>
+              <a:t> וה-</a:t>
+            </a:r>
+            <a:r>
+              <a:rPr lang="en-US" dirty="0"/>
+              <a:t>events</a:t>
+            </a:r>
             <a:r>
               <a:rPr lang="he-IL" dirty="0"/>
-              <a:t>פשוט לעבור על הדיאגרמה ולהקריא. להדגיש מה גלובלי ומה נבנה עבור כל טסט מחדש.</a:t>
+              <a:t>. מודול ההפרעות מאזין </a:t>
+            </a:r>
+            <a:r>
+              <a:rPr lang="he-IL" dirty="0" err="1"/>
+              <a:t>לקונטרולר</a:t>
+            </a:r>
+            <a:r>
+              <a:rPr lang="he-IL" dirty="0"/>
+              <a:t>.</a:t>
+            </a:r>
+          </a:p>
+          <a:p>
+            <a:endParaRPr lang="he-IL" dirty="0"/>
+          </a:p>
+          <a:p>
+            <a:r>
+              <a:rPr lang="he-IL" dirty="0"/>
+              <a:t>הבקר מייצר את מבניי הנתונים שלו על סמך התכנית מהמודול אופליין.</a:t>
+            </a:r>
+          </a:p>
+          <a:p>
+            <a:r>
+              <a:rPr lang="he-IL" dirty="0"/>
+              <a:t>הבקר הוא מגדל הפיקוח אשר שולח את הפעולות שמוכנות לביצוע לסימולטור.</a:t>
             </a:r>
           </a:p>
         </p:txBody>
@@ -9159,7 +9387,7 @@
     </p:spTree>
     <p:extLst>
       <p:ext uri="{BB962C8B-B14F-4D97-AF65-F5344CB8AC3E}">
-        <p14:creationId xmlns:p14="http://schemas.microsoft.com/office/powerpoint/2010/main" val="34609377"/>
+        <p14:creationId xmlns:p14="http://schemas.microsoft.com/office/powerpoint/2010/main" val="4166017777"/>
       </p:ext>
     </p:extLst>
   </p:cSld>
@@ -9214,22 +9442,8 @@
           <a:lstStyle/>
           <a:p>
             <a:r>
-              <a:rPr lang="he-IL" dirty="0" err="1"/>
-              <a:t>הקונטרולר</a:t>
-            </a:r>
-            <a:r>
               <a:rPr lang="he-IL" dirty="0"/>
-              <a:t> הוא כביכול מגדל הפיקוח של התוכנית. הוא שולח את הפעולות שמוכנות לביצוע לסימולטור.</a:t>
-            </a:r>
-          </a:p>
-          <a:p>
-            <a:r>
-              <a:rPr lang="he-IL" dirty="0" err="1"/>
-              <a:t>הקונטרולר</a:t>
-            </a:r>
-            <a:r>
-              <a:rPr lang="he-IL" dirty="0"/>
-              <a:t> מחזיק בגרף התלויות כפי שקיבלנו מאלגוריתם </a:t>
+              <a:t>הגרף הוא בעצם הפלט של תוכנית </a:t>
             </a:r>
             <a:r>
               <a:rPr lang="he-IL" dirty="0" err="1"/>
@@ -9237,60 +9451,19 @@
             </a:r>
             <a:r>
               <a:rPr lang="he-IL" dirty="0"/>
-              <a:t> ומחזיק גם את תור העדיפויות שלפיו נשלחות הפעולות לביצוע.</a:t>
+              <a:t>.</a:t>
             </a:r>
           </a:p>
           <a:p>
             <a:r>
               <a:rPr lang="he-IL" dirty="0"/>
-              <a:t>הוא מחזיק </a:t>
-            </a:r>
-            <a:r>
-              <a:rPr lang="he-IL" dirty="0" err="1"/>
-              <a:t>רפרנס</a:t>
-            </a:r>
+              <a:t>סידרנו אותו במבנה נתונים כזה, על מנת שיהיה לנו נוח לבצע חיפוש בגרף ולעקוב אחר התלויות (איזו פעולה תלויה באיזו פעולה – מיוצג ע"י קשרי אב ובן).</a:t>
+            </a:r>
+          </a:p>
+          <a:p>
             <a:r>
               <a:rPr lang="he-IL" dirty="0"/>
-              <a:t> למודולים של ה-</a:t>
-            </a:r>
-            <a:r>
-              <a:rPr lang="en-US" dirty="0"/>
-              <a:t>clock</a:t>
-            </a:r>
-            <a:r>
-              <a:rPr lang="he-IL" dirty="0"/>
-              <a:t> וה-</a:t>
-            </a:r>
-            <a:r>
-              <a:rPr lang="en-US" dirty="0"/>
-              <a:t>events</a:t>
-            </a:r>
-            <a:r>
-              <a:rPr lang="he-IL" dirty="0"/>
-              <a:t>. מודול ההפרעות מאזין </a:t>
-            </a:r>
-            <a:r>
-              <a:rPr lang="he-IL" dirty="0" err="1"/>
-              <a:t>לקונטרולר</a:t>
-            </a:r>
-            <a:r>
-              <a:rPr lang="he-IL" dirty="0"/>
-              <a:t>.</a:t>
-            </a:r>
-          </a:p>
-          <a:p>
-            <a:endParaRPr lang="he-IL" dirty="0"/>
-          </a:p>
-          <a:p>
-            <a:r>
-              <a:rPr lang="he-IL" dirty="0"/>
-              <a:t>הבקר מייצר את מבניי הנתונים שלו על סמך התכנית מהמודול אופליין.</a:t>
-            </a:r>
-          </a:p>
-          <a:p>
-            <a:r>
-              <a:rPr lang="he-IL" dirty="0"/>
-              <a:t>הבקר הוא מגדל הפיקוח אשר שולח את הפעולות שמוכנות לביצוע לסימולטור.</a:t>
+              <a:t>לעבור על המלל והגרף, שיראו את המעבר. תוך דגש על מקומות עם מס' תלויות.</a:t>
             </a:r>
           </a:p>
         </p:txBody>
@@ -9344,7 +9517,7 @@
     </p:spTree>
     <p:extLst>
       <p:ext uri="{BB962C8B-B14F-4D97-AF65-F5344CB8AC3E}">
-        <p14:creationId xmlns:p14="http://schemas.microsoft.com/office/powerpoint/2010/main" val="4166017777"/>
+        <p14:creationId xmlns:p14="http://schemas.microsoft.com/office/powerpoint/2010/main" val="777958349"/>
       </p:ext>
     </p:extLst>
   </p:cSld>
@@ -9400,28 +9573,204 @@
           <a:p>
             <a:r>
               <a:rPr lang="he-IL" dirty="0"/>
-              <a:t>הגרף הוא בעצם הפלט של תוכנית </a:t>
+              <a:t>זה הוא תור העדיפויות שלפיו הבקר שולח את הפעולות לביצוע. בתחילת התוכנית התור מסודר לפי התוכנית הראשונית שהתקבלה ממנהל התוכנית.</a:t>
+            </a:r>
+          </a:p>
+          <a:p>
+            <a:r>
+              <a:rPr lang="he-IL" dirty="0"/>
+              <a:t>- התור מסודר לפי הזמן בו הפעולה אמורה להתחיל ביחס לתחילת הבעיה (להצביע על הדיאגרמה ולהסביר).</a:t>
+            </a:r>
+          </a:p>
+          <a:p>
+            <a:pPr marL="171450" indent="-171450">
+              <a:buFontTx/>
+              <a:buChar char="-"/>
+            </a:pPr>
+            <a:r>
+              <a:rPr lang="he-IL" dirty="0"/>
+              <a:t>התור מורכב ממצביעים לצמתים בגרף (אשר מכילים מידע על כל פעולה).</a:t>
+            </a:r>
+          </a:p>
+          <a:p>
+            <a:pPr marL="171450" indent="-171450">
+              <a:buFontTx/>
+              <a:buChar char="-"/>
+            </a:pPr>
+            <a:r>
+              <a:rPr lang="he-IL" dirty="0"/>
+              <a:t>עבור כל פעולה נבדוק מס' דברים:</a:t>
+            </a:r>
+          </a:p>
+          <a:p>
+            <a:pPr marL="171450" indent="-171450">
+              <a:buFontTx/>
+              <a:buChar char="-"/>
+            </a:pPr>
+            <a:r>
+              <a:rPr lang="he-IL" dirty="0"/>
+              <a:t>1. האם האבות שלה סיימו.</a:t>
+            </a:r>
+          </a:p>
+          <a:p>
+            <a:pPr marL="171450" indent="-171450">
+              <a:buFontTx/>
+              <a:buChar char="-"/>
+            </a:pPr>
+            <a:r>
+              <a:rPr lang="he-IL" dirty="0"/>
+              <a:t>2. האם הגיע הזמן שלה לרוץ.</a:t>
+            </a:r>
+          </a:p>
+          <a:p>
+            <a:pPr marL="171450" indent="-171450">
+              <a:buFontTx/>
+              <a:buChar char="-"/>
+            </a:pPr>
+            <a:r>
+              <a:rPr lang="he-IL" dirty="0"/>
+              <a:t>3. מוודאים את חוקיות הפעולה מול מודול מצב העולם (לדג' נחיתה צריכה נתיב, אז האם יש נתיב פנוי)</a:t>
+            </a:r>
+          </a:p>
+          <a:p>
+            <a:pPr marL="171450" indent="-171450">
+              <a:buFontTx/>
+              <a:buChar char="-"/>
+            </a:pPr>
+            <a:endParaRPr lang="he-IL" dirty="0"/>
+          </a:p>
+          <a:p>
+            <a:pPr marL="171450" indent="-171450">
+              <a:buFontTx/>
+              <a:buChar char="-"/>
+            </a:pPr>
+            <a:r>
+              <a:rPr lang="he-IL" dirty="0"/>
+              <a:t>(עבור כל פעולה שנשלחת לסימולטור מתבצעת המרת יחידות של משך הפעולה לפי ציר הזמן שהוגדר)</a:t>
+            </a:r>
+          </a:p>
+          <a:p>
+            <a:pPr marL="171450" indent="-171450">
+              <a:buFontTx/>
+              <a:buChar char="-"/>
+            </a:pPr>
+            <a:endParaRPr lang="he-IL" dirty="0"/>
+          </a:p>
+          <a:p>
+            <a:pPr marL="171450" indent="-171450">
+              <a:buFontTx/>
+              <a:buChar char="-"/>
+            </a:pPr>
+            <a:r>
+              <a:rPr lang="he-IL" dirty="0"/>
+              <a:t>פעולות שהזמן שלהן הגיע אך לא מוכנות (עקב הפרעה או שינוי סדר פעולות על ידי הבקר) מקבלות קנס של יחידת זמן אחת ובכך אנו משנים את סדר הפעולות מהתוכנית המקורית.</a:t>
+            </a:r>
+          </a:p>
+          <a:p>
+            <a:pPr marL="171450" indent="-171450">
+              <a:buFontTx/>
+              <a:buChar char="-"/>
+            </a:pPr>
+            <a:endParaRPr lang="he-IL" dirty="0"/>
+          </a:p>
+          <a:p>
+            <a:pPr marL="171450" indent="-171450">
+              <a:buFontTx/>
+              <a:buChar char="-"/>
+            </a:pPr>
+            <a:r>
+              <a:rPr lang="he-IL" dirty="0"/>
+              <a:t>כל פעולה שהסתיימה מרימה דגל בצומת שלה בגרף.</a:t>
+            </a:r>
+          </a:p>
+          <a:p>
+            <a:pPr marL="171450" indent="-171450">
+              <a:buFontTx/>
+              <a:buChar char="-"/>
+            </a:pPr>
+            <a:r>
+              <a:rPr lang="he-IL" dirty="0"/>
+              <a:t>כאשר כל הפעולות הסתיימו והתור ריק – </a:t>
             </a:r>
             <a:r>
               <a:rPr lang="he-IL" dirty="0" err="1"/>
-              <a:t>האופליין</a:t>
+              <a:t>הקונטרולר</a:t>
             </a:r>
             <a:r>
               <a:rPr lang="he-IL" dirty="0"/>
-              <a:t>.</a:t>
-            </a:r>
-          </a:p>
-          <a:p>
+              <a:t> מעלה </a:t>
+            </a:r>
+            <a:r>
+              <a:rPr lang="he-IL" dirty="0" err="1"/>
+              <a:t>איבנט</a:t>
+            </a:r>
             <a:r>
               <a:rPr lang="he-IL" dirty="0"/>
-              <a:t>סידרנו אותו במבנה נתונים כזה, על מנת שיהיה לנו נוח לבצע חיפוש בגרף ולעקוב אחר התלויות (איזו פעולה תלויה באיזו פעולה – מיוצג ע"י קשרי אב ובן).</a:t>
-            </a:r>
-          </a:p>
-          <a:p>
+              <a:t> שהוא סיים.</a:t>
+            </a:r>
+          </a:p>
+          <a:p>
+            <a:pPr marL="171450" indent="-171450">
+              <a:buFontTx/>
+              <a:buChar char="-"/>
+            </a:pPr>
+            <a:endParaRPr lang="he-IL" dirty="0"/>
+          </a:p>
+          <a:p>
+            <a:pPr marL="171450" indent="-171450">
+              <a:buFontTx/>
+              <a:buChar char="-"/>
+            </a:pPr>
+            <a:endParaRPr lang="he-IL" dirty="0"/>
+          </a:p>
+          <a:p>
+            <a:endParaRPr lang="he-IL" dirty="0"/>
+          </a:p>
+          <a:p>
+            <a:pPr marL="0" marR="0" lvl="0" indent="0" algn="r" defTabSz="914400" rtl="1" eaLnBrk="1" fontAlgn="auto" latinLnBrk="0" hangingPunct="1">
+              <a:lnSpc>
+                <a:spcPct val="100000"/>
+              </a:lnSpc>
+              <a:spcBef>
+                <a:spcPts val="0"/>
+              </a:spcBef>
+              <a:spcAft>
+                <a:spcPts val="0"/>
+              </a:spcAft>
+              <a:buClrTx/>
+              <a:buSzTx/>
+              <a:buFontTx/>
+              <a:buNone/>
+              <a:tabLst/>
+              <a:defRPr/>
+            </a:pPr>
             <a:r>
               <a:rPr lang="he-IL" dirty="0"/>
-              <a:t>לעבור על המלל והגרף, שיראו את המעבר. תוך דגש על מקומות עם מס' תלויות.</a:t>
-            </a:r>
+              <a:t>עבור כל פעולה שנשלחת לסימולטור מבצע המרה של משך הפעולה לפי ציר הזמן שהוגדר.</a:t>
+            </a:r>
+          </a:p>
+          <a:p>
+            <a:r>
+              <a:rPr lang="he-IL" dirty="0"/>
+              <a:t>עבור כל פעולה שהסתיימה מעדכן בגרף בצומת המתאים את הדגל של הפעולה.</a:t>
+            </a:r>
+          </a:p>
+          <a:p>
+            <a:r>
+              <a:rPr lang="he-IL" dirty="0"/>
+              <a:t>כאשר הבקר סיים את כל הפעולות שקיימות </a:t>
+            </a:r>
+            <a:r>
+              <a:rPr lang="he-IL" dirty="0" err="1"/>
+              <a:t>בתכנית</a:t>
+            </a:r>
+            <a:r>
+              <a:rPr lang="he-IL" dirty="0"/>
+              <a:t> –מעלה אירוע שהוא סיים.</a:t>
+            </a:r>
+          </a:p>
+          <a:p>
+            <a:endParaRPr lang="he-IL" dirty="0"/>
           </a:p>
         </p:txBody>
       </p:sp>
@@ -9474,7 +9823,7 @@
     </p:spTree>
     <p:extLst>
       <p:ext uri="{BB962C8B-B14F-4D97-AF65-F5344CB8AC3E}">
-        <p14:creationId xmlns:p14="http://schemas.microsoft.com/office/powerpoint/2010/main" val="777958349"/>
+        <p14:creationId xmlns:p14="http://schemas.microsoft.com/office/powerpoint/2010/main" val="243888583"/>
       </p:ext>
     </p:extLst>
   </p:cSld>
@@ -9528,205 +9877,6 @@
           <a:bodyPr/>
           <a:lstStyle/>
           <a:p>
-            <a:r>
-              <a:rPr lang="he-IL" dirty="0"/>
-              <a:t>זה הוא תור העדיפויות שלפיו הבקר שולח את הפעולות לביצוע. בתחילת התוכנית התור מסודר לפי התוכנית הראשונית שהתקבלה ממנהל התוכנית.</a:t>
-            </a:r>
-          </a:p>
-          <a:p>
-            <a:r>
-              <a:rPr lang="he-IL" dirty="0"/>
-              <a:t>- התור מסודר לפי הזמן בו הפעולה אמורה להתחיל ביחס לתחילת הבעיה (להצביע על הדיאגרמה ולהסביר).</a:t>
-            </a:r>
-          </a:p>
-          <a:p>
-            <a:pPr marL="171450" indent="-171450">
-              <a:buFontTx/>
-              <a:buChar char="-"/>
-            </a:pPr>
-            <a:r>
-              <a:rPr lang="he-IL" dirty="0"/>
-              <a:t>התור מורכב ממצביעים לצמתים בגרף (אשר מכילים מידע על כל פעולה).</a:t>
-            </a:r>
-          </a:p>
-          <a:p>
-            <a:pPr marL="171450" indent="-171450">
-              <a:buFontTx/>
-              <a:buChar char="-"/>
-            </a:pPr>
-            <a:r>
-              <a:rPr lang="he-IL" dirty="0"/>
-              <a:t>עבור כל פעולה נבדוק מס' דברים:</a:t>
-            </a:r>
-          </a:p>
-          <a:p>
-            <a:pPr marL="171450" indent="-171450">
-              <a:buFontTx/>
-              <a:buChar char="-"/>
-            </a:pPr>
-            <a:r>
-              <a:rPr lang="he-IL" dirty="0"/>
-              <a:t>1. האם האבות שלה סיימו.</a:t>
-            </a:r>
-          </a:p>
-          <a:p>
-            <a:pPr marL="171450" indent="-171450">
-              <a:buFontTx/>
-              <a:buChar char="-"/>
-            </a:pPr>
-            <a:r>
-              <a:rPr lang="he-IL" dirty="0"/>
-              <a:t>2. האם הגיע הזמן שלה לרוץ.</a:t>
-            </a:r>
-          </a:p>
-          <a:p>
-            <a:pPr marL="171450" indent="-171450">
-              <a:buFontTx/>
-              <a:buChar char="-"/>
-            </a:pPr>
-            <a:r>
-              <a:rPr lang="he-IL" dirty="0"/>
-              <a:t>3. מוודאים את חוקיות הפעולה מול מודול מצב העולם (לדג' נחיתה צריכה נתיב, אז האם יש נתיב פנוי)</a:t>
-            </a:r>
-          </a:p>
-          <a:p>
-            <a:pPr marL="171450" indent="-171450">
-              <a:buFontTx/>
-              <a:buChar char="-"/>
-            </a:pPr>
-            <a:endParaRPr lang="he-IL" dirty="0"/>
-          </a:p>
-          <a:p>
-            <a:pPr marL="171450" indent="-171450">
-              <a:buFontTx/>
-              <a:buChar char="-"/>
-            </a:pPr>
-            <a:r>
-              <a:rPr lang="he-IL" dirty="0"/>
-              <a:t>(עבור כל פעולה שנשלחת לסימולטור מתבצעת המרת יחידות של משך הפעולה לפי ציר הזמן שהוגדר)</a:t>
-            </a:r>
-          </a:p>
-          <a:p>
-            <a:pPr marL="171450" indent="-171450">
-              <a:buFontTx/>
-              <a:buChar char="-"/>
-            </a:pPr>
-            <a:endParaRPr lang="he-IL" dirty="0"/>
-          </a:p>
-          <a:p>
-            <a:pPr marL="171450" indent="-171450">
-              <a:buFontTx/>
-              <a:buChar char="-"/>
-            </a:pPr>
-            <a:r>
-              <a:rPr lang="he-IL" dirty="0"/>
-              <a:t>פעולות שהזמן שלהן הגיע אך לא מוכנות (עקב הפרעה או שינוי סדר פעולות על ידי הבקר) מקבלות קנס של יחידת זמן אחת ובכך אנו משנים את סדר הפעולות מהתוכנית המקורית.</a:t>
-            </a:r>
-          </a:p>
-          <a:p>
-            <a:pPr marL="171450" indent="-171450">
-              <a:buFontTx/>
-              <a:buChar char="-"/>
-            </a:pPr>
-            <a:endParaRPr lang="he-IL" dirty="0"/>
-          </a:p>
-          <a:p>
-            <a:pPr marL="171450" indent="-171450">
-              <a:buFontTx/>
-              <a:buChar char="-"/>
-            </a:pPr>
-            <a:r>
-              <a:rPr lang="he-IL" dirty="0"/>
-              <a:t>כל פעולה שהסתיימה מרימה דגל בצומת שלה בגרף.</a:t>
-            </a:r>
-          </a:p>
-          <a:p>
-            <a:pPr marL="171450" indent="-171450">
-              <a:buFontTx/>
-              <a:buChar char="-"/>
-            </a:pPr>
-            <a:r>
-              <a:rPr lang="he-IL" dirty="0"/>
-              <a:t>כאשר כל הפעולות הסתיימו והתור ריק – </a:t>
-            </a:r>
-            <a:r>
-              <a:rPr lang="he-IL" dirty="0" err="1"/>
-              <a:t>הקונטרולר</a:t>
-            </a:r>
-            <a:r>
-              <a:rPr lang="he-IL" dirty="0"/>
-              <a:t> מעלה </a:t>
-            </a:r>
-            <a:r>
-              <a:rPr lang="he-IL" dirty="0" err="1"/>
-              <a:t>איבנט</a:t>
-            </a:r>
-            <a:r>
-              <a:rPr lang="he-IL" dirty="0"/>
-              <a:t> שהוא סיים.</a:t>
-            </a:r>
-          </a:p>
-          <a:p>
-            <a:pPr marL="171450" indent="-171450">
-              <a:buFontTx/>
-              <a:buChar char="-"/>
-            </a:pPr>
-            <a:endParaRPr lang="he-IL" dirty="0"/>
-          </a:p>
-          <a:p>
-            <a:pPr marL="171450" indent="-171450">
-              <a:buFontTx/>
-              <a:buChar char="-"/>
-            </a:pPr>
-            <a:endParaRPr lang="he-IL" dirty="0"/>
-          </a:p>
-          <a:p>
-            <a:endParaRPr lang="he-IL" dirty="0"/>
-          </a:p>
-          <a:p>
-            <a:pPr marL="0" marR="0" lvl="0" indent="0" algn="r" defTabSz="914400" rtl="1" eaLnBrk="1" fontAlgn="auto" latinLnBrk="0" hangingPunct="1">
-              <a:lnSpc>
-                <a:spcPct val="100000"/>
-              </a:lnSpc>
-              <a:spcBef>
-                <a:spcPts val="0"/>
-              </a:spcBef>
-              <a:spcAft>
-                <a:spcPts val="0"/>
-              </a:spcAft>
-              <a:buClrTx/>
-              <a:buSzTx/>
-              <a:buFontTx/>
-              <a:buNone/>
-              <a:tabLst/>
-              <a:defRPr/>
-            </a:pPr>
-            <a:r>
-              <a:rPr lang="he-IL" dirty="0"/>
-              <a:t>עבור כל פעולה שנשלחת לסימולטור מבצע המרה של משך הפעולה לפי ציר הזמן שהוגדר.</a:t>
-            </a:r>
-          </a:p>
-          <a:p>
-            <a:r>
-              <a:rPr lang="he-IL" dirty="0"/>
-              <a:t>עבור כל פעולה שהסתיימה מעדכן בגרף בצומת המתאים את הדגל של הפעולה.</a:t>
-            </a:r>
-          </a:p>
-          <a:p>
-            <a:r>
-              <a:rPr lang="he-IL" dirty="0"/>
-              <a:t>כאשר הבקר סיים את כל הפעולות שקיימות </a:t>
-            </a:r>
-            <a:r>
-              <a:rPr lang="he-IL" dirty="0" err="1"/>
-              <a:t>בתכנית</a:t>
-            </a:r>
-            <a:r>
-              <a:rPr lang="he-IL" dirty="0"/>
-              <a:t> –מעלה אירוע שהוא סיים.</a:t>
-            </a:r>
-          </a:p>
-          <a:p>
             <a:endParaRPr lang="he-IL" dirty="0"/>
           </a:p>
         </p:txBody>
@@ -9780,7 +9930,7 @@
     </p:spTree>
     <p:extLst>
       <p:ext uri="{BB962C8B-B14F-4D97-AF65-F5344CB8AC3E}">
-        <p14:creationId xmlns:p14="http://schemas.microsoft.com/office/powerpoint/2010/main" val="243888583"/>
+        <p14:creationId xmlns:p14="http://schemas.microsoft.com/office/powerpoint/2010/main" val="3276345102"/>
       </p:ext>
     </p:extLst>
   </p:cSld>
@@ -9834,6 +9984,97 @@
           <a:bodyPr/>
           <a:lstStyle/>
           <a:p>
+            <a:r>
+              <a:rPr lang="he-IL" dirty="0"/>
+              <a:t>הסימולטור מדמה את מצב העולם, אין לא יכולת החלטה על ביצוע של דברים אלא הוא מקבל פקודות בלבד ועושה אותן.</a:t>
+            </a:r>
+          </a:p>
+          <a:p>
+            <a:r>
+              <a:rPr lang="he-IL" dirty="0"/>
+              <a:t>הסימולטור מחזיק תור עדיפויות שונה </a:t>
+            </a:r>
+            <a:r>
+              <a:rPr lang="he-IL" dirty="0" err="1"/>
+              <a:t>מקונטרולר</a:t>
+            </a:r>
+            <a:r>
+              <a:rPr lang="he-IL" dirty="0"/>
+              <a:t> (נסביר בהמשך) שלפיו הסימולטור יודע אילו פעולות סיימו.</a:t>
+            </a:r>
+          </a:p>
+          <a:p>
+            <a:r>
+              <a:rPr lang="he-IL" dirty="0"/>
+              <a:t>הוא מחזיק </a:t>
+            </a:r>
+            <a:r>
+              <a:rPr lang="he-IL" dirty="0" err="1"/>
+              <a:t>רפרנס</a:t>
+            </a:r>
+            <a:r>
+              <a:rPr lang="he-IL" dirty="0"/>
+              <a:t> למודולים של ה-</a:t>
+            </a:r>
+            <a:r>
+              <a:rPr lang="en-US" dirty="0"/>
+              <a:t>clock</a:t>
+            </a:r>
+            <a:r>
+              <a:rPr lang="he-IL" dirty="0"/>
+              <a:t> וה-</a:t>
+            </a:r>
+            <a:r>
+              <a:rPr lang="en-US" dirty="0"/>
+              <a:t>events</a:t>
+            </a:r>
+            <a:r>
+              <a:rPr lang="he-IL" dirty="0"/>
+              <a:t>. מודול מצב העולם מאזין לסימולטור.</a:t>
+            </a:r>
+          </a:p>
+          <a:p>
+            <a:endParaRPr lang="he-IL" dirty="0"/>
+          </a:p>
+          <a:p>
+            <a:r>
+              <a:rPr lang="he-IL" dirty="0"/>
+              <a:t>הסימולטור מדמה את מצב העולם, אין לא יכולת החלטה על ביצוע של דברים אלא הוא מקבל פקודות בלבד ועושה אותן.</a:t>
+            </a:r>
+          </a:p>
+          <a:p>
+            <a:r>
+              <a:rPr lang="he-IL" dirty="0"/>
+              <a:t>במידה ומודול ההפרעות החליט על הפרעה הסימולטור מוסיף את משך ההפרעה לפעולה המתאימה.</a:t>
+            </a:r>
+          </a:p>
+          <a:p>
+            <a:r>
+              <a:rPr lang="he-IL" dirty="0"/>
+              <a:t>הסימולטור בכל התחלה וסיום של פעולה חדשה מבצע </a:t>
+            </a:r>
+            <a:r>
+              <a:rPr lang="he-IL" dirty="0" err="1"/>
+              <a:t>עידכון</a:t>
+            </a:r>
+            <a:r>
+              <a:rPr lang="he-IL" dirty="0"/>
+              <a:t> של מודול מצב העולם.</a:t>
+            </a:r>
+          </a:p>
+          <a:p>
+            <a:r>
+              <a:rPr lang="he-IL" dirty="0"/>
+              <a:t>הסימולטור בכל מחזור שעון מוריד יחידת זמן מנורמלת מכלל הפעולות שכרגע בביצוע.</a:t>
+            </a:r>
+          </a:p>
+          <a:p>
+            <a:r>
+              <a:rPr lang="he-IL" dirty="0"/>
+              <a:t>הסימולטור הוא "מקבילי" כלומר ייתכן שבאותו מחזור שעון יתחילו\ יסתיימו מספר פעולות במקביל.</a:t>
+            </a:r>
+          </a:p>
+          <a:p>
             <a:endParaRPr lang="he-IL" dirty="0"/>
           </a:p>
         </p:txBody>
@@ -9887,7 +10128,7 @@
     </p:spTree>
     <p:extLst>
       <p:ext uri="{BB962C8B-B14F-4D97-AF65-F5344CB8AC3E}">
-        <p14:creationId xmlns:p14="http://schemas.microsoft.com/office/powerpoint/2010/main" val="3276345102"/>
+        <p14:creationId xmlns:p14="http://schemas.microsoft.com/office/powerpoint/2010/main" val="551762232"/>
       </p:ext>
     </p:extLst>
   </p:cSld>
@@ -9943,96 +10184,38 @@
           <a:p>
             <a:r>
               <a:rPr lang="he-IL" dirty="0"/>
-              <a:t>הסימולטור מדמה את מצב העולם, אין לא יכולת החלטה על ביצוע של דברים אלא הוא מקבל פקודות בלבד ועושה אותן.</a:t>
+              <a:t>זה הוא תור העדיפויות שלפיו הסימולטור יודע אילו פעולות מתבצעות כעת ואילו פעולות סיימו.</a:t>
             </a:r>
           </a:p>
           <a:p>
             <a:r>
               <a:rPr lang="he-IL" dirty="0"/>
-              <a:t>הסימולטור מחזיק תור עדיפויות שונה </a:t>
-            </a:r>
-            <a:r>
-              <a:rPr lang="he-IL" dirty="0" err="1"/>
-              <a:t>מקונטרולר</a:t>
-            </a:r>
+              <a:t>הפעולות ממוינות לפי משך הפעולה (להצביע על הדיאגרמה ולהסביר).</a:t>
+            </a:r>
+          </a:p>
+          <a:p>
             <a:r>
               <a:rPr lang="he-IL" dirty="0"/>
-              <a:t> (נסביר בהמשך) שלפיו הסימולטור יודע אילו פעולות סיימו.</a:t>
+              <a:t>- במידה ומודול ההפרעות החליט על הפרעה, הסימולטור מוסיף את משך ההפרעה לפעולה המתאימה.</a:t>
             </a:r>
           </a:p>
           <a:p>
             <a:r>
               <a:rPr lang="he-IL" dirty="0"/>
-              <a:t>הוא מחזיק </a:t>
-            </a:r>
-            <a:r>
-              <a:rPr lang="he-IL" dirty="0" err="1"/>
-              <a:t>רפרנס</a:t>
-            </a:r>
+              <a:t>- הסימולטור בכל התחלה וסיום של פעולה חדשה מבצע עדכון של מודול מצב העולם.</a:t>
+            </a:r>
+          </a:p>
+          <a:p>
             <a:r>
               <a:rPr lang="he-IL" dirty="0"/>
-              <a:t> למודולים של ה-</a:t>
-            </a:r>
-            <a:r>
-              <a:rPr lang="en-US" dirty="0"/>
-              <a:t>clock</a:t>
-            </a:r>
+              <a:t>- הסימולטור בכל מחזור שעון מוריד יחידת זמן מנורמלת מכלל הפעולות שכרגע בביצוע.</a:t>
+            </a:r>
+          </a:p>
+          <a:p>
             <a:r>
               <a:rPr lang="he-IL" dirty="0"/>
-              <a:t> וה-</a:t>
-            </a:r>
-            <a:r>
-              <a:rPr lang="en-US" dirty="0"/>
-              <a:t>events</a:t>
-            </a:r>
-            <a:r>
-              <a:rPr lang="he-IL" dirty="0"/>
-              <a:t>. מודול מצב העולם מאזין לסימולטור.</a:t>
-            </a:r>
-          </a:p>
-          <a:p>
-            <a:endParaRPr lang="he-IL" dirty="0"/>
-          </a:p>
-          <a:p>
-            <a:r>
-              <a:rPr lang="he-IL" dirty="0"/>
-              <a:t>הסימולטור מדמה את מצב העולם, אין לא יכולת החלטה על ביצוע של דברים אלא הוא מקבל פקודות בלבד ועושה אותן.</a:t>
-            </a:r>
-          </a:p>
-          <a:p>
-            <a:r>
-              <a:rPr lang="he-IL" dirty="0"/>
-              <a:t>במידה ומודול ההפרעות החליט על הפרעה הסימולטור מוסיף את משך ההפרעה לפעולה המתאימה.</a:t>
-            </a:r>
-          </a:p>
-          <a:p>
-            <a:r>
-              <a:rPr lang="he-IL" dirty="0"/>
-              <a:t>הסימולטור בכל התחלה וסיום של פעולה חדשה מבצע </a:t>
-            </a:r>
-            <a:r>
-              <a:rPr lang="he-IL" dirty="0" err="1"/>
-              <a:t>עידכון</a:t>
-            </a:r>
-            <a:r>
-              <a:rPr lang="he-IL" dirty="0"/>
-              <a:t> של מודול מצב העולם.</a:t>
-            </a:r>
-          </a:p>
-          <a:p>
-            <a:r>
-              <a:rPr lang="he-IL" dirty="0"/>
-              <a:t>הסימולטור בכל מחזור שעון מוריד יחידת זמן מנורמלת מכלל הפעולות שכרגע בביצוע.</a:t>
-            </a:r>
-          </a:p>
-          <a:p>
-            <a:r>
-              <a:rPr lang="he-IL" dirty="0"/>
-              <a:t>הסימולטור הוא "מקבילי" כלומר ייתכן שבאותו מחזור שעון יתחילו\ יסתיימו מספר פעולות במקביל.</a:t>
-            </a:r>
-          </a:p>
-          <a:p>
-            <a:endParaRPr lang="he-IL" dirty="0"/>
+              <a:t>- הסימולטור הוא "מקבילי" כלומר ייתכן שבאותו מחזור שעון יתחילו\ יסתיימו מספר פעולות במקביל.</a:t>
+            </a:r>
           </a:p>
         </p:txBody>
       </p:sp>
@@ -10085,7 +10268,7 @@
     </p:spTree>
     <p:extLst>
       <p:ext uri="{BB962C8B-B14F-4D97-AF65-F5344CB8AC3E}">
-        <p14:creationId xmlns:p14="http://schemas.microsoft.com/office/powerpoint/2010/main" val="551762232"/>
+        <p14:creationId xmlns:p14="http://schemas.microsoft.com/office/powerpoint/2010/main" val="2543853672"/>
       </p:ext>
     </p:extLst>
   </p:cSld>
@@ -10141,37 +10324,7 @@
           <a:p>
             <a:r>
               <a:rPr lang="he-IL" dirty="0"/>
-              <a:t>זה הוא תור העדיפויות שלפיו הסימולטור יודע אילו פעולות מתבצעות כעת ואילו פעולות סיימו.</a:t>
-            </a:r>
-          </a:p>
-          <a:p>
-            <a:r>
-              <a:rPr lang="he-IL" dirty="0"/>
-              <a:t>הפעולות ממוינות לפי משך הפעולה (להצביע על הדיאגרמה ולהסביר).</a:t>
-            </a:r>
-          </a:p>
-          <a:p>
-            <a:r>
-              <a:rPr lang="he-IL" dirty="0"/>
-              <a:t>- במידה ומודול ההפרעות החליט על הפרעה, הסימולטור מוסיף את משך ההפרעה לפעולה המתאימה.</a:t>
-            </a:r>
-          </a:p>
-          <a:p>
-            <a:r>
-              <a:rPr lang="he-IL" dirty="0"/>
-              <a:t>- הסימולטור בכל התחלה וסיום של פעולה חדשה מבצע עדכון של מודול מצב העולם.</a:t>
-            </a:r>
-          </a:p>
-          <a:p>
-            <a:r>
-              <a:rPr lang="he-IL" dirty="0"/>
-              <a:t>- הסימולטור בכל מחזור שעון מוריד יחידת זמן מנורמלת מכלל הפעולות שכרגע בביצוע.</a:t>
-            </a:r>
-          </a:p>
-          <a:p>
-            <a:r>
-              <a:rPr lang="he-IL" dirty="0"/>
-              <a:t>- הסימולטור הוא "מקבילי" כלומר ייתכן שבאותו מחזור שעון יתחילו\ יסתיימו מספר פעולות במקביל.</a:t>
+              <a:t>בעיות בייצוג של 0 במחשב לכן הגדרנו "0" עבור הבעיה שלנו</a:t>
             </a:r>
           </a:p>
         </p:txBody>
@@ -10225,7 +10378,7 @@
     </p:spTree>
     <p:extLst>
       <p:ext uri="{BB962C8B-B14F-4D97-AF65-F5344CB8AC3E}">
-        <p14:creationId xmlns:p14="http://schemas.microsoft.com/office/powerpoint/2010/main" val="2543853672"/>
+        <p14:creationId xmlns:p14="http://schemas.microsoft.com/office/powerpoint/2010/main" val="1534296304"/>
       </p:ext>
     </p:extLst>
   </p:cSld>
@@ -10281,7 +10434,73 @@
           <a:p>
             <a:r>
               <a:rPr lang="he-IL" dirty="0"/>
-              <a:t>בעיות בייצוג של 0 במחשב לכן הגדרנו "0" עבור הבעיה שלנו</a:t>
+              <a:t>מודל </a:t>
+            </a:r>
+            <a:r>
+              <a:rPr lang="he-IL" dirty="0" err="1"/>
+              <a:t>האיבנטים</a:t>
+            </a:r>
+            <a:r>
+              <a:rPr lang="he-IL" dirty="0"/>
+              <a:t> הוא בעצם רשימה של סיגנלים אשר דרכו כל המודולים מתקשרים, זו מין מערכת סיגנלים.</a:t>
+            </a:r>
+          </a:p>
+          <a:p>
+            <a:endParaRPr lang="he-IL" dirty="0"/>
+          </a:p>
+          <a:p>
+            <a:r>
+              <a:rPr lang="he-IL" dirty="0"/>
+              <a:t>בתחילה, מימשנו את התקשורת ישירות בין המודולים, אך זה גרר צימוד גבוה של התכנית שלנו (תלויות רבות), ולכן יצרנו את המודול הזה כדי לסדר את זה בצורה נוחה ומובנת יותר.</a:t>
+            </a:r>
+          </a:p>
+          <a:p>
+            <a:endParaRPr lang="he-IL" dirty="0"/>
+          </a:p>
+          <a:p>
+            <a:r>
+              <a:rPr lang="he-IL" dirty="0"/>
+              <a:t>לעבור בקטנה על הטבלה בצד ולהסביר על כל סיגנל.</a:t>
+            </a:r>
+          </a:p>
+          <a:p>
+            <a:endParaRPr lang="he-IL" dirty="0"/>
+          </a:p>
+          <a:p>
+            <a:endParaRPr lang="he-IL" dirty="0"/>
+          </a:p>
+          <a:p>
+            <a:r>
+              <a:rPr lang="he-IL" dirty="0"/>
+              <a:t>מודול אשר מרכז את התקשורת עבור כלל התכנית.</a:t>
+            </a:r>
+          </a:p>
+          <a:p>
+            <a:r>
+              <a:rPr lang="he-IL" dirty="0"/>
+              <a:t>שאר המודולים מדברים דרכו דרך מערכת סיגנלים.</a:t>
+            </a:r>
+          </a:p>
+          <a:p>
+            <a:r>
+              <a:rPr lang="he-IL" dirty="0"/>
+              <a:t>בתחילת המימוש התקשורת התבצעה ישירות בין </a:t>
+            </a:r>
+            <a:r>
+              <a:rPr lang="he-IL" dirty="0" err="1"/>
+              <a:t>המודלוים</a:t>
+            </a:r>
+            <a:r>
+              <a:rPr lang="he-IL" dirty="0"/>
+              <a:t> מה שגרר צימוד גבוה של התכנית שלנו ולכן יצרנו מודול זה על מנת לבטל את התלויות החזקות שנוצרו </a:t>
+            </a:r>
+            <a:r>
+              <a:rPr lang="he-IL" dirty="0" err="1"/>
+              <a:t>בתכנית</a:t>
+            </a:r>
+            <a:r>
+              <a:rPr lang="he-IL" dirty="0"/>
+              <a:t>.</a:t>
             </a:r>
           </a:p>
         </p:txBody>
@@ -10335,7 +10554,7 @@
     </p:spTree>
     <p:extLst>
       <p:ext uri="{BB962C8B-B14F-4D97-AF65-F5344CB8AC3E}">
-        <p14:creationId xmlns:p14="http://schemas.microsoft.com/office/powerpoint/2010/main" val="1534296304"/>
+        <p14:creationId xmlns:p14="http://schemas.microsoft.com/office/powerpoint/2010/main" val="3654397469"/>
       </p:ext>
     </p:extLst>
   </p:cSld>
@@ -10390,6 +10609,10 @@
           <a:lstStyle/>
           <a:p>
             <a:r>
+              <a:rPr lang="he-IL" u="sng" dirty="0"/>
+              <a:t>יואב: </a:t>
+            </a:r>
+            <a:r>
               <a:rPr lang="he-IL" dirty="0"/>
               <a:t>בניית תוכנית יום עבור סדר הנחיתות וההמראות של המטוסים, מעקב אחריה בזמן אמת וטיפול בבעיות היא בעיה מורכבת.</a:t>
             </a:r>
@@ -10415,15 +10638,7 @@
             </a:r>
             <a:r>
               <a:rPr lang="he-IL" dirty="0"/>
-              <a:t> קודם אף </a:t>
-            </a:r>
-            <a:r>
-              <a:rPr lang="he-IL" b="1" dirty="0">
-                <a:solidFill>
-                  <a:srgbClr val="FF0000"/>
-                </a:solidFill>
-              </a:rPr>
-              <a:t>הוא </a:t>
+              <a:t> קודם </a:t>
             </a:r>
             <a:r>
               <a:rPr lang="he-IL" b="1" dirty="0">
@@ -10594,15 +10809,19 @@
           <a:p>
             <a:r>
               <a:rPr lang="he-IL" dirty="0"/>
-              <a:t>מודל </a:t>
-            </a:r>
-            <a:r>
-              <a:rPr lang="he-IL" dirty="0" err="1"/>
-              <a:t>האיבנטים</a:t>
-            </a:r>
+              <a:t>מודול זה מדמה לנו את ציר הזמן אשר מיוצג באופן דיסקרטי.</a:t>
+            </a:r>
+          </a:p>
+          <a:p>
             <a:r>
               <a:rPr lang="he-IL" dirty="0"/>
-              <a:t> הוא בעצם רשימה של סיגנלים אשר דרכו כל המודולים מתקשרים, זו מין מערכת סיגנלים.</a:t>
+              <a:t>בתחילת התכנית עבדנו עם זמן רציף אך לאחר בעיות מימוש רבות והתייעצות עם איל החלטנו לעבור לזמן בדיד.</a:t>
+            </a:r>
+          </a:p>
+          <a:p>
+            <a:r>
+              <a:rPr lang="he-IL" dirty="0"/>
+              <a:t>היתרון בזמן בדיד הוא היכולת לנרמל את ציר הזמן בקלות, יכולת מעקב אחרי הפעולות בצורה יעילה יותר.</a:t>
             </a:r>
           </a:p>
           <a:p>
@@ -10611,7 +10830,19 @@
           <a:p>
             <a:r>
               <a:rPr lang="he-IL" dirty="0"/>
-              <a:t>בתחילה, מימשנו את התקשורת ישירות בין המודולים, אך זה גרר צימוד גבוה של התכנית שלנו (תלויות רבות), ולכן יצרנו את המודול הזה כדי לסדר את זה בצורה נוחה ומובנת יותר.</a:t>
+              <a:t>ערך השעון – מספר יחידות הזמן שעברו.</a:t>
+            </a:r>
+          </a:p>
+          <a:p>
+            <a:r>
+              <a:rPr lang="he-IL" dirty="0"/>
+              <a:t>אפסילון – ערך זה מכווץ או מותח את ציר הזמן.</a:t>
+            </a:r>
+          </a:p>
+          <a:p>
+            <a:r>
+              <a:rPr lang="he-IL" dirty="0"/>
+              <a:t>אפס – כיוון שאפסילון יכול להיות מאוד קטן יש בעיה של ייצוג מספרים לא שלמים במחשב ולכן נאלצנו לייצר "0" כך שנוכל להשוות אליו זמנים דיסקרטיים בצורה נכונה.</a:t>
             </a:r>
           </a:p>
           <a:p>
@@ -10620,48 +10851,47 @@
           <a:p>
             <a:r>
               <a:rPr lang="he-IL" dirty="0"/>
-              <a:t>לעבור בקטנה על הטבלה בצד ולהסביר על כל סיגנל.</a:t>
-            </a:r>
-          </a:p>
-          <a:p>
+              <a:t>השעון מבצע לולאה אינסופית אשר בכל איטרציה:</a:t>
+            </a:r>
+          </a:p>
+          <a:p>
+            <a:pPr marL="228600" indent="-228600">
+              <a:buAutoNum type="arabicPeriod"/>
+            </a:pPr>
+            <a:r>
+              <a:rPr lang="he-IL" dirty="0"/>
+              <a:t>נבדק האם הטסט הסתיים.</a:t>
+            </a:r>
+          </a:p>
+          <a:p>
+            <a:pPr marL="228600" indent="-228600">
+              <a:buAutoNum type="arabicPeriod"/>
+            </a:pPr>
+            <a:r>
+              <a:rPr lang="he-IL" dirty="0"/>
+              <a:t>נבדק האם יש צורך בקידום השעון (כתלות בפעולות שהתבצעו בסימולטור ובבקר).</a:t>
+            </a:r>
+          </a:p>
+          <a:p>
+            <a:pPr marL="228600" indent="-228600">
+              <a:buAutoNum type="arabicPeriod"/>
+            </a:pPr>
+            <a:r>
+              <a:rPr lang="he-IL" dirty="0"/>
+              <a:t>עדכון כלל העוקבים כי התבצע\לא התבצע אירוע שעון.</a:t>
+            </a:r>
+          </a:p>
+          <a:p>
+            <a:pPr marL="228600" indent="-228600">
+              <a:buAutoNum type="arabicPeriod"/>
+            </a:pPr>
             <a:endParaRPr lang="he-IL" dirty="0"/>
           </a:p>
           <a:p>
+            <a:pPr marL="228600" indent="-228600">
+              <a:buAutoNum type="arabicPeriod"/>
+            </a:pPr>
             <a:endParaRPr lang="he-IL" dirty="0"/>
-          </a:p>
-          <a:p>
-            <a:r>
-              <a:rPr lang="he-IL" dirty="0"/>
-              <a:t>מודול אשר מרכז את התקשורת עבור כלל התכנית.</a:t>
-            </a:r>
-          </a:p>
-          <a:p>
-            <a:r>
-              <a:rPr lang="he-IL" dirty="0"/>
-              <a:t>שאר המודולים מדברים דרכו דרך מערכת סיגנלים.</a:t>
-            </a:r>
-          </a:p>
-          <a:p>
-            <a:r>
-              <a:rPr lang="he-IL" dirty="0"/>
-              <a:t>בתחילת המימוש התקשורת התבצעה ישירות בין </a:t>
-            </a:r>
-            <a:r>
-              <a:rPr lang="he-IL" dirty="0" err="1"/>
-              <a:t>המודלוים</a:t>
-            </a:r>
-            <a:r>
-              <a:rPr lang="he-IL" dirty="0"/>
-              <a:t> מה שגרר צימוד גבוה של התכנית שלנו ולכן יצרנו מודול זה על מנת לבטל את התלויות החזקות שנוצרו </a:t>
-            </a:r>
-            <a:r>
-              <a:rPr lang="he-IL" dirty="0" err="1"/>
-              <a:t>בתכנית</a:t>
-            </a:r>
-            <a:r>
-              <a:rPr lang="he-IL" dirty="0"/>
-              <a:t>.</a:t>
-            </a:r>
           </a:p>
         </p:txBody>
       </p:sp>
@@ -10714,7 +10944,7 @@
     </p:spTree>
     <p:extLst>
       <p:ext uri="{BB962C8B-B14F-4D97-AF65-F5344CB8AC3E}">
-        <p14:creationId xmlns:p14="http://schemas.microsoft.com/office/powerpoint/2010/main" val="3654397469"/>
+        <p14:creationId xmlns:p14="http://schemas.microsoft.com/office/powerpoint/2010/main" val="3802725460"/>
       </p:ext>
     </p:extLst>
   </p:cSld>
@@ -10770,77 +11000,11 @@
           <a:p>
             <a:r>
               <a:rPr lang="he-IL" dirty="0"/>
-              <a:t>מודול זה מדמה לנו את ציר הזמן אשר מיוצג באופן דיסקרטי.</a:t>
-            </a:r>
-          </a:p>
-          <a:p>
-            <a:r>
-              <a:rPr lang="he-IL" dirty="0"/>
-              <a:t>בתחילת התכנית עבדנו עם זמן רציף אך לאחר בעיות מימוש רבות והתייעצות עם איל החלטנו לעבור לזמן בדיד.</a:t>
-            </a:r>
-          </a:p>
-          <a:p>
-            <a:r>
-              <a:rPr lang="he-IL" dirty="0"/>
-              <a:t>היתרון בזמן בדיד הוא היכולת לנרמל את ציר הזמן בקלות, יכולת מעקב אחרי הפעולות בצורה יעילה יותר.</a:t>
+              <a:t>אפס – כיוון שאפסילון יכול להיות מאוד קטן יש בעיה של ייצוג מספרים לא שלמים במחשב ולכן נאלצנו לייצר "0" כך שנוכל להשוות אליו זמנים דיסקרטיים בצורה נכונה.</a:t>
             </a:r>
           </a:p>
           <a:p>
             <a:endParaRPr lang="he-IL" dirty="0"/>
-          </a:p>
-          <a:p>
-            <a:r>
-              <a:rPr lang="he-IL" dirty="0"/>
-              <a:t>ערך השעון – מספר יחידות הזמן שעברו.</a:t>
-            </a:r>
-          </a:p>
-          <a:p>
-            <a:r>
-              <a:rPr lang="he-IL" dirty="0"/>
-              <a:t>אפסילון – ערך זה מכווץ או מותח את ציר הזמן.</a:t>
-            </a:r>
-          </a:p>
-          <a:p>
-            <a:r>
-              <a:rPr lang="he-IL" dirty="0"/>
-              <a:t>אפס – כיוון שאפסילון יכול להיות מאוד קטן יש בעיה של ייצוג מספרים לא שלמים במחשב ולכן נאלצנו לייצר "0" כך שנוכל להשוות אליו זמנים דיסקרטיים בצורה נכונה.</a:t>
-            </a:r>
-          </a:p>
-          <a:p>
-            <a:endParaRPr lang="he-IL" dirty="0"/>
-          </a:p>
-          <a:p>
-            <a:r>
-              <a:rPr lang="he-IL" dirty="0"/>
-              <a:t>השעון מבצע לולאה אינסופית אשר בכל איטרציה:</a:t>
-            </a:r>
-          </a:p>
-          <a:p>
-            <a:pPr marL="228600" indent="-228600">
-              <a:buAutoNum type="arabicPeriod"/>
-            </a:pPr>
-            <a:r>
-              <a:rPr lang="he-IL" dirty="0"/>
-              <a:t>נבדק האם הטסט הסתיים.</a:t>
-            </a:r>
-          </a:p>
-          <a:p>
-            <a:pPr marL="228600" indent="-228600">
-              <a:buAutoNum type="arabicPeriod"/>
-            </a:pPr>
-            <a:r>
-              <a:rPr lang="he-IL" dirty="0"/>
-              <a:t>נבדק האם יש צורך בקידום השעון (כתלות בפעולות שהתבצעו בסימולטור ובבקר).</a:t>
-            </a:r>
-          </a:p>
-          <a:p>
-            <a:pPr marL="228600" indent="-228600">
-              <a:buAutoNum type="arabicPeriod"/>
-            </a:pPr>
-            <a:r>
-              <a:rPr lang="he-IL" dirty="0"/>
-              <a:t>עדכון כלל העוקבים כי התבצע\לא התבצע אירוע שעון.</a:t>
-            </a:r>
           </a:p>
           <a:p>
             <a:pPr marL="228600" indent="-228600">
@@ -10849,8 +11013,8 @@
             <a:endParaRPr lang="he-IL" dirty="0"/>
           </a:p>
           <a:p>
-            <a:pPr marL="228600" indent="-228600">
-              <a:buAutoNum type="arabicPeriod"/>
+            <a:pPr marL="0" indent="0">
+              <a:buNone/>
             </a:pPr>
             <a:endParaRPr lang="he-IL" dirty="0"/>
           </a:p>
@@ -10905,7 +11069,7 @@
     </p:spTree>
     <p:extLst>
       <p:ext uri="{BB962C8B-B14F-4D97-AF65-F5344CB8AC3E}">
-        <p14:creationId xmlns:p14="http://schemas.microsoft.com/office/powerpoint/2010/main" val="3802725460"/>
+        <p14:creationId xmlns:p14="http://schemas.microsoft.com/office/powerpoint/2010/main" val="2045717316"/>
       </p:ext>
     </p:extLst>
   </p:cSld>
@@ -10961,11 +11125,44 @@
           <a:p>
             <a:r>
               <a:rPr lang="he-IL" dirty="0"/>
-              <a:t>אפס – כיוון שאפסילון יכול להיות מאוד קטן יש בעיה של ייצוג מספרים לא שלמים במחשב ולכן נאלצנו לייצר "0" כך שנוכל להשוות אליו זמנים דיסקרטיים בצורה נכונה.</a:t>
-            </a:r>
-          </a:p>
-          <a:p>
-            <a:endParaRPr lang="he-IL" dirty="0"/>
+              <a:t>מודול זה מייצג את מצב העולם ומתעדכן בעקבות הסימולטור.</a:t>
+            </a:r>
+          </a:p>
+          <a:p>
+            <a:r>
+              <a:rPr lang="he-IL" dirty="0"/>
+              <a:t>המודול מחזיק וקטור של מטוסים אשר כל תא במערך מייצג את המצב של המטוס באינדקס המתאים. (להסביר על המצבים השונים).</a:t>
+            </a:r>
+          </a:p>
+          <a:p>
+            <a:r>
+              <a:rPr lang="he-IL" dirty="0"/>
+              <a:t>המודול מחזיק וקטור של נתיבים כאשר כל תא במערך מייצג האם הנתיב פנוי(-1) או שהנתיב תפוס ואז הערך הוא המספר המזהה של המטוס באותו נתיב.</a:t>
+            </a:r>
+          </a:p>
+          <a:p>
+            <a:r>
+              <a:rPr lang="he-IL" dirty="0"/>
+              <a:t>מטרת מודול זה הוא:</a:t>
+            </a:r>
+          </a:p>
+          <a:p>
+            <a:pPr marL="228600" indent="-228600">
+              <a:buAutoNum type="arabicPeriod"/>
+            </a:pPr>
+            <a:r>
+              <a:rPr lang="he-IL" dirty="0"/>
+              <a:t>לממש את פונקציית החוקיות שהבקר קורא לה ולהחזיר האם המצב הבא חוקי או לא.</a:t>
+            </a:r>
+          </a:p>
+          <a:p>
+            <a:pPr marL="228600" indent="-228600">
+              <a:buAutoNum type="arabicPeriod"/>
+            </a:pPr>
+            <a:r>
+              <a:rPr lang="he-IL" dirty="0"/>
+              <a:t>לבצע הקפאה של מצב העולם וכתיבת קובץ קונפיגורציה חדש במידה ונדרש תיכנון מחדש, תיכנון מחדש מתרחש בעקבות החזרת ערך שגיאה מפונקציית החוקיות.</a:t>
+            </a:r>
           </a:p>
           <a:p>
             <a:pPr marL="228600" indent="-228600">
@@ -11030,7 +11227,7 @@
     </p:spTree>
     <p:extLst>
       <p:ext uri="{BB962C8B-B14F-4D97-AF65-F5344CB8AC3E}">
-        <p14:creationId xmlns:p14="http://schemas.microsoft.com/office/powerpoint/2010/main" val="2045717316"/>
+        <p14:creationId xmlns:p14="http://schemas.microsoft.com/office/powerpoint/2010/main" val="202044522"/>
       </p:ext>
     </p:extLst>
   </p:cSld>
@@ -11113,7 +11310,15 @@
             </a:pPr>
             <a:r>
               <a:rPr lang="he-IL" dirty="0"/>
-              <a:t>לממש את פונקציית החוקיות שהבקר קורא לה ולהחזיר האם המצב הבא חוקי או לא.</a:t>
+              <a:t>לממש את פונקציית החוקיות שהבקר קורא לה </a:t>
+            </a:r>
+            <a:r>
+              <a:rPr lang="he-IL" dirty="0" err="1"/>
+              <a:t>והלחזיר</a:t>
+            </a:r>
+            <a:r>
+              <a:rPr lang="he-IL" dirty="0"/>
+              <a:t> האם המצב הבא חוקי או לא.</a:t>
             </a:r>
           </a:p>
           <a:p>
@@ -11188,7 +11393,7 @@
     </p:spTree>
     <p:extLst>
       <p:ext uri="{BB962C8B-B14F-4D97-AF65-F5344CB8AC3E}">
-        <p14:creationId xmlns:p14="http://schemas.microsoft.com/office/powerpoint/2010/main" val="202044522"/>
+        <p14:creationId xmlns:p14="http://schemas.microsoft.com/office/powerpoint/2010/main" val="2849164166"/>
       </p:ext>
     </p:extLst>
   </p:cSld>
@@ -11242,27 +11447,12 @@
           <a:bodyPr/>
           <a:lstStyle/>
           <a:p>
+            <a:pPr marL="0" indent="0">
+              <a:buNone/>
+            </a:pPr>
             <a:r>
               <a:rPr lang="he-IL" dirty="0"/>
-              <a:t>מודול זה מייצג את מצב העולם ומתעדכן בעקבות הסימולטור.</a:t>
-            </a:r>
-          </a:p>
-          <a:p>
-            <a:r>
-              <a:rPr lang="he-IL" dirty="0"/>
-              <a:t>המודול מחזיק וקטור של מטוסים אשר כל תא במערך מייצג את המצב של המטוס באינדקס המתאים. (להסביר על המצבים השונים).</a:t>
-            </a:r>
-          </a:p>
-          <a:p>
-            <a:r>
-              <a:rPr lang="he-IL" dirty="0"/>
-              <a:t>המודול מחזיק וקטור של נתיבים כאשר כל תא במערך מייצג האם הנתיב פנוי(-1) או שהנתיב תפוס ואז הערך הוא המספר המזהה של המטוס באותו נתיב.</a:t>
-            </a:r>
-          </a:p>
-          <a:p>
-            <a:r>
-              <a:rPr lang="he-IL" dirty="0"/>
-              <a:t>מטרת מודול זה הוא:</a:t>
+              <a:t>המודל מייצר הפרעות אשר נשלחות לסימולטור, הפרעה יכולה להתפרש כ-2 מצבים:</a:t>
             </a:r>
           </a:p>
           <a:p>
@@ -11271,15 +11461,7 @@
             </a:pPr>
             <a:r>
               <a:rPr lang="he-IL" dirty="0"/>
-              <a:t>לממש את פונקציית החוקיות שהבקר קורא לה </a:t>
-            </a:r>
-            <a:r>
-              <a:rPr lang="he-IL" dirty="0" err="1"/>
-              <a:t>והלחזיר</a:t>
-            </a:r>
-            <a:r>
-              <a:rPr lang="he-IL" dirty="0"/>
-              <a:t> האם המצב הבא חוקי או לא.</a:t>
+              <a:t>דחייה של פעולה מסוימת (דחייה של ההמראה)</a:t>
             </a:r>
           </a:p>
           <a:p>
@@ -11288,7 +11470,7 @@
             </a:pPr>
             <a:r>
               <a:rPr lang="he-IL" dirty="0"/>
-              <a:t>לבצע הקפאה של מצב העולם וכתיבת קובץ קונפיגורציה חדש במידה ונדרש תיכנון מחדש, תיכנון מחדש מתרחש בעקבות החזרת ערך שגיאה מפונקציית החוקיות.</a:t>
+              <a:t>עיכוב של פעולה מסוימת (הארכת זמן המשימה המקורי של המטוס)</a:t>
             </a:r>
           </a:p>
           <a:p>
@@ -11296,6 +11478,64 @@
               <a:buAutoNum type="arabicPeriod"/>
             </a:pPr>
             <a:endParaRPr lang="he-IL" dirty="0"/>
+          </a:p>
+          <a:p>
+            <a:pPr marL="0" indent="0">
+              <a:buNone/>
+            </a:pPr>
+            <a:r>
+              <a:rPr lang="he-IL" dirty="0"/>
+              <a:t>המודל הוא </a:t>
+            </a:r>
+            <a:r>
+              <a:rPr lang="he-IL" dirty="0" err="1"/>
+              <a:t>פסודו</a:t>
+            </a:r>
+            <a:r>
+              <a:rPr lang="he-IL" dirty="0"/>
+              <a:t> רנדומלי בשני מובנים:</a:t>
+            </a:r>
+          </a:p>
+          <a:p>
+            <a:pPr marL="228600" indent="-228600">
+              <a:buAutoNum type="arabicPeriod"/>
+            </a:pPr>
+            <a:r>
+              <a:rPr lang="he-IL" dirty="0"/>
+              <a:t>תדירות יצירת ההפרעה הוא מספר אקראי בין 1-ל4 פעולות.</a:t>
+            </a:r>
+          </a:p>
+          <a:p>
+            <a:pPr marL="228600" indent="-228600">
+              <a:buAutoNum type="arabicPeriod"/>
+            </a:pPr>
+            <a:r>
+              <a:rPr lang="he-IL" dirty="0"/>
+              <a:t>משך ההפרעה הוא משתנה אקראי מפולג </a:t>
+            </a:r>
+            <a:r>
+              <a:rPr lang="he-IL" dirty="0" err="1"/>
+              <a:t>יוניפורמי</a:t>
+            </a:r>
+            <a:r>
+              <a:rPr lang="he-IL" dirty="0"/>
+              <a:t> בין מחצית משך הפעולה שנבחה לבין משך הפעולה שנבחרה.</a:t>
+            </a:r>
+          </a:p>
+          <a:p>
+            <a:pPr marL="228600" indent="-228600">
+              <a:buAutoNum type="arabicPeriod"/>
+            </a:pPr>
+            <a:endParaRPr lang="he-IL" dirty="0"/>
+          </a:p>
+          <a:p>
+            <a:pPr marL="0" indent="0">
+              <a:buNone/>
+            </a:pPr>
+            <a:r>
+              <a:rPr lang="he-IL" dirty="0"/>
+              <a:t>כאשר נוצרה הפרעה המודול יאותת למודול הסימולטור על הפרעה שנוצרה ויאפס את תדירות יצירת ההפרעה.</a:t>
+            </a:r>
           </a:p>
           <a:p>
             <a:pPr marL="0" indent="0">
@@ -11354,7 +11594,7 @@
     </p:spTree>
     <p:extLst>
       <p:ext uri="{BB962C8B-B14F-4D97-AF65-F5344CB8AC3E}">
-        <p14:creationId xmlns:p14="http://schemas.microsoft.com/office/powerpoint/2010/main" val="2849164166"/>
+        <p14:creationId xmlns:p14="http://schemas.microsoft.com/office/powerpoint/2010/main" val="546992971"/>
       </p:ext>
     </p:extLst>
   </p:cSld>
@@ -11408,101 +11648,10 @@
           <a:bodyPr/>
           <a:lstStyle/>
           <a:p>
-            <a:pPr marL="0" indent="0">
-              <a:buNone/>
-            </a:pPr>
             <a:r>
               <a:rPr lang="he-IL" dirty="0"/>
-              <a:t>המודל מייצר הפרעות אשר נשלחות לסימולטור, הפרעה יכולה להתפרש כ-2 מצבים:</a:t>
-            </a:r>
-          </a:p>
-          <a:p>
-            <a:pPr marL="228600" indent="-228600">
-              <a:buAutoNum type="arabicPeriod"/>
-            </a:pPr>
-            <a:r>
-              <a:rPr lang="he-IL" dirty="0"/>
-              <a:t>דחייה של פעולה מסוימת (דחייה של ההמראה)</a:t>
-            </a:r>
-          </a:p>
-          <a:p>
-            <a:pPr marL="228600" indent="-228600">
-              <a:buAutoNum type="arabicPeriod"/>
-            </a:pPr>
-            <a:r>
-              <a:rPr lang="he-IL" dirty="0"/>
-              <a:t>עיכוב של פעולה מסוימת (הארכת זמן המשימה המקורי של המטוס)</a:t>
-            </a:r>
-          </a:p>
-          <a:p>
-            <a:pPr marL="228600" indent="-228600">
-              <a:buAutoNum type="arabicPeriod"/>
-            </a:pPr>
-            <a:endParaRPr lang="he-IL" dirty="0"/>
-          </a:p>
-          <a:p>
-            <a:pPr marL="0" indent="0">
-              <a:buNone/>
-            </a:pPr>
-            <a:r>
-              <a:rPr lang="he-IL" dirty="0"/>
-              <a:t>המודל הוא </a:t>
-            </a:r>
-            <a:r>
-              <a:rPr lang="he-IL" dirty="0" err="1"/>
-              <a:t>פסודו</a:t>
-            </a:r>
-            <a:r>
-              <a:rPr lang="he-IL" dirty="0"/>
-              <a:t> רנדומלי בשני מובנים:</a:t>
-            </a:r>
-          </a:p>
-          <a:p>
-            <a:pPr marL="228600" indent="-228600">
-              <a:buAutoNum type="arabicPeriod"/>
-            </a:pPr>
-            <a:r>
-              <a:rPr lang="he-IL" dirty="0"/>
-              <a:t>תדירות יצירת ההפרעה הוא מספר אקראי בין 1-ל4 פעולות.</a:t>
-            </a:r>
-          </a:p>
-          <a:p>
-            <a:pPr marL="228600" indent="-228600">
-              <a:buAutoNum type="arabicPeriod"/>
-            </a:pPr>
-            <a:r>
-              <a:rPr lang="he-IL" dirty="0"/>
-              <a:t>משך ההפרעה הוא משתנה אקראי מפולג </a:t>
-            </a:r>
-            <a:r>
-              <a:rPr lang="he-IL" dirty="0" err="1"/>
-              <a:t>יוניפורמי</a:t>
-            </a:r>
-            <a:r>
-              <a:rPr lang="he-IL" dirty="0"/>
-              <a:t> בין מחצית משך הפעולה שנבחה לבין משך הפעולה שנבחרה.</a:t>
-            </a:r>
-          </a:p>
-          <a:p>
-            <a:pPr marL="228600" indent="-228600">
-              <a:buAutoNum type="arabicPeriod"/>
-            </a:pPr>
-            <a:endParaRPr lang="he-IL" dirty="0"/>
-          </a:p>
-          <a:p>
-            <a:pPr marL="0" indent="0">
-              <a:buNone/>
-            </a:pPr>
-            <a:r>
-              <a:rPr lang="he-IL" dirty="0"/>
-              <a:t>כאשר נוצרה הפרעה המודול יאותת למודול הסימולטור על הפרעה שנוצרה ויאפס את תדירות יצירת ההפרעה.</a:t>
-            </a:r>
-          </a:p>
-          <a:p>
-            <a:pPr marL="0" indent="0">
-              <a:buNone/>
-            </a:pPr>
-            <a:endParaRPr lang="he-IL" dirty="0"/>
+              <a:t>תוצאה רגילה</a:t>
+            </a:r>
           </a:p>
         </p:txBody>
       </p:sp>
@@ -11555,7 +11704,7 @@
     </p:spTree>
     <p:extLst>
       <p:ext uri="{BB962C8B-B14F-4D97-AF65-F5344CB8AC3E}">
-        <p14:creationId xmlns:p14="http://schemas.microsoft.com/office/powerpoint/2010/main" val="546992971"/>
+        <p14:creationId xmlns:p14="http://schemas.microsoft.com/office/powerpoint/2010/main" val="2318995915"/>
       </p:ext>
     </p:extLst>
   </p:cSld>
@@ -11611,7 +11760,7 @@
           <a:p>
             <a:r>
               <a:rPr lang="he-IL" dirty="0"/>
-              <a:t>תוצאה רגילה</a:t>
+              <a:t>תוצאה עם תיכנון מחדש</a:t>
             </a:r>
           </a:p>
         </p:txBody>
@@ -11665,7 +11814,7 @@
     </p:spTree>
     <p:extLst>
       <p:ext uri="{BB962C8B-B14F-4D97-AF65-F5344CB8AC3E}">
-        <p14:creationId xmlns:p14="http://schemas.microsoft.com/office/powerpoint/2010/main" val="2318995915"/>
+        <p14:creationId xmlns:p14="http://schemas.microsoft.com/office/powerpoint/2010/main" val="1660480528"/>
       </p:ext>
     </p:extLst>
   </p:cSld>
@@ -11719,10 +11868,54 @@
           <a:bodyPr/>
           <a:lstStyle/>
           <a:p>
+            <a:pPr marL="0" indent="0">
+              <a:buNone/>
+            </a:pPr>
             <a:r>
               <a:rPr lang="he-IL" dirty="0"/>
-              <a:t>תוצאה עם תיכנון מחדש</a:t>
-            </a:r>
+              <a:t>את הפרויקט ניתן להרחיב בכמה מישורים:</a:t>
+            </a:r>
+          </a:p>
+          <a:p>
+            <a:pPr marL="228600" indent="-228600">
+              <a:buAutoNum type="arabicPeriod"/>
+            </a:pPr>
+            <a:r>
+              <a:rPr lang="he-IL" dirty="0"/>
+              <a:t>להוסיף עוד סוגי הפרעות (לדג' קיצור זמן של פעולה מעיד על תקלה) כדי לדמות עולם יותר מציאותי בסימולציה.</a:t>
+            </a:r>
+          </a:p>
+          <a:p>
+            <a:pPr marL="228600" indent="-228600">
+              <a:buAutoNum type="arabicPeriod"/>
+            </a:pPr>
+            <a:r>
+              <a:rPr lang="he-IL" dirty="0"/>
+              <a:t>הוספת </a:t>
+            </a:r>
+            <a:r>
+              <a:rPr lang="en-US" dirty="0"/>
+              <a:t>GUI</a:t>
+            </a:r>
+            <a:r>
+              <a:rPr lang="he-IL" dirty="0"/>
+              <a:t>?</a:t>
+            </a:r>
+          </a:p>
+          <a:p>
+            <a:pPr marL="228600" indent="-228600">
+              <a:buAutoNum type="arabicPeriod"/>
+            </a:pPr>
+            <a:r>
+              <a:rPr lang="he-IL" dirty="0"/>
+              <a:t>להפוך את המערכת ליותר אינטראקטיבית עבור המשתמש.</a:t>
+            </a:r>
+          </a:p>
+          <a:p>
+            <a:pPr marL="228600" indent="-228600">
+              <a:buAutoNum type="arabicPeriod"/>
+            </a:pPr>
+            <a:endParaRPr lang="he-IL" dirty="0"/>
           </a:p>
         </p:txBody>
       </p:sp>
@@ -11775,7 +11968,7 @@
     </p:spTree>
     <p:extLst>
       <p:ext uri="{BB962C8B-B14F-4D97-AF65-F5344CB8AC3E}">
-        <p14:creationId xmlns:p14="http://schemas.microsoft.com/office/powerpoint/2010/main" val="1660480528"/>
+        <p14:creationId xmlns:p14="http://schemas.microsoft.com/office/powerpoint/2010/main" val="916540336"/>
       </p:ext>
     </p:extLst>
   </p:cSld>
@@ -11829,54 +12022,10 @@
           <a:bodyPr/>
           <a:lstStyle/>
           <a:p>
-            <a:pPr marL="0" indent="0">
-              <a:buNone/>
-            </a:pPr>
             <a:r>
               <a:rPr lang="he-IL" dirty="0"/>
-              <a:t>את הפרויקט ניתן להרחיב בכמה מישורים:</a:t>
-            </a:r>
-          </a:p>
-          <a:p>
-            <a:pPr marL="228600" indent="-228600">
-              <a:buAutoNum type="arabicPeriod"/>
-            </a:pPr>
-            <a:r>
-              <a:rPr lang="he-IL" dirty="0"/>
-              <a:t>להוסיף עוד סוגי הפרעות (לדג' קיצור זמן של פעולה מעיד על תקלה) כדי לדמות עולם יותר מציאותי בסימולציה.</a:t>
-            </a:r>
-          </a:p>
-          <a:p>
-            <a:pPr marL="228600" indent="-228600">
-              <a:buAutoNum type="arabicPeriod"/>
-            </a:pPr>
-            <a:r>
-              <a:rPr lang="he-IL" dirty="0"/>
-              <a:t>הוספת </a:t>
-            </a:r>
-            <a:r>
-              <a:rPr lang="en-US" dirty="0"/>
-              <a:t>GUI</a:t>
-            </a:r>
-            <a:r>
-              <a:rPr lang="he-IL" dirty="0"/>
-              <a:t>?</a:t>
-            </a:r>
-          </a:p>
-          <a:p>
-            <a:pPr marL="228600" indent="-228600">
-              <a:buAutoNum type="arabicPeriod"/>
-            </a:pPr>
-            <a:r>
-              <a:rPr lang="he-IL" dirty="0"/>
-              <a:t>להפוך את המערכת ליותר אינטראקטיבית עבור המשתמש.</a:t>
-            </a:r>
-          </a:p>
-          <a:p>
-            <a:pPr marL="228600" indent="-228600">
-              <a:buAutoNum type="arabicPeriod"/>
-            </a:pPr>
-            <a:endParaRPr lang="he-IL" dirty="0"/>
+              <a:t>תודה לאיל!!!!! וליואב!!!!</a:t>
+            </a:r>
           </a:p>
         </p:txBody>
       </p:sp>
@@ -11921,116 +12070,6 @@
             <a:fld id="{5D87C9B3-3F36-45D2-B699-10C699E739B9}" type="slidenum">
               <a:rPr lang="he-IL" smtClean="0"/>
               <a:t>38</a:t>
-            </a:fld>
-            <a:endParaRPr lang="he-IL"/>
-          </a:p>
-        </p:txBody>
-      </p:sp>
-    </p:spTree>
-    <p:extLst>
-      <p:ext uri="{BB962C8B-B14F-4D97-AF65-F5344CB8AC3E}">
-        <p14:creationId xmlns:p14="http://schemas.microsoft.com/office/powerpoint/2010/main" val="916540336"/>
-      </p:ext>
-    </p:extLst>
-  </p:cSld>
-  <p:clrMapOvr>
-    <a:masterClrMapping/>
-  </p:clrMapOvr>
-</p:notes>
-</file>
-
-<file path=ppt/notesSlides/notesSlide39.xml><?xml version="1.0" encoding="utf-8"?>
-<p:notes xmlns:a="http://schemas.openxmlformats.org/drawingml/2006/main" xmlns:r="http://schemas.openxmlformats.org/officeDocument/2006/relationships" xmlns:p="http://schemas.openxmlformats.org/presentationml/2006/main">
-  <p:cSld>
-    <p:spTree>
-      <p:nvGrpSpPr>
-        <p:cNvPr id="1" name=""/>
-        <p:cNvGrpSpPr/>
-        <p:nvPr/>
-      </p:nvGrpSpPr>
-      <p:grpSpPr>
-        <a:xfrm>
-          <a:off x="0" y="0"/>
-          <a:ext cx="0" cy="0"/>
-          <a:chOff x="0" y="0"/>
-          <a:chExt cx="0" cy="0"/>
-        </a:xfrm>
-      </p:grpSpPr>
-      <p:sp>
-        <p:nvSpPr>
-          <p:cNvPr id="2" name="מציין מיקום של תמונת שקופית 1"/>
-          <p:cNvSpPr>
-            <a:spLocks noGrp="1" noRot="1" noChangeAspect="1"/>
-          </p:cNvSpPr>
-          <p:nvPr>
-            <p:ph type="sldImg"/>
-          </p:nvPr>
-        </p:nvSpPr>
-        <p:spPr/>
-      </p:sp>
-      <p:sp>
-        <p:nvSpPr>
-          <p:cNvPr id="3" name="מציין מיקום של הערות 2"/>
-          <p:cNvSpPr>
-            <a:spLocks noGrp="1"/>
-          </p:cNvSpPr>
-          <p:nvPr>
-            <p:ph type="body" idx="1"/>
-          </p:nvPr>
-        </p:nvSpPr>
-        <p:spPr/>
-        <p:txBody>
-          <a:bodyPr/>
-          <a:lstStyle/>
-          <a:p>
-            <a:r>
-              <a:rPr lang="he-IL" dirty="0"/>
-              <a:t>תודה לאיל!!!!! וליואב!!!!</a:t>
-            </a:r>
-          </a:p>
-        </p:txBody>
-      </p:sp>
-      <p:sp>
-        <p:nvSpPr>
-          <p:cNvPr id="4" name="מציין מיקום של כותרת עליונה 3"/>
-          <p:cNvSpPr>
-            <a:spLocks noGrp="1"/>
-          </p:cNvSpPr>
-          <p:nvPr>
-            <p:ph type="hdr" sz="quarter"/>
-          </p:nvPr>
-        </p:nvSpPr>
-        <p:spPr/>
-        <p:txBody>
-          <a:bodyPr/>
-          <a:lstStyle/>
-          <a:p>
-            <a:r>
-              <a:rPr lang="en-US"/>
-              <a:t>hjfhgdhgfdfgh</a:t>
-            </a:r>
-            <a:endParaRPr lang="he-IL"/>
-          </a:p>
-        </p:txBody>
-      </p:sp>
-      <p:sp>
-        <p:nvSpPr>
-          <p:cNvPr id="5" name="מציין מיקום של מספר שקופית 4"/>
-          <p:cNvSpPr>
-            <a:spLocks noGrp="1"/>
-          </p:cNvSpPr>
-          <p:nvPr>
-            <p:ph type="sldNum" sz="quarter" idx="5"/>
-          </p:nvPr>
-        </p:nvSpPr>
-        <p:spPr/>
-        <p:txBody>
-          <a:bodyPr/>
-          <a:lstStyle/>
-          <a:p>
-            <a:fld id="{5D87C9B3-3F36-45D2-B699-10C699E739B9}" type="slidenum">
-              <a:rPr lang="he-IL" smtClean="0"/>
-              <a:t>39</a:t>
             </a:fld>
             <a:endParaRPr lang="he-IL"/>
           </a:p>
@@ -12093,6 +12132,20 @@
           <a:bodyPr/>
           <a:lstStyle/>
           <a:p>
+            <a:pPr marL="0" indent="0">
+              <a:buFontTx/>
+              <a:buNone/>
+            </a:pPr>
+            <a:r>
+              <a:rPr lang="he-IL" u="sng" dirty="0"/>
+              <a:t>הודיה</a:t>
+            </a:r>
+            <a:r>
+              <a:rPr lang="he-IL" dirty="0"/>
+              <a:t>:</a:t>
+            </a:r>
+          </a:p>
+          <a:p>
             <a:pPr marL="171450" indent="-171450">
               <a:buFontTx/>
               <a:buChar char="-"/>
@@ -12107,7 +12160,7 @@
             </a:r>
             <a:r>
               <a:rPr lang="he-IL" dirty="0"/>
-              <a:t> מבוסס על רשתות נוירונים, תורת הגרפים </a:t>
+              <a:t> מבוסס על תורת הגרפים </a:t>
             </a:r>
             <a:r>
               <a:rPr lang="he-IL" dirty="0" err="1"/>
@@ -12115,7 +12168,15 @@
             </a:r>
             <a:r>
               <a:rPr lang="he-IL" dirty="0"/>
-              <a:t>.</a:t>
+              <a:t> ומקבל </a:t>
+            </a:r>
+            <a:r>
+              <a:rPr lang="he-IL" dirty="0" err="1"/>
+              <a:t>בוסט</a:t>
+            </a:r>
+            <a:r>
+              <a:rPr lang="he-IL" dirty="0"/>
+              <a:t> מרשתות נוירונים.</a:t>
             </a:r>
           </a:p>
           <a:p>
@@ -12133,7 +12194,7 @@
             </a:r>
             <a:r>
               <a:rPr lang="he-IL" dirty="0"/>
-              <a:t> (הנראה כך), ומוציא כפלט קובץ המכיל את תכנית היום.</a:t>
+              <a:t> (הקובץ מכיל את מספר המטוסים ומספר הנתיבים בבעיה, עבור כל מטוס מפורט זמן תחילת ההמראה ,משך המשימה, מצבו ההתחלתי וכמות הדלק ההתחלתית).</a:t>
             </a:r>
           </a:p>
           <a:p>
@@ -12143,23 +12204,7 @@
             </a:pPr>
             <a:r>
               <a:rPr lang="he-IL" dirty="0"/>
-              <a:t>אלגוריתם </a:t>
-            </a:r>
-            <a:r>
-              <a:rPr lang="he-IL" dirty="0" err="1"/>
-              <a:t>האופליין</a:t>
-            </a:r>
-            <a:r>
-              <a:rPr lang="he-IL" dirty="0"/>
-              <a:t> מחשב את סדר היום האופטימלי בהינתן הנתונים שהוגדרו לו. הוא בעצם בונה גרף </a:t>
-            </a:r>
-            <a:r>
-              <a:rPr lang="en-US" dirty="0"/>
-              <a:t>STN</a:t>
-            </a:r>
-            <a:r>
-              <a:rPr lang="he-IL" dirty="0"/>
-              <a:t>, שעליו נרחיב בהמשך.</a:t>
+              <a:t>האלגוריתם מוציא כפלט קובץ המכיל את תכנית היום.</a:t>
             </a:r>
           </a:p>
           <a:p>
@@ -12169,6 +12214,32 @@
             </a:pPr>
             <a:r>
               <a:rPr lang="he-IL" dirty="0"/>
+              <a:t>אלגוריתם </a:t>
+            </a:r>
+            <a:r>
+              <a:rPr lang="he-IL" dirty="0" err="1"/>
+              <a:t>האופליין</a:t>
+            </a:r>
+            <a:r>
+              <a:rPr lang="he-IL" dirty="0"/>
+              <a:t> מחשב את סדר היום האופטימלי בהינתן הנתונים שהוגדרו לו. הוא בעצם בונה גרף </a:t>
+            </a:r>
+            <a:r>
+              <a:rPr lang="en-US" dirty="0"/>
+              <a:t>STN</a:t>
+            </a:r>
+            <a:r>
+              <a:rPr lang="he-IL" dirty="0"/>
+              <a:t>, שעליו נרחיב בהמשך.</a:t>
+            </a:r>
+          </a:p>
+          <a:p>
+            <a:pPr marL="171450" indent="-171450">
+              <a:buFontTx/>
+              <a:buChar char="-"/>
+            </a:pPr>
+            <a:r>
+              <a:rPr lang="he-IL" dirty="0"/>
               <a:t>בהתחלה התייחסנו לפרויקט ה-</a:t>
             </a:r>
             <a:r>
@@ -12187,17 +12258,7 @@
             </a:pPr>
             <a:r>
               <a:rPr lang="he-IL" dirty="0"/>
-              <a:t>    נפגשנו עם כותבי הפרויקט הקודם במטרה לעבור על פרטיי המימוש, כדי שנוכל לבצע את השינויים הנחוצים בלי לפגוע באלגוריתם עצמו.</a:t>
-            </a:r>
-          </a:p>
-          <a:p>
-            <a:pPr marL="0" indent="0">
-              <a:buFontTx/>
-              <a:buNone/>
-            </a:pPr>
-            <a:r>
-              <a:rPr lang="he-IL" dirty="0"/>
-              <a:t>את השינויים שביצענו נפרט בהמשך, בנקודות הרלוונטיות.</a:t>
+              <a:t>    נפגשנו עם כותבי הפרויקט הקודם במטרה לעבור על פרטיי המימוש, כדי שנוכל לבצע את השינויים הנחוצים בלי לפגוע באלגוריתם עצמו. את השינויים שביצענו נפרט בהמשך, בנקודות הרלוונטיות.</a:t>
             </a:r>
           </a:p>
           <a:p>
@@ -12220,23 +12281,23 @@
               <a:buChar char="-"/>
             </a:pPr>
             <a:r>
-              <a:rPr lang="he-IL" dirty="0"/>
+              <a:rPr lang="he-IL" sz="200" dirty="0"/>
               <a:t>אלגוריתם אופליין שמבוסס על רשתות </a:t>
             </a:r>
             <a:r>
-              <a:rPr lang="he-IL" dirty="0" err="1"/>
+              <a:rPr lang="he-IL" sz="200" dirty="0" err="1"/>
               <a:t>נוירוינים</a:t>
             </a:r>
             <a:r>
-              <a:rPr lang="he-IL" dirty="0"/>
+              <a:rPr lang="he-IL" sz="200" dirty="0"/>
               <a:t> ותורת הגרפים (חיפוש בגרף, גרף דינמי, גרף מכוון, </a:t>
             </a:r>
             <a:r>
-              <a:rPr lang="en-US" dirty="0"/>
+              <a:rPr lang="en-US" sz="200" dirty="0"/>
               <a:t>A*</a:t>
             </a:r>
             <a:r>
-              <a:rPr lang="he-IL" dirty="0"/>
+              <a:rPr lang="he-IL" sz="200" dirty="0"/>
               <a:t>)</a:t>
             </a:r>
           </a:p>
@@ -12246,31 +12307,31 @@
               <a:buChar char="-"/>
             </a:pPr>
             <a:r>
-              <a:rPr lang="he-IL" dirty="0"/>
+              <a:rPr lang="he-IL" sz="200" dirty="0"/>
               <a:t>אלגוריתם </a:t>
             </a:r>
             <a:r>
-              <a:rPr lang="he-IL" dirty="0" err="1"/>
+              <a:rPr lang="he-IL" sz="200" dirty="0" err="1"/>
               <a:t>האופיליין</a:t>
             </a:r>
             <a:r>
-              <a:rPr lang="he-IL" dirty="0"/>
+              <a:rPr lang="he-IL" sz="200" dirty="0"/>
               <a:t> מקבל כקלט קובץ </a:t>
             </a:r>
             <a:r>
-              <a:rPr lang="he-IL" dirty="0" err="1"/>
+              <a:rPr lang="he-IL" sz="200" dirty="0" err="1"/>
               <a:t>קונפיג</a:t>
             </a:r>
             <a:r>
-              <a:rPr lang="he-IL" dirty="0"/>
+              <a:rPr lang="he-IL" sz="200" dirty="0"/>
               <a:t> ומוציא כפלט קובץ לוג(מכיל את גרף ה-</a:t>
             </a:r>
             <a:r>
-              <a:rPr lang="en-US" dirty="0"/>
+              <a:rPr lang="en-US" sz="200" dirty="0"/>
               <a:t>STN</a:t>
             </a:r>
             <a:r>
-              <a:rPr lang="he-IL" dirty="0"/>
+              <a:rPr lang="he-IL" sz="200" dirty="0"/>
               <a:t> שלנו בתצורה של טבלה)</a:t>
             </a:r>
           </a:p>
@@ -12280,23 +12341,23 @@
               <a:buChar char="-"/>
             </a:pPr>
             <a:r>
-              <a:rPr lang="he-IL" dirty="0"/>
+              <a:rPr lang="he-IL" sz="200" dirty="0"/>
               <a:t>בהתחלה התייחסנו </a:t>
             </a:r>
             <a:r>
-              <a:rPr lang="he-IL" dirty="0" err="1"/>
+              <a:rPr lang="he-IL" sz="200" dirty="0" err="1"/>
               <a:t>לפרוייקט</a:t>
             </a:r>
             <a:r>
-              <a:rPr lang="he-IL" dirty="0"/>
+              <a:rPr lang="he-IL" sz="200" dirty="0"/>
               <a:t> כקופסה שחורה אך ככל שהתקדמנו הבנו שכן יש צורך להיכנס לפרטיי המימוש ולבצע שינויים. הסיבה לכך היא שמדובר בעבודה אקדמית ולא מהתעשייה ולכן היה צורך בפגישה עם כותביי </a:t>
             </a:r>
             <a:r>
-              <a:rPr lang="he-IL" dirty="0" err="1"/>
+              <a:rPr lang="he-IL" sz="200" dirty="0" err="1"/>
               <a:t>הפרוייקט</a:t>
             </a:r>
             <a:r>
-              <a:rPr lang="he-IL" dirty="0"/>
+              <a:rPr lang="he-IL" sz="200" dirty="0"/>
               <a:t> הקודם על מנת לעבור על הקוד ופרטיי המימוש על מנת לבצע את השינויים הנדרשים ללא פגיעה באלגוריתם עצמו.</a:t>
             </a:r>
           </a:p>
@@ -12306,34 +12367,34 @@
               <a:buChar char="-"/>
             </a:pPr>
             <a:r>
-              <a:rPr lang="he-IL" dirty="0"/>
+              <a:rPr lang="he-IL" sz="200" dirty="0"/>
               <a:t>מרבית השינויים היו הוספת מעטפת </a:t>
             </a:r>
             <a:r>
-              <a:rPr lang="he-IL" dirty="0" err="1"/>
+              <a:rPr lang="he-IL" sz="200" dirty="0" err="1"/>
               <a:t>לפרוייקט</a:t>
             </a:r>
             <a:r>
-              <a:rPr lang="he-IL" dirty="0"/>
+              <a:rPr lang="he-IL" sz="200" dirty="0"/>
               <a:t> כדי שנוכל להשתמש בו כחלק </a:t>
             </a:r>
             <a:r>
-              <a:rPr lang="he-IL" dirty="0" err="1"/>
+              <a:rPr lang="he-IL" sz="200" dirty="0" err="1"/>
               <a:t>מההפרוייקט</a:t>
             </a:r>
             <a:r>
-              <a:rPr lang="he-IL" dirty="0"/>
+              <a:rPr lang="he-IL" sz="200" dirty="0"/>
               <a:t> שלנו, כלומר שינינו את </a:t>
             </a:r>
             <a:r>
-              <a:rPr lang="he-IL" dirty="0" err="1"/>
+              <a:rPr lang="he-IL" sz="200" dirty="0" err="1"/>
               <a:t>הפרוייקט</a:t>
             </a:r>
             <a:r>
-              <a:rPr lang="he-IL" dirty="0"/>
+              <a:rPr lang="he-IL" sz="200" dirty="0"/>
               <a:t> כך שיקבל קלט ופלט בצורה שנוכל לייצר משוב מהזמן אונליין</a:t>
             </a:r>
-            <a:endParaRPr lang="en-US" dirty="0"/>
+            <a:endParaRPr lang="en-US" sz="200" dirty="0"/>
           </a:p>
           <a:p>
             <a:pPr marL="171450" indent="-171450">
@@ -12447,6 +12508,20 @@
           <a:bodyPr/>
           <a:lstStyle/>
           <a:p>
+            <a:pPr marL="0" indent="0">
+              <a:buFontTx/>
+              <a:buNone/>
+            </a:pPr>
+            <a:r>
+              <a:rPr lang="he-IL" u="sng" dirty="0"/>
+              <a:t>הודיה</a:t>
+            </a:r>
+            <a:r>
+              <a:rPr lang="he-IL" dirty="0"/>
+              <a:t>: </a:t>
+            </a:r>
+          </a:p>
+          <a:p>
             <a:pPr marL="171450" indent="-171450">
               <a:buFontTx/>
               <a:buChar char="-"/>
@@ -12519,6 +12594,37 @@
             <a:r>
               <a:rPr lang="he-IL" dirty="0"/>
               <a:t>.</a:t>
+            </a:r>
+          </a:p>
+          <a:p>
+            <a:pPr marL="0" marR="0" lvl="0" indent="0" algn="r" defTabSz="914400" rtl="1" eaLnBrk="1" fontAlgn="auto" latinLnBrk="0" hangingPunct="1">
+              <a:lnSpc>
+                <a:spcPct val="100000"/>
+              </a:lnSpc>
+              <a:spcBef>
+                <a:spcPts val="0"/>
+              </a:spcBef>
+              <a:spcAft>
+                <a:spcPts val="0"/>
+              </a:spcAft>
+              <a:buClrTx/>
+              <a:buSzTx/>
+              <a:buFontTx/>
+              <a:buNone/>
+              <a:tabLst/>
+              <a:defRPr/>
+            </a:pPr>
+            <a:r>
+              <a:rPr lang="he-IL" dirty="0"/>
+              <a:t>*** לנו – </a:t>
+            </a:r>
+            <a:r>
+              <a:rPr lang="en-US" dirty="0"/>
+              <a:t>Simple Temporal Network</a:t>
+            </a:r>
+            <a:r>
+              <a:rPr lang="he-IL" dirty="0"/>
+              <a:t> ***</a:t>
             </a:r>
           </a:p>
           <a:p>
@@ -25654,704 +25760,6 @@
           <a:chExt cx="0" cy="0"/>
         </a:xfrm>
       </p:grpSpPr>
-      <p:grpSp>
-        <p:nvGrpSpPr>
-          <p:cNvPr id="24" name="Group 11">
-            <a:extLst>
-              <a:ext uri="{FF2B5EF4-FFF2-40B4-BE49-F238E27FC236}">
-                <a16:creationId xmlns:a16="http://schemas.microsoft.com/office/drawing/2014/main" id="{2356F361-DB9C-4716-8572-8E67E9AB4D57}"/>
-              </a:ext>
-              <a:ext uri="{C183D7F6-B498-43B3-948B-1728B52AA6E4}">
-                <adec:decorative xmlns:adec="http://schemas.microsoft.com/office/drawing/2017/decorative" val="1"/>
-              </a:ext>
-            </a:extLst>
-          </p:cNvPr>
-          <p:cNvGrpSpPr>
-            <a:grpSpLocks noGrp="1" noUngrp="1" noRot="1" noChangeAspect="1" noMove="1" noResize="1"/>
-          </p:cNvGrpSpPr>
-          <p:nvPr>
-            <p:extLst>
-              <p:ext uri="{386F3935-93C4-4BCD-93E2-E3B085C9AB24}">
-                <p16:designElem xmlns:p16="http://schemas.microsoft.com/office/powerpoint/2015/main" val="1"/>
-              </p:ext>
-            </p:extLst>
-          </p:nvPr>
-        </p:nvGrpSpPr>
-        <p:grpSpPr>
-          <a:xfrm>
-            <a:off x="0" y="-8467"/>
-            <a:ext cx="12192000" cy="6866467"/>
-            <a:chOff x="0" y="-8467"/>
-            <a:chExt cx="12192000" cy="6866467"/>
-          </a:xfrm>
-        </p:grpSpPr>
-        <p:cxnSp>
-          <p:nvCxnSpPr>
-            <p:cNvPr id="13" name="Straight Connector 12">
-              <a:extLst>
-                <a:ext uri="{FF2B5EF4-FFF2-40B4-BE49-F238E27FC236}">
-                  <a16:creationId xmlns:a16="http://schemas.microsoft.com/office/drawing/2014/main" id="{E6FF2CA3-6D93-438A-AA13-5844C345F807}"/>
-                </a:ext>
-                <a:ext uri="{C183D7F6-B498-43B3-948B-1728B52AA6E4}">
-                  <adec:decorative xmlns:adec="http://schemas.microsoft.com/office/drawing/2017/decorative" val="1"/>
-                </a:ext>
-              </a:extLst>
-            </p:cNvPr>
-            <p:cNvCxnSpPr/>
-            <p:nvPr>
-              <p:extLst>
-                <p:ext uri="{386F3935-93C4-4BCD-93E2-E3B085C9AB24}">
-                  <p16:designElem xmlns:p16="http://schemas.microsoft.com/office/powerpoint/2015/main" val="1"/>
-                </p:ext>
-              </p:extLst>
-            </p:nvPr>
-          </p:nvCxnSpPr>
-          <p:spPr>
-            <a:xfrm>
-              <a:off x="9371012" y="0"/>
-              <a:ext cx="1219200" cy="6858000"/>
-            </a:xfrm>
-            <a:prstGeom prst="line">
-              <a:avLst/>
-            </a:prstGeom>
-            <a:ln w="9525">
-              <a:solidFill>
-                <a:schemeClr val="accent1">
-                  <a:alpha val="70000"/>
-                </a:schemeClr>
-              </a:solidFill>
-            </a:ln>
-          </p:spPr>
-          <p:style>
-            <a:lnRef idx="2">
-              <a:schemeClr val="accent1"/>
-            </a:lnRef>
-            <a:fillRef idx="0">
-              <a:schemeClr val="accent1"/>
-            </a:fillRef>
-            <a:effectRef idx="1">
-              <a:schemeClr val="accent1"/>
-            </a:effectRef>
-            <a:fontRef idx="minor">
-              <a:schemeClr val="tx1"/>
-            </a:fontRef>
-          </p:style>
-        </p:cxnSp>
-        <p:cxnSp>
-          <p:nvCxnSpPr>
-            <p:cNvPr id="14" name="Straight Connector 13">
-              <a:extLst>
-                <a:ext uri="{FF2B5EF4-FFF2-40B4-BE49-F238E27FC236}">
-                  <a16:creationId xmlns:a16="http://schemas.microsoft.com/office/drawing/2014/main" id="{8D6C7FF8-C6AA-493F-BF62-FC52DE277087}"/>
-                </a:ext>
-                <a:ext uri="{C183D7F6-B498-43B3-948B-1728B52AA6E4}">
-                  <adec:decorative xmlns:adec="http://schemas.microsoft.com/office/drawing/2017/decorative" val="1"/>
-                </a:ext>
-              </a:extLst>
-            </p:cNvPr>
-            <p:cNvCxnSpPr/>
-            <p:nvPr>
-              <p:extLst>
-                <p:ext uri="{386F3935-93C4-4BCD-93E2-E3B085C9AB24}">
-                  <p16:designElem xmlns:p16="http://schemas.microsoft.com/office/powerpoint/2015/main" val="1"/>
-                </p:ext>
-              </p:extLst>
-            </p:nvPr>
-          </p:nvCxnSpPr>
-          <p:spPr>
-            <a:xfrm flipH="1">
-              <a:off x="7425267" y="3681413"/>
-              <a:ext cx="4763558" cy="3176587"/>
-            </a:xfrm>
-            <a:prstGeom prst="line">
-              <a:avLst/>
-            </a:prstGeom>
-            <a:ln w="9525">
-              <a:solidFill>
-                <a:schemeClr val="accent1">
-                  <a:alpha val="70000"/>
-                </a:schemeClr>
-              </a:solidFill>
-            </a:ln>
-          </p:spPr>
-          <p:style>
-            <a:lnRef idx="2">
-              <a:schemeClr val="accent1"/>
-            </a:lnRef>
-            <a:fillRef idx="0">
-              <a:schemeClr val="accent1"/>
-            </a:fillRef>
-            <a:effectRef idx="1">
-              <a:schemeClr val="accent1"/>
-            </a:effectRef>
-            <a:fontRef idx="minor">
-              <a:schemeClr val="tx1"/>
-            </a:fontRef>
-          </p:style>
-        </p:cxnSp>
-        <p:sp>
-          <p:nvSpPr>
-            <p:cNvPr id="15" name="Rectangle 23">
-              <a:extLst>
-                <a:ext uri="{FF2B5EF4-FFF2-40B4-BE49-F238E27FC236}">
-                  <a16:creationId xmlns:a16="http://schemas.microsoft.com/office/drawing/2014/main" id="{215DAE39-2187-4AA8-8703-0F2B3BCFEEE2}"/>
-                </a:ext>
-                <a:ext uri="{C183D7F6-B498-43B3-948B-1728B52AA6E4}">
-                  <adec:decorative xmlns:adec="http://schemas.microsoft.com/office/drawing/2017/decorative" val="1"/>
-                </a:ext>
-              </a:extLst>
-            </p:cNvPr>
-            <p:cNvSpPr/>
-            <p:nvPr>
-              <p:extLst>
-                <p:ext uri="{386F3935-93C4-4BCD-93E2-E3B085C9AB24}">
-                  <p16:designElem xmlns:p16="http://schemas.microsoft.com/office/powerpoint/2015/main" val="1"/>
-                </p:ext>
-              </p:extLst>
-            </p:nvPr>
-          </p:nvSpPr>
-          <p:spPr>
-            <a:xfrm>
-              <a:off x="9181476" y="-8467"/>
-              <a:ext cx="3007349" cy="6866467"/>
-            </a:xfrm>
-            <a:custGeom>
-              <a:avLst/>
-              <a:gdLst/>
-              <a:ahLst/>
-              <a:cxnLst/>
-              <a:rect l="l" t="t" r="r" b="b"/>
-              <a:pathLst>
-                <a:path w="3007349" h="6866467">
-                  <a:moveTo>
-                    <a:pt x="2045532" y="0"/>
-                  </a:moveTo>
-                  <a:lnTo>
-                    <a:pt x="3007349" y="0"/>
-                  </a:lnTo>
-                  <a:lnTo>
-                    <a:pt x="3007349" y="6866467"/>
-                  </a:lnTo>
-                  <a:lnTo>
-                    <a:pt x="0" y="6866467"/>
-                  </a:lnTo>
-                  <a:lnTo>
-                    <a:pt x="2045532" y="0"/>
-                  </a:lnTo>
-                  <a:close/>
-                </a:path>
-              </a:pathLst>
-            </a:custGeom>
-            <a:solidFill>
-              <a:schemeClr val="accent1">
-                <a:alpha val="36000"/>
-              </a:schemeClr>
-            </a:solidFill>
-            <a:ln>
-              <a:noFill/>
-            </a:ln>
-            <a:effectLst/>
-          </p:spPr>
-          <p:style>
-            <a:lnRef idx="1">
-              <a:schemeClr val="accent1"/>
-            </a:lnRef>
-            <a:fillRef idx="3">
-              <a:schemeClr val="accent1"/>
-            </a:fillRef>
-            <a:effectRef idx="2">
-              <a:schemeClr val="accent1"/>
-            </a:effectRef>
-            <a:fontRef idx="minor">
-              <a:schemeClr val="lt1"/>
-            </a:fontRef>
-          </p:style>
-        </p:sp>
-        <p:sp>
-          <p:nvSpPr>
-            <p:cNvPr id="16" name="Rectangle 25">
-              <a:extLst>
-                <a:ext uri="{FF2B5EF4-FFF2-40B4-BE49-F238E27FC236}">
-                  <a16:creationId xmlns:a16="http://schemas.microsoft.com/office/drawing/2014/main" id="{1D0826C5-89FD-49A0-9E8F-19DA04FE6F25}"/>
-                </a:ext>
-                <a:ext uri="{C183D7F6-B498-43B3-948B-1728B52AA6E4}">
-                  <adec:decorative xmlns:adec="http://schemas.microsoft.com/office/drawing/2017/decorative" val="1"/>
-                </a:ext>
-              </a:extLst>
-            </p:cNvPr>
-            <p:cNvSpPr/>
-            <p:nvPr>
-              <p:extLst>
-                <p:ext uri="{386F3935-93C4-4BCD-93E2-E3B085C9AB24}">
-                  <p16:designElem xmlns:p16="http://schemas.microsoft.com/office/powerpoint/2015/main" val="1"/>
-                </p:ext>
-              </p:extLst>
-            </p:nvPr>
-          </p:nvSpPr>
-          <p:spPr>
-            <a:xfrm>
-              <a:off x="9603442" y="-8467"/>
-              <a:ext cx="2588558" cy="6866467"/>
-            </a:xfrm>
-            <a:custGeom>
-              <a:avLst/>
-              <a:gdLst/>
-              <a:ahLst/>
-              <a:cxnLst/>
-              <a:rect l="l" t="t" r="r" b="b"/>
-              <a:pathLst>
-                <a:path w="2573311" h="6866467">
-                  <a:moveTo>
-                    <a:pt x="0" y="0"/>
-                  </a:moveTo>
-                  <a:lnTo>
-                    <a:pt x="2573311" y="0"/>
-                  </a:lnTo>
-                  <a:lnTo>
-                    <a:pt x="2573311" y="6866467"/>
-                  </a:lnTo>
-                  <a:lnTo>
-                    <a:pt x="1202336" y="6866467"/>
-                  </a:lnTo>
-                  <a:lnTo>
-                    <a:pt x="0" y="0"/>
-                  </a:lnTo>
-                  <a:close/>
-                </a:path>
-              </a:pathLst>
-            </a:custGeom>
-            <a:solidFill>
-              <a:schemeClr val="accent1">
-                <a:alpha val="20000"/>
-              </a:schemeClr>
-            </a:solidFill>
-            <a:ln>
-              <a:noFill/>
-            </a:ln>
-            <a:effectLst/>
-          </p:spPr>
-          <p:style>
-            <a:lnRef idx="1">
-              <a:schemeClr val="accent1"/>
-            </a:lnRef>
-            <a:fillRef idx="3">
-              <a:schemeClr val="accent1"/>
-            </a:fillRef>
-            <a:effectRef idx="2">
-              <a:schemeClr val="accent1"/>
-            </a:effectRef>
-            <a:fontRef idx="minor">
-              <a:schemeClr val="lt1"/>
-            </a:fontRef>
-          </p:style>
-        </p:sp>
-        <p:sp>
-          <p:nvSpPr>
-            <p:cNvPr id="17" name="Isosceles Triangle 16">
-              <a:extLst>
-                <a:ext uri="{FF2B5EF4-FFF2-40B4-BE49-F238E27FC236}">
-                  <a16:creationId xmlns:a16="http://schemas.microsoft.com/office/drawing/2014/main" id="{CE0557FD-5B6C-4875-9EA4-18DAD6258B59}"/>
-                </a:ext>
-                <a:ext uri="{C183D7F6-B498-43B3-948B-1728B52AA6E4}">
-                  <adec:decorative xmlns:adec="http://schemas.microsoft.com/office/drawing/2017/decorative" val="1"/>
-                </a:ext>
-              </a:extLst>
-            </p:cNvPr>
-            <p:cNvSpPr/>
-            <p:nvPr>
-              <p:extLst>
-                <p:ext uri="{386F3935-93C4-4BCD-93E2-E3B085C9AB24}">
-                  <p16:designElem xmlns:p16="http://schemas.microsoft.com/office/powerpoint/2015/main" val="1"/>
-                </p:ext>
-              </p:extLst>
-            </p:nvPr>
-          </p:nvSpPr>
-          <p:spPr>
-            <a:xfrm>
-              <a:off x="8932333" y="3048000"/>
-              <a:ext cx="3259667" cy="3810000"/>
-            </a:xfrm>
-            <a:prstGeom prst="triangle">
-              <a:avLst>
-                <a:gd name="adj" fmla="val 100000"/>
-              </a:avLst>
-            </a:prstGeom>
-            <a:solidFill>
-              <a:schemeClr val="accent1">
-                <a:lumMod val="75000"/>
-                <a:alpha val="66000"/>
-              </a:schemeClr>
-            </a:solidFill>
-            <a:ln>
-              <a:noFill/>
-            </a:ln>
-            <a:effectLst/>
-          </p:spPr>
-          <p:style>
-            <a:lnRef idx="1">
-              <a:schemeClr val="accent1"/>
-            </a:lnRef>
-            <a:fillRef idx="3">
-              <a:schemeClr val="accent1"/>
-            </a:fillRef>
-            <a:effectRef idx="2">
-              <a:schemeClr val="accent1"/>
-            </a:effectRef>
-            <a:fontRef idx="minor">
-              <a:schemeClr val="lt1"/>
-            </a:fontRef>
-          </p:style>
-        </p:sp>
-        <p:sp>
-          <p:nvSpPr>
-            <p:cNvPr id="18" name="Rectangle 27">
-              <a:extLst>
-                <a:ext uri="{FF2B5EF4-FFF2-40B4-BE49-F238E27FC236}">
-                  <a16:creationId xmlns:a16="http://schemas.microsoft.com/office/drawing/2014/main" id="{55C096D6-25B6-418D-8FFF-894AC5FB6094}"/>
-                </a:ext>
-                <a:ext uri="{C183D7F6-B498-43B3-948B-1728B52AA6E4}">
-                  <adec:decorative xmlns:adec="http://schemas.microsoft.com/office/drawing/2017/decorative" val="1"/>
-                </a:ext>
-              </a:extLst>
-            </p:cNvPr>
-            <p:cNvSpPr/>
-            <p:nvPr>
-              <p:extLst>
-                <p:ext uri="{386F3935-93C4-4BCD-93E2-E3B085C9AB24}">
-                  <p16:designElem xmlns:p16="http://schemas.microsoft.com/office/powerpoint/2015/main" val="1"/>
-                </p:ext>
-              </p:extLst>
-            </p:nvPr>
-          </p:nvSpPr>
-          <p:spPr>
-            <a:xfrm>
-              <a:off x="9334500" y="-8467"/>
-              <a:ext cx="2854326" cy="6866467"/>
-            </a:xfrm>
-            <a:custGeom>
-              <a:avLst/>
-              <a:gdLst/>
-              <a:ahLst/>
-              <a:cxnLst/>
-              <a:rect l="l" t="t" r="r" b="b"/>
-              <a:pathLst>
-                <a:path w="2858013" h="6866467">
-                  <a:moveTo>
-                    <a:pt x="0" y="0"/>
-                  </a:moveTo>
-                  <a:lnTo>
-                    <a:pt x="2858013" y="0"/>
-                  </a:lnTo>
-                  <a:lnTo>
-                    <a:pt x="2858013" y="6866467"/>
-                  </a:lnTo>
-                  <a:lnTo>
-                    <a:pt x="2473942" y="6866467"/>
-                  </a:lnTo>
-                  <a:lnTo>
-                    <a:pt x="0" y="0"/>
-                  </a:lnTo>
-                  <a:close/>
-                </a:path>
-              </a:pathLst>
-            </a:custGeom>
-            <a:solidFill>
-              <a:schemeClr val="accent1">
-                <a:lumMod val="75000"/>
-                <a:alpha val="50000"/>
-              </a:schemeClr>
-            </a:solidFill>
-            <a:ln>
-              <a:noFill/>
-            </a:ln>
-            <a:effectLst/>
-          </p:spPr>
-          <p:style>
-            <a:lnRef idx="1">
-              <a:schemeClr val="accent1"/>
-            </a:lnRef>
-            <a:fillRef idx="3">
-              <a:schemeClr val="accent1"/>
-            </a:fillRef>
-            <a:effectRef idx="2">
-              <a:schemeClr val="accent1"/>
-            </a:effectRef>
-            <a:fontRef idx="minor">
-              <a:schemeClr val="lt1"/>
-            </a:fontRef>
-          </p:style>
-        </p:sp>
-        <p:sp>
-          <p:nvSpPr>
-            <p:cNvPr id="19" name="Rectangle 28">
-              <a:extLst>
-                <a:ext uri="{FF2B5EF4-FFF2-40B4-BE49-F238E27FC236}">
-                  <a16:creationId xmlns:a16="http://schemas.microsoft.com/office/drawing/2014/main" id="{4480C8B4-C2F4-427B-B03E-ABF3C9AF19C5}"/>
-                </a:ext>
-                <a:ext uri="{C183D7F6-B498-43B3-948B-1728B52AA6E4}">
-                  <adec:decorative xmlns:adec="http://schemas.microsoft.com/office/drawing/2017/decorative" val="1"/>
-                </a:ext>
-              </a:extLst>
-            </p:cNvPr>
-            <p:cNvSpPr/>
-            <p:nvPr>
-              <p:extLst>
-                <p:ext uri="{386F3935-93C4-4BCD-93E2-E3B085C9AB24}">
-                  <p16:designElem xmlns:p16="http://schemas.microsoft.com/office/powerpoint/2015/main" val="1"/>
-                </p:ext>
-              </p:extLst>
-            </p:nvPr>
-          </p:nvSpPr>
-          <p:spPr>
-            <a:xfrm>
-              <a:off x="10898730" y="-8467"/>
-              <a:ext cx="1290094" cy="6866467"/>
-            </a:xfrm>
-            <a:custGeom>
-              <a:avLst/>
-              <a:gdLst/>
-              <a:ahLst/>
-              <a:cxnLst/>
-              <a:rect l="l" t="t" r="r" b="b"/>
-              <a:pathLst>
-                <a:path w="1290094" h="6858000">
-                  <a:moveTo>
-                    <a:pt x="1019735" y="0"/>
-                  </a:moveTo>
-                  <a:lnTo>
-                    <a:pt x="1290094" y="0"/>
-                  </a:lnTo>
-                  <a:lnTo>
-                    <a:pt x="1290094" y="6858000"/>
-                  </a:lnTo>
-                  <a:lnTo>
-                    <a:pt x="0" y="6858000"/>
-                  </a:lnTo>
-                  <a:lnTo>
-                    <a:pt x="1019735" y="0"/>
-                  </a:lnTo>
-                  <a:close/>
-                </a:path>
-              </a:pathLst>
-            </a:custGeom>
-            <a:solidFill>
-              <a:schemeClr val="accent2">
-                <a:alpha val="70000"/>
-              </a:schemeClr>
-            </a:solidFill>
-            <a:ln>
-              <a:noFill/>
-            </a:ln>
-            <a:effectLst/>
-          </p:spPr>
-          <p:style>
-            <a:lnRef idx="1">
-              <a:schemeClr val="accent1"/>
-            </a:lnRef>
-            <a:fillRef idx="3">
-              <a:schemeClr val="accent1"/>
-            </a:fillRef>
-            <a:effectRef idx="2">
-              <a:schemeClr val="accent1"/>
-            </a:effectRef>
-            <a:fontRef idx="minor">
-              <a:schemeClr val="lt1"/>
-            </a:fontRef>
-          </p:style>
-        </p:sp>
-        <p:sp>
-          <p:nvSpPr>
-            <p:cNvPr id="20" name="Rectangle 29">
-              <a:extLst>
-                <a:ext uri="{FF2B5EF4-FFF2-40B4-BE49-F238E27FC236}">
-                  <a16:creationId xmlns:a16="http://schemas.microsoft.com/office/drawing/2014/main" id="{E767DA1E-BBBF-419C-8E95-8393DA0F72ED}"/>
-                </a:ext>
-                <a:ext uri="{C183D7F6-B498-43B3-948B-1728B52AA6E4}">
-                  <adec:decorative xmlns:adec="http://schemas.microsoft.com/office/drawing/2017/decorative" val="1"/>
-                </a:ext>
-              </a:extLst>
-            </p:cNvPr>
-            <p:cNvSpPr/>
-            <p:nvPr>
-              <p:extLst>
-                <p:ext uri="{386F3935-93C4-4BCD-93E2-E3B085C9AB24}">
-                  <p16:designElem xmlns:p16="http://schemas.microsoft.com/office/powerpoint/2015/main" val="1"/>
-                </p:ext>
-              </p:extLst>
-            </p:nvPr>
-          </p:nvSpPr>
-          <p:spPr>
-            <a:xfrm>
-              <a:off x="10938999" y="-8467"/>
-              <a:ext cx="1249825" cy="6866467"/>
-            </a:xfrm>
-            <a:custGeom>
-              <a:avLst/>
-              <a:gdLst/>
-              <a:ahLst/>
-              <a:cxnLst/>
-              <a:rect l="l" t="t" r="r" b="b"/>
-              <a:pathLst>
-                <a:path w="1249825" h="6858000">
-                  <a:moveTo>
-                    <a:pt x="0" y="0"/>
-                  </a:moveTo>
-                  <a:lnTo>
-                    <a:pt x="1249825" y="0"/>
-                  </a:lnTo>
-                  <a:lnTo>
-                    <a:pt x="1249825" y="6858000"/>
-                  </a:lnTo>
-                  <a:lnTo>
-                    <a:pt x="1109382" y="6858000"/>
-                  </a:lnTo>
-                  <a:lnTo>
-                    <a:pt x="0" y="0"/>
-                  </a:lnTo>
-                  <a:close/>
-                </a:path>
-              </a:pathLst>
-            </a:custGeom>
-            <a:solidFill>
-              <a:schemeClr val="accent2">
-                <a:lumMod val="75000"/>
-                <a:alpha val="80000"/>
-              </a:schemeClr>
-            </a:solidFill>
-            <a:ln>
-              <a:noFill/>
-            </a:ln>
-            <a:effectLst/>
-          </p:spPr>
-          <p:style>
-            <a:lnRef idx="1">
-              <a:schemeClr val="accent1"/>
-            </a:lnRef>
-            <a:fillRef idx="3">
-              <a:schemeClr val="accent1"/>
-            </a:fillRef>
-            <a:effectRef idx="2">
-              <a:schemeClr val="accent1"/>
-            </a:effectRef>
-            <a:fontRef idx="minor">
-              <a:schemeClr val="lt1"/>
-            </a:fontRef>
-          </p:style>
-        </p:sp>
-        <p:sp>
-          <p:nvSpPr>
-            <p:cNvPr id="21" name="Isosceles Triangle 20">
-              <a:extLst>
-                <a:ext uri="{FF2B5EF4-FFF2-40B4-BE49-F238E27FC236}">
-                  <a16:creationId xmlns:a16="http://schemas.microsoft.com/office/drawing/2014/main" id="{D88EF27D-D851-4A85-942B-DC69237C8F29}"/>
-                </a:ext>
-                <a:ext uri="{C183D7F6-B498-43B3-948B-1728B52AA6E4}">
-                  <adec:decorative xmlns:adec="http://schemas.microsoft.com/office/drawing/2017/decorative" val="1"/>
-                </a:ext>
-              </a:extLst>
-            </p:cNvPr>
-            <p:cNvSpPr/>
-            <p:nvPr>
-              <p:extLst>
-                <p:ext uri="{386F3935-93C4-4BCD-93E2-E3B085C9AB24}">
-                  <p16:designElem xmlns:p16="http://schemas.microsoft.com/office/powerpoint/2015/main" val="1"/>
-                </p:ext>
-              </p:extLst>
-            </p:nvPr>
-          </p:nvSpPr>
-          <p:spPr>
-            <a:xfrm>
-              <a:off x="10371666" y="3589867"/>
-              <a:ext cx="1817159" cy="3268133"/>
-            </a:xfrm>
-            <a:prstGeom prst="triangle">
-              <a:avLst>
-                <a:gd name="adj" fmla="val 100000"/>
-              </a:avLst>
-            </a:prstGeom>
-            <a:solidFill>
-              <a:schemeClr val="accent1">
-                <a:lumMod val="75000"/>
-                <a:alpha val="66000"/>
-              </a:schemeClr>
-            </a:solidFill>
-            <a:ln>
-              <a:noFill/>
-            </a:ln>
-            <a:effectLst/>
-          </p:spPr>
-          <p:style>
-            <a:lnRef idx="1">
-              <a:schemeClr val="accent1"/>
-            </a:lnRef>
-            <a:fillRef idx="3">
-              <a:schemeClr val="accent1"/>
-            </a:fillRef>
-            <a:effectRef idx="2">
-              <a:schemeClr val="accent1"/>
-            </a:effectRef>
-            <a:fontRef idx="minor">
-              <a:schemeClr val="lt1"/>
-            </a:fontRef>
-          </p:style>
-        </p:sp>
-        <p:sp>
-          <p:nvSpPr>
-            <p:cNvPr id="22" name="Isosceles Triangle 21">
-              <a:extLst>
-                <a:ext uri="{FF2B5EF4-FFF2-40B4-BE49-F238E27FC236}">
-                  <a16:creationId xmlns:a16="http://schemas.microsoft.com/office/drawing/2014/main" id="{808DF878-FD48-4C53-8A3A-4636F450E303}"/>
-                </a:ext>
-                <a:ext uri="{C183D7F6-B498-43B3-948B-1728B52AA6E4}">
-                  <adec:decorative xmlns:adec="http://schemas.microsoft.com/office/drawing/2017/decorative" val="1"/>
-                </a:ext>
-              </a:extLst>
-            </p:cNvPr>
-            <p:cNvSpPr/>
-            <p:nvPr>
-              <p:extLst>
-                <p:ext uri="{386F3935-93C4-4BCD-93E2-E3B085C9AB24}">
-                  <p16:designElem xmlns:p16="http://schemas.microsoft.com/office/powerpoint/2015/main" val="1"/>
-                </p:ext>
-              </p:extLst>
-            </p:nvPr>
-          </p:nvSpPr>
-          <p:spPr>
-            <a:xfrm>
-              <a:off x="0" y="4013200"/>
-              <a:ext cx="448733" cy="2844800"/>
-            </a:xfrm>
-            <a:prstGeom prst="triangle">
-              <a:avLst>
-                <a:gd name="adj" fmla="val 0"/>
-              </a:avLst>
-            </a:prstGeom>
-            <a:solidFill>
-              <a:schemeClr val="accent1">
-                <a:alpha val="70000"/>
-              </a:schemeClr>
-            </a:solidFill>
-            <a:ln>
-              <a:noFill/>
-            </a:ln>
-            <a:effectLst/>
-          </p:spPr>
-          <p:style>
-            <a:lnRef idx="1">
-              <a:schemeClr val="accent1"/>
-            </a:lnRef>
-            <a:fillRef idx="3">
-              <a:schemeClr val="accent1"/>
-            </a:fillRef>
-            <a:effectRef idx="2">
-              <a:schemeClr val="accent1"/>
-            </a:effectRef>
-            <a:fontRef idx="minor">
-              <a:schemeClr val="lt1"/>
-            </a:fontRef>
-          </p:style>
-        </p:sp>
-      </p:grpSp>
       <p:sp>
         <p:nvSpPr>
           <p:cNvPr id="2" name="כותרת 1">
@@ -26430,7 +25838,7 @@
               <a:buChar char=""/>
             </a:pPr>
             <a:r>
-              <a:rPr lang="en-US">
+              <a:rPr lang="en-US" b="1" dirty="0">
                 <a:solidFill>
                   <a:schemeClr val="tx1">
                     <a:lumMod val="75000"/>
@@ -26438,7 +25846,18 @@
                   </a:schemeClr>
                 </a:solidFill>
               </a:rPr>
-              <a:t>The online planner was implemented using </a:t>
+              <a:t>The online planner </a:t>
+            </a:r>
+            <a:r>
+              <a:rPr lang="en-US" dirty="0">
+                <a:solidFill>
+                  <a:schemeClr val="tx1">
+                    <a:lumMod val="75000"/>
+                    <a:lumOff val="25000"/>
+                  </a:schemeClr>
+                </a:solidFill>
+              </a:rPr>
+              <a:t>was implemented using </a:t>
             </a:r>
           </a:p>
           <a:p>
@@ -26457,7 +25876,7 @@
               <a:buChar char=""/>
             </a:pPr>
             <a:r>
-              <a:rPr lang="en-US">
+              <a:rPr lang="en-US" dirty="0">
                 <a:solidFill>
                   <a:schemeClr val="tx1">
                     <a:lumMod val="75000"/>
@@ -26465,7 +25884,29 @@
                   </a:schemeClr>
                 </a:solidFill>
               </a:rPr>
-              <a:t>Object Orinted programing</a:t>
+              <a:t>Object </a:t>
+            </a:r>
+            <a:r>
+              <a:rPr lang="en-US" dirty="0" err="1">
+                <a:solidFill>
+                  <a:schemeClr val="tx1">
+                    <a:lumMod val="75000"/>
+                    <a:lumOff val="25000"/>
+                  </a:schemeClr>
+                </a:solidFill>
+              </a:rPr>
+              <a:t>Orinted</a:t>
+            </a:r>
+            <a:r>
+              <a:rPr lang="en-US" dirty="0">
+                <a:solidFill>
+                  <a:schemeClr val="tx1">
+                    <a:lumMod val="75000"/>
+                    <a:lumOff val="25000"/>
+                  </a:schemeClr>
+                </a:solidFill>
+              </a:rPr>
+              <a:t> programing</a:t>
             </a:r>
           </a:p>
           <a:p>
@@ -26484,7 +25925,7 @@
               <a:buChar char=""/>
             </a:pPr>
             <a:r>
-              <a:rPr lang="en-US">
+              <a:rPr lang="en-US" dirty="0" err="1">
                 <a:solidFill>
                   <a:schemeClr val="tx1">
                     <a:lumMod val="75000"/>
@@ -26492,7 +25933,18 @@
                   </a:schemeClr>
                 </a:solidFill>
               </a:rPr>
-              <a:t>degisn patterns</a:t>
+              <a:t>degisn</a:t>
+            </a:r>
+            <a:r>
+              <a:rPr lang="en-US" dirty="0">
+                <a:solidFill>
+                  <a:schemeClr val="tx1">
+                    <a:lumMod val="75000"/>
+                    <a:lumOff val="25000"/>
+                  </a:schemeClr>
+                </a:solidFill>
+              </a:rPr>
+              <a:t> patterns</a:t>
             </a:r>
           </a:p>
           <a:p>
@@ -26511,7 +25963,7 @@
               <a:buChar char=""/>
             </a:pPr>
             <a:r>
-              <a:rPr lang="en-US">
+              <a:rPr lang="en-US" dirty="0" err="1">
                 <a:solidFill>
                   <a:schemeClr val="tx1">
                     <a:lumMod val="75000"/>
@@ -26519,7 +25971,18 @@
                   </a:schemeClr>
                 </a:solidFill>
               </a:rPr>
-              <a:t>algorithem design</a:t>
+              <a:t>algorithem</a:t>
+            </a:r>
+            <a:r>
+              <a:rPr lang="en-US" dirty="0">
+                <a:solidFill>
+                  <a:schemeClr val="tx1">
+                    <a:lumMod val="75000"/>
+                    <a:lumOff val="25000"/>
+                  </a:schemeClr>
+                </a:solidFill>
+              </a:rPr>
+              <a:t> design</a:t>
             </a:r>
           </a:p>
           <a:p>
@@ -26538,7 +26001,7 @@
               <a:buChar char=""/>
             </a:pPr>
             <a:r>
-              <a:rPr lang="en-US">
+              <a:rPr lang="en-US" b="1" dirty="0">
                 <a:solidFill>
                   <a:schemeClr val="tx1">
                     <a:lumMod val="75000"/>
@@ -26546,7 +26009,18 @@
                   </a:schemeClr>
                 </a:solidFill>
               </a:rPr>
-              <a:t>The online planner input is a config file and STN graph.</a:t>
+              <a:t>The online planner </a:t>
+            </a:r>
+            <a:r>
+              <a:rPr lang="en-US" dirty="0">
+                <a:solidFill>
+                  <a:schemeClr val="tx1">
+                    <a:lumMod val="75000"/>
+                    <a:lumOff val="25000"/>
+                  </a:schemeClr>
+                </a:solidFill>
+              </a:rPr>
+              <a:t>input is a config file and STN graph.</a:t>
             </a:r>
           </a:p>
           <a:p>
@@ -26565,7 +26039,7 @@
               <a:buChar char=""/>
             </a:pPr>
             <a:r>
-              <a:rPr lang="en-US">
+              <a:rPr lang="en-US" b="1" dirty="0">
                 <a:solidFill>
                   <a:schemeClr val="tx1">
                     <a:lumMod val="75000"/>
@@ -26573,7 +26047,18 @@
                   </a:schemeClr>
                 </a:solidFill>
               </a:rPr>
-              <a:t>The online planner generate a log file as an output.</a:t>
+              <a:t>The online planner </a:t>
+            </a:r>
+            <a:r>
+              <a:rPr lang="en-US" dirty="0">
+                <a:solidFill>
+                  <a:schemeClr val="tx1">
+                    <a:lumMod val="75000"/>
+                    <a:lumOff val="25000"/>
+                  </a:schemeClr>
+                </a:solidFill>
+              </a:rPr>
+              <a:t>generate a log file as an output.</a:t>
             </a:r>
           </a:p>
         </p:txBody>
@@ -26652,121 +26137,6 @@
 </file>
 
 <file path=ppt/slides/slide16.xml><?xml version="1.0" encoding="utf-8"?>
-<p:sld xmlns:a="http://schemas.openxmlformats.org/drawingml/2006/main" xmlns:r="http://schemas.openxmlformats.org/officeDocument/2006/relationships" xmlns:p="http://schemas.openxmlformats.org/presentationml/2006/main" show="0">
-  <p:cSld>
-    <p:spTree>
-      <p:nvGrpSpPr>
-        <p:cNvPr id="1" name=""/>
-        <p:cNvGrpSpPr/>
-        <p:nvPr/>
-      </p:nvGrpSpPr>
-      <p:grpSpPr>
-        <a:xfrm>
-          <a:off x="0" y="0"/>
-          <a:ext cx="0" cy="0"/>
-          <a:chOff x="0" y="0"/>
-          <a:chExt cx="0" cy="0"/>
-        </a:xfrm>
-      </p:grpSpPr>
-      <p:sp>
-        <p:nvSpPr>
-          <p:cNvPr id="2" name="כותרת 1">
-            <a:extLst>
-              <a:ext uri="{FF2B5EF4-FFF2-40B4-BE49-F238E27FC236}">
-                <a16:creationId xmlns:a16="http://schemas.microsoft.com/office/drawing/2014/main" id="{B40C3AF8-4F60-436D-88E9-A7B5F651D8D5}"/>
-              </a:ext>
-            </a:extLst>
-          </p:cNvPr>
-          <p:cNvSpPr>
-            <a:spLocks noGrp="1"/>
-          </p:cNvSpPr>
-          <p:nvPr>
-            <p:ph type="title"/>
-          </p:nvPr>
-        </p:nvSpPr>
-        <p:spPr/>
-        <p:txBody>
-          <a:bodyPr>
-            <a:normAutofit/>
-          </a:bodyPr>
-          <a:lstStyle/>
-          <a:p>
-            <a:pPr algn="ctr"/>
-            <a:r>
-              <a:rPr lang="en-US" sz="4400" b="1" dirty="0">
-                <a:solidFill>
-                  <a:srgbClr val="002060"/>
-                </a:solidFill>
-              </a:rPr>
-              <a:t>Background</a:t>
-            </a:r>
-            <a:br>
-              <a:rPr lang="en-US" sz="4400" b="1" dirty="0">
-                <a:solidFill>
-                  <a:srgbClr val="002060"/>
-                </a:solidFill>
-              </a:rPr>
-            </a:br>
-            <a:r>
-              <a:rPr lang="en-US" sz="1800" b="1" dirty="0">
-                <a:solidFill>
-                  <a:srgbClr val="002060"/>
-                </a:solidFill>
-              </a:rPr>
-              <a:t>offline algorithm - output</a:t>
-            </a:r>
-            <a:endParaRPr lang="he-IL" sz="1800" b="1" dirty="0">
-              <a:solidFill>
-                <a:srgbClr val="002060"/>
-              </a:solidFill>
-            </a:endParaRPr>
-          </a:p>
-        </p:txBody>
-      </p:sp>
-      <p:pic>
-        <p:nvPicPr>
-          <p:cNvPr id="6" name="תמונה 5">
-            <a:extLst>
-              <a:ext uri="{FF2B5EF4-FFF2-40B4-BE49-F238E27FC236}">
-                <a16:creationId xmlns:a16="http://schemas.microsoft.com/office/drawing/2014/main" id="{AE2A0379-2AC7-4E01-AD58-F7565B4C2FD4}"/>
-              </a:ext>
-            </a:extLst>
-          </p:cNvPr>
-          <p:cNvPicPr>
-            <a:picLocks noChangeAspect="1"/>
-          </p:cNvPicPr>
-          <p:nvPr/>
-        </p:nvPicPr>
-        <p:blipFill>
-          <a:blip r:embed="rId3"/>
-          <a:stretch>
-            <a:fillRect/>
-          </a:stretch>
-        </p:blipFill>
-        <p:spPr>
-          <a:xfrm>
-            <a:off x="1579146" y="1594885"/>
-            <a:ext cx="9033707" cy="4940522"/>
-          </a:xfrm>
-          <a:prstGeom prst="rect">
-            <a:avLst/>
-          </a:prstGeom>
-        </p:spPr>
-      </p:pic>
-    </p:spTree>
-    <p:extLst>
-      <p:ext uri="{BB962C8B-B14F-4D97-AF65-F5344CB8AC3E}">
-        <p14:creationId xmlns:p14="http://schemas.microsoft.com/office/powerpoint/2010/main" val="1595074511"/>
-      </p:ext>
-    </p:extLst>
-  </p:cSld>
-  <p:clrMapOvr>
-    <a:masterClrMapping/>
-  </p:clrMapOvr>
-</p:sld>
-</file>
-
-<file path=ppt/slides/slide17.xml><?xml version="1.0" encoding="utf-8"?>
 <p:sld xmlns:a="http://schemas.openxmlformats.org/drawingml/2006/main" xmlns:r="http://schemas.openxmlformats.org/officeDocument/2006/relationships" xmlns:p="http://schemas.openxmlformats.org/presentationml/2006/main">
   <p:cSld>
     <p:spTree>
@@ -26875,15 +26245,6 @@
               <a:buChar char="o"/>
             </a:pPr>
             <a:r>
-              <a:rPr lang="en-US" sz="2200" strike="sngStrike" dirty="0">
-                <a:solidFill>
-                  <a:srgbClr val="002060"/>
-                </a:solidFill>
-                <a:cs typeface="Arial" panose="020B0604020202020204" pitchFamily="34" charset="0"/>
-              </a:rPr>
-              <a:t>In our project we build an online algorithm which follow a plan generated by the offline algorithm. </a:t>
-            </a:r>
-            <a:r>
               <a:rPr lang="en-US" sz="2200" dirty="0">
                 <a:solidFill>
                   <a:srgbClr val="002060"/>
@@ -26948,7 +26309,7 @@
                 <a:effectLst/>
                 <a:cs typeface="Assistant" pitchFamily="2" charset="-79"/>
               </a:rPr>
-              <a:t> has to decide whether the program can run with the different constraints or whether re-planning is needed.</a:t>
+              <a:t> must decide whether the program can run with the different constraints or whether re-planning is needed.</a:t>
             </a:r>
           </a:p>
         </p:txBody>
@@ -26966,7 +26327,7 @@
 </p:sld>
 </file>
 
-<file path=ppt/slides/slide18.xml><?xml version="1.0" encoding="utf-8"?>
+<file path=ppt/slides/slide17.xml><?xml version="1.0" encoding="utf-8"?>
 <p:sld xmlns:a="http://schemas.openxmlformats.org/drawingml/2006/main" xmlns:r="http://schemas.openxmlformats.org/officeDocument/2006/relationships" xmlns:p="http://schemas.openxmlformats.org/presentationml/2006/main">
   <p:cSld>
     <p:bg>
@@ -27086,7 +26447,7 @@
 </p:sld>
 </file>
 
-<file path=ppt/slides/slide19.xml><?xml version="1.0" encoding="utf-8"?>
+<file path=ppt/slides/slide18.xml><?xml version="1.0" encoding="utf-8"?>
 <p:sld xmlns:a="http://schemas.openxmlformats.org/drawingml/2006/main" xmlns:r="http://schemas.openxmlformats.org/officeDocument/2006/relationships" xmlns:p="http://schemas.openxmlformats.org/presentationml/2006/main">
   <p:cSld>
     <p:spTree>
@@ -27121,8 +26482,8 @@
         </p:nvSpPr>
         <p:spPr>
           <a:xfrm>
-            <a:off x="838200" y="601027"/>
-            <a:ext cx="10515600" cy="1761173"/>
+            <a:off x="838200" y="601028"/>
+            <a:ext cx="10515600" cy="939906"/>
           </a:xfrm>
         </p:spPr>
         <p:txBody>
@@ -27133,8 +26494,349 @@
           <a:p>
             <a:pPr algn="ctr"/>
             <a:r>
-              <a:rPr lang="he-IL" b="1" dirty="0"/>
-              <a:t>עם מה התמודדנו (איזה הפרעות), מה ההנחות שלנו</a:t>
+              <a:rPr lang="en-US" sz="4400" b="1" dirty="0">
+                <a:solidFill>
+                  <a:srgbClr val="002060"/>
+                </a:solidFill>
+              </a:rPr>
+              <a:t>Project Assumptions</a:t>
+            </a:r>
+            <a:endParaRPr lang="he-IL" sz="4400" b="1" dirty="0">
+              <a:solidFill>
+                <a:srgbClr val="002060"/>
+              </a:solidFill>
+            </a:endParaRPr>
+          </a:p>
+        </p:txBody>
+      </p:sp>
+      <p:sp>
+        <p:nvSpPr>
+          <p:cNvPr id="3" name="מציין מיקום טקסט 2">
+            <a:extLst>
+              <a:ext uri="{FF2B5EF4-FFF2-40B4-BE49-F238E27FC236}">
+                <a16:creationId xmlns:a16="http://schemas.microsoft.com/office/drawing/2014/main" id="{C8DF1847-A0D3-4E98-A025-1C4D0E333E94}"/>
+              </a:ext>
+            </a:extLst>
+          </p:cNvPr>
+          <p:cNvSpPr txBox="1">
+            <a:spLocks/>
+          </p:cNvSpPr>
+          <p:nvPr/>
+        </p:nvSpPr>
+        <p:spPr>
+          <a:xfrm>
+            <a:off x="0" y="2001838"/>
+            <a:ext cx="10515600" cy="3435350"/>
+          </a:xfrm>
+          <a:prstGeom prst="rect">
+            <a:avLst/>
+          </a:prstGeom>
+        </p:spPr>
+        <p:txBody>
+          <a:bodyPr vert="horz" lIns="91440" tIns="45720" rIns="91440" bIns="45720" rtlCol="0">
+            <a:noAutofit/>
+          </a:bodyPr>
+          <a:lstStyle>
+            <a:lvl1pPr marL="342900" indent="-342900" algn="r" defTabSz="457200" rtl="1" eaLnBrk="1" latinLnBrk="0" hangingPunct="1">
+              <a:spcBef>
+                <a:spcPts val="1000"/>
+              </a:spcBef>
+              <a:spcAft>
+                <a:spcPts val="0"/>
+              </a:spcAft>
+              <a:buClr>
+                <a:schemeClr val="accent1"/>
+              </a:buClr>
+              <a:buSzPct val="80000"/>
+              <a:buFont typeface="Wingdings 3" charset="2"/>
+              <a:buChar char=""/>
+              <a:defRPr sz="1800" kern="1200">
+                <a:solidFill>
+                  <a:schemeClr val="tx1">
+                    <a:lumMod val="75000"/>
+                    <a:lumOff val="25000"/>
+                  </a:schemeClr>
+                </a:solidFill>
+                <a:latin typeface="+mn-lt"/>
+                <a:ea typeface="+mn-ea"/>
+                <a:cs typeface="+mn-cs"/>
+              </a:defRPr>
+            </a:lvl1pPr>
+            <a:lvl2pPr marL="742950" indent="-285750" algn="r" defTabSz="457200" rtl="1" eaLnBrk="1" latinLnBrk="0" hangingPunct="1">
+              <a:spcBef>
+                <a:spcPts val="1000"/>
+              </a:spcBef>
+              <a:spcAft>
+                <a:spcPts val="0"/>
+              </a:spcAft>
+              <a:buClr>
+                <a:schemeClr val="accent1"/>
+              </a:buClr>
+              <a:buSzPct val="80000"/>
+              <a:buFont typeface="Wingdings 3" charset="2"/>
+              <a:buChar char=""/>
+              <a:defRPr sz="1600" kern="1200">
+                <a:solidFill>
+                  <a:schemeClr val="tx1">
+                    <a:lumMod val="75000"/>
+                    <a:lumOff val="25000"/>
+                  </a:schemeClr>
+                </a:solidFill>
+                <a:latin typeface="+mn-lt"/>
+                <a:ea typeface="+mn-ea"/>
+                <a:cs typeface="+mn-cs"/>
+              </a:defRPr>
+            </a:lvl2pPr>
+            <a:lvl3pPr marL="1143000" indent="-228600" algn="r" defTabSz="457200" rtl="1" eaLnBrk="1" latinLnBrk="0" hangingPunct="1">
+              <a:spcBef>
+                <a:spcPts val="1000"/>
+              </a:spcBef>
+              <a:spcAft>
+                <a:spcPts val="0"/>
+              </a:spcAft>
+              <a:buClr>
+                <a:schemeClr val="accent1"/>
+              </a:buClr>
+              <a:buSzPct val="80000"/>
+              <a:buFont typeface="Wingdings 3" charset="2"/>
+              <a:buChar char=""/>
+              <a:defRPr sz="1400" kern="1200">
+                <a:solidFill>
+                  <a:schemeClr val="tx1">
+                    <a:lumMod val="75000"/>
+                    <a:lumOff val="25000"/>
+                  </a:schemeClr>
+                </a:solidFill>
+                <a:latin typeface="+mn-lt"/>
+                <a:ea typeface="+mn-ea"/>
+                <a:cs typeface="+mn-cs"/>
+              </a:defRPr>
+            </a:lvl3pPr>
+            <a:lvl4pPr marL="1600200" indent="-228600" algn="r" defTabSz="457200" rtl="1" eaLnBrk="1" latinLnBrk="0" hangingPunct="1">
+              <a:spcBef>
+                <a:spcPts val="1000"/>
+              </a:spcBef>
+              <a:spcAft>
+                <a:spcPts val="0"/>
+              </a:spcAft>
+              <a:buClr>
+                <a:schemeClr val="accent1"/>
+              </a:buClr>
+              <a:buSzPct val="80000"/>
+              <a:buFont typeface="Wingdings 3" charset="2"/>
+              <a:buChar char=""/>
+              <a:defRPr sz="1200" kern="1200">
+                <a:solidFill>
+                  <a:schemeClr val="tx1">
+                    <a:lumMod val="75000"/>
+                    <a:lumOff val="25000"/>
+                  </a:schemeClr>
+                </a:solidFill>
+                <a:latin typeface="+mn-lt"/>
+                <a:ea typeface="+mn-ea"/>
+                <a:cs typeface="+mn-cs"/>
+              </a:defRPr>
+            </a:lvl4pPr>
+            <a:lvl5pPr marL="2057400" indent="-228600" algn="r" defTabSz="457200" rtl="1" eaLnBrk="1" latinLnBrk="0" hangingPunct="1">
+              <a:spcBef>
+                <a:spcPts val="1000"/>
+              </a:spcBef>
+              <a:spcAft>
+                <a:spcPts val="0"/>
+              </a:spcAft>
+              <a:buClr>
+                <a:schemeClr val="accent1"/>
+              </a:buClr>
+              <a:buSzPct val="80000"/>
+              <a:buFont typeface="Wingdings 3" charset="2"/>
+              <a:buChar char=""/>
+              <a:defRPr sz="1200" kern="1200">
+                <a:solidFill>
+                  <a:schemeClr val="tx1">
+                    <a:lumMod val="75000"/>
+                    <a:lumOff val="25000"/>
+                  </a:schemeClr>
+                </a:solidFill>
+                <a:latin typeface="+mn-lt"/>
+                <a:ea typeface="+mn-ea"/>
+                <a:cs typeface="+mn-cs"/>
+              </a:defRPr>
+            </a:lvl5pPr>
+            <a:lvl6pPr marL="2514600" indent="-228600" algn="r" defTabSz="457200" rtl="1" eaLnBrk="1" latinLnBrk="0" hangingPunct="1">
+              <a:spcBef>
+                <a:spcPts val="1000"/>
+              </a:spcBef>
+              <a:spcAft>
+                <a:spcPts val="0"/>
+              </a:spcAft>
+              <a:buClr>
+                <a:schemeClr val="accent1"/>
+              </a:buClr>
+              <a:buSzPct val="80000"/>
+              <a:buFont typeface="Wingdings 3" charset="2"/>
+              <a:buChar char=""/>
+              <a:defRPr sz="1200" kern="1200">
+                <a:solidFill>
+                  <a:schemeClr val="tx1">
+                    <a:lumMod val="75000"/>
+                    <a:lumOff val="25000"/>
+                  </a:schemeClr>
+                </a:solidFill>
+                <a:latin typeface="+mn-lt"/>
+                <a:ea typeface="+mn-ea"/>
+                <a:cs typeface="+mn-cs"/>
+              </a:defRPr>
+            </a:lvl6pPr>
+            <a:lvl7pPr marL="2971800" indent="-228600" algn="r" defTabSz="457200" rtl="1" eaLnBrk="1" latinLnBrk="0" hangingPunct="1">
+              <a:spcBef>
+                <a:spcPts val="1000"/>
+              </a:spcBef>
+              <a:spcAft>
+                <a:spcPts val="0"/>
+              </a:spcAft>
+              <a:buClr>
+                <a:schemeClr val="accent1"/>
+              </a:buClr>
+              <a:buSzPct val="80000"/>
+              <a:buFont typeface="Wingdings 3" charset="2"/>
+              <a:buChar char=""/>
+              <a:defRPr sz="1200" kern="1200">
+                <a:solidFill>
+                  <a:schemeClr val="tx1">
+                    <a:lumMod val="75000"/>
+                    <a:lumOff val="25000"/>
+                  </a:schemeClr>
+                </a:solidFill>
+                <a:latin typeface="+mn-lt"/>
+                <a:ea typeface="+mn-ea"/>
+                <a:cs typeface="+mn-cs"/>
+              </a:defRPr>
+            </a:lvl7pPr>
+            <a:lvl8pPr marL="3429000" indent="-228600" algn="r" defTabSz="457200" rtl="1" eaLnBrk="1" latinLnBrk="0" hangingPunct="1">
+              <a:spcBef>
+                <a:spcPts val="1000"/>
+              </a:spcBef>
+              <a:spcAft>
+                <a:spcPts val="0"/>
+              </a:spcAft>
+              <a:buClr>
+                <a:schemeClr val="accent1"/>
+              </a:buClr>
+              <a:buSzPct val="80000"/>
+              <a:buFont typeface="Wingdings 3" charset="2"/>
+              <a:buChar char=""/>
+              <a:defRPr sz="1200" kern="1200">
+                <a:solidFill>
+                  <a:schemeClr val="tx1">
+                    <a:lumMod val="75000"/>
+                    <a:lumOff val="25000"/>
+                  </a:schemeClr>
+                </a:solidFill>
+                <a:latin typeface="+mn-lt"/>
+                <a:ea typeface="+mn-ea"/>
+                <a:cs typeface="+mn-cs"/>
+              </a:defRPr>
+            </a:lvl8pPr>
+            <a:lvl9pPr marL="3886200" indent="-228600" algn="r" defTabSz="457200" rtl="1" eaLnBrk="1" latinLnBrk="0" hangingPunct="1">
+              <a:spcBef>
+                <a:spcPts val="1000"/>
+              </a:spcBef>
+              <a:spcAft>
+                <a:spcPts val="0"/>
+              </a:spcAft>
+              <a:buClr>
+                <a:schemeClr val="accent1"/>
+              </a:buClr>
+              <a:buSzPct val="80000"/>
+              <a:buFont typeface="Wingdings 3" charset="2"/>
+              <a:buChar char=""/>
+              <a:defRPr sz="1200" kern="1200">
+                <a:solidFill>
+                  <a:schemeClr val="tx1">
+                    <a:lumMod val="75000"/>
+                    <a:lumOff val="25000"/>
+                  </a:schemeClr>
+                </a:solidFill>
+                <a:latin typeface="+mn-lt"/>
+                <a:ea typeface="+mn-ea"/>
+                <a:cs typeface="+mn-cs"/>
+              </a:defRPr>
+            </a:lvl9pPr>
+          </a:lstStyle>
+          <a:p>
+            <a:pPr lvl="1" algn="l" rtl="0">
+              <a:lnSpc>
+                <a:spcPct val="150000"/>
+              </a:lnSpc>
+            </a:pPr>
+            <a:r>
+              <a:rPr lang="en-US" sz="2200" dirty="0">
+                <a:solidFill>
+                  <a:srgbClr val="002060"/>
+                </a:solidFill>
+                <a:cs typeface="Assistant" pitchFamily="2" charset="-79"/>
+              </a:rPr>
+              <a:t>No simultaneously take offs and landings.</a:t>
+            </a:r>
+            <a:br>
+              <a:rPr lang="en-US" sz="2200" dirty="0">
+                <a:solidFill>
+                  <a:srgbClr val="002060"/>
+                </a:solidFill>
+                <a:cs typeface="Assistant" pitchFamily="2" charset="-79"/>
+              </a:rPr>
+            </a:br>
+            <a:endParaRPr lang="en-US" sz="2200" dirty="0">
+              <a:solidFill>
+                <a:srgbClr val="002060"/>
+              </a:solidFill>
+              <a:cs typeface="Assistant" pitchFamily="2" charset="-79"/>
+            </a:endParaRPr>
+          </a:p>
+          <a:p>
+            <a:pPr lvl="1" algn="l" rtl="0">
+              <a:lnSpc>
+                <a:spcPct val="150000"/>
+              </a:lnSpc>
+            </a:pPr>
+            <a:r>
+              <a:rPr lang="en-US" sz="2200" dirty="0">
+                <a:solidFill>
+                  <a:srgbClr val="002060"/>
+                </a:solidFill>
+                <a:cs typeface="Assistant" pitchFamily="2" charset="-79"/>
+              </a:rPr>
+              <a:t>Replanning time is negligible.</a:t>
+            </a:r>
+            <a:br>
+              <a:rPr lang="en-US" sz="2200" dirty="0">
+                <a:solidFill>
+                  <a:srgbClr val="002060"/>
+                </a:solidFill>
+                <a:cs typeface="Assistant" pitchFamily="2" charset="-79"/>
+              </a:rPr>
+            </a:br>
+            <a:endParaRPr lang="en-US" sz="2200" dirty="0">
+              <a:solidFill>
+                <a:srgbClr val="002060"/>
+              </a:solidFill>
+              <a:cs typeface="Assistant" pitchFamily="2" charset="-79"/>
+            </a:endParaRPr>
+          </a:p>
+          <a:p>
+            <a:pPr lvl="1" algn="l" rtl="0">
+              <a:lnSpc>
+                <a:spcPct val="150000"/>
+              </a:lnSpc>
+            </a:pPr>
+            <a:r>
+              <a:rPr lang="en-US" sz="2200" dirty="0">
+                <a:solidFill>
+                  <a:srgbClr val="002060"/>
+                </a:solidFill>
+                <a:cs typeface="Assistant" pitchFamily="2" charset="-79"/>
+              </a:rPr>
+              <a:t>The only Interrupt is a delay.</a:t>
             </a:r>
           </a:p>
         </p:txBody>
@@ -27152,227 +26854,7 @@
 </p:sld>
 </file>
 
-<file path=ppt/slides/slide2.xml><?xml version="1.0" encoding="utf-8"?>
-<p:sld xmlns:a="http://schemas.openxmlformats.org/drawingml/2006/main" xmlns:r="http://schemas.openxmlformats.org/officeDocument/2006/relationships" xmlns:p="http://schemas.openxmlformats.org/presentationml/2006/main">
-  <p:cSld>
-    <p:spTree>
-      <p:nvGrpSpPr>
-        <p:cNvPr id="1" name=""/>
-        <p:cNvGrpSpPr/>
-        <p:nvPr/>
-      </p:nvGrpSpPr>
-      <p:grpSpPr>
-        <a:xfrm>
-          <a:off x="0" y="0"/>
-          <a:ext cx="0" cy="0"/>
-          <a:chOff x="0" y="0"/>
-          <a:chExt cx="0" cy="0"/>
-        </a:xfrm>
-      </p:grpSpPr>
-      <p:sp>
-        <p:nvSpPr>
-          <p:cNvPr id="2" name="כותרת 1">
-            <a:extLst>
-              <a:ext uri="{FF2B5EF4-FFF2-40B4-BE49-F238E27FC236}">
-                <a16:creationId xmlns:a16="http://schemas.microsoft.com/office/drawing/2014/main" id="{11433E98-96EA-4674-A96F-0E224428F1EB}"/>
-              </a:ext>
-            </a:extLst>
-          </p:cNvPr>
-          <p:cNvSpPr>
-            <a:spLocks noGrp="1"/>
-          </p:cNvSpPr>
-          <p:nvPr>
-            <p:ph type="title"/>
-          </p:nvPr>
-        </p:nvSpPr>
-        <p:spPr/>
-        <p:txBody>
-          <a:bodyPr>
-            <a:normAutofit/>
-          </a:bodyPr>
-          <a:lstStyle/>
-          <a:p>
-            <a:pPr algn="ctr"/>
-            <a:r>
-              <a:rPr lang="en-US" b="1" dirty="0">
-                <a:solidFill>
-                  <a:srgbClr val="002060"/>
-                </a:solidFill>
-              </a:rPr>
-              <a:t>Motivation</a:t>
-            </a:r>
-            <a:endParaRPr lang="he-IL" b="1" dirty="0"/>
-          </a:p>
-        </p:txBody>
-      </p:sp>
-      <p:sp>
-        <p:nvSpPr>
-          <p:cNvPr id="4" name="כותרת משנה 3">
-            <a:extLst>
-              <a:ext uri="{FF2B5EF4-FFF2-40B4-BE49-F238E27FC236}">
-                <a16:creationId xmlns:a16="http://schemas.microsoft.com/office/drawing/2014/main" id="{862AA29A-9D87-4C9D-87B5-CDE841376CCD}"/>
-              </a:ext>
-            </a:extLst>
-          </p:cNvPr>
-          <p:cNvSpPr>
-            <a:spLocks noGrp="1"/>
-          </p:cNvSpPr>
-          <p:nvPr>
-            <p:ph type="subTitle" idx="4294967295"/>
-          </p:nvPr>
-        </p:nvSpPr>
-        <p:spPr>
-          <a:xfrm>
-            <a:off x="0" y="1690688"/>
-            <a:ext cx="10515600" cy="4052887"/>
-          </a:xfrm>
-        </p:spPr>
-        <p:txBody>
-          <a:bodyPr>
-            <a:normAutofit/>
-          </a:bodyPr>
-          <a:lstStyle/>
-          <a:p>
-            <a:pPr algn="l" rtl="0">
-              <a:lnSpc>
-                <a:spcPct val="150000"/>
-              </a:lnSpc>
-            </a:pPr>
-            <a:r>
-              <a:rPr lang="en-US" sz="2400" dirty="0">
-                <a:solidFill>
-                  <a:srgbClr val="002060"/>
-                </a:solidFill>
-              </a:rPr>
-              <a:t>An Airport has a lot of operations everyday. </a:t>
-            </a:r>
-          </a:p>
-          <a:p>
-            <a:pPr lvl="1" algn="l" rtl="0">
-              <a:lnSpc>
-                <a:spcPct val="150000"/>
-              </a:lnSpc>
-            </a:pPr>
-            <a:r>
-              <a:rPr lang="en-US" dirty="0" err="1">
-                <a:solidFill>
-                  <a:srgbClr val="002060"/>
-                </a:solidFill>
-              </a:rPr>
-              <a:t>Multipale</a:t>
-            </a:r>
-            <a:r>
-              <a:rPr lang="en-US" dirty="0">
-                <a:solidFill>
-                  <a:srgbClr val="002060"/>
-                </a:solidFill>
-              </a:rPr>
-              <a:t> planes that are </a:t>
-            </a:r>
-            <a:r>
-              <a:rPr lang="en-US" dirty="0" err="1">
-                <a:solidFill>
-                  <a:srgbClr val="002060"/>
-                </a:solidFill>
-              </a:rPr>
-              <a:t>simultaniusly</a:t>
-            </a:r>
-            <a:r>
-              <a:rPr lang="en-US" dirty="0">
-                <a:solidFill>
-                  <a:srgbClr val="002060"/>
-                </a:solidFill>
-              </a:rPr>
-              <a:t> take off and land.</a:t>
-            </a:r>
-          </a:p>
-          <a:p>
-            <a:pPr lvl="1" algn="l" rtl="0">
-              <a:lnSpc>
-                <a:spcPct val="150000"/>
-              </a:lnSpc>
-            </a:pPr>
-            <a:r>
-              <a:rPr lang="en-US" dirty="0">
-                <a:solidFill>
-                  <a:srgbClr val="002060"/>
-                </a:solidFill>
-              </a:rPr>
-              <a:t>Operations that depends on other operations.</a:t>
-            </a:r>
-          </a:p>
-          <a:p>
-            <a:pPr lvl="1" algn="l" rtl="0">
-              <a:lnSpc>
-                <a:spcPct val="150000"/>
-              </a:lnSpc>
-            </a:pPr>
-            <a:r>
-              <a:rPr lang="en-US" dirty="0">
-                <a:solidFill>
-                  <a:srgbClr val="002060"/>
-                </a:solidFill>
-              </a:rPr>
-              <a:t>Unexpected problems create conflicts and may change the day plan.</a:t>
-            </a:r>
-            <a:br>
-              <a:rPr lang="en-US" dirty="0">
-                <a:solidFill>
-                  <a:srgbClr val="002060"/>
-                </a:solidFill>
-              </a:rPr>
-            </a:br>
-            <a:endParaRPr lang="en-US" dirty="0">
-              <a:solidFill>
-                <a:srgbClr val="002060"/>
-              </a:solidFill>
-            </a:endParaRPr>
-          </a:p>
-          <a:p>
-            <a:pPr algn="l" rtl="0">
-              <a:lnSpc>
-                <a:spcPct val="150000"/>
-              </a:lnSpc>
-            </a:pPr>
-            <a:r>
-              <a:rPr lang="en-US" sz="2400" dirty="0">
-                <a:solidFill>
-                  <a:srgbClr val="002060"/>
-                </a:solidFill>
-              </a:rPr>
-              <a:t>Airport management is done with a day plan and executing it in </a:t>
-            </a:r>
-            <a:r>
-              <a:rPr lang="en-US" sz="2400" b="1" dirty="0">
-                <a:solidFill>
-                  <a:srgbClr val="002060"/>
-                </a:solidFill>
-              </a:rPr>
-              <a:t>Real time.</a:t>
-            </a:r>
-          </a:p>
-          <a:p>
-            <a:pPr marL="0" indent="0">
-              <a:buNone/>
-            </a:pPr>
-            <a:endParaRPr lang="he-IL" dirty="0"/>
-          </a:p>
-        </p:txBody>
-      </p:sp>
-    </p:spTree>
-    <p:extLst>
-      <p:ext uri="{BB962C8B-B14F-4D97-AF65-F5344CB8AC3E}">
-        <p14:creationId xmlns:p14="http://schemas.microsoft.com/office/powerpoint/2010/main" val="3687218320"/>
-      </p:ext>
-    </p:extLst>
-  </p:cSld>
-  <p:clrMapOvr>
-    <a:masterClrMapping/>
-  </p:clrMapOvr>
-</p:sld>
-</file>
-
-<file path=ppt/slides/slide20.xml><?xml version="1.0" encoding="utf-8"?>
+<file path=ppt/slides/slide19.xml><?xml version="1.0" encoding="utf-8"?>
 <p:sld xmlns:a="http://schemas.openxmlformats.org/drawingml/2006/main" xmlns:r="http://schemas.openxmlformats.org/officeDocument/2006/relationships" xmlns:p="http://schemas.openxmlformats.org/presentationml/2006/main">
   <p:cSld>
     <p:spTree>
@@ -27475,7 +26957,203 @@
 </p:sld>
 </file>
 
-<file path=ppt/slides/slide21.xml><?xml version="1.0" encoding="utf-8"?>
+<file path=ppt/slides/slide2.xml><?xml version="1.0" encoding="utf-8"?>
+<p:sld xmlns:a="http://schemas.openxmlformats.org/drawingml/2006/main" xmlns:r="http://schemas.openxmlformats.org/officeDocument/2006/relationships" xmlns:p="http://schemas.openxmlformats.org/presentationml/2006/main">
+  <p:cSld>
+    <p:spTree>
+      <p:nvGrpSpPr>
+        <p:cNvPr id="1" name=""/>
+        <p:cNvGrpSpPr/>
+        <p:nvPr/>
+      </p:nvGrpSpPr>
+      <p:grpSpPr>
+        <a:xfrm>
+          <a:off x="0" y="0"/>
+          <a:ext cx="0" cy="0"/>
+          <a:chOff x="0" y="0"/>
+          <a:chExt cx="0" cy="0"/>
+        </a:xfrm>
+      </p:grpSpPr>
+      <p:sp>
+        <p:nvSpPr>
+          <p:cNvPr id="2" name="כותרת 1">
+            <a:extLst>
+              <a:ext uri="{FF2B5EF4-FFF2-40B4-BE49-F238E27FC236}">
+                <a16:creationId xmlns:a16="http://schemas.microsoft.com/office/drawing/2014/main" id="{11433E98-96EA-4674-A96F-0E224428F1EB}"/>
+              </a:ext>
+            </a:extLst>
+          </p:cNvPr>
+          <p:cNvSpPr>
+            <a:spLocks noGrp="1"/>
+          </p:cNvSpPr>
+          <p:nvPr>
+            <p:ph type="title"/>
+          </p:nvPr>
+        </p:nvSpPr>
+        <p:spPr/>
+        <p:txBody>
+          <a:bodyPr>
+            <a:normAutofit/>
+          </a:bodyPr>
+          <a:lstStyle/>
+          <a:p>
+            <a:pPr algn="ctr"/>
+            <a:r>
+              <a:rPr lang="en-US" b="1" dirty="0">
+                <a:solidFill>
+                  <a:srgbClr val="002060"/>
+                </a:solidFill>
+              </a:rPr>
+              <a:t>Motivation</a:t>
+            </a:r>
+            <a:endParaRPr lang="he-IL" b="1" dirty="0"/>
+          </a:p>
+        </p:txBody>
+      </p:sp>
+      <p:sp>
+        <p:nvSpPr>
+          <p:cNvPr id="4" name="כותרת משנה 3">
+            <a:extLst>
+              <a:ext uri="{FF2B5EF4-FFF2-40B4-BE49-F238E27FC236}">
+                <a16:creationId xmlns:a16="http://schemas.microsoft.com/office/drawing/2014/main" id="{862AA29A-9D87-4C9D-87B5-CDE841376CCD}"/>
+              </a:ext>
+            </a:extLst>
+          </p:cNvPr>
+          <p:cNvSpPr>
+            <a:spLocks noGrp="1"/>
+          </p:cNvSpPr>
+          <p:nvPr>
+            <p:ph type="subTitle" idx="4294967295"/>
+          </p:nvPr>
+        </p:nvSpPr>
+        <p:spPr>
+          <a:xfrm>
+            <a:off x="0" y="1690688"/>
+            <a:ext cx="10515600" cy="4052887"/>
+          </a:xfrm>
+        </p:spPr>
+        <p:txBody>
+          <a:bodyPr>
+            <a:normAutofit/>
+          </a:bodyPr>
+          <a:lstStyle/>
+          <a:p>
+            <a:pPr algn="l" rtl="0">
+              <a:lnSpc>
+                <a:spcPct val="150000"/>
+              </a:lnSpc>
+            </a:pPr>
+            <a:r>
+              <a:rPr lang="en-US" sz="2400" dirty="0">
+                <a:solidFill>
+                  <a:srgbClr val="002060"/>
+                </a:solidFill>
+              </a:rPr>
+              <a:t>An Airport has a lot of operations everyday. </a:t>
+            </a:r>
+          </a:p>
+          <a:p>
+            <a:pPr lvl="1" algn="l" rtl="0">
+              <a:lnSpc>
+                <a:spcPct val="150000"/>
+              </a:lnSpc>
+            </a:pPr>
+            <a:r>
+              <a:rPr lang="en-US" dirty="0">
+                <a:solidFill>
+                  <a:srgbClr val="002060"/>
+                </a:solidFill>
+              </a:rPr>
+              <a:t>Multipale planes that are simultaniusly take off and land.</a:t>
+            </a:r>
+          </a:p>
+          <a:p>
+            <a:pPr lvl="1" algn="l" rtl="0">
+              <a:lnSpc>
+                <a:spcPct val="150000"/>
+              </a:lnSpc>
+            </a:pPr>
+            <a:r>
+              <a:rPr lang="en-US" dirty="0">
+                <a:solidFill>
+                  <a:srgbClr val="002060"/>
+                </a:solidFill>
+              </a:rPr>
+              <a:t>Operations that depends on other operations.</a:t>
+            </a:r>
+          </a:p>
+          <a:p>
+            <a:pPr lvl="1" algn="l" rtl="0">
+              <a:lnSpc>
+                <a:spcPct val="150000"/>
+              </a:lnSpc>
+            </a:pPr>
+            <a:r>
+              <a:rPr lang="en-US" dirty="0">
+                <a:solidFill>
+                  <a:srgbClr val="002060"/>
+                </a:solidFill>
+              </a:rPr>
+              <a:t>Unexpected problems create conflicts and may change the day plan.</a:t>
+            </a:r>
+            <a:br>
+              <a:rPr lang="en-US" dirty="0">
+                <a:solidFill>
+                  <a:srgbClr val="002060"/>
+                </a:solidFill>
+              </a:rPr>
+            </a:br>
+            <a:endParaRPr lang="en-US" dirty="0">
+              <a:solidFill>
+                <a:srgbClr val="002060"/>
+              </a:solidFill>
+            </a:endParaRPr>
+          </a:p>
+          <a:p>
+            <a:pPr algn="l" rtl="0">
+              <a:lnSpc>
+                <a:spcPct val="150000"/>
+              </a:lnSpc>
+            </a:pPr>
+            <a:r>
+              <a:rPr lang="en-US" sz="2400" dirty="0">
+                <a:solidFill>
+                  <a:srgbClr val="002060"/>
+                </a:solidFill>
+              </a:rPr>
+              <a:t>Airport management is done with a day plan and executing it in </a:t>
+            </a:r>
+            <a:r>
+              <a:rPr lang="en-US" sz="2400" b="1" dirty="0">
+                <a:solidFill>
+                  <a:srgbClr val="002060"/>
+                </a:solidFill>
+              </a:rPr>
+              <a:t>Real time.</a:t>
+            </a:r>
+          </a:p>
+          <a:p>
+            <a:pPr marL="0" indent="0">
+              <a:buNone/>
+            </a:pPr>
+            <a:endParaRPr lang="he-IL" dirty="0"/>
+          </a:p>
+        </p:txBody>
+      </p:sp>
+    </p:spTree>
+    <p:extLst>
+      <p:ext uri="{BB962C8B-B14F-4D97-AF65-F5344CB8AC3E}">
+        <p14:creationId xmlns:p14="http://schemas.microsoft.com/office/powerpoint/2010/main" val="3687218320"/>
+      </p:ext>
+    </p:extLst>
+  </p:cSld>
+  <p:clrMapOvr>
+    <a:masterClrMapping/>
+  </p:clrMapOvr>
+</p:sld>
+</file>
+
+<file path=ppt/slides/slide20.xml><?xml version="1.0" encoding="utf-8"?>
 <p:sld xmlns:a="http://schemas.openxmlformats.org/drawingml/2006/main" xmlns:r="http://schemas.openxmlformats.org/officeDocument/2006/relationships" xmlns:p="http://schemas.openxmlformats.org/presentationml/2006/main">
   <p:cSld>
     <p:bg>
@@ -27584,7 +27262,7 @@
 </p:sld>
 </file>
 
-<file path=ppt/slides/slide22.xml><?xml version="1.0" encoding="utf-8"?>
+<file path=ppt/slides/slide21.xml><?xml version="1.0" encoding="utf-8"?>
 <p:sld xmlns:a="http://schemas.openxmlformats.org/drawingml/2006/main" xmlns:r="http://schemas.openxmlformats.org/officeDocument/2006/relationships" xmlns:p="http://schemas.openxmlformats.org/presentationml/2006/main">
   <p:cSld>
     <p:bg>
@@ -27695,7 +27373,7 @@
 </p:sld>
 </file>
 
-<file path=ppt/slides/slide23.xml><?xml version="1.0" encoding="utf-8"?>
+<file path=ppt/slides/slide22.xml><?xml version="1.0" encoding="utf-8"?>
 <p:sld xmlns:a="http://schemas.openxmlformats.org/drawingml/2006/main" xmlns:r="http://schemas.openxmlformats.org/officeDocument/2006/relationships" xmlns:p="http://schemas.openxmlformats.org/presentationml/2006/main">
   <p:cSld>
     <p:bg>
@@ -27897,7 +27575,7 @@
 </p:sld>
 </file>
 
-<file path=ppt/slides/slide24.xml><?xml version="1.0" encoding="utf-8"?>
+<file path=ppt/slides/slide23.xml><?xml version="1.0" encoding="utf-8"?>
 <p:sld xmlns:a="http://schemas.openxmlformats.org/drawingml/2006/main" xmlns:r="http://schemas.openxmlformats.org/officeDocument/2006/relationships" xmlns:p="http://schemas.openxmlformats.org/presentationml/2006/main">
   <p:cSld>
     <p:spTree>
@@ -28129,7 +27807,7 @@
 </p:sld>
 </file>
 
-<file path=ppt/slides/slide25.xml><?xml version="1.0" encoding="utf-8"?>
+<file path=ppt/slides/slide24.xml><?xml version="1.0" encoding="utf-8"?>
 <p:sld xmlns:a="http://schemas.openxmlformats.org/drawingml/2006/main" xmlns:r="http://schemas.openxmlformats.org/officeDocument/2006/relationships" xmlns:p="http://schemas.openxmlformats.org/presentationml/2006/main">
   <p:cSld>
     <p:spTree>
@@ -28277,7 +27955,7 @@
 </p:sld>
 </file>
 
-<file path=ppt/slides/slide26.xml><?xml version="1.0" encoding="utf-8"?>
+<file path=ppt/slides/slide25.xml><?xml version="1.0" encoding="utf-8"?>
 <p:sld xmlns:a="http://schemas.openxmlformats.org/drawingml/2006/main" xmlns:r="http://schemas.openxmlformats.org/officeDocument/2006/relationships" xmlns:p="http://schemas.openxmlformats.org/presentationml/2006/main">
   <p:cSld>
     <p:spTree>
@@ -28596,7 +28274,7 @@
 </p:sld>
 </file>
 
-<file path=ppt/slides/slide27.xml><?xml version="1.0" encoding="utf-8"?>
+<file path=ppt/slides/slide26.xml><?xml version="1.0" encoding="utf-8"?>
 <p:sld xmlns:a="http://schemas.openxmlformats.org/drawingml/2006/main" xmlns:r="http://schemas.openxmlformats.org/officeDocument/2006/relationships" xmlns:p="http://schemas.openxmlformats.org/presentationml/2006/main">
   <p:cSld>
     <p:spTree>
@@ -28810,7 +28488,7 @@
 </p:sld>
 </file>
 
-<file path=ppt/slides/slide28.xml><?xml version="1.0" encoding="utf-8"?>
+<file path=ppt/slides/slide27.xml><?xml version="1.0" encoding="utf-8"?>
 <p:sld xmlns:a="http://schemas.openxmlformats.org/drawingml/2006/main" xmlns:r="http://schemas.openxmlformats.org/officeDocument/2006/relationships" xmlns:p="http://schemas.openxmlformats.org/presentationml/2006/main">
   <p:cSld>
     <p:spTree>
@@ -28948,7 +28626,7 @@
 </p:sld>
 </file>
 
-<file path=ppt/slides/slide29.xml><?xml version="1.0" encoding="utf-8"?>
+<file path=ppt/slides/slide28.xml><?xml version="1.0" encoding="utf-8"?>
 <p:sld xmlns:a="http://schemas.openxmlformats.org/drawingml/2006/main" xmlns:r="http://schemas.openxmlformats.org/officeDocument/2006/relationships" xmlns:p="http://schemas.openxmlformats.org/presentationml/2006/main">
   <p:cSld>
     <p:spTree>
@@ -29257,313 +28935,7 @@
 </p:sld>
 </file>
 
-<file path=ppt/slides/slide3.xml><?xml version="1.0" encoding="utf-8"?>
-<p:sld xmlns:a="http://schemas.openxmlformats.org/drawingml/2006/main" xmlns:r="http://schemas.openxmlformats.org/officeDocument/2006/relationships" xmlns:p="http://schemas.openxmlformats.org/presentationml/2006/main">
-  <p:cSld>
-    <p:spTree>
-      <p:nvGrpSpPr>
-        <p:cNvPr id="1" name=""/>
-        <p:cNvGrpSpPr/>
-        <p:nvPr/>
-      </p:nvGrpSpPr>
-      <p:grpSpPr>
-        <a:xfrm>
-          <a:off x="0" y="0"/>
-          <a:ext cx="0" cy="0"/>
-          <a:chOff x="0" y="0"/>
-          <a:chExt cx="0" cy="0"/>
-        </a:xfrm>
-      </p:grpSpPr>
-      <p:sp>
-        <p:nvSpPr>
-          <p:cNvPr id="2" name="כותרת 1">
-            <a:extLst>
-              <a:ext uri="{FF2B5EF4-FFF2-40B4-BE49-F238E27FC236}">
-                <a16:creationId xmlns:a16="http://schemas.microsoft.com/office/drawing/2014/main" id="{11433E98-96EA-4674-A96F-0E224428F1EB}"/>
-              </a:ext>
-            </a:extLst>
-          </p:cNvPr>
-          <p:cNvSpPr>
-            <a:spLocks noGrp="1"/>
-          </p:cNvSpPr>
-          <p:nvPr>
-            <p:ph type="title"/>
-          </p:nvPr>
-        </p:nvSpPr>
-        <p:spPr>
-          <a:xfrm>
-            <a:off x="838200" y="601027"/>
-            <a:ext cx="10515600" cy="1325563"/>
-          </a:xfrm>
-        </p:spPr>
-        <p:txBody>
-          <a:bodyPr>
-            <a:normAutofit/>
-          </a:bodyPr>
-          <a:lstStyle/>
-          <a:p>
-            <a:pPr algn="ctr"/>
-            <a:r>
-              <a:rPr lang="en-US" b="1" dirty="0">
-                <a:solidFill>
-                  <a:srgbClr val="002060"/>
-                </a:solidFill>
-              </a:rPr>
-              <a:t>The problem</a:t>
-            </a:r>
-            <a:endParaRPr lang="he-IL" b="1" dirty="0">
-              <a:solidFill>
-                <a:srgbClr val="002060"/>
-              </a:solidFill>
-            </a:endParaRPr>
-          </a:p>
-        </p:txBody>
-      </p:sp>
-      <p:sp>
-        <p:nvSpPr>
-          <p:cNvPr id="3" name="תיבת טקסט 2">
-            <a:extLst>
-              <a:ext uri="{FF2B5EF4-FFF2-40B4-BE49-F238E27FC236}">
-                <a16:creationId xmlns:a16="http://schemas.microsoft.com/office/drawing/2014/main" id="{DF8B983F-BA27-43EE-B9DA-E759494E3462}"/>
-              </a:ext>
-            </a:extLst>
-          </p:cNvPr>
-          <p:cNvSpPr txBox="1"/>
-          <p:nvPr/>
-        </p:nvSpPr>
-        <p:spPr>
-          <a:xfrm>
-            <a:off x="1266824" y="1926590"/>
-            <a:ext cx="9648825" cy="3693319"/>
-          </a:xfrm>
-          <a:prstGeom prst="rect">
-            <a:avLst/>
-          </a:prstGeom>
-          <a:noFill/>
-        </p:spPr>
-        <p:txBody>
-          <a:bodyPr wrap="square" rtlCol="1">
-            <a:spAutoFit/>
-          </a:bodyPr>
-          <a:lstStyle/>
-          <a:p>
-            <a:pPr algn="l" rtl="0">
-              <a:lnSpc>
-                <a:spcPct val="150000"/>
-              </a:lnSpc>
-            </a:pPr>
-            <a:r>
-              <a:rPr lang="en-US" sz="2400" dirty="0">
-                <a:solidFill>
-                  <a:srgbClr val="002060"/>
-                </a:solidFill>
-              </a:rPr>
-              <a:t>Building a day plan and monitoring it in real time is a complex problem.</a:t>
-            </a:r>
-          </a:p>
-          <a:p>
-            <a:pPr algn="l" rtl="0">
-              <a:lnSpc>
-                <a:spcPct val="150000"/>
-              </a:lnSpc>
-            </a:pPr>
-            <a:endParaRPr lang="en-US" sz="2400" dirty="0">
-              <a:solidFill>
-                <a:srgbClr val="002060"/>
-              </a:solidFill>
-            </a:endParaRPr>
-          </a:p>
-          <a:p>
-            <a:pPr algn="l" rtl="0">
-              <a:lnSpc>
-                <a:spcPct val="150000"/>
-              </a:lnSpc>
-            </a:pPr>
-            <a:r>
-              <a:rPr lang="en-US" sz="2400" dirty="0">
-                <a:solidFill>
-                  <a:srgbClr val="002060"/>
-                </a:solidFill>
-              </a:rPr>
-              <a:t>This problem is divided into two:</a:t>
-            </a:r>
-          </a:p>
-          <a:p>
-            <a:pPr marL="457200" indent="-457200" algn="l" rtl="0">
-              <a:lnSpc>
-                <a:spcPct val="150000"/>
-              </a:lnSpc>
-              <a:buAutoNum type="arabicPeriod"/>
-            </a:pPr>
-            <a:r>
-              <a:rPr lang="en-US" sz="2400" dirty="0">
-                <a:solidFill>
-                  <a:srgbClr val="002060"/>
-                </a:solidFill>
-              </a:rPr>
-              <a:t>The offline algorithm - </a:t>
-            </a:r>
-            <a:r>
-              <a:rPr lang="en-US" sz="2400" dirty="0">
-                <a:solidFill>
-                  <a:srgbClr val="002060"/>
-                </a:solidFill>
-                <a:cs typeface="Assistant" pitchFamily="2" charset="-79"/>
-              </a:rPr>
-              <a:t>b</a:t>
-            </a:r>
-            <a:r>
-              <a:rPr lang="en-US" sz="2400" b="0" i="0" dirty="0">
-                <a:solidFill>
-                  <a:srgbClr val="002060"/>
-                </a:solidFill>
-                <a:effectLst/>
-                <a:cs typeface="Assistant" pitchFamily="2" charset="-79"/>
-              </a:rPr>
-              <a:t>uilding a day plan </a:t>
-            </a:r>
-            <a:r>
-              <a:rPr lang="en-US" sz="2400" dirty="0">
-                <a:solidFill>
-                  <a:srgbClr val="002060"/>
-                </a:solidFill>
-                <a:cs typeface="Assistant" pitchFamily="2" charset="-79"/>
-              </a:rPr>
-              <a:t>based on</a:t>
-            </a:r>
-            <a:r>
-              <a:rPr lang="en-US" sz="2400" b="0" i="0" dirty="0">
-                <a:solidFill>
-                  <a:srgbClr val="002060"/>
-                </a:solidFill>
-                <a:effectLst/>
-                <a:cs typeface="Assistant" pitchFamily="2" charset="-79"/>
-              </a:rPr>
-              <a:t> prior knowledge.</a:t>
-            </a:r>
-            <a:endParaRPr lang="en-US" sz="2400" dirty="0">
-              <a:solidFill>
-                <a:srgbClr val="002060"/>
-              </a:solidFill>
-            </a:endParaRPr>
-          </a:p>
-          <a:p>
-            <a:pPr marL="457200" indent="-457200" algn="l" rtl="0">
-              <a:lnSpc>
-                <a:spcPct val="150000"/>
-              </a:lnSpc>
-              <a:buAutoNum type="arabicPeriod"/>
-            </a:pPr>
-            <a:r>
-              <a:rPr lang="en-US" sz="2400" dirty="0">
-                <a:solidFill>
-                  <a:srgbClr val="002060"/>
-                </a:solidFill>
-              </a:rPr>
-              <a:t>The online algorithm - </a:t>
-            </a:r>
-            <a:r>
-              <a:rPr lang="en-US" sz="2400" dirty="0">
-                <a:solidFill>
-                  <a:srgbClr val="002060"/>
-                </a:solidFill>
-                <a:cs typeface="Assistant" pitchFamily="2" charset="-79"/>
-              </a:rPr>
-              <a:t>g</a:t>
-            </a:r>
-            <a:r>
-              <a:rPr lang="en-US" sz="2400" b="0" i="0" dirty="0">
-                <a:solidFill>
-                  <a:srgbClr val="002060"/>
-                </a:solidFill>
-                <a:effectLst/>
-                <a:cs typeface="Assistant" pitchFamily="2" charset="-79"/>
-              </a:rPr>
-              <a:t>iven an existing program</a:t>
-            </a:r>
-            <a:r>
-              <a:rPr lang="en-US" sz="2400" dirty="0">
-                <a:solidFill>
-                  <a:srgbClr val="002060"/>
-                </a:solidFill>
-                <a:cs typeface="Assistant" pitchFamily="2" charset="-79"/>
-              </a:rPr>
-              <a:t>, t</a:t>
-            </a:r>
-            <a:r>
-              <a:rPr lang="en-US" sz="2400" b="0" i="0" dirty="0">
-                <a:solidFill>
-                  <a:srgbClr val="002060"/>
-                </a:solidFill>
-                <a:effectLst/>
-                <a:cs typeface="Assistant" pitchFamily="2" charset="-79"/>
-              </a:rPr>
-              <a:t>racking it </a:t>
-            </a:r>
-            <a:r>
-              <a:rPr lang="en-US" sz="2400" dirty="0">
-                <a:solidFill>
-                  <a:srgbClr val="002060"/>
-                </a:solidFill>
-                <a:cs typeface="Assistant" pitchFamily="2" charset="-79"/>
-              </a:rPr>
-              <a:t>while</a:t>
-            </a:r>
-            <a:r>
-              <a:rPr lang="en-US" sz="2400" b="0" i="0" dirty="0">
-                <a:solidFill>
-                  <a:srgbClr val="002060"/>
-                </a:solidFill>
-                <a:effectLst/>
-                <a:cs typeface="Assistant" pitchFamily="2" charset="-79"/>
-              </a:rPr>
-              <a:t> </a:t>
-            </a:r>
-            <a:r>
-              <a:rPr lang="en-US" sz="2400" dirty="0">
-                <a:solidFill>
-                  <a:srgbClr val="002060"/>
-                </a:solidFill>
-                <a:cs typeface="Assistant" pitchFamily="2" charset="-79"/>
-              </a:rPr>
-              <a:t>keeping</a:t>
-            </a:r>
-            <a:r>
-              <a:rPr lang="en-US" sz="2400" b="0" i="0" dirty="0">
-                <a:solidFill>
-                  <a:srgbClr val="002060"/>
-                </a:solidFill>
-                <a:effectLst/>
-                <a:cs typeface="Assistant" pitchFamily="2" charset="-79"/>
-              </a:rPr>
-              <a:t> the constraints in real time.</a:t>
-            </a:r>
-            <a:endParaRPr lang="en-US" sz="2400" dirty="0">
-              <a:solidFill>
-                <a:srgbClr val="002060"/>
-              </a:solidFill>
-            </a:endParaRPr>
-          </a:p>
-          <a:p>
-            <a:pPr algn="l" rtl="0"/>
-            <a:endParaRPr lang="he-IL" dirty="0"/>
-          </a:p>
-        </p:txBody>
-      </p:sp>
-    </p:spTree>
-    <p:extLst>
-      <p:ext uri="{BB962C8B-B14F-4D97-AF65-F5344CB8AC3E}">
-        <p14:creationId xmlns:p14="http://schemas.microsoft.com/office/powerpoint/2010/main" val="294490900"/>
-      </p:ext>
-    </p:extLst>
-  </p:cSld>
-  <p:clrMapOvr>
-    <a:masterClrMapping/>
-  </p:clrMapOvr>
-</p:sld>
-</file>
-
-<file path=ppt/slides/slide30.xml><?xml version="1.0" encoding="utf-8"?>
+<file path=ppt/slides/slide29.xml><?xml version="1.0" encoding="utf-8"?>
 <p:sld xmlns:a="http://schemas.openxmlformats.org/drawingml/2006/main" xmlns:r="http://schemas.openxmlformats.org/officeDocument/2006/relationships" xmlns:p="http://schemas.openxmlformats.org/presentationml/2006/main">
   <p:cSld>
     <p:spTree>
@@ -31178,7 +30550,351 @@
 </p:sld>
 </file>
 
-<file path=ppt/slides/slide31.xml><?xml version="1.0" encoding="utf-8"?>
+<file path=ppt/slides/slide3.xml><?xml version="1.0" encoding="utf-8"?>
+<p:sld xmlns:a="http://schemas.openxmlformats.org/drawingml/2006/main" xmlns:r="http://schemas.openxmlformats.org/officeDocument/2006/relationships" xmlns:p="http://schemas.openxmlformats.org/presentationml/2006/main">
+  <p:cSld>
+    <p:spTree>
+      <p:nvGrpSpPr>
+        <p:cNvPr id="1" name=""/>
+        <p:cNvGrpSpPr/>
+        <p:nvPr/>
+      </p:nvGrpSpPr>
+      <p:grpSpPr>
+        <a:xfrm>
+          <a:off x="0" y="0"/>
+          <a:ext cx="0" cy="0"/>
+          <a:chOff x="0" y="0"/>
+          <a:chExt cx="0" cy="0"/>
+        </a:xfrm>
+      </p:grpSpPr>
+      <p:sp>
+        <p:nvSpPr>
+          <p:cNvPr id="2" name="כותרת 1">
+            <a:extLst>
+              <a:ext uri="{FF2B5EF4-FFF2-40B4-BE49-F238E27FC236}">
+                <a16:creationId xmlns:a16="http://schemas.microsoft.com/office/drawing/2014/main" id="{11433E98-96EA-4674-A96F-0E224428F1EB}"/>
+              </a:ext>
+            </a:extLst>
+          </p:cNvPr>
+          <p:cNvSpPr>
+            <a:spLocks noGrp="1"/>
+          </p:cNvSpPr>
+          <p:nvPr>
+            <p:ph type="title"/>
+          </p:nvPr>
+        </p:nvSpPr>
+        <p:spPr>
+          <a:xfrm>
+            <a:off x="838200" y="601027"/>
+            <a:ext cx="10515600" cy="1325563"/>
+          </a:xfrm>
+        </p:spPr>
+        <p:txBody>
+          <a:bodyPr>
+            <a:normAutofit/>
+          </a:bodyPr>
+          <a:lstStyle/>
+          <a:p>
+            <a:pPr algn="ctr"/>
+            <a:r>
+              <a:rPr lang="en-US" b="1" dirty="0">
+                <a:solidFill>
+                  <a:srgbClr val="002060"/>
+                </a:solidFill>
+              </a:rPr>
+              <a:t>The problem</a:t>
+            </a:r>
+            <a:endParaRPr lang="he-IL" b="1" dirty="0">
+              <a:solidFill>
+                <a:srgbClr val="002060"/>
+              </a:solidFill>
+            </a:endParaRPr>
+          </a:p>
+        </p:txBody>
+      </p:sp>
+      <p:sp>
+        <p:nvSpPr>
+          <p:cNvPr id="3" name="תיבת טקסט 2">
+            <a:extLst>
+              <a:ext uri="{FF2B5EF4-FFF2-40B4-BE49-F238E27FC236}">
+                <a16:creationId xmlns:a16="http://schemas.microsoft.com/office/drawing/2014/main" id="{DF8B983F-BA27-43EE-B9DA-E759494E3462}"/>
+              </a:ext>
+            </a:extLst>
+          </p:cNvPr>
+          <p:cNvSpPr txBox="1"/>
+          <p:nvPr/>
+        </p:nvSpPr>
+        <p:spPr>
+          <a:xfrm>
+            <a:off x="1266824" y="1926590"/>
+            <a:ext cx="9648825" cy="4801314"/>
+          </a:xfrm>
+          <a:prstGeom prst="rect">
+            <a:avLst/>
+          </a:prstGeom>
+          <a:noFill/>
+        </p:spPr>
+        <p:txBody>
+          <a:bodyPr wrap="square" rtlCol="1">
+            <a:spAutoFit/>
+          </a:bodyPr>
+          <a:lstStyle/>
+          <a:p>
+            <a:pPr algn="l" rtl="0">
+              <a:lnSpc>
+                <a:spcPct val="150000"/>
+              </a:lnSpc>
+            </a:pPr>
+            <a:r>
+              <a:rPr lang="en-US" sz="2400" dirty="0">
+                <a:solidFill>
+                  <a:srgbClr val="002060"/>
+                </a:solidFill>
+              </a:rPr>
+              <a:t>Building a day plan and monitoring it in real time is a complex problem.</a:t>
+            </a:r>
+          </a:p>
+          <a:p>
+            <a:pPr algn="l" rtl="0">
+              <a:lnSpc>
+                <a:spcPct val="150000"/>
+              </a:lnSpc>
+            </a:pPr>
+            <a:endParaRPr lang="en-US" sz="2400" dirty="0">
+              <a:solidFill>
+                <a:srgbClr val="002060"/>
+              </a:solidFill>
+            </a:endParaRPr>
+          </a:p>
+          <a:p>
+            <a:pPr algn="l" rtl="0">
+              <a:lnSpc>
+                <a:spcPct val="150000"/>
+              </a:lnSpc>
+            </a:pPr>
+            <a:r>
+              <a:rPr lang="en-US" sz="2400" dirty="0">
+                <a:solidFill>
+                  <a:srgbClr val="002060"/>
+                </a:solidFill>
+              </a:rPr>
+              <a:t>This problem is divided into two:</a:t>
+            </a:r>
+          </a:p>
+          <a:p>
+            <a:pPr marL="457200" indent="-457200" algn="l" rtl="0">
+              <a:lnSpc>
+                <a:spcPct val="150000"/>
+              </a:lnSpc>
+              <a:buAutoNum type="arabicPeriod"/>
+            </a:pPr>
+            <a:r>
+              <a:rPr lang="en-US" sz="2400" dirty="0">
+                <a:solidFill>
+                  <a:srgbClr val="002060"/>
+                </a:solidFill>
+              </a:rPr>
+              <a:t>The offline algorithm - </a:t>
+            </a:r>
+            <a:r>
+              <a:rPr lang="en-US" sz="2400" dirty="0">
+                <a:solidFill>
+                  <a:srgbClr val="002060"/>
+                </a:solidFill>
+                <a:cs typeface="Assistant" pitchFamily="2" charset="-79"/>
+              </a:rPr>
+              <a:t>b</a:t>
+            </a:r>
+            <a:r>
+              <a:rPr lang="en-US" sz="2400" b="0" i="0" dirty="0">
+                <a:solidFill>
+                  <a:srgbClr val="002060"/>
+                </a:solidFill>
+                <a:effectLst/>
+                <a:cs typeface="Assistant" pitchFamily="2" charset="-79"/>
+              </a:rPr>
+              <a:t>uilding a day plan </a:t>
+            </a:r>
+            <a:r>
+              <a:rPr lang="en-US" sz="2400" dirty="0">
+                <a:solidFill>
+                  <a:srgbClr val="002060"/>
+                </a:solidFill>
+                <a:cs typeface="Assistant" pitchFamily="2" charset="-79"/>
+              </a:rPr>
+              <a:t>based </a:t>
+            </a:r>
+            <a:r>
+              <a:rPr lang="en-US" sz="2400" strike="sngStrike" dirty="0">
+                <a:solidFill>
+                  <a:srgbClr val="002060"/>
+                </a:solidFill>
+                <a:cs typeface="Assistant" pitchFamily="2" charset="-79"/>
+              </a:rPr>
+              <a:t>on</a:t>
+            </a:r>
+            <a:r>
+              <a:rPr lang="en-US" sz="2400" b="0" i="0" strike="sngStrike" dirty="0">
+                <a:solidFill>
+                  <a:srgbClr val="002060"/>
+                </a:solidFill>
+                <a:effectLst/>
+                <a:cs typeface="Assistant" pitchFamily="2" charset="-79"/>
+              </a:rPr>
+              <a:t> prior knowledge</a:t>
+            </a:r>
+            <a:r>
+              <a:rPr lang="en-US" sz="2400" b="0" i="0" dirty="0">
+                <a:solidFill>
+                  <a:srgbClr val="002060"/>
+                </a:solidFill>
+                <a:effectLst/>
+                <a:cs typeface="Assistant" pitchFamily="2" charset="-79"/>
+              </a:rPr>
+              <a:t>.</a:t>
+            </a:r>
+            <a:endParaRPr lang="en-US" sz="2400" dirty="0">
+              <a:solidFill>
+                <a:srgbClr val="002060"/>
+              </a:solidFill>
+            </a:endParaRPr>
+          </a:p>
+          <a:p>
+            <a:pPr marL="457200" indent="-457200" algn="l" rtl="0">
+              <a:lnSpc>
+                <a:spcPct val="150000"/>
+              </a:lnSpc>
+              <a:buAutoNum type="arabicPeriod"/>
+            </a:pPr>
+            <a:r>
+              <a:rPr lang="en-US" sz="2400" dirty="0">
+                <a:solidFill>
+                  <a:srgbClr val="002060"/>
+                </a:solidFill>
+              </a:rPr>
+              <a:t>The online algorithm - </a:t>
+            </a:r>
+            <a:r>
+              <a:rPr lang="en-US" sz="2400" dirty="0">
+                <a:solidFill>
+                  <a:srgbClr val="002060"/>
+                </a:solidFill>
+                <a:cs typeface="Assistant" pitchFamily="2" charset="-79"/>
+              </a:rPr>
+              <a:t>g</a:t>
+            </a:r>
+            <a:r>
+              <a:rPr lang="en-US" sz="2400" b="0" i="0" dirty="0">
+                <a:solidFill>
+                  <a:srgbClr val="002060"/>
+                </a:solidFill>
+                <a:effectLst/>
+                <a:cs typeface="Assistant" pitchFamily="2" charset="-79"/>
+              </a:rPr>
+              <a:t>iven an existing program</a:t>
+            </a:r>
+            <a:r>
+              <a:rPr lang="en-US" sz="2400" dirty="0">
+                <a:solidFill>
+                  <a:srgbClr val="002060"/>
+                </a:solidFill>
+                <a:cs typeface="Assistant" pitchFamily="2" charset="-79"/>
+              </a:rPr>
+              <a:t>, </a:t>
+            </a:r>
+            <a:r>
+              <a:rPr lang="en-US" dirty="0">
+                <a:solidFill>
+                  <a:srgbClr val="002060"/>
+                </a:solidFill>
+                <a:cs typeface="Assistant" pitchFamily="2" charset="-79"/>
+              </a:rPr>
+              <a:t>t</a:t>
+            </a:r>
+            <a:r>
+              <a:rPr lang="en-US" b="0" i="0" dirty="0">
+                <a:solidFill>
+                  <a:srgbClr val="002060"/>
+                </a:solidFill>
+                <a:effectLst/>
+                <a:cs typeface="Assistant" pitchFamily="2" charset="-79"/>
+              </a:rPr>
+              <a:t>racking it </a:t>
+            </a:r>
+            <a:r>
+              <a:rPr lang="en-US" dirty="0">
+                <a:solidFill>
+                  <a:srgbClr val="002060"/>
+                </a:solidFill>
+                <a:cs typeface="Assistant" pitchFamily="2" charset="-79"/>
+              </a:rPr>
+              <a:t>while</a:t>
+            </a:r>
+            <a:r>
+              <a:rPr lang="en-US" b="0" i="0" dirty="0">
+                <a:solidFill>
+                  <a:srgbClr val="002060"/>
+                </a:solidFill>
+                <a:effectLst/>
+                <a:cs typeface="Assistant" pitchFamily="2" charset="-79"/>
+              </a:rPr>
+              <a:t> </a:t>
+            </a:r>
+            <a:r>
+              <a:rPr lang="en-US" dirty="0">
+                <a:solidFill>
+                  <a:srgbClr val="002060"/>
+                </a:solidFill>
+                <a:cs typeface="Assistant" pitchFamily="2" charset="-79"/>
+              </a:rPr>
+              <a:t>keeping</a:t>
+            </a:r>
+            <a:r>
+              <a:rPr lang="en-US" b="0" i="0" dirty="0">
+                <a:solidFill>
+                  <a:srgbClr val="002060"/>
+                </a:solidFill>
+                <a:effectLst/>
+                <a:cs typeface="Assistant" pitchFamily="2" charset="-79"/>
+              </a:rPr>
+              <a:t> the constraints in real time </a:t>
+            </a:r>
+            <a:r>
+              <a:rPr lang="en-US" sz="2400" b="0" i="0" dirty="0">
+                <a:solidFill>
+                  <a:srgbClr val="002060"/>
+                </a:solidFill>
+                <a:effectLst/>
+                <a:cs typeface="Assistant" pitchFamily="2" charset="-79"/>
+              </a:rPr>
+              <a:t>--- !!! ---.</a:t>
+            </a:r>
+            <a:endParaRPr lang="en-US" sz="2400" dirty="0">
+              <a:solidFill>
+                <a:srgbClr val="002060"/>
+              </a:solidFill>
+            </a:endParaRPr>
+          </a:p>
+          <a:p>
+            <a:pPr algn="l" rtl="0"/>
+            <a:endParaRPr lang="he-IL" dirty="0"/>
+          </a:p>
+        </p:txBody>
+      </p:sp>
+    </p:spTree>
+    <p:extLst>
+      <p:ext uri="{BB962C8B-B14F-4D97-AF65-F5344CB8AC3E}">
+        <p14:creationId xmlns:p14="http://schemas.microsoft.com/office/powerpoint/2010/main" val="294490900"/>
+      </p:ext>
+    </p:extLst>
+  </p:cSld>
+  <p:clrMapOvr>
+    <a:masterClrMapping/>
+  </p:clrMapOvr>
+</p:sld>
+</file>
+
+<file path=ppt/slides/slide30.xml><?xml version="1.0" encoding="utf-8"?>
 <p:sld xmlns:a="http://schemas.openxmlformats.org/drawingml/2006/main" xmlns:r="http://schemas.openxmlformats.org/officeDocument/2006/relationships" xmlns:p="http://schemas.openxmlformats.org/presentationml/2006/main">
   <p:cSld>
     <p:spTree>
@@ -31371,7 +31087,7 @@
 </p:sld>
 </file>
 
-<file path=ppt/slides/slide32.xml><?xml version="1.0" encoding="utf-8"?>
+<file path=ppt/slides/slide31.xml><?xml version="1.0" encoding="utf-8"?>
 <p:sld xmlns:a="http://schemas.openxmlformats.org/drawingml/2006/main" xmlns:r="http://schemas.openxmlformats.org/officeDocument/2006/relationships" xmlns:p="http://schemas.openxmlformats.org/presentationml/2006/main">
   <p:cSld>
     <p:spTree>
@@ -31552,7 +31268,7 @@
 </p:sld>
 </file>
 
-<file path=ppt/slides/slide33.xml><?xml version="1.0" encoding="utf-8"?>
+<file path=ppt/slides/slide32.xml><?xml version="1.0" encoding="utf-8"?>
 <p:sld xmlns:a="http://schemas.openxmlformats.org/drawingml/2006/main" xmlns:r="http://schemas.openxmlformats.org/officeDocument/2006/relationships" xmlns:p="http://schemas.openxmlformats.org/presentationml/2006/main">
   <p:cSld>
     <p:spTree>
@@ -34144,7 +33860,7 @@
 </p:sld>
 </file>
 
-<file path=ppt/slides/slide34.xml><?xml version="1.0" encoding="utf-8"?>
+<file path=ppt/slides/slide33.xml><?xml version="1.0" encoding="utf-8"?>
 <p:sld xmlns:a="http://schemas.openxmlformats.org/drawingml/2006/main" xmlns:r="http://schemas.openxmlformats.org/officeDocument/2006/relationships" xmlns:p="http://schemas.openxmlformats.org/presentationml/2006/main">
   <p:cSld>
     <p:spTree>
@@ -34524,6 +34240,176 @@
 </p:sld>
 </file>
 
+<file path=ppt/slides/slide34.xml><?xml version="1.0" encoding="utf-8"?>
+<p:sld xmlns:a="http://schemas.openxmlformats.org/drawingml/2006/main" xmlns:r="http://schemas.openxmlformats.org/officeDocument/2006/relationships" xmlns:p="http://schemas.openxmlformats.org/presentationml/2006/main">
+  <p:cSld>
+    <p:spTree>
+      <p:nvGrpSpPr>
+        <p:cNvPr id="1" name=""/>
+        <p:cNvGrpSpPr/>
+        <p:nvPr/>
+      </p:nvGrpSpPr>
+      <p:grpSpPr>
+        <a:xfrm>
+          <a:off x="0" y="0"/>
+          <a:ext cx="0" cy="0"/>
+          <a:chOff x="0" y="0"/>
+          <a:chExt cx="0" cy="0"/>
+        </a:xfrm>
+      </p:grpSpPr>
+      <p:sp>
+        <p:nvSpPr>
+          <p:cNvPr id="2" name="כותרת 1">
+            <a:extLst>
+              <a:ext uri="{FF2B5EF4-FFF2-40B4-BE49-F238E27FC236}">
+                <a16:creationId xmlns:a16="http://schemas.microsoft.com/office/drawing/2014/main" id="{8A89DB29-573A-4FA8-BC7D-7A78F7A84C6B}"/>
+              </a:ext>
+            </a:extLst>
+          </p:cNvPr>
+          <p:cNvSpPr>
+            <a:spLocks noGrp="1"/>
+          </p:cNvSpPr>
+          <p:nvPr>
+            <p:ph type="title"/>
+          </p:nvPr>
+        </p:nvSpPr>
+        <p:spPr/>
+        <p:txBody>
+          <a:bodyPr>
+            <a:normAutofit/>
+          </a:bodyPr>
+          <a:lstStyle/>
+          <a:p>
+            <a:pPr algn="ctr"/>
+            <a:r>
+              <a:rPr lang="en-US" sz="4400" b="1" dirty="0">
+                <a:solidFill>
+                  <a:srgbClr val="002060"/>
+                </a:solidFill>
+                <a:latin typeface="Calibri Light" panose="020F0302020204030204" pitchFamily="34" charset="0"/>
+                <a:cs typeface="Calibri Light" panose="020F0302020204030204" pitchFamily="34" charset="0"/>
+              </a:rPr>
+              <a:t>Interrupt</a:t>
+            </a:r>
+            <a:r>
+              <a:rPr lang="en-US" b="1" i="0" dirty="0">
+                <a:solidFill>
+                  <a:srgbClr val="002060"/>
+                </a:solidFill>
+                <a:effectLst/>
+                <a:cs typeface="Assistant" pitchFamily="2" charset="-79"/>
+              </a:rPr>
+              <a:t> module</a:t>
+            </a:r>
+            <a:endParaRPr lang="he-IL" sz="4400" b="1" dirty="0">
+              <a:solidFill>
+                <a:srgbClr val="002060"/>
+              </a:solidFill>
+              <a:latin typeface="Calibri Light" panose="020F0302020204030204" pitchFamily="34" charset="0"/>
+              <a:cs typeface="Calibri Light" panose="020F0302020204030204" pitchFamily="34" charset="0"/>
+            </a:endParaRPr>
+          </a:p>
+        </p:txBody>
+      </p:sp>
+      <p:sp>
+        <p:nvSpPr>
+          <p:cNvPr id="6" name="מציין מיקום טקסט 5">
+            <a:extLst>
+              <a:ext uri="{FF2B5EF4-FFF2-40B4-BE49-F238E27FC236}">
+                <a16:creationId xmlns:a16="http://schemas.microsoft.com/office/drawing/2014/main" id="{C778DE2C-6334-43CB-A106-325E2994739F}"/>
+              </a:ext>
+            </a:extLst>
+          </p:cNvPr>
+          <p:cNvSpPr>
+            <a:spLocks noGrp="1"/>
+          </p:cNvSpPr>
+          <p:nvPr>
+            <p:ph type="body" idx="4294967295"/>
+          </p:nvPr>
+        </p:nvSpPr>
+        <p:spPr>
+          <a:xfrm>
+            <a:off x="0" y="2090738"/>
+            <a:ext cx="4330700" cy="1541462"/>
+          </a:xfrm>
+        </p:spPr>
+        <p:txBody>
+          <a:bodyPr/>
+          <a:lstStyle/>
+          <a:p>
+            <a:pPr marL="342900" indent="-342900" algn="l" rtl="0">
+              <a:buFont typeface="Arial" panose="020B0604020202020204" pitchFamily="34" charset="0"/>
+              <a:buChar char="•"/>
+            </a:pPr>
+            <a:r>
+              <a:rPr lang="en-US" sz="2400" dirty="0">
+                <a:solidFill>
+                  <a:srgbClr val="002060"/>
+                </a:solidFill>
+              </a:rPr>
+              <a:t>Action count, duration</a:t>
+            </a:r>
+            <a:endParaRPr lang="he-IL" sz="2400" b="0" i="0" dirty="0">
+              <a:solidFill>
+                <a:srgbClr val="002060"/>
+              </a:solidFill>
+              <a:effectLst/>
+            </a:endParaRPr>
+          </a:p>
+          <a:p>
+            <a:pPr marL="342900" indent="-342900" algn="l" rtl="0">
+              <a:buFont typeface="Arial" panose="020B0604020202020204" pitchFamily="34" charset="0"/>
+              <a:buChar char="•"/>
+            </a:pPr>
+            <a:r>
+              <a:rPr lang="en-US" sz="2400" dirty="0">
+                <a:solidFill>
+                  <a:srgbClr val="002060"/>
+                </a:solidFill>
+              </a:rPr>
+              <a:t>Holds ref to: Clock, Events</a:t>
+            </a:r>
+          </a:p>
+          <a:p>
+            <a:pPr marL="342900" indent="-342900" algn="l" rtl="0">
+              <a:buFont typeface="Arial" panose="020B0604020202020204" pitchFamily="34" charset="0"/>
+              <a:buChar char="•"/>
+            </a:pPr>
+            <a:r>
+              <a:rPr lang="en-US" sz="2400" dirty="0">
+                <a:solidFill>
+                  <a:srgbClr val="002060"/>
+                </a:solidFill>
+              </a:rPr>
+              <a:t>Listen to: Controller</a:t>
+            </a:r>
+          </a:p>
+          <a:p>
+            <a:pPr marL="342900" indent="-342900" algn="l" rtl="0">
+              <a:buFont typeface="Arial" panose="020B0604020202020204" pitchFamily="34" charset="0"/>
+              <a:buChar char="•"/>
+            </a:pPr>
+            <a:endParaRPr lang="en-US" dirty="0">
+              <a:solidFill>
+                <a:srgbClr val="002060"/>
+              </a:solidFill>
+            </a:endParaRPr>
+          </a:p>
+        </p:txBody>
+      </p:sp>
+    </p:spTree>
+    <p:extLst>
+      <p:ext uri="{BB962C8B-B14F-4D97-AF65-F5344CB8AC3E}">
+        <p14:creationId xmlns:p14="http://schemas.microsoft.com/office/powerpoint/2010/main" val="1450417377"/>
+      </p:ext>
+    </p:extLst>
+  </p:cSld>
+  <p:clrMapOvr>
+    <a:masterClrMapping/>
+  </p:clrMapOvr>
+</p:sld>
+</file>
+
 <file path=ppt/slides/slide35.xml><?xml version="1.0" encoding="utf-8"?>
 <p:sld xmlns:a="http://schemas.openxmlformats.org/drawingml/2006/main" xmlns:r="http://schemas.openxmlformats.org/officeDocument/2006/relationships" xmlns:p="http://schemas.openxmlformats.org/presentationml/2006/main">
   <p:cSld>
@@ -34546,7 +34432,7 @@
           <p:cNvPr id="2" name="כותרת 1">
             <a:extLst>
               <a:ext uri="{FF2B5EF4-FFF2-40B4-BE49-F238E27FC236}">
-                <a16:creationId xmlns:a16="http://schemas.microsoft.com/office/drawing/2014/main" id="{8A89DB29-573A-4FA8-BC7D-7A78F7A84C6B}"/>
+                <a16:creationId xmlns:a16="http://schemas.microsoft.com/office/drawing/2014/main" id="{88D98B86-C5B7-4A01-8E43-ECD04D8869D6}"/>
               </a:ext>
             </a:extLst>
           </p:cNvPr>
@@ -34559,48 +34445,19 @@
         </p:nvSpPr>
         <p:spPr/>
         <p:txBody>
-          <a:bodyPr>
-            <a:normAutofit/>
-          </a:bodyPr>
+          <a:bodyPr/>
           <a:lstStyle/>
           <a:p>
-            <a:pPr algn="ctr"/>
-            <a:r>
-              <a:rPr lang="en-US" sz="4400" b="1" dirty="0">
-                <a:solidFill>
-                  <a:srgbClr val="002060"/>
-                </a:solidFill>
-                <a:latin typeface="Calibri Light" panose="020F0302020204030204" pitchFamily="34" charset="0"/>
-                <a:cs typeface="Calibri Light" panose="020F0302020204030204" pitchFamily="34" charset="0"/>
-              </a:rPr>
-              <a:t>Interrupt</a:t>
-            </a:r>
-            <a:r>
-              <a:rPr lang="en-US" b="1" i="0" dirty="0">
-                <a:solidFill>
-                  <a:srgbClr val="002060"/>
-                </a:solidFill>
-                <a:effectLst/>
-                <a:cs typeface="Assistant" pitchFamily="2" charset="-79"/>
-              </a:rPr>
-              <a:t> module</a:t>
-            </a:r>
-            <a:endParaRPr lang="he-IL" sz="4400" b="1" dirty="0">
-              <a:solidFill>
-                <a:srgbClr val="002060"/>
-              </a:solidFill>
-              <a:latin typeface="Calibri Light" panose="020F0302020204030204" pitchFamily="34" charset="0"/>
-              <a:cs typeface="Calibri Light" panose="020F0302020204030204" pitchFamily="34" charset="0"/>
-            </a:endParaRPr>
-          </a:p>
-        </p:txBody>
-      </p:sp>
-      <p:sp>
-        <p:nvSpPr>
-          <p:cNvPr id="6" name="מציין מיקום טקסט 5">
+            <a:endParaRPr lang="he-IL" dirty="0"/>
+          </a:p>
+        </p:txBody>
+      </p:sp>
+      <p:sp>
+        <p:nvSpPr>
+          <p:cNvPr id="3" name="מציין מיקום טקסט 2">
             <a:extLst>
               <a:ext uri="{FF2B5EF4-FFF2-40B4-BE49-F238E27FC236}">
-                <a16:creationId xmlns:a16="http://schemas.microsoft.com/office/drawing/2014/main" id="{C778DE2C-6334-43CB-A106-325E2994739F}"/>
+                <a16:creationId xmlns:a16="http://schemas.microsoft.com/office/drawing/2014/main" id="{E6B91886-07E7-4C81-9AAF-69D8F8D5C895}"/>
               </a:ext>
             </a:extLst>
           </p:cNvPr>
@@ -34608,83 +34465,30 @@
             <a:spLocks noGrp="1"/>
           </p:cNvSpPr>
           <p:nvPr>
-            <p:ph type="body" idx="4294967295"/>
-          </p:nvPr>
-        </p:nvSpPr>
-        <p:spPr>
-          <a:xfrm>
-            <a:off x="0" y="2090738"/>
-            <a:ext cx="4330700" cy="1541462"/>
-          </a:xfrm>
-        </p:spPr>
+            <p:ph type="body" idx="1"/>
+          </p:nvPr>
+        </p:nvSpPr>
+        <p:spPr/>
         <p:txBody>
           <a:bodyPr/>
           <a:lstStyle/>
           <a:p>
-            <a:pPr marL="342900" indent="-342900" algn="l" rtl="0">
-              <a:buFont typeface="Arial" panose="020B0604020202020204" pitchFamily="34" charset="0"/>
-              <a:buChar char="•"/>
-            </a:pPr>
-            <a:r>
-              <a:rPr lang="en-US" sz="2400" dirty="0">
-                <a:solidFill>
-                  <a:srgbClr val="002060"/>
-                </a:solidFill>
-              </a:rPr>
-              <a:t>Action count, duration</a:t>
-            </a:r>
-            <a:endParaRPr lang="he-IL" sz="2400" b="0" i="0" dirty="0">
-              <a:solidFill>
-                <a:srgbClr val="002060"/>
-              </a:solidFill>
-              <a:effectLst/>
-            </a:endParaRPr>
-          </a:p>
-          <a:p>
-            <a:pPr marL="342900" indent="-342900" algn="l" rtl="0">
-              <a:buFont typeface="Arial" panose="020B0604020202020204" pitchFamily="34" charset="0"/>
-              <a:buChar char="•"/>
-            </a:pPr>
-            <a:r>
-              <a:rPr lang="en-US" sz="2400" dirty="0">
-                <a:solidFill>
-                  <a:srgbClr val="002060"/>
-                </a:solidFill>
-              </a:rPr>
-              <a:t>Holds ref to: Clock, Events</a:t>
-            </a:r>
-          </a:p>
-          <a:p>
-            <a:pPr marL="342900" indent="-342900" algn="l" rtl="0">
-              <a:buFont typeface="Arial" panose="020B0604020202020204" pitchFamily="34" charset="0"/>
-              <a:buChar char="•"/>
-            </a:pPr>
-            <a:r>
-              <a:rPr lang="en-US" sz="2400" dirty="0">
-                <a:solidFill>
-                  <a:srgbClr val="002060"/>
-                </a:solidFill>
-              </a:rPr>
-              <a:t>Listen to: Controller</a:t>
-            </a:r>
-          </a:p>
-          <a:p>
-            <a:pPr marL="342900" indent="-342900" algn="l" rtl="0">
-              <a:buFont typeface="Arial" panose="020B0604020202020204" pitchFamily="34" charset="0"/>
-              <a:buChar char="•"/>
-            </a:pPr>
-            <a:endParaRPr lang="en-US" dirty="0">
-              <a:solidFill>
-                <a:srgbClr val="002060"/>
-              </a:solidFill>
-            </a:endParaRPr>
+            <a:r>
+              <a:rPr lang="he-IL" dirty="0"/>
+              <a:t>תוצאות – </a:t>
+            </a:r>
+            <a:r>
+              <a:rPr lang="en-US" dirty="0"/>
+              <a:t>log output</a:t>
+            </a:r>
+            <a:endParaRPr lang="he-IL" dirty="0"/>
           </a:p>
         </p:txBody>
       </p:sp>
     </p:spTree>
     <p:extLst>
       <p:ext uri="{BB962C8B-B14F-4D97-AF65-F5344CB8AC3E}">
-        <p14:creationId xmlns:p14="http://schemas.microsoft.com/office/powerpoint/2010/main" val="1450417377"/>
+        <p14:creationId xmlns:p14="http://schemas.microsoft.com/office/powerpoint/2010/main" val="2659655321"/>
       </p:ext>
     </p:extLst>
   </p:cSld>
@@ -34772,7 +34576,7 @@
     </p:spTree>
     <p:extLst>
       <p:ext uri="{BB962C8B-B14F-4D97-AF65-F5344CB8AC3E}">
-        <p14:creationId xmlns:p14="http://schemas.microsoft.com/office/powerpoint/2010/main" val="2659655321"/>
+        <p14:creationId xmlns:p14="http://schemas.microsoft.com/office/powerpoint/2010/main" val="2265013049"/>
       </p:ext>
     </p:extLst>
   </p:cSld>
@@ -34804,94 +34608,6 @@
           <p:cNvPr id="2" name="כותרת 1">
             <a:extLst>
               <a:ext uri="{FF2B5EF4-FFF2-40B4-BE49-F238E27FC236}">
-                <a16:creationId xmlns:a16="http://schemas.microsoft.com/office/drawing/2014/main" id="{88D98B86-C5B7-4A01-8E43-ECD04D8869D6}"/>
-              </a:ext>
-            </a:extLst>
-          </p:cNvPr>
-          <p:cNvSpPr>
-            <a:spLocks noGrp="1"/>
-          </p:cNvSpPr>
-          <p:nvPr>
-            <p:ph type="title"/>
-          </p:nvPr>
-        </p:nvSpPr>
-        <p:spPr/>
-        <p:txBody>
-          <a:bodyPr/>
-          <a:lstStyle/>
-          <a:p>
-            <a:endParaRPr lang="he-IL" dirty="0"/>
-          </a:p>
-        </p:txBody>
-      </p:sp>
-      <p:sp>
-        <p:nvSpPr>
-          <p:cNvPr id="3" name="מציין מיקום טקסט 2">
-            <a:extLst>
-              <a:ext uri="{FF2B5EF4-FFF2-40B4-BE49-F238E27FC236}">
-                <a16:creationId xmlns:a16="http://schemas.microsoft.com/office/drawing/2014/main" id="{E6B91886-07E7-4C81-9AAF-69D8F8D5C895}"/>
-              </a:ext>
-            </a:extLst>
-          </p:cNvPr>
-          <p:cNvSpPr>
-            <a:spLocks noGrp="1"/>
-          </p:cNvSpPr>
-          <p:nvPr>
-            <p:ph type="body" idx="1"/>
-          </p:nvPr>
-        </p:nvSpPr>
-        <p:spPr/>
-        <p:txBody>
-          <a:bodyPr/>
-          <a:lstStyle/>
-          <a:p>
-            <a:r>
-              <a:rPr lang="he-IL" dirty="0"/>
-              <a:t>תוצאות – </a:t>
-            </a:r>
-            <a:r>
-              <a:rPr lang="en-US" dirty="0"/>
-              <a:t>log output</a:t>
-            </a:r>
-            <a:endParaRPr lang="he-IL" dirty="0"/>
-          </a:p>
-        </p:txBody>
-      </p:sp>
-    </p:spTree>
-    <p:extLst>
-      <p:ext uri="{BB962C8B-B14F-4D97-AF65-F5344CB8AC3E}">
-        <p14:creationId xmlns:p14="http://schemas.microsoft.com/office/powerpoint/2010/main" val="2265013049"/>
-      </p:ext>
-    </p:extLst>
-  </p:cSld>
-  <p:clrMapOvr>
-    <a:masterClrMapping/>
-  </p:clrMapOvr>
-</p:sld>
-</file>
-
-<file path=ppt/slides/slide38.xml><?xml version="1.0" encoding="utf-8"?>
-<p:sld xmlns:a="http://schemas.openxmlformats.org/drawingml/2006/main" xmlns:r="http://schemas.openxmlformats.org/officeDocument/2006/relationships" xmlns:p="http://schemas.openxmlformats.org/presentationml/2006/main">
-  <p:cSld>
-    <p:spTree>
-      <p:nvGrpSpPr>
-        <p:cNvPr id="1" name=""/>
-        <p:cNvGrpSpPr/>
-        <p:nvPr/>
-      </p:nvGrpSpPr>
-      <p:grpSpPr>
-        <a:xfrm>
-          <a:off x="0" y="0"/>
-          <a:ext cx="0" cy="0"/>
-          <a:chOff x="0" y="0"/>
-          <a:chExt cx="0" cy="0"/>
-        </a:xfrm>
-      </p:grpSpPr>
-      <p:sp>
-        <p:nvSpPr>
-          <p:cNvPr id="2" name="כותרת 1">
-            <a:extLst>
-              <a:ext uri="{FF2B5EF4-FFF2-40B4-BE49-F238E27FC236}">
                 <a16:creationId xmlns:a16="http://schemas.microsoft.com/office/drawing/2014/main" id="{8A89DB29-573A-4FA8-BC7D-7A78F7A84C6B}"/>
               </a:ext>
             </a:extLst>
@@ -35044,7 +34760,7 @@
 </p:sld>
 </file>
 
-<file path=ppt/slides/slide39.xml><?xml version="1.0" encoding="utf-8"?>
+<file path=ppt/slides/slide38.xml><?xml version="1.0" encoding="utf-8"?>
 <p:sld xmlns:a="http://schemas.openxmlformats.org/drawingml/2006/main" xmlns:r="http://schemas.openxmlformats.org/officeDocument/2006/relationships" xmlns:p="http://schemas.openxmlformats.org/presentationml/2006/main">
   <p:cSld>
     <p:spTree>
@@ -35169,7 +34885,7 @@
           <a:p>
             <a:pPr algn="ctr"/>
             <a:r>
-              <a:rPr lang="en-US" b="1">
+              <a:rPr lang="en-US" b="1" dirty="0">
                 <a:solidFill>
                   <a:srgbClr val="002060"/>
                 </a:solidFill>
@@ -35217,12 +34933,20 @@
               <a:buChar char="•"/>
             </a:pPr>
             <a:r>
+              <a:rPr lang="en-US" sz="2400" b="1" dirty="0">
+                <a:solidFill>
+                  <a:srgbClr val="002060"/>
+                </a:solidFill>
+              </a:rPr>
+              <a:t>The offline planner</a:t>
+            </a:r>
+            <a:r>
               <a:rPr lang="en-US" sz="2400" dirty="0">
                 <a:solidFill>
                   <a:srgbClr val="002060"/>
                 </a:solidFill>
               </a:rPr>
-              <a:t>The offline planner was implemented using neural network and graph theory.</a:t>
+              <a:t> was implemented using graph theory and boosted by neural network.</a:t>
             </a:r>
           </a:p>
           <a:p>
@@ -35230,13 +34954,21 @@
               <a:buFont typeface="Arial" panose="020B0604020202020204" pitchFamily="34" charset="0"/>
               <a:buChar char="•"/>
             </a:pPr>
+            <a:r>
+              <a:rPr lang="en-US" sz="2400" b="1" dirty="0">
+                <a:solidFill>
+                  <a:srgbClr val="002060"/>
+                </a:solidFill>
+              </a:rPr>
+              <a:t>The offline planner</a:t>
+            </a:r>
             <a:r>
               <a:rPr lang="en-US" sz="2400" dirty="0">
                 <a:solidFill>
                   <a:srgbClr val="002060"/>
                 </a:solidFill>
               </a:rPr>
-              <a:t>The offline planner input is a config file.</a:t>
+              <a:t> input is a config file.</a:t>
             </a:r>
           </a:p>
           <a:p>
@@ -35244,13 +34976,21 @@
               <a:buFont typeface="Arial" panose="020B0604020202020204" pitchFamily="34" charset="0"/>
               <a:buChar char="•"/>
             </a:pPr>
+            <a:r>
+              <a:rPr lang="en-US" sz="2400" b="1" dirty="0">
+                <a:solidFill>
+                  <a:srgbClr val="002060"/>
+                </a:solidFill>
+              </a:rPr>
+              <a:t>The offline planner</a:t>
+            </a:r>
             <a:r>
               <a:rPr lang="en-US" sz="2400" dirty="0">
                 <a:solidFill>
                   <a:srgbClr val="002060"/>
                 </a:solidFill>
               </a:rPr>
-              <a:t>The offline planner generate a log file as an output.</a:t>
+              <a:t> generate a log file as an output.</a:t>
             </a:r>
             <a:endParaRPr lang="he-IL" sz="2400" dirty="0">
               <a:solidFill>
